--- a/prsn/20230124_prsn_taira.pptx
+++ b/prsn/20230124_prsn_taira.pptx
@@ -5,10 +5,10 @@
     <p:sldMasterId id="2147484057" r:id="rId1"/>
   </p:sldMasterIdLst>
   <p:notesMasterIdLst>
-    <p:notesMasterId r:id="rId38"/>
+    <p:notesMasterId r:id="rId37"/>
   </p:notesMasterIdLst>
   <p:handoutMasterIdLst>
-    <p:handoutMasterId r:id="rId39"/>
+    <p:handoutMasterId r:id="rId38"/>
   </p:handoutMasterIdLst>
   <p:sldIdLst>
     <p:sldId id="259" r:id="rId2"/>
@@ -18,35 +18,34 @@
     <p:sldId id="264" r:id="rId6"/>
     <p:sldId id="270" r:id="rId7"/>
     <p:sldId id="286" r:id="rId8"/>
-    <p:sldId id="262" r:id="rId9"/>
-    <p:sldId id="269" r:id="rId10"/>
-    <p:sldId id="296" r:id="rId11"/>
-    <p:sldId id="266" r:id="rId12"/>
-    <p:sldId id="273" r:id="rId13"/>
-    <p:sldId id="274" r:id="rId14"/>
-    <p:sldId id="313" r:id="rId15"/>
-    <p:sldId id="287" r:id="rId16"/>
-    <p:sldId id="299" r:id="rId17"/>
-    <p:sldId id="301" r:id="rId18"/>
-    <p:sldId id="297" r:id="rId19"/>
-    <p:sldId id="288" r:id="rId20"/>
-    <p:sldId id="293" r:id="rId21"/>
-    <p:sldId id="291" r:id="rId22"/>
-    <p:sldId id="306" r:id="rId23"/>
-    <p:sldId id="292" r:id="rId24"/>
-    <p:sldId id="304" r:id="rId25"/>
-    <p:sldId id="307" r:id="rId26"/>
-    <p:sldId id="289" r:id="rId27"/>
-    <p:sldId id="278" r:id="rId28"/>
-    <p:sldId id="283" r:id="rId29"/>
-    <p:sldId id="312" r:id="rId30"/>
-    <p:sldId id="303" r:id="rId31"/>
-    <p:sldId id="311" r:id="rId32"/>
-    <p:sldId id="314" r:id="rId33"/>
-    <p:sldId id="290" r:id="rId34"/>
-    <p:sldId id="308" r:id="rId35"/>
-    <p:sldId id="309" r:id="rId36"/>
-    <p:sldId id="310" r:id="rId37"/>
+    <p:sldId id="296" r:id="rId9"/>
+    <p:sldId id="266" r:id="rId10"/>
+    <p:sldId id="273" r:id="rId11"/>
+    <p:sldId id="274" r:id="rId12"/>
+    <p:sldId id="313" r:id="rId13"/>
+    <p:sldId id="287" r:id="rId14"/>
+    <p:sldId id="299" r:id="rId15"/>
+    <p:sldId id="288" r:id="rId16"/>
+    <p:sldId id="293" r:id="rId17"/>
+    <p:sldId id="291" r:id="rId18"/>
+    <p:sldId id="306" r:id="rId19"/>
+    <p:sldId id="292" r:id="rId20"/>
+    <p:sldId id="304" r:id="rId21"/>
+    <p:sldId id="307" r:id="rId22"/>
+    <p:sldId id="289" r:id="rId23"/>
+    <p:sldId id="278" r:id="rId24"/>
+    <p:sldId id="283" r:id="rId25"/>
+    <p:sldId id="312" r:id="rId26"/>
+    <p:sldId id="303" r:id="rId27"/>
+    <p:sldId id="314" r:id="rId28"/>
+    <p:sldId id="290" r:id="rId29"/>
+    <p:sldId id="308" r:id="rId30"/>
+    <p:sldId id="309" r:id="rId31"/>
+    <p:sldId id="310" r:id="rId32"/>
+    <p:sldId id="262" r:id="rId33"/>
+    <p:sldId id="269" r:id="rId34"/>
+    <p:sldId id="301" r:id="rId35"/>
+    <p:sldId id="311" r:id="rId36"/>
   </p:sldIdLst>
   <p:sldSz cx="7561263" cy="5670550"/>
   <p:notesSz cx="7559675" cy="10691813"/>
@@ -911,6 +910,91 @@
     <p:extLst>
       <p:ext uri="{BB962C8B-B14F-4D97-AF65-F5344CB8AC3E}">
         <p14:creationId xmlns:p14="http://schemas.microsoft.com/office/powerpoint/2010/main" val="878096184"/>
+      </p:ext>
+    </p:extLst>
+  </p:cSld>
+  <p:clrMapOvr>
+    <a:masterClrMapping/>
+  </p:clrMapOvr>
+</p:notes>
+</file>
+
+<file path=ppt/notesSlides/notesSlide2.xml><?xml version="1.0" encoding="utf-8"?>
+<p:notes xmlns:a="http://schemas.openxmlformats.org/drawingml/2006/main" xmlns:r="http://schemas.openxmlformats.org/officeDocument/2006/relationships" xmlns:p="http://schemas.openxmlformats.org/presentationml/2006/main">
+  <p:cSld>
+    <p:spTree>
+      <p:nvGrpSpPr>
+        <p:cNvPr id="1" name=""/>
+        <p:cNvGrpSpPr/>
+        <p:nvPr/>
+      </p:nvGrpSpPr>
+      <p:grpSpPr>
+        <a:xfrm>
+          <a:off x="0" y="0"/>
+          <a:ext cx="0" cy="0"/>
+          <a:chOff x="0" y="0"/>
+          <a:chExt cx="0" cy="0"/>
+        </a:xfrm>
+      </p:grpSpPr>
+      <p:sp>
+        <p:nvSpPr>
+          <p:cNvPr id="2" name="スライド イメージ プレースホルダー 1"/>
+          <p:cNvSpPr>
+            <a:spLocks noGrp="1" noRot="1" noChangeAspect="1"/>
+          </p:cNvSpPr>
+          <p:nvPr>
+            <p:ph type="sldImg"/>
+          </p:nvPr>
+        </p:nvSpPr>
+        <p:spPr/>
+      </p:sp>
+      <p:sp>
+        <p:nvSpPr>
+          <p:cNvPr id="3" name="ノート プレースホルダー 2"/>
+          <p:cNvSpPr>
+            <a:spLocks noGrp="1"/>
+          </p:cNvSpPr>
+          <p:nvPr>
+            <p:ph type="body" idx="1"/>
+          </p:nvPr>
+        </p:nvSpPr>
+        <p:spPr/>
+        <p:txBody>
+          <a:bodyPr/>
+          <a:lstStyle/>
+          <a:p>
+            <a:endParaRPr kumimoji="1" lang="ja-JP" altLang="en-US"/>
+          </a:p>
+        </p:txBody>
+      </p:sp>
+      <p:sp>
+        <p:nvSpPr>
+          <p:cNvPr id="4" name="スライド番号プレースホルダー 3"/>
+          <p:cNvSpPr>
+            <a:spLocks noGrp="1"/>
+          </p:cNvSpPr>
+          <p:nvPr>
+            <p:ph type="sldNum" sz="quarter" idx="5"/>
+          </p:nvPr>
+        </p:nvSpPr>
+        <p:spPr/>
+        <p:txBody>
+          <a:bodyPr/>
+          <a:lstStyle/>
+          <a:p>
+            <a:pPr lvl="0"/>
+            <a:fld id="{D4859A6D-CDBD-B344-BF57-2B4BBFE9F422}" type="slidenum">
+              <a:rPr lang="en-US" altLang="ja-JP" smtClean="0"/>
+              <a:t>4</a:t>
+            </a:fld>
+            <a:endParaRPr lang="ja-JP" altLang="en-US"/>
+          </a:p>
+        </p:txBody>
+      </p:sp>
+    </p:spTree>
+    <p:extLst>
+      <p:ext uri="{BB962C8B-B14F-4D97-AF65-F5344CB8AC3E}">
+        <p14:creationId xmlns:p14="http://schemas.microsoft.com/office/powerpoint/2010/main" val="2525175926"/>
       </p:ext>
     </p:extLst>
   </p:cSld>
@@ -4476,7 +4560,7 @@
               <a:rPr lang="ja-JP" altLang="en-US" sz="3600">
                 <a:latin typeface="NotoSansJP"/>
               </a:rPr>
-              <a:t>手法の検討</a:t>
+              <a:t>手法の拡張</a:t>
             </a:r>
             <a:endParaRPr lang="ja-JP" altLang="en-US" sz="3600"/>
           </a:p>
@@ -4583,7 +4667,7 @@
           <p:cNvPr id="2" name="タイトル 1">
             <a:extLst>
               <a:ext uri="{FF2B5EF4-FFF2-40B4-BE49-F238E27FC236}">
-                <a16:creationId xmlns:a16="http://schemas.microsoft.com/office/drawing/2014/main" id="{2569FC57-6D71-779F-E42A-A97CDA775201}"/>
+                <a16:creationId xmlns:a16="http://schemas.microsoft.com/office/drawing/2014/main" id="{D159CF40-CD8C-21A6-0A3D-8CF370B562A6}"/>
               </a:ext>
             </a:extLst>
           </p:cNvPr>
@@ -4600,10 +4684,9 @@
           <a:lstStyle/>
           <a:p>
             <a:r>
-              <a:rPr lang="en-US" altLang="ja-JP" dirty="0" err="1"/>
-              <a:t>gaCNN</a:t>
-            </a:r>
-            <a:endParaRPr kumimoji="1" lang="ja-JP" altLang="en-US"/>
+              <a:rPr kumimoji="1" lang="ja-JP" altLang="en-US"/>
+              <a:t>可変長遺伝子型熱力学的選択ルール</a:t>
+            </a:r>
           </a:p>
         </p:txBody>
       </p:sp>
@@ -4612,7 +4695,7 @@
           <p:cNvPr id="3" name="スライド番号プレースホルダー 2">
             <a:extLst>
               <a:ext uri="{FF2B5EF4-FFF2-40B4-BE49-F238E27FC236}">
-                <a16:creationId xmlns:a16="http://schemas.microsoft.com/office/drawing/2014/main" id="{6CC00B8C-81DD-663C-CA94-75367C1D6D61}"/>
+                <a16:creationId xmlns:a16="http://schemas.microsoft.com/office/drawing/2014/main" id="{37968868-915E-15E5-AB4E-1366F32A281D}"/>
               </a:ext>
             </a:extLst>
           </p:cNvPr>
@@ -4632,506 +4715,6 @@
             <a:fld id="{004900ED-2EFD-2142-93A1-1CBA90FDE07B}" type="slidenum">
               <a:rPr lang="en-US" altLang="ja-JP" smtClean="0"/>
               <a:t>10</a:t>
-            </a:fld>
-            <a:endParaRPr lang="ja-JP" altLang="en-US"/>
-          </a:p>
-        </p:txBody>
-      </p:sp>
-      <p:sp>
-        <p:nvSpPr>
-          <p:cNvPr id="4" name="テキスト ボックス 3">
-            <a:extLst>
-              <a:ext uri="{FF2B5EF4-FFF2-40B4-BE49-F238E27FC236}">
-                <a16:creationId xmlns:a16="http://schemas.microsoft.com/office/drawing/2014/main" id="{25A4C493-2CAF-EE11-F549-AE982F7E8644}"/>
-              </a:ext>
-            </a:extLst>
-          </p:cNvPr>
-          <p:cNvSpPr txBox="1"/>
-          <p:nvPr/>
-        </p:nvSpPr>
-        <p:spPr>
-          <a:xfrm>
-            <a:off x="402142" y="1800225"/>
-            <a:ext cx="6449201" cy="1415772"/>
-          </a:xfrm>
-          <a:prstGeom prst="rect">
-            <a:avLst/>
-          </a:prstGeom>
-          <a:noFill/>
-        </p:spPr>
-        <p:txBody>
-          <a:bodyPr wrap="none" rtlCol="0">
-            <a:spAutoFit/>
-          </a:bodyPr>
-          <a:lstStyle/>
-          <a:p>
-            <a:pPr marL="285750" indent="-285750">
-              <a:buFont typeface="Wingdings" pitchFamily="2" charset="2"/>
-              <a:buChar char="p"/>
-            </a:pPr>
-            <a:r>
-              <a:rPr kumimoji="1" lang="en-US" altLang="ja-JP" sz="2400" dirty="0"/>
-              <a:t>CNN </a:t>
-            </a:r>
-            <a:r>
-              <a:rPr kumimoji="1" lang="ja-JP" altLang="en-US" sz="2400"/>
-              <a:t>の構造を遺伝子符号化</a:t>
-            </a:r>
-            <a:endParaRPr kumimoji="1" lang="en-US" altLang="ja-JP" sz="2400" dirty="0"/>
-          </a:p>
-          <a:p>
-            <a:pPr marL="285750" indent="-285750">
-              <a:buFont typeface="Wingdings" pitchFamily="2" charset="2"/>
-              <a:buChar char="p"/>
-            </a:pPr>
-            <a:endParaRPr lang="en-US" altLang="ja-JP" sz="1400" dirty="0"/>
-          </a:p>
-          <a:p>
-            <a:pPr marL="285750" indent="-285750">
-              <a:buFont typeface="Wingdings" pitchFamily="2" charset="2"/>
-              <a:buChar char="p"/>
-            </a:pPr>
-            <a:r>
-              <a:rPr kumimoji="1" lang="en-US" altLang="ja-JP" sz="2400" dirty="0"/>
-              <a:t>GA </a:t>
-            </a:r>
-            <a:r>
-              <a:rPr kumimoji="1" lang="ja-JP" altLang="en-US" sz="2400"/>
-              <a:t>による探索でより良い</a:t>
-            </a:r>
-            <a:r>
-              <a:rPr kumimoji="1" lang="en-US" altLang="ja-JP" sz="2400" dirty="0"/>
-              <a:t> CNN </a:t>
-            </a:r>
-            <a:r>
-              <a:rPr kumimoji="1" lang="ja-JP" altLang="en-US" sz="2400"/>
-              <a:t>構造を獲得</a:t>
-            </a:r>
-            <a:endParaRPr kumimoji="1" lang="en-US" altLang="ja-JP" sz="2400" dirty="0"/>
-          </a:p>
-          <a:p>
-            <a:pPr marL="285750" indent="-285750">
-              <a:buFont typeface="Wingdings" pitchFamily="2" charset="2"/>
-              <a:buChar char="p"/>
-            </a:pPr>
-            <a:endParaRPr kumimoji="1" lang="ja-JP" altLang="en-US" sz="2400"/>
-          </a:p>
-        </p:txBody>
-      </p:sp>
-      <p:sp>
-        <p:nvSpPr>
-          <p:cNvPr id="5" name="下矢印 4">
-            <a:extLst>
-              <a:ext uri="{FF2B5EF4-FFF2-40B4-BE49-F238E27FC236}">
-                <a16:creationId xmlns:a16="http://schemas.microsoft.com/office/drawing/2014/main" id="{CF69F22C-543F-EC8D-58E2-2CAC31FC96BB}"/>
-              </a:ext>
-            </a:extLst>
-          </p:cNvPr>
-          <p:cNvSpPr/>
-          <p:nvPr/>
-        </p:nvSpPr>
-        <p:spPr>
-          <a:xfrm>
-            <a:off x="3332441" y="2940446"/>
-            <a:ext cx="896380" cy="551101"/>
-          </a:xfrm>
-          <a:prstGeom prst="downArrow">
-            <a:avLst/>
-          </a:prstGeom>
-          <a:solidFill>
-            <a:schemeClr val="bg1"/>
-          </a:solidFill>
-          <a:ln>
-            <a:solidFill>
-              <a:schemeClr val="tx1"/>
-            </a:solidFill>
-          </a:ln>
-        </p:spPr>
-        <p:style>
-          <a:lnRef idx="2">
-            <a:schemeClr val="accent1">
-              <a:shade val="50000"/>
-            </a:schemeClr>
-          </a:lnRef>
-          <a:fillRef idx="1">
-            <a:schemeClr val="accent1"/>
-          </a:fillRef>
-          <a:effectRef idx="0">
-            <a:schemeClr val="accent1"/>
-          </a:effectRef>
-          <a:fontRef idx="minor">
-            <a:schemeClr val="lt1"/>
-          </a:fontRef>
-        </p:style>
-        <p:txBody>
-          <a:bodyPr rtlCol="0" anchor="ctr"/>
-          <a:lstStyle/>
-          <a:p>
-            <a:pPr algn="ctr"/>
-            <a:endParaRPr kumimoji="1" lang="ja-JP" altLang="en-US"/>
-          </a:p>
-        </p:txBody>
-      </p:sp>
-      <p:sp>
-        <p:nvSpPr>
-          <p:cNvPr id="6" name="テキスト ボックス 5">
-            <a:extLst>
-              <a:ext uri="{FF2B5EF4-FFF2-40B4-BE49-F238E27FC236}">
-                <a16:creationId xmlns:a16="http://schemas.microsoft.com/office/drawing/2014/main" id="{AC4D8050-A0F0-4E1B-5D8E-C824CA9B90CF}"/>
-              </a:ext>
-            </a:extLst>
-          </p:cNvPr>
-          <p:cNvSpPr txBox="1"/>
-          <p:nvPr/>
-        </p:nvSpPr>
-        <p:spPr>
-          <a:xfrm>
-            <a:off x="519837" y="3656767"/>
-            <a:ext cx="6529851" cy="830997"/>
-          </a:xfrm>
-          <a:prstGeom prst="rect">
-            <a:avLst/>
-          </a:prstGeom>
-          <a:noFill/>
-        </p:spPr>
-        <p:txBody>
-          <a:bodyPr wrap="square" rtlCol="0">
-            <a:spAutoFit/>
-          </a:bodyPr>
-          <a:lstStyle/>
-          <a:p>
-            <a:r>
-              <a:rPr kumimoji="1" lang="en-US" altLang="ja-JP" sz="2400" dirty="0" err="1"/>
-              <a:t>FashionMNIST</a:t>
-            </a:r>
-            <a:r>
-              <a:rPr kumimoji="1" lang="en-US" altLang="ja-JP" sz="2400" dirty="0"/>
-              <a:t>, MNIST </a:t>
-            </a:r>
-            <a:r>
-              <a:rPr kumimoji="1" lang="ja-JP" altLang="en-US" sz="2400"/>
-              <a:t>で競合</a:t>
-            </a:r>
-            <a:r>
-              <a:rPr kumimoji="1" lang="en-US" altLang="ja-JP" sz="2400" dirty="0"/>
-              <a:t> 16 </a:t>
-            </a:r>
-            <a:r>
-              <a:rPr kumimoji="1" lang="ja-JP" altLang="en-US" sz="2400"/>
-              <a:t>手法のうち</a:t>
-            </a:r>
-            <a:r>
-              <a:rPr kumimoji="1" lang="en-US" altLang="ja-JP" sz="2400" dirty="0"/>
-              <a:t> 12 </a:t>
-            </a:r>
-            <a:r>
-              <a:rPr kumimoji="1" lang="ja-JP" altLang="en-US" sz="2400"/>
-              <a:t>手法の精度を凌駕</a:t>
-            </a:r>
-          </a:p>
-        </p:txBody>
-      </p:sp>
-    </p:spTree>
-    <p:extLst>
-      <p:ext uri="{BB962C8B-B14F-4D97-AF65-F5344CB8AC3E}">
-        <p14:creationId xmlns:p14="http://schemas.microsoft.com/office/powerpoint/2010/main" val="3561767430"/>
-      </p:ext>
-    </p:extLst>
-  </p:cSld>
-  <p:clrMapOvr>
-    <a:masterClrMapping/>
-  </p:clrMapOvr>
-</p:sld>
-</file>
-
-<file path=ppt/slides/slide11.xml><?xml version="1.0" encoding="utf-8"?>
-<p:sld xmlns:a="http://schemas.openxmlformats.org/drawingml/2006/main" xmlns:r="http://schemas.openxmlformats.org/officeDocument/2006/relationships" xmlns:p="http://schemas.openxmlformats.org/presentationml/2006/main">
-  <p:cSld>
-    <p:spTree>
-      <p:nvGrpSpPr>
-        <p:cNvPr id="1" name=""/>
-        <p:cNvGrpSpPr/>
-        <p:nvPr/>
-      </p:nvGrpSpPr>
-      <p:grpSpPr>
-        <a:xfrm>
-          <a:off x="0" y="0"/>
-          <a:ext cx="0" cy="0"/>
-          <a:chOff x="0" y="0"/>
-          <a:chExt cx="0" cy="0"/>
-        </a:xfrm>
-      </p:grpSpPr>
-      <p:sp>
-        <p:nvSpPr>
-          <p:cNvPr id="2" name="タイトル 1">
-            <a:extLst>
-              <a:ext uri="{FF2B5EF4-FFF2-40B4-BE49-F238E27FC236}">
-                <a16:creationId xmlns:a16="http://schemas.microsoft.com/office/drawing/2014/main" id="{D159CF40-CD8C-21A6-0A3D-8CF370B562A6}"/>
-              </a:ext>
-            </a:extLst>
-          </p:cNvPr>
-          <p:cNvSpPr>
-            <a:spLocks noGrp="1"/>
-          </p:cNvSpPr>
-          <p:nvPr>
-            <p:ph type="title"/>
-          </p:nvPr>
-        </p:nvSpPr>
-        <p:spPr/>
-        <p:txBody>
-          <a:bodyPr/>
-          <a:lstStyle/>
-          <a:p>
-            <a:r>
-              <a:rPr kumimoji="1" lang="ja-JP" altLang="en-US"/>
-              <a:t>熱力学的遺伝アルゴリズム</a:t>
-            </a:r>
-          </a:p>
-        </p:txBody>
-      </p:sp>
-      <p:sp>
-        <p:nvSpPr>
-          <p:cNvPr id="3" name="スライド番号プレースホルダー 2">
-            <a:extLst>
-              <a:ext uri="{FF2B5EF4-FFF2-40B4-BE49-F238E27FC236}">
-                <a16:creationId xmlns:a16="http://schemas.microsoft.com/office/drawing/2014/main" id="{37968868-915E-15E5-AB4E-1366F32A281D}"/>
-              </a:ext>
-            </a:extLst>
-          </p:cNvPr>
-          <p:cNvSpPr>
-            <a:spLocks noGrp="1"/>
-          </p:cNvSpPr>
-          <p:nvPr>
-            <p:ph type="sldNum" sz="quarter" idx="12"/>
-          </p:nvPr>
-        </p:nvSpPr>
-        <p:spPr/>
-        <p:txBody>
-          <a:bodyPr/>
-          <a:lstStyle/>
-          <a:p>
-            <a:pPr lvl="0"/>
-            <a:fld id="{004900ED-2EFD-2142-93A1-1CBA90FDE07B}" type="slidenum">
-              <a:rPr lang="en-US" altLang="ja-JP" smtClean="0"/>
-              <a:t>11</a:t>
-            </a:fld>
-            <a:endParaRPr lang="ja-JP" altLang="en-US"/>
-          </a:p>
-        </p:txBody>
-      </p:sp>
-      <p:sp>
-        <p:nvSpPr>
-          <p:cNvPr id="4" name="テキスト ボックス 3">
-            <a:extLst>
-              <a:ext uri="{FF2B5EF4-FFF2-40B4-BE49-F238E27FC236}">
-                <a16:creationId xmlns:a16="http://schemas.microsoft.com/office/drawing/2014/main" id="{C90B63DA-86FE-BCFD-909B-51617E6B3CDE}"/>
-              </a:ext>
-            </a:extLst>
-          </p:cNvPr>
-          <p:cNvSpPr txBox="1"/>
-          <p:nvPr/>
-        </p:nvSpPr>
-        <p:spPr>
-          <a:xfrm>
-            <a:off x="246650" y="1541288"/>
-            <a:ext cx="7067961" cy="4241674"/>
-          </a:xfrm>
-          <a:prstGeom prst="rect">
-            <a:avLst/>
-          </a:prstGeom>
-          <a:noFill/>
-        </p:spPr>
-        <p:txBody>
-          <a:bodyPr wrap="none" rtlCol="0">
-            <a:spAutoFit/>
-          </a:bodyPr>
-          <a:lstStyle/>
-          <a:p>
-            <a:pPr marL="457200" indent="-457200">
-              <a:lnSpc>
-                <a:spcPct val="150000"/>
-              </a:lnSpc>
-              <a:buFont typeface="Wingdings" pitchFamily="2" charset="2"/>
-              <a:buChar char="p"/>
-            </a:pPr>
-            <a:r>
-              <a:rPr kumimoji="1" lang="ja-JP" altLang="en-US" sz="2400"/>
-              <a:t>熱力学的遺伝アルゴリズム</a:t>
-            </a:r>
-            <a:br>
-              <a:rPr kumimoji="1" lang="en-US" altLang="ja-JP" sz="2400" dirty="0"/>
-            </a:br>
-            <a:r>
-              <a:rPr kumimoji="1" lang="en-US" altLang="ja-JP" sz="2400" dirty="0"/>
-              <a:t>(Thermodynamical Genetic Algorithm: TDGA)</a:t>
-            </a:r>
-          </a:p>
-          <a:p>
-            <a:pPr marL="914400" lvl="1" indent="-457200">
-              <a:lnSpc>
-                <a:spcPct val="150000"/>
-              </a:lnSpc>
-              <a:buFont typeface="Wingdings" pitchFamily="2" charset="2"/>
-              <a:buChar char="p"/>
-            </a:pPr>
-            <a:r>
-              <a:rPr lang="en-US" altLang="ja-JP" sz="2400" dirty="0"/>
-              <a:t>GA</a:t>
-            </a:r>
-            <a:r>
-              <a:rPr kumimoji="1" lang="en-US" altLang="ja-JP" sz="2400" dirty="0"/>
-              <a:t> </a:t>
-            </a:r>
-            <a:r>
-              <a:rPr kumimoji="1" lang="ja-JP" altLang="en-US" sz="2400"/>
-              <a:t>に熱力学的選択ルールを適用</a:t>
-            </a:r>
-            <a:endParaRPr kumimoji="1" lang="en-US" altLang="ja-JP" sz="2400" dirty="0"/>
-          </a:p>
-          <a:p>
-            <a:pPr marL="914400" lvl="1" indent="-457200">
-              <a:lnSpc>
-                <a:spcPct val="150000"/>
-              </a:lnSpc>
-              <a:buFont typeface="Wingdings" pitchFamily="2" charset="2"/>
-              <a:buChar char="p"/>
-            </a:pPr>
-            <a:endParaRPr kumimoji="1" lang="en-US" altLang="ja-JP" sz="1400" dirty="0"/>
-          </a:p>
-          <a:p>
-            <a:pPr marL="914400" lvl="1" indent="-457200">
-              <a:lnSpc>
-                <a:spcPct val="150000"/>
-              </a:lnSpc>
-              <a:buFont typeface="Wingdings" pitchFamily="2" charset="2"/>
-              <a:buChar char="p"/>
-            </a:pPr>
-            <a:r>
-              <a:rPr lang="ja-JP" altLang="en-US" sz="2400"/>
-              <a:t>個体の多様性を維持することがねらい</a:t>
-            </a:r>
-            <a:br>
-              <a:rPr lang="en-US" altLang="ja-JP" sz="2400" dirty="0"/>
-            </a:br>
-            <a:r>
-              <a:rPr lang="en-US" altLang="ja-JP" sz="2400" dirty="0"/>
-              <a:t>→ </a:t>
-            </a:r>
-            <a:r>
-              <a:rPr kumimoji="1" lang="ja-JP" altLang="en-US" sz="2400">
-                <a:solidFill>
-                  <a:srgbClr val="FF0000"/>
-                </a:solidFill>
-              </a:rPr>
-              <a:t>初期収束問題の解消</a:t>
-            </a:r>
-            <a:endParaRPr kumimoji="1" lang="en-US" altLang="ja-JP" sz="2400" dirty="0"/>
-          </a:p>
-          <a:p>
-            <a:pPr marL="914400" lvl="1" indent="-457200">
-              <a:lnSpc>
-                <a:spcPct val="150000"/>
-              </a:lnSpc>
-              <a:buFont typeface="Wingdings" pitchFamily="2" charset="2"/>
-              <a:buChar char="p"/>
-            </a:pPr>
-            <a:endParaRPr kumimoji="1" lang="en-US" altLang="ja-JP" sz="2400" dirty="0"/>
-          </a:p>
-          <a:p>
-            <a:pPr marL="914400" lvl="1" indent="-457200">
-              <a:lnSpc>
-                <a:spcPct val="150000"/>
-              </a:lnSpc>
-              <a:buFont typeface="Wingdings" pitchFamily="2" charset="2"/>
-              <a:buChar char="p"/>
-            </a:pPr>
-            <a:endParaRPr kumimoji="1" lang="en-US" altLang="ja-JP" sz="2400" dirty="0"/>
-          </a:p>
-        </p:txBody>
-      </p:sp>
-    </p:spTree>
-    <p:extLst>
-      <p:ext uri="{BB962C8B-B14F-4D97-AF65-F5344CB8AC3E}">
-        <p14:creationId xmlns:p14="http://schemas.microsoft.com/office/powerpoint/2010/main" val="842676182"/>
-      </p:ext>
-    </p:extLst>
-  </p:cSld>
-  <p:clrMapOvr>
-    <a:masterClrMapping/>
-  </p:clrMapOvr>
-</p:sld>
-</file>
-
-<file path=ppt/slides/slide12.xml><?xml version="1.0" encoding="utf-8"?>
-<p:sld xmlns:a="http://schemas.openxmlformats.org/drawingml/2006/main" xmlns:r="http://schemas.openxmlformats.org/officeDocument/2006/relationships" xmlns:p="http://schemas.openxmlformats.org/presentationml/2006/main">
-  <p:cSld>
-    <p:spTree>
-      <p:nvGrpSpPr>
-        <p:cNvPr id="1" name=""/>
-        <p:cNvGrpSpPr/>
-        <p:nvPr/>
-      </p:nvGrpSpPr>
-      <p:grpSpPr>
-        <a:xfrm>
-          <a:off x="0" y="0"/>
-          <a:ext cx="0" cy="0"/>
-          <a:chOff x="0" y="0"/>
-          <a:chExt cx="0" cy="0"/>
-        </a:xfrm>
-      </p:grpSpPr>
-      <p:sp>
-        <p:nvSpPr>
-          <p:cNvPr id="2" name="タイトル 1">
-            <a:extLst>
-              <a:ext uri="{FF2B5EF4-FFF2-40B4-BE49-F238E27FC236}">
-                <a16:creationId xmlns:a16="http://schemas.microsoft.com/office/drawing/2014/main" id="{D159CF40-CD8C-21A6-0A3D-8CF370B562A6}"/>
-              </a:ext>
-            </a:extLst>
-          </p:cNvPr>
-          <p:cNvSpPr>
-            <a:spLocks noGrp="1"/>
-          </p:cNvSpPr>
-          <p:nvPr>
-            <p:ph type="title"/>
-          </p:nvPr>
-        </p:nvSpPr>
-        <p:spPr/>
-        <p:txBody>
-          <a:bodyPr/>
-          <a:lstStyle/>
-          <a:p>
-            <a:r>
-              <a:rPr kumimoji="1" lang="ja-JP" altLang="en-US"/>
-              <a:t>可変長遺伝子型熱力学的選択ルール</a:t>
-            </a:r>
-          </a:p>
-        </p:txBody>
-      </p:sp>
-      <p:sp>
-        <p:nvSpPr>
-          <p:cNvPr id="3" name="スライド番号プレースホルダー 2">
-            <a:extLst>
-              <a:ext uri="{FF2B5EF4-FFF2-40B4-BE49-F238E27FC236}">
-                <a16:creationId xmlns:a16="http://schemas.microsoft.com/office/drawing/2014/main" id="{37968868-915E-15E5-AB4E-1366F32A281D}"/>
-              </a:ext>
-            </a:extLst>
-          </p:cNvPr>
-          <p:cNvSpPr>
-            <a:spLocks noGrp="1"/>
-          </p:cNvSpPr>
-          <p:nvPr>
-            <p:ph type="sldNum" sz="quarter" idx="12"/>
-          </p:nvPr>
-        </p:nvSpPr>
-        <p:spPr/>
-        <p:txBody>
-          <a:bodyPr/>
-          <a:lstStyle/>
-          <a:p>
-            <a:pPr lvl="0"/>
-            <a:fld id="{004900ED-2EFD-2142-93A1-1CBA90FDE07B}" type="slidenum">
-              <a:rPr lang="en-US" altLang="ja-JP" smtClean="0"/>
-              <a:t>12</a:t>
             </a:fld>
             <a:endParaRPr lang="ja-JP" altLang="en-US"/>
           </a:p>
@@ -5515,7 +5098,7 @@
 </p:sld>
 </file>
 
-<file path=ppt/slides/slide13.xml><?xml version="1.0" encoding="utf-8"?>
+<file path=ppt/slides/slide11.xml><?xml version="1.0" encoding="utf-8"?>
 <p:sld xmlns:a="http://schemas.openxmlformats.org/drawingml/2006/main" xmlns:r="http://schemas.openxmlformats.org/officeDocument/2006/relationships" xmlns:p="http://schemas.openxmlformats.org/presentationml/2006/main">
   <p:cSld>
     <p:spTree>
@@ -5584,7 +5167,7 @@
             <a:pPr lvl="0"/>
             <a:fld id="{004900ED-2EFD-2142-93A1-1CBA90FDE07B}" type="slidenum">
               <a:rPr lang="en-US" altLang="ja-JP" smtClean="0"/>
-              <a:t>13</a:t>
+              <a:t>11</a:t>
             </a:fld>
             <a:endParaRPr lang="ja-JP" altLang="en-US"/>
           </a:p>
@@ -5769,7 +5352,7 @@
 </p:sld>
 </file>
 
-<file path=ppt/slides/slide14.xml><?xml version="1.0" encoding="utf-8"?>
+<file path=ppt/slides/slide12.xml><?xml version="1.0" encoding="utf-8"?>
 <p:sld xmlns:a="http://schemas.openxmlformats.org/drawingml/2006/main" xmlns:r="http://schemas.openxmlformats.org/officeDocument/2006/relationships" xmlns:p="http://schemas.openxmlformats.org/presentationml/2006/main">
   <p:cSld>
     <p:spTree>
@@ -5838,7 +5421,7 @@
             <a:pPr lvl="0"/>
             <a:fld id="{004900ED-2EFD-2142-93A1-1CBA90FDE07B}" type="slidenum">
               <a:rPr lang="en-US" altLang="ja-JP" smtClean="0"/>
-              <a:t>14</a:t>
+              <a:t>12</a:t>
             </a:fld>
             <a:endParaRPr lang="ja-JP" altLang="en-US"/>
           </a:p>
@@ -5954,8 +5537,8 @@
           </a:prstGeom>
         </p:spPr>
       </p:pic>
-      <mc:AlternateContent xmlns:mc="http://schemas.openxmlformats.org/markup-compatibility/2006">
-        <mc:Choice xmlns:a14="http://schemas.microsoft.com/office/drawing/2010/main" Requires="a14">
+      <mc:AlternateContent xmlns:mc="http://schemas.openxmlformats.org/markup-compatibility/2006" xmlns:a14="http://schemas.microsoft.com/office/drawing/2010/main">
+        <mc:Choice Requires="a14">
           <p:sp>
             <p:nvSpPr>
               <p:cNvPr id="5" name="テキスト ボックス 4">
@@ -6031,7 +5614,7 @@
             </p:txBody>
           </p:sp>
         </mc:Choice>
-        <mc:Fallback>
+        <mc:Fallback xmlns="">
           <p:sp>
             <p:nvSpPr>
               <p:cNvPr id="5" name="テキスト ボックス 4">
@@ -6089,6 +5672,426 @@
 </p:sld>
 </file>
 
+<file path=ppt/slides/slide13.xml><?xml version="1.0" encoding="utf-8"?>
+<p:sld xmlns:a="http://schemas.openxmlformats.org/drawingml/2006/main" xmlns:r="http://schemas.openxmlformats.org/officeDocument/2006/relationships" xmlns:p="http://schemas.openxmlformats.org/presentationml/2006/main">
+  <p:cSld>
+    <p:spTree>
+      <p:nvGrpSpPr>
+        <p:cNvPr id="1" name=""/>
+        <p:cNvGrpSpPr/>
+        <p:nvPr/>
+      </p:nvGrpSpPr>
+      <p:grpSpPr>
+        <a:xfrm>
+          <a:off x="0" y="0"/>
+          <a:ext cx="0" cy="0"/>
+          <a:chOff x="0" y="0"/>
+          <a:chExt cx="0" cy="0"/>
+        </a:xfrm>
+      </p:grpSpPr>
+      <p:sp>
+        <p:nvSpPr>
+          <p:cNvPr id="2" name="タイトル 1">
+            <a:extLst>
+              <a:ext uri="{FF2B5EF4-FFF2-40B4-BE49-F238E27FC236}">
+                <a16:creationId xmlns:a16="http://schemas.microsoft.com/office/drawing/2014/main" id="{DA6841C3-0E6C-BFA1-5D04-4112F1117102}"/>
+              </a:ext>
+            </a:extLst>
+          </p:cNvPr>
+          <p:cNvSpPr>
+            <a:spLocks noGrp="1"/>
+          </p:cNvSpPr>
+          <p:nvPr>
+            <p:ph type="title"/>
+          </p:nvPr>
+        </p:nvSpPr>
+        <p:spPr/>
+        <p:txBody>
+          <a:bodyPr/>
+          <a:lstStyle/>
+          <a:p>
+            <a:r>
+              <a:rPr kumimoji="1" lang="ja-JP" altLang="en-US"/>
+              <a:t>目次</a:t>
+            </a:r>
+          </a:p>
+        </p:txBody>
+      </p:sp>
+      <p:sp>
+        <p:nvSpPr>
+          <p:cNvPr id="4" name="スライド番号プレースホルダー 3">
+            <a:extLst>
+              <a:ext uri="{FF2B5EF4-FFF2-40B4-BE49-F238E27FC236}">
+                <a16:creationId xmlns:a16="http://schemas.microsoft.com/office/drawing/2014/main" id="{20D20625-8135-BA1D-11A0-E3466265CE7C}"/>
+              </a:ext>
+            </a:extLst>
+          </p:cNvPr>
+          <p:cNvSpPr>
+            <a:spLocks noGrp="1"/>
+          </p:cNvSpPr>
+          <p:nvPr>
+            <p:ph type="sldNum" sz="quarter" idx="12"/>
+          </p:nvPr>
+        </p:nvSpPr>
+        <p:spPr/>
+        <p:txBody>
+          <a:bodyPr/>
+          <a:lstStyle/>
+          <a:p>
+            <a:pPr lvl="0"/>
+            <a:fld id="{004900ED-2EFD-2142-93A1-1CBA90FDE07B}" type="slidenum">
+              <a:rPr lang="en-US" altLang="ja-JP" smtClean="0"/>
+              <a:t>13</a:t>
+            </a:fld>
+            <a:endParaRPr lang="ja-JP" altLang="en-US"/>
+          </a:p>
+        </p:txBody>
+      </p:sp>
+      <p:sp>
+        <p:nvSpPr>
+          <p:cNvPr id="3" name="テキスト ボックス 2">
+            <a:extLst>
+              <a:ext uri="{FF2B5EF4-FFF2-40B4-BE49-F238E27FC236}">
+                <a16:creationId xmlns:a16="http://schemas.microsoft.com/office/drawing/2014/main" id="{CFCE3529-0348-FAC9-4C81-ACEA9BA72623}"/>
+              </a:ext>
+            </a:extLst>
+          </p:cNvPr>
+          <p:cNvSpPr txBox="1"/>
+          <p:nvPr/>
+        </p:nvSpPr>
+        <p:spPr>
+          <a:xfrm>
+            <a:off x="919691" y="1259079"/>
+            <a:ext cx="3877985" cy="3909917"/>
+          </a:xfrm>
+          <a:prstGeom prst="rect">
+            <a:avLst/>
+          </a:prstGeom>
+          <a:noFill/>
+        </p:spPr>
+        <p:txBody>
+          <a:bodyPr wrap="none" rtlCol="0">
+            <a:spAutoFit/>
+          </a:bodyPr>
+          <a:lstStyle/>
+          <a:p>
+            <a:pPr marL="457200" indent="-457200">
+              <a:lnSpc>
+                <a:spcPct val="150000"/>
+              </a:lnSpc>
+              <a:buFont typeface="Wingdings" pitchFamily="2" charset="2"/>
+              <a:buChar char="Ø"/>
+            </a:pPr>
+            <a:r>
+              <a:rPr lang="ja-JP" altLang="en-US" sz="2800">
+                <a:solidFill>
+                  <a:schemeClr val="bg2">
+                    <a:lumMod val="75000"/>
+                  </a:schemeClr>
+                </a:solidFill>
+              </a:rPr>
+              <a:t>はじめに</a:t>
+            </a:r>
+            <a:endParaRPr lang="en-US" altLang="ja-JP" sz="2800" dirty="0">
+              <a:solidFill>
+                <a:schemeClr val="bg2">
+                  <a:lumMod val="75000"/>
+                </a:schemeClr>
+              </a:solidFill>
+            </a:endParaRPr>
+          </a:p>
+          <a:p>
+            <a:pPr marL="457200" indent="-457200">
+              <a:lnSpc>
+                <a:spcPct val="150000"/>
+              </a:lnSpc>
+              <a:buFont typeface="Wingdings" pitchFamily="2" charset="2"/>
+              <a:buChar char="Ø"/>
+            </a:pPr>
+            <a:r>
+              <a:rPr lang="ja-JP" altLang="en-US" sz="2800">
+                <a:solidFill>
+                  <a:schemeClr val="bg2">
+                    <a:lumMod val="75000"/>
+                  </a:schemeClr>
+                </a:solidFill>
+              </a:rPr>
+              <a:t>要素技術</a:t>
+            </a:r>
+            <a:endParaRPr lang="en-US" altLang="ja-JP" sz="2800" dirty="0">
+              <a:solidFill>
+                <a:schemeClr val="bg2">
+                  <a:lumMod val="75000"/>
+                </a:schemeClr>
+              </a:solidFill>
+            </a:endParaRPr>
+          </a:p>
+          <a:p>
+            <a:pPr marL="457200" indent="-457200">
+              <a:lnSpc>
+                <a:spcPct val="150000"/>
+              </a:lnSpc>
+              <a:buFont typeface="Wingdings" pitchFamily="2" charset="2"/>
+              <a:buChar char="Ø"/>
+            </a:pPr>
+            <a:r>
+              <a:rPr lang="ja-JP" altLang="en-US" sz="2800"/>
+              <a:t>提案手法</a:t>
+            </a:r>
+            <a:endParaRPr lang="en-US" altLang="ja-JP" sz="2800" dirty="0"/>
+          </a:p>
+          <a:p>
+            <a:pPr marL="457200" indent="-457200">
+              <a:lnSpc>
+                <a:spcPct val="150000"/>
+              </a:lnSpc>
+              <a:buFont typeface="Wingdings" pitchFamily="2" charset="2"/>
+              <a:buChar char="Ø"/>
+            </a:pPr>
+            <a:r>
+              <a:rPr lang="ja-JP" altLang="en-US" sz="2800">
+                <a:solidFill>
+                  <a:schemeClr val="bg2">
+                    <a:lumMod val="75000"/>
+                  </a:schemeClr>
+                </a:solidFill>
+              </a:rPr>
+              <a:t>実験概要</a:t>
+            </a:r>
+            <a:endParaRPr lang="en-US" altLang="ja-JP" sz="2800" dirty="0">
+              <a:solidFill>
+                <a:schemeClr val="bg2">
+                  <a:lumMod val="75000"/>
+                </a:schemeClr>
+              </a:solidFill>
+            </a:endParaRPr>
+          </a:p>
+          <a:p>
+            <a:pPr marL="457200" indent="-457200">
+              <a:lnSpc>
+                <a:spcPct val="150000"/>
+              </a:lnSpc>
+              <a:buFont typeface="Wingdings" pitchFamily="2" charset="2"/>
+              <a:buChar char="Ø"/>
+            </a:pPr>
+            <a:r>
+              <a:rPr lang="ja-JP" altLang="en-US" sz="2800">
+                <a:solidFill>
+                  <a:schemeClr val="bg2">
+                    <a:lumMod val="75000"/>
+                  </a:schemeClr>
+                </a:solidFill>
+              </a:rPr>
+              <a:t>実験結果</a:t>
+            </a:r>
+            <a:endParaRPr lang="en-US" altLang="ja-JP" sz="2800" dirty="0">
+              <a:solidFill>
+                <a:schemeClr val="bg2">
+                  <a:lumMod val="75000"/>
+                </a:schemeClr>
+              </a:solidFill>
+            </a:endParaRPr>
+          </a:p>
+          <a:p>
+            <a:pPr marL="457200" indent="-457200">
+              <a:lnSpc>
+                <a:spcPct val="150000"/>
+              </a:lnSpc>
+              <a:buFont typeface="Wingdings" pitchFamily="2" charset="2"/>
+              <a:buChar char="Ø"/>
+            </a:pPr>
+            <a:r>
+              <a:rPr lang="ja-JP" altLang="en-US" sz="2800">
+                <a:solidFill>
+                  <a:schemeClr val="bg2">
+                    <a:lumMod val="75000"/>
+                  </a:schemeClr>
+                </a:solidFill>
+              </a:rPr>
+              <a:t>まとめと今後の課題</a:t>
+            </a:r>
+          </a:p>
+        </p:txBody>
+      </p:sp>
+    </p:spTree>
+    <p:extLst>
+      <p:ext uri="{BB962C8B-B14F-4D97-AF65-F5344CB8AC3E}">
+        <p14:creationId xmlns:p14="http://schemas.microsoft.com/office/powerpoint/2010/main" val="574755821"/>
+      </p:ext>
+    </p:extLst>
+  </p:cSld>
+  <p:clrMapOvr>
+    <a:masterClrMapping/>
+  </p:clrMapOvr>
+</p:sld>
+</file>
+
+<file path=ppt/slides/slide14.xml><?xml version="1.0" encoding="utf-8"?>
+<p:sld xmlns:a="http://schemas.openxmlformats.org/drawingml/2006/main" xmlns:r="http://schemas.openxmlformats.org/officeDocument/2006/relationships" xmlns:p="http://schemas.openxmlformats.org/presentationml/2006/main">
+  <p:cSld>
+    <p:spTree>
+      <p:nvGrpSpPr>
+        <p:cNvPr id="1" name=""/>
+        <p:cNvGrpSpPr/>
+        <p:nvPr/>
+      </p:nvGrpSpPr>
+      <p:grpSpPr>
+        <a:xfrm>
+          <a:off x="0" y="0"/>
+          <a:ext cx="0" cy="0"/>
+          <a:chOff x="0" y="0"/>
+          <a:chExt cx="0" cy="0"/>
+        </a:xfrm>
+      </p:grpSpPr>
+      <p:sp>
+        <p:nvSpPr>
+          <p:cNvPr id="2" name="タイトル 1">
+            <a:extLst>
+              <a:ext uri="{FF2B5EF4-FFF2-40B4-BE49-F238E27FC236}">
+                <a16:creationId xmlns:a16="http://schemas.microsoft.com/office/drawing/2014/main" id="{76443BED-D7A2-853C-9B3B-24E72CB78193}"/>
+              </a:ext>
+            </a:extLst>
+          </p:cNvPr>
+          <p:cNvSpPr>
+            <a:spLocks noGrp="1"/>
+          </p:cNvSpPr>
+          <p:nvPr>
+            <p:ph type="title"/>
+          </p:nvPr>
+        </p:nvSpPr>
+        <p:spPr/>
+        <p:txBody>
+          <a:bodyPr/>
+          <a:lstStyle/>
+          <a:p>
+            <a:r>
+              <a:rPr kumimoji="1" lang="ja-JP" altLang="en-US"/>
+              <a:t>提案手法</a:t>
+            </a:r>
+          </a:p>
+        </p:txBody>
+      </p:sp>
+      <p:sp>
+        <p:nvSpPr>
+          <p:cNvPr id="3" name="スライド番号プレースホルダー 2">
+            <a:extLst>
+              <a:ext uri="{FF2B5EF4-FFF2-40B4-BE49-F238E27FC236}">
+                <a16:creationId xmlns:a16="http://schemas.microsoft.com/office/drawing/2014/main" id="{D401D9D2-41F3-D84E-EF30-573B911C1397}"/>
+              </a:ext>
+            </a:extLst>
+          </p:cNvPr>
+          <p:cNvSpPr>
+            <a:spLocks noGrp="1"/>
+          </p:cNvSpPr>
+          <p:nvPr>
+            <p:ph type="sldNum" sz="quarter" idx="12"/>
+          </p:nvPr>
+        </p:nvSpPr>
+        <p:spPr/>
+        <p:txBody>
+          <a:bodyPr/>
+          <a:lstStyle/>
+          <a:p>
+            <a:pPr lvl="0"/>
+            <a:fld id="{004900ED-2EFD-2142-93A1-1CBA90FDE07B}" type="slidenum">
+              <a:rPr lang="en-US" altLang="ja-JP" smtClean="0"/>
+              <a:t>14</a:t>
+            </a:fld>
+            <a:endParaRPr lang="ja-JP" altLang="en-US"/>
+          </a:p>
+        </p:txBody>
+      </p:sp>
+      <p:sp>
+        <p:nvSpPr>
+          <p:cNvPr id="4" name="テキスト ボックス 3">
+            <a:extLst>
+              <a:ext uri="{FF2B5EF4-FFF2-40B4-BE49-F238E27FC236}">
+                <a16:creationId xmlns:a16="http://schemas.microsoft.com/office/drawing/2014/main" id="{F4FEDEF1-3E01-D785-EE03-B106E91601B1}"/>
+              </a:ext>
+            </a:extLst>
+          </p:cNvPr>
+          <p:cNvSpPr txBox="1"/>
+          <p:nvPr/>
+        </p:nvSpPr>
+        <p:spPr>
+          <a:xfrm>
+            <a:off x="498322" y="1799617"/>
+            <a:ext cx="6564618" cy="1077218"/>
+          </a:xfrm>
+          <a:prstGeom prst="rect">
+            <a:avLst/>
+          </a:prstGeom>
+          <a:noFill/>
+        </p:spPr>
+        <p:txBody>
+          <a:bodyPr wrap="none" rtlCol="0">
+            <a:spAutoFit/>
+          </a:bodyPr>
+          <a:lstStyle/>
+          <a:p>
+            <a:pPr marL="285750" indent="-285750">
+              <a:buFont typeface="Wingdings" pitchFamily="2" charset="2"/>
+              <a:buChar char="p"/>
+            </a:pPr>
+            <a:r>
+              <a:rPr kumimoji="1" lang="ja-JP" altLang="en-US" sz="2400"/>
+              <a:t>提案手法</a:t>
+            </a:r>
+            <a:r>
+              <a:rPr kumimoji="1" lang="en-US" altLang="ja-JP" sz="2400" dirty="0"/>
+              <a:t>: </a:t>
+            </a:r>
+            <a:r>
+              <a:rPr kumimoji="1" lang="en-US" altLang="ja-JP" sz="2400" dirty="0" err="1"/>
+              <a:t>tdgaCNN</a:t>
+            </a:r>
+            <a:endParaRPr kumimoji="1" lang="en-US" altLang="ja-JP" sz="2400" dirty="0"/>
+          </a:p>
+          <a:p>
+            <a:pPr marL="285750" indent="-285750">
+              <a:buFont typeface="Wingdings" pitchFamily="2" charset="2"/>
+              <a:buChar char="p"/>
+            </a:pPr>
+            <a:endParaRPr kumimoji="1" lang="en-US" altLang="ja-JP" sz="1600" dirty="0"/>
+          </a:p>
+          <a:p>
+            <a:pPr marL="285750" indent="-285750">
+              <a:buFont typeface="Wingdings" pitchFamily="2" charset="2"/>
+              <a:buChar char="p"/>
+            </a:pPr>
+            <a:r>
+              <a:rPr lang="en-US" altLang="ja-JP" sz="2400" dirty="0"/>
+              <a:t>CNN </a:t>
+            </a:r>
+            <a:r>
+              <a:rPr lang="ja-JP" altLang="en-US" sz="2400"/>
+              <a:t>アーキテクチャの探索に</a:t>
+            </a:r>
+            <a:r>
+              <a:rPr lang="en-US" altLang="ja-JP" sz="2400" dirty="0"/>
+              <a:t> TDGA </a:t>
+            </a:r>
+            <a:r>
+              <a:rPr lang="ja-JP" altLang="en-US" sz="2400"/>
+              <a:t>を利用</a:t>
+            </a:r>
+            <a:endParaRPr kumimoji="1" lang="ja-JP" altLang="en-US" sz="2400"/>
+          </a:p>
+        </p:txBody>
+      </p:sp>
+    </p:spTree>
+    <p:extLst>
+      <p:ext uri="{BB962C8B-B14F-4D97-AF65-F5344CB8AC3E}">
+        <p14:creationId xmlns:p14="http://schemas.microsoft.com/office/powerpoint/2010/main" val="2162904281"/>
+      </p:ext>
+    </p:extLst>
+  </p:cSld>
+  <p:clrMapOvr>
+    <a:masterClrMapping/>
+  </p:clrMapOvr>
+</p:sld>
+</file>
+
 <file path=ppt/slides/slide15.xml><?xml version="1.0" encoding="utf-8"?>
 <p:sld xmlns:a="http://schemas.openxmlformats.org/drawingml/2006/main" xmlns:r="http://schemas.openxmlformats.org/officeDocument/2006/relationships" xmlns:p="http://schemas.openxmlformats.org/presentationml/2006/main">
   <p:cSld>
@@ -6252,10 +6255,22 @@
               <a:buChar char="Ø"/>
             </a:pPr>
             <a:r>
-              <a:rPr lang="ja-JP" altLang="en-US" sz="2800"/>
+              <a:rPr lang="ja-JP" altLang="en-US" sz="2800">
+                <a:solidFill>
+                  <a:schemeClr val="bg2">
+                    <a:lumMod val="75000"/>
+                  </a:schemeClr>
+                </a:solidFill>
+              </a:rPr>
               <a:t>提案手法</a:t>
             </a:r>
-            <a:endParaRPr lang="en-US" altLang="ja-JP" sz="2800" dirty="0"/>
+            <a:endParaRPr lang="en-US" altLang="ja-JP" sz="2800" dirty="0">
+              <a:solidFill>
+                <a:schemeClr val="bg2">
+                  <a:lumMod val="75000"/>
+                </a:schemeClr>
+              </a:solidFill>
+            </a:endParaRPr>
           </a:p>
           <a:p>
             <a:pPr marL="457200" indent="-457200">
@@ -6266,22 +6281,10 @@
               <a:buChar char="Ø"/>
             </a:pPr>
             <a:r>
-              <a:rPr lang="ja-JP" altLang="en-US" sz="2800">
-                <a:solidFill>
-                  <a:schemeClr val="bg2">
-                    <a:lumMod val="75000"/>
-                  </a:schemeClr>
-                </a:solidFill>
-              </a:rPr>
+              <a:rPr lang="ja-JP" altLang="en-US" sz="2800"/>
               <a:t>実験概要</a:t>
             </a:r>
-            <a:endParaRPr lang="en-US" altLang="ja-JP" sz="2800" dirty="0">
-              <a:solidFill>
-                <a:schemeClr val="bg2">
-                  <a:lumMod val="75000"/>
-                </a:schemeClr>
-              </a:solidFill>
-            </a:endParaRPr>
+            <a:endParaRPr lang="en-US" altLang="ja-JP" sz="2800" dirty="0"/>
           </a:p>
           <a:p>
             <a:pPr marL="457200" indent="-457200">
@@ -6333,7 +6336,7 @@
     </p:spTree>
     <p:extLst>
       <p:ext uri="{BB962C8B-B14F-4D97-AF65-F5344CB8AC3E}">
-        <p14:creationId xmlns:p14="http://schemas.microsoft.com/office/powerpoint/2010/main" val="574755821"/>
+        <p14:creationId xmlns:p14="http://schemas.microsoft.com/office/powerpoint/2010/main" val="4238712240"/>
       </p:ext>
     </p:extLst>
   </p:cSld>
@@ -6365,7 +6368,7 @@
           <p:cNvPr id="2" name="タイトル 1">
             <a:extLst>
               <a:ext uri="{FF2B5EF4-FFF2-40B4-BE49-F238E27FC236}">
-                <a16:creationId xmlns:a16="http://schemas.microsoft.com/office/drawing/2014/main" id="{76443BED-D7A2-853C-9B3B-24E72CB78193}"/>
+                <a16:creationId xmlns:a16="http://schemas.microsoft.com/office/drawing/2014/main" id="{380966B7-59D9-D6A5-796F-E7163263C3A4}"/>
               </a:ext>
             </a:extLst>
           </p:cNvPr>
@@ -6383,7 +6386,7 @@
           <a:p>
             <a:r>
               <a:rPr kumimoji="1" lang="ja-JP" altLang="en-US"/>
-              <a:t>提案手法</a:t>
+              <a:t>本実験の概要</a:t>
             </a:r>
           </a:p>
         </p:txBody>
@@ -6393,7 +6396,7 @@
           <p:cNvPr id="3" name="スライド番号プレースホルダー 2">
             <a:extLst>
               <a:ext uri="{FF2B5EF4-FFF2-40B4-BE49-F238E27FC236}">
-                <a16:creationId xmlns:a16="http://schemas.microsoft.com/office/drawing/2014/main" id="{D401D9D2-41F3-D84E-EF30-573B911C1397}"/>
+                <a16:creationId xmlns:a16="http://schemas.microsoft.com/office/drawing/2014/main" id="{8D8006A5-C467-DBF1-F858-499620021D06}"/>
               </a:ext>
             </a:extLst>
           </p:cNvPr>
@@ -6413,1079 +6416,6 @@
             <a:fld id="{004900ED-2EFD-2142-93A1-1CBA90FDE07B}" type="slidenum">
               <a:rPr lang="en-US" altLang="ja-JP" smtClean="0"/>
               <a:t>16</a:t>
-            </a:fld>
-            <a:endParaRPr lang="ja-JP" altLang="en-US"/>
-          </a:p>
-        </p:txBody>
-      </p:sp>
-      <p:sp>
-        <p:nvSpPr>
-          <p:cNvPr id="4" name="テキスト ボックス 3">
-            <a:extLst>
-              <a:ext uri="{FF2B5EF4-FFF2-40B4-BE49-F238E27FC236}">
-                <a16:creationId xmlns:a16="http://schemas.microsoft.com/office/drawing/2014/main" id="{F4FEDEF1-3E01-D785-EE03-B106E91601B1}"/>
-              </a:ext>
-            </a:extLst>
-          </p:cNvPr>
-          <p:cNvSpPr txBox="1"/>
-          <p:nvPr/>
-        </p:nvSpPr>
-        <p:spPr>
-          <a:xfrm>
-            <a:off x="498322" y="1799617"/>
-            <a:ext cx="6564618" cy="1077218"/>
-          </a:xfrm>
-          <a:prstGeom prst="rect">
-            <a:avLst/>
-          </a:prstGeom>
-          <a:noFill/>
-        </p:spPr>
-        <p:txBody>
-          <a:bodyPr wrap="none" rtlCol="0">
-            <a:spAutoFit/>
-          </a:bodyPr>
-          <a:lstStyle/>
-          <a:p>
-            <a:pPr marL="285750" indent="-285750">
-              <a:buFont typeface="Wingdings" pitchFamily="2" charset="2"/>
-              <a:buChar char="p"/>
-            </a:pPr>
-            <a:r>
-              <a:rPr kumimoji="1" lang="ja-JP" altLang="en-US" sz="2400"/>
-              <a:t>提案手法</a:t>
-            </a:r>
-            <a:r>
-              <a:rPr kumimoji="1" lang="en-US" altLang="ja-JP" sz="2400" dirty="0"/>
-              <a:t>: </a:t>
-            </a:r>
-            <a:r>
-              <a:rPr kumimoji="1" lang="en-US" altLang="ja-JP" sz="2400" dirty="0" err="1"/>
-              <a:t>tdgaCNN</a:t>
-            </a:r>
-            <a:endParaRPr kumimoji="1" lang="en-US" altLang="ja-JP" sz="2400" dirty="0"/>
-          </a:p>
-          <a:p>
-            <a:pPr marL="285750" indent="-285750">
-              <a:buFont typeface="Wingdings" pitchFamily="2" charset="2"/>
-              <a:buChar char="p"/>
-            </a:pPr>
-            <a:endParaRPr kumimoji="1" lang="en-US" altLang="ja-JP" sz="1600" dirty="0"/>
-          </a:p>
-          <a:p>
-            <a:pPr marL="285750" indent="-285750">
-              <a:buFont typeface="Wingdings" pitchFamily="2" charset="2"/>
-              <a:buChar char="p"/>
-            </a:pPr>
-            <a:r>
-              <a:rPr lang="en-US" altLang="ja-JP" sz="2400" dirty="0"/>
-              <a:t>CNN </a:t>
-            </a:r>
-            <a:r>
-              <a:rPr lang="ja-JP" altLang="en-US" sz="2400"/>
-              <a:t>アーキテクチャの探索に</a:t>
-            </a:r>
-            <a:r>
-              <a:rPr lang="en-US" altLang="ja-JP" sz="2400" dirty="0"/>
-              <a:t> TDGA </a:t>
-            </a:r>
-            <a:r>
-              <a:rPr lang="ja-JP" altLang="en-US" sz="2400"/>
-              <a:t>を利用</a:t>
-            </a:r>
-            <a:endParaRPr kumimoji="1" lang="ja-JP" altLang="en-US" sz="2400"/>
-          </a:p>
-        </p:txBody>
-      </p:sp>
-    </p:spTree>
-    <p:extLst>
-      <p:ext uri="{BB962C8B-B14F-4D97-AF65-F5344CB8AC3E}">
-        <p14:creationId xmlns:p14="http://schemas.microsoft.com/office/powerpoint/2010/main" val="2162904281"/>
-      </p:ext>
-    </p:extLst>
-  </p:cSld>
-  <p:clrMapOvr>
-    <a:masterClrMapping/>
-  </p:clrMapOvr>
-</p:sld>
-</file>
-
-<file path=ppt/slides/slide17.xml><?xml version="1.0" encoding="utf-8"?>
-<p:sld xmlns:a="http://schemas.openxmlformats.org/drawingml/2006/main" xmlns:r="http://schemas.openxmlformats.org/officeDocument/2006/relationships" xmlns:p="http://schemas.openxmlformats.org/presentationml/2006/main">
-  <p:cSld>
-    <p:spTree>
-      <p:nvGrpSpPr>
-        <p:cNvPr id="1" name=""/>
-        <p:cNvGrpSpPr/>
-        <p:nvPr/>
-      </p:nvGrpSpPr>
-      <p:grpSpPr>
-        <a:xfrm>
-          <a:off x="0" y="0"/>
-          <a:ext cx="0" cy="0"/>
-          <a:chOff x="0" y="0"/>
-          <a:chExt cx="0" cy="0"/>
-        </a:xfrm>
-      </p:grpSpPr>
-      <p:sp>
-        <p:nvSpPr>
-          <p:cNvPr id="2" name="タイトル 1">
-            <a:extLst>
-              <a:ext uri="{FF2B5EF4-FFF2-40B4-BE49-F238E27FC236}">
-                <a16:creationId xmlns:a16="http://schemas.microsoft.com/office/drawing/2014/main" id="{C90BB530-5AC9-C1CB-F08E-50496361C5DB}"/>
-              </a:ext>
-            </a:extLst>
-          </p:cNvPr>
-          <p:cNvSpPr>
-            <a:spLocks noGrp="1"/>
-          </p:cNvSpPr>
-          <p:nvPr>
-            <p:ph type="title"/>
-          </p:nvPr>
-        </p:nvSpPr>
-        <p:spPr/>
-        <p:txBody>
-          <a:bodyPr/>
-          <a:lstStyle/>
-          <a:p>
-            <a:r>
-              <a:rPr lang="en-US" altLang="ja-JP" dirty="0" err="1"/>
-              <a:t>t</a:t>
-            </a:r>
-            <a:r>
-              <a:rPr kumimoji="1" lang="en-US" altLang="ja-JP" dirty="0" err="1"/>
-              <a:t>dga</a:t>
-            </a:r>
-            <a:r>
-              <a:rPr lang="en-US" altLang="ja-JP" dirty="0" err="1"/>
-              <a:t>CNN</a:t>
-            </a:r>
-            <a:r>
-              <a:rPr lang="en-US" altLang="ja-JP" dirty="0"/>
-              <a:t> </a:t>
-            </a:r>
-            <a:r>
-              <a:rPr lang="ja-JP" altLang="en-US"/>
-              <a:t>の流れ</a:t>
-            </a:r>
-            <a:endParaRPr kumimoji="1" lang="ja-JP" altLang="en-US"/>
-          </a:p>
-        </p:txBody>
-      </p:sp>
-      <p:sp>
-        <p:nvSpPr>
-          <p:cNvPr id="3" name="スライド番号プレースホルダー 2">
-            <a:extLst>
-              <a:ext uri="{FF2B5EF4-FFF2-40B4-BE49-F238E27FC236}">
-                <a16:creationId xmlns:a16="http://schemas.microsoft.com/office/drawing/2014/main" id="{D4B14B84-3C24-2D1B-3DC6-AC568B15C965}"/>
-              </a:ext>
-            </a:extLst>
-          </p:cNvPr>
-          <p:cNvSpPr>
-            <a:spLocks noGrp="1"/>
-          </p:cNvSpPr>
-          <p:nvPr>
-            <p:ph type="sldNum" sz="quarter" idx="12"/>
-          </p:nvPr>
-        </p:nvSpPr>
-        <p:spPr/>
-        <p:txBody>
-          <a:bodyPr/>
-          <a:lstStyle/>
-          <a:p>
-            <a:pPr lvl="0"/>
-            <a:fld id="{004900ED-2EFD-2142-93A1-1CBA90FDE07B}" type="slidenum">
-              <a:rPr lang="en-US" altLang="ja-JP" smtClean="0"/>
-              <a:t>17</a:t>
-            </a:fld>
-            <a:endParaRPr lang="ja-JP" altLang="en-US"/>
-          </a:p>
-        </p:txBody>
-      </p:sp>
-      <p:sp>
-        <p:nvSpPr>
-          <p:cNvPr id="4" name="テキスト ボックス 3">
-            <a:extLst>
-              <a:ext uri="{FF2B5EF4-FFF2-40B4-BE49-F238E27FC236}">
-                <a16:creationId xmlns:a16="http://schemas.microsoft.com/office/drawing/2014/main" id="{F597D62F-5B0E-F5A1-F4AB-B4D8182F2BB8}"/>
-              </a:ext>
-            </a:extLst>
-          </p:cNvPr>
-          <p:cNvSpPr txBox="1"/>
-          <p:nvPr/>
-        </p:nvSpPr>
-        <p:spPr>
-          <a:xfrm>
-            <a:off x="437408" y="1904850"/>
-            <a:ext cx="6857968" cy="2308324"/>
-          </a:xfrm>
-          <a:prstGeom prst="rect">
-            <a:avLst/>
-          </a:prstGeom>
-          <a:noFill/>
-        </p:spPr>
-        <p:txBody>
-          <a:bodyPr wrap="none" rtlCol="0">
-            <a:spAutoFit/>
-          </a:bodyPr>
-          <a:lstStyle/>
-          <a:p>
-            <a:pPr marL="342900" indent="-342900">
-              <a:buFont typeface="+mj-lt"/>
-              <a:buAutoNum type="arabicPeriod"/>
-            </a:pPr>
-            <a:r>
-              <a:rPr kumimoji="1" lang="ja-JP" altLang="en-US" sz="2400"/>
-              <a:t>初期母集団を生成</a:t>
-            </a:r>
-            <a:endParaRPr kumimoji="1" lang="en-US" altLang="ja-JP" sz="2400" dirty="0"/>
-          </a:p>
-          <a:p>
-            <a:pPr marL="342900" indent="-342900">
-              <a:buFont typeface="+mj-lt"/>
-              <a:buAutoNum type="arabicPeriod"/>
-            </a:pPr>
-            <a:r>
-              <a:rPr lang="ja-JP" altLang="en-US" sz="2400"/>
-              <a:t>母集団の個体の適応度を評価</a:t>
-            </a:r>
-            <a:endParaRPr lang="en-US" altLang="ja-JP" sz="2400" dirty="0"/>
-          </a:p>
-          <a:p>
-            <a:pPr marL="342900" indent="-342900">
-              <a:buFont typeface="+mj-lt"/>
-              <a:buAutoNum type="arabicPeriod"/>
-            </a:pPr>
-            <a:r>
-              <a:rPr kumimoji="1" lang="ja-JP" altLang="en-US" sz="2400"/>
-              <a:t>選択，交叉，突然変異による次世代の母集団</a:t>
-            </a:r>
-            <a:br>
-              <a:rPr kumimoji="1" lang="en-US" altLang="ja-JP" sz="2400" dirty="0"/>
-            </a:br>
-            <a:r>
-              <a:rPr kumimoji="1" lang="ja-JP" altLang="en-US" sz="2400"/>
-              <a:t>の生成</a:t>
-            </a:r>
-            <a:endParaRPr kumimoji="1" lang="en-US" altLang="ja-JP" sz="2400" dirty="0"/>
-          </a:p>
-          <a:p>
-            <a:pPr marL="342900" indent="-342900">
-              <a:buFont typeface="+mj-lt"/>
-              <a:buAutoNum type="arabicPeriod"/>
-            </a:pPr>
-            <a:r>
-              <a:rPr lang="en-US" altLang="ja-JP" sz="2400" dirty="0"/>
-              <a:t>2 ~ 3 </a:t>
-            </a:r>
-            <a:r>
-              <a:rPr lang="ja-JP" altLang="en-US" sz="2400"/>
-              <a:t>を世代回数だけ反復</a:t>
-            </a:r>
-            <a:endParaRPr lang="en-US" altLang="ja-JP" sz="2400" dirty="0"/>
-          </a:p>
-          <a:p>
-            <a:pPr marL="342900" indent="-342900">
-              <a:buFont typeface="+mj-lt"/>
-              <a:buAutoNum type="arabicPeriod"/>
-            </a:pPr>
-            <a:r>
-              <a:rPr kumimoji="1" lang="ja-JP" altLang="en-US" sz="2400"/>
-              <a:t>最終世代で最も適応度が高い個体を本学習</a:t>
-            </a:r>
-            <a:endParaRPr kumimoji="1" lang="en-US" altLang="ja-JP" sz="2400" dirty="0"/>
-          </a:p>
-        </p:txBody>
-      </p:sp>
-    </p:spTree>
-    <p:extLst>
-      <p:ext uri="{BB962C8B-B14F-4D97-AF65-F5344CB8AC3E}">
-        <p14:creationId xmlns:p14="http://schemas.microsoft.com/office/powerpoint/2010/main" val="3049085771"/>
-      </p:ext>
-    </p:extLst>
-  </p:cSld>
-  <p:clrMapOvr>
-    <a:masterClrMapping/>
-  </p:clrMapOvr>
-</p:sld>
-</file>
-
-<file path=ppt/slides/slide18.xml><?xml version="1.0" encoding="utf-8"?>
-<p:sld xmlns:a="http://schemas.openxmlformats.org/drawingml/2006/main" xmlns:r="http://schemas.openxmlformats.org/officeDocument/2006/relationships" xmlns:p="http://schemas.openxmlformats.org/presentationml/2006/main">
-  <p:cSld>
-    <p:spTree>
-      <p:nvGrpSpPr>
-        <p:cNvPr id="1" name=""/>
-        <p:cNvGrpSpPr/>
-        <p:nvPr/>
-      </p:nvGrpSpPr>
-      <p:grpSpPr>
-        <a:xfrm>
-          <a:off x="0" y="0"/>
-          <a:ext cx="0" cy="0"/>
-          <a:chOff x="0" y="0"/>
-          <a:chExt cx="0" cy="0"/>
-        </a:xfrm>
-      </p:grpSpPr>
-      <p:sp>
-        <p:nvSpPr>
-          <p:cNvPr id="2" name="タイトル 1">
-            <a:extLst>
-              <a:ext uri="{FF2B5EF4-FFF2-40B4-BE49-F238E27FC236}">
-                <a16:creationId xmlns:a16="http://schemas.microsoft.com/office/drawing/2014/main" id="{2569FC57-6D71-779F-E42A-A97CDA775201}"/>
-              </a:ext>
-            </a:extLst>
-          </p:cNvPr>
-          <p:cNvSpPr>
-            <a:spLocks noGrp="1"/>
-          </p:cNvSpPr>
-          <p:nvPr>
-            <p:ph type="title"/>
-          </p:nvPr>
-        </p:nvSpPr>
-        <p:spPr/>
-        <p:txBody>
-          <a:bodyPr/>
-          <a:lstStyle/>
-          <a:p>
-            <a:r>
-              <a:rPr lang="en-US" altLang="ja-JP" dirty="0" err="1"/>
-              <a:t>tdgaCNN</a:t>
-            </a:r>
-            <a:r>
-              <a:rPr kumimoji="1" lang="en-US" altLang="ja-JP" dirty="0"/>
-              <a:t> </a:t>
-            </a:r>
-            <a:r>
-              <a:rPr lang="en-US" altLang="ja-JP" dirty="0"/>
-              <a:t>––– </a:t>
-            </a:r>
-            <a:r>
-              <a:rPr lang="ja-JP" altLang="en-US"/>
-              <a:t>遺伝子符号化</a:t>
-            </a:r>
-            <a:endParaRPr kumimoji="1" lang="ja-JP" altLang="en-US"/>
-          </a:p>
-        </p:txBody>
-      </p:sp>
-      <p:sp>
-        <p:nvSpPr>
-          <p:cNvPr id="3" name="スライド番号プレースホルダー 2">
-            <a:extLst>
-              <a:ext uri="{FF2B5EF4-FFF2-40B4-BE49-F238E27FC236}">
-                <a16:creationId xmlns:a16="http://schemas.microsoft.com/office/drawing/2014/main" id="{6CC00B8C-81DD-663C-CA94-75367C1D6D61}"/>
-              </a:ext>
-            </a:extLst>
-          </p:cNvPr>
-          <p:cNvSpPr>
-            <a:spLocks noGrp="1"/>
-          </p:cNvSpPr>
-          <p:nvPr>
-            <p:ph type="sldNum" sz="quarter" idx="12"/>
-          </p:nvPr>
-        </p:nvSpPr>
-        <p:spPr/>
-        <p:txBody>
-          <a:bodyPr/>
-          <a:lstStyle/>
-          <a:p>
-            <a:pPr lvl="0"/>
-            <a:fld id="{004900ED-2EFD-2142-93A1-1CBA90FDE07B}" type="slidenum">
-              <a:rPr lang="en-US" altLang="ja-JP" smtClean="0"/>
-              <a:t>18</a:t>
-            </a:fld>
-            <a:endParaRPr lang="ja-JP" altLang="en-US"/>
-          </a:p>
-        </p:txBody>
-      </p:sp>
-      <p:sp>
-        <p:nvSpPr>
-          <p:cNvPr id="7" name="テキスト ボックス 6">
-            <a:extLst>
-              <a:ext uri="{FF2B5EF4-FFF2-40B4-BE49-F238E27FC236}">
-                <a16:creationId xmlns:a16="http://schemas.microsoft.com/office/drawing/2014/main" id="{8032668C-2D3C-ED61-F9E0-F7B3BDF4CE5A}"/>
-              </a:ext>
-            </a:extLst>
-          </p:cNvPr>
-          <p:cNvSpPr txBox="1"/>
-          <p:nvPr/>
-        </p:nvSpPr>
-        <p:spPr>
-          <a:xfrm>
-            <a:off x="519837" y="1909919"/>
-            <a:ext cx="4650632" cy="461665"/>
-          </a:xfrm>
-          <a:prstGeom prst="rect">
-            <a:avLst/>
-          </a:prstGeom>
-          <a:noFill/>
-        </p:spPr>
-        <p:txBody>
-          <a:bodyPr wrap="none" rtlCol="0">
-            <a:spAutoFit/>
-          </a:bodyPr>
-          <a:lstStyle/>
-          <a:p>
-            <a:pPr marL="285750" indent="-285750">
-              <a:buFont typeface="Wingdings" pitchFamily="2" charset="2"/>
-              <a:buChar char="p"/>
-            </a:pPr>
-            <a:r>
-              <a:rPr kumimoji="1" lang="ja-JP" altLang="en-US" sz="2400"/>
-              <a:t>遺伝子</a:t>
-            </a:r>
-            <a:r>
-              <a:rPr kumimoji="1" lang="en-US" altLang="ja-JP" sz="2400" dirty="0"/>
-              <a:t> → </a:t>
-            </a:r>
-            <a:r>
-              <a:rPr kumimoji="1" lang="ja-JP" altLang="en-US" sz="2400"/>
-              <a:t>層と活性化関数の組</a:t>
-            </a:r>
-          </a:p>
-        </p:txBody>
-      </p:sp>
-      <p:sp>
-        <p:nvSpPr>
-          <p:cNvPr id="12" name="テキスト ボックス 11">
-            <a:extLst>
-              <a:ext uri="{FF2B5EF4-FFF2-40B4-BE49-F238E27FC236}">
-                <a16:creationId xmlns:a16="http://schemas.microsoft.com/office/drawing/2014/main" id="{6095E266-D30D-702E-0575-2586F1538ABD}"/>
-              </a:ext>
-            </a:extLst>
-          </p:cNvPr>
-          <p:cNvSpPr txBox="1"/>
-          <p:nvPr/>
-        </p:nvSpPr>
-        <p:spPr>
-          <a:xfrm>
-            <a:off x="519837" y="2672619"/>
-            <a:ext cx="5705408" cy="830997"/>
-          </a:xfrm>
-          <a:prstGeom prst="rect">
-            <a:avLst/>
-          </a:prstGeom>
-          <a:noFill/>
-        </p:spPr>
-        <p:txBody>
-          <a:bodyPr wrap="none" rtlCol="0">
-            <a:spAutoFit/>
-          </a:bodyPr>
-          <a:lstStyle/>
-          <a:p>
-            <a:pPr marL="285750" indent="-285750">
-              <a:buFont typeface="Wingdings" pitchFamily="2" charset="2"/>
-              <a:buChar char="p"/>
-            </a:pPr>
-            <a:r>
-              <a:rPr kumimoji="1" lang="ja-JP" altLang="en-US" sz="2400"/>
-              <a:t>層の候補</a:t>
-            </a:r>
-            <a:r>
-              <a:rPr kumimoji="1" lang="en-US" altLang="ja-JP" sz="2400" dirty="0"/>
-              <a:t>: </a:t>
-            </a:r>
-            <a:br>
-              <a:rPr kumimoji="1" lang="en-US" altLang="ja-JP" sz="2400" dirty="0"/>
-            </a:br>
-            <a:r>
-              <a:rPr kumimoji="1" lang="ja-JP" altLang="en-US" sz="2400"/>
-              <a:t>畳み込み層，プーリング層，全結合層</a:t>
-            </a:r>
-          </a:p>
-        </p:txBody>
-      </p:sp>
-      <p:sp>
-        <p:nvSpPr>
-          <p:cNvPr id="13" name="テキスト ボックス 12">
-            <a:extLst>
-              <a:ext uri="{FF2B5EF4-FFF2-40B4-BE49-F238E27FC236}">
-                <a16:creationId xmlns:a16="http://schemas.microsoft.com/office/drawing/2014/main" id="{F8E16B91-98CE-F8A3-56F0-E0773AA8887F}"/>
-              </a:ext>
-            </a:extLst>
-          </p:cNvPr>
-          <p:cNvSpPr txBox="1"/>
-          <p:nvPr/>
-        </p:nvSpPr>
-        <p:spPr>
-          <a:xfrm>
-            <a:off x="519837" y="3804651"/>
-            <a:ext cx="3373039" cy="830997"/>
-          </a:xfrm>
-          <a:prstGeom prst="rect">
-            <a:avLst/>
-          </a:prstGeom>
-          <a:noFill/>
-        </p:spPr>
-        <p:txBody>
-          <a:bodyPr wrap="none" rtlCol="0">
-            <a:spAutoFit/>
-          </a:bodyPr>
-          <a:lstStyle/>
-          <a:p>
-            <a:pPr marL="285750" indent="-285750">
-              <a:buFont typeface="Wingdings" pitchFamily="2" charset="2"/>
-              <a:buChar char="p"/>
-            </a:pPr>
-            <a:r>
-              <a:rPr kumimoji="1" lang="ja-JP" altLang="en-US" sz="2400"/>
-              <a:t>活性化関数の候補</a:t>
-            </a:r>
-            <a:r>
-              <a:rPr kumimoji="1" lang="en-US" altLang="ja-JP" sz="2400" dirty="0"/>
-              <a:t>:</a:t>
-            </a:r>
-            <a:br>
-              <a:rPr lang="en-US" altLang="ja-JP" sz="2400" dirty="0"/>
-            </a:br>
-            <a:r>
-              <a:rPr lang="en-US" altLang="ja-JP" sz="2400" dirty="0" err="1"/>
-              <a:t>ReLU</a:t>
-            </a:r>
-            <a:r>
-              <a:rPr lang="en-US" altLang="ja-JP" sz="2400" dirty="0"/>
-              <a:t>, tanh, Sigmoid</a:t>
-            </a:r>
-            <a:endParaRPr kumimoji="1" lang="en-US" altLang="ja-JP" sz="2400" dirty="0"/>
-          </a:p>
-        </p:txBody>
-      </p:sp>
-    </p:spTree>
-    <p:extLst>
-      <p:ext uri="{BB962C8B-B14F-4D97-AF65-F5344CB8AC3E}">
-        <p14:creationId xmlns:p14="http://schemas.microsoft.com/office/powerpoint/2010/main" val="512246097"/>
-      </p:ext>
-    </p:extLst>
-  </p:cSld>
-  <p:clrMapOvr>
-    <a:masterClrMapping/>
-  </p:clrMapOvr>
-</p:sld>
-</file>
-
-<file path=ppt/slides/slide19.xml><?xml version="1.0" encoding="utf-8"?>
-<p:sld xmlns:a="http://schemas.openxmlformats.org/drawingml/2006/main" xmlns:r="http://schemas.openxmlformats.org/officeDocument/2006/relationships" xmlns:p="http://schemas.openxmlformats.org/presentationml/2006/main">
-  <p:cSld>
-    <p:spTree>
-      <p:nvGrpSpPr>
-        <p:cNvPr id="1" name=""/>
-        <p:cNvGrpSpPr/>
-        <p:nvPr/>
-      </p:nvGrpSpPr>
-      <p:grpSpPr>
-        <a:xfrm>
-          <a:off x="0" y="0"/>
-          <a:ext cx="0" cy="0"/>
-          <a:chOff x="0" y="0"/>
-          <a:chExt cx="0" cy="0"/>
-        </a:xfrm>
-      </p:grpSpPr>
-      <p:sp>
-        <p:nvSpPr>
-          <p:cNvPr id="2" name="タイトル 1">
-            <a:extLst>
-              <a:ext uri="{FF2B5EF4-FFF2-40B4-BE49-F238E27FC236}">
-                <a16:creationId xmlns:a16="http://schemas.microsoft.com/office/drawing/2014/main" id="{DA6841C3-0E6C-BFA1-5D04-4112F1117102}"/>
-              </a:ext>
-            </a:extLst>
-          </p:cNvPr>
-          <p:cNvSpPr>
-            <a:spLocks noGrp="1"/>
-          </p:cNvSpPr>
-          <p:nvPr>
-            <p:ph type="title"/>
-          </p:nvPr>
-        </p:nvSpPr>
-        <p:spPr/>
-        <p:txBody>
-          <a:bodyPr/>
-          <a:lstStyle/>
-          <a:p>
-            <a:r>
-              <a:rPr kumimoji="1" lang="ja-JP" altLang="en-US"/>
-              <a:t>目次</a:t>
-            </a:r>
-          </a:p>
-        </p:txBody>
-      </p:sp>
-      <p:sp>
-        <p:nvSpPr>
-          <p:cNvPr id="4" name="スライド番号プレースホルダー 3">
-            <a:extLst>
-              <a:ext uri="{FF2B5EF4-FFF2-40B4-BE49-F238E27FC236}">
-                <a16:creationId xmlns:a16="http://schemas.microsoft.com/office/drawing/2014/main" id="{20D20625-8135-BA1D-11A0-E3466265CE7C}"/>
-              </a:ext>
-            </a:extLst>
-          </p:cNvPr>
-          <p:cNvSpPr>
-            <a:spLocks noGrp="1"/>
-          </p:cNvSpPr>
-          <p:nvPr>
-            <p:ph type="sldNum" sz="quarter" idx="12"/>
-          </p:nvPr>
-        </p:nvSpPr>
-        <p:spPr/>
-        <p:txBody>
-          <a:bodyPr/>
-          <a:lstStyle/>
-          <a:p>
-            <a:pPr lvl="0"/>
-            <a:fld id="{004900ED-2EFD-2142-93A1-1CBA90FDE07B}" type="slidenum">
-              <a:rPr lang="en-US" altLang="ja-JP" smtClean="0"/>
-              <a:t>19</a:t>
-            </a:fld>
-            <a:endParaRPr lang="ja-JP" altLang="en-US"/>
-          </a:p>
-        </p:txBody>
-      </p:sp>
-      <p:sp>
-        <p:nvSpPr>
-          <p:cNvPr id="3" name="テキスト ボックス 2">
-            <a:extLst>
-              <a:ext uri="{FF2B5EF4-FFF2-40B4-BE49-F238E27FC236}">
-                <a16:creationId xmlns:a16="http://schemas.microsoft.com/office/drawing/2014/main" id="{CFCE3529-0348-FAC9-4C81-ACEA9BA72623}"/>
-              </a:ext>
-            </a:extLst>
-          </p:cNvPr>
-          <p:cNvSpPr txBox="1"/>
-          <p:nvPr/>
-        </p:nvSpPr>
-        <p:spPr>
-          <a:xfrm>
-            <a:off x="919691" y="1259079"/>
-            <a:ext cx="3877985" cy="3909917"/>
-          </a:xfrm>
-          <a:prstGeom prst="rect">
-            <a:avLst/>
-          </a:prstGeom>
-          <a:noFill/>
-        </p:spPr>
-        <p:txBody>
-          <a:bodyPr wrap="none" rtlCol="0">
-            <a:spAutoFit/>
-          </a:bodyPr>
-          <a:lstStyle/>
-          <a:p>
-            <a:pPr marL="457200" indent="-457200">
-              <a:lnSpc>
-                <a:spcPct val="150000"/>
-              </a:lnSpc>
-              <a:buFont typeface="Wingdings" pitchFamily="2" charset="2"/>
-              <a:buChar char="Ø"/>
-            </a:pPr>
-            <a:r>
-              <a:rPr lang="ja-JP" altLang="en-US" sz="2800">
-                <a:solidFill>
-                  <a:schemeClr val="bg2">
-                    <a:lumMod val="75000"/>
-                  </a:schemeClr>
-                </a:solidFill>
-              </a:rPr>
-              <a:t>はじめに</a:t>
-            </a:r>
-            <a:endParaRPr lang="en-US" altLang="ja-JP" sz="2800" dirty="0">
-              <a:solidFill>
-                <a:schemeClr val="bg2">
-                  <a:lumMod val="75000"/>
-                </a:schemeClr>
-              </a:solidFill>
-            </a:endParaRPr>
-          </a:p>
-          <a:p>
-            <a:pPr marL="457200" indent="-457200">
-              <a:lnSpc>
-                <a:spcPct val="150000"/>
-              </a:lnSpc>
-              <a:buFont typeface="Wingdings" pitchFamily="2" charset="2"/>
-              <a:buChar char="Ø"/>
-            </a:pPr>
-            <a:r>
-              <a:rPr lang="ja-JP" altLang="en-US" sz="2800">
-                <a:solidFill>
-                  <a:schemeClr val="bg2">
-                    <a:lumMod val="75000"/>
-                  </a:schemeClr>
-                </a:solidFill>
-              </a:rPr>
-              <a:t>要素技術</a:t>
-            </a:r>
-            <a:endParaRPr lang="en-US" altLang="ja-JP" sz="2800" dirty="0">
-              <a:solidFill>
-                <a:schemeClr val="bg2">
-                  <a:lumMod val="75000"/>
-                </a:schemeClr>
-              </a:solidFill>
-            </a:endParaRPr>
-          </a:p>
-          <a:p>
-            <a:pPr marL="457200" indent="-457200">
-              <a:lnSpc>
-                <a:spcPct val="150000"/>
-              </a:lnSpc>
-              <a:buFont typeface="Wingdings" pitchFamily="2" charset="2"/>
-              <a:buChar char="Ø"/>
-            </a:pPr>
-            <a:r>
-              <a:rPr lang="ja-JP" altLang="en-US" sz="2800">
-                <a:solidFill>
-                  <a:schemeClr val="bg2">
-                    <a:lumMod val="75000"/>
-                  </a:schemeClr>
-                </a:solidFill>
-              </a:rPr>
-              <a:t>提案手法</a:t>
-            </a:r>
-            <a:endParaRPr lang="en-US" altLang="ja-JP" sz="2800" dirty="0">
-              <a:solidFill>
-                <a:schemeClr val="bg2">
-                  <a:lumMod val="75000"/>
-                </a:schemeClr>
-              </a:solidFill>
-            </a:endParaRPr>
-          </a:p>
-          <a:p>
-            <a:pPr marL="457200" indent="-457200">
-              <a:lnSpc>
-                <a:spcPct val="150000"/>
-              </a:lnSpc>
-              <a:buFont typeface="Wingdings" pitchFamily="2" charset="2"/>
-              <a:buChar char="Ø"/>
-            </a:pPr>
-            <a:r>
-              <a:rPr lang="ja-JP" altLang="en-US" sz="2800"/>
-              <a:t>実験概要</a:t>
-            </a:r>
-            <a:endParaRPr lang="en-US" altLang="ja-JP" sz="2800" dirty="0"/>
-          </a:p>
-          <a:p>
-            <a:pPr marL="457200" indent="-457200">
-              <a:lnSpc>
-                <a:spcPct val="150000"/>
-              </a:lnSpc>
-              <a:buFont typeface="Wingdings" pitchFamily="2" charset="2"/>
-              <a:buChar char="Ø"/>
-            </a:pPr>
-            <a:r>
-              <a:rPr lang="ja-JP" altLang="en-US" sz="2800">
-                <a:solidFill>
-                  <a:schemeClr val="bg2">
-                    <a:lumMod val="75000"/>
-                  </a:schemeClr>
-                </a:solidFill>
-              </a:rPr>
-              <a:t>実験結果</a:t>
-            </a:r>
-            <a:endParaRPr lang="en-US" altLang="ja-JP" sz="2800" dirty="0">
-              <a:solidFill>
-                <a:schemeClr val="bg2">
-                  <a:lumMod val="75000"/>
-                </a:schemeClr>
-              </a:solidFill>
-            </a:endParaRPr>
-          </a:p>
-          <a:p>
-            <a:pPr marL="457200" indent="-457200">
-              <a:lnSpc>
-                <a:spcPct val="150000"/>
-              </a:lnSpc>
-              <a:buFont typeface="Wingdings" pitchFamily="2" charset="2"/>
-              <a:buChar char="Ø"/>
-            </a:pPr>
-            <a:r>
-              <a:rPr lang="ja-JP" altLang="en-US" sz="2800">
-                <a:solidFill>
-                  <a:schemeClr val="bg2">
-                    <a:lumMod val="75000"/>
-                  </a:schemeClr>
-                </a:solidFill>
-              </a:rPr>
-              <a:t>まとめと今後の課題</a:t>
-            </a:r>
-          </a:p>
-        </p:txBody>
-      </p:sp>
-    </p:spTree>
-    <p:extLst>
-      <p:ext uri="{BB962C8B-B14F-4D97-AF65-F5344CB8AC3E}">
-        <p14:creationId xmlns:p14="http://schemas.microsoft.com/office/powerpoint/2010/main" val="4238712240"/>
-      </p:ext>
-    </p:extLst>
-  </p:cSld>
-  <p:clrMapOvr>
-    <a:masterClrMapping/>
-  </p:clrMapOvr>
-</p:sld>
-</file>
-
-<file path=ppt/slides/slide2.xml><?xml version="1.0" encoding="utf-8"?>
-<p:sld xmlns:a="http://schemas.openxmlformats.org/drawingml/2006/main" xmlns:r="http://schemas.openxmlformats.org/officeDocument/2006/relationships" xmlns:p="http://schemas.openxmlformats.org/presentationml/2006/main">
-  <p:cSld>
-    <p:spTree>
-      <p:nvGrpSpPr>
-        <p:cNvPr id="1" name=""/>
-        <p:cNvGrpSpPr/>
-        <p:nvPr/>
-      </p:nvGrpSpPr>
-      <p:grpSpPr>
-        <a:xfrm>
-          <a:off x="0" y="0"/>
-          <a:ext cx="0" cy="0"/>
-          <a:chOff x="0" y="0"/>
-          <a:chExt cx="0" cy="0"/>
-        </a:xfrm>
-      </p:grpSpPr>
-      <p:sp>
-        <p:nvSpPr>
-          <p:cNvPr id="2" name="タイトル 1">
-            <a:extLst>
-              <a:ext uri="{FF2B5EF4-FFF2-40B4-BE49-F238E27FC236}">
-                <a16:creationId xmlns:a16="http://schemas.microsoft.com/office/drawing/2014/main" id="{DA6841C3-0E6C-BFA1-5D04-4112F1117102}"/>
-              </a:ext>
-            </a:extLst>
-          </p:cNvPr>
-          <p:cNvSpPr>
-            <a:spLocks noGrp="1"/>
-          </p:cNvSpPr>
-          <p:nvPr>
-            <p:ph type="title"/>
-          </p:nvPr>
-        </p:nvSpPr>
-        <p:spPr/>
-        <p:txBody>
-          <a:bodyPr/>
-          <a:lstStyle/>
-          <a:p>
-            <a:r>
-              <a:rPr kumimoji="1" lang="ja-JP" altLang="en-US"/>
-              <a:t>目次</a:t>
-            </a:r>
-          </a:p>
-        </p:txBody>
-      </p:sp>
-      <p:sp>
-        <p:nvSpPr>
-          <p:cNvPr id="4" name="スライド番号プレースホルダー 3">
-            <a:extLst>
-              <a:ext uri="{FF2B5EF4-FFF2-40B4-BE49-F238E27FC236}">
-                <a16:creationId xmlns:a16="http://schemas.microsoft.com/office/drawing/2014/main" id="{20D20625-8135-BA1D-11A0-E3466265CE7C}"/>
-              </a:ext>
-            </a:extLst>
-          </p:cNvPr>
-          <p:cNvSpPr>
-            <a:spLocks noGrp="1"/>
-          </p:cNvSpPr>
-          <p:nvPr>
-            <p:ph type="sldNum" sz="quarter" idx="12"/>
-          </p:nvPr>
-        </p:nvSpPr>
-        <p:spPr/>
-        <p:txBody>
-          <a:bodyPr/>
-          <a:lstStyle/>
-          <a:p>
-            <a:pPr lvl="0"/>
-            <a:fld id="{004900ED-2EFD-2142-93A1-1CBA90FDE07B}" type="slidenum">
-              <a:rPr lang="en-US" altLang="ja-JP" smtClean="0"/>
-              <a:t>2</a:t>
-            </a:fld>
-            <a:endParaRPr lang="ja-JP" altLang="en-US"/>
-          </a:p>
-        </p:txBody>
-      </p:sp>
-      <p:sp>
-        <p:nvSpPr>
-          <p:cNvPr id="3" name="テキスト ボックス 2">
-            <a:extLst>
-              <a:ext uri="{FF2B5EF4-FFF2-40B4-BE49-F238E27FC236}">
-                <a16:creationId xmlns:a16="http://schemas.microsoft.com/office/drawing/2014/main" id="{CFCE3529-0348-FAC9-4C81-ACEA9BA72623}"/>
-              </a:ext>
-            </a:extLst>
-          </p:cNvPr>
-          <p:cNvSpPr txBox="1"/>
-          <p:nvPr/>
-        </p:nvSpPr>
-        <p:spPr>
-          <a:xfrm>
-            <a:off x="919691" y="1259079"/>
-            <a:ext cx="3877985" cy="3909917"/>
-          </a:xfrm>
-          <a:prstGeom prst="rect">
-            <a:avLst/>
-          </a:prstGeom>
-          <a:noFill/>
-        </p:spPr>
-        <p:txBody>
-          <a:bodyPr wrap="none" rtlCol="0">
-            <a:spAutoFit/>
-          </a:bodyPr>
-          <a:lstStyle/>
-          <a:p>
-            <a:pPr marL="457200" indent="-457200">
-              <a:lnSpc>
-                <a:spcPct val="150000"/>
-              </a:lnSpc>
-              <a:buFont typeface="Wingdings" pitchFamily="2" charset="2"/>
-              <a:buChar char="Ø"/>
-            </a:pPr>
-            <a:r>
-              <a:rPr lang="ja-JP" altLang="en-US" sz="2800"/>
-              <a:t>はじめに</a:t>
-            </a:r>
-            <a:endParaRPr lang="en-US" altLang="ja-JP" sz="2800" dirty="0"/>
-          </a:p>
-          <a:p>
-            <a:pPr marL="457200" indent="-457200">
-              <a:lnSpc>
-                <a:spcPct val="150000"/>
-              </a:lnSpc>
-              <a:buFont typeface="Wingdings" pitchFamily="2" charset="2"/>
-              <a:buChar char="Ø"/>
-            </a:pPr>
-            <a:r>
-              <a:rPr lang="ja-JP" altLang="en-US" sz="2800"/>
-              <a:t>要素技術</a:t>
-            </a:r>
-            <a:endParaRPr lang="en-US" altLang="ja-JP" sz="2800" dirty="0"/>
-          </a:p>
-          <a:p>
-            <a:pPr marL="457200" indent="-457200">
-              <a:lnSpc>
-                <a:spcPct val="150000"/>
-              </a:lnSpc>
-              <a:buFont typeface="Wingdings" pitchFamily="2" charset="2"/>
-              <a:buChar char="Ø"/>
-            </a:pPr>
-            <a:r>
-              <a:rPr lang="ja-JP" altLang="en-US" sz="2800"/>
-              <a:t>提案手法</a:t>
-            </a:r>
-            <a:endParaRPr lang="en-US" altLang="ja-JP" sz="2800" dirty="0"/>
-          </a:p>
-          <a:p>
-            <a:pPr marL="457200" indent="-457200">
-              <a:lnSpc>
-                <a:spcPct val="150000"/>
-              </a:lnSpc>
-              <a:buFont typeface="Wingdings" pitchFamily="2" charset="2"/>
-              <a:buChar char="Ø"/>
-            </a:pPr>
-            <a:r>
-              <a:rPr lang="ja-JP" altLang="en-US" sz="2800"/>
-              <a:t>実験概要</a:t>
-            </a:r>
-            <a:endParaRPr lang="en-US" altLang="ja-JP" sz="2800" dirty="0"/>
-          </a:p>
-          <a:p>
-            <a:pPr marL="457200" indent="-457200">
-              <a:lnSpc>
-                <a:spcPct val="150000"/>
-              </a:lnSpc>
-              <a:buFont typeface="Wingdings" pitchFamily="2" charset="2"/>
-              <a:buChar char="Ø"/>
-            </a:pPr>
-            <a:r>
-              <a:rPr lang="ja-JP" altLang="en-US" sz="2800"/>
-              <a:t>実験結果</a:t>
-            </a:r>
-            <a:endParaRPr lang="en-US" altLang="ja-JP" sz="2800" dirty="0"/>
-          </a:p>
-          <a:p>
-            <a:pPr marL="457200" indent="-457200">
-              <a:lnSpc>
-                <a:spcPct val="150000"/>
-              </a:lnSpc>
-              <a:buFont typeface="Wingdings" pitchFamily="2" charset="2"/>
-              <a:buChar char="Ø"/>
-            </a:pPr>
-            <a:r>
-              <a:rPr lang="ja-JP" altLang="en-US" sz="2800"/>
-              <a:t>まとめと今後の課題</a:t>
-            </a:r>
-          </a:p>
-        </p:txBody>
-      </p:sp>
-    </p:spTree>
-    <p:extLst>
-      <p:ext uri="{BB962C8B-B14F-4D97-AF65-F5344CB8AC3E}">
-        <p14:creationId xmlns:p14="http://schemas.microsoft.com/office/powerpoint/2010/main" val="934417076"/>
-      </p:ext>
-    </p:extLst>
-  </p:cSld>
-  <p:clrMapOvr>
-    <a:masterClrMapping/>
-  </p:clrMapOvr>
-</p:sld>
-</file>
-
-<file path=ppt/slides/slide20.xml><?xml version="1.0" encoding="utf-8"?>
-<p:sld xmlns:a="http://schemas.openxmlformats.org/drawingml/2006/main" xmlns:r="http://schemas.openxmlformats.org/officeDocument/2006/relationships" xmlns:p="http://schemas.openxmlformats.org/presentationml/2006/main">
-  <p:cSld>
-    <p:spTree>
-      <p:nvGrpSpPr>
-        <p:cNvPr id="1" name=""/>
-        <p:cNvGrpSpPr/>
-        <p:nvPr/>
-      </p:nvGrpSpPr>
-      <p:grpSpPr>
-        <a:xfrm>
-          <a:off x="0" y="0"/>
-          <a:ext cx="0" cy="0"/>
-          <a:chOff x="0" y="0"/>
-          <a:chExt cx="0" cy="0"/>
-        </a:xfrm>
-      </p:grpSpPr>
-      <p:sp>
-        <p:nvSpPr>
-          <p:cNvPr id="2" name="タイトル 1">
-            <a:extLst>
-              <a:ext uri="{FF2B5EF4-FFF2-40B4-BE49-F238E27FC236}">
-                <a16:creationId xmlns:a16="http://schemas.microsoft.com/office/drawing/2014/main" id="{380966B7-59D9-D6A5-796F-E7163263C3A4}"/>
-              </a:ext>
-            </a:extLst>
-          </p:cNvPr>
-          <p:cNvSpPr>
-            <a:spLocks noGrp="1"/>
-          </p:cNvSpPr>
-          <p:nvPr>
-            <p:ph type="title"/>
-          </p:nvPr>
-        </p:nvSpPr>
-        <p:spPr/>
-        <p:txBody>
-          <a:bodyPr/>
-          <a:lstStyle/>
-          <a:p>
-            <a:r>
-              <a:rPr kumimoji="1" lang="ja-JP" altLang="en-US"/>
-              <a:t>本実験の概要</a:t>
-            </a:r>
-          </a:p>
-        </p:txBody>
-      </p:sp>
-      <p:sp>
-        <p:nvSpPr>
-          <p:cNvPr id="3" name="スライド番号プレースホルダー 2">
-            <a:extLst>
-              <a:ext uri="{FF2B5EF4-FFF2-40B4-BE49-F238E27FC236}">
-                <a16:creationId xmlns:a16="http://schemas.microsoft.com/office/drawing/2014/main" id="{8D8006A5-C467-DBF1-F858-499620021D06}"/>
-              </a:ext>
-            </a:extLst>
-          </p:cNvPr>
-          <p:cNvSpPr>
-            <a:spLocks noGrp="1"/>
-          </p:cNvSpPr>
-          <p:nvPr>
-            <p:ph type="sldNum" sz="quarter" idx="12"/>
-          </p:nvPr>
-        </p:nvSpPr>
-        <p:spPr/>
-        <p:txBody>
-          <a:bodyPr/>
-          <a:lstStyle/>
-          <a:p>
-            <a:pPr lvl="0"/>
-            <a:fld id="{004900ED-2EFD-2142-93A1-1CBA90FDE07B}" type="slidenum">
-              <a:rPr lang="en-US" altLang="ja-JP" smtClean="0"/>
-              <a:t>20</a:t>
             </a:fld>
             <a:endParaRPr lang="ja-JP" altLang="en-US"/>
           </a:p>
@@ -7526,7 +6456,7 @@
           <p:spPr>
             <a:xfrm>
               <a:off x="526501" y="1547102"/>
-              <a:ext cx="6514925" cy="3724096"/>
+              <a:ext cx="5591595" cy="2677656"/>
             </a:xfrm>
             <a:prstGeom prst="rect">
               <a:avLst/>
@@ -7556,7 +6486,11 @@
               </a:pPr>
               <a:r>
                 <a:rPr lang="ja-JP" altLang="en-US" sz="2400"/>
-                <a:t>適応度評価のために</a:t>
+                <a:t>適応度評価エポック数は</a:t>
+              </a:r>
+              <a:r>
+                <a:rPr lang="en-US" altLang="ja-JP" sz="2400" dirty="0"/>
+                <a:t> </a:t>
               </a:r>
               <a:r>
                 <a:rPr lang="en-US" altLang="ja-JP" sz="2400" dirty="0">
@@ -7564,42 +6498,12 @@
                     <a:srgbClr val="FF0000"/>
                   </a:solidFill>
                 </a:rPr>
-                <a:t> 1</a:t>
-              </a:r>
-              <a:r>
-                <a:rPr lang="ja-JP" altLang="en-US" sz="2400">
-                  <a:solidFill>
-                    <a:srgbClr val="FF0000"/>
-                  </a:solidFill>
-                </a:rPr>
-                <a:t> エポックのみ</a:t>
+                <a:t>1 </a:t>
               </a:r>
               <a:r>
                 <a:rPr lang="ja-JP" altLang="en-US" sz="2400"/>
-                <a:t>学習</a:t>
+                <a:t>と設定</a:t>
               </a:r>
-              <a:endParaRPr lang="en-US" altLang="ja-JP" sz="2000" dirty="0"/>
-            </a:p>
-            <a:p>
-              <a:pPr marL="742950" lvl="1" indent="-285750">
-                <a:buFont typeface="Wingdings" pitchFamily="2" charset="2"/>
-                <a:buChar char="p"/>
-              </a:pPr>
-              <a:endParaRPr lang="en-US" altLang="ja-JP" sz="2000" dirty="0"/>
-            </a:p>
-            <a:p>
-              <a:pPr marL="285750" indent="-285750">
-                <a:buFont typeface="Wingdings" pitchFamily="2" charset="2"/>
-                <a:buChar char="p"/>
-              </a:pPr>
-              <a:r>
-                <a:rPr lang="ja-JP" altLang="en-US" sz="2400"/>
-                <a:t>本実験</a:t>
-              </a:r>
-              <a:endParaRPr lang="en-US" altLang="ja-JP" sz="2400" dirty="0"/>
-            </a:p>
-            <a:p>
-              <a:pPr lvl="1"/>
               <a:endParaRPr lang="en-US" altLang="ja-JP" sz="2400" dirty="0"/>
             </a:p>
             <a:p>
@@ -7822,7 +6726,7 @@
 </p:sld>
 </file>
 
-<file path=ppt/slides/slide21.xml><?xml version="1.0" encoding="utf-8"?>
+<file path=ppt/slides/slide17.xml><?xml version="1.0" encoding="utf-8"?>
 <p:sld xmlns:a="http://schemas.openxmlformats.org/drawingml/2006/main" xmlns:r="http://schemas.openxmlformats.org/officeDocument/2006/relationships" xmlns:p="http://schemas.openxmlformats.org/presentationml/2006/main">
   <p:cSld>
     <p:spTree>
@@ -7891,7 +6795,7 @@
             <a:pPr lvl="0"/>
             <a:fld id="{004900ED-2EFD-2142-93A1-1CBA90FDE07B}" type="slidenum">
               <a:rPr lang="en-US" altLang="ja-JP" smtClean="0"/>
-              <a:t>21</a:t>
+              <a:t>17</a:t>
             </a:fld>
             <a:endParaRPr lang="ja-JP" altLang="en-US"/>
           </a:p>
@@ -8317,7 +7221,7 @@
 </p:sld>
 </file>
 
-<file path=ppt/slides/slide22.xml><?xml version="1.0" encoding="utf-8"?>
+<file path=ppt/slides/slide18.xml><?xml version="1.0" encoding="utf-8"?>
 <p:sld xmlns:a="http://schemas.openxmlformats.org/drawingml/2006/main" xmlns:r="http://schemas.openxmlformats.org/officeDocument/2006/relationships" xmlns:p="http://schemas.openxmlformats.org/presentationml/2006/main">
   <p:cSld>
     <p:spTree>
@@ -8386,7 +7290,7 @@
             <a:pPr lvl="0"/>
             <a:fld id="{004900ED-2EFD-2142-93A1-1CBA90FDE07B}" type="slidenum">
               <a:rPr lang="en-US" altLang="ja-JP" smtClean="0"/>
-              <a:t>22</a:t>
+              <a:t>18</a:t>
             </a:fld>
             <a:endParaRPr lang="ja-JP" altLang="en-US"/>
           </a:p>
@@ -9130,7 +8034,7 @@
 </p:sld>
 </file>
 
-<file path=ppt/slides/slide23.xml><?xml version="1.0" encoding="utf-8"?>
+<file path=ppt/slides/slide19.xml><?xml version="1.0" encoding="utf-8"?>
 <p:sld xmlns:a="http://schemas.openxmlformats.org/drawingml/2006/main" xmlns:r="http://schemas.openxmlformats.org/officeDocument/2006/relationships" xmlns:p="http://schemas.openxmlformats.org/presentationml/2006/main">
   <p:cSld>
     <p:spTree>
@@ -9208,7 +8112,7 @@
             <a:pPr lvl="0"/>
             <a:fld id="{004900ED-2EFD-2142-93A1-1CBA90FDE07B}" type="slidenum">
               <a:rPr lang="en-US" altLang="ja-JP" smtClean="0"/>
-              <a:t>23</a:t>
+              <a:t>19</a:t>
             </a:fld>
             <a:endParaRPr lang="ja-JP" altLang="en-US"/>
           </a:p>
@@ -9611,7 +8515,7 @@
 </p:sld>
 </file>
 
-<file path=ppt/slides/slide24.xml><?xml version="1.0" encoding="utf-8"?>
+<file path=ppt/slides/slide2.xml><?xml version="1.0" encoding="utf-8"?>
 <p:sld xmlns:a="http://schemas.openxmlformats.org/drawingml/2006/main" xmlns:r="http://schemas.openxmlformats.org/officeDocument/2006/relationships" xmlns:p="http://schemas.openxmlformats.org/presentationml/2006/main">
   <p:cSld>
     <p:spTree>
@@ -9633,7 +8537,7 @@
           <p:cNvPr id="2" name="タイトル 1">
             <a:extLst>
               <a:ext uri="{FF2B5EF4-FFF2-40B4-BE49-F238E27FC236}">
-                <a16:creationId xmlns:a16="http://schemas.microsoft.com/office/drawing/2014/main" id="{F91DABD0-6E6F-20AC-E27E-DE4CB11AD443}"/>
+                <a16:creationId xmlns:a16="http://schemas.microsoft.com/office/drawing/2014/main" id="{DA6841C3-0E6C-BFA1-5D04-4112F1117102}"/>
               </a:ext>
             </a:extLst>
           </p:cNvPr>
@@ -9651,22 +8555,17 @@
           <a:p>
             <a:r>
               <a:rPr kumimoji="1" lang="ja-JP" altLang="en-US"/>
-              <a:t>実験</a:t>
-            </a:r>
-            <a:r>
-              <a:rPr lang="en-US" altLang="ja-JP" dirty="0"/>
-              <a:t> 2</a:t>
-            </a:r>
-            <a:endParaRPr kumimoji="1" lang="ja-JP" altLang="en-US"/>
-          </a:p>
-        </p:txBody>
-      </p:sp>
-      <p:sp>
-        <p:nvSpPr>
-          <p:cNvPr id="3" name="スライド番号プレースホルダー 2">
-            <a:extLst>
-              <a:ext uri="{FF2B5EF4-FFF2-40B4-BE49-F238E27FC236}">
-                <a16:creationId xmlns:a16="http://schemas.microsoft.com/office/drawing/2014/main" id="{35677EC9-0504-1614-4950-D0D61AE8CD08}"/>
+              <a:t>目次</a:t>
+            </a:r>
+          </a:p>
+        </p:txBody>
+      </p:sp>
+      <p:sp>
+        <p:nvSpPr>
+          <p:cNvPr id="4" name="スライド番号プレースホルダー 3">
+            <a:extLst>
+              <a:ext uri="{FF2B5EF4-FFF2-40B4-BE49-F238E27FC236}">
+                <a16:creationId xmlns:a16="http://schemas.microsoft.com/office/drawing/2014/main" id="{20D20625-8135-BA1D-11A0-E3466265CE7C}"/>
               </a:ext>
             </a:extLst>
           </p:cNvPr>
@@ -9685,7 +8584,212 @@
             <a:pPr lvl="0"/>
             <a:fld id="{004900ED-2EFD-2142-93A1-1CBA90FDE07B}" type="slidenum">
               <a:rPr lang="en-US" altLang="ja-JP" smtClean="0"/>
-              <a:t>24</a:t>
+              <a:t>2</a:t>
+            </a:fld>
+            <a:endParaRPr lang="ja-JP" altLang="en-US"/>
+          </a:p>
+        </p:txBody>
+      </p:sp>
+      <p:sp>
+        <p:nvSpPr>
+          <p:cNvPr id="3" name="テキスト ボックス 2">
+            <a:extLst>
+              <a:ext uri="{FF2B5EF4-FFF2-40B4-BE49-F238E27FC236}">
+                <a16:creationId xmlns:a16="http://schemas.microsoft.com/office/drawing/2014/main" id="{CFCE3529-0348-FAC9-4C81-ACEA9BA72623}"/>
+              </a:ext>
+            </a:extLst>
+          </p:cNvPr>
+          <p:cNvSpPr txBox="1"/>
+          <p:nvPr/>
+        </p:nvSpPr>
+        <p:spPr>
+          <a:xfrm>
+            <a:off x="919691" y="1259079"/>
+            <a:ext cx="3877985" cy="3909917"/>
+          </a:xfrm>
+          <a:prstGeom prst="rect">
+            <a:avLst/>
+          </a:prstGeom>
+          <a:noFill/>
+        </p:spPr>
+        <p:txBody>
+          <a:bodyPr wrap="none" rtlCol="0">
+            <a:spAutoFit/>
+          </a:bodyPr>
+          <a:lstStyle/>
+          <a:p>
+            <a:pPr marL="457200" indent="-457200">
+              <a:lnSpc>
+                <a:spcPct val="150000"/>
+              </a:lnSpc>
+              <a:buFont typeface="Wingdings" pitchFamily="2" charset="2"/>
+              <a:buChar char="Ø"/>
+            </a:pPr>
+            <a:r>
+              <a:rPr lang="ja-JP" altLang="en-US" sz="2800"/>
+              <a:t>はじめに</a:t>
+            </a:r>
+            <a:endParaRPr lang="en-US" altLang="ja-JP" sz="2800" dirty="0"/>
+          </a:p>
+          <a:p>
+            <a:pPr marL="457200" indent="-457200">
+              <a:lnSpc>
+                <a:spcPct val="150000"/>
+              </a:lnSpc>
+              <a:buFont typeface="Wingdings" pitchFamily="2" charset="2"/>
+              <a:buChar char="Ø"/>
+            </a:pPr>
+            <a:r>
+              <a:rPr lang="ja-JP" altLang="en-US" sz="2800"/>
+              <a:t>要素技術</a:t>
+            </a:r>
+            <a:endParaRPr lang="en-US" altLang="ja-JP" sz="2800" dirty="0"/>
+          </a:p>
+          <a:p>
+            <a:pPr marL="457200" indent="-457200">
+              <a:lnSpc>
+                <a:spcPct val="150000"/>
+              </a:lnSpc>
+              <a:buFont typeface="Wingdings" pitchFamily="2" charset="2"/>
+              <a:buChar char="Ø"/>
+            </a:pPr>
+            <a:r>
+              <a:rPr lang="ja-JP" altLang="en-US" sz="2800"/>
+              <a:t>提案手法</a:t>
+            </a:r>
+            <a:endParaRPr lang="en-US" altLang="ja-JP" sz="2800" dirty="0"/>
+          </a:p>
+          <a:p>
+            <a:pPr marL="457200" indent="-457200">
+              <a:lnSpc>
+                <a:spcPct val="150000"/>
+              </a:lnSpc>
+              <a:buFont typeface="Wingdings" pitchFamily="2" charset="2"/>
+              <a:buChar char="Ø"/>
+            </a:pPr>
+            <a:r>
+              <a:rPr lang="ja-JP" altLang="en-US" sz="2800"/>
+              <a:t>実験概要</a:t>
+            </a:r>
+            <a:endParaRPr lang="en-US" altLang="ja-JP" sz="2800" dirty="0"/>
+          </a:p>
+          <a:p>
+            <a:pPr marL="457200" indent="-457200">
+              <a:lnSpc>
+                <a:spcPct val="150000"/>
+              </a:lnSpc>
+              <a:buFont typeface="Wingdings" pitchFamily="2" charset="2"/>
+              <a:buChar char="Ø"/>
+            </a:pPr>
+            <a:r>
+              <a:rPr lang="ja-JP" altLang="en-US" sz="2800"/>
+              <a:t>実験結果</a:t>
+            </a:r>
+            <a:endParaRPr lang="en-US" altLang="ja-JP" sz="2800" dirty="0"/>
+          </a:p>
+          <a:p>
+            <a:pPr marL="457200" indent="-457200">
+              <a:lnSpc>
+                <a:spcPct val="150000"/>
+              </a:lnSpc>
+              <a:buFont typeface="Wingdings" pitchFamily="2" charset="2"/>
+              <a:buChar char="Ø"/>
+            </a:pPr>
+            <a:r>
+              <a:rPr lang="ja-JP" altLang="en-US" sz="2800"/>
+              <a:t>まとめと今後の課題</a:t>
+            </a:r>
+          </a:p>
+        </p:txBody>
+      </p:sp>
+    </p:spTree>
+    <p:extLst>
+      <p:ext uri="{BB962C8B-B14F-4D97-AF65-F5344CB8AC3E}">
+        <p14:creationId xmlns:p14="http://schemas.microsoft.com/office/powerpoint/2010/main" val="934417076"/>
+      </p:ext>
+    </p:extLst>
+  </p:cSld>
+  <p:clrMapOvr>
+    <a:masterClrMapping/>
+  </p:clrMapOvr>
+</p:sld>
+</file>
+
+<file path=ppt/slides/slide20.xml><?xml version="1.0" encoding="utf-8"?>
+<p:sld xmlns:a="http://schemas.openxmlformats.org/drawingml/2006/main" xmlns:r="http://schemas.openxmlformats.org/officeDocument/2006/relationships" xmlns:p="http://schemas.openxmlformats.org/presentationml/2006/main">
+  <p:cSld>
+    <p:spTree>
+      <p:nvGrpSpPr>
+        <p:cNvPr id="1" name=""/>
+        <p:cNvGrpSpPr/>
+        <p:nvPr/>
+      </p:nvGrpSpPr>
+      <p:grpSpPr>
+        <a:xfrm>
+          <a:off x="0" y="0"/>
+          <a:ext cx="0" cy="0"/>
+          <a:chOff x="0" y="0"/>
+          <a:chExt cx="0" cy="0"/>
+        </a:xfrm>
+      </p:grpSpPr>
+      <p:sp>
+        <p:nvSpPr>
+          <p:cNvPr id="2" name="タイトル 1">
+            <a:extLst>
+              <a:ext uri="{FF2B5EF4-FFF2-40B4-BE49-F238E27FC236}">
+                <a16:creationId xmlns:a16="http://schemas.microsoft.com/office/drawing/2014/main" id="{F91DABD0-6E6F-20AC-E27E-DE4CB11AD443}"/>
+              </a:ext>
+            </a:extLst>
+          </p:cNvPr>
+          <p:cNvSpPr>
+            <a:spLocks noGrp="1"/>
+          </p:cNvSpPr>
+          <p:nvPr>
+            <p:ph type="title"/>
+          </p:nvPr>
+        </p:nvSpPr>
+        <p:spPr/>
+        <p:txBody>
+          <a:bodyPr/>
+          <a:lstStyle/>
+          <a:p>
+            <a:r>
+              <a:rPr kumimoji="1" lang="ja-JP" altLang="en-US"/>
+              <a:t>実験</a:t>
+            </a:r>
+            <a:r>
+              <a:rPr lang="en-US" altLang="ja-JP" dirty="0"/>
+              <a:t> 2</a:t>
+            </a:r>
+            <a:endParaRPr kumimoji="1" lang="ja-JP" altLang="en-US"/>
+          </a:p>
+        </p:txBody>
+      </p:sp>
+      <p:sp>
+        <p:nvSpPr>
+          <p:cNvPr id="3" name="スライド番号プレースホルダー 2">
+            <a:extLst>
+              <a:ext uri="{FF2B5EF4-FFF2-40B4-BE49-F238E27FC236}">
+                <a16:creationId xmlns:a16="http://schemas.microsoft.com/office/drawing/2014/main" id="{35677EC9-0504-1614-4950-D0D61AE8CD08}"/>
+              </a:ext>
+            </a:extLst>
+          </p:cNvPr>
+          <p:cNvSpPr>
+            <a:spLocks noGrp="1"/>
+          </p:cNvSpPr>
+          <p:nvPr>
+            <p:ph type="sldNum" sz="quarter" idx="12"/>
+          </p:nvPr>
+        </p:nvSpPr>
+        <p:spPr/>
+        <p:txBody>
+          <a:bodyPr/>
+          <a:lstStyle/>
+          <a:p>
+            <a:pPr lvl="0"/>
+            <a:fld id="{004900ED-2EFD-2142-93A1-1CBA90FDE07B}" type="slidenum">
+              <a:rPr lang="en-US" altLang="ja-JP" smtClean="0"/>
+              <a:t>20</a:t>
             </a:fld>
             <a:endParaRPr lang="ja-JP" altLang="en-US"/>
           </a:p>
@@ -10297,7 +9401,7 @@
 </p:sld>
 </file>
 
-<file path=ppt/slides/slide25.xml><?xml version="1.0" encoding="utf-8"?>
+<file path=ppt/slides/slide21.xml><?xml version="1.0" encoding="utf-8"?>
 <p:sld xmlns:a="http://schemas.openxmlformats.org/drawingml/2006/main" xmlns:r="http://schemas.openxmlformats.org/officeDocument/2006/relationships" xmlns:p="http://schemas.openxmlformats.org/presentationml/2006/main">
   <p:cSld>
     <p:spTree>
@@ -10375,7 +9479,7 @@
             <a:pPr lvl="0"/>
             <a:fld id="{004900ED-2EFD-2142-93A1-1CBA90FDE07B}" type="slidenum">
               <a:rPr lang="en-US" altLang="ja-JP" smtClean="0"/>
-              <a:t>25</a:t>
+              <a:t>21</a:t>
             </a:fld>
             <a:endParaRPr lang="ja-JP" altLang="en-US"/>
           </a:p>
@@ -10862,7 +9966,7 @@
 </p:sld>
 </file>
 
-<file path=ppt/slides/slide26.xml><?xml version="1.0" encoding="utf-8"?>
+<file path=ppt/slides/slide22.xml><?xml version="1.0" encoding="utf-8"?>
 <p:sld xmlns:a="http://schemas.openxmlformats.org/drawingml/2006/main" xmlns:r="http://schemas.openxmlformats.org/officeDocument/2006/relationships" xmlns:p="http://schemas.openxmlformats.org/presentationml/2006/main">
   <p:cSld>
     <p:spTree>
@@ -10931,7 +10035,7 @@
             <a:pPr lvl="0"/>
             <a:fld id="{004900ED-2EFD-2142-93A1-1CBA90FDE07B}" type="slidenum">
               <a:rPr lang="en-US" altLang="ja-JP" smtClean="0"/>
-              <a:t>26</a:t>
+              <a:t>22</a:t>
             </a:fld>
             <a:endParaRPr lang="ja-JP" altLang="en-US"/>
           </a:p>
@@ -11116,7 +10220,7 @@
 </p:sld>
 </file>
 
-<file path=ppt/slides/slide27.xml><?xml version="1.0" encoding="utf-8"?>
+<file path=ppt/slides/slide23.xml><?xml version="1.0" encoding="utf-8"?>
 <p:sld xmlns:a="http://schemas.openxmlformats.org/drawingml/2006/main" xmlns:r="http://schemas.openxmlformats.org/officeDocument/2006/relationships" xmlns:p="http://schemas.openxmlformats.org/presentationml/2006/main">
   <p:cSld>
     <p:spTree>
@@ -11186,7 +10290,7 @@
             <a:pPr lvl="0"/>
             <a:fld id="{004900ED-2EFD-2142-93A1-1CBA90FDE07B}" type="slidenum">
               <a:rPr lang="en-US" altLang="ja-JP" smtClean="0"/>
-              <a:t>27</a:t>
+              <a:t>23</a:t>
             </a:fld>
             <a:endParaRPr lang="ja-JP" altLang="en-US"/>
           </a:p>
@@ -11395,7 +10499,7 @@
 </p:sld>
 </file>
 
-<file path=ppt/slides/slide28.xml><?xml version="1.0" encoding="utf-8"?>
+<file path=ppt/slides/slide24.xml><?xml version="1.0" encoding="utf-8"?>
 <p:sld xmlns:a="http://schemas.openxmlformats.org/drawingml/2006/main" xmlns:r="http://schemas.openxmlformats.org/officeDocument/2006/relationships" xmlns:p="http://schemas.openxmlformats.org/presentationml/2006/main">
   <p:cSld>
     <p:spTree>
@@ -11482,7 +10586,7 @@
             <a:pPr lvl="0"/>
             <a:fld id="{004900ED-2EFD-2142-93A1-1CBA90FDE07B}" type="slidenum">
               <a:rPr lang="en-US" altLang="ja-JP" smtClean="0"/>
-              <a:t>28</a:t>
+              <a:t>24</a:t>
             </a:fld>
             <a:endParaRPr lang="ja-JP" altLang="en-US"/>
           </a:p>
@@ -12537,7 +11641,7 @@
 </p:sld>
 </file>
 
-<file path=ppt/slides/slide29.xml><?xml version="1.0" encoding="utf-8"?>
+<file path=ppt/slides/slide25.xml><?xml version="1.0" encoding="utf-8"?>
 <p:sld xmlns:a="http://schemas.openxmlformats.org/drawingml/2006/main" xmlns:r="http://schemas.openxmlformats.org/officeDocument/2006/relationships" xmlns:p="http://schemas.openxmlformats.org/presentationml/2006/main">
   <p:cSld>
     <p:spTree>
@@ -12619,7 +11723,7 @@
             <a:pPr lvl="0"/>
             <a:fld id="{004900ED-2EFD-2142-93A1-1CBA90FDE07B}" type="slidenum">
               <a:rPr lang="en-US" altLang="ja-JP" smtClean="0"/>
-              <a:t>29</a:t>
+              <a:t>25</a:t>
             </a:fld>
             <a:endParaRPr lang="ja-JP" altLang="en-US"/>
           </a:p>
@@ -12762,7 +11866,7 @@
 </p:sld>
 </file>
 
-<file path=ppt/slides/slide3.xml><?xml version="1.0" encoding="utf-8"?>
+<file path=ppt/slides/slide26.xml><?xml version="1.0" encoding="utf-8"?>
 <p:sld xmlns:a="http://schemas.openxmlformats.org/drawingml/2006/main" xmlns:r="http://schemas.openxmlformats.org/officeDocument/2006/relationships" xmlns:p="http://schemas.openxmlformats.org/presentationml/2006/main">
   <p:cSld>
     <p:spTree>
@@ -12784,7 +11888,7 @@
           <p:cNvPr id="2" name="タイトル 1">
             <a:extLst>
               <a:ext uri="{FF2B5EF4-FFF2-40B4-BE49-F238E27FC236}">
-                <a16:creationId xmlns:a16="http://schemas.microsoft.com/office/drawing/2014/main" id="{DA6841C3-0E6C-BFA1-5D04-4112F1117102}"/>
+                <a16:creationId xmlns:a16="http://schemas.microsoft.com/office/drawing/2014/main" id="{D159CF40-CD8C-21A6-0A3D-8CF370B562A6}"/>
               </a:ext>
             </a:extLst>
           </p:cNvPr>
@@ -12795,24 +11899,42 @@
             <p:ph type="title"/>
           </p:nvPr>
         </p:nvSpPr>
-        <p:spPr/>
+        <p:spPr>
+          <a:xfrm>
+            <a:off x="519836" y="166047"/>
+            <a:ext cx="6521589" cy="1096044"/>
+          </a:xfrm>
+        </p:spPr>
         <p:txBody>
           <a:bodyPr/>
           <a:lstStyle/>
           <a:p>
             <a:r>
               <a:rPr kumimoji="1" lang="ja-JP" altLang="en-US"/>
-              <a:t>目次</a:t>
-            </a:r>
-          </a:p>
-        </p:txBody>
-      </p:sp>
-      <p:sp>
-        <p:nvSpPr>
-          <p:cNvPr id="4" name="スライド番号プレースホルダー 3">
-            <a:extLst>
-              <a:ext uri="{FF2B5EF4-FFF2-40B4-BE49-F238E27FC236}">
-                <a16:creationId xmlns:a16="http://schemas.microsoft.com/office/drawing/2014/main" id="{20D20625-8135-BA1D-11A0-E3466265CE7C}"/>
+              <a:t>実験</a:t>
+            </a:r>
+            <a:r>
+              <a:rPr kumimoji="1" lang="en-US" altLang="ja-JP" dirty="0"/>
+              <a:t> </a:t>
+            </a:r>
+            <a:r>
+              <a:rPr lang="en-US" altLang="ja-JP" dirty="0"/>
+              <a:t>2 ––– </a:t>
+            </a:r>
+            <a:r>
+              <a:rPr lang="ja-JP" altLang="en-US"/>
+              <a:t>最終的な識別精度</a:t>
+            </a:r>
+            <a:endParaRPr kumimoji="1" lang="ja-JP" altLang="en-US"/>
+          </a:p>
+        </p:txBody>
+      </p:sp>
+      <p:sp>
+        <p:nvSpPr>
+          <p:cNvPr id="3" name="スライド番号プレースホルダー 2">
+            <a:extLst>
+              <a:ext uri="{FF2B5EF4-FFF2-40B4-BE49-F238E27FC236}">
+                <a16:creationId xmlns:a16="http://schemas.microsoft.com/office/drawing/2014/main" id="{37968868-915E-15E5-AB4E-1366F32A281D}"/>
               </a:ext>
             </a:extLst>
           </p:cNvPr>
@@ -12831,279 +11953,7 @@
             <a:pPr lvl="0"/>
             <a:fld id="{004900ED-2EFD-2142-93A1-1CBA90FDE07B}" type="slidenum">
               <a:rPr lang="en-US" altLang="ja-JP" smtClean="0"/>
-              <a:t>3</a:t>
-            </a:fld>
-            <a:endParaRPr lang="ja-JP" altLang="en-US"/>
-          </a:p>
-        </p:txBody>
-      </p:sp>
-      <p:sp>
-        <p:nvSpPr>
-          <p:cNvPr id="3" name="テキスト ボックス 2">
-            <a:extLst>
-              <a:ext uri="{FF2B5EF4-FFF2-40B4-BE49-F238E27FC236}">
-                <a16:creationId xmlns:a16="http://schemas.microsoft.com/office/drawing/2014/main" id="{CFCE3529-0348-FAC9-4C81-ACEA9BA72623}"/>
-              </a:ext>
-            </a:extLst>
-          </p:cNvPr>
-          <p:cNvSpPr txBox="1"/>
-          <p:nvPr/>
-        </p:nvSpPr>
-        <p:spPr>
-          <a:xfrm>
-            <a:off x="919691" y="1259079"/>
-            <a:ext cx="3877985" cy="3909917"/>
-          </a:xfrm>
-          <a:prstGeom prst="rect">
-            <a:avLst/>
-          </a:prstGeom>
-          <a:noFill/>
-        </p:spPr>
-        <p:txBody>
-          <a:bodyPr wrap="none" rtlCol="0">
-            <a:spAutoFit/>
-          </a:bodyPr>
-          <a:lstStyle/>
-          <a:p>
-            <a:pPr marL="457200" indent="-457200">
-              <a:lnSpc>
-                <a:spcPct val="150000"/>
-              </a:lnSpc>
-              <a:buFont typeface="Wingdings" pitchFamily="2" charset="2"/>
-              <a:buChar char="Ø"/>
-            </a:pPr>
-            <a:r>
-              <a:rPr lang="ja-JP" altLang="en-US" sz="2800"/>
-              <a:t>はじめに</a:t>
-            </a:r>
-            <a:endParaRPr lang="en-US" altLang="ja-JP" sz="2800" dirty="0"/>
-          </a:p>
-          <a:p>
-            <a:pPr marL="457200" indent="-457200">
-              <a:lnSpc>
-                <a:spcPct val="150000"/>
-              </a:lnSpc>
-              <a:buFont typeface="Wingdings" pitchFamily="2" charset="2"/>
-              <a:buChar char="Ø"/>
-            </a:pPr>
-            <a:r>
-              <a:rPr lang="ja-JP" altLang="en-US" sz="2800">
-                <a:solidFill>
-                  <a:schemeClr val="bg2">
-                    <a:lumMod val="75000"/>
-                  </a:schemeClr>
-                </a:solidFill>
-              </a:rPr>
-              <a:t>要素技術</a:t>
-            </a:r>
-            <a:endParaRPr lang="en-US" altLang="ja-JP" sz="2800" dirty="0">
-              <a:solidFill>
-                <a:schemeClr val="bg2">
-                  <a:lumMod val="75000"/>
-                </a:schemeClr>
-              </a:solidFill>
-            </a:endParaRPr>
-          </a:p>
-          <a:p>
-            <a:pPr marL="457200" indent="-457200">
-              <a:lnSpc>
-                <a:spcPct val="150000"/>
-              </a:lnSpc>
-              <a:buFont typeface="Wingdings" pitchFamily="2" charset="2"/>
-              <a:buChar char="Ø"/>
-            </a:pPr>
-            <a:r>
-              <a:rPr lang="ja-JP" altLang="en-US" sz="2800">
-                <a:solidFill>
-                  <a:schemeClr val="bg2">
-                    <a:lumMod val="75000"/>
-                  </a:schemeClr>
-                </a:solidFill>
-              </a:rPr>
-              <a:t>提案手法</a:t>
-            </a:r>
-            <a:endParaRPr lang="en-US" altLang="ja-JP" sz="2800" dirty="0">
-              <a:solidFill>
-                <a:schemeClr val="bg2">
-                  <a:lumMod val="75000"/>
-                </a:schemeClr>
-              </a:solidFill>
-            </a:endParaRPr>
-          </a:p>
-          <a:p>
-            <a:pPr marL="457200" indent="-457200">
-              <a:lnSpc>
-                <a:spcPct val="150000"/>
-              </a:lnSpc>
-              <a:buFont typeface="Wingdings" pitchFamily="2" charset="2"/>
-              <a:buChar char="Ø"/>
-            </a:pPr>
-            <a:r>
-              <a:rPr lang="ja-JP" altLang="en-US" sz="2800">
-                <a:solidFill>
-                  <a:schemeClr val="bg2">
-                    <a:lumMod val="75000"/>
-                  </a:schemeClr>
-                </a:solidFill>
-              </a:rPr>
-              <a:t>実験概要</a:t>
-            </a:r>
-            <a:endParaRPr lang="en-US" altLang="ja-JP" sz="2800" dirty="0">
-              <a:solidFill>
-                <a:schemeClr val="bg2">
-                  <a:lumMod val="75000"/>
-                </a:schemeClr>
-              </a:solidFill>
-            </a:endParaRPr>
-          </a:p>
-          <a:p>
-            <a:pPr marL="457200" indent="-457200">
-              <a:lnSpc>
-                <a:spcPct val="150000"/>
-              </a:lnSpc>
-              <a:buFont typeface="Wingdings" pitchFamily="2" charset="2"/>
-              <a:buChar char="Ø"/>
-            </a:pPr>
-            <a:r>
-              <a:rPr lang="ja-JP" altLang="en-US" sz="2800">
-                <a:solidFill>
-                  <a:schemeClr val="bg2">
-                    <a:lumMod val="75000"/>
-                  </a:schemeClr>
-                </a:solidFill>
-              </a:rPr>
-              <a:t>実験結果</a:t>
-            </a:r>
-            <a:endParaRPr lang="en-US" altLang="ja-JP" sz="2800" dirty="0">
-              <a:solidFill>
-                <a:schemeClr val="bg2">
-                  <a:lumMod val="75000"/>
-                </a:schemeClr>
-              </a:solidFill>
-            </a:endParaRPr>
-          </a:p>
-          <a:p>
-            <a:pPr marL="457200" indent="-457200">
-              <a:lnSpc>
-                <a:spcPct val="150000"/>
-              </a:lnSpc>
-              <a:buFont typeface="Wingdings" pitchFamily="2" charset="2"/>
-              <a:buChar char="Ø"/>
-            </a:pPr>
-            <a:r>
-              <a:rPr lang="ja-JP" altLang="en-US" sz="2800">
-                <a:solidFill>
-                  <a:schemeClr val="bg2">
-                    <a:lumMod val="75000"/>
-                  </a:schemeClr>
-                </a:solidFill>
-              </a:rPr>
-              <a:t>まとめと今後の課題</a:t>
-            </a:r>
-          </a:p>
-        </p:txBody>
-      </p:sp>
-    </p:spTree>
-    <p:extLst>
-      <p:ext uri="{BB962C8B-B14F-4D97-AF65-F5344CB8AC3E}">
-        <p14:creationId xmlns:p14="http://schemas.microsoft.com/office/powerpoint/2010/main" val="1047084735"/>
-      </p:ext>
-    </p:extLst>
-  </p:cSld>
-  <p:clrMapOvr>
-    <a:masterClrMapping/>
-  </p:clrMapOvr>
-</p:sld>
-</file>
-
-<file path=ppt/slides/slide30.xml><?xml version="1.0" encoding="utf-8"?>
-<p:sld xmlns:a="http://schemas.openxmlformats.org/drawingml/2006/main" xmlns:r="http://schemas.openxmlformats.org/officeDocument/2006/relationships" xmlns:p="http://schemas.openxmlformats.org/presentationml/2006/main">
-  <p:cSld>
-    <p:spTree>
-      <p:nvGrpSpPr>
-        <p:cNvPr id="1" name=""/>
-        <p:cNvGrpSpPr/>
-        <p:nvPr/>
-      </p:nvGrpSpPr>
-      <p:grpSpPr>
-        <a:xfrm>
-          <a:off x="0" y="0"/>
-          <a:ext cx="0" cy="0"/>
-          <a:chOff x="0" y="0"/>
-          <a:chExt cx="0" cy="0"/>
-        </a:xfrm>
-      </p:grpSpPr>
-      <p:sp>
-        <p:nvSpPr>
-          <p:cNvPr id="2" name="タイトル 1">
-            <a:extLst>
-              <a:ext uri="{FF2B5EF4-FFF2-40B4-BE49-F238E27FC236}">
-                <a16:creationId xmlns:a16="http://schemas.microsoft.com/office/drawing/2014/main" id="{D159CF40-CD8C-21A6-0A3D-8CF370B562A6}"/>
-              </a:ext>
-            </a:extLst>
-          </p:cNvPr>
-          <p:cNvSpPr>
-            <a:spLocks noGrp="1"/>
-          </p:cNvSpPr>
-          <p:nvPr>
-            <p:ph type="title"/>
-          </p:nvPr>
-        </p:nvSpPr>
-        <p:spPr>
-          <a:xfrm>
-            <a:off x="519836" y="166047"/>
-            <a:ext cx="6521589" cy="1096044"/>
-          </a:xfrm>
-        </p:spPr>
-        <p:txBody>
-          <a:bodyPr/>
-          <a:lstStyle/>
-          <a:p>
-            <a:r>
-              <a:rPr kumimoji="1" lang="ja-JP" altLang="en-US"/>
-              <a:t>実験</a:t>
-            </a:r>
-            <a:r>
-              <a:rPr kumimoji="1" lang="en-US" altLang="ja-JP" dirty="0"/>
-              <a:t> </a:t>
-            </a:r>
-            <a:r>
-              <a:rPr lang="en-US" altLang="ja-JP" dirty="0"/>
-              <a:t>2 ––– </a:t>
-            </a:r>
-            <a:r>
-              <a:rPr lang="ja-JP" altLang="en-US"/>
-              <a:t>最終的な識別精度</a:t>
-            </a:r>
-            <a:endParaRPr kumimoji="1" lang="ja-JP" altLang="en-US"/>
-          </a:p>
-        </p:txBody>
-      </p:sp>
-      <p:sp>
-        <p:nvSpPr>
-          <p:cNvPr id="3" name="スライド番号プレースホルダー 2">
-            <a:extLst>
-              <a:ext uri="{FF2B5EF4-FFF2-40B4-BE49-F238E27FC236}">
-                <a16:creationId xmlns:a16="http://schemas.microsoft.com/office/drawing/2014/main" id="{37968868-915E-15E5-AB4E-1366F32A281D}"/>
-              </a:ext>
-            </a:extLst>
-          </p:cNvPr>
-          <p:cNvSpPr>
-            <a:spLocks noGrp="1"/>
-          </p:cNvSpPr>
-          <p:nvPr>
-            <p:ph type="sldNum" sz="quarter" idx="12"/>
-          </p:nvPr>
-        </p:nvSpPr>
-        <p:spPr/>
-        <p:txBody>
-          <a:bodyPr/>
-          <a:lstStyle/>
-          <a:p>
-            <a:pPr lvl="0"/>
-            <a:fld id="{004900ED-2EFD-2142-93A1-1CBA90FDE07B}" type="slidenum">
-              <a:rPr lang="en-US" altLang="ja-JP" smtClean="0"/>
-              <a:t>30</a:t>
+              <a:t>26</a:t>
             </a:fld>
             <a:endParaRPr lang="ja-JP" altLang="en-US"/>
           </a:p>
@@ -13791,7 +12641,7 @@
 </p:sld>
 </file>
 
-<file path=ppt/slides/slide31.xml><?xml version="1.0" encoding="utf-8"?>
+<file path=ppt/slides/slide27.xml><?xml version="1.0" encoding="utf-8"?>
 <p:sld xmlns:a="http://schemas.openxmlformats.org/drawingml/2006/main" xmlns:r="http://schemas.openxmlformats.org/officeDocument/2006/relationships" xmlns:p="http://schemas.openxmlformats.org/presentationml/2006/main">
   <p:cSld>
     <p:spTree>
@@ -13813,7 +12663,7 @@
           <p:cNvPr id="2" name="タイトル 1">
             <a:extLst>
               <a:ext uri="{FF2B5EF4-FFF2-40B4-BE49-F238E27FC236}">
-                <a16:creationId xmlns:a16="http://schemas.microsoft.com/office/drawing/2014/main" id="{D159CF40-CD8C-21A6-0A3D-8CF370B562A6}"/>
+                <a16:creationId xmlns:a16="http://schemas.microsoft.com/office/drawing/2014/main" id="{04170869-4AC3-42F7-BE42-FCEB43E32FD4}"/>
               </a:ext>
             </a:extLst>
           </p:cNvPr>
@@ -13824,12 +12674,7 @@
             <p:ph type="title"/>
           </p:nvPr>
         </p:nvSpPr>
-        <p:spPr>
-          <a:xfrm>
-            <a:off x="519836" y="166047"/>
-            <a:ext cx="6521589" cy="1096044"/>
-          </a:xfrm>
-        </p:spPr>
+        <p:spPr/>
         <p:txBody>
           <a:bodyPr/>
           <a:lstStyle/>
@@ -13848,7 +12693,7 @@
             </a:r>
             <a:r>
               <a:rPr lang="ja-JP" altLang="en-US"/>
-              <a:t>適応度の推移</a:t>
+              <a:t>考察</a:t>
             </a:r>
             <a:endParaRPr kumimoji="1" lang="ja-JP" altLang="en-US"/>
           </a:p>
@@ -13859,7 +12704,7 @@
           <p:cNvPr id="3" name="スライド番号プレースホルダー 2">
             <a:extLst>
               <a:ext uri="{FF2B5EF4-FFF2-40B4-BE49-F238E27FC236}">
-                <a16:creationId xmlns:a16="http://schemas.microsoft.com/office/drawing/2014/main" id="{37968868-915E-15E5-AB4E-1366F32A281D}"/>
+                <a16:creationId xmlns:a16="http://schemas.microsoft.com/office/drawing/2014/main" id="{16E967F3-FCF0-9BA0-34F9-61C2BAA3BEAA}"/>
               </a:ext>
             </a:extLst>
           </p:cNvPr>
@@ -13878,257 +12723,7 @@
             <a:pPr lvl="0"/>
             <a:fld id="{004900ED-2EFD-2142-93A1-1CBA90FDE07B}" type="slidenum">
               <a:rPr lang="en-US" altLang="ja-JP" smtClean="0"/>
-              <a:t>31</a:t>
-            </a:fld>
-            <a:endParaRPr lang="ja-JP" altLang="en-US"/>
-          </a:p>
-        </p:txBody>
-      </p:sp>
-      <p:grpSp>
-        <p:nvGrpSpPr>
-          <p:cNvPr id="13" name="グループ化 12">
-            <a:extLst>
-              <a:ext uri="{FF2B5EF4-FFF2-40B4-BE49-F238E27FC236}">
-                <a16:creationId xmlns:a16="http://schemas.microsoft.com/office/drawing/2014/main" id="{84114E7E-ED35-82C3-DC5B-3408B17E5F4D}"/>
-              </a:ext>
-            </a:extLst>
-          </p:cNvPr>
-          <p:cNvGrpSpPr/>
-          <p:nvPr/>
-        </p:nvGrpSpPr>
-        <p:grpSpPr>
-          <a:xfrm>
-            <a:off x="120649" y="1727198"/>
-            <a:ext cx="7380849" cy="3363730"/>
-            <a:chOff x="120649" y="1727198"/>
-            <a:chExt cx="7380849" cy="3363730"/>
-          </a:xfrm>
-        </p:grpSpPr>
-        <p:pic>
-          <p:nvPicPr>
-            <p:cNvPr id="7" name="図 6" descr="グラフ, 折れ線グラフ&#10;&#10;自動的に生成された説明">
-              <a:extLst>
-                <a:ext uri="{FF2B5EF4-FFF2-40B4-BE49-F238E27FC236}">
-                  <a16:creationId xmlns:a16="http://schemas.microsoft.com/office/drawing/2014/main" id="{6B9C6E3A-C2DD-3B77-364C-B77093576CAC}"/>
-                </a:ext>
-              </a:extLst>
-            </p:cNvPr>
-            <p:cNvPicPr>
-              <a:picLocks noChangeAspect="1"/>
-            </p:cNvPicPr>
-            <p:nvPr/>
-          </p:nvPicPr>
-          <p:blipFill rotWithShape="1">
-            <a:blip r:embed="rId2"/>
-            <a:srcRect l="6351" t="11058" r="8995" b="2041"/>
-            <a:stretch/>
-          </p:blipFill>
-          <p:spPr>
-            <a:xfrm>
-              <a:off x="3866493" y="1727198"/>
-              <a:ext cx="3635005" cy="2798619"/>
-            </a:xfrm>
-            <a:prstGeom prst="rect">
-              <a:avLst/>
-            </a:prstGeom>
-          </p:spPr>
-        </p:pic>
-        <p:pic>
-          <p:nvPicPr>
-            <p:cNvPr id="10" name="図 9" descr="グラフ, 折れ線グラフ&#10;&#10;自動的に生成された説明">
-              <a:extLst>
-                <a:ext uri="{FF2B5EF4-FFF2-40B4-BE49-F238E27FC236}">
-                  <a16:creationId xmlns:a16="http://schemas.microsoft.com/office/drawing/2014/main" id="{9B2BDBF4-BEF1-B08E-25B7-A30453A4EB7A}"/>
-                </a:ext>
-              </a:extLst>
-            </p:cNvPr>
-            <p:cNvPicPr>
-              <a:picLocks noChangeAspect="1"/>
-            </p:cNvPicPr>
-            <p:nvPr/>
-          </p:nvPicPr>
-          <p:blipFill rotWithShape="1">
-            <a:blip r:embed="rId3"/>
-            <a:srcRect l="3785" t="11557" r="9252" b="1812"/>
-            <a:stretch/>
-          </p:blipFill>
-          <p:spPr>
-            <a:xfrm>
-              <a:off x="120649" y="1727199"/>
-              <a:ext cx="3745844" cy="2798619"/>
-            </a:xfrm>
-            <a:prstGeom prst="rect">
-              <a:avLst/>
-            </a:prstGeom>
-          </p:spPr>
-        </p:pic>
-        <p:sp>
-          <p:nvSpPr>
-            <p:cNvPr id="11" name="テキスト ボックス 10">
-              <a:extLst>
-                <a:ext uri="{FF2B5EF4-FFF2-40B4-BE49-F238E27FC236}">
-                  <a16:creationId xmlns:a16="http://schemas.microsoft.com/office/drawing/2014/main" id="{39F5E587-3EF9-3818-BF6E-CAD92A72DBE9}"/>
-                </a:ext>
-              </a:extLst>
-            </p:cNvPr>
-            <p:cNvSpPr txBox="1"/>
-            <p:nvPr/>
-          </p:nvSpPr>
-          <p:spPr>
-            <a:xfrm>
-              <a:off x="518198" y="4690818"/>
-              <a:ext cx="3262432" cy="400110"/>
-            </a:xfrm>
-            <a:prstGeom prst="rect">
-              <a:avLst/>
-            </a:prstGeom>
-            <a:noFill/>
-          </p:spPr>
-          <p:txBody>
-            <a:bodyPr wrap="none" rtlCol="0">
-              <a:spAutoFit/>
-            </a:bodyPr>
-            <a:lstStyle/>
-            <a:p>
-              <a:r>
-                <a:rPr kumimoji="1" lang="ja-JP" altLang="en-US" sz="2000"/>
-                <a:t>エポック数を増加させた時</a:t>
-              </a:r>
-            </a:p>
-          </p:txBody>
-        </p:sp>
-        <p:sp>
-          <p:nvSpPr>
-            <p:cNvPr id="12" name="テキスト ボックス 11">
-              <a:extLst>
-                <a:ext uri="{FF2B5EF4-FFF2-40B4-BE49-F238E27FC236}">
-                  <a16:creationId xmlns:a16="http://schemas.microsoft.com/office/drawing/2014/main" id="{B6750C3E-2C2F-B465-7CC3-E1D2A21E4317}"/>
-                </a:ext>
-              </a:extLst>
-            </p:cNvPr>
-            <p:cNvSpPr txBox="1"/>
-            <p:nvPr/>
-          </p:nvSpPr>
-          <p:spPr>
-            <a:xfrm>
-              <a:off x="4168998" y="4690818"/>
-              <a:ext cx="3262432" cy="400110"/>
-            </a:xfrm>
-            <a:prstGeom prst="rect">
-              <a:avLst/>
-            </a:prstGeom>
-            <a:noFill/>
-          </p:spPr>
-          <p:txBody>
-            <a:bodyPr wrap="none" rtlCol="0">
-              <a:spAutoFit/>
-            </a:bodyPr>
-            <a:lstStyle/>
-            <a:p>
-              <a:r>
-                <a:rPr kumimoji="1" lang="ja-JP" altLang="en-US" sz="2000"/>
-                <a:t>エポック数を減少させた時</a:t>
-              </a:r>
-            </a:p>
-          </p:txBody>
-        </p:sp>
-      </p:grpSp>
-    </p:spTree>
-    <p:extLst>
-      <p:ext uri="{BB962C8B-B14F-4D97-AF65-F5344CB8AC3E}">
-        <p14:creationId xmlns:p14="http://schemas.microsoft.com/office/powerpoint/2010/main" val="611415597"/>
-      </p:ext>
-    </p:extLst>
-  </p:cSld>
-  <p:clrMapOvr>
-    <a:masterClrMapping/>
-  </p:clrMapOvr>
-</p:sld>
-</file>
-
-<file path=ppt/slides/slide32.xml><?xml version="1.0" encoding="utf-8"?>
-<p:sld xmlns:a="http://schemas.openxmlformats.org/drawingml/2006/main" xmlns:r="http://schemas.openxmlformats.org/officeDocument/2006/relationships" xmlns:p="http://schemas.openxmlformats.org/presentationml/2006/main">
-  <p:cSld>
-    <p:spTree>
-      <p:nvGrpSpPr>
-        <p:cNvPr id="1" name=""/>
-        <p:cNvGrpSpPr/>
-        <p:nvPr/>
-      </p:nvGrpSpPr>
-      <p:grpSpPr>
-        <a:xfrm>
-          <a:off x="0" y="0"/>
-          <a:ext cx="0" cy="0"/>
-          <a:chOff x="0" y="0"/>
-          <a:chExt cx="0" cy="0"/>
-        </a:xfrm>
-      </p:grpSpPr>
-      <p:sp>
-        <p:nvSpPr>
-          <p:cNvPr id="2" name="タイトル 1">
-            <a:extLst>
-              <a:ext uri="{FF2B5EF4-FFF2-40B4-BE49-F238E27FC236}">
-                <a16:creationId xmlns:a16="http://schemas.microsoft.com/office/drawing/2014/main" id="{04170869-4AC3-42F7-BE42-FCEB43E32FD4}"/>
-              </a:ext>
-            </a:extLst>
-          </p:cNvPr>
-          <p:cNvSpPr>
-            <a:spLocks noGrp="1"/>
-          </p:cNvSpPr>
-          <p:nvPr>
-            <p:ph type="title"/>
-          </p:nvPr>
-        </p:nvSpPr>
-        <p:spPr/>
-        <p:txBody>
-          <a:bodyPr/>
-          <a:lstStyle/>
-          <a:p>
-            <a:r>
-              <a:rPr kumimoji="1" lang="ja-JP" altLang="en-US"/>
-              <a:t>実験</a:t>
-            </a:r>
-            <a:r>
-              <a:rPr kumimoji="1" lang="en-US" altLang="ja-JP" dirty="0"/>
-              <a:t> </a:t>
-            </a:r>
-            <a:r>
-              <a:rPr lang="en-US" altLang="ja-JP" dirty="0"/>
-              <a:t>2 ––– </a:t>
-            </a:r>
-            <a:r>
-              <a:rPr lang="ja-JP" altLang="en-US"/>
-              <a:t>考察</a:t>
-            </a:r>
-            <a:endParaRPr kumimoji="1" lang="ja-JP" altLang="en-US"/>
-          </a:p>
-        </p:txBody>
-      </p:sp>
-      <p:sp>
-        <p:nvSpPr>
-          <p:cNvPr id="3" name="スライド番号プレースホルダー 2">
-            <a:extLst>
-              <a:ext uri="{FF2B5EF4-FFF2-40B4-BE49-F238E27FC236}">
-                <a16:creationId xmlns:a16="http://schemas.microsoft.com/office/drawing/2014/main" id="{16E967F3-FCF0-9BA0-34F9-61C2BAA3BEAA}"/>
-              </a:ext>
-            </a:extLst>
-          </p:cNvPr>
-          <p:cNvSpPr>
-            <a:spLocks noGrp="1"/>
-          </p:cNvSpPr>
-          <p:nvPr>
-            <p:ph type="sldNum" sz="quarter" idx="12"/>
-          </p:nvPr>
-        </p:nvSpPr>
-        <p:spPr/>
-        <p:txBody>
-          <a:bodyPr/>
-          <a:lstStyle/>
-          <a:p>
-            <a:pPr lvl="0"/>
-            <a:fld id="{004900ED-2EFD-2142-93A1-1CBA90FDE07B}" type="slidenum">
-              <a:rPr lang="en-US" altLang="ja-JP" smtClean="0"/>
-              <a:t>32</a:t>
+              <a:t>27</a:t>
             </a:fld>
             <a:endParaRPr lang="ja-JP" altLang="en-US"/>
           </a:p>
@@ -14345,7 +12940,7 @@
 </p:sld>
 </file>
 
-<file path=ppt/slides/slide33.xml><?xml version="1.0" encoding="utf-8"?>
+<file path=ppt/slides/slide28.xml><?xml version="1.0" encoding="utf-8"?>
 <p:sld xmlns:a="http://schemas.openxmlformats.org/drawingml/2006/main" xmlns:r="http://schemas.openxmlformats.org/officeDocument/2006/relationships" xmlns:p="http://schemas.openxmlformats.org/presentationml/2006/main">
   <p:cSld>
     <p:spTree>
@@ -14414,7 +13009,7 @@
             <a:pPr lvl="0"/>
             <a:fld id="{004900ED-2EFD-2142-93A1-1CBA90FDE07B}" type="slidenum">
               <a:rPr lang="en-US" altLang="ja-JP" smtClean="0"/>
-              <a:t>33</a:t>
+              <a:t>28</a:t>
             </a:fld>
             <a:endParaRPr lang="ja-JP" altLang="en-US"/>
           </a:p>
@@ -14605,7 +13200,7 @@
 </p:sld>
 </file>
 
-<file path=ppt/slides/slide34.xml><?xml version="1.0" encoding="utf-8"?>
+<file path=ppt/slides/slide29.xml><?xml version="1.0" encoding="utf-8"?>
 <p:sld xmlns:a="http://schemas.openxmlformats.org/drawingml/2006/main" xmlns:r="http://schemas.openxmlformats.org/officeDocument/2006/relationships" xmlns:p="http://schemas.openxmlformats.org/presentationml/2006/main">
   <p:cSld>
     <p:spTree>
@@ -14674,7 +13269,7 @@
             <a:pPr lvl="0"/>
             <a:fld id="{004900ED-2EFD-2142-93A1-1CBA90FDE07B}" type="slidenum">
               <a:rPr lang="en-US" altLang="ja-JP" smtClean="0"/>
-              <a:t>34</a:t>
+              <a:t>29</a:t>
             </a:fld>
             <a:endParaRPr lang="ja-JP" altLang="en-US"/>
           </a:p>
@@ -14816,7 +13411,7 @@
 </p:sld>
 </file>
 
-<file path=ppt/slides/slide35.xml><?xml version="1.0" encoding="utf-8"?>
+<file path=ppt/slides/slide3.xml><?xml version="1.0" encoding="utf-8"?>
 <p:sld xmlns:a="http://schemas.openxmlformats.org/drawingml/2006/main" xmlns:r="http://schemas.openxmlformats.org/officeDocument/2006/relationships" xmlns:p="http://schemas.openxmlformats.org/presentationml/2006/main">
   <p:cSld>
     <p:spTree>
@@ -14838,7 +13433,7 @@
           <p:cNvPr id="2" name="タイトル 1">
             <a:extLst>
               <a:ext uri="{FF2B5EF4-FFF2-40B4-BE49-F238E27FC236}">
-                <a16:creationId xmlns:a16="http://schemas.microsoft.com/office/drawing/2014/main" id="{F73A681B-9F7A-FD3A-C0DB-D668DC6CB442}"/>
+                <a16:creationId xmlns:a16="http://schemas.microsoft.com/office/drawing/2014/main" id="{DA6841C3-0E6C-BFA1-5D04-4112F1117102}"/>
               </a:ext>
             </a:extLst>
           </p:cNvPr>
@@ -14856,17 +13451,17 @@
           <a:p>
             <a:r>
               <a:rPr kumimoji="1" lang="ja-JP" altLang="en-US"/>
-              <a:t>今後の課題</a:t>
-            </a:r>
-          </a:p>
-        </p:txBody>
-      </p:sp>
-      <p:sp>
-        <p:nvSpPr>
-          <p:cNvPr id="3" name="スライド番号プレースホルダー 2">
-            <a:extLst>
-              <a:ext uri="{FF2B5EF4-FFF2-40B4-BE49-F238E27FC236}">
-                <a16:creationId xmlns:a16="http://schemas.microsoft.com/office/drawing/2014/main" id="{B50A2E12-D87F-ACB4-3589-F66EE66E8E55}"/>
+              <a:t>目次</a:t>
+            </a:r>
+          </a:p>
+        </p:txBody>
+      </p:sp>
+      <p:sp>
+        <p:nvSpPr>
+          <p:cNvPr id="4" name="スライド番号プレースホルダー 3">
+            <a:extLst>
+              <a:ext uri="{FF2B5EF4-FFF2-40B4-BE49-F238E27FC236}">
+                <a16:creationId xmlns:a16="http://schemas.microsoft.com/office/drawing/2014/main" id="{20D20625-8135-BA1D-11A0-E3466265CE7C}"/>
               </a:ext>
             </a:extLst>
           </p:cNvPr>
@@ -14885,7 +13480,7 @@
             <a:pPr lvl="0"/>
             <a:fld id="{004900ED-2EFD-2142-93A1-1CBA90FDE07B}" type="slidenum">
               <a:rPr lang="en-US" altLang="ja-JP" smtClean="0"/>
-              <a:t>35</a:t>
+              <a:t>3</a:t>
             </a:fld>
             <a:endParaRPr lang="ja-JP" altLang="en-US"/>
           </a:p>
@@ -14893,10 +13488,10 @@
       </p:sp>
       <p:sp>
         <p:nvSpPr>
-          <p:cNvPr id="4" name="テキスト ボックス 3">
-            <a:extLst>
-              <a:ext uri="{FF2B5EF4-FFF2-40B4-BE49-F238E27FC236}">
-                <a16:creationId xmlns:a16="http://schemas.microsoft.com/office/drawing/2014/main" id="{881C93FD-A020-C881-1531-CA4C08B40DAF}"/>
+          <p:cNvPr id="3" name="テキスト ボックス 2">
+            <a:extLst>
+              <a:ext uri="{FF2B5EF4-FFF2-40B4-BE49-F238E27FC236}">
+                <a16:creationId xmlns:a16="http://schemas.microsoft.com/office/drawing/2014/main" id="{CFCE3529-0348-FAC9-4C81-ACEA9BA72623}"/>
               </a:ext>
             </a:extLst>
           </p:cNvPr>
@@ -14905,8 +13500,8 @@
         </p:nvSpPr>
         <p:spPr>
           <a:xfrm>
-            <a:off x="519837" y="1865779"/>
-            <a:ext cx="6936514" cy="1938992"/>
+            <a:off x="919691" y="1259079"/>
+            <a:ext cx="3877985" cy="3909917"/>
           </a:xfrm>
           <a:prstGeom prst="rect">
             <a:avLst/>
@@ -14919,57 +13514,140 @@
           </a:bodyPr>
           <a:lstStyle/>
           <a:p>
-            <a:pPr marL="285750" indent="-285750">
+            <a:pPr marL="457200" indent="-457200">
+              <a:lnSpc>
+                <a:spcPct val="150000"/>
+              </a:lnSpc>
               <a:buFont typeface="Wingdings" pitchFamily="2" charset="2"/>
-              <a:buChar char="p"/>
+              <a:buChar char="Ø"/>
             </a:pPr>
             <a:r>
-              <a:rPr kumimoji="1" lang="ja-JP" altLang="en-US" sz="2400"/>
-              <a:t>試行回数を増やす</a:t>
-            </a:r>
-            <a:br>
-              <a:rPr kumimoji="1" lang="en-US" altLang="ja-JP" sz="2400" dirty="0"/>
-            </a:br>
-            <a:r>
-              <a:rPr kumimoji="1" lang="en-US" altLang="ja-JP" sz="2400" dirty="0"/>
-              <a:t>→ </a:t>
-            </a:r>
-            <a:r>
-              <a:rPr kumimoji="1" lang="ja-JP" altLang="en-US" sz="2400"/>
-              <a:t>適応度評価手法ごとの信頼区間を調査する</a:t>
-            </a:r>
-            <a:endParaRPr kumimoji="1" lang="en-US" altLang="ja-JP" sz="2400" dirty="0"/>
-          </a:p>
-          <a:p>
-            <a:pPr marL="285750" indent="-285750">
+              <a:rPr lang="ja-JP" altLang="en-US" sz="2800"/>
+              <a:t>はじめに</a:t>
+            </a:r>
+            <a:endParaRPr lang="en-US" altLang="ja-JP" sz="2800" dirty="0"/>
+          </a:p>
+          <a:p>
+            <a:pPr marL="457200" indent="-457200">
+              <a:lnSpc>
+                <a:spcPct val="150000"/>
+              </a:lnSpc>
               <a:buFont typeface="Wingdings" pitchFamily="2" charset="2"/>
-              <a:buChar char="p"/>
+              <a:buChar char="Ø"/>
             </a:pPr>
-            <a:endParaRPr lang="en-US" altLang="ja-JP" sz="2400" dirty="0"/>
-          </a:p>
-          <a:p>
-            <a:pPr marL="285750" indent="-285750">
+            <a:r>
+              <a:rPr lang="ja-JP" altLang="en-US" sz="2800">
+                <a:solidFill>
+                  <a:schemeClr val="bg2">
+                    <a:lumMod val="75000"/>
+                  </a:schemeClr>
+                </a:solidFill>
+              </a:rPr>
+              <a:t>要素技術</a:t>
+            </a:r>
+            <a:endParaRPr lang="en-US" altLang="ja-JP" sz="2800" dirty="0">
+              <a:solidFill>
+                <a:schemeClr val="bg2">
+                  <a:lumMod val="75000"/>
+                </a:schemeClr>
+              </a:solidFill>
+            </a:endParaRPr>
+          </a:p>
+          <a:p>
+            <a:pPr marL="457200" indent="-457200">
+              <a:lnSpc>
+                <a:spcPct val="150000"/>
+              </a:lnSpc>
               <a:buFont typeface="Wingdings" pitchFamily="2" charset="2"/>
-              <a:buChar char="p"/>
+              <a:buChar char="Ø"/>
             </a:pPr>
             <a:r>
-              <a:rPr kumimoji="1" lang="ja-JP" altLang="en-US" sz="2400"/>
-              <a:t>様々な条件下で実験するときの適応度評価</a:t>
-            </a:r>
-            <a:br>
-              <a:rPr kumimoji="1" lang="en-US" altLang="ja-JP" sz="2400" dirty="0"/>
-            </a:br>
-            <a:r>
-              <a:rPr kumimoji="1" lang="ja-JP" altLang="en-US" sz="2400"/>
-              <a:t>のための学習エポック数最適化手法を</a:t>
-            </a:r>
-            <a:r>
-              <a:rPr lang="ja-JP" altLang="en-US" sz="2400"/>
-              <a:t>提案</a:t>
-            </a:r>
-            <a:r>
-              <a:rPr kumimoji="1" lang="ja-JP" altLang="en-US" sz="2400"/>
-              <a:t>する</a:t>
+              <a:rPr lang="ja-JP" altLang="en-US" sz="2800">
+                <a:solidFill>
+                  <a:schemeClr val="bg2">
+                    <a:lumMod val="75000"/>
+                  </a:schemeClr>
+                </a:solidFill>
+              </a:rPr>
+              <a:t>提案手法</a:t>
+            </a:r>
+            <a:endParaRPr lang="en-US" altLang="ja-JP" sz="2800" dirty="0">
+              <a:solidFill>
+                <a:schemeClr val="bg2">
+                  <a:lumMod val="75000"/>
+                </a:schemeClr>
+              </a:solidFill>
+            </a:endParaRPr>
+          </a:p>
+          <a:p>
+            <a:pPr marL="457200" indent="-457200">
+              <a:lnSpc>
+                <a:spcPct val="150000"/>
+              </a:lnSpc>
+              <a:buFont typeface="Wingdings" pitchFamily="2" charset="2"/>
+              <a:buChar char="Ø"/>
+            </a:pPr>
+            <a:r>
+              <a:rPr lang="ja-JP" altLang="en-US" sz="2800">
+                <a:solidFill>
+                  <a:schemeClr val="bg2">
+                    <a:lumMod val="75000"/>
+                  </a:schemeClr>
+                </a:solidFill>
+              </a:rPr>
+              <a:t>実験概要</a:t>
+            </a:r>
+            <a:endParaRPr lang="en-US" altLang="ja-JP" sz="2800" dirty="0">
+              <a:solidFill>
+                <a:schemeClr val="bg2">
+                  <a:lumMod val="75000"/>
+                </a:schemeClr>
+              </a:solidFill>
+            </a:endParaRPr>
+          </a:p>
+          <a:p>
+            <a:pPr marL="457200" indent="-457200">
+              <a:lnSpc>
+                <a:spcPct val="150000"/>
+              </a:lnSpc>
+              <a:buFont typeface="Wingdings" pitchFamily="2" charset="2"/>
+              <a:buChar char="Ø"/>
+            </a:pPr>
+            <a:r>
+              <a:rPr lang="ja-JP" altLang="en-US" sz="2800">
+                <a:solidFill>
+                  <a:schemeClr val="bg2">
+                    <a:lumMod val="75000"/>
+                  </a:schemeClr>
+                </a:solidFill>
+              </a:rPr>
+              <a:t>実験結果</a:t>
+            </a:r>
+            <a:endParaRPr lang="en-US" altLang="ja-JP" sz="2800" dirty="0">
+              <a:solidFill>
+                <a:schemeClr val="bg2">
+                  <a:lumMod val="75000"/>
+                </a:schemeClr>
+              </a:solidFill>
+            </a:endParaRPr>
+          </a:p>
+          <a:p>
+            <a:pPr marL="457200" indent="-457200">
+              <a:lnSpc>
+                <a:spcPct val="150000"/>
+              </a:lnSpc>
+              <a:buFont typeface="Wingdings" pitchFamily="2" charset="2"/>
+              <a:buChar char="Ø"/>
+            </a:pPr>
+            <a:r>
+              <a:rPr lang="ja-JP" altLang="en-US" sz="2800">
+                <a:solidFill>
+                  <a:schemeClr val="bg2">
+                    <a:lumMod val="75000"/>
+                  </a:schemeClr>
+                </a:solidFill>
+              </a:rPr>
+              <a:t>まとめと今後の課題</a:t>
             </a:r>
           </a:p>
         </p:txBody>
@@ -14977,7 +13655,7 @@
     </p:spTree>
     <p:extLst>
       <p:ext uri="{BB962C8B-B14F-4D97-AF65-F5344CB8AC3E}">
-        <p14:creationId xmlns:p14="http://schemas.microsoft.com/office/powerpoint/2010/main" val="2610326470"/>
+        <p14:creationId xmlns:p14="http://schemas.microsoft.com/office/powerpoint/2010/main" val="1047084735"/>
       </p:ext>
     </p:extLst>
   </p:cSld>
@@ -14987,7 +13665,7 @@
 </p:sld>
 </file>
 
-<file path=ppt/slides/slide36.xml><?xml version="1.0" encoding="utf-8"?>
+<file path=ppt/slides/slide30.xml><?xml version="1.0" encoding="utf-8"?>
 <p:sld xmlns:a="http://schemas.openxmlformats.org/drawingml/2006/main" xmlns:r="http://schemas.openxmlformats.org/officeDocument/2006/relationships" xmlns:p="http://schemas.openxmlformats.org/presentationml/2006/main">
   <p:cSld>
     <p:spTree>
@@ -15006,10 +13684,38 @@
       </p:grpSpPr>
       <p:sp>
         <p:nvSpPr>
+          <p:cNvPr id="2" name="タイトル 1">
+            <a:extLst>
+              <a:ext uri="{FF2B5EF4-FFF2-40B4-BE49-F238E27FC236}">
+                <a16:creationId xmlns:a16="http://schemas.microsoft.com/office/drawing/2014/main" id="{F73A681B-9F7A-FD3A-C0DB-D668DC6CB442}"/>
+              </a:ext>
+            </a:extLst>
+          </p:cNvPr>
+          <p:cNvSpPr>
+            <a:spLocks noGrp="1"/>
+          </p:cNvSpPr>
+          <p:nvPr>
+            <p:ph type="title"/>
+          </p:nvPr>
+        </p:nvSpPr>
+        <p:spPr/>
+        <p:txBody>
+          <a:bodyPr/>
+          <a:lstStyle/>
+          <a:p>
+            <a:r>
+              <a:rPr kumimoji="1" lang="ja-JP" altLang="en-US"/>
+              <a:t>今後の課題</a:t>
+            </a:r>
+          </a:p>
+        </p:txBody>
+      </p:sp>
+      <p:sp>
+        <p:nvSpPr>
           <p:cNvPr id="3" name="スライド番号プレースホルダー 2">
             <a:extLst>
               <a:ext uri="{FF2B5EF4-FFF2-40B4-BE49-F238E27FC236}">
-                <a16:creationId xmlns:a16="http://schemas.microsoft.com/office/drawing/2014/main" id="{3DEDCC95-054E-03CB-9EE2-75E4E4AEEE9B}"/>
+                <a16:creationId xmlns:a16="http://schemas.microsoft.com/office/drawing/2014/main" id="{B50A2E12-D87F-ACB4-3589-F66EE66E8E55}"/>
               </a:ext>
             </a:extLst>
           </p:cNvPr>
@@ -15028,7 +13734,7 @@
             <a:pPr lvl="0"/>
             <a:fld id="{004900ED-2EFD-2142-93A1-1CBA90FDE07B}" type="slidenum">
               <a:rPr lang="en-US" altLang="ja-JP" smtClean="0"/>
-              <a:t>36</a:t>
+              <a:t>30</a:t>
             </a:fld>
             <a:endParaRPr lang="ja-JP" altLang="en-US"/>
           </a:p>
@@ -15036,10 +13742,10 @@
       </p:sp>
       <p:sp>
         <p:nvSpPr>
-          <p:cNvPr id="5" name="テキスト ボックス 4">
-            <a:extLst>
-              <a:ext uri="{FF2B5EF4-FFF2-40B4-BE49-F238E27FC236}">
-                <a16:creationId xmlns:a16="http://schemas.microsoft.com/office/drawing/2014/main" id="{0CDD7299-ADD9-7DB9-55A6-87610AF5A9EC}"/>
+          <p:cNvPr id="4" name="テキスト ボックス 3">
+            <a:extLst>
+              <a:ext uri="{FF2B5EF4-FFF2-40B4-BE49-F238E27FC236}">
+                <a16:creationId xmlns:a16="http://schemas.microsoft.com/office/drawing/2014/main" id="{881C93FD-A020-C881-1531-CA4C08B40DAF}"/>
               </a:ext>
             </a:extLst>
           </p:cNvPr>
@@ -15048,8 +13754,8 @@
         </p:nvSpPr>
         <p:spPr>
           <a:xfrm>
-            <a:off x="815717" y="2542887"/>
-            <a:ext cx="5929828" cy="584775"/>
+            <a:off x="519837" y="1865779"/>
+            <a:ext cx="6936514" cy="1938992"/>
           </a:xfrm>
           <a:prstGeom prst="rect">
             <a:avLst/>
@@ -15062,9 +13768,57 @@
           </a:bodyPr>
           <a:lstStyle/>
           <a:p>
-            <a:r>
-              <a:rPr kumimoji="1" lang="ja-JP" altLang="en-US" sz="3200"/>
-              <a:t>ご静聴ありがとうございました</a:t>
+            <a:pPr marL="285750" indent="-285750">
+              <a:buFont typeface="Wingdings" pitchFamily="2" charset="2"/>
+              <a:buChar char="p"/>
+            </a:pPr>
+            <a:r>
+              <a:rPr kumimoji="1" lang="ja-JP" altLang="en-US" sz="2400"/>
+              <a:t>試行回数を増やす</a:t>
+            </a:r>
+            <a:br>
+              <a:rPr kumimoji="1" lang="en-US" altLang="ja-JP" sz="2400" dirty="0"/>
+            </a:br>
+            <a:r>
+              <a:rPr kumimoji="1" lang="en-US" altLang="ja-JP" sz="2400" dirty="0"/>
+              <a:t>→ </a:t>
+            </a:r>
+            <a:r>
+              <a:rPr kumimoji="1" lang="ja-JP" altLang="en-US" sz="2400"/>
+              <a:t>適応度評価手法ごとの信頼区間を調査する</a:t>
+            </a:r>
+            <a:endParaRPr kumimoji="1" lang="en-US" altLang="ja-JP" sz="2400" dirty="0"/>
+          </a:p>
+          <a:p>
+            <a:pPr marL="285750" indent="-285750">
+              <a:buFont typeface="Wingdings" pitchFamily="2" charset="2"/>
+              <a:buChar char="p"/>
+            </a:pPr>
+            <a:endParaRPr lang="en-US" altLang="ja-JP" sz="2400" dirty="0"/>
+          </a:p>
+          <a:p>
+            <a:pPr marL="285750" indent="-285750">
+              <a:buFont typeface="Wingdings" pitchFamily="2" charset="2"/>
+              <a:buChar char="p"/>
+            </a:pPr>
+            <a:r>
+              <a:rPr kumimoji="1" lang="ja-JP" altLang="en-US" sz="2400"/>
+              <a:t>様々な条件下で実験するときの適応度評価</a:t>
+            </a:r>
+            <a:br>
+              <a:rPr kumimoji="1" lang="en-US" altLang="ja-JP" sz="2400" dirty="0"/>
+            </a:br>
+            <a:r>
+              <a:rPr kumimoji="1" lang="ja-JP" altLang="en-US" sz="2400"/>
+              <a:t>のための学習エポック数最適化手法を</a:t>
+            </a:r>
+            <a:r>
+              <a:rPr lang="ja-JP" altLang="en-US" sz="2400"/>
+              <a:t>提案</a:t>
+            </a:r>
+            <a:r>
+              <a:rPr kumimoji="1" lang="ja-JP" altLang="en-US" sz="2400"/>
+              <a:t>する</a:t>
             </a:r>
           </a:p>
         </p:txBody>
@@ -15072,7 +13826,7 @@
     </p:spTree>
     <p:extLst>
       <p:ext uri="{BB962C8B-B14F-4D97-AF65-F5344CB8AC3E}">
-        <p14:creationId xmlns:p14="http://schemas.microsoft.com/office/powerpoint/2010/main" val="2033689313"/>
+        <p14:creationId xmlns:p14="http://schemas.microsoft.com/office/powerpoint/2010/main" val="2610326470"/>
       </p:ext>
     </p:extLst>
   </p:cSld>
@@ -15082,7 +13836,7 @@
 </p:sld>
 </file>
 
-<file path=ppt/slides/slide4.xml><?xml version="1.0" encoding="utf-8"?>
+<file path=ppt/slides/slide31.xml><?xml version="1.0" encoding="utf-8"?>
 <p:sld xmlns:a="http://schemas.openxmlformats.org/drawingml/2006/main" xmlns:r="http://schemas.openxmlformats.org/officeDocument/2006/relationships" xmlns:p="http://schemas.openxmlformats.org/presentationml/2006/main">
   <p:cSld>
     <p:spTree>
@@ -15101,38 +13855,10 @@
       </p:grpSpPr>
       <p:sp>
         <p:nvSpPr>
-          <p:cNvPr id="2" name="タイトル 1">
-            <a:extLst>
-              <a:ext uri="{FF2B5EF4-FFF2-40B4-BE49-F238E27FC236}">
-                <a16:creationId xmlns:a16="http://schemas.microsoft.com/office/drawing/2014/main" id="{E71B4E71-095F-F17F-6D83-0805695A2254}"/>
-              </a:ext>
-            </a:extLst>
-          </p:cNvPr>
-          <p:cNvSpPr>
-            <a:spLocks noGrp="1"/>
-          </p:cNvSpPr>
-          <p:nvPr>
-            <p:ph type="title"/>
-          </p:nvPr>
-        </p:nvSpPr>
-        <p:spPr/>
-        <p:txBody>
-          <a:bodyPr/>
-          <a:lstStyle/>
-          <a:p>
-            <a:r>
-              <a:rPr kumimoji="1" lang="ja-JP" altLang="en-US"/>
-              <a:t>はじめに</a:t>
-            </a:r>
-          </a:p>
-        </p:txBody>
-      </p:sp>
-      <p:sp>
-        <p:nvSpPr>
           <p:cNvPr id="3" name="スライド番号プレースホルダー 2">
             <a:extLst>
               <a:ext uri="{FF2B5EF4-FFF2-40B4-BE49-F238E27FC236}">
-                <a16:creationId xmlns:a16="http://schemas.microsoft.com/office/drawing/2014/main" id="{F5E302DC-5737-F25A-5C7A-5AAE4F212E41}"/>
+                <a16:creationId xmlns:a16="http://schemas.microsoft.com/office/drawing/2014/main" id="{3DEDCC95-054E-03CB-9EE2-75E4E4AEEE9B}"/>
               </a:ext>
             </a:extLst>
           </p:cNvPr>
@@ -15151,7 +13877,7 @@
             <a:pPr lvl="0"/>
             <a:fld id="{004900ED-2EFD-2142-93A1-1CBA90FDE07B}" type="slidenum">
               <a:rPr lang="en-US" altLang="ja-JP" smtClean="0"/>
-              <a:t>4</a:t>
+              <a:t>31</a:t>
             </a:fld>
             <a:endParaRPr lang="ja-JP" altLang="en-US"/>
           </a:p>
@@ -15159,10 +13885,10 @@
       </p:sp>
       <p:sp>
         <p:nvSpPr>
-          <p:cNvPr id="4" name="テキスト ボックス 3">
-            <a:extLst>
-              <a:ext uri="{FF2B5EF4-FFF2-40B4-BE49-F238E27FC236}">
-                <a16:creationId xmlns:a16="http://schemas.microsoft.com/office/drawing/2014/main" id="{EDCD9C4E-048F-3F85-CAD2-749A02AA4CBA}"/>
+          <p:cNvPr id="5" name="テキスト ボックス 4">
+            <a:extLst>
+              <a:ext uri="{FF2B5EF4-FFF2-40B4-BE49-F238E27FC236}">
+                <a16:creationId xmlns:a16="http://schemas.microsoft.com/office/drawing/2014/main" id="{0CDD7299-ADD9-7DB9-55A6-87610AF5A9EC}"/>
               </a:ext>
             </a:extLst>
           </p:cNvPr>
@@ -15171,8 +13897,8 @@
         </p:nvSpPr>
         <p:spPr>
           <a:xfrm>
-            <a:off x="135454" y="1696781"/>
-            <a:ext cx="7290353" cy="3293209"/>
+            <a:off x="815717" y="2542887"/>
+            <a:ext cx="5929828" cy="584775"/>
           </a:xfrm>
           <a:prstGeom prst="rect">
             <a:avLst/>
@@ -15180,113 +13906,26 @@
           <a:noFill/>
         </p:spPr>
         <p:txBody>
-          <a:bodyPr wrap="square" rtlCol="0">
+          <a:bodyPr wrap="none" rtlCol="0">
             <a:spAutoFit/>
           </a:bodyPr>
           <a:lstStyle/>
           <a:p>
-            <a:pPr marL="285750" indent="-285750">
-              <a:buFont typeface="Wingdings" pitchFamily="2" charset="2"/>
-              <a:buChar char="p"/>
-            </a:pPr>
-            <a:r>
-              <a:rPr kumimoji="1" lang="ja-JP" altLang="en-US" sz="2400"/>
-              <a:t>近年，機械学習を用いた画像識別に注目</a:t>
-            </a:r>
-            <a:endParaRPr kumimoji="1" lang="en-US" altLang="ja-JP" sz="2400" dirty="0"/>
-          </a:p>
-          <a:p>
-            <a:pPr marL="285750" indent="-285750">
-              <a:buFont typeface="Wingdings" pitchFamily="2" charset="2"/>
-              <a:buChar char="p"/>
-            </a:pPr>
-            <a:endParaRPr lang="en-US" altLang="ja-JP" dirty="0"/>
-          </a:p>
-          <a:p>
-            <a:pPr marL="285750" indent="-285750">
-              <a:buFont typeface="Wingdings" pitchFamily="2" charset="2"/>
-              <a:buChar char="p"/>
-            </a:pPr>
-            <a:endParaRPr lang="en-US" altLang="ja-JP" sz="1400" dirty="0"/>
-          </a:p>
-          <a:p>
-            <a:pPr marL="285750" indent="-285750">
-              <a:buFont typeface="Wingdings" pitchFamily="2" charset="2"/>
-              <a:buChar char="p"/>
-            </a:pPr>
-            <a:r>
-              <a:rPr kumimoji="1" lang="ja-JP" altLang="en-US" sz="2400"/>
-              <a:t>畳み込みニューラルネットワークによる画像識別</a:t>
-            </a:r>
-            <a:br>
-              <a:rPr lang="en-US" altLang="ja-JP" sz="2400" dirty="0"/>
-            </a:br>
-            <a:r>
-              <a:rPr lang="en-US" altLang="ja-JP" sz="2400" dirty="0"/>
-              <a:t>(Convolutional Neural Network: CNN)</a:t>
-            </a:r>
-          </a:p>
-          <a:p>
-            <a:pPr marL="285750" indent="-285750">
-              <a:buFont typeface="Wingdings" pitchFamily="2" charset="2"/>
-              <a:buChar char="p"/>
-            </a:pPr>
-            <a:endParaRPr kumimoji="1" lang="en-US" altLang="ja-JP" sz="1400" dirty="0"/>
-          </a:p>
-          <a:p>
-            <a:pPr marL="285750" indent="-285750">
-              <a:buFont typeface="Wingdings" pitchFamily="2" charset="2"/>
-              <a:buChar char="p"/>
-            </a:pPr>
-            <a:endParaRPr kumimoji="1" lang="en-US" altLang="ja-JP" sz="1400" dirty="0"/>
-          </a:p>
-          <a:p>
-            <a:pPr marL="285750" indent="-285750">
-              <a:buFont typeface="Wingdings" pitchFamily="2" charset="2"/>
-              <a:buChar char="p"/>
-            </a:pPr>
-            <a:r>
-              <a:rPr lang="ja-JP" altLang="en-US" sz="2400"/>
-              <a:t>問題の高度化により，</a:t>
-            </a:r>
-            <a:r>
-              <a:rPr kumimoji="1" lang="en-US" altLang="ja-JP" sz="2400" dirty="0"/>
-              <a:t>CNN </a:t>
-            </a:r>
-            <a:r>
-              <a:rPr kumimoji="1" lang="ja-JP" altLang="en-US" sz="2400"/>
-              <a:t>の構造が複雑化</a:t>
-            </a:r>
-            <a:br>
-              <a:rPr kumimoji="1" lang="en-US" altLang="ja-JP" sz="2400" dirty="0"/>
-            </a:br>
-            <a:r>
-              <a:rPr kumimoji="1" lang="en-US" altLang="ja-JP" sz="2400" dirty="0"/>
-              <a:t>→ </a:t>
-            </a:r>
-            <a:r>
-              <a:rPr kumimoji="1" lang="ja-JP" altLang="en-US" sz="2400"/>
-              <a:t>人手で最適化することは</a:t>
-            </a:r>
-            <a:r>
-              <a:rPr lang="ja-JP" altLang="en-US" sz="2400"/>
-              <a:t>難しい</a:t>
-            </a:r>
-            <a:endParaRPr kumimoji="1" lang="ja-JP" altLang="en-US" sz="2400"/>
-          </a:p>
-          <a:p>
-            <a:pPr marL="285750" indent="-285750">
-              <a:buFont typeface="Wingdings" pitchFamily="2" charset="2"/>
-              <a:buChar char="p"/>
-            </a:pPr>
-            <a:endParaRPr kumimoji="1" lang="ja-JP" altLang="en-US" sz="2400"/>
+            <a:r>
+              <a:rPr lang="ja-JP" altLang="en-US" sz="3200"/>
+              <a:t>ご清聴</a:t>
+            </a:r>
+            <a:r>
+              <a:rPr kumimoji="1" lang="ja-JP" altLang="en-US" sz="3200"/>
+              <a:t>ありがとうございました</a:t>
+            </a:r>
           </a:p>
         </p:txBody>
       </p:sp>
     </p:spTree>
     <p:extLst>
       <p:ext uri="{BB962C8B-B14F-4D97-AF65-F5344CB8AC3E}">
-        <p14:creationId xmlns:p14="http://schemas.microsoft.com/office/powerpoint/2010/main" val="1330161517"/>
+        <p14:creationId xmlns:p14="http://schemas.microsoft.com/office/powerpoint/2010/main" val="2033689313"/>
       </p:ext>
     </p:extLst>
   </p:cSld>
@@ -15296,7 +13935,7 @@
 </p:sld>
 </file>
 
-<file path=ppt/slides/slide5.xml><?xml version="1.0" encoding="utf-8"?>
+<file path=ppt/slides/slide32.xml><?xml version="1.0" encoding="utf-8"?>
 <p:sld xmlns:a="http://schemas.openxmlformats.org/drawingml/2006/main" xmlns:r="http://schemas.openxmlformats.org/officeDocument/2006/relationships" xmlns:p="http://schemas.openxmlformats.org/presentationml/2006/main">
   <p:cSld>
     <p:spTree>
@@ -15318,7 +13957,7 @@
           <p:cNvPr id="2" name="タイトル 1">
             <a:extLst>
               <a:ext uri="{FF2B5EF4-FFF2-40B4-BE49-F238E27FC236}">
-                <a16:creationId xmlns:a16="http://schemas.microsoft.com/office/drawing/2014/main" id="{D159CF40-CD8C-21A6-0A3D-8CF370B562A6}"/>
+                <a16:creationId xmlns:a16="http://schemas.microsoft.com/office/drawing/2014/main" id="{551A4D2F-E3BC-D469-EA93-548744271DA7}"/>
               </a:ext>
             </a:extLst>
           </p:cNvPr>
@@ -15335,18 +13974,19 @@
           <a:lstStyle/>
           <a:p>
             <a:r>
-              <a:rPr kumimoji="1" lang="ja-JP" altLang="en-US"/>
-              <a:t>はじめに</a:t>
-            </a:r>
-          </a:p>
-        </p:txBody>
-      </p:sp>
-      <p:sp>
-        <p:nvSpPr>
-          <p:cNvPr id="3" name="スライド番号プレースホルダー 2">
-            <a:extLst>
-              <a:ext uri="{FF2B5EF4-FFF2-40B4-BE49-F238E27FC236}">
-                <a16:creationId xmlns:a16="http://schemas.microsoft.com/office/drawing/2014/main" id="{37968868-915E-15E5-AB4E-1366F32A281D}"/>
+              <a:rPr lang="ja-JP" altLang="en-US"/>
+              <a:t>畳み込みニューラルネットワーク</a:t>
+            </a:r>
+            <a:endParaRPr kumimoji="1" lang="ja-JP" altLang="en-US"/>
+          </a:p>
+        </p:txBody>
+      </p:sp>
+      <p:sp>
+        <p:nvSpPr>
+          <p:cNvPr id="5" name="スライド番号プレースホルダー 4">
+            <a:extLst>
+              <a:ext uri="{FF2B5EF4-FFF2-40B4-BE49-F238E27FC236}">
+                <a16:creationId xmlns:a16="http://schemas.microsoft.com/office/drawing/2014/main" id="{2D0400D8-CA31-3279-A200-2FD48F814A27}"/>
               </a:ext>
             </a:extLst>
           </p:cNvPr>
@@ -15365,845 +14005,7 @@
             <a:pPr lvl="0"/>
             <a:fld id="{004900ED-2EFD-2142-93A1-1CBA90FDE07B}" type="slidenum">
               <a:rPr lang="en-US" altLang="ja-JP" smtClean="0"/>
-              <a:t>5</a:t>
-            </a:fld>
-            <a:endParaRPr lang="ja-JP" altLang="en-US"/>
-          </a:p>
-        </p:txBody>
-      </p:sp>
-      <p:sp>
-        <p:nvSpPr>
-          <p:cNvPr id="5" name="テキスト ボックス 4">
-            <a:extLst>
-              <a:ext uri="{FF2B5EF4-FFF2-40B4-BE49-F238E27FC236}">
-                <a16:creationId xmlns:a16="http://schemas.microsoft.com/office/drawing/2014/main" id="{B5E926CE-E6A3-15F0-0F1B-D31D8E1A2C0F}"/>
-              </a:ext>
-            </a:extLst>
-          </p:cNvPr>
-          <p:cNvSpPr txBox="1"/>
-          <p:nvPr/>
-        </p:nvSpPr>
-        <p:spPr>
-          <a:xfrm>
-            <a:off x="353250" y="1508209"/>
-            <a:ext cx="6854762" cy="2255233"/>
-          </a:xfrm>
-          <a:prstGeom prst="rect">
-            <a:avLst/>
-          </a:prstGeom>
-          <a:noFill/>
-        </p:spPr>
-        <p:txBody>
-          <a:bodyPr wrap="none" rtlCol="0">
-            <a:spAutoFit/>
-          </a:bodyPr>
-          <a:lstStyle/>
-          <a:p>
-            <a:pPr marL="342900" indent="-342900">
-              <a:lnSpc>
-                <a:spcPct val="150000"/>
-              </a:lnSpc>
-              <a:buFont typeface="Wingdings" pitchFamily="2" charset="2"/>
-              <a:buChar char="p"/>
-            </a:pPr>
-            <a:r>
-              <a:rPr kumimoji="1" lang="en-US" altLang="ja-JP" sz="2400" dirty="0" err="1"/>
-              <a:t>gaCNN</a:t>
-            </a:r>
-            <a:endParaRPr kumimoji="1" lang="en-US" altLang="ja-JP" sz="2400" dirty="0"/>
-          </a:p>
-          <a:p>
-            <a:pPr marL="800100" lvl="1" indent="-342900">
-              <a:lnSpc>
-                <a:spcPct val="150000"/>
-              </a:lnSpc>
-              <a:buFont typeface="Wingdings" pitchFamily="2" charset="2"/>
-              <a:buChar char="p"/>
-            </a:pPr>
-            <a:r>
-              <a:rPr kumimoji="1" lang="en-US" altLang="ja-JP" sz="2400" dirty="0"/>
-              <a:t>CNN </a:t>
-            </a:r>
-            <a:r>
-              <a:rPr kumimoji="1" lang="ja-JP" altLang="en-US" sz="2400"/>
-              <a:t>の構造の最適化に遺伝的アルゴリズム</a:t>
-            </a:r>
-            <a:br>
-              <a:rPr kumimoji="1" lang="en-US" altLang="ja-JP" sz="2400" dirty="0"/>
-            </a:br>
-            <a:r>
-              <a:rPr kumimoji="1" lang="en-US" altLang="ja-JP" sz="2400" dirty="0"/>
-              <a:t>(Genetic Algorithm: GA) </a:t>
-            </a:r>
-            <a:r>
-              <a:rPr kumimoji="1" lang="ja-JP" altLang="en-US" sz="2400"/>
-              <a:t>を利用</a:t>
-            </a:r>
-            <a:endParaRPr kumimoji="1" lang="en-US" altLang="ja-JP" sz="2400" dirty="0"/>
-          </a:p>
-          <a:p>
-            <a:pPr marL="800100" lvl="1" indent="-342900">
-              <a:lnSpc>
-                <a:spcPct val="150000"/>
-              </a:lnSpc>
-              <a:buFont typeface="Wingdings" pitchFamily="2" charset="2"/>
-              <a:buChar char="p"/>
-            </a:pPr>
-            <a:r>
-              <a:rPr kumimoji="1" lang="en-US" altLang="ja-JP" sz="2400" dirty="0"/>
-              <a:t>GA </a:t>
-            </a:r>
-            <a:r>
-              <a:rPr kumimoji="1" lang="ja-JP" altLang="en-US" sz="2400"/>
-              <a:t>の選択ルールの検討が不十分</a:t>
-            </a:r>
-          </a:p>
-        </p:txBody>
-      </p:sp>
-      <p:sp>
-        <p:nvSpPr>
-          <p:cNvPr id="8" name="下矢印 7">
-            <a:extLst>
-              <a:ext uri="{FF2B5EF4-FFF2-40B4-BE49-F238E27FC236}">
-                <a16:creationId xmlns:a16="http://schemas.microsoft.com/office/drawing/2014/main" id="{3E33ED27-8F4A-327C-F8C4-5B5D06C2576A}"/>
-              </a:ext>
-            </a:extLst>
-          </p:cNvPr>
-          <p:cNvSpPr/>
-          <p:nvPr/>
-        </p:nvSpPr>
-        <p:spPr>
-          <a:xfrm>
-            <a:off x="3332440" y="3873702"/>
-            <a:ext cx="896380" cy="551101"/>
-          </a:xfrm>
-          <a:prstGeom prst="downArrow">
-            <a:avLst/>
-          </a:prstGeom>
-          <a:solidFill>
-            <a:schemeClr val="bg1"/>
-          </a:solidFill>
-          <a:ln>
-            <a:solidFill>
-              <a:schemeClr val="tx1"/>
-            </a:solidFill>
-          </a:ln>
-        </p:spPr>
-        <p:style>
-          <a:lnRef idx="2">
-            <a:schemeClr val="accent1">
-              <a:shade val="50000"/>
-            </a:schemeClr>
-          </a:lnRef>
-          <a:fillRef idx="1">
-            <a:schemeClr val="accent1"/>
-          </a:fillRef>
-          <a:effectRef idx="0">
-            <a:schemeClr val="accent1"/>
-          </a:effectRef>
-          <a:fontRef idx="minor">
-            <a:schemeClr val="lt1"/>
-          </a:fontRef>
-        </p:style>
-        <p:txBody>
-          <a:bodyPr rtlCol="0" anchor="ctr"/>
-          <a:lstStyle/>
-          <a:p>
-            <a:pPr algn="ctr"/>
-            <a:endParaRPr kumimoji="1" lang="ja-JP" altLang="en-US"/>
-          </a:p>
-        </p:txBody>
-      </p:sp>
-      <p:sp>
-        <p:nvSpPr>
-          <p:cNvPr id="9" name="テキスト ボックス 8">
-            <a:extLst>
-              <a:ext uri="{FF2B5EF4-FFF2-40B4-BE49-F238E27FC236}">
-                <a16:creationId xmlns:a16="http://schemas.microsoft.com/office/drawing/2014/main" id="{FF89784C-7492-4D8F-F1B7-1CA26AB45A0B}"/>
-              </a:ext>
-            </a:extLst>
-          </p:cNvPr>
-          <p:cNvSpPr txBox="1"/>
-          <p:nvPr/>
-        </p:nvSpPr>
-        <p:spPr>
-          <a:xfrm>
-            <a:off x="180927" y="4537627"/>
-            <a:ext cx="7199407" cy="461665"/>
-          </a:xfrm>
-          <a:prstGeom prst="rect">
-            <a:avLst/>
-          </a:prstGeom>
-          <a:noFill/>
-        </p:spPr>
-        <p:txBody>
-          <a:bodyPr wrap="none" rtlCol="0">
-            <a:spAutoFit/>
-          </a:bodyPr>
-          <a:lstStyle/>
-          <a:p>
-            <a:r>
-              <a:rPr kumimoji="1" lang="ja-JP" altLang="en-US" sz="2400"/>
-              <a:t>多様性を考慮した選択ルールを採用した</a:t>
-            </a:r>
-            <a:r>
-              <a:rPr kumimoji="1" lang="en-US" altLang="ja-JP" sz="2400" dirty="0"/>
-              <a:t> </a:t>
-            </a:r>
-            <a:r>
-              <a:rPr kumimoji="1" lang="en-US" altLang="ja-JP" sz="2400" dirty="0" err="1"/>
-              <a:t>tdgaCNN</a:t>
-            </a:r>
-            <a:endParaRPr kumimoji="1" lang="ja-JP" altLang="en-US" sz="2400"/>
-          </a:p>
-        </p:txBody>
-      </p:sp>
-    </p:spTree>
-    <p:extLst>
-      <p:ext uri="{BB962C8B-B14F-4D97-AF65-F5344CB8AC3E}">
-        <p14:creationId xmlns:p14="http://schemas.microsoft.com/office/powerpoint/2010/main" val="918345529"/>
-      </p:ext>
-    </p:extLst>
-  </p:cSld>
-  <p:clrMapOvr>
-    <a:masterClrMapping/>
-  </p:clrMapOvr>
-</p:sld>
-</file>
-
-<file path=ppt/slides/slide6.xml><?xml version="1.0" encoding="utf-8"?>
-<p:sld xmlns:a="http://schemas.openxmlformats.org/drawingml/2006/main" xmlns:r="http://schemas.openxmlformats.org/officeDocument/2006/relationships" xmlns:p="http://schemas.openxmlformats.org/presentationml/2006/main">
-  <p:cSld>
-    <p:spTree>
-      <p:nvGrpSpPr>
-        <p:cNvPr id="1" name=""/>
-        <p:cNvGrpSpPr/>
-        <p:nvPr/>
-      </p:nvGrpSpPr>
-      <p:grpSpPr>
-        <a:xfrm>
-          <a:off x="0" y="0"/>
-          <a:ext cx="0" cy="0"/>
-          <a:chOff x="0" y="0"/>
-          <a:chExt cx="0" cy="0"/>
-        </a:xfrm>
-      </p:grpSpPr>
-      <p:sp>
-        <p:nvSpPr>
-          <p:cNvPr id="2" name="タイトル 1">
-            <a:extLst>
-              <a:ext uri="{FF2B5EF4-FFF2-40B4-BE49-F238E27FC236}">
-                <a16:creationId xmlns:a16="http://schemas.microsoft.com/office/drawing/2014/main" id="{D159CF40-CD8C-21A6-0A3D-8CF370B562A6}"/>
-              </a:ext>
-            </a:extLst>
-          </p:cNvPr>
-          <p:cNvSpPr>
-            <a:spLocks noGrp="1"/>
-          </p:cNvSpPr>
-          <p:nvPr>
-            <p:ph type="title"/>
-          </p:nvPr>
-        </p:nvSpPr>
-        <p:spPr/>
-        <p:txBody>
-          <a:bodyPr/>
-          <a:lstStyle/>
-          <a:p>
-            <a:r>
-              <a:rPr kumimoji="1" lang="ja-JP" altLang="en-US"/>
-              <a:t>はじめに</a:t>
-            </a:r>
-          </a:p>
-        </p:txBody>
-      </p:sp>
-      <p:sp>
-        <p:nvSpPr>
-          <p:cNvPr id="3" name="スライド番号プレースホルダー 2">
-            <a:extLst>
-              <a:ext uri="{FF2B5EF4-FFF2-40B4-BE49-F238E27FC236}">
-                <a16:creationId xmlns:a16="http://schemas.microsoft.com/office/drawing/2014/main" id="{37968868-915E-15E5-AB4E-1366F32A281D}"/>
-              </a:ext>
-            </a:extLst>
-          </p:cNvPr>
-          <p:cNvSpPr>
-            <a:spLocks noGrp="1"/>
-          </p:cNvSpPr>
-          <p:nvPr>
-            <p:ph type="sldNum" sz="quarter" idx="12"/>
-          </p:nvPr>
-        </p:nvSpPr>
-        <p:spPr/>
-        <p:txBody>
-          <a:bodyPr/>
-          <a:lstStyle/>
-          <a:p>
-            <a:pPr lvl="0"/>
-            <a:fld id="{004900ED-2EFD-2142-93A1-1CBA90FDE07B}" type="slidenum">
-              <a:rPr lang="en-US" altLang="ja-JP" smtClean="0"/>
-              <a:t>6</a:t>
-            </a:fld>
-            <a:endParaRPr lang="ja-JP" altLang="en-US"/>
-          </a:p>
-        </p:txBody>
-      </p:sp>
-      <p:grpSp>
-        <p:nvGrpSpPr>
-          <p:cNvPr id="9" name="グループ化 8">
-            <a:extLst>
-              <a:ext uri="{FF2B5EF4-FFF2-40B4-BE49-F238E27FC236}">
-                <a16:creationId xmlns:a16="http://schemas.microsoft.com/office/drawing/2014/main" id="{0761B48F-FD65-EDE8-7BBE-9EB7BE0E6142}"/>
-              </a:ext>
-            </a:extLst>
-          </p:cNvPr>
-          <p:cNvGrpSpPr/>
-          <p:nvPr/>
-        </p:nvGrpSpPr>
-        <p:grpSpPr>
-          <a:xfrm>
-            <a:off x="215805" y="1508209"/>
-            <a:ext cx="7042701" cy="3158101"/>
-            <a:chOff x="215805" y="1508209"/>
-            <a:chExt cx="7042701" cy="3158101"/>
-          </a:xfrm>
-        </p:grpSpPr>
-        <p:sp>
-          <p:nvSpPr>
-            <p:cNvPr id="4" name="テキスト ボックス 3">
-              <a:extLst>
-                <a:ext uri="{FF2B5EF4-FFF2-40B4-BE49-F238E27FC236}">
-                  <a16:creationId xmlns:a16="http://schemas.microsoft.com/office/drawing/2014/main" id="{C90B63DA-86FE-BCFD-909B-51617E6B3CDE}"/>
-                </a:ext>
-              </a:extLst>
-            </p:cNvPr>
-            <p:cNvSpPr txBox="1"/>
-            <p:nvPr/>
-          </p:nvSpPr>
-          <p:spPr>
-            <a:xfrm>
-              <a:off x="215805" y="1508209"/>
-              <a:ext cx="6798656" cy="1148520"/>
-            </a:xfrm>
-            <a:prstGeom prst="rect">
-              <a:avLst/>
-            </a:prstGeom>
-            <a:noFill/>
-          </p:spPr>
-          <p:txBody>
-            <a:bodyPr wrap="none" rtlCol="0">
-              <a:spAutoFit/>
-            </a:bodyPr>
-            <a:lstStyle/>
-            <a:p>
-              <a:pPr marL="914400" lvl="1" indent="-457200">
-                <a:lnSpc>
-                  <a:spcPct val="150000"/>
-                </a:lnSpc>
-                <a:buFont typeface="Wingdings" pitchFamily="2" charset="2"/>
-                <a:buChar char="p"/>
-              </a:pPr>
-              <a:r>
-                <a:rPr lang="en-US" altLang="ja-JP" sz="2400" dirty="0" err="1"/>
-                <a:t>tdgaCNN</a:t>
-              </a:r>
-              <a:r>
-                <a:rPr kumimoji="1" lang="en-US" altLang="ja-JP" sz="2400" dirty="0"/>
-                <a:t> </a:t>
-              </a:r>
-              <a:r>
-                <a:rPr lang="ja-JP" altLang="en-US" sz="2400"/>
-                <a:t>の探索フェーズ</a:t>
-              </a:r>
-              <a:endParaRPr lang="en-US" altLang="ja-JP" sz="2400" dirty="0"/>
-            </a:p>
-            <a:p>
-              <a:pPr marL="1371600" lvl="2" indent="-457200">
-                <a:lnSpc>
-                  <a:spcPct val="150000"/>
-                </a:lnSpc>
-                <a:buFont typeface="Wingdings" pitchFamily="2" charset="2"/>
-                <a:buChar char="p"/>
-              </a:pPr>
-              <a:r>
-                <a:rPr kumimoji="1" lang="ja-JP" altLang="en-US" sz="2400"/>
-                <a:t>適応度の計算方法</a:t>
-              </a:r>
-              <a:r>
-                <a:rPr lang="en-US" altLang="ja-JP" sz="2400" dirty="0"/>
-                <a:t> → </a:t>
-              </a:r>
-              <a:r>
-                <a:rPr lang="ja-JP" altLang="en-US" sz="2400"/>
-                <a:t>従来</a:t>
-              </a:r>
-              <a:r>
-                <a:rPr lang="en-US" altLang="ja-JP" sz="2400" dirty="0"/>
-                <a:t>: 1 </a:t>
-              </a:r>
-              <a:r>
-                <a:rPr lang="ja-JP" altLang="en-US" sz="2400"/>
-                <a:t>エポック</a:t>
-              </a:r>
-              <a:endParaRPr kumimoji="1" lang="en-US" altLang="ja-JP" sz="2400" dirty="0"/>
-            </a:p>
-          </p:txBody>
-        </p:sp>
-        <p:grpSp>
-          <p:nvGrpSpPr>
-            <p:cNvPr id="8" name="グループ化 7">
-              <a:extLst>
-                <a:ext uri="{FF2B5EF4-FFF2-40B4-BE49-F238E27FC236}">
-                  <a16:creationId xmlns:a16="http://schemas.microsoft.com/office/drawing/2014/main" id="{E10EB885-B0A6-EB9E-320D-E864B720C16C}"/>
-                </a:ext>
-              </a:extLst>
-            </p:cNvPr>
-            <p:cNvGrpSpPr/>
-            <p:nvPr/>
-          </p:nvGrpSpPr>
-          <p:grpSpPr>
-            <a:xfrm>
-              <a:off x="302756" y="3050501"/>
-              <a:ext cx="6955750" cy="1615809"/>
-              <a:chOff x="302756" y="3050501"/>
-              <a:chExt cx="6955750" cy="1615809"/>
-            </a:xfrm>
-          </p:grpSpPr>
-          <p:sp>
-            <p:nvSpPr>
-              <p:cNvPr id="6" name="下矢印 5">
-                <a:extLst>
-                  <a:ext uri="{FF2B5EF4-FFF2-40B4-BE49-F238E27FC236}">
-                    <a16:creationId xmlns:a16="http://schemas.microsoft.com/office/drawing/2014/main" id="{641D2C59-30AC-2F7B-EB61-C4D45AA61F8A}"/>
-                  </a:ext>
-                </a:extLst>
-              </p:cNvPr>
-              <p:cNvSpPr/>
-              <p:nvPr/>
-            </p:nvSpPr>
-            <p:spPr>
-              <a:xfrm>
-                <a:off x="3199698" y="3050501"/>
-                <a:ext cx="1161866" cy="760372"/>
-              </a:xfrm>
-              <a:prstGeom prst="downArrow">
-                <a:avLst/>
-              </a:prstGeom>
-              <a:solidFill>
-                <a:schemeClr val="bg1"/>
-              </a:solidFill>
-              <a:ln>
-                <a:solidFill>
-                  <a:schemeClr val="tx1"/>
-                </a:solidFill>
-              </a:ln>
-            </p:spPr>
-            <p:style>
-              <a:lnRef idx="2">
-                <a:schemeClr val="accent1">
-                  <a:shade val="50000"/>
-                </a:schemeClr>
-              </a:lnRef>
-              <a:fillRef idx="1">
-                <a:schemeClr val="accent1"/>
-              </a:fillRef>
-              <a:effectRef idx="0">
-                <a:schemeClr val="accent1"/>
-              </a:effectRef>
-              <a:fontRef idx="minor">
-                <a:schemeClr val="lt1"/>
-              </a:fontRef>
-            </p:style>
-            <p:txBody>
-              <a:bodyPr rtlCol="0" anchor="ctr"/>
-              <a:lstStyle/>
-              <a:p>
-                <a:pPr algn="ctr"/>
-                <a:endParaRPr kumimoji="1" lang="ja-JP" altLang="en-US"/>
-              </a:p>
-            </p:txBody>
-          </p:sp>
-          <p:sp>
-            <p:nvSpPr>
-              <p:cNvPr id="7" name="テキスト ボックス 6">
-                <a:extLst>
-                  <a:ext uri="{FF2B5EF4-FFF2-40B4-BE49-F238E27FC236}">
-                    <a16:creationId xmlns:a16="http://schemas.microsoft.com/office/drawing/2014/main" id="{66E60276-A68F-1DA5-0667-D1BAF2B75ABA}"/>
-                  </a:ext>
-                </a:extLst>
-              </p:cNvPr>
-              <p:cNvSpPr txBox="1"/>
-              <p:nvPr/>
-            </p:nvSpPr>
-            <p:spPr>
-              <a:xfrm>
-                <a:off x="302756" y="4204645"/>
-                <a:ext cx="6955750" cy="461665"/>
-              </a:xfrm>
-              <a:prstGeom prst="rect">
-                <a:avLst/>
-              </a:prstGeom>
-              <a:noFill/>
-            </p:spPr>
-            <p:txBody>
-              <a:bodyPr wrap="none" rtlCol="0">
-                <a:spAutoFit/>
-              </a:bodyPr>
-              <a:lstStyle/>
-              <a:p>
-                <a:r>
-                  <a:rPr kumimoji="1" lang="ja-JP" altLang="en-US" sz="2400"/>
-                  <a:t>より良い個体が得られる適応度の</a:t>
-                </a:r>
-                <a:r>
-                  <a:rPr lang="ja-JP" altLang="en-US" sz="2400"/>
-                  <a:t>評価</a:t>
-                </a:r>
-                <a:r>
-                  <a:rPr kumimoji="1" lang="ja-JP" altLang="en-US" sz="2400"/>
-                  <a:t>方法を検討</a:t>
-                </a:r>
-              </a:p>
-            </p:txBody>
-          </p:sp>
-        </p:grpSp>
-      </p:grpSp>
-    </p:spTree>
-    <p:extLst>
-      <p:ext uri="{BB962C8B-B14F-4D97-AF65-F5344CB8AC3E}">
-        <p14:creationId xmlns:p14="http://schemas.microsoft.com/office/powerpoint/2010/main" val="1464039338"/>
-      </p:ext>
-    </p:extLst>
-  </p:cSld>
-  <p:clrMapOvr>
-    <a:masterClrMapping/>
-  </p:clrMapOvr>
-</p:sld>
-</file>
-
-<file path=ppt/slides/slide7.xml><?xml version="1.0" encoding="utf-8"?>
-<p:sld xmlns:a="http://schemas.openxmlformats.org/drawingml/2006/main" xmlns:r="http://schemas.openxmlformats.org/officeDocument/2006/relationships" xmlns:p="http://schemas.openxmlformats.org/presentationml/2006/main">
-  <p:cSld>
-    <p:spTree>
-      <p:nvGrpSpPr>
-        <p:cNvPr id="1" name=""/>
-        <p:cNvGrpSpPr/>
-        <p:nvPr/>
-      </p:nvGrpSpPr>
-      <p:grpSpPr>
-        <a:xfrm>
-          <a:off x="0" y="0"/>
-          <a:ext cx="0" cy="0"/>
-          <a:chOff x="0" y="0"/>
-          <a:chExt cx="0" cy="0"/>
-        </a:xfrm>
-      </p:grpSpPr>
-      <p:sp>
-        <p:nvSpPr>
-          <p:cNvPr id="2" name="タイトル 1">
-            <a:extLst>
-              <a:ext uri="{FF2B5EF4-FFF2-40B4-BE49-F238E27FC236}">
-                <a16:creationId xmlns:a16="http://schemas.microsoft.com/office/drawing/2014/main" id="{DA6841C3-0E6C-BFA1-5D04-4112F1117102}"/>
-              </a:ext>
-            </a:extLst>
-          </p:cNvPr>
-          <p:cNvSpPr>
-            <a:spLocks noGrp="1"/>
-          </p:cNvSpPr>
-          <p:nvPr>
-            <p:ph type="title"/>
-          </p:nvPr>
-        </p:nvSpPr>
-        <p:spPr/>
-        <p:txBody>
-          <a:bodyPr/>
-          <a:lstStyle/>
-          <a:p>
-            <a:r>
-              <a:rPr kumimoji="1" lang="ja-JP" altLang="en-US"/>
-              <a:t>目次</a:t>
-            </a:r>
-          </a:p>
-        </p:txBody>
-      </p:sp>
-      <p:sp>
-        <p:nvSpPr>
-          <p:cNvPr id="4" name="スライド番号プレースホルダー 3">
-            <a:extLst>
-              <a:ext uri="{FF2B5EF4-FFF2-40B4-BE49-F238E27FC236}">
-                <a16:creationId xmlns:a16="http://schemas.microsoft.com/office/drawing/2014/main" id="{20D20625-8135-BA1D-11A0-E3466265CE7C}"/>
-              </a:ext>
-            </a:extLst>
-          </p:cNvPr>
-          <p:cNvSpPr>
-            <a:spLocks noGrp="1"/>
-          </p:cNvSpPr>
-          <p:nvPr>
-            <p:ph type="sldNum" sz="quarter" idx="12"/>
-          </p:nvPr>
-        </p:nvSpPr>
-        <p:spPr/>
-        <p:txBody>
-          <a:bodyPr/>
-          <a:lstStyle/>
-          <a:p>
-            <a:pPr lvl="0"/>
-            <a:fld id="{004900ED-2EFD-2142-93A1-1CBA90FDE07B}" type="slidenum">
-              <a:rPr lang="en-US" altLang="ja-JP" smtClean="0"/>
-              <a:t>7</a:t>
-            </a:fld>
-            <a:endParaRPr lang="ja-JP" altLang="en-US"/>
-          </a:p>
-        </p:txBody>
-      </p:sp>
-      <p:sp>
-        <p:nvSpPr>
-          <p:cNvPr id="3" name="テキスト ボックス 2">
-            <a:extLst>
-              <a:ext uri="{FF2B5EF4-FFF2-40B4-BE49-F238E27FC236}">
-                <a16:creationId xmlns:a16="http://schemas.microsoft.com/office/drawing/2014/main" id="{CFCE3529-0348-FAC9-4C81-ACEA9BA72623}"/>
-              </a:ext>
-            </a:extLst>
-          </p:cNvPr>
-          <p:cNvSpPr txBox="1"/>
-          <p:nvPr/>
-        </p:nvSpPr>
-        <p:spPr>
-          <a:xfrm>
-            <a:off x="919691" y="1259079"/>
-            <a:ext cx="3877985" cy="3909917"/>
-          </a:xfrm>
-          <a:prstGeom prst="rect">
-            <a:avLst/>
-          </a:prstGeom>
-          <a:noFill/>
-        </p:spPr>
-        <p:txBody>
-          <a:bodyPr wrap="none" rtlCol="0">
-            <a:spAutoFit/>
-          </a:bodyPr>
-          <a:lstStyle/>
-          <a:p>
-            <a:pPr marL="457200" indent="-457200">
-              <a:lnSpc>
-                <a:spcPct val="150000"/>
-              </a:lnSpc>
-              <a:buFont typeface="Wingdings" pitchFamily="2" charset="2"/>
-              <a:buChar char="Ø"/>
-            </a:pPr>
-            <a:r>
-              <a:rPr lang="ja-JP" altLang="en-US" sz="2800">
-                <a:solidFill>
-                  <a:schemeClr val="bg2">
-                    <a:lumMod val="75000"/>
-                  </a:schemeClr>
-                </a:solidFill>
-              </a:rPr>
-              <a:t>はじめに</a:t>
-            </a:r>
-            <a:endParaRPr lang="en-US" altLang="ja-JP" sz="2800" dirty="0">
-              <a:solidFill>
-                <a:schemeClr val="bg2">
-                  <a:lumMod val="75000"/>
-                </a:schemeClr>
-              </a:solidFill>
-            </a:endParaRPr>
-          </a:p>
-          <a:p>
-            <a:pPr marL="457200" indent="-457200">
-              <a:lnSpc>
-                <a:spcPct val="150000"/>
-              </a:lnSpc>
-              <a:buFont typeface="Wingdings" pitchFamily="2" charset="2"/>
-              <a:buChar char="Ø"/>
-            </a:pPr>
-            <a:r>
-              <a:rPr lang="ja-JP" altLang="en-US" sz="2800"/>
-              <a:t>要素技術</a:t>
-            </a:r>
-            <a:endParaRPr lang="en-US" altLang="ja-JP" sz="2800" dirty="0"/>
-          </a:p>
-          <a:p>
-            <a:pPr marL="457200" indent="-457200">
-              <a:lnSpc>
-                <a:spcPct val="150000"/>
-              </a:lnSpc>
-              <a:buFont typeface="Wingdings" pitchFamily="2" charset="2"/>
-              <a:buChar char="Ø"/>
-            </a:pPr>
-            <a:r>
-              <a:rPr lang="ja-JP" altLang="en-US" sz="2800">
-                <a:solidFill>
-                  <a:schemeClr val="bg2">
-                    <a:lumMod val="75000"/>
-                  </a:schemeClr>
-                </a:solidFill>
-              </a:rPr>
-              <a:t>提案手法</a:t>
-            </a:r>
-            <a:endParaRPr lang="en-US" altLang="ja-JP" sz="2800" dirty="0">
-              <a:solidFill>
-                <a:schemeClr val="bg2">
-                  <a:lumMod val="75000"/>
-                </a:schemeClr>
-              </a:solidFill>
-            </a:endParaRPr>
-          </a:p>
-          <a:p>
-            <a:pPr marL="457200" indent="-457200">
-              <a:lnSpc>
-                <a:spcPct val="150000"/>
-              </a:lnSpc>
-              <a:buFont typeface="Wingdings" pitchFamily="2" charset="2"/>
-              <a:buChar char="Ø"/>
-            </a:pPr>
-            <a:r>
-              <a:rPr lang="ja-JP" altLang="en-US" sz="2800">
-                <a:solidFill>
-                  <a:schemeClr val="bg2">
-                    <a:lumMod val="75000"/>
-                  </a:schemeClr>
-                </a:solidFill>
-              </a:rPr>
-              <a:t>実験概要</a:t>
-            </a:r>
-            <a:endParaRPr lang="en-US" altLang="ja-JP" sz="2800" dirty="0">
-              <a:solidFill>
-                <a:schemeClr val="bg2">
-                  <a:lumMod val="75000"/>
-                </a:schemeClr>
-              </a:solidFill>
-            </a:endParaRPr>
-          </a:p>
-          <a:p>
-            <a:pPr marL="457200" indent="-457200">
-              <a:lnSpc>
-                <a:spcPct val="150000"/>
-              </a:lnSpc>
-              <a:buFont typeface="Wingdings" pitchFamily="2" charset="2"/>
-              <a:buChar char="Ø"/>
-            </a:pPr>
-            <a:r>
-              <a:rPr lang="ja-JP" altLang="en-US" sz="2800">
-                <a:solidFill>
-                  <a:schemeClr val="bg2">
-                    <a:lumMod val="75000"/>
-                  </a:schemeClr>
-                </a:solidFill>
-              </a:rPr>
-              <a:t>実験結果</a:t>
-            </a:r>
-            <a:endParaRPr lang="en-US" altLang="ja-JP" sz="2800" dirty="0">
-              <a:solidFill>
-                <a:schemeClr val="bg2">
-                  <a:lumMod val="75000"/>
-                </a:schemeClr>
-              </a:solidFill>
-            </a:endParaRPr>
-          </a:p>
-          <a:p>
-            <a:pPr marL="457200" indent="-457200">
-              <a:lnSpc>
-                <a:spcPct val="150000"/>
-              </a:lnSpc>
-              <a:buFont typeface="Wingdings" pitchFamily="2" charset="2"/>
-              <a:buChar char="Ø"/>
-            </a:pPr>
-            <a:r>
-              <a:rPr lang="ja-JP" altLang="en-US" sz="2800">
-                <a:solidFill>
-                  <a:schemeClr val="bg2">
-                    <a:lumMod val="75000"/>
-                  </a:schemeClr>
-                </a:solidFill>
-              </a:rPr>
-              <a:t>まとめと今後の課題</a:t>
-            </a:r>
-          </a:p>
-        </p:txBody>
-      </p:sp>
-    </p:spTree>
-    <p:extLst>
-      <p:ext uri="{BB962C8B-B14F-4D97-AF65-F5344CB8AC3E}">
-        <p14:creationId xmlns:p14="http://schemas.microsoft.com/office/powerpoint/2010/main" val="537212311"/>
-      </p:ext>
-    </p:extLst>
-  </p:cSld>
-  <p:clrMapOvr>
-    <a:masterClrMapping/>
-  </p:clrMapOvr>
-</p:sld>
-</file>
-
-<file path=ppt/slides/slide8.xml><?xml version="1.0" encoding="utf-8"?>
-<p:sld xmlns:a="http://schemas.openxmlformats.org/drawingml/2006/main" xmlns:r="http://schemas.openxmlformats.org/officeDocument/2006/relationships" xmlns:p="http://schemas.openxmlformats.org/presentationml/2006/main">
-  <p:cSld>
-    <p:spTree>
-      <p:nvGrpSpPr>
-        <p:cNvPr id="1" name=""/>
-        <p:cNvGrpSpPr/>
-        <p:nvPr/>
-      </p:nvGrpSpPr>
-      <p:grpSpPr>
-        <a:xfrm>
-          <a:off x="0" y="0"/>
-          <a:ext cx="0" cy="0"/>
-          <a:chOff x="0" y="0"/>
-          <a:chExt cx="0" cy="0"/>
-        </a:xfrm>
-      </p:grpSpPr>
-      <p:sp>
-        <p:nvSpPr>
-          <p:cNvPr id="2" name="タイトル 1">
-            <a:extLst>
-              <a:ext uri="{FF2B5EF4-FFF2-40B4-BE49-F238E27FC236}">
-                <a16:creationId xmlns:a16="http://schemas.microsoft.com/office/drawing/2014/main" id="{551A4D2F-E3BC-D469-EA93-548744271DA7}"/>
-              </a:ext>
-            </a:extLst>
-          </p:cNvPr>
-          <p:cNvSpPr>
-            <a:spLocks noGrp="1"/>
-          </p:cNvSpPr>
-          <p:nvPr>
-            <p:ph type="title"/>
-          </p:nvPr>
-        </p:nvSpPr>
-        <p:spPr/>
-        <p:txBody>
-          <a:bodyPr/>
-          <a:lstStyle/>
-          <a:p>
-            <a:r>
-              <a:rPr lang="ja-JP" altLang="en-US"/>
-              <a:t>畳み込みニューラルネットワーク</a:t>
-            </a:r>
-            <a:endParaRPr kumimoji="1" lang="ja-JP" altLang="en-US"/>
-          </a:p>
-        </p:txBody>
-      </p:sp>
-      <p:sp>
-        <p:nvSpPr>
-          <p:cNvPr id="5" name="スライド番号プレースホルダー 4">
-            <a:extLst>
-              <a:ext uri="{FF2B5EF4-FFF2-40B4-BE49-F238E27FC236}">
-                <a16:creationId xmlns:a16="http://schemas.microsoft.com/office/drawing/2014/main" id="{2D0400D8-CA31-3279-A200-2FD48F814A27}"/>
-              </a:ext>
-            </a:extLst>
-          </p:cNvPr>
-          <p:cNvSpPr>
-            <a:spLocks noGrp="1"/>
-          </p:cNvSpPr>
-          <p:nvPr>
-            <p:ph type="sldNum" sz="quarter" idx="12"/>
-          </p:nvPr>
-        </p:nvSpPr>
-        <p:spPr/>
-        <p:txBody>
-          <a:bodyPr/>
-          <a:lstStyle/>
-          <a:p>
-            <a:pPr lvl="0"/>
-            <a:fld id="{004900ED-2EFD-2142-93A1-1CBA90FDE07B}" type="slidenum">
-              <a:rPr lang="en-US" altLang="ja-JP" smtClean="0"/>
-              <a:t>8</a:t>
+              <a:t>32</a:t>
             </a:fld>
             <a:endParaRPr lang="ja-JP" altLang="en-US"/>
           </a:p>
@@ -16592,7 +14394,2038 @@
     </p:spTree>
     <p:extLst>
       <p:ext uri="{BB962C8B-B14F-4D97-AF65-F5344CB8AC3E}">
-        <p14:creationId xmlns:p14="http://schemas.microsoft.com/office/powerpoint/2010/main" val="3196433367"/>
+        <p14:creationId xmlns:p14="http://schemas.microsoft.com/office/powerpoint/2010/main" val="2771531621"/>
+      </p:ext>
+    </p:extLst>
+  </p:cSld>
+  <p:clrMapOvr>
+    <a:masterClrMapping/>
+  </p:clrMapOvr>
+</p:sld>
+</file>
+
+<file path=ppt/slides/slide33.xml><?xml version="1.0" encoding="utf-8"?>
+<p:sld xmlns:a="http://schemas.openxmlformats.org/drawingml/2006/main" xmlns:r="http://schemas.openxmlformats.org/officeDocument/2006/relationships" xmlns:p="http://schemas.openxmlformats.org/presentationml/2006/main">
+  <p:cSld>
+    <p:spTree>
+      <p:nvGrpSpPr>
+        <p:cNvPr id="1" name=""/>
+        <p:cNvGrpSpPr/>
+        <p:nvPr/>
+      </p:nvGrpSpPr>
+      <p:grpSpPr>
+        <a:xfrm>
+          <a:off x="0" y="0"/>
+          <a:ext cx="0" cy="0"/>
+          <a:chOff x="0" y="0"/>
+          <a:chExt cx="0" cy="0"/>
+        </a:xfrm>
+      </p:grpSpPr>
+      <p:sp>
+        <p:nvSpPr>
+          <p:cNvPr id="2" name="タイトル 1">
+            <a:extLst>
+              <a:ext uri="{FF2B5EF4-FFF2-40B4-BE49-F238E27FC236}">
+                <a16:creationId xmlns:a16="http://schemas.microsoft.com/office/drawing/2014/main" id="{D159CF40-CD8C-21A6-0A3D-8CF370B562A6}"/>
+              </a:ext>
+            </a:extLst>
+          </p:cNvPr>
+          <p:cNvSpPr>
+            <a:spLocks noGrp="1"/>
+          </p:cNvSpPr>
+          <p:nvPr>
+            <p:ph type="title"/>
+          </p:nvPr>
+        </p:nvSpPr>
+        <p:spPr/>
+        <p:txBody>
+          <a:bodyPr/>
+          <a:lstStyle/>
+          <a:p>
+            <a:r>
+              <a:rPr kumimoji="1" lang="ja-JP" altLang="en-US"/>
+              <a:t>遺伝的アルゴリズム</a:t>
+            </a:r>
+          </a:p>
+        </p:txBody>
+      </p:sp>
+      <p:sp>
+        <p:nvSpPr>
+          <p:cNvPr id="3" name="スライド番号プレースホルダー 2">
+            <a:extLst>
+              <a:ext uri="{FF2B5EF4-FFF2-40B4-BE49-F238E27FC236}">
+                <a16:creationId xmlns:a16="http://schemas.microsoft.com/office/drawing/2014/main" id="{37968868-915E-15E5-AB4E-1366F32A281D}"/>
+              </a:ext>
+            </a:extLst>
+          </p:cNvPr>
+          <p:cNvSpPr>
+            <a:spLocks noGrp="1"/>
+          </p:cNvSpPr>
+          <p:nvPr>
+            <p:ph type="sldNum" sz="quarter" idx="12"/>
+          </p:nvPr>
+        </p:nvSpPr>
+        <p:spPr/>
+        <p:txBody>
+          <a:bodyPr/>
+          <a:lstStyle/>
+          <a:p>
+            <a:pPr lvl="0"/>
+            <a:fld id="{004900ED-2EFD-2142-93A1-1CBA90FDE07B}" type="slidenum">
+              <a:rPr lang="en-US" altLang="ja-JP" smtClean="0"/>
+              <a:t>33</a:t>
+            </a:fld>
+            <a:endParaRPr lang="ja-JP" altLang="en-US"/>
+          </a:p>
+        </p:txBody>
+      </p:sp>
+      <p:sp>
+        <p:nvSpPr>
+          <p:cNvPr id="4" name="テキスト ボックス 3">
+            <a:extLst>
+              <a:ext uri="{FF2B5EF4-FFF2-40B4-BE49-F238E27FC236}">
+                <a16:creationId xmlns:a16="http://schemas.microsoft.com/office/drawing/2014/main" id="{C90B63DA-86FE-BCFD-909B-51617E6B3CDE}"/>
+              </a:ext>
+            </a:extLst>
+          </p:cNvPr>
+          <p:cNvSpPr txBox="1"/>
+          <p:nvPr/>
+        </p:nvSpPr>
+        <p:spPr>
+          <a:xfrm>
+            <a:off x="83018" y="1565028"/>
+            <a:ext cx="6886822" cy="594522"/>
+          </a:xfrm>
+          <a:prstGeom prst="rect">
+            <a:avLst/>
+          </a:prstGeom>
+          <a:noFill/>
+        </p:spPr>
+        <p:txBody>
+          <a:bodyPr wrap="none" rtlCol="0">
+            <a:spAutoFit/>
+          </a:bodyPr>
+          <a:lstStyle/>
+          <a:p>
+            <a:pPr lvl="1">
+              <a:lnSpc>
+                <a:spcPct val="150000"/>
+              </a:lnSpc>
+            </a:pPr>
+            <a:r>
+              <a:rPr kumimoji="1" lang="ja-JP" altLang="en-US" sz="2400"/>
+              <a:t>遺伝的アルゴリズム</a:t>
+            </a:r>
+            <a:r>
+              <a:rPr kumimoji="1" lang="en-US" altLang="ja-JP" sz="2400" dirty="0"/>
+              <a:t> (Genetic Algorithm: GA)</a:t>
+            </a:r>
+          </a:p>
+        </p:txBody>
+      </p:sp>
+      <p:sp>
+        <p:nvSpPr>
+          <p:cNvPr id="5" name="テキスト ボックス 4">
+            <a:extLst>
+              <a:ext uri="{FF2B5EF4-FFF2-40B4-BE49-F238E27FC236}">
+                <a16:creationId xmlns:a16="http://schemas.microsoft.com/office/drawing/2014/main" id="{6552DF41-280F-EBD5-7E3B-875A243D0221}"/>
+              </a:ext>
+            </a:extLst>
+          </p:cNvPr>
+          <p:cNvSpPr txBox="1"/>
+          <p:nvPr/>
+        </p:nvSpPr>
+        <p:spPr>
+          <a:xfrm>
+            <a:off x="519837" y="2326629"/>
+            <a:ext cx="6936514" cy="2877711"/>
+          </a:xfrm>
+          <a:prstGeom prst="rect">
+            <a:avLst/>
+          </a:prstGeom>
+          <a:noFill/>
+        </p:spPr>
+        <p:txBody>
+          <a:bodyPr wrap="none" rtlCol="0">
+            <a:spAutoFit/>
+          </a:bodyPr>
+          <a:lstStyle/>
+          <a:p>
+            <a:pPr marL="285750" indent="-285750">
+              <a:lnSpc>
+                <a:spcPct val="150000"/>
+              </a:lnSpc>
+              <a:buFont typeface="Wingdings" pitchFamily="2" charset="2"/>
+              <a:buChar char="p"/>
+            </a:pPr>
+            <a:r>
+              <a:rPr kumimoji="1" lang="ja-JP" altLang="en-US" sz="2400"/>
+              <a:t>生物の進化からヒントを得た最適化手法</a:t>
+            </a:r>
+            <a:endParaRPr kumimoji="1" lang="en-US" altLang="ja-JP" sz="2400" dirty="0"/>
+          </a:p>
+          <a:p>
+            <a:pPr marL="285750" indent="-285750">
+              <a:lnSpc>
+                <a:spcPct val="150000"/>
+              </a:lnSpc>
+              <a:buFont typeface="Wingdings" pitchFamily="2" charset="2"/>
+              <a:buChar char="p"/>
+            </a:pPr>
+            <a:endParaRPr kumimoji="1" lang="en-US" altLang="ja-JP" sz="1400" dirty="0"/>
+          </a:p>
+          <a:p>
+            <a:pPr marL="285750" indent="-285750">
+              <a:buFont typeface="Wingdings" pitchFamily="2" charset="2"/>
+              <a:buChar char="p"/>
+            </a:pPr>
+            <a:r>
+              <a:rPr kumimoji="1" lang="ja-JP" altLang="en-US" sz="2400"/>
+              <a:t>解の遺伝子を表現する配列に</a:t>
+            </a:r>
+            <a:r>
+              <a:rPr lang="ja-JP" altLang="en-US" sz="2400"/>
+              <a:t>交叉，突然変異，</a:t>
+            </a:r>
+            <a:br>
+              <a:rPr lang="en-US" altLang="ja-JP" sz="2400" dirty="0"/>
+            </a:br>
+            <a:r>
+              <a:rPr lang="ja-JP" altLang="en-US" sz="2400"/>
+              <a:t>選択といった操作を繰り返し適用</a:t>
+            </a:r>
+            <a:endParaRPr lang="en-US" altLang="ja-JP" sz="2400" dirty="0"/>
+          </a:p>
+          <a:p>
+            <a:pPr marL="285750" indent="-285750">
+              <a:buFont typeface="Wingdings" pitchFamily="2" charset="2"/>
+              <a:buChar char="p"/>
+            </a:pPr>
+            <a:endParaRPr lang="en-US" altLang="ja-JP" sz="1400" dirty="0"/>
+          </a:p>
+          <a:p>
+            <a:pPr marL="285750" indent="-285750">
+              <a:buFont typeface="Wingdings" pitchFamily="2" charset="2"/>
+              <a:buChar char="p"/>
+            </a:pPr>
+            <a:r>
+              <a:rPr kumimoji="1" lang="ja-JP" altLang="en-US" sz="2400"/>
+              <a:t>各個体について適応度を計算し，</a:t>
+            </a:r>
+            <a:r>
+              <a:rPr lang="ja-JP" altLang="en-US" sz="2400"/>
+              <a:t>高いものを</a:t>
+            </a:r>
+            <a:br>
+              <a:rPr lang="en-US" altLang="ja-JP" sz="2400" dirty="0"/>
+            </a:br>
+            <a:r>
+              <a:rPr lang="ja-JP" altLang="en-US" sz="2400"/>
+              <a:t>次世代に残し，</a:t>
+            </a:r>
+            <a:r>
+              <a:rPr kumimoji="1" lang="ja-JP" altLang="en-US" sz="2400"/>
+              <a:t>低いものを淘汰</a:t>
+            </a:r>
+            <a:endParaRPr kumimoji="1" lang="en-US" altLang="ja-JP" sz="2400" dirty="0"/>
+          </a:p>
+          <a:p>
+            <a:pPr marL="285750" indent="-285750">
+              <a:buFont typeface="Wingdings" pitchFamily="2" charset="2"/>
+              <a:buChar char="p"/>
+            </a:pPr>
+            <a:endParaRPr lang="en-US" altLang="ja-JP" sz="1400" dirty="0"/>
+          </a:p>
+        </p:txBody>
+      </p:sp>
+    </p:spTree>
+    <p:extLst>
+      <p:ext uri="{BB962C8B-B14F-4D97-AF65-F5344CB8AC3E}">
+        <p14:creationId xmlns:p14="http://schemas.microsoft.com/office/powerpoint/2010/main" val="772153992"/>
+      </p:ext>
+    </p:extLst>
+  </p:cSld>
+  <p:clrMapOvr>
+    <a:masterClrMapping/>
+  </p:clrMapOvr>
+</p:sld>
+</file>
+
+<file path=ppt/slides/slide34.xml><?xml version="1.0" encoding="utf-8"?>
+<p:sld xmlns:a="http://schemas.openxmlformats.org/drawingml/2006/main" xmlns:r="http://schemas.openxmlformats.org/officeDocument/2006/relationships" xmlns:p="http://schemas.openxmlformats.org/presentationml/2006/main">
+  <p:cSld>
+    <p:spTree>
+      <p:nvGrpSpPr>
+        <p:cNvPr id="1" name=""/>
+        <p:cNvGrpSpPr/>
+        <p:nvPr/>
+      </p:nvGrpSpPr>
+      <p:grpSpPr>
+        <a:xfrm>
+          <a:off x="0" y="0"/>
+          <a:ext cx="0" cy="0"/>
+          <a:chOff x="0" y="0"/>
+          <a:chExt cx="0" cy="0"/>
+        </a:xfrm>
+      </p:grpSpPr>
+      <p:sp>
+        <p:nvSpPr>
+          <p:cNvPr id="2" name="タイトル 1">
+            <a:extLst>
+              <a:ext uri="{FF2B5EF4-FFF2-40B4-BE49-F238E27FC236}">
+                <a16:creationId xmlns:a16="http://schemas.microsoft.com/office/drawing/2014/main" id="{C90BB530-5AC9-C1CB-F08E-50496361C5DB}"/>
+              </a:ext>
+            </a:extLst>
+          </p:cNvPr>
+          <p:cNvSpPr>
+            <a:spLocks noGrp="1"/>
+          </p:cNvSpPr>
+          <p:nvPr>
+            <p:ph type="title"/>
+          </p:nvPr>
+        </p:nvSpPr>
+        <p:spPr/>
+        <p:txBody>
+          <a:bodyPr/>
+          <a:lstStyle/>
+          <a:p>
+            <a:r>
+              <a:rPr lang="en-US" altLang="ja-JP" dirty="0" err="1"/>
+              <a:t>t</a:t>
+            </a:r>
+            <a:r>
+              <a:rPr kumimoji="1" lang="en-US" altLang="ja-JP" dirty="0" err="1"/>
+              <a:t>dga</a:t>
+            </a:r>
+            <a:r>
+              <a:rPr lang="en-US" altLang="ja-JP" dirty="0" err="1"/>
+              <a:t>CNN</a:t>
+            </a:r>
+            <a:r>
+              <a:rPr lang="en-US" altLang="ja-JP" dirty="0"/>
+              <a:t> </a:t>
+            </a:r>
+            <a:r>
+              <a:rPr lang="ja-JP" altLang="en-US"/>
+              <a:t>の流れ</a:t>
+            </a:r>
+            <a:endParaRPr kumimoji="1" lang="ja-JP" altLang="en-US"/>
+          </a:p>
+        </p:txBody>
+      </p:sp>
+      <p:sp>
+        <p:nvSpPr>
+          <p:cNvPr id="3" name="スライド番号プレースホルダー 2">
+            <a:extLst>
+              <a:ext uri="{FF2B5EF4-FFF2-40B4-BE49-F238E27FC236}">
+                <a16:creationId xmlns:a16="http://schemas.microsoft.com/office/drawing/2014/main" id="{D4B14B84-3C24-2D1B-3DC6-AC568B15C965}"/>
+              </a:ext>
+            </a:extLst>
+          </p:cNvPr>
+          <p:cNvSpPr>
+            <a:spLocks noGrp="1"/>
+          </p:cNvSpPr>
+          <p:nvPr>
+            <p:ph type="sldNum" sz="quarter" idx="12"/>
+          </p:nvPr>
+        </p:nvSpPr>
+        <p:spPr/>
+        <p:txBody>
+          <a:bodyPr/>
+          <a:lstStyle/>
+          <a:p>
+            <a:pPr lvl="0"/>
+            <a:fld id="{004900ED-2EFD-2142-93A1-1CBA90FDE07B}" type="slidenum">
+              <a:rPr lang="en-US" altLang="ja-JP" smtClean="0"/>
+              <a:t>34</a:t>
+            </a:fld>
+            <a:endParaRPr lang="ja-JP" altLang="en-US"/>
+          </a:p>
+        </p:txBody>
+      </p:sp>
+      <p:sp>
+        <p:nvSpPr>
+          <p:cNvPr id="4" name="テキスト ボックス 3">
+            <a:extLst>
+              <a:ext uri="{FF2B5EF4-FFF2-40B4-BE49-F238E27FC236}">
+                <a16:creationId xmlns:a16="http://schemas.microsoft.com/office/drawing/2014/main" id="{F597D62F-5B0E-F5A1-F4AB-B4D8182F2BB8}"/>
+              </a:ext>
+            </a:extLst>
+          </p:cNvPr>
+          <p:cNvSpPr txBox="1"/>
+          <p:nvPr/>
+        </p:nvSpPr>
+        <p:spPr>
+          <a:xfrm>
+            <a:off x="437408" y="1904850"/>
+            <a:ext cx="6857968" cy="2308324"/>
+          </a:xfrm>
+          <a:prstGeom prst="rect">
+            <a:avLst/>
+          </a:prstGeom>
+          <a:noFill/>
+        </p:spPr>
+        <p:txBody>
+          <a:bodyPr wrap="none" rtlCol="0">
+            <a:spAutoFit/>
+          </a:bodyPr>
+          <a:lstStyle/>
+          <a:p>
+            <a:pPr marL="342900" indent="-342900">
+              <a:buFont typeface="+mj-lt"/>
+              <a:buAutoNum type="arabicPeriod"/>
+            </a:pPr>
+            <a:r>
+              <a:rPr kumimoji="1" lang="ja-JP" altLang="en-US" sz="2400"/>
+              <a:t>初期母集団を生成</a:t>
+            </a:r>
+            <a:endParaRPr kumimoji="1" lang="en-US" altLang="ja-JP" sz="2400" dirty="0"/>
+          </a:p>
+          <a:p>
+            <a:pPr marL="342900" indent="-342900">
+              <a:buFont typeface="+mj-lt"/>
+              <a:buAutoNum type="arabicPeriod"/>
+            </a:pPr>
+            <a:r>
+              <a:rPr lang="ja-JP" altLang="en-US" sz="2400"/>
+              <a:t>母集団の個体の適応度を評価</a:t>
+            </a:r>
+            <a:endParaRPr lang="en-US" altLang="ja-JP" sz="2400" dirty="0"/>
+          </a:p>
+          <a:p>
+            <a:pPr marL="342900" indent="-342900">
+              <a:buFont typeface="+mj-lt"/>
+              <a:buAutoNum type="arabicPeriod"/>
+            </a:pPr>
+            <a:r>
+              <a:rPr kumimoji="1" lang="ja-JP" altLang="en-US" sz="2400"/>
+              <a:t>選択，交叉，突然変異による次世代の母集団</a:t>
+            </a:r>
+            <a:br>
+              <a:rPr kumimoji="1" lang="en-US" altLang="ja-JP" sz="2400" dirty="0"/>
+            </a:br>
+            <a:r>
+              <a:rPr kumimoji="1" lang="ja-JP" altLang="en-US" sz="2400"/>
+              <a:t>の生成</a:t>
+            </a:r>
+            <a:endParaRPr kumimoji="1" lang="en-US" altLang="ja-JP" sz="2400" dirty="0"/>
+          </a:p>
+          <a:p>
+            <a:pPr marL="342900" indent="-342900">
+              <a:buFont typeface="+mj-lt"/>
+              <a:buAutoNum type="arabicPeriod"/>
+            </a:pPr>
+            <a:r>
+              <a:rPr lang="en-US" altLang="ja-JP" sz="2400" dirty="0"/>
+              <a:t>2 ~ 3 </a:t>
+            </a:r>
+            <a:r>
+              <a:rPr lang="ja-JP" altLang="en-US" sz="2400"/>
+              <a:t>を世代回数だけ反復</a:t>
+            </a:r>
+            <a:endParaRPr lang="en-US" altLang="ja-JP" sz="2400" dirty="0"/>
+          </a:p>
+          <a:p>
+            <a:pPr marL="342900" indent="-342900">
+              <a:buFont typeface="+mj-lt"/>
+              <a:buAutoNum type="arabicPeriod"/>
+            </a:pPr>
+            <a:r>
+              <a:rPr kumimoji="1" lang="ja-JP" altLang="en-US" sz="2400"/>
+              <a:t>最終世代で最も適応度が高い個体を本学習</a:t>
+            </a:r>
+            <a:endParaRPr kumimoji="1" lang="en-US" altLang="ja-JP" sz="2400" dirty="0"/>
+          </a:p>
+        </p:txBody>
+      </p:sp>
+    </p:spTree>
+    <p:extLst>
+      <p:ext uri="{BB962C8B-B14F-4D97-AF65-F5344CB8AC3E}">
+        <p14:creationId xmlns:p14="http://schemas.microsoft.com/office/powerpoint/2010/main" val="3426627500"/>
+      </p:ext>
+    </p:extLst>
+  </p:cSld>
+  <p:clrMapOvr>
+    <a:masterClrMapping/>
+  </p:clrMapOvr>
+</p:sld>
+</file>
+
+<file path=ppt/slides/slide35.xml><?xml version="1.0" encoding="utf-8"?>
+<p:sld xmlns:a="http://schemas.openxmlformats.org/drawingml/2006/main" xmlns:r="http://schemas.openxmlformats.org/officeDocument/2006/relationships" xmlns:p="http://schemas.openxmlformats.org/presentationml/2006/main">
+  <p:cSld>
+    <p:spTree>
+      <p:nvGrpSpPr>
+        <p:cNvPr id="1" name=""/>
+        <p:cNvGrpSpPr/>
+        <p:nvPr/>
+      </p:nvGrpSpPr>
+      <p:grpSpPr>
+        <a:xfrm>
+          <a:off x="0" y="0"/>
+          <a:ext cx="0" cy="0"/>
+          <a:chOff x="0" y="0"/>
+          <a:chExt cx="0" cy="0"/>
+        </a:xfrm>
+      </p:grpSpPr>
+      <p:sp>
+        <p:nvSpPr>
+          <p:cNvPr id="2" name="タイトル 1">
+            <a:extLst>
+              <a:ext uri="{FF2B5EF4-FFF2-40B4-BE49-F238E27FC236}">
+                <a16:creationId xmlns:a16="http://schemas.microsoft.com/office/drawing/2014/main" id="{D159CF40-CD8C-21A6-0A3D-8CF370B562A6}"/>
+              </a:ext>
+            </a:extLst>
+          </p:cNvPr>
+          <p:cNvSpPr>
+            <a:spLocks noGrp="1"/>
+          </p:cNvSpPr>
+          <p:nvPr>
+            <p:ph type="title"/>
+          </p:nvPr>
+        </p:nvSpPr>
+        <p:spPr>
+          <a:xfrm>
+            <a:off x="519836" y="166047"/>
+            <a:ext cx="6521589" cy="1096044"/>
+          </a:xfrm>
+        </p:spPr>
+        <p:txBody>
+          <a:bodyPr/>
+          <a:lstStyle/>
+          <a:p>
+            <a:r>
+              <a:rPr kumimoji="1" lang="ja-JP" altLang="en-US"/>
+              <a:t>実験</a:t>
+            </a:r>
+            <a:r>
+              <a:rPr kumimoji="1" lang="en-US" altLang="ja-JP" dirty="0"/>
+              <a:t> </a:t>
+            </a:r>
+            <a:r>
+              <a:rPr lang="en-US" altLang="ja-JP" dirty="0"/>
+              <a:t>2 ––– </a:t>
+            </a:r>
+            <a:r>
+              <a:rPr lang="ja-JP" altLang="en-US"/>
+              <a:t>適応度の推移</a:t>
+            </a:r>
+            <a:endParaRPr kumimoji="1" lang="ja-JP" altLang="en-US"/>
+          </a:p>
+        </p:txBody>
+      </p:sp>
+      <p:sp>
+        <p:nvSpPr>
+          <p:cNvPr id="3" name="スライド番号プレースホルダー 2">
+            <a:extLst>
+              <a:ext uri="{FF2B5EF4-FFF2-40B4-BE49-F238E27FC236}">
+                <a16:creationId xmlns:a16="http://schemas.microsoft.com/office/drawing/2014/main" id="{37968868-915E-15E5-AB4E-1366F32A281D}"/>
+              </a:ext>
+            </a:extLst>
+          </p:cNvPr>
+          <p:cNvSpPr>
+            <a:spLocks noGrp="1"/>
+          </p:cNvSpPr>
+          <p:nvPr>
+            <p:ph type="sldNum" sz="quarter" idx="12"/>
+          </p:nvPr>
+        </p:nvSpPr>
+        <p:spPr/>
+        <p:txBody>
+          <a:bodyPr/>
+          <a:lstStyle/>
+          <a:p>
+            <a:pPr lvl="0"/>
+            <a:fld id="{004900ED-2EFD-2142-93A1-1CBA90FDE07B}" type="slidenum">
+              <a:rPr lang="en-US" altLang="ja-JP" smtClean="0"/>
+              <a:t>35</a:t>
+            </a:fld>
+            <a:endParaRPr lang="ja-JP" altLang="en-US"/>
+          </a:p>
+        </p:txBody>
+      </p:sp>
+      <p:grpSp>
+        <p:nvGrpSpPr>
+          <p:cNvPr id="13" name="グループ化 12">
+            <a:extLst>
+              <a:ext uri="{FF2B5EF4-FFF2-40B4-BE49-F238E27FC236}">
+                <a16:creationId xmlns:a16="http://schemas.microsoft.com/office/drawing/2014/main" id="{84114E7E-ED35-82C3-DC5B-3408B17E5F4D}"/>
+              </a:ext>
+            </a:extLst>
+          </p:cNvPr>
+          <p:cNvGrpSpPr/>
+          <p:nvPr/>
+        </p:nvGrpSpPr>
+        <p:grpSpPr>
+          <a:xfrm>
+            <a:off x="120649" y="1727198"/>
+            <a:ext cx="7380849" cy="3363730"/>
+            <a:chOff x="120649" y="1727198"/>
+            <a:chExt cx="7380849" cy="3363730"/>
+          </a:xfrm>
+        </p:grpSpPr>
+        <p:pic>
+          <p:nvPicPr>
+            <p:cNvPr id="7" name="図 6" descr="グラフ, 折れ線グラフ&#10;&#10;自動的に生成された説明">
+              <a:extLst>
+                <a:ext uri="{FF2B5EF4-FFF2-40B4-BE49-F238E27FC236}">
+                  <a16:creationId xmlns:a16="http://schemas.microsoft.com/office/drawing/2014/main" id="{6B9C6E3A-C2DD-3B77-364C-B77093576CAC}"/>
+                </a:ext>
+              </a:extLst>
+            </p:cNvPr>
+            <p:cNvPicPr>
+              <a:picLocks noChangeAspect="1"/>
+            </p:cNvPicPr>
+            <p:nvPr/>
+          </p:nvPicPr>
+          <p:blipFill rotWithShape="1">
+            <a:blip r:embed="rId2"/>
+            <a:srcRect l="6351" t="11058" r="8995" b="2041"/>
+            <a:stretch/>
+          </p:blipFill>
+          <p:spPr>
+            <a:xfrm>
+              <a:off x="3866493" y="1727198"/>
+              <a:ext cx="3635005" cy="2798619"/>
+            </a:xfrm>
+            <a:prstGeom prst="rect">
+              <a:avLst/>
+            </a:prstGeom>
+          </p:spPr>
+        </p:pic>
+        <p:pic>
+          <p:nvPicPr>
+            <p:cNvPr id="10" name="図 9" descr="グラフ, 折れ線グラフ&#10;&#10;自動的に生成された説明">
+              <a:extLst>
+                <a:ext uri="{FF2B5EF4-FFF2-40B4-BE49-F238E27FC236}">
+                  <a16:creationId xmlns:a16="http://schemas.microsoft.com/office/drawing/2014/main" id="{9B2BDBF4-BEF1-B08E-25B7-A30453A4EB7A}"/>
+                </a:ext>
+              </a:extLst>
+            </p:cNvPr>
+            <p:cNvPicPr>
+              <a:picLocks noChangeAspect="1"/>
+            </p:cNvPicPr>
+            <p:nvPr/>
+          </p:nvPicPr>
+          <p:blipFill rotWithShape="1">
+            <a:blip r:embed="rId3"/>
+            <a:srcRect l="3785" t="11557" r="9252" b="1812"/>
+            <a:stretch/>
+          </p:blipFill>
+          <p:spPr>
+            <a:xfrm>
+              <a:off x="120649" y="1727199"/>
+              <a:ext cx="3745844" cy="2798619"/>
+            </a:xfrm>
+            <a:prstGeom prst="rect">
+              <a:avLst/>
+            </a:prstGeom>
+          </p:spPr>
+        </p:pic>
+        <p:sp>
+          <p:nvSpPr>
+            <p:cNvPr id="11" name="テキスト ボックス 10">
+              <a:extLst>
+                <a:ext uri="{FF2B5EF4-FFF2-40B4-BE49-F238E27FC236}">
+                  <a16:creationId xmlns:a16="http://schemas.microsoft.com/office/drawing/2014/main" id="{39F5E587-3EF9-3818-BF6E-CAD92A72DBE9}"/>
+                </a:ext>
+              </a:extLst>
+            </p:cNvPr>
+            <p:cNvSpPr txBox="1"/>
+            <p:nvPr/>
+          </p:nvSpPr>
+          <p:spPr>
+            <a:xfrm>
+              <a:off x="518198" y="4690818"/>
+              <a:ext cx="3262432" cy="400110"/>
+            </a:xfrm>
+            <a:prstGeom prst="rect">
+              <a:avLst/>
+            </a:prstGeom>
+            <a:noFill/>
+          </p:spPr>
+          <p:txBody>
+            <a:bodyPr wrap="none" rtlCol="0">
+              <a:spAutoFit/>
+            </a:bodyPr>
+            <a:lstStyle/>
+            <a:p>
+              <a:r>
+                <a:rPr kumimoji="1" lang="ja-JP" altLang="en-US" sz="2000"/>
+                <a:t>エポック数を増加させた時</a:t>
+              </a:r>
+            </a:p>
+          </p:txBody>
+        </p:sp>
+        <p:sp>
+          <p:nvSpPr>
+            <p:cNvPr id="12" name="テキスト ボックス 11">
+              <a:extLst>
+                <a:ext uri="{FF2B5EF4-FFF2-40B4-BE49-F238E27FC236}">
+                  <a16:creationId xmlns:a16="http://schemas.microsoft.com/office/drawing/2014/main" id="{B6750C3E-2C2F-B465-7CC3-E1D2A21E4317}"/>
+                </a:ext>
+              </a:extLst>
+            </p:cNvPr>
+            <p:cNvSpPr txBox="1"/>
+            <p:nvPr/>
+          </p:nvSpPr>
+          <p:spPr>
+            <a:xfrm>
+              <a:off x="4168998" y="4690818"/>
+              <a:ext cx="3262432" cy="400110"/>
+            </a:xfrm>
+            <a:prstGeom prst="rect">
+              <a:avLst/>
+            </a:prstGeom>
+            <a:noFill/>
+          </p:spPr>
+          <p:txBody>
+            <a:bodyPr wrap="none" rtlCol="0">
+              <a:spAutoFit/>
+            </a:bodyPr>
+            <a:lstStyle/>
+            <a:p>
+              <a:r>
+                <a:rPr kumimoji="1" lang="ja-JP" altLang="en-US" sz="2000"/>
+                <a:t>エポック数を減少させた時</a:t>
+              </a:r>
+            </a:p>
+          </p:txBody>
+        </p:sp>
+      </p:grpSp>
+    </p:spTree>
+    <p:extLst>
+      <p:ext uri="{BB962C8B-B14F-4D97-AF65-F5344CB8AC3E}">
+        <p14:creationId xmlns:p14="http://schemas.microsoft.com/office/powerpoint/2010/main" val="611415597"/>
+      </p:ext>
+    </p:extLst>
+  </p:cSld>
+  <p:clrMapOvr>
+    <a:masterClrMapping/>
+  </p:clrMapOvr>
+</p:sld>
+</file>
+
+<file path=ppt/slides/slide4.xml><?xml version="1.0" encoding="utf-8"?>
+<p:sld xmlns:a="http://schemas.openxmlformats.org/drawingml/2006/main" xmlns:r="http://schemas.openxmlformats.org/officeDocument/2006/relationships" xmlns:p="http://schemas.openxmlformats.org/presentationml/2006/main">
+  <p:cSld>
+    <p:spTree>
+      <p:nvGrpSpPr>
+        <p:cNvPr id="1" name=""/>
+        <p:cNvGrpSpPr/>
+        <p:nvPr/>
+      </p:nvGrpSpPr>
+      <p:grpSpPr>
+        <a:xfrm>
+          <a:off x="0" y="0"/>
+          <a:ext cx="0" cy="0"/>
+          <a:chOff x="0" y="0"/>
+          <a:chExt cx="0" cy="0"/>
+        </a:xfrm>
+      </p:grpSpPr>
+      <p:sp>
+        <p:nvSpPr>
+          <p:cNvPr id="2" name="タイトル 1">
+            <a:extLst>
+              <a:ext uri="{FF2B5EF4-FFF2-40B4-BE49-F238E27FC236}">
+                <a16:creationId xmlns:a16="http://schemas.microsoft.com/office/drawing/2014/main" id="{E71B4E71-095F-F17F-6D83-0805695A2254}"/>
+              </a:ext>
+            </a:extLst>
+          </p:cNvPr>
+          <p:cNvSpPr>
+            <a:spLocks noGrp="1"/>
+          </p:cNvSpPr>
+          <p:nvPr>
+            <p:ph type="title"/>
+          </p:nvPr>
+        </p:nvSpPr>
+        <p:spPr/>
+        <p:txBody>
+          <a:bodyPr/>
+          <a:lstStyle/>
+          <a:p>
+            <a:r>
+              <a:rPr kumimoji="1" lang="ja-JP" altLang="en-US"/>
+              <a:t>はじめに</a:t>
+            </a:r>
+          </a:p>
+        </p:txBody>
+      </p:sp>
+      <p:sp>
+        <p:nvSpPr>
+          <p:cNvPr id="3" name="スライド番号プレースホルダー 2">
+            <a:extLst>
+              <a:ext uri="{FF2B5EF4-FFF2-40B4-BE49-F238E27FC236}">
+                <a16:creationId xmlns:a16="http://schemas.microsoft.com/office/drawing/2014/main" id="{F5E302DC-5737-F25A-5C7A-5AAE4F212E41}"/>
+              </a:ext>
+            </a:extLst>
+          </p:cNvPr>
+          <p:cNvSpPr>
+            <a:spLocks noGrp="1"/>
+          </p:cNvSpPr>
+          <p:nvPr>
+            <p:ph type="sldNum" sz="quarter" idx="12"/>
+          </p:nvPr>
+        </p:nvSpPr>
+        <p:spPr/>
+        <p:txBody>
+          <a:bodyPr/>
+          <a:lstStyle/>
+          <a:p>
+            <a:pPr lvl="0"/>
+            <a:fld id="{004900ED-2EFD-2142-93A1-1CBA90FDE07B}" type="slidenum">
+              <a:rPr lang="en-US" altLang="ja-JP" smtClean="0"/>
+              <a:t>4</a:t>
+            </a:fld>
+            <a:endParaRPr lang="ja-JP" altLang="en-US"/>
+          </a:p>
+        </p:txBody>
+      </p:sp>
+      <p:sp>
+        <p:nvSpPr>
+          <p:cNvPr id="4" name="テキスト ボックス 3">
+            <a:extLst>
+              <a:ext uri="{FF2B5EF4-FFF2-40B4-BE49-F238E27FC236}">
+                <a16:creationId xmlns:a16="http://schemas.microsoft.com/office/drawing/2014/main" id="{EDCD9C4E-048F-3F85-CAD2-749A02AA4CBA}"/>
+              </a:ext>
+            </a:extLst>
+          </p:cNvPr>
+          <p:cNvSpPr txBox="1"/>
+          <p:nvPr/>
+        </p:nvSpPr>
+        <p:spPr>
+          <a:xfrm>
+            <a:off x="135454" y="1696781"/>
+            <a:ext cx="7290353" cy="3293209"/>
+          </a:xfrm>
+          <a:prstGeom prst="rect">
+            <a:avLst/>
+          </a:prstGeom>
+          <a:noFill/>
+        </p:spPr>
+        <p:txBody>
+          <a:bodyPr wrap="square" rtlCol="0">
+            <a:spAutoFit/>
+          </a:bodyPr>
+          <a:lstStyle/>
+          <a:p>
+            <a:pPr marL="285750" indent="-285750">
+              <a:buFont typeface="Wingdings" pitchFamily="2" charset="2"/>
+              <a:buChar char="p"/>
+            </a:pPr>
+            <a:r>
+              <a:rPr kumimoji="1" lang="ja-JP" altLang="en-US" sz="2400"/>
+              <a:t>近年，機械学習を用いた画像識別に注目</a:t>
+            </a:r>
+            <a:endParaRPr kumimoji="1" lang="en-US" altLang="ja-JP" sz="2400" dirty="0"/>
+          </a:p>
+          <a:p>
+            <a:pPr marL="285750" indent="-285750">
+              <a:buFont typeface="Wingdings" pitchFamily="2" charset="2"/>
+              <a:buChar char="p"/>
+            </a:pPr>
+            <a:endParaRPr lang="en-US" altLang="ja-JP" dirty="0"/>
+          </a:p>
+          <a:p>
+            <a:pPr marL="285750" indent="-285750">
+              <a:buFont typeface="Wingdings" pitchFamily="2" charset="2"/>
+              <a:buChar char="p"/>
+            </a:pPr>
+            <a:endParaRPr lang="en-US" altLang="ja-JP" sz="1400" dirty="0"/>
+          </a:p>
+          <a:p>
+            <a:pPr marL="285750" indent="-285750">
+              <a:buFont typeface="Wingdings" pitchFamily="2" charset="2"/>
+              <a:buChar char="p"/>
+            </a:pPr>
+            <a:r>
+              <a:rPr kumimoji="1" lang="ja-JP" altLang="en-US" sz="2400"/>
+              <a:t>畳み込みニューラルネットワークによる画像識別</a:t>
+            </a:r>
+            <a:br>
+              <a:rPr lang="en-US" altLang="ja-JP" sz="2400" dirty="0"/>
+            </a:br>
+            <a:r>
+              <a:rPr lang="en-US" altLang="ja-JP" sz="2400" dirty="0"/>
+              <a:t>(Convolutional Neural Network: CNN)</a:t>
+            </a:r>
+          </a:p>
+          <a:p>
+            <a:pPr marL="285750" indent="-285750">
+              <a:buFont typeface="Wingdings" pitchFamily="2" charset="2"/>
+              <a:buChar char="p"/>
+            </a:pPr>
+            <a:endParaRPr kumimoji="1" lang="en-US" altLang="ja-JP" sz="1400" dirty="0"/>
+          </a:p>
+          <a:p>
+            <a:pPr marL="285750" indent="-285750">
+              <a:buFont typeface="Wingdings" pitchFamily="2" charset="2"/>
+              <a:buChar char="p"/>
+            </a:pPr>
+            <a:endParaRPr kumimoji="1" lang="en-US" altLang="ja-JP" sz="1400" dirty="0"/>
+          </a:p>
+          <a:p>
+            <a:pPr marL="285750" indent="-285750">
+              <a:buFont typeface="Wingdings" pitchFamily="2" charset="2"/>
+              <a:buChar char="p"/>
+            </a:pPr>
+            <a:r>
+              <a:rPr lang="ja-JP" altLang="en-US" sz="2400"/>
+              <a:t>問題の高度化により，</a:t>
+            </a:r>
+            <a:r>
+              <a:rPr kumimoji="1" lang="en-US" altLang="ja-JP" sz="2400" dirty="0"/>
+              <a:t>CNN </a:t>
+            </a:r>
+            <a:r>
+              <a:rPr kumimoji="1" lang="ja-JP" altLang="en-US" sz="2400"/>
+              <a:t>の構造が複雑化</a:t>
+            </a:r>
+            <a:br>
+              <a:rPr kumimoji="1" lang="en-US" altLang="ja-JP" sz="2400" dirty="0"/>
+            </a:br>
+            <a:r>
+              <a:rPr kumimoji="1" lang="en-US" altLang="ja-JP" sz="2400" dirty="0"/>
+              <a:t>→ </a:t>
+            </a:r>
+            <a:r>
+              <a:rPr kumimoji="1" lang="ja-JP" altLang="en-US" sz="2400"/>
+              <a:t>人手で最適化することは</a:t>
+            </a:r>
+            <a:r>
+              <a:rPr lang="ja-JP" altLang="en-US" sz="2400"/>
+              <a:t>難しい</a:t>
+            </a:r>
+            <a:endParaRPr kumimoji="1" lang="ja-JP" altLang="en-US" sz="2400"/>
+          </a:p>
+          <a:p>
+            <a:pPr marL="285750" indent="-285750">
+              <a:buFont typeface="Wingdings" pitchFamily="2" charset="2"/>
+              <a:buChar char="p"/>
+            </a:pPr>
+            <a:endParaRPr kumimoji="1" lang="ja-JP" altLang="en-US" sz="2400"/>
+          </a:p>
+        </p:txBody>
+      </p:sp>
+    </p:spTree>
+    <p:extLst>
+      <p:ext uri="{BB962C8B-B14F-4D97-AF65-F5344CB8AC3E}">
+        <p14:creationId xmlns:p14="http://schemas.microsoft.com/office/powerpoint/2010/main" val="1330161517"/>
+      </p:ext>
+    </p:extLst>
+  </p:cSld>
+  <p:clrMapOvr>
+    <a:masterClrMapping/>
+  </p:clrMapOvr>
+</p:sld>
+</file>
+
+<file path=ppt/slides/slide5.xml><?xml version="1.0" encoding="utf-8"?>
+<p:sld xmlns:a="http://schemas.openxmlformats.org/drawingml/2006/main" xmlns:r="http://schemas.openxmlformats.org/officeDocument/2006/relationships" xmlns:p="http://schemas.openxmlformats.org/presentationml/2006/main">
+  <p:cSld>
+    <p:spTree>
+      <p:nvGrpSpPr>
+        <p:cNvPr id="1" name=""/>
+        <p:cNvGrpSpPr/>
+        <p:nvPr/>
+      </p:nvGrpSpPr>
+      <p:grpSpPr>
+        <a:xfrm>
+          <a:off x="0" y="0"/>
+          <a:ext cx="0" cy="0"/>
+          <a:chOff x="0" y="0"/>
+          <a:chExt cx="0" cy="0"/>
+        </a:xfrm>
+      </p:grpSpPr>
+      <p:sp>
+        <p:nvSpPr>
+          <p:cNvPr id="2" name="タイトル 1">
+            <a:extLst>
+              <a:ext uri="{FF2B5EF4-FFF2-40B4-BE49-F238E27FC236}">
+                <a16:creationId xmlns:a16="http://schemas.microsoft.com/office/drawing/2014/main" id="{D159CF40-CD8C-21A6-0A3D-8CF370B562A6}"/>
+              </a:ext>
+            </a:extLst>
+          </p:cNvPr>
+          <p:cNvSpPr>
+            <a:spLocks noGrp="1"/>
+          </p:cNvSpPr>
+          <p:nvPr>
+            <p:ph type="title"/>
+          </p:nvPr>
+        </p:nvSpPr>
+        <p:spPr/>
+        <p:txBody>
+          <a:bodyPr/>
+          <a:lstStyle/>
+          <a:p>
+            <a:r>
+              <a:rPr kumimoji="1" lang="ja-JP" altLang="en-US"/>
+              <a:t>はじめに</a:t>
+            </a:r>
+          </a:p>
+        </p:txBody>
+      </p:sp>
+      <p:sp>
+        <p:nvSpPr>
+          <p:cNvPr id="3" name="スライド番号プレースホルダー 2">
+            <a:extLst>
+              <a:ext uri="{FF2B5EF4-FFF2-40B4-BE49-F238E27FC236}">
+                <a16:creationId xmlns:a16="http://schemas.microsoft.com/office/drawing/2014/main" id="{37968868-915E-15E5-AB4E-1366F32A281D}"/>
+              </a:ext>
+            </a:extLst>
+          </p:cNvPr>
+          <p:cNvSpPr>
+            <a:spLocks noGrp="1"/>
+          </p:cNvSpPr>
+          <p:nvPr>
+            <p:ph type="sldNum" sz="quarter" idx="12"/>
+          </p:nvPr>
+        </p:nvSpPr>
+        <p:spPr/>
+        <p:txBody>
+          <a:bodyPr/>
+          <a:lstStyle/>
+          <a:p>
+            <a:pPr lvl="0"/>
+            <a:fld id="{004900ED-2EFD-2142-93A1-1CBA90FDE07B}" type="slidenum">
+              <a:rPr lang="en-US" altLang="ja-JP" smtClean="0"/>
+              <a:t>5</a:t>
+            </a:fld>
+            <a:endParaRPr lang="ja-JP" altLang="en-US"/>
+          </a:p>
+        </p:txBody>
+      </p:sp>
+      <p:sp>
+        <p:nvSpPr>
+          <p:cNvPr id="5" name="テキスト ボックス 4">
+            <a:extLst>
+              <a:ext uri="{FF2B5EF4-FFF2-40B4-BE49-F238E27FC236}">
+                <a16:creationId xmlns:a16="http://schemas.microsoft.com/office/drawing/2014/main" id="{B5E926CE-E6A3-15F0-0F1B-D31D8E1A2C0F}"/>
+              </a:ext>
+            </a:extLst>
+          </p:cNvPr>
+          <p:cNvSpPr txBox="1"/>
+          <p:nvPr/>
+        </p:nvSpPr>
+        <p:spPr>
+          <a:xfrm>
+            <a:off x="353250" y="1508209"/>
+            <a:ext cx="6854762" cy="2255233"/>
+          </a:xfrm>
+          <a:prstGeom prst="rect">
+            <a:avLst/>
+          </a:prstGeom>
+          <a:noFill/>
+        </p:spPr>
+        <p:txBody>
+          <a:bodyPr wrap="none" rtlCol="0">
+            <a:spAutoFit/>
+          </a:bodyPr>
+          <a:lstStyle/>
+          <a:p>
+            <a:pPr marL="342900" indent="-342900">
+              <a:lnSpc>
+                <a:spcPct val="150000"/>
+              </a:lnSpc>
+              <a:buFont typeface="Wingdings" pitchFamily="2" charset="2"/>
+              <a:buChar char="p"/>
+            </a:pPr>
+            <a:r>
+              <a:rPr kumimoji="1" lang="en-US" altLang="ja-JP" sz="2400" dirty="0" err="1"/>
+              <a:t>gaCNN</a:t>
+            </a:r>
+            <a:endParaRPr kumimoji="1" lang="en-US" altLang="ja-JP" sz="2400" dirty="0"/>
+          </a:p>
+          <a:p>
+            <a:pPr marL="800100" lvl="1" indent="-342900">
+              <a:lnSpc>
+                <a:spcPct val="150000"/>
+              </a:lnSpc>
+              <a:buFont typeface="Wingdings" pitchFamily="2" charset="2"/>
+              <a:buChar char="p"/>
+            </a:pPr>
+            <a:r>
+              <a:rPr kumimoji="1" lang="en-US" altLang="ja-JP" sz="2400" dirty="0"/>
+              <a:t>CNN </a:t>
+            </a:r>
+            <a:r>
+              <a:rPr kumimoji="1" lang="ja-JP" altLang="en-US" sz="2400"/>
+              <a:t>の構造の最適化に遺伝的アルゴリズム</a:t>
+            </a:r>
+            <a:br>
+              <a:rPr kumimoji="1" lang="en-US" altLang="ja-JP" sz="2400" dirty="0"/>
+            </a:br>
+            <a:r>
+              <a:rPr kumimoji="1" lang="en-US" altLang="ja-JP" sz="2400" dirty="0"/>
+              <a:t>(Genetic Algorithm: GA) </a:t>
+            </a:r>
+            <a:r>
+              <a:rPr kumimoji="1" lang="ja-JP" altLang="en-US" sz="2400"/>
+              <a:t>を利用</a:t>
+            </a:r>
+            <a:endParaRPr kumimoji="1" lang="en-US" altLang="ja-JP" sz="2400" dirty="0"/>
+          </a:p>
+          <a:p>
+            <a:pPr marL="800100" lvl="1" indent="-342900">
+              <a:lnSpc>
+                <a:spcPct val="150000"/>
+              </a:lnSpc>
+              <a:buFont typeface="Wingdings" pitchFamily="2" charset="2"/>
+              <a:buChar char="p"/>
+            </a:pPr>
+            <a:r>
+              <a:rPr kumimoji="1" lang="en-US" altLang="ja-JP" sz="2400" dirty="0"/>
+              <a:t>GA </a:t>
+            </a:r>
+            <a:r>
+              <a:rPr kumimoji="1" lang="ja-JP" altLang="en-US" sz="2400"/>
+              <a:t>の選択ルールの検討が不十分</a:t>
+            </a:r>
+          </a:p>
+        </p:txBody>
+      </p:sp>
+      <p:sp>
+        <p:nvSpPr>
+          <p:cNvPr id="8" name="下矢印 7">
+            <a:extLst>
+              <a:ext uri="{FF2B5EF4-FFF2-40B4-BE49-F238E27FC236}">
+                <a16:creationId xmlns:a16="http://schemas.microsoft.com/office/drawing/2014/main" id="{3E33ED27-8F4A-327C-F8C4-5B5D06C2576A}"/>
+              </a:ext>
+            </a:extLst>
+          </p:cNvPr>
+          <p:cNvSpPr/>
+          <p:nvPr/>
+        </p:nvSpPr>
+        <p:spPr>
+          <a:xfrm>
+            <a:off x="3332440" y="3873702"/>
+            <a:ext cx="896380" cy="551101"/>
+          </a:xfrm>
+          <a:prstGeom prst="downArrow">
+            <a:avLst/>
+          </a:prstGeom>
+          <a:solidFill>
+            <a:schemeClr val="bg1"/>
+          </a:solidFill>
+          <a:ln>
+            <a:solidFill>
+              <a:schemeClr val="tx1"/>
+            </a:solidFill>
+          </a:ln>
+        </p:spPr>
+        <p:style>
+          <a:lnRef idx="2">
+            <a:schemeClr val="accent1">
+              <a:shade val="50000"/>
+            </a:schemeClr>
+          </a:lnRef>
+          <a:fillRef idx="1">
+            <a:schemeClr val="accent1"/>
+          </a:fillRef>
+          <a:effectRef idx="0">
+            <a:schemeClr val="accent1"/>
+          </a:effectRef>
+          <a:fontRef idx="minor">
+            <a:schemeClr val="lt1"/>
+          </a:fontRef>
+        </p:style>
+        <p:txBody>
+          <a:bodyPr rtlCol="0" anchor="ctr"/>
+          <a:lstStyle/>
+          <a:p>
+            <a:pPr algn="ctr"/>
+            <a:endParaRPr kumimoji="1" lang="ja-JP" altLang="en-US"/>
+          </a:p>
+        </p:txBody>
+      </p:sp>
+      <p:sp>
+        <p:nvSpPr>
+          <p:cNvPr id="9" name="テキスト ボックス 8">
+            <a:extLst>
+              <a:ext uri="{FF2B5EF4-FFF2-40B4-BE49-F238E27FC236}">
+                <a16:creationId xmlns:a16="http://schemas.microsoft.com/office/drawing/2014/main" id="{FF89784C-7492-4D8F-F1B7-1CA26AB45A0B}"/>
+              </a:ext>
+            </a:extLst>
+          </p:cNvPr>
+          <p:cNvSpPr txBox="1"/>
+          <p:nvPr/>
+        </p:nvSpPr>
+        <p:spPr>
+          <a:xfrm>
+            <a:off x="180927" y="4537627"/>
+            <a:ext cx="7199407" cy="461665"/>
+          </a:xfrm>
+          <a:prstGeom prst="rect">
+            <a:avLst/>
+          </a:prstGeom>
+          <a:noFill/>
+        </p:spPr>
+        <p:txBody>
+          <a:bodyPr wrap="none" rtlCol="0">
+            <a:spAutoFit/>
+          </a:bodyPr>
+          <a:lstStyle/>
+          <a:p>
+            <a:r>
+              <a:rPr kumimoji="1" lang="ja-JP" altLang="en-US" sz="2400"/>
+              <a:t>多様性を考慮した選択ルールを採用した</a:t>
+            </a:r>
+            <a:r>
+              <a:rPr kumimoji="1" lang="en-US" altLang="ja-JP" sz="2400" dirty="0"/>
+              <a:t> </a:t>
+            </a:r>
+            <a:r>
+              <a:rPr kumimoji="1" lang="en-US" altLang="ja-JP" sz="2400" dirty="0" err="1"/>
+              <a:t>tdgaCNN</a:t>
+            </a:r>
+            <a:endParaRPr kumimoji="1" lang="ja-JP" altLang="en-US" sz="2400"/>
+          </a:p>
+        </p:txBody>
+      </p:sp>
+    </p:spTree>
+    <p:extLst>
+      <p:ext uri="{BB962C8B-B14F-4D97-AF65-F5344CB8AC3E}">
+        <p14:creationId xmlns:p14="http://schemas.microsoft.com/office/powerpoint/2010/main" val="918345529"/>
+      </p:ext>
+    </p:extLst>
+  </p:cSld>
+  <p:clrMapOvr>
+    <a:masterClrMapping/>
+  </p:clrMapOvr>
+</p:sld>
+</file>
+
+<file path=ppt/slides/slide6.xml><?xml version="1.0" encoding="utf-8"?>
+<p:sld xmlns:a="http://schemas.openxmlformats.org/drawingml/2006/main" xmlns:r="http://schemas.openxmlformats.org/officeDocument/2006/relationships" xmlns:p="http://schemas.openxmlformats.org/presentationml/2006/main">
+  <p:cSld>
+    <p:spTree>
+      <p:nvGrpSpPr>
+        <p:cNvPr id="1" name=""/>
+        <p:cNvGrpSpPr/>
+        <p:nvPr/>
+      </p:nvGrpSpPr>
+      <p:grpSpPr>
+        <a:xfrm>
+          <a:off x="0" y="0"/>
+          <a:ext cx="0" cy="0"/>
+          <a:chOff x="0" y="0"/>
+          <a:chExt cx="0" cy="0"/>
+        </a:xfrm>
+      </p:grpSpPr>
+      <p:sp>
+        <p:nvSpPr>
+          <p:cNvPr id="2" name="タイトル 1">
+            <a:extLst>
+              <a:ext uri="{FF2B5EF4-FFF2-40B4-BE49-F238E27FC236}">
+                <a16:creationId xmlns:a16="http://schemas.microsoft.com/office/drawing/2014/main" id="{D159CF40-CD8C-21A6-0A3D-8CF370B562A6}"/>
+              </a:ext>
+            </a:extLst>
+          </p:cNvPr>
+          <p:cNvSpPr>
+            <a:spLocks noGrp="1"/>
+          </p:cNvSpPr>
+          <p:nvPr>
+            <p:ph type="title"/>
+          </p:nvPr>
+        </p:nvSpPr>
+        <p:spPr/>
+        <p:txBody>
+          <a:bodyPr/>
+          <a:lstStyle/>
+          <a:p>
+            <a:r>
+              <a:rPr kumimoji="1" lang="ja-JP" altLang="en-US"/>
+              <a:t>はじめに</a:t>
+            </a:r>
+          </a:p>
+        </p:txBody>
+      </p:sp>
+      <p:sp>
+        <p:nvSpPr>
+          <p:cNvPr id="3" name="スライド番号プレースホルダー 2">
+            <a:extLst>
+              <a:ext uri="{FF2B5EF4-FFF2-40B4-BE49-F238E27FC236}">
+                <a16:creationId xmlns:a16="http://schemas.microsoft.com/office/drawing/2014/main" id="{37968868-915E-15E5-AB4E-1366F32A281D}"/>
+              </a:ext>
+            </a:extLst>
+          </p:cNvPr>
+          <p:cNvSpPr>
+            <a:spLocks noGrp="1"/>
+          </p:cNvSpPr>
+          <p:nvPr>
+            <p:ph type="sldNum" sz="quarter" idx="12"/>
+          </p:nvPr>
+        </p:nvSpPr>
+        <p:spPr/>
+        <p:txBody>
+          <a:bodyPr/>
+          <a:lstStyle/>
+          <a:p>
+            <a:pPr lvl="0"/>
+            <a:fld id="{004900ED-2EFD-2142-93A1-1CBA90FDE07B}" type="slidenum">
+              <a:rPr lang="en-US" altLang="ja-JP" smtClean="0"/>
+              <a:t>6</a:t>
+            </a:fld>
+            <a:endParaRPr lang="ja-JP" altLang="en-US"/>
+          </a:p>
+        </p:txBody>
+      </p:sp>
+      <p:grpSp>
+        <p:nvGrpSpPr>
+          <p:cNvPr id="9" name="グループ化 8">
+            <a:extLst>
+              <a:ext uri="{FF2B5EF4-FFF2-40B4-BE49-F238E27FC236}">
+                <a16:creationId xmlns:a16="http://schemas.microsoft.com/office/drawing/2014/main" id="{0761B48F-FD65-EDE8-7BBE-9EB7BE0E6142}"/>
+              </a:ext>
+            </a:extLst>
+          </p:cNvPr>
+          <p:cNvGrpSpPr/>
+          <p:nvPr/>
+        </p:nvGrpSpPr>
+        <p:grpSpPr>
+          <a:xfrm>
+            <a:off x="215805" y="1508209"/>
+            <a:ext cx="7042701" cy="3158101"/>
+            <a:chOff x="215805" y="1508209"/>
+            <a:chExt cx="7042701" cy="3158101"/>
+          </a:xfrm>
+        </p:grpSpPr>
+        <p:sp>
+          <p:nvSpPr>
+            <p:cNvPr id="4" name="テキスト ボックス 3">
+              <a:extLst>
+                <a:ext uri="{FF2B5EF4-FFF2-40B4-BE49-F238E27FC236}">
+                  <a16:creationId xmlns:a16="http://schemas.microsoft.com/office/drawing/2014/main" id="{C90B63DA-86FE-BCFD-909B-51617E6B3CDE}"/>
+                </a:ext>
+              </a:extLst>
+            </p:cNvPr>
+            <p:cNvSpPr txBox="1"/>
+            <p:nvPr/>
+          </p:nvSpPr>
+          <p:spPr>
+            <a:xfrm>
+              <a:off x="215805" y="1508209"/>
+              <a:ext cx="6006773" cy="1148520"/>
+            </a:xfrm>
+            <a:prstGeom prst="rect">
+              <a:avLst/>
+            </a:prstGeom>
+            <a:noFill/>
+          </p:spPr>
+          <p:txBody>
+            <a:bodyPr wrap="none" rtlCol="0">
+              <a:spAutoFit/>
+            </a:bodyPr>
+            <a:lstStyle/>
+            <a:p>
+              <a:pPr marL="914400" lvl="1" indent="-457200">
+                <a:lnSpc>
+                  <a:spcPct val="150000"/>
+                </a:lnSpc>
+                <a:buFont typeface="Wingdings" pitchFamily="2" charset="2"/>
+                <a:buChar char="p"/>
+              </a:pPr>
+              <a:r>
+                <a:rPr lang="en-US" altLang="ja-JP" sz="2400" dirty="0" err="1"/>
+                <a:t>tdgaCNN</a:t>
+              </a:r>
+              <a:r>
+                <a:rPr kumimoji="1" lang="en-US" altLang="ja-JP" sz="2400" dirty="0"/>
+                <a:t> </a:t>
+              </a:r>
+              <a:r>
+                <a:rPr lang="ja-JP" altLang="en-US" sz="2400"/>
+                <a:t>の探索フェーズ</a:t>
+              </a:r>
+              <a:endParaRPr lang="en-US" altLang="ja-JP" sz="2400" dirty="0"/>
+            </a:p>
+            <a:p>
+              <a:pPr marL="1371600" lvl="2" indent="-457200">
+                <a:lnSpc>
+                  <a:spcPct val="150000"/>
+                </a:lnSpc>
+                <a:buFont typeface="Wingdings" pitchFamily="2" charset="2"/>
+                <a:buChar char="p"/>
+              </a:pPr>
+              <a:r>
+                <a:rPr kumimoji="1" lang="ja-JP" altLang="en-US" sz="2400"/>
+                <a:t>従来</a:t>
+              </a:r>
+              <a:r>
+                <a:rPr kumimoji="1" lang="en-US" altLang="ja-JP" sz="2400" dirty="0"/>
+                <a:t>: </a:t>
+              </a:r>
+              <a:r>
+                <a:rPr kumimoji="1" lang="ja-JP" altLang="en-US" sz="2400"/>
+                <a:t>適応度評価エポック数は</a:t>
+              </a:r>
+              <a:r>
+                <a:rPr kumimoji="1" lang="en-US" altLang="ja-JP" sz="2400" dirty="0"/>
+                <a:t> 1</a:t>
+              </a:r>
+            </a:p>
+          </p:txBody>
+        </p:sp>
+        <p:grpSp>
+          <p:nvGrpSpPr>
+            <p:cNvPr id="8" name="グループ化 7">
+              <a:extLst>
+                <a:ext uri="{FF2B5EF4-FFF2-40B4-BE49-F238E27FC236}">
+                  <a16:creationId xmlns:a16="http://schemas.microsoft.com/office/drawing/2014/main" id="{E10EB885-B0A6-EB9E-320D-E864B720C16C}"/>
+                </a:ext>
+              </a:extLst>
+            </p:cNvPr>
+            <p:cNvGrpSpPr/>
+            <p:nvPr/>
+          </p:nvGrpSpPr>
+          <p:grpSpPr>
+            <a:xfrm>
+              <a:off x="302756" y="3050501"/>
+              <a:ext cx="6955750" cy="1615809"/>
+              <a:chOff x="302756" y="3050501"/>
+              <a:chExt cx="6955750" cy="1615809"/>
+            </a:xfrm>
+          </p:grpSpPr>
+          <p:sp>
+            <p:nvSpPr>
+              <p:cNvPr id="6" name="下矢印 5">
+                <a:extLst>
+                  <a:ext uri="{FF2B5EF4-FFF2-40B4-BE49-F238E27FC236}">
+                    <a16:creationId xmlns:a16="http://schemas.microsoft.com/office/drawing/2014/main" id="{641D2C59-30AC-2F7B-EB61-C4D45AA61F8A}"/>
+                  </a:ext>
+                </a:extLst>
+              </p:cNvPr>
+              <p:cNvSpPr/>
+              <p:nvPr/>
+            </p:nvSpPr>
+            <p:spPr>
+              <a:xfrm>
+                <a:off x="3199698" y="3050501"/>
+                <a:ext cx="1161866" cy="760372"/>
+              </a:xfrm>
+              <a:prstGeom prst="downArrow">
+                <a:avLst/>
+              </a:prstGeom>
+              <a:solidFill>
+                <a:schemeClr val="bg1"/>
+              </a:solidFill>
+              <a:ln>
+                <a:solidFill>
+                  <a:schemeClr val="tx1"/>
+                </a:solidFill>
+              </a:ln>
+            </p:spPr>
+            <p:style>
+              <a:lnRef idx="2">
+                <a:schemeClr val="accent1">
+                  <a:shade val="50000"/>
+                </a:schemeClr>
+              </a:lnRef>
+              <a:fillRef idx="1">
+                <a:schemeClr val="accent1"/>
+              </a:fillRef>
+              <a:effectRef idx="0">
+                <a:schemeClr val="accent1"/>
+              </a:effectRef>
+              <a:fontRef idx="minor">
+                <a:schemeClr val="lt1"/>
+              </a:fontRef>
+            </p:style>
+            <p:txBody>
+              <a:bodyPr rtlCol="0" anchor="ctr"/>
+              <a:lstStyle/>
+              <a:p>
+                <a:pPr algn="ctr"/>
+                <a:endParaRPr kumimoji="1" lang="ja-JP" altLang="en-US"/>
+              </a:p>
+            </p:txBody>
+          </p:sp>
+          <p:sp>
+            <p:nvSpPr>
+              <p:cNvPr id="7" name="テキスト ボックス 6">
+                <a:extLst>
+                  <a:ext uri="{FF2B5EF4-FFF2-40B4-BE49-F238E27FC236}">
+                    <a16:creationId xmlns:a16="http://schemas.microsoft.com/office/drawing/2014/main" id="{66E60276-A68F-1DA5-0667-D1BAF2B75ABA}"/>
+                  </a:ext>
+                </a:extLst>
+              </p:cNvPr>
+              <p:cNvSpPr txBox="1"/>
+              <p:nvPr/>
+            </p:nvSpPr>
+            <p:spPr>
+              <a:xfrm>
+                <a:off x="302756" y="4204645"/>
+                <a:ext cx="6955750" cy="461665"/>
+              </a:xfrm>
+              <a:prstGeom prst="rect">
+                <a:avLst/>
+              </a:prstGeom>
+              <a:noFill/>
+            </p:spPr>
+            <p:txBody>
+              <a:bodyPr wrap="none" rtlCol="0">
+                <a:spAutoFit/>
+              </a:bodyPr>
+              <a:lstStyle/>
+              <a:p>
+                <a:r>
+                  <a:rPr kumimoji="1" lang="ja-JP" altLang="en-US" sz="2400"/>
+                  <a:t>より良い個体が得られる適応度の</a:t>
+                </a:r>
+                <a:r>
+                  <a:rPr lang="ja-JP" altLang="en-US" sz="2400"/>
+                  <a:t>評価</a:t>
+                </a:r>
+                <a:r>
+                  <a:rPr kumimoji="1" lang="ja-JP" altLang="en-US" sz="2400"/>
+                  <a:t>方法を検討</a:t>
+                </a:r>
+              </a:p>
+            </p:txBody>
+          </p:sp>
+        </p:grpSp>
+      </p:grpSp>
+    </p:spTree>
+    <p:extLst>
+      <p:ext uri="{BB962C8B-B14F-4D97-AF65-F5344CB8AC3E}">
+        <p14:creationId xmlns:p14="http://schemas.microsoft.com/office/powerpoint/2010/main" val="1464039338"/>
+      </p:ext>
+    </p:extLst>
+  </p:cSld>
+  <p:clrMapOvr>
+    <a:masterClrMapping/>
+  </p:clrMapOvr>
+</p:sld>
+</file>
+
+<file path=ppt/slides/slide7.xml><?xml version="1.0" encoding="utf-8"?>
+<p:sld xmlns:a="http://schemas.openxmlformats.org/drawingml/2006/main" xmlns:r="http://schemas.openxmlformats.org/officeDocument/2006/relationships" xmlns:p="http://schemas.openxmlformats.org/presentationml/2006/main">
+  <p:cSld>
+    <p:spTree>
+      <p:nvGrpSpPr>
+        <p:cNvPr id="1" name=""/>
+        <p:cNvGrpSpPr/>
+        <p:nvPr/>
+      </p:nvGrpSpPr>
+      <p:grpSpPr>
+        <a:xfrm>
+          <a:off x="0" y="0"/>
+          <a:ext cx="0" cy="0"/>
+          <a:chOff x="0" y="0"/>
+          <a:chExt cx="0" cy="0"/>
+        </a:xfrm>
+      </p:grpSpPr>
+      <p:sp>
+        <p:nvSpPr>
+          <p:cNvPr id="2" name="タイトル 1">
+            <a:extLst>
+              <a:ext uri="{FF2B5EF4-FFF2-40B4-BE49-F238E27FC236}">
+                <a16:creationId xmlns:a16="http://schemas.microsoft.com/office/drawing/2014/main" id="{DA6841C3-0E6C-BFA1-5D04-4112F1117102}"/>
+              </a:ext>
+            </a:extLst>
+          </p:cNvPr>
+          <p:cNvSpPr>
+            <a:spLocks noGrp="1"/>
+          </p:cNvSpPr>
+          <p:nvPr>
+            <p:ph type="title"/>
+          </p:nvPr>
+        </p:nvSpPr>
+        <p:spPr/>
+        <p:txBody>
+          <a:bodyPr/>
+          <a:lstStyle/>
+          <a:p>
+            <a:r>
+              <a:rPr kumimoji="1" lang="ja-JP" altLang="en-US"/>
+              <a:t>目次</a:t>
+            </a:r>
+          </a:p>
+        </p:txBody>
+      </p:sp>
+      <p:sp>
+        <p:nvSpPr>
+          <p:cNvPr id="4" name="スライド番号プレースホルダー 3">
+            <a:extLst>
+              <a:ext uri="{FF2B5EF4-FFF2-40B4-BE49-F238E27FC236}">
+                <a16:creationId xmlns:a16="http://schemas.microsoft.com/office/drawing/2014/main" id="{20D20625-8135-BA1D-11A0-E3466265CE7C}"/>
+              </a:ext>
+            </a:extLst>
+          </p:cNvPr>
+          <p:cNvSpPr>
+            <a:spLocks noGrp="1"/>
+          </p:cNvSpPr>
+          <p:nvPr>
+            <p:ph type="sldNum" sz="quarter" idx="12"/>
+          </p:nvPr>
+        </p:nvSpPr>
+        <p:spPr/>
+        <p:txBody>
+          <a:bodyPr/>
+          <a:lstStyle/>
+          <a:p>
+            <a:pPr lvl="0"/>
+            <a:fld id="{004900ED-2EFD-2142-93A1-1CBA90FDE07B}" type="slidenum">
+              <a:rPr lang="en-US" altLang="ja-JP" smtClean="0"/>
+              <a:t>7</a:t>
+            </a:fld>
+            <a:endParaRPr lang="ja-JP" altLang="en-US"/>
+          </a:p>
+        </p:txBody>
+      </p:sp>
+      <p:sp>
+        <p:nvSpPr>
+          <p:cNvPr id="3" name="テキスト ボックス 2">
+            <a:extLst>
+              <a:ext uri="{FF2B5EF4-FFF2-40B4-BE49-F238E27FC236}">
+                <a16:creationId xmlns:a16="http://schemas.microsoft.com/office/drawing/2014/main" id="{CFCE3529-0348-FAC9-4C81-ACEA9BA72623}"/>
+              </a:ext>
+            </a:extLst>
+          </p:cNvPr>
+          <p:cNvSpPr txBox="1"/>
+          <p:nvPr/>
+        </p:nvSpPr>
+        <p:spPr>
+          <a:xfrm>
+            <a:off x="919691" y="1259079"/>
+            <a:ext cx="3877985" cy="3909917"/>
+          </a:xfrm>
+          <a:prstGeom prst="rect">
+            <a:avLst/>
+          </a:prstGeom>
+          <a:noFill/>
+        </p:spPr>
+        <p:txBody>
+          <a:bodyPr wrap="none" rtlCol="0">
+            <a:spAutoFit/>
+          </a:bodyPr>
+          <a:lstStyle/>
+          <a:p>
+            <a:pPr marL="457200" indent="-457200">
+              <a:lnSpc>
+                <a:spcPct val="150000"/>
+              </a:lnSpc>
+              <a:buFont typeface="Wingdings" pitchFamily="2" charset="2"/>
+              <a:buChar char="Ø"/>
+            </a:pPr>
+            <a:r>
+              <a:rPr lang="ja-JP" altLang="en-US" sz="2800">
+                <a:solidFill>
+                  <a:schemeClr val="bg2">
+                    <a:lumMod val="75000"/>
+                  </a:schemeClr>
+                </a:solidFill>
+              </a:rPr>
+              <a:t>はじめに</a:t>
+            </a:r>
+            <a:endParaRPr lang="en-US" altLang="ja-JP" sz="2800" dirty="0">
+              <a:solidFill>
+                <a:schemeClr val="bg2">
+                  <a:lumMod val="75000"/>
+                </a:schemeClr>
+              </a:solidFill>
+            </a:endParaRPr>
+          </a:p>
+          <a:p>
+            <a:pPr marL="457200" indent="-457200">
+              <a:lnSpc>
+                <a:spcPct val="150000"/>
+              </a:lnSpc>
+              <a:buFont typeface="Wingdings" pitchFamily="2" charset="2"/>
+              <a:buChar char="Ø"/>
+            </a:pPr>
+            <a:r>
+              <a:rPr lang="ja-JP" altLang="en-US" sz="2800"/>
+              <a:t>要素技術</a:t>
+            </a:r>
+            <a:endParaRPr lang="en-US" altLang="ja-JP" sz="2800" dirty="0"/>
+          </a:p>
+          <a:p>
+            <a:pPr marL="457200" indent="-457200">
+              <a:lnSpc>
+                <a:spcPct val="150000"/>
+              </a:lnSpc>
+              <a:buFont typeface="Wingdings" pitchFamily="2" charset="2"/>
+              <a:buChar char="Ø"/>
+            </a:pPr>
+            <a:r>
+              <a:rPr lang="ja-JP" altLang="en-US" sz="2800">
+                <a:solidFill>
+                  <a:schemeClr val="bg2">
+                    <a:lumMod val="75000"/>
+                  </a:schemeClr>
+                </a:solidFill>
+              </a:rPr>
+              <a:t>提案手法</a:t>
+            </a:r>
+            <a:endParaRPr lang="en-US" altLang="ja-JP" sz="2800" dirty="0">
+              <a:solidFill>
+                <a:schemeClr val="bg2">
+                  <a:lumMod val="75000"/>
+                </a:schemeClr>
+              </a:solidFill>
+            </a:endParaRPr>
+          </a:p>
+          <a:p>
+            <a:pPr marL="457200" indent="-457200">
+              <a:lnSpc>
+                <a:spcPct val="150000"/>
+              </a:lnSpc>
+              <a:buFont typeface="Wingdings" pitchFamily="2" charset="2"/>
+              <a:buChar char="Ø"/>
+            </a:pPr>
+            <a:r>
+              <a:rPr lang="ja-JP" altLang="en-US" sz="2800">
+                <a:solidFill>
+                  <a:schemeClr val="bg2">
+                    <a:lumMod val="75000"/>
+                  </a:schemeClr>
+                </a:solidFill>
+              </a:rPr>
+              <a:t>実験概要</a:t>
+            </a:r>
+            <a:endParaRPr lang="en-US" altLang="ja-JP" sz="2800" dirty="0">
+              <a:solidFill>
+                <a:schemeClr val="bg2">
+                  <a:lumMod val="75000"/>
+                </a:schemeClr>
+              </a:solidFill>
+            </a:endParaRPr>
+          </a:p>
+          <a:p>
+            <a:pPr marL="457200" indent="-457200">
+              <a:lnSpc>
+                <a:spcPct val="150000"/>
+              </a:lnSpc>
+              <a:buFont typeface="Wingdings" pitchFamily="2" charset="2"/>
+              <a:buChar char="Ø"/>
+            </a:pPr>
+            <a:r>
+              <a:rPr lang="ja-JP" altLang="en-US" sz="2800">
+                <a:solidFill>
+                  <a:schemeClr val="bg2">
+                    <a:lumMod val="75000"/>
+                  </a:schemeClr>
+                </a:solidFill>
+              </a:rPr>
+              <a:t>実験結果</a:t>
+            </a:r>
+            <a:endParaRPr lang="en-US" altLang="ja-JP" sz="2800" dirty="0">
+              <a:solidFill>
+                <a:schemeClr val="bg2">
+                  <a:lumMod val="75000"/>
+                </a:schemeClr>
+              </a:solidFill>
+            </a:endParaRPr>
+          </a:p>
+          <a:p>
+            <a:pPr marL="457200" indent="-457200">
+              <a:lnSpc>
+                <a:spcPct val="150000"/>
+              </a:lnSpc>
+              <a:buFont typeface="Wingdings" pitchFamily="2" charset="2"/>
+              <a:buChar char="Ø"/>
+            </a:pPr>
+            <a:r>
+              <a:rPr lang="ja-JP" altLang="en-US" sz="2800">
+                <a:solidFill>
+                  <a:schemeClr val="bg2">
+                    <a:lumMod val="75000"/>
+                  </a:schemeClr>
+                </a:solidFill>
+              </a:rPr>
+              <a:t>まとめと今後の課題</a:t>
+            </a:r>
+          </a:p>
+        </p:txBody>
+      </p:sp>
+    </p:spTree>
+    <p:extLst>
+      <p:ext uri="{BB962C8B-B14F-4D97-AF65-F5344CB8AC3E}">
+        <p14:creationId xmlns:p14="http://schemas.microsoft.com/office/powerpoint/2010/main" val="537212311"/>
+      </p:ext>
+    </p:extLst>
+  </p:cSld>
+  <p:clrMapOvr>
+    <a:masterClrMapping/>
+  </p:clrMapOvr>
+</p:sld>
+</file>
+
+<file path=ppt/slides/slide8.xml><?xml version="1.0" encoding="utf-8"?>
+<p:sld xmlns:a="http://schemas.openxmlformats.org/drawingml/2006/main" xmlns:r="http://schemas.openxmlformats.org/officeDocument/2006/relationships" xmlns:p="http://schemas.openxmlformats.org/presentationml/2006/main">
+  <p:cSld>
+    <p:spTree>
+      <p:nvGrpSpPr>
+        <p:cNvPr id="1" name=""/>
+        <p:cNvGrpSpPr/>
+        <p:nvPr/>
+      </p:nvGrpSpPr>
+      <p:grpSpPr>
+        <a:xfrm>
+          <a:off x="0" y="0"/>
+          <a:ext cx="0" cy="0"/>
+          <a:chOff x="0" y="0"/>
+          <a:chExt cx="0" cy="0"/>
+        </a:xfrm>
+      </p:grpSpPr>
+      <p:sp>
+        <p:nvSpPr>
+          <p:cNvPr id="2" name="タイトル 1">
+            <a:extLst>
+              <a:ext uri="{FF2B5EF4-FFF2-40B4-BE49-F238E27FC236}">
+                <a16:creationId xmlns:a16="http://schemas.microsoft.com/office/drawing/2014/main" id="{2569FC57-6D71-779F-E42A-A97CDA775201}"/>
+              </a:ext>
+            </a:extLst>
+          </p:cNvPr>
+          <p:cNvSpPr>
+            <a:spLocks noGrp="1"/>
+          </p:cNvSpPr>
+          <p:nvPr>
+            <p:ph type="title"/>
+          </p:nvPr>
+        </p:nvSpPr>
+        <p:spPr/>
+        <p:txBody>
+          <a:bodyPr/>
+          <a:lstStyle/>
+          <a:p>
+            <a:r>
+              <a:rPr lang="en-US" altLang="ja-JP" dirty="0" err="1"/>
+              <a:t>gaCNN</a:t>
+            </a:r>
+            <a:endParaRPr kumimoji="1" lang="ja-JP" altLang="en-US"/>
+          </a:p>
+        </p:txBody>
+      </p:sp>
+      <p:sp>
+        <p:nvSpPr>
+          <p:cNvPr id="3" name="スライド番号プレースホルダー 2">
+            <a:extLst>
+              <a:ext uri="{FF2B5EF4-FFF2-40B4-BE49-F238E27FC236}">
+                <a16:creationId xmlns:a16="http://schemas.microsoft.com/office/drawing/2014/main" id="{6CC00B8C-81DD-663C-CA94-75367C1D6D61}"/>
+              </a:ext>
+            </a:extLst>
+          </p:cNvPr>
+          <p:cNvSpPr>
+            <a:spLocks noGrp="1"/>
+          </p:cNvSpPr>
+          <p:nvPr>
+            <p:ph type="sldNum" sz="quarter" idx="12"/>
+          </p:nvPr>
+        </p:nvSpPr>
+        <p:spPr/>
+        <p:txBody>
+          <a:bodyPr/>
+          <a:lstStyle/>
+          <a:p>
+            <a:pPr lvl="0"/>
+            <a:fld id="{004900ED-2EFD-2142-93A1-1CBA90FDE07B}" type="slidenum">
+              <a:rPr lang="en-US" altLang="ja-JP" smtClean="0"/>
+              <a:t>8</a:t>
+            </a:fld>
+            <a:endParaRPr lang="ja-JP" altLang="en-US"/>
+          </a:p>
+        </p:txBody>
+      </p:sp>
+      <p:sp>
+        <p:nvSpPr>
+          <p:cNvPr id="4" name="テキスト ボックス 3">
+            <a:extLst>
+              <a:ext uri="{FF2B5EF4-FFF2-40B4-BE49-F238E27FC236}">
+                <a16:creationId xmlns:a16="http://schemas.microsoft.com/office/drawing/2014/main" id="{25A4C493-2CAF-EE11-F549-AE982F7E8644}"/>
+              </a:ext>
+            </a:extLst>
+          </p:cNvPr>
+          <p:cNvSpPr txBox="1"/>
+          <p:nvPr/>
+        </p:nvSpPr>
+        <p:spPr>
+          <a:xfrm>
+            <a:off x="402142" y="1800225"/>
+            <a:ext cx="6449201" cy="1415772"/>
+          </a:xfrm>
+          <a:prstGeom prst="rect">
+            <a:avLst/>
+          </a:prstGeom>
+          <a:noFill/>
+        </p:spPr>
+        <p:txBody>
+          <a:bodyPr wrap="none" rtlCol="0">
+            <a:spAutoFit/>
+          </a:bodyPr>
+          <a:lstStyle/>
+          <a:p>
+            <a:pPr marL="285750" indent="-285750">
+              <a:buFont typeface="Wingdings" pitchFamily="2" charset="2"/>
+              <a:buChar char="p"/>
+            </a:pPr>
+            <a:r>
+              <a:rPr kumimoji="1" lang="en-US" altLang="ja-JP" sz="2400" dirty="0"/>
+              <a:t>CNN </a:t>
+            </a:r>
+            <a:r>
+              <a:rPr kumimoji="1" lang="ja-JP" altLang="en-US" sz="2400"/>
+              <a:t>の構造を遺伝子符号化</a:t>
+            </a:r>
+            <a:endParaRPr kumimoji="1" lang="en-US" altLang="ja-JP" sz="2400" dirty="0"/>
+          </a:p>
+          <a:p>
+            <a:pPr marL="285750" indent="-285750">
+              <a:buFont typeface="Wingdings" pitchFamily="2" charset="2"/>
+              <a:buChar char="p"/>
+            </a:pPr>
+            <a:endParaRPr lang="en-US" altLang="ja-JP" sz="1400" dirty="0"/>
+          </a:p>
+          <a:p>
+            <a:pPr marL="285750" indent="-285750">
+              <a:buFont typeface="Wingdings" pitchFamily="2" charset="2"/>
+              <a:buChar char="p"/>
+            </a:pPr>
+            <a:r>
+              <a:rPr kumimoji="1" lang="en-US" altLang="ja-JP" sz="2400" dirty="0"/>
+              <a:t>GA </a:t>
+            </a:r>
+            <a:r>
+              <a:rPr kumimoji="1" lang="ja-JP" altLang="en-US" sz="2400"/>
+              <a:t>による探索でより良い</a:t>
+            </a:r>
+            <a:r>
+              <a:rPr kumimoji="1" lang="en-US" altLang="ja-JP" sz="2400" dirty="0"/>
+              <a:t> CNN </a:t>
+            </a:r>
+            <a:r>
+              <a:rPr kumimoji="1" lang="ja-JP" altLang="en-US" sz="2400"/>
+              <a:t>構造を獲得</a:t>
+            </a:r>
+            <a:endParaRPr kumimoji="1" lang="en-US" altLang="ja-JP" sz="2400" dirty="0"/>
+          </a:p>
+          <a:p>
+            <a:pPr marL="285750" indent="-285750">
+              <a:buFont typeface="Wingdings" pitchFamily="2" charset="2"/>
+              <a:buChar char="p"/>
+            </a:pPr>
+            <a:endParaRPr kumimoji="1" lang="ja-JP" altLang="en-US" sz="2400"/>
+          </a:p>
+        </p:txBody>
+      </p:sp>
+      <p:sp>
+        <p:nvSpPr>
+          <p:cNvPr id="5" name="下矢印 4">
+            <a:extLst>
+              <a:ext uri="{FF2B5EF4-FFF2-40B4-BE49-F238E27FC236}">
+                <a16:creationId xmlns:a16="http://schemas.microsoft.com/office/drawing/2014/main" id="{CF69F22C-543F-EC8D-58E2-2CAC31FC96BB}"/>
+              </a:ext>
+            </a:extLst>
+          </p:cNvPr>
+          <p:cNvSpPr/>
+          <p:nvPr/>
+        </p:nvSpPr>
+        <p:spPr>
+          <a:xfrm>
+            <a:off x="3332441" y="3067172"/>
+            <a:ext cx="896380" cy="551101"/>
+          </a:xfrm>
+          <a:prstGeom prst="downArrow">
+            <a:avLst/>
+          </a:prstGeom>
+          <a:solidFill>
+            <a:schemeClr val="bg1"/>
+          </a:solidFill>
+          <a:ln>
+            <a:solidFill>
+              <a:schemeClr val="tx1"/>
+            </a:solidFill>
+          </a:ln>
+        </p:spPr>
+        <p:style>
+          <a:lnRef idx="2">
+            <a:schemeClr val="accent1">
+              <a:shade val="50000"/>
+            </a:schemeClr>
+          </a:lnRef>
+          <a:fillRef idx="1">
+            <a:schemeClr val="accent1"/>
+          </a:fillRef>
+          <a:effectRef idx="0">
+            <a:schemeClr val="accent1"/>
+          </a:effectRef>
+          <a:fontRef idx="minor">
+            <a:schemeClr val="lt1"/>
+          </a:fontRef>
+        </p:style>
+        <p:txBody>
+          <a:bodyPr rtlCol="0" anchor="ctr"/>
+          <a:lstStyle/>
+          <a:p>
+            <a:pPr algn="ctr"/>
+            <a:endParaRPr kumimoji="1" lang="ja-JP" altLang="en-US"/>
+          </a:p>
+        </p:txBody>
+      </p:sp>
+      <p:sp>
+        <p:nvSpPr>
+          <p:cNvPr id="6" name="テキスト ボックス 5">
+            <a:extLst>
+              <a:ext uri="{FF2B5EF4-FFF2-40B4-BE49-F238E27FC236}">
+                <a16:creationId xmlns:a16="http://schemas.microsoft.com/office/drawing/2014/main" id="{AC4D8050-A0F0-4E1B-5D8E-C824CA9B90CF}"/>
+              </a:ext>
+            </a:extLst>
+          </p:cNvPr>
+          <p:cNvSpPr txBox="1"/>
+          <p:nvPr/>
+        </p:nvSpPr>
+        <p:spPr>
+          <a:xfrm>
+            <a:off x="519837" y="3940719"/>
+            <a:ext cx="6529851" cy="830997"/>
+          </a:xfrm>
+          <a:prstGeom prst="rect">
+            <a:avLst/>
+          </a:prstGeom>
+          <a:noFill/>
+        </p:spPr>
+        <p:txBody>
+          <a:bodyPr wrap="square" rtlCol="0">
+            <a:spAutoFit/>
+          </a:bodyPr>
+          <a:lstStyle/>
+          <a:p>
+            <a:r>
+              <a:rPr kumimoji="1" lang="en-US" altLang="ja-JP" sz="2400" dirty="0" err="1"/>
+              <a:t>FashionMNIST</a:t>
+            </a:r>
+            <a:r>
+              <a:rPr kumimoji="1" lang="en-US" altLang="ja-JP" sz="2400" dirty="0"/>
+              <a:t>, MNIST </a:t>
+            </a:r>
+            <a:r>
+              <a:rPr kumimoji="1" lang="ja-JP" altLang="en-US" sz="2400"/>
+              <a:t>で競合</a:t>
+            </a:r>
+            <a:r>
+              <a:rPr kumimoji="1" lang="en-US" altLang="ja-JP" sz="2400" dirty="0"/>
+              <a:t> 16 </a:t>
+            </a:r>
+            <a:r>
+              <a:rPr kumimoji="1" lang="ja-JP" altLang="en-US" sz="2400"/>
+              <a:t>手法のうち</a:t>
+            </a:r>
+            <a:r>
+              <a:rPr kumimoji="1" lang="en-US" altLang="ja-JP" sz="2400" dirty="0"/>
+              <a:t> 12 </a:t>
+            </a:r>
+            <a:r>
+              <a:rPr kumimoji="1" lang="ja-JP" altLang="en-US" sz="2400"/>
+              <a:t>手法の精度を凌駕</a:t>
+            </a:r>
+          </a:p>
+        </p:txBody>
+      </p:sp>
+    </p:spTree>
+    <p:extLst>
+      <p:ext uri="{BB962C8B-B14F-4D97-AF65-F5344CB8AC3E}">
+        <p14:creationId xmlns:p14="http://schemas.microsoft.com/office/powerpoint/2010/main" val="3561767430"/>
       </p:ext>
     </p:extLst>
   </p:cSld>
@@ -16642,7 +16475,7 @@
           <a:p>
             <a:r>
               <a:rPr kumimoji="1" lang="ja-JP" altLang="en-US"/>
-              <a:t>遺伝的アルゴリズム</a:t>
+              <a:t>熱力学的遺伝アルゴリズム</a:t>
             </a:r>
           </a:p>
         </p:txBody>
@@ -16691,8 +16524,8 @@
         </p:nvSpPr>
         <p:spPr>
           <a:xfrm>
-            <a:off x="83018" y="1565028"/>
-            <a:ext cx="6886822" cy="594522"/>
+            <a:off x="246650" y="1541288"/>
+            <a:ext cx="7067961" cy="4241674"/>
           </a:xfrm>
           <a:prstGeom prst="rect">
             <a:avLst/>
@@ -16705,51 +16538,7 @@
           </a:bodyPr>
           <a:lstStyle/>
           <a:p>
-            <a:pPr lvl="1">
-              <a:lnSpc>
-                <a:spcPct val="150000"/>
-              </a:lnSpc>
-            </a:pPr>
-            <a:r>
-              <a:rPr kumimoji="1" lang="ja-JP" altLang="en-US" sz="2400"/>
-              <a:t>遺伝的アルゴリズム</a:t>
-            </a:r>
-            <a:r>
-              <a:rPr kumimoji="1" lang="en-US" altLang="ja-JP" sz="2400" dirty="0"/>
-              <a:t> (Genetic Algorithm: GA)</a:t>
-            </a:r>
-          </a:p>
-        </p:txBody>
-      </p:sp>
-      <p:sp>
-        <p:nvSpPr>
-          <p:cNvPr id="5" name="テキスト ボックス 4">
-            <a:extLst>
-              <a:ext uri="{FF2B5EF4-FFF2-40B4-BE49-F238E27FC236}">
-                <a16:creationId xmlns:a16="http://schemas.microsoft.com/office/drawing/2014/main" id="{6552DF41-280F-EBD5-7E3B-875A243D0221}"/>
-              </a:ext>
-            </a:extLst>
-          </p:cNvPr>
-          <p:cNvSpPr txBox="1"/>
-          <p:nvPr/>
-        </p:nvSpPr>
-        <p:spPr>
-          <a:xfrm>
-            <a:off x="519837" y="2326629"/>
-            <a:ext cx="6936514" cy="2877711"/>
-          </a:xfrm>
-          <a:prstGeom prst="rect">
-            <a:avLst/>
-          </a:prstGeom>
-          <a:noFill/>
-        </p:spPr>
-        <p:txBody>
-          <a:bodyPr wrap="none" rtlCol="0">
-            <a:spAutoFit/>
-          </a:bodyPr>
-          <a:lstStyle/>
-          <a:p>
-            <a:pPr marL="285750" indent="-285750">
+            <a:pPr marL="457200" indent="-457200">
               <a:lnSpc>
                 <a:spcPct val="150000"/>
               </a:lnSpc>
@@ -16758,12 +16547,40 @@
             </a:pPr>
             <a:r>
               <a:rPr kumimoji="1" lang="ja-JP" altLang="en-US" sz="2400"/>
-              <a:t>生物の進化からヒントを得た最適化手法</a:t>
+              <a:t>熱力学的遺伝アルゴリズム</a:t>
+            </a:r>
+            <a:br>
+              <a:rPr kumimoji="1" lang="en-US" altLang="ja-JP" sz="2400" dirty="0"/>
+            </a:br>
+            <a:r>
+              <a:rPr kumimoji="1" lang="en-US" altLang="ja-JP" sz="2400" dirty="0"/>
+              <a:t>(Thermodynamical Genetic Algorithm: TDGA)</a:t>
+            </a:r>
+          </a:p>
+          <a:p>
+            <a:pPr marL="914400" lvl="1" indent="-457200">
+              <a:lnSpc>
+                <a:spcPct val="150000"/>
+              </a:lnSpc>
+              <a:buFont typeface="Wingdings" pitchFamily="2" charset="2"/>
+              <a:buChar char="p"/>
+            </a:pPr>
+            <a:r>
+              <a:rPr lang="en-US" altLang="ja-JP" sz="2400" dirty="0"/>
+              <a:t>GA</a:t>
+            </a:r>
+            <a:r>
+              <a:rPr kumimoji="1" lang="en-US" altLang="ja-JP" sz="2400" dirty="0"/>
+              <a:t> </a:t>
+            </a:r>
+            <a:r>
+              <a:rPr kumimoji="1" lang="ja-JP" altLang="en-US" sz="2400"/>
+              <a:t>に熱力学的選択ルールを適用</a:t>
             </a:r>
             <a:endParaRPr kumimoji="1" lang="en-US" altLang="ja-JP" sz="2400" dirty="0"/>
           </a:p>
           <a:p>
-            <a:pPr marL="285750" indent="-285750">
+            <a:pPr marL="914400" lvl="1" indent="-457200">
               <a:lnSpc>
                 <a:spcPct val="150000"/>
               </a:lnSpc>
@@ -16773,73 +16590,60 @@
             <a:endParaRPr kumimoji="1" lang="en-US" altLang="ja-JP" sz="1400" dirty="0"/>
           </a:p>
           <a:p>
-            <a:pPr marL="285750" indent="-285750">
+            <a:pPr marL="914400" lvl="1" indent="-457200">
+              <a:lnSpc>
+                <a:spcPct val="150000"/>
+              </a:lnSpc>
               <a:buFont typeface="Wingdings" pitchFamily="2" charset="2"/>
               <a:buChar char="p"/>
             </a:pPr>
             <a:r>
-              <a:rPr kumimoji="1" lang="ja-JP" altLang="en-US" sz="2400"/>
-              <a:t>解の遺伝子を表現する配列に</a:t>
-            </a:r>
-            <a:r>
               <a:rPr lang="ja-JP" altLang="en-US" sz="2400"/>
-              <a:t>交叉，突然変異，</a:t>
+              <a:t>個体の多様性を維持することがねらい</a:t>
             </a:r>
             <a:br>
               <a:rPr lang="en-US" altLang="ja-JP" sz="2400" dirty="0"/>
             </a:br>
             <a:r>
-              <a:rPr lang="ja-JP" altLang="en-US" sz="2400"/>
-              <a:t>選択といった操作を繰り返し適用</a:t>
-            </a:r>
-            <a:endParaRPr lang="en-US" altLang="ja-JP" sz="2400" dirty="0"/>
-          </a:p>
-          <a:p>
-            <a:pPr marL="285750" indent="-285750">
+              <a:rPr lang="en-US" altLang="ja-JP" sz="2400" dirty="0"/>
+              <a:t>→ </a:t>
+            </a:r>
+            <a:r>
+              <a:rPr kumimoji="1" lang="ja-JP" altLang="en-US" sz="2400">
+                <a:solidFill>
+                  <a:srgbClr val="FF0000"/>
+                </a:solidFill>
+              </a:rPr>
+              <a:t>初期収束問題の解消</a:t>
+            </a:r>
+            <a:endParaRPr kumimoji="1" lang="en-US" altLang="ja-JP" sz="2400" dirty="0"/>
+          </a:p>
+          <a:p>
+            <a:pPr marL="914400" lvl="1" indent="-457200">
+              <a:lnSpc>
+                <a:spcPct val="150000"/>
+              </a:lnSpc>
               <a:buFont typeface="Wingdings" pitchFamily="2" charset="2"/>
               <a:buChar char="p"/>
             </a:pPr>
-            <a:endParaRPr lang="en-US" altLang="ja-JP" sz="1400" dirty="0"/>
-          </a:p>
-          <a:p>
-            <a:pPr marL="285750" indent="-285750">
+            <a:endParaRPr kumimoji="1" lang="en-US" altLang="ja-JP" sz="2400" dirty="0"/>
+          </a:p>
+          <a:p>
+            <a:pPr marL="914400" lvl="1" indent="-457200">
+              <a:lnSpc>
+                <a:spcPct val="150000"/>
+              </a:lnSpc>
               <a:buFont typeface="Wingdings" pitchFamily="2" charset="2"/>
               <a:buChar char="p"/>
             </a:pPr>
-            <a:r>
-              <a:rPr kumimoji="1" lang="ja-JP" altLang="en-US" sz="2400"/>
-              <a:t>各個体について適応度を計算し，</a:t>
-            </a:r>
-            <a:r>
-              <a:rPr lang="ja-JP" altLang="en-US" sz="2400"/>
-              <a:t>高いものを</a:t>
-            </a:r>
-            <a:br>
-              <a:rPr lang="en-US" altLang="ja-JP" sz="2400" dirty="0"/>
-            </a:br>
-            <a:r>
-              <a:rPr lang="ja-JP" altLang="en-US" sz="2400"/>
-              <a:t>次世代に残し，</a:t>
-            </a:r>
-            <a:r>
-              <a:rPr kumimoji="1" lang="ja-JP" altLang="en-US" sz="2400"/>
-              <a:t>低いものを淘汰</a:t>
-            </a:r>
             <a:endParaRPr kumimoji="1" lang="en-US" altLang="ja-JP" sz="2400" dirty="0"/>
-          </a:p>
-          <a:p>
-            <a:pPr marL="285750" indent="-285750">
-              <a:buFont typeface="Wingdings" pitchFamily="2" charset="2"/>
-              <a:buChar char="p"/>
-            </a:pPr>
-            <a:endParaRPr lang="en-US" altLang="ja-JP" sz="1400" dirty="0"/>
           </a:p>
         </p:txBody>
       </p:sp>
     </p:spTree>
     <p:extLst>
       <p:ext uri="{BB962C8B-B14F-4D97-AF65-F5344CB8AC3E}">
-        <p14:creationId xmlns:p14="http://schemas.microsoft.com/office/powerpoint/2010/main" val="1719082004"/>
+        <p14:creationId xmlns:p14="http://schemas.microsoft.com/office/powerpoint/2010/main" val="842676182"/>
       </p:ext>
     </p:extLst>
   </p:cSld>

--- a/prsn/20230124_prsn_taira.pptx
+++ b/prsn/20230124_prsn_taira.pptx
@@ -5,47 +5,45 @@
     <p:sldMasterId id="2147484057" r:id="rId1"/>
   </p:sldMasterIdLst>
   <p:notesMasterIdLst>
-    <p:notesMasterId r:id="rId37"/>
+    <p:notesMasterId r:id="rId35"/>
   </p:notesMasterIdLst>
   <p:handoutMasterIdLst>
-    <p:handoutMasterId r:id="rId38"/>
+    <p:handoutMasterId r:id="rId36"/>
   </p:handoutMasterIdLst>
   <p:sldIdLst>
     <p:sldId id="259" r:id="rId2"/>
     <p:sldId id="263" r:id="rId3"/>
-    <p:sldId id="285" r:id="rId4"/>
+    <p:sldId id="319" r:id="rId4"/>
     <p:sldId id="284" r:id="rId5"/>
     <p:sldId id="264" r:id="rId6"/>
     <p:sldId id="270" r:id="rId7"/>
-    <p:sldId id="286" r:id="rId8"/>
+    <p:sldId id="320" r:id="rId8"/>
     <p:sldId id="296" r:id="rId9"/>
     <p:sldId id="266" r:id="rId10"/>
     <p:sldId id="273" r:id="rId11"/>
     <p:sldId id="274" r:id="rId12"/>
     <p:sldId id="313" r:id="rId13"/>
-    <p:sldId id="287" r:id="rId14"/>
-    <p:sldId id="299" r:id="rId15"/>
-    <p:sldId id="288" r:id="rId16"/>
-    <p:sldId id="293" r:id="rId17"/>
-    <p:sldId id="291" r:id="rId18"/>
-    <p:sldId id="306" r:id="rId19"/>
-    <p:sldId id="292" r:id="rId20"/>
-    <p:sldId id="304" r:id="rId21"/>
-    <p:sldId id="307" r:id="rId22"/>
-    <p:sldId id="289" r:id="rId23"/>
-    <p:sldId id="278" r:id="rId24"/>
-    <p:sldId id="283" r:id="rId25"/>
-    <p:sldId id="312" r:id="rId26"/>
-    <p:sldId id="303" r:id="rId27"/>
-    <p:sldId id="314" r:id="rId28"/>
-    <p:sldId id="290" r:id="rId29"/>
-    <p:sldId id="308" r:id="rId30"/>
-    <p:sldId id="309" r:id="rId31"/>
-    <p:sldId id="310" r:id="rId32"/>
-    <p:sldId id="262" r:id="rId33"/>
-    <p:sldId id="269" r:id="rId34"/>
-    <p:sldId id="301" r:id="rId35"/>
-    <p:sldId id="311" r:id="rId36"/>
+    <p:sldId id="299" r:id="rId14"/>
+    <p:sldId id="321" r:id="rId15"/>
+    <p:sldId id="293" r:id="rId16"/>
+    <p:sldId id="291" r:id="rId17"/>
+    <p:sldId id="306" r:id="rId18"/>
+    <p:sldId id="292" r:id="rId19"/>
+    <p:sldId id="304" r:id="rId20"/>
+    <p:sldId id="307" r:id="rId21"/>
+    <p:sldId id="278" r:id="rId22"/>
+    <p:sldId id="283" r:id="rId23"/>
+    <p:sldId id="312" r:id="rId24"/>
+    <p:sldId id="303" r:id="rId25"/>
+    <p:sldId id="314" r:id="rId26"/>
+    <p:sldId id="322" r:id="rId27"/>
+    <p:sldId id="308" r:id="rId28"/>
+    <p:sldId id="309" r:id="rId29"/>
+    <p:sldId id="310" r:id="rId30"/>
+    <p:sldId id="262" r:id="rId31"/>
+    <p:sldId id="269" r:id="rId32"/>
+    <p:sldId id="301" r:id="rId33"/>
+    <p:sldId id="311" r:id="rId34"/>
   </p:sldIdLst>
   <p:sldSz cx="7561263" cy="5670550"/>
   <p:notesSz cx="7559675" cy="10691813"/>
@@ -878,6 +876,57 @@
           <a:bodyPr/>
           <a:lstStyle/>
           <a:p>
+            <a:pPr hangingPunct="0">
+              <a:defRPr sz="2200"/>
+            </a:pPr>
+            <a:r>
+              <a:rPr lang="en-US" altLang="ja-JP" sz="2000" dirty="0" err="1"/>
+              <a:t>tdgaCNN</a:t>
+            </a:r>
+            <a:r>
+              <a:rPr lang="en-US" altLang="ja-JP" sz="2000" dirty="0">
+                <a:solidFill>
+                  <a:srgbClr val="D1D2D3"/>
+                </a:solidFill>
+                <a:latin typeface="NotoSansJP"/>
+              </a:rPr>
+              <a:t> </a:t>
+            </a:r>
+            <a:r>
+              <a:rPr lang="ja-JP" altLang="en-US" sz="2000">
+                <a:latin typeface="NotoSansJP"/>
+              </a:rPr>
+              <a:t>における適応度評価手法の検討と題しまして，</a:t>
+            </a:r>
+            <a:r>
+              <a:rPr lang="ja-JP" altLang="en-US" sz="2000">
+                <a:latin typeface="Hiragino Kaku Gothic Pro W3" panose="020B0300000000000000" pitchFamily="34" charset="-128"/>
+                <a:ea typeface="Hiragino Kaku Gothic Pro W3" panose="020B0300000000000000" pitchFamily="34" charset="-128"/>
+                <a:cs typeface="Lohit Devanagari" pitchFamily="2"/>
+              </a:rPr>
+              <a:t>創発ソフトウェア研究室</a:t>
+            </a:r>
+            <a:r>
+              <a:rPr lang="en-US" altLang="ja-JP" sz="2000" dirty="0">
+                <a:latin typeface="Hiragino Kaku Gothic Pro W3" panose="020B0300000000000000" pitchFamily="34" charset="-128"/>
+                <a:ea typeface="Hiragino Kaku Gothic Pro W3" panose="020B0300000000000000" pitchFamily="34" charset="-128"/>
+                <a:cs typeface="Lohit Devanagari" pitchFamily="2"/>
+              </a:rPr>
+              <a:t> B3 </a:t>
+            </a:r>
+            <a:r>
+              <a:rPr lang="ja-JP" altLang="en-US" sz="2000">
+                <a:latin typeface="Hiragino Kaku Gothic Pro W3" panose="020B0300000000000000" pitchFamily="34" charset="-128"/>
+                <a:ea typeface="Hiragino Kaku Gothic Pro W3" panose="020B0300000000000000" pitchFamily="34" charset="-128"/>
+                <a:cs typeface="Lohit Devanagari" pitchFamily="2"/>
+              </a:rPr>
+              <a:t>の平が発表します．</a:t>
+            </a:r>
+          </a:p>
+          <a:p>
+            <a:endParaRPr lang="ja-JP" altLang="en-US" sz="2000"/>
+          </a:p>
+          <a:p>
             <a:endParaRPr kumimoji="1" lang="ja-JP" altLang="en-US"/>
           </a:p>
         </p:txBody>
@@ -910,6 +959,855 @@
     <p:extLst>
       <p:ext uri="{BB962C8B-B14F-4D97-AF65-F5344CB8AC3E}">
         <p14:creationId xmlns:p14="http://schemas.microsoft.com/office/powerpoint/2010/main" val="878096184"/>
+      </p:ext>
+    </p:extLst>
+  </p:cSld>
+  <p:clrMapOvr>
+    <a:masterClrMapping/>
+  </p:clrMapOvr>
+</p:notes>
+</file>
+
+<file path=ppt/notesSlides/notesSlide10.xml><?xml version="1.0" encoding="utf-8"?>
+<p:notes xmlns:a="http://schemas.openxmlformats.org/drawingml/2006/main" xmlns:r="http://schemas.openxmlformats.org/officeDocument/2006/relationships" xmlns:p="http://schemas.openxmlformats.org/presentationml/2006/main">
+  <p:cSld>
+    <p:spTree>
+      <p:nvGrpSpPr>
+        <p:cNvPr id="1" name=""/>
+        <p:cNvGrpSpPr/>
+        <p:nvPr/>
+      </p:nvGrpSpPr>
+      <p:grpSpPr>
+        <a:xfrm>
+          <a:off x="0" y="0"/>
+          <a:ext cx="0" cy="0"/>
+          <a:chOff x="0" y="0"/>
+          <a:chExt cx="0" cy="0"/>
+        </a:xfrm>
+      </p:grpSpPr>
+      <p:sp>
+        <p:nvSpPr>
+          <p:cNvPr id="2" name="スライド イメージ プレースホルダー 1"/>
+          <p:cNvSpPr>
+            <a:spLocks noGrp="1" noRot="1" noChangeAspect="1"/>
+          </p:cNvSpPr>
+          <p:nvPr>
+            <p:ph type="sldImg"/>
+          </p:nvPr>
+        </p:nvSpPr>
+        <p:spPr/>
+      </p:sp>
+      <p:sp>
+        <p:nvSpPr>
+          <p:cNvPr id="3" name="ノート プレースホルダー 2"/>
+          <p:cNvSpPr>
+            <a:spLocks noGrp="1"/>
+          </p:cNvSpPr>
+          <p:nvPr>
+            <p:ph type="body" idx="1"/>
+          </p:nvPr>
+        </p:nvSpPr>
+        <p:spPr/>
+        <p:txBody>
+          <a:bodyPr/>
+          <a:lstStyle/>
+          <a:p>
+            <a:pPr marL="216000" marR="0" lvl="0" indent="-216000" defTabSz="914400" rtl="0" eaLnBrk="1" fontAlgn="auto" latinLnBrk="0" hangingPunct="0">
+              <a:lnSpc>
+                <a:spcPct val="100000"/>
+              </a:lnSpc>
+              <a:spcBef>
+                <a:spcPts val="0"/>
+              </a:spcBef>
+              <a:spcAft>
+                <a:spcPts val="0"/>
+              </a:spcAft>
+              <a:buClrTx/>
+              <a:buSzTx/>
+              <a:buFontTx/>
+              <a:buNone/>
+              <a:tabLst/>
+              <a:defRPr/>
+            </a:pPr>
+            <a:r>
+              <a:rPr kumimoji="1" lang="ja-JP" altLang="en-US"/>
+              <a:t>可変長遺伝子型熱力学的選択ルールは，</a:t>
+            </a:r>
+            <a:r>
+              <a:rPr kumimoji="1" lang="de" altLang="ja-JP" dirty="0" err="1"/>
+              <a:t>tdgaCNN</a:t>
+            </a:r>
+            <a:r>
+              <a:rPr kumimoji="1" lang="de" altLang="ja-JP" dirty="0"/>
+              <a:t>  </a:t>
+            </a:r>
+            <a:r>
+              <a:rPr kumimoji="1" lang="ja-JP" altLang="en-US"/>
+              <a:t>で提案された選択ルールで，温度 </a:t>
+            </a:r>
+            <a:r>
+              <a:rPr kumimoji="1" lang="en-US" altLang="ja-JP" dirty="0"/>
+              <a:t>T</a:t>
+            </a:r>
+            <a:r>
+              <a:rPr kumimoji="1" lang="de" altLang="ja-JP" dirty="0"/>
+              <a:t> </a:t>
+            </a:r>
+            <a:r>
+              <a:rPr kumimoji="1" lang="ja-JP" altLang="en-US"/>
+              <a:t>において熱平衡状態にあるシステムでは，状態の定常分布はこちらの式で表される自由エネルギー</a:t>
+            </a:r>
+            <a:r>
+              <a:rPr kumimoji="1" lang="en-US" altLang="ja-JP" dirty="0"/>
+              <a:t> F </a:t>
+            </a:r>
+            <a:r>
+              <a:rPr kumimoji="1" lang="ja-JP" altLang="en-US"/>
+              <a:t>を最小とする分布になることが知られています．この式の右辺第</a:t>
+            </a:r>
+            <a:r>
+              <a:rPr kumimoji="1" lang="en-US" altLang="ja-JP" dirty="0"/>
+              <a:t> 1 </a:t>
+            </a:r>
+            <a:r>
+              <a:rPr kumimoji="1" lang="ja-JP" altLang="en-US"/>
+              <a:t>項は，エネルギー最小化を追求する項，第</a:t>
+            </a:r>
+            <a:r>
+              <a:rPr kumimoji="1" lang="en-US" altLang="ja-JP" dirty="0"/>
+              <a:t> 2 </a:t>
+            </a:r>
+            <a:r>
+              <a:rPr kumimoji="1" lang="ja-JP" altLang="en-US"/>
+              <a:t>項は，系の状態の多様性を維持する項と解釈することができます．よって自由エネルギーを最小化するということは，</a:t>
+            </a:r>
+            <a:r>
+              <a:rPr kumimoji="1" lang="ja-JP" altLang="en-US" sz="2000">
+                <a:solidFill>
+                  <a:srgbClr val="FF0000"/>
+                </a:solidFill>
+              </a:rPr>
+              <a:t>多様性を維持しつつエネルギー最小化を追求することであると言えます，</a:t>
+            </a:r>
+          </a:p>
+          <a:p>
+            <a:endParaRPr kumimoji="1" lang="ja-JP" altLang="en-US"/>
+          </a:p>
+        </p:txBody>
+      </p:sp>
+      <p:sp>
+        <p:nvSpPr>
+          <p:cNvPr id="4" name="スライド番号プレースホルダー 3"/>
+          <p:cNvSpPr>
+            <a:spLocks noGrp="1"/>
+          </p:cNvSpPr>
+          <p:nvPr>
+            <p:ph type="sldNum" sz="quarter" idx="5"/>
+          </p:nvPr>
+        </p:nvSpPr>
+        <p:spPr/>
+        <p:txBody>
+          <a:bodyPr/>
+          <a:lstStyle/>
+          <a:p>
+            <a:pPr lvl="0"/>
+            <a:fld id="{D4859A6D-CDBD-B344-BF57-2B4BBFE9F422}" type="slidenum">
+              <a:rPr lang="en-US" altLang="ja-JP" smtClean="0"/>
+              <a:t>10</a:t>
+            </a:fld>
+            <a:endParaRPr lang="ja-JP" altLang="en-US"/>
+          </a:p>
+        </p:txBody>
+      </p:sp>
+    </p:spTree>
+    <p:extLst>
+      <p:ext uri="{BB962C8B-B14F-4D97-AF65-F5344CB8AC3E}">
+        <p14:creationId xmlns:p14="http://schemas.microsoft.com/office/powerpoint/2010/main" val="1428562920"/>
+      </p:ext>
+    </p:extLst>
+  </p:cSld>
+  <p:clrMapOvr>
+    <a:masterClrMapping/>
+  </p:clrMapOvr>
+</p:notes>
+</file>
+
+<file path=ppt/notesSlides/notesSlide11.xml><?xml version="1.0" encoding="utf-8"?>
+<p:notes xmlns:a="http://schemas.openxmlformats.org/drawingml/2006/main" xmlns:r="http://schemas.openxmlformats.org/officeDocument/2006/relationships" xmlns:p="http://schemas.openxmlformats.org/presentationml/2006/main">
+  <p:cSld>
+    <p:spTree>
+      <p:nvGrpSpPr>
+        <p:cNvPr id="1" name=""/>
+        <p:cNvGrpSpPr/>
+        <p:nvPr/>
+      </p:nvGrpSpPr>
+      <p:grpSpPr>
+        <a:xfrm>
+          <a:off x="0" y="0"/>
+          <a:ext cx="0" cy="0"/>
+          <a:chOff x="0" y="0"/>
+          <a:chExt cx="0" cy="0"/>
+        </a:xfrm>
+      </p:grpSpPr>
+      <p:sp>
+        <p:nvSpPr>
+          <p:cNvPr id="2" name="スライド イメージ プレースホルダー 1"/>
+          <p:cNvSpPr>
+            <a:spLocks noGrp="1" noRot="1" noChangeAspect="1"/>
+          </p:cNvSpPr>
+          <p:nvPr>
+            <p:ph type="sldImg"/>
+          </p:nvPr>
+        </p:nvSpPr>
+        <p:spPr/>
+      </p:sp>
+      <p:sp>
+        <p:nvSpPr>
+          <p:cNvPr id="3" name="ノート プレースホルダー 2"/>
+          <p:cNvSpPr>
+            <a:spLocks noGrp="1"/>
+          </p:cNvSpPr>
+          <p:nvPr>
+            <p:ph type="body" idx="1"/>
+          </p:nvPr>
+        </p:nvSpPr>
+        <p:spPr/>
+        <p:txBody>
+          <a:bodyPr/>
+          <a:lstStyle/>
+          <a:p>
+            <a:r>
+              <a:rPr kumimoji="1" lang="ja-JP" altLang="en-US"/>
+              <a:t>前のスライドのエントロピー</a:t>
+            </a:r>
+            <a:r>
+              <a:rPr kumimoji="1" lang="en-US" altLang="ja-JP" dirty="0"/>
+              <a:t> H </a:t>
+            </a:r>
+            <a:r>
+              <a:rPr kumimoji="1" lang="ja-JP" altLang="en-US"/>
+              <a:t>はこのような式で表されます．</a:t>
+            </a:r>
+            <a:r>
+              <a:rPr kumimoji="1" lang="en-US" altLang="ja-JP" dirty="0"/>
+              <a:t>p</a:t>
+            </a:r>
+            <a:r>
+              <a:rPr kumimoji="1" lang="ja-JP" altLang="en-US"/>
+              <a:t>は</a:t>
+            </a:r>
+            <a:r>
+              <a:rPr kumimoji="1" lang="en-US" altLang="ja-JP" dirty="0"/>
+              <a:t>〜〜</a:t>
+            </a:r>
+            <a:endParaRPr kumimoji="1" lang="ja-JP" altLang="en-US"/>
+          </a:p>
+        </p:txBody>
+      </p:sp>
+      <p:sp>
+        <p:nvSpPr>
+          <p:cNvPr id="4" name="スライド番号プレースホルダー 3"/>
+          <p:cNvSpPr>
+            <a:spLocks noGrp="1"/>
+          </p:cNvSpPr>
+          <p:nvPr>
+            <p:ph type="sldNum" sz="quarter" idx="5"/>
+          </p:nvPr>
+        </p:nvSpPr>
+        <p:spPr/>
+        <p:txBody>
+          <a:bodyPr/>
+          <a:lstStyle/>
+          <a:p>
+            <a:pPr lvl="0"/>
+            <a:fld id="{D4859A6D-CDBD-B344-BF57-2B4BBFE9F422}" type="slidenum">
+              <a:rPr lang="en-US" altLang="ja-JP" smtClean="0"/>
+              <a:t>11</a:t>
+            </a:fld>
+            <a:endParaRPr lang="ja-JP" altLang="en-US"/>
+          </a:p>
+        </p:txBody>
+      </p:sp>
+    </p:spTree>
+    <p:extLst>
+      <p:ext uri="{BB962C8B-B14F-4D97-AF65-F5344CB8AC3E}">
+        <p14:creationId xmlns:p14="http://schemas.microsoft.com/office/powerpoint/2010/main" val="1336813273"/>
+      </p:ext>
+    </p:extLst>
+  </p:cSld>
+  <p:clrMapOvr>
+    <a:masterClrMapping/>
+  </p:clrMapOvr>
+</p:notes>
+</file>
+
+<file path=ppt/notesSlides/notesSlide12.xml><?xml version="1.0" encoding="utf-8"?>
+<p:notes xmlns:a="http://schemas.openxmlformats.org/drawingml/2006/main" xmlns:r="http://schemas.openxmlformats.org/officeDocument/2006/relationships" xmlns:p="http://schemas.openxmlformats.org/presentationml/2006/main">
+  <p:cSld>
+    <p:spTree>
+      <p:nvGrpSpPr>
+        <p:cNvPr id="1" name=""/>
+        <p:cNvGrpSpPr/>
+        <p:nvPr/>
+      </p:nvGrpSpPr>
+      <p:grpSpPr>
+        <a:xfrm>
+          <a:off x="0" y="0"/>
+          <a:ext cx="0" cy="0"/>
+          <a:chOff x="0" y="0"/>
+          <a:chExt cx="0" cy="0"/>
+        </a:xfrm>
+      </p:grpSpPr>
+      <p:sp>
+        <p:nvSpPr>
+          <p:cNvPr id="2" name="スライド イメージ プレースホルダー 1"/>
+          <p:cNvSpPr>
+            <a:spLocks noGrp="1" noRot="1" noChangeAspect="1"/>
+          </p:cNvSpPr>
+          <p:nvPr>
+            <p:ph type="sldImg"/>
+          </p:nvPr>
+        </p:nvSpPr>
+        <p:spPr/>
+      </p:sp>
+      <mc:AlternateContent xmlns:mc="http://schemas.openxmlformats.org/markup-compatibility/2006">
+        <mc:Choice xmlns:a14="http://schemas.microsoft.com/office/drawing/2010/main" Requires="a14">
+          <p:sp>
+            <p:nvSpPr>
+              <p:cNvPr id="3" name="ノート プレースホルダー 2"/>
+              <p:cNvSpPr>
+                <a:spLocks noGrp="1"/>
+              </p:cNvSpPr>
+              <p:nvPr>
+                <p:ph type="body" idx="1"/>
+              </p:nvPr>
+            </p:nvSpPr>
+            <p:spPr/>
+            <p:txBody>
+              <a:bodyPr/>
+              <a:lstStyle/>
+              <a:p>
+                <a14:m>
+                  <m:oMath xmlns:m="http://schemas.openxmlformats.org/officeDocument/2006/math">
+                    <m:sSub>
+                      <m:sSubPr>
+                        <m:ctrlPr>
+                          <a:rPr kumimoji="1" lang="en-US" altLang="ja-JP" sz="2000" b="0" i="1" smtClean="0">
+                            <a:latin typeface="Cambria Math" panose="02040503050406030204" pitchFamily="18" charset="0"/>
+                          </a:rPr>
+                        </m:ctrlPr>
+                      </m:sSubPr>
+                      <m:e>
+                        <m:r>
+                          <a:rPr kumimoji="1" lang="en-US" altLang="ja-JP" sz="2000" b="0" i="1" smtClean="0">
+                            <a:latin typeface="Cambria Math" panose="02040503050406030204" pitchFamily="18" charset="0"/>
+                          </a:rPr>
+                          <m:t>𝐻</m:t>
+                        </m:r>
+                      </m:e>
+                      <m:sub>
+                        <m:r>
+                          <a:rPr kumimoji="1" lang="en-US" altLang="ja-JP" sz="2000" b="0" i="1" smtClean="0">
+                            <a:latin typeface="Cambria Math" panose="02040503050406030204" pitchFamily="18" charset="0"/>
+                          </a:rPr>
+                          <m:t>𝐷</m:t>
+                        </m:r>
+                      </m:sub>
+                    </m:sSub>
+                    <m:r>
+                      <a:rPr kumimoji="1" lang="en-US" altLang="ja-JP" sz="2000" b="0" i="0" smtClean="0">
+                        <a:latin typeface="Cambria Math" panose="02040503050406030204" pitchFamily="18" charset="0"/>
+                      </a:rPr>
+                      <m:t> </m:t>
+                    </m:r>
+                    <m:r>
+                      <a:rPr kumimoji="1" lang="ja-JP" altLang="en-US" sz="2000" b="0" i="1" smtClean="0">
+                        <a:latin typeface="Cambria Math" panose="02040503050406030204" pitchFamily="18" charset="0"/>
+                      </a:rPr>
+                      <m:t>は</m:t>
+                    </m:r>
+                  </m:oMath>
+                </a14:m>
+                <a:r>
+                  <a:rPr kumimoji="1" lang="ja-JP" altLang="en-US" sz="2000" b="0">
+                    <a:latin typeface="Cambria Math" panose="02040503050406030204" pitchFamily="18" charset="0"/>
+                  </a:rPr>
+                  <a:t>個体間の遺伝子配列の類似度を表す指標で，</a:t>
+                </a:r>
+                <a14:m>
+                  <m:oMath xmlns:m="http://schemas.openxmlformats.org/officeDocument/2006/math">
+                    <m:sSub>
+                      <m:sSubPr>
+                        <m:ctrlPr>
+                          <a:rPr kumimoji="1" lang="en-US" altLang="ja-JP" sz="2000" b="0" i="1" smtClean="0">
+                            <a:latin typeface="Cambria Math" panose="02040503050406030204" pitchFamily="18" charset="0"/>
+                          </a:rPr>
+                        </m:ctrlPr>
+                      </m:sSubPr>
+                      <m:e>
+                        <m:r>
+                          <a:rPr kumimoji="1" lang="en-US" altLang="ja-JP" sz="2000" b="0" i="1" smtClean="0">
+                            <a:latin typeface="Cambria Math" panose="02040503050406030204" pitchFamily="18" charset="0"/>
+                          </a:rPr>
+                          <m:t>𝐻</m:t>
+                        </m:r>
+                      </m:e>
+                      <m:sub>
+                        <m:r>
+                          <a:rPr kumimoji="1" lang="en-US" altLang="ja-JP" sz="2000" b="0" i="1" smtClean="0">
+                            <a:latin typeface="Cambria Math" panose="02040503050406030204" pitchFamily="18" charset="0"/>
+                          </a:rPr>
+                          <m:t>𝐷</m:t>
+                        </m:r>
+                      </m:sub>
+                    </m:sSub>
+                    <m:r>
+                      <a:rPr kumimoji="1" lang="en-US" altLang="ja-JP" sz="2000" b="0" i="1" smtClean="0">
+                        <a:latin typeface="Cambria Math" panose="02040503050406030204" pitchFamily="18" charset="0"/>
+                      </a:rPr>
+                      <m:t> </m:t>
+                    </m:r>
+                  </m:oMath>
+                </a14:m>
+                <a:r>
+                  <a:rPr kumimoji="1" lang="ja-JP" altLang="en-US" sz="2000"/>
+                  <a:t>の値が大きいほど個体群内の各個体間の類似度が低いとみなすことができます．</a:t>
+                </a:r>
+                <a:endParaRPr kumimoji="1" lang="ja-JP" altLang="en-US"/>
+              </a:p>
+            </p:txBody>
+          </p:sp>
+        </mc:Choice>
+        <mc:Fallback>
+          <p:sp>
+            <p:nvSpPr>
+              <p:cNvPr id="3" name="ノート プレースホルダー 2"/>
+              <p:cNvSpPr>
+                <a:spLocks noGrp="1"/>
+              </p:cNvSpPr>
+              <p:nvPr>
+                <p:ph type="body" idx="1"/>
+              </p:nvPr>
+            </p:nvSpPr>
+            <p:spPr/>
+            <p:txBody>
+              <a:bodyPr/>
+              <a:lstStyle/>
+              <a:p>
+                <a:r>
+                  <a:rPr kumimoji="1" lang="en-US" altLang="ja-JP" sz="2000" b="0" i="0">
+                    <a:latin typeface="Cambria Math" panose="02040503050406030204" pitchFamily="18" charset="0"/>
+                  </a:rPr>
+                  <a:t>𝐻_𝐷  </a:t>
+                </a:r>
+                <a:r>
+                  <a:rPr kumimoji="1" lang="ja-JP" altLang="en-US" sz="2000" b="0" i="0">
+                    <a:latin typeface="Cambria Math" panose="02040503050406030204" pitchFamily="18" charset="0"/>
+                  </a:rPr>
+                  <a:t>は</a:t>
+                </a:r>
+                <a:r>
+                  <a:rPr kumimoji="1" lang="ja-JP" altLang="en-US" sz="2000" b="0">
+                    <a:latin typeface="Cambria Math" panose="02040503050406030204" pitchFamily="18" charset="0"/>
+                  </a:rPr>
+                  <a:t>個体間の遺伝子配列の類似度を表す指標で，</a:t>
+                </a:r>
+                <a:r>
+                  <a:rPr kumimoji="1" lang="en-US" altLang="ja-JP" sz="2000" b="0" i="0">
+                    <a:latin typeface="Cambria Math" panose="02040503050406030204" pitchFamily="18" charset="0"/>
+                  </a:rPr>
+                  <a:t>𝐻_𝐷  </a:t>
+                </a:r>
+                <a:r>
+                  <a:rPr kumimoji="1" lang="ja-JP" altLang="en-US" sz="2000"/>
+                  <a:t>の値が大きいほど個体群内の各個体間の類似度が低いとみなすことができます．</a:t>
+                </a:r>
+                <a:endParaRPr kumimoji="1" lang="ja-JP" altLang="en-US"/>
+              </a:p>
+            </p:txBody>
+          </p:sp>
+        </mc:Fallback>
+      </mc:AlternateContent>
+      <p:sp>
+        <p:nvSpPr>
+          <p:cNvPr id="4" name="スライド番号プレースホルダー 3"/>
+          <p:cNvSpPr>
+            <a:spLocks noGrp="1"/>
+          </p:cNvSpPr>
+          <p:nvPr>
+            <p:ph type="sldNum" sz="quarter" idx="5"/>
+          </p:nvPr>
+        </p:nvSpPr>
+        <p:spPr/>
+        <p:txBody>
+          <a:bodyPr/>
+          <a:lstStyle/>
+          <a:p>
+            <a:pPr lvl="0"/>
+            <a:fld id="{D4859A6D-CDBD-B344-BF57-2B4BBFE9F422}" type="slidenum">
+              <a:rPr lang="en-US" altLang="ja-JP" smtClean="0"/>
+              <a:t>12</a:t>
+            </a:fld>
+            <a:endParaRPr lang="ja-JP" altLang="en-US"/>
+          </a:p>
+        </p:txBody>
+      </p:sp>
+    </p:spTree>
+    <p:extLst>
+      <p:ext uri="{BB962C8B-B14F-4D97-AF65-F5344CB8AC3E}">
+        <p14:creationId xmlns:p14="http://schemas.microsoft.com/office/powerpoint/2010/main" val="157035346"/>
+      </p:ext>
+    </p:extLst>
+  </p:cSld>
+  <p:clrMapOvr>
+    <a:masterClrMapping/>
+  </p:clrMapOvr>
+</p:notes>
+</file>
+
+<file path=ppt/notesSlides/notesSlide13.xml><?xml version="1.0" encoding="utf-8"?>
+<p:notes xmlns:a="http://schemas.openxmlformats.org/drawingml/2006/main" xmlns:r="http://schemas.openxmlformats.org/officeDocument/2006/relationships" xmlns:p="http://schemas.openxmlformats.org/presentationml/2006/main">
+  <p:cSld>
+    <p:spTree>
+      <p:nvGrpSpPr>
+        <p:cNvPr id="1" name=""/>
+        <p:cNvGrpSpPr/>
+        <p:nvPr/>
+      </p:nvGrpSpPr>
+      <p:grpSpPr>
+        <a:xfrm>
+          <a:off x="0" y="0"/>
+          <a:ext cx="0" cy="0"/>
+          <a:chOff x="0" y="0"/>
+          <a:chExt cx="0" cy="0"/>
+        </a:xfrm>
+      </p:grpSpPr>
+      <p:sp>
+        <p:nvSpPr>
+          <p:cNvPr id="2" name="スライド イメージ プレースホルダー 1"/>
+          <p:cNvSpPr>
+            <a:spLocks noGrp="1" noRot="1" noChangeAspect="1"/>
+          </p:cNvSpPr>
+          <p:nvPr>
+            <p:ph type="sldImg"/>
+          </p:nvPr>
+        </p:nvSpPr>
+        <p:spPr/>
+      </p:sp>
+      <p:sp>
+        <p:nvSpPr>
+          <p:cNvPr id="3" name="ノート プレースホルダー 2"/>
+          <p:cNvSpPr>
+            <a:spLocks noGrp="1"/>
+          </p:cNvSpPr>
+          <p:nvPr>
+            <p:ph type="body" idx="1"/>
+          </p:nvPr>
+        </p:nvSpPr>
+        <p:spPr/>
+        <p:txBody>
+          <a:bodyPr/>
+          <a:lstStyle/>
+          <a:p>
+            <a:r>
+              <a:rPr kumimoji="1" lang="ja-JP" altLang="en-US"/>
+              <a:t>実験です．</a:t>
+            </a:r>
+          </a:p>
+        </p:txBody>
+      </p:sp>
+      <p:sp>
+        <p:nvSpPr>
+          <p:cNvPr id="4" name="スライド番号プレースホルダー 3"/>
+          <p:cNvSpPr>
+            <a:spLocks noGrp="1"/>
+          </p:cNvSpPr>
+          <p:nvPr>
+            <p:ph type="sldNum" sz="quarter" idx="5"/>
+          </p:nvPr>
+        </p:nvSpPr>
+        <p:spPr/>
+        <p:txBody>
+          <a:bodyPr/>
+          <a:lstStyle/>
+          <a:p>
+            <a:pPr lvl="0"/>
+            <a:fld id="{D4859A6D-CDBD-B344-BF57-2B4BBFE9F422}" type="slidenum">
+              <a:rPr lang="en-US" altLang="ja-JP" smtClean="0"/>
+              <a:t>14</a:t>
+            </a:fld>
+            <a:endParaRPr lang="ja-JP" altLang="en-US"/>
+          </a:p>
+        </p:txBody>
+      </p:sp>
+    </p:spTree>
+    <p:extLst>
+      <p:ext uri="{BB962C8B-B14F-4D97-AF65-F5344CB8AC3E}">
+        <p14:creationId xmlns:p14="http://schemas.microsoft.com/office/powerpoint/2010/main" val="1677180091"/>
+      </p:ext>
+    </p:extLst>
+  </p:cSld>
+  <p:clrMapOvr>
+    <a:masterClrMapping/>
+  </p:clrMapOvr>
+</p:notes>
+</file>
+
+<file path=ppt/notesSlides/notesSlide14.xml><?xml version="1.0" encoding="utf-8"?>
+<p:notes xmlns:a="http://schemas.openxmlformats.org/drawingml/2006/main" xmlns:r="http://schemas.openxmlformats.org/officeDocument/2006/relationships" xmlns:p="http://schemas.openxmlformats.org/presentationml/2006/main">
+  <p:cSld>
+    <p:spTree>
+      <p:nvGrpSpPr>
+        <p:cNvPr id="1" name=""/>
+        <p:cNvGrpSpPr/>
+        <p:nvPr/>
+      </p:nvGrpSpPr>
+      <p:grpSpPr>
+        <a:xfrm>
+          <a:off x="0" y="0"/>
+          <a:ext cx="0" cy="0"/>
+          <a:chOff x="0" y="0"/>
+          <a:chExt cx="0" cy="0"/>
+        </a:xfrm>
+      </p:grpSpPr>
+      <p:sp>
+        <p:nvSpPr>
+          <p:cNvPr id="2" name="スライド イメージ プレースホルダー 1"/>
+          <p:cNvSpPr>
+            <a:spLocks noGrp="1" noRot="1" noChangeAspect="1"/>
+          </p:cNvSpPr>
+          <p:nvPr>
+            <p:ph type="sldImg"/>
+          </p:nvPr>
+        </p:nvSpPr>
+        <p:spPr/>
+      </p:sp>
+      <p:sp>
+        <p:nvSpPr>
+          <p:cNvPr id="3" name="ノート プレースホルダー 2"/>
+          <p:cNvSpPr>
+            <a:spLocks noGrp="1"/>
+          </p:cNvSpPr>
+          <p:nvPr>
+            <p:ph type="body" idx="1"/>
+          </p:nvPr>
+        </p:nvSpPr>
+        <p:spPr/>
+        <p:txBody>
+          <a:bodyPr/>
+          <a:lstStyle/>
+          <a:p>
+            <a:r>
+              <a:rPr kumimoji="1" lang="ja-JP" altLang="en-US"/>
+              <a:t>実験条件です．エポック数，世代数，本学習エポック数を除いて，先行研究と同じ条件としました．</a:t>
+            </a:r>
+          </a:p>
+        </p:txBody>
+      </p:sp>
+      <p:sp>
+        <p:nvSpPr>
+          <p:cNvPr id="4" name="スライド番号プレースホルダー 3"/>
+          <p:cNvSpPr>
+            <a:spLocks noGrp="1"/>
+          </p:cNvSpPr>
+          <p:nvPr>
+            <p:ph type="sldNum" sz="quarter" idx="5"/>
+          </p:nvPr>
+        </p:nvSpPr>
+        <p:spPr/>
+        <p:txBody>
+          <a:bodyPr/>
+          <a:lstStyle/>
+          <a:p>
+            <a:pPr lvl="0"/>
+            <a:fld id="{D4859A6D-CDBD-B344-BF57-2B4BBFE9F422}" type="slidenum">
+              <a:rPr lang="en-US" altLang="ja-JP" smtClean="0"/>
+              <a:t>20</a:t>
+            </a:fld>
+            <a:endParaRPr lang="ja-JP" altLang="en-US"/>
+          </a:p>
+        </p:txBody>
+      </p:sp>
+    </p:spTree>
+    <p:extLst>
+      <p:ext uri="{BB962C8B-B14F-4D97-AF65-F5344CB8AC3E}">
+        <p14:creationId xmlns:p14="http://schemas.microsoft.com/office/powerpoint/2010/main" val="114043570"/>
+      </p:ext>
+    </p:extLst>
+  </p:cSld>
+  <p:clrMapOvr>
+    <a:masterClrMapping/>
+  </p:clrMapOvr>
+</p:notes>
+</file>
+
+<file path=ppt/notesSlides/notesSlide15.xml><?xml version="1.0" encoding="utf-8"?>
+<p:notes xmlns:a="http://schemas.openxmlformats.org/drawingml/2006/main" xmlns:r="http://schemas.openxmlformats.org/officeDocument/2006/relationships" xmlns:p="http://schemas.openxmlformats.org/presentationml/2006/main">
+  <p:cSld>
+    <p:spTree>
+      <p:nvGrpSpPr>
+        <p:cNvPr id="1" name=""/>
+        <p:cNvGrpSpPr/>
+        <p:nvPr/>
+      </p:nvGrpSpPr>
+      <p:grpSpPr>
+        <a:xfrm>
+          <a:off x="0" y="0"/>
+          <a:ext cx="0" cy="0"/>
+          <a:chOff x="0" y="0"/>
+          <a:chExt cx="0" cy="0"/>
+        </a:xfrm>
+      </p:grpSpPr>
+      <p:sp>
+        <p:nvSpPr>
+          <p:cNvPr id="2" name="スライド イメージ プレースホルダー 1"/>
+          <p:cNvSpPr>
+            <a:spLocks noGrp="1" noRot="1" noChangeAspect="1"/>
+          </p:cNvSpPr>
+          <p:nvPr>
+            <p:ph type="sldImg"/>
+          </p:nvPr>
+        </p:nvSpPr>
+        <p:spPr/>
+      </p:sp>
+      <p:sp>
+        <p:nvSpPr>
+          <p:cNvPr id="3" name="ノート プレースホルダー 2"/>
+          <p:cNvSpPr>
+            <a:spLocks noGrp="1"/>
+          </p:cNvSpPr>
+          <p:nvPr>
+            <p:ph type="body" idx="1"/>
+          </p:nvPr>
+        </p:nvSpPr>
+        <p:spPr/>
+        <p:txBody>
+          <a:bodyPr/>
+          <a:lstStyle/>
+          <a:p>
+            <a:r>
+              <a:rPr kumimoji="1" lang="ja-JP" altLang="en-US"/>
+              <a:t>初期個体群の作成結果です．</a:t>
+            </a:r>
+          </a:p>
+        </p:txBody>
+      </p:sp>
+      <p:sp>
+        <p:nvSpPr>
+          <p:cNvPr id="4" name="スライド番号プレースホルダー 3"/>
+          <p:cNvSpPr>
+            <a:spLocks noGrp="1"/>
+          </p:cNvSpPr>
+          <p:nvPr>
+            <p:ph type="sldNum" sz="quarter" idx="5"/>
+          </p:nvPr>
+        </p:nvSpPr>
+        <p:spPr/>
+        <p:txBody>
+          <a:bodyPr/>
+          <a:lstStyle/>
+          <a:p>
+            <a:pPr lvl="0"/>
+            <a:fld id="{D4859A6D-CDBD-B344-BF57-2B4BBFE9F422}" type="slidenum">
+              <a:rPr lang="en-US" altLang="ja-JP" smtClean="0"/>
+              <a:t>21</a:t>
+            </a:fld>
+            <a:endParaRPr lang="ja-JP" altLang="en-US"/>
+          </a:p>
+        </p:txBody>
+      </p:sp>
+    </p:spTree>
+    <p:extLst>
+      <p:ext uri="{BB962C8B-B14F-4D97-AF65-F5344CB8AC3E}">
+        <p14:creationId xmlns:p14="http://schemas.microsoft.com/office/powerpoint/2010/main" val="3079735668"/>
+      </p:ext>
+    </p:extLst>
+  </p:cSld>
+  <p:clrMapOvr>
+    <a:masterClrMapping/>
+  </p:clrMapOvr>
+</p:notes>
+</file>
+
+<file path=ppt/notesSlides/notesSlide16.xml><?xml version="1.0" encoding="utf-8"?>
+<p:notes xmlns:a="http://schemas.openxmlformats.org/drawingml/2006/main" xmlns:r="http://schemas.openxmlformats.org/officeDocument/2006/relationships" xmlns:p="http://schemas.openxmlformats.org/presentationml/2006/main">
+  <p:cSld>
+    <p:spTree>
+      <p:nvGrpSpPr>
+        <p:cNvPr id="1" name=""/>
+        <p:cNvGrpSpPr/>
+        <p:nvPr/>
+      </p:nvGrpSpPr>
+      <p:grpSpPr>
+        <a:xfrm>
+          <a:off x="0" y="0"/>
+          <a:ext cx="0" cy="0"/>
+          <a:chOff x="0" y="0"/>
+          <a:chExt cx="0" cy="0"/>
+        </a:xfrm>
+      </p:grpSpPr>
+      <p:sp>
+        <p:nvSpPr>
+          <p:cNvPr id="2" name="スライド イメージ プレースホルダー 1"/>
+          <p:cNvSpPr>
+            <a:spLocks noGrp="1" noRot="1" noChangeAspect="1"/>
+          </p:cNvSpPr>
+          <p:nvPr>
+            <p:ph type="sldImg"/>
+          </p:nvPr>
+        </p:nvSpPr>
+        <p:spPr/>
+      </p:sp>
+      <p:sp>
+        <p:nvSpPr>
+          <p:cNvPr id="3" name="ノート プレースホルダー 2"/>
+          <p:cNvSpPr>
+            <a:spLocks noGrp="1"/>
+          </p:cNvSpPr>
+          <p:nvPr>
+            <p:ph type="body" idx="1"/>
+          </p:nvPr>
+        </p:nvSpPr>
+        <p:spPr/>
+        <p:txBody>
+          <a:bodyPr/>
+          <a:lstStyle/>
+          <a:p>
+            <a:r>
+              <a:rPr kumimoji="1" lang="ja-JP" altLang="en-US"/>
+              <a:t>本日はこのような流れで発表します．</a:t>
+            </a:r>
+          </a:p>
+        </p:txBody>
+      </p:sp>
+      <p:sp>
+        <p:nvSpPr>
+          <p:cNvPr id="4" name="スライド番号プレースホルダー 3"/>
+          <p:cNvSpPr>
+            <a:spLocks noGrp="1"/>
+          </p:cNvSpPr>
+          <p:nvPr>
+            <p:ph type="sldNum" sz="quarter" idx="5"/>
+          </p:nvPr>
+        </p:nvSpPr>
+        <p:spPr/>
+        <p:txBody>
+          <a:bodyPr/>
+          <a:lstStyle/>
+          <a:p>
+            <a:pPr lvl="0"/>
+            <a:fld id="{D4859A6D-CDBD-B344-BF57-2B4BBFE9F422}" type="slidenum">
+              <a:rPr lang="en-US" altLang="ja-JP" smtClean="0"/>
+              <a:t>26</a:t>
+            </a:fld>
+            <a:endParaRPr lang="ja-JP" altLang="en-US"/>
+          </a:p>
+        </p:txBody>
+      </p:sp>
+    </p:spTree>
+    <p:extLst>
+      <p:ext uri="{BB962C8B-B14F-4D97-AF65-F5344CB8AC3E}">
+        <p14:creationId xmlns:p14="http://schemas.microsoft.com/office/powerpoint/2010/main" val="2274202789"/>
       </p:ext>
     </p:extLst>
   </p:cSld>
@@ -963,7 +1861,227 @@
           <a:bodyPr/>
           <a:lstStyle/>
           <a:p>
-            <a:endParaRPr kumimoji="1" lang="ja-JP" altLang="en-US"/>
+            <a:r>
+              <a:rPr kumimoji="1" lang="ja-JP" altLang="en-US"/>
+              <a:t>本日はこのような流れで発表します．</a:t>
+            </a:r>
+          </a:p>
+        </p:txBody>
+      </p:sp>
+      <p:sp>
+        <p:nvSpPr>
+          <p:cNvPr id="4" name="スライド番号プレースホルダー 3"/>
+          <p:cNvSpPr>
+            <a:spLocks noGrp="1"/>
+          </p:cNvSpPr>
+          <p:nvPr>
+            <p:ph type="sldNum" sz="quarter" idx="5"/>
+          </p:nvPr>
+        </p:nvSpPr>
+        <p:spPr/>
+        <p:txBody>
+          <a:bodyPr/>
+          <a:lstStyle/>
+          <a:p>
+            <a:pPr lvl="0"/>
+            <a:fld id="{D4859A6D-CDBD-B344-BF57-2B4BBFE9F422}" type="slidenum">
+              <a:rPr lang="en-US" altLang="ja-JP" smtClean="0"/>
+              <a:t>2</a:t>
+            </a:fld>
+            <a:endParaRPr lang="ja-JP" altLang="en-US"/>
+          </a:p>
+        </p:txBody>
+      </p:sp>
+    </p:spTree>
+    <p:extLst>
+      <p:ext uri="{BB962C8B-B14F-4D97-AF65-F5344CB8AC3E}">
+        <p14:creationId xmlns:p14="http://schemas.microsoft.com/office/powerpoint/2010/main" val="2485464001"/>
+      </p:ext>
+    </p:extLst>
+  </p:cSld>
+  <p:clrMapOvr>
+    <a:masterClrMapping/>
+  </p:clrMapOvr>
+</p:notes>
+</file>
+
+<file path=ppt/notesSlides/notesSlide3.xml><?xml version="1.0" encoding="utf-8"?>
+<p:notes xmlns:a="http://schemas.openxmlformats.org/drawingml/2006/main" xmlns:r="http://schemas.openxmlformats.org/officeDocument/2006/relationships" xmlns:p="http://schemas.openxmlformats.org/presentationml/2006/main">
+  <p:cSld>
+    <p:spTree>
+      <p:nvGrpSpPr>
+        <p:cNvPr id="1" name=""/>
+        <p:cNvGrpSpPr/>
+        <p:nvPr/>
+      </p:nvGrpSpPr>
+      <p:grpSpPr>
+        <a:xfrm>
+          <a:off x="0" y="0"/>
+          <a:ext cx="0" cy="0"/>
+          <a:chOff x="0" y="0"/>
+          <a:chExt cx="0" cy="0"/>
+        </a:xfrm>
+      </p:grpSpPr>
+      <p:sp>
+        <p:nvSpPr>
+          <p:cNvPr id="2" name="スライド イメージ プレースホルダー 1"/>
+          <p:cNvSpPr>
+            <a:spLocks noGrp="1" noRot="1" noChangeAspect="1"/>
+          </p:cNvSpPr>
+          <p:nvPr>
+            <p:ph type="sldImg"/>
+          </p:nvPr>
+        </p:nvSpPr>
+        <p:spPr/>
+      </p:sp>
+      <p:sp>
+        <p:nvSpPr>
+          <p:cNvPr id="3" name="ノート プレースホルダー 2"/>
+          <p:cNvSpPr>
+            <a:spLocks noGrp="1"/>
+          </p:cNvSpPr>
+          <p:nvPr>
+            <p:ph type="body" idx="1"/>
+          </p:nvPr>
+        </p:nvSpPr>
+        <p:spPr/>
+        <p:txBody>
+          <a:bodyPr/>
+          <a:lstStyle/>
+          <a:p>
+            <a:r>
+              <a:rPr kumimoji="1" lang="ja-JP" altLang="en-US"/>
+              <a:t>本日はこのような流れで発表します．</a:t>
+            </a:r>
+          </a:p>
+        </p:txBody>
+      </p:sp>
+      <p:sp>
+        <p:nvSpPr>
+          <p:cNvPr id="4" name="スライド番号プレースホルダー 3"/>
+          <p:cNvSpPr>
+            <a:spLocks noGrp="1"/>
+          </p:cNvSpPr>
+          <p:nvPr>
+            <p:ph type="sldNum" sz="quarter" idx="5"/>
+          </p:nvPr>
+        </p:nvSpPr>
+        <p:spPr/>
+        <p:txBody>
+          <a:bodyPr/>
+          <a:lstStyle/>
+          <a:p>
+            <a:pPr lvl="0"/>
+            <a:fld id="{D4859A6D-CDBD-B344-BF57-2B4BBFE9F422}" type="slidenum">
+              <a:rPr lang="en-US" altLang="ja-JP" smtClean="0"/>
+              <a:t>3</a:t>
+            </a:fld>
+            <a:endParaRPr lang="ja-JP" altLang="en-US"/>
+          </a:p>
+        </p:txBody>
+      </p:sp>
+    </p:spTree>
+    <p:extLst>
+      <p:ext uri="{BB962C8B-B14F-4D97-AF65-F5344CB8AC3E}">
+        <p14:creationId xmlns:p14="http://schemas.microsoft.com/office/powerpoint/2010/main" val="1798029799"/>
+      </p:ext>
+    </p:extLst>
+  </p:cSld>
+  <p:clrMapOvr>
+    <a:masterClrMapping/>
+  </p:clrMapOvr>
+</p:notes>
+</file>
+
+<file path=ppt/notesSlides/notesSlide4.xml><?xml version="1.0" encoding="utf-8"?>
+<p:notes xmlns:a="http://schemas.openxmlformats.org/drawingml/2006/main" xmlns:r="http://schemas.openxmlformats.org/officeDocument/2006/relationships" xmlns:p="http://schemas.openxmlformats.org/presentationml/2006/main">
+  <p:cSld>
+    <p:spTree>
+      <p:nvGrpSpPr>
+        <p:cNvPr id="1" name=""/>
+        <p:cNvGrpSpPr/>
+        <p:nvPr/>
+      </p:nvGrpSpPr>
+      <p:grpSpPr>
+        <a:xfrm>
+          <a:off x="0" y="0"/>
+          <a:ext cx="0" cy="0"/>
+          <a:chOff x="0" y="0"/>
+          <a:chExt cx="0" cy="0"/>
+        </a:xfrm>
+      </p:grpSpPr>
+      <p:sp>
+        <p:nvSpPr>
+          <p:cNvPr id="2" name="スライド イメージ プレースホルダー 1"/>
+          <p:cNvSpPr>
+            <a:spLocks noGrp="1" noRot="1" noChangeAspect="1"/>
+          </p:cNvSpPr>
+          <p:nvPr>
+            <p:ph type="sldImg"/>
+          </p:nvPr>
+        </p:nvSpPr>
+        <p:spPr/>
+      </p:sp>
+      <p:sp>
+        <p:nvSpPr>
+          <p:cNvPr id="3" name="ノート プレースホルダー 2"/>
+          <p:cNvSpPr>
+            <a:spLocks noGrp="1"/>
+          </p:cNvSpPr>
+          <p:nvPr>
+            <p:ph type="body" idx="1"/>
+          </p:nvPr>
+        </p:nvSpPr>
+        <p:spPr/>
+        <p:txBody>
+          <a:bodyPr/>
+          <a:lstStyle/>
+          <a:p>
+            <a:pPr marL="216000" marR="0" lvl="0" indent="-216000" defTabSz="914400" rtl="0" eaLnBrk="1" fontAlgn="auto" latinLnBrk="0" hangingPunct="0">
+              <a:lnSpc>
+                <a:spcPct val="100000"/>
+              </a:lnSpc>
+              <a:spcBef>
+                <a:spcPts val="0"/>
+              </a:spcBef>
+              <a:spcAft>
+                <a:spcPts val="0"/>
+              </a:spcAft>
+              <a:buClrTx/>
+              <a:buSzTx/>
+              <a:buFontTx/>
+              <a:buNone/>
+              <a:tabLst/>
+              <a:defRPr/>
+            </a:pPr>
+            <a:r>
+              <a:rPr kumimoji="1" lang="ja-JP" altLang="en-US" sz="2000"/>
+              <a:t>近年，機械学習を用いた画像識別に注目が集まっており，その一つに畳み込みニューラルネットワーク</a:t>
+            </a:r>
+            <a:r>
+              <a:rPr kumimoji="1" lang="en-US" altLang="ja-JP" sz="2000" dirty="0"/>
+              <a:t> CNN </a:t>
+            </a:r>
+            <a:r>
+              <a:rPr kumimoji="1" lang="ja-JP" altLang="en-US" sz="2000"/>
+              <a:t>による画像識別があります．ところが，</a:t>
+            </a:r>
+            <a:r>
+              <a:rPr lang="ja-JP" altLang="en-US" sz="2000"/>
+              <a:t>問題の高度化により，</a:t>
+            </a:r>
+            <a:r>
+              <a:rPr kumimoji="1" lang="en-US" altLang="ja-JP" sz="2000" dirty="0"/>
+              <a:t>CNN </a:t>
+            </a:r>
+            <a:r>
+              <a:rPr kumimoji="1" lang="ja-JP" altLang="en-US" sz="2000"/>
+              <a:t>の構造が複雑化し，人手で最適化するためには膨大な労力が必要となってきました．</a:t>
+            </a:r>
+            <a:br>
+              <a:rPr kumimoji="1" lang="en-US" altLang="ja-JP" sz="2000" dirty="0"/>
+            </a:br>
+            <a:endParaRPr kumimoji="1" lang="en-US" altLang="ja-JP" sz="2000" dirty="0"/>
           </a:p>
         </p:txBody>
       </p:sp>
@@ -995,6 +2113,634 @@
     <p:extLst>
       <p:ext uri="{BB962C8B-B14F-4D97-AF65-F5344CB8AC3E}">
         <p14:creationId xmlns:p14="http://schemas.microsoft.com/office/powerpoint/2010/main" val="2525175926"/>
+      </p:ext>
+    </p:extLst>
+  </p:cSld>
+  <p:clrMapOvr>
+    <a:masterClrMapping/>
+  </p:clrMapOvr>
+</p:notes>
+</file>
+
+<file path=ppt/notesSlides/notesSlide5.xml><?xml version="1.0" encoding="utf-8"?>
+<p:notes xmlns:a="http://schemas.openxmlformats.org/drawingml/2006/main" xmlns:r="http://schemas.openxmlformats.org/officeDocument/2006/relationships" xmlns:p="http://schemas.openxmlformats.org/presentationml/2006/main">
+  <p:cSld>
+    <p:spTree>
+      <p:nvGrpSpPr>
+        <p:cNvPr id="1" name=""/>
+        <p:cNvGrpSpPr/>
+        <p:nvPr/>
+      </p:nvGrpSpPr>
+      <p:grpSpPr>
+        <a:xfrm>
+          <a:off x="0" y="0"/>
+          <a:ext cx="0" cy="0"/>
+          <a:chOff x="0" y="0"/>
+          <a:chExt cx="0" cy="0"/>
+        </a:xfrm>
+      </p:grpSpPr>
+      <p:sp>
+        <p:nvSpPr>
+          <p:cNvPr id="2" name="スライド イメージ プレースホルダー 1"/>
+          <p:cNvSpPr>
+            <a:spLocks noGrp="1" noRot="1" noChangeAspect="1"/>
+          </p:cNvSpPr>
+          <p:nvPr>
+            <p:ph type="sldImg"/>
+          </p:nvPr>
+        </p:nvSpPr>
+        <p:spPr/>
+      </p:sp>
+      <p:sp>
+        <p:nvSpPr>
+          <p:cNvPr id="3" name="ノート プレースホルダー 2"/>
+          <p:cNvSpPr>
+            <a:spLocks noGrp="1"/>
+          </p:cNvSpPr>
+          <p:nvPr>
+            <p:ph type="body" idx="1"/>
+          </p:nvPr>
+        </p:nvSpPr>
+        <p:spPr/>
+        <p:txBody>
+          <a:bodyPr/>
+          <a:lstStyle/>
+          <a:p>
+            <a:pPr marL="216000" marR="0" lvl="0" indent="-216000" defTabSz="914400" rtl="0" eaLnBrk="1" fontAlgn="auto" latinLnBrk="0" hangingPunct="0">
+              <a:lnSpc>
+                <a:spcPct val="100000"/>
+              </a:lnSpc>
+              <a:spcBef>
+                <a:spcPts val="0"/>
+              </a:spcBef>
+              <a:spcAft>
+                <a:spcPts val="0"/>
+              </a:spcAft>
+              <a:buClrTx/>
+              <a:buSzTx/>
+              <a:buFontTx/>
+              <a:buNone/>
+              <a:tabLst/>
+              <a:defRPr/>
+            </a:pPr>
+            <a:r>
+              <a:rPr kumimoji="1" lang="ja-JP" altLang="en-US"/>
+              <a:t>そこで，</a:t>
+            </a:r>
+            <a:r>
+              <a:rPr kumimoji="1" lang="en-US" altLang="ja-JP" sz="2000" dirty="0"/>
+              <a:t>CNN </a:t>
+            </a:r>
+            <a:r>
+              <a:rPr kumimoji="1" lang="ja-JP" altLang="en-US" sz="2000"/>
+              <a:t>の構造の最適化に遺伝的アルゴリズム</a:t>
+            </a:r>
+            <a:r>
+              <a:rPr kumimoji="1" lang="en-US" altLang="ja-JP" sz="2000" dirty="0"/>
+              <a:t> GA </a:t>
+            </a:r>
+            <a:r>
+              <a:rPr kumimoji="1" lang="ja-JP" altLang="en-US" sz="2000"/>
+              <a:t>を利用した，</a:t>
+            </a:r>
+            <a:r>
+              <a:rPr kumimoji="1" lang="en-US" altLang="ja-JP" sz="2000" dirty="0" err="1"/>
+              <a:t>gaCNN</a:t>
+            </a:r>
+            <a:r>
+              <a:rPr kumimoji="1" lang="en-US" altLang="ja-JP" sz="2000" dirty="0"/>
+              <a:t> </a:t>
+            </a:r>
+            <a:r>
+              <a:rPr kumimoji="1" lang="ja-JP" altLang="en-US" sz="2000"/>
+              <a:t>が提案されました．また，</a:t>
+            </a:r>
+            <a:r>
+              <a:rPr kumimoji="1" lang="de" altLang="ja-JP" sz="2000" dirty="0" err="1"/>
+              <a:t>gaCNN</a:t>
+            </a:r>
+            <a:r>
+              <a:rPr kumimoji="1" lang="de" altLang="ja-JP" sz="2000" dirty="0"/>
+              <a:t> </a:t>
+            </a:r>
+            <a:r>
+              <a:rPr kumimoji="1" lang="ja-JP" altLang="en-US" sz="2000"/>
+              <a:t>の拡張手法として熱力学的遺伝アルゴリズム</a:t>
+            </a:r>
+            <a:r>
+              <a:rPr kumimoji="1" lang="en-US" altLang="ja-JP" sz="2000" dirty="0"/>
+              <a:t> TDGA </a:t>
+            </a:r>
+            <a:r>
+              <a:rPr kumimoji="1" lang="ja-JP" altLang="en-US" sz="2000"/>
+              <a:t>を用いた </a:t>
+            </a:r>
+            <a:r>
+              <a:rPr kumimoji="1" lang="de" altLang="ja-JP" sz="2000" dirty="0" err="1"/>
+              <a:t>tdgaCNN</a:t>
+            </a:r>
+            <a:r>
+              <a:rPr kumimoji="1" lang="de" altLang="ja-JP" sz="2000" dirty="0"/>
+              <a:t> </a:t>
+            </a:r>
+            <a:r>
+              <a:rPr kumimoji="1" lang="ja-JP" altLang="en-US" sz="2000"/>
+              <a:t>が提案され，従来手法との比較により，その優位性が報告されてきました．</a:t>
+            </a:r>
+          </a:p>
+          <a:p>
+            <a:pPr marL="216000" marR="0" lvl="0" indent="-216000" defTabSz="914400" rtl="0" eaLnBrk="1" fontAlgn="auto" latinLnBrk="0" hangingPunct="0">
+              <a:lnSpc>
+                <a:spcPct val="100000"/>
+              </a:lnSpc>
+              <a:spcBef>
+                <a:spcPts val="0"/>
+              </a:spcBef>
+              <a:spcAft>
+                <a:spcPts val="0"/>
+              </a:spcAft>
+              <a:buClrTx/>
+              <a:buSzTx/>
+              <a:buFontTx/>
+              <a:buNone/>
+              <a:tabLst/>
+              <a:defRPr/>
+            </a:pPr>
+            <a:endParaRPr kumimoji="1" lang="en-US" altLang="ja-JP" sz="2000" dirty="0"/>
+          </a:p>
+          <a:p>
+            <a:endParaRPr kumimoji="1" lang="ja-JP" altLang="en-US"/>
+          </a:p>
+        </p:txBody>
+      </p:sp>
+      <p:sp>
+        <p:nvSpPr>
+          <p:cNvPr id="4" name="スライド番号プレースホルダー 3"/>
+          <p:cNvSpPr>
+            <a:spLocks noGrp="1"/>
+          </p:cNvSpPr>
+          <p:nvPr>
+            <p:ph type="sldNum" sz="quarter" idx="5"/>
+          </p:nvPr>
+        </p:nvSpPr>
+        <p:spPr/>
+        <p:txBody>
+          <a:bodyPr/>
+          <a:lstStyle/>
+          <a:p>
+            <a:pPr lvl="0"/>
+            <a:fld id="{D4859A6D-CDBD-B344-BF57-2B4BBFE9F422}" type="slidenum">
+              <a:rPr lang="en-US" altLang="ja-JP" smtClean="0"/>
+              <a:t>5</a:t>
+            </a:fld>
+            <a:endParaRPr lang="ja-JP" altLang="en-US"/>
+          </a:p>
+        </p:txBody>
+      </p:sp>
+    </p:spTree>
+    <p:extLst>
+      <p:ext uri="{BB962C8B-B14F-4D97-AF65-F5344CB8AC3E}">
+        <p14:creationId xmlns:p14="http://schemas.microsoft.com/office/powerpoint/2010/main" val="509800712"/>
+      </p:ext>
+    </p:extLst>
+  </p:cSld>
+  <p:clrMapOvr>
+    <a:masterClrMapping/>
+  </p:clrMapOvr>
+</p:notes>
+</file>
+
+<file path=ppt/notesSlides/notesSlide6.xml><?xml version="1.0" encoding="utf-8"?>
+<p:notes xmlns:a="http://schemas.openxmlformats.org/drawingml/2006/main" xmlns:r="http://schemas.openxmlformats.org/officeDocument/2006/relationships" xmlns:p="http://schemas.openxmlformats.org/presentationml/2006/main">
+  <p:cSld>
+    <p:spTree>
+      <p:nvGrpSpPr>
+        <p:cNvPr id="1" name=""/>
+        <p:cNvGrpSpPr/>
+        <p:nvPr/>
+      </p:nvGrpSpPr>
+      <p:grpSpPr>
+        <a:xfrm>
+          <a:off x="0" y="0"/>
+          <a:ext cx="0" cy="0"/>
+          <a:chOff x="0" y="0"/>
+          <a:chExt cx="0" cy="0"/>
+        </a:xfrm>
+      </p:grpSpPr>
+      <p:sp>
+        <p:nvSpPr>
+          <p:cNvPr id="2" name="スライド イメージ プレースホルダー 1"/>
+          <p:cNvSpPr>
+            <a:spLocks noGrp="1" noRot="1" noChangeAspect="1"/>
+          </p:cNvSpPr>
+          <p:nvPr>
+            <p:ph type="sldImg"/>
+          </p:nvPr>
+        </p:nvSpPr>
+        <p:spPr/>
+      </p:sp>
+      <p:sp>
+        <p:nvSpPr>
+          <p:cNvPr id="3" name="ノート プレースホルダー 2"/>
+          <p:cNvSpPr>
+            <a:spLocks noGrp="1"/>
+          </p:cNvSpPr>
+          <p:nvPr>
+            <p:ph type="body" idx="1"/>
+          </p:nvPr>
+        </p:nvSpPr>
+        <p:spPr/>
+        <p:txBody>
+          <a:bodyPr/>
+          <a:lstStyle/>
+          <a:p>
+            <a:r>
+              <a:rPr kumimoji="1" lang="ja-JP" altLang="en-US"/>
+              <a:t>先行研究では，</a:t>
+            </a:r>
+            <a:r>
+              <a:rPr kumimoji="1" lang="de" altLang="ja-JP" dirty="0" err="1"/>
+              <a:t>tdgaCNN</a:t>
+            </a:r>
+            <a:r>
+              <a:rPr kumimoji="1" lang="de" altLang="ja-JP" dirty="0"/>
+              <a:t> </a:t>
+            </a:r>
+            <a:r>
+              <a:rPr kumimoji="1" lang="ja-JP" altLang="en-US"/>
+              <a:t>の探索フェーズにおける適応度を，各個体を </a:t>
+            </a:r>
+            <a:r>
+              <a:rPr kumimoji="1" lang="en-US" altLang="ja-JP" dirty="0"/>
+              <a:t>1 </a:t>
+            </a:r>
+            <a:r>
+              <a:rPr kumimoji="1" lang="ja-JP" altLang="en-US"/>
+              <a:t>エポックだけ学習させた場合の精度としていましたが，本実験では，最終的により良い個体を得ることを目的とし，様々な適応度の評価方法を検討しました．</a:t>
+            </a:r>
+          </a:p>
+        </p:txBody>
+      </p:sp>
+      <p:sp>
+        <p:nvSpPr>
+          <p:cNvPr id="4" name="スライド番号プレースホルダー 3"/>
+          <p:cNvSpPr>
+            <a:spLocks noGrp="1"/>
+          </p:cNvSpPr>
+          <p:nvPr>
+            <p:ph type="sldNum" sz="quarter" idx="5"/>
+          </p:nvPr>
+        </p:nvSpPr>
+        <p:spPr/>
+        <p:txBody>
+          <a:bodyPr/>
+          <a:lstStyle/>
+          <a:p>
+            <a:pPr lvl="0"/>
+            <a:fld id="{D4859A6D-CDBD-B344-BF57-2B4BBFE9F422}" type="slidenum">
+              <a:rPr lang="en-US" altLang="ja-JP" smtClean="0"/>
+              <a:t>6</a:t>
+            </a:fld>
+            <a:endParaRPr lang="ja-JP" altLang="en-US"/>
+          </a:p>
+        </p:txBody>
+      </p:sp>
+    </p:spTree>
+    <p:extLst>
+      <p:ext uri="{BB962C8B-B14F-4D97-AF65-F5344CB8AC3E}">
+        <p14:creationId xmlns:p14="http://schemas.microsoft.com/office/powerpoint/2010/main" val="626363941"/>
+      </p:ext>
+    </p:extLst>
+  </p:cSld>
+  <p:clrMapOvr>
+    <a:masterClrMapping/>
+  </p:clrMapOvr>
+</p:notes>
+</file>
+
+<file path=ppt/notesSlides/notesSlide7.xml><?xml version="1.0" encoding="utf-8"?>
+<p:notes xmlns:a="http://schemas.openxmlformats.org/drawingml/2006/main" xmlns:r="http://schemas.openxmlformats.org/officeDocument/2006/relationships" xmlns:p="http://schemas.openxmlformats.org/presentationml/2006/main">
+  <p:cSld>
+    <p:spTree>
+      <p:nvGrpSpPr>
+        <p:cNvPr id="1" name=""/>
+        <p:cNvGrpSpPr/>
+        <p:nvPr/>
+      </p:nvGrpSpPr>
+      <p:grpSpPr>
+        <a:xfrm>
+          <a:off x="0" y="0"/>
+          <a:ext cx="0" cy="0"/>
+          <a:chOff x="0" y="0"/>
+          <a:chExt cx="0" cy="0"/>
+        </a:xfrm>
+      </p:grpSpPr>
+      <p:sp>
+        <p:nvSpPr>
+          <p:cNvPr id="2" name="スライド イメージ プレースホルダー 1"/>
+          <p:cNvSpPr>
+            <a:spLocks noGrp="1" noRot="1" noChangeAspect="1"/>
+          </p:cNvSpPr>
+          <p:nvPr>
+            <p:ph type="sldImg"/>
+          </p:nvPr>
+        </p:nvSpPr>
+        <p:spPr/>
+      </p:sp>
+      <p:sp>
+        <p:nvSpPr>
+          <p:cNvPr id="3" name="ノート プレースホルダー 2"/>
+          <p:cNvSpPr>
+            <a:spLocks noGrp="1"/>
+          </p:cNvSpPr>
+          <p:nvPr>
+            <p:ph type="body" idx="1"/>
+          </p:nvPr>
+        </p:nvSpPr>
+        <p:spPr/>
+        <p:txBody>
+          <a:bodyPr/>
+          <a:lstStyle/>
+          <a:p>
+            <a:r>
+              <a:rPr kumimoji="1" lang="ja-JP" altLang="en-US"/>
+              <a:t>要素技術です．</a:t>
+            </a:r>
+          </a:p>
+        </p:txBody>
+      </p:sp>
+      <p:sp>
+        <p:nvSpPr>
+          <p:cNvPr id="4" name="スライド番号プレースホルダー 3"/>
+          <p:cNvSpPr>
+            <a:spLocks noGrp="1"/>
+          </p:cNvSpPr>
+          <p:nvPr>
+            <p:ph type="sldNum" sz="quarter" idx="5"/>
+          </p:nvPr>
+        </p:nvSpPr>
+        <p:spPr/>
+        <p:txBody>
+          <a:bodyPr/>
+          <a:lstStyle/>
+          <a:p>
+            <a:pPr lvl="0"/>
+            <a:fld id="{D4859A6D-CDBD-B344-BF57-2B4BBFE9F422}" type="slidenum">
+              <a:rPr lang="en-US" altLang="ja-JP" smtClean="0"/>
+              <a:t>7</a:t>
+            </a:fld>
+            <a:endParaRPr lang="ja-JP" altLang="en-US"/>
+          </a:p>
+        </p:txBody>
+      </p:sp>
+    </p:spTree>
+    <p:extLst>
+      <p:ext uri="{BB962C8B-B14F-4D97-AF65-F5344CB8AC3E}">
+        <p14:creationId xmlns:p14="http://schemas.microsoft.com/office/powerpoint/2010/main" val="923770611"/>
+      </p:ext>
+    </p:extLst>
+  </p:cSld>
+  <p:clrMapOvr>
+    <a:masterClrMapping/>
+  </p:clrMapOvr>
+</p:notes>
+</file>
+
+<file path=ppt/notesSlides/notesSlide8.xml><?xml version="1.0" encoding="utf-8"?>
+<p:notes xmlns:a="http://schemas.openxmlformats.org/drawingml/2006/main" xmlns:r="http://schemas.openxmlformats.org/officeDocument/2006/relationships" xmlns:p="http://schemas.openxmlformats.org/presentationml/2006/main">
+  <p:cSld>
+    <p:spTree>
+      <p:nvGrpSpPr>
+        <p:cNvPr id="1" name=""/>
+        <p:cNvGrpSpPr/>
+        <p:nvPr/>
+      </p:nvGrpSpPr>
+      <p:grpSpPr>
+        <a:xfrm>
+          <a:off x="0" y="0"/>
+          <a:ext cx="0" cy="0"/>
+          <a:chOff x="0" y="0"/>
+          <a:chExt cx="0" cy="0"/>
+        </a:xfrm>
+      </p:grpSpPr>
+      <p:sp>
+        <p:nvSpPr>
+          <p:cNvPr id="2" name="スライド イメージ プレースホルダー 1"/>
+          <p:cNvSpPr>
+            <a:spLocks noGrp="1" noRot="1" noChangeAspect="1"/>
+          </p:cNvSpPr>
+          <p:nvPr>
+            <p:ph type="sldImg"/>
+          </p:nvPr>
+        </p:nvSpPr>
+        <p:spPr/>
+      </p:sp>
+      <p:sp>
+        <p:nvSpPr>
+          <p:cNvPr id="3" name="ノート プレースホルダー 2"/>
+          <p:cNvSpPr>
+            <a:spLocks noGrp="1"/>
+          </p:cNvSpPr>
+          <p:nvPr>
+            <p:ph type="body" idx="1"/>
+          </p:nvPr>
+        </p:nvSpPr>
+        <p:spPr/>
+        <p:txBody>
+          <a:bodyPr/>
+          <a:lstStyle/>
+          <a:p>
+            <a:r>
+              <a:rPr kumimoji="1" lang="ja-JP" altLang="en-US"/>
+              <a:t>畳み込みニューラルネットワーク，遺伝的アルゴリズムについては，時間の都合上割愛します．配布資料</a:t>
+            </a:r>
+            <a:r>
+              <a:rPr kumimoji="1" lang="en-US" altLang="ja-JP" dirty="0"/>
+              <a:t> 2.1 </a:t>
+            </a:r>
+            <a:r>
+              <a:rPr kumimoji="1" lang="ja-JP" altLang="en-US"/>
+              <a:t>節，</a:t>
+            </a:r>
+            <a:r>
+              <a:rPr kumimoji="1" lang="en-US" altLang="ja-JP" dirty="0"/>
+              <a:t>2.2 </a:t>
+            </a:r>
+            <a:r>
+              <a:rPr kumimoji="1" lang="ja-JP" altLang="en-US"/>
+              <a:t>節をご参照ください．</a:t>
+            </a:r>
+            <a:r>
+              <a:rPr kumimoji="1" lang="en-US" altLang="ja-JP" dirty="0" err="1"/>
+              <a:t>gaCNN</a:t>
+            </a:r>
+            <a:r>
+              <a:rPr kumimoji="1" lang="en-US" altLang="ja-JP" dirty="0"/>
+              <a:t> </a:t>
+            </a:r>
+            <a:r>
+              <a:rPr kumimoji="1" lang="ja-JP" altLang="en-US"/>
+              <a:t>は</a:t>
+            </a:r>
+            <a:r>
+              <a:rPr kumimoji="1" lang="en-US" altLang="ja-JP" dirty="0"/>
+              <a:t> CNN</a:t>
+            </a:r>
+            <a:r>
+              <a:rPr kumimoji="1" lang="ja-JP" altLang="en-US"/>
+              <a:t>の構造を遺伝子符号化し，</a:t>
+            </a:r>
+            <a:r>
+              <a:rPr kumimoji="1" lang="de" altLang="ja-JP" dirty="0"/>
+              <a:t>GA </a:t>
+            </a:r>
+            <a:r>
+              <a:rPr kumimoji="1" lang="ja-JP" altLang="en-US"/>
+              <a:t>によって </a:t>
+            </a:r>
+            <a:r>
+              <a:rPr kumimoji="1" lang="de" altLang="ja-JP" dirty="0"/>
+              <a:t>CNN </a:t>
+            </a:r>
+            <a:r>
+              <a:rPr kumimoji="1" lang="ja-JP" altLang="en-US"/>
+              <a:t>の構造を自動最適化する手法です．</a:t>
+            </a:r>
+          </a:p>
+        </p:txBody>
+      </p:sp>
+      <p:sp>
+        <p:nvSpPr>
+          <p:cNvPr id="4" name="スライド番号プレースホルダー 3"/>
+          <p:cNvSpPr>
+            <a:spLocks noGrp="1"/>
+          </p:cNvSpPr>
+          <p:nvPr>
+            <p:ph type="sldNum" sz="quarter" idx="5"/>
+          </p:nvPr>
+        </p:nvSpPr>
+        <p:spPr/>
+        <p:txBody>
+          <a:bodyPr/>
+          <a:lstStyle/>
+          <a:p>
+            <a:pPr lvl="0"/>
+            <a:fld id="{D4859A6D-CDBD-B344-BF57-2B4BBFE9F422}" type="slidenum">
+              <a:rPr lang="en-US" altLang="ja-JP" smtClean="0"/>
+              <a:t>8</a:t>
+            </a:fld>
+            <a:endParaRPr lang="ja-JP" altLang="en-US"/>
+          </a:p>
+        </p:txBody>
+      </p:sp>
+    </p:spTree>
+    <p:extLst>
+      <p:ext uri="{BB962C8B-B14F-4D97-AF65-F5344CB8AC3E}">
+        <p14:creationId xmlns:p14="http://schemas.microsoft.com/office/powerpoint/2010/main" val="4041306956"/>
+      </p:ext>
+    </p:extLst>
+  </p:cSld>
+  <p:clrMapOvr>
+    <a:masterClrMapping/>
+  </p:clrMapOvr>
+</p:notes>
+</file>
+
+<file path=ppt/notesSlides/notesSlide9.xml><?xml version="1.0" encoding="utf-8"?>
+<p:notes xmlns:a="http://schemas.openxmlformats.org/drawingml/2006/main" xmlns:r="http://schemas.openxmlformats.org/officeDocument/2006/relationships" xmlns:p="http://schemas.openxmlformats.org/presentationml/2006/main">
+  <p:cSld>
+    <p:spTree>
+      <p:nvGrpSpPr>
+        <p:cNvPr id="1" name=""/>
+        <p:cNvGrpSpPr/>
+        <p:nvPr/>
+      </p:nvGrpSpPr>
+      <p:grpSpPr>
+        <a:xfrm>
+          <a:off x="0" y="0"/>
+          <a:ext cx="0" cy="0"/>
+          <a:chOff x="0" y="0"/>
+          <a:chExt cx="0" cy="0"/>
+        </a:xfrm>
+      </p:grpSpPr>
+      <p:sp>
+        <p:nvSpPr>
+          <p:cNvPr id="2" name="スライド イメージ プレースホルダー 1"/>
+          <p:cNvSpPr>
+            <a:spLocks noGrp="1" noRot="1" noChangeAspect="1"/>
+          </p:cNvSpPr>
+          <p:nvPr>
+            <p:ph type="sldImg"/>
+          </p:nvPr>
+        </p:nvSpPr>
+        <p:spPr/>
+      </p:sp>
+      <p:sp>
+        <p:nvSpPr>
+          <p:cNvPr id="3" name="ノート プレースホルダー 2"/>
+          <p:cNvSpPr>
+            <a:spLocks noGrp="1"/>
+          </p:cNvSpPr>
+          <p:nvPr>
+            <p:ph type="body" idx="1"/>
+          </p:nvPr>
+        </p:nvSpPr>
+        <p:spPr/>
+        <p:txBody>
+          <a:bodyPr/>
+          <a:lstStyle/>
+          <a:p>
+            <a:r>
+              <a:rPr kumimoji="1" lang="ja-JP" altLang="en-US"/>
+              <a:t>熱力学的遺伝アルゴリズム </a:t>
+            </a:r>
+            <a:r>
+              <a:rPr kumimoji="1" lang="de" altLang="ja-JP" dirty="0"/>
+              <a:t>TDGA </a:t>
+            </a:r>
+            <a:r>
+              <a:rPr kumimoji="1" lang="ja-JP" altLang="en-US"/>
+              <a:t>は，個体の多様性維持をねらいとして，</a:t>
+            </a:r>
+            <a:r>
+              <a:rPr kumimoji="1" lang="de" altLang="ja-JP" dirty="0"/>
+              <a:t>GA </a:t>
+            </a:r>
+            <a:r>
+              <a:rPr kumimoji="1" lang="ja-JP" altLang="en-US"/>
+              <a:t>の選択ルールに熱力学的選択ルールを採用した手法です．</a:t>
+            </a:r>
+          </a:p>
+        </p:txBody>
+      </p:sp>
+      <p:sp>
+        <p:nvSpPr>
+          <p:cNvPr id="4" name="スライド番号プレースホルダー 3"/>
+          <p:cNvSpPr>
+            <a:spLocks noGrp="1"/>
+          </p:cNvSpPr>
+          <p:nvPr>
+            <p:ph type="sldNum" sz="quarter" idx="5"/>
+          </p:nvPr>
+        </p:nvSpPr>
+        <p:spPr/>
+        <p:txBody>
+          <a:bodyPr/>
+          <a:lstStyle/>
+          <a:p>
+            <a:pPr lvl="0"/>
+            <a:fld id="{D4859A6D-CDBD-B344-BF57-2B4BBFE9F422}" type="slidenum">
+              <a:rPr lang="en-US" altLang="ja-JP" smtClean="0"/>
+              <a:t>9</a:t>
+            </a:fld>
+            <a:endParaRPr lang="ja-JP" altLang="en-US"/>
+          </a:p>
+        </p:txBody>
+      </p:sp>
+    </p:spTree>
+    <p:extLst>
+      <p:ext uri="{BB962C8B-B14F-4D97-AF65-F5344CB8AC3E}">
+        <p14:creationId xmlns:p14="http://schemas.microsoft.com/office/powerpoint/2010/main" val="175808227"/>
       </p:ext>
     </p:extLst>
   </p:cSld>
@@ -4560,7 +6306,7 @@
               <a:rPr lang="ja-JP" altLang="en-US" sz="3600">
                 <a:latin typeface="NotoSansJP"/>
               </a:rPr>
-              <a:t>手法の拡張</a:t>
+              <a:t>手法の検討</a:t>
             </a:r>
             <a:endParaRPr lang="ja-JP" altLang="en-US" sz="3600"/>
           </a:p>
@@ -4752,7 +6498,7 @@
             <a:endParaRPr kumimoji="1" lang="en-US" altLang="ja-JP" sz="2400" dirty="0"/>
           </a:p>
           <a:p>
-            <a:pPr marL="914400" lvl="1" indent="-457200">
+            <a:pPr marL="800100" lvl="1" indent="-342900">
               <a:buFont typeface="Wingdings" pitchFamily="2" charset="2"/>
               <a:buChar char="p"/>
             </a:pPr>
@@ -4835,7 +6581,7 @@
             <p:nvPr/>
           </p:nvPicPr>
           <p:blipFill>
-            <a:blip r:embed="rId2"/>
+            <a:blip r:embed="rId3"/>
             <a:stretch>
               <a:fillRect/>
             </a:stretch>
@@ -4865,7 +6611,7 @@
             <p:nvPr/>
           </p:nvPicPr>
           <p:blipFill>
-            <a:blip r:embed="rId3"/>
+            <a:blip r:embed="rId4"/>
             <a:stretch>
               <a:fillRect/>
             </a:stretch>
@@ -5175,50 +6921,6 @@
       </p:sp>
       <p:sp>
         <p:nvSpPr>
-          <p:cNvPr id="4" name="テキスト ボックス 3">
-            <a:extLst>
-              <a:ext uri="{FF2B5EF4-FFF2-40B4-BE49-F238E27FC236}">
-                <a16:creationId xmlns:a16="http://schemas.microsoft.com/office/drawing/2014/main" id="{C90B63DA-86FE-BCFD-909B-51617E6B3CDE}"/>
-              </a:ext>
-            </a:extLst>
-          </p:cNvPr>
-          <p:cNvSpPr txBox="1"/>
-          <p:nvPr/>
-        </p:nvSpPr>
-        <p:spPr>
-          <a:xfrm>
-            <a:off x="189784" y="1199273"/>
-            <a:ext cx="7181694" cy="830997"/>
-          </a:xfrm>
-          <a:prstGeom prst="rect">
-            <a:avLst/>
-          </a:prstGeom>
-          <a:noFill/>
-        </p:spPr>
-        <p:txBody>
-          <a:bodyPr wrap="square" rtlCol="0">
-            <a:spAutoFit/>
-          </a:bodyPr>
-          <a:lstStyle/>
-          <a:p>
-            <a:pPr lvl="1"/>
-            <a:endParaRPr kumimoji="1" lang="en-US" altLang="ja-JP" sz="2400" dirty="0"/>
-          </a:p>
-          <a:p>
-            <a:pPr marL="914400" lvl="1" indent="-457200">
-              <a:buFont typeface="Wingdings" pitchFamily="2" charset="2"/>
-              <a:buChar char="p"/>
-            </a:pPr>
-            <a:r>
-              <a:rPr lang="ja-JP" altLang="en-US" sz="2400"/>
-              <a:t>エントロピー</a:t>
-            </a:r>
-            <a:endParaRPr kumimoji="1" lang="en-US" altLang="ja-JP" sz="2400" dirty="0"/>
-          </a:p>
-        </p:txBody>
-      </p:sp>
-      <p:sp>
-        <p:nvSpPr>
           <p:cNvPr id="6" name="テキスト ボックス 5">
             <a:extLst>
               <a:ext uri="{FF2B5EF4-FFF2-40B4-BE49-F238E27FC236}">
@@ -5255,10 +6957,10 @@
       </p:sp>
       <p:grpSp>
         <p:nvGrpSpPr>
-          <p:cNvPr id="7" name="グループ化 6">
-            <a:extLst>
-              <a:ext uri="{FF2B5EF4-FFF2-40B4-BE49-F238E27FC236}">
-                <a16:creationId xmlns:a16="http://schemas.microsoft.com/office/drawing/2014/main" id="{AC05F214-2120-36E1-62A4-1AA4B71FC80D}"/>
+          <p:cNvPr id="19" name="グループ化 18">
+            <a:extLst>
+              <a:ext uri="{FF2B5EF4-FFF2-40B4-BE49-F238E27FC236}">
+                <a16:creationId xmlns:a16="http://schemas.microsoft.com/office/drawing/2014/main" id="{5F273C22-3726-2EE6-48F3-949CD0E41F53}"/>
               </a:ext>
             </a:extLst>
           </p:cNvPr>
@@ -5267,48 +6969,62 @@
         </p:nvGrpSpPr>
         <p:grpSpPr>
           <a:xfrm>
-            <a:off x="388700" y="2025161"/>
-            <a:ext cx="6794500" cy="3343484"/>
-            <a:chOff x="388700" y="2025161"/>
-            <a:chExt cx="6794500" cy="3343484"/>
+            <a:off x="189784" y="1199273"/>
+            <a:ext cx="7181694" cy="4319843"/>
+            <a:chOff x="189784" y="1199273"/>
+            <a:chExt cx="7181694" cy="4319843"/>
           </a:xfrm>
         </p:grpSpPr>
-        <p:pic>
-          <p:nvPicPr>
-            <p:cNvPr id="10" name="図 9" descr="ロゴ が含まれている画像&#10;&#10;自動的に生成された説明">
+        <p:sp>
+          <p:nvSpPr>
+            <p:cNvPr id="4" name="テキスト ボックス 3">
               <a:extLst>
                 <a:ext uri="{FF2B5EF4-FFF2-40B4-BE49-F238E27FC236}">
-                  <a16:creationId xmlns:a16="http://schemas.microsoft.com/office/drawing/2014/main" id="{FFA8825E-3A56-190B-31B7-790425C01711}"/>
+                  <a16:creationId xmlns:a16="http://schemas.microsoft.com/office/drawing/2014/main" id="{C90B63DA-86FE-BCFD-909B-51617E6B3CDE}"/>
                 </a:ext>
               </a:extLst>
             </p:cNvPr>
-            <p:cNvPicPr>
-              <a:picLocks noChangeAspect="1"/>
-            </p:cNvPicPr>
+            <p:cNvSpPr txBox="1"/>
             <p:nvPr/>
-          </p:nvPicPr>
-          <p:blipFill>
-            <a:blip r:embed="rId2"/>
-            <a:stretch>
-              <a:fillRect/>
-            </a:stretch>
-          </p:blipFill>
+          </p:nvSpPr>
           <p:spPr>
             <a:xfrm>
-              <a:off x="388700" y="2025161"/>
-              <a:ext cx="6794500" cy="1524000"/>
+              <a:off x="189784" y="1199273"/>
+              <a:ext cx="7181694" cy="830997"/>
             </a:xfrm>
             <a:prstGeom prst="rect">
               <a:avLst/>
             </a:prstGeom>
+            <a:noFill/>
           </p:spPr>
-        </p:pic>
+          <p:txBody>
+            <a:bodyPr wrap="square" rtlCol="0">
+              <a:spAutoFit/>
+            </a:bodyPr>
+            <a:lstStyle/>
+            <a:p>
+              <a:pPr lvl="1"/>
+              <a:endParaRPr kumimoji="1" lang="en-US" altLang="ja-JP" sz="2400" dirty="0"/>
+            </a:p>
+            <a:p>
+              <a:pPr marL="800100" lvl="1" indent="-342900">
+                <a:buFont typeface="Wingdings" pitchFamily="2" charset="2"/>
+                <a:buChar char="p"/>
+              </a:pPr>
+              <a:r>
+                <a:rPr lang="ja-JP" altLang="en-US" sz="2400"/>
+                <a:t>エントロピー</a:t>
+              </a:r>
+              <a:endParaRPr kumimoji="1" lang="en-US" altLang="ja-JP" sz="2400" dirty="0"/>
+            </a:p>
+          </p:txBody>
+        </p:sp>
         <p:pic>
           <p:nvPicPr>
-            <p:cNvPr id="12" name="図 11" descr="テキスト, 手紙&#10;&#10;自動的に生成された説明">
+            <p:cNvPr id="11" name="図 10" descr="テキスト が含まれている画像&#10;&#10;自動的に生成された説明">
               <a:extLst>
                 <a:ext uri="{FF2B5EF4-FFF2-40B4-BE49-F238E27FC236}">
-                  <a16:creationId xmlns:a16="http://schemas.microsoft.com/office/drawing/2014/main" id="{4CE41CCD-E02F-52D7-5513-6B2271CF7D34}"/>
+                  <a16:creationId xmlns:a16="http://schemas.microsoft.com/office/drawing/2014/main" id="{06BB107D-ABE6-5B98-3C33-846358864C1D}"/>
                 </a:ext>
               </a:extLst>
             </p:cNvPr>
@@ -5325,8 +7041,38 @@
           </p:blipFill>
           <p:spPr>
             <a:xfrm>
-              <a:off x="519837" y="3683670"/>
-              <a:ext cx="5047843" cy="1684975"/>
+              <a:off x="519837" y="2281273"/>
+              <a:ext cx="6554266" cy="1185875"/>
+            </a:xfrm>
+            <a:prstGeom prst="rect">
+              <a:avLst/>
+            </a:prstGeom>
+          </p:spPr>
+        </p:pic>
+        <p:pic>
+          <p:nvPicPr>
+            <p:cNvPr id="14" name="図 13" descr="テキスト, 手紙&#10;&#10;自動的に生成された説明">
+              <a:extLst>
+                <a:ext uri="{FF2B5EF4-FFF2-40B4-BE49-F238E27FC236}">
+                  <a16:creationId xmlns:a16="http://schemas.microsoft.com/office/drawing/2014/main" id="{F042F6B4-19FC-68BC-2F71-35F7F26EFE60}"/>
+                </a:ext>
+              </a:extLst>
+            </p:cNvPr>
+            <p:cNvPicPr>
+              <a:picLocks noChangeAspect="1"/>
+            </p:cNvPicPr>
+            <p:nvPr/>
+          </p:nvPicPr>
+          <p:blipFill>
+            <a:blip r:embed="rId4"/>
+            <a:stretch>
+              <a:fillRect/>
+            </a:stretch>
+          </p:blipFill>
+          <p:spPr>
+            <a:xfrm>
+              <a:off x="519837" y="3585984"/>
+              <a:ext cx="6015146" cy="1933132"/>
             </a:xfrm>
             <a:prstGeom prst="rect">
               <a:avLst/>
@@ -5459,7 +7205,7 @@
             <a:endParaRPr kumimoji="1" lang="en-US" altLang="ja-JP" sz="2400" dirty="0"/>
           </a:p>
           <a:p>
-            <a:pPr marL="914400" lvl="1" indent="-457200">
+            <a:pPr marL="800100" lvl="1" indent="-342900">
               <a:buFont typeface="Wingdings" pitchFamily="2" charset="2"/>
               <a:buChar char="p"/>
             </a:pPr>
@@ -5507,38 +7253,8 @@
           </a:p>
         </p:txBody>
       </p:sp>
-      <p:pic>
-        <p:nvPicPr>
-          <p:cNvPr id="10" name="図 9" descr="ロゴ が含まれている画像&#10;&#10;自動的に生成された説明">
-            <a:extLst>
-              <a:ext uri="{FF2B5EF4-FFF2-40B4-BE49-F238E27FC236}">
-                <a16:creationId xmlns:a16="http://schemas.microsoft.com/office/drawing/2014/main" id="{FFA8825E-3A56-190B-31B7-790425C01711}"/>
-              </a:ext>
-            </a:extLst>
-          </p:cNvPr>
-          <p:cNvPicPr>
-            <a:picLocks noChangeAspect="1"/>
-          </p:cNvPicPr>
-          <p:nvPr/>
-        </p:nvPicPr>
-        <p:blipFill>
-          <a:blip r:embed="rId2"/>
-          <a:stretch>
-            <a:fillRect/>
-          </a:stretch>
-        </p:blipFill>
-        <p:spPr>
-          <a:xfrm>
-            <a:off x="388700" y="2025161"/>
-            <a:ext cx="6794500" cy="1524000"/>
-          </a:xfrm>
-          <a:prstGeom prst="rect">
-            <a:avLst/>
-          </a:prstGeom>
-        </p:spPr>
-      </p:pic>
-      <mc:AlternateContent xmlns:mc="http://schemas.openxmlformats.org/markup-compatibility/2006" xmlns:a14="http://schemas.microsoft.com/office/drawing/2010/main">
-        <mc:Choice Requires="a14">
+      <mc:AlternateContent xmlns:mc="http://schemas.openxmlformats.org/markup-compatibility/2006">
+        <mc:Choice xmlns:a14="http://schemas.microsoft.com/office/drawing/2010/main" Requires="a14">
           <p:sp>
             <p:nvSpPr>
               <p:cNvPr id="5" name="テキスト ボックス 4">
@@ -5554,7 +7270,7 @@
             <p:spPr>
               <a:xfrm>
                 <a:off x="672953" y="4176373"/>
-                <a:ext cx="6215356" cy="461665"/>
+                <a:ext cx="6604885" cy="1200329"/>
               </a:xfrm>
               <a:prstGeom prst="rect">
                 <a:avLst/>
@@ -5598,6 +7314,56 @@
                         </m:r>
                       </m:sub>
                     </m:sSub>
+                  </m:oMath>
+                </a14:m>
+                <a:r>
+                  <a:rPr kumimoji="1" lang="en-US" altLang="ja-JP" sz="2400" b="0" dirty="0">
+                    <a:latin typeface="Cambria Math" panose="02040503050406030204" pitchFamily="18" charset="0"/>
+                  </a:rPr>
+                  <a:t>: </a:t>
+                </a:r>
+                <a:r>
+                  <a:rPr kumimoji="1" lang="ja-JP" altLang="en-US" sz="2400" b="0">
+                    <a:latin typeface="Cambria Math" panose="02040503050406030204" pitchFamily="18" charset="0"/>
+                  </a:rPr>
+                  <a:t>個体間の遺伝子配列の類似度を表す指標</a:t>
+                </a:r>
+                <a:endParaRPr kumimoji="1" lang="en-US" altLang="ja-JP" sz="2400" b="0" dirty="0">
+                  <a:latin typeface="Cambria Math" panose="02040503050406030204" pitchFamily="18" charset="0"/>
+                </a:endParaRPr>
+              </a:p>
+              <a:p>
+                <a:pPr marL="342900" indent="-342900">
+                  <a:buFont typeface="Wingdings" pitchFamily="2" charset="2"/>
+                  <a:buChar char="p"/>
+                </a:pPr>
+                <a14:m>
+                  <m:oMath xmlns:m="http://schemas.openxmlformats.org/officeDocument/2006/math">
+                    <m:sSub>
+                      <m:sSubPr>
+                        <m:ctrlPr>
+                          <a:rPr kumimoji="1" lang="en-US" altLang="ja-JP" sz="2400" b="0" i="1" smtClean="0">
+                            <a:latin typeface="Cambria Math" panose="02040503050406030204" pitchFamily="18" charset="0"/>
+                          </a:rPr>
+                        </m:ctrlPr>
+                      </m:sSubPr>
+                      <m:e>
+                        <m:r>
+                          <a:rPr kumimoji="1" lang="en-US" altLang="ja-JP" sz="2400" b="0" i="1" smtClean="0">
+                            <a:latin typeface="Cambria Math" panose="02040503050406030204" pitchFamily="18" charset="0"/>
+                          </a:rPr>
+                          <m:t>𝐻</m:t>
+                        </m:r>
+                      </m:e>
+                      <m:sub>
+                        <m:r>
+                          <a:rPr kumimoji="1" lang="en-US" altLang="ja-JP" sz="2400" b="0" i="1" smtClean="0">
+                            <a:latin typeface="Cambria Math" panose="02040503050406030204" pitchFamily="18" charset="0"/>
+                          </a:rPr>
+                          <m:t>𝐷</m:t>
+                        </m:r>
+                      </m:sub>
+                    </m:sSub>
                     <m:r>
                       <a:rPr kumimoji="1" lang="en-US" altLang="ja-JP" sz="2400" b="0" i="1" smtClean="0">
                         <a:latin typeface="Cambria Math" panose="02040503050406030204" pitchFamily="18" charset="0"/>
@@ -5608,13 +7374,20 @@
                 </a14:m>
                 <a:r>
                   <a:rPr kumimoji="1" lang="ja-JP" altLang="en-US" sz="2400"/>
-                  <a:t>の値が大きいほど個体に多様性がある</a:t>
+                  <a:t>の値が大きいほど個体群内の各個体間の</a:t>
+                </a:r>
+                <a:br>
+                  <a:rPr kumimoji="1" lang="en-US" altLang="ja-JP" sz="2400" dirty="0"/>
+                </a:br>
+                <a:r>
+                  <a:rPr kumimoji="1" lang="ja-JP" altLang="en-US" sz="2400"/>
+                  <a:t>類似度が低い</a:t>
                 </a:r>
               </a:p>
             </p:txBody>
           </p:sp>
         </mc:Choice>
-        <mc:Fallback xmlns="">
+        <mc:Fallback>
           <p:sp>
             <p:nvSpPr>
               <p:cNvPr id="5" name="テキスト ボックス 4">
@@ -5632,7 +7405,7 @@
             <p:spPr>
               <a:xfrm>
                 <a:off x="672953" y="4176373"/>
-                <a:ext cx="6215356" cy="461665"/>
+                <a:ext cx="6604885" cy="1200329"/>
               </a:xfrm>
               <a:prstGeom prst="rect">
                 <a:avLst/>
@@ -5640,7 +7413,7 @@
               <a:blipFill>
                 <a:blip r:embed="rId3"/>
                 <a:stretch>
-                  <a:fillRect l="-1222" t="-10526" r="-611" b="-28947"/>
+                  <a:fillRect l="-1149" t="-4167" r="-383" b="-11458"/>
                 </a:stretch>
               </a:blipFill>
             </p:spPr>
@@ -5659,6 +7432,36 @@
           </p:sp>
         </mc:Fallback>
       </mc:AlternateContent>
+      <p:pic>
+        <p:nvPicPr>
+          <p:cNvPr id="7" name="図 6" descr="テキスト が含まれている画像&#10;&#10;自動的に生成された説明">
+            <a:extLst>
+              <a:ext uri="{FF2B5EF4-FFF2-40B4-BE49-F238E27FC236}">
+                <a16:creationId xmlns:a16="http://schemas.microsoft.com/office/drawing/2014/main" id="{05F04A4D-48D7-18F0-F189-301CAF29F327}"/>
+              </a:ext>
+            </a:extLst>
+          </p:cNvPr>
+          <p:cNvPicPr>
+            <a:picLocks noChangeAspect="1"/>
+          </p:cNvPicPr>
+          <p:nvPr/>
+        </p:nvPicPr>
+        <p:blipFill>
+          <a:blip r:embed="rId4"/>
+          <a:stretch>
+            <a:fillRect/>
+          </a:stretch>
+        </p:blipFill>
+        <p:spPr>
+          <a:xfrm>
+            <a:off x="519837" y="2415667"/>
+            <a:ext cx="6554266" cy="1185875"/>
+          </a:xfrm>
+          <a:prstGeom prst="rect">
+            <a:avLst/>
+          </a:prstGeom>
+        </p:spPr>
+      </p:pic>
     </p:spTree>
     <p:extLst>
       <p:ext uri="{BB962C8B-B14F-4D97-AF65-F5344CB8AC3E}">
@@ -5694,7 +7497,7 @@
           <p:cNvPr id="2" name="タイトル 1">
             <a:extLst>
               <a:ext uri="{FF2B5EF4-FFF2-40B4-BE49-F238E27FC236}">
-                <a16:creationId xmlns:a16="http://schemas.microsoft.com/office/drawing/2014/main" id="{DA6841C3-0E6C-BFA1-5D04-4112F1117102}"/>
+                <a16:creationId xmlns:a16="http://schemas.microsoft.com/office/drawing/2014/main" id="{76443BED-D7A2-853C-9B3B-24E72CB78193}"/>
               </a:ext>
             </a:extLst>
           </p:cNvPr>
@@ -5711,18 +7514,23 @@
           <a:lstStyle/>
           <a:p>
             <a:r>
-              <a:rPr kumimoji="1" lang="ja-JP" altLang="en-US"/>
-              <a:t>目次</a:t>
-            </a:r>
-          </a:p>
-        </p:txBody>
-      </p:sp>
-      <p:sp>
-        <p:nvSpPr>
-          <p:cNvPr id="4" name="スライド番号プレースホルダー 3">
-            <a:extLst>
-              <a:ext uri="{FF2B5EF4-FFF2-40B4-BE49-F238E27FC236}">
-                <a16:creationId xmlns:a16="http://schemas.microsoft.com/office/drawing/2014/main" id="{20D20625-8135-BA1D-11A0-E3466265CE7C}"/>
+              <a:rPr kumimoji="1" lang="en-US" altLang="ja-JP" dirty="0" err="1"/>
+              <a:t>tdgaCNN</a:t>
+            </a:r>
+            <a:r>
+              <a:rPr kumimoji="1" lang="en-US" altLang="ja-JP" dirty="0"/>
+              <a:t> </a:t>
+            </a:r>
+            <a:endParaRPr kumimoji="1" lang="ja-JP" altLang="en-US"/>
+          </a:p>
+        </p:txBody>
+      </p:sp>
+      <p:sp>
+        <p:nvSpPr>
+          <p:cNvPr id="3" name="スライド番号プレースホルダー 2">
+            <a:extLst>
+              <a:ext uri="{FF2B5EF4-FFF2-40B4-BE49-F238E27FC236}">
+                <a16:creationId xmlns:a16="http://schemas.microsoft.com/office/drawing/2014/main" id="{D401D9D2-41F3-D84E-EF30-573B911C1397}"/>
               </a:ext>
             </a:extLst>
           </p:cNvPr>
@@ -5749,10 +7557,10 @@
       </p:sp>
       <p:sp>
         <p:nvSpPr>
-          <p:cNvPr id="3" name="テキスト ボックス 2">
-            <a:extLst>
-              <a:ext uri="{FF2B5EF4-FFF2-40B4-BE49-F238E27FC236}">
-                <a16:creationId xmlns:a16="http://schemas.microsoft.com/office/drawing/2014/main" id="{CFCE3529-0348-FAC9-4C81-ACEA9BA72623}"/>
+          <p:cNvPr id="4" name="テキスト ボックス 3">
+            <a:extLst>
+              <a:ext uri="{FF2B5EF4-FFF2-40B4-BE49-F238E27FC236}">
+                <a16:creationId xmlns:a16="http://schemas.microsoft.com/office/drawing/2014/main" id="{F4FEDEF1-3E01-D785-EE03-B106E91601B1}"/>
               </a:ext>
             </a:extLst>
           </p:cNvPr>
@@ -5761,8 +7569,8 @@
         </p:nvSpPr>
         <p:spPr>
           <a:xfrm>
-            <a:off x="919691" y="1259079"/>
-            <a:ext cx="3877985" cy="3909917"/>
+            <a:off x="498322" y="1799617"/>
+            <a:ext cx="5083443" cy="461665"/>
           </a:xfrm>
           <a:prstGeom prst="rect">
             <a:avLst/>
@@ -5775,148 +7583,34 @@
           </a:bodyPr>
           <a:lstStyle/>
           <a:p>
-            <a:pPr marL="457200" indent="-457200">
-              <a:lnSpc>
-                <a:spcPct val="150000"/>
-              </a:lnSpc>
+            <a:pPr marL="342900" indent="-342900">
               <a:buFont typeface="Wingdings" pitchFamily="2" charset="2"/>
-              <a:buChar char="Ø"/>
+              <a:buChar char="p"/>
             </a:pPr>
             <a:r>
-              <a:rPr lang="ja-JP" altLang="en-US" sz="2800">
-                <a:solidFill>
-                  <a:schemeClr val="bg2">
-                    <a:lumMod val="75000"/>
-                  </a:schemeClr>
-                </a:solidFill>
-              </a:rPr>
-              <a:t>はじめに</a:t>
-            </a:r>
-            <a:endParaRPr lang="en-US" altLang="ja-JP" sz="2800" dirty="0">
-              <a:solidFill>
-                <a:schemeClr val="bg2">
-                  <a:lumMod val="75000"/>
-                </a:schemeClr>
-              </a:solidFill>
-            </a:endParaRPr>
-          </a:p>
-          <a:p>
-            <a:pPr marL="457200" indent="-457200">
-              <a:lnSpc>
-                <a:spcPct val="150000"/>
-              </a:lnSpc>
-              <a:buFont typeface="Wingdings" pitchFamily="2" charset="2"/>
-              <a:buChar char="Ø"/>
-            </a:pPr>
-            <a:r>
-              <a:rPr lang="ja-JP" altLang="en-US" sz="2800">
-                <a:solidFill>
-                  <a:schemeClr val="bg2">
-                    <a:lumMod val="75000"/>
-                  </a:schemeClr>
-                </a:solidFill>
-              </a:rPr>
-              <a:t>要素技術</a:t>
-            </a:r>
-            <a:endParaRPr lang="en-US" altLang="ja-JP" sz="2800" dirty="0">
-              <a:solidFill>
-                <a:schemeClr val="bg2">
-                  <a:lumMod val="75000"/>
-                </a:schemeClr>
-              </a:solidFill>
-            </a:endParaRPr>
-          </a:p>
-          <a:p>
-            <a:pPr marL="457200" indent="-457200">
-              <a:lnSpc>
-                <a:spcPct val="150000"/>
-              </a:lnSpc>
-              <a:buFont typeface="Wingdings" pitchFamily="2" charset="2"/>
-              <a:buChar char="Ø"/>
-            </a:pPr>
-            <a:r>
-              <a:rPr lang="ja-JP" altLang="en-US" sz="2800"/>
-              <a:t>提案手法</a:t>
-            </a:r>
-            <a:endParaRPr lang="en-US" altLang="ja-JP" sz="2800" dirty="0"/>
-          </a:p>
-          <a:p>
-            <a:pPr marL="457200" indent="-457200">
-              <a:lnSpc>
-                <a:spcPct val="150000"/>
-              </a:lnSpc>
-              <a:buFont typeface="Wingdings" pitchFamily="2" charset="2"/>
-              <a:buChar char="Ø"/>
-            </a:pPr>
-            <a:r>
-              <a:rPr lang="ja-JP" altLang="en-US" sz="2800">
-                <a:solidFill>
-                  <a:schemeClr val="bg2">
-                    <a:lumMod val="75000"/>
-                  </a:schemeClr>
-                </a:solidFill>
-              </a:rPr>
-              <a:t>実験概要</a:t>
-            </a:r>
-            <a:endParaRPr lang="en-US" altLang="ja-JP" sz="2800" dirty="0">
-              <a:solidFill>
-                <a:schemeClr val="bg2">
-                  <a:lumMod val="75000"/>
-                </a:schemeClr>
-              </a:solidFill>
-            </a:endParaRPr>
-          </a:p>
-          <a:p>
-            <a:pPr marL="457200" indent="-457200">
-              <a:lnSpc>
-                <a:spcPct val="150000"/>
-              </a:lnSpc>
-              <a:buFont typeface="Wingdings" pitchFamily="2" charset="2"/>
-              <a:buChar char="Ø"/>
-            </a:pPr>
-            <a:r>
-              <a:rPr lang="ja-JP" altLang="en-US" sz="2800">
-                <a:solidFill>
-                  <a:schemeClr val="bg2">
-                    <a:lumMod val="75000"/>
-                  </a:schemeClr>
-                </a:solidFill>
-              </a:rPr>
-              <a:t>実験結果</a:t>
-            </a:r>
-            <a:endParaRPr lang="en-US" altLang="ja-JP" sz="2800" dirty="0">
-              <a:solidFill>
-                <a:schemeClr val="bg2">
-                  <a:lumMod val="75000"/>
-                </a:schemeClr>
-              </a:solidFill>
-            </a:endParaRPr>
-          </a:p>
-          <a:p>
-            <a:pPr marL="457200" indent="-457200">
-              <a:lnSpc>
-                <a:spcPct val="150000"/>
-              </a:lnSpc>
-              <a:buFont typeface="Wingdings" pitchFamily="2" charset="2"/>
-              <a:buChar char="Ø"/>
-            </a:pPr>
-            <a:r>
-              <a:rPr lang="ja-JP" altLang="en-US" sz="2800">
-                <a:solidFill>
-                  <a:schemeClr val="bg2">
-                    <a:lumMod val="75000"/>
-                  </a:schemeClr>
-                </a:solidFill>
-              </a:rPr>
-              <a:t>まとめと今後の課題</a:t>
-            </a:r>
+              <a:rPr lang="en-US" altLang="ja-JP" sz="2400" dirty="0"/>
+              <a:t>CNN </a:t>
+            </a:r>
+            <a:r>
+              <a:rPr lang="ja-JP" altLang="en-US" sz="2400"/>
+              <a:t>構造の探索に</a:t>
+            </a:r>
+            <a:r>
+              <a:rPr lang="en-US" altLang="ja-JP" sz="2400" dirty="0"/>
+              <a:t> TDGA </a:t>
+            </a:r>
+            <a:r>
+              <a:rPr lang="ja-JP" altLang="en-US" sz="2400"/>
+              <a:t>を利用</a:t>
+            </a:r>
+            <a:endParaRPr kumimoji="1" lang="en-US" altLang="ja-JP" sz="2400" dirty="0"/>
           </a:p>
         </p:txBody>
       </p:sp>
     </p:spTree>
     <p:extLst>
       <p:ext uri="{BB962C8B-B14F-4D97-AF65-F5344CB8AC3E}">
-        <p14:creationId xmlns:p14="http://schemas.microsoft.com/office/powerpoint/2010/main" val="574755821"/>
+        <p14:creationId xmlns:p14="http://schemas.microsoft.com/office/powerpoint/2010/main" val="2162904281"/>
       </p:ext>
     </p:extLst>
   </p:cSld>
@@ -5948,7 +7642,7 @@
           <p:cNvPr id="2" name="タイトル 1">
             <a:extLst>
               <a:ext uri="{FF2B5EF4-FFF2-40B4-BE49-F238E27FC236}">
-                <a16:creationId xmlns:a16="http://schemas.microsoft.com/office/drawing/2014/main" id="{76443BED-D7A2-853C-9B3B-24E72CB78193}"/>
+                <a16:creationId xmlns:a16="http://schemas.microsoft.com/office/drawing/2014/main" id="{DA6841C3-0E6C-BFA1-5D04-4112F1117102}"/>
               </a:ext>
             </a:extLst>
           </p:cNvPr>
@@ -5966,17 +7660,17 @@
           <a:p>
             <a:r>
               <a:rPr kumimoji="1" lang="ja-JP" altLang="en-US"/>
-              <a:t>提案手法</a:t>
-            </a:r>
-          </a:p>
-        </p:txBody>
-      </p:sp>
-      <p:sp>
-        <p:nvSpPr>
-          <p:cNvPr id="3" name="スライド番号プレースホルダー 2">
-            <a:extLst>
-              <a:ext uri="{FF2B5EF4-FFF2-40B4-BE49-F238E27FC236}">
-                <a16:creationId xmlns:a16="http://schemas.microsoft.com/office/drawing/2014/main" id="{D401D9D2-41F3-D84E-EF30-573B911C1397}"/>
+              <a:t>目次</a:t>
+            </a:r>
+          </a:p>
+        </p:txBody>
+      </p:sp>
+      <p:sp>
+        <p:nvSpPr>
+          <p:cNvPr id="4" name="スライド番号プレースホルダー 3">
+            <a:extLst>
+              <a:ext uri="{FF2B5EF4-FFF2-40B4-BE49-F238E27FC236}">
+                <a16:creationId xmlns:a16="http://schemas.microsoft.com/office/drawing/2014/main" id="{20D20625-8135-BA1D-11A0-E3466265CE7C}"/>
               </a:ext>
             </a:extLst>
           </p:cNvPr>
@@ -6003,10 +7697,10 @@
       </p:sp>
       <p:sp>
         <p:nvSpPr>
-          <p:cNvPr id="4" name="テキスト ボックス 3">
-            <a:extLst>
-              <a:ext uri="{FF2B5EF4-FFF2-40B4-BE49-F238E27FC236}">
-                <a16:creationId xmlns:a16="http://schemas.microsoft.com/office/drawing/2014/main" id="{F4FEDEF1-3E01-D785-EE03-B106E91601B1}"/>
+          <p:cNvPr id="3" name="テキスト ボックス 2">
+            <a:extLst>
+              <a:ext uri="{FF2B5EF4-FFF2-40B4-BE49-F238E27FC236}">
+                <a16:creationId xmlns:a16="http://schemas.microsoft.com/office/drawing/2014/main" id="{CFCE3529-0348-FAC9-4C81-ACEA9BA72623}"/>
               </a:ext>
             </a:extLst>
           </p:cNvPr>
@@ -6015,8 +7709,8 @@
         </p:nvSpPr>
         <p:spPr>
           <a:xfrm>
-            <a:off x="498322" y="1799617"/>
-            <a:ext cx="6564618" cy="1077218"/>
+            <a:off x="519837" y="1411535"/>
+            <a:ext cx="3877985" cy="3425168"/>
           </a:xfrm>
           <a:prstGeom prst="rect">
             <a:avLst/>
@@ -6029,60 +7723,96 @@
           </a:bodyPr>
           <a:lstStyle/>
           <a:p>
-            <a:pPr marL="285750" indent="-285750">
+            <a:pPr marL="457200" indent="-457200">
+              <a:lnSpc>
+                <a:spcPct val="200000"/>
+              </a:lnSpc>
               <a:buFont typeface="Wingdings" pitchFamily="2" charset="2"/>
-              <a:buChar char="p"/>
+              <a:buChar char="Ø"/>
             </a:pPr>
             <a:r>
-              <a:rPr kumimoji="1" lang="ja-JP" altLang="en-US" sz="2400"/>
-              <a:t>提案手法</a:t>
-            </a:r>
-            <a:r>
-              <a:rPr kumimoji="1" lang="en-US" altLang="ja-JP" sz="2400" dirty="0"/>
-              <a:t>: </a:t>
-            </a:r>
-            <a:r>
-              <a:rPr kumimoji="1" lang="en-US" altLang="ja-JP" sz="2400" dirty="0" err="1"/>
-              <a:t>tdgaCNN</a:t>
-            </a:r>
-            <a:endParaRPr kumimoji="1" lang="en-US" altLang="ja-JP" sz="2400" dirty="0"/>
-          </a:p>
-          <a:p>
-            <a:pPr marL="285750" indent="-285750">
+              <a:rPr lang="ja-JP" altLang="en-US" sz="2800">
+                <a:solidFill>
+                  <a:schemeClr val="bg2">
+                    <a:lumMod val="90000"/>
+                  </a:schemeClr>
+                </a:solidFill>
+              </a:rPr>
+              <a:t>はじめに</a:t>
+            </a:r>
+            <a:endParaRPr lang="en-US" altLang="ja-JP" sz="2800" dirty="0">
+              <a:solidFill>
+                <a:schemeClr val="bg2">
+                  <a:lumMod val="90000"/>
+                </a:schemeClr>
+              </a:solidFill>
+            </a:endParaRPr>
+          </a:p>
+          <a:p>
+            <a:pPr marL="457200" indent="-457200">
+              <a:lnSpc>
+                <a:spcPct val="200000"/>
+              </a:lnSpc>
               <a:buFont typeface="Wingdings" pitchFamily="2" charset="2"/>
-              <a:buChar char="p"/>
+              <a:buChar char="Ø"/>
             </a:pPr>
-            <a:endParaRPr kumimoji="1" lang="en-US" altLang="ja-JP" sz="1600" dirty="0"/>
-          </a:p>
-          <a:p>
-            <a:pPr marL="285750" indent="-285750">
+            <a:r>
+              <a:rPr lang="ja-JP" altLang="en-US" sz="2800">
+                <a:solidFill>
+                  <a:schemeClr val="bg2">
+                    <a:lumMod val="90000"/>
+                  </a:schemeClr>
+                </a:solidFill>
+              </a:rPr>
+              <a:t>要素技術</a:t>
+            </a:r>
+            <a:endParaRPr lang="en-US" altLang="ja-JP" sz="2800" dirty="0">
+              <a:solidFill>
+                <a:schemeClr val="bg2">
+                  <a:lumMod val="90000"/>
+                </a:schemeClr>
+              </a:solidFill>
+            </a:endParaRPr>
+          </a:p>
+          <a:p>
+            <a:pPr marL="457200" indent="-457200">
+              <a:lnSpc>
+                <a:spcPct val="200000"/>
+              </a:lnSpc>
               <a:buFont typeface="Wingdings" pitchFamily="2" charset="2"/>
-              <a:buChar char="p"/>
+              <a:buChar char="Ø"/>
             </a:pPr>
             <a:r>
-              <a:rPr lang="en-US" altLang="ja-JP" sz="2400" dirty="0"/>
-              <a:t>CNN </a:t>
-            </a:r>
-            <a:r>
-              <a:rPr lang="ja-JP" altLang="en-US" sz="2400"/>
-              <a:t>アーキテクチャの探索に</a:t>
-            </a:r>
-            <a:r>
-              <a:rPr lang="en-US" altLang="ja-JP" sz="2400" dirty="0"/>
-              <a:t> TDGA </a:t>
-            </a:r>
-            <a:r>
-              <a:rPr lang="ja-JP" altLang="en-US" sz="2400"/>
-              <a:t>を利用</a:t>
-            </a:r>
-            <a:endParaRPr kumimoji="1" lang="ja-JP" altLang="en-US" sz="2400"/>
+              <a:rPr lang="ja-JP" altLang="en-US" sz="2800"/>
+              <a:t>実験</a:t>
+            </a:r>
+            <a:endParaRPr lang="en-US" altLang="ja-JP" sz="2800" dirty="0"/>
+          </a:p>
+          <a:p>
+            <a:pPr marL="457200" indent="-457200">
+              <a:lnSpc>
+                <a:spcPct val="200000"/>
+              </a:lnSpc>
+              <a:buFont typeface="Wingdings" pitchFamily="2" charset="2"/>
+              <a:buChar char="Ø"/>
+            </a:pPr>
+            <a:r>
+              <a:rPr lang="ja-JP" altLang="en-US" sz="2800">
+                <a:solidFill>
+                  <a:schemeClr val="bg2">
+                    <a:lumMod val="90000"/>
+                  </a:schemeClr>
+                </a:solidFill>
+              </a:rPr>
+              <a:t>まとめと今後の課題</a:t>
+            </a:r>
           </a:p>
         </p:txBody>
       </p:sp>
     </p:spTree>
     <p:extLst>
       <p:ext uri="{BB962C8B-B14F-4D97-AF65-F5344CB8AC3E}">
-        <p14:creationId xmlns:p14="http://schemas.microsoft.com/office/powerpoint/2010/main" val="2162904281"/>
+        <p14:creationId xmlns:p14="http://schemas.microsoft.com/office/powerpoint/2010/main" val="64726322"/>
       </p:ext>
     </p:extLst>
   </p:cSld>
@@ -6114,7 +7844,7 @@
           <p:cNvPr id="2" name="タイトル 1">
             <a:extLst>
               <a:ext uri="{FF2B5EF4-FFF2-40B4-BE49-F238E27FC236}">
-                <a16:creationId xmlns:a16="http://schemas.microsoft.com/office/drawing/2014/main" id="{DA6841C3-0E6C-BFA1-5D04-4112F1117102}"/>
+                <a16:creationId xmlns:a16="http://schemas.microsoft.com/office/drawing/2014/main" id="{380966B7-59D9-D6A5-796F-E7163263C3A4}"/>
               </a:ext>
             </a:extLst>
           </p:cNvPr>
@@ -6132,17 +7862,17 @@
           <a:p>
             <a:r>
               <a:rPr kumimoji="1" lang="ja-JP" altLang="en-US"/>
-              <a:t>目次</a:t>
-            </a:r>
-          </a:p>
-        </p:txBody>
-      </p:sp>
-      <p:sp>
-        <p:nvSpPr>
-          <p:cNvPr id="4" name="スライド番号プレースホルダー 3">
-            <a:extLst>
-              <a:ext uri="{FF2B5EF4-FFF2-40B4-BE49-F238E27FC236}">
-                <a16:creationId xmlns:a16="http://schemas.microsoft.com/office/drawing/2014/main" id="{20D20625-8135-BA1D-11A0-E3466265CE7C}"/>
+              <a:t>本実験の概要</a:t>
+            </a:r>
+          </a:p>
+        </p:txBody>
+      </p:sp>
+      <p:sp>
+        <p:nvSpPr>
+          <p:cNvPr id="3" name="スライド番号プレースホルダー 2">
+            <a:extLst>
+              <a:ext uri="{FF2B5EF4-FFF2-40B4-BE49-F238E27FC236}">
+                <a16:creationId xmlns:a16="http://schemas.microsoft.com/office/drawing/2014/main" id="{8D8006A5-C467-DBF1-F858-499620021D06}"/>
               </a:ext>
             </a:extLst>
           </p:cNvPr>
@@ -6162,260 +7892,6 @@
             <a:fld id="{004900ED-2EFD-2142-93A1-1CBA90FDE07B}" type="slidenum">
               <a:rPr lang="en-US" altLang="ja-JP" smtClean="0"/>
               <a:t>15</a:t>
-            </a:fld>
-            <a:endParaRPr lang="ja-JP" altLang="en-US"/>
-          </a:p>
-        </p:txBody>
-      </p:sp>
-      <p:sp>
-        <p:nvSpPr>
-          <p:cNvPr id="3" name="テキスト ボックス 2">
-            <a:extLst>
-              <a:ext uri="{FF2B5EF4-FFF2-40B4-BE49-F238E27FC236}">
-                <a16:creationId xmlns:a16="http://schemas.microsoft.com/office/drawing/2014/main" id="{CFCE3529-0348-FAC9-4C81-ACEA9BA72623}"/>
-              </a:ext>
-            </a:extLst>
-          </p:cNvPr>
-          <p:cNvSpPr txBox="1"/>
-          <p:nvPr/>
-        </p:nvSpPr>
-        <p:spPr>
-          <a:xfrm>
-            <a:off x="919691" y="1259079"/>
-            <a:ext cx="3877985" cy="3909917"/>
-          </a:xfrm>
-          <a:prstGeom prst="rect">
-            <a:avLst/>
-          </a:prstGeom>
-          <a:noFill/>
-        </p:spPr>
-        <p:txBody>
-          <a:bodyPr wrap="none" rtlCol="0">
-            <a:spAutoFit/>
-          </a:bodyPr>
-          <a:lstStyle/>
-          <a:p>
-            <a:pPr marL="457200" indent="-457200">
-              <a:lnSpc>
-                <a:spcPct val="150000"/>
-              </a:lnSpc>
-              <a:buFont typeface="Wingdings" pitchFamily="2" charset="2"/>
-              <a:buChar char="Ø"/>
-            </a:pPr>
-            <a:r>
-              <a:rPr lang="ja-JP" altLang="en-US" sz="2800">
-                <a:solidFill>
-                  <a:schemeClr val="bg2">
-                    <a:lumMod val="75000"/>
-                  </a:schemeClr>
-                </a:solidFill>
-              </a:rPr>
-              <a:t>はじめに</a:t>
-            </a:r>
-            <a:endParaRPr lang="en-US" altLang="ja-JP" sz="2800" dirty="0">
-              <a:solidFill>
-                <a:schemeClr val="bg2">
-                  <a:lumMod val="75000"/>
-                </a:schemeClr>
-              </a:solidFill>
-            </a:endParaRPr>
-          </a:p>
-          <a:p>
-            <a:pPr marL="457200" indent="-457200">
-              <a:lnSpc>
-                <a:spcPct val="150000"/>
-              </a:lnSpc>
-              <a:buFont typeface="Wingdings" pitchFamily="2" charset="2"/>
-              <a:buChar char="Ø"/>
-            </a:pPr>
-            <a:r>
-              <a:rPr lang="ja-JP" altLang="en-US" sz="2800">
-                <a:solidFill>
-                  <a:schemeClr val="bg2">
-                    <a:lumMod val="75000"/>
-                  </a:schemeClr>
-                </a:solidFill>
-              </a:rPr>
-              <a:t>要素技術</a:t>
-            </a:r>
-            <a:endParaRPr lang="en-US" altLang="ja-JP" sz="2800" dirty="0">
-              <a:solidFill>
-                <a:schemeClr val="bg2">
-                  <a:lumMod val="75000"/>
-                </a:schemeClr>
-              </a:solidFill>
-            </a:endParaRPr>
-          </a:p>
-          <a:p>
-            <a:pPr marL="457200" indent="-457200">
-              <a:lnSpc>
-                <a:spcPct val="150000"/>
-              </a:lnSpc>
-              <a:buFont typeface="Wingdings" pitchFamily="2" charset="2"/>
-              <a:buChar char="Ø"/>
-            </a:pPr>
-            <a:r>
-              <a:rPr lang="ja-JP" altLang="en-US" sz="2800">
-                <a:solidFill>
-                  <a:schemeClr val="bg2">
-                    <a:lumMod val="75000"/>
-                  </a:schemeClr>
-                </a:solidFill>
-              </a:rPr>
-              <a:t>提案手法</a:t>
-            </a:r>
-            <a:endParaRPr lang="en-US" altLang="ja-JP" sz="2800" dirty="0">
-              <a:solidFill>
-                <a:schemeClr val="bg2">
-                  <a:lumMod val="75000"/>
-                </a:schemeClr>
-              </a:solidFill>
-            </a:endParaRPr>
-          </a:p>
-          <a:p>
-            <a:pPr marL="457200" indent="-457200">
-              <a:lnSpc>
-                <a:spcPct val="150000"/>
-              </a:lnSpc>
-              <a:buFont typeface="Wingdings" pitchFamily="2" charset="2"/>
-              <a:buChar char="Ø"/>
-            </a:pPr>
-            <a:r>
-              <a:rPr lang="ja-JP" altLang="en-US" sz="2800"/>
-              <a:t>実験概要</a:t>
-            </a:r>
-            <a:endParaRPr lang="en-US" altLang="ja-JP" sz="2800" dirty="0"/>
-          </a:p>
-          <a:p>
-            <a:pPr marL="457200" indent="-457200">
-              <a:lnSpc>
-                <a:spcPct val="150000"/>
-              </a:lnSpc>
-              <a:buFont typeface="Wingdings" pitchFamily="2" charset="2"/>
-              <a:buChar char="Ø"/>
-            </a:pPr>
-            <a:r>
-              <a:rPr lang="ja-JP" altLang="en-US" sz="2800">
-                <a:solidFill>
-                  <a:schemeClr val="bg2">
-                    <a:lumMod val="75000"/>
-                  </a:schemeClr>
-                </a:solidFill>
-              </a:rPr>
-              <a:t>実験結果</a:t>
-            </a:r>
-            <a:endParaRPr lang="en-US" altLang="ja-JP" sz="2800" dirty="0">
-              <a:solidFill>
-                <a:schemeClr val="bg2">
-                  <a:lumMod val="75000"/>
-                </a:schemeClr>
-              </a:solidFill>
-            </a:endParaRPr>
-          </a:p>
-          <a:p>
-            <a:pPr marL="457200" indent="-457200">
-              <a:lnSpc>
-                <a:spcPct val="150000"/>
-              </a:lnSpc>
-              <a:buFont typeface="Wingdings" pitchFamily="2" charset="2"/>
-              <a:buChar char="Ø"/>
-            </a:pPr>
-            <a:r>
-              <a:rPr lang="ja-JP" altLang="en-US" sz="2800">
-                <a:solidFill>
-                  <a:schemeClr val="bg2">
-                    <a:lumMod val="75000"/>
-                  </a:schemeClr>
-                </a:solidFill>
-              </a:rPr>
-              <a:t>まとめと今後の課題</a:t>
-            </a:r>
-          </a:p>
-        </p:txBody>
-      </p:sp>
-    </p:spTree>
-    <p:extLst>
-      <p:ext uri="{BB962C8B-B14F-4D97-AF65-F5344CB8AC3E}">
-        <p14:creationId xmlns:p14="http://schemas.microsoft.com/office/powerpoint/2010/main" val="4238712240"/>
-      </p:ext>
-    </p:extLst>
-  </p:cSld>
-  <p:clrMapOvr>
-    <a:masterClrMapping/>
-  </p:clrMapOvr>
-</p:sld>
-</file>
-
-<file path=ppt/slides/slide16.xml><?xml version="1.0" encoding="utf-8"?>
-<p:sld xmlns:a="http://schemas.openxmlformats.org/drawingml/2006/main" xmlns:r="http://schemas.openxmlformats.org/officeDocument/2006/relationships" xmlns:p="http://schemas.openxmlformats.org/presentationml/2006/main">
-  <p:cSld>
-    <p:spTree>
-      <p:nvGrpSpPr>
-        <p:cNvPr id="1" name=""/>
-        <p:cNvGrpSpPr/>
-        <p:nvPr/>
-      </p:nvGrpSpPr>
-      <p:grpSpPr>
-        <a:xfrm>
-          <a:off x="0" y="0"/>
-          <a:ext cx="0" cy="0"/>
-          <a:chOff x="0" y="0"/>
-          <a:chExt cx="0" cy="0"/>
-        </a:xfrm>
-      </p:grpSpPr>
-      <p:sp>
-        <p:nvSpPr>
-          <p:cNvPr id="2" name="タイトル 1">
-            <a:extLst>
-              <a:ext uri="{FF2B5EF4-FFF2-40B4-BE49-F238E27FC236}">
-                <a16:creationId xmlns:a16="http://schemas.microsoft.com/office/drawing/2014/main" id="{380966B7-59D9-D6A5-796F-E7163263C3A4}"/>
-              </a:ext>
-            </a:extLst>
-          </p:cNvPr>
-          <p:cNvSpPr>
-            <a:spLocks noGrp="1"/>
-          </p:cNvSpPr>
-          <p:nvPr>
-            <p:ph type="title"/>
-          </p:nvPr>
-        </p:nvSpPr>
-        <p:spPr/>
-        <p:txBody>
-          <a:bodyPr/>
-          <a:lstStyle/>
-          <a:p>
-            <a:r>
-              <a:rPr kumimoji="1" lang="ja-JP" altLang="en-US"/>
-              <a:t>本実験の概要</a:t>
-            </a:r>
-          </a:p>
-        </p:txBody>
-      </p:sp>
-      <p:sp>
-        <p:nvSpPr>
-          <p:cNvPr id="3" name="スライド番号プレースホルダー 2">
-            <a:extLst>
-              <a:ext uri="{FF2B5EF4-FFF2-40B4-BE49-F238E27FC236}">
-                <a16:creationId xmlns:a16="http://schemas.microsoft.com/office/drawing/2014/main" id="{8D8006A5-C467-DBF1-F858-499620021D06}"/>
-              </a:ext>
-            </a:extLst>
-          </p:cNvPr>
-          <p:cNvSpPr>
-            <a:spLocks noGrp="1"/>
-          </p:cNvSpPr>
-          <p:nvPr>
-            <p:ph type="sldNum" sz="quarter" idx="12"/>
-          </p:nvPr>
-        </p:nvSpPr>
-        <p:spPr/>
-        <p:txBody>
-          <a:bodyPr/>
-          <a:lstStyle/>
-          <a:p>
-            <a:pPr lvl="0"/>
-            <a:fld id="{004900ED-2EFD-2142-93A1-1CBA90FDE07B}" type="slidenum">
-              <a:rPr lang="en-US" altLang="ja-JP" smtClean="0"/>
-              <a:t>16</a:t>
             </a:fld>
             <a:endParaRPr lang="ja-JP" altLang="en-US"/>
           </a:p>
@@ -6456,7 +7932,7 @@
           <p:spPr>
             <a:xfrm>
               <a:off x="526501" y="1547102"/>
-              <a:ext cx="5591595" cy="2677656"/>
+              <a:ext cx="5649303" cy="2308324"/>
             </a:xfrm>
             <a:prstGeom prst="rect">
               <a:avLst/>
@@ -6469,7 +7945,7 @@
             </a:bodyPr>
             <a:lstStyle/>
             <a:p>
-              <a:pPr marL="285750" indent="-285750">
+              <a:pPr marL="342900" indent="-342900">
                 <a:buFont typeface="Wingdings" pitchFamily="2" charset="2"/>
                 <a:buChar char="p"/>
               </a:pPr>
@@ -6480,9 +7956,9 @@
               <a:endParaRPr lang="en-US" altLang="ja-JP" sz="2400" dirty="0"/>
             </a:p>
             <a:p>
-              <a:pPr marL="742950" lvl="1" indent="-285750">
+              <a:pPr marL="800100" lvl="1" indent="-342900">
                 <a:buFont typeface="Wingdings" pitchFamily="2" charset="2"/>
-                <a:buChar char="p"/>
+                <a:buChar char="Ø"/>
               </a:pPr>
               <a:r>
                 <a:rPr lang="ja-JP" altLang="en-US" sz="2400"/>
@@ -6504,10 +7980,6 @@
                 <a:rPr lang="ja-JP" altLang="en-US" sz="2400"/>
                 <a:t>と設定</a:t>
               </a:r>
-              <a:endParaRPr lang="en-US" altLang="ja-JP" sz="2400" dirty="0"/>
-            </a:p>
-            <a:p>
-              <a:pPr lvl="1"/>
               <a:endParaRPr lang="en-US" altLang="ja-JP" sz="2400" dirty="0"/>
             </a:p>
             <a:p>
@@ -6610,9 +8082,9 @@
           <p:grpSpPr>
             <a:xfrm>
               <a:off x="519837" y="4220022"/>
-              <a:ext cx="5301451" cy="1200329"/>
+              <a:ext cx="6676828" cy="1200329"/>
               <a:chOff x="519837" y="4220022"/>
-              <a:chExt cx="5301451" cy="1200329"/>
+              <a:chExt cx="6676828" cy="1200329"/>
             </a:xfrm>
           </p:grpSpPr>
           <p:sp>
@@ -6630,7 +8102,7 @@
             <p:spPr>
               <a:xfrm>
                 <a:off x="519837" y="4220022"/>
-                <a:ext cx="5301451" cy="1200329"/>
+                <a:ext cx="6676828" cy="1200329"/>
               </a:xfrm>
               <a:prstGeom prst="rect">
                 <a:avLst/>
@@ -6645,18 +8117,22 @@
               <a:p>
                 <a:pPr marL="800100" lvl="1" indent="-342900">
                   <a:buFont typeface="Wingdings" pitchFamily="2" charset="2"/>
-                  <a:buChar char="p"/>
+                  <a:buChar char="Ø"/>
                 </a:pPr>
                 <a:r>
+                  <a:rPr kumimoji="1" lang="en-US" altLang="ja-JP" sz="2400" dirty="0"/>
+                  <a:t>CNN </a:t>
+                </a:r>
+                <a:r>
                   <a:rPr kumimoji="1" lang="ja-JP" altLang="en-US" sz="2400"/>
-                  <a:t>計算量が一定になるように設定</a:t>
+                  <a:t>の学習回数が一定になるように設定</a:t>
                 </a:r>
                 <a:endParaRPr kumimoji="1" lang="en-US" altLang="ja-JP" sz="2400" dirty="0"/>
               </a:p>
               <a:p>
                 <a:pPr marL="800100" lvl="1" indent="-342900">
                   <a:buFont typeface="Wingdings" pitchFamily="2" charset="2"/>
-                  <a:buChar char="p"/>
+                  <a:buChar char="Ø"/>
                 </a:pPr>
                 <a:r>
                   <a:rPr kumimoji="1" lang="ja-JP" altLang="en-US" sz="2400"/>
@@ -6713,6 +8189,45 @@
           </p:pic>
         </p:grpSp>
       </p:grpSp>
+      <p:sp>
+        <p:nvSpPr>
+          <p:cNvPr id="5" name="テキスト ボックス 4">
+            <a:extLst>
+              <a:ext uri="{FF2B5EF4-FFF2-40B4-BE49-F238E27FC236}">
+                <a16:creationId xmlns:a16="http://schemas.microsoft.com/office/drawing/2014/main" id="{03199AC4-8360-E90C-CE5E-FE7402BCB028}"/>
+              </a:ext>
+            </a:extLst>
+          </p:cNvPr>
+          <p:cNvSpPr txBox="1"/>
+          <p:nvPr/>
+        </p:nvSpPr>
+        <p:spPr>
+          <a:xfrm>
+            <a:off x="526501" y="2719489"/>
+            <a:ext cx="1454244" cy="461665"/>
+          </a:xfrm>
+          <a:prstGeom prst="rect">
+            <a:avLst/>
+          </a:prstGeom>
+          <a:noFill/>
+        </p:spPr>
+        <p:txBody>
+          <a:bodyPr wrap="none" rtlCol="0">
+            <a:spAutoFit/>
+          </a:bodyPr>
+          <a:lstStyle/>
+          <a:p>
+            <a:pPr marL="342900" indent="-342900">
+              <a:buFont typeface="Wingdings" pitchFamily="2" charset="2"/>
+              <a:buChar char="p"/>
+            </a:pPr>
+            <a:r>
+              <a:rPr kumimoji="1" lang="ja-JP" altLang="en-US" sz="2400"/>
+              <a:t>本実験</a:t>
+            </a:r>
+          </a:p>
+        </p:txBody>
+      </p:sp>
     </p:spTree>
     <p:extLst>
       <p:ext uri="{BB962C8B-B14F-4D97-AF65-F5344CB8AC3E}">
@@ -6726,7 +8241,7 @@
 </p:sld>
 </file>
 
-<file path=ppt/slides/slide17.xml><?xml version="1.0" encoding="utf-8"?>
+<file path=ppt/slides/slide16.xml><?xml version="1.0" encoding="utf-8"?>
 <p:sld xmlns:a="http://schemas.openxmlformats.org/drawingml/2006/main" xmlns:r="http://schemas.openxmlformats.org/officeDocument/2006/relationships" xmlns:p="http://schemas.openxmlformats.org/presentationml/2006/main">
   <p:cSld>
     <p:spTree>
@@ -6795,7 +8310,7 @@
             <a:pPr lvl="0"/>
             <a:fld id="{004900ED-2EFD-2142-93A1-1CBA90FDE07B}" type="slidenum">
               <a:rPr lang="en-US" altLang="ja-JP" smtClean="0"/>
-              <a:t>17</a:t>
+              <a:t>16</a:t>
             </a:fld>
             <a:endParaRPr lang="ja-JP" altLang="en-US"/>
           </a:p>
@@ -6815,8 +8330,8 @@
         </p:nvSpPr>
         <p:spPr>
           <a:xfrm>
-            <a:off x="519837" y="1533672"/>
-            <a:ext cx="5965095" cy="830997"/>
+            <a:off x="519837" y="1385718"/>
+            <a:ext cx="6022803" cy="1200329"/>
           </a:xfrm>
           <a:prstGeom prst="rect">
             <a:avLst/>
@@ -6829,7 +8344,7 @@
           </a:bodyPr>
           <a:lstStyle/>
           <a:p>
-            <a:pPr marL="285750" indent="-285750">
+            <a:pPr marL="342900" indent="-342900">
               <a:buFont typeface="Wingdings" pitchFamily="2" charset="2"/>
               <a:buChar char="p"/>
             </a:pPr>
@@ -6844,7 +8359,7 @@
             <a:endParaRPr kumimoji="1" lang="en-US" altLang="ja-JP" sz="2400" dirty="0"/>
           </a:p>
           <a:p>
-            <a:pPr marL="285750" indent="-285750">
+            <a:pPr marL="342900" indent="-342900">
               <a:buFont typeface="Wingdings" pitchFamily="2" charset="2"/>
               <a:buChar char="p"/>
             </a:pPr>
@@ -6868,6 +8383,22 @@
               <a:rPr kumimoji="1" lang="ja-JP" altLang="en-US" sz="2400"/>
               <a:t>世代探索</a:t>
             </a:r>
+            <a:endParaRPr kumimoji="1" lang="en-US" altLang="ja-JP" sz="2400" dirty="0"/>
+          </a:p>
+          <a:p>
+            <a:pPr marL="342900" indent="-342900">
+              <a:buFont typeface="Wingdings" pitchFamily="2" charset="2"/>
+              <a:buChar char="p"/>
+            </a:pPr>
+            <a:r>
+              <a:rPr kumimoji="1" lang="ja-JP" altLang="en-US" sz="2400"/>
+              <a:t>適応度評価エポック数は</a:t>
+            </a:r>
+            <a:r>
+              <a:rPr kumimoji="1" lang="en-US" altLang="ja-JP" sz="2400" dirty="0"/>
+              <a:t> 1 </a:t>
+            </a:r>
+            <a:endParaRPr kumimoji="1" lang="ja-JP" altLang="en-US" sz="2400"/>
           </a:p>
         </p:txBody>
       </p:sp>
@@ -6885,7 +8416,7 @@
         </p:nvGrpSpPr>
         <p:grpSpPr>
           <a:xfrm>
-            <a:off x="156300" y="2568280"/>
+            <a:off x="156300" y="2586047"/>
             <a:ext cx="7248661" cy="2907045"/>
             <a:chOff x="156300" y="2568280"/>
             <a:chExt cx="7248661" cy="2907045"/>
@@ -7221,7 +8752,7 @@
 </p:sld>
 </file>
 
-<file path=ppt/slides/slide18.xml><?xml version="1.0" encoding="utf-8"?>
+<file path=ppt/slides/slide17.xml><?xml version="1.0" encoding="utf-8"?>
 <p:sld xmlns:a="http://schemas.openxmlformats.org/drawingml/2006/main" xmlns:r="http://schemas.openxmlformats.org/officeDocument/2006/relationships" xmlns:p="http://schemas.openxmlformats.org/presentationml/2006/main">
   <p:cSld>
     <p:spTree>
@@ -7290,7 +8821,7 @@
             <a:pPr lvl="0"/>
             <a:fld id="{004900ED-2EFD-2142-93A1-1CBA90FDE07B}" type="slidenum">
               <a:rPr lang="en-US" altLang="ja-JP" smtClean="0"/>
-              <a:t>18</a:t>
+              <a:t>17</a:t>
             </a:fld>
             <a:endParaRPr lang="ja-JP" altLang="en-US"/>
           </a:p>
@@ -7311,7 +8842,7 @@
         <p:spPr>
           <a:xfrm>
             <a:off x="519837" y="1614791"/>
-            <a:ext cx="5227713" cy="830997"/>
+            <a:ext cx="5285421" cy="830997"/>
           </a:xfrm>
           <a:prstGeom prst="rect">
             <a:avLst/>
@@ -7324,7 +8855,7 @@
           </a:bodyPr>
           <a:lstStyle/>
           <a:p>
-            <a:pPr marL="285750" indent="-285750">
+            <a:pPr marL="342900" indent="-342900">
               <a:buFont typeface="Wingdings" pitchFamily="2" charset="2"/>
               <a:buChar char="p"/>
             </a:pPr>
@@ -8034,7 +9565,7 @@
 </p:sld>
 </file>
 
-<file path=ppt/slides/slide19.xml><?xml version="1.0" encoding="utf-8"?>
+<file path=ppt/slides/slide18.xml><?xml version="1.0" encoding="utf-8"?>
 <p:sld xmlns:a="http://schemas.openxmlformats.org/drawingml/2006/main" xmlns:r="http://schemas.openxmlformats.org/officeDocument/2006/relationships" xmlns:p="http://schemas.openxmlformats.org/presentationml/2006/main">
   <p:cSld>
     <p:spTree>
@@ -8112,7 +9643,7 @@
             <a:pPr lvl="0"/>
             <a:fld id="{004900ED-2EFD-2142-93A1-1CBA90FDE07B}" type="slidenum">
               <a:rPr lang="en-US" altLang="ja-JP" smtClean="0"/>
-              <a:t>19</a:t>
+              <a:t>18</a:t>
             </a:fld>
             <a:endParaRPr lang="ja-JP" altLang="en-US"/>
           </a:p>
@@ -8132,8 +9663,8 @@
         </p:nvSpPr>
         <p:spPr>
           <a:xfrm>
-            <a:off x="778212" y="1379521"/>
-            <a:ext cx="5455340" cy="830997"/>
+            <a:off x="283520" y="1379521"/>
+            <a:ext cx="6994222" cy="830997"/>
           </a:xfrm>
           <a:prstGeom prst="rect">
             <a:avLst/>
@@ -8152,7 +9683,7 @@
             </a:pPr>
             <a:r>
               <a:rPr kumimoji="1" lang="ja-JP" altLang="en-US" sz="2400"/>
-              <a:t>探索フェーズでのエポック数を固定</a:t>
+              <a:t>探索フェーズでの適応度評価エポック数を固定</a:t>
             </a:r>
             <a:endParaRPr kumimoji="1" lang="en-US" altLang="ja-JP" sz="2400" dirty="0"/>
           </a:p>
@@ -8180,14 +9711,14 @@
           <p:nvPr>
             <p:extLst>
               <p:ext uri="{D42A27DB-BD31-4B8C-83A1-F6EECF244321}">
-                <p14:modId xmlns:p14="http://schemas.microsoft.com/office/powerpoint/2010/main" val="3242826142"/>
+                <p14:modId xmlns:p14="http://schemas.microsoft.com/office/powerpoint/2010/main" val="742672103"/>
               </p:ext>
             </p:extLst>
           </p:nvPr>
         </p:nvGraphicFramePr>
         <p:xfrm>
-          <a:off x="1260210" y="2001299"/>
-          <a:ext cx="5040842" cy="2773680"/>
+          <a:off x="1052961" y="1923115"/>
+          <a:ext cx="5455340" cy="2773680"/>
         </p:xfrm>
         <a:graphic>
           <a:graphicData uri="http://schemas.openxmlformats.org/drawingml/2006/table">
@@ -8196,14 +9727,14 @@
                 <a:tableStyleId>{5C22544A-7EE6-4342-B048-85BDC9FD1C3A}</a:tableStyleId>
               </a:tblPr>
               <a:tblGrid>
-                <a:gridCol w="2520421">
+                <a:gridCol w="2727670">
                   <a:extLst>
                     <a:ext uri="{9D8B030D-6E8A-4147-A177-3AD203B41FA5}">
                       <a16:colId xmlns:a16="http://schemas.microsoft.com/office/drawing/2014/main" val="1796618978"/>
                     </a:ext>
                   </a:extLst>
                 </a:gridCol>
-                <a:gridCol w="2520421">
+                <a:gridCol w="2727670">
                   <a:extLst>
                     <a:ext uri="{9D8B030D-6E8A-4147-A177-3AD203B41FA5}">
                       <a16:colId xmlns:a16="http://schemas.microsoft.com/office/drawing/2014/main" val="933054015"/>
@@ -8232,7 +9763,7 @@
                     <a:p>
                       <a:r>
                         <a:rPr kumimoji="1" lang="ja-JP" altLang="en-US" sz="2000"/>
-                        <a:t>エポック数</a:t>
+                        <a:t>適応度評価エポック数</a:t>
                       </a:r>
                     </a:p>
                   </a:txBody>
@@ -8472,8 +10003,8 @@
         </p:nvSpPr>
         <p:spPr>
           <a:xfrm>
-            <a:off x="778212" y="4916664"/>
-            <a:ext cx="2975495" cy="461665"/>
+            <a:off x="283520" y="4906980"/>
+            <a:ext cx="2945037" cy="461665"/>
           </a:xfrm>
           <a:prstGeom prst="rect">
             <a:avLst/>
@@ -8486,13 +10017,13 @@
           </a:bodyPr>
           <a:lstStyle/>
           <a:p>
-            <a:pPr marL="285750" indent="-285750">
+            <a:pPr marL="342900" indent="-342900">
               <a:buFont typeface="Wingdings" pitchFamily="2" charset="2"/>
               <a:buChar char="p"/>
             </a:pPr>
             <a:r>
               <a:rPr lang="en-US" altLang="ja-JP" sz="2400" dirty="0"/>
-              <a:t> 6 </a:t>
+              <a:t>6 </a:t>
             </a:r>
             <a:r>
               <a:rPr lang="ja-JP" altLang="en-US" sz="2400"/>
@@ -8515,7 +10046,7 @@
 </p:sld>
 </file>
 
-<file path=ppt/slides/slide2.xml><?xml version="1.0" encoding="utf-8"?>
+<file path=ppt/slides/slide19.xml><?xml version="1.0" encoding="utf-8"?>
 <p:sld xmlns:a="http://schemas.openxmlformats.org/drawingml/2006/main" xmlns:r="http://schemas.openxmlformats.org/officeDocument/2006/relationships" xmlns:p="http://schemas.openxmlformats.org/presentationml/2006/main">
   <p:cSld>
     <p:spTree>
@@ -8537,7 +10068,7 @@
           <p:cNvPr id="2" name="タイトル 1">
             <a:extLst>
               <a:ext uri="{FF2B5EF4-FFF2-40B4-BE49-F238E27FC236}">
-                <a16:creationId xmlns:a16="http://schemas.microsoft.com/office/drawing/2014/main" id="{DA6841C3-0E6C-BFA1-5D04-4112F1117102}"/>
+                <a16:creationId xmlns:a16="http://schemas.microsoft.com/office/drawing/2014/main" id="{F91DABD0-6E6F-20AC-E27E-DE4CB11AD443}"/>
               </a:ext>
             </a:extLst>
           </p:cNvPr>
@@ -8555,17 +10086,22 @@
           <a:p>
             <a:r>
               <a:rPr kumimoji="1" lang="ja-JP" altLang="en-US"/>
-              <a:t>目次</a:t>
-            </a:r>
-          </a:p>
-        </p:txBody>
-      </p:sp>
-      <p:sp>
-        <p:nvSpPr>
-          <p:cNvPr id="4" name="スライド番号プレースホルダー 3">
-            <a:extLst>
-              <a:ext uri="{FF2B5EF4-FFF2-40B4-BE49-F238E27FC236}">
-                <a16:creationId xmlns:a16="http://schemas.microsoft.com/office/drawing/2014/main" id="{20D20625-8135-BA1D-11A0-E3466265CE7C}"/>
+              <a:t>実験</a:t>
+            </a:r>
+            <a:r>
+              <a:rPr lang="en-US" altLang="ja-JP" dirty="0"/>
+              <a:t> 2</a:t>
+            </a:r>
+            <a:endParaRPr kumimoji="1" lang="ja-JP" altLang="en-US"/>
+          </a:p>
+        </p:txBody>
+      </p:sp>
+      <p:sp>
+        <p:nvSpPr>
+          <p:cNvPr id="3" name="スライド番号プレースホルダー 2">
+            <a:extLst>
+              <a:ext uri="{FF2B5EF4-FFF2-40B4-BE49-F238E27FC236}">
+                <a16:creationId xmlns:a16="http://schemas.microsoft.com/office/drawing/2014/main" id="{35677EC9-0504-1614-4950-D0D61AE8CD08}"/>
               </a:ext>
             </a:extLst>
           </p:cNvPr>
@@ -8584,212 +10120,7 @@
             <a:pPr lvl="0"/>
             <a:fld id="{004900ED-2EFD-2142-93A1-1CBA90FDE07B}" type="slidenum">
               <a:rPr lang="en-US" altLang="ja-JP" smtClean="0"/>
-              <a:t>2</a:t>
-            </a:fld>
-            <a:endParaRPr lang="ja-JP" altLang="en-US"/>
-          </a:p>
-        </p:txBody>
-      </p:sp>
-      <p:sp>
-        <p:nvSpPr>
-          <p:cNvPr id="3" name="テキスト ボックス 2">
-            <a:extLst>
-              <a:ext uri="{FF2B5EF4-FFF2-40B4-BE49-F238E27FC236}">
-                <a16:creationId xmlns:a16="http://schemas.microsoft.com/office/drawing/2014/main" id="{CFCE3529-0348-FAC9-4C81-ACEA9BA72623}"/>
-              </a:ext>
-            </a:extLst>
-          </p:cNvPr>
-          <p:cNvSpPr txBox="1"/>
-          <p:nvPr/>
-        </p:nvSpPr>
-        <p:spPr>
-          <a:xfrm>
-            <a:off x="919691" y="1259079"/>
-            <a:ext cx="3877985" cy="3909917"/>
-          </a:xfrm>
-          <a:prstGeom prst="rect">
-            <a:avLst/>
-          </a:prstGeom>
-          <a:noFill/>
-        </p:spPr>
-        <p:txBody>
-          <a:bodyPr wrap="none" rtlCol="0">
-            <a:spAutoFit/>
-          </a:bodyPr>
-          <a:lstStyle/>
-          <a:p>
-            <a:pPr marL="457200" indent="-457200">
-              <a:lnSpc>
-                <a:spcPct val="150000"/>
-              </a:lnSpc>
-              <a:buFont typeface="Wingdings" pitchFamily="2" charset="2"/>
-              <a:buChar char="Ø"/>
-            </a:pPr>
-            <a:r>
-              <a:rPr lang="ja-JP" altLang="en-US" sz="2800"/>
-              <a:t>はじめに</a:t>
-            </a:r>
-            <a:endParaRPr lang="en-US" altLang="ja-JP" sz="2800" dirty="0"/>
-          </a:p>
-          <a:p>
-            <a:pPr marL="457200" indent="-457200">
-              <a:lnSpc>
-                <a:spcPct val="150000"/>
-              </a:lnSpc>
-              <a:buFont typeface="Wingdings" pitchFamily="2" charset="2"/>
-              <a:buChar char="Ø"/>
-            </a:pPr>
-            <a:r>
-              <a:rPr lang="ja-JP" altLang="en-US" sz="2800"/>
-              <a:t>要素技術</a:t>
-            </a:r>
-            <a:endParaRPr lang="en-US" altLang="ja-JP" sz="2800" dirty="0"/>
-          </a:p>
-          <a:p>
-            <a:pPr marL="457200" indent="-457200">
-              <a:lnSpc>
-                <a:spcPct val="150000"/>
-              </a:lnSpc>
-              <a:buFont typeface="Wingdings" pitchFamily="2" charset="2"/>
-              <a:buChar char="Ø"/>
-            </a:pPr>
-            <a:r>
-              <a:rPr lang="ja-JP" altLang="en-US" sz="2800"/>
-              <a:t>提案手法</a:t>
-            </a:r>
-            <a:endParaRPr lang="en-US" altLang="ja-JP" sz="2800" dirty="0"/>
-          </a:p>
-          <a:p>
-            <a:pPr marL="457200" indent="-457200">
-              <a:lnSpc>
-                <a:spcPct val="150000"/>
-              </a:lnSpc>
-              <a:buFont typeface="Wingdings" pitchFamily="2" charset="2"/>
-              <a:buChar char="Ø"/>
-            </a:pPr>
-            <a:r>
-              <a:rPr lang="ja-JP" altLang="en-US" sz="2800"/>
-              <a:t>実験概要</a:t>
-            </a:r>
-            <a:endParaRPr lang="en-US" altLang="ja-JP" sz="2800" dirty="0"/>
-          </a:p>
-          <a:p>
-            <a:pPr marL="457200" indent="-457200">
-              <a:lnSpc>
-                <a:spcPct val="150000"/>
-              </a:lnSpc>
-              <a:buFont typeface="Wingdings" pitchFamily="2" charset="2"/>
-              <a:buChar char="Ø"/>
-            </a:pPr>
-            <a:r>
-              <a:rPr lang="ja-JP" altLang="en-US" sz="2800"/>
-              <a:t>実験結果</a:t>
-            </a:r>
-            <a:endParaRPr lang="en-US" altLang="ja-JP" sz="2800" dirty="0"/>
-          </a:p>
-          <a:p>
-            <a:pPr marL="457200" indent="-457200">
-              <a:lnSpc>
-                <a:spcPct val="150000"/>
-              </a:lnSpc>
-              <a:buFont typeface="Wingdings" pitchFamily="2" charset="2"/>
-              <a:buChar char="Ø"/>
-            </a:pPr>
-            <a:r>
-              <a:rPr lang="ja-JP" altLang="en-US" sz="2800"/>
-              <a:t>まとめと今後の課題</a:t>
-            </a:r>
-          </a:p>
-        </p:txBody>
-      </p:sp>
-    </p:spTree>
-    <p:extLst>
-      <p:ext uri="{BB962C8B-B14F-4D97-AF65-F5344CB8AC3E}">
-        <p14:creationId xmlns:p14="http://schemas.microsoft.com/office/powerpoint/2010/main" val="934417076"/>
-      </p:ext>
-    </p:extLst>
-  </p:cSld>
-  <p:clrMapOvr>
-    <a:masterClrMapping/>
-  </p:clrMapOvr>
-</p:sld>
-</file>
-
-<file path=ppt/slides/slide20.xml><?xml version="1.0" encoding="utf-8"?>
-<p:sld xmlns:a="http://schemas.openxmlformats.org/drawingml/2006/main" xmlns:r="http://schemas.openxmlformats.org/officeDocument/2006/relationships" xmlns:p="http://schemas.openxmlformats.org/presentationml/2006/main">
-  <p:cSld>
-    <p:spTree>
-      <p:nvGrpSpPr>
-        <p:cNvPr id="1" name=""/>
-        <p:cNvGrpSpPr/>
-        <p:nvPr/>
-      </p:nvGrpSpPr>
-      <p:grpSpPr>
-        <a:xfrm>
-          <a:off x="0" y="0"/>
-          <a:ext cx="0" cy="0"/>
-          <a:chOff x="0" y="0"/>
-          <a:chExt cx="0" cy="0"/>
-        </a:xfrm>
-      </p:grpSpPr>
-      <p:sp>
-        <p:nvSpPr>
-          <p:cNvPr id="2" name="タイトル 1">
-            <a:extLst>
-              <a:ext uri="{FF2B5EF4-FFF2-40B4-BE49-F238E27FC236}">
-                <a16:creationId xmlns:a16="http://schemas.microsoft.com/office/drawing/2014/main" id="{F91DABD0-6E6F-20AC-E27E-DE4CB11AD443}"/>
-              </a:ext>
-            </a:extLst>
-          </p:cNvPr>
-          <p:cNvSpPr>
-            <a:spLocks noGrp="1"/>
-          </p:cNvSpPr>
-          <p:nvPr>
-            <p:ph type="title"/>
-          </p:nvPr>
-        </p:nvSpPr>
-        <p:spPr/>
-        <p:txBody>
-          <a:bodyPr/>
-          <a:lstStyle/>
-          <a:p>
-            <a:r>
-              <a:rPr kumimoji="1" lang="ja-JP" altLang="en-US"/>
-              <a:t>実験</a:t>
-            </a:r>
-            <a:r>
-              <a:rPr lang="en-US" altLang="ja-JP" dirty="0"/>
-              <a:t> 2</a:t>
-            </a:r>
-            <a:endParaRPr kumimoji="1" lang="ja-JP" altLang="en-US"/>
-          </a:p>
-        </p:txBody>
-      </p:sp>
-      <p:sp>
-        <p:nvSpPr>
-          <p:cNvPr id="3" name="スライド番号プレースホルダー 2">
-            <a:extLst>
-              <a:ext uri="{FF2B5EF4-FFF2-40B4-BE49-F238E27FC236}">
-                <a16:creationId xmlns:a16="http://schemas.microsoft.com/office/drawing/2014/main" id="{35677EC9-0504-1614-4950-D0D61AE8CD08}"/>
-              </a:ext>
-            </a:extLst>
-          </p:cNvPr>
-          <p:cNvSpPr>
-            <a:spLocks noGrp="1"/>
-          </p:cNvSpPr>
-          <p:nvPr>
-            <p:ph type="sldNum" sz="quarter" idx="12"/>
-          </p:nvPr>
-        </p:nvSpPr>
-        <p:spPr/>
-        <p:txBody>
-          <a:bodyPr/>
-          <a:lstStyle/>
-          <a:p>
-            <a:pPr lvl="0"/>
-            <a:fld id="{004900ED-2EFD-2142-93A1-1CBA90FDE07B}" type="slidenum">
-              <a:rPr lang="en-US" altLang="ja-JP" smtClean="0"/>
-              <a:t>20</a:t>
+              <a:t>19</a:t>
             </a:fld>
             <a:endParaRPr lang="ja-JP" altLang="en-US"/>
           </a:p>
@@ -8857,14 +10188,14 @@
           <p:nvPr>
             <p:extLst>
               <p:ext uri="{D42A27DB-BD31-4B8C-83A1-F6EECF244321}">
-                <p14:modId xmlns:p14="http://schemas.microsoft.com/office/powerpoint/2010/main" val="1857018496"/>
+                <p14:modId xmlns:p14="http://schemas.microsoft.com/office/powerpoint/2010/main" val="33574158"/>
               </p:ext>
             </p:extLst>
           </p:nvPr>
         </p:nvGraphicFramePr>
         <p:xfrm>
-          <a:off x="1010662" y="2192089"/>
-          <a:ext cx="4230918" cy="2377440"/>
+          <a:off x="1010662" y="2025851"/>
+          <a:ext cx="4230918" cy="2682240"/>
         </p:xfrm>
         <a:graphic>
           <a:graphicData uri="http://schemas.openxmlformats.org/drawingml/2006/table">
@@ -8907,6 +10238,13 @@
                     <a:bodyPr/>
                     <a:lstStyle/>
                     <a:p>
+                      <a:r>
+                        <a:rPr kumimoji="1" lang="ja-JP" altLang="en-US" sz="2000"/>
+                        <a:t>適応度評価</a:t>
+                      </a:r>
+                      <a:br>
+                        <a:rPr kumimoji="1" lang="en-US" altLang="ja-JP" sz="2000" dirty="0"/>
+                      </a:br>
                       <a:r>
                         <a:rPr kumimoji="1" lang="ja-JP" altLang="en-US" sz="2000"/>
                         <a:t>エポック数</a:t>
@@ -9115,7 +10453,7 @@
         <p:spPr>
           <a:xfrm>
             <a:off x="778212" y="4916664"/>
-            <a:ext cx="6449201" cy="461665"/>
+            <a:ext cx="6418745" cy="461665"/>
           </a:xfrm>
           <a:prstGeom prst="rect">
             <a:avLst/>
@@ -9128,14 +10466,10 @@
           </a:bodyPr>
           <a:lstStyle/>
           <a:p>
-            <a:pPr marL="285750" indent="-285750">
+            <a:pPr marL="342900" indent="-342900">
               <a:buFont typeface="Wingdings" pitchFamily="2" charset="2"/>
               <a:buChar char="p"/>
             </a:pPr>
-            <a:r>
-              <a:rPr lang="en-US" altLang="ja-JP" sz="2400" dirty="0"/>
-              <a:t> </a:t>
-            </a:r>
             <a:r>
               <a:rPr lang="ja-JP" altLang="en-US" sz="2400"/>
               <a:t>エポック数増加と減少の</a:t>
@@ -9401,7 +10735,7 @@
 </p:sld>
 </file>
 
-<file path=ppt/slides/slide21.xml><?xml version="1.0" encoding="utf-8"?>
+<file path=ppt/slides/slide2.xml><?xml version="1.0" encoding="utf-8"?>
 <p:sld xmlns:a="http://schemas.openxmlformats.org/drawingml/2006/main" xmlns:r="http://schemas.openxmlformats.org/officeDocument/2006/relationships" xmlns:p="http://schemas.openxmlformats.org/presentationml/2006/main">
   <p:cSld>
     <p:spTree>
@@ -9423,7 +10757,7 @@
           <p:cNvPr id="2" name="タイトル 1">
             <a:extLst>
               <a:ext uri="{FF2B5EF4-FFF2-40B4-BE49-F238E27FC236}">
-                <a16:creationId xmlns:a16="http://schemas.microsoft.com/office/drawing/2014/main" id="{AE06C5E3-433B-6E6C-94C8-F1F43658EDBB}"/>
+                <a16:creationId xmlns:a16="http://schemas.microsoft.com/office/drawing/2014/main" id="{DA6841C3-0E6C-BFA1-5D04-4112F1117102}"/>
               </a:ext>
             </a:extLst>
           </p:cNvPr>
@@ -9441,26 +10775,17 @@
           <a:p>
             <a:r>
               <a:rPr kumimoji="1" lang="ja-JP" altLang="en-US"/>
-              <a:t>実験</a:t>
-            </a:r>
-            <a:r>
-              <a:rPr kumimoji="1" lang="en-US" altLang="ja-JP" dirty="0"/>
-              <a:t> 1, 2 </a:t>
-            </a:r>
-            <a:r>
-              <a:rPr lang="ja-JP" altLang="en-US"/>
-              <a:t>実験条件</a:t>
-            </a:r>
-            <a:endParaRPr kumimoji="1" lang="ja-JP" altLang="en-US"/>
-          </a:p>
-        </p:txBody>
-      </p:sp>
-      <p:sp>
-        <p:nvSpPr>
-          <p:cNvPr id="3" name="スライド番号プレースホルダー 2">
-            <a:extLst>
-              <a:ext uri="{FF2B5EF4-FFF2-40B4-BE49-F238E27FC236}">
-                <a16:creationId xmlns:a16="http://schemas.microsoft.com/office/drawing/2014/main" id="{CAF098BE-0757-EDBE-2A0E-BA1E900F1178}"/>
+              <a:t>目次</a:t>
+            </a:r>
+          </a:p>
+        </p:txBody>
+      </p:sp>
+      <p:sp>
+        <p:nvSpPr>
+          <p:cNvPr id="4" name="スライド番号プレースホルダー 3">
+            <a:extLst>
+              <a:ext uri="{FF2B5EF4-FFF2-40B4-BE49-F238E27FC236}">
+                <a16:creationId xmlns:a16="http://schemas.microsoft.com/office/drawing/2014/main" id="{20D20625-8135-BA1D-11A0-E3466265CE7C}"/>
               </a:ext>
             </a:extLst>
           </p:cNvPr>
@@ -9479,7 +10804,188 @@
             <a:pPr lvl="0"/>
             <a:fld id="{004900ED-2EFD-2142-93A1-1CBA90FDE07B}" type="slidenum">
               <a:rPr lang="en-US" altLang="ja-JP" smtClean="0"/>
-              <a:t>21</a:t>
+              <a:t>2</a:t>
+            </a:fld>
+            <a:endParaRPr lang="ja-JP" altLang="en-US"/>
+          </a:p>
+        </p:txBody>
+      </p:sp>
+      <p:sp>
+        <p:nvSpPr>
+          <p:cNvPr id="3" name="テキスト ボックス 2">
+            <a:extLst>
+              <a:ext uri="{FF2B5EF4-FFF2-40B4-BE49-F238E27FC236}">
+                <a16:creationId xmlns:a16="http://schemas.microsoft.com/office/drawing/2014/main" id="{CFCE3529-0348-FAC9-4C81-ACEA9BA72623}"/>
+              </a:ext>
+            </a:extLst>
+          </p:cNvPr>
+          <p:cNvSpPr txBox="1"/>
+          <p:nvPr/>
+        </p:nvSpPr>
+        <p:spPr>
+          <a:xfrm>
+            <a:off x="519837" y="1411535"/>
+            <a:ext cx="3877985" cy="3425168"/>
+          </a:xfrm>
+          <a:prstGeom prst="rect">
+            <a:avLst/>
+          </a:prstGeom>
+          <a:noFill/>
+        </p:spPr>
+        <p:txBody>
+          <a:bodyPr wrap="none" rtlCol="0">
+            <a:spAutoFit/>
+          </a:bodyPr>
+          <a:lstStyle/>
+          <a:p>
+            <a:pPr marL="457200" indent="-457200">
+              <a:lnSpc>
+                <a:spcPct val="200000"/>
+              </a:lnSpc>
+              <a:buFont typeface="Wingdings" pitchFamily="2" charset="2"/>
+              <a:buChar char="Ø"/>
+            </a:pPr>
+            <a:r>
+              <a:rPr lang="ja-JP" altLang="en-US" sz="2800"/>
+              <a:t>はじめに</a:t>
+            </a:r>
+            <a:endParaRPr lang="en-US" altLang="ja-JP" sz="2800" dirty="0"/>
+          </a:p>
+          <a:p>
+            <a:pPr marL="457200" indent="-457200">
+              <a:lnSpc>
+                <a:spcPct val="200000"/>
+              </a:lnSpc>
+              <a:buFont typeface="Wingdings" pitchFamily="2" charset="2"/>
+              <a:buChar char="Ø"/>
+            </a:pPr>
+            <a:r>
+              <a:rPr lang="ja-JP" altLang="en-US" sz="2800"/>
+              <a:t>要素技術</a:t>
+            </a:r>
+            <a:endParaRPr lang="en-US" altLang="ja-JP" sz="2800" dirty="0"/>
+          </a:p>
+          <a:p>
+            <a:pPr marL="457200" indent="-457200">
+              <a:lnSpc>
+                <a:spcPct val="200000"/>
+              </a:lnSpc>
+              <a:buFont typeface="Wingdings" pitchFamily="2" charset="2"/>
+              <a:buChar char="Ø"/>
+            </a:pPr>
+            <a:r>
+              <a:rPr lang="ja-JP" altLang="en-US" sz="2800"/>
+              <a:t>実験</a:t>
+            </a:r>
+            <a:endParaRPr lang="en-US" altLang="ja-JP" sz="2800" dirty="0"/>
+          </a:p>
+          <a:p>
+            <a:pPr marL="457200" indent="-457200">
+              <a:lnSpc>
+                <a:spcPct val="200000"/>
+              </a:lnSpc>
+              <a:buFont typeface="Wingdings" pitchFamily="2" charset="2"/>
+              <a:buChar char="Ø"/>
+            </a:pPr>
+            <a:r>
+              <a:rPr lang="ja-JP" altLang="en-US" sz="2800"/>
+              <a:t>まとめと今後の課題</a:t>
+            </a:r>
+          </a:p>
+        </p:txBody>
+      </p:sp>
+    </p:spTree>
+    <p:extLst>
+      <p:ext uri="{BB962C8B-B14F-4D97-AF65-F5344CB8AC3E}">
+        <p14:creationId xmlns:p14="http://schemas.microsoft.com/office/powerpoint/2010/main" val="934417076"/>
+      </p:ext>
+    </p:extLst>
+  </p:cSld>
+  <p:clrMapOvr>
+    <a:masterClrMapping/>
+  </p:clrMapOvr>
+</p:sld>
+</file>
+
+<file path=ppt/slides/slide20.xml><?xml version="1.0" encoding="utf-8"?>
+<p:sld xmlns:a="http://schemas.openxmlformats.org/drawingml/2006/main" xmlns:r="http://schemas.openxmlformats.org/officeDocument/2006/relationships" xmlns:p="http://schemas.openxmlformats.org/presentationml/2006/main">
+  <p:cSld>
+    <p:spTree>
+      <p:nvGrpSpPr>
+        <p:cNvPr id="1" name=""/>
+        <p:cNvGrpSpPr/>
+        <p:nvPr/>
+      </p:nvGrpSpPr>
+      <p:grpSpPr>
+        <a:xfrm>
+          <a:off x="0" y="0"/>
+          <a:ext cx="0" cy="0"/>
+          <a:chOff x="0" y="0"/>
+          <a:chExt cx="0" cy="0"/>
+        </a:xfrm>
+      </p:grpSpPr>
+      <p:sp>
+        <p:nvSpPr>
+          <p:cNvPr id="2" name="タイトル 1">
+            <a:extLst>
+              <a:ext uri="{FF2B5EF4-FFF2-40B4-BE49-F238E27FC236}">
+                <a16:creationId xmlns:a16="http://schemas.microsoft.com/office/drawing/2014/main" id="{AE06C5E3-433B-6E6C-94C8-F1F43658EDBB}"/>
+              </a:ext>
+            </a:extLst>
+          </p:cNvPr>
+          <p:cNvSpPr>
+            <a:spLocks noGrp="1"/>
+          </p:cNvSpPr>
+          <p:nvPr>
+            <p:ph type="title"/>
+          </p:nvPr>
+        </p:nvSpPr>
+        <p:spPr/>
+        <p:txBody>
+          <a:bodyPr/>
+          <a:lstStyle/>
+          <a:p>
+            <a:r>
+              <a:rPr kumimoji="1" lang="ja-JP" altLang="en-US"/>
+              <a:t>実験</a:t>
+            </a:r>
+            <a:r>
+              <a:rPr kumimoji="1" lang="en-US" altLang="ja-JP" dirty="0"/>
+              <a:t> 1, 2 </a:t>
+            </a:r>
+            <a:r>
+              <a:rPr lang="ja-JP" altLang="en-US"/>
+              <a:t>実験条件</a:t>
+            </a:r>
+            <a:endParaRPr kumimoji="1" lang="ja-JP" altLang="en-US"/>
+          </a:p>
+        </p:txBody>
+      </p:sp>
+      <p:sp>
+        <p:nvSpPr>
+          <p:cNvPr id="3" name="スライド番号プレースホルダー 2">
+            <a:extLst>
+              <a:ext uri="{FF2B5EF4-FFF2-40B4-BE49-F238E27FC236}">
+                <a16:creationId xmlns:a16="http://schemas.microsoft.com/office/drawing/2014/main" id="{CAF098BE-0757-EDBE-2A0E-BA1E900F1178}"/>
+              </a:ext>
+            </a:extLst>
+          </p:cNvPr>
+          <p:cNvSpPr>
+            <a:spLocks noGrp="1"/>
+          </p:cNvSpPr>
+          <p:nvPr>
+            <p:ph type="sldNum" sz="quarter" idx="12"/>
+          </p:nvPr>
+        </p:nvSpPr>
+        <p:spPr/>
+        <p:txBody>
+          <a:bodyPr/>
+          <a:lstStyle/>
+          <a:p>
+            <a:pPr lvl="0"/>
+            <a:fld id="{004900ED-2EFD-2142-93A1-1CBA90FDE07B}" type="slidenum">
+              <a:rPr lang="en-US" altLang="ja-JP" smtClean="0"/>
+              <a:t>20</a:t>
             </a:fld>
             <a:endParaRPr lang="ja-JP" altLang="en-US"/>
           </a:p>
@@ -9966,7 +11472,7 @@
 </p:sld>
 </file>
 
-<file path=ppt/slides/slide22.xml><?xml version="1.0" encoding="utf-8"?>
+<file path=ppt/slides/slide21.xml><?xml version="1.0" encoding="utf-8"?>
 <p:sld xmlns:a="http://schemas.openxmlformats.org/drawingml/2006/main" xmlns:r="http://schemas.openxmlformats.org/officeDocument/2006/relationships" xmlns:p="http://schemas.openxmlformats.org/presentationml/2006/main">
   <p:cSld>
     <p:spTree>
@@ -9988,7 +11494,7 @@
           <p:cNvPr id="2" name="タイトル 1">
             <a:extLst>
               <a:ext uri="{FF2B5EF4-FFF2-40B4-BE49-F238E27FC236}">
-                <a16:creationId xmlns:a16="http://schemas.microsoft.com/office/drawing/2014/main" id="{DA6841C3-0E6C-BFA1-5D04-4112F1117102}"/>
+                <a16:creationId xmlns:a16="http://schemas.microsoft.com/office/drawing/2014/main" id="{D159CF40-CD8C-21A6-0A3D-8CF370B562A6}"/>
               </a:ext>
             </a:extLst>
           </p:cNvPr>
@@ -10005,18 +11511,19 @@
           <a:lstStyle/>
           <a:p>
             <a:r>
-              <a:rPr kumimoji="1" lang="ja-JP" altLang="en-US"/>
-              <a:t>目次</a:t>
-            </a:r>
-          </a:p>
-        </p:txBody>
-      </p:sp>
-      <p:sp>
-        <p:nvSpPr>
-          <p:cNvPr id="4" name="スライド番号プレースホルダー 3">
-            <a:extLst>
-              <a:ext uri="{FF2B5EF4-FFF2-40B4-BE49-F238E27FC236}">
-                <a16:creationId xmlns:a16="http://schemas.microsoft.com/office/drawing/2014/main" id="{20D20625-8135-BA1D-11A0-E3466265CE7C}"/>
+              <a:rPr lang="ja-JP" altLang="en-US"/>
+              <a:t>初期個体群の作成結果</a:t>
+            </a:r>
+            <a:endParaRPr kumimoji="1" lang="ja-JP" altLang="en-US"/>
+          </a:p>
+        </p:txBody>
+      </p:sp>
+      <p:sp>
+        <p:nvSpPr>
+          <p:cNvPr id="3" name="スライド番号プレースホルダー 2">
+            <a:extLst>
+              <a:ext uri="{FF2B5EF4-FFF2-40B4-BE49-F238E27FC236}">
+                <a16:creationId xmlns:a16="http://schemas.microsoft.com/office/drawing/2014/main" id="{37968868-915E-15E5-AB4E-1366F32A281D}"/>
               </a:ext>
             </a:extLst>
           </p:cNvPr>
@@ -10035,7 +11542,7 @@
             <a:pPr lvl="0"/>
             <a:fld id="{004900ED-2EFD-2142-93A1-1CBA90FDE07B}" type="slidenum">
               <a:rPr lang="en-US" altLang="ja-JP" smtClean="0"/>
-              <a:t>22</a:t>
+              <a:t>21</a:t>
             </a:fld>
             <a:endParaRPr lang="ja-JP" altLang="en-US"/>
           </a:p>
@@ -10043,10 +11550,10 @@
       </p:sp>
       <p:sp>
         <p:nvSpPr>
-          <p:cNvPr id="3" name="テキスト ボックス 2">
-            <a:extLst>
-              <a:ext uri="{FF2B5EF4-FFF2-40B4-BE49-F238E27FC236}">
-                <a16:creationId xmlns:a16="http://schemas.microsoft.com/office/drawing/2014/main" id="{CFCE3529-0348-FAC9-4C81-ACEA9BA72623}"/>
+          <p:cNvPr id="6" name="テキスト ボックス 5">
+            <a:extLst>
+              <a:ext uri="{FF2B5EF4-FFF2-40B4-BE49-F238E27FC236}">
+                <a16:creationId xmlns:a16="http://schemas.microsoft.com/office/drawing/2014/main" id="{A207E860-D865-0DDC-7593-9654B40A604B}"/>
               </a:ext>
             </a:extLst>
           </p:cNvPr>
@@ -10055,8 +11562,8 @@
         </p:nvSpPr>
         <p:spPr>
           <a:xfrm>
-            <a:off x="919691" y="1259079"/>
-            <a:ext cx="3877985" cy="3909917"/>
+            <a:off x="360464" y="1439189"/>
+            <a:ext cx="5838458" cy="830997"/>
           </a:xfrm>
           <a:prstGeom prst="rect">
             <a:avLst/>
@@ -10069,262 +11576,7 @@
           </a:bodyPr>
           <a:lstStyle/>
           <a:p>
-            <a:pPr marL="457200" indent="-457200">
-              <a:lnSpc>
-                <a:spcPct val="150000"/>
-              </a:lnSpc>
-              <a:buFont typeface="Wingdings" pitchFamily="2" charset="2"/>
-              <a:buChar char="Ø"/>
-            </a:pPr>
-            <a:r>
-              <a:rPr lang="ja-JP" altLang="en-US" sz="2800">
-                <a:solidFill>
-                  <a:schemeClr val="bg2">
-                    <a:lumMod val="75000"/>
-                  </a:schemeClr>
-                </a:solidFill>
-              </a:rPr>
-              <a:t>はじめに</a:t>
-            </a:r>
-            <a:endParaRPr lang="en-US" altLang="ja-JP" sz="2800" dirty="0">
-              <a:solidFill>
-                <a:schemeClr val="bg2">
-                  <a:lumMod val="75000"/>
-                </a:schemeClr>
-              </a:solidFill>
-            </a:endParaRPr>
-          </a:p>
-          <a:p>
-            <a:pPr marL="457200" indent="-457200">
-              <a:lnSpc>
-                <a:spcPct val="150000"/>
-              </a:lnSpc>
-              <a:buFont typeface="Wingdings" pitchFamily="2" charset="2"/>
-              <a:buChar char="Ø"/>
-            </a:pPr>
-            <a:r>
-              <a:rPr lang="ja-JP" altLang="en-US" sz="2800">
-                <a:solidFill>
-                  <a:schemeClr val="bg2">
-                    <a:lumMod val="75000"/>
-                  </a:schemeClr>
-                </a:solidFill>
-              </a:rPr>
-              <a:t>要素技術</a:t>
-            </a:r>
-            <a:endParaRPr lang="en-US" altLang="ja-JP" sz="2800" dirty="0">
-              <a:solidFill>
-                <a:schemeClr val="bg2">
-                  <a:lumMod val="75000"/>
-                </a:schemeClr>
-              </a:solidFill>
-            </a:endParaRPr>
-          </a:p>
-          <a:p>
-            <a:pPr marL="457200" indent="-457200">
-              <a:lnSpc>
-                <a:spcPct val="150000"/>
-              </a:lnSpc>
-              <a:buFont typeface="Wingdings" pitchFamily="2" charset="2"/>
-              <a:buChar char="Ø"/>
-            </a:pPr>
-            <a:r>
-              <a:rPr lang="ja-JP" altLang="en-US" sz="2800">
-                <a:solidFill>
-                  <a:schemeClr val="bg2">
-                    <a:lumMod val="75000"/>
-                  </a:schemeClr>
-                </a:solidFill>
-              </a:rPr>
-              <a:t>提案手法</a:t>
-            </a:r>
-            <a:endParaRPr lang="en-US" altLang="ja-JP" sz="2800" dirty="0">
-              <a:solidFill>
-                <a:schemeClr val="bg2">
-                  <a:lumMod val="75000"/>
-                </a:schemeClr>
-              </a:solidFill>
-            </a:endParaRPr>
-          </a:p>
-          <a:p>
-            <a:pPr marL="457200" indent="-457200">
-              <a:lnSpc>
-                <a:spcPct val="150000"/>
-              </a:lnSpc>
-              <a:buFont typeface="Wingdings" pitchFamily="2" charset="2"/>
-              <a:buChar char="Ø"/>
-            </a:pPr>
-            <a:r>
-              <a:rPr lang="ja-JP" altLang="en-US" sz="2800">
-                <a:solidFill>
-                  <a:schemeClr val="bg2">
-                    <a:lumMod val="75000"/>
-                  </a:schemeClr>
-                </a:solidFill>
-              </a:rPr>
-              <a:t>実験概要</a:t>
-            </a:r>
-            <a:endParaRPr lang="en-US" altLang="ja-JP" sz="2800" dirty="0">
-              <a:solidFill>
-                <a:schemeClr val="bg2">
-                  <a:lumMod val="75000"/>
-                </a:schemeClr>
-              </a:solidFill>
-            </a:endParaRPr>
-          </a:p>
-          <a:p>
-            <a:pPr marL="457200" indent="-457200">
-              <a:lnSpc>
-                <a:spcPct val="150000"/>
-              </a:lnSpc>
-              <a:buFont typeface="Wingdings" pitchFamily="2" charset="2"/>
-              <a:buChar char="Ø"/>
-            </a:pPr>
-            <a:r>
-              <a:rPr lang="ja-JP" altLang="en-US" sz="2800"/>
-              <a:t>実験結果</a:t>
-            </a:r>
-            <a:endParaRPr lang="en-US" altLang="ja-JP" sz="2800" dirty="0"/>
-          </a:p>
-          <a:p>
-            <a:pPr marL="457200" indent="-457200">
-              <a:lnSpc>
-                <a:spcPct val="150000"/>
-              </a:lnSpc>
-              <a:buFont typeface="Wingdings" pitchFamily="2" charset="2"/>
-              <a:buChar char="Ø"/>
-            </a:pPr>
-            <a:r>
-              <a:rPr lang="ja-JP" altLang="en-US" sz="2800">
-                <a:solidFill>
-                  <a:schemeClr val="bg2">
-                    <a:lumMod val="75000"/>
-                  </a:schemeClr>
-                </a:solidFill>
-              </a:rPr>
-              <a:t>まとめと今後の課題</a:t>
-            </a:r>
-          </a:p>
-        </p:txBody>
-      </p:sp>
-    </p:spTree>
-    <p:extLst>
-      <p:ext uri="{BB962C8B-B14F-4D97-AF65-F5344CB8AC3E}">
-        <p14:creationId xmlns:p14="http://schemas.microsoft.com/office/powerpoint/2010/main" val="2689984932"/>
-      </p:ext>
-    </p:extLst>
-  </p:cSld>
-  <p:clrMapOvr>
-    <a:masterClrMapping/>
-  </p:clrMapOvr>
-</p:sld>
-</file>
-
-<file path=ppt/slides/slide23.xml><?xml version="1.0" encoding="utf-8"?>
-<p:sld xmlns:a="http://schemas.openxmlformats.org/drawingml/2006/main" xmlns:r="http://schemas.openxmlformats.org/officeDocument/2006/relationships" xmlns:p="http://schemas.openxmlformats.org/presentationml/2006/main">
-  <p:cSld>
-    <p:spTree>
-      <p:nvGrpSpPr>
-        <p:cNvPr id="1" name=""/>
-        <p:cNvGrpSpPr/>
-        <p:nvPr/>
-      </p:nvGrpSpPr>
-      <p:grpSpPr>
-        <a:xfrm>
-          <a:off x="0" y="0"/>
-          <a:ext cx="0" cy="0"/>
-          <a:chOff x="0" y="0"/>
-          <a:chExt cx="0" cy="0"/>
-        </a:xfrm>
-      </p:grpSpPr>
-      <p:sp>
-        <p:nvSpPr>
-          <p:cNvPr id="2" name="タイトル 1">
-            <a:extLst>
-              <a:ext uri="{FF2B5EF4-FFF2-40B4-BE49-F238E27FC236}">
-                <a16:creationId xmlns:a16="http://schemas.microsoft.com/office/drawing/2014/main" id="{D159CF40-CD8C-21A6-0A3D-8CF370B562A6}"/>
-              </a:ext>
-            </a:extLst>
-          </p:cNvPr>
-          <p:cNvSpPr>
-            <a:spLocks noGrp="1"/>
-          </p:cNvSpPr>
-          <p:nvPr>
-            <p:ph type="title"/>
-          </p:nvPr>
-        </p:nvSpPr>
-        <p:spPr/>
-        <p:txBody>
-          <a:bodyPr/>
-          <a:lstStyle/>
-          <a:p>
-            <a:r>
-              <a:rPr lang="ja-JP" altLang="en-US"/>
-              <a:t>初期個体群の作成</a:t>
-            </a:r>
-            <a:endParaRPr kumimoji="1" lang="ja-JP" altLang="en-US"/>
-          </a:p>
-        </p:txBody>
-      </p:sp>
-      <p:sp>
-        <p:nvSpPr>
-          <p:cNvPr id="3" name="スライド番号プレースホルダー 2">
-            <a:extLst>
-              <a:ext uri="{FF2B5EF4-FFF2-40B4-BE49-F238E27FC236}">
-                <a16:creationId xmlns:a16="http://schemas.microsoft.com/office/drawing/2014/main" id="{37968868-915E-15E5-AB4E-1366F32A281D}"/>
-              </a:ext>
-            </a:extLst>
-          </p:cNvPr>
-          <p:cNvSpPr>
-            <a:spLocks noGrp="1"/>
-          </p:cNvSpPr>
-          <p:nvPr>
-            <p:ph type="sldNum" sz="quarter" idx="12"/>
-          </p:nvPr>
-        </p:nvSpPr>
-        <p:spPr/>
-        <p:txBody>
-          <a:bodyPr/>
-          <a:lstStyle/>
-          <a:p>
-            <a:pPr lvl="0"/>
-            <a:fld id="{004900ED-2EFD-2142-93A1-1CBA90FDE07B}" type="slidenum">
-              <a:rPr lang="en-US" altLang="ja-JP" smtClean="0"/>
-              <a:t>23</a:t>
-            </a:fld>
-            <a:endParaRPr lang="ja-JP" altLang="en-US"/>
-          </a:p>
-        </p:txBody>
-      </p:sp>
-      <p:sp>
-        <p:nvSpPr>
-          <p:cNvPr id="6" name="テキスト ボックス 5">
-            <a:extLst>
-              <a:ext uri="{FF2B5EF4-FFF2-40B4-BE49-F238E27FC236}">
-                <a16:creationId xmlns:a16="http://schemas.microsoft.com/office/drawing/2014/main" id="{A207E860-D865-0DDC-7593-9654B40A604B}"/>
-              </a:ext>
-            </a:extLst>
-          </p:cNvPr>
-          <p:cNvSpPr txBox="1"/>
-          <p:nvPr/>
-        </p:nvSpPr>
-        <p:spPr>
-          <a:xfrm>
-            <a:off x="360464" y="1439189"/>
-            <a:ext cx="5780750" cy="830997"/>
-          </a:xfrm>
-          <a:prstGeom prst="rect">
-            <a:avLst/>
-          </a:prstGeom>
-          <a:noFill/>
-        </p:spPr>
-        <p:txBody>
-          <a:bodyPr wrap="none" rtlCol="0">
-            <a:spAutoFit/>
-          </a:bodyPr>
-          <a:lstStyle/>
-          <a:p>
-            <a:pPr marL="285750" indent="-285750">
+            <a:pPr marL="342900" indent="-342900">
               <a:buFont typeface="Wingdings" pitchFamily="2" charset="2"/>
               <a:buChar char="p"/>
             </a:pPr>
@@ -10402,7 +11654,7 @@
             <p:nvPr/>
           </p:nvPicPr>
           <p:blipFill rotWithShape="1">
-            <a:blip r:embed="rId2"/>
+            <a:blip r:embed="rId3"/>
             <a:srcRect l="3648" t="10090" r="9806"/>
             <a:stretch/>
           </p:blipFill>
@@ -10431,7 +11683,7 @@
             <p:nvPr/>
           </p:nvPicPr>
           <p:blipFill rotWithShape="1">
-            <a:blip r:embed="rId3"/>
+            <a:blip r:embed="rId4"/>
             <a:srcRect l="3546" t="10024" r="7323"/>
             <a:stretch/>
           </p:blipFill>
@@ -10499,7 +11751,7 @@
 </p:sld>
 </file>
 
-<file path=ppt/slides/slide24.xml><?xml version="1.0" encoding="utf-8"?>
+<file path=ppt/slides/slide22.xml><?xml version="1.0" encoding="utf-8"?>
 <p:sld xmlns:a="http://schemas.openxmlformats.org/drawingml/2006/main" xmlns:r="http://schemas.openxmlformats.org/officeDocument/2006/relationships" xmlns:p="http://schemas.openxmlformats.org/presentationml/2006/main">
   <p:cSld>
     <p:spTree>
@@ -10586,7 +11838,7 @@
             <a:pPr lvl="0"/>
             <a:fld id="{004900ED-2EFD-2142-93A1-1CBA90FDE07B}" type="slidenum">
               <a:rPr lang="en-US" altLang="ja-JP" smtClean="0"/>
-              <a:t>24</a:t>
+              <a:t>22</a:t>
             </a:fld>
             <a:endParaRPr lang="ja-JP" altLang="en-US"/>
           </a:p>
@@ -11072,7 +12324,7 @@
         <p:spPr>
           <a:xfrm>
             <a:off x="616258" y="1262091"/>
-            <a:ext cx="6013185" cy="830997"/>
+            <a:ext cx="6070893" cy="830997"/>
           </a:xfrm>
           <a:prstGeom prst="rect">
             <a:avLst/>
@@ -11085,7 +12337,7 @@
           </a:bodyPr>
           <a:lstStyle/>
           <a:p>
-            <a:pPr marL="285750" indent="-285750">
+            <a:pPr marL="342900" indent="-342900">
               <a:buFont typeface="Wingdings" pitchFamily="2" charset="2"/>
               <a:buChar char="p"/>
             </a:pPr>
@@ -11641,7 +12893,7 @@
 </p:sld>
 </file>
 
-<file path=ppt/slides/slide25.xml><?xml version="1.0" encoding="utf-8"?>
+<file path=ppt/slides/slide23.xml><?xml version="1.0" encoding="utf-8"?>
 <p:sld xmlns:a="http://schemas.openxmlformats.org/drawingml/2006/main" xmlns:r="http://schemas.openxmlformats.org/officeDocument/2006/relationships" xmlns:p="http://schemas.openxmlformats.org/presentationml/2006/main">
   <p:cSld>
     <p:spTree>
@@ -11723,7 +12975,7 @@
             <a:pPr lvl="0"/>
             <a:fld id="{004900ED-2EFD-2142-93A1-1CBA90FDE07B}" type="slidenum">
               <a:rPr lang="en-US" altLang="ja-JP" smtClean="0"/>
-              <a:t>25</a:t>
+              <a:t>23</a:t>
             </a:fld>
             <a:endParaRPr lang="ja-JP" altLang="en-US"/>
           </a:p>
@@ -11866,7 +13118,7 @@
 </p:sld>
 </file>
 
-<file path=ppt/slides/slide26.xml><?xml version="1.0" encoding="utf-8"?>
+<file path=ppt/slides/slide24.xml><?xml version="1.0" encoding="utf-8"?>
 <p:sld xmlns:a="http://schemas.openxmlformats.org/drawingml/2006/main" xmlns:r="http://schemas.openxmlformats.org/officeDocument/2006/relationships" xmlns:p="http://schemas.openxmlformats.org/presentationml/2006/main">
   <p:cSld>
     <p:spTree>
@@ -11953,7 +13205,7 @@
             <a:pPr lvl="0"/>
             <a:fld id="{004900ED-2EFD-2142-93A1-1CBA90FDE07B}" type="slidenum">
               <a:rPr lang="en-US" altLang="ja-JP" smtClean="0"/>
-              <a:t>26</a:t>
+              <a:t>24</a:t>
             </a:fld>
             <a:endParaRPr lang="ja-JP" altLang="en-US"/>
           </a:p>
@@ -12550,7 +13802,7 @@
         <p:spPr>
           <a:xfrm>
             <a:off x="433390" y="1622015"/>
-            <a:ext cx="6013185" cy="830997"/>
+            <a:ext cx="6070893" cy="830997"/>
           </a:xfrm>
           <a:prstGeom prst="rect">
             <a:avLst/>
@@ -12563,7 +13815,7 @@
           </a:bodyPr>
           <a:lstStyle/>
           <a:p>
-            <a:pPr marL="285750" indent="-285750">
+            <a:pPr marL="342900" indent="-342900">
               <a:buFont typeface="Wingdings" pitchFamily="2" charset="2"/>
               <a:buChar char="p"/>
             </a:pPr>
@@ -12597,7 +13849,7 @@
         <p:spPr>
           <a:xfrm>
             <a:off x="433390" y="4355096"/>
-            <a:ext cx="6936514" cy="830997"/>
+            <a:ext cx="6994222" cy="830997"/>
           </a:xfrm>
           <a:prstGeom prst="rect">
             <a:avLst/>
@@ -12610,7 +13862,7 @@
           </a:bodyPr>
           <a:lstStyle/>
           <a:p>
-            <a:pPr marL="285750" indent="-285750">
+            <a:pPr marL="342900" indent="-342900">
               <a:buFont typeface="Wingdings" pitchFamily="2" charset="2"/>
               <a:buChar char="p"/>
             </a:pPr>
@@ -12641,7 +13893,7 @@
 </p:sld>
 </file>
 
-<file path=ppt/slides/slide27.xml><?xml version="1.0" encoding="utf-8"?>
+<file path=ppt/slides/slide25.xml><?xml version="1.0" encoding="utf-8"?>
 <p:sld xmlns:a="http://schemas.openxmlformats.org/drawingml/2006/main" xmlns:r="http://schemas.openxmlformats.org/officeDocument/2006/relationships" xmlns:p="http://schemas.openxmlformats.org/presentationml/2006/main">
   <p:cSld>
     <p:spTree>
@@ -12723,7 +13975,7 @@
             <a:pPr lvl="0"/>
             <a:fld id="{004900ED-2EFD-2142-93A1-1CBA90FDE07B}" type="slidenum">
               <a:rPr lang="en-US" altLang="ja-JP" smtClean="0"/>
-              <a:t>27</a:t>
+              <a:t>25</a:t>
             </a:fld>
             <a:endParaRPr lang="ja-JP" altLang="en-US"/>
           </a:p>
@@ -12868,7 +14120,7 @@
         <p:spPr>
           <a:xfrm>
             <a:off x="519837" y="4004903"/>
-            <a:ext cx="6716903" cy="1200329"/>
+            <a:ext cx="6774611" cy="1200329"/>
           </a:xfrm>
           <a:prstGeom prst="rect">
             <a:avLst/>
@@ -12881,56 +14133,462 @@
           </a:bodyPr>
           <a:lstStyle/>
           <a:p>
+            <a:pPr marL="342900" indent="-342900">
+              <a:buFont typeface="Wingdings" pitchFamily="2" charset="2"/>
+              <a:buChar char="p"/>
+            </a:pPr>
+            <a:r>
+              <a:rPr lang="ja-JP" altLang="en-US" sz="2400"/>
+              <a:t>本学習は</a:t>
+            </a:r>
+            <a:r>
+              <a:rPr lang="en-US" altLang="ja-JP" sz="2400" dirty="0"/>
+              <a:t> 100 </a:t>
+            </a:r>
+            <a:r>
+              <a:rPr lang="ja-JP" altLang="en-US" sz="2400"/>
+              <a:t>エポック</a:t>
+            </a:r>
+            <a:br>
+              <a:rPr lang="en-US" altLang="ja-JP" sz="2400" dirty="0"/>
+            </a:br>
+            <a:r>
+              <a:rPr lang="en-US" altLang="ja-JP" sz="2400" dirty="0"/>
+              <a:t>→ </a:t>
+            </a:r>
+            <a:r>
+              <a:rPr lang="ja-JP" altLang="en-US" sz="2400"/>
+              <a:t>本学習直前に多いエポック数で評価すると</a:t>
+            </a:r>
+            <a:br>
+              <a:rPr lang="en-US" altLang="ja-JP" sz="2400" dirty="0"/>
+            </a:br>
+            <a:r>
+              <a:rPr lang="ja-JP" altLang="en-US" sz="2400"/>
+              <a:t>　</a:t>
+            </a:r>
+            <a:r>
+              <a:rPr lang="en-US" altLang="ja-JP" sz="2400" dirty="0"/>
+              <a:t> </a:t>
+            </a:r>
+            <a:r>
+              <a:rPr lang="ja-JP" altLang="en-US" sz="2400"/>
+              <a:t>本学習でも良い性能を発揮</a:t>
+            </a:r>
+            <a:endParaRPr kumimoji="1" lang="ja-JP" altLang="en-US" sz="2400"/>
+          </a:p>
+        </p:txBody>
+      </p:sp>
+    </p:spTree>
+    <p:extLst>
+      <p:ext uri="{BB962C8B-B14F-4D97-AF65-F5344CB8AC3E}">
+        <p14:creationId xmlns:p14="http://schemas.microsoft.com/office/powerpoint/2010/main" val="497698118"/>
+      </p:ext>
+    </p:extLst>
+  </p:cSld>
+  <p:clrMapOvr>
+    <a:masterClrMapping/>
+  </p:clrMapOvr>
+</p:sld>
+</file>
+
+<file path=ppt/slides/slide26.xml><?xml version="1.0" encoding="utf-8"?>
+<p:sld xmlns:a="http://schemas.openxmlformats.org/drawingml/2006/main" xmlns:r="http://schemas.openxmlformats.org/officeDocument/2006/relationships" xmlns:p="http://schemas.openxmlformats.org/presentationml/2006/main">
+  <p:cSld>
+    <p:spTree>
+      <p:nvGrpSpPr>
+        <p:cNvPr id="1" name=""/>
+        <p:cNvGrpSpPr/>
+        <p:nvPr/>
+      </p:nvGrpSpPr>
+      <p:grpSpPr>
+        <a:xfrm>
+          <a:off x="0" y="0"/>
+          <a:ext cx="0" cy="0"/>
+          <a:chOff x="0" y="0"/>
+          <a:chExt cx="0" cy="0"/>
+        </a:xfrm>
+      </p:grpSpPr>
+      <p:sp>
+        <p:nvSpPr>
+          <p:cNvPr id="2" name="タイトル 1">
+            <a:extLst>
+              <a:ext uri="{FF2B5EF4-FFF2-40B4-BE49-F238E27FC236}">
+                <a16:creationId xmlns:a16="http://schemas.microsoft.com/office/drawing/2014/main" id="{DA6841C3-0E6C-BFA1-5D04-4112F1117102}"/>
+              </a:ext>
+            </a:extLst>
+          </p:cNvPr>
+          <p:cNvSpPr>
+            <a:spLocks noGrp="1"/>
+          </p:cNvSpPr>
+          <p:nvPr>
+            <p:ph type="title"/>
+          </p:nvPr>
+        </p:nvSpPr>
+        <p:spPr/>
+        <p:txBody>
+          <a:bodyPr/>
+          <a:lstStyle/>
+          <a:p>
+            <a:r>
+              <a:rPr kumimoji="1" lang="ja-JP" altLang="en-US"/>
+              <a:t>目次</a:t>
+            </a:r>
+          </a:p>
+        </p:txBody>
+      </p:sp>
+      <p:sp>
+        <p:nvSpPr>
+          <p:cNvPr id="4" name="スライド番号プレースホルダー 3">
+            <a:extLst>
+              <a:ext uri="{FF2B5EF4-FFF2-40B4-BE49-F238E27FC236}">
+                <a16:creationId xmlns:a16="http://schemas.microsoft.com/office/drawing/2014/main" id="{20D20625-8135-BA1D-11A0-E3466265CE7C}"/>
+              </a:ext>
+            </a:extLst>
+          </p:cNvPr>
+          <p:cNvSpPr>
+            <a:spLocks noGrp="1"/>
+          </p:cNvSpPr>
+          <p:nvPr>
+            <p:ph type="sldNum" sz="quarter" idx="12"/>
+          </p:nvPr>
+        </p:nvSpPr>
+        <p:spPr/>
+        <p:txBody>
+          <a:bodyPr/>
+          <a:lstStyle/>
+          <a:p>
+            <a:pPr lvl="0"/>
+            <a:fld id="{004900ED-2EFD-2142-93A1-1CBA90FDE07B}" type="slidenum">
+              <a:rPr lang="en-US" altLang="ja-JP" smtClean="0"/>
+              <a:t>26</a:t>
+            </a:fld>
+            <a:endParaRPr lang="ja-JP" altLang="en-US"/>
+          </a:p>
+        </p:txBody>
+      </p:sp>
+      <p:sp>
+        <p:nvSpPr>
+          <p:cNvPr id="3" name="テキスト ボックス 2">
+            <a:extLst>
+              <a:ext uri="{FF2B5EF4-FFF2-40B4-BE49-F238E27FC236}">
+                <a16:creationId xmlns:a16="http://schemas.microsoft.com/office/drawing/2014/main" id="{CFCE3529-0348-FAC9-4C81-ACEA9BA72623}"/>
+              </a:ext>
+            </a:extLst>
+          </p:cNvPr>
+          <p:cNvSpPr txBox="1"/>
+          <p:nvPr/>
+        </p:nvSpPr>
+        <p:spPr>
+          <a:xfrm>
+            <a:off x="519837" y="1411535"/>
+            <a:ext cx="3877985" cy="3425168"/>
+          </a:xfrm>
+          <a:prstGeom prst="rect">
+            <a:avLst/>
+          </a:prstGeom>
+          <a:noFill/>
+        </p:spPr>
+        <p:txBody>
+          <a:bodyPr wrap="none" rtlCol="0">
+            <a:spAutoFit/>
+          </a:bodyPr>
+          <a:lstStyle/>
+          <a:p>
+            <a:pPr marL="457200" indent="-457200">
+              <a:lnSpc>
+                <a:spcPct val="200000"/>
+              </a:lnSpc>
+              <a:buFont typeface="Wingdings" pitchFamily="2" charset="2"/>
+              <a:buChar char="Ø"/>
+            </a:pPr>
+            <a:r>
+              <a:rPr lang="ja-JP" altLang="en-US" sz="2800">
+                <a:solidFill>
+                  <a:schemeClr val="bg2">
+                    <a:lumMod val="90000"/>
+                  </a:schemeClr>
+                </a:solidFill>
+              </a:rPr>
+              <a:t>はじめに</a:t>
+            </a:r>
+            <a:endParaRPr lang="en-US" altLang="ja-JP" sz="2800" dirty="0">
+              <a:solidFill>
+                <a:schemeClr val="bg2">
+                  <a:lumMod val="90000"/>
+                </a:schemeClr>
+              </a:solidFill>
+            </a:endParaRPr>
+          </a:p>
+          <a:p>
+            <a:pPr marL="457200" indent="-457200">
+              <a:lnSpc>
+                <a:spcPct val="200000"/>
+              </a:lnSpc>
+              <a:buFont typeface="Wingdings" pitchFamily="2" charset="2"/>
+              <a:buChar char="Ø"/>
+            </a:pPr>
+            <a:r>
+              <a:rPr lang="ja-JP" altLang="en-US" sz="2800">
+                <a:solidFill>
+                  <a:schemeClr val="bg2">
+                    <a:lumMod val="90000"/>
+                  </a:schemeClr>
+                </a:solidFill>
+              </a:rPr>
+              <a:t>要素技術</a:t>
+            </a:r>
+            <a:endParaRPr lang="en-US" altLang="ja-JP" sz="2800" dirty="0">
+              <a:solidFill>
+                <a:schemeClr val="bg2">
+                  <a:lumMod val="90000"/>
+                </a:schemeClr>
+              </a:solidFill>
+            </a:endParaRPr>
+          </a:p>
+          <a:p>
+            <a:pPr marL="457200" indent="-457200">
+              <a:lnSpc>
+                <a:spcPct val="200000"/>
+              </a:lnSpc>
+              <a:buFont typeface="Wingdings" pitchFamily="2" charset="2"/>
+              <a:buChar char="Ø"/>
+            </a:pPr>
+            <a:r>
+              <a:rPr lang="ja-JP" altLang="en-US" sz="2800">
+                <a:solidFill>
+                  <a:schemeClr val="bg2">
+                    <a:lumMod val="90000"/>
+                  </a:schemeClr>
+                </a:solidFill>
+              </a:rPr>
+              <a:t>実験</a:t>
+            </a:r>
+            <a:endParaRPr lang="en-US" altLang="ja-JP" sz="2800" dirty="0">
+              <a:solidFill>
+                <a:schemeClr val="bg2">
+                  <a:lumMod val="90000"/>
+                </a:schemeClr>
+              </a:solidFill>
+            </a:endParaRPr>
+          </a:p>
+          <a:p>
+            <a:pPr marL="457200" indent="-457200">
+              <a:lnSpc>
+                <a:spcPct val="200000"/>
+              </a:lnSpc>
+              <a:buFont typeface="Wingdings" pitchFamily="2" charset="2"/>
+              <a:buChar char="Ø"/>
+            </a:pPr>
+            <a:r>
+              <a:rPr lang="ja-JP" altLang="en-US" sz="2800"/>
+              <a:t>まとめと今後の課題</a:t>
+            </a:r>
+          </a:p>
+        </p:txBody>
+      </p:sp>
+    </p:spTree>
+    <p:extLst>
+      <p:ext uri="{BB962C8B-B14F-4D97-AF65-F5344CB8AC3E}">
+        <p14:creationId xmlns:p14="http://schemas.microsoft.com/office/powerpoint/2010/main" val="3446675668"/>
+      </p:ext>
+    </p:extLst>
+  </p:cSld>
+  <p:clrMapOvr>
+    <a:masterClrMapping/>
+  </p:clrMapOvr>
+</p:sld>
+</file>
+
+<file path=ppt/slides/slide27.xml><?xml version="1.0" encoding="utf-8"?>
+<p:sld xmlns:a="http://schemas.openxmlformats.org/drawingml/2006/main" xmlns:r="http://schemas.openxmlformats.org/officeDocument/2006/relationships" xmlns:p="http://schemas.openxmlformats.org/presentationml/2006/main">
+  <p:cSld>
+    <p:spTree>
+      <p:nvGrpSpPr>
+        <p:cNvPr id="1" name=""/>
+        <p:cNvGrpSpPr/>
+        <p:nvPr/>
+      </p:nvGrpSpPr>
+      <p:grpSpPr>
+        <a:xfrm>
+          <a:off x="0" y="0"/>
+          <a:ext cx="0" cy="0"/>
+          <a:chOff x="0" y="0"/>
+          <a:chExt cx="0" cy="0"/>
+        </a:xfrm>
+      </p:grpSpPr>
+      <p:sp>
+        <p:nvSpPr>
+          <p:cNvPr id="2" name="タイトル 1">
+            <a:extLst>
+              <a:ext uri="{FF2B5EF4-FFF2-40B4-BE49-F238E27FC236}">
+                <a16:creationId xmlns:a16="http://schemas.microsoft.com/office/drawing/2014/main" id="{92E1818A-6257-83DC-5978-0987833647E4}"/>
+              </a:ext>
+            </a:extLst>
+          </p:cNvPr>
+          <p:cNvSpPr>
+            <a:spLocks noGrp="1"/>
+          </p:cNvSpPr>
+          <p:nvPr>
+            <p:ph type="title"/>
+          </p:nvPr>
+        </p:nvSpPr>
+        <p:spPr/>
+        <p:txBody>
+          <a:bodyPr/>
+          <a:lstStyle/>
+          <a:p>
+            <a:r>
+              <a:rPr kumimoji="1" lang="ja-JP" altLang="en-US"/>
+              <a:t>まとめ</a:t>
+            </a:r>
+          </a:p>
+        </p:txBody>
+      </p:sp>
+      <p:sp>
+        <p:nvSpPr>
+          <p:cNvPr id="3" name="スライド番号プレースホルダー 2">
+            <a:extLst>
+              <a:ext uri="{FF2B5EF4-FFF2-40B4-BE49-F238E27FC236}">
+                <a16:creationId xmlns:a16="http://schemas.microsoft.com/office/drawing/2014/main" id="{440990CF-96E4-95D0-8AE4-E8E0DDC45909}"/>
+              </a:ext>
+            </a:extLst>
+          </p:cNvPr>
+          <p:cNvSpPr>
+            <a:spLocks noGrp="1"/>
+          </p:cNvSpPr>
+          <p:nvPr>
+            <p:ph type="sldNum" sz="quarter" idx="12"/>
+          </p:nvPr>
+        </p:nvSpPr>
+        <p:spPr/>
+        <p:txBody>
+          <a:bodyPr/>
+          <a:lstStyle/>
+          <a:p>
+            <a:pPr lvl="0"/>
+            <a:fld id="{004900ED-2EFD-2142-93A1-1CBA90FDE07B}" type="slidenum">
+              <a:rPr lang="en-US" altLang="ja-JP" smtClean="0"/>
+              <a:t>27</a:t>
+            </a:fld>
+            <a:endParaRPr lang="ja-JP" altLang="en-US"/>
+          </a:p>
+        </p:txBody>
+      </p:sp>
+      <p:sp>
+        <p:nvSpPr>
+          <p:cNvPr id="4" name="テキスト ボックス 3">
+            <a:extLst>
+              <a:ext uri="{FF2B5EF4-FFF2-40B4-BE49-F238E27FC236}">
+                <a16:creationId xmlns:a16="http://schemas.microsoft.com/office/drawing/2014/main" id="{CB4DFCA2-9786-ED38-8FB0-8B2BBDFB673F}"/>
+              </a:ext>
+            </a:extLst>
+          </p:cNvPr>
+          <p:cNvSpPr txBox="1"/>
+          <p:nvPr/>
+        </p:nvSpPr>
+        <p:spPr>
+          <a:xfrm>
+            <a:off x="791560" y="1490546"/>
+            <a:ext cx="6532558" cy="3046988"/>
+          </a:xfrm>
+          <a:prstGeom prst="rect">
+            <a:avLst/>
+          </a:prstGeom>
+          <a:noFill/>
+        </p:spPr>
+        <p:txBody>
+          <a:bodyPr wrap="none" rtlCol="0">
+            <a:spAutoFit/>
+          </a:bodyPr>
+          <a:lstStyle/>
+          <a:p>
+            <a:pPr marL="342900" indent="-342900">
+              <a:buFont typeface="Wingdings" pitchFamily="2" charset="2"/>
+              <a:buChar char="p"/>
+            </a:pPr>
+            <a:r>
+              <a:rPr kumimoji="1" lang="ja-JP" altLang="en-US" sz="2400"/>
+              <a:t>本実験で確認できたこと</a:t>
+            </a:r>
+            <a:endParaRPr kumimoji="1" lang="en-US" altLang="ja-JP" sz="2400" dirty="0"/>
+          </a:p>
+          <a:p>
             <a:pPr marL="285750" indent="-285750">
               <a:buFont typeface="Wingdings" pitchFamily="2" charset="2"/>
               <a:buChar char="p"/>
             </a:pPr>
+            <a:endParaRPr kumimoji="1" lang="en-US" altLang="ja-JP" sz="2400" dirty="0"/>
+          </a:p>
+          <a:p>
+            <a:pPr marL="800100" lvl="1" indent="-342900">
+              <a:buFont typeface="Wingdings" pitchFamily="2" charset="2"/>
+              <a:buChar char="p"/>
+            </a:pPr>
+            <a:r>
+              <a:rPr lang="en-US" altLang="ja-JP" sz="2400" dirty="0"/>
+              <a:t>1 </a:t>
+            </a:r>
             <a:r>
               <a:rPr lang="ja-JP" altLang="en-US" sz="2400"/>
-              <a:t>本学習は</a:t>
-            </a:r>
-            <a:r>
-              <a:rPr lang="en-US" altLang="ja-JP" sz="2400" dirty="0"/>
-              <a:t> 100 </a:t>
-            </a:r>
-            <a:r>
-              <a:rPr lang="ja-JP" altLang="en-US" sz="2400"/>
-              <a:t>エポック</a:t>
+              <a:t>エポックよりも，適応度評価に</a:t>
             </a:r>
             <a:br>
               <a:rPr lang="en-US" altLang="ja-JP" sz="2400" dirty="0"/>
             </a:br>
             <a:r>
-              <a:rPr lang="en-US" altLang="ja-JP" sz="2400" dirty="0"/>
-              <a:t>→ </a:t>
-            </a:r>
-            <a:r>
               <a:rPr lang="ja-JP" altLang="en-US" sz="2400"/>
-              <a:t>本学習直前に多いエポック数で評価すると</a:t>
+              <a:t>最適なエポック数がある</a:t>
+            </a:r>
+            <a:endParaRPr lang="en-US" altLang="ja-JP" sz="2400" dirty="0"/>
+          </a:p>
+          <a:p>
+            <a:pPr marL="742950" lvl="1" indent="-285750">
+              <a:buFont typeface="Wingdings" pitchFamily="2" charset="2"/>
+              <a:buChar char="p"/>
+            </a:pPr>
+            <a:endParaRPr lang="en-US" altLang="ja-JP" sz="2400" dirty="0"/>
+          </a:p>
+          <a:p>
+            <a:pPr marL="800100" lvl="1" indent="-342900">
+              <a:buFont typeface="Wingdings" pitchFamily="2" charset="2"/>
+              <a:buChar char="p"/>
+            </a:pPr>
+            <a:r>
+              <a:rPr lang="ja-JP" altLang="en-US" sz="2400" b="0" i="0">
+                <a:effectLst/>
+                <a:latin typeface="Courier New" panose="02070309020205020404" pitchFamily="49" charset="0"/>
+              </a:rPr>
+              <a:t>探索終盤に適応度評価エポック数</a:t>
             </a:r>
             <a:br>
-              <a:rPr lang="en-US" altLang="ja-JP" sz="2400" dirty="0"/>
+              <a:rPr lang="en-US" altLang="ja-JP" sz="2400" b="0" i="0" dirty="0">
+                <a:effectLst/>
+                <a:latin typeface="Courier New" panose="02070309020205020404" pitchFamily="49" charset="0"/>
+              </a:rPr>
             </a:br>
             <a:r>
-              <a:rPr lang="ja-JP" altLang="en-US" sz="2400"/>
-              <a:t>　</a:t>
-            </a:r>
-            <a:r>
-              <a:rPr lang="en-US" altLang="ja-JP" sz="2400" dirty="0"/>
-              <a:t> </a:t>
-            </a:r>
-            <a:r>
-              <a:rPr lang="ja-JP" altLang="en-US" sz="2400"/>
-              <a:t>本学習でも良い性能を発揮</a:t>
-            </a:r>
-            <a:endParaRPr kumimoji="1" lang="ja-JP" altLang="en-US" sz="2400"/>
+              <a:rPr lang="ja-JP" altLang="en-US" sz="2400" b="0" i="0">
+                <a:effectLst/>
+                <a:latin typeface="Courier New" panose="02070309020205020404" pitchFamily="49" charset="0"/>
+              </a:rPr>
+              <a:t>を増やす方が，より良い個体が得られる</a:t>
+            </a:r>
+            <a:endParaRPr lang="en-US" altLang="ja-JP" sz="2400" dirty="0"/>
+          </a:p>
+          <a:p>
+            <a:pPr marL="742950" lvl="1" indent="-285750">
+              <a:buFont typeface="Wingdings" pitchFamily="2" charset="2"/>
+              <a:buChar char="p"/>
+            </a:pPr>
+            <a:endParaRPr lang="en-US" altLang="ja-JP" sz="2400" dirty="0"/>
           </a:p>
         </p:txBody>
       </p:sp>
     </p:spTree>
     <p:extLst>
       <p:ext uri="{BB962C8B-B14F-4D97-AF65-F5344CB8AC3E}">
-        <p14:creationId xmlns:p14="http://schemas.microsoft.com/office/powerpoint/2010/main" val="497698118"/>
+        <p14:creationId xmlns:p14="http://schemas.microsoft.com/office/powerpoint/2010/main" val="606463391"/>
       </p:ext>
     </p:extLst>
   </p:cSld>
@@ -12962,7 +14620,7 @@
           <p:cNvPr id="2" name="タイトル 1">
             <a:extLst>
               <a:ext uri="{FF2B5EF4-FFF2-40B4-BE49-F238E27FC236}">
-                <a16:creationId xmlns:a16="http://schemas.microsoft.com/office/drawing/2014/main" id="{DA6841C3-0E6C-BFA1-5D04-4112F1117102}"/>
+                <a16:creationId xmlns:a16="http://schemas.microsoft.com/office/drawing/2014/main" id="{F73A681B-9F7A-FD3A-C0DB-D668DC6CB442}"/>
               </a:ext>
             </a:extLst>
           </p:cNvPr>
@@ -12980,17 +14638,17 @@
           <a:p>
             <a:r>
               <a:rPr kumimoji="1" lang="ja-JP" altLang="en-US"/>
-              <a:t>目次</a:t>
-            </a:r>
-          </a:p>
-        </p:txBody>
-      </p:sp>
-      <p:sp>
-        <p:nvSpPr>
-          <p:cNvPr id="4" name="スライド番号プレースホルダー 3">
-            <a:extLst>
-              <a:ext uri="{FF2B5EF4-FFF2-40B4-BE49-F238E27FC236}">
-                <a16:creationId xmlns:a16="http://schemas.microsoft.com/office/drawing/2014/main" id="{20D20625-8135-BA1D-11A0-E3466265CE7C}"/>
+              <a:t>今後の課題</a:t>
+            </a:r>
+          </a:p>
+        </p:txBody>
+      </p:sp>
+      <p:sp>
+        <p:nvSpPr>
+          <p:cNvPr id="3" name="スライド番号プレースホルダー 2">
+            <a:extLst>
+              <a:ext uri="{FF2B5EF4-FFF2-40B4-BE49-F238E27FC236}">
+                <a16:creationId xmlns:a16="http://schemas.microsoft.com/office/drawing/2014/main" id="{B50A2E12-D87F-ACB4-3589-F66EE66E8E55}"/>
               </a:ext>
             </a:extLst>
           </p:cNvPr>
@@ -13017,10 +14675,10 @@
       </p:sp>
       <p:sp>
         <p:nvSpPr>
-          <p:cNvPr id="3" name="テキスト ボックス 2">
-            <a:extLst>
-              <a:ext uri="{FF2B5EF4-FFF2-40B4-BE49-F238E27FC236}">
-                <a16:creationId xmlns:a16="http://schemas.microsoft.com/office/drawing/2014/main" id="{CFCE3529-0348-FAC9-4C81-ACEA9BA72623}"/>
+          <p:cNvPr id="4" name="テキスト ボックス 3">
+            <a:extLst>
+              <a:ext uri="{FF2B5EF4-FFF2-40B4-BE49-F238E27FC236}">
+                <a16:creationId xmlns:a16="http://schemas.microsoft.com/office/drawing/2014/main" id="{881C93FD-A020-C881-1531-CA4C08B40DAF}"/>
               </a:ext>
             </a:extLst>
           </p:cNvPr>
@@ -13029,8 +14687,8 @@
         </p:nvSpPr>
         <p:spPr>
           <a:xfrm>
-            <a:off x="919691" y="1259079"/>
-            <a:ext cx="3877985" cy="3909917"/>
+            <a:off x="519837" y="1865779"/>
+            <a:ext cx="6774611" cy="1938992"/>
           </a:xfrm>
           <a:prstGeom prst="rect">
             <a:avLst/>
@@ -13043,146 +14701,57 @@
           </a:bodyPr>
           <a:lstStyle/>
           <a:p>
-            <a:pPr marL="457200" indent="-457200">
-              <a:lnSpc>
-                <a:spcPct val="150000"/>
-              </a:lnSpc>
+            <a:pPr marL="342900" indent="-342900">
               <a:buFont typeface="Wingdings" pitchFamily="2" charset="2"/>
-              <a:buChar char="Ø"/>
+              <a:buChar char="p"/>
             </a:pPr>
             <a:r>
-              <a:rPr lang="ja-JP" altLang="en-US" sz="2800">
-                <a:solidFill>
-                  <a:schemeClr val="bg2">
-                    <a:lumMod val="75000"/>
-                  </a:schemeClr>
-                </a:solidFill>
-              </a:rPr>
-              <a:t>はじめに</a:t>
-            </a:r>
-            <a:endParaRPr lang="en-US" altLang="ja-JP" sz="2800" dirty="0">
-              <a:solidFill>
-                <a:schemeClr val="bg2">
-                  <a:lumMod val="75000"/>
-                </a:schemeClr>
-              </a:solidFill>
-            </a:endParaRPr>
-          </a:p>
-          <a:p>
-            <a:pPr marL="457200" indent="-457200">
-              <a:lnSpc>
-                <a:spcPct val="150000"/>
-              </a:lnSpc>
+              <a:rPr kumimoji="1" lang="ja-JP" altLang="en-US" sz="2400"/>
+              <a:t>試行回数を増やす</a:t>
+            </a:r>
+            <a:br>
+              <a:rPr kumimoji="1" lang="en-US" altLang="ja-JP" sz="2400" dirty="0"/>
+            </a:br>
+            <a:r>
+              <a:rPr kumimoji="1" lang="en-US" altLang="ja-JP" sz="2400" dirty="0"/>
+              <a:t>→ </a:t>
+            </a:r>
+            <a:r>
+              <a:rPr kumimoji="1" lang="ja-JP" altLang="en-US" sz="2400"/>
+              <a:t>適応度評価手法ごとの信頼区間を調査する</a:t>
+            </a:r>
+            <a:endParaRPr kumimoji="1" lang="en-US" altLang="ja-JP" sz="2400" dirty="0"/>
+          </a:p>
+          <a:p>
+            <a:pPr marL="285750" indent="-285750">
               <a:buFont typeface="Wingdings" pitchFamily="2" charset="2"/>
-              <a:buChar char="Ø"/>
+              <a:buChar char="p"/>
             </a:pPr>
-            <a:r>
-              <a:rPr lang="ja-JP" altLang="en-US" sz="2800">
-                <a:solidFill>
-                  <a:schemeClr val="bg2">
-                    <a:lumMod val="75000"/>
-                  </a:schemeClr>
-                </a:solidFill>
-              </a:rPr>
-              <a:t>要素技術</a:t>
-            </a:r>
-            <a:endParaRPr lang="en-US" altLang="ja-JP" sz="2800" dirty="0">
-              <a:solidFill>
-                <a:schemeClr val="bg2">
-                  <a:lumMod val="75000"/>
-                </a:schemeClr>
-              </a:solidFill>
-            </a:endParaRPr>
-          </a:p>
-          <a:p>
-            <a:pPr marL="457200" indent="-457200">
-              <a:lnSpc>
-                <a:spcPct val="150000"/>
-              </a:lnSpc>
+            <a:endParaRPr lang="en-US" altLang="ja-JP" sz="2400" dirty="0"/>
+          </a:p>
+          <a:p>
+            <a:pPr marL="342900" indent="-342900">
               <a:buFont typeface="Wingdings" pitchFamily="2" charset="2"/>
-              <a:buChar char="Ø"/>
+              <a:buChar char="p"/>
             </a:pPr>
             <a:r>
-              <a:rPr lang="ja-JP" altLang="en-US" sz="2800">
-                <a:solidFill>
-                  <a:schemeClr val="bg2">
-                    <a:lumMod val="75000"/>
-                  </a:schemeClr>
-                </a:solidFill>
-              </a:rPr>
-              <a:t>提案手法</a:t>
-            </a:r>
-            <a:endParaRPr lang="en-US" altLang="ja-JP" sz="2800" dirty="0">
-              <a:solidFill>
-                <a:schemeClr val="bg2">
-                  <a:lumMod val="75000"/>
-                </a:schemeClr>
-              </a:solidFill>
-            </a:endParaRPr>
-          </a:p>
-          <a:p>
-            <a:pPr marL="457200" indent="-457200">
-              <a:lnSpc>
-                <a:spcPct val="150000"/>
-              </a:lnSpc>
-              <a:buFont typeface="Wingdings" pitchFamily="2" charset="2"/>
-              <a:buChar char="Ø"/>
-            </a:pPr>
-            <a:r>
-              <a:rPr lang="ja-JP" altLang="en-US" sz="2800">
-                <a:solidFill>
-                  <a:schemeClr val="bg2">
-                    <a:lumMod val="75000"/>
-                  </a:schemeClr>
-                </a:solidFill>
-              </a:rPr>
-              <a:t>実験概要</a:t>
-            </a:r>
-            <a:endParaRPr lang="en-US" altLang="ja-JP" sz="2800" dirty="0">
-              <a:solidFill>
-                <a:schemeClr val="bg2">
-                  <a:lumMod val="75000"/>
-                </a:schemeClr>
-              </a:solidFill>
-            </a:endParaRPr>
-          </a:p>
-          <a:p>
-            <a:pPr marL="457200" indent="-457200">
-              <a:lnSpc>
-                <a:spcPct val="150000"/>
-              </a:lnSpc>
-              <a:buFont typeface="Wingdings" pitchFamily="2" charset="2"/>
-              <a:buChar char="Ø"/>
-            </a:pPr>
-            <a:r>
-              <a:rPr lang="ja-JP" altLang="en-US" sz="2800">
-                <a:solidFill>
-                  <a:schemeClr val="bg2">
-                    <a:lumMod val="75000"/>
-                  </a:schemeClr>
-                </a:solidFill>
-              </a:rPr>
-              <a:t>実験結果</a:t>
-            </a:r>
-            <a:endParaRPr lang="en-US" altLang="ja-JP" sz="2800" dirty="0">
-              <a:solidFill>
-                <a:schemeClr val="bg2">
-                  <a:lumMod val="75000"/>
-                </a:schemeClr>
-              </a:solidFill>
-            </a:endParaRPr>
-          </a:p>
-          <a:p>
-            <a:pPr marL="457200" indent="-457200">
-              <a:lnSpc>
-                <a:spcPct val="150000"/>
-              </a:lnSpc>
-              <a:buFont typeface="Wingdings" pitchFamily="2" charset="2"/>
-              <a:buChar char="Ø"/>
-            </a:pPr>
-            <a:r>
-              <a:rPr lang="ja-JP" altLang="en-US" sz="2800"/>
-              <a:t>まとめと今後の課題</a:t>
+              <a:rPr kumimoji="1" lang="ja-JP" altLang="en-US" sz="2400"/>
+              <a:t>様々な条件下で実験するときの適応度評価</a:t>
+            </a:r>
+            <a:br>
+              <a:rPr kumimoji="1" lang="en-US" altLang="ja-JP" sz="2400" dirty="0"/>
+            </a:br>
+            <a:r>
+              <a:rPr kumimoji="1" lang="ja-JP" altLang="en-US" sz="2400"/>
+              <a:t>エポック数最適化手法を</a:t>
+            </a:r>
+            <a:r>
+              <a:rPr lang="ja-JP" altLang="en-US" sz="2400"/>
+              <a:t>提案</a:t>
+            </a:r>
+            <a:r>
+              <a:rPr kumimoji="1" lang="ja-JP" altLang="en-US" sz="2400"/>
+              <a:t>する</a:t>
             </a:r>
           </a:p>
         </p:txBody>
@@ -13190,7 +14759,7 @@
     </p:spTree>
     <p:extLst>
       <p:ext uri="{BB962C8B-B14F-4D97-AF65-F5344CB8AC3E}">
-        <p14:creationId xmlns:p14="http://schemas.microsoft.com/office/powerpoint/2010/main" val="3541049465"/>
+        <p14:creationId xmlns:p14="http://schemas.microsoft.com/office/powerpoint/2010/main" val="2610326470"/>
       </p:ext>
     </p:extLst>
   </p:cSld>
@@ -13219,38 +14788,10 @@
       </p:grpSpPr>
       <p:sp>
         <p:nvSpPr>
-          <p:cNvPr id="2" name="タイトル 1">
-            <a:extLst>
-              <a:ext uri="{FF2B5EF4-FFF2-40B4-BE49-F238E27FC236}">
-                <a16:creationId xmlns:a16="http://schemas.microsoft.com/office/drawing/2014/main" id="{92E1818A-6257-83DC-5978-0987833647E4}"/>
-              </a:ext>
-            </a:extLst>
-          </p:cNvPr>
-          <p:cNvSpPr>
-            <a:spLocks noGrp="1"/>
-          </p:cNvSpPr>
-          <p:nvPr>
-            <p:ph type="title"/>
-          </p:nvPr>
-        </p:nvSpPr>
-        <p:spPr/>
-        <p:txBody>
-          <a:bodyPr/>
-          <a:lstStyle/>
-          <a:p>
-            <a:r>
-              <a:rPr kumimoji="1" lang="ja-JP" altLang="en-US"/>
-              <a:t>まとめ</a:t>
-            </a:r>
-          </a:p>
-        </p:txBody>
-      </p:sp>
-      <p:sp>
-        <p:nvSpPr>
           <p:cNvPr id="3" name="スライド番号プレースホルダー 2">
             <a:extLst>
               <a:ext uri="{FF2B5EF4-FFF2-40B4-BE49-F238E27FC236}">
-                <a16:creationId xmlns:a16="http://schemas.microsoft.com/office/drawing/2014/main" id="{440990CF-96E4-95D0-8AE4-E8E0DDC45909}"/>
+                <a16:creationId xmlns:a16="http://schemas.microsoft.com/office/drawing/2014/main" id="{3DEDCC95-054E-03CB-9EE2-75E4E4AEEE9B}"/>
               </a:ext>
             </a:extLst>
           </p:cNvPr>
@@ -13277,10 +14818,10 @@
       </p:sp>
       <p:sp>
         <p:nvSpPr>
-          <p:cNvPr id="4" name="テキスト ボックス 3">
-            <a:extLst>
-              <a:ext uri="{FF2B5EF4-FFF2-40B4-BE49-F238E27FC236}">
-                <a16:creationId xmlns:a16="http://schemas.microsoft.com/office/drawing/2014/main" id="{CB4DFCA2-9786-ED38-8FB0-8B2BBDFB673F}"/>
+          <p:cNvPr id="5" name="テキスト ボックス 4">
+            <a:extLst>
+              <a:ext uri="{FF2B5EF4-FFF2-40B4-BE49-F238E27FC236}">
+                <a16:creationId xmlns:a16="http://schemas.microsoft.com/office/drawing/2014/main" id="{0CDD7299-ADD9-7DB9-55A6-87610AF5A9EC}"/>
               </a:ext>
             </a:extLst>
           </p:cNvPr>
@@ -13289,8 +14830,8 @@
         </p:nvSpPr>
         <p:spPr>
           <a:xfrm>
-            <a:off x="791560" y="1490546"/>
-            <a:ext cx="5859296" cy="3416320"/>
+            <a:off x="815717" y="2542887"/>
+            <a:ext cx="5929828" cy="584775"/>
           </a:xfrm>
           <a:prstGeom prst="rect">
             <a:avLst/>
@@ -13303,105 +14844,21 @@
           </a:bodyPr>
           <a:lstStyle/>
           <a:p>
-            <a:pPr marL="285750" indent="-285750">
-              <a:buFont typeface="Wingdings" pitchFamily="2" charset="2"/>
-              <a:buChar char="p"/>
-            </a:pPr>
-            <a:r>
-              <a:rPr kumimoji="1" lang="ja-JP" altLang="en-US" sz="2400"/>
-              <a:t>本実験で確認できたこと</a:t>
-            </a:r>
-            <a:endParaRPr kumimoji="1" lang="en-US" altLang="ja-JP" sz="2400" dirty="0"/>
-          </a:p>
-          <a:p>
-            <a:pPr marL="285750" indent="-285750">
-              <a:buFont typeface="Wingdings" pitchFamily="2" charset="2"/>
-              <a:buChar char="p"/>
-            </a:pPr>
-            <a:endParaRPr kumimoji="1" lang="en-US" altLang="ja-JP" sz="2400" dirty="0"/>
-          </a:p>
-          <a:p>
-            <a:pPr marL="742950" lvl="1" indent="-285750">
-              <a:buFont typeface="Wingdings" pitchFamily="2" charset="2"/>
-              <a:buChar char="p"/>
-            </a:pPr>
-            <a:r>
-              <a:rPr lang="en-US" altLang="ja-JP" sz="2400" dirty="0"/>
-              <a:t> 1 </a:t>
-            </a:r>
-            <a:r>
-              <a:rPr lang="ja-JP" altLang="en-US" sz="2400"/>
-              <a:t>エポックよりも，適応度評価に</a:t>
-            </a:r>
-            <a:br>
-              <a:rPr lang="en-US" altLang="ja-JP" sz="2400" dirty="0"/>
-            </a:br>
-            <a:r>
-              <a:rPr lang="ja-JP" altLang="en-US" sz="2400"/>
-              <a:t>最適なエポック数がある</a:t>
-            </a:r>
-            <a:endParaRPr lang="en-US" altLang="ja-JP" sz="2400" dirty="0"/>
-          </a:p>
-          <a:p>
-            <a:pPr marL="742950" lvl="1" indent="-285750">
-              <a:buFont typeface="Wingdings" pitchFamily="2" charset="2"/>
-              <a:buChar char="p"/>
-            </a:pPr>
-            <a:endParaRPr lang="en-US" altLang="ja-JP" sz="2400" dirty="0"/>
-          </a:p>
-          <a:p>
-            <a:pPr marL="742950" lvl="1" indent="-285750">
-              <a:buFont typeface="Wingdings" pitchFamily="2" charset="2"/>
-              <a:buChar char="p"/>
-            </a:pPr>
-            <a:r>
-              <a:rPr lang="ja-JP" altLang="en-US" sz="2400" b="0" i="0">
-                <a:effectLst/>
-                <a:latin typeface="Courier New" panose="02070309020205020404" pitchFamily="49" charset="0"/>
-              </a:rPr>
-              <a:t>探索終盤に適応度評価のための学習</a:t>
-            </a:r>
-            <a:br>
-              <a:rPr lang="en-US" altLang="ja-JP" sz="2400" b="0" i="0" dirty="0">
-                <a:effectLst/>
-                <a:latin typeface="Courier New" panose="02070309020205020404" pitchFamily="49" charset="0"/>
-              </a:rPr>
-            </a:br>
-            <a:r>
-              <a:rPr lang="ja-JP" altLang="en-US" sz="2400" b="0" i="0">
-                <a:effectLst/>
-                <a:latin typeface="Courier New" panose="02070309020205020404" pitchFamily="49" charset="0"/>
-              </a:rPr>
-              <a:t>エポック数を増やす方が，</a:t>
-            </a:r>
-            <a:br>
-              <a:rPr lang="en-US" altLang="ja-JP" sz="2400" b="0" i="0" dirty="0">
-                <a:effectLst/>
-                <a:latin typeface="Courier New" panose="02070309020205020404" pitchFamily="49" charset="0"/>
-              </a:rPr>
-            </a:br>
-            <a:r>
-              <a:rPr lang="ja-JP" altLang="en-US" sz="2400" b="0" i="0">
-                <a:effectLst/>
-                <a:latin typeface="Courier New" panose="02070309020205020404" pitchFamily="49" charset="0"/>
-              </a:rPr>
-              <a:t>より良い個体が得られる</a:t>
-            </a:r>
-            <a:endParaRPr lang="en-US" altLang="ja-JP" sz="2400" dirty="0"/>
-          </a:p>
-          <a:p>
-            <a:pPr marL="742950" lvl="1" indent="-285750">
-              <a:buFont typeface="Wingdings" pitchFamily="2" charset="2"/>
-              <a:buChar char="p"/>
-            </a:pPr>
-            <a:endParaRPr lang="en-US" altLang="ja-JP" sz="2400" dirty="0"/>
+            <a:r>
+              <a:rPr lang="ja-JP" altLang="en-US" sz="3200"/>
+              <a:t>ご清聴</a:t>
+            </a:r>
+            <a:r>
+              <a:rPr kumimoji="1" lang="ja-JP" altLang="en-US" sz="3200"/>
+              <a:t>ありがとうございました</a:t>
+            </a:r>
           </a:p>
         </p:txBody>
       </p:sp>
     </p:spTree>
     <p:extLst>
       <p:ext uri="{BB962C8B-B14F-4D97-AF65-F5344CB8AC3E}">
-        <p14:creationId xmlns:p14="http://schemas.microsoft.com/office/powerpoint/2010/main" val="606463391"/>
+        <p14:creationId xmlns:p14="http://schemas.microsoft.com/office/powerpoint/2010/main" val="2033689313"/>
       </p:ext>
     </p:extLst>
   </p:cSld>
@@ -13500,8 +14957,8 @@
         </p:nvSpPr>
         <p:spPr>
           <a:xfrm>
-            <a:off x="919691" y="1259079"/>
-            <a:ext cx="3877985" cy="3909917"/>
+            <a:off x="519837" y="1411535"/>
+            <a:ext cx="3877985" cy="3425168"/>
           </a:xfrm>
           <a:prstGeom prst="rect">
             <a:avLst/>
@@ -13516,7 +14973,7 @@
           <a:p>
             <a:pPr marL="457200" indent="-457200">
               <a:lnSpc>
-                <a:spcPct val="150000"/>
+                <a:spcPct val="200000"/>
               </a:lnSpc>
               <a:buFont typeface="Wingdings" pitchFamily="2" charset="2"/>
               <a:buChar char="Ø"/>
@@ -13530,7 +14987,7 @@
           <a:p>
             <a:pPr marL="457200" indent="-457200">
               <a:lnSpc>
-                <a:spcPct val="150000"/>
+                <a:spcPct val="200000"/>
               </a:lnSpc>
               <a:buFont typeface="Wingdings" pitchFamily="2" charset="2"/>
               <a:buChar char="Ø"/>
@@ -13539,7 +14996,7 @@
               <a:rPr lang="ja-JP" altLang="en-US" sz="2800">
                 <a:solidFill>
                   <a:schemeClr val="bg2">
-                    <a:lumMod val="75000"/>
+                    <a:lumMod val="90000"/>
                   </a:schemeClr>
                 </a:solidFill>
               </a:rPr>
@@ -13548,7 +15005,7 @@
             <a:endParaRPr lang="en-US" altLang="ja-JP" sz="2800" dirty="0">
               <a:solidFill>
                 <a:schemeClr val="bg2">
-                  <a:lumMod val="75000"/>
+                  <a:lumMod val="90000"/>
                 </a:schemeClr>
               </a:solidFill>
             </a:endParaRPr>
@@ -13556,7 +15013,7 @@
           <a:p>
             <a:pPr marL="457200" indent="-457200">
               <a:lnSpc>
-                <a:spcPct val="150000"/>
+                <a:spcPct val="200000"/>
               </a:lnSpc>
               <a:buFont typeface="Wingdings" pitchFamily="2" charset="2"/>
               <a:buChar char="Ø"/>
@@ -13565,16 +15022,16 @@
               <a:rPr lang="ja-JP" altLang="en-US" sz="2800">
                 <a:solidFill>
                   <a:schemeClr val="bg2">
-                    <a:lumMod val="75000"/>
+                    <a:lumMod val="90000"/>
                   </a:schemeClr>
                 </a:solidFill>
               </a:rPr>
-              <a:t>提案手法</a:t>
+              <a:t>実験</a:t>
             </a:r>
             <a:endParaRPr lang="en-US" altLang="ja-JP" sz="2800" dirty="0">
               <a:solidFill>
                 <a:schemeClr val="bg2">
-                  <a:lumMod val="75000"/>
+                  <a:lumMod val="90000"/>
                 </a:schemeClr>
               </a:solidFill>
             </a:endParaRPr>
@@ -13582,7 +15039,7 @@
           <a:p>
             <a:pPr marL="457200" indent="-457200">
               <a:lnSpc>
-                <a:spcPct val="150000"/>
+                <a:spcPct val="200000"/>
               </a:lnSpc>
               <a:buFont typeface="Wingdings" pitchFamily="2" charset="2"/>
               <a:buChar char="Ø"/>
@@ -13591,59 +15048,7 @@
               <a:rPr lang="ja-JP" altLang="en-US" sz="2800">
                 <a:solidFill>
                   <a:schemeClr val="bg2">
-                    <a:lumMod val="75000"/>
-                  </a:schemeClr>
-                </a:solidFill>
-              </a:rPr>
-              <a:t>実験概要</a:t>
-            </a:r>
-            <a:endParaRPr lang="en-US" altLang="ja-JP" sz="2800" dirty="0">
-              <a:solidFill>
-                <a:schemeClr val="bg2">
-                  <a:lumMod val="75000"/>
-                </a:schemeClr>
-              </a:solidFill>
-            </a:endParaRPr>
-          </a:p>
-          <a:p>
-            <a:pPr marL="457200" indent="-457200">
-              <a:lnSpc>
-                <a:spcPct val="150000"/>
-              </a:lnSpc>
-              <a:buFont typeface="Wingdings" pitchFamily="2" charset="2"/>
-              <a:buChar char="Ø"/>
-            </a:pPr>
-            <a:r>
-              <a:rPr lang="ja-JP" altLang="en-US" sz="2800">
-                <a:solidFill>
-                  <a:schemeClr val="bg2">
-                    <a:lumMod val="75000"/>
-                  </a:schemeClr>
-                </a:solidFill>
-              </a:rPr>
-              <a:t>実験結果</a:t>
-            </a:r>
-            <a:endParaRPr lang="en-US" altLang="ja-JP" sz="2800" dirty="0">
-              <a:solidFill>
-                <a:schemeClr val="bg2">
-                  <a:lumMod val="75000"/>
-                </a:schemeClr>
-              </a:solidFill>
-            </a:endParaRPr>
-          </a:p>
-          <a:p>
-            <a:pPr marL="457200" indent="-457200">
-              <a:lnSpc>
-                <a:spcPct val="150000"/>
-              </a:lnSpc>
-              <a:buFont typeface="Wingdings" pitchFamily="2" charset="2"/>
-              <a:buChar char="Ø"/>
-            </a:pPr>
-            <a:r>
-              <a:rPr lang="ja-JP" altLang="en-US" sz="2800">
-                <a:solidFill>
-                  <a:schemeClr val="bg2">
-                    <a:lumMod val="75000"/>
+                    <a:lumMod val="90000"/>
                   </a:schemeClr>
                 </a:solidFill>
               </a:rPr>
@@ -13655,7 +15060,7 @@
     </p:spTree>
     <p:extLst>
       <p:ext uri="{BB962C8B-B14F-4D97-AF65-F5344CB8AC3E}">
-        <p14:creationId xmlns:p14="http://schemas.microsoft.com/office/powerpoint/2010/main" val="1047084735"/>
+        <p14:creationId xmlns:p14="http://schemas.microsoft.com/office/powerpoint/2010/main" val="3325417631"/>
       </p:ext>
     </p:extLst>
   </p:cSld>
@@ -13687,7 +15092,7 @@
           <p:cNvPr id="2" name="タイトル 1">
             <a:extLst>
               <a:ext uri="{FF2B5EF4-FFF2-40B4-BE49-F238E27FC236}">
-                <a16:creationId xmlns:a16="http://schemas.microsoft.com/office/drawing/2014/main" id="{F73A681B-9F7A-FD3A-C0DB-D668DC6CB442}"/>
+                <a16:creationId xmlns:a16="http://schemas.microsoft.com/office/drawing/2014/main" id="{551A4D2F-E3BC-D469-EA93-548744271DA7}"/>
               </a:ext>
             </a:extLst>
           </p:cNvPr>
@@ -13704,18 +15109,19 @@
           <a:lstStyle/>
           <a:p>
             <a:r>
-              <a:rPr kumimoji="1" lang="ja-JP" altLang="en-US"/>
-              <a:t>今後の課題</a:t>
-            </a:r>
-          </a:p>
-        </p:txBody>
-      </p:sp>
-      <p:sp>
-        <p:nvSpPr>
-          <p:cNvPr id="3" name="スライド番号プレースホルダー 2">
-            <a:extLst>
-              <a:ext uri="{FF2B5EF4-FFF2-40B4-BE49-F238E27FC236}">
-                <a16:creationId xmlns:a16="http://schemas.microsoft.com/office/drawing/2014/main" id="{B50A2E12-D87F-ACB4-3589-F66EE66E8E55}"/>
+              <a:rPr lang="ja-JP" altLang="en-US"/>
+              <a:t>畳み込みニューラルネットワーク</a:t>
+            </a:r>
+            <a:endParaRPr kumimoji="1" lang="ja-JP" altLang="en-US"/>
+          </a:p>
+        </p:txBody>
+      </p:sp>
+      <p:sp>
+        <p:nvSpPr>
+          <p:cNvPr id="5" name="スライド番号プレースホルダー 4">
+            <a:extLst>
+              <a:ext uri="{FF2B5EF4-FFF2-40B4-BE49-F238E27FC236}">
+                <a16:creationId xmlns:a16="http://schemas.microsoft.com/office/drawing/2014/main" id="{2D0400D8-CA31-3279-A200-2FD48F814A27}"/>
               </a:ext>
             </a:extLst>
           </p:cNvPr>
@@ -13745,7 +15151,7 @@
           <p:cNvPr id="4" name="テキスト ボックス 3">
             <a:extLst>
               <a:ext uri="{FF2B5EF4-FFF2-40B4-BE49-F238E27FC236}">
-                <a16:creationId xmlns:a16="http://schemas.microsoft.com/office/drawing/2014/main" id="{881C93FD-A020-C881-1531-CA4C08B40DAF}"/>
+                <a16:creationId xmlns:a16="http://schemas.microsoft.com/office/drawing/2014/main" id="{CF9FE49C-3668-8B92-5FB0-12521E7B6B7B}"/>
               </a:ext>
             </a:extLst>
           </p:cNvPr>
@@ -13754,8 +15160,8 @@
         </p:nvSpPr>
         <p:spPr>
           <a:xfrm>
-            <a:off x="519837" y="1865779"/>
-            <a:ext cx="6936514" cy="1938992"/>
+            <a:off x="400969" y="1554186"/>
+            <a:ext cx="5873724" cy="1631216"/>
           </a:xfrm>
           <a:prstGeom prst="rect">
             <a:avLst/>
@@ -13768,278 +15174,7 @@
           </a:bodyPr>
           <a:lstStyle/>
           <a:p>
-            <a:pPr marL="285750" indent="-285750">
-              <a:buFont typeface="Wingdings" pitchFamily="2" charset="2"/>
-              <a:buChar char="p"/>
-            </a:pPr>
-            <a:r>
-              <a:rPr kumimoji="1" lang="ja-JP" altLang="en-US" sz="2400"/>
-              <a:t>試行回数を増やす</a:t>
-            </a:r>
-            <a:br>
-              <a:rPr kumimoji="1" lang="en-US" altLang="ja-JP" sz="2400" dirty="0"/>
-            </a:br>
-            <a:r>
-              <a:rPr kumimoji="1" lang="en-US" altLang="ja-JP" sz="2400" dirty="0"/>
-              <a:t>→ </a:t>
-            </a:r>
-            <a:r>
-              <a:rPr kumimoji="1" lang="ja-JP" altLang="en-US" sz="2400"/>
-              <a:t>適応度評価手法ごとの信頼区間を調査する</a:t>
-            </a:r>
-            <a:endParaRPr kumimoji="1" lang="en-US" altLang="ja-JP" sz="2400" dirty="0"/>
-          </a:p>
-          <a:p>
-            <a:pPr marL="285750" indent="-285750">
-              <a:buFont typeface="Wingdings" pitchFamily="2" charset="2"/>
-              <a:buChar char="p"/>
-            </a:pPr>
-            <a:endParaRPr lang="en-US" altLang="ja-JP" sz="2400" dirty="0"/>
-          </a:p>
-          <a:p>
-            <a:pPr marL="285750" indent="-285750">
-              <a:buFont typeface="Wingdings" pitchFamily="2" charset="2"/>
-              <a:buChar char="p"/>
-            </a:pPr>
-            <a:r>
-              <a:rPr kumimoji="1" lang="ja-JP" altLang="en-US" sz="2400"/>
-              <a:t>様々な条件下で実験するときの適応度評価</a:t>
-            </a:r>
-            <a:br>
-              <a:rPr kumimoji="1" lang="en-US" altLang="ja-JP" sz="2400" dirty="0"/>
-            </a:br>
-            <a:r>
-              <a:rPr kumimoji="1" lang="ja-JP" altLang="en-US" sz="2400"/>
-              <a:t>のための学習エポック数最適化手法を</a:t>
-            </a:r>
-            <a:r>
-              <a:rPr lang="ja-JP" altLang="en-US" sz="2400"/>
-              <a:t>提案</a:t>
-            </a:r>
-            <a:r>
-              <a:rPr kumimoji="1" lang="ja-JP" altLang="en-US" sz="2400"/>
-              <a:t>する</a:t>
-            </a:r>
-          </a:p>
-        </p:txBody>
-      </p:sp>
-    </p:spTree>
-    <p:extLst>
-      <p:ext uri="{BB962C8B-B14F-4D97-AF65-F5344CB8AC3E}">
-        <p14:creationId xmlns:p14="http://schemas.microsoft.com/office/powerpoint/2010/main" val="2610326470"/>
-      </p:ext>
-    </p:extLst>
-  </p:cSld>
-  <p:clrMapOvr>
-    <a:masterClrMapping/>
-  </p:clrMapOvr>
-</p:sld>
-</file>
-
-<file path=ppt/slides/slide31.xml><?xml version="1.0" encoding="utf-8"?>
-<p:sld xmlns:a="http://schemas.openxmlformats.org/drawingml/2006/main" xmlns:r="http://schemas.openxmlformats.org/officeDocument/2006/relationships" xmlns:p="http://schemas.openxmlformats.org/presentationml/2006/main">
-  <p:cSld>
-    <p:spTree>
-      <p:nvGrpSpPr>
-        <p:cNvPr id="1" name=""/>
-        <p:cNvGrpSpPr/>
-        <p:nvPr/>
-      </p:nvGrpSpPr>
-      <p:grpSpPr>
-        <a:xfrm>
-          <a:off x="0" y="0"/>
-          <a:ext cx="0" cy="0"/>
-          <a:chOff x="0" y="0"/>
-          <a:chExt cx="0" cy="0"/>
-        </a:xfrm>
-      </p:grpSpPr>
-      <p:sp>
-        <p:nvSpPr>
-          <p:cNvPr id="3" name="スライド番号プレースホルダー 2">
-            <a:extLst>
-              <a:ext uri="{FF2B5EF4-FFF2-40B4-BE49-F238E27FC236}">
-                <a16:creationId xmlns:a16="http://schemas.microsoft.com/office/drawing/2014/main" id="{3DEDCC95-054E-03CB-9EE2-75E4E4AEEE9B}"/>
-              </a:ext>
-            </a:extLst>
-          </p:cNvPr>
-          <p:cNvSpPr>
-            <a:spLocks noGrp="1"/>
-          </p:cNvSpPr>
-          <p:nvPr>
-            <p:ph type="sldNum" sz="quarter" idx="12"/>
-          </p:nvPr>
-        </p:nvSpPr>
-        <p:spPr/>
-        <p:txBody>
-          <a:bodyPr/>
-          <a:lstStyle/>
-          <a:p>
-            <a:pPr lvl="0"/>
-            <a:fld id="{004900ED-2EFD-2142-93A1-1CBA90FDE07B}" type="slidenum">
-              <a:rPr lang="en-US" altLang="ja-JP" smtClean="0"/>
-              <a:t>31</a:t>
-            </a:fld>
-            <a:endParaRPr lang="ja-JP" altLang="en-US"/>
-          </a:p>
-        </p:txBody>
-      </p:sp>
-      <p:sp>
-        <p:nvSpPr>
-          <p:cNvPr id="5" name="テキスト ボックス 4">
-            <a:extLst>
-              <a:ext uri="{FF2B5EF4-FFF2-40B4-BE49-F238E27FC236}">
-                <a16:creationId xmlns:a16="http://schemas.microsoft.com/office/drawing/2014/main" id="{0CDD7299-ADD9-7DB9-55A6-87610AF5A9EC}"/>
-              </a:ext>
-            </a:extLst>
-          </p:cNvPr>
-          <p:cNvSpPr txBox="1"/>
-          <p:nvPr/>
-        </p:nvSpPr>
-        <p:spPr>
-          <a:xfrm>
-            <a:off x="815717" y="2542887"/>
-            <a:ext cx="5929828" cy="584775"/>
-          </a:xfrm>
-          <a:prstGeom prst="rect">
-            <a:avLst/>
-          </a:prstGeom>
-          <a:noFill/>
-        </p:spPr>
-        <p:txBody>
-          <a:bodyPr wrap="none" rtlCol="0">
-            <a:spAutoFit/>
-          </a:bodyPr>
-          <a:lstStyle/>
-          <a:p>
-            <a:r>
-              <a:rPr lang="ja-JP" altLang="en-US" sz="3200"/>
-              <a:t>ご清聴</a:t>
-            </a:r>
-            <a:r>
-              <a:rPr kumimoji="1" lang="ja-JP" altLang="en-US" sz="3200"/>
-              <a:t>ありがとうございました</a:t>
-            </a:r>
-          </a:p>
-        </p:txBody>
-      </p:sp>
-    </p:spTree>
-    <p:extLst>
-      <p:ext uri="{BB962C8B-B14F-4D97-AF65-F5344CB8AC3E}">
-        <p14:creationId xmlns:p14="http://schemas.microsoft.com/office/powerpoint/2010/main" val="2033689313"/>
-      </p:ext>
-    </p:extLst>
-  </p:cSld>
-  <p:clrMapOvr>
-    <a:masterClrMapping/>
-  </p:clrMapOvr>
-</p:sld>
-</file>
-
-<file path=ppt/slides/slide32.xml><?xml version="1.0" encoding="utf-8"?>
-<p:sld xmlns:a="http://schemas.openxmlformats.org/drawingml/2006/main" xmlns:r="http://schemas.openxmlformats.org/officeDocument/2006/relationships" xmlns:p="http://schemas.openxmlformats.org/presentationml/2006/main">
-  <p:cSld>
-    <p:spTree>
-      <p:nvGrpSpPr>
-        <p:cNvPr id="1" name=""/>
-        <p:cNvGrpSpPr/>
-        <p:nvPr/>
-      </p:nvGrpSpPr>
-      <p:grpSpPr>
-        <a:xfrm>
-          <a:off x="0" y="0"/>
-          <a:ext cx="0" cy="0"/>
-          <a:chOff x="0" y="0"/>
-          <a:chExt cx="0" cy="0"/>
-        </a:xfrm>
-      </p:grpSpPr>
-      <p:sp>
-        <p:nvSpPr>
-          <p:cNvPr id="2" name="タイトル 1">
-            <a:extLst>
-              <a:ext uri="{FF2B5EF4-FFF2-40B4-BE49-F238E27FC236}">
-                <a16:creationId xmlns:a16="http://schemas.microsoft.com/office/drawing/2014/main" id="{551A4D2F-E3BC-D469-EA93-548744271DA7}"/>
-              </a:ext>
-            </a:extLst>
-          </p:cNvPr>
-          <p:cNvSpPr>
-            <a:spLocks noGrp="1"/>
-          </p:cNvSpPr>
-          <p:nvPr>
-            <p:ph type="title"/>
-          </p:nvPr>
-        </p:nvSpPr>
-        <p:spPr/>
-        <p:txBody>
-          <a:bodyPr/>
-          <a:lstStyle/>
-          <a:p>
-            <a:r>
-              <a:rPr lang="ja-JP" altLang="en-US"/>
-              <a:t>畳み込みニューラルネットワーク</a:t>
-            </a:r>
-            <a:endParaRPr kumimoji="1" lang="ja-JP" altLang="en-US"/>
-          </a:p>
-        </p:txBody>
-      </p:sp>
-      <p:sp>
-        <p:nvSpPr>
-          <p:cNvPr id="5" name="スライド番号プレースホルダー 4">
-            <a:extLst>
-              <a:ext uri="{FF2B5EF4-FFF2-40B4-BE49-F238E27FC236}">
-                <a16:creationId xmlns:a16="http://schemas.microsoft.com/office/drawing/2014/main" id="{2D0400D8-CA31-3279-A200-2FD48F814A27}"/>
-              </a:ext>
-            </a:extLst>
-          </p:cNvPr>
-          <p:cNvSpPr>
-            <a:spLocks noGrp="1"/>
-          </p:cNvSpPr>
-          <p:nvPr>
-            <p:ph type="sldNum" sz="quarter" idx="12"/>
-          </p:nvPr>
-        </p:nvSpPr>
-        <p:spPr/>
-        <p:txBody>
-          <a:bodyPr/>
-          <a:lstStyle/>
-          <a:p>
-            <a:pPr lvl="0"/>
-            <a:fld id="{004900ED-2EFD-2142-93A1-1CBA90FDE07B}" type="slidenum">
-              <a:rPr lang="en-US" altLang="ja-JP" smtClean="0"/>
-              <a:t>32</a:t>
-            </a:fld>
-            <a:endParaRPr lang="ja-JP" altLang="en-US"/>
-          </a:p>
-        </p:txBody>
-      </p:sp>
-      <p:sp>
-        <p:nvSpPr>
-          <p:cNvPr id="4" name="テキスト ボックス 3">
-            <a:extLst>
-              <a:ext uri="{FF2B5EF4-FFF2-40B4-BE49-F238E27FC236}">
-                <a16:creationId xmlns:a16="http://schemas.microsoft.com/office/drawing/2014/main" id="{CF9FE49C-3668-8B92-5FB0-12521E7B6B7B}"/>
-              </a:ext>
-            </a:extLst>
-          </p:cNvPr>
-          <p:cNvSpPr txBox="1"/>
-          <p:nvPr/>
-        </p:nvSpPr>
-        <p:spPr>
-          <a:xfrm>
-            <a:off x="400969" y="1554186"/>
-            <a:ext cx="6032421" cy="1631216"/>
-          </a:xfrm>
-          <a:prstGeom prst="rect">
-            <a:avLst/>
-          </a:prstGeom>
-          <a:noFill/>
-        </p:spPr>
-        <p:txBody>
-          <a:bodyPr wrap="none" rtlCol="0">
-            <a:spAutoFit/>
-          </a:bodyPr>
-          <a:lstStyle/>
-          <a:p>
-            <a:pPr marL="457200" indent="-457200">
+            <a:pPr marL="342900" indent="-342900">
               <a:buFont typeface="Wingdings" pitchFamily="2" charset="2"/>
               <a:buChar char="p"/>
             </a:pPr>
@@ -14058,7 +15193,7 @@
             </a:r>
           </a:p>
           <a:p>
-            <a:pPr marL="914400" lvl="1" indent="-457200">
+            <a:pPr marL="800100" lvl="1" indent="-342900">
               <a:buFont typeface="Wingdings" pitchFamily="2" charset="2"/>
               <a:buChar char="p"/>
             </a:pPr>
@@ -14404,6 +15539,453 @@
 </p:sld>
 </file>
 
+<file path=ppt/slides/slide31.xml><?xml version="1.0" encoding="utf-8"?>
+<p:sld xmlns:a="http://schemas.openxmlformats.org/drawingml/2006/main" xmlns:r="http://schemas.openxmlformats.org/officeDocument/2006/relationships" xmlns:p="http://schemas.openxmlformats.org/presentationml/2006/main">
+  <p:cSld>
+    <p:spTree>
+      <p:nvGrpSpPr>
+        <p:cNvPr id="1" name=""/>
+        <p:cNvGrpSpPr/>
+        <p:nvPr/>
+      </p:nvGrpSpPr>
+      <p:grpSpPr>
+        <a:xfrm>
+          <a:off x="0" y="0"/>
+          <a:ext cx="0" cy="0"/>
+          <a:chOff x="0" y="0"/>
+          <a:chExt cx="0" cy="0"/>
+        </a:xfrm>
+      </p:grpSpPr>
+      <p:sp>
+        <p:nvSpPr>
+          <p:cNvPr id="2" name="タイトル 1">
+            <a:extLst>
+              <a:ext uri="{FF2B5EF4-FFF2-40B4-BE49-F238E27FC236}">
+                <a16:creationId xmlns:a16="http://schemas.microsoft.com/office/drawing/2014/main" id="{D159CF40-CD8C-21A6-0A3D-8CF370B562A6}"/>
+              </a:ext>
+            </a:extLst>
+          </p:cNvPr>
+          <p:cNvSpPr>
+            <a:spLocks noGrp="1"/>
+          </p:cNvSpPr>
+          <p:nvPr>
+            <p:ph type="title"/>
+          </p:nvPr>
+        </p:nvSpPr>
+        <p:spPr/>
+        <p:txBody>
+          <a:bodyPr/>
+          <a:lstStyle/>
+          <a:p>
+            <a:r>
+              <a:rPr kumimoji="1" lang="ja-JP" altLang="en-US"/>
+              <a:t>遺伝的アルゴリズム</a:t>
+            </a:r>
+          </a:p>
+        </p:txBody>
+      </p:sp>
+      <p:sp>
+        <p:nvSpPr>
+          <p:cNvPr id="3" name="スライド番号プレースホルダー 2">
+            <a:extLst>
+              <a:ext uri="{FF2B5EF4-FFF2-40B4-BE49-F238E27FC236}">
+                <a16:creationId xmlns:a16="http://schemas.microsoft.com/office/drawing/2014/main" id="{37968868-915E-15E5-AB4E-1366F32A281D}"/>
+              </a:ext>
+            </a:extLst>
+          </p:cNvPr>
+          <p:cNvSpPr>
+            <a:spLocks noGrp="1"/>
+          </p:cNvSpPr>
+          <p:nvPr>
+            <p:ph type="sldNum" sz="quarter" idx="12"/>
+          </p:nvPr>
+        </p:nvSpPr>
+        <p:spPr/>
+        <p:txBody>
+          <a:bodyPr/>
+          <a:lstStyle/>
+          <a:p>
+            <a:pPr lvl="0"/>
+            <a:fld id="{004900ED-2EFD-2142-93A1-1CBA90FDE07B}" type="slidenum">
+              <a:rPr lang="en-US" altLang="ja-JP" smtClean="0"/>
+              <a:t>31</a:t>
+            </a:fld>
+            <a:endParaRPr lang="ja-JP" altLang="en-US"/>
+          </a:p>
+        </p:txBody>
+      </p:sp>
+      <p:sp>
+        <p:nvSpPr>
+          <p:cNvPr id="4" name="テキスト ボックス 3">
+            <a:extLst>
+              <a:ext uri="{FF2B5EF4-FFF2-40B4-BE49-F238E27FC236}">
+                <a16:creationId xmlns:a16="http://schemas.microsoft.com/office/drawing/2014/main" id="{C90B63DA-86FE-BCFD-909B-51617E6B3CDE}"/>
+              </a:ext>
+            </a:extLst>
+          </p:cNvPr>
+          <p:cNvSpPr txBox="1"/>
+          <p:nvPr/>
+        </p:nvSpPr>
+        <p:spPr>
+          <a:xfrm>
+            <a:off x="83018" y="1565028"/>
+            <a:ext cx="6886822" cy="594522"/>
+          </a:xfrm>
+          <a:prstGeom prst="rect">
+            <a:avLst/>
+          </a:prstGeom>
+          <a:noFill/>
+        </p:spPr>
+        <p:txBody>
+          <a:bodyPr wrap="none" rtlCol="0">
+            <a:spAutoFit/>
+          </a:bodyPr>
+          <a:lstStyle/>
+          <a:p>
+            <a:pPr lvl="1">
+              <a:lnSpc>
+                <a:spcPct val="150000"/>
+              </a:lnSpc>
+            </a:pPr>
+            <a:r>
+              <a:rPr kumimoji="1" lang="ja-JP" altLang="en-US" sz="2400"/>
+              <a:t>遺伝的アルゴリズム</a:t>
+            </a:r>
+            <a:r>
+              <a:rPr kumimoji="1" lang="en-US" altLang="ja-JP" sz="2400" dirty="0"/>
+              <a:t> (Genetic Algorithm: GA)</a:t>
+            </a:r>
+          </a:p>
+        </p:txBody>
+      </p:sp>
+      <p:sp>
+        <p:nvSpPr>
+          <p:cNvPr id="5" name="テキスト ボックス 4">
+            <a:extLst>
+              <a:ext uri="{FF2B5EF4-FFF2-40B4-BE49-F238E27FC236}">
+                <a16:creationId xmlns:a16="http://schemas.microsoft.com/office/drawing/2014/main" id="{6552DF41-280F-EBD5-7E3B-875A243D0221}"/>
+              </a:ext>
+            </a:extLst>
+          </p:cNvPr>
+          <p:cNvSpPr txBox="1"/>
+          <p:nvPr/>
+        </p:nvSpPr>
+        <p:spPr>
+          <a:xfrm>
+            <a:off x="519837" y="2326629"/>
+            <a:ext cx="6994222" cy="2877711"/>
+          </a:xfrm>
+          <a:prstGeom prst="rect">
+            <a:avLst/>
+          </a:prstGeom>
+          <a:noFill/>
+        </p:spPr>
+        <p:txBody>
+          <a:bodyPr wrap="none" rtlCol="0">
+            <a:spAutoFit/>
+          </a:bodyPr>
+          <a:lstStyle/>
+          <a:p>
+            <a:pPr marL="342900" indent="-342900">
+              <a:lnSpc>
+                <a:spcPct val="150000"/>
+              </a:lnSpc>
+              <a:buFont typeface="Wingdings" pitchFamily="2" charset="2"/>
+              <a:buChar char="p"/>
+            </a:pPr>
+            <a:r>
+              <a:rPr kumimoji="1" lang="ja-JP" altLang="en-US" sz="2400"/>
+              <a:t>生物の進化からヒントを得た最適化手法</a:t>
+            </a:r>
+            <a:endParaRPr kumimoji="1" lang="en-US" altLang="ja-JP" sz="2400" dirty="0"/>
+          </a:p>
+          <a:p>
+            <a:pPr marL="285750" indent="-285750">
+              <a:lnSpc>
+                <a:spcPct val="150000"/>
+              </a:lnSpc>
+              <a:buFont typeface="Wingdings" pitchFamily="2" charset="2"/>
+              <a:buChar char="p"/>
+            </a:pPr>
+            <a:endParaRPr kumimoji="1" lang="en-US" altLang="ja-JP" sz="1400" dirty="0"/>
+          </a:p>
+          <a:p>
+            <a:pPr marL="342900" indent="-342900">
+              <a:buFont typeface="Wingdings" pitchFamily="2" charset="2"/>
+              <a:buChar char="p"/>
+            </a:pPr>
+            <a:r>
+              <a:rPr kumimoji="1" lang="ja-JP" altLang="en-US" sz="2400"/>
+              <a:t>解の遺伝子を表現する配列に</a:t>
+            </a:r>
+            <a:r>
+              <a:rPr lang="ja-JP" altLang="en-US" sz="2400"/>
+              <a:t>交叉，突然変異，</a:t>
+            </a:r>
+            <a:br>
+              <a:rPr lang="en-US" altLang="ja-JP" sz="2400" dirty="0"/>
+            </a:br>
+            <a:r>
+              <a:rPr lang="ja-JP" altLang="en-US" sz="2400"/>
+              <a:t>選択といった操作を繰り返し適用</a:t>
+            </a:r>
+            <a:endParaRPr lang="en-US" altLang="ja-JP" sz="2400" dirty="0"/>
+          </a:p>
+          <a:p>
+            <a:pPr marL="285750" indent="-285750">
+              <a:buFont typeface="Wingdings" pitchFamily="2" charset="2"/>
+              <a:buChar char="p"/>
+            </a:pPr>
+            <a:endParaRPr lang="en-US" altLang="ja-JP" sz="1400" dirty="0"/>
+          </a:p>
+          <a:p>
+            <a:pPr marL="342900" indent="-342900">
+              <a:buFont typeface="Wingdings" pitchFamily="2" charset="2"/>
+              <a:buChar char="p"/>
+            </a:pPr>
+            <a:r>
+              <a:rPr kumimoji="1" lang="ja-JP" altLang="en-US" sz="2400"/>
+              <a:t>各個体について適応度を計算し，</a:t>
+            </a:r>
+            <a:r>
+              <a:rPr lang="ja-JP" altLang="en-US" sz="2400"/>
+              <a:t>高いものを</a:t>
+            </a:r>
+            <a:br>
+              <a:rPr lang="en-US" altLang="ja-JP" sz="2400" dirty="0"/>
+            </a:br>
+            <a:r>
+              <a:rPr lang="ja-JP" altLang="en-US" sz="2400"/>
+              <a:t>次世代に残し，</a:t>
+            </a:r>
+            <a:r>
+              <a:rPr kumimoji="1" lang="ja-JP" altLang="en-US" sz="2400"/>
+              <a:t>低いものを淘汰</a:t>
+            </a:r>
+            <a:endParaRPr kumimoji="1" lang="en-US" altLang="ja-JP" sz="2400" dirty="0"/>
+          </a:p>
+          <a:p>
+            <a:pPr marL="285750" indent="-285750">
+              <a:buFont typeface="Wingdings" pitchFamily="2" charset="2"/>
+              <a:buChar char="p"/>
+            </a:pPr>
+            <a:endParaRPr lang="en-US" altLang="ja-JP" sz="1400" dirty="0"/>
+          </a:p>
+        </p:txBody>
+      </p:sp>
+    </p:spTree>
+    <p:extLst>
+      <p:ext uri="{BB962C8B-B14F-4D97-AF65-F5344CB8AC3E}">
+        <p14:creationId xmlns:p14="http://schemas.microsoft.com/office/powerpoint/2010/main" val="772153992"/>
+      </p:ext>
+    </p:extLst>
+  </p:cSld>
+  <p:clrMapOvr>
+    <a:masterClrMapping/>
+  </p:clrMapOvr>
+</p:sld>
+</file>
+
+<file path=ppt/slides/slide32.xml><?xml version="1.0" encoding="utf-8"?>
+<p:sld xmlns:a="http://schemas.openxmlformats.org/drawingml/2006/main" xmlns:r="http://schemas.openxmlformats.org/officeDocument/2006/relationships" xmlns:p="http://schemas.openxmlformats.org/presentationml/2006/main">
+  <p:cSld>
+    <p:spTree>
+      <p:nvGrpSpPr>
+        <p:cNvPr id="1" name=""/>
+        <p:cNvGrpSpPr/>
+        <p:nvPr/>
+      </p:nvGrpSpPr>
+      <p:grpSpPr>
+        <a:xfrm>
+          <a:off x="0" y="0"/>
+          <a:ext cx="0" cy="0"/>
+          <a:chOff x="0" y="0"/>
+          <a:chExt cx="0" cy="0"/>
+        </a:xfrm>
+      </p:grpSpPr>
+      <p:sp>
+        <p:nvSpPr>
+          <p:cNvPr id="2" name="タイトル 1">
+            <a:extLst>
+              <a:ext uri="{FF2B5EF4-FFF2-40B4-BE49-F238E27FC236}">
+                <a16:creationId xmlns:a16="http://schemas.microsoft.com/office/drawing/2014/main" id="{C90BB530-5AC9-C1CB-F08E-50496361C5DB}"/>
+              </a:ext>
+            </a:extLst>
+          </p:cNvPr>
+          <p:cNvSpPr>
+            <a:spLocks noGrp="1"/>
+          </p:cNvSpPr>
+          <p:nvPr>
+            <p:ph type="title"/>
+          </p:nvPr>
+        </p:nvSpPr>
+        <p:spPr/>
+        <p:txBody>
+          <a:bodyPr/>
+          <a:lstStyle/>
+          <a:p>
+            <a:r>
+              <a:rPr lang="en-US" altLang="ja-JP" dirty="0" err="1"/>
+              <a:t>t</a:t>
+            </a:r>
+            <a:r>
+              <a:rPr kumimoji="1" lang="en-US" altLang="ja-JP" dirty="0" err="1"/>
+              <a:t>dga</a:t>
+            </a:r>
+            <a:r>
+              <a:rPr lang="en-US" altLang="ja-JP" dirty="0" err="1"/>
+              <a:t>CNN</a:t>
+            </a:r>
+            <a:r>
+              <a:rPr lang="en-US" altLang="ja-JP" dirty="0"/>
+              <a:t> </a:t>
+            </a:r>
+            <a:r>
+              <a:rPr lang="ja-JP" altLang="en-US"/>
+              <a:t>の流れ</a:t>
+            </a:r>
+            <a:endParaRPr kumimoji="1" lang="ja-JP" altLang="en-US"/>
+          </a:p>
+        </p:txBody>
+      </p:sp>
+      <p:sp>
+        <p:nvSpPr>
+          <p:cNvPr id="3" name="スライド番号プレースホルダー 2">
+            <a:extLst>
+              <a:ext uri="{FF2B5EF4-FFF2-40B4-BE49-F238E27FC236}">
+                <a16:creationId xmlns:a16="http://schemas.microsoft.com/office/drawing/2014/main" id="{D4B14B84-3C24-2D1B-3DC6-AC568B15C965}"/>
+              </a:ext>
+            </a:extLst>
+          </p:cNvPr>
+          <p:cNvSpPr>
+            <a:spLocks noGrp="1"/>
+          </p:cNvSpPr>
+          <p:nvPr>
+            <p:ph type="sldNum" sz="quarter" idx="12"/>
+          </p:nvPr>
+        </p:nvSpPr>
+        <p:spPr/>
+        <p:txBody>
+          <a:bodyPr/>
+          <a:lstStyle/>
+          <a:p>
+            <a:pPr lvl="0"/>
+            <a:fld id="{004900ED-2EFD-2142-93A1-1CBA90FDE07B}" type="slidenum">
+              <a:rPr lang="en-US" altLang="ja-JP" smtClean="0"/>
+              <a:t>32</a:t>
+            </a:fld>
+            <a:endParaRPr lang="ja-JP" altLang="en-US"/>
+          </a:p>
+        </p:txBody>
+      </p:sp>
+      <p:sp>
+        <p:nvSpPr>
+          <p:cNvPr id="4" name="テキスト ボックス 3">
+            <a:extLst>
+              <a:ext uri="{FF2B5EF4-FFF2-40B4-BE49-F238E27FC236}">
+                <a16:creationId xmlns:a16="http://schemas.microsoft.com/office/drawing/2014/main" id="{F597D62F-5B0E-F5A1-F4AB-B4D8182F2BB8}"/>
+              </a:ext>
+            </a:extLst>
+          </p:cNvPr>
+          <p:cNvSpPr txBox="1"/>
+          <p:nvPr/>
+        </p:nvSpPr>
+        <p:spPr>
+          <a:xfrm>
+            <a:off x="437408" y="1904850"/>
+            <a:ext cx="6857968" cy="2308324"/>
+          </a:xfrm>
+          <a:prstGeom prst="rect">
+            <a:avLst/>
+          </a:prstGeom>
+          <a:noFill/>
+        </p:spPr>
+        <p:txBody>
+          <a:bodyPr wrap="none" rtlCol="0">
+            <a:spAutoFit/>
+          </a:bodyPr>
+          <a:lstStyle/>
+          <a:p>
+            <a:pPr marL="342900" indent="-342900">
+              <a:buFont typeface="+mj-lt"/>
+              <a:buAutoNum type="arabicPeriod"/>
+            </a:pPr>
+            <a:r>
+              <a:rPr kumimoji="1" lang="ja-JP" altLang="en-US" sz="2400"/>
+              <a:t>初期母集団を生成</a:t>
+            </a:r>
+            <a:endParaRPr kumimoji="1" lang="en-US" altLang="ja-JP" sz="2400" dirty="0"/>
+          </a:p>
+          <a:p>
+            <a:pPr marL="342900" indent="-342900">
+              <a:buFont typeface="+mj-lt"/>
+              <a:buAutoNum type="arabicPeriod"/>
+            </a:pPr>
+            <a:r>
+              <a:rPr lang="ja-JP" altLang="en-US" sz="2400"/>
+              <a:t>母集団の個体の適応度を評価</a:t>
+            </a:r>
+            <a:endParaRPr lang="en-US" altLang="ja-JP" sz="2400" dirty="0"/>
+          </a:p>
+          <a:p>
+            <a:pPr marL="342900" indent="-342900">
+              <a:buFont typeface="+mj-lt"/>
+              <a:buAutoNum type="arabicPeriod"/>
+            </a:pPr>
+            <a:r>
+              <a:rPr kumimoji="1" lang="ja-JP" altLang="en-US" sz="2400"/>
+              <a:t>選択，交叉，突然変異による次世代の母集団</a:t>
+            </a:r>
+            <a:br>
+              <a:rPr kumimoji="1" lang="en-US" altLang="ja-JP" sz="2400" dirty="0"/>
+            </a:br>
+            <a:r>
+              <a:rPr kumimoji="1" lang="ja-JP" altLang="en-US" sz="2400"/>
+              <a:t>の生成</a:t>
+            </a:r>
+            <a:endParaRPr kumimoji="1" lang="en-US" altLang="ja-JP" sz="2400" dirty="0"/>
+          </a:p>
+          <a:p>
+            <a:pPr marL="342900" indent="-342900">
+              <a:buFont typeface="+mj-lt"/>
+              <a:buAutoNum type="arabicPeriod"/>
+            </a:pPr>
+            <a:r>
+              <a:rPr lang="en-US" altLang="ja-JP" sz="2400" dirty="0"/>
+              <a:t>2 ~ 3 </a:t>
+            </a:r>
+            <a:r>
+              <a:rPr lang="ja-JP" altLang="en-US" sz="2400"/>
+              <a:t>を世代回数だけ反復</a:t>
+            </a:r>
+            <a:endParaRPr lang="en-US" altLang="ja-JP" sz="2400" dirty="0"/>
+          </a:p>
+          <a:p>
+            <a:pPr marL="342900" indent="-342900">
+              <a:buFont typeface="+mj-lt"/>
+              <a:buAutoNum type="arabicPeriod"/>
+            </a:pPr>
+            <a:r>
+              <a:rPr kumimoji="1" lang="ja-JP" altLang="en-US" sz="2400"/>
+              <a:t>最終世代で最も適応度が高い個体を本学習</a:t>
+            </a:r>
+            <a:endParaRPr kumimoji="1" lang="en-US" altLang="ja-JP" sz="2400" dirty="0"/>
+          </a:p>
+        </p:txBody>
+      </p:sp>
+    </p:spTree>
+    <p:extLst>
+      <p:ext uri="{BB962C8B-B14F-4D97-AF65-F5344CB8AC3E}">
+        <p14:creationId xmlns:p14="http://schemas.microsoft.com/office/powerpoint/2010/main" val="3426627500"/>
+      </p:ext>
+    </p:extLst>
+  </p:cSld>
+  <p:clrMapOvr>
+    <a:masterClrMapping/>
+  </p:clrMapOvr>
+</p:sld>
+</file>
+
 <file path=ppt/slides/slide33.xml><?xml version="1.0" encoding="utf-8"?>
 <p:sld xmlns:a="http://schemas.openxmlformats.org/drawingml/2006/main" xmlns:r="http://schemas.openxmlformats.org/officeDocument/2006/relationships" xmlns:p="http://schemas.openxmlformats.org/presentationml/2006/main">
   <p:cSld>
@@ -14437,453 +16019,6 @@
             <p:ph type="title"/>
           </p:nvPr>
         </p:nvSpPr>
-        <p:spPr/>
-        <p:txBody>
-          <a:bodyPr/>
-          <a:lstStyle/>
-          <a:p>
-            <a:r>
-              <a:rPr kumimoji="1" lang="ja-JP" altLang="en-US"/>
-              <a:t>遺伝的アルゴリズム</a:t>
-            </a:r>
-          </a:p>
-        </p:txBody>
-      </p:sp>
-      <p:sp>
-        <p:nvSpPr>
-          <p:cNvPr id="3" name="スライド番号プレースホルダー 2">
-            <a:extLst>
-              <a:ext uri="{FF2B5EF4-FFF2-40B4-BE49-F238E27FC236}">
-                <a16:creationId xmlns:a16="http://schemas.microsoft.com/office/drawing/2014/main" id="{37968868-915E-15E5-AB4E-1366F32A281D}"/>
-              </a:ext>
-            </a:extLst>
-          </p:cNvPr>
-          <p:cNvSpPr>
-            <a:spLocks noGrp="1"/>
-          </p:cNvSpPr>
-          <p:nvPr>
-            <p:ph type="sldNum" sz="quarter" idx="12"/>
-          </p:nvPr>
-        </p:nvSpPr>
-        <p:spPr/>
-        <p:txBody>
-          <a:bodyPr/>
-          <a:lstStyle/>
-          <a:p>
-            <a:pPr lvl="0"/>
-            <a:fld id="{004900ED-2EFD-2142-93A1-1CBA90FDE07B}" type="slidenum">
-              <a:rPr lang="en-US" altLang="ja-JP" smtClean="0"/>
-              <a:t>33</a:t>
-            </a:fld>
-            <a:endParaRPr lang="ja-JP" altLang="en-US"/>
-          </a:p>
-        </p:txBody>
-      </p:sp>
-      <p:sp>
-        <p:nvSpPr>
-          <p:cNvPr id="4" name="テキスト ボックス 3">
-            <a:extLst>
-              <a:ext uri="{FF2B5EF4-FFF2-40B4-BE49-F238E27FC236}">
-                <a16:creationId xmlns:a16="http://schemas.microsoft.com/office/drawing/2014/main" id="{C90B63DA-86FE-BCFD-909B-51617E6B3CDE}"/>
-              </a:ext>
-            </a:extLst>
-          </p:cNvPr>
-          <p:cNvSpPr txBox="1"/>
-          <p:nvPr/>
-        </p:nvSpPr>
-        <p:spPr>
-          <a:xfrm>
-            <a:off x="83018" y="1565028"/>
-            <a:ext cx="6886822" cy="594522"/>
-          </a:xfrm>
-          <a:prstGeom prst="rect">
-            <a:avLst/>
-          </a:prstGeom>
-          <a:noFill/>
-        </p:spPr>
-        <p:txBody>
-          <a:bodyPr wrap="none" rtlCol="0">
-            <a:spAutoFit/>
-          </a:bodyPr>
-          <a:lstStyle/>
-          <a:p>
-            <a:pPr lvl="1">
-              <a:lnSpc>
-                <a:spcPct val="150000"/>
-              </a:lnSpc>
-            </a:pPr>
-            <a:r>
-              <a:rPr kumimoji="1" lang="ja-JP" altLang="en-US" sz="2400"/>
-              <a:t>遺伝的アルゴリズム</a:t>
-            </a:r>
-            <a:r>
-              <a:rPr kumimoji="1" lang="en-US" altLang="ja-JP" sz="2400" dirty="0"/>
-              <a:t> (Genetic Algorithm: GA)</a:t>
-            </a:r>
-          </a:p>
-        </p:txBody>
-      </p:sp>
-      <p:sp>
-        <p:nvSpPr>
-          <p:cNvPr id="5" name="テキスト ボックス 4">
-            <a:extLst>
-              <a:ext uri="{FF2B5EF4-FFF2-40B4-BE49-F238E27FC236}">
-                <a16:creationId xmlns:a16="http://schemas.microsoft.com/office/drawing/2014/main" id="{6552DF41-280F-EBD5-7E3B-875A243D0221}"/>
-              </a:ext>
-            </a:extLst>
-          </p:cNvPr>
-          <p:cNvSpPr txBox="1"/>
-          <p:nvPr/>
-        </p:nvSpPr>
-        <p:spPr>
-          <a:xfrm>
-            <a:off x="519837" y="2326629"/>
-            <a:ext cx="6936514" cy="2877711"/>
-          </a:xfrm>
-          <a:prstGeom prst="rect">
-            <a:avLst/>
-          </a:prstGeom>
-          <a:noFill/>
-        </p:spPr>
-        <p:txBody>
-          <a:bodyPr wrap="none" rtlCol="0">
-            <a:spAutoFit/>
-          </a:bodyPr>
-          <a:lstStyle/>
-          <a:p>
-            <a:pPr marL="285750" indent="-285750">
-              <a:lnSpc>
-                <a:spcPct val="150000"/>
-              </a:lnSpc>
-              <a:buFont typeface="Wingdings" pitchFamily="2" charset="2"/>
-              <a:buChar char="p"/>
-            </a:pPr>
-            <a:r>
-              <a:rPr kumimoji="1" lang="ja-JP" altLang="en-US" sz="2400"/>
-              <a:t>生物の進化からヒントを得た最適化手法</a:t>
-            </a:r>
-            <a:endParaRPr kumimoji="1" lang="en-US" altLang="ja-JP" sz="2400" dirty="0"/>
-          </a:p>
-          <a:p>
-            <a:pPr marL="285750" indent="-285750">
-              <a:lnSpc>
-                <a:spcPct val="150000"/>
-              </a:lnSpc>
-              <a:buFont typeface="Wingdings" pitchFamily="2" charset="2"/>
-              <a:buChar char="p"/>
-            </a:pPr>
-            <a:endParaRPr kumimoji="1" lang="en-US" altLang="ja-JP" sz="1400" dirty="0"/>
-          </a:p>
-          <a:p>
-            <a:pPr marL="285750" indent="-285750">
-              <a:buFont typeface="Wingdings" pitchFamily="2" charset="2"/>
-              <a:buChar char="p"/>
-            </a:pPr>
-            <a:r>
-              <a:rPr kumimoji="1" lang="ja-JP" altLang="en-US" sz="2400"/>
-              <a:t>解の遺伝子を表現する配列に</a:t>
-            </a:r>
-            <a:r>
-              <a:rPr lang="ja-JP" altLang="en-US" sz="2400"/>
-              <a:t>交叉，突然変異，</a:t>
-            </a:r>
-            <a:br>
-              <a:rPr lang="en-US" altLang="ja-JP" sz="2400" dirty="0"/>
-            </a:br>
-            <a:r>
-              <a:rPr lang="ja-JP" altLang="en-US" sz="2400"/>
-              <a:t>選択といった操作を繰り返し適用</a:t>
-            </a:r>
-            <a:endParaRPr lang="en-US" altLang="ja-JP" sz="2400" dirty="0"/>
-          </a:p>
-          <a:p>
-            <a:pPr marL="285750" indent="-285750">
-              <a:buFont typeface="Wingdings" pitchFamily="2" charset="2"/>
-              <a:buChar char="p"/>
-            </a:pPr>
-            <a:endParaRPr lang="en-US" altLang="ja-JP" sz="1400" dirty="0"/>
-          </a:p>
-          <a:p>
-            <a:pPr marL="285750" indent="-285750">
-              <a:buFont typeface="Wingdings" pitchFamily="2" charset="2"/>
-              <a:buChar char="p"/>
-            </a:pPr>
-            <a:r>
-              <a:rPr kumimoji="1" lang="ja-JP" altLang="en-US" sz="2400"/>
-              <a:t>各個体について適応度を計算し，</a:t>
-            </a:r>
-            <a:r>
-              <a:rPr lang="ja-JP" altLang="en-US" sz="2400"/>
-              <a:t>高いものを</a:t>
-            </a:r>
-            <a:br>
-              <a:rPr lang="en-US" altLang="ja-JP" sz="2400" dirty="0"/>
-            </a:br>
-            <a:r>
-              <a:rPr lang="ja-JP" altLang="en-US" sz="2400"/>
-              <a:t>次世代に残し，</a:t>
-            </a:r>
-            <a:r>
-              <a:rPr kumimoji="1" lang="ja-JP" altLang="en-US" sz="2400"/>
-              <a:t>低いものを淘汰</a:t>
-            </a:r>
-            <a:endParaRPr kumimoji="1" lang="en-US" altLang="ja-JP" sz="2400" dirty="0"/>
-          </a:p>
-          <a:p>
-            <a:pPr marL="285750" indent="-285750">
-              <a:buFont typeface="Wingdings" pitchFamily="2" charset="2"/>
-              <a:buChar char="p"/>
-            </a:pPr>
-            <a:endParaRPr lang="en-US" altLang="ja-JP" sz="1400" dirty="0"/>
-          </a:p>
-        </p:txBody>
-      </p:sp>
-    </p:spTree>
-    <p:extLst>
-      <p:ext uri="{BB962C8B-B14F-4D97-AF65-F5344CB8AC3E}">
-        <p14:creationId xmlns:p14="http://schemas.microsoft.com/office/powerpoint/2010/main" val="772153992"/>
-      </p:ext>
-    </p:extLst>
-  </p:cSld>
-  <p:clrMapOvr>
-    <a:masterClrMapping/>
-  </p:clrMapOvr>
-</p:sld>
-</file>
-
-<file path=ppt/slides/slide34.xml><?xml version="1.0" encoding="utf-8"?>
-<p:sld xmlns:a="http://schemas.openxmlformats.org/drawingml/2006/main" xmlns:r="http://schemas.openxmlformats.org/officeDocument/2006/relationships" xmlns:p="http://schemas.openxmlformats.org/presentationml/2006/main">
-  <p:cSld>
-    <p:spTree>
-      <p:nvGrpSpPr>
-        <p:cNvPr id="1" name=""/>
-        <p:cNvGrpSpPr/>
-        <p:nvPr/>
-      </p:nvGrpSpPr>
-      <p:grpSpPr>
-        <a:xfrm>
-          <a:off x="0" y="0"/>
-          <a:ext cx="0" cy="0"/>
-          <a:chOff x="0" y="0"/>
-          <a:chExt cx="0" cy="0"/>
-        </a:xfrm>
-      </p:grpSpPr>
-      <p:sp>
-        <p:nvSpPr>
-          <p:cNvPr id="2" name="タイトル 1">
-            <a:extLst>
-              <a:ext uri="{FF2B5EF4-FFF2-40B4-BE49-F238E27FC236}">
-                <a16:creationId xmlns:a16="http://schemas.microsoft.com/office/drawing/2014/main" id="{C90BB530-5AC9-C1CB-F08E-50496361C5DB}"/>
-              </a:ext>
-            </a:extLst>
-          </p:cNvPr>
-          <p:cNvSpPr>
-            <a:spLocks noGrp="1"/>
-          </p:cNvSpPr>
-          <p:nvPr>
-            <p:ph type="title"/>
-          </p:nvPr>
-        </p:nvSpPr>
-        <p:spPr/>
-        <p:txBody>
-          <a:bodyPr/>
-          <a:lstStyle/>
-          <a:p>
-            <a:r>
-              <a:rPr lang="en-US" altLang="ja-JP" dirty="0" err="1"/>
-              <a:t>t</a:t>
-            </a:r>
-            <a:r>
-              <a:rPr kumimoji="1" lang="en-US" altLang="ja-JP" dirty="0" err="1"/>
-              <a:t>dga</a:t>
-            </a:r>
-            <a:r>
-              <a:rPr lang="en-US" altLang="ja-JP" dirty="0" err="1"/>
-              <a:t>CNN</a:t>
-            </a:r>
-            <a:r>
-              <a:rPr lang="en-US" altLang="ja-JP" dirty="0"/>
-              <a:t> </a:t>
-            </a:r>
-            <a:r>
-              <a:rPr lang="ja-JP" altLang="en-US"/>
-              <a:t>の流れ</a:t>
-            </a:r>
-            <a:endParaRPr kumimoji="1" lang="ja-JP" altLang="en-US"/>
-          </a:p>
-        </p:txBody>
-      </p:sp>
-      <p:sp>
-        <p:nvSpPr>
-          <p:cNvPr id="3" name="スライド番号プレースホルダー 2">
-            <a:extLst>
-              <a:ext uri="{FF2B5EF4-FFF2-40B4-BE49-F238E27FC236}">
-                <a16:creationId xmlns:a16="http://schemas.microsoft.com/office/drawing/2014/main" id="{D4B14B84-3C24-2D1B-3DC6-AC568B15C965}"/>
-              </a:ext>
-            </a:extLst>
-          </p:cNvPr>
-          <p:cNvSpPr>
-            <a:spLocks noGrp="1"/>
-          </p:cNvSpPr>
-          <p:nvPr>
-            <p:ph type="sldNum" sz="quarter" idx="12"/>
-          </p:nvPr>
-        </p:nvSpPr>
-        <p:spPr/>
-        <p:txBody>
-          <a:bodyPr/>
-          <a:lstStyle/>
-          <a:p>
-            <a:pPr lvl="0"/>
-            <a:fld id="{004900ED-2EFD-2142-93A1-1CBA90FDE07B}" type="slidenum">
-              <a:rPr lang="en-US" altLang="ja-JP" smtClean="0"/>
-              <a:t>34</a:t>
-            </a:fld>
-            <a:endParaRPr lang="ja-JP" altLang="en-US"/>
-          </a:p>
-        </p:txBody>
-      </p:sp>
-      <p:sp>
-        <p:nvSpPr>
-          <p:cNvPr id="4" name="テキスト ボックス 3">
-            <a:extLst>
-              <a:ext uri="{FF2B5EF4-FFF2-40B4-BE49-F238E27FC236}">
-                <a16:creationId xmlns:a16="http://schemas.microsoft.com/office/drawing/2014/main" id="{F597D62F-5B0E-F5A1-F4AB-B4D8182F2BB8}"/>
-              </a:ext>
-            </a:extLst>
-          </p:cNvPr>
-          <p:cNvSpPr txBox="1"/>
-          <p:nvPr/>
-        </p:nvSpPr>
-        <p:spPr>
-          <a:xfrm>
-            <a:off x="437408" y="1904850"/>
-            <a:ext cx="6857968" cy="2308324"/>
-          </a:xfrm>
-          <a:prstGeom prst="rect">
-            <a:avLst/>
-          </a:prstGeom>
-          <a:noFill/>
-        </p:spPr>
-        <p:txBody>
-          <a:bodyPr wrap="none" rtlCol="0">
-            <a:spAutoFit/>
-          </a:bodyPr>
-          <a:lstStyle/>
-          <a:p>
-            <a:pPr marL="342900" indent="-342900">
-              <a:buFont typeface="+mj-lt"/>
-              <a:buAutoNum type="arabicPeriod"/>
-            </a:pPr>
-            <a:r>
-              <a:rPr kumimoji="1" lang="ja-JP" altLang="en-US" sz="2400"/>
-              <a:t>初期母集団を生成</a:t>
-            </a:r>
-            <a:endParaRPr kumimoji="1" lang="en-US" altLang="ja-JP" sz="2400" dirty="0"/>
-          </a:p>
-          <a:p>
-            <a:pPr marL="342900" indent="-342900">
-              <a:buFont typeface="+mj-lt"/>
-              <a:buAutoNum type="arabicPeriod"/>
-            </a:pPr>
-            <a:r>
-              <a:rPr lang="ja-JP" altLang="en-US" sz="2400"/>
-              <a:t>母集団の個体の適応度を評価</a:t>
-            </a:r>
-            <a:endParaRPr lang="en-US" altLang="ja-JP" sz="2400" dirty="0"/>
-          </a:p>
-          <a:p>
-            <a:pPr marL="342900" indent="-342900">
-              <a:buFont typeface="+mj-lt"/>
-              <a:buAutoNum type="arabicPeriod"/>
-            </a:pPr>
-            <a:r>
-              <a:rPr kumimoji="1" lang="ja-JP" altLang="en-US" sz="2400"/>
-              <a:t>選択，交叉，突然変異による次世代の母集団</a:t>
-            </a:r>
-            <a:br>
-              <a:rPr kumimoji="1" lang="en-US" altLang="ja-JP" sz="2400" dirty="0"/>
-            </a:br>
-            <a:r>
-              <a:rPr kumimoji="1" lang="ja-JP" altLang="en-US" sz="2400"/>
-              <a:t>の生成</a:t>
-            </a:r>
-            <a:endParaRPr kumimoji="1" lang="en-US" altLang="ja-JP" sz="2400" dirty="0"/>
-          </a:p>
-          <a:p>
-            <a:pPr marL="342900" indent="-342900">
-              <a:buFont typeface="+mj-lt"/>
-              <a:buAutoNum type="arabicPeriod"/>
-            </a:pPr>
-            <a:r>
-              <a:rPr lang="en-US" altLang="ja-JP" sz="2400" dirty="0"/>
-              <a:t>2 ~ 3 </a:t>
-            </a:r>
-            <a:r>
-              <a:rPr lang="ja-JP" altLang="en-US" sz="2400"/>
-              <a:t>を世代回数だけ反復</a:t>
-            </a:r>
-            <a:endParaRPr lang="en-US" altLang="ja-JP" sz="2400" dirty="0"/>
-          </a:p>
-          <a:p>
-            <a:pPr marL="342900" indent="-342900">
-              <a:buFont typeface="+mj-lt"/>
-              <a:buAutoNum type="arabicPeriod"/>
-            </a:pPr>
-            <a:r>
-              <a:rPr kumimoji="1" lang="ja-JP" altLang="en-US" sz="2400"/>
-              <a:t>最終世代で最も適応度が高い個体を本学習</a:t>
-            </a:r>
-            <a:endParaRPr kumimoji="1" lang="en-US" altLang="ja-JP" sz="2400" dirty="0"/>
-          </a:p>
-        </p:txBody>
-      </p:sp>
-    </p:spTree>
-    <p:extLst>
-      <p:ext uri="{BB962C8B-B14F-4D97-AF65-F5344CB8AC3E}">
-        <p14:creationId xmlns:p14="http://schemas.microsoft.com/office/powerpoint/2010/main" val="3426627500"/>
-      </p:ext>
-    </p:extLst>
-  </p:cSld>
-  <p:clrMapOvr>
-    <a:masterClrMapping/>
-  </p:clrMapOvr>
-</p:sld>
-</file>
-
-<file path=ppt/slides/slide35.xml><?xml version="1.0" encoding="utf-8"?>
-<p:sld xmlns:a="http://schemas.openxmlformats.org/drawingml/2006/main" xmlns:r="http://schemas.openxmlformats.org/officeDocument/2006/relationships" xmlns:p="http://schemas.openxmlformats.org/presentationml/2006/main">
-  <p:cSld>
-    <p:spTree>
-      <p:nvGrpSpPr>
-        <p:cNvPr id="1" name=""/>
-        <p:cNvGrpSpPr/>
-        <p:nvPr/>
-      </p:nvGrpSpPr>
-      <p:grpSpPr>
-        <a:xfrm>
-          <a:off x="0" y="0"/>
-          <a:ext cx="0" cy="0"/>
-          <a:chOff x="0" y="0"/>
-          <a:chExt cx="0" cy="0"/>
-        </a:xfrm>
-      </p:grpSpPr>
-      <p:sp>
-        <p:nvSpPr>
-          <p:cNvPr id="2" name="タイトル 1">
-            <a:extLst>
-              <a:ext uri="{FF2B5EF4-FFF2-40B4-BE49-F238E27FC236}">
-                <a16:creationId xmlns:a16="http://schemas.microsoft.com/office/drawing/2014/main" id="{D159CF40-CD8C-21A6-0A3D-8CF370B562A6}"/>
-              </a:ext>
-            </a:extLst>
-          </p:cNvPr>
-          <p:cNvSpPr>
-            <a:spLocks noGrp="1"/>
-          </p:cNvSpPr>
-          <p:nvPr>
-            <p:ph type="title"/>
-          </p:nvPr>
-        </p:nvSpPr>
         <p:spPr>
           <a:xfrm>
             <a:off x="519836" y="166047"/>
@@ -14938,7 +16073,7 @@
             <a:pPr lvl="0"/>
             <a:fld id="{004900ED-2EFD-2142-93A1-1CBA90FDE07B}" type="slidenum">
               <a:rPr lang="en-US" altLang="ja-JP" smtClean="0"/>
-              <a:t>35</a:t>
+              <a:t>33</a:t>
             </a:fld>
             <a:endParaRPr lang="ja-JP" altLang="en-US"/>
           </a:p>
@@ -15196,7 +16331,7 @@
         <p:spPr>
           <a:xfrm>
             <a:off x="135454" y="1696781"/>
-            <a:ext cx="7290353" cy="3293209"/>
+            <a:ext cx="7290353" cy="3231654"/>
           </a:xfrm>
           <a:prstGeom prst="rect">
             <a:avLst/>
@@ -15209,7 +16344,7 @@
           </a:bodyPr>
           <a:lstStyle/>
           <a:p>
-            <a:pPr marL="285750" indent="-285750">
+            <a:pPr marL="342900" indent="-342900">
               <a:buFont typeface="Wingdings" pitchFamily="2" charset="2"/>
               <a:buChar char="p"/>
             </a:pPr>
@@ -15234,7 +16369,7 @@
             <a:endParaRPr lang="en-US" altLang="ja-JP" sz="1400" dirty="0"/>
           </a:p>
           <a:p>
-            <a:pPr marL="285750" indent="-285750">
+            <a:pPr marL="342900" indent="-342900">
               <a:buFont typeface="Wingdings" pitchFamily="2" charset="2"/>
               <a:buChar char="p"/>
             </a:pPr>
@@ -15265,7 +16400,7 @@
             <a:endParaRPr kumimoji="1" lang="en-US" altLang="ja-JP" sz="1400" dirty="0"/>
           </a:p>
           <a:p>
-            <a:pPr marL="285750" indent="-285750">
+            <a:pPr marL="342900" indent="-342900">
               <a:buFont typeface="Wingdings" pitchFamily="2" charset="2"/>
               <a:buChar char="p"/>
             </a:pPr>
@@ -15290,13 +16425,8 @@
             </a:r>
             <a:r>
               <a:rPr kumimoji="1" lang="ja-JP" altLang="en-US" sz="2400"/>
-              <a:t>人手で最適化することは</a:t>
-            </a:r>
-            <a:r>
-              <a:rPr lang="ja-JP" altLang="en-US" sz="2400"/>
-              <a:t>難しい</a:t>
-            </a:r>
-            <a:endParaRPr kumimoji="1" lang="ja-JP" altLang="en-US" sz="2400"/>
+              <a:t>人手で最適化するためには膨大な労力が必要</a:t>
+            </a:r>
           </a:p>
           <a:p>
             <a:pPr marL="285750" indent="-285750">
@@ -15409,8 +16539,8 @@
         </p:nvSpPr>
         <p:spPr>
           <a:xfrm>
-            <a:off x="353250" y="1508209"/>
-            <a:ext cx="6854762" cy="2255233"/>
+            <a:off x="230587" y="1356765"/>
+            <a:ext cx="6984604" cy="1702517"/>
           </a:xfrm>
           <a:prstGeom prst="rect">
             <a:avLst/>
@@ -15434,10 +16564,68 @@
               <a:rPr kumimoji="1" lang="en-US" altLang="ja-JP" sz="2400" dirty="0" err="1"/>
               <a:t>gaCNN</a:t>
             </a:r>
-            <a:endParaRPr kumimoji="1" lang="en-US" altLang="ja-JP" sz="2400" dirty="0"/>
+            <a:endParaRPr lang="en-US" altLang="ja-JP" sz="2400" dirty="0"/>
           </a:p>
           <a:p>
             <a:pPr marL="800100" lvl="1" indent="-342900">
+              <a:lnSpc>
+                <a:spcPct val="150000"/>
+              </a:lnSpc>
+              <a:buFont typeface="Wingdings" pitchFamily="2" charset="2"/>
+              <a:buChar char="Ø"/>
+            </a:pPr>
+            <a:r>
+              <a:rPr kumimoji="1" lang="en-US" altLang="ja-JP" sz="2400" dirty="0"/>
+              <a:t>CNN </a:t>
+            </a:r>
+            <a:r>
+              <a:rPr kumimoji="1" lang="ja-JP" altLang="en-US" sz="2400"/>
+              <a:t>の構造の最適化に遺伝的アルゴリズム</a:t>
+            </a:r>
+            <a:br>
+              <a:rPr kumimoji="1" lang="en-US" altLang="ja-JP" sz="2400" dirty="0"/>
+            </a:br>
+            <a:r>
+              <a:rPr kumimoji="1" lang="en-US" altLang="ja-JP" sz="2400" dirty="0"/>
+              <a:t>(Genetic Algorithm: GA) </a:t>
+            </a:r>
+            <a:r>
+              <a:rPr kumimoji="1" lang="ja-JP" altLang="en-US" sz="2400"/>
+              <a:t>を利用</a:t>
+            </a:r>
+            <a:endParaRPr lang="en-US" altLang="ja-JP" sz="2400" dirty="0"/>
+          </a:p>
+        </p:txBody>
+      </p:sp>
+      <p:sp>
+        <p:nvSpPr>
+          <p:cNvPr id="6" name="テキスト ボックス 5">
+            <a:extLst>
+              <a:ext uri="{FF2B5EF4-FFF2-40B4-BE49-F238E27FC236}">
+                <a16:creationId xmlns:a16="http://schemas.microsoft.com/office/drawing/2014/main" id="{B7F097BE-2267-CD76-52E2-E71D8C82EE4B}"/>
+              </a:ext>
+            </a:extLst>
+          </p:cNvPr>
+          <p:cNvSpPr txBox="1"/>
+          <p:nvPr/>
+        </p:nvSpPr>
+        <p:spPr>
+          <a:xfrm>
+            <a:off x="230587" y="3112130"/>
+            <a:ext cx="7508787" cy="2256515"/>
+          </a:xfrm>
+          <a:prstGeom prst="rect">
+            <a:avLst/>
+          </a:prstGeom>
+          <a:noFill/>
+        </p:spPr>
+        <p:txBody>
+          <a:bodyPr wrap="none" rtlCol="0">
+            <a:spAutoFit/>
+          </a:bodyPr>
+          <a:lstStyle/>
+          <a:p>
+            <a:pPr marL="342900" indent="-342900">
               <a:lnSpc>
                 <a:spcPct val="150000"/>
               </a:lnSpc>
@@ -15445,25 +16633,10 @@
               <a:buChar char="p"/>
             </a:pPr>
             <a:r>
-              <a:rPr kumimoji="1" lang="en-US" altLang="ja-JP" sz="2400" dirty="0"/>
-              <a:t>CNN </a:t>
-            </a:r>
-            <a:r>
-              <a:rPr kumimoji="1" lang="ja-JP" altLang="en-US" sz="2400"/>
-              <a:t>の構造の最適化に遺伝的アルゴリズム</a:t>
-            </a:r>
-            <a:br>
-              <a:rPr kumimoji="1" lang="en-US" altLang="ja-JP" sz="2400" dirty="0"/>
-            </a:br>
-            <a:r>
-              <a:rPr kumimoji="1" lang="en-US" altLang="ja-JP" sz="2400" dirty="0"/>
-              <a:t>(Genetic Algorithm: GA) </a:t>
-            </a:r>
-            <a:r>
-              <a:rPr kumimoji="1" lang="ja-JP" altLang="en-US" sz="2400"/>
-              <a:t>を利用</a:t>
-            </a:r>
-            <a:endParaRPr kumimoji="1" lang="en-US" altLang="ja-JP" sz="2400" dirty="0"/>
+              <a:rPr kumimoji="1" lang="en-US" altLang="ja-JP" sz="2400" dirty="0" err="1"/>
+              <a:t>tdgaCNN</a:t>
+            </a:r>
+            <a:endParaRPr lang="en-US" altLang="ja-JP" sz="2400" dirty="0"/>
           </a:p>
           <a:p>
             <a:pPr marL="800100" lvl="1" indent="-342900">
@@ -15471,114 +16644,49 @@
                 <a:spcPct val="150000"/>
               </a:lnSpc>
               <a:buFont typeface="Wingdings" pitchFamily="2" charset="2"/>
-              <a:buChar char="p"/>
+              <a:buChar char="Ø"/>
             </a:pPr>
             <a:r>
+              <a:rPr lang="en-US" altLang="ja-JP" sz="2400" dirty="0" err="1"/>
+              <a:t>gaCNN</a:t>
+            </a:r>
+            <a:r>
+              <a:rPr lang="en-US" altLang="ja-JP" sz="2400" dirty="0"/>
+              <a:t> </a:t>
+            </a:r>
+            <a:r>
+              <a:rPr lang="ja-JP" altLang="en-US" sz="2400"/>
+              <a:t>の拡張手法</a:t>
+            </a:r>
+            <a:endParaRPr lang="en-US" altLang="ja-JP" sz="2400" dirty="0"/>
+          </a:p>
+          <a:p>
+            <a:pPr marL="800100" lvl="1" indent="-342900">
+              <a:lnSpc>
+                <a:spcPct val="150000"/>
+              </a:lnSpc>
+              <a:buFont typeface="Wingdings" pitchFamily="2" charset="2"/>
+              <a:buChar char="Ø"/>
+            </a:pPr>
+            <a:r>
+              <a:rPr kumimoji="1" lang="ja-JP" altLang="en-US" sz="2400"/>
+              <a:t>熱力学的遺伝アルゴリズム</a:t>
+            </a:r>
+            <a:r>
               <a:rPr kumimoji="1" lang="en-US" altLang="ja-JP" sz="2400" dirty="0"/>
-              <a:t>GA </a:t>
+              <a:t> (Thermodynamical </a:t>
+            </a:r>
+            <a:br>
+              <a:rPr kumimoji="1" lang="en-US" altLang="ja-JP" sz="2400" dirty="0"/>
+            </a:br>
+            <a:r>
+              <a:rPr kumimoji="1" lang="en-US" altLang="ja-JP" sz="2400" dirty="0"/>
+              <a:t>Genetic Algorithm: TDGA) </a:t>
             </a:r>
             <a:r>
               <a:rPr kumimoji="1" lang="ja-JP" altLang="en-US" sz="2400"/>
-              <a:t>の選択ルールの検討が不十分</a:t>
-            </a:r>
-          </a:p>
-        </p:txBody>
-      </p:sp>
-      <p:sp>
-        <p:nvSpPr>
-          <p:cNvPr id="8" name="下矢印 7">
-            <a:extLst>
-              <a:ext uri="{FF2B5EF4-FFF2-40B4-BE49-F238E27FC236}">
-                <a16:creationId xmlns:a16="http://schemas.microsoft.com/office/drawing/2014/main" id="{3E33ED27-8F4A-327C-F8C4-5B5D06C2576A}"/>
-              </a:ext>
-            </a:extLst>
-          </p:cNvPr>
-          <p:cNvSpPr/>
-          <p:nvPr/>
-        </p:nvSpPr>
-        <p:spPr>
-          <a:xfrm>
-            <a:off x="3332440" y="3873702"/>
-            <a:ext cx="896380" cy="551101"/>
-          </a:xfrm>
-          <a:prstGeom prst="downArrow">
-            <a:avLst/>
-          </a:prstGeom>
-          <a:solidFill>
-            <a:schemeClr val="bg1"/>
-          </a:solidFill>
-          <a:ln>
-            <a:solidFill>
-              <a:schemeClr val="tx1"/>
-            </a:solidFill>
-          </a:ln>
-        </p:spPr>
-        <p:style>
-          <a:lnRef idx="2">
-            <a:schemeClr val="accent1">
-              <a:shade val="50000"/>
-            </a:schemeClr>
-          </a:lnRef>
-          <a:fillRef idx="1">
-            <a:schemeClr val="accent1"/>
-          </a:fillRef>
-          <a:effectRef idx="0">
-            <a:schemeClr val="accent1"/>
-          </a:effectRef>
-          <a:fontRef idx="minor">
-            <a:schemeClr val="lt1"/>
-          </a:fontRef>
-        </p:style>
-        <p:txBody>
-          <a:bodyPr rtlCol="0" anchor="ctr"/>
-          <a:lstStyle/>
-          <a:p>
-            <a:pPr algn="ctr"/>
-            <a:endParaRPr kumimoji="1" lang="ja-JP" altLang="en-US"/>
-          </a:p>
-        </p:txBody>
-      </p:sp>
-      <p:sp>
-        <p:nvSpPr>
-          <p:cNvPr id="9" name="テキスト ボックス 8">
-            <a:extLst>
-              <a:ext uri="{FF2B5EF4-FFF2-40B4-BE49-F238E27FC236}">
-                <a16:creationId xmlns:a16="http://schemas.microsoft.com/office/drawing/2014/main" id="{FF89784C-7492-4D8F-F1B7-1CA26AB45A0B}"/>
-              </a:ext>
-            </a:extLst>
-          </p:cNvPr>
-          <p:cNvSpPr txBox="1"/>
-          <p:nvPr/>
-        </p:nvSpPr>
-        <p:spPr>
-          <a:xfrm>
-            <a:off x="180927" y="4537627"/>
-            <a:ext cx="7199407" cy="461665"/>
-          </a:xfrm>
-          <a:prstGeom prst="rect">
-            <a:avLst/>
-          </a:prstGeom>
-          <a:noFill/>
-        </p:spPr>
-        <p:txBody>
-          <a:bodyPr wrap="none" rtlCol="0">
-            <a:spAutoFit/>
-          </a:bodyPr>
-          <a:lstStyle/>
-          <a:p>
-            <a:r>
-              <a:rPr kumimoji="1" lang="ja-JP" altLang="en-US" sz="2400"/>
-              <a:t>多様性を考慮した選択ルールを採用した</a:t>
-            </a:r>
-            <a:r>
-              <a:rPr kumimoji="1" lang="en-US" altLang="ja-JP" sz="2400" dirty="0"/>
-              <a:t> </a:t>
-            </a:r>
-            <a:r>
-              <a:rPr kumimoji="1" lang="en-US" altLang="ja-JP" sz="2400" dirty="0" err="1"/>
-              <a:t>tdgaCNN</a:t>
-            </a:r>
-            <a:endParaRPr kumimoji="1" lang="ja-JP" altLang="en-US" sz="2400"/>
+              <a:t>を利用</a:t>
+            </a:r>
           </a:p>
         </p:txBody>
       </p:sp>
@@ -15705,7 +16813,7 @@
           <p:spPr>
             <a:xfrm>
               <a:off x="215805" y="1508209"/>
-              <a:ext cx="6006773" cy="1148520"/>
+              <a:ext cx="5891356" cy="1148520"/>
             </a:xfrm>
             <a:prstGeom prst="rect">
               <a:avLst/>
@@ -15718,7 +16826,7 @@
             </a:bodyPr>
             <a:lstStyle/>
             <a:p>
-              <a:pPr marL="914400" lvl="1" indent="-457200">
+              <a:pPr marL="800100" lvl="1" indent="-342900">
                 <a:lnSpc>
                   <a:spcPct val="150000"/>
                 </a:lnSpc>
@@ -15740,12 +16848,12 @@
               <a:endParaRPr lang="en-US" altLang="ja-JP" sz="2400" dirty="0"/>
             </a:p>
             <a:p>
-              <a:pPr marL="1371600" lvl="2" indent="-457200">
+              <a:pPr marL="1257300" lvl="2" indent="-342900">
                 <a:lnSpc>
                   <a:spcPct val="150000"/>
                 </a:lnSpc>
                 <a:buFont typeface="Wingdings" pitchFamily="2" charset="2"/>
-                <a:buChar char="p"/>
+                <a:buChar char="Ø"/>
               </a:pPr>
               <a:r>
                 <a:rPr kumimoji="1" lang="ja-JP" altLang="en-US" sz="2400"/>
@@ -15987,8 +17095,8 @@
         </p:nvSpPr>
         <p:spPr>
           <a:xfrm>
-            <a:off x="919691" y="1259079"/>
-            <a:ext cx="3877985" cy="3909917"/>
+            <a:off x="519837" y="1411535"/>
+            <a:ext cx="3877985" cy="3425168"/>
           </a:xfrm>
           <a:prstGeom prst="rect">
             <a:avLst/>
@@ -16003,7 +17111,7 @@
           <a:p>
             <a:pPr marL="457200" indent="-457200">
               <a:lnSpc>
-                <a:spcPct val="150000"/>
+                <a:spcPct val="200000"/>
               </a:lnSpc>
               <a:buFont typeface="Wingdings" pitchFamily="2" charset="2"/>
               <a:buChar char="Ø"/>
@@ -16012,7 +17120,7 @@
               <a:rPr lang="ja-JP" altLang="en-US" sz="2800">
                 <a:solidFill>
                   <a:schemeClr val="bg2">
-                    <a:lumMod val="75000"/>
+                    <a:lumMod val="90000"/>
                   </a:schemeClr>
                 </a:solidFill>
               </a:rPr>
@@ -16021,7 +17129,7 @@
             <a:endParaRPr lang="en-US" altLang="ja-JP" sz="2800" dirty="0">
               <a:solidFill>
                 <a:schemeClr val="bg2">
-                  <a:lumMod val="75000"/>
+                  <a:lumMod val="90000"/>
                 </a:schemeClr>
               </a:solidFill>
             </a:endParaRPr>
@@ -16029,7 +17137,7 @@
           <a:p>
             <a:pPr marL="457200" indent="-457200">
               <a:lnSpc>
-                <a:spcPct val="150000"/>
+                <a:spcPct val="200000"/>
               </a:lnSpc>
               <a:buFont typeface="Wingdings" pitchFamily="2" charset="2"/>
               <a:buChar char="Ø"/>
@@ -16043,7 +17151,7 @@
           <a:p>
             <a:pPr marL="457200" indent="-457200">
               <a:lnSpc>
-                <a:spcPct val="150000"/>
+                <a:spcPct val="200000"/>
               </a:lnSpc>
               <a:buFont typeface="Wingdings" pitchFamily="2" charset="2"/>
               <a:buChar char="Ø"/>
@@ -16052,16 +17160,16 @@
               <a:rPr lang="ja-JP" altLang="en-US" sz="2800">
                 <a:solidFill>
                   <a:schemeClr val="bg2">
-                    <a:lumMod val="75000"/>
+                    <a:lumMod val="90000"/>
                   </a:schemeClr>
                 </a:solidFill>
               </a:rPr>
-              <a:t>提案手法</a:t>
+              <a:t>実験</a:t>
             </a:r>
             <a:endParaRPr lang="en-US" altLang="ja-JP" sz="2800" dirty="0">
               <a:solidFill>
                 <a:schemeClr val="bg2">
-                  <a:lumMod val="75000"/>
+                  <a:lumMod val="90000"/>
                 </a:schemeClr>
               </a:solidFill>
             </a:endParaRPr>
@@ -16069,7 +17177,7 @@
           <a:p>
             <a:pPr marL="457200" indent="-457200">
               <a:lnSpc>
-                <a:spcPct val="150000"/>
+                <a:spcPct val="200000"/>
               </a:lnSpc>
               <a:buFont typeface="Wingdings" pitchFamily="2" charset="2"/>
               <a:buChar char="Ø"/>
@@ -16078,59 +17186,7 @@
               <a:rPr lang="ja-JP" altLang="en-US" sz="2800">
                 <a:solidFill>
                   <a:schemeClr val="bg2">
-                    <a:lumMod val="75000"/>
-                  </a:schemeClr>
-                </a:solidFill>
-              </a:rPr>
-              <a:t>実験概要</a:t>
-            </a:r>
-            <a:endParaRPr lang="en-US" altLang="ja-JP" sz="2800" dirty="0">
-              <a:solidFill>
-                <a:schemeClr val="bg2">
-                  <a:lumMod val="75000"/>
-                </a:schemeClr>
-              </a:solidFill>
-            </a:endParaRPr>
-          </a:p>
-          <a:p>
-            <a:pPr marL="457200" indent="-457200">
-              <a:lnSpc>
-                <a:spcPct val="150000"/>
-              </a:lnSpc>
-              <a:buFont typeface="Wingdings" pitchFamily="2" charset="2"/>
-              <a:buChar char="Ø"/>
-            </a:pPr>
-            <a:r>
-              <a:rPr lang="ja-JP" altLang="en-US" sz="2800">
-                <a:solidFill>
-                  <a:schemeClr val="bg2">
-                    <a:lumMod val="75000"/>
-                  </a:schemeClr>
-                </a:solidFill>
-              </a:rPr>
-              <a:t>実験結果</a:t>
-            </a:r>
-            <a:endParaRPr lang="en-US" altLang="ja-JP" sz="2800" dirty="0">
-              <a:solidFill>
-                <a:schemeClr val="bg2">
-                  <a:lumMod val="75000"/>
-                </a:schemeClr>
-              </a:solidFill>
-            </a:endParaRPr>
-          </a:p>
-          <a:p>
-            <a:pPr marL="457200" indent="-457200">
-              <a:lnSpc>
-                <a:spcPct val="150000"/>
-              </a:lnSpc>
-              <a:buFont typeface="Wingdings" pitchFamily="2" charset="2"/>
-              <a:buChar char="Ø"/>
-            </a:pPr>
-            <a:r>
-              <a:rPr lang="ja-JP" altLang="en-US" sz="2800">
-                <a:solidFill>
-                  <a:schemeClr val="bg2">
-                    <a:lumMod val="75000"/>
+                    <a:lumMod val="90000"/>
                   </a:schemeClr>
                 </a:solidFill>
               </a:rPr>
@@ -16142,7 +17198,7 @@
     </p:spTree>
     <p:extLst>
       <p:ext uri="{BB962C8B-B14F-4D97-AF65-F5344CB8AC3E}">
-        <p14:creationId xmlns:p14="http://schemas.microsoft.com/office/powerpoint/2010/main" val="537212311"/>
+        <p14:creationId xmlns:p14="http://schemas.microsoft.com/office/powerpoint/2010/main" val="1017053572"/>
       </p:ext>
     </p:extLst>
   </p:cSld>
@@ -16242,8 +17298,8 @@
         </p:nvSpPr>
         <p:spPr>
           <a:xfrm>
-            <a:off x="402142" y="1800225"/>
-            <a:ext cx="6449201" cy="1415772"/>
+            <a:off x="519837" y="1730604"/>
+            <a:ext cx="6506909" cy="1415772"/>
           </a:xfrm>
           <a:prstGeom prst="rect">
             <a:avLst/>
@@ -16256,7 +17312,7 @@
           </a:bodyPr>
           <a:lstStyle/>
           <a:p>
-            <a:pPr marL="285750" indent="-285750">
+            <a:pPr marL="342900" indent="-342900">
               <a:buFont typeface="Wingdings" pitchFamily="2" charset="2"/>
               <a:buChar char="p"/>
             </a:pPr>
@@ -16278,7 +17334,7 @@
             <a:endParaRPr lang="en-US" altLang="ja-JP" sz="1400" dirty="0"/>
           </a:p>
           <a:p>
-            <a:pPr marL="285750" indent="-285750">
+            <a:pPr marL="342900" indent="-342900">
               <a:buFont typeface="Wingdings" pitchFamily="2" charset="2"/>
               <a:buChar char="p"/>
             </a:pPr>
@@ -16306,119 +17362,6 @@
               <a:buChar char="p"/>
             </a:pPr>
             <a:endParaRPr kumimoji="1" lang="ja-JP" altLang="en-US" sz="2400"/>
-          </a:p>
-        </p:txBody>
-      </p:sp>
-      <p:sp>
-        <p:nvSpPr>
-          <p:cNvPr id="5" name="下矢印 4">
-            <a:extLst>
-              <a:ext uri="{FF2B5EF4-FFF2-40B4-BE49-F238E27FC236}">
-                <a16:creationId xmlns:a16="http://schemas.microsoft.com/office/drawing/2014/main" id="{CF69F22C-543F-EC8D-58E2-2CAC31FC96BB}"/>
-              </a:ext>
-            </a:extLst>
-          </p:cNvPr>
-          <p:cNvSpPr/>
-          <p:nvPr/>
-        </p:nvSpPr>
-        <p:spPr>
-          <a:xfrm>
-            <a:off x="3332441" y="3067172"/>
-            <a:ext cx="896380" cy="551101"/>
-          </a:xfrm>
-          <a:prstGeom prst="downArrow">
-            <a:avLst/>
-          </a:prstGeom>
-          <a:solidFill>
-            <a:schemeClr val="bg1"/>
-          </a:solidFill>
-          <a:ln>
-            <a:solidFill>
-              <a:schemeClr val="tx1"/>
-            </a:solidFill>
-          </a:ln>
-        </p:spPr>
-        <p:style>
-          <a:lnRef idx="2">
-            <a:schemeClr val="accent1">
-              <a:shade val="50000"/>
-            </a:schemeClr>
-          </a:lnRef>
-          <a:fillRef idx="1">
-            <a:schemeClr val="accent1"/>
-          </a:fillRef>
-          <a:effectRef idx="0">
-            <a:schemeClr val="accent1"/>
-          </a:effectRef>
-          <a:fontRef idx="minor">
-            <a:schemeClr val="lt1"/>
-          </a:fontRef>
-        </p:style>
-        <p:txBody>
-          <a:bodyPr rtlCol="0" anchor="ctr"/>
-          <a:lstStyle/>
-          <a:p>
-            <a:pPr algn="ctr"/>
-            <a:endParaRPr kumimoji="1" lang="ja-JP" altLang="en-US"/>
-          </a:p>
-        </p:txBody>
-      </p:sp>
-      <p:sp>
-        <p:nvSpPr>
-          <p:cNvPr id="6" name="テキスト ボックス 5">
-            <a:extLst>
-              <a:ext uri="{FF2B5EF4-FFF2-40B4-BE49-F238E27FC236}">
-                <a16:creationId xmlns:a16="http://schemas.microsoft.com/office/drawing/2014/main" id="{AC4D8050-A0F0-4E1B-5D8E-C824CA9B90CF}"/>
-              </a:ext>
-            </a:extLst>
-          </p:cNvPr>
-          <p:cNvSpPr txBox="1"/>
-          <p:nvPr/>
-        </p:nvSpPr>
-        <p:spPr>
-          <a:xfrm>
-            <a:off x="519837" y="3940719"/>
-            <a:ext cx="6529851" cy="830997"/>
-          </a:xfrm>
-          <a:prstGeom prst="rect">
-            <a:avLst/>
-          </a:prstGeom>
-          <a:noFill/>
-        </p:spPr>
-        <p:txBody>
-          <a:bodyPr wrap="square" rtlCol="0">
-            <a:spAutoFit/>
-          </a:bodyPr>
-          <a:lstStyle/>
-          <a:p>
-            <a:r>
-              <a:rPr kumimoji="1" lang="en-US" altLang="ja-JP" sz="2400" dirty="0" err="1"/>
-              <a:t>FashionMNIST</a:t>
-            </a:r>
-            <a:r>
-              <a:rPr kumimoji="1" lang="en-US" altLang="ja-JP" sz="2400" dirty="0"/>
-              <a:t>, MNIST </a:t>
-            </a:r>
-            <a:r>
-              <a:rPr kumimoji="1" lang="ja-JP" altLang="en-US" sz="2400"/>
-              <a:t>で競合</a:t>
-            </a:r>
-            <a:r>
-              <a:rPr kumimoji="1" lang="en-US" altLang="ja-JP" sz="2400" dirty="0"/>
-              <a:t> 16 </a:t>
-            </a:r>
-            <a:r>
-              <a:rPr kumimoji="1" lang="ja-JP" altLang="en-US" sz="2400"/>
-              <a:t>手法のうち</a:t>
-            </a:r>
-            <a:r>
-              <a:rPr kumimoji="1" lang="en-US" altLang="ja-JP" sz="2400" dirty="0"/>
-              <a:t> 12 </a:t>
-            </a:r>
-            <a:r>
-              <a:rPr kumimoji="1" lang="ja-JP" altLang="en-US" sz="2400"/>
-              <a:t>手法の精度を凌駕</a:t>
-            </a:r>
           </a:p>
         </p:txBody>
       </p:sp>
@@ -16525,7 +17468,7 @@
         <p:spPr>
           <a:xfrm>
             <a:off x="246650" y="1541288"/>
-            <a:ext cx="7067961" cy="4241674"/>
+            <a:ext cx="6952544" cy="3687676"/>
           </a:xfrm>
           <a:prstGeom prst="rect">
             <a:avLst/>
@@ -16538,7 +17481,7 @@
           </a:bodyPr>
           <a:lstStyle/>
           <a:p>
-            <a:pPr marL="457200" indent="-457200">
+            <a:pPr marL="342900" indent="-342900">
               <a:lnSpc>
                 <a:spcPct val="150000"/>
               </a:lnSpc>
@@ -16558,12 +17501,12 @@
             </a:r>
           </a:p>
           <a:p>
-            <a:pPr marL="914400" lvl="1" indent="-457200">
+            <a:pPr marL="800100" lvl="1" indent="-342900">
               <a:lnSpc>
                 <a:spcPct val="150000"/>
               </a:lnSpc>
               <a:buFont typeface="Wingdings" pitchFamily="2" charset="2"/>
-              <a:buChar char="p"/>
+              <a:buChar char="Ø"/>
             </a:pPr>
             <a:r>
               <a:rPr lang="en-US" altLang="ja-JP" sz="2400" dirty="0"/>
@@ -16595,7 +17538,7 @@
                 <a:spcPct val="150000"/>
               </a:lnSpc>
               <a:buFont typeface="Wingdings" pitchFamily="2" charset="2"/>
-              <a:buChar char="p"/>
+              <a:buChar char="Ø"/>
             </a:pPr>
             <a:r>
               <a:rPr lang="ja-JP" altLang="en-US" sz="2400"/>
@@ -16604,28 +17547,6 @@
             <a:br>
               <a:rPr lang="en-US" altLang="ja-JP" sz="2400" dirty="0"/>
             </a:br>
-            <a:r>
-              <a:rPr lang="en-US" altLang="ja-JP" sz="2400" dirty="0"/>
-              <a:t>→ </a:t>
-            </a:r>
-            <a:r>
-              <a:rPr kumimoji="1" lang="ja-JP" altLang="en-US" sz="2400">
-                <a:solidFill>
-                  <a:srgbClr val="FF0000"/>
-                </a:solidFill>
-              </a:rPr>
-              <a:t>初期収束問題の解消</a:t>
-            </a:r>
-            <a:endParaRPr kumimoji="1" lang="en-US" altLang="ja-JP" sz="2400" dirty="0"/>
-          </a:p>
-          <a:p>
-            <a:pPr marL="914400" lvl="1" indent="-457200">
-              <a:lnSpc>
-                <a:spcPct val="150000"/>
-              </a:lnSpc>
-              <a:buFont typeface="Wingdings" pitchFamily="2" charset="2"/>
-              <a:buChar char="p"/>
-            </a:pPr>
             <a:endParaRPr kumimoji="1" lang="en-US" altLang="ja-JP" sz="2400" dirty="0"/>
           </a:p>
           <a:p>

--- a/prsn/20230124_prsn_taira.pptx
+++ b/prsn/20230124_prsn_taira.pptx
@@ -5,10 +5,10 @@
     <p:sldMasterId id="2147484057" r:id="rId1"/>
   </p:sldMasterIdLst>
   <p:notesMasterIdLst>
-    <p:notesMasterId r:id="rId35"/>
+    <p:notesMasterId r:id="rId36"/>
   </p:notesMasterIdLst>
   <p:handoutMasterIdLst>
-    <p:handoutMasterId r:id="rId36"/>
+    <p:handoutMasterId r:id="rId37"/>
   </p:handoutMasterIdLst>
   <p:sldIdLst>
     <p:sldId id="259" r:id="rId2"/>
@@ -25,25 +25,26 @@
     <p:sldId id="313" r:id="rId13"/>
     <p:sldId id="299" r:id="rId14"/>
     <p:sldId id="321" r:id="rId15"/>
-    <p:sldId id="293" r:id="rId16"/>
-    <p:sldId id="291" r:id="rId17"/>
-    <p:sldId id="306" r:id="rId18"/>
-    <p:sldId id="292" r:id="rId19"/>
-    <p:sldId id="304" r:id="rId20"/>
-    <p:sldId id="307" r:id="rId21"/>
-    <p:sldId id="278" r:id="rId22"/>
-    <p:sldId id="283" r:id="rId23"/>
-    <p:sldId id="312" r:id="rId24"/>
-    <p:sldId id="303" r:id="rId25"/>
-    <p:sldId id="314" r:id="rId26"/>
-    <p:sldId id="322" r:id="rId27"/>
-    <p:sldId id="308" r:id="rId28"/>
-    <p:sldId id="309" r:id="rId29"/>
-    <p:sldId id="310" r:id="rId30"/>
-    <p:sldId id="262" r:id="rId31"/>
-    <p:sldId id="269" r:id="rId32"/>
-    <p:sldId id="301" r:id="rId33"/>
-    <p:sldId id="311" r:id="rId34"/>
+    <p:sldId id="323" r:id="rId16"/>
+    <p:sldId id="293" r:id="rId17"/>
+    <p:sldId id="291" r:id="rId18"/>
+    <p:sldId id="306" r:id="rId19"/>
+    <p:sldId id="292" r:id="rId20"/>
+    <p:sldId id="304" r:id="rId21"/>
+    <p:sldId id="307" r:id="rId22"/>
+    <p:sldId id="278" r:id="rId23"/>
+    <p:sldId id="283" r:id="rId24"/>
+    <p:sldId id="312" r:id="rId25"/>
+    <p:sldId id="303" r:id="rId26"/>
+    <p:sldId id="314" r:id="rId27"/>
+    <p:sldId id="322" r:id="rId28"/>
+    <p:sldId id="308" r:id="rId29"/>
+    <p:sldId id="309" r:id="rId30"/>
+    <p:sldId id="310" r:id="rId31"/>
+    <p:sldId id="262" r:id="rId32"/>
+    <p:sldId id="269" r:id="rId33"/>
+    <p:sldId id="301" r:id="rId34"/>
+    <p:sldId id="311" r:id="rId35"/>
   </p:sldIdLst>
   <p:sldSz cx="7561263" cy="5670550"/>
   <p:notesSz cx="7559675" cy="10691813"/>
@@ -1087,7 +1088,7 @@
                   <a:srgbClr val="FF0000"/>
                 </a:solidFill>
               </a:rPr>
-              <a:t>多様性を維持しつつエネルギー最小化を追求することであると言えます，</a:t>
+              <a:t>多様性を維持しつつエネルギー最小化を追求することであると言えます．</a:t>
             </a:r>
           </a:p>
           <a:p>
@@ -1509,10 +1510,71 @@
           <a:bodyPr/>
           <a:lstStyle/>
           <a:p>
+            <a:pPr marL="216000" marR="0" lvl="0" indent="-216000" defTabSz="914400" rtl="0" eaLnBrk="1" fontAlgn="auto" latinLnBrk="0" hangingPunct="0">
+              <a:lnSpc>
+                <a:spcPct val="100000"/>
+              </a:lnSpc>
+              <a:spcBef>
+                <a:spcPts val="0"/>
+              </a:spcBef>
+              <a:spcAft>
+                <a:spcPts val="0"/>
+              </a:spcAft>
+              <a:buClrTx/>
+              <a:buSzTx/>
+              <a:buFontTx/>
+              <a:buNone/>
+              <a:tabLst/>
+              <a:defRPr/>
+            </a:pPr>
+            <a:r>
+              <a:rPr kumimoji="1" lang="en-US" altLang="ja-JP" dirty="0" err="1"/>
+              <a:t>tdgaCNN</a:t>
+            </a:r>
+            <a:r>
+              <a:rPr kumimoji="1" lang="en-US" altLang="ja-JP" dirty="0"/>
+              <a:t> </a:t>
+            </a:r>
             <a:r>
               <a:rPr kumimoji="1" lang="ja-JP" altLang="en-US"/>
-              <a:t>実験です．</a:t>
-            </a:r>
+              <a:t>は，</a:t>
+            </a:r>
+            <a:r>
+              <a:rPr kumimoji="1" lang="en-US" altLang="ja-JP" dirty="0"/>
+              <a:t>CNN </a:t>
+            </a:r>
+            <a:r>
+              <a:rPr kumimoji="1" lang="ja-JP" altLang="en-US"/>
+              <a:t>構造の探索に</a:t>
+            </a:r>
+            <a:r>
+              <a:rPr kumimoji="1" lang="en-US" altLang="ja-JP" dirty="0"/>
+              <a:t> TDGA </a:t>
+            </a:r>
+            <a:r>
+              <a:rPr kumimoji="1" lang="ja-JP" altLang="en-US"/>
+              <a:t>を利用する手法で，</a:t>
+            </a:r>
+            <a:r>
+              <a:rPr kumimoji="1" lang="en-US" altLang="ja-JP" sz="2000" dirty="0" err="1"/>
+              <a:t>gaCNN</a:t>
+            </a:r>
+            <a:r>
+              <a:rPr kumimoji="1" lang="en-US" altLang="ja-JP" sz="2000" dirty="0"/>
+              <a:t> </a:t>
+            </a:r>
+            <a:r>
+              <a:rPr kumimoji="1" lang="ja-JP" altLang="en-US" sz="2000"/>
+              <a:t>を含む従来手法と比較して</a:t>
+            </a:r>
+            <a:r>
+              <a:rPr lang="ja-JP" altLang="en-US" sz="2000"/>
+              <a:t>良い個体を獲得できたことが報告されています．</a:t>
+            </a:r>
+            <a:endParaRPr kumimoji="1" lang="en-US" altLang="ja-JP" sz="2000" dirty="0"/>
+          </a:p>
+          <a:p>
+            <a:endParaRPr kumimoji="1" lang="ja-JP" altLang="en-US"/>
           </a:p>
         </p:txBody>
       </p:sp>
@@ -1534,7 +1596,7 @@
             <a:pPr lvl="0"/>
             <a:fld id="{D4859A6D-CDBD-B344-BF57-2B4BBFE9F422}" type="slidenum">
               <a:rPr lang="en-US" altLang="ja-JP" smtClean="0"/>
-              <a:t>14</a:t>
+              <a:t>13</a:t>
             </a:fld>
             <a:endParaRPr lang="ja-JP" altLang="en-US"/>
           </a:p>
@@ -1543,7 +1605,7 @@
     </p:spTree>
     <p:extLst>
       <p:ext uri="{BB962C8B-B14F-4D97-AF65-F5344CB8AC3E}">
-        <p14:creationId xmlns:p14="http://schemas.microsoft.com/office/powerpoint/2010/main" val="1677180091"/>
+        <p14:creationId xmlns:p14="http://schemas.microsoft.com/office/powerpoint/2010/main" val="3211323754"/>
       </p:ext>
     </p:extLst>
   </p:cSld>
@@ -1599,7 +1661,7 @@
           <a:p>
             <a:r>
               <a:rPr kumimoji="1" lang="ja-JP" altLang="en-US"/>
-              <a:t>実験条件です．エポック数，世代数，本学習エポック数を除いて，先行研究と同じ条件としました．</a:t>
+              <a:t>実験です．</a:t>
             </a:r>
           </a:p>
         </p:txBody>
@@ -1622,7 +1684,7 @@
             <a:pPr lvl="0"/>
             <a:fld id="{D4859A6D-CDBD-B344-BF57-2B4BBFE9F422}" type="slidenum">
               <a:rPr lang="en-US" altLang="ja-JP" smtClean="0"/>
-              <a:t>20</a:t>
+              <a:t>14</a:t>
             </a:fld>
             <a:endParaRPr lang="ja-JP" altLang="en-US"/>
           </a:p>
@@ -1631,7 +1693,7 @@
     </p:spTree>
     <p:extLst>
       <p:ext uri="{BB962C8B-B14F-4D97-AF65-F5344CB8AC3E}">
-        <p14:creationId xmlns:p14="http://schemas.microsoft.com/office/powerpoint/2010/main" val="114043570"/>
+        <p14:creationId xmlns:p14="http://schemas.microsoft.com/office/powerpoint/2010/main" val="1677180091"/>
       </p:ext>
     </p:extLst>
   </p:cSld>
@@ -1685,10 +1747,42 @@
           <a:bodyPr/>
           <a:lstStyle/>
           <a:p>
-            <a:r>
-              <a:rPr kumimoji="1" lang="ja-JP" altLang="en-US"/>
-              <a:t>初期個体群の作成結果です．</a:t>
-            </a:r>
+            <a:pPr marL="216000" marR="0" lvl="0" indent="-216000" defTabSz="914400" rtl="0" eaLnBrk="1" fontAlgn="auto" latinLnBrk="0" hangingPunct="0">
+              <a:lnSpc>
+                <a:spcPct val="100000"/>
+              </a:lnSpc>
+              <a:spcBef>
+                <a:spcPts val="0"/>
+              </a:spcBef>
+              <a:spcAft>
+                <a:spcPts val="0"/>
+              </a:spcAft>
+              <a:buClrTx/>
+              <a:buSzTx/>
+              <a:buFontTx/>
+              <a:buNone/>
+              <a:tabLst/>
+              <a:defRPr/>
+            </a:pPr>
+            <a:r>
+              <a:rPr kumimoji="1" lang="ja-JP" altLang="en-US" sz="2000"/>
+              <a:t>本実験では，</a:t>
+            </a:r>
+            <a:r>
+              <a:rPr kumimoji="1" lang="en-US" altLang="ja-JP" sz="2000" dirty="0" err="1"/>
+              <a:t>tdgaCNN</a:t>
+            </a:r>
+            <a:r>
+              <a:rPr kumimoji="1" lang="en-US" altLang="ja-JP" sz="2000" dirty="0"/>
+              <a:t> </a:t>
+            </a:r>
+            <a:r>
+              <a:rPr kumimoji="1" lang="ja-JP" altLang="en-US" sz="2000"/>
+              <a:t>における適応度評価のための学習エポック数を適応度評価エポック数と定義して以降では説明させていただきます．</a:t>
+            </a:r>
+          </a:p>
+          <a:p>
+            <a:endParaRPr kumimoji="1" lang="ja-JP" altLang="en-US"/>
           </a:p>
         </p:txBody>
       </p:sp>
@@ -1710,7 +1804,7 @@
             <a:pPr lvl="0"/>
             <a:fld id="{D4859A6D-CDBD-B344-BF57-2B4BBFE9F422}" type="slidenum">
               <a:rPr lang="en-US" altLang="ja-JP" smtClean="0"/>
-              <a:t>21</a:t>
+              <a:t>15</a:t>
             </a:fld>
             <a:endParaRPr lang="ja-JP" altLang="en-US"/>
           </a:p>
@@ -1719,7 +1813,7 @@
     </p:spTree>
     <p:extLst>
       <p:ext uri="{BB962C8B-B14F-4D97-AF65-F5344CB8AC3E}">
-        <p14:creationId xmlns:p14="http://schemas.microsoft.com/office/powerpoint/2010/main" val="3079735668"/>
+        <p14:creationId xmlns:p14="http://schemas.microsoft.com/office/powerpoint/2010/main" val="1500371443"/>
       </p:ext>
     </p:extLst>
   </p:cSld>
@@ -1773,10 +1867,139 @@
           <a:bodyPr/>
           <a:lstStyle/>
           <a:p>
+            <a:pPr marL="216000" marR="0" lvl="0" indent="-216000" defTabSz="914400" rtl="0" eaLnBrk="1" fontAlgn="auto" latinLnBrk="0" hangingPunct="0">
+              <a:lnSpc>
+                <a:spcPct val="100000"/>
+              </a:lnSpc>
+              <a:spcBef>
+                <a:spcPts val="0"/>
+              </a:spcBef>
+              <a:spcAft>
+                <a:spcPts val="0"/>
+              </a:spcAft>
+              <a:buClrTx/>
+              <a:buSzTx/>
+              <a:buFontTx/>
+              <a:buNone/>
+              <a:tabLst/>
+              <a:defRPr/>
+            </a:pPr>
             <a:r>
               <a:rPr kumimoji="1" lang="ja-JP" altLang="en-US"/>
-              <a:t>本日はこのような流れで発表します．</a:t>
-            </a:r>
+              <a:t>先行研究では，適応度評価エポック数は</a:t>
+            </a:r>
+            <a:r>
+              <a:rPr kumimoji="1" lang="en-US" altLang="ja-JP" dirty="0"/>
+              <a:t> 1 </a:t>
+            </a:r>
+            <a:r>
+              <a:rPr kumimoji="1" lang="ja-JP" altLang="en-US"/>
+              <a:t>と設定していました．そこで本実験ではエポック数が</a:t>
+            </a:r>
+            <a:r>
+              <a:rPr kumimoji="1" lang="en-US" altLang="ja-JP" dirty="0"/>
+              <a:t> </a:t>
+            </a:r>
+            <a:r>
+              <a:rPr kumimoji="1" lang="en-US" altLang="ja-JP" dirty="0" err="1"/>
+              <a:t>n_i</a:t>
+            </a:r>
+            <a:r>
+              <a:rPr kumimoji="1" lang="en-US" altLang="ja-JP" dirty="0"/>
+              <a:t> </a:t>
+            </a:r>
+            <a:r>
+              <a:rPr kumimoji="1" lang="ja-JP" altLang="en-US"/>
+              <a:t>である世代の数を</a:t>
+            </a:r>
+            <a:r>
+              <a:rPr kumimoji="1" lang="en-US" altLang="ja-JP" dirty="0"/>
+              <a:t> </a:t>
+            </a:r>
+            <a:r>
+              <a:rPr kumimoji="1" lang="en-US" altLang="ja-JP" dirty="0" err="1"/>
+              <a:t>g_i</a:t>
+            </a:r>
+            <a:r>
+              <a:rPr kumimoji="1" lang="en-US" altLang="ja-JP" dirty="0"/>
+              <a:t> </a:t>
+            </a:r>
+            <a:r>
+              <a:rPr kumimoji="1" lang="ja-JP" altLang="en-US"/>
+              <a:t>とした時，</a:t>
+            </a:r>
+            <a:r>
+              <a:rPr kumimoji="1" lang="en-US" altLang="ja-JP" dirty="0" err="1"/>
+              <a:t>n_i</a:t>
+            </a:r>
+            <a:r>
+              <a:rPr kumimoji="1" lang="en-US" altLang="ja-JP" dirty="0"/>
+              <a:t> </a:t>
+            </a:r>
+            <a:r>
+              <a:rPr kumimoji="1" lang="ja-JP" altLang="en-US"/>
+              <a:t>と</a:t>
+            </a:r>
+            <a:r>
+              <a:rPr kumimoji="1" lang="en-US" altLang="ja-JP" dirty="0"/>
+              <a:t> </a:t>
+            </a:r>
+            <a:r>
+              <a:rPr kumimoji="1" lang="en-US" altLang="ja-JP" dirty="0" err="1"/>
+              <a:t>g_i</a:t>
+            </a:r>
+            <a:r>
+              <a:rPr kumimoji="1" lang="en-US" altLang="ja-JP" dirty="0"/>
+              <a:t> </a:t>
+            </a:r>
+            <a:r>
+              <a:rPr kumimoji="1" lang="ja-JP" altLang="en-US"/>
+              <a:t>の積の</a:t>
+            </a:r>
+            <a:r>
+              <a:rPr kumimoji="1" lang="en-US" altLang="ja-JP" dirty="0"/>
+              <a:t> </a:t>
+            </a:r>
+            <a:r>
+              <a:rPr kumimoji="1" lang="en-US" altLang="ja-JP" dirty="0" err="1"/>
+              <a:t>i</a:t>
+            </a:r>
+            <a:r>
+              <a:rPr kumimoji="1" lang="en-US" altLang="ja-JP" dirty="0"/>
+              <a:t> </a:t>
+            </a:r>
+            <a:r>
+              <a:rPr kumimoji="1" lang="ja-JP" altLang="en-US"/>
+              <a:t>についての和が定数</a:t>
+            </a:r>
+            <a:r>
+              <a:rPr kumimoji="1" lang="en-US" altLang="ja-JP" dirty="0"/>
+              <a:t> c </a:t>
+            </a:r>
+            <a:r>
+              <a:rPr kumimoji="1" lang="ja-JP" altLang="en-US"/>
+              <a:t>となるように設定して，様々な適応度評価エポック数で実験しました．この式に従うことで，</a:t>
+            </a:r>
+            <a:r>
+              <a:rPr kumimoji="1" lang="en-US" altLang="ja-JP" sz="2000" dirty="0"/>
+              <a:t>CNN </a:t>
+            </a:r>
+            <a:r>
+              <a:rPr kumimoji="1" lang="ja-JP" altLang="en-US" sz="2000"/>
+              <a:t>の学習回数を一定に保って実験することができます．今回は</a:t>
+            </a:r>
+            <a:r>
+              <a:rPr kumimoji="1" lang="en-US" altLang="ja-JP" sz="2000" dirty="0"/>
+              <a:t> c = 80 </a:t>
+            </a:r>
+            <a:r>
+              <a:rPr kumimoji="1" lang="ja-JP" altLang="en-US" sz="2000"/>
+              <a:t>として実験しました．</a:t>
+            </a:r>
+            <a:endParaRPr kumimoji="1" lang="en-US" altLang="ja-JP" sz="2000" dirty="0"/>
+          </a:p>
+          <a:p>
+            <a:endParaRPr kumimoji="1" lang="ja-JP" altLang="en-US"/>
           </a:p>
         </p:txBody>
       </p:sp>
@@ -1798,7 +2021,7 @@
             <a:pPr lvl="0"/>
             <a:fld id="{D4859A6D-CDBD-B344-BF57-2B4BBFE9F422}" type="slidenum">
               <a:rPr lang="en-US" altLang="ja-JP" smtClean="0"/>
-              <a:t>26</a:t>
+              <a:t>16</a:t>
             </a:fld>
             <a:endParaRPr lang="ja-JP" altLang="en-US"/>
           </a:p>
@@ -1807,7 +2030,343 @@
     </p:spTree>
     <p:extLst>
       <p:ext uri="{BB962C8B-B14F-4D97-AF65-F5344CB8AC3E}">
-        <p14:creationId xmlns:p14="http://schemas.microsoft.com/office/powerpoint/2010/main" val="2274202789"/>
+        <p14:creationId xmlns:p14="http://schemas.microsoft.com/office/powerpoint/2010/main" val="765527623"/>
+      </p:ext>
+    </p:extLst>
+  </p:cSld>
+  <p:clrMapOvr>
+    <a:masterClrMapping/>
+  </p:clrMapOvr>
+</p:notes>
+</file>
+
+<file path=ppt/notesSlides/notesSlide17.xml><?xml version="1.0" encoding="utf-8"?>
+<p:notes xmlns:a="http://schemas.openxmlformats.org/drawingml/2006/main" xmlns:r="http://schemas.openxmlformats.org/officeDocument/2006/relationships" xmlns:p="http://schemas.openxmlformats.org/presentationml/2006/main">
+  <p:cSld>
+    <p:spTree>
+      <p:nvGrpSpPr>
+        <p:cNvPr id="1" name=""/>
+        <p:cNvGrpSpPr/>
+        <p:nvPr/>
+      </p:nvGrpSpPr>
+      <p:grpSpPr>
+        <a:xfrm>
+          <a:off x="0" y="0"/>
+          <a:ext cx="0" cy="0"/>
+          <a:chOff x="0" y="0"/>
+          <a:chExt cx="0" cy="0"/>
+        </a:xfrm>
+      </p:grpSpPr>
+      <p:sp>
+        <p:nvSpPr>
+          <p:cNvPr id="2" name="スライド イメージ プレースホルダー 1"/>
+          <p:cNvSpPr>
+            <a:spLocks noGrp="1" noRot="1" noChangeAspect="1"/>
+          </p:cNvSpPr>
+          <p:nvPr>
+            <p:ph type="sldImg"/>
+          </p:nvPr>
+        </p:nvSpPr>
+        <p:spPr/>
+      </p:sp>
+      <p:sp>
+        <p:nvSpPr>
+          <p:cNvPr id="3" name="ノート プレースホルダー 2"/>
+          <p:cNvSpPr>
+            <a:spLocks noGrp="1"/>
+          </p:cNvSpPr>
+          <p:nvPr>
+            <p:ph type="body" idx="1"/>
+          </p:nvPr>
+        </p:nvSpPr>
+        <p:spPr/>
+        <p:txBody>
+          <a:bodyPr/>
+          <a:lstStyle/>
+          <a:p>
+            <a:r>
+              <a:rPr kumimoji="1" lang="de" altLang="ja-JP" dirty="0" err="1"/>
+              <a:t>tdgaCNN</a:t>
+            </a:r>
+            <a:r>
+              <a:rPr kumimoji="1" lang="de" altLang="ja-JP" dirty="0"/>
+              <a:t> </a:t>
+            </a:r>
+            <a:r>
+              <a:rPr kumimoji="1" lang="ja-JP" altLang="en-US"/>
+              <a:t>実行にかかる時間を短縮するために，後の実験の初期個体群として，</a:t>
+            </a:r>
+            <a:r>
+              <a:rPr kumimoji="1" lang="de" altLang="ja-JP" dirty="0" err="1"/>
+              <a:t>tdgaCNN</a:t>
+            </a:r>
+            <a:r>
+              <a:rPr kumimoji="1" lang="de" altLang="ja-JP" dirty="0"/>
+              <a:t> </a:t>
+            </a:r>
+            <a:r>
+              <a:rPr kumimoji="1" lang="ja-JP" altLang="en-US"/>
+              <a:t>によってある程度適応度の平均を高めた個体群を作成しました．作成の際はランダムな </a:t>
+            </a:r>
+            <a:r>
+              <a:rPr kumimoji="1" lang="en-US" altLang="ja-JP" dirty="0"/>
+              <a:t>100 </a:t>
+            </a:r>
+            <a:r>
+              <a:rPr kumimoji="1" lang="ja-JP" altLang="en-US"/>
+              <a:t>個体を，適応度評価エポック数を </a:t>
+            </a:r>
+            <a:r>
+              <a:rPr kumimoji="1" lang="en-US" altLang="ja-JP" dirty="0"/>
+              <a:t>1 </a:t>
+            </a:r>
+            <a:r>
+              <a:rPr kumimoji="1" lang="ja-JP" altLang="en-US"/>
+              <a:t>として </a:t>
+            </a:r>
+            <a:r>
+              <a:rPr kumimoji="1" lang="en-US" altLang="ja-JP" dirty="0"/>
+              <a:t>20 </a:t>
+            </a:r>
+            <a:r>
+              <a:rPr kumimoji="1" lang="ja-JP" altLang="en-US"/>
+              <a:t>世代探索をしました，</a:t>
+            </a:r>
+          </a:p>
+        </p:txBody>
+      </p:sp>
+      <p:sp>
+        <p:nvSpPr>
+          <p:cNvPr id="4" name="スライド番号プレースホルダー 3"/>
+          <p:cNvSpPr>
+            <a:spLocks noGrp="1"/>
+          </p:cNvSpPr>
+          <p:nvPr>
+            <p:ph type="sldNum" sz="quarter" idx="5"/>
+          </p:nvPr>
+        </p:nvSpPr>
+        <p:spPr/>
+        <p:txBody>
+          <a:bodyPr/>
+          <a:lstStyle/>
+          <a:p>
+            <a:pPr lvl="0"/>
+            <a:fld id="{D4859A6D-CDBD-B344-BF57-2B4BBFE9F422}" type="slidenum">
+              <a:rPr lang="en-US" altLang="ja-JP" smtClean="0"/>
+              <a:t>17</a:t>
+            </a:fld>
+            <a:endParaRPr lang="ja-JP" altLang="en-US"/>
+          </a:p>
+        </p:txBody>
+      </p:sp>
+    </p:spTree>
+    <p:extLst>
+      <p:ext uri="{BB962C8B-B14F-4D97-AF65-F5344CB8AC3E}">
+        <p14:creationId xmlns:p14="http://schemas.microsoft.com/office/powerpoint/2010/main" val="1153453313"/>
+      </p:ext>
+    </p:extLst>
+  </p:cSld>
+  <p:clrMapOvr>
+    <a:masterClrMapping/>
+  </p:clrMapOvr>
+</p:notes>
+</file>
+
+<file path=ppt/notesSlides/notesSlide18.xml><?xml version="1.0" encoding="utf-8"?>
+<p:notes xmlns:a="http://schemas.openxmlformats.org/drawingml/2006/main" xmlns:r="http://schemas.openxmlformats.org/officeDocument/2006/relationships" xmlns:p="http://schemas.openxmlformats.org/presentationml/2006/main">
+  <p:cSld>
+    <p:spTree>
+      <p:nvGrpSpPr>
+        <p:cNvPr id="1" name=""/>
+        <p:cNvGrpSpPr/>
+        <p:nvPr/>
+      </p:nvGrpSpPr>
+      <p:grpSpPr>
+        <a:xfrm>
+          <a:off x="0" y="0"/>
+          <a:ext cx="0" cy="0"/>
+          <a:chOff x="0" y="0"/>
+          <a:chExt cx="0" cy="0"/>
+        </a:xfrm>
+      </p:grpSpPr>
+      <p:sp>
+        <p:nvSpPr>
+          <p:cNvPr id="2" name="スライド イメージ プレースホルダー 1"/>
+          <p:cNvSpPr>
+            <a:spLocks noGrp="1" noRot="1" noChangeAspect="1"/>
+          </p:cNvSpPr>
+          <p:nvPr>
+            <p:ph type="sldImg"/>
+          </p:nvPr>
+        </p:nvSpPr>
+        <p:spPr/>
+      </p:sp>
+      <p:sp>
+        <p:nvSpPr>
+          <p:cNvPr id="3" name="ノート プレースホルダー 2"/>
+          <p:cNvSpPr>
+            <a:spLocks noGrp="1"/>
+          </p:cNvSpPr>
+          <p:nvPr>
+            <p:ph type="body" idx="1"/>
+          </p:nvPr>
+        </p:nvSpPr>
+        <p:spPr/>
+        <p:txBody>
+          <a:bodyPr/>
+          <a:lstStyle/>
+          <a:p>
+            <a:r>
+              <a:rPr kumimoji="1" lang="ja-JP" altLang="en-US"/>
+              <a:t>データセットには </a:t>
+            </a:r>
+            <a:r>
+              <a:rPr kumimoji="1" lang="de" altLang="ja-JP" dirty="0" err="1"/>
+              <a:t>FashionMNIST</a:t>
+            </a:r>
+            <a:r>
+              <a:rPr kumimoji="1" lang="de" altLang="ja-JP" dirty="0"/>
+              <a:t> </a:t>
+            </a:r>
+            <a:r>
+              <a:rPr kumimoji="1" lang="ja-JP" altLang="en-US"/>
+              <a:t>をこの図のように分割して用いました．</a:t>
+            </a:r>
+          </a:p>
+        </p:txBody>
+      </p:sp>
+      <p:sp>
+        <p:nvSpPr>
+          <p:cNvPr id="4" name="スライド番号プレースホルダー 3"/>
+          <p:cNvSpPr>
+            <a:spLocks noGrp="1"/>
+          </p:cNvSpPr>
+          <p:nvPr>
+            <p:ph type="sldNum" sz="quarter" idx="5"/>
+          </p:nvPr>
+        </p:nvSpPr>
+        <p:spPr/>
+        <p:txBody>
+          <a:bodyPr/>
+          <a:lstStyle/>
+          <a:p>
+            <a:pPr lvl="0"/>
+            <a:fld id="{D4859A6D-CDBD-B344-BF57-2B4BBFE9F422}" type="slidenum">
+              <a:rPr lang="en-US" altLang="ja-JP" smtClean="0"/>
+              <a:t>18</a:t>
+            </a:fld>
+            <a:endParaRPr lang="ja-JP" altLang="en-US"/>
+          </a:p>
+        </p:txBody>
+      </p:sp>
+    </p:spTree>
+    <p:extLst>
+      <p:ext uri="{BB962C8B-B14F-4D97-AF65-F5344CB8AC3E}">
+        <p14:creationId xmlns:p14="http://schemas.microsoft.com/office/powerpoint/2010/main" val="2999582668"/>
+      </p:ext>
+    </p:extLst>
+  </p:cSld>
+  <p:clrMapOvr>
+    <a:masterClrMapping/>
+  </p:clrMapOvr>
+</p:notes>
+</file>
+
+<file path=ppt/notesSlides/notesSlide19.xml><?xml version="1.0" encoding="utf-8"?>
+<p:notes xmlns:a="http://schemas.openxmlformats.org/drawingml/2006/main" xmlns:r="http://schemas.openxmlformats.org/officeDocument/2006/relationships" xmlns:p="http://schemas.openxmlformats.org/presentationml/2006/main">
+  <p:cSld>
+    <p:spTree>
+      <p:nvGrpSpPr>
+        <p:cNvPr id="1" name=""/>
+        <p:cNvGrpSpPr/>
+        <p:nvPr/>
+      </p:nvGrpSpPr>
+      <p:grpSpPr>
+        <a:xfrm>
+          <a:off x="0" y="0"/>
+          <a:ext cx="0" cy="0"/>
+          <a:chOff x="0" y="0"/>
+          <a:chExt cx="0" cy="0"/>
+        </a:xfrm>
+      </p:grpSpPr>
+      <p:sp>
+        <p:nvSpPr>
+          <p:cNvPr id="2" name="スライド イメージ プレースホルダー 1"/>
+          <p:cNvSpPr>
+            <a:spLocks noGrp="1" noRot="1" noChangeAspect="1"/>
+          </p:cNvSpPr>
+          <p:nvPr>
+            <p:ph type="sldImg"/>
+          </p:nvPr>
+        </p:nvSpPr>
+        <p:spPr/>
+      </p:sp>
+      <p:sp>
+        <p:nvSpPr>
+          <p:cNvPr id="3" name="ノート プレースホルダー 2"/>
+          <p:cNvSpPr>
+            <a:spLocks noGrp="1"/>
+          </p:cNvSpPr>
+          <p:nvPr>
+            <p:ph type="body" idx="1"/>
+          </p:nvPr>
+        </p:nvSpPr>
+        <p:spPr/>
+        <p:txBody>
+          <a:bodyPr/>
+          <a:lstStyle/>
+          <a:p>
+            <a:r>
+              <a:rPr kumimoji="1" lang="ja-JP" altLang="en-US"/>
+              <a:t>実験</a:t>
+            </a:r>
+            <a:r>
+              <a:rPr kumimoji="1" lang="en-US" altLang="ja-JP" dirty="0"/>
+              <a:t> 1 </a:t>
+            </a:r>
+            <a:r>
+              <a:rPr kumimoji="1" lang="ja-JP" altLang="en-US"/>
+              <a:t>では，探索フェーズにおいて適応度評価エポック数を固定して実験をしました．この表にある通りの</a:t>
+            </a:r>
+            <a:r>
+              <a:rPr kumimoji="1" lang="en-US" altLang="ja-JP" dirty="0"/>
+              <a:t> 6 </a:t>
+            </a:r>
+            <a:r>
+              <a:rPr kumimoji="1" lang="ja-JP" altLang="en-US"/>
+              <a:t>パターンで実験しました．</a:t>
+            </a:r>
+          </a:p>
+        </p:txBody>
+      </p:sp>
+      <p:sp>
+        <p:nvSpPr>
+          <p:cNvPr id="4" name="スライド番号プレースホルダー 3"/>
+          <p:cNvSpPr>
+            <a:spLocks noGrp="1"/>
+          </p:cNvSpPr>
+          <p:nvPr>
+            <p:ph type="sldNum" sz="quarter" idx="5"/>
+          </p:nvPr>
+        </p:nvSpPr>
+        <p:spPr/>
+        <p:txBody>
+          <a:bodyPr/>
+          <a:lstStyle/>
+          <a:p>
+            <a:pPr lvl="0"/>
+            <a:fld id="{D4859A6D-CDBD-B344-BF57-2B4BBFE9F422}" type="slidenum">
+              <a:rPr lang="en-US" altLang="ja-JP" smtClean="0"/>
+              <a:t>19</a:t>
+            </a:fld>
+            <a:endParaRPr lang="ja-JP" altLang="en-US"/>
+          </a:p>
+        </p:txBody>
+      </p:sp>
+    </p:spTree>
+    <p:extLst>
+      <p:ext uri="{BB962C8B-B14F-4D97-AF65-F5344CB8AC3E}">
+        <p14:creationId xmlns:p14="http://schemas.microsoft.com/office/powerpoint/2010/main" val="670888599"/>
       </p:ext>
     </p:extLst>
   </p:cSld>
@@ -1896,6 +2455,704 @@
     <p:extLst>
       <p:ext uri="{BB962C8B-B14F-4D97-AF65-F5344CB8AC3E}">
         <p14:creationId xmlns:p14="http://schemas.microsoft.com/office/powerpoint/2010/main" val="2485464001"/>
+      </p:ext>
+    </p:extLst>
+  </p:cSld>
+  <p:clrMapOvr>
+    <a:masterClrMapping/>
+  </p:clrMapOvr>
+</p:notes>
+</file>
+
+<file path=ppt/notesSlides/notesSlide20.xml><?xml version="1.0" encoding="utf-8"?>
+<p:notes xmlns:a="http://schemas.openxmlformats.org/drawingml/2006/main" xmlns:r="http://schemas.openxmlformats.org/officeDocument/2006/relationships" xmlns:p="http://schemas.openxmlformats.org/presentationml/2006/main">
+  <p:cSld>
+    <p:spTree>
+      <p:nvGrpSpPr>
+        <p:cNvPr id="1" name=""/>
+        <p:cNvGrpSpPr/>
+        <p:nvPr/>
+      </p:nvGrpSpPr>
+      <p:grpSpPr>
+        <a:xfrm>
+          <a:off x="0" y="0"/>
+          <a:ext cx="0" cy="0"/>
+          <a:chOff x="0" y="0"/>
+          <a:chExt cx="0" cy="0"/>
+        </a:xfrm>
+      </p:grpSpPr>
+      <p:sp>
+        <p:nvSpPr>
+          <p:cNvPr id="2" name="スライド イメージ プレースホルダー 1"/>
+          <p:cNvSpPr>
+            <a:spLocks noGrp="1" noRot="1" noChangeAspect="1"/>
+          </p:cNvSpPr>
+          <p:nvPr>
+            <p:ph type="sldImg"/>
+          </p:nvPr>
+        </p:nvSpPr>
+        <p:spPr/>
+      </p:sp>
+      <p:sp>
+        <p:nvSpPr>
+          <p:cNvPr id="3" name="ノート プレースホルダー 2"/>
+          <p:cNvSpPr>
+            <a:spLocks noGrp="1"/>
+          </p:cNvSpPr>
+          <p:nvPr>
+            <p:ph type="body" idx="1"/>
+          </p:nvPr>
+        </p:nvSpPr>
+        <p:spPr/>
+        <p:txBody>
+          <a:bodyPr/>
+          <a:lstStyle/>
+          <a:p>
+            <a:r>
+              <a:rPr kumimoji="1" lang="ja-JP" altLang="en-US"/>
+              <a:t>実験</a:t>
+            </a:r>
+            <a:r>
+              <a:rPr kumimoji="1" lang="en-US" altLang="ja-JP" dirty="0"/>
+              <a:t> 2 </a:t>
+            </a:r>
+            <a:r>
+              <a:rPr kumimoji="1" lang="ja-JP" altLang="en-US"/>
+              <a:t>では，探索フェーズでエポック数を変化させながら実験しました．世代を追うごとにエポック数を増加させる場合と減少させる場合の</a:t>
+            </a:r>
+            <a:r>
+              <a:rPr kumimoji="1" lang="en-US" altLang="ja-JP" dirty="0"/>
+              <a:t> 2 (</a:t>
+            </a:r>
+            <a:r>
+              <a:rPr kumimoji="1" lang="ja-JP" altLang="en-US"/>
+              <a:t>ふた</a:t>
+            </a:r>
+            <a:r>
+              <a:rPr kumimoji="1" lang="en-US" altLang="ja-JP" dirty="0"/>
+              <a:t>) </a:t>
+            </a:r>
+            <a:r>
+              <a:rPr kumimoji="1" lang="ja-JP" altLang="en-US"/>
+              <a:t>パターンで実験しました．</a:t>
+            </a:r>
+          </a:p>
+        </p:txBody>
+      </p:sp>
+      <p:sp>
+        <p:nvSpPr>
+          <p:cNvPr id="4" name="スライド番号プレースホルダー 3"/>
+          <p:cNvSpPr>
+            <a:spLocks noGrp="1"/>
+          </p:cNvSpPr>
+          <p:nvPr>
+            <p:ph type="sldNum" sz="quarter" idx="5"/>
+          </p:nvPr>
+        </p:nvSpPr>
+        <p:spPr/>
+        <p:txBody>
+          <a:bodyPr/>
+          <a:lstStyle/>
+          <a:p>
+            <a:pPr lvl="0"/>
+            <a:fld id="{D4859A6D-CDBD-B344-BF57-2B4BBFE9F422}" type="slidenum">
+              <a:rPr lang="en-US" altLang="ja-JP" smtClean="0"/>
+              <a:t>20</a:t>
+            </a:fld>
+            <a:endParaRPr lang="ja-JP" altLang="en-US"/>
+          </a:p>
+        </p:txBody>
+      </p:sp>
+    </p:spTree>
+    <p:extLst>
+      <p:ext uri="{BB962C8B-B14F-4D97-AF65-F5344CB8AC3E}">
+        <p14:creationId xmlns:p14="http://schemas.microsoft.com/office/powerpoint/2010/main" val="3298016691"/>
+      </p:ext>
+    </p:extLst>
+  </p:cSld>
+  <p:clrMapOvr>
+    <a:masterClrMapping/>
+  </p:clrMapOvr>
+</p:notes>
+</file>
+
+<file path=ppt/notesSlides/notesSlide21.xml><?xml version="1.0" encoding="utf-8"?>
+<p:notes xmlns:a="http://schemas.openxmlformats.org/drawingml/2006/main" xmlns:r="http://schemas.openxmlformats.org/officeDocument/2006/relationships" xmlns:p="http://schemas.openxmlformats.org/presentationml/2006/main">
+  <p:cSld>
+    <p:spTree>
+      <p:nvGrpSpPr>
+        <p:cNvPr id="1" name=""/>
+        <p:cNvGrpSpPr/>
+        <p:nvPr/>
+      </p:nvGrpSpPr>
+      <p:grpSpPr>
+        <a:xfrm>
+          <a:off x="0" y="0"/>
+          <a:ext cx="0" cy="0"/>
+          <a:chOff x="0" y="0"/>
+          <a:chExt cx="0" cy="0"/>
+        </a:xfrm>
+      </p:grpSpPr>
+      <p:sp>
+        <p:nvSpPr>
+          <p:cNvPr id="2" name="スライド イメージ プレースホルダー 1"/>
+          <p:cNvSpPr>
+            <a:spLocks noGrp="1" noRot="1" noChangeAspect="1"/>
+          </p:cNvSpPr>
+          <p:nvPr>
+            <p:ph type="sldImg"/>
+          </p:nvPr>
+        </p:nvSpPr>
+        <p:spPr/>
+      </p:sp>
+      <p:sp>
+        <p:nvSpPr>
+          <p:cNvPr id="3" name="ノート プレースホルダー 2"/>
+          <p:cNvSpPr>
+            <a:spLocks noGrp="1"/>
+          </p:cNvSpPr>
+          <p:nvPr>
+            <p:ph type="body" idx="1"/>
+          </p:nvPr>
+        </p:nvSpPr>
+        <p:spPr/>
+        <p:txBody>
+          <a:bodyPr/>
+          <a:lstStyle/>
+          <a:p>
+            <a:r>
+              <a:rPr kumimoji="1" lang="ja-JP" altLang="en-US"/>
+              <a:t>実験条件です．エポック数，世代数，本学習エポック数を除いて，先行研究と同じ条件としました．</a:t>
+            </a:r>
+          </a:p>
+        </p:txBody>
+      </p:sp>
+      <p:sp>
+        <p:nvSpPr>
+          <p:cNvPr id="4" name="スライド番号プレースホルダー 3"/>
+          <p:cNvSpPr>
+            <a:spLocks noGrp="1"/>
+          </p:cNvSpPr>
+          <p:nvPr>
+            <p:ph type="sldNum" sz="quarter" idx="5"/>
+          </p:nvPr>
+        </p:nvSpPr>
+        <p:spPr/>
+        <p:txBody>
+          <a:bodyPr/>
+          <a:lstStyle/>
+          <a:p>
+            <a:pPr lvl="0"/>
+            <a:fld id="{D4859A6D-CDBD-B344-BF57-2B4BBFE9F422}" type="slidenum">
+              <a:rPr lang="en-US" altLang="ja-JP" smtClean="0"/>
+              <a:t>21</a:t>
+            </a:fld>
+            <a:endParaRPr lang="ja-JP" altLang="en-US"/>
+          </a:p>
+        </p:txBody>
+      </p:sp>
+    </p:spTree>
+    <p:extLst>
+      <p:ext uri="{BB962C8B-B14F-4D97-AF65-F5344CB8AC3E}">
+        <p14:creationId xmlns:p14="http://schemas.microsoft.com/office/powerpoint/2010/main" val="114043570"/>
+      </p:ext>
+    </p:extLst>
+  </p:cSld>
+  <p:clrMapOvr>
+    <a:masterClrMapping/>
+  </p:clrMapOvr>
+</p:notes>
+</file>
+
+<file path=ppt/notesSlides/notesSlide22.xml><?xml version="1.0" encoding="utf-8"?>
+<p:notes xmlns:a="http://schemas.openxmlformats.org/drawingml/2006/main" xmlns:r="http://schemas.openxmlformats.org/officeDocument/2006/relationships" xmlns:p="http://schemas.openxmlformats.org/presentationml/2006/main">
+  <p:cSld>
+    <p:spTree>
+      <p:nvGrpSpPr>
+        <p:cNvPr id="1" name=""/>
+        <p:cNvGrpSpPr/>
+        <p:nvPr/>
+      </p:nvGrpSpPr>
+      <p:grpSpPr>
+        <a:xfrm>
+          <a:off x="0" y="0"/>
+          <a:ext cx="0" cy="0"/>
+          <a:chOff x="0" y="0"/>
+          <a:chExt cx="0" cy="0"/>
+        </a:xfrm>
+      </p:grpSpPr>
+      <p:sp>
+        <p:nvSpPr>
+          <p:cNvPr id="2" name="スライド イメージ プレースホルダー 1"/>
+          <p:cNvSpPr>
+            <a:spLocks noGrp="1" noRot="1" noChangeAspect="1"/>
+          </p:cNvSpPr>
+          <p:nvPr>
+            <p:ph type="sldImg"/>
+          </p:nvPr>
+        </p:nvSpPr>
+        <p:spPr/>
+      </p:sp>
+      <p:sp>
+        <p:nvSpPr>
+          <p:cNvPr id="3" name="ノート プレースホルダー 2"/>
+          <p:cNvSpPr>
+            <a:spLocks noGrp="1"/>
+          </p:cNvSpPr>
+          <p:nvPr>
+            <p:ph type="body" idx="1"/>
+          </p:nvPr>
+        </p:nvSpPr>
+        <p:spPr/>
+        <p:txBody>
+          <a:bodyPr/>
+          <a:lstStyle/>
+          <a:p>
+            <a:r>
+              <a:rPr kumimoji="1" lang="ja-JP" altLang="en-US"/>
+              <a:t>初期個体群の作成結果です．このグラフの横軸は世代数，縦軸は適応度を示しています．探索前に</a:t>
+            </a:r>
+            <a:r>
+              <a:rPr kumimoji="1" lang="en-US" altLang="ja-JP" dirty="0"/>
+              <a:t> 63.26 % </a:t>
+            </a:r>
+            <a:r>
+              <a:rPr kumimoji="1" lang="ja-JP" altLang="en-US"/>
+              <a:t>であった平均適応度が</a:t>
+            </a:r>
+            <a:r>
+              <a:rPr kumimoji="1" lang="en-US" altLang="ja-JP" dirty="0"/>
+              <a:t> 85.64 % </a:t>
+            </a:r>
+            <a:r>
+              <a:rPr kumimoji="1" lang="ja-JP" altLang="en-US"/>
+              <a:t>と上昇したことが確認できたため，後の実験ではこの個体群を初期個体群として採用しました．</a:t>
+            </a:r>
+          </a:p>
+        </p:txBody>
+      </p:sp>
+      <p:sp>
+        <p:nvSpPr>
+          <p:cNvPr id="4" name="スライド番号プレースホルダー 3"/>
+          <p:cNvSpPr>
+            <a:spLocks noGrp="1"/>
+          </p:cNvSpPr>
+          <p:nvPr>
+            <p:ph type="sldNum" sz="quarter" idx="5"/>
+          </p:nvPr>
+        </p:nvSpPr>
+        <p:spPr/>
+        <p:txBody>
+          <a:bodyPr/>
+          <a:lstStyle/>
+          <a:p>
+            <a:pPr lvl="0"/>
+            <a:fld id="{D4859A6D-CDBD-B344-BF57-2B4BBFE9F422}" type="slidenum">
+              <a:rPr lang="en-US" altLang="ja-JP" smtClean="0"/>
+              <a:t>22</a:t>
+            </a:fld>
+            <a:endParaRPr lang="ja-JP" altLang="en-US"/>
+          </a:p>
+        </p:txBody>
+      </p:sp>
+    </p:spTree>
+    <p:extLst>
+      <p:ext uri="{BB962C8B-B14F-4D97-AF65-F5344CB8AC3E}">
+        <p14:creationId xmlns:p14="http://schemas.microsoft.com/office/powerpoint/2010/main" val="3079735668"/>
+      </p:ext>
+    </p:extLst>
+  </p:cSld>
+  <p:clrMapOvr>
+    <a:masterClrMapping/>
+  </p:clrMapOvr>
+</p:notes>
+</file>
+
+<file path=ppt/notesSlides/notesSlide23.xml><?xml version="1.0" encoding="utf-8"?>
+<p:notes xmlns:a="http://schemas.openxmlformats.org/drawingml/2006/main" xmlns:r="http://schemas.openxmlformats.org/officeDocument/2006/relationships" xmlns:p="http://schemas.openxmlformats.org/presentationml/2006/main">
+  <p:cSld>
+    <p:spTree>
+      <p:nvGrpSpPr>
+        <p:cNvPr id="1" name=""/>
+        <p:cNvGrpSpPr/>
+        <p:nvPr/>
+      </p:nvGrpSpPr>
+      <p:grpSpPr>
+        <a:xfrm>
+          <a:off x="0" y="0"/>
+          <a:ext cx="0" cy="0"/>
+          <a:chOff x="0" y="0"/>
+          <a:chExt cx="0" cy="0"/>
+        </a:xfrm>
+      </p:grpSpPr>
+      <p:sp>
+        <p:nvSpPr>
+          <p:cNvPr id="2" name="スライド イメージ プレースホルダー 1"/>
+          <p:cNvSpPr>
+            <a:spLocks noGrp="1" noRot="1" noChangeAspect="1"/>
+          </p:cNvSpPr>
+          <p:nvPr>
+            <p:ph type="sldImg"/>
+          </p:nvPr>
+        </p:nvSpPr>
+        <p:spPr/>
+      </p:sp>
+      <p:sp>
+        <p:nvSpPr>
+          <p:cNvPr id="3" name="ノート プレースホルダー 2"/>
+          <p:cNvSpPr>
+            <a:spLocks noGrp="1"/>
+          </p:cNvSpPr>
+          <p:nvPr>
+            <p:ph type="body" idx="1"/>
+          </p:nvPr>
+        </p:nvSpPr>
+        <p:spPr/>
+        <p:txBody>
+          <a:bodyPr/>
+          <a:lstStyle/>
+          <a:p>
+            <a:r>
+              <a:rPr kumimoji="1" lang="ja-JP" altLang="en-US"/>
+              <a:t>実験</a:t>
+            </a:r>
+            <a:r>
+              <a:rPr kumimoji="1" lang="en-US" altLang="ja-JP" dirty="0"/>
+              <a:t> 1 </a:t>
+            </a:r>
+            <a:r>
+              <a:rPr kumimoji="1" lang="ja-JP" altLang="en-US"/>
+              <a:t>の結果です．この表は，本学習後の個体の最良識別精度を表しており，適応度評価エポック数が増加するにつれて精度が良くなり，</a:t>
+            </a:r>
+            <a:r>
+              <a:rPr kumimoji="1" lang="en-US" altLang="ja-JP" dirty="0"/>
+              <a:t>16 </a:t>
+            </a:r>
+            <a:r>
+              <a:rPr kumimoji="1" lang="ja-JP" altLang="en-US"/>
+              <a:t>世代</a:t>
+            </a:r>
+            <a:r>
+              <a:rPr kumimoji="1" lang="en-US" altLang="ja-JP" dirty="0"/>
+              <a:t> 5 </a:t>
+            </a:r>
+            <a:r>
+              <a:rPr kumimoji="1" lang="ja-JP" altLang="en-US"/>
+              <a:t>エポックでピークを迎えていることが確認できます．</a:t>
+            </a:r>
+          </a:p>
+        </p:txBody>
+      </p:sp>
+      <p:sp>
+        <p:nvSpPr>
+          <p:cNvPr id="4" name="スライド番号プレースホルダー 3"/>
+          <p:cNvSpPr>
+            <a:spLocks noGrp="1"/>
+          </p:cNvSpPr>
+          <p:nvPr>
+            <p:ph type="sldNum" sz="quarter" idx="5"/>
+          </p:nvPr>
+        </p:nvSpPr>
+        <p:spPr/>
+        <p:txBody>
+          <a:bodyPr/>
+          <a:lstStyle/>
+          <a:p>
+            <a:pPr lvl="0"/>
+            <a:fld id="{D4859A6D-CDBD-B344-BF57-2B4BBFE9F422}" type="slidenum">
+              <a:rPr lang="en-US" altLang="ja-JP" smtClean="0"/>
+              <a:t>23</a:t>
+            </a:fld>
+            <a:endParaRPr lang="ja-JP" altLang="en-US"/>
+          </a:p>
+        </p:txBody>
+      </p:sp>
+    </p:spTree>
+    <p:extLst>
+      <p:ext uri="{BB962C8B-B14F-4D97-AF65-F5344CB8AC3E}">
+        <p14:creationId xmlns:p14="http://schemas.microsoft.com/office/powerpoint/2010/main" val="3064724617"/>
+      </p:ext>
+    </p:extLst>
+  </p:cSld>
+  <p:clrMapOvr>
+    <a:masterClrMapping/>
+  </p:clrMapOvr>
+</p:notes>
+</file>
+
+<file path=ppt/notesSlides/notesSlide24.xml><?xml version="1.0" encoding="utf-8"?>
+<p:notes xmlns:a="http://schemas.openxmlformats.org/drawingml/2006/main" xmlns:r="http://schemas.openxmlformats.org/officeDocument/2006/relationships" xmlns:p="http://schemas.openxmlformats.org/presentationml/2006/main">
+  <p:cSld>
+    <p:spTree>
+      <p:nvGrpSpPr>
+        <p:cNvPr id="1" name=""/>
+        <p:cNvGrpSpPr/>
+        <p:nvPr/>
+      </p:nvGrpSpPr>
+      <p:grpSpPr>
+        <a:xfrm>
+          <a:off x="0" y="0"/>
+          <a:ext cx="0" cy="0"/>
+          <a:chOff x="0" y="0"/>
+          <a:chExt cx="0" cy="0"/>
+        </a:xfrm>
+      </p:grpSpPr>
+      <p:sp>
+        <p:nvSpPr>
+          <p:cNvPr id="2" name="スライド イメージ プレースホルダー 1"/>
+          <p:cNvSpPr>
+            <a:spLocks noGrp="1" noRot="1" noChangeAspect="1"/>
+          </p:cNvSpPr>
+          <p:nvPr>
+            <p:ph type="sldImg"/>
+          </p:nvPr>
+        </p:nvSpPr>
+        <p:spPr/>
+      </p:sp>
+      <p:sp>
+        <p:nvSpPr>
+          <p:cNvPr id="3" name="ノート プレースホルダー 2"/>
+          <p:cNvSpPr>
+            <a:spLocks noGrp="1"/>
+          </p:cNvSpPr>
+          <p:nvPr>
+            <p:ph type="body" idx="1"/>
+          </p:nvPr>
+        </p:nvSpPr>
+        <p:spPr/>
+        <p:txBody>
+          <a:bodyPr/>
+          <a:lstStyle/>
+          <a:p>
+            <a:pPr marL="216000" marR="0" lvl="0" indent="-216000" defTabSz="914400" rtl="0" eaLnBrk="1" fontAlgn="auto" latinLnBrk="0" hangingPunct="0">
+              <a:lnSpc>
+                <a:spcPct val="100000"/>
+              </a:lnSpc>
+              <a:spcBef>
+                <a:spcPts val="0"/>
+              </a:spcBef>
+              <a:spcAft>
+                <a:spcPts val="0"/>
+              </a:spcAft>
+              <a:buClrTx/>
+              <a:buSzTx/>
+              <a:buFontTx/>
+              <a:buNone/>
+              <a:tabLst/>
+              <a:defRPr/>
+            </a:pPr>
+            <a:r>
+              <a:rPr kumimoji="1" lang="ja-JP" altLang="en-US"/>
+              <a:t>この結果は，エポック数を適切に設定して学習することで，</a:t>
+            </a:r>
+            <a:r>
+              <a:rPr kumimoji="1" lang="ja-JP" altLang="en-US" sz="2000"/>
+              <a:t>個体本来の性能をより適切に評価可能であるということが考察できる．</a:t>
+            </a:r>
+          </a:p>
+        </p:txBody>
+      </p:sp>
+      <p:sp>
+        <p:nvSpPr>
+          <p:cNvPr id="4" name="スライド番号プレースホルダー 3"/>
+          <p:cNvSpPr>
+            <a:spLocks noGrp="1"/>
+          </p:cNvSpPr>
+          <p:nvPr>
+            <p:ph type="sldNum" sz="quarter" idx="5"/>
+          </p:nvPr>
+        </p:nvSpPr>
+        <p:spPr/>
+        <p:txBody>
+          <a:bodyPr/>
+          <a:lstStyle/>
+          <a:p>
+            <a:pPr lvl="0"/>
+            <a:fld id="{D4859A6D-CDBD-B344-BF57-2B4BBFE9F422}" type="slidenum">
+              <a:rPr lang="en-US" altLang="ja-JP" smtClean="0"/>
+              <a:t>24</a:t>
+            </a:fld>
+            <a:endParaRPr lang="ja-JP" altLang="en-US"/>
+          </a:p>
+        </p:txBody>
+      </p:sp>
+    </p:spTree>
+    <p:extLst>
+      <p:ext uri="{BB962C8B-B14F-4D97-AF65-F5344CB8AC3E}">
+        <p14:creationId xmlns:p14="http://schemas.microsoft.com/office/powerpoint/2010/main" val="2709099853"/>
+      </p:ext>
+    </p:extLst>
+  </p:cSld>
+  <p:clrMapOvr>
+    <a:masterClrMapping/>
+  </p:clrMapOvr>
+</p:notes>
+</file>
+
+<file path=ppt/notesSlides/notesSlide25.xml><?xml version="1.0" encoding="utf-8"?>
+<p:notes xmlns:a="http://schemas.openxmlformats.org/drawingml/2006/main" xmlns:r="http://schemas.openxmlformats.org/officeDocument/2006/relationships" xmlns:p="http://schemas.openxmlformats.org/presentationml/2006/main">
+  <p:cSld>
+    <p:spTree>
+      <p:nvGrpSpPr>
+        <p:cNvPr id="1" name=""/>
+        <p:cNvGrpSpPr/>
+        <p:nvPr/>
+      </p:nvGrpSpPr>
+      <p:grpSpPr>
+        <a:xfrm>
+          <a:off x="0" y="0"/>
+          <a:ext cx="0" cy="0"/>
+          <a:chOff x="0" y="0"/>
+          <a:chExt cx="0" cy="0"/>
+        </a:xfrm>
+      </p:grpSpPr>
+      <p:sp>
+        <p:nvSpPr>
+          <p:cNvPr id="2" name="スライド イメージ プレースホルダー 1"/>
+          <p:cNvSpPr>
+            <a:spLocks noGrp="1" noRot="1" noChangeAspect="1"/>
+          </p:cNvSpPr>
+          <p:nvPr>
+            <p:ph type="sldImg"/>
+          </p:nvPr>
+        </p:nvSpPr>
+        <p:spPr/>
+      </p:sp>
+      <p:sp>
+        <p:nvSpPr>
+          <p:cNvPr id="3" name="ノート プレースホルダー 2"/>
+          <p:cNvSpPr>
+            <a:spLocks noGrp="1"/>
+          </p:cNvSpPr>
+          <p:nvPr>
+            <p:ph type="body" idx="1"/>
+          </p:nvPr>
+        </p:nvSpPr>
+        <p:spPr/>
+        <p:txBody>
+          <a:bodyPr/>
+          <a:lstStyle/>
+          <a:p>
+            <a:endParaRPr kumimoji="1" lang="ja-JP" altLang="en-US"/>
+          </a:p>
+        </p:txBody>
+      </p:sp>
+      <p:sp>
+        <p:nvSpPr>
+          <p:cNvPr id="4" name="スライド番号プレースホルダー 3"/>
+          <p:cNvSpPr>
+            <a:spLocks noGrp="1"/>
+          </p:cNvSpPr>
+          <p:nvPr>
+            <p:ph type="sldNum" sz="quarter" idx="5"/>
+          </p:nvPr>
+        </p:nvSpPr>
+        <p:spPr/>
+        <p:txBody>
+          <a:bodyPr/>
+          <a:lstStyle/>
+          <a:p>
+            <a:pPr lvl="0"/>
+            <a:fld id="{D4859A6D-CDBD-B344-BF57-2B4BBFE9F422}" type="slidenum">
+              <a:rPr lang="en-US" altLang="ja-JP" smtClean="0"/>
+              <a:t>25</a:t>
+            </a:fld>
+            <a:endParaRPr lang="ja-JP" altLang="en-US"/>
+          </a:p>
+        </p:txBody>
+      </p:sp>
+    </p:spTree>
+    <p:extLst>
+      <p:ext uri="{BB962C8B-B14F-4D97-AF65-F5344CB8AC3E}">
+        <p14:creationId xmlns:p14="http://schemas.microsoft.com/office/powerpoint/2010/main" val="1286196298"/>
+      </p:ext>
+    </p:extLst>
+  </p:cSld>
+  <p:clrMapOvr>
+    <a:masterClrMapping/>
+  </p:clrMapOvr>
+</p:notes>
+</file>
+
+<file path=ppt/notesSlides/notesSlide26.xml><?xml version="1.0" encoding="utf-8"?>
+<p:notes xmlns:a="http://schemas.openxmlformats.org/drawingml/2006/main" xmlns:r="http://schemas.openxmlformats.org/officeDocument/2006/relationships" xmlns:p="http://schemas.openxmlformats.org/presentationml/2006/main">
+  <p:cSld>
+    <p:spTree>
+      <p:nvGrpSpPr>
+        <p:cNvPr id="1" name=""/>
+        <p:cNvGrpSpPr/>
+        <p:nvPr/>
+      </p:nvGrpSpPr>
+      <p:grpSpPr>
+        <a:xfrm>
+          <a:off x="0" y="0"/>
+          <a:ext cx="0" cy="0"/>
+          <a:chOff x="0" y="0"/>
+          <a:chExt cx="0" cy="0"/>
+        </a:xfrm>
+      </p:grpSpPr>
+      <p:sp>
+        <p:nvSpPr>
+          <p:cNvPr id="2" name="スライド イメージ プレースホルダー 1"/>
+          <p:cNvSpPr>
+            <a:spLocks noGrp="1" noRot="1" noChangeAspect="1"/>
+          </p:cNvSpPr>
+          <p:nvPr>
+            <p:ph type="sldImg"/>
+          </p:nvPr>
+        </p:nvSpPr>
+        <p:spPr/>
+      </p:sp>
+      <p:sp>
+        <p:nvSpPr>
+          <p:cNvPr id="3" name="ノート プレースホルダー 2"/>
+          <p:cNvSpPr>
+            <a:spLocks noGrp="1"/>
+          </p:cNvSpPr>
+          <p:nvPr>
+            <p:ph type="body" idx="1"/>
+          </p:nvPr>
+        </p:nvSpPr>
+        <p:spPr/>
+        <p:txBody>
+          <a:bodyPr/>
+          <a:lstStyle/>
+          <a:p>
+            <a:r>
+              <a:rPr kumimoji="1" lang="ja-JP" altLang="en-US"/>
+              <a:t>本日はこのような流れで発表します．</a:t>
+            </a:r>
+          </a:p>
+        </p:txBody>
+      </p:sp>
+      <p:sp>
+        <p:nvSpPr>
+          <p:cNvPr id="4" name="スライド番号プレースホルダー 3"/>
+          <p:cNvSpPr>
+            <a:spLocks noGrp="1"/>
+          </p:cNvSpPr>
+          <p:nvPr>
+            <p:ph type="sldNum" sz="quarter" idx="5"/>
+          </p:nvPr>
+        </p:nvSpPr>
+        <p:spPr/>
+        <p:txBody>
+          <a:bodyPr/>
+          <a:lstStyle/>
+          <a:p>
+            <a:pPr lvl="0"/>
+            <a:fld id="{D4859A6D-CDBD-B344-BF57-2B4BBFE9F422}" type="slidenum">
+              <a:rPr lang="en-US" altLang="ja-JP" smtClean="0"/>
+              <a:t>27</a:t>
+            </a:fld>
+            <a:endParaRPr lang="ja-JP" altLang="en-US"/>
+          </a:p>
+        </p:txBody>
+      </p:sp>
+    </p:spTree>
+    <p:extLst>
+      <p:ext uri="{BB962C8B-B14F-4D97-AF65-F5344CB8AC3E}">
+        <p14:creationId xmlns:p14="http://schemas.microsoft.com/office/powerpoint/2010/main" val="2274202789"/>
       </p:ext>
     </p:extLst>
   </p:cSld>
@@ -2584,7 +3841,7 @@
             </a:r>
             <a:r>
               <a:rPr kumimoji="1" lang="en-US" altLang="ja-JP" dirty="0"/>
-              <a:t> CNN</a:t>
+              <a:t> CNN </a:t>
             </a:r>
             <a:r>
               <a:rPr kumimoji="1" lang="ja-JP" altLang="en-US"/>
@@ -7569,8 +8826,8 @@
         </p:nvSpPr>
         <p:spPr>
           <a:xfrm>
-            <a:off x="498322" y="1799617"/>
-            <a:ext cx="5083443" cy="461665"/>
+            <a:off x="519837" y="1811191"/>
+            <a:ext cx="5323893" cy="1841017"/>
           </a:xfrm>
           <a:prstGeom prst="rect">
             <a:avLst/>
@@ -7602,6 +8859,35 @@
             <a:r>
               <a:rPr lang="ja-JP" altLang="en-US" sz="2400"/>
               <a:t>を利用</a:t>
+            </a:r>
+            <a:endParaRPr lang="en-US" altLang="ja-JP" sz="2400" dirty="0"/>
+          </a:p>
+          <a:p>
+            <a:pPr marL="342900" indent="-342900">
+              <a:lnSpc>
+                <a:spcPct val="200000"/>
+              </a:lnSpc>
+              <a:buFont typeface="Wingdings" pitchFamily="2" charset="2"/>
+              <a:buChar char="p"/>
+            </a:pPr>
+            <a:r>
+              <a:rPr kumimoji="1" lang="en-US" altLang="ja-JP" sz="2400" dirty="0" err="1"/>
+              <a:t>gaCNN</a:t>
+            </a:r>
+            <a:r>
+              <a:rPr kumimoji="1" lang="en-US" altLang="ja-JP" sz="2400" dirty="0"/>
+              <a:t> </a:t>
+            </a:r>
+            <a:r>
+              <a:rPr kumimoji="1" lang="ja-JP" altLang="en-US" sz="2400"/>
+              <a:t>を含む従来手法と比較して</a:t>
+            </a:r>
+            <a:br>
+              <a:rPr kumimoji="1" lang="en-US" altLang="ja-JP" sz="2400" dirty="0"/>
+            </a:br>
+            <a:r>
+              <a:rPr lang="ja-JP" altLang="en-US" sz="2400"/>
+              <a:t>良い個体を獲得</a:t>
             </a:r>
             <a:endParaRPr kumimoji="1" lang="en-US" altLang="ja-JP" sz="2400" dirty="0"/>
           </a:p>
@@ -7844,7 +9130,7 @@
           <p:cNvPr id="2" name="タイトル 1">
             <a:extLst>
               <a:ext uri="{FF2B5EF4-FFF2-40B4-BE49-F238E27FC236}">
-                <a16:creationId xmlns:a16="http://schemas.microsoft.com/office/drawing/2014/main" id="{380966B7-59D9-D6A5-796F-E7163263C3A4}"/>
+                <a16:creationId xmlns:a16="http://schemas.microsoft.com/office/drawing/2014/main" id="{18D1C43A-2E10-EAC5-8D20-CD4E417F494F}"/>
               </a:ext>
             </a:extLst>
           </p:cNvPr>
@@ -7872,7 +9158,7 @@
           <p:cNvPr id="3" name="スライド番号プレースホルダー 2">
             <a:extLst>
               <a:ext uri="{FF2B5EF4-FFF2-40B4-BE49-F238E27FC236}">
-                <a16:creationId xmlns:a16="http://schemas.microsoft.com/office/drawing/2014/main" id="{8D8006A5-C467-DBF1-F858-499620021D06}"/>
+                <a16:creationId xmlns:a16="http://schemas.microsoft.com/office/drawing/2014/main" id="{31375705-D2CC-BEC9-DFCF-0015D6B7927C}"/>
               </a:ext>
             </a:extLst>
           </p:cNvPr>
@@ -7892,6 +9178,241 @@
             <a:fld id="{004900ED-2EFD-2142-93A1-1CBA90FDE07B}" type="slidenum">
               <a:rPr lang="en-US" altLang="ja-JP" smtClean="0"/>
               <a:t>15</a:t>
+            </a:fld>
+            <a:endParaRPr lang="ja-JP" altLang="en-US"/>
+          </a:p>
+        </p:txBody>
+      </p:sp>
+      <p:sp>
+        <p:nvSpPr>
+          <p:cNvPr id="4" name="テキスト ボックス 3">
+            <a:extLst>
+              <a:ext uri="{FF2B5EF4-FFF2-40B4-BE49-F238E27FC236}">
+                <a16:creationId xmlns:a16="http://schemas.microsoft.com/office/drawing/2014/main" id="{AA9E73CF-2EB2-02FC-6693-CEE5D43DBB47}"/>
+              </a:ext>
+            </a:extLst>
+          </p:cNvPr>
+          <p:cNvSpPr txBox="1"/>
+          <p:nvPr/>
+        </p:nvSpPr>
+        <p:spPr>
+          <a:xfrm>
+            <a:off x="243069" y="1713053"/>
+            <a:ext cx="5918608" cy="830997"/>
+          </a:xfrm>
+          <a:prstGeom prst="rect">
+            <a:avLst/>
+          </a:prstGeom>
+          <a:noFill/>
+        </p:spPr>
+        <p:txBody>
+          <a:bodyPr wrap="none" rtlCol="0">
+            <a:spAutoFit/>
+          </a:bodyPr>
+          <a:lstStyle/>
+          <a:p>
+            <a:pPr marL="342900" indent="-342900">
+              <a:buFont typeface="Wingdings" pitchFamily="2" charset="2"/>
+              <a:buChar char="p"/>
+            </a:pPr>
+            <a:r>
+              <a:rPr kumimoji="1" lang="en-US" altLang="ja-JP" sz="2400" dirty="0" err="1"/>
+              <a:t>tdgaCNN</a:t>
+            </a:r>
+            <a:r>
+              <a:rPr kumimoji="1" lang="en-US" altLang="ja-JP" sz="2400" dirty="0"/>
+              <a:t> </a:t>
+            </a:r>
+            <a:r>
+              <a:rPr kumimoji="1" lang="ja-JP" altLang="en-US" sz="2400"/>
+              <a:t>における適応度評価のための</a:t>
+            </a:r>
+            <a:br>
+              <a:rPr kumimoji="1" lang="en-US" altLang="ja-JP" sz="2400" dirty="0"/>
+            </a:br>
+            <a:r>
+              <a:rPr kumimoji="1" lang="ja-JP" altLang="en-US" sz="2400"/>
+              <a:t>学習エポック数</a:t>
+            </a:r>
+          </a:p>
+        </p:txBody>
+      </p:sp>
+      <p:sp>
+        <p:nvSpPr>
+          <p:cNvPr id="5" name="下矢印 4">
+            <a:extLst>
+              <a:ext uri="{FF2B5EF4-FFF2-40B4-BE49-F238E27FC236}">
+                <a16:creationId xmlns:a16="http://schemas.microsoft.com/office/drawing/2014/main" id="{969D8AAB-B68E-E8A0-37DA-22121BB8AF67}"/>
+              </a:ext>
+            </a:extLst>
+          </p:cNvPr>
+          <p:cNvSpPr/>
+          <p:nvPr/>
+        </p:nvSpPr>
+        <p:spPr>
+          <a:xfrm>
+            <a:off x="3271345" y="2835275"/>
+            <a:ext cx="1018572" cy="938072"/>
+          </a:xfrm>
+          <a:prstGeom prst="downArrow">
+            <a:avLst/>
+          </a:prstGeom>
+          <a:solidFill>
+            <a:schemeClr val="bg1"/>
+          </a:solidFill>
+          <a:ln>
+            <a:solidFill>
+              <a:schemeClr val="tx1"/>
+            </a:solidFill>
+          </a:ln>
+        </p:spPr>
+        <p:style>
+          <a:lnRef idx="2">
+            <a:schemeClr val="accent1">
+              <a:shade val="50000"/>
+            </a:schemeClr>
+          </a:lnRef>
+          <a:fillRef idx="1">
+            <a:schemeClr val="accent1"/>
+          </a:fillRef>
+          <a:effectRef idx="0">
+            <a:schemeClr val="accent1"/>
+          </a:effectRef>
+          <a:fontRef idx="minor">
+            <a:schemeClr val="lt1"/>
+          </a:fontRef>
+        </p:style>
+        <p:txBody>
+          <a:bodyPr rtlCol="0" anchor="ctr"/>
+          <a:lstStyle/>
+          <a:p>
+            <a:pPr algn="ctr"/>
+            <a:endParaRPr kumimoji="1" lang="ja-JP" altLang="en-US"/>
+          </a:p>
+        </p:txBody>
+      </p:sp>
+      <p:sp>
+        <p:nvSpPr>
+          <p:cNvPr id="6" name="テキスト ボックス 5">
+            <a:extLst>
+              <a:ext uri="{FF2B5EF4-FFF2-40B4-BE49-F238E27FC236}">
+                <a16:creationId xmlns:a16="http://schemas.microsoft.com/office/drawing/2014/main" id="{1BD0C54E-C376-9319-5B68-FAEB83ECDDDD}"/>
+              </a:ext>
+            </a:extLst>
+          </p:cNvPr>
+          <p:cNvSpPr txBox="1"/>
+          <p:nvPr/>
+        </p:nvSpPr>
+        <p:spPr>
+          <a:xfrm>
+            <a:off x="243069" y="4064572"/>
+            <a:ext cx="6070893" cy="461665"/>
+          </a:xfrm>
+          <a:prstGeom prst="rect">
+            <a:avLst/>
+          </a:prstGeom>
+          <a:noFill/>
+        </p:spPr>
+        <p:txBody>
+          <a:bodyPr wrap="none" rtlCol="0">
+            <a:spAutoFit/>
+          </a:bodyPr>
+          <a:lstStyle/>
+          <a:p>
+            <a:pPr marL="342900" indent="-342900">
+              <a:buFont typeface="Wingdings" pitchFamily="2" charset="2"/>
+              <a:buChar char="p"/>
+            </a:pPr>
+            <a:r>
+              <a:rPr kumimoji="1" lang="ja-JP" altLang="en-US" sz="2400"/>
+              <a:t>本実験では適応度評価エポック数と定義</a:t>
+            </a:r>
+          </a:p>
+        </p:txBody>
+      </p:sp>
+    </p:spTree>
+    <p:extLst>
+      <p:ext uri="{BB962C8B-B14F-4D97-AF65-F5344CB8AC3E}">
+        <p14:creationId xmlns:p14="http://schemas.microsoft.com/office/powerpoint/2010/main" val="299715952"/>
+      </p:ext>
+    </p:extLst>
+  </p:cSld>
+  <p:clrMapOvr>
+    <a:masterClrMapping/>
+  </p:clrMapOvr>
+</p:sld>
+</file>
+
+<file path=ppt/slides/slide16.xml><?xml version="1.0" encoding="utf-8"?>
+<p:sld xmlns:a="http://schemas.openxmlformats.org/drawingml/2006/main" xmlns:r="http://schemas.openxmlformats.org/officeDocument/2006/relationships" xmlns:p="http://schemas.openxmlformats.org/presentationml/2006/main">
+  <p:cSld>
+    <p:spTree>
+      <p:nvGrpSpPr>
+        <p:cNvPr id="1" name=""/>
+        <p:cNvGrpSpPr/>
+        <p:nvPr/>
+      </p:nvGrpSpPr>
+      <p:grpSpPr>
+        <a:xfrm>
+          <a:off x="0" y="0"/>
+          <a:ext cx="0" cy="0"/>
+          <a:chOff x="0" y="0"/>
+          <a:chExt cx="0" cy="0"/>
+        </a:xfrm>
+      </p:grpSpPr>
+      <p:sp>
+        <p:nvSpPr>
+          <p:cNvPr id="2" name="タイトル 1">
+            <a:extLst>
+              <a:ext uri="{FF2B5EF4-FFF2-40B4-BE49-F238E27FC236}">
+                <a16:creationId xmlns:a16="http://schemas.microsoft.com/office/drawing/2014/main" id="{380966B7-59D9-D6A5-796F-E7163263C3A4}"/>
+              </a:ext>
+            </a:extLst>
+          </p:cNvPr>
+          <p:cNvSpPr>
+            <a:spLocks noGrp="1"/>
+          </p:cNvSpPr>
+          <p:nvPr>
+            <p:ph type="title"/>
+          </p:nvPr>
+        </p:nvSpPr>
+        <p:spPr/>
+        <p:txBody>
+          <a:bodyPr/>
+          <a:lstStyle/>
+          <a:p>
+            <a:r>
+              <a:rPr kumimoji="1" lang="ja-JP" altLang="en-US"/>
+              <a:t>本実験の概要</a:t>
+            </a:r>
+          </a:p>
+        </p:txBody>
+      </p:sp>
+      <p:sp>
+        <p:nvSpPr>
+          <p:cNvPr id="3" name="スライド番号プレースホルダー 2">
+            <a:extLst>
+              <a:ext uri="{FF2B5EF4-FFF2-40B4-BE49-F238E27FC236}">
+                <a16:creationId xmlns:a16="http://schemas.microsoft.com/office/drawing/2014/main" id="{8D8006A5-C467-DBF1-F858-499620021D06}"/>
+              </a:ext>
+            </a:extLst>
+          </p:cNvPr>
+          <p:cNvSpPr>
+            <a:spLocks noGrp="1"/>
+          </p:cNvSpPr>
+          <p:nvPr>
+            <p:ph type="sldNum" sz="quarter" idx="12"/>
+          </p:nvPr>
+        </p:nvSpPr>
+        <p:spPr/>
+        <p:txBody>
+          <a:bodyPr/>
+          <a:lstStyle/>
+          <a:p>
+            <a:pPr lvl="0"/>
+            <a:fld id="{004900ED-2EFD-2142-93A1-1CBA90FDE07B}" type="slidenum">
+              <a:rPr lang="en-US" altLang="ja-JP" smtClean="0"/>
+              <a:t>16</a:t>
             </a:fld>
             <a:endParaRPr lang="ja-JP" altLang="en-US"/>
           </a:p>
@@ -8017,7 +9538,7 @@
             <p:nvPr/>
           </p:nvPicPr>
           <p:blipFill>
-            <a:blip r:embed="rId2"/>
+            <a:blip r:embed="rId3"/>
             <a:stretch>
               <a:fillRect/>
             </a:stretch>
@@ -8047,7 +9568,7 @@
             <p:nvPr/>
           </p:nvPicPr>
           <p:blipFill>
-            <a:blip r:embed="rId3"/>
+            <a:blip r:embed="rId4"/>
             <a:stretch>
               <a:fillRect/>
             </a:stretch>
@@ -8172,7 +9693,7 @@
               <p:nvPr/>
             </p:nvPicPr>
             <p:blipFill>
-              <a:blip r:embed="rId4"/>
+              <a:blip r:embed="rId5"/>
               <a:stretch>
                 <a:fillRect/>
               </a:stretch>
@@ -8241,7 +9762,7 @@
 </p:sld>
 </file>
 
-<file path=ppt/slides/slide16.xml><?xml version="1.0" encoding="utf-8"?>
+<file path=ppt/slides/slide17.xml><?xml version="1.0" encoding="utf-8"?>
 <p:sld xmlns:a="http://schemas.openxmlformats.org/drawingml/2006/main" xmlns:r="http://schemas.openxmlformats.org/officeDocument/2006/relationships" xmlns:p="http://schemas.openxmlformats.org/presentationml/2006/main">
   <p:cSld>
     <p:spTree>
@@ -8310,7 +9831,7 @@
             <a:pPr lvl="0"/>
             <a:fld id="{004900ED-2EFD-2142-93A1-1CBA90FDE07B}" type="slidenum">
               <a:rPr lang="en-US" altLang="ja-JP" smtClean="0"/>
-              <a:t>16</a:t>
+              <a:t>17</a:t>
             </a:fld>
             <a:endParaRPr lang="ja-JP" altLang="en-US"/>
           </a:p>
@@ -8752,7 +10273,7 @@
 </p:sld>
 </file>
 
-<file path=ppt/slides/slide17.xml><?xml version="1.0" encoding="utf-8"?>
+<file path=ppt/slides/slide18.xml><?xml version="1.0" encoding="utf-8"?>
 <p:sld xmlns:a="http://schemas.openxmlformats.org/drawingml/2006/main" xmlns:r="http://schemas.openxmlformats.org/officeDocument/2006/relationships" xmlns:p="http://schemas.openxmlformats.org/presentationml/2006/main">
   <p:cSld>
     <p:spTree>
@@ -8821,7 +10342,7 @@
             <a:pPr lvl="0"/>
             <a:fld id="{004900ED-2EFD-2142-93A1-1CBA90FDE07B}" type="slidenum">
               <a:rPr lang="en-US" altLang="ja-JP" smtClean="0"/>
-              <a:t>17</a:t>
+              <a:t>18</a:t>
             </a:fld>
             <a:endParaRPr lang="ja-JP" altLang="en-US"/>
           </a:p>
@@ -9565,7 +11086,7 @@
 </p:sld>
 </file>
 
-<file path=ppt/slides/slide18.xml><?xml version="1.0" encoding="utf-8"?>
+<file path=ppt/slides/slide19.xml><?xml version="1.0" encoding="utf-8"?>
 <p:sld xmlns:a="http://schemas.openxmlformats.org/drawingml/2006/main" xmlns:r="http://schemas.openxmlformats.org/officeDocument/2006/relationships" xmlns:p="http://schemas.openxmlformats.org/presentationml/2006/main">
   <p:cSld>
     <p:spTree>
@@ -9643,7 +11164,7 @@
             <a:pPr lvl="0"/>
             <a:fld id="{004900ED-2EFD-2142-93A1-1CBA90FDE07B}" type="slidenum">
               <a:rPr lang="en-US" altLang="ja-JP" smtClean="0"/>
-              <a:t>18</a:t>
+              <a:t>19</a:t>
             </a:fld>
             <a:endParaRPr lang="ja-JP" altLang="en-US"/>
           </a:p>
@@ -10046,7 +11567,7 @@
 </p:sld>
 </file>
 
-<file path=ppt/slides/slide19.xml><?xml version="1.0" encoding="utf-8"?>
+<file path=ppt/slides/slide2.xml><?xml version="1.0" encoding="utf-8"?>
 <p:sld xmlns:a="http://schemas.openxmlformats.org/drawingml/2006/main" xmlns:r="http://schemas.openxmlformats.org/officeDocument/2006/relationships" xmlns:p="http://schemas.openxmlformats.org/presentationml/2006/main">
   <p:cSld>
     <p:spTree>
@@ -10068,7 +11589,7 @@
           <p:cNvPr id="2" name="タイトル 1">
             <a:extLst>
               <a:ext uri="{FF2B5EF4-FFF2-40B4-BE49-F238E27FC236}">
-                <a16:creationId xmlns:a16="http://schemas.microsoft.com/office/drawing/2014/main" id="{F91DABD0-6E6F-20AC-E27E-DE4CB11AD443}"/>
+                <a16:creationId xmlns:a16="http://schemas.microsoft.com/office/drawing/2014/main" id="{DA6841C3-0E6C-BFA1-5D04-4112F1117102}"/>
               </a:ext>
             </a:extLst>
           </p:cNvPr>
@@ -10086,22 +11607,17 @@
           <a:p>
             <a:r>
               <a:rPr kumimoji="1" lang="ja-JP" altLang="en-US"/>
-              <a:t>実験</a:t>
-            </a:r>
-            <a:r>
-              <a:rPr lang="en-US" altLang="ja-JP" dirty="0"/>
-              <a:t> 2</a:t>
-            </a:r>
-            <a:endParaRPr kumimoji="1" lang="ja-JP" altLang="en-US"/>
-          </a:p>
-        </p:txBody>
-      </p:sp>
-      <p:sp>
-        <p:nvSpPr>
-          <p:cNvPr id="3" name="スライド番号プレースホルダー 2">
-            <a:extLst>
-              <a:ext uri="{FF2B5EF4-FFF2-40B4-BE49-F238E27FC236}">
-                <a16:creationId xmlns:a16="http://schemas.microsoft.com/office/drawing/2014/main" id="{35677EC9-0504-1614-4950-D0D61AE8CD08}"/>
+              <a:t>目次</a:t>
+            </a:r>
+          </a:p>
+        </p:txBody>
+      </p:sp>
+      <p:sp>
+        <p:nvSpPr>
+          <p:cNvPr id="4" name="スライド番号プレースホルダー 3">
+            <a:extLst>
+              <a:ext uri="{FF2B5EF4-FFF2-40B4-BE49-F238E27FC236}">
+                <a16:creationId xmlns:a16="http://schemas.microsoft.com/office/drawing/2014/main" id="{20D20625-8135-BA1D-11A0-E3466265CE7C}"/>
               </a:ext>
             </a:extLst>
           </p:cNvPr>
@@ -10120,7 +11636,184 @@
             <a:pPr lvl="0"/>
             <a:fld id="{004900ED-2EFD-2142-93A1-1CBA90FDE07B}" type="slidenum">
               <a:rPr lang="en-US" altLang="ja-JP" smtClean="0"/>
-              <a:t>19</a:t>
+              <a:t>2</a:t>
+            </a:fld>
+            <a:endParaRPr lang="ja-JP" altLang="en-US"/>
+          </a:p>
+        </p:txBody>
+      </p:sp>
+      <p:sp>
+        <p:nvSpPr>
+          <p:cNvPr id="3" name="テキスト ボックス 2">
+            <a:extLst>
+              <a:ext uri="{FF2B5EF4-FFF2-40B4-BE49-F238E27FC236}">
+                <a16:creationId xmlns:a16="http://schemas.microsoft.com/office/drawing/2014/main" id="{CFCE3529-0348-FAC9-4C81-ACEA9BA72623}"/>
+              </a:ext>
+            </a:extLst>
+          </p:cNvPr>
+          <p:cNvSpPr txBox="1"/>
+          <p:nvPr/>
+        </p:nvSpPr>
+        <p:spPr>
+          <a:xfrm>
+            <a:off x="519837" y="1411535"/>
+            <a:ext cx="3877985" cy="3425168"/>
+          </a:xfrm>
+          <a:prstGeom prst="rect">
+            <a:avLst/>
+          </a:prstGeom>
+          <a:noFill/>
+        </p:spPr>
+        <p:txBody>
+          <a:bodyPr wrap="none" rtlCol="0">
+            <a:spAutoFit/>
+          </a:bodyPr>
+          <a:lstStyle/>
+          <a:p>
+            <a:pPr marL="457200" indent="-457200">
+              <a:lnSpc>
+                <a:spcPct val="200000"/>
+              </a:lnSpc>
+              <a:buFont typeface="Wingdings" pitchFamily="2" charset="2"/>
+              <a:buChar char="Ø"/>
+            </a:pPr>
+            <a:r>
+              <a:rPr lang="ja-JP" altLang="en-US" sz="2800"/>
+              <a:t>はじめに</a:t>
+            </a:r>
+            <a:endParaRPr lang="en-US" altLang="ja-JP" sz="2800" dirty="0"/>
+          </a:p>
+          <a:p>
+            <a:pPr marL="457200" indent="-457200">
+              <a:lnSpc>
+                <a:spcPct val="200000"/>
+              </a:lnSpc>
+              <a:buFont typeface="Wingdings" pitchFamily="2" charset="2"/>
+              <a:buChar char="Ø"/>
+            </a:pPr>
+            <a:r>
+              <a:rPr lang="ja-JP" altLang="en-US" sz="2800"/>
+              <a:t>要素技術</a:t>
+            </a:r>
+            <a:endParaRPr lang="en-US" altLang="ja-JP" sz="2800" dirty="0"/>
+          </a:p>
+          <a:p>
+            <a:pPr marL="457200" indent="-457200">
+              <a:lnSpc>
+                <a:spcPct val="200000"/>
+              </a:lnSpc>
+              <a:buFont typeface="Wingdings" pitchFamily="2" charset="2"/>
+              <a:buChar char="Ø"/>
+            </a:pPr>
+            <a:r>
+              <a:rPr lang="ja-JP" altLang="en-US" sz="2800"/>
+              <a:t>実験</a:t>
+            </a:r>
+            <a:endParaRPr lang="en-US" altLang="ja-JP" sz="2800" dirty="0"/>
+          </a:p>
+          <a:p>
+            <a:pPr marL="457200" indent="-457200">
+              <a:lnSpc>
+                <a:spcPct val="200000"/>
+              </a:lnSpc>
+              <a:buFont typeface="Wingdings" pitchFamily="2" charset="2"/>
+              <a:buChar char="Ø"/>
+            </a:pPr>
+            <a:r>
+              <a:rPr lang="ja-JP" altLang="en-US" sz="2800"/>
+              <a:t>まとめと今後の課題</a:t>
+            </a:r>
+          </a:p>
+        </p:txBody>
+      </p:sp>
+    </p:spTree>
+    <p:extLst>
+      <p:ext uri="{BB962C8B-B14F-4D97-AF65-F5344CB8AC3E}">
+        <p14:creationId xmlns:p14="http://schemas.microsoft.com/office/powerpoint/2010/main" val="934417076"/>
+      </p:ext>
+    </p:extLst>
+  </p:cSld>
+  <p:clrMapOvr>
+    <a:masterClrMapping/>
+  </p:clrMapOvr>
+</p:sld>
+</file>
+
+<file path=ppt/slides/slide20.xml><?xml version="1.0" encoding="utf-8"?>
+<p:sld xmlns:a="http://schemas.openxmlformats.org/drawingml/2006/main" xmlns:r="http://schemas.openxmlformats.org/officeDocument/2006/relationships" xmlns:p="http://schemas.openxmlformats.org/presentationml/2006/main">
+  <p:cSld>
+    <p:spTree>
+      <p:nvGrpSpPr>
+        <p:cNvPr id="1" name=""/>
+        <p:cNvGrpSpPr/>
+        <p:nvPr/>
+      </p:nvGrpSpPr>
+      <p:grpSpPr>
+        <a:xfrm>
+          <a:off x="0" y="0"/>
+          <a:ext cx="0" cy="0"/>
+          <a:chOff x="0" y="0"/>
+          <a:chExt cx="0" cy="0"/>
+        </a:xfrm>
+      </p:grpSpPr>
+      <p:sp>
+        <p:nvSpPr>
+          <p:cNvPr id="2" name="タイトル 1">
+            <a:extLst>
+              <a:ext uri="{FF2B5EF4-FFF2-40B4-BE49-F238E27FC236}">
+                <a16:creationId xmlns:a16="http://schemas.microsoft.com/office/drawing/2014/main" id="{F91DABD0-6E6F-20AC-E27E-DE4CB11AD443}"/>
+              </a:ext>
+            </a:extLst>
+          </p:cNvPr>
+          <p:cNvSpPr>
+            <a:spLocks noGrp="1"/>
+          </p:cNvSpPr>
+          <p:nvPr>
+            <p:ph type="title"/>
+          </p:nvPr>
+        </p:nvSpPr>
+        <p:spPr/>
+        <p:txBody>
+          <a:bodyPr/>
+          <a:lstStyle/>
+          <a:p>
+            <a:r>
+              <a:rPr kumimoji="1" lang="ja-JP" altLang="en-US"/>
+              <a:t>実験</a:t>
+            </a:r>
+            <a:r>
+              <a:rPr lang="en-US" altLang="ja-JP" dirty="0"/>
+              <a:t> 2</a:t>
+            </a:r>
+            <a:endParaRPr kumimoji="1" lang="ja-JP" altLang="en-US"/>
+          </a:p>
+        </p:txBody>
+      </p:sp>
+      <p:sp>
+        <p:nvSpPr>
+          <p:cNvPr id="3" name="スライド番号プレースホルダー 2">
+            <a:extLst>
+              <a:ext uri="{FF2B5EF4-FFF2-40B4-BE49-F238E27FC236}">
+                <a16:creationId xmlns:a16="http://schemas.microsoft.com/office/drawing/2014/main" id="{35677EC9-0504-1614-4950-D0D61AE8CD08}"/>
+              </a:ext>
+            </a:extLst>
+          </p:cNvPr>
+          <p:cNvSpPr>
+            <a:spLocks noGrp="1"/>
+          </p:cNvSpPr>
+          <p:nvPr>
+            <p:ph type="sldNum" sz="quarter" idx="12"/>
+          </p:nvPr>
+        </p:nvSpPr>
+        <p:spPr/>
+        <p:txBody>
+          <a:bodyPr/>
+          <a:lstStyle/>
+          <a:p>
+            <a:pPr lvl="0"/>
+            <a:fld id="{004900ED-2EFD-2142-93A1-1CBA90FDE07B}" type="slidenum">
+              <a:rPr lang="en-US" altLang="ja-JP" smtClean="0"/>
+              <a:t>20</a:t>
             </a:fld>
             <a:endParaRPr lang="ja-JP" altLang="en-US"/>
           </a:p>
@@ -10735,7 +12428,7 @@
 </p:sld>
 </file>
 
-<file path=ppt/slides/slide2.xml><?xml version="1.0" encoding="utf-8"?>
+<file path=ppt/slides/slide21.xml><?xml version="1.0" encoding="utf-8"?>
 <p:sld xmlns:a="http://schemas.openxmlformats.org/drawingml/2006/main" xmlns:r="http://schemas.openxmlformats.org/officeDocument/2006/relationships" xmlns:p="http://schemas.openxmlformats.org/presentationml/2006/main">
   <p:cSld>
     <p:spTree>
@@ -10757,7 +12450,7 @@
           <p:cNvPr id="2" name="タイトル 1">
             <a:extLst>
               <a:ext uri="{FF2B5EF4-FFF2-40B4-BE49-F238E27FC236}">
-                <a16:creationId xmlns:a16="http://schemas.microsoft.com/office/drawing/2014/main" id="{DA6841C3-0E6C-BFA1-5D04-4112F1117102}"/>
+                <a16:creationId xmlns:a16="http://schemas.microsoft.com/office/drawing/2014/main" id="{AE06C5E3-433B-6E6C-94C8-F1F43658EDBB}"/>
               </a:ext>
             </a:extLst>
           </p:cNvPr>
@@ -10775,17 +12468,26 @@
           <a:p>
             <a:r>
               <a:rPr kumimoji="1" lang="ja-JP" altLang="en-US"/>
-              <a:t>目次</a:t>
-            </a:r>
-          </a:p>
-        </p:txBody>
-      </p:sp>
-      <p:sp>
-        <p:nvSpPr>
-          <p:cNvPr id="4" name="スライド番号プレースホルダー 3">
-            <a:extLst>
-              <a:ext uri="{FF2B5EF4-FFF2-40B4-BE49-F238E27FC236}">
-                <a16:creationId xmlns:a16="http://schemas.microsoft.com/office/drawing/2014/main" id="{20D20625-8135-BA1D-11A0-E3466265CE7C}"/>
+              <a:t>実験</a:t>
+            </a:r>
+            <a:r>
+              <a:rPr kumimoji="1" lang="en-US" altLang="ja-JP" dirty="0"/>
+              <a:t> 1, 2 </a:t>
+            </a:r>
+            <a:r>
+              <a:rPr lang="ja-JP" altLang="en-US"/>
+              <a:t>実験条件</a:t>
+            </a:r>
+            <a:endParaRPr kumimoji="1" lang="ja-JP" altLang="en-US"/>
+          </a:p>
+        </p:txBody>
+      </p:sp>
+      <p:sp>
+        <p:nvSpPr>
+          <p:cNvPr id="3" name="スライド番号プレースホルダー 2">
+            <a:extLst>
+              <a:ext uri="{FF2B5EF4-FFF2-40B4-BE49-F238E27FC236}">
+                <a16:creationId xmlns:a16="http://schemas.microsoft.com/office/drawing/2014/main" id="{CAF098BE-0757-EDBE-2A0E-BA1E900F1178}"/>
               </a:ext>
             </a:extLst>
           </p:cNvPr>
@@ -10804,188 +12506,7 @@
             <a:pPr lvl="0"/>
             <a:fld id="{004900ED-2EFD-2142-93A1-1CBA90FDE07B}" type="slidenum">
               <a:rPr lang="en-US" altLang="ja-JP" smtClean="0"/>
-              <a:t>2</a:t>
-            </a:fld>
-            <a:endParaRPr lang="ja-JP" altLang="en-US"/>
-          </a:p>
-        </p:txBody>
-      </p:sp>
-      <p:sp>
-        <p:nvSpPr>
-          <p:cNvPr id="3" name="テキスト ボックス 2">
-            <a:extLst>
-              <a:ext uri="{FF2B5EF4-FFF2-40B4-BE49-F238E27FC236}">
-                <a16:creationId xmlns:a16="http://schemas.microsoft.com/office/drawing/2014/main" id="{CFCE3529-0348-FAC9-4C81-ACEA9BA72623}"/>
-              </a:ext>
-            </a:extLst>
-          </p:cNvPr>
-          <p:cNvSpPr txBox="1"/>
-          <p:nvPr/>
-        </p:nvSpPr>
-        <p:spPr>
-          <a:xfrm>
-            <a:off x="519837" y="1411535"/>
-            <a:ext cx="3877985" cy="3425168"/>
-          </a:xfrm>
-          <a:prstGeom prst="rect">
-            <a:avLst/>
-          </a:prstGeom>
-          <a:noFill/>
-        </p:spPr>
-        <p:txBody>
-          <a:bodyPr wrap="none" rtlCol="0">
-            <a:spAutoFit/>
-          </a:bodyPr>
-          <a:lstStyle/>
-          <a:p>
-            <a:pPr marL="457200" indent="-457200">
-              <a:lnSpc>
-                <a:spcPct val="200000"/>
-              </a:lnSpc>
-              <a:buFont typeface="Wingdings" pitchFamily="2" charset="2"/>
-              <a:buChar char="Ø"/>
-            </a:pPr>
-            <a:r>
-              <a:rPr lang="ja-JP" altLang="en-US" sz="2800"/>
-              <a:t>はじめに</a:t>
-            </a:r>
-            <a:endParaRPr lang="en-US" altLang="ja-JP" sz="2800" dirty="0"/>
-          </a:p>
-          <a:p>
-            <a:pPr marL="457200" indent="-457200">
-              <a:lnSpc>
-                <a:spcPct val="200000"/>
-              </a:lnSpc>
-              <a:buFont typeface="Wingdings" pitchFamily="2" charset="2"/>
-              <a:buChar char="Ø"/>
-            </a:pPr>
-            <a:r>
-              <a:rPr lang="ja-JP" altLang="en-US" sz="2800"/>
-              <a:t>要素技術</a:t>
-            </a:r>
-            <a:endParaRPr lang="en-US" altLang="ja-JP" sz="2800" dirty="0"/>
-          </a:p>
-          <a:p>
-            <a:pPr marL="457200" indent="-457200">
-              <a:lnSpc>
-                <a:spcPct val="200000"/>
-              </a:lnSpc>
-              <a:buFont typeface="Wingdings" pitchFamily="2" charset="2"/>
-              <a:buChar char="Ø"/>
-            </a:pPr>
-            <a:r>
-              <a:rPr lang="ja-JP" altLang="en-US" sz="2800"/>
-              <a:t>実験</a:t>
-            </a:r>
-            <a:endParaRPr lang="en-US" altLang="ja-JP" sz="2800" dirty="0"/>
-          </a:p>
-          <a:p>
-            <a:pPr marL="457200" indent="-457200">
-              <a:lnSpc>
-                <a:spcPct val="200000"/>
-              </a:lnSpc>
-              <a:buFont typeface="Wingdings" pitchFamily="2" charset="2"/>
-              <a:buChar char="Ø"/>
-            </a:pPr>
-            <a:r>
-              <a:rPr lang="ja-JP" altLang="en-US" sz="2800"/>
-              <a:t>まとめと今後の課題</a:t>
-            </a:r>
-          </a:p>
-        </p:txBody>
-      </p:sp>
-    </p:spTree>
-    <p:extLst>
-      <p:ext uri="{BB962C8B-B14F-4D97-AF65-F5344CB8AC3E}">
-        <p14:creationId xmlns:p14="http://schemas.microsoft.com/office/powerpoint/2010/main" val="934417076"/>
-      </p:ext>
-    </p:extLst>
-  </p:cSld>
-  <p:clrMapOvr>
-    <a:masterClrMapping/>
-  </p:clrMapOvr>
-</p:sld>
-</file>
-
-<file path=ppt/slides/slide20.xml><?xml version="1.0" encoding="utf-8"?>
-<p:sld xmlns:a="http://schemas.openxmlformats.org/drawingml/2006/main" xmlns:r="http://schemas.openxmlformats.org/officeDocument/2006/relationships" xmlns:p="http://schemas.openxmlformats.org/presentationml/2006/main">
-  <p:cSld>
-    <p:spTree>
-      <p:nvGrpSpPr>
-        <p:cNvPr id="1" name=""/>
-        <p:cNvGrpSpPr/>
-        <p:nvPr/>
-      </p:nvGrpSpPr>
-      <p:grpSpPr>
-        <a:xfrm>
-          <a:off x="0" y="0"/>
-          <a:ext cx="0" cy="0"/>
-          <a:chOff x="0" y="0"/>
-          <a:chExt cx="0" cy="0"/>
-        </a:xfrm>
-      </p:grpSpPr>
-      <p:sp>
-        <p:nvSpPr>
-          <p:cNvPr id="2" name="タイトル 1">
-            <a:extLst>
-              <a:ext uri="{FF2B5EF4-FFF2-40B4-BE49-F238E27FC236}">
-                <a16:creationId xmlns:a16="http://schemas.microsoft.com/office/drawing/2014/main" id="{AE06C5E3-433B-6E6C-94C8-F1F43658EDBB}"/>
-              </a:ext>
-            </a:extLst>
-          </p:cNvPr>
-          <p:cNvSpPr>
-            <a:spLocks noGrp="1"/>
-          </p:cNvSpPr>
-          <p:nvPr>
-            <p:ph type="title"/>
-          </p:nvPr>
-        </p:nvSpPr>
-        <p:spPr/>
-        <p:txBody>
-          <a:bodyPr/>
-          <a:lstStyle/>
-          <a:p>
-            <a:r>
-              <a:rPr kumimoji="1" lang="ja-JP" altLang="en-US"/>
-              <a:t>実験</a:t>
-            </a:r>
-            <a:r>
-              <a:rPr kumimoji="1" lang="en-US" altLang="ja-JP" dirty="0"/>
-              <a:t> 1, 2 </a:t>
-            </a:r>
-            <a:r>
-              <a:rPr lang="ja-JP" altLang="en-US"/>
-              <a:t>実験条件</a:t>
-            </a:r>
-            <a:endParaRPr kumimoji="1" lang="ja-JP" altLang="en-US"/>
-          </a:p>
-        </p:txBody>
-      </p:sp>
-      <p:sp>
-        <p:nvSpPr>
-          <p:cNvPr id="3" name="スライド番号プレースホルダー 2">
-            <a:extLst>
-              <a:ext uri="{FF2B5EF4-FFF2-40B4-BE49-F238E27FC236}">
-                <a16:creationId xmlns:a16="http://schemas.microsoft.com/office/drawing/2014/main" id="{CAF098BE-0757-EDBE-2A0E-BA1E900F1178}"/>
-              </a:ext>
-            </a:extLst>
-          </p:cNvPr>
-          <p:cNvSpPr>
-            <a:spLocks noGrp="1"/>
-          </p:cNvSpPr>
-          <p:nvPr>
-            <p:ph type="sldNum" sz="quarter" idx="12"/>
-          </p:nvPr>
-        </p:nvSpPr>
-        <p:spPr/>
-        <p:txBody>
-          <a:bodyPr/>
-          <a:lstStyle/>
-          <a:p>
-            <a:pPr lvl="0"/>
-            <a:fld id="{004900ED-2EFD-2142-93A1-1CBA90FDE07B}" type="slidenum">
-              <a:rPr lang="en-US" altLang="ja-JP" smtClean="0"/>
-              <a:t>20</a:t>
+              <a:t>21</a:t>
             </a:fld>
             <a:endParaRPr lang="ja-JP" altLang="en-US"/>
           </a:p>
@@ -11472,7 +12993,7 @@
 </p:sld>
 </file>
 
-<file path=ppt/slides/slide21.xml><?xml version="1.0" encoding="utf-8"?>
+<file path=ppt/slides/slide22.xml><?xml version="1.0" encoding="utf-8"?>
 <p:sld xmlns:a="http://schemas.openxmlformats.org/drawingml/2006/main" xmlns:r="http://schemas.openxmlformats.org/officeDocument/2006/relationships" xmlns:p="http://schemas.openxmlformats.org/presentationml/2006/main">
   <p:cSld>
     <p:spTree>
@@ -11542,7 +13063,7 @@
             <a:pPr lvl="0"/>
             <a:fld id="{004900ED-2EFD-2142-93A1-1CBA90FDE07B}" type="slidenum">
               <a:rPr lang="en-US" altLang="ja-JP" smtClean="0"/>
-              <a:t>21</a:t>
+              <a:t>22</a:t>
             </a:fld>
             <a:endParaRPr lang="ja-JP" altLang="en-US"/>
           </a:p>
@@ -11751,7 +13272,7 @@
 </p:sld>
 </file>
 
-<file path=ppt/slides/slide22.xml><?xml version="1.0" encoding="utf-8"?>
+<file path=ppt/slides/slide23.xml><?xml version="1.0" encoding="utf-8"?>
 <p:sld xmlns:a="http://schemas.openxmlformats.org/drawingml/2006/main" xmlns:r="http://schemas.openxmlformats.org/officeDocument/2006/relationships" xmlns:p="http://schemas.openxmlformats.org/presentationml/2006/main">
   <p:cSld>
     <p:spTree>
@@ -11838,7 +13359,7 @@
             <a:pPr lvl="0"/>
             <a:fld id="{004900ED-2EFD-2142-93A1-1CBA90FDE07B}" type="slidenum">
               <a:rPr lang="en-US" altLang="ja-JP" smtClean="0"/>
-              <a:t>22</a:t>
+              <a:t>23</a:t>
             </a:fld>
             <a:endParaRPr lang="ja-JP" altLang="en-US"/>
           </a:p>
@@ -12371,7 +13892,7 @@
           <p:nvPr>
             <p:extLst>
               <p:ext uri="{D42A27DB-BD31-4B8C-83A1-F6EECF244321}">
-                <p14:modId xmlns:p14="http://schemas.microsoft.com/office/powerpoint/2010/main" val="3088430726"/>
+                <p14:modId xmlns:p14="http://schemas.microsoft.com/office/powerpoint/2010/main" val="2356208554"/>
               </p:ext>
             </p:extLst>
           </p:nvPr>
@@ -12525,7 +14046,7 @@
                             <a:schemeClr val="bg1"/>
                           </a:solidFill>
                         </a:rPr>
-                        <a:t>1</a:t>
+                        <a:t>5</a:t>
                       </a:r>
                       <a:r>
                         <a:rPr kumimoji="1" lang="ja-JP" altLang="en-US" sz="2000" b="1">
@@ -12655,7 +14176,7 @@
                             <a:schemeClr val="bg1"/>
                           </a:solidFill>
                         </a:rPr>
-                        <a:t>2</a:t>
+                        <a:t>8</a:t>
                       </a:r>
                       <a:r>
                         <a:rPr kumimoji="1" lang="ja-JP" altLang="en-US" sz="2000" b="1">
@@ -12759,7 +14280,7 @@
                             <a:schemeClr val="bg1"/>
                           </a:solidFill>
                         </a:rPr>
-                        <a:t>10</a:t>
+                        <a:t>16</a:t>
                       </a:r>
                       <a:r>
                         <a:rPr kumimoji="1" lang="ja-JP" altLang="en-US" sz="2000" b="1">
@@ -12871,7 +14392,7 @@
             </a:r>
             <a:r>
               <a:rPr kumimoji="1" lang="en-US" altLang="ja-JP" sz="2400" dirty="0"/>
-              <a:t> 1 </a:t>
+              <a:t> 5 </a:t>
             </a:r>
             <a:r>
               <a:rPr kumimoji="1" lang="ja-JP" altLang="en-US" sz="2400"/>
@@ -12893,7 +14414,7 @@
 </p:sld>
 </file>
 
-<file path=ppt/slides/slide23.xml><?xml version="1.0" encoding="utf-8"?>
+<file path=ppt/slides/slide24.xml><?xml version="1.0" encoding="utf-8"?>
 <p:sld xmlns:a="http://schemas.openxmlformats.org/drawingml/2006/main" xmlns:r="http://schemas.openxmlformats.org/officeDocument/2006/relationships" xmlns:p="http://schemas.openxmlformats.org/presentationml/2006/main">
   <p:cSld>
     <p:spTree>
@@ -12975,7 +14496,7 @@
             <a:pPr lvl="0"/>
             <a:fld id="{004900ED-2EFD-2142-93A1-1CBA90FDE07B}" type="slidenum">
               <a:rPr lang="en-US" altLang="ja-JP" smtClean="0"/>
-              <a:t>23</a:t>
+              <a:t>24</a:t>
             </a:fld>
             <a:endParaRPr lang="ja-JP" altLang="en-US"/>
           </a:p>
@@ -13084,8 +14605,8 @@
         </p:nvSpPr>
         <p:spPr>
           <a:xfrm>
-            <a:off x="1841637" y="3856409"/>
-            <a:ext cx="3877985" cy="461665"/>
+            <a:off x="1072195" y="3858448"/>
+            <a:ext cx="5416868" cy="461665"/>
           </a:xfrm>
           <a:prstGeom prst="rect">
             <a:avLst/>
@@ -13100,7 +14621,7 @@
           <a:p>
             <a:r>
               <a:rPr kumimoji="1" lang="ja-JP" altLang="en-US" sz="2400"/>
-              <a:t>将来的な性能の予測が容易</a:t>
+              <a:t>個体本来の性能をより適切に評価可能</a:t>
             </a:r>
           </a:p>
         </p:txBody>
@@ -13118,7 +14639,7 @@
 </p:sld>
 </file>
 
-<file path=ppt/slides/slide24.xml><?xml version="1.0" encoding="utf-8"?>
+<file path=ppt/slides/slide25.xml><?xml version="1.0" encoding="utf-8"?>
 <p:sld xmlns:a="http://schemas.openxmlformats.org/drawingml/2006/main" xmlns:r="http://schemas.openxmlformats.org/officeDocument/2006/relationships" xmlns:p="http://schemas.openxmlformats.org/presentationml/2006/main">
   <p:cSld>
     <p:spTree>
@@ -13205,7 +14726,7 @@
             <a:pPr lvl="0"/>
             <a:fld id="{004900ED-2EFD-2142-93A1-1CBA90FDE07B}" type="slidenum">
               <a:rPr lang="en-US" altLang="ja-JP" smtClean="0"/>
-              <a:t>24</a:t>
+              <a:t>25</a:t>
             </a:fld>
             <a:endParaRPr lang="ja-JP" altLang="en-US"/>
           </a:p>
@@ -13893,7 +15414,7 @@
 </p:sld>
 </file>
 
-<file path=ppt/slides/slide25.xml><?xml version="1.0" encoding="utf-8"?>
+<file path=ppt/slides/slide26.xml><?xml version="1.0" encoding="utf-8"?>
 <p:sld xmlns:a="http://schemas.openxmlformats.org/drawingml/2006/main" xmlns:r="http://schemas.openxmlformats.org/officeDocument/2006/relationships" xmlns:p="http://schemas.openxmlformats.org/presentationml/2006/main">
   <p:cSld>
     <p:spTree>
@@ -13975,7 +15496,7 @@
             <a:pPr lvl="0"/>
             <a:fld id="{004900ED-2EFD-2142-93A1-1CBA90FDE07B}" type="slidenum">
               <a:rPr lang="en-US" altLang="ja-JP" smtClean="0"/>
-              <a:t>25</a:t>
+              <a:t>26</a:t>
             </a:fld>
             <a:endParaRPr lang="ja-JP" altLang="en-US"/>
           </a:p>
@@ -14192,214 +15713,6 @@
 </p:sld>
 </file>
 
-<file path=ppt/slides/slide26.xml><?xml version="1.0" encoding="utf-8"?>
-<p:sld xmlns:a="http://schemas.openxmlformats.org/drawingml/2006/main" xmlns:r="http://schemas.openxmlformats.org/officeDocument/2006/relationships" xmlns:p="http://schemas.openxmlformats.org/presentationml/2006/main">
-  <p:cSld>
-    <p:spTree>
-      <p:nvGrpSpPr>
-        <p:cNvPr id="1" name=""/>
-        <p:cNvGrpSpPr/>
-        <p:nvPr/>
-      </p:nvGrpSpPr>
-      <p:grpSpPr>
-        <a:xfrm>
-          <a:off x="0" y="0"/>
-          <a:ext cx="0" cy="0"/>
-          <a:chOff x="0" y="0"/>
-          <a:chExt cx="0" cy="0"/>
-        </a:xfrm>
-      </p:grpSpPr>
-      <p:sp>
-        <p:nvSpPr>
-          <p:cNvPr id="2" name="タイトル 1">
-            <a:extLst>
-              <a:ext uri="{FF2B5EF4-FFF2-40B4-BE49-F238E27FC236}">
-                <a16:creationId xmlns:a16="http://schemas.microsoft.com/office/drawing/2014/main" id="{DA6841C3-0E6C-BFA1-5D04-4112F1117102}"/>
-              </a:ext>
-            </a:extLst>
-          </p:cNvPr>
-          <p:cNvSpPr>
-            <a:spLocks noGrp="1"/>
-          </p:cNvSpPr>
-          <p:nvPr>
-            <p:ph type="title"/>
-          </p:nvPr>
-        </p:nvSpPr>
-        <p:spPr/>
-        <p:txBody>
-          <a:bodyPr/>
-          <a:lstStyle/>
-          <a:p>
-            <a:r>
-              <a:rPr kumimoji="1" lang="ja-JP" altLang="en-US"/>
-              <a:t>目次</a:t>
-            </a:r>
-          </a:p>
-        </p:txBody>
-      </p:sp>
-      <p:sp>
-        <p:nvSpPr>
-          <p:cNvPr id="4" name="スライド番号プレースホルダー 3">
-            <a:extLst>
-              <a:ext uri="{FF2B5EF4-FFF2-40B4-BE49-F238E27FC236}">
-                <a16:creationId xmlns:a16="http://schemas.microsoft.com/office/drawing/2014/main" id="{20D20625-8135-BA1D-11A0-E3466265CE7C}"/>
-              </a:ext>
-            </a:extLst>
-          </p:cNvPr>
-          <p:cNvSpPr>
-            <a:spLocks noGrp="1"/>
-          </p:cNvSpPr>
-          <p:nvPr>
-            <p:ph type="sldNum" sz="quarter" idx="12"/>
-          </p:nvPr>
-        </p:nvSpPr>
-        <p:spPr/>
-        <p:txBody>
-          <a:bodyPr/>
-          <a:lstStyle/>
-          <a:p>
-            <a:pPr lvl="0"/>
-            <a:fld id="{004900ED-2EFD-2142-93A1-1CBA90FDE07B}" type="slidenum">
-              <a:rPr lang="en-US" altLang="ja-JP" smtClean="0"/>
-              <a:t>26</a:t>
-            </a:fld>
-            <a:endParaRPr lang="ja-JP" altLang="en-US"/>
-          </a:p>
-        </p:txBody>
-      </p:sp>
-      <p:sp>
-        <p:nvSpPr>
-          <p:cNvPr id="3" name="テキスト ボックス 2">
-            <a:extLst>
-              <a:ext uri="{FF2B5EF4-FFF2-40B4-BE49-F238E27FC236}">
-                <a16:creationId xmlns:a16="http://schemas.microsoft.com/office/drawing/2014/main" id="{CFCE3529-0348-FAC9-4C81-ACEA9BA72623}"/>
-              </a:ext>
-            </a:extLst>
-          </p:cNvPr>
-          <p:cNvSpPr txBox="1"/>
-          <p:nvPr/>
-        </p:nvSpPr>
-        <p:spPr>
-          <a:xfrm>
-            <a:off x="519837" y="1411535"/>
-            <a:ext cx="3877985" cy="3425168"/>
-          </a:xfrm>
-          <a:prstGeom prst="rect">
-            <a:avLst/>
-          </a:prstGeom>
-          <a:noFill/>
-        </p:spPr>
-        <p:txBody>
-          <a:bodyPr wrap="none" rtlCol="0">
-            <a:spAutoFit/>
-          </a:bodyPr>
-          <a:lstStyle/>
-          <a:p>
-            <a:pPr marL="457200" indent="-457200">
-              <a:lnSpc>
-                <a:spcPct val="200000"/>
-              </a:lnSpc>
-              <a:buFont typeface="Wingdings" pitchFamily="2" charset="2"/>
-              <a:buChar char="Ø"/>
-            </a:pPr>
-            <a:r>
-              <a:rPr lang="ja-JP" altLang="en-US" sz="2800">
-                <a:solidFill>
-                  <a:schemeClr val="bg2">
-                    <a:lumMod val="90000"/>
-                  </a:schemeClr>
-                </a:solidFill>
-              </a:rPr>
-              <a:t>はじめに</a:t>
-            </a:r>
-            <a:endParaRPr lang="en-US" altLang="ja-JP" sz="2800" dirty="0">
-              <a:solidFill>
-                <a:schemeClr val="bg2">
-                  <a:lumMod val="90000"/>
-                </a:schemeClr>
-              </a:solidFill>
-            </a:endParaRPr>
-          </a:p>
-          <a:p>
-            <a:pPr marL="457200" indent="-457200">
-              <a:lnSpc>
-                <a:spcPct val="200000"/>
-              </a:lnSpc>
-              <a:buFont typeface="Wingdings" pitchFamily="2" charset="2"/>
-              <a:buChar char="Ø"/>
-            </a:pPr>
-            <a:r>
-              <a:rPr lang="ja-JP" altLang="en-US" sz="2800">
-                <a:solidFill>
-                  <a:schemeClr val="bg2">
-                    <a:lumMod val="90000"/>
-                  </a:schemeClr>
-                </a:solidFill>
-              </a:rPr>
-              <a:t>要素技術</a:t>
-            </a:r>
-            <a:endParaRPr lang="en-US" altLang="ja-JP" sz="2800" dirty="0">
-              <a:solidFill>
-                <a:schemeClr val="bg2">
-                  <a:lumMod val="90000"/>
-                </a:schemeClr>
-              </a:solidFill>
-            </a:endParaRPr>
-          </a:p>
-          <a:p>
-            <a:pPr marL="457200" indent="-457200">
-              <a:lnSpc>
-                <a:spcPct val="200000"/>
-              </a:lnSpc>
-              <a:buFont typeface="Wingdings" pitchFamily="2" charset="2"/>
-              <a:buChar char="Ø"/>
-            </a:pPr>
-            <a:r>
-              <a:rPr lang="ja-JP" altLang="en-US" sz="2800">
-                <a:solidFill>
-                  <a:schemeClr val="bg2">
-                    <a:lumMod val="90000"/>
-                  </a:schemeClr>
-                </a:solidFill>
-              </a:rPr>
-              <a:t>実験</a:t>
-            </a:r>
-            <a:endParaRPr lang="en-US" altLang="ja-JP" sz="2800" dirty="0">
-              <a:solidFill>
-                <a:schemeClr val="bg2">
-                  <a:lumMod val="90000"/>
-                </a:schemeClr>
-              </a:solidFill>
-            </a:endParaRPr>
-          </a:p>
-          <a:p>
-            <a:pPr marL="457200" indent="-457200">
-              <a:lnSpc>
-                <a:spcPct val="200000"/>
-              </a:lnSpc>
-              <a:buFont typeface="Wingdings" pitchFamily="2" charset="2"/>
-              <a:buChar char="Ø"/>
-            </a:pPr>
-            <a:r>
-              <a:rPr lang="ja-JP" altLang="en-US" sz="2800"/>
-              <a:t>まとめと今後の課題</a:t>
-            </a:r>
-          </a:p>
-        </p:txBody>
-      </p:sp>
-    </p:spTree>
-    <p:extLst>
-      <p:ext uri="{BB962C8B-B14F-4D97-AF65-F5344CB8AC3E}">
-        <p14:creationId xmlns:p14="http://schemas.microsoft.com/office/powerpoint/2010/main" val="3446675668"/>
-      </p:ext>
-    </p:extLst>
-  </p:cSld>
-  <p:clrMapOvr>
-    <a:masterClrMapping/>
-  </p:clrMapOvr>
-</p:sld>
-</file>
-
 <file path=ppt/slides/slide27.xml><?xml version="1.0" encoding="utf-8"?>
 <p:sld xmlns:a="http://schemas.openxmlformats.org/drawingml/2006/main" xmlns:r="http://schemas.openxmlformats.org/officeDocument/2006/relationships" xmlns:p="http://schemas.openxmlformats.org/presentationml/2006/main">
   <p:cSld>
@@ -14422,7 +15735,7 @@
           <p:cNvPr id="2" name="タイトル 1">
             <a:extLst>
               <a:ext uri="{FF2B5EF4-FFF2-40B4-BE49-F238E27FC236}">
-                <a16:creationId xmlns:a16="http://schemas.microsoft.com/office/drawing/2014/main" id="{92E1818A-6257-83DC-5978-0987833647E4}"/>
+                <a16:creationId xmlns:a16="http://schemas.microsoft.com/office/drawing/2014/main" id="{DA6841C3-0E6C-BFA1-5D04-4112F1117102}"/>
               </a:ext>
             </a:extLst>
           </p:cNvPr>
@@ -14440,17 +15753,17 @@
           <a:p>
             <a:r>
               <a:rPr kumimoji="1" lang="ja-JP" altLang="en-US"/>
-              <a:t>まとめ</a:t>
-            </a:r>
-          </a:p>
-        </p:txBody>
-      </p:sp>
-      <p:sp>
-        <p:nvSpPr>
-          <p:cNvPr id="3" name="スライド番号プレースホルダー 2">
-            <a:extLst>
-              <a:ext uri="{FF2B5EF4-FFF2-40B4-BE49-F238E27FC236}">
-                <a16:creationId xmlns:a16="http://schemas.microsoft.com/office/drawing/2014/main" id="{440990CF-96E4-95D0-8AE4-E8E0DDC45909}"/>
+              <a:t>目次</a:t>
+            </a:r>
+          </a:p>
+        </p:txBody>
+      </p:sp>
+      <p:sp>
+        <p:nvSpPr>
+          <p:cNvPr id="4" name="スライド番号プレースホルダー 3">
+            <a:extLst>
+              <a:ext uri="{FF2B5EF4-FFF2-40B4-BE49-F238E27FC236}">
+                <a16:creationId xmlns:a16="http://schemas.microsoft.com/office/drawing/2014/main" id="{20D20625-8135-BA1D-11A0-E3466265CE7C}"/>
               </a:ext>
             </a:extLst>
           </p:cNvPr>
@@ -14477,10 +15790,10 @@
       </p:sp>
       <p:sp>
         <p:nvSpPr>
-          <p:cNvPr id="4" name="テキスト ボックス 3">
-            <a:extLst>
-              <a:ext uri="{FF2B5EF4-FFF2-40B4-BE49-F238E27FC236}">
-                <a16:creationId xmlns:a16="http://schemas.microsoft.com/office/drawing/2014/main" id="{CB4DFCA2-9786-ED38-8FB0-8B2BBDFB673F}"/>
+          <p:cNvPr id="3" name="テキスト ボックス 2">
+            <a:extLst>
+              <a:ext uri="{FF2B5EF4-FFF2-40B4-BE49-F238E27FC236}">
+                <a16:creationId xmlns:a16="http://schemas.microsoft.com/office/drawing/2014/main" id="{CFCE3529-0348-FAC9-4C81-ACEA9BA72623}"/>
               </a:ext>
             </a:extLst>
           </p:cNvPr>
@@ -14489,8 +15802,8 @@
         </p:nvSpPr>
         <p:spPr>
           <a:xfrm>
-            <a:off x="791560" y="1490546"/>
-            <a:ext cx="6532558" cy="3046988"/>
+            <a:off x="519837" y="1411535"/>
+            <a:ext cx="3877985" cy="3425168"/>
           </a:xfrm>
           <a:prstGeom prst="rect">
             <a:avLst/>
@@ -14503,92 +15816,102 @@
           </a:bodyPr>
           <a:lstStyle/>
           <a:p>
-            <a:pPr marL="342900" indent="-342900">
+            <a:pPr marL="457200" indent="-457200">
+              <a:lnSpc>
+                <a:spcPct val="200000"/>
+              </a:lnSpc>
               <a:buFont typeface="Wingdings" pitchFamily="2" charset="2"/>
-              <a:buChar char="p"/>
+              <a:buChar char="Ø"/>
             </a:pPr>
             <a:r>
-              <a:rPr kumimoji="1" lang="ja-JP" altLang="en-US" sz="2400"/>
-              <a:t>本実験で確認できたこと</a:t>
-            </a:r>
-            <a:endParaRPr kumimoji="1" lang="en-US" altLang="ja-JP" sz="2400" dirty="0"/>
-          </a:p>
-          <a:p>
-            <a:pPr marL="285750" indent="-285750">
+              <a:rPr lang="ja-JP" altLang="en-US" sz="2800">
+                <a:solidFill>
+                  <a:schemeClr val="bg2">
+                    <a:lumMod val="90000"/>
+                  </a:schemeClr>
+                </a:solidFill>
+              </a:rPr>
+              <a:t>はじめに</a:t>
+            </a:r>
+            <a:endParaRPr lang="en-US" altLang="ja-JP" sz="2800" dirty="0">
+              <a:solidFill>
+                <a:schemeClr val="bg2">
+                  <a:lumMod val="90000"/>
+                </a:schemeClr>
+              </a:solidFill>
+            </a:endParaRPr>
+          </a:p>
+          <a:p>
+            <a:pPr marL="457200" indent="-457200">
+              <a:lnSpc>
+                <a:spcPct val="200000"/>
+              </a:lnSpc>
               <a:buFont typeface="Wingdings" pitchFamily="2" charset="2"/>
-              <a:buChar char="p"/>
+              <a:buChar char="Ø"/>
             </a:pPr>
-            <a:endParaRPr kumimoji="1" lang="en-US" altLang="ja-JP" sz="2400" dirty="0"/>
-          </a:p>
-          <a:p>
-            <a:pPr marL="800100" lvl="1" indent="-342900">
+            <a:r>
+              <a:rPr lang="ja-JP" altLang="en-US" sz="2800">
+                <a:solidFill>
+                  <a:schemeClr val="bg2">
+                    <a:lumMod val="90000"/>
+                  </a:schemeClr>
+                </a:solidFill>
+              </a:rPr>
+              <a:t>要素技術</a:t>
+            </a:r>
+            <a:endParaRPr lang="en-US" altLang="ja-JP" sz="2800" dirty="0">
+              <a:solidFill>
+                <a:schemeClr val="bg2">
+                  <a:lumMod val="90000"/>
+                </a:schemeClr>
+              </a:solidFill>
+            </a:endParaRPr>
+          </a:p>
+          <a:p>
+            <a:pPr marL="457200" indent="-457200">
+              <a:lnSpc>
+                <a:spcPct val="200000"/>
+              </a:lnSpc>
               <a:buFont typeface="Wingdings" pitchFamily="2" charset="2"/>
-              <a:buChar char="p"/>
+              <a:buChar char="Ø"/>
             </a:pPr>
             <a:r>
-              <a:rPr lang="en-US" altLang="ja-JP" sz="2400" dirty="0"/>
-              <a:t>1 </a:t>
-            </a:r>
-            <a:r>
-              <a:rPr lang="ja-JP" altLang="en-US" sz="2400"/>
-              <a:t>エポックよりも，適応度評価に</a:t>
-            </a:r>
-            <a:br>
-              <a:rPr lang="en-US" altLang="ja-JP" sz="2400" dirty="0"/>
-            </a:br>
-            <a:r>
-              <a:rPr lang="ja-JP" altLang="en-US" sz="2400"/>
-              <a:t>最適なエポック数がある</a:t>
-            </a:r>
-            <a:endParaRPr lang="en-US" altLang="ja-JP" sz="2400" dirty="0"/>
-          </a:p>
-          <a:p>
-            <a:pPr marL="742950" lvl="1" indent="-285750">
+              <a:rPr lang="ja-JP" altLang="en-US" sz="2800">
+                <a:solidFill>
+                  <a:schemeClr val="bg2">
+                    <a:lumMod val="90000"/>
+                  </a:schemeClr>
+                </a:solidFill>
+              </a:rPr>
+              <a:t>実験</a:t>
+            </a:r>
+            <a:endParaRPr lang="en-US" altLang="ja-JP" sz="2800" dirty="0">
+              <a:solidFill>
+                <a:schemeClr val="bg2">
+                  <a:lumMod val="90000"/>
+                </a:schemeClr>
+              </a:solidFill>
+            </a:endParaRPr>
+          </a:p>
+          <a:p>
+            <a:pPr marL="457200" indent="-457200">
+              <a:lnSpc>
+                <a:spcPct val="200000"/>
+              </a:lnSpc>
               <a:buFont typeface="Wingdings" pitchFamily="2" charset="2"/>
-              <a:buChar char="p"/>
+              <a:buChar char="Ø"/>
             </a:pPr>
-            <a:endParaRPr lang="en-US" altLang="ja-JP" sz="2400" dirty="0"/>
-          </a:p>
-          <a:p>
-            <a:pPr marL="800100" lvl="1" indent="-342900">
-              <a:buFont typeface="Wingdings" pitchFamily="2" charset="2"/>
-              <a:buChar char="p"/>
-            </a:pPr>
-            <a:r>
-              <a:rPr lang="ja-JP" altLang="en-US" sz="2400" b="0" i="0">
-                <a:effectLst/>
-                <a:latin typeface="Courier New" panose="02070309020205020404" pitchFamily="49" charset="0"/>
-              </a:rPr>
-              <a:t>探索終盤に適応度評価エポック数</a:t>
-            </a:r>
-            <a:br>
-              <a:rPr lang="en-US" altLang="ja-JP" sz="2400" b="0" i="0" dirty="0">
-                <a:effectLst/>
-                <a:latin typeface="Courier New" panose="02070309020205020404" pitchFamily="49" charset="0"/>
-              </a:rPr>
-            </a:br>
-            <a:r>
-              <a:rPr lang="ja-JP" altLang="en-US" sz="2400" b="0" i="0">
-                <a:effectLst/>
-                <a:latin typeface="Courier New" panose="02070309020205020404" pitchFamily="49" charset="0"/>
-              </a:rPr>
-              <a:t>を増やす方が，より良い個体が得られる</a:t>
-            </a:r>
-            <a:endParaRPr lang="en-US" altLang="ja-JP" sz="2400" dirty="0"/>
-          </a:p>
-          <a:p>
-            <a:pPr marL="742950" lvl="1" indent="-285750">
-              <a:buFont typeface="Wingdings" pitchFamily="2" charset="2"/>
-              <a:buChar char="p"/>
-            </a:pPr>
-            <a:endParaRPr lang="en-US" altLang="ja-JP" sz="2400" dirty="0"/>
+            <a:r>
+              <a:rPr lang="ja-JP" altLang="en-US" sz="2800"/>
+              <a:t>まとめと今後の課題</a:t>
+            </a:r>
           </a:p>
         </p:txBody>
       </p:sp>
     </p:spTree>
     <p:extLst>
       <p:ext uri="{BB962C8B-B14F-4D97-AF65-F5344CB8AC3E}">
-        <p14:creationId xmlns:p14="http://schemas.microsoft.com/office/powerpoint/2010/main" val="606463391"/>
+        <p14:creationId xmlns:p14="http://schemas.microsoft.com/office/powerpoint/2010/main" val="3446675668"/>
       </p:ext>
     </p:extLst>
   </p:cSld>
@@ -14620,7 +15943,7 @@
           <p:cNvPr id="2" name="タイトル 1">
             <a:extLst>
               <a:ext uri="{FF2B5EF4-FFF2-40B4-BE49-F238E27FC236}">
-                <a16:creationId xmlns:a16="http://schemas.microsoft.com/office/drawing/2014/main" id="{F73A681B-9F7A-FD3A-C0DB-D668DC6CB442}"/>
+                <a16:creationId xmlns:a16="http://schemas.microsoft.com/office/drawing/2014/main" id="{92E1818A-6257-83DC-5978-0987833647E4}"/>
               </a:ext>
             </a:extLst>
           </p:cNvPr>
@@ -14638,7 +15961,7 @@
           <a:p>
             <a:r>
               <a:rPr kumimoji="1" lang="ja-JP" altLang="en-US"/>
-              <a:t>今後の課題</a:t>
+              <a:t>まとめ</a:t>
             </a:r>
           </a:p>
         </p:txBody>
@@ -14648,7 +15971,7 @@
           <p:cNvPr id="3" name="スライド番号プレースホルダー 2">
             <a:extLst>
               <a:ext uri="{FF2B5EF4-FFF2-40B4-BE49-F238E27FC236}">
-                <a16:creationId xmlns:a16="http://schemas.microsoft.com/office/drawing/2014/main" id="{B50A2E12-D87F-ACB4-3589-F66EE66E8E55}"/>
+                <a16:creationId xmlns:a16="http://schemas.microsoft.com/office/drawing/2014/main" id="{440990CF-96E4-95D0-8AE4-E8E0DDC45909}"/>
               </a:ext>
             </a:extLst>
           </p:cNvPr>
@@ -14678,7 +16001,7 @@
           <p:cNvPr id="4" name="テキスト ボックス 3">
             <a:extLst>
               <a:ext uri="{FF2B5EF4-FFF2-40B4-BE49-F238E27FC236}">
-                <a16:creationId xmlns:a16="http://schemas.microsoft.com/office/drawing/2014/main" id="{881C93FD-A020-C881-1531-CA4C08B40DAF}"/>
+                <a16:creationId xmlns:a16="http://schemas.microsoft.com/office/drawing/2014/main" id="{CB4DFCA2-9786-ED38-8FB0-8B2BBDFB673F}"/>
               </a:ext>
             </a:extLst>
           </p:cNvPr>
@@ -14687,8 +16010,8 @@
         </p:nvSpPr>
         <p:spPr>
           <a:xfrm>
-            <a:off x="519837" y="1865779"/>
-            <a:ext cx="6774611" cy="1938992"/>
+            <a:off x="791560" y="1490546"/>
+            <a:ext cx="6532558" cy="3046988"/>
           </a:xfrm>
           <a:prstGeom prst="rect">
             <a:avLst/>
@@ -14707,18 +16030,7 @@
             </a:pPr>
             <a:r>
               <a:rPr kumimoji="1" lang="ja-JP" altLang="en-US" sz="2400"/>
-              <a:t>試行回数を増やす</a:t>
-            </a:r>
-            <a:br>
-              <a:rPr kumimoji="1" lang="en-US" altLang="ja-JP" sz="2400" dirty="0"/>
-            </a:br>
-            <a:r>
-              <a:rPr kumimoji="1" lang="en-US" altLang="ja-JP" sz="2400" dirty="0"/>
-              <a:t>→ </a:t>
-            </a:r>
-            <a:r>
-              <a:rPr kumimoji="1" lang="ja-JP" altLang="en-US" sz="2400"/>
-              <a:t>適応度評価手法ごとの信頼区間を調査する</a:t>
+              <a:t>本実験で確認できたこと</a:t>
             </a:r>
             <a:endParaRPr kumimoji="1" lang="en-US" altLang="ja-JP" sz="2400" dirty="0"/>
           </a:p>
@@ -14727,39 +16039,77 @@
               <a:buFont typeface="Wingdings" pitchFamily="2" charset="2"/>
               <a:buChar char="p"/>
             </a:pPr>
-            <a:endParaRPr lang="en-US" altLang="ja-JP" sz="2400" dirty="0"/>
-          </a:p>
-          <a:p>
-            <a:pPr marL="342900" indent="-342900">
+            <a:endParaRPr kumimoji="1" lang="en-US" altLang="ja-JP" sz="2400" dirty="0"/>
+          </a:p>
+          <a:p>
+            <a:pPr marL="800100" lvl="1" indent="-342900">
               <a:buFont typeface="Wingdings" pitchFamily="2" charset="2"/>
               <a:buChar char="p"/>
             </a:pPr>
             <a:r>
-              <a:rPr kumimoji="1" lang="ja-JP" altLang="en-US" sz="2400"/>
-              <a:t>様々な条件下で実験するときの適応度評価</a:t>
+              <a:rPr lang="en-US" altLang="ja-JP" sz="2400" dirty="0"/>
+              <a:t>1 </a:t>
+            </a:r>
+            <a:r>
+              <a:rPr lang="ja-JP" altLang="en-US" sz="2400"/>
+              <a:t>エポックよりも，適応度評価に</a:t>
             </a:r>
             <a:br>
-              <a:rPr kumimoji="1" lang="en-US" altLang="ja-JP" sz="2400" dirty="0"/>
+              <a:rPr lang="en-US" altLang="ja-JP" sz="2400" dirty="0"/>
             </a:br>
             <a:r>
-              <a:rPr kumimoji="1" lang="ja-JP" altLang="en-US" sz="2400"/>
-              <a:t>エポック数最適化手法を</a:t>
-            </a:r>
-            <a:r>
               <a:rPr lang="ja-JP" altLang="en-US" sz="2400"/>
-              <a:t>提案</a:t>
-            </a:r>
-            <a:r>
-              <a:rPr kumimoji="1" lang="ja-JP" altLang="en-US" sz="2400"/>
-              <a:t>する</a:t>
-            </a:r>
+              <a:t>最適なエポック数がある</a:t>
+            </a:r>
+            <a:endParaRPr lang="en-US" altLang="ja-JP" sz="2400" dirty="0"/>
+          </a:p>
+          <a:p>
+            <a:pPr marL="742950" lvl="1" indent="-285750">
+              <a:buFont typeface="Wingdings" pitchFamily="2" charset="2"/>
+              <a:buChar char="p"/>
+            </a:pPr>
+            <a:endParaRPr lang="en-US" altLang="ja-JP" sz="2400" dirty="0"/>
+          </a:p>
+          <a:p>
+            <a:pPr marL="800100" lvl="1" indent="-342900">
+              <a:buFont typeface="Wingdings" pitchFamily="2" charset="2"/>
+              <a:buChar char="p"/>
+            </a:pPr>
+            <a:r>
+              <a:rPr lang="ja-JP" altLang="en-US" sz="2400" b="0" i="0">
+                <a:effectLst/>
+                <a:latin typeface="Courier New" panose="02070309020205020404" pitchFamily="49" charset="0"/>
+              </a:rPr>
+              <a:t>探索終盤に適応度評価エポック数</a:t>
+            </a:r>
+            <a:br>
+              <a:rPr lang="en-US" altLang="ja-JP" sz="2400" b="0" i="0" dirty="0">
+                <a:effectLst/>
+                <a:latin typeface="Courier New" panose="02070309020205020404" pitchFamily="49" charset="0"/>
+              </a:rPr>
+            </a:br>
+            <a:r>
+              <a:rPr lang="ja-JP" altLang="en-US" sz="2400" b="0" i="0">
+                <a:effectLst/>
+                <a:latin typeface="Courier New" panose="02070309020205020404" pitchFamily="49" charset="0"/>
+              </a:rPr>
+              <a:t>を増やす方が，より良い個体が得られる</a:t>
+            </a:r>
+            <a:endParaRPr lang="en-US" altLang="ja-JP" sz="2400" dirty="0"/>
+          </a:p>
+          <a:p>
+            <a:pPr marL="742950" lvl="1" indent="-285750">
+              <a:buFont typeface="Wingdings" pitchFamily="2" charset="2"/>
+              <a:buChar char="p"/>
+            </a:pPr>
+            <a:endParaRPr lang="en-US" altLang="ja-JP" sz="2400" dirty="0"/>
           </a:p>
         </p:txBody>
       </p:sp>
     </p:spTree>
     <p:extLst>
       <p:ext uri="{BB962C8B-B14F-4D97-AF65-F5344CB8AC3E}">
-        <p14:creationId xmlns:p14="http://schemas.microsoft.com/office/powerpoint/2010/main" val="2610326470"/>
+        <p14:creationId xmlns:p14="http://schemas.microsoft.com/office/powerpoint/2010/main" val="606463391"/>
       </p:ext>
     </p:extLst>
   </p:cSld>
@@ -14788,10 +16138,38 @@
       </p:grpSpPr>
       <p:sp>
         <p:nvSpPr>
+          <p:cNvPr id="2" name="タイトル 1">
+            <a:extLst>
+              <a:ext uri="{FF2B5EF4-FFF2-40B4-BE49-F238E27FC236}">
+                <a16:creationId xmlns:a16="http://schemas.microsoft.com/office/drawing/2014/main" id="{F73A681B-9F7A-FD3A-C0DB-D668DC6CB442}"/>
+              </a:ext>
+            </a:extLst>
+          </p:cNvPr>
+          <p:cNvSpPr>
+            <a:spLocks noGrp="1"/>
+          </p:cNvSpPr>
+          <p:nvPr>
+            <p:ph type="title"/>
+          </p:nvPr>
+        </p:nvSpPr>
+        <p:spPr/>
+        <p:txBody>
+          <a:bodyPr/>
+          <a:lstStyle/>
+          <a:p>
+            <a:r>
+              <a:rPr kumimoji="1" lang="ja-JP" altLang="en-US"/>
+              <a:t>今後の課題</a:t>
+            </a:r>
+          </a:p>
+        </p:txBody>
+      </p:sp>
+      <p:sp>
+        <p:nvSpPr>
           <p:cNvPr id="3" name="スライド番号プレースホルダー 2">
             <a:extLst>
               <a:ext uri="{FF2B5EF4-FFF2-40B4-BE49-F238E27FC236}">
-                <a16:creationId xmlns:a16="http://schemas.microsoft.com/office/drawing/2014/main" id="{3DEDCC95-054E-03CB-9EE2-75E4E4AEEE9B}"/>
+                <a16:creationId xmlns:a16="http://schemas.microsoft.com/office/drawing/2014/main" id="{B50A2E12-D87F-ACB4-3589-F66EE66E8E55}"/>
               </a:ext>
             </a:extLst>
           </p:cNvPr>
@@ -14818,10 +16196,10 @@
       </p:sp>
       <p:sp>
         <p:nvSpPr>
-          <p:cNvPr id="5" name="テキスト ボックス 4">
-            <a:extLst>
-              <a:ext uri="{FF2B5EF4-FFF2-40B4-BE49-F238E27FC236}">
-                <a16:creationId xmlns:a16="http://schemas.microsoft.com/office/drawing/2014/main" id="{0CDD7299-ADD9-7DB9-55A6-87610AF5A9EC}"/>
+          <p:cNvPr id="4" name="テキスト ボックス 3">
+            <a:extLst>
+              <a:ext uri="{FF2B5EF4-FFF2-40B4-BE49-F238E27FC236}">
+                <a16:creationId xmlns:a16="http://schemas.microsoft.com/office/drawing/2014/main" id="{881C93FD-A020-C881-1531-CA4C08B40DAF}"/>
               </a:ext>
             </a:extLst>
           </p:cNvPr>
@@ -14830,8 +16208,8 @@
         </p:nvSpPr>
         <p:spPr>
           <a:xfrm>
-            <a:off x="815717" y="2542887"/>
-            <a:ext cx="5929828" cy="584775"/>
+            <a:off x="519837" y="1865779"/>
+            <a:ext cx="6774611" cy="1938992"/>
           </a:xfrm>
           <a:prstGeom prst="rect">
             <a:avLst/>
@@ -14844,13 +16222,57 @@
           </a:bodyPr>
           <a:lstStyle/>
           <a:p>
-            <a:r>
-              <a:rPr lang="ja-JP" altLang="en-US" sz="3200"/>
-              <a:t>ご清聴</a:t>
-            </a:r>
-            <a:r>
-              <a:rPr kumimoji="1" lang="ja-JP" altLang="en-US" sz="3200"/>
-              <a:t>ありがとうございました</a:t>
+            <a:pPr marL="342900" indent="-342900">
+              <a:buFont typeface="Wingdings" pitchFamily="2" charset="2"/>
+              <a:buChar char="p"/>
+            </a:pPr>
+            <a:r>
+              <a:rPr kumimoji="1" lang="ja-JP" altLang="en-US" sz="2400"/>
+              <a:t>試行回数を増やす</a:t>
+            </a:r>
+            <a:br>
+              <a:rPr kumimoji="1" lang="en-US" altLang="ja-JP" sz="2400" dirty="0"/>
+            </a:br>
+            <a:r>
+              <a:rPr kumimoji="1" lang="en-US" altLang="ja-JP" sz="2400" dirty="0"/>
+              <a:t>→ </a:t>
+            </a:r>
+            <a:r>
+              <a:rPr kumimoji="1" lang="ja-JP" altLang="en-US" sz="2400"/>
+              <a:t>適応度評価手法ごとの信頼区間を調査する</a:t>
+            </a:r>
+            <a:endParaRPr kumimoji="1" lang="en-US" altLang="ja-JP" sz="2400" dirty="0"/>
+          </a:p>
+          <a:p>
+            <a:pPr marL="285750" indent="-285750">
+              <a:buFont typeface="Wingdings" pitchFamily="2" charset="2"/>
+              <a:buChar char="p"/>
+            </a:pPr>
+            <a:endParaRPr lang="en-US" altLang="ja-JP" sz="2400" dirty="0"/>
+          </a:p>
+          <a:p>
+            <a:pPr marL="342900" indent="-342900">
+              <a:buFont typeface="Wingdings" pitchFamily="2" charset="2"/>
+              <a:buChar char="p"/>
+            </a:pPr>
+            <a:r>
+              <a:rPr kumimoji="1" lang="ja-JP" altLang="en-US" sz="2400"/>
+              <a:t>様々な条件下で実験するときの適応度評価</a:t>
+            </a:r>
+            <a:br>
+              <a:rPr kumimoji="1" lang="en-US" altLang="ja-JP" sz="2400" dirty="0"/>
+            </a:br>
+            <a:r>
+              <a:rPr kumimoji="1" lang="ja-JP" altLang="en-US" sz="2400"/>
+              <a:t>エポック数最適化手法を</a:t>
+            </a:r>
+            <a:r>
+              <a:rPr lang="ja-JP" altLang="en-US" sz="2400"/>
+              <a:t>提案</a:t>
+            </a:r>
+            <a:r>
+              <a:rPr kumimoji="1" lang="ja-JP" altLang="en-US" sz="2400"/>
+              <a:t>する</a:t>
             </a:r>
           </a:p>
         </p:txBody>
@@ -14858,7 +16280,7 @@
     </p:spTree>
     <p:extLst>
       <p:ext uri="{BB962C8B-B14F-4D97-AF65-F5344CB8AC3E}">
-        <p14:creationId xmlns:p14="http://schemas.microsoft.com/office/powerpoint/2010/main" val="2033689313"/>
+        <p14:creationId xmlns:p14="http://schemas.microsoft.com/office/powerpoint/2010/main" val="2610326470"/>
       </p:ext>
     </p:extLst>
   </p:cSld>
@@ -15089,39 +16511,10 @@
       </p:grpSpPr>
       <p:sp>
         <p:nvSpPr>
-          <p:cNvPr id="2" name="タイトル 1">
-            <a:extLst>
-              <a:ext uri="{FF2B5EF4-FFF2-40B4-BE49-F238E27FC236}">
-                <a16:creationId xmlns:a16="http://schemas.microsoft.com/office/drawing/2014/main" id="{551A4D2F-E3BC-D469-EA93-548744271DA7}"/>
-              </a:ext>
-            </a:extLst>
-          </p:cNvPr>
-          <p:cNvSpPr>
-            <a:spLocks noGrp="1"/>
-          </p:cNvSpPr>
-          <p:nvPr>
-            <p:ph type="title"/>
-          </p:nvPr>
-        </p:nvSpPr>
-        <p:spPr/>
-        <p:txBody>
-          <a:bodyPr/>
-          <a:lstStyle/>
-          <a:p>
-            <a:r>
-              <a:rPr lang="ja-JP" altLang="en-US"/>
-              <a:t>畳み込みニューラルネットワーク</a:t>
-            </a:r>
-            <a:endParaRPr kumimoji="1" lang="ja-JP" altLang="en-US"/>
-          </a:p>
-        </p:txBody>
-      </p:sp>
-      <p:sp>
-        <p:nvSpPr>
-          <p:cNvPr id="5" name="スライド番号プレースホルダー 4">
-            <a:extLst>
-              <a:ext uri="{FF2B5EF4-FFF2-40B4-BE49-F238E27FC236}">
-                <a16:creationId xmlns:a16="http://schemas.microsoft.com/office/drawing/2014/main" id="{2D0400D8-CA31-3279-A200-2FD48F814A27}"/>
+          <p:cNvPr id="3" name="スライド番号プレースホルダー 2">
+            <a:extLst>
+              <a:ext uri="{FF2B5EF4-FFF2-40B4-BE49-F238E27FC236}">
+                <a16:creationId xmlns:a16="http://schemas.microsoft.com/office/drawing/2014/main" id="{3DEDCC95-054E-03CB-9EE2-75E4E4AEEE9B}"/>
               </a:ext>
             </a:extLst>
           </p:cNvPr>
@@ -15141,6 +16534,134 @@
             <a:fld id="{004900ED-2EFD-2142-93A1-1CBA90FDE07B}" type="slidenum">
               <a:rPr lang="en-US" altLang="ja-JP" smtClean="0"/>
               <a:t>30</a:t>
+            </a:fld>
+            <a:endParaRPr lang="ja-JP" altLang="en-US"/>
+          </a:p>
+        </p:txBody>
+      </p:sp>
+      <p:sp>
+        <p:nvSpPr>
+          <p:cNvPr id="5" name="テキスト ボックス 4">
+            <a:extLst>
+              <a:ext uri="{FF2B5EF4-FFF2-40B4-BE49-F238E27FC236}">
+                <a16:creationId xmlns:a16="http://schemas.microsoft.com/office/drawing/2014/main" id="{0CDD7299-ADD9-7DB9-55A6-87610AF5A9EC}"/>
+              </a:ext>
+            </a:extLst>
+          </p:cNvPr>
+          <p:cNvSpPr txBox="1"/>
+          <p:nvPr/>
+        </p:nvSpPr>
+        <p:spPr>
+          <a:xfrm>
+            <a:off x="815717" y="2542887"/>
+            <a:ext cx="5929828" cy="584775"/>
+          </a:xfrm>
+          <a:prstGeom prst="rect">
+            <a:avLst/>
+          </a:prstGeom>
+          <a:noFill/>
+        </p:spPr>
+        <p:txBody>
+          <a:bodyPr wrap="none" rtlCol="0">
+            <a:spAutoFit/>
+          </a:bodyPr>
+          <a:lstStyle/>
+          <a:p>
+            <a:r>
+              <a:rPr lang="ja-JP" altLang="en-US" sz="3200"/>
+              <a:t>ご清聴</a:t>
+            </a:r>
+            <a:r>
+              <a:rPr kumimoji="1" lang="ja-JP" altLang="en-US" sz="3200"/>
+              <a:t>ありがとうございました</a:t>
+            </a:r>
+          </a:p>
+        </p:txBody>
+      </p:sp>
+    </p:spTree>
+    <p:extLst>
+      <p:ext uri="{BB962C8B-B14F-4D97-AF65-F5344CB8AC3E}">
+        <p14:creationId xmlns:p14="http://schemas.microsoft.com/office/powerpoint/2010/main" val="2033689313"/>
+      </p:ext>
+    </p:extLst>
+  </p:cSld>
+  <p:clrMapOvr>
+    <a:masterClrMapping/>
+  </p:clrMapOvr>
+</p:sld>
+</file>
+
+<file path=ppt/slides/slide31.xml><?xml version="1.0" encoding="utf-8"?>
+<p:sld xmlns:a="http://schemas.openxmlformats.org/drawingml/2006/main" xmlns:r="http://schemas.openxmlformats.org/officeDocument/2006/relationships" xmlns:p="http://schemas.openxmlformats.org/presentationml/2006/main">
+  <p:cSld>
+    <p:spTree>
+      <p:nvGrpSpPr>
+        <p:cNvPr id="1" name=""/>
+        <p:cNvGrpSpPr/>
+        <p:nvPr/>
+      </p:nvGrpSpPr>
+      <p:grpSpPr>
+        <a:xfrm>
+          <a:off x="0" y="0"/>
+          <a:ext cx="0" cy="0"/>
+          <a:chOff x="0" y="0"/>
+          <a:chExt cx="0" cy="0"/>
+        </a:xfrm>
+      </p:grpSpPr>
+      <p:sp>
+        <p:nvSpPr>
+          <p:cNvPr id="2" name="タイトル 1">
+            <a:extLst>
+              <a:ext uri="{FF2B5EF4-FFF2-40B4-BE49-F238E27FC236}">
+                <a16:creationId xmlns:a16="http://schemas.microsoft.com/office/drawing/2014/main" id="{551A4D2F-E3BC-D469-EA93-548744271DA7}"/>
+              </a:ext>
+            </a:extLst>
+          </p:cNvPr>
+          <p:cNvSpPr>
+            <a:spLocks noGrp="1"/>
+          </p:cNvSpPr>
+          <p:nvPr>
+            <p:ph type="title"/>
+          </p:nvPr>
+        </p:nvSpPr>
+        <p:spPr/>
+        <p:txBody>
+          <a:bodyPr/>
+          <a:lstStyle/>
+          <a:p>
+            <a:r>
+              <a:rPr lang="ja-JP" altLang="en-US"/>
+              <a:t>畳み込みニューラルネットワーク</a:t>
+            </a:r>
+            <a:endParaRPr kumimoji="1" lang="ja-JP" altLang="en-US"/>
+          </a:p>
+        </p:txBody>
+      </p:sp>
+      <p:sp>
+        <p:nvSpPr>
+          <p:cNvPr id="5" name="スライド番号プレースホルダー 4">
+            <a:extLst>
+              <a:ext uri="{FF2B5EF4-FFF2-40B4-BE49-F238E27FC236}">
+                <a16:creationId xmlns:a16="http://schemas.microsoft.com/office/drawing/2014/main" id="{2D0400D8-CA31-3279-A200-2FD48F814A27}"/>
+              </a:ext>
+            </a:extLst>
+          </p:cNvPr>
+          <p:cNvSpPr>
+            <a:spLocks noGrp="1"/>
+          </p:cNvSpPr>
+          <p:nvPr>
+            <p:ph type="sldNum" sz="quarter" idx="12"/>
+          </p:nvPr>
+        </p:nvSpPr>
+        <p:spPr/>
+        <p:txBody>
+          <a:bodyPr/>
+          <a:lstStyle/>
+          <a:p>
+            <a:pPr lvl="0"/>
+            <a:fld id="{004900ED-2EFD-2142-93A1-1CBA90FDE07B}" type="slidenum">
+              <a:rPr lang="en-US" altLang="ja-JP" smtClean="0"/>
+              <a:t>31</a:t>
             </a:fld>
             <a:endParaRPr lang="ja-JP" altLang="en-US"/>
           </a:p>
@@ -15539,253 +17060,6 @@
 </p:sld>
 </file>
 
-<file path=ppt/slides/slide31.xml><?xml version="1.0" encoding="utf-8"?>
-<p:sld xmlns:a="http://schemas.openxmlformats.org/drawingml/2006/main" xmlns:r="http://schemas.openxmlformats.org/officeDocument/2006/relationships" xmlns:p="http://schemas.openxmlformats.org/presentationml/2006/main">
-  <p:cSld>
-    <p:spTree>
-      <p:nvGrpSpPr>
-        <p:cNvPr id="1" name=""/>
-        <p:cNvGrpSpPr/>
-        <p:nvPr/>
-      </p:nvGrpSpPr>
-      <p:grpSpPr>
-        <a:xfrm>
-          <a:off x="0" y="0"/>
-          <a:ext cx="0" cy="0"/>
-          <a:chOff x="0" y="0"/>
-          <a:chExt cx="0" cy="0"/>
-        </a:xfrm>
-      </p:grpSpPr>
-      <p:sp>
-        <p:nvSpPr>
-          <p:cNvPr id="2" name="タイトル 1">
-            <a:extLst>
-              <a:ext uri="{FF2B5EF4-FFF2-40B4-BE49-F238E27FC236}">
-                <a16:creationId xmlns:a16="http://schemas.microsoft.com/office/drawing/2014/main" id="{D159CF40-CD8C-21A6-0A3D-8CF370B562A6}"/>
-              </a:ext>
-            </a:extLst>
-          </p:cNvPr>
-          <p:cNvSpPr>
-            <a:spLocks noGrp="1"/>
-          </p:cNvSpPr>
-          <p:nvPr>
-            <p:ph type="title"/>
-          </p:nvPr>
-        </p:nvSpPr>
-        <p:spPr/>
-        <p:txBody>
-          <a:bodyPr/>
-          <a:lstStyle/>
-          <a:p>
-            <a:r>
-              <a:rPr kumimoji="1" lang="ja-JP" altLang="en-US"/>
-              <a:t>遺伝的アルゴリズム</a:t>
-            </a:r>
-          </a:p>
-        </p:txBody>
-      </p:sp>
-      <p:sp>
-        <p:nvSpPr>
-          <p:cNvPr id="3" name="スライド番号プレースホルダー 2">
-            <a:extLst>
-              <a:ext uri="{FF2B5EF4-FFF2-40B4-BE49-F238E27FC236}">
-                <a16:creationId xmlns:a16="http://schemas.microsoft.com/office/drawing/2014/main" id="{37968868-915E-15E5-AB4E-1366F32A281D}"/>
-              </a:ext>
-            </a:extLst>
-          </p:cNvPr>
-          <p:cNvSpPr>
-            <a:spLocks noGrp="1"/>
-          </p:cNvSpPr>
-          <p:nvPr>
-            <p:ph type="sldNum" sz="quarter" idx="12"/>
-          </p:nvPr>
-        </p:nvSpPr>
-        <p:spPr/>
-        <p:txBody>
-          <a:bodyPr/>
-          <a:lstStyle/>
-          <a:p>
-            <a:pPr lvl="0"/>
-            <a:fld id="{004900ED-2EFD-2142-93A1-1CBA90FDE07B}" type="slidenum">
-              <a:rPr lang="en-US" altLang="ja-JP" smtClean="0"/>
-              <a:t>31</a:t>
-            </a:fld>
-            <a:endParaRPr lang="ja-JP" altLang="en-US"/>
-          </a:p>
-        </p:txBody>
-      </p:sp>
-      <p:sp>
-        <p:nvSpPr>
-          <p:cNvPr id="4" name="テキスト ボックス 3">
-            <a:extLst>
-              <a:ext uri="{FF2B5EF4-FFF2-40B4-BE49-F238E27FC236}">
-                <a16:creationId xmlns:a16="http://schemas.microsoft.com/office/drawing/2014/main" id="{C90B63DA-86FE-BCFD-909B-51617E6B3CDE}"/>
-              </a:ext>
-            </a:extLst>
-          </p:cNvPr>
-          <p:cNvSpPr txBox="1"/>
-          <p:nvPr/>
-        </p:nvSpPr>
-        <p:spPr>
-          <a:xfrm>
-            <a:off x="83018" y="1565028"/>
-            <a:ext cx="6886822" cy="594522"/>
-          </a:xfrm>
-          <a:prstGeom prst="rect">
-            <a:avLst/>
-          </a:prstGeom>
-          <a:noFill/>
-        </p:spPr>
-        <p:txBody>
-          <a:bodyPr wrap="none" rtlCol="0">
-            <a:spAutoFit/>
-          </a:bodyPr>
-          <a:lstStyle/>
-          <a:p>
-            <a:pPr lvl="1">
-              <a:lnSpc>
-                <a:spcPct val="150000"/>
-              </a:lnSpc>
-            </a:pPr>
-            <a:r>
-              <a:rPr kumimoji="1" lang="ja-JP" altLang="en-US" sz="2400"/>
-              <a:t>遺伝的アルゴリズム</a:t>
-            </a:r>
-            <a:r>
-              <a:rPr kumimoji="1" lang="en-US" altLang="ja-JP" sz="2400" dirty="0"/>
-              <a:t> (Genetic Algorithm: GA)</a:t>
-            </a:r>
-          </a:p>
-        </p:txBody>
-      </p:sp>
-      <p:sp>
-        <p:nvSpPr>
-          <p:cNvPr id="5" name="テキスト ボックス 4">
-            <a:extLst>
-              <a:ext uri="{FF2B5EF4-FFF2-40B4-BE49-F238E27FC236}">
-                <a16:creationId xmlns:a16="http://schemas.microsoft.com/office/drawing/2014/main" id="{6552DF41-280F-EBD5-7E3B-875A243D0221}"/>
-              </a:ext>
-            </a:extLst>
-          </p:cNvPr>
-          <p:cNvSpPr txBox="1"/>
-          <p:nvPr/>
-        </p:nvSpPr>
-        <p:spPr>
-          <a:xfrm>
-            <a:off x="519837" y="2326629"/>
-            <a:ext cx="6994222" cy="2877711"/>
-          </a:xfrm>
-          <a:prstGeom prst="rect">
-            <a:avLst/>
-          </a:prstGeom>
-          <a:noFill/>
-        </p:spPr>
-        <p:txBody>
-          <a:bodyPr wrap="none" rtlCol="0">
-            <a:spAutoFit/>
-          </a:bodyPr>
-          <a:lstStyle/>
-          <a:p>
-            <a:pPr marL="342900" indent="-342900">
-              <a:lnSpc>
-                <a:spcPct val="150000"/>
-              </a:lnSpc>
-              <a:buFont typeface="Wingdings" pitchFamily="2" charset="2"/>
-              <a:buChar char="p"/>
-            </a:pPr>
-            <a:r>
-              <a:rPr kumimoji="1" lang="ja-JP" altLang="en-US" sz="2400"/>
-              <a:t>生物の進化からヒントを得た最適化手法</a:t>
-            </a:r>
-            <a:endParaRPr kumimoji="1" lang="en-US" altLang="ja-JP" sz="2400" dirty="0"/>
-          </a:p>
-          <a:p>
-            <a:pPr marL="285750" indent="-285750">
-              <a:lnSpc>
-                <a:spcPct val="150000"/>
-              </a:lnSpc>
-              <a:buFont typeface="Wingdings" pitchFamily="2" charset="2"/>
-              <a:buChar char="p"/>
-            </a:pPr>
-            <a:endParaRPr kumimoji="1" lang="en-US" altLang="ja-JP" sz="1400" dirty="0"/>
-          </a:p>
-          <a:p>
-            <a:pPr marL="342900" indent="-342900">
-              <a:buFont typeface="Wingdings" pitchFamily="2" charset="2"/>
-              <a:buChar char="p"/>
-            </a:pPr>
-            <a:r>
-              <a:rPr kumimoji="1" lang="ja-JP" altLang="en-US" sz="2400"/>
-              <a:t>解の遺伝子を表現する配列に</a:t>
-            </a:r>
-            <a:r>
-              <a:rPr lang="ja-JP" altLang="en-US" sz="2400"/>
-              <a:t>交叉，突然変異，</a:t>
-            </a:r>
-            <a:br>
-              <a:rPr lang="en-US" altLang="ja-JP" sz="2400" dirty="0"/>
-            </a:br>
-            <a:r>
-              <a:rPr lang="ja-JP" altLang="en-US" sz="2400"/>
-              <a:t>選択といった操作を繰り返し適用</a:t>
-            </a:r>
-            <a:endParaRPr lang="en-US" altLang="ja-JP" sz="2400" dirty="0"/>
-          </a:p>
-          <a:p>
-            <a:pPr marL="285750" indent="-285750">
-              <a:buFont typeface="Wingdings" pitchFamily="2" charset="2"/>
-              <a:buChar char="p"/>
-            </a:pPr>
-            <a:endParaRPr lang="en-US" altLang="ja-JP" sz="1400" dirty="0"/>
-          </a:p>
-          <a:p>
-            <a:pPr marL="342900" indent="-342900">
-              <a:buFont typeface="Wingdings" pitchFamily="2" charset="2"/>
-              <a:buChar char="p"/>
-            </a:pPr>
-            <a:r>
-              <a:rPr kumimoji="1" lang="ja-JP" altLang="en-US" sz="2400"/>
-              <a:t>各個体について適応度を計算し，</a:t>
-            </a:r>
-            <a:r>
-              <a:rPr lang="ja-JP" altLang="en-US" sz="2400"/>
-              <a:t>高いものを</a:t>
-            </a:r>
-            <a:br>
-              <a:rPr lang="en-US" altLang="ja-JP" sz="2400" dirty="0"/>
-            </a:br>
-            <a:r>
-              <a:rPr lang="ja-JP" altLang="en-US" sz="2400"/>
-              <a:t>次世代に残し，</a:t>
-            </a:r>
-            <a:r>
-              <a:rPr kumimoji="1" lang="ja-JP" altLang="en-US" sz="2400"/>
-              <a:t>低いものを淘汰</a:t>
-            </a:r>
-            <a:endParaRPr kumimoji="1" lang="en-US" altLang="ja-JP" sz="2400" dirty="0"/>
-          </a:p>
-          <a:p>
-            <a:pPr marL="285750" indent="-285750">
-              <a:buFont typeface="Wingdings" pitchFamily="2" charset="2"/>
-              <a:buChar char="p"/>
-            </a:pPr>
-            <a:endParaRPr lang="en-US" altLang="ja-JP" sz="1400" dirty="0"/>
-          </a:p>
-        </p:txBody>
-      </p:sp>
-    </p:spTree>
-    <p:extLst>
-      <p:ext uri="{BB962C8B-B14F-4D97-AF65-F5344CB8AC3E}">
-        <p14:creationId xmlns:p14="http://schemas.microsoft.com/office/powerpoint/2010/main" val="772153992"/>
-      </p:ext>
-    </p:extLst>
-  </p:cSld>
-  <p:clrMapOvr>
-    <a:masterClrMapping/>
-  </p:clrMapOvr>
-</p:sld>
-</file>
-
 <file path=ppt/slides/slide32.xml><?xml version="1.0" encoding="utf-8"?>
 <p:sld xmlns:a="http://schemas.openxmlformats.org/drawingml/2006/main" xmlns:r="http://schemas.openxmlformats.org/officeDocument/2006/relationships" xmlns:p="http://schemas.openxmlformats.org/presentationml/2006/main">
   <p:cSld>
@@ -15808,7 +17082,7 @@
           <p:cNvPr id="2" name="タイトル 1">
             <a:extLst>
               <a:ext uri="{FF2B5EF4-FFF2-40B4-BE49-F238E27FC236}">
-                <a16:creationId xmlns:a16="http://schemas.microsoft.com/office/drawing/2014/main" id="{C90BB530-5AC9-C1CB-F08E-50496361C5DB}"/>
+                <a16:creationId xmlns:a16="http://schemas.microsoft.com/office/drawing/2014/main" id="{D159CF40-CD8C-21A6-0A3D-8CF370B562A6}"/>
               </a:ext>
             </a:extLst>
           </p:cNvPr>
@@ -15825,26 +17099,9 @@
           <a:lstStyle/>
           <a:p>
             <a:r>
-              <a:rPr lang="en-US" altLang="ja-JP" dirty="0" err="1"/>
-              <a:t>t</a:t>
-            </a:r>
-            <a:r>
-              <a:rPr kumimoji="1" lang="en-US" altLang="ja-JP" dirty="0" err="1"/>
-              <a:t>dga</a:t>
-            </a:r>
-            <a:r>
-              <a:rPr lang="en-US" altLang="ja-JP" dirty="0" err="1"/>
-              <a:t>CNN</a:t>
-            </a:r>
-            <a:r>
-              <a:rPr lang="en-US" altLang="ja-JP" dirty="0"/>
-              <a:t> </a:t>
-            </a:r>
-            <a:r>
-              <a:rPr lang="ja-JP" altLang="en-US"/>
-              <a:t>の流れ</a:t>
-            </a:r>
-            <a:endParaRPr kumimoji="1" lang="ja-JP" altLang="en-US"/>
+              <a:rPr kumimoji="1" lang="ja-JP" altLang="en-US"/>
+              <a:t>遺伝的アルゴリズム</a:t>
+            </a:r>
           </a:p>
         </p:txBody>
       </p:sp>
@@ -15853,7 +17110,7 @@
           <p:cNvPr id="3" name="スライド番号プレースホルダー 2">
             <a:extLst>
               <a:ext uri="{FF2B5EF4-FFF2-40B4-BE49-F238E27FC236}">
-                <a16:creationId xmlns:a16="http://schemas.microsoft.com/office/drawing/2014/main" id="{D4B14B84-3C24-2D1B-3DC6-AC568B15C965}"/>
+                <a16:creationId xmlns:a16="http://schemas.microsoft.com/office/drawing/2014/main" id="{37968868-915E-15E5-AB4E-1366F32A281D}"/>
               </a:ext>
             </a:extLst>
           </p:cNvPr>
@@ -15883,7 +17140,7 @@
           <p:cNvPr id="4" name="テキスト ボックス 3">
             <a:extLst>
               <a:ext uri="{FF2B5EF4-FFF2-40B4-BE49-F238E27FC236}">
-                <a16:creationId xmlns:a16="http://schemas.microsoft.com/office/drawing/2014/main" id="{F597D62F-5B0E-F5A1-F4AB-B4D8182F2BB8}"/>
+                <a16:creationId xmlns:a16="http://schemas.microsoft.com/office/drawing/2014/main" id="{C90B63DA-86FE-BCFD-909B-51617E6B3CDE}"/>
               </a:ext>
             </a:extLst>
           </p:cNvPr>
@@ -15892,8 +17149,8 @@
         </p:nvSpPr>
         <p:spPr>
           <a:xfrm>
-            <a:off x="437408" y="1904850"/>
-            <a:ext cx="6857968" cy="2308324"/>
+            <a:off x="83018" y="1565028"/>
+            <a:ext cx="6886822" cy="594522"/>
           </a:xfrm>
           <a:prstGeom prst="rect">
             <a:avLst/>
@@ -15906,77 +17163,141 @@
           </a:bodyPr>
           <a:lstStyle/>
           <a:p>
+            <a:pPr lvl="1">
+              <a:lnSpc>
+                <a:spcPct val="150000"/>
+              </a:lnSpc>
+            </a:pPr>
+            <a:r>
+              <a:rPr kumimoji="1" lang="ja-JP" altLang="en-US" sz="2400"/>
+              <a:t>遺伝的アルゴリズム</a:t>
+            </a:r>
+            <a:r>
+              <a:rPr kumimoji="1" lang="en-US" altLang="ja-JP" sz="2400" dirty="0"/>
+              <a:t> (Genetic Algorithm: GA)</a:t>
+            </a:r>
+          </a:p>
+        </p:txBody>
+      </p:sp>
+      <p:sp>
+        <p:nvSpPr>
+          <p:cNvPr id="5" name="テキスト ボックス 4">
+            <a:extLst>
+              <a:ext uri="{FF2B5EF4-FFF2-40B4-BE49-F238E27FC236}">
+                <a16:creationId xmlns:a16="http://schemas.microsoft.com/office/drawing/2014/main" id="{6552DF41-280F-EBD5-7E3B-875A243D0221}"/>
+              </a:ext>
+            </a:extLst>
+          </p:cNvPr>
+          <p:cNvSpPr txBox="1"/>
+          <p:nvPr/>
+        </p:nvSpPr>
+        <p:spPr>
+          <a:xfrm>
+            <a:off x="519837" y="2326629"/>
+            <a:ext cx="6994222" cy="2877711"/>
+          </a:xfrm>
+          <a:prstGeom prst="rect">
+            <a:avLst/>
+          </a:prstGeom>
+          <a:noFill/>
+        </p:spPr>
+        <p:txBody>
+          <a:bodyPr wrap="none" rtlCol="0">
+            <a:spAutoFit/>
+          </a:bodyPr>
+          <a:lstStyle/>
+          <a:p>
             <a:pPr marL="342900" indent="-342900">
-              <a:buFont typeface="+mj-lt"/>
-              <a:buAutoNum type="arabicPeriod"/>
+              <a:lnSpc>
+                <a:spcPct val="150000"/>
+              </a:lnSpc>
+              <a:buFont typeface="Wingdings" pitchFamily="2" charset="2"/>
+              <a:buChar char="p"/>
             </a:pPr>
             <a:r>
               <a:rPr kumimoji="1" lang="ja-JP" altLang="en-US" sz="2400"/>
-              <a:t>初期母集団を生成</a:t>
+              <a:t>生物の進化からヒントを得た最適化手法</a:t>
             </a:r>
             <a:endParaRPr kumimoji="1" lang="en-US" altLang="ja-JP" sz="2400" dirty="0"/>
           </a:p>
           <a:p>
+            <a:pPr marL="285750" indent="-285750">
+              <a:lnSpc>
+                <a:spcPct val="150000"/>
+              </a:lnSpc>
+              <a:buFont typeface="Wingdings" pitchFamily="2" charset="2"/>
+              <a:buChar char="p"/>
+            </a:pPr>
+            <a:endParaRPr kumimoji="1" lang="en-US" altLang="ja-JP" sz="1400" dirty="0"/>
+          </a:p>
+          <a:p>
             <a:pPr marL="342900" indent="-342900">
-              <a:buFont typeface="+mj-lt"/>
-              <a:buAutoNum type="arabicPeriod"/>
+              <a:buFont typeface="Wingdings" pitchFamily="2" charset="2"/>
+              <a:buChar char="p"/>
             </a:pPr>
             <a:r>
+              <a:rPr kumimoji="1" lang="ja-JP" altLang="en-US" sz="2400"/>
+              <a:t>解の遺伝子を表現する配列に</a:t>
+            </a:r>
+            <a:r>
               <a:rPr lang="ja-JP" altLang="en-US" sz="2400"/>
-              <a:t>母集団の個体の適応度を評価</a:t>
+              <a:t>交叉，突然変異，</a:t>
+            </a:r>
+            <a:br>
+              <a:rPr lang="en-US" altLang="ja-JP" sz="2400" dirty="0"/>
+            </a:br>
+            <a:r>
+              <a:rPr lang="ja-JP" altLang="en-US" sz="2400"/>
+              <a:t>選択といった操作を繰り返し適用</a:t>
             </a:r>
             <a:endParaRPr lang="en-US" altLang="ja-JP" sz="2400" dirty="0"/>
           </a:p>
           <a:p>
+            <a:pPr marL="285750" indent="-285750">
+              <a:buFont typeface="Wingdings" pitchFamily="2" charset="2"/>
+              <a:buChar char="p"/>
+            </a:pPr>
+            <a:endParaRPr lang="en-US" altLang="ja-JP" sz="1400" dirty="0"/>
+          </a:p>
+          <a:p>
             <a:pPr marL="342900" indent="-342900">
-              <a:buFont typeface="+mj-lt"/>
-              <a:buAutoNum type="arabicPeriod"/>
+              <a:buFont typeface="Wingdings" pitchFamily="2" charset="2"/>
+              <a:buChar char="p"/>
             </a:pPr>
             <a:r>
               <a:rPr kumimoji="1" lang="ja-JP" altLang="en-US" sz="2400"/>
-              <a:t>選択，交叉，突然変異による次世代の母集団</a:t>
+              <a:t>各個体について適応度を計算し，</a:t>
+            </a:r>
+            <a:r>
+              <a:rPr lang="ja-JP" altLang="en-US" sz="2400"/>
+              <a:t>高いものを</a:t>
             </a:r>
             <a:br>
-              <a:rPr kumimoji="1" lang="en-US" altLang="ja-JP" sz="2400" dirty="0"/>
+              <a:rPr lang="en-US" altLang="ja-JP" sz="2400" dirty="0"/>
             </a:br>
             <a:r>
+              <a:rPr lang="ja-JP" altLang="en-US" sz="2400"/>
+              <a:t>次世代に残し，</a:t>
+            </a:r>
+            <a:r>
               <a:rPr kumimoji="1" lang="ja-JP" altLang="en-US" sz="2400"/>
-              <a:t>の生成</a:t>
+              <a:t>低いものを淘汰</a:t>
             </a:r>
             <a:endParaRPr kumimoji="1" lang="en-US" altLang="ja-JP" sz="2400" dirty="0"/>
           </a:p>
           <a:p>
-            <a:pPr marL="342900" indent="-342900">
-              <a:buFont typeface="+mj-lt"/>
-              <a:buAutoNum type="arabicPeriod"/>
+            <a:pPr marL="285750" indent="-285750">
+              <a:buFont typeface="Wingdings" pitchFamily="2" charset="2"/>
+              <a:buChar char="p"/>
             </a:pPr>
-            <a:r>
-              <a:rPr lang="en-US" altLang="ja-JP" sz="2400" dirty="0"/>
-              <a:t>2 ~ 3 </a:t>
-            </a:r>
-            <a:r>
-              <a:rPr lang="ja-JP" altLang="en-US" sz="2400"/>
-              <a:t>を世代回数だけ反復</a:t>
-            </a:r>
-            <a:endParaRPr lang="en-US" altLang="ja-JP" sz="2400" dirty="0"/>
-          </a:p>
-          <a:p>
-            <a:pPr marL="342900" indent="-342900">
-              <a:buFont typeface="+mj-lt"/>
-              <a:buAutoNum type="arabicPeriod"/>
-            </a:pPr>
-            <a:r>
-              <a:rPr kumimoji="1" lang="ja-JP" altLang="en-US" sz="2400"/>
-              <a:t>最終世代で最も適応度が高い個体を本学習</a:t>
-            </a:r>
-            <a:endParaRPr kumimoji="1" lang="en-US" altLang="ja-JP" sz="2400" dirty="0"/>
+            <a:endParaRPr lang="en-US" altLang="ja-JP" sz="1400" dirty="0"/>
           </a:p>
         </p:txBody>
       </p:sp>
     </p:spTree>
     <p:extLst>
       <p:ext uri="{BB962C8B-B14F-4D97-AF65-F5344CB8AC3E}">
-        <p14:creationId xmlns:p14="http://schemas.microsoft.com/office/powerpoint/2010/main" val="3426627500"/>
+        <p14:creationId xmlns:p14="http://schemas.microsoft.com/office/powerpoint/2010/main" val="772153992"/>
       </p:ext>
     </p:extLst>
   </p:cSld>
@@ -16008,6 +17329,206 @@
           <p:cNvPr id="2" name="タイトル 1">
             <a:extLst>
               <a:ext uri="{FF2B5EF4-FFF2-40B4-BE49-F238E27FC236}">
+                <a16:creationId xmlns:a16="http://schemas.microsoft.com/office/drawing/2014/main" id="{C90BB530-5AC9-C1CB-F08E-50496361C5DB}"/>
+              </a:ext>
+            </a:extLst>
+          </p:cNvPr>
+          <p:cNvSpPr>
+            <a:spLocks noGrp="1"/>
+          </p:cNvSpPr>
+          <p:nvPr>
+            <p:ph type="title"/>
+          </p:nvPr>
+        </p:nvSpPr>
+        <p:spPr/>
+        <p:txBody>
+          <a:bodyPr/>
+          <a:lstStyle/>
+          <a:p>
+            <a:r>
+              <a:rPr lang="en-US" altLang="ja-JP" dirty="0" err="1"/>
+              <a:t>t</a:t>
+            </a:r>
+            <a:r>
+              <a:rPr kumimoji="1" lang="en-US" altLang="ja-JP" dirty="0" err="1"/>
+              <a:t>dga</a:t>
+            </a:r>
+            <a:r>
+              <a:rPr lang="en-US" altLang="ja-JP" dirty="0" err="1"/>
+              <a:t>CNN</a:t>
+            </a:r>
+            <a:r>
+              <a:rPr lang="en-US" altLang="ja-JP" dirty="0"/>
+              <a:t> </a:t>
+            </a:r>
+            <a:r>
+              <a:rPr lang="ja-JP" altLang="en-US"/>
+              <a:t>の流れ</a:t>
+            </a:r>
+            <a:endParaRPr kumimoji="1" lang="ja-JP" altLang="en-US"/>
+          </a:p>
+        </p:txBody>
+      </p:sp>
+      <p:sp>
+        <p:nvSpPr>
+          <p:cNvPr id="3" name="スライド番号プレースホルダー 2">
+            <a:extLst>
+              <a:ext uri="{FF2B5EF4-FFF2-40B4-BE49-F238E27FC236}">
+                <a16:creationId xmlns:a16="http://schemas.microsoft.com/office/drawing/2014/main" id="{D4B14B84-3C24-2D1B-3DC6-AC568B15C965}"/>
+              </a:ext>
+            </a:extLst>
+          </p:cNvPr>
+          <p:cNvSpPr>
+            <a:spLocks noGrp="1"/>
+          </p:cNvSpPr>
+          <p:nvPr>
+            <p:ph type="sldNum" sz="quarter" idx="12"/>
+          </p:nvPr>
+        </p:nvSpPr>
+        <p:spPr/>
+        <p:txBody>
+          <a:bodyPr/>
+          <a:lstStyle/>
+          <a:p>
+            <a:pPr lvl="0"/>
+            <a:fld id="{004900ED-2EFD-2142-93A1-1CBA90FDE07B}" type="slidenum">
+              <a:rPr lang="en-US" altLang="ja-JP" smtClean="0"/>
+              <a:t>33</a:t>
+            </a:fld>
+            <a:endParaRPr lang="ja-JP" altLang="en-US"/>
+          </a:p>
+        </p:txBody>
+      </p:sp>
+      <p:sp>
+        <p:nvSpPr>
+          <p:cNvPr id="4" name="テキスト ボックス 3">
+            <a:extLst>
+              <a:ext uri="{FF2B5EF4-FFF2-40B4-BE49-F238E27FC236}">
+                <a16:creationId xmlns:a16="http://schemas.microsoft.com/office/drawing/2014/main" id="{F597D62F-5B0E-F5A1-F4AB-B4D8182F2BB8}"/>
+              </a:ext>
+            </a:extLst>
+          </p:cNvPr>
+          <p:cNvSpPr txBox="1"/>
+          <p:nvPr/>
+        </p:nvSpPr>
+        <p:spPr>
+          <a:xfrm>
+            <a:off x="437408" y="1904850"/>
+            <a:ext cx="6857968" cy="2308324"/>
+          </a:xfrm>
+          <a:prstGeom prst="rect">
+            <a:avLst/>
+          </a:prstGeom>
+          <a:noFill/>
+        </p:spPr>
+        <p:txBody>
+          <a:bodyPr wrap="none" rtlCol="0">
+            <a:spAutoFit/>
+          </a:bodyPr>
+          <a:lstStyle/>
+          <a:p>
+            <a:pPr marL="342900" indent="-342900">
+              <a:buFont typeface="+mj-lt"/>
+              <a:buAutoNum type="arabicPeriod"/>
+            </a:pPr>
+            <a:r>
+              <a:rPr kumimoji="1" lang="ja-JP" altLang="en-US" sz="2400"/>
+              <a:t>初期母集団を生成</a:t>
+            </a:r>
+            <a:endParaRPr kumimoji="1" lang="en-US" altLang="ja-JP" sz="2400" dirty="0"/>
+          </a:p>
+          <a:p>
+            <a:pPr marL="342900" indent="-342900">
+              <a:buFont typeface="+mj-lt"/>
+              <a:buAutoNum type="arabicPeriod"/>
+            </a:pPr>
+            <a:r>
+              <a:rPr lang="ja-JP" altLang="en-US" sz="2400"/>
+              <a:t>母集団の個体の適応度を評価</a:t>
+            </a:r>
+            <a:endParaRPr lang="en-US" altLang="ja-JP" sz="2400" dirty="0"/>
+          </a:p>
+          <a:p>
+            <a:pPr marL="342900" indent="-342900">
+              <a:buFont typeface="+mj-lt"/>
+              <a:buAutoNum type="arabicPeriod"/>
+            </a:pPr>
+            <a:r>
+              <a:rPr kumimoji="1" lang="ja-JP" altLang="en-US" sz="2400"/>
+              <a:t>選択，交叉，突然変異による次世代の母集団</a:t>
+            </a:r>
+            <a:br>
+              <a:rPr kumimoji="1" lang="en-US" altLang="ja-JP" sz="2400" dirty="0"/>
+            </a:br>
+            <a:r>
+              <a:rPr kumimoji="1" lang="ja-JP" altLang="en-US" sz="2400"/>
+              <a:t>の生成</a:t>
+            </a:r>
+            <a:endParaRPr kumimoji="1" lang="en-US" altLang="ja-JP" sz="2400" dirty="0"/>
+          </a:p>
+          <a:p>
+            <a:pPr marL="342900" indent="-342900">
+              <a:buFont typeface="+mj-lt"/>
+              <a:buAutoNum type="arabicPeriod"/>
+            </a:pPr>
+            <a:r>
+              <a:rPr lang="en-US" altLang="ja-JP" sz="2400" dirty="0"/>
+              <a:t>2 ~ 3 </a:t>
+            </a:r>
+            <a:r>
+              <a:rPr lang="ja-JP" altLang="en-US" sz="2400"/>
+              <a:t>を世代回数だけ反復</a:t>
+            </a:r>
+            <a:endParaRPr lang="en-US" altLang="ja-JP" sz="2400" dirty="0"/>
+          </a:p>
+          <a:p>
+            <a:pPr marL="342900" indent="-342900">
+              <a:buFont typeface="+mj-lt"/>
+              <a:buAutoNum type="arabicPeriod"/>
+            </a:pPr>
+            <a:r>
+              <a:rPr kumimoji="1" lang="ja-JP" altLang="en-US" sz="2400"/>
+              <a:t>最終世代で最も適応度が高い個体を本学習</a:t>
+            </a:r>
+            <a:endParaRPr kumimoji="1" lang="en-US" altLang="ja-JP" sz="2400" dirty="0"/>
+          </a:p>
+        </p:txBody>
+      </p:sp>
+    </p:spTree>
+    <p:extLst>
+      <p:ext uri="{BB962C8B-B14F-4D97-AF65-F5344CB8AC3E}">
+        <p14:creationId xmlns:p14="http://schemas.microsoft.com/office/powerpoint/2010/main" val="3426627500"/>
+      </p:ext>
+    </p:extLst>
+  </p:cSld>
+  <p:clrMapOvr>
+    <a:masterClrMapping/>
+  </p:clrMapOvr>
+</p:sld>
+</file>
+
+<file path=ppt/slides/slide34.xml><?xml version="1.0" encoding="utf-8"?>
+<p:sld xmlns:a="http://schemas.openxmlformats.org/drawingml/2006/main" xmlns:r="http://schemas.openxmlformats.org/officeDocument/2006/relationships" xmlns:p="http://schemas.openxmlformats.org/presentationml/2006/main">
+  <p:cSld>
+    <p:spTree>
+      <p:nvGrpSpPr>
+        <p:cNvPr id="1" name=""/>
+        <p:cNvGrpSpPr/>
+        <p:nvPr/>
+      </p:nvGrpSpPr>
+      <p:grpSpPr>
+        <a:xfrm>
+          <a:off x="0" y="0"/>
+          <a:ext cx="0" cy="0"/>
+          <a:chOff x="0" y="0"/>
+          <a:chExt cx="0" cy="0"/>
+        </a:xfrm>
+      </p:grpSpPr>
+      <p:sp>
+        <p:nvSpPr>
+          <p:cNvPr id="2" name="タイトル 1">
+            <a:extLst>
+              <a:ext uri="{FF2B5EF4-FFF2-40B4-BE49-F238E27FC236}">
                 <a16:creationId xmlns:a16="http://schemas.microsoft.com/office/drawing/2014/main" id="{D159CF40-CD8C-21A6-0A3D-8CF370B562A6}"/>
               </a:ext>
             </a:extLst>
@@ -16073,7 +17594,7 @@
             <a:pPr lvl="0"/>
             <a:fld id="{004900ED-2EFD-2142-93A1-1CBA90FDE07B}" type="slidenum">
               <a:rPr lang="en-US" altLang="ja-JP" smtClean="0"/>
-              <a:t>33</a:t>
+              <a:t>34</a:t>
             </a:fld>
             <a:endParaRPr lang="ja-JP" altLang="en-US"/>
           </a:p>

--- a/prsn/20230124_prsn_taira.pptx
+++ b/prsn/20230124_prsn_taira.pptx
@@ -3033,6 +3033,41 @@
           <a:bodyPr/>
           <a:lstStyle/>
           <a:p>
+            <a:pPr marL="216000" marR="0" lvl="0" indent="-216000" defTabSz="914400" rtl="0" eaLnBrk="1" fontAlgn="auto" latinLnBrk="0" hangingPunct="0">
+              <a:lnSpc>
+                <a:spcPct val="100000"/>
+              </a:lnSpc>
+              <a:spcBef>
+                <a:spcPts val="0"/>
+              </a:spcBef>
+              <a:spcAft>
+                <a:spcPts val="0"/>
+              </a:spcAft>
+              <a:buClrTx/>
+              <a:buSzTx/>
+              <a:buFontTx/>
+              <a:buNone/>
+              <a:tabLst/>
+              <a:defRPr/>
+            </a:pPr>
+            <a:r>
+              <a:rPr kumimoji="1" lang="ja-JP" altLang="en-US"/>
+              <a:t>　実験</a:t>
+            </a:r>
+            <a:r>
+              <a:rPr kumimoji="1" lang="en-US" altLang="ja-JP" dirty="0"/>
+              <a:t> 2 </a:t>
+            </a:r>
+            <a:r>
+              <a:rPr kumimoji="1" lang="ja-JP" altLang="en-US"/>
+              <a:t>の結果です．この表から，</a:t>
+            </a:r>
+            <a:r>
+              <a:rPr kumimoji="1" lang="ja-JP" altLang="en-US" sz="2000"/>
+              <a:t>探索が進むにつれてエポック数を増やした方が良い性能の個体を獲得できることが確認できます．</a:t>
+            </a:r>
+          </a:p>
+          <a:p>
             <a:endParaRPr kumimoji="1" lang="ja-JP" altLang="en-US"/>
           </a:p>
         </p:txBody>
@@ -3120,7 +3155,103 @@
           <a:p>
             <a:r>
               <a:rPr kumimoji="1" lang="ja-JP" altLang="en-US"/>
-              <a:t>本日はこのような流れで発表します．</a:t>
+              <a:t>探索終盤にエポック数を増加させると本学習で良い性能を発揮したという結果から，</a:t>
+            </a:r>
+            <a:r>
+              <a:rPr kumimoji="1" lang="en-US" altLang="ja-JP" dirty="0"/>
+              <a:t> 100 </a:t>
+            </a:r>
+            <a:r>
+              <a:rPr kumimoji="1" lang="ja-JP" altLang="en-US"/>
+              <a:t>エポックである本学習直前に相対的に多いエポック数で評価すると本学習でも良い性能を発揮できるということが考察できる．</a:t>
+            </a:r>
+          </a:p>
+        </p:txBody>
+      </p:sp>
+      <p:sp>
+        <p:nvSpPr>
+          <p:cNvPr id="4" name="スライド番号プレースホルダー 3"/>
+          <p:cNvSpPr>
+            <a:spLocks noGrp="1"/>
+          </p:cNvSpPr>
+          <p:nvPr>
+            <p:ph type="sldNum" sz="quarter" idx="5"/>
+          </p:nvPr>
+        </p:nvSpPr>
+        <p:spPr/>
+        <p:txBody>
+          <a:bodyPr/>
+          <a:lstStyle/>
+          <a:p>
+            <a:pPr lvl="0"/>
+            <a:fld id="{D4859A6D-CDBD-B344-BF57-2B4BBFE9F422}" type="slidenum">
+              <a:rPr lang="en-US" altLang="ja-JP" smtClean="0"/>
+              <a:t>26</a:t>
+            </a:fld>
+            <a:endParaRPr lang="ja-JP" altLang="en-US"/>
+          </a:p>
+        </p:txBody>
+      </p:sp>
+    </p:spTree>
+    <p:extLst>
+      <p:ext uri="{BB962C8B-B14F-4D97-AF65-F5344CB8AC3E}">
+        <p14:creationId xmlns:p14="http://schemas.microsoft.com/office/powerpoint/2010/main" val="160019023"/>
+      </p:ext>
+    </p:extLst>
+  </p:cSld>
+  <p:clrMapOvr>
+    <a:masterClrMapping/>
+  </p:clrMapOvr>
+</p:notes>
+</file>
+
+<file path=ppt/notesSlides/notesSlide27.xml><?xml version="1.0" encoding="utf-8"?>
+<p:notes xmlns:a="http://schemas.openxmlformats.org/drawingml/2006/main" xmlns:r="http://schemas.openxmlformats.org/officeDocument/2006/relationships" xmlns:p="http://schemas.openxmlformats.org/presentationml/2006/main">
+  <p:cSld>
+    <p:spTree>
+      <p:nvGrpSpPr>
+        <p:cNvPr id="1" name=""/>
+        <p:cNvGrpSpPr/>
+        <p:nvPr/>
+      </p:nvGrpSpPr>
+      <p:grpSpPr>
+        <a:xfrm>
+          <a:off x="0" y="0"/>
+          <a:ext cx="0" cy="0"/>
+          <a:chOff x="0" y="0"/>
+          <a:chExt cx="0" cy="0"/>
+        </a:xfrm>
+      </p:grpSpPr>
+      <p:sp>
+        <p:nvSpPr>
+          <p:cNvPr id="2" name="スライド イメージ プレースホルダー 1"/>
+          <p:cNvSpPr>
+            <a:spLocks noGrp="1" noRot="1" noChangeAspect="1"/>
+          </p:cNvSpPr>
+          <p:nvPr>
+            <p:ph type="sldImg"/>
+          </p:nvPr>
+        </p:nvSpPr>
+        <p:spPr/>
+      </p:sp>
+      <p:sp>
+        <p:nvSpPr>
+          <p:cNvPr id="3" name="ノート プレースホルダー 2"/>
+          <p:cNvSpPr>
+            <a:spLocks noGrp="1"/>
+          </p:cNvSpPr>
+          <p:nvPr>
+            <p:ph type="body" idx="1"/>
+          </p:nvPr>
+        </p:nvSpPr>
+        <p:spPr/>
+        <p:txBody>
+          <a:bodyPr/>
+          <a:lstStyle/>
+          <a:p>
+            <a:r>
+              <a:rPr kumimoji="1" lang="ja-JP" altLang="en-US"/>
+              <a:t>まとめと今後の課題です．</a:t>
             </a:r>
           </a:p>
         </p:txBody>
@@ -3153,6 +3284,287 @@
     <p:extLst>
       <p:ext uri="{BB962C8B-B14F-4D97-AF65-F5344CB8AC3E}">
         <p14:creationId xmlns:p14="http://schemas.microsoft.com/office/powerpoint/2010/main" val="2274202789"/>
+      </p:ext>
+    </p:extLst>
+  </p:cSld>
+  <p:clrMapOvr>
+    <a:masterClrMapping/>
+  </p:clrMapOvr>
+</p:notes>
+</file>
+
+<file path=ppt/notesSlides/notesSlide28.xml><?xml version="1.0" encoding="utf-8"?>
+<p:notes xmlns:a="http://schemas.openxmlformats.org/drawingml/2006/main" xmlns:r="http://schemas.openxmlformats.org/officeDocument/2006/relationships" xmlns:p="http://schemas.openxmlformats.org/presentationml/2006/main">
+  <p:cSld>
+    <p:spTree>
+      <p:nvGrpSpPr>
+        <p:cNvPr id="1" name=""/>
+        <p:cNvGrpSpPr/>
+        <p:nvPr/>
+      </p:nvGrpSpPr>
+      <p:grpSpPr>
+        <a:xfrm>
+          <a:off x="0" y="0"/>
+          <a:ext cx="0" cy="0"/>
+          <a:chOff x="0" y="0"/>
+          <a:chExt cx="0" cy="0"/>
+        </a:xfrm>
+      </p:grpSpPr>
+      <p:sp>
+        <p:nvSpPr>
+          <p:cNvPr id="2" name="スライド イメージ プレースホルダー 1"/>
+          <p:cNvSpPr>
+            <a:spLocks noGrp="1" noRot="1" noChangeAspect="1"/>
+          </p:cNvSpPr>
+          <p:nvPr>
+            <p:ph type="sldImg"/>
+          </p:nvPr>
+        </p:nvSpPr>
+        <p:spPr/>
+      </p:sp>
+      <p:sp>
+        <p:nvSpPr>
+          <p:cNvPr id="3" name="ノート プレースホルダー 2"/>
+          <p:cNvSpPr>
+            <a:spLocks noGrp="1"/>
+          </p:cNvSpPr>
+          <p:nvPr>
+            <p:ph type="body" idx="1"/>
+          </p:nvPr>
+        </p:nvSpPr>
+        <p:spPr/>
+        <p:txBody>
+          <a:bodyPr/>
+          <a:lstStyle/>
+          <a:p>
+            <a:pPr marL="216000" marR="0" lvl="0" indent="-216000" defTabSz="914400" rtl="0" eaLnBrk="1" fontAlgn="auto" latinLnBrk="0" hangingPunct="0">
+              <a:lnSpc>
+                <a:spcPct val="100000"/>
+              </a:lnSpc>
+              <a:spcBef>
+                <a:spcPts val="0"/>
+              </a:spcBef>
+              <a:spcAft>
+                <a:spcPts val="0"/>
+              </a:spcAft>
+              <a:buClrTx/>
+              <a:buSzTx/>
+              <a:buFontTx/>
+              <a:buNone/>
+              <a:tabLst/>
+              <a:defRPr/>
+            </a:pPr>
+            <a:r>
+              <a:rPr kumimoji="1" lang="ja-JP" altLang="en-US"/>
+              <a:t>本実験から，</a:t>
+            </a:r>
+            <a:r>
+              <a:rPr lang="en-US" altLang="ja-JP" sz="2000" dirty="0"/>
+              <a:t>1 </a:t>
+            </a:r>
+            <a:r>
+              <a:rPr lang="ja-JP" altLang="en-US" sz="2000"/>
+              <a:t>エポックよりも，適応度評価に最適なエポック数があること，</a:t>
+            </a:r>
+            <a:r>
+              <a:rPr lang="ja-JP" altLang="en-US" sz="2000" b="0" i="0">
+                <a:effectLst/>
+                <a:latin typeface="Courier New" panose="02070309020205020404" pitchFamily="49" charset="0"/>
+              </a:rPr>
+              <a:t>探索終盤に適応度評価エポック数を増やす方が，より良い個体が得られるということが確認できました．</a:t>
+            </a:r>
+            <a:endParaRPr lang="en-US" altLang="ja-JP" sz="2000" dirty="0"/>
+          </a:p>
+          <a:p>
+            <a:pPr marL="216000" marR="0" lvl="0" indent="-216000" defTabSz="914400" rtl="0" eaLnBrk="1" fontAlgn="auto" latinLnBrk="0" hangingPunct="0">
+              <a:lnSpc>
+                <a:spcPct val="100000"/>
+              </a:lnSpc>
+              <a:spcBef>
+                <a:spcPts val="0"/>
+              </a:spcBef>
+              <a:spcAft>
+                <a:spcPts val="0"/>
+              </a:spcAft>
+              <a:buClrTx/>
+              <a:buSzTx/>
+              <a:buFontTx/>
+              <a:buNone/>
+              <a:tabLst/>
+              <a:defRPr/>
+            </a:pPr>
+            <a:endParaRPr lang="en-US" altLang="ja-JP" sz="2000" dirty="0"/>
+          </a:p>
+          <a:p>
+            <a:endParaRPr kumimoji="1" lang="ja-JP" altLang="en-US"/>
+          </a:p>
+        </p:txBody>
+      </p:sp>
+      <p:sp>
+        <p:nvSpPr>
+          <p:cNvPr id="4" name="スライド番号プレースホルダー 3"/>
+          <p:cNvSpPr>
+            <a:spLocks noGrp="1"/>
+          </p:cNvSpPr>
+          <p:nvPr>
+            <p:ph type="sldNum" sz="quarter" idx="5"/>
+          </p:nvPr>
+        </p:nvSpPr>
+        <p:spPr/>
+        <p:txBody>
+          <a:bodyPr/>
+          <a:lstStyle/>
+          <a:p>
+            <a:pPr lvl="0"/>
+            <a:fld id="{D4859A6D-CDBD-B344-BF57-2B4BBFE9F422}" type="slidenum">
+              <a:rPr lang="en-US" altLang="ja-JP" smtClean="0"/>
+              <a:t>28</a:t>
+            </a:fld>
+            <a:endParaRPr lang="ja-JP" altLang="en-US"/>
+          </a:p>
+        </p:txBody>
+      </p:sp>
+    </p:spTree>
+    <p:extLst>
+      <p:ext uri="{BB962C8B-B14F-4D97-AF65-F5344CB8AC3E}">
+        <p14:creationId xmlns:p14="http://schemas.microsoft.com/office/powerpoint/2010/main" val="2151447776"/>
+      </p:ext>
+    </p:extLst>
+  </p:cSld>
+  <p:clrMapOvr>
+    <a:masterClrMapping/>
+  </p:clrMapOvr>
+</p:notes>
+</file>
+
+<file path=ppt/notesSlides/notesSlide29.xml><?xml version="1.0" encoding="utf-8"?>
+<p:notes xmlns:a="http://schemas.openxmlformats.org/drawingml/2006/main" xmlns:r="http://schemas.openxmlformats.org/officeDocument/2006/relationships" xmlns:p="http://schemas.openxmlformats.org/presentationml/2006/main">
+  <p:cSld>
+    <p:spTree>
+      <p:nvGrpSpPr>
+        <p:cNvPr id="1" name=""/>
+        <p:cNvGrpSpPr/>
+        <p:nvPr/>
+      </p:nvGrpSpPr>
+      <p:grpSpPr>
+        <a:xfrm>
+          <a:off x="0" y="0"/>
+          <a:ext cx="0" cy="0"/>
+          <a:chOff x="0" y="0"/>
+          <a:chExt cx="0" cy="0"/>
+        </a:xfrm>
+      </p:grpSpPr>
+      <p:sp>
+        <p:nvSpPr>
+          <p:cNvPr id="2" name="スライド イメージ プレースホルダー 1"/>
+          <p:cNvSpPr>
+            <a:spLocks noGrp="1" noRot="1" noChangeAspect="1"/>
+          </p:cNvSpPr>
+          <p:nvPr>
+            <p:ph type="sldImg"/>
+          </p:nvPr>
+        </p:nvSpPr>
+        <p:spPr/>
+      </p:sp>
+      <p:sp>
+        <p:nvSpPr>
+          <p:cNvPr id="3" name="ノート プレースホルダー 2"/>
+          <p:cNvSpPr>
+            <a:spLocks noGrp="1"/>
+          </p:cNvSpPr>
+          <p:nvPr>
+            <p:ph type="body" idx="1"/>
+          </p:nvPr>
+        </p:nvSpPr>
+        <p:spPr/>
+        <p:txBody>
+          <a:bodyPr/>
+          <a:lstStyle/>
+          <a:p>
+            <a:pPr marL="216000" marR="0" lvl="0" indent="-216000" defTabSz="914400" rtl="0" eaLnBrk="1" fontAlgn="auto" latinLnBrk="0" hangingPunct="0">
+              <a:lnSpc>
+                <a:spcPct val="100000"/>
+              </a:lnSpc>
+              <a:spcBef>
+                <a:spcPts val="0"/>
+              </a:spcBef>
+              <a:spcAft>
+                <a:spcPts val="0"/>
+              </a:spcAft>
+              <a:buClrTx/>
+              <a:buSzTx/>
+              <a:buFontTx/>
+              <a:buNone/>
+              <a:tabLst/>
+              <a:defRPr/>
+            </a:pPr>
+            <a:r>
+              <a:rPr kumimoji="1" lang="ja-JP" altLang="en-US"/>
+              <a:t>今後の課題として，</a:t>
+            </a:r>
+            <a:r>
+              <a:rPr kumimoji="1" lang="ja-JP" altLang="en-US" sz="2000"/>
+              <a:t>試行回数を増やして，適応度評価手法ごとの信頼区間を調査すること，様々な条件下で実験するときの適応度評価エポック数最適化手法を</a:t>
+            </a:r>
+            <a:r>
+              <a:rPr lang="ja-JP" altLang="en-US" sz="2000"/>
+              <a:t>提案</a:t>
+            </a:r>
+            <a:r>
+              <a:rPr kumimoji="1" lang="ja-JP" altLang="en-US" sz="2000"/>
+              <a:t>することが挙げられます，</a:t>
+            </a:r>
+          </a:p>
+          <a:p>
+            <a:pPr marL="216000" marR="0" lvl="0" indent="-216000" defTabSz="914400" rtl="0" eaLnBrk="1" fontAlgn="auto" latinLnBrk="0" hangingPunct="0">
+              <a:lnSpc>
+                <a:spcPct val="100000"/>
+              </a:lnSpc>
+              <a:spcBef>
+                <a:spcPts val="0"/>
+              </a:spcBef>
+              <a:spcAft>
+                <a:spcPts val="0"/>
+              </a:spcAft>
+              <a:buClrTx/>
+              <a:buSzTx/>
+              <a:buFontTx/>
+              <a:buNone/>
+              <a:tabLst/>
+              <a:defRPr/>
+            </a:pPr>
+            <a:endParaRPr kumimoji="1" lang="en-US" altLang="ja-JP" sz="2000" dirty="0"/>
+          </a:p>
+        </p:txBody>
+      </p:sp>
+      <p:sp>
+        <p:nvSpPr>
+          <p:cNvPr id="4" name="スライド番号プレースホルダー 3"/>
+          <p:cNvSpPr>
+            <a:spLocks noGrp="1"/>
+          </p:cNvSpPr>
+          <p:nvPr>
+            <p:ph type="sldNum" sz="quarter" idx="5"/>
+          </p:nvPr>
+        </p:nvSpPr>
+        <p:spPr/>
+        <p:txBody>
+          <a:bodyPr/>
+          <a:lstStyle/>
+          <a:p>
+            <a:pPr lvl="0"/>
+            <a:fld id="{D4859A6D-CDBD-B344-BF57-2B4BBFE9F422}" type="slidenum">
+              <a:rPr lang="en-US" altLang="ja-JP" smtClean="0"/>
+              <a:t>29</a:t>
+            </a:fld>
+            <a:endParaRPr lang="ja-JP" altLang="en-US"/>
+          </a:p>
+        </p:txBody>
+      </p:sp>
+    </p:spTree>
+    <p:extLst>
+      <p:ext uri="{BB962C8B-B14F-4D97-AF65-F5344CB8AC3E}">
+        <p14:creationId xmlns:p14="http://schemas.microsoft.com/office/powerpoint/2010/main" val="3163487778"/>
       </p:ext>
     </p:extLst>
   </p:cSld>
@@ -3241,6 +3653,94 @@
     <p:extLst>
       <p:ext uri="{BB962C8B-B14F-4D97-AF65-F5344CB8AC3E}">
         <p14:creationId xmlns:p14="http://schemas.microsoft.com/office/powerpoint/2010/main" val="1798029799"/>
+      </p:ext>
+    </p:extLst>
+  </p:cSld>
+  <p:clrMapOvr>
+    <a:masterClrMapping/>
+  </p:clrMapOvr>
+</p:notes>
+</file>
+
+<file path=ppt/notesSlides/notesSlide30.xml><?xml version="1.0" encoding="utf-8"?>
+<p:notes xmlns:a="http://schemas.openxmlformats.org/drawingml/2006/main" xmlns:r="http://schemas.openxmlformats.org/officeDocument/2006/relationships" xmlns:p="http://schemas.openxmlformats.org/presentationml/2006/main">
+  <p:cSld>
+    <p:spTree>
+      <p:nvGrpSpPr>
+        <p:cNvPr id="1" name=""/>
+        <p:cNvGrpSpPr/>
+        <p:nvPr/>
+      </p:nvGrpSpPr>
+      <p:grpSpPr>
+        <a:xfrm>
+          <a:off x="0" y="0"/>
+          <a:ext cx="0" cy="0"/>
+          <a:chOff x="0" y="0"/>
+          <a:chExt cx="0" cy="0"/>
+        </a:xfrm>
+      </p:grpSpPr>
+      <p:sp>
+        <p:nvSpPr>
+          <p:cNvPr id="2" name="スライド イメージ プレースホルダー 1"/>
+          <p:cNvSpPr>
+            <a:spLocks noGrp="1" noRot="1" noChangeAspect="1"/>
+          </p:cNvSpPr>
+          <p:nvPr>
+            <p:ph type="sldImg"/>
+          </p:nvPr>
+        </p:nvSpPr>
+        <p:spPr/>
+      </p:sp>
+      <p:sp>
+        <p:nvSpPr>
+          <p:cNvPr id="3" name="ノート プレースホルダー 2"/>
+          <p:cNvSpPr>
+            <a:spLocks noGrp="1"/>
+          </p:cNvSpPr>
+          <p:nvPr>
+            <p:ph type="body" idx="1"/>
+          </p:nvPr>
+        </p:nvSpPr>
+        <p:spPr/>
+        <p:txBody>
+          <a:bodyPr/>
+          <a:lstStyle/>
+          <a:p>
+            <a:r>
+              <a:rPr kumimoji="1" lang="ja-JP" altLang="en-US"/>
+              <a:t>以上で発表を終わります，ご清聴ありがとうございました．</a:t>
+            </a:r>
+          </a:p>
+        </p:txBody>
+      </p:sp>
+      <p:sp>
+        <p:nvSpPr>
+          <p:cNvPr id="4" name="スライド番号プレースホルダー 3"/>
+          <p:cNvSpPr>
+            <a:spLocks noGrp="1"/>
+          </p:cNvSpPr>
+          <p:nvPr>
+            <p:ph type="sldNum" sz="quarter" idx="5"/>
+          </p:nvPr>
+        </p:nvSpPr>
+        <p:spPr/>
+        <p:txBody>
+          <a:bodyPr/>
+          <a:lstStyle/>
+          <a:p>
+            <a:pPr lvl="0"/>
+            <a:fld id="{D4859A6D-CDBD-B344-BF57-2B4BBFE9F422}" type="slidenum">
+              <a:rPr lang="en-US" altLang="ja-JP" smtClean="0"/>
+              <a:t>30</a:t>
+            </a:fld>
+            <a:endParaRPr lang="ja-JP" altLang="en-US"/>
+          </a:p>
+        </p:txBody>
+      </p:sp>
+    </p:spTree>
+    <p:extLst>
+      <p:ext uri="{BB962C8B-B14F-4D97-AF65-F5344CB8AC3E}">
+        <p14:creationId xmlns:p14="http://schemas.microsoft.com/office/powerpoint/2010/main" val="1439804320"/>
       </p:ext>
     </p:extLst>
   </p:cSld>
@@ -14747,7 +15247,7 @@
           <p:nvPr>
             <p:extLst>
               <p:ext uri="{D42A27DB-BD31-4B8C-83A1-F6EECF244321}">
-                <p14:modId xmlns:p14="http://schemas.microsoft.com/office/powerpoint/2010/main" val="1492748372"/>
+                <p14:modId xmlns:p14="http://schemas.microsoft.com/office/powerpoint/2010/main" val="136388668"/>
               </p:ext>
             </p:extLst>
           </p:nvPr>
@@ -15129,10 +15629,18 @@
                     <a:lstStyle/>
                     <a:p>
                       <a:r>
-                        <a:rPr kumimoji="1" lang="en-US" altLang="ja-JP" sz="2400" dirty="0"/>
+                        <a:rPr kumimoji="1" lang="en-US" altLang="ja-JP" sz="2400" dirty="0">
+                          <a:solidFill>
+                            <a:srgbClr val="FF0000"/>
+                          </a:solidFill>
+                        </a:rPr>
                         <a:t>92.15</a:t>
                       </a:r>
-                      <a:endParaRPr kumimoji="1" lang="ja-JP" altLang="en-US" sz="2400"/>
+                      <a:endParaRPr kumimoji="1" lang="ja-JP" altLang="en-US" sz="2400">
+                        <a:solidFill>
+                          <a:srgbClr val="FF0000"/>
+                        </a:solidFill>
+                      </a:endParaRPr>
                     </a:p>
                   </a:txBody>
                   <a:tcPr>
@@ -15396,7 +15904,7 @@
             </a:br>
             <a:r>
               <a:rPr kumimoji="1" lang="ja-JP" altLang="en-US" sz="2400"/>
-              <a:t>良い識別精度</a:t>
+              <a:t>良い性能の個体を獲得可能</a:t>
             </a:r>
           </a:p>
         </p:txBody>
@@ -16010,7 +16518,7 @@
         </p:nvSpPr>
         <p:spPr>
           <a:xfrm>
-            <a:off x="791560" y="1490546"/>
+            <a:off x="508868" y="1502121"/>
             <a:ext cx="6532558" cy="3046988"/>
           </a:xfrm>
           <a:prstGeom prst="rect">

--- a/prsn/20230124_prsn_taira.pptx
+++ b/prsn/20230124_prsn_taira.pptx
@@ -2838,7 +2838,7 @@
             </a:r>
             <a:r>
               <a:rPr kumimoji="1" lang="ja-JP" altLang="en-US"/>
-              <a:t>エポックでピークを迎えていることが確認できます．</a:t>
+              <a:t>エポックでピークを迎え，その後は識別精度が悪化していることが確認できます．</a:t>
             </a:r>
           </a:p>
         </p:txBody>
@@ -2943,11 +2943,11 @@
             </a:pPr>
             <a:r>
               <a:rPr kumimoji="1" lang="ja-JP" altLang="en-US"/>
-              <a:t>この結果は，エポック数を適切に設定して学習することで，</a:t>
+              <a:t>この結果から，エポック数を適切に設定して学習することで，</a:t>
             </a:r>
             <a:r>
               <a:rPr kumimoji="1" lang="ja-JP" altLang="en-US" sz="2000"/>
-              <a:t>個体本来の性能をより適切に評価可能であるということが考察できる．</a:t>
+              <a:t>個体本来の性能をより適切に評価可能であるということが考察できます．</a:t>
             </a:r>
           </a:p>
         </p:txBody>

--- a/prsn/20230124_prsn_taira.pptx
+++ b/prsn/20230124_prsn_taira.pptx
@@ -1271,8 +1271,8 @@
         </p:nvSpPr>
         <p:spPr/>
       </p:sp>
-      <mc:AlternateContent xmlns:mc="http://schemas.openxmlformats.org/markup-compatibility/2006">
-        <mc:Choice xmlns:a14="http://schemas.microsoft.com/office/drawing/2010/main" Requires="a14">
+      <mc:AlternateContent xmlns:mc="http://schemas.openxmlformats.org/markup-compatibility/2006" xmlns:a14="http://schemas.microsoft.com/office/drawing/2010/main">
+        <mc:Choice Requires="a14">
           <p:sp>
             <p:nvSpPr>
               <p:cNvPr id="3" name="ノート プレースホルダー 2"/>
@@ -1379,7 +1379,7 @@
             </p:txBody>
           </p:sp>
         </mc:Choice>
-        <mc:Fallback>
+        <mc:Fallback xmlns="">
           <p:sp>
             <p:nvSpPr>
               <p:cNvPr id="3" name="ノート プレースホルダー 2"/>
@@ -2838,7 +2838,15 @@
             </a:r>
             <a:r>
               <a:rPr kumimoji="1" lang="ja-JP" altLang="en-US"/>
-              <a:t>エポックでピークを迎え，その後は識別精度が悪化していることが確認できます．</a:t>
+              <a:t>エポックで識別精度</a:t>
+            </a:r>
+            <a:r>
+              <a:rPr kumimoji="1" lang="en-US" altLang="ja-JP" dirty="0"/>
+              <a:t> 93.09 % </a:t>
+            </a:r>
+            <a:r>
+              <a:rPr kumimoji="1" lang="ja-JP" altLang="en-US"/>
+              <a:t>と，ピークを迎え，その後は識別精度が悪化していったことが確認できます．</a:t>
             </a:r>
           </a:p>
         </p:txBody>
@@ -3060,11 +3068,11 @@
             </a:r>
             <a:r>
               <a:rPr kumimoji="1" lang="ja-JP" altLang="en-US"/>
-              <a:t>の結果です．この表から，</a:t>
+              <a:t>の結果です．こちらの表も本学習後の個体の最良識別精度を表しており，</a:t>
             </a:r>
             <a:r>
               <a:rPr kumimoji="1" lang="ja-JP" altLang="en-US" sz="2000"/>
-              <a:t>探索が進むにつれてエポック数を増やした方が良い性能の個体を獲得できることが確認できます．</a:t>
+              <a:t>探索が進むにつれてエポック数を増加させた場合の方がが良い性能の個体を獲得できたことが確認できます．</a:t>
             </a:r>
           </a:p>
           <a:p>
@@ -3163,7 +3171,7 @@
             </a:r>
             <a:r>
               <a:rPr kumimoji="1" lang="ja-JP" altLang="en-US"/>
-              <a:t>エポックである本学習直前に相対的に多いエポック数で評価すると本学習でも良い性能を発揮できるということが考察できる．</a:t>
+              <a:t>エポックである本学習直前に相対的に多いエポック数で評価すると本学習でも良い性能を発揮できるということが考察できます．</a:t>
             </a:r>
           </a:p>
         </p:txBody>
@@ -8726,7 +8734,7 @@
         </p:nvGrpSpPr>
         <p:grpSpPr>
           <a:xfrm>
-            <a:off x="189784" y="1199273"/>
+            <a:off x="189784" y="992373"/>
             <a:ext cx="7181694" cy="4319843"/>
             <a:chOff x="189784" y="1199273"/>
             <a:chExt cx="7181694" cy="4319843"/>
@@ -8842,6 +8850,77 @@
           </p:spPr>
         </p:pic>
       </p:grpSp>
+      <p:sp>
+        <p:nvSpPr>
+          <p:cNvPr id="5" name="テキスト ボックス 4">
+            <a:extLst>
+              <a:ext uri="{FF2B5EF4-FFF2-40B4-BE49-F238E27FC236}">
+                <a16:creationId xmlns:a16="http://schemas.microsoft.com/office/drawing/2014/main" id="{3F5B0832-F7CE-3D28-0426-E6A82F391A93}"/>
+              </a:ext>
+            </a:extLst>
+          </p:cNvPr>
+          <p:cNvSpPr txBox="1"/>
+          <p:nvPr/>
+        </p:nvSpPr>
+        <p:spPr>
+          <a:xfrm>
+            <a:off x="1078624" y="5382745"/>
+            <a:ext cx="6327201" cy="246221"/>
+          </a:xfrm>
+          <a:prstGeom prst="rect">
+            <a:avLst/>
+          </a:prstGeom>
+          <a:solidFill>
+            <a:schemeClr val="bg1"/>
+          </a:solidFill>
+          <a:ln>
+            <a:solidFill>
+              <a:schemeClr val="tx1"/>
+            </a:solidFill>
+          </a:ln>
+        </p:spPr>
+        <p:txBody>
+          <a:bodyPr wrap="square" rtlCol="0">
+            <a:spAutoFit/>
+          </a:bodyPr>
+          <a:lstStyle/>
+          <a:p>
+            <a:r>
+              <a:rPr kumimoji="1" lang="ja-JP" altLang="en-US" sz="1000"/>
+              <a:t>岡本竜馬</a:t>
+            </a:r>
+            <a:r>
+              <a:rPr kumimoji="1" lang="en-US" altLang="ja-JP" sz="1000" dirty="0"/>
+              <a:t>, </a:t>
+            </a:r>
+            <a:r>
+              <a:rPr kumimoji="1" lang="ja-JP" altLang="en-US" sz="1000"/>
+              <a:t>熱力学的遺伝アルゴリズムによる </a:t>
+            </a:r>
+            <a:r>
+              <a:rPr kumimoji="1" lang="en-US" altLang="ja-JP" sz="1000" dirty="0"/>
+              <a:t>CNN </a:t>
+            </a:r>
+            <a:r>
+              <a:rPr kumimoji="1" lang="ja-JP" altLang="en-US" sz="1000"/>
+              <a:t>アーキテクチャの進化的獲得</a:t>
+            </a:r>
+            <a:r>
+              <a:rPr kumimoji="1" lang="en-US" altLang="ja-JP" sz="1000" dirty="0"/>
+              <a:t>, </a:t>
+            </a:r>
+            <a:r>
+              <a:rPr kumimoji="1" lang="ja-JP" altLang="en-US" sz="1000"/>
+              <a:t>後期研究発表会資料</a:t>
+            </a:r>
+            <a:r>
+              <a:rPr kumimoji="1" lang="en-US" altLang="ja-JP" sz="1000" dirty="0"/>
+              <a:t> (2022)</a:t>
+            </a:r>
+            <a:endParaRPr kumimoji="1" lang="ja-JP" altLang="en-US" sz="1000"/>
+          </a:p>
+        </p:txBody>
+      </p:sp>
     </p:spTree>
     <p:extLst>
       <p:ext uri="{BB962C8B-B14F-4D97-AF65-F5344CB8AC3E}">
@@ -9010,8 +9089,8 @@
           </a:p>
         </p:txBody>
       </p:sp>
-      <mc:AlternateContent xmlns:mc="http://schemas.openxmlformats.org/markup-compatibility/2006">
-        <mc:Choice xmlns:a14="http://schemas.microsoft.com/office/drawing/2010/main" Requires="a14">
+      <mc:AlternateContent xmlns:mc="http://schemas.openxmlformats.org/markup-compatibility/2006" xmlns:a14="http://schemas.microsoft.com/office/drawing/2010/main">
+        <mc:Choice Requires="a14">
           <p:sp>
             <p:nvSpPr>
               <p:cNvPr id="5" name="テキスト ボックス 4">
@@ -9144,7 +9223,7 @@
             </p:txBody>
           </p:sp>
         </mc:Choice>
-        <mc:Fallback>
+        <mc:Fallback xmlns="">
           <p:sp>
             <p:nvSpPr>
               <p:cNvPr id="5" name="テキスト ボックス 4">
@@ -9393,6 +9472,77 @@
           </a:p>
         </p:txBody>
       </p:sp>
+      <p:sp>
+        <p:nvSpPr>
+          <p:cNvPr id="7" name="テキスト ボックス 6">
+            <a:extLst>
+              <a:ext uri="{FF2B5EF4-FFF2-40B4-BE49-F238E27FC236}">
+                <a16:creationId xmlns:a16="http://schemas.microsoft.com/office/drawing/2014/main" id="{A857C79D-4B01-441E-7960-C9872A10C067}"/>
+              </a:ext>
+            </a:extLst>
+          </p:cNvPr>
+          <p:cNvSpPr txBox="1"/>
+          <p:nvPr/>
+        </p:nvSpPr>
+        <p:spPr>
+          <a:xfrm>
+            <a:off x="198783" y="5000900"/>
+            <a:ext cx="7163696" cy="461665"/>
+          </a:xfrm>
+          <a:prstGeom prst="rect">
+            <a:avLst/>
+          </a:prstGeom>
+          <a:solidFill>
+            <a:schemeClr val="bg1"/>
+          </a:solidFill>
+          <a:ln>
+            <a:solidFill>
+              <a:schemeClr val="tx1"/>
+            </a:solidFill>
+          </a:ln>
+        </p:spPr>
+        <p:txBody>
+          <a:bodyPr wrap="square" rtlCol="0">
+            <a:spAutoFit/>
+          </a:bodyPr>
+          <a:lstStyle/>
+          <a:p>
+            <a:r>
+              <a:rPr kumimoji="1" lang="ja-JP" altLang="en-US" sz="1200"/>
+              <a:t>岡本竜馬</a:t>
+            </a:r>
+            <a:r>
+              <a:rPr kumimoji="1" lang="en-US" altLang="ja-JP" sz="1200" dirty="0"/>
+              <a:t>,</a:t>
+            </a:r>
+            <a:r>
+              <a:rPr kumimoji="1" lang="ja-JP" altLang="en-US" sz="1200"/>
+              <a:t>熱力学的遺伝アルゴリズムによる </a:t>
+            </a:r>
+            <a:r>
+              <a:rPr kumimoji="1" lang="en-US" altLang="ja-JP" sz="1200" dirty="0"/>
+              <a:t>CNN </a:t>
+            </a:r>
+            <a:r>
+              <a:rPr kumimoji="1" lang="ja-JP" altLang="en-US" sz="1200"/>
+              <a:t>アーキテクチャの進化的獲得</a:t>
+            </a:r>
+            <a:r>
+              <a:rPr kumimoji="1" lang="en-US" altLang="ja-JP" sz="1200" dirty="0"/>
+              <a:t>, </a:t>
+            </a:r>
+            <a:r>
+              <a:rPr kumimoji="1" lang="ja-JP" altLang="en-US" sz="1200"/>
+              <a:t>後期研究発表会資料</a:t>
+            </a:r>
+            <a:r>
+              <a:rPr kumimoji="1" lang="en-US" altLang="ja-JP" sz="1200" dirty="0"/>
+              <a:t> (2022)</a:t>
+            </a:r>
+            <a:endParaRPr kumimoji="1" lang="ja-JP" altLang="en-US" sz="1200"/>
+          </a:p>
+        </p:txBody>
+      </p:sp>
     </p:spTree>
     <p:extLst>
       <p:ext uri="{BB962C8B-B14F-4D97-AF65-F5344CB8AC3E}">
@@ -9683,153 +9833,174 @@
           </a:p>
         </p:txBody>
       </p:sp>
-      <p:sp>
-        <p:nvSpPr>
-          <p:cNvPr id="4" name="テキスト ボックス 3">
+      <p:grpSp>
+        <p:nvGrpSpPr>
+          <p:cNvPr id="7" name="グループ化 6">
             <a:extLst>
               <a:ext uri="{FF2B5EF4-FFF2-40B4-BE49-F238E27FC236}">
-                <a16:creationId xmlns:a16="http://schemas.microsoft.com/office/drawing/2014/main" id="{AA9E73CF-2EB2-02FC-6693-CEE5D43DBB47}"/>
+                <a16:creationId xmlns:a16="http://schemas.microsoft.com/office/drawing/2014/main" id="{FC064A11-7D4A-548F-E5E2-367426E250A3}"/>
               </a:ext>
             </a:extLst>
           </p:cNvPr>
-          <p:cNvSpPr txBox="1"/>
+          <p:cNvGrpSpPr/>
           <p:nvPr/>
-        </p:nvSpPr>
-        <p:spPr>
+        </p:nvGrpSpPr>
+        <p:grpSpPr>
           <a:xfrm>
-            <a:off x="243069" y="1713053"/>
-            <a:ext cx="5918608" cy="830997"/>
+            <a:off x="519837" y="1701113"/>
+            <a:ext cx="6070893" cy="2837064"/>
+            <a:chOff x="519837" y="1701113"/>
+            <a:chExt cx="6070893" cy="2837064"/>
           </a:xfrm>
-          <a:prstGeom prst="rect">
-            <a:avLst/>
-          </a:prstGeom>
-          <a:noFill/>
-        </p:spPr>
-        <p:txBody>
-          <a:bodyPr wrap="none" rtlCol="0">
-            <a:spAutoFit/>
-          </a:bodyPr>
-          <a:lstStyle/>
-          <a:p>
-            <a:pPr marL="342900" indent="-342900">
-              <a:buFont typeface="Wingdings" pitchFamily="2" charset="2"/>
-              <a:buChar char="p"/>
-            </a:pPr>
-            <a:r>
-              <a:rPr kumimoji="1" lang="en-US" altLang="ja-JP" sz="2400" dirty="0" err="1"/>
-              <a:t>tdgaCNN</a:t>
-            </a:r>
-            <a:r>
-              <a:rPr kumimoji="1" lang="en-US" altLang="ja-JP" sz="2400" dirty="0"/>
-              <a:t> </a:t>
-            </a:r>
-            <a:r>
-              <a:rPr kumimoji="1" lang="ja-JP" altLang="en-US" sz="2400"/>
-              <a:t>における適応度評価のための</a:t>
-            </a:r>
-            <a:br>
-              <a:rPr kumimoji="1" lang="en-US" altLang="ja-JP" sz="2400" dirty="0"/>
-            </a:br>
-            <a:r>
-              <a:rPr kumimoji="1" lang="ja-JP" altLang="en-US" sz="2400"/>
-              <a:t>学習エポック数</a:t>
-            </a:r>
-          </a:p>
-        </p:txBody>
-      </p:sp>
-      <p:sp>
-        <p:nvSpPr>
-          <p:cNvPr id="5" name="下矢印 4">
-            <a:extLst>
-              <a:ext uri="{FF2B5EF4-FFF2-40B4-BE49-F238E27FC236}">
-                <a16:creationId xmlns:a16="http://schemas.microsoft.com/office/drawing/2014/main" id="{969D8AAB-B68E-E8A0-37DA-22121BB8AF67}"/>
-              </a:ext>
-            </a:extLst>
-          </p:cNvPr>
-          <p:cNvSpPr/>
-          <p:nvPr/>
-        </p:nvSpPr>
-        <p:spPr>
-          <a:xfrm>
-            <a:off x="3271345" y="2835275"/>
-            <a:ext cx="1018572" cy="938072"/>
-          </a:xfrm>
-          <a:prstGeom prst="downArrow">
-            <a:avLst/>
-          </a:prstGeom>
-          <a:solidFill>
-            <a:schemeClr val="bg1"/>
-          </a:solidFill>
-          <a:ln>
+        </p:grpSpPr>
+        <p:sp>
+          <p:nvSpPr>
+            <p:cNvPr id="4" name="テキスト ボックス 3">
+              <a:extLst>
+                <a:ext uri="{FF2B5EF4-FFF2-40B4-BE49-F238E27FC236}">
+                  <a16:creationId xmlns:a16="http://schemas.microsoft.com/office/drawing/2014/main" id="{AA9E73CF-2EB2-02FC-6693-CEE5D43DBB47}"/>
+                </a:ext>
+              </a:extLst>
+            </p:cNvPr>
+            <p:cNvSpPr txBox="1"/>
+            <p:nvPr/>
+          </p:nvSpPr>
+          <p:spPr>
+            <a:xfrm>
+              <a:off x="519837" y="1701113"/>
+              <a:ext cx="5918608" cy="830997"/>
+            </a:xfrm>
+            <a:prstGeom prst="rect">
+              <a:avLst/>
+            </a:prstGeom>
+            <a:noFill/>
+          </p:spPr>
+          <p:txBody>
+            <a:bodyPr wrap="none" rtlCol="0">
+              <a:spAutoFit/>
+            </a:bodyPr>
+            <a:lstStyle/>
+            <a:p>
+              <a:pPr marL="342900" indent="-342900">
+                <a:buFont typeface="Wingdings" pitchFamily="2" charset="2"/>
+                <a:buChar char="p"/>
+              </a:pPr>
+              <a:r>
+                <a:rPr kumimoji="1" lang="en-US" altLang="ja-JP" sz="2400" dirty="0" err="1"/>
+                <a:t>tdgaCNN</a:t>
+              </a:r>
+              <a:r>
+                <a:rPr kumimoji="1" lang="en-US" altLang="ja-JP" sz="2400" dirty="0"/>
+                <a:t> </a:t>
+              </a:r>
+              <a:r>
+                <a:rPr kumimoji="1" lang="ja-JP" altLang="en-US" sz="2400"/>
+                <a:t>における適応度評価のための</a:t>
+              </a:r>
+              <a:br>
+                <a:rPr kumimoji="1" lang="en-US" altLang="ja-JP" sz="2400" dirty="0"/>
+              </a:br>
+              <a:r>
+                <a:rPr kumimoji="1" lang="ja-JP" altLang="en-US" sz="2400"/>
+                <a:t>学習エポック数</a:t>
+              </a:r>
+            </a:p>
+          </p:txBody>
+        </p:sp>
+        <p:sp>
+          <p:nvSpPr>
+            <p:cNvPr id="5" name="下矢印 4">
+              <a:extLst>
+                <a:ext uri="{FF2B5EF4-FFF2-40B4-BE49-F238E27FC236}">
+                  <a16:creationId xmlns:a16="http://schemas.microsoft.com/office/drawing/2014/main" id="{969D8AAB-B68E-E8A0-37DA-22121BB8AF67}"/>
+                </a:ext>
+              </a:extLst>
+            </p:cNvPr>
+            <p:cNvSpPr/>
+            <p:nvPr/>
+          </p:nvSpPr>
+          <p:spPr>
+            <a:xfrm>
+              <a:off x="3271345" y="2835274"/>
+              <a:ext cx="1018572" cy="938072"/>
+            </a:xfrm>
+            <a:prstGeom prst="downArrow">
+              <a:avLst/>
+            </a:prstGeom>
             <a:solidFill>
-              <a:schemeClr val="tx1"/>
+              <a:schemeClr val="bg1"/>
             </a:solidFill>
-          </a:ln>
-        </p:spPr>
-        <p:style>
-          <a:lnRef idx="2">
-            <a:schemeClr val="accent1">
-              <a:shade val="50000"/>
-            </a:schemeClr>
-          </a:lnRef>
-          <a:fillRef idx="1">
-            <a:schemeClr val="accent1"/>
-          </a:fillRef>
-          <a:effectRef idx="0">
-            <a:schemeClr val="accent1"/>
-          </a:effectRef>
-          <a:fontRef idx="minor">
-            <a:schemeClr val="lt1"/>
-          </a:fontRef>
-        </p:style>
-        <p:txBody>
-          <a:bodyPr rtlCol="0" anchor="ctr"/>
-          <a:lstStyle/>
-          <a:p>
-            <a:pPr algn="ctr"/>
-            <a:endParaRPr kumimoji="1" lang="ja-JP" altLang="en-US"/>
-          </a:p>
-        </p:txBody>
-      </p:sp>
-      <p:sp>
-        <p:nvSpPr>
-          <p:cNvPr id="6" name="テキスト ボックス 5">
-            <a:extLst>
-              <a:ext uri="{FF2B5EF4-FFF2-40B4-BE49-F238E27FC236}">
-                <a16:creationId xmlns:a16="http://schemas.microsoft.com/office/drawing/2014/main" id="{1BD0C54E-C376-9319-5B68-FAEB83ECDDDD}"/>
-              </a:ext>
-            </a:extLst>
-          </p:cNvPr>
-          <p:cNvSpPr txBox="1"/>
-          <p:nvPr/>
-        </p:nvSpPr>
-        <p:spPr>
-          <a:xfrm>
-            <a:off x="243069" y="4064572"/>
-            <a:ext cx="6070893" cy="461665"/>
-          </a:xfrm>
-          <a:prstGeom prst="rect">
-            <a:avLst/>
-          </a:prstGeom>
-          <a:noFill/>
-        </p:spPr>
-        <p:txBody>
-          <a:bodyPr wrap="none" rtlCol="0">
-            <a:spAutoFit/>
-          </a:bodyPr>
-          <a:lstStyle/>
-          <a:p>
-            <a:pPr marL="342900" indent="-342900">
-              <a:buFont typeface="Wingdings" pitchFamily="2" charset="2"/>
-              <a:buChar char="p"/>
-            </a:pPr>
-            <a:r>
-              <a:rPr kumimoji="1" lang="ja-JP" altLang="en-US" sz="2400"/>
-              <a:t>本実験では適応度評価エポック数と定義</a:t>
-            </a:r>
-          </a:p>
-        </p:txBody>
-      </p:sp>
+            <a:ln>
+              <a:solidFill>
+                <a:schemeClr val="tx1"/>
+              </a:solidFill>
+            </a:ln>
+          </p:spPr>
+          <p:style>
+            <a:lnRef idx="2">
+              <a:schemeClr val="accent1">
+                <a:shade val="50000"/>
+              </a:schemeClr>
+            </a:lnRef>
+            <a:fillRef idx="1">
+              <a:schemeClr val="accent1"/>
+            </a:fillRef>
+            <a:effectRef idx="0">
+              <a:schemeClr val="accent1"/>
+            </a:effectRef>
+            <a:fontRef idx="minor">
+              <a:schemeClr val="lt1"/>
+            </a:fontRef>
+          </p:style>
+          <p:txBody>
+            <a:bodyPr rtlCol="0" anchor="ctr"/>
+            <a:lstStyle/>
+            <a:p>
+              <a:pPr algn="ctr"/>
+              <a:endParaRPr kumimoji="1" lang="ja-JP" altLang="en-US"/>
+            </a:p>
+          </p:txBody>
+        </p:sp>
+        <p:sp>
+          <p:nvSpPr>
+            <p:cNvPr id="6" name="テキスト ボックス 5">
+              <a:extLst>
+                <a:ext uri="{FF2B5EF4-FFF2-40B4-BE49-F238E27FC236}">
+                  <a16:creationId xmlns:a16="http://schemas.microsoft.com/office/drawing/2014/main" id="{1BD0C54E-C376-9319-5B68-FAEB83ECDDDD}"/>
+                </a:ext>
+              </a:extLst>
+            </p:cNvPr>
+            <p:cNvSpPr txBox="1"/>
+            <p:nvPr/>
+          </p:nvSpPr>
+          <p:spPr>
+            <a:xfrm>
+              <a:off x="519837" y="4076512"/>
+              <a:ext cx="6070893" cy="461665"/>
+            </a:xfrm>
+            <a:prstGeom prst="rect">
+              <a:avLst/>
+            </a:prstGeom>
+            <a:noFill/>
+          </p:spPr>
+          <p:txBody>
+            <a:bodyPr wrap="none" rtlCol="0">
+              <a:spAutoFit/>
+            </a:bodyPr>
+            <a:lstStyle/>
+            <a:p>
+              <a:pPr marL="342900" indent="-342900">
+                <a:buFont typeface="Wingdings" pitchFamily="2" charset="2"/>
+                <a:buChar char="p"/>
+              </a:pPr>
+              <a:r>
+                <a:rPr kumimoji="1" lang="ja-JP" altLang="en-US" sz="2400"/>
+                <a:t>本実験では適応度評価エポック数と定義</a:t>
+              </a:r>
+            </a:p>
+          </p:txBody>
+        </p:sp>
+      </p:grpSp>
     </p:spTree>
     <p:extLst>
       <p:ext uri="{BB962C8B-B14F-4D97-AF65-F5344CB8AC3E}">
@@ -10917,7 +11088,7 @@
         </p:nvGrpSpPr>
         <p:grpSpPr>
           <a:xfrm>
-            <a:off x="717524" y="2445788"/>
+            <a:off x="717524" y="2191375"/>
             <a:ext cx="5933332" cy="2679472"/>
             <a:chOff x="823179" y="2518866"/>
             <a:chExt cx="5933332" cy="2679472"/>
@@ -11573,6 +11744,339 @@
           </p:txBody>
         </p:sp>
       </p:grpSp>
+      <p:sp>
+        <p:nvSpPr>
+          <p:cNvPr id="16" name="テキスト ボックス 15">
+            <a:extLst>
+              <a:ext uri="{FF2B5EF4-FFF2-40B4-BE49-F238E27FC236}">
+                <a16:creationId xmlns:a16="http://schemas.microsoft.com/office/drawing/2014/main" id="{84F7FF64-ADD0-6049-4F73-89C4A75DE3C1}"/>
+              </a:ext>
+            </a:extLst>
+          </p:cNvPr>
+          <p:cNvSpPr txBox="1"/>
+          <p:nvPr/>
+        </p:nvSpPr>
+        <p:spPr>
+          <a:xfrm>
+            <a:off x="113138" y="5013253"/>
+            <a:ext cx="7334985" cy="577081"/>
+          </a:xfrm>
+          <a:prstGeom prst="rect">
+            <a:avLst/>
+          </a:prstGeom>
+          <a:solidFill>
+            <a:schemeClr val="bg1"/>
+          </a:solidFill>
+          <a:ln>
+            <a:solidFill>
+              <a:schemeClr val="tx1"/>
+            </a:solidFill>
+          </a:ln>
+        </p:spPr>
+        <p:txBody>
+          <a:bodyPr wrap="square" rtlCol="0">
+            <a:spAutoFit/>
+          </a:bodyPr>
+          <a:lstStyle/>
+          <a:p>
+            <a:r>
+              <a:rPr lang="de" altLang="ja-JP" sz="1050" b="0" i="0" dirty="0">
+                <a:solidFill>
+                  <a:sysClr val="windowText" lastClr="000000"/>
+                </a:solidFill>
+                <a:effectLst/>
+                <a:latin typeface="Helvetica Neue" panose="02000503000000020004" pitchFamily="2" charset="0"/>
+              </a:rPr>
+              <a:t>Xiao, H., Rasul, K. &amp; </a:t>
+            </a:r>
+            <a:r>
+              <a:rPr lang="de" altLang="ja-JP" sz="1050" b="0" i="0" dirty="0" err="1">
+                <a:solidFill>
+                  <a:sysClr val="windowText" lastClr="000000"/>
+                </a:solidFill>
+                <a:effectLst/>
+                <a:latin typeface="Helvetica Neue" panose="02000503000000020004" pitchFamily="2" charset="0"/>
+              </a:rPr>
+              <a:t>Vollgraf</a:t>
+            </a:r>
+            <a:r>
+              <a:rPr lang="de" altLang="ja-JP" sz="1050" b="0" i="0" dirty="0">
+                <a:solidFill>
+                  <a:sysClr val="windowText" lastClr="000000"/>
+                </a:solidFill>
+                <a:effectLst/>
+                <a:latin typeface="Helvetica Neue" panose="02000503000000020004" pitchFamily="2" charset="0"/>
+              </a:rPr>
+              <a:t>, R. (2017). Fashion-MNIST: a </a:t>
+            </a:r>
+            <a:r>
+              <a:rPr lang="de" altLang="ja-JP" sz="1050" b="0" i="0" dirty="0" err="1">
+                <a:solidFill>
+                  <a:sysClr val="windowText" lastClr="000000"/>
+                </a:solidFill>
+                <a:effectLst/>
+                <a:latin typeface="Helvetica Neue" panose="02000503000000020004" pitchFamily="2" charset="0"/>
+              </a:rPr>
+              <a:t>Novel</a:t>
+            </a:r>
+            <a:r>
+              <a:rPr lang="de" altLang="ja-JP" sz="1050" b="0" i="0" dirty="0">
+                <a:solidFill>
+                  <a:sysClr val="windowText" lastClr="000000"/>
+                </a:solidFill>
+                <a:effectLst/>
+                <a:latin typeface="Helvetica Neue" panose="02000503000000020004" pitchFamily="2" charset="0"/>
+              </a:rPr>
+              <a:t> Image Dataset </a:t>
+            </a:r>
+            <a:r>
+              <a:rPr lang="de" altLang="ja-JP" sz="1050" b="0" i="0" dirty="0" err="1">
+                <a:solidFill>
+                  <a:sysClr val="windowText" lastClr="000000"/>
+                </a:solidFill>
+                <a:effectLst/>
+                <a:latin typeface="Helvetica Neue" panose="02000503000000020004" pitchFamily="2" charset="0"/>
+              </a:rPr>
+              <a:t>for</a:t>
+            </a:r>
+            <a:r>
+              <a:rPr lang="de" altLang="ja-JP" sz="1050" b="0" i="0" dirty="0">
+                <a:solidFill>
+                  <a:sysClr val="windowText" lastClr="000000"/>
+                </a:solidFill>
+                <a:effectLst/>
+                <a:latin typeface="Helvetica Neue" panose="02000503000000020004" pitchFamily="2" charset="0"/>
+              </a:rPr>
+              <a:t> Benchmarking </a:t>
+            </a:r>
+            <a:r>
+              <a:rPr lang="de" altLang="ja-JP" sz="1050" b="0" i="0" dirty="0" err="1">
+                <a:solidFill>
+                  <a:sysClr val="windowText" lastClr="000000"/>
+                </a:solidFill>
+                <a:effectLst/>
+                <a:latin typeface="Helvetica Neue" panose="02000503000000020004" pitchFamily="2" charset="0"/>
+              </a:rPr>
+              <a:t>Machine</a:t>
+            </a:r>
+            <a:r>
+              <a:rPr lang="de" altLang="ja-JP" sz="1050" b="0" i="0" dirty="0">
+                <a:solidFill>
+                  <a:sysClr val="windowText" lastClr="000000"/>
+                </a:solidFill>
+                <a:effectLst/>
+                <a:latin typeface="Helvetica Neue" panose="02000503000000020004" pitchFamily="2" charset="0"/>
+              </a:rPr>
+              <a:t> Learning </a:t>
+            </a:r>
+            <a:r>
+              <a:rPr lang="de" altLang="ja-JP" sz="1050" b="0" i="0" dirty="0" err="1">
+                <a:solidFill>
+                  <a:sysClr val="windowText" lastClr="000000"/>
+                </a:solidFill>
+                <a:effectLst/>
+                <a:latin typeface="Helvetica Neue" panose="02000503000000020004" pitchFamily="2" charset="0"/>
+              </a:rPr>
+              <a:t>Algorithms</a:t>
+            </a:r>
+            <a:r>
+              <a:rPr lang="de" altLang="ja-JP" sz="1050" b="0" i="0" dirty="0">
+                <a:solidFill>
+                  <a:sysClr val="windowText" lastClr="000000"/>
+                </a:solidFill>
+                <a:effectLst/>
+                <a:latin typeface="Helvetica Neue" panose="02000503000000020004" pitchFamily="2" charset="0"/>
+              </a:rPr>
+              <a:t> (</a:t>
+            </a:r>
+            <a:r>
+              <a:rPr lang="de" altLang="ja-JP" sz="1050" b="0" i="0" dirty="0" err="1">
+                <a:solidFill>
+                  <a:sysClr val="windowText" lastClr="000000"/>
+                </a:solidFill>
+                <a:effectLst/>
+                <a:latin typeface="Helvetica Neue" panose="02000503000000020004" pitchFamily="2" charset="0"/>
+              </a:rPr>
+              <a:t>cite</a:t>
+            </a:r>
+            <a:r>
+              <a:rPr lang="de" altLang="ja-JP" sz="1050" b="0" i="0" dirty="0">
+                <a:solidFill>
+                  <a:sysClr val="windowText" lastClr="000000"/>
+                </a:solidFill>
+                <a:effectLst/>
+                <a:latin typeface="Helvetica Neue" panose="02000503000000020004" pitchFamily="2" charset="0"/>
+              </a:rPr>
+              <a:t> arxiv:1708.07747Comment: Dataset </a:t>
+            </a:r>
+            <a:r>
+              <a:rPr lang="de" altLang="ja-JP" sz="1050" b="0" i="0" dirty="0" err="1">
+                <a:solidFill>
+                  <a:sysClr val="windowText" lastClr="000000"/>
+                </a:solidFill>
+                <a:effectLst/>
+                <a:latin typeface="Helvetica Neue" panose="02000503000000020004" pitchFamily="2" charset="0"/>
+              </a:rPr>
+              <a:t>is</a:t>
+            </a:r>
+            <a:r>
+              <a:rPr lang="de" altLang="ja-JP" sz="1050" b="0" i="0" dirty="0">
+                <a:solidFill>
+                  <a:sysClr val="windowText" lastClr="000000"/>
+                </a:solidFill>
+                <a:effectLst/>
+                <a:latin typeface="Helvetica Neue" panose="02000503000000020004" pitchFamily="2" charset="0"/>
+              </a:rPr>
+              <a:t> </a:t>
+            </a:r>
+            <a:r>
+              <a:rPr lang="de" altLang="ja-JP" sz="1050" b="0" i="0" dirty="0" err="1">
+                <a:solidFill>
+                  <a:sysClr val="windowText" lastClr="000000"/>
+                </a:solidFill>
+                <a:effectLst/>
+                <a:latin typeface="Helvetica Neue" panose="02000503000000020004" pitchFamily="2" charset="0"/>
+              </a:rPr>
+              <a:t>freely</a:t>
+            </a:r>
+            <a:r>
+              <a:rPr lang="de" altLang="ja-JP" sz="1050" b="0" i="0" dirty="0">
+                <a:solidFill>
+                  <a:sysClr val="windowText" lastClr="000000"/>
+                </a:solidFill>
+                <a:effectLst/>
+                <a:latin typeface="Helvetica Neue" panose="02000503000000020004" pitchFamily="2" charset="0"/>
+              </a:rPr>
+              <a:t> </a:t>
+            </a:r>
+            <a:r>
+              <a:rPr lang="de" altLang="ja-JP" sz="1050" b="0" i="0" dirty="0" err="1">
+                <a:solidFill>
+                  <a:sysClr val="windowText" lastClr="000000"/>
+                </a:solidFill>
+                <a:effectLst/>
+                <a:latin typeface="Helvetica Neue" panose="02000503000000020004" pitchFamily="2" charset="0"/>
+              </a:rPr>
+              <a:t>available</a:t>
+            </a:r>
+            <a:r>
+              <a:rPr lang="de" altLang="ja-JP" sz="1050" b="0" i="0" dirty="0">
+                <a:solidFill>
+                  <a:sysClr val="windowText" lastClr="000000"/>
+                </a:solidFill>
+                <a:effectLst/>
+                <a:latin typeface="Helvetica Neue" panose="02000503000000020004" pitchFamily="2" charset="0"/>
+              </a:rPr>
+              <a:t> at https://</a:t>
+            </a:r>
+            <a:r>
+              <a:rPr lang="de" altLang="ja-JP" sz="1050" b="0" i="0" dirty="0" err="1">
+                <a:solidFill>
+                  <a:sysClr val="windowText" lastClr="000000"/>
+                </a:solidFill>
+                <a:effectLst/>
+                <a:latin typeface="Helvetica Neue" panose="02000503000000020004" pitchFamily="2" charset="0"/>
+              </a:rPr>
+              <a:t>github.com</a:t>
+            </a:r>
+            <a:r>
+              <a:rPr lang="de" altLang="ja-JP" sz="1050" b="0" i="0" dirty="0">
+                <a:solidFill>
+                  <a:sysClr val="windowText" lastClr="000000"/>
+                </a:solidFill>
+                <a:effectLst/>
+                <a:latin typeface="Helvetica Neue" panose="02000503000000020004" pitchFamily="2" charset="0"/>
+              </a:rPr>
+              <a:t>/</a:t>
+            </a:r>
+            <a:r>
+              <a:rPr lang="de" altLang="ja-JP" sz="1050" b="0" i="0" dirty="0" err="1">
+                <a:solidFill>
+                  <a:sysClr val="windowText" lastClr="000000"/>
+                </a:solidFill>
+                <a:effectLst/>
+                <a:latin typeface="Helvetica Neue" panose="02000503000000020004" pitchFamily="2" charset="0"/>
+              </a:rPr>
+              <a:t>zalandoresearch</a:t>
+            </a:r>
+            <a:r>
+              <a:rPr lang="de" altLang="ja-JP" sz="1050" b="0" i="0" dirty="0">
+                <a:solidFill>
+                  <a:sysClr val="windowText" lastClr="000000"/>
+                </a:solidFill>
+                <a:effectLst/>
+                <a:latin typeface="Helvetica Neue" panose="02000503000000020004" pitchFamily="2" charset="0"/>
+              </a:rPr>
+              <a:t>/fashion-</a:t>
+            </a:r>
+            <a:r>
+              <a:rPr lang="de" altLang="ja-JP" sz="1050" b="0" i="0" dirty="0" err="1">
+                <a:solidFill>
+                  <a:sysClr val="windowText" lastClr="000000"/>
+                </a:solidFill>
+                <a:effectLst/>
+                <a:latin typeface="Helvetica Neue" panose="02000503000000020004" pitchFamily="2" charset="0"/>
+              </a:rPr>
+              <a:t>mnist</a:t>
+            </a:r>
+            <a:r>
+              <a:rPr lang="de" altLang="ja-JP" sz="1050" b="0" i="0" dirty="0">
+                <a:solidFill>
+                  <a:sysClr val="windowText" lastClr="000000"/>
+                </a:solidFill>
+                <a:effectLst/>
+                <a:latin typeface="Helvetica Neue" panose="02000503000000020004" pitchFamily="2" charset="0"/>
+              </a:rPr>
+              <a:t> Benchmark </a:t>
+            </a:r>
+            <a:r>
+              <a:rPr lang="de" altLang="ja-JP" sz="1050" b="0" i="0" dirty="0" err="1">
+                <a:solidFill>
+                  <a:sysClr val="windowText" lastClr="000000"/>
+                </a:solidFill>
+                <a:effectLst/>
+                <a:latin typeface="Helvetica Neue" panose="02000503000000020004" pitchFamily="2" charset="0"/>
+              </a:rPr>
+              <a:t>is</a:t>
+            </a:r>
+            <a:r>
+              <a:rPr lang="de" altLang="ja-JP" sz="1050" b="0" i="0" dirty="0">
+                <a:solidFill>
+                  <a:sysClr val="windowText" lastClr="000000"/>
+                </a:solidFill>
+                <a:effectLst/>
+                <a:latin typeface="Helvetica Neue" panose="02000503000000020004" pitchFamily="2" charset="0"/>
+              </a:rPr>
+              <a:t> </a:t>
+            </a:r>
+            <a:r>
+              <a:rPr lang="de" altLang="ja-JP" sz="1050" b="0" i="0" dirty="0" err="1">
+                <a:solidFill>
+                  <a:sysClr val="windowText" lastClr="000000"/>
+                </a:solidFill>
+                <a:effectLst/>
+                <a:latin typeface="Helvetica Neue" panose="02000503000000020004" pitchFamily="2" charset="0"/>
+              </a:rPr>
+              <a:t>available</a:t>
+            </a:r>
+            <a:r>
+              <a:rPr lang="de" altLang="ja-JP" sz="1050" b="0" i="0" dirty="0">
+                <a:solidFill>
+                  <a:sysClr val="windowText" lastClr="000000"/>
+                </a:solidFill>
+                <a:effectLst/>
+                <a:latin typeface="Helvetica Neue" panose="02000503000000020004" pitchFamily="2" charset="0"/>
+              </a:rPr>
+              <a:t> at http://fashion-mnist.s3-website.eu-central-1.amazonaws.com/)</a:t>
+            </a:r>
+            <a:endParaRPr kumimoji="1" lang="ja-JP" altLang="en-US" sz="1050">
+              <a:solidFill>
+                <a:sysClr val="windowText" lastClr="000000"/>
+              </a:solidFill>
+            </a:endParaRPr>
+          </a:p>
+        </p:txBody>
+      </p:sp>
     </p:spTree>
     <p:extLst>
       <p:ext uri="{BB962C8B-B14F-4D97-AF65-F5344CB8AC3E}">
@@ -12366,271 +12870,738 @@
           </a:p>
         </p:txBody>
       </p:sp>
-      <p:graphicFrame>
-        <p:nvGraphicFramePr>
-          <p:cNvPr id="7" name="表 7">
-            <a:extLst>
-              <a:ext uri="{FF2B5EF4-FFF2-40B4-BE49-F238E27FC236}">
-                <a16:creationId xmlns:a16="http://schemas.microsoft.com/office/drawing/2014/main" id="{B58CAE38-B4D4-A24F-4B79-54820E7DBE40}"/>
-              </a:ext>
-            </a:extLst>
-          </p:cNvPr>
-          <p:cNvGraphicFramePr>
-            <a:graphicFrameLocks noGrp="1"/>
-          </p:cNvGraphicFramePr>
-          <p:nvPr>
-            <p:extLst>
-              <p:ext uri="{D42A27DB-BD31-4B8C-83A1-F6EECF244321}">
-                <p14:modId xmlns:p14="http://schemas.microsoft.com/office/powerpoint/2010/main" val="33574158"/>
-              </p:ext>
-            </p:extLst>
-          </p:nvPr>
-        </p:nvGraphicFramePr>
-        <p:xfrm>
-          <a:off x="1010662" y="2025851"/>
-          <a:ext cx="4230918" cy="2682240"/>
-        </p:xfrm>
-        <a:graphic>
-          <a:graphicData uri="http://schemas.openxmlformats.org/drawingml/2006/table">
-            <a:tbl>
-              <a:tblPr firstRow="1" bandRow="1">
-                <a:tableStyleId>{5C22544A-7EE6-4342-B048-85BDC9FD1C3A}</a:tableStyleId>
-              </a:tblPr>
-              <a:tblGrid>
-                <a:gridCol w="2115459">
-                  <a:extLst>
-                    <a:ext uri="{9D8B030D-6E8A-4147-A177-3AD203B41FA5}">
-                      <a16:colId xmlns:a16="http://schemas.microsoft.com/office/drawing/2014/main" val="1796618978"/>
-                    </a:ext>
-                  </a:extLst>
-                </a:gridCol>
-                <a:gridCol w="2115459">
-                  <a:extLst>
-                    <a:ext uri="{9D8B030D-6E8A-4147-A177-3AD203B41FA5}">
-                      <a16:colId xmlns:a16="http://schemas.microsoft.com/office/drawing/2014/main" val="933054015"/>
-                    </a:ext>
-                  </a:extLst>
-                </a:gridCol>
-              </a:tblGrid>
-              <a:tr h="370840">
-                <a:tc>
-                  <a:txBody>
-                    <a:bodyPr/>
-                    <a:lstStyle/>
-                    <a:p>
-                      <a:r>
-                        <a:rPr kumimoji="1" lang="ja-JP" altLang="en-US" sz="2000"/>
-                        <a:t>世代数</a:t>
-                      </a:r>
-                    </a:p>
-                  </a:txBody>
-                  <a:tcPr/>
-                </a:tc>
-                <a:tc>
-                  <a:txBody>
-                    <a:bodyPr/>
-                    <a:lstStyle/>
-                    <a:p>
-                      <a:r>
-                        <a:rPr kumimoji="1" lang="ja-JP" altLang="en-US" sz="2000"/>
-                        <a:t>適応度評価</a:t>
-                      </a:r>
-                      <a:br>
-                        <a:rPr kumimoji="1" lang="en-US" altLang="ja-JP" sz="2000" dirty="0"/>
-                      </a:br>
-                      <a:r>
-                        <a:rPr kumimoji="1" lang="ja-JP" altLang="en-US" sz="2000"/>
-                        <a:t>エポック数</a:t>
-                      </a:r>
-                    </a:p>
-                  </a:txBody>
-                  <a:tcPr/>
-                </a:tc>
+      <mc:AlternateContent xmlns:mc="http://schemas.openxmlformats.org/markup-compatibility/2006">
+        <mc:Choice xmlns:a14="http://schemas.microsoft.com/office/drawing/2010/main" Requires="a14">
+          <p:graphicFrame>
+            <p:nvGraphicFramePr>
+              <p:cNvPr id="7" name="表 7">
                 <a:extLst>
-                  <a:ext uri="{0D108BD9-81ED-4DB2-BD59-A6C34878D82A}">
-                    <a16:rowId xmlns:a16="http://schemas.microsoft.com/office/drawing/2014/main" val="1072742043"/>
+                  <a:ext uri="{FF2B5EF4-FFF2-40B4-BE49-F238E27FC236}">
+                    <a16:creationId xmlns:a16="http://schemas.microsoft.com/office/drawing/2014/main" id="{B58CAE38-B4D4-A24F-4B79-54820E7DBE40}"/>
                   </a:ext>
                 </a:extLst>
-              </a:tr>
-              <a:tr h="370840">
-                <a:tc>
-                  <a:txBody>
-                    <a:bodyPr/>
-                    <a:lstStyle/>
-                    <a:p>
-                      <a:r>
-                        <a:rPr kumimoji="1" lang="en-US" altLang="ja-JP" sz="2000" dirty="0"/>
-                        <a:t>16</a:t>
-                      </a:r>
-                      <a:endParaRPr kumimoji="1" lang="ja-JP" altLang="en-US" sz="2000"/>
-                    </a:p>
-                  </a:txBody>
-                  <a:tcPr/>
-                </a:tc>
-                <a:tc>
-                  <a:txBody>
-                    <a:bodyPr/>
-                    <a:lstStyle/>
-                    <a:p>
-                      <a:r>
-                        <a:rPr kumimoji="1" lang="en-US" altLang="ja-JP" sz="2000" dirty="0"/>
-                        <a:t>1</a:t>
-                      </a:r>
-                      <a:endParaRPr kumimoji="1" lang="ja-JP" altLang="en-US" sz="2000"/>
-                    </a:p>
-                  </a:txBody>
-                  <a:tcPr/>
-                </a:tc>
+              </p:cNvPr>
+              <p:cNvGraphicFramePr>
+                <a:graphicFrameLocks noGrp="1"/>
+              </p:cNvGraphicFramePr>
+              <p:nvPr>
+                <p:extLst>
+                  <p:ext uri="{D42A27DB-BD31-4B8C-83A1-F6EECF244321}">
+                    <p14:modId xmlns:p14="http://schemas.microsoft.com/office/powerpoint/2010/main" val="2167049643"/>
+                  </p:ext>
+                </p:extLst>
+              </p:nvPr>
+            </p:nvGraphicFramePr>
+            <p:xfrm>
+              <a:off x="797867" y="2025851"/>
+              <a:ext cx="2801860" cy="2682240"/>
+            </p:xfrm>
+            <a:graphic>
+              <a:graphicData uri="http://schemas.openxmlformats.org/drawingml/2006/table">
+                <a:tbl>
+                  <a:tblPr firstRow="1" bandRow="1">
+                    <a:tableStyleId>{5C22544A-7EE6-4342-B048-85BDC9FD1C3A}</a:tableStyleId>
+                  </a:tblPr>
+                  <a:tblGrid>
+                    <a:gridCol w="320428">
+                      <a:extLst>
+                        <a:ext uri="{9D8B030D-6E8A-4147-A177-3AD203B41FA5}">
+                          <a16:colId xmlns:a16="http://schemas.microsoft.com/office/drawing/2014/main" val="4216052895"/>
+                        </a:ext>
+                      </a:extLst>
+                    </a:gridCol>
+                    <a:gridCol w="1006997">
+                      <a:extLst>
+                        <a:ext uri="{9D8B030D-6E8A-4147-A177-3AD203B41FA5}">
+                          <a16:colId xmlns:a16="http://schemas.microsoft.com/office/drawing/2014/main" val="1796618978"/>
+                        </a:ext>
+                      </a:extLst>
+                    </a:gridCol>
+                    <a:gridCol w="1474435">
+                      <a:extLst>
+                        <a:ext uri="{9D8B030D-6E8A-4147-A177-3AD203B41FA5}">
+                          <a16:colId xmlns:a16="http://schemas.microsoft.com/office/drawing/2014/main" val="933054015"/>
+                        </a:ext>
+                      </a:extLst>
+                    </a:gridCol>
+                  </a:tblGrid>
+                  <a:tr h="370840">
+                    <a:tc>
+                      <a:txBody>
+                        <a:bodyPr/>
+                        <a:lstStyle/>
+                        <a:p>
+                          <a14:m>
+                            <m:oMathPara xmlns:m="http://schemas.openxmlformats.org/officeDocument/2006/math">
+                              <m:oMathParaPr>
+                                <m:jc m:val="centerGroup"/>
+                              </m:oMathParaPr>
+                              <m:oMath xmlns:m="http://schemas.openxmlformats.org/officeDocument/2006/math">
+                                <m:r>
+                                  <a:rPr kumimoji="1" lang="en-US" altLang="ja-JP" sz="2000" b="1" i="1" smtClean="0">
+                                    <a:latin typeface="Cambria Math" panose="02040503050406030204" pitchFamily="18" charset="0"/>
+                                  </a:rPr>
+                                  <m:t>𝒊</m:t>
+                                </m:r>
+                              </m:oMath>
+                            </m:oMathPara>
+                          </a14:m>
+                          <a:endParaRPr kumimoji="1" lang="ja-JP" altLang="en-US" sz="2000"/>
+                        </a:p>
+                      </a:txBody>
+                      <a:tcPr/>
+                    </a:tc>
+                    <a:tc>
+                      <a:txBody>
+                        <a:bodyPr/>
+                        <a:lstStyle/>
+                        <a:p>
+                          <a:r>
+                            <a:rPr kumimoji="1" lang="ja-JP" altLang="en-US" sz="2000"/>
+                            <a:t>世代数</a:t>
+                          </a:r>
+                        </a:p>
+                      </a:txBody>
+                      <a:tcPr/>
+                    </a:tc>
+                    <a:tc>
+                      <a:txBody>
+                        <a:bodyPr/>
+                        <a:lstStyle/>
+                        <a:p>
+                          <a:r>
+                            <a:rPr kumimoji="1" lang="ja-JP" altLang="en-US" sz="2000"/>
+                            <a:t>適応度評価</a:t>
+                          </a:r>
+                          <a:br>
+                            <a:rPr kumimoji="1" lang="en-US" altLang="ja-JP" sz="2000" dirty="0"/>
+                          </a:br>
+                          <a:r>
+                            <a:rPr kumimoji="1" lang="ja-JP" altLang="en-US" sz="2000"/>
+                            <a:t>エポック数</a:t>
+                          </a:r>
+                        </a:p>
+                      </a:txBody>
+                      <a:tcPr/>
+                    </a:tc>
+                    <a:extLst>
+                      <a:ext uri="{0D108BD9-81ED-4DB2-BD59-A6C34878D82A}">
+                        <a16:rowId xmlns:a16="http://schemas.microsoft.com/office/drawing/2014/main" val="1072742043"/>
+                      </a:ext>
+                    </a:extLst>
+                  </a:tr>
+                  <a:tr h="370840">
+                    <a:tc>
+                      <a:txBody>
+                        <a:bodyPr/>
+                        <a:lstStyle/>
+                        <a:p>
+                          <a:r>
+                            <a:rPr kumimoji="1" lang="en-US" altLang="ja-JP" sz="2000" dirty="0"/>
+                            <a:t>1</a:t>
+                          </a:r>
+                          <a:endParaRPr kumimoji="1" lang="ja-JP" altLang="en-US" sz="2000"/>
+                        </a:p>
+                      </a:txBody>
+                      <a:tcPr/>
+                    </a:tc>
+                    <a:tc>
+                      <a:txBody>
+                        <a:bodyPr/>
+                        <a:lstStyle/>
+                        <a:p>
+                          <a:r>
+                            <a:rPr kumimoji="1" lang="en-US" altLang="ja-JP" sz="2000" dirty="0"/>
+                            <a:t>16</a:t>
+                          </a:r>
+                          <a:endParaRPr kumimoji="1" lang="ja-JP" altLang="en-US" sz="2000"/>
+                        </a:p>
+                      </a:txBody>
+                      <a:tcPr/>
+                    </a:tc>
+                    <a:tc>
+                      <a:txBody>
+                        <a:bodyPr/>
+                        <a:lstStyle/>
+                        <a:p>
+                          <a:r>
+                            <a:rPr kumimoji="1" lang="en-US" altLang="ja-JP" sz="2000" dirty="0"/>
+                            <a:t>1</a:t>
+                          </a:r>
+                          <a:endParaRPr kumimoji="1" lang="ja-JP" altLang="en-US" sz="2000"/>
+                        </a:p>
+                      </a:txBody>
+                      <a:tcPr/>
+                    </a:tc>
+                    <a:extLst>
+                      <a:ext uri="{0D108BD9-81ED-4DB2-BD59-A6C34878D82A}">
+                        <a16:rowId xmlns:a16="http://schemas.microsoft.com/office/drawing/2014/main" val="1965069896"/>
+                      </a:ext>
+                    </a:extLst>
+                  </a:tr>
+                  <a:tr h="370840">
+                    <a:tc>
+                      <a:txBody>
+                        <a:bodyPr/>
+                        <a:lstStyle/>
+                        <a:p>
+                          <a:r>
+                            <a:rPr kumimoji="1" lang="en-US" altLang="ja-JP" sz="2000" dirty="0"/>
+                            <a:t>2</a:t>
+                          </a:r>
+                          <a:endParaRPr kumimoji="1" lang="ja-JP" altLang="en-US" sz="2000"/>
+                        </a:p>
+                      </a:txBody>
+                      <a:tcPr/>
+                    </a:tc>
+                    <a:tc>
+                      <a:txBody>
+                        <a:bodyPr/>
+                        <a:lstStyle/>
+                        <a:p>
+                          <a:r>
+                            <a:rPr kumimoji="1" lang="en-US" altLang="ja-JP" sz="2000" dirty="0"/>
+                            <a:t>8</a:t>
+                          </a:r>
+                          <a:endParaRPr kumimoji="1" lang="ja-JP" altLang="en-US" sz="2000"/>
+                        </a:p>
+                      </a:txBody>
+                      <a:tcPr/>
+                    </a:tc>
+                    <a:tc>
+                      <a:txBody>
+                        <a:bodyPr/>
+                        <a:lstStyle/>
+                        <a:p>
+                          <a:r>
+                            <a:rPr kumimoji="1" lang="en-US" altLang="ja-JP" sz="2000" dirty="0"/>
+                            <a:t>2</a:t>
+                          </a:r>
+                          <a:endParaRPr kumimoji="1" lang="ja-JP" altLang="en-US" sz="2000"/>
+                        </a:p>
+                      </a:txBody>
+                      <a:tcPr/>
+                    </a:tc>
+                    <a:extLst>
+                      <a:ext uri="{0D108BD9-81ED-4DB2-BD59-A6C34878D82A}">
+                        <a16:rowId xmlns:a16="http://schemas.microsoft.com/office/drawing/2014/main" val="4203159158"/>
+                      </a:ext>
+                    </a:extLst>
+                  </a:tr>
+                  <a:tr h="370840">
+                    <a:tc>
+                      <a:txBody>
+                        <a:bodyPr/>
+                        <a:lstStyle/>
+                        <a:p>
+                          <a:r>
+                            <a:rPr kumimoji="1" lang="en-US" altLang="ja-JP" sz="2000" dirty="0"/>
+                            <a:t>3</a:t>
+                          </a:r>
+                          <a:endParaRPr kumimoji="1" lang="ja-JP" altLang="en-US" sz="2000"/>
+                        </a:p>
+                      </a:txBody>
+                      <a:tcPr/>
+                    </a:tc>
+                    <a:tc>
+                      <a:txBody>
+                        <a:bodyPr/>
+                        <a:lstStyle/>
+                        <a:p>
+                          <a:r>
+                            <a:rPr kumimoji="1" lang="en-US" altLang="ja-JP" sz="2000" dirty="0"/>
+                            <a:t>4</a:t>
+                          </a:r>
+                          <a:endParaRPr kumimoji="1" lang="ja-JP" altLang="en-US" sz="2000"/>
+                        </a:p>
+                      </a:txBody>
+                      <a:tcPr/>
+                    </a:tc>
+                    <a:tc>
+                      <a:txBody>
+                        <a:bodyPr/>
+                        <a:lstStyle/>
+                        <a:p>
+                          <a:r>
+                            <a:rPr kumimoji="1" lang="en-US" altLang="ja-JP" sz="2000" dirty="0"/>
+                            <a:t>4</a:t>
+                          </a:r>
+                          <a:endParaRPr kumimoji="1" lang="ja-JP" altLang="en-US" sz="2000"/>
+                        </a:p>
+                      </a:txBody>
+                      <a:tcPr/>
+                    </a:tc>
+                    <a:extLst>
+                      <a:ext uri="{0D108BD9-81ED-4DB2-BD59-A6C34878D82A}">
+                        <a16:rowId xmlns:a16="http://schemas.microsoft.com/office/drawing/2014/main" val="422691959"/>
+                      </a:ext>
+                    </a:extLst>
+                  </a:tr>
+                  <a:tr h="370840">
+                    <a:tc>
+                      <a:txBody>
+                        <a:bodyPr/>
+                        <a:lstStyle/>
+                        <a:p>
+                          <a:r>
+                            <a:rPr kumimoji="1" lang="en-US" altLang="ja-JP" sz="2000" dirty="0"/>
+                            <a:t>4</a:t>
+                          </a:r>
+                          <a:endParaRPr kumimoji="1" lang="ja-JP" altLang="en-US" sz="2000"/>
+                        </a:p>
+                      </a:txBody>
+                      <a:tcPr/>
+                    </a:tc>
+                    <a:tc>
+                      <a:txBody>
+                        <a:bodyPr/>
+                        <a:lstStyle/>
+                        <a:p>
+                          <a:r>
+                            <a:rPr kumimoji="1" lang="en-US" altLang="ja-JP" sz="2000" dirty="0"/>
+                            <a:t>2</a:t>
+                          </a:r>
+                          <a:endParaRPr kumimoji="1" lang="ja-JP" altLang="en-US" sz="2000"/>
+                        </a:p>
+                      </a:txBody>
+                      <a:tcPr/>
+                    </a:tc>
+                    <a:tc>
+                      <a:txBody>
+                        <a:bodyPr/>
+                        <a:lstStyle/>
+                        <a:p>
+                          <a:r>
+                            <a:rPr kumimoji="1" lang="en-US" altLang="ja-JP" sz="2000" dirty="0"/>
+                            <a:t>8</a:t>
+                          </a:r>
+                          <a:endParaRPr kumimoji="1" lang="ja-JP" altLang="en-US" sz="2000"/>
+                        </a:p>
+                      </a:txBody>
+                      <a:tcPr/>
+                    </a:tc>
+                    <a:extLst>
+                      <a:ext uri="{0D108BD9-81ED-4DB2-BD59-A6C34878D82A}">
+                        <a16:rowId xmlns:a16="http://schemas.microsoft.com/office/drawing/2014/main" val="1941882953"/>
+                      </a:ext>
+                    </a:extLst>
+                  </a:tr>
+                  <a:tr h="370840">
+                    <a:tc>
+                      <a:txBody>
+                        <a:bodyPr/>
+                        <a:lstStyle/>
+                        <a:p>
+                          <a:r>
+                            <a:rPr kumimoji="1" lang="en-US" altLang="ja-JP" sz="2000" dirty="0"/>
+                            <a:t>5</a:t>
+                          </a:r>
+                          <a:endParaRPr kumimoji="1" lang="ja-JP" altLang="en-US" sz="2000"/>
+                        </a:p>
+                      </a:txBody>
+                      <a:tcPr/>
+                    </a:tc>
+                    <a:tc>
+                      <a:txBody>
+                        <a:bodyPr/>
+                        <a:lstStyle/>
+                        <a:p>
+                          <a:r>
+                            <a:rPr kumimoji="1" lang="en-US" altLang="ja-JP" sz="2000" dirty="0"/>
+                            <a:t>1</a:t>
+                          </a:r>
+                          <a:endParaRPr kumimoji="1" lang="ja-JP" altLang="en-US" sz="2000"/>
+                        </a:p>
+                      </a:txBody>
+                      <a:tcPr/>
+                    </a:tc>
+                    <a:tc>
+                      <a:txBody>
+                        <a:bodyPr/>
+                        <a:lstStyle/>
+                        <a:p>
+                          <a:r>
+                            <a:rPr kumimoji="1" lang="en-US" altLang="ja-JP" sz="2000" dirty="0"/>
+                            <a:t>16</a:t>
+                          </a:r>
+                          <a:endParaRPr kumimoji="1" lang="ja-JP" altLang="en-US" sz="2000"/>
+                        </a:p>
+                      </a:txBody>
+                      <a:tcPr/>
+                    </a:tc>
+                    <a:extLst>
+                      <a:ext uri="{0D108BD9-81ED-4DB2-BD59-A6C34878D82A}">
+                        <a16:rowId xmlns:a16="http://schemas.microsoft.com/office/drawing/2014/main" val="2591033253"/>
+                      </a:ext>
+                    </a:extLst>
+                  </a:tr>
+                </a:tbl>
+              </a:graphicData>
+            </a:graphic>
+          </p:graphicFrame>
+        </mc:Choice>
+        <mc:Fallback>
+          <p:graphicFrame>
+            <p:nvGraphicFramePr>
+              <p:cNvPr id="7" name="表 7">
                 <a:extLst>
-                  <a:ext uri="{0D108BD9-81ED-4DB2-BD59-A6C34878D82A}">
-                    <a16:rowId xmlns:a16="http://schemas.microsoft.com/office/drawing/2014/main" val="1965069896"/>
+                  <a:ext uri="{FF2B5EF4-FFF2-40B4-BE49-F238E27FC236}">
+                    <a16:creationId xmlns:a16="http://schemas.microsoft.com/office/drawing/2014/main" id="{B58CAE38-B4D4-A24F-4B79-54820E7DBE40}"/>
                   </a:ext>
                 </a:extLst>
-              </a:tr>
-              <a:tr h="370840">
-                <a:tc>
-                  <a:txBody>
-                    <a:bodyPr/>
-                    <a:lstStyle/>
-                    <a:p>
-                      <a:r>
-                        <a:rPr kumimoji="1" lang="en-US" altLang="ja-JP" sz="2000" dirty="0"/>
-                        <a:t>8</a:t>
-                      </a:r>
-                      <a:endParaRPr kumimoji="1" lang="ja-JP" altLang="en-US" sz="2000"/>
-                    </a:p>
-                  </a:txBody>
-                  <a:tcPr/>
-                </a:tc>
-                <a:tc>
-                  <a:txBody>
-                    <a:bodyPr/>
-                    <a:lstStyle/>
-                    <a:p>
-                      <a:r>
-                        <a:rPr kumimoji="1" lang="en-US" altLang="ja-JP" sz="2000" dirty="0"/>
-                        <a:t>2</a:t>
-                      </a:r>
-                      <a:endParaRPr kumimoji="1" lang="ja-JP" altLang="en-US" sz="2000"/>
-                    </a:p>
-                  </a:txBody>
-                  <a:tcPr/>
-                </a:tc>
-                <a:extLst>
-                  <a:ext uri="{0D108BD9-81ED-4DB2-BD59-A6C34878D82A}">
-                    <a16:rowId xmlns:a16="http://schemas.microsoft.com/office/drawing/2014/main" val="4203159158"/>
-                  </a:ext>
-                </a:extLst>
-              </a:tr>
-              <a:tr h="370840">
-                <a:tc>
-                  <a:txBody>
-                    <a:bodyPr/>
-                    <a:lstStyle/>
-                    <a:p>
-                      <a:r>
-                        <a:rPr kumimoji="1" lang="en-US" altLang="ja-JP" sz="2000" dirty="0"/>
-                        <a:t>4</a:t>
-                      </a:r>
-                      <a:endParaRPr kumimoji="1" lang="ja-JP" altLang="en-US" sz="2000"/>
-                    </a:p>
-                  </a:txBody>
-                  <a:tcPr/>
-                </a:tc>
-                <a:tc>
-                  <a:txBody>
-                    <a:bodyPr/>
-                    <a:lstStyle/>
-                    <a:p>
-                      <a:r>
-                        <a:rPr kumimoji="1" lang="en-US" altLang="ja-JP" sz="2000" dirty="0"/>
-                        <a:t>4</a:t>
-                      </a:r>
-                      <a:endParaRPr kumimoji="1" lang="ja-JP" altLang="en-US" sz="2000"/>
-                    </a:p>
-                  </a:txBody>
-                  <a:tcPr/>
-                </a:tc>
-                <a:extLst>
-                  <a:ext uri="{0D108BD9-81ED-4DB2-BD59-A6C34878D82A}">
-                    <a16:rowId xmlns:a16="http://schemas.microsoft.com/office/drawing/2014/main" val="422691959"/>
-                  </a:ext>
-                </a:extLst>
-              </a:tr>
-              <a:tr h="370840">
-                <a:tc>
-                  <a:txBody>
-                    <a:bodyPr/>
-                    <a:lstStyle/>
-                    <a:p>
-                      <a:r>
-                        <a:rPr kumimoji="1" lang="en-US" altLang="ja-JP" sz="2000" dirty="0"/>
-                        <a:t>2</a:t>
-                      </a:r>
-                      <a:endParaRPr kumimoji="1" lang="ja-JP" altLang="en-US" sz="2000"/>
-                    </a:p>
-                  </a:txBody>
-                  <a:tcPr/>
-                </a:tc>
-                <a:tc>
-                  <a:txBody>
-                    <a:bodyPr/>
-                    <a:lstStyle/>
-                    <a:p>
-                      <a:r>
-                        <a:rPr kumimoji="1" lang="en-US" altLang="ja-JP" sz="2000" dirty="0"/>
-                        <a:t>8</a:t>
-                      </a:r>
-                      <a:endParaRPr kumimoji="1" lang="ja-JP" altLang="en-US" sz="2000"/>
-                    </a:p>
-                  </a:txBody>
-                  <a:tcPr/>
-                </a:tc>
-                <a:extLst>
-                  <a:ext uri="{0D108BD9-81ED-4DB2-BD59-A6C34878D82A}">
-                    <a16:rowId xmlns:a16="http://schemas.microsoft.com/office/drawing/2014/main" val="1941882953"/>
-                  </a:ext>
-                </a:extLst>
-              </a:tr>
-              <a:tr h="370840">
-                <a:tc>
-                  <a:txBody>
-                    <a:bodyPr/>
-                    <a:lstStyle/>
-                    <a:p>
-                      <a:r>
-                        <a:rPr kumimoji="1" lang="en-US" altLang="ja-JP" sz="2000" dirty="0"/>
-                        <a:t>1</a:t>
-                      </a:r>
-                      <a:endParaRPr kumimoji="1" lang="ja-JP" altLang="en-US" sz="2000"/>
-                    </a:p>
-                  </a:txBody>
-                  <a:tcPr/>
-                </a:tc>
-                <a:tc>
-                  <a:txBody>
-                    <a:bodyPr/>
-                    <a:lstStyle/>
-                    <a:p>
-                      <a:r>
-                        <a:rPr kumimoji="1" lang="en-US" altLang="ja-JP" sz="2000" dirty="0"/>
-                        <a:t>16</a:t>
-                      </a:r>
-                      <a:endParaRPr kumimoji="1" lang="ja-JP" altLang="en-US" sz="2000"/>
-                    </a:p>
-                  </a:txBody>
-                  <a:tcPr/>
-                </a:tc>
-                <a:extLst>
-                  <a:ext uri="{0D108BD9-81ED-4DB2-BD59-A6C34878D82A}">
-                    <a16:rowId xmlns:a16="http://schemas.microsoft.com/office/drawing/2014/main" val="2591033253"/>
-                  </a:ext>
-                </a:extLst>
-              </a:tr>
-            </a:tbl>
-          </a:graphicData>
-        </a:graphic>
-      </p:graphicFrame>
+              </p:cNvPr>
+              <p:cNvGraphicFramePr>
+                <a:graphicFrameLocks noGrp="1"/>
+              </p:cNvGraphicFramePr>
+              <p:nvPr>
+                <p:extLst>
+                  <p:ext uri="{D42A27DB-BD31-4B8C-83A1-F6EECF244321}">
+                    <p14:modId xmlns:p14="http://schemas.microsoft.com/office/powerpoint/2010/main" val="2167049643"/>
+                  </p:ext>
+                </p:extLst>
+              </p:nvPr>
+            </p:nvGraphicFramePr>
+            <p:xfrm>
+              <a:off x="797867" y="2025851"/>
+              <a:ext cx="2801860" cy="2682240"/>
+            </p:xfrm>
+            <a:graphic>
+              <a:graphicData uri="http://schemas.openxmlformats.org/drawingml/2006/table">
+                <a:tbl>
+                  <a:tblPr firstRow="1" bandRow="1">
+                    <a:tableStyleId>{5C22544A-7EE6-4342-B048-85BDC9FD1C3A}</a:tableStyleId>
+                  </a:tblPr>
+                  <a:tblGrid>
+                    <a:gridCol w="320428">
+                      <a:extLst>
+                        <a:ext uri="{9D8B030D-6E8A-4147-A177-3AD203B41FA5}">
+                          <a16:colId xmlns:a16="http://schemas.microsoft.com/office/drawing/2014/main" val="4216052895"/>
+                        </a:ext>
+                      </a:extLst>
+                    </a:gridCol>
+                    <a:gridCol w="1006997">
+                      <a:extLst>
+                        <a:ext uri="{9D8B030D-6E8A-4147-A177-3AD203B41FA5}">
+                          <a16:colId xmlns:a16="http://schemas.microsoft.com/office/drawing/2014/main" val="1796618978"/>
+                        </a:ext>
+                      </a:extLst>
+                    </a:gridCol>
+                    <a:gridCol w="1474435">
+                      <a:extLst>
+                        <a:ext uri="{9D8B030D-6E8A-4147-A177-3AD203B41FA5}">
+                          <a16:colId xmlns:a16="http://schemas.microsoft.com/office/drawing/2014/main" val="933054015"/>
+                        </a:ext>
+                      </a:extLst>
+                    </a:gridCol>
+                  </a:tblGrid>
+                  <a:tr h="701040">
+                    <a:tc>
+                      <a:txBody>
+                        <a:bodyPr/>
+                        <a:lstStyle/>
+                        <a:p>
+                          <a:endParaRPr lang="ja-JP"/>
+                        </a:p>
+                      </a:txBody>
+                      <a:tcPr>
+                        <a:blipFill>
+                          <a:blip r:embed="rId3"/>
+                          <a:stretch>
+                            <a:fillRect l="-4000" t="-5455" r="-796000" b="-301818"/>
+                          </a:stretch>
+                        </a:blipFill>
+                      </a:tcPr>
+                    </a:tc>
+                    <a:tc>
+                      <a:txBody>
+                        <a:bodyPr/>
+                        <a:lstStyle/>
+                        <a:p>
+                          <a:r>
+                            <a:rPr kumimoji="1" lang="ja-JP" altLang="en-US" sz="2000"/>
+                            <a:t>世代数</a:t>
+                          </a:r>
+                        </a:p>
+                      </a:txBody>
+                      <a:tcPr/>
+                    </a:tc>
+                    <a:tc>
+                      <a:txBody>
+                        <a:bodyPr/>
+                        <a:lstStyle/>
+                        <a:p>
+                          <a:r>
+                            <a:rPr kumimoji="1" lang="ja-JP" altLang="en-US" sz="2000"/>
+                            <a:t>適応度評価</a:t>
+                          </a:r>
+                          <a:br>
+                            <a:rPr kumimoji="1" lang="en-US" altLang="ja-JP" sz="2000" dirty="0"/>
+                          </a:br>
+                          <a:r>
+                            <a:rPr kumimoji="1" lang="ja-JP" altLang="en-US" sz="2000"/>
+                            <a:t>エポック数</a:t>
+                          </a:r>
+                        </a:p>
+                      </a:txBody>
+                      <a:tcPr/>
+                    </a:tc>
+                    <a:extLst>
+                      <a:ext uri="{0D108BD9-81ED-4DB2-BD59-A6C34878D82A}">
+                        <a16:rowId xmlns:a16="http://schemas.microsoft.com/office/drawing/2014/main" val="1072742043"/>
+                      </a:ext>
+                    </a:extLst>
+                  </a:tr>
+                  <a:tr h="396240">
+                    <a:tc>
+                      <a:txBody>
+                        <a:bodyPr/>
+                        <a:lstStyle/>
+                        <a:p>
+                          <a:r>
+                            <a:rPr kumimoji="1" lang="en-US" altLang="ja-JP" sz="2000" dirty="0"/>
+                            <a:t>1</a:t>
+                          </a:r>
+                          <a:endParaRPr kumimoji="1" lang="ja-JP" altLang="en-US" sz="2000"/>
+                        </a:p>
+                      </a:txBody>
+                      <a:tcPr/>
+                    </a:tc>
+                    <a:tc>
+                      <a:txBody>
+                        <a:bodyPr/>
+                        <a:lstStyle/>
+                        <a:p>
+                          <a:r>
+                            <a:rPr kumimoji="1" lang="en-US" altLang="ja-JP" sz="2000" dirty="0"/>
+                            <a:t>16</a:t>
+                          </a:r>
+                          <a:endParaRPr kumimoji="1" lang="ja-JP" altLang="en-US" sz="2000"/>
+                        </a:p>
+                      </a:txBody>
+                      <a:tcPr/>
+                    </a:tc>
+                    <a:tc>
+                      <a:txBody>
+                        <a:bodyPr/>
+                        <a:lstStyle/>
+                        <a:p>
+                          <a:r>
+                            <a:rPr kumimoji="1" lang="en-US" altLang="ja-JP" sz="2000" dirty="0"/>
+                            <a:t>1</a:t>
+                          </a:r>
+                          <a:endParaRPr kumimoji="1" lang="ja-JP" altLang="en-US" sz="2000"/>
+                        </a:p>
+                      </a:txBody>
+                      <a:tcPr/>
+                    </a:tc>
+                    <a:extLst>
+                      <a:ext uri="{0D108BD9-81ED-4DB2-BD59-A6C34878D82A}">
+                        <a16:rowId xmlns:a16="http://schemas.microsoft.com/office/drawing/2014/main" val="1965069896"/>
+                      </a:ext>
+                    </a:extLst>
+                  </a:tr>
+                  <a:tr h="396240">
+                    <a:tc>
+                      <a:txBody>
+                        <a:bodyPr/>
+                        <a:lstStyle/>
+                        <a:p>
+                          <a:r>
+                            <a:rPr kumimoji="1" lang="en-US" altLang="ja-JP" sz="2000" dirty="0"/>
+                            <a:t>2</a:t>
+                          </a:r>
+                          <a:endParaRPr kumimoji="1" lang="ja-JP" altLang="en-US" sz="2000"/>
+                        </a:p>
+                      </a:txBody>
+                      <a:tcPr/>
+                    </a:tc>
+                    <a:tc>
+                      <a:txBody>
+                        <a:bodyPr/>
+                        <a:lstStyle/>
+                        <a:p>
+                          <a:r>
+                            <a:rPr kumimoji="1" lang="en-US" altLang="ja-JP" sz="2000" dirty="0"/>
+                            <a:t>8</a:t>
+                          </a:r>
+                          <a:endParaRPr kumimoji="1" lang="ja-JP" altLang="en-US" sz="2000"/>
+                        </a:p>
+                      </a:txBody>
+                      <a:tcPr/>
+                    </a:tc>
+                    <a:tc>
+                      <a:txBody>
+                        <a:bodyPr/>
+                        <a:lstStyle/>
+                        <a:p>
+                          <a:r>
+                            <a:rPr kumimoji="1" lang="en-US" altLang="ja-JP" sz="2000" dirty="0"/>
+                            <a:t>2</a:t>
+                          </a:r>
+                          <a:endParaRPr kumimoji="1" lang="ja-JP" altLang="en-US" sz="2000"/>
+                        </a:p>
+                      </a:txBody>
+                      <a:tcPr/>
+                    </a:tc>
+                    <a:extLst>
+                      <a:ext uri="{0D108BD9-81ED-4DB2-BD59-A6C34878D82A}">
+                        <a16:rowId xmlns:a16="http://schemas.microsoft.com/office/drawing/2014/main" val="4203159158"/>
+                      </a:ext>
+                    </a:extLst>
+                  </a:tr>
+                  <a:tr h="396240">
+                    <a:tc>
+                      <a:txBody>
+                        <a:bodyPr/>
+                        <a:lstStyle/>
+                        <a:p>
+                          <a:r>
+                            <a:rPr kumimoji="1" lang="en-US" altLang="ja-JP" sz="2000" dirty="0"/>
+                            <a:t>3</a:t>
+                          </a:r>
+                          <a:endParaRPr kumimoji="1" lang="ja-JP" altLang="en-US" sz="2000"/>
+                        </a:p>
+                      </a:txBody>
+                      <a:tcPr/>
+                    </a:tc>
+                    <a:tc>
+                      <a:txBody>
+                        <a:bodyPr/>
+                        <a:lstStyle/>
+                        <a:p>
+                          <a:r>
+                            <a:rPr kumimoji="1" lang="en-US" altLang="ja-JP" sz="2000" dirty="0"/>
+                            <a:t>4</a:t>
+                          </a:r>
+                          <a:endParaRPr kumimoji="1" lang="ja-JP" altLang="en-US" sz="2000"/>
+                        </a:p>
+                      </a:txBody>
+                      <a:tcPr/>
+                    </a:tc>
+                    <a:tc>
+                      <a:txBody>
+                        <a:bodyPr/>
+                        <a:lstStyle/>
+                        <a:p>
+                          <a:r>
+                            <a:rPr kumimoji="1" lang="en-US" altLang="ja-JP" sz="2000" dirty="0"/>
+                            <a:t>4</a:t>
+                          </a:r>
+                          <a:endParaRPr kumimoji="1" lang="ja-JP" altLang="en-US" sz="2000"/>
+                        </a:p>
+                      </a:txBody>
+                      <a:tcPr/>
+                    </a:tc>
+                    <a:extLst>
+                      <a:ext uri="{0D108BD9-81ED-4DB2-BD59-A6C34878D82A}">
+                        <a16:rowId xmlns:a16="http://schemas.microsoft.com/office/drawing/2014/main" val="422691959"/>
+                      </a:ext>
+                    </a:extLst>
+                  </a:tr>
+                  <a:tr h="396240">
+                    <a:tc>
+                      <a:txBody>
+                        <a:bodyPr/>
+                        <a:lstStyle/>
+                        <a:p>
+                          <a:r>
+                            <a:rPr kumimoji="1" lang="en-US" altLang="ja-JP" sz="2000" dirty="0"/>
+                            <a:t>4</a:t>
+                          </a:r>
+                          <a:endParaRPr kumimoji="1" lang="ja-JP" altLang="en-US" sz="2000"/>
+                        </a:p>
+                      </a:txBody>
+                      <a:tcPr/>
+                    </a:tc>
+                    <a:tc>
+                      <a:txBody>
+                        <a:bodyPr/>
+                        <a:lstStyle/>
+                        <a:p>
+                          <a:r>
+                            <a:rPr kumimoji="1" lang="en-US" altLang="ja-JP" sz="2000" dirty="0"/>
+                            <a:t>2</a:t>
+                          </a:r>
+                          <a:endParaRPr kumimoji="1" lang="ja-JP" altLang="en-US" sz="2000"/>
+                        </a:p>
+                      </a:txBody>
+                      <a:tcPr/>
+                    </a:tc>
+                    <a:tc>
+                      <a:txBody>
+                        <a:bodyPr/>
+                        <a:lstStyle/>
+                        <a:p>
+                          <a:r>
+                            <a:rPr kumimoji="1" lang="en-US" altLang="ja-JP" sz="2000" dirty="0"/>
+                            <a:t>8</a:t>
+                          </a:r>
+                          <a:endParaRPr kumimoji="1" lang="ja-JP" altLang="en-US" sz="2000"/>
+                        </a:p>
+                      </a:txBody>
+                      <a:tcPr/>
+                    </a:tc>
+                    <a:extLst>
+                      <a:ext uri="{0D108BD9-81ED-4DB2-BD59-A6C34878D82A}">
+                        <a16:rowId xmlns:a16="http://schemas.microsoft.com/office/drawing/2014/main" val="1941882953"/>
+                      </a:ext>
+                    </a:extLst>
+                  </a:tr>
+                  <a:tr h="396240">
+                    <a:tc>
+                      <a:txBody>
+                        <a:bodyPr/>
+                        <a:lstStyle/>
+                        <a:p>
+                          <a:r>
+                            <a:rPr kumimoji="1" lang="en-US" altLang="ja-JP" sz="2000" dirty="0"/>
+                            <a:t>5</a:t>
+                          </a:r>
+                          <a:endParaRPr kumimoji="1" lang="ja-JP" altLang="en-US" sz="2000"/>
+                        </a:p>
+                      </a:txBody>
+                      <a:tcPr/>
+                    </a:tc>
+                    <a:tc>
+                      <a:txBody>
+                        <a:bodyPr/>
+                        <a:lstStyle/>
+                        <a:p>
+                          <a:r>
+                            <a:rPr kumimoji="1" lang="en-US" altLang="ja-JP" sz="2000" dirty="0"/>
+                            <a:t>1</a:t>
+                          </a:r>
+                          <a:endParaRPr kumimoji="1" lang="ja-JP" altLang="en-US" sz="2000"/>
+                        </a:p>
+                      </a:txBody>
+                      <a:tcPr/>
+                    </a:tc>
+                    <a:tc>
+                      <a:txBody>
+                        <a:bodyPr/>
+                        <a:lstStyle/>
+                        <a:p>
+                          <a:r>
+                            <a:rPr kumimoji="1" lang="en-US" altLang="ja-JP" sz="2000" dirty="0"/>
+                            <a:t>16</a:t>
+                          </a:r>
+                          <a:endParaRPr kumimoji="1" lang="ja-JP" altLang="en-US" sz="2000"/>
+                        </a:p>
+                      </a:txBody>
+                      <a:tcPr/>
+                    </a:tc>
+                    <a:extLst>
+                      <a:ext uri="{0D108BD9-81ED-4DB2-BD59-A6C34878D82A}">
+                        <a16:rowId xmlns:a16="http://schemas.microsoft.com/office/drawing/2014/main" val="2591033253"/>
+                      </a:ext>
+                    </a:extLst>
+                  </a:tr>
+                </a:tbl>
+              </a:graphicData>
+            </a:graphic>
+          </p:graphicFrame>
+        </mc:Fallback>
+      </mc:AlternateContent>
       <p:sp>
         <p:nvSpPr>
           <p:cNvPr id="8" name="テキスト ボックス 7">
@@ -12681,10 +13652,10 @@
       </p:sp>
       <p:grpSp>
         <p:nvGrpSpPr>
-          <p:cNvPr id="14" name="グループ化 13">
+          <p:cNvPr id="6" name="グループ化 5">
             <a:extLst>
               <a:ext uri="{FF2B5EF4-FFF2-40B4-BE49-F238E27FC236}">
-                <a16:creationId xmlns:a16="http://schemas.microsoft.com/office/drawing/2014/main" id="{96E98CD0-575A-111E-A5D3-2E9B00B47542}"/>
+                <a16:creationId xmlns:a16="http://schemas.microsoft.com/office/drawing/2014/main" id="{C99B4C37-AE9E-6F21-CF51-1BFA755195CD}"/>
               </a:ext>
             </a:extLst>
           </p:cNvPr>
@@ -12693,155 +13664,73 @@
         </p:nvGrpSpPr>
         <p:grpSpPr>
           <a:xfrm>
-            <a:off x="5535039" y="1795019"/>
-            <a:ext cx="1577511" cy="2774511"/>
-            <a:chOff x="5535039" y="1795019"/>
-            <a:chExt cx="1577511" cy="2774511"/>
+            <a:off x="105108" y="1795863"/>
+            <a:ext cx="642026" cy="2912228"/>
+            <a:chOff x="186920" y="1795863"/>
+            <a:chExt cx="642026" cy="2912228"/>
           </a:xfrm>
         </p:grpSpPr>
-        <p:grpSp>
-          <p:nvGrpSpPr>
-            <p:cNvPr id="10" name="グループ化 9">
+        <p:sp>
+          <p:nvSpPr>
+            <p:cNvPr id="4" name="下矢印 3">
               <a:extLst>
                 <a:ext uri="{FF2B5EF4-FFF2-40B4-BE49-F238E27FC236}">
-                  <a16:creationId xmlns:a16="http://schemas.microsoft.com/office/drawing/2014/main" id="{E404D016-BEDC-4A8D-350C-B9BD713753E1}"/>
+                  <a16:creationId xmlns:a16="http://schemas.microsoft.com/office/drawing/2014/main" id="{38A69690-ABC7-0B8E-84DD-71FE7116133F}"/>
                 </a:ext>
               </a:extLst>
             </p:cNvPr>
-            <p:cNvGrpSpPr/>
+            <p:cNvSpPr/>
             <p:nvPr/>
-          </p:nvGrpSpPr>
-          <p:grpSpPr>
+          </p:nvSpPr>
+          <p:spPr>
             <a:xfrm>
-              <a:off x="5535039" y="2192089"/>
-              <a:ext cx="1577511" cy="2377441"/>
-              <a:chOff x="5398851" y="2173661"/>
-              <a:chExt cx="1577511" cy="2377441"/>
+              <a:off x="186920" y="2604304"/>
+              <a:ext cx="642026" cy="2103787"/>
             </a:xfrm>
-          </p:grpSpPr>
-          <p:sp>
-            <p:nvSpPr>
-              <p:cNvPr id="4" name="下矢印 3">
-                <a:extLst>
-                  <a:ext uri="{FF2B5EF4-FFF2-40B4-BE49-F238E27FC236}">
-                    <a16:creationId xmlns:a16="http://schemas.microsoft.com/office/drawing/2014/main" id="{38A69690-ABC7-0B8E-84DD-71FE7116133F}"/>
-                  </a:ext>
-                </a:extLst>
-              </p:cNvPr>
-              <p:cNvSpPr/>
-              <p:nvPr/>
-            </p:nvSpPr>
-            <p:spPr>
-              <a:xfrm>
-                <a:off x="5398851" y="2173662"/>
-                <a:ext cx="642026" cy="2377440"/>
-              </a:xfrm>
-              <a:prstGeom prst="downArrow">
-                <a:avLst/>
-              </a:prstGeom>
+            <a:prstGeom prst="downArrow">
+              <a:avLst/>
+            </a:prstGeom>
+            <a:solidFill>
+              <a:schemeClr val="bg1"/>
+            </a:solidFill>
+            <a:ln>
               <a:solidFill>
-                <a:schemeClr val="bg1"/>
+                <a:schemeClr val="tx1"/>
               </a:solidFill>
-              <a:ln>
-                <a:solidFill>
-                  <a:schemeClr val="tx1"/>
-                </a:solidFill>
-              </a:ln>
-            </p:spPr>
-            <p:style>
-              <a:lnRef idx="2">
-                <a:schemeClr val="accent1">
-                  <a:shade val="50000"/>
-                </a:schemeClr>
-              </a:lnRef>
-              <a:fillRef idx="1">
-                <a:schemeClr val="accent1"/>
-              </a:fillRef>
-              <a:effectRef idx="0">
-                <a:schemeClr val="accent1"/>
-              </a:effectRef>
-              <a:fontRef idx="minor">
-                <a:schemeClr val="lt1"/>
-              </a:fontRef>
-            </p:style>
-            <p:txBody>
-              <a:bodyPr rtlCol="0" anchor="ctr"/>
-              <a:lstStyle/>
-              <a:p>
-                <a:pPr algn="ctr"/>
-                <a:r>
-                  <a:rPr kumimoji="1" lang="ja-JP" altLang="en-US">
-                    <a:solidFill>
-                      <a:sysClr val="windowText" lastClr="000000"/>
-                    </a:solidFill>
-                  </a:rPr>
-                  <a:t>エポック数増加</a:t>
-                </a:r>
-              </a:p>
-            </p:txBody>
-          </p:sp>
-          <p:sp>
-            <p:nvSpPr>
-              <p:cNvPr id="9" name="上矢印 8">
-                <a:extLst>
-                  <a:ext uri="{FF2B5EF4-FFF2-40B4-BE49-F238E27FC236}">
-                    <a16:creationId xmlns:a16="http://schemas.microsoft.com/office/drawing/2014/main" id="{78D99ECC-C3B3-D5F4-77C3-41098ED7EBE1}"/>
-                  </a:ext>
-                </a:extLst>
-              </p:cNvPr>
-              <p:cNvSpPr/>
-              <p:nvPr/>
-            </p:nvSpPr>
-            <p:spPr>
-              <a:xfrm>
-                <a:off x="6334336" y="2173661"/>
-                <a:ext cx="642026" cy="2377440"/>
-              </a:xfrm>
-              <a:prstGeom prst="upArrow">
-                <a:avLst/>
-              </a:prstGeom>
-              <a:solidFill>
-                <a:schemeClr val="bg1"/>
-              </a:solidFill>
-              <a:ln>
-                <a:solidFill>
-                  <a:schemeClr val="tx1"/>
-                </a:solidFill>
-              </a:ln>
-            </p:spPr>
-            <p:style>
-              <a:lnRef idx="2">
-                <a:schemeClr val="accent1">
-                  <a:shade val="50000"/>
-                </a:schemeClr>
-              </a:lnRef>
-              <a:fillRef idx="1">
-                <a:schemeClr val="accent1"/>
-              </a:fillRef>
-              <a:effectRef idx="0">
-                <a:schemeClr val="accent1"/>
-              </a:effectRef>
-              <a:fontRef idx="minor">
-                <a:schemeClr val="lt1"/>
-              </a:fontRef>
-            </p:style>
-            <p:txBody>
-              <a:bodyPr rtlCol="0" anchor="ctr"/>
-              <a:lstStyle/>
-              <a:p>
-                <a:pPr algn="ctr"/>
-                <a:r>
-                  <a:rPr kumimoji="1" lang="ja-JP" altLang="en-US">
-                    <a:solidFill>
-                      <a:sysClr val="windowText" lastClr="000000"/>
-                    </a:solidFill>
-                  </a:rPr>
-                  <a:t>エポック数減少</a:t>
-                </a:r>
-              </a:p>
-            </p:txBody>
-          </p:sp>
-        </p:grpSp>
+            </a:ln>
+          </p:spPr>
+          <p:style>
+            <a:lnRef idx="2">
+              <a:schemeClr val="accent1">
+                <a:shade val="50000"/>
+              </a:schemeClr>
+            </a:lnRef>
+            <a:fillRef idx="1">
+              <a:schemeClr val="accent1"/>
+            </a:fillRef>
+            <a:effectRef idx="0">
+              <a:schemeClr val="accent1"/>
+            </a:effectRef>
+            <a:fontRef idx="minor">
+              <a:schemeClr val="lt1"/>
+            </a:fontRef>
+          </p:style>
+          <p:txBody>
+            <a:bodyPr rtlCol="0" anchor="ctr"/>
+            <a:lstStyle/>
+            <a:p>
+              <a:pPr algn="ctr"/>
+              <a:r>
+                <a:rPr kumimoji="1" lang="ja-JP" altLang="en-US">
+                  <a:solidFill>
+                    <a:sysClr val="windowText" lastClr="000000"/>
+                  </a:solidFill>
+                </a:rPr>
+                <a:t>エポック数増加</a:t>
+              </a:r>
+            </a:p>
+          </p:txBody>
+        </p:sp>
         <p:sp>
           <p:nvSpPr>
             <p:cNvPr id="12" name="テキスト ボックス 11">
@@ -12856,8 +13745,8 @@
           </p:nvSpPr>
           <p:spPr>
             <a:xfrm>
-              <a:off x="5612099" y="1795019"/>
-              <a:ext cx="492443" cy="461665"/>
+              <a:off x="210415" y="1795863"/>
+              <a:ext cx="595035" cy="584775"/>
             </a:xfrm>
             <a:prstGeom prst="rect">
               <a:avLst/>
@@ -12871,19 +13760,833 @@
             <a:lstStyle/>
             <a:p>
               <a:r>
-                <a:rPr kumimoji="1" lang="ja-JP" altLang="en-US" sz="2400"/>
+                <a:rPr kumimoji="1" lang="ja-JP" altLang="en-US" sz="3200"/>
                 <a:t>①</a:t>
               </a:r>
-              <a:endParaRPr kumimoji="1" lang="ja-JP" altLang="en-US"/>
+              <a:endParaRPr kumimoji="1" lang="ja-JP" altLang="en-US" sz="2400"/>
+            </a:p>
+          </p:txBody>
+        </p:sp>
+      </p:grpSp>
+      <mc:AlternateContent xmlns:mc="http://schemas.openxmlformats.org/markup-compatibility/2006">
+        <mc:Choice xmlns:a14="http://schemas.microsoft.com/office/drawing/2010/main" Requires="a14">
+          <p:graphicFrame>
+            <p:nvGraphicFramePr>
+              <p:cNvPr id="11" name="表 7">
+                <a:extLst>
+                  <a:ext uri="{FF2B5EF4-FFF2-40B4-BE49-F238E27FC236}">
+                    <a16:creationId xmlns:a16="http://schemas.microsoft.com/office/drawing/2014/main" id="{4B890C3B-6F6B-C0ED-C8CA-22062014373C}"/>
+                  </a:ext>
+                </a:extLst>
+              </p:cNvPr>
+              <p:cNvGraphicFramePr>
+                <a:graphicFrameLocks noGrp="1"/>
+              </p:cNvGraphicFramePr>
+              <p:nvPr>
+                <p:extLst>
+                  <p:ext uri="{D42A27DB-BD31-4B8C-83A1-F6EECF244321}">
+                    <p14:modId xmlns:p14="http://schemas.microsoft.com/office/powerpoint/2010/main" val="1966964482"/>
+                  </p:ext>
+                </p:extLst>
+              </p:nvPr>
+            </p:nvGraphicFramePr>
+            <p:xfrm>
+              <a:off x="4516035" y="2002983"/>
+              <a:ext cx="2801860" cy="2682240"/>
+            </p:xfrm>
+            <a:graphic>
+              <a:graphicData uri="http://schemas.openxmlformats.org/drawingml/2006/table">
+                <a:tbl>
+                  <a:tblPr firstRow="1" bandRow="1">
+                    <a:tableStyleId>{5C22544A-7EE6-4342-B048-85BDC9FD1C3A}</a:tableStyleId>
+                  </a:tblPr>
+                  <a:tblGrid>
+                    <a:gridCol w="298692">
+                      <a:extLst>
+                        <a:ext uri="{9D8B030D-6E8A-4147-A177-3AD203B41FA5}">
+                          <a16:colId xmlns:a16="http://schemas.microsoft.com/office/drawing/2014/main" val="4216052895"/>
+                        </a:ext>
+                      </a:extLst>
+                    </a:gridCol>
+                    <a:gridCol w="938688">
+                      <a:extLst>
+                        <a:ext uri="{9D8B030D-6E8A-4147-A177-3AD203B41FA5}">
+                          <a16:colId xmlns:a16="http://schemas.microsoft.com/office/drawing/2014/main" val="1796618978"/>
+                        </a:ext>
+                      </a:extLst>
+                    </a:gridCol>
+                    <a:gridCol w="1564480">
+                      <a:extLst>
+                        <a:ext uri="{9D8B030D-6E8A-4147-A177-3AD203B41FA5}">
+                          <a16:colId xmlns:a16="http://schemas.microsoft.com/office/drawing/2014/main" val="933054015"/>
+                        </a:ext>
+                      </a:extLst>
+                    </a:gridCol>
+                  </a:tblGrid>
+                  <a:tr h="370840">
+                    <a:tc>
+                      <a:txBody>
+                        <a:bodyPr/>
+                        <a:lstStyle/>
+                        <a:p>
+                          <a14:m>
+                            <m:oMathPara xmlns:m="http://schemas.openxmlformats.org/officeDocument/2006/math">
+                              <m:oMathParaPr>
+                                <m:jc m:val="centerGroup"/>
+                              </m:oMathParaPr>
+                              <m:oMath xmlns:m="http://schemas.openxmlformats.org/officeDocument/2006/math">
+                                <m:r>
+                                  <a:rPr kumimoji="1" lang="en-US" altLang="ja-JP" sz="2000" b="1" i="1" smtClean="0">
+                                    <a:latin typeface="Cambria Math" panose="02040503050406030204" pitchFamily="18" charset="0"/>
+                                  </a:rPr>
+                                  <m:t>𝒊</m:t>
+                                </m:r>
+                              </m:oMath>
+                            </m:oMathPara>
+                          </a14:m>
+                          <a:endParaRPr kumimoji="1" lang="ja-JP" altLang="en-US" sz="2000"/>
+                        </a:p>
+                      </a:txBody>
+                      <a:tcPr/>
+                    </a:tc>
+                    <a:tc>
+                      <a:txBody>
+                        <a:bodyPr/>
+                        <a:lstStyle/>
+                        <a:p>
+                          <a:r>
+                            <a:rPr kumimoji="1" lang="ja-JP" altLang="en-US" sz="2000"/>
+                            <a:t>世代数</a:t>
+                          </a:r>
+                        </a:p>
+                      </a:txBody>
+                      <a:tcPr/>
+                    </a:tc>
+                    <a:tc>
+                      <a:txBody>
+                        <a:bodyPr/>
+                        <a:lstStyle/>
+                        <a:p>
+                          <a:r>
+                            <a:rPr kumimoji="1" lang="ja-JP" altLang="en-US" sz="2000"/>
+                            <a:t>適応度評価</a:t>
+                          </a:r>
+                          <a:br>
+                            <a:rPr kumimoji="1" lang="en-US" altLang="ja-JP" sz="2000" dirty="0"/>
+                          </a:br>
+                          <a:r>
+                            <a:rPr kumimoji="1" lang="ja-JP" altLang="en-US" sz="2000"/>
+                            <a:t>エポック数</a:t>
+                          </a:r>
+                        </a:p>
+                      </a:txBody>
+                      <a:tcPr/>
+                    </a:tc>
+                    <a:extLst>
+                      <a:ext uri="{0D108BD9-81ED-4DB2-BD59-A6C34878D82A}">
+                        <a16:rowId xmlns:a16="http://schemas.microsoft.com/office/drawing/2014/main" val="1072742043"/>
+                      </a:ext>
+                    </a:extLst>
+                  </a:tr>
+                  <a:tr h="370840">
+                    <a:tc>
+                      <a:txBody>
+                        <a:bodyPr/>
+                        <a:lstStyle/>
+                        <a:p>
+                          <a:r>
+                            <a:rPr kumimoji="1" lang="en-US" altLang="ja-JP" sz="2000" dirty="0"/>
+                            <a:t>1</a:t>
+                          </a:r>
+                          <a:endParaRPr kumimoji="1" lang="ja-JP" altLang="en-US" sz="2000"/>
+                        </a:p>
+                      </a:txBody>
+                      <a:tcPr/>
+                    </a:tc>
+                    <a:tc>
+                      <a:txBody>
+                        <a:bodyPr/>
+                        <a:lstStyle/>
+                        <a:p>
+                          <a:r>
+                            <a:rPr kumimoji="1" lang="en-US" altLang="ja-JP" sz="2000" dirty="0"/>
+                            <a:t>1</a:t>
+                          </a:r>
+                          <a:endParaRPr kumimoji="1" lang="ja-JP" altLang="en-US" sz="2000"/>
+                        </a:p>
+                      </a:txBody>
+                      <a:tcPr/>
+                    </a:tc>
+                    <a:tc>
+                      <a:txBody>
+                        <a:bodyPr/>
+                        <a:lstStyle/>
+                        <a:p>
+                          <a:r>
+                            <a:rPr kumimoji="1" lang="en-US" altLang="ja-JP" sz="2000" dirty="0"/>
+                            <a:t>16</a:t>
+                          </a:r>
+                          <a:endParaRPr kumimoji="1" lang="ja-JP" altLang="en-US" sz="2000"/>
+                        </a:p>
+                      </a:txBody>
+                      <a:tcPr/>
+                    </a:tc>
+                    <a:extLst>
+                      <a:ext uri="{0D108BD9-81ED-4DB2-BD59-A6C34878D82A}">
+                        <a16:rowId xmlns:a16="http://schemas.microsoft.com/office/drawing/2014/main" val="1965069896"/>
+                      </a:ext>
+                    </a:extLst>
+                  </a:tr>
+                  <a:tr h="370840">
+                    <a:tc>
+                      <a:txBody>
+                        <a:bodyPr/>
+                        <a:lstStyle/>
+                        <a:p>
+                          <a:r>
+                            <a:rPr kumimoji="1" lang="en-US" altLang="ja-JP" sz="2000" dirty="0"/>
+                            <a:t>2</a:t>
+                          </a:r>
+                          <a:endParaRPr kumimoji="1" lang="ja-JP" altLang="en-US" sz="2000"/>
+                        </a:p>
+                      </a:txBody>
+                      <a:tcPr/>
+                    </a:tc>
+                    <a:tc>
+                      <a:txBody>
+                        <a:bodyPr/>
+                        <a:lstStyle/>
+                        <a:p>
+                          <a:r>
+                            <a:rPr kumimoji="1" lang="en-US" altLang="ja-JP" sz="2000" dirty="0"/>
+                            <a:t>2</a:t>
+                          </a:r>
+                          <a:endParaRPr kumimoji="1" lang="ja-JP" altLang="en-US" sz="2000"/>
+                        </a:p>
+                      </a:txBody>
+                      <a:tcPr/>
+                    </a:tc>
+                    <a:tc>
+                      <a:txBody>
+                        <a:bodyPr/>
+                        <a:lstStyle/>
+                        <a:p>
+                          <a:r>
+                            <a:rPr kumimoji="1" lang="en-US" altLang="ja-JP" sz="2000" dirty="0"/>
+                            <a:t>8</a:t>
+                          </a:r>
+                          <a:endParaRPr kumimoji="1" lang="ja-JP" altLang="en-US" sz="2000"/>
+                        </a:p>
+                      </a:txBody>
+                      <a:tcPr/>
+                    </a:tc>
+                    <a:extLst>
+                      <a:ext uri="{0D108BD9-81ED-4DB2-BD59-A6C34878D82A}">
+                        <a16:rowId xmlns:a16="http://schemas.microsoft.com/office/drawing/2014/main" val="4203159158"/>
+                      </a:ext>
+                    </a:extLst>
+                  </a:tr>
+                  <a:tr h="370840">
+                    <a:tc>
+                      <a:txBody>
+                        <a:bodyPr/>
+                        <a:lstStyle/>
+                        <a:p>
+                          <a:r>
+                            <a:rPr kumimoji="1" lang="en-US" altLang="ja-JP" sz="2000" dirty="0"/>
+                            <a:t>3</a:t>
+                          </a:r>
+                          <a:endParaRPr kumimoji="1" lang="ja-JP" altLang="en-US" sz="2000"/>
+                        </a:p>
+                      </a:txBody>
+                      <a:tcPr/>
+                    </a:tc>
+                    <a:tc>
+                      <a:txBody>
+                        <a:bodyPr/>
+                        <a:lstStyle/>
+                        <a:p>
+                          <a:r>
+                            <a:rPr kumimoji="1" lang="en-US" altLang="ja-JP" sz="2000" dirty="0"/>
+                            <a:t>4</a:t>
+                          </a:r>
+                          <a:endParaRPr kumimoji="1" lang="ja-JP" altLang="en-US" sz="2000"/>
+                        </a:p>
+                      </a:txBody>
+                      <a:tcPr/>
+                    </a:tc>
+                    <a:tc>
+                      <a:txBody>
+                        <a:bodyPr/>
+                        <a:lstStyle/>
+                        <a:p>
+                          <a:r>
+                            <a:rPr kumimoji="1" lang="en-US" altLang="ja-JP" sz="2000" dirty="0"/>
+                            <a:t>4</a:t>
+                          </a:r>
+                          <a:endParaRPr kumimoji="1" lang="ja-JP" altLang="en-US" sz="2000"/>
+                        </a:p>
+                      </a:txBody>
+                      <a:tcPr/>
+                    </a:tc>
+                    <a:extLst>
+                      <a:ext uri="{0D108BD9-81ED-4DB2-BD59-A6C34878D82A}">
+                        <a16:rowId xmlns:a16="http://schemas.microsoft.com/office/drawing/2014/main" val="422691959"/>
+                      </a:ext>
+                    </a:extLst>
+                  </a:tr>
+                  <a:tr h="370840">
+                    <a:tc>
+                      <a:txBody>
+                        <a:bodyPr/>
+                        <a:lstStyle/>
+                        <a:p>
+                          <a:r>
+                            <a:rPr kumimoji="1" lang="en-US" altLang="ja-JP" sz="2000" dirty="0"/>
+                            <a:t>4</a:t>
+                          </a:r>
+                          <a:endParaRPr kumimoji="1" lang="ja-JP" altLang="en-US" sz="2000"/>
+                        </a:p>
+                      </a:txBody>
+                      <a:tcPr/>
+                    </a:tc>
+                    <a:tc>
+                      <a:txBody>
+                        <a:bodyPr/>
+                        <a:lstStyle/>
+                        <a:p>
+                          <a:r>
+                            <a:rPr kumimoji="1" lang="en-US" altLang="ja-JP" sz="2000" dirty="0"/>
+                            <a:t>8</a:t>
+                          </a:r>
+                          <a:endParaRPr kumimoji="1" lang="ja-JP" altLang="en-US" sz="2000"/>
+                        </a:p>
+                      </a:txBody>
+                      <a:tcPr/>
+                    </a:tc>
+                    <a:tc>
+                      <a:txBody>
+                        <a:bodyPr/>
+                        <a:lstStyle/>
+                        <a:p>
+                          <a:r>
+                            <a:rPr kumimoji="1" lang="en-US" altLang="ja-JP" sz="2000" dirty="0"/>
+                            <a:t>2</a:t>
+                          </a:r>
+                          <a:endParaRPr kumimoji="1" lang="ja-JP" altLang="en-US" sz="2000"/>
+                        </a:p>
+                      </a:txBody>
+                      <a:tcPr/>
+                    </a:tc>
+                    <a:extLst>
+                      <a:ext uri="{0D108BD9-81ED-4DB2-BD59-A6C34878D82A}">
+                        <a16:rowId xmlns:a16="http://schemas.microsoft.com/office/drawing/2014/main" val="1941882953"/>
+                      </a:ext>
+                    </a:extLst>
+                  </a:tr>
+                  <a:tr h="370840">
+                    <a:tc>
+                      <a:txBody>
+                        <a:bodyPr/>
+                        <a:lstStyle/>
+                        <a:p>
+                          <a:r>
+                            <a:rPr kumimoji="1" lang="en-US" altLang="ja-JP" sz="2000" dirty="0"/>
+                            <a:t>5</a:t>
+                          </a:r>
+                          <a:endParaRPr kumimoji="1" lang="ja-JP" altLang="en-US" sz="2000"/>
+                        </a:p>
+                      </a:txBody>
+                      <a:tcPr/>
+                    </a:tc>
+                    <a:tc>
+                      <a:txBody>
+                        <a:bodyPr/>
+                        <a:lstStyle/>
+                        <a:p>
+                          <a:r>
+                            <a:rPr kumimoji="1" lang="en-US" altLang="ja-JP" sz="2000" dirty="0"/>
+                            <a:t>16</a:t>
+                          </a:r>
+                          <a:endParaRPr kumimoji="1" lang="ja-JP" altLang="en-US" sz="2000"/>
+                        </a:p>
+                      </a:txBody>
+                      <a:tcPr/>
+                    </a:tc>
+                    <a:tc>
+                      <a:txBody>
+                        <a:bodyPr/>
+                        <a:lstStyle/>
+                        <a:p>
+                          <a:r>
+                            <a:rPr kumimoji="1" lang="en-US" altLang="ja-JP" sz="2000" dirty="0"/>
+                            <a:t>1</a:t>
+                          </a:r>
+                          <a:endParaRPr kumimoji="1" lang="ja-JP" altLang="en-US" sz="2000"/>
+                        </a:p>
+                      </a:txBody>
+                      <a:tcPr/>
+                    </a:tc>
+                    <a:extLst>
+                      <a:ext uri="{0D108BD9-81ED-4DB2-BD59-A6C34878D82A}">
+                        <a16:rowId xmlns:a16="http://schemas.microsoft.com/office/drawing/2014/main" val="2591033253"/>
+                      </a:ext>
+                    </a:extLst>
+                  </a:tr>
+                </a:tbl>
+              </a:graphicData>
+            </a:graphic>
+          </p:graphicFrame>
+        </mc:Choice>
+        <mc:Fallback>
+          <p:graphicFrame>
+            <p:nvGraphicFramePr>
+              <p:cNvPr id="11" name="表 7">
+                <a:extLst>
+                  <a:ext uri="{FF2B5EF4-FFF2-40B4-BE49-F238E27FC236}">
+                    <a16:creationId xmlns:a16="http://schemas.microsoft.com/office/drawing/2014/main" id="{4B890C3B-6F6B-C0ED-C8CA-22062014373C}"/>
+                  </a:ext>
+                </a:extLst>
+              </p:cNvPr>
+              <p:cNvGraphicFramePr>
+                <a:graphicFrameLocks noGrp="1"/>
+              </p:cNvGraphicFramePr>
+              <p:nvPr>
+                <p:extLst>
+                  <p:ext uri="{D42A27DB-BD31-4B8C-83A1-F6EECF244321}">
+                    <p14:modId xmlns:p14="http://schemas.microsoft.com/office/powerpoint/2010/main" val="1966964482"/>
+                  </p:ext>
+                </p:extLst>
+              </p:nvPr>
+            </p:nvGraphicFramePr>
+            <p:xfrm>
+              <a:off x="4516035" y="2002983"/>
+              <a:ext cx="2801860" cy="2682240"/>
+            </p:xfrm>
+            <a:graphic>
+              <a:graphicData uri="http://schemas.openxmlformats.org/drawingml/2006/table">
+                <a:tbl>
+                  <a:tblPr firstRow="1" bandRow="1">
+                    <a:tableStyleId>{5C22544A-7EE6-4342-B048-85BDC9FD1C3A}</a:tableStyleId>
+                  </a:tblPr>
+                  <a:tblGrid>
+                    <a:gridCol w="298692">
+                      <a:extLst>
+                        <a:ext uri="{9D8B030D-6E8A-4147-A177-3AD203B41FA5}">
+                          <a16:colId xmlns:a16="http://schemas.microsoft.com/office/drawing/2014/main" val="4216052895"/>
+                        </a:ext>
+                      </a:extLst>
+                    </a:gridCol>
+                    <a:gridCol w="938688">
+                      <a:extLst>
+                        <a:ext uri="{9D8B030D-6E8A-4147-A177-3AD203B41FA5}">
+                          <a16:colId xmlns:a16="http://schemas.microsoft.com/office/drawing/2014/main" val="1796618978"/>
+                        </a:ext>
+                      </a:extLst>
+                    </a:gridCol>
+                    <a:gridCol w="1564480">
+                      <a:extLst>
+                        <a:ext uri="{9D8B030D-6E8A-4147-A177-3AD203B41FA5}">
+                          <a16:colId xmlns:a16="http://schemas.microsoft.com/office/drawing/2014/main" val="933054015"/>
+                        </a:ext>
+                      </a:extLst>
+                    </a:gridCol>
+                  </a:tblGrid>
+                  <a:tr h="701040">
+                    <a:tc>
+                      <a:txBody>
+                        <a:bodyPr/>
+                        <a:lstStyle/>
+                        <a:p>
+                          <a:endParaRPr lang="ja-JP"/>
+                        </a:p>
+                      </a:txBody>
+                      <a:tcPr>
+                        <a:blipFill>
+                          <a:blip r:embed="rId4"/>
+                          <a:stretch>
+                            <a:fillRect l="-4167" t="-3636" r="-833333" b="-301818"/>
+                          </a:stretch>
+                        </a:blipFill>
+                      </a:tcPr>
+                    </a:tc>
+                    <a:tc>
+                      <a:txBody>
+                        <a:bodyPr/>
+                        <a:lstStyle/>
+                        <a:p>
+                          <a:r>
+                            <a:rPr kumimoji="1" lang="ja-JP" altLang="en-US" sz="2000"/>
+                            <a:t>世代数</a:t>
+                          </a:r>
+                        </a:p>
+                      </a:txBody>
+                      <a:tcPr/>
+                    </a:tc>
+                    <a:tc>
+                      <a:txBody>
+                        <a:bodyPr/>
+                        <a:lstStyle/>
+                        <a:p>
+                          <a:r>
+                            <a:rPr kumimoji="1" lang="ja-JP" altLang="en-US" sz="2000"/>
+                            <a:t>適応度評価</a:t>
+                          </a:r>
+                          <a:br>
+                            <a:rPr kumimoji="1" lang="en-US" altLang="ja-JP" sz="2000" dirty="0"/>
+                          </a:br>
+                          <a:r>
+                            <a:rPr kumimoji="1" lang="ja-JP" altLang="en-US" sz="2000"/>
+                            <a:t>エポック数</a:t>
+                          </a:r>
+                        </a:p>
+                      </a:txBody>
+                      <a:tcPr/>
+                    </a:tc>
+                    <a:extLst>
+                      <a:ext uri="{0D108BD9-81ED-4DB2-BD59-A6C34878D82A}">
+                        <a16:rowId xmlns:a16="http://schemas.microsoft.com/office/drawing/2014/main" val="1072742043"/>
+                      </a:ext>
+                    </a:extLst>
+                  </a:tr>
+                  <a:tr h="396240">
+                    <a:tc>
+                      <a:txBody>
+                        <a:bodyPr/>
+                        <a:lstStyle/>
+                        <a:p>
+                          <a:r>
+                            <a:rPr kumimoji="1" lang="en-US" altLang="ja-JP" sz="2000" dirty="0"/>
+                            <a:t>1</a:t>
+                          </a:r>
+                          <a:endParaRPr kumimoji="1" lang="ja-JP" altLang="en-US" sz="2000"/>
+                        </a:p>
+                      </a:txBody>
+                      <a:tcPr/>
+                    </a:tc>
+                    <a:tc>
+                      <a:txBody>
+                        <a:bodyPr/>
+                        <a:lstStyle/>
+                        <a:p>
+                          <a:r>
+                            <a:rPr kumimoji="1" lang="en-US" altLang="ja-JP" sz="2000" dirty="0"/>
+                            <a:t>1</a:t>
+                          </a:r>
+                          <a:endParaRPr kumimoji="1" lang="ja-JP" altLang="en-US" sz="2000"/>
+                        </a:p>
+                      </a:txBody>
+                      <a:tcPr/>
+                    </a:tc>
+                    <a:tc>
+                      <a:txBody>
+                        <a:bodyPr/>
+                        <a:lstStyle/>
+                        <a:p>
+                          <a:r>
+                            <a:rPr kumimoji="1" lang="en-US" altLang="ja-JP" sz="2000" dirty="0"/>
+                            <a:t>16</a:t>
+                          </a:r>
+                          <a:endParaRPr kumimoji="1" lang="ja-JP" altLang="en-US" sz="2000"/>
+                        </a:p>
+                      </a:txBody>
+                      <a:tcPr/>
+                    </a:tc>
+                    <a:extLst>
+                      <a:ext uri="{0D108BD9-81ED-4DB2-BD59-A6C34878D82A}">
+                        <a16:rowId xmlns:a16="http://schemas.microsoft.com/office/drawing/2014/main" val="1965069896"/>
+                      </a:ext>
+                    </a:extLst>
+                  </a:tr>
+                  <a:tr h="396240">
+                    <a:tc>
+                      <a:txBody>
+                        <a:bodyPr/>
+                        <a:lstStyle/>
+                        <a:p>
+                          <a:r>
+                            <a:rPr kumimoji="1" lang="en-US" altLang="ja-JP" sz="2000" dirty="0"/>
+                            <a:t>2</a:t>
+                          </a:r>
+                          <a:endParaRPr kumimoji="1" lang="ja-JP" altLang="en-US" sz="2000"/>
+                        </a:p>
+                      </a:txBody>
+                      <a:tcPr/>
+                    </a:tc>
+                    <a:tc>
+                      <a:txBody>
+                        <a:bodyPr/>
+                        <a:lstStyle/>
+                        <a:p>
+                          <a:r>
+                            <a:rPr kumimoji="1" lang="en-US" altLang="ja-JP" sz="2000" dirty="0"/>
+                            <a:t>2</a:t>
+                          </a:r>
+                          <a:endParaRPr kumimoji="1" lang="ja-JP" altLang="en-US" sz="2000"/>
+                        </a:p>
+                      </a:txBody>
+                      <a:tcPr/>
+                    </a:tc>
+                    <a:tc>
+                      <a:txBody>
+                        <a:bodyPr/>
+                        <a:lstStyle/>
+                        <a:p>
+                          <a:r>
+                            <a:rPr kumimoji="1" lang="en-US" altLang="ja-JP" sz="2000" dirty="0"/>
+                            <a:t>8</a:t>
+                          </a:r>
+                          <a:endParaRPr kumimoji="1" lang="ja-JP" altLang="en-US" sz="2000"/>
+                        </a:p>
+                      </a:txBody>
+                      <a:tcPr/>
+                    </a:tc>
+                    <a:extLst>
+                      <a:ext uri="{0D108BD9-81ED-4DB2-BD59-A6C34878D82A}">
+                        <a16:rowId xmlns:a16="http://schemas.microsoft.com/office/drawing/2014/main" val="4203159158"/>
+                      </a:ext>
+                    </a:extLst>
+                  </a:tr>
+                  <a:tr h="396240">
+                    <a:tc>
+                      <a:txBody>
+                        <a:bodyPr/>
+                        <a:lstStyle/>
+                        <a:p>
+                          <a:r>
+                            <a:rPr kumimoji="1" lang="en-US" altLang="ja-JP" sz="2000" dirty="0"/>
+                            <a:t>3</a:t>
+                          </a:r>
+                          <a:endParaRPr kumimoji="1" lang="ja-JP" altLang="en-US" sz="2000"/>
+                        </a:p>
+                      </a:txBody>
+                      <a:tcPr/>
+                    </a:tc>
+                    <a:tc>
+                      <a:txBody>
+                        <a:bodyPr/>
+                        <a:lstStyle/>
+                        <a:p>
+                          <a:r>
+                            <a:rPr kumimoji="1" lang="en-US" altLang="ja-JP" sz="2000" dirty="0"/>
+                            <a:t>4</a:t>
+                          </a:r>
+                          <a:endParaRPr kumimoji="1" lang="ja-JP" altLang="en-US" sz="2000"/>
+                        </a:p>
+                      </a:txBody>
+                      <a:tcPr/>
+                    </a:tc>
+                    <a:tc>
+                      <a:txBody>
+                        <a:bodyPr/>
+                        <a:lstStyle/>
+                        <a:p>
+                          <a:r>
+                            <a:rPr kumimoji="1" lang="en-US" altLang="ja-JP" sz="2000" dirty="0"/>
+                            <a:t>4</a:t>
+                          </a:r>
+                          <a:endParaRPr kumimoji="1" lang="ja-JP" altLang="en-US" sz="2000"/>
+                        </a:p>
+                      </a:txBody>
+                      <a:tcPr/>
+                    </a:tc>
+                    <a:extLst>
+                      <a:ext uri="{0D108BD9-81ED-4DB2-BD59-A6C34878D82A}">
+                        <a16:rowId xmlns:a16="http://schemas.microsoft.com/office/drawing/2014/main" val="422691959"/>
+                      </a:ext>
+                    </a:extLst>
+                  </a:tr>
+                  <a:tr h="396240">
+                    <a:tc>
+                      <a:txBody>
+                        <a:bodyPr/>
+                        <a:lstStyle/>
+                        <a:p>
+                          <a:r>
+                            <a:rPr kumimoji="1" lang="en-US" altLang="ja-JP" sz="2000" dirty="0"/>
+                            <a:t>4</a:t>
+                          </a:r>
+                          <a:endParaRPr kumimoji="1" lang="ja-JP" altLang="en-US" sz="2000"/>
+                        </a:p>
+                      </a:txBody>
+                      <a:tcPr/>
+                    </a:tc>
+                    <a:tc>
+                      <a:txBody>
+                        <a:bodyPr/>
+                        <a:lstStyle/>
+                        <a:p>
+                          <a:r>
+                            <a:rPr kumimoji="1" lang="en-US" altLang="ja-JP" sz="2000" dirty="0"/>
+                            <a:t>8</a:t>
+                          </a:r>
+                          <a:endParaRPr kumimoji="1" lang="ja-JP" altLang="en-US" sz="2000"/>
+                        </a:p>
+                      </a:txBody>
+                      <a:tcPr/>
+                    </a:tc>
+                    <a:tc>
+                      <a:txBody>
+                        <a:bodyPr/>
+                        <a:lstStyle/>
+                        <a:p>
+                          <a:r>
+                            <a:rPr kumimoji="1" lang="en-US" altLang="ja-JP" sz="2000" dirty="0"/>
+                            <a:t>2</a:t>
+                          </a:r>
+                          <a:endParaRPr kumimoji="1" lang="ja-JP" altLang="en-US" sz="2000"/>
+                        </a:p>
+                      </a:txBody>
+                      <a:tcPr/>
+                    </a:tc>
+                    <a:extLst>
+                      <a:ext uri="{0D108BD9-81ED-4DB2-BD59-A6C34878D82A}">
+                        <a16:rowId xmlns:a16="http://schemas.microsoft.com/office/drawing/2014/main" val="1941882953"/>
+                      </a:ext>
+                    </a:extLst>
+                  </a:tr>
+                  <a:tr h="396240">
+                    <a:tc>
+                      <a:txBody>
+                        <a:bodyPr/>
+                        <a:lstStyle/>
+                        <a:p>
+                          <a:r>
+                            <a:rPr kumimoji="1" lang="en-US" altLang="ja-JP" sz="2000" dirty="0"/>
+                            <a:t>5</a:t>
+                          </a:r>
+                          <a:endParaRPr kumimoji="1" lang="ja-JP" altLang="en-US" sz="2000"/>
+                        </a:p>
+                      </a:txBody>
+                      <a:tcPr/>
+                    </a:tc>
+                    <a:tc>
+                      <a:txBody>
+                        <a:bodyPr/>
+                        <a:lstStyle/>
+                        <a:p>
+                          <a:r>
+                            <a:rPr kumimoji="1" lang="en-US" altLang="ja-JP" sz="2000" dirty="0"/>
+                            <a:t>16</a:t>
+                          </a:r>
+                          <a:endParaRPr kumimoji="1" lang="ja-JP" altLang="en-US" sz="2000"/>
+                        </a:p>
+                      </a:txBody>
+                      <a:tcPr/>
+                    </a:tc>
+                    <a:tc>
+                      <a:txBody>
+                        <a:bodyPr/>
+                        <a:lstStyle/>
+                        <a:p>
+                          <a:r>
+                            <a:rPr kumimoji="1" lang="en-US" altLang="ja-JP" sz="2000" dirty="0"/>
+                            <a:t>1</a:t>
+                          </a:r>
+                          <a:endParaRPr kumimoji="1" lang="ja-JP" altLang="en-US" sz="2000"/>
+                        </a:p>
+                      </a:txBody>
+                      <a:tcPr/>
+                    </a:tc>
+                    <a:extLst>
+                      <a:ext uri="{0D108BD9-81ED-4DB2-BD59-A6C34878D82A}">
+                        <a16:rowId xmlns:a16="http://schemas.microsoft.com/office/drawing/2014/main" val="2591033253"/>
+                      </a:ext>
+                    </a:extLst>
+                  </a:tr>
+                </a:tbl>
+              </a:graphicData>
+            </a:graphic>
+          </p:graphicFrame>
+        </mc:Fallback>
+      </mc:AlternateContent>
+      <p:grpSp>
+        <p:nvGrpSpPr>
+          <p:cNvPr id="15" name="グループ化 14">
+            <a:extLst>
+              <a:ext uri="{FF2B5EF4-FFF2-40B4-BE49-F238E27FC236}">
+                <a16:creationId xmlns:a16="http://schemas.microsoft.com/office/drawing/2014/main" id="{E5284F8A-C7C6-9592-96F7-9CCD5EA94904}"/>
+              </a:ext>
+            </a:extLst>
+          </p:cNvPr>
+          <p:cNvGrpSpPr/>
+          <p:nvPr/>
+        </p:nvGrpSpPr>
+        <p:grpSpPr>
+          <a:xfrm>
+            <a:off x="3823276" y="1795019"/>
+            <a:ext cx="642026" cy="2890204"/>
+            <a:chOff x="186920" y="1817887"/>
+            <a:chExt cx="642026" cy="2890204"/>
+          </a:xfrm>
+        </p:grpSpPr>
+        <p:sp>
+          <p:nvSpPr>
+            <p:cNvPr id="16" name="下矢印 15">
+              <a:extLst>
+                <a:ext uri="{FF2B5EF4-FFF2-40B4-BE49-F238E27FC236}">
+                  <a16:creationId xmlns:a16="http://schemas.microsoft.com/office/drawing/2014/main" id="{764DC8B1-3CB1-05F5-1965-21F1881E571D}"/>
+                </a:ext>
+              </a:extLst>
+            </p:cNvPr>
+            <p:cNvSpPr/>
+            <p:nvPr/>
+          </p:nvSpPr>
+          <p:spPr>
+            <a:xfrm>
+              <a:off x="186920" y="2604304"/>
+              <a:ext cx="642026" cy="2103787"/>
+            </a:xfrm>
+            <a:prstGeom prst="downArrow">
+              <a:avLst/>
+            </a:prstGeom>
+            <a:solidFill>
+              <a:schemeClr val="bg1"/>
+            </a:solidFill>
+            <a:ln>
+              <a:solidFill>
+                <a:schemeClr val="tx1"/>
+              </a:solidFill>
+            </a:ln>
+          </p:spPr>
+          <p:style>
+            <a:lnRef idx="2">
+              <a:schemeClr val="accent1">
+                <a:shade val="50000"/>
+              </a:schemeClr>
+            </a:lnRef>
+            <a:fillRef idx="1">
+              <a:schemeClr val="accent1"/>
+            </a:fillRef>
+            <a:effectRef idx="0">
+              <a:schemeClr val="accent1"/>
+            </a:effectRef>
+            <a:fontRef idx="minor">
+              <a:schemeClr val="lt1"/>
+            </a:fontRef>
+          </p:style>
+          <p:txBody>
+            <a:bodyPr rtlCol="0" anchor="ctr"/>
+            <a:lstStyle/>
+            <a:p>
+              <a:pPr algn="ctr"/>
+              <a:r>
+                <a:rPr kumimoji="1" lang="ja-JP" altLang="en-US">
+                  <a:solidFill>
+                    <a:sysClr val="windowText" lastClr="000000"/>
+                  </a:solidFill>
+                </a:rPr>
+                <a:t>エポック数減少</a:t>
+              </a:r>
             </a:p>
           </p:txBody>
         </p:sp>
         <p:sp>
           <p:nvSpPr>
-            <p:cNvPr id="13" name="テキスト ボックス 12">
+            <p:cNvPr id="17" name="テキスト ボックス 16">
               <a:extLst>
                 <a:ext uri="{FF2B5EF4-FFF2-40B4-BE49-F238E27FC236}">
-                  <a16:creationId xmlns:a16="http://schemas.microsoft.com/office/drawing/2014/main" id="{F342C92D-E797-6AD3-1360-63D7C8F76442}"/>
+                  <a16:creationId xmlns:a16="http://schemas.microsoft.com/office/drawing/2014/main" id="{C7EC660D-41EC-4F5A-52E9-04054C0E9CD1}"/>
                 </a:ext>
               </a:extLst>
             </p:cNvPr>
@@ -12892,8 +14595,8 @@
           </p:nvSpPr>
           <p:spPr>
             <a:xfrm>
-              <a:off x="6550601" y="1795019"/>
-              <a:ext cx="492443" cy="461665"/>
+              <a:off x="210415" y="1817887"/>
+              <a:ext cx="595035" cy="584775"/>
             </a:xfrm>
             <a:prstGeom prst="rect">
               <a:avLst/>
@@ -12907,10 +14610,10 @@
             <a:lstStyle/>
             <a:p>
               <a:r>
-                <a:rPr kumimoji="1" lang="ja-JP" altLang="en-US" sz="2400"/>
+                <a:rPr lang="ja-JP" altLang="en-US" sz="3200"/>
                 <a:t>②</a:t>
               </a:r>
-              <a:endParaRPr kumimoji="1" lang="ja-JP" altLang="en-US"/>
+              <a:endParaRPr kumimoji="1" lang="ja-JP" altLang="en-US" sz="2400"/>
             </a:p>
           </p:txBody>
         </p:sp>
@@ -19394,6 +21097,135 @@
           </a:p>
         </p:txBody>
       </p:sp>
+      <p:sp>
+        <p:nvSpPr>
+          <p:cNvPr id="5" name="テキスト ボックス 4">
+            <a:extLst>
+              <a:ext uri="{FF2B5EF4-FFF2-40B4-BE49-F238E27FC236}">
+                <a16:creationId xmlns:a16="http://schemas.microsoft.com/office/drawing/2014/main" id="{D327552B-2FE4-7995-DE95-FF10AE14B4B8}"/>
+              </a:ext>
+            </a:extLst>
+          </p:cNvPr>
+          <p:cNvSpPr txBox="1"/>
+          <p:nvPr/>
+        </p:nvSpPr>
+        <p:spPr>
+          <a:xfrm>
+            <a:off x="144627" y="4722473"/>
+            <a:ext cx="7257327" cy="830997"/>
+          </a:xfrm>
+          <a:prstGeom prst="rect">
+            <a:avLst/>
+          </a:prstGeom>
+          <a:noFill/>
+          <a:ln>
+            <a:solidFill>
+              <a:schemeClr val="tx1"/>
+            </a:solidFill>
+          </a:ln>
+        </p:spPr>
+        <p:txBody>
+          <a:bodyPr wrap="square" rtlCol="0">
+            <a:spAutoFit/>
+          </a:bodyPr>
+          <a:lstStyle/>
+          <a:p>
+            <a:r>
+              <a:rPr kumimoji="1" lang="de" altLang="ja-JP" sz="1200" dirty="0"/>
+              <a:t>R. de Lima Mendes, A. H. da Silva Alves, M. de Souza Gomes, P. Luiz Lima </a:t>
+            </a:r>
+            <a:r>
+              <a:rPr kumimoji="1" lang="de" altLang="ja-JP" sz="1200" dirty="0" err="1"/>
+              <a:t>Bertarini</a:t>
+            </a:r>
+            <a:r>
+              <a:rPr kumimoji="1" lang="de" altLang="ja-JP" sz="1200" dirty="0"/>
+              <a:t> and L. R. do Amaral, "</a:t>
+            </a:r>
+            <a:r>
+              <a:rPr kumimoji="1" lang="de" altLang="ja-JP" sz="1200" dirty="0" err="1"/>
+              <a:t>gaCNN</a:t>
+            </a:r>
+            <a:r>
+              <a:rPr kumimoji="1" lang="de" altLang="ja-JP" sz="1200" dirty="0"/>
+              <a:t>: </a:t>
+            </a:r>
+            <a:r>
+              <a:rPr kumimoji="1" lang="de" altLang="ja-JP" sz="1200" dirty="0" err="1"/>
+              <a:t>Composing</a:t>
+            </a:r>
+            <a:r>
+              <a:rPr kumimoji="1" lang="de" altLang="ja-JP" sz="1200" dirty="0"/>
+              <a:t> CNNs and GAs </a:t>
+            </a:r>
+            <a:r>
+              <a:rPr kumimoji="1" lang="de" altLang="ja-JP" sz="1200" dirty="0" err="1"/>
+              <a:t>to</a:t>
+            </a:r>
+            <a:r>
+              <a:rPr kumimoji="1" lang="de" altLang="ja-JP" sz="1200" dirty="0"/>
+              <a:t> </a:t>
+            </a:r>
+            <a:r>
+              <a:rPr kumimoji="1" lang="de" altLang="ja-JP" sz="1200" dirty="0" err="1"/>
+              <a:t>Build</a:t>
+            </a:r>
+            <a:r>
+              <a:rPr kumimoji="1" lang="de" altLang="ja-JP" sz="1200" dirty="0"/>
+              <a:t> an </a:t>
+            </a:r>
+            <a:r>
+              <a:rPr kumimoji="1" lang="de" altLang="ja-JP" sz="1200" dirty="0" err="1"/>
+              <a:t>Optimized</a:t>
+            </a:r>
+            <a:r>
+              <a:rPr kumimoji="1" lang="de" altLang="ja-JP" sz="1200" dirty="0"/>
+              <a:t> Hybrid Classification Architecture," 2021 IEEE </a:t>
+            </a:r>
+            <a:r>
+              <a:rPr kumimoji="1" lang="de" altLang="ja-JP" sz="1200" dirty="0" err="1"/>
+              <a:t>Congress</a:t>
+            </a:r>
+            <a:r>
+              <a:rPr kumimoji="1" lang="de" altLang="ja-JP" sz="1200" dirty="0"/>
+              <a:t> on </a:t>
+            </a:r>
+            <a:r>
+              <a:rPr kumimoji="1" lang="de" altLang="ja-JP" sz="1200" dirty="0" err="1"/>
+              <a:t>Evolutionary</a:t>
+            </a:r>
+            <a:r>
+              <a:rPr kumimoji="1" lang="de" altLang="ja-JP" sz="1200" dirty="0"/>
+              <a:t> </a:t>
+            </a:r>
+            <a:r>
+              <a:rPr kumimoji="1" lang="de" altLang="ja-JP" sz="1200" dirty="0" err="1"/>
+              <a:t>Computation</a:t>
+            </a:r>
+            <a:r>
+              <a:rPr kumimoji="1" lang="de" altLang="ja-JP" sz="1200" dirty="0"/>
+              <a:t> (CEC), Kraków, </a:t>
+            </a:r>
+            <a:r>
+              <a:rPr kumimoji="1" lang="de" altLang="ja-JP" sz="1200" dirty="0" err="1"/>
+              <a:t>Poland</a:t>
+            </a:r>
+            <a:r>
+              <a:rPr kumimoji="1" lang="de" altLang="ja-JP" sz="1200" dirty="0"/>
+              <a:t>, 2021, pp. 79-86, </a:t>
+            </a:r>
+            <a:r>
+              <a:rPr kumimoji="1" lang="de" altLang="ja-JP" sz="1200" dirty="0" err="1"/>
+              <a:t>doi</a:t>
+            </a:r>
+            <a:r>
+              <a:rPr kumimoji="1" lang="de" altLang="ja-JP" sz="1200" dirty="0"/>
+              <a:t>: 10.1109/CEC45853.2021.9504850.</a:t>
+            </a:r>
+            <a:endParaRPr kumimoji="1" lang="ja-JP" altLang="en-US" sz="1200"/>
+          </a:p>
+        </p:txBody>
+      </p:sp>
     </p:spTree>
     <p:extLst>
       <p:ext uri="{BB962C8B-B14F-4D97-AF65-F5344CB8AC3E}">
@@ -19587,6 +21419,318 @@
               <a:buChar char="p"/>
             </a:pPr>
             <a:endParaRPr kumimoji="1" lang="en-US" altLang="ja-JP" sz="2400" dirty="0"/>
+          </a:p>
+        </p:txBody>
+      </p:sp>
+      <p:sp>
+        <p:nvSpPr>
+          <p:cNvPr id="5" name="テキスト ボックス 4">
+            <a:extLst>
+              <a:ext uri="{FF2B5EF4-FFF2-40B4-BE49-F238E27FC236}">
+                <a16:creationId xmlns:a16="http://schemas.microsoft.com/office/drawing/2014/main" id="{BD278A64-0ED6-C568-86FB-B7634183F904}"/>
+              </a:ext>
+            </a:extLst>
+          </p:cNvPr>
+          <p:cNvSpPr txBox="1"/>
+          <p:nvPr/>
+        </p:nvSpPr>
+        <p:spPr>
+          <a:xfrm>
+            <a:off x="153207" y="4844243"/>
+            <a:ext cx="7254848" cy="769441"/>
+          </a:xfrm>
+          <a:prstGeom prst="rect">
+            <a:avLst/>
+          </a:prstGeom>
+          <a:noFill/>
+          <a:ln>
+            <a:solidFill>
+              <a:schemeClr val="tx1"/>
+            </a:solidFill>
+          </a:ln>
+        </p:spPr>
+        <p:txBody>
+          <a:bodyPr wrap="square" rtlCol="0">
+            <a:spAutoFit/>
+          </a:bodyPr>
+          <a:lstStyle/>
+          <a:p>
+            <a:r>
+              <a:rPr lang="de" altLang="ja-JP" sz="1100" b="0" i="0" dirty="0">
+                <a:solidFill>
+                  <a:srgbClr val="000000"/>
+                </a:solidFill>
+                <a:effectLst/>
+                <a:latin typeface="Hiragino Kaku Gothic ProN" panose="020B0300000000000000" pitchFamily="34" charset="-128"/>
+                <a:ea typeface="Hiragino Kaku Gothic ProN" panose="020B0300000000000000" pitchFamily="34" charset="-128"/>
+              </a:rPr>
+              <a:t>Naoki MORI, </a:t>
+            </a:r>
+            <a:r>
+              <a:rPr lang="de" altLang="ja-JP" sz="1100" b="0" i="0" dirty="0" err="1">
+                <a:solidFill>
+                  <a:srgbClr val="000000"/>
+                </a:solidFill>
+                <a:effectLst/>
+                <a:latin typeface="Hiragino Kaku Gothic ProN" panose="020B0300000000000000" pitchFamily="34" charset="-128"/>
+                <a:ea typeface="Hiragino Kaku Gothic ProN" panose="020B0300000000000000" pitchFamily="34" charset="-128"/>
+              </a:rPr>
+              <a:t>Junji</a:t>
+            </a:r>
+            <a:r>
+              <a:rPr lang="de" altLang="ja-JP" sz="1100" b="0" i="0" dirty="0">
+                <a:solidFill>
+                  <a:srgbClr val="000000"/>
+                </a:solidFill>
+                <a:effectLst/>
+                <a:latin typeface="Hiragino Kaku Gothic ProN" panose="020B0300000000000000" pitchFamily="34" charset="-128"/>
+                <a:ea typeface="Hiragino Kaku Gothic ProN" panose="020B0300000000000000" pitchFamily="34" charset="-128"/>
+              </a:rPr>
+              <a:t> YOSHIDA, Hajime KITA, </a:t>
+            </a:r>
+            <a:r>
+              <a:rPr lang="de" altLang="ja-JP" sz="1100" b="0" i="0" dirty="0" err="1">
+                <a:solidFill>
+                  <a:srgbClr val="000000"/>
+                </a:solidFill>
+                <a:effectLst/>
+                <a:latin typeface="Hiragino Kaku Gothic ProN" panose="020B0300000000000000" pitchFamily="34" charset="-128"/>
+                <a:ea typeface="Hiragino Kaku Gothic ProN" panose="020B0300000000000000" pitchFamily="34" charset="-128"/>
+              </a:rPr>
+              <a:t>Yoshikazu</a:t>
+            </a:r>
+            <a:r>
+              <a:rPr lang="de" altLang="ja-JP" sz="1100" b="0" i="0" dirty="0">
+                <a:solidFill>
+                  <a:srgbClr val="000000"/>
+                </a:solidFill>
+                <a:effectLst/>
+                <a:latin typeface="Hiragino Kaku Gothic ProN" panose="020B0300000000000000" pitchFamily="34" charset="-128"/>
+                <a:ea typeface="Hiragino Kaku Gothic ProN" panose="020B0300000000000000" pitchFamily="34" charset="-128"/>
+              </a:rPr>
+              <a:t> NISHIKAWA, A </a:t>
+            </a:r>
+            <a:r>
+              <a:rPr lang="de" altLang="ja-JP" sz="1100" b="0" i="0" dirty="0" err="1">
+                <a:solidFill>
+                  <a:srgbClr val="000000"/>
+                </a:solidFill>
+                <a:effectLst/>
+                <a:latin typeface="Hiragino Kaku Gothic ProN" panose="020B0300000000000000" pitchFamily="34" charset="-128"/>
+                <a:ea typeface="Hiragino Kaku Gothic ProN" panose="020B0300000000000000" pitchFamily="34" charset="-128"/>
+              </a:rPr>
+              <a:t>Thermodynamical</a:t>
+            </a:r>
+            <a:r>
+              <a:rPr lang="de" altLang="ja-JP" sz="1100" b="0" i="0" dirty="0">
+                <a:solidFill>
+                  <a:srgbClr val="000000"/>
+                </a:solidFill>
+                <a:effectLst/>
+                <a:latin typeface="Hiragino Kaku Gothic ProN" panose="020B0300000000000000" pitchFamily="34" charset="-128"/>
+                <a:ea typeface="Hiragino Kaku Gothic ProN" panose="020B0300000000000000" pitchFamily="34" charset="-128"/>
+              </a:rPr>
+              <a:t> </a:t>
+            </a:r>
+            <a:r>
+              <a:rPr lang="de" altLang="ja-JP" sz="1100" b="0" i="0" dirty="0" err="1">
+                <a:solidFill>
+                  <a:srgbClr val="000000"/>
+                </a:solidFill>
+                <a:effectLst/>
+                <a:latin typeface="Hiragino Kaku Gothic ProN" panose="020B0300000000000000" pitchFamily="34" charset="-128"/>
+                <a:ea typeface="Hiragino Kaku Gothic ProN" panose="020B0300000000000000" pitchFamily="34" charset="-128"/>
+              </a:rPr>
+              <a:t>Selection</a:t>
+            </a:r>
+            <a:r>
+              <a:rPr lang="de" altLang="ja-JP" sz="1100" b="0" i="0" dirty="0">
+                <a:solidFill>
+                  <a:srgbClr val="000000"/>
+                </a:solidFill>
+                <a:effectLst/>
+                <a:latin typeface="Hiragino Kaku Gothic ProN" panose="020B0300000000000000" pitchFamily="34" charset="-128"/>
+                <a:ea typeface="Hiragino Kaku Gothic ProN" panose="020B0300000000000000" pitchFamily="34" charset="-128"/>
+              </a:rPr>
+              <a:t> Rule in </a:t>
+            </a:r>
+            <a:r>
+              <a:rPr lang="de" altLang="ja-JP" sz="1100" b="0" i="0" dirty="0" err="1">
+                <a:solidFill>
+                  <a:srgbClr val="000000"/>
+                </a:solidFill>
+                <a:effectLst/>
+                <a:latin typeface="Hiragino Kaku Gothic ProN" panose="020B0300000000000000" pitchFamily="34" charset="-128"/>
+                <a:ea typeface="Hiragino Kaku Gothic ProN" panose="020B0300000000000000" pitchFamily="34" charset="-128"/>
+              </a:rPr>
+              <a:t>the</a:t>
+            </a:r>
+            <a:r>
+              <a:rPr lang="de" altLang="ja-JP" sz="1100" b="0" i="0" dirty="0">
+                <a:solidFill>
+                  <a:srgbClr val="000000"/>
+                </a:solidFill>
+                <a:effectLst/>
+                <a:latin typeface="Hiragino Kaku Gothic ProN" panose="020B0300000000000000" pitchFamily="34" charset="-128"/>
+                <a:ea typeface="Hiragino Kaku Gothic ProN" panose="020B0300000000000000" pitchFamily="34" charset="-128"/>
+              </a:rPr>
+              <a:t> Genetic </a:t>
+            </a:r>
+            <a:r>
+              <a:rPr lang="de" altLang="ja-JP" sz="1100" b="0" i="0" dirty="0" err="1">
+                <a:solidFill>
+                  <a:srgbClr val="000000"/>
+                </a:solidFill>
+                <a:effectLst/>
+                <a:latin typeface="Hiragino Kaku Gothic ProN" panose="020B0300000000000000" pitchFamily="34" charset="-128"/>
+                <a:ea typeface="Hiragino Kaku Gothic ProN" panose="020B0300000000000000" pitchFamily="34" charset="-128"/>
+              </a:rPr>
+              <a:t>Algorithm</a:t>
+            </a:r>
+            <a:r>
+              <a:rPr lang="de" altLang="ja-JP" sz="1100" b="0" i="0" dirty="0">
+                <a:solidFill>
+                  <a:srgbClr val="000000"/>
+                </a:solidFill>
+                <a:effectLst/>
+                <a:latin typeface="Hiragino Kaku Gothic ProN" panose="020B0300000000000000" pitchFamily="34" charset="-128"/>
+                <a:ea typeface="Hiragino Kaku Gothic ProN" panose="020B0300000000000000" pitchFamily="34" charset="-128"/>
+              </a:rPr>
+              <a:t>, Transactions </a:t>
+            </a:r>
+            <a:r>
+              <a:rPr lang="de" altLang="ja-JP" sz="1100" b="0" i="0" dirty="0" err="1">
+                <a:solidFill>
+                  <a:srgbClr val="000000"/>
+                </a:solidFill>
+                <a:effectLst/>
+                <a:latin typeface="Hiragino Kaku Gothic ProN" panose="020B0300000000000000" pitchFamily="34" charset="-128"/>
+                <a:ea typeface="Hiragino Kaku Gothic ProN" panose="020B0300000000000000" pitchFamily="34" charset="-128"/>
+              </a:rPr>
+              <a:t>of</a:t>
+            </a:r>
+            <a:r>
+              <a:rPr lang="de" altLang="ja-JP" sz="1100" b="0" i="0" dirty="0">
+                <a:solidFill>
+                  <a:srgbClr val="000000"/>
+                </a:solidFill>
+                <a:effectLst/>
+                <a:latin typeface="Hiragino Kaku Gothic ProN" panose="020B0300000000000000" pitchFamily="34" charset="-128"/>
+                <a:ea typeface="Hiragino Kaku Gothic ProN" panose="020B0300000000000000" pitchFamily="34" charset="-128"/>
+              </a:rPr>
+              <a:t> </a:t>
+            </a:r>
+            <a:r>
+              <a:rPr lang="de" altLang="ja-JP" sz="1100" b="0" i="0" dirty="0" err="1">
+                <a:solidFill>
+                  <a:srgbClr val="000000"/>
+                </a:solidFill>
+                <a:effectLst/>
+                <a:latin typeface="Hiragino Kaku Gothic ProN" panose="020B0300000000000000" pitchFamily="34" charset="-128"/>
+                <a:ea typeface="Hiragino Kaku Gothic ProN" panose="020B0300000000000000" pitchFamily="34" charset="-128"/>
+              </a:rPr>
+              <a:t>the</a:t>
+            </a:r>
+            <a:r>
+              <a:rPr lang="de" altLang="ja-JP" sz="1100" b="0" i="0" dirty="0">
+                <a:solidFill>
+                  <a:srgbClr val="000000"/>
+                </a:solidFill>
+                <a:effectLst/>
+                <a:latin typeface="Hiragino Kaku Gothic ProN" panose="020B0300000000000000" pitchFamily="34" charset="-128"/>
+                <a:ea typeface="Hiragino Kaku Gothic ProN" panose="020B0300000000000000" pitchFamily="34" charset="-128"/>
+              </a:rPr>
+              <a:t> Institute </a:t>
+            </a:r>
+            <a:r>
+              <a:rPr lang="de" altLang="ja-JP" sz="1100" b="0" i="0" dirty="0" err="1">
+                <a:solidFill>
+                  <a:srgbClr val="000000"/>
+                </a:solidFill>
+                <a:effectLst/>
+                <a:latin typeface="Hiragino Kaku Gothic ProN" panose="020B0300000000000000" pitchFamily="34" charset="-128"/>
+                <a:ea typeface="Hiragino Kaku Gothic ProN" panose="020B0300000000000000" pitchFamily="34" charset="-128"/>
+              </a:rPr>
+              <a:t>of</a:t>
+            </a:r>
+            <a:r>
+              <a:rPr lang="de" altLang="ja-JP" sz="1100" b="0" i="0" dirty="0">
+                <a:solidFill>
+                  <a:srgbClr val="000000"/>
+                </a:solidFill>
+                <a:effectLst/>
+                <a:latin typeface="Hiragino Kaku Gothic ProN" panose="020B0300000000000000" pitchFamily="34" charset="-128"/>
+                <a:ea typeface="Hiragino Kaku Gothic ProN" panose="020B0300000000000000" pitchFamily="34" charset="-128"/>
+              </a:rPr>
+              <a:t> Systems, Control and Information Engineers, 1996, Volume 9, </a:t>
+            </a:r>
+            <a:r>
+              <a:rPr lang="de" altLang="ja-JP" sz="1100" b="0" i="0" dirty="0" err="1">
+                <a:solidFill>
+                  <a:srgbClr val="000000"/>
+                </a:solidFill>
+                <a:effectLst/>
+                <a:latin typeface="Hiragino Kaku Gothic ProN" panose="020B0300000000000000" pitchFamily="34" charset="-128"/>
+                <a:ea typeface="Hiragino Kaku Gothic ProN" panose="020B0300000000000000" pitchFamily="34" charset="-128"/>
+              </a:rPr>
+              <a:t>Issue</a:t>
+            </a:r>
+            <a:r>
+              <a:rPr lang="de" altLang="ja-JP" sz="1100" b="0" i="0" dirty="0">
+                <a:solidFill>
+                  <a:srgbClr val="000000"/>
+                </a:solidFill>
+                <a:effectLst/>
+                <a:latin typeface="Hiragino Kaku Gothic ProN" panose="020B0300000000000000" pitchFamily="34" charset="-128"/>
+                <a:ea typeface="Hiragino Kaku Gothic ProN" panose="020B0300000000000000" pitchFamily="34" charset="-128"/>
+              </a:rPr>
+              <a:t> 2, Pages 82-90, </a:t>
+            </a:r>
+            <a:r>
+              <a:rPr lang="de" altLang="ja-JP" sz="1100" b="0" i="0" dirty="0" err="1">
+                <a:solidFill>
+                  <a:srgbClr val="000000"/>
+                </a:solidFill>
+                <a:effectLst/>
+                <a:latin typeface="Hiragino Kaku Gothic ProN" panose="020B0300000000000000" pitchFamily="34" charset="-128"/>
+                <a:ea typeface="Hiragino Kaku Gothic ProN" panose="020B0300000000000000" pitchFamily="34" charset="-128"/>
+              </a:rPr>
+              <a:t>Released</a:t>
+            </a:r>
+            <a:r>
+              <a:rPr lang="de" altLang="ja-JP" sz="1100" b="0" i="0" dirty="0">
+                <a:solidFill>
+                  <a:srgbClr val="000000"/>
+                </a:solidFill>
+                <a:effectLst/>
+                <a:latin typeface="Hiragino Kaku Gothic ProN" panose="020B0300000000000000" pitchFamily="34" charset="-128"/>
+                <a:ea typeface="Hiragino Kaku Gothic ProN" panose="020B0300000000000000" pitchFamily="34" charset="-128"/>
+              </a:rPr>
+              <a:t> on J-STAGE </a:t>
+            </a:r>
+            <a:r>
+              <a:rPr lang="de" altLang="ja-JP" sz="1100" b="0" i="0" dirty="0" err="1">
+                <a:solidFill>
+                  <a:srgbClr val="000000"/>
+                </a:solidFill>
+                <a:effectLst/>
+                <a:latin typeface="Hiragino Kaku Gothic ProN" panose="020B0300000000000000" pitchFamily="34" charset="-128"/>
+                <a:ea typeface="Hiragino Kaku Gothic ProN" panose="020B0300000000000000" pitchFamily="34" charset="-128"/>
+              </a:rPr>
+              <a:t>October</a:t>
+            </a:r>
+            <a:r>
+              <a:rPr lang="de" altLang="ja-JP" sz="1100" b="0" i="0" dirty="0">
+                <a:solidFill>
+                  <a:srgbClr val="000000"/>
+                </a:solidFill>
+                <a:effectLst/>
+                <a:latin typeface="Hiragino Kaku Gothic ProN" panose="020B0300000000000000" pitchFamily="34" charset="-128"/>
+                <a:ea typeface="Hiragino Kaku Gothic ProN" panose="020B0300000000000000" pitchFamily="34" charset="-128"/>
+              </a:rPr>
+              <a:t> 13, 2011, Online ISSN 2185-811X, Print ISSN 1342-5668</a:t>
+            </a:r>
+            <a:endParaRPr kumimoji="1" lang="ja-JP" altLang="en-US" sz="1100"/>
           </a:p>
         </p:txBody>
       </p:sp>

--- a/prsn/20230124_prsn_taira.pptx
+++ b/prsn/20230124_prsn_taira.pptx
@@ -18,31 +18,31 @@
     <p:sldId id="264" r:id="rId6"/>
     <p:sldId id="270" r:id="rId7"/>
     <p:sldId id="320" r:id="rId8"/>
-    <p:sldId id="296" r:id="rId9"/>
-    <p:sldId id="266" r:id="rId10"/>
-    <p:sldId id="273" r:id="rId11"/>
-    <p:sldId id="274" r:id="rId12"/>
-    <p:sldId id="313" r:id="rId13"/>
-    <p:sldId id="299" r:id="rId14"/>
-    <p:sldId id="321" r:id="rId15"/>
-    <p:sldId id="323" r:id="rId16"/>
-    <p:sldId id="293" r:id="rId17"/>
-    <p:sldId id="291" r:id="rId18"/>
-    <p:sldId id="306" r:id="rId19"/>
-    <p:sldId id="292" r:id="rId20"/>
-    <p:sldId id="304" r:id="rId21"/>
-    <p:sldId id="307" r:id="rId22"/>
-    <p:sldId id="278" r:id="rId23"/>
-    <p:sldId id="283" r:id="rId24"/>
-    <p:sldId id="312" r:id="rId25"/>
-    <p:sldId id="303" r:id="rId26"/>
-    <p:sldId id="314" r:id="rId27"/>
-    <p:sldId id="322" r:id="rId28"/>
-    <p:sldId id="308" r:id="rId29"/>
-    <p:sldId id="309" r:id="rId30"/>
-    <p:sldId id="310" r:id="rId31"/>
-    <p:sldId id="262" r:id="rId32"/>
-    <p:sldId id="269" r:id="rId33"/>
+    <p:sldId id="269" r:id="rId9"/>
+    <p:sldId id="296" r:id="rId10"/>
+    <p:sldId id="266" r:id="rId11"/>
+    <p:sldId id="273" r:id="rId12"/>
+    <p:sldId id="274" r:id="rId13"/>
+    <p:sldId id="313" r:id="rId14"/>
+    <p:sldId id="299" r:id="rId15"/>
+    <p:sldId id="321" r:id="rId16"/>
+    <p:sldId id="323" r:id="rId17"/>
+    <p:sldId id="293" r:id="rId18"/>
+    <p:sldId id="291" r:id="rId19"/>
+    <p:sldId id="306" r:id="rId20"/>
+    <p:sldId id="292" r:id="rId21"/>
+    <p:sldId id="304" r:id="rId22"/>
+    <p:sldId id="307" r:id="rId23"/>
+    <p:sldId id="278" r:id="rId24"/>
+    <p:sldId id="283" r:id="rId25"/>
+    <p:sldId id="312" r:id="rId26"/>
+    <p:sldId id="303" r:id="rId27"/>
+    <p:sldId id="314" r:id="rId28"/>
+    <p:sldId id="322" r:id="rId29"/>
+    <p:sldId id="308" r:id="rId30"/>
+    <p:sldId id="309" r:id="rId31"/>
+    <p:sldId id="310" r:id="rId32"/>
+    <p:sldId id="262" r:id="rId33"/>
     <p:sldId id="301" r:id="rId34"/>
     <p:sldId id="311" r:id="rId35"/>
   </p:sldIdLst>
@@ -1013,86 +1013,26 @@
           <a:bodyPr/>
           <a:lstStyle/>
           <a:p>
-            <a:pPr marL="216000" marR="0" lvl="0" indent="-216000" defTabSz="914400" rtl="0" eaLnBrk="1" fontAlgn="auto" latinLnBrk="0" hangingPunct="0">
-              <a:lnSpc>
-                <a:spcPct val="100000"/>
-              </a:lnSpc>
-              <a:spcBef>
-                <a:spcPts val="0"/>
-              </a:spcBef>
-              <a:spcAft>
-                <a:spcPts val="0"/>
-              </a:spcAft>
-              <a:buClrTx/>
-              <a:buSzTx/>
-              <a:buFontTx/>
-              <a:buNone/>
-              <a:tabLst/>
-              <a:defRPr/>
-            </a:pPr>
             <a:r>
               <a:rPr kumimoji="1" lang="ja-JP" altLang="en-US"/>
-              <a:t>可変長遺伝子型熱力学的選択ルールは，</a:t>
-            </a:r>
-            <a:r>
-              <a:rPr kumimoji="1" lang="de" altLang="ja-JP" dirty="0" err="1"/>
-              <a:t>tdgaCNN</a:t>
+              <a:t>熱力学的遺伝アルゴリズム </a:t>
             </a:r>
             <a:r>
               <a:rPr kumimoji="1" lang="de" altLang="ja-JP" dirty="0"/>
-              <a:t>  </a:t>
+              <a:t>TDGA </a:t>
             </a:r>
             <a:r>
               <a:rPr kumimoji="1" lang="ja-JP" altLang="en-US"/>
-              <a:t>で提案された選択ルールで，温度 </a:t>
-            </a:r>
-            <a:r>
-              <a:rPr kumimoji="1" lang="en-US" altLang="ja-JP" dirty="0"/>
-              <a:t>T</a:t>
+              <a:t>は，個体の多様性維持をねらいとして，</a:t>
             </a:r>
             <a:r>
               <a:rPr kumimoji="1" lang="de" altLang="ja-JP" dirty="0"/>
-              <a:t> </a:t>
+              <a:t>GA </a:t>
             </a:r>
             <a:r>
               <a:rPr kumimoji="1" lang="ja-JP" altLang="en-US"/>
-              <a:t>において熱平衡状態にあるシステムでは，状態の定常分布はこちらの式で表される自由エネルギー</a:t>
-            </a:r>
-            <a:r>
-              <a:rPr kumimoji="1" lang="en-US" altLang="ja-JP" dirty="0"/>
-              <a:t> F </a:t>
-            </a:r>
-            <a:r>
-              <a:rPr kumimoji="1" lang="ja-JP" altLang="en-US"/>
-              <a:t>を最小とする分布になることが知られています．この式の右辺第</a:t>
-            </a:r>
-            <a:r>
-              <a:rPr kumimoji="1" lang="en-US" altLang="ja-JP" dirty="0"/>
-              <a:t> 1 </a:t>
-            </a:r>
-            <a:r>
-              <a:rPr kumimoji="1" lang="ja-JP" altLang="en-US"/>
-              <a:t>項は，エネルギー最小化を追求する項，第</a:t>
-            </a:r>
-            <a:r>
-              <a:rPr kumimoji="1" lang="en-US" altLang="ja-JP" dirty="0"/>
-              <a:t> 2 </a:t>
-            </a:r>
-            <a:r>
-              <a:rPr kumimoji="1" lang="ja-JP" altLang="en-US"/>
-              <a:t>項は，系の状態の多様性を維持する項と解釈することができます．よって自由エネルギーを最小化するということは，</a:t>
-            </a:r>
-            <a:r>
-              <a:rPr kumimoji="1" lang="ja-JP" altLang="en-US" sz="2000">
-                <a:solidFill>
-                  <a:srgbClr val="FF0000"/>
-                </a:solidFill>
-              </a:rPr>
-              <a:t>多様性を維持しつつエネルギー最小化を追求することであると言えます．</a:t>
-            </a:r>
-          </a:p>
-          <a:p>
-            <a:endParaRPr kumimoji="1" lang="ja-JP" altLang="en-US"/>
+              <a:t>の選択ルールに熱力学的選択ルールを採用した手法です．</a:t>
+            </a:r>
           </a:p>
         </p:txBody>
       </p:sp>
@@ -1123,7 +1063,7 @@
     </p:spTree>
     <p:extLst>
       <p:ext uri="{BB962C8B-B14F-4D97-AF65-F5344CB8AC3E}">
-        <p14:creationId xmlns:p14="http://schemas.microsoft.com/office/powerpoint/2010/main" val="1428562920"/>
+        <p14:creationId xmlns:p14="http://schemas.microsoft.com/office/powerpoint/2010/main" val="175808227"/>
       </p:ext>
     </p:extLst>
   </p:cSld>
@@ -1177,30 +1117,85 @@
           <a:bodyPr/>
           <a:lstStyle/>
           <a:p>
+            <a:pPr marL="216000" marR="0" lvl="0" indent="-216000" defTabSz="914400" rtl="0" eaLnBrk="1" fontAlgn="auto" latinLnBrk="0" hangingPunct="0">
+              <a:lnSpc>
+                <a:spcPct val="100000"/>
+              </a:lnSpc>
+              <a:spcBef>
+                <a:spcPts val="0"/>
+              </a:spcBef>
+              <a:spcAft>
+                <a:spcPts val="0"/>
+              </a:spcAft>
+              <a:buClrTx/>
+              <a:buSzTx/>
+              <a:buFontTx/>
+              <a:buNone/>
+              <a:tabLst/>
+              <a:defRPr/>
+            </a:pPr>
             <a:r>
               <a:rPr kumimoji="1" lang="ja-JP" altLang="en-US"/>
-              <a:t>前のスライドのエントロピー</a:t>
+              <a:t>可変長遺伝子型熱力学的選択ルールは，</a:t>
+            </a:r>
+            <a:r>
+              <a:rPr kumimoji="1" lang="de" altLang="ja-JP" dirty="0" err="1"/>
+              <a:t>tdgaCNN</a:t>
+            </a:r>
+            <a:r>
+              <a:rPr kumimoji="1" lang="de" altLang="ja-JP" dirty="0"/>
+              <a:t>  </a:t>
+            </a:r>
+            <a:r>
+              <a:rPr kumimoji="1" lang="ja-JP" altLang="en-US"/>
+              <a:t>で提案された選択ルールで，温度 </a:t>
             </a:r>
             <a:r>
               <a:rPr kumimoji="1" lang="en-US" altLang="ja-JP" dirty="0"/>
-              <a:t> H </a:t>
+              <a:t>T</a:t>
+            </a:r>
+            <a:r>
+              <a:rPr kumimoji="1" lang="de" altLang="ja-JP" dirty="0"/>
+              <a:t> </a:t>
             </a:r>
             <a:r>
               <a:rPr kumimoji="1" lang="ja-JP" altLang="en-US"/>
-              <a:t>はこのような式で表されます．</a:t>
+              <a:t>において熱平衡状態にあるシステムでは，状態の定常分布はこちらの式で表される自由エネルギー</a:t>
             </a:r>
             <a:r>
               <a:rPr kumimoji="1" lang="en-US" altLang="ja-JP" dirty="0"/>
-              <a:t>p</a:t>
+              <a:t> F </a:t>
             </a:r>
             <a:r>
               <a:rPr kumimoji="1" lang="ja-JP" altLang="en-US"/>
-              <a:t>は</a:t>
+              <a:t>を最小とする分布になることが知られています．この式の右辺第</a:t>
             </a:r>
             <a:r>
               <a:rPr kumimoji="1" lang="en-US" altLang="ja-JP" dirty="0"/>
-              <a:t>〜〜</a:t>
-            </a:r>
+              <a:t> 1 </a:t>
+            </a:r>
+            <a:r>
+              <a:rPr kumimoji="1" lang="ja-JP" altLang="en-US"/>
+              <a:t>項は，エネルギー最小化を追求する項，第</a:t>
+            </a:r>
+            <a:r>
+              <a:rPr kumimoji="1" lang="en-US" altLang="ja-JP" dirty="0"/>
+              <a:t> 2 </a:t>
+            </a:r>
+            <a:r>
+              <a:rPr kumimoji="1" lang="ja-JP" altLang="en-US"/>
+              <a:t>項は，系の状態の多様性を維持する項と解釈することができます．よって自由エネルギーを最小化するということは，</a:t>
+            </a:r>
+            <a:r>
+              <a:rPr kumimoji="1" lang="ja-JP" altLang="en-US" sz="2000">
+                <a:solidFill>
+                  <a:srgbClr val="FF0000"/>
+                </a:solidFill>
+              </a:rPr>
+              <a:t>多様性を維持しつつエネルギー最小化を追求することであると言えます．</a:t>
+            </a:r>
+          </a:p>
+          <a:p>
             <a:endParaRPr kumimoji="1" lang="ja-JP" altLang="en-US"/>
           </a:p>
         </p:txBody>
@@ -1224,6 +1219,115 @@
             <a:fld id="{D4859A6D-CDBD-B344-BF57-2B4BBFE9F422}" type="slidenum">
               <a:rPr lang="en-US" altLang="ja-JP" smtClean="0"/>
               <a:t>11</a:t>
+            </a:fld>
+            <a:endParaRPr lang="ja-JP" altLang="en-US"/>
+          </a:p>
+        </p:txBody>
+      </p:sp>
+    </p:spTree>
+    <p:extLst>
+      <p:ext uri="{BB962C8B-B14F-4D97-AF65-F5344CB8AC3E}">
+        <p14:creationId xmlns:p14="http://schemas.microsoft.com/office/powerpoint/2010/main" val="1428562920"/>
+      </p:ext>
+    </p:extLst>
+  </p:cSld>
+  <p:clrMapOvr>
+    <a:masterClrMapping/>
+  </p:clrMapOvr>
+</p:notes>
+</file>
+
+<file path=ppt/notesSlides/notesSlide12.xml><?xml version="1.0" encoding="utf-8"?>
+<p:notes xmlns:a="http://schemas.openxmlformats.org/drawingml/2006/main" xmlns:r="http://schemas.openxmlformats.org/officeDocument/2006/relationships" xmlns:p="http://schemas.openxmlformats.org/presentationml/2006/main">
+  <p:cSld>
+    <p:spTree>
+      <p:nvGrpSpPr>
+        <p:cNvPr id="1" name=""/>
+        <p:cNvGrpSpPr/>
+        <p:nvPr/>
+      </p:nvGrpSpPr>
+      <p:grpSpPr>
+        <a:xfrm>
+          <a:off x="0" y="0"/>
+          <a:ext cx="0" cy="0"/>
+          <a:chOff x="0" y="0"/>
+          <a:chExt cx="0" cy="0"/>
+        </a:xfrm>
+      </p:grpSpPr>
+      <p:sp>
+        <p:nvSpPr>
+          <p:cNvPr id="2" name="スライド イメージ プレースホルダー 1"/>
+          <p:cNvSpPr>
+            <a:spLocks noGrp="1" noRot="1" noChangeAspect="1"/>
+          </p:cNvSpPr>
+          <p:nvPr>
+            <p:ph type="sldImg"/>
+          </p:nvPr>
+        </p:nvSpPr>
+        <p:spPr/>
+      </p:sp>
+      <p:sp>
+        <p:nvSpPr>
+          <p:cNvPr id="3" name="ノート プレースホルダー 2"/>
+          <p:cNvSpPr>
+            <a:spLocks noGrp="1"/>
+          </p:cNvSpPr>
+          <p:nvPr>
+            <p:ph type="body" idx="1"/>
+          </p:nvPr>
+        </p:nvSpPr>
+        <p:spPr/>
+        <p:txBody>
+          <a:bodyPr/>
+          <a:lstStyle/>
+          <a:p>
+            <a:r>
+              <a:rPr kumimoji="1" lang="ja-JP" altLang="en-US"/>
+              <a:t>前のスライドのエントロピー</a:t>
+            </a:r>
+            <a:r>
+              <a:rPr kumimoji="1" lang="en-US" altLang="ja-JP" dirty="0"/>
+              <a:t> H </a:t>
+            </a:r>
+            <a:r>
+              <a:rPr kumimoji="1" lang="ja-JP" altLang="en-US"/>
+              <a:t>はこのような式で表されます．</a:t>
+            </a:r>
+            <a:r>
+              <a:rPr kumimoji="1" lang="en-US" altLang="ja-JP" dirty="0"/>
+              <a:t>p</a:t>
+            </a:r>
+            <a:r>
+              <a:rPr kumimoji="1" lang="ja-JP" altLang="en-US"/>
+              <a:t>は</a:t>
+            </a:r>
+            <a:r>
+              <a:rPr kumimoji="1" lang="en-US" altLang="ja-JP" dirty="0"/>
+              <a:t>〜〜</a:t>
+            </a:r>
+            <a:endParaRPr kumimoji="1" lang="ja-JP" altLang="en-US"/>
+          </a:p>
+        </p:txBody>
+      </p:sp>
+      <p:sp>
+        <p:nvSpPr>
+          <p:cNvPr id="4" name="スライド番号プレースホルダー 3"/>
+          <p:cNvSpPr>
+            <a:spLocks noGrp="1"/>
+          </p:cNvSpPr>
+          <p:nvPr>
+            <p:ph type="sldNum" sz="quarter" idx="5"/>
+          </p:nvPr>
+        </p:nvSpPr>
+        <p:spPr/>
+        <p:txBody>
+          <a:bodyPr/>
+          <a:lstStyle/>
+          <a:p>
+            <a:pPr lvl="0"/>
+            <a:fld id="{D4859A6D-CDBD-B344-BF57-2B4BBFE9F422}" type="slidenum">
+              <a:rPr lang="en-US" altLang="ja-JP" smtClean="0"/>
+              <a:t>12</a:t>
             </a:fld>
             <a:endParaRPr lang="ja-JP" altLang="en-US"/>
           </a:p>
@@ -1242,7 +1346,7 @@
 </p:notes>
 </file>
 
-<file path=ppt/notesSlides/notesSlide12.xml><?xml version="1.0" encoding="utf-8"?>
+<file path=ppt/notesSlides/notesSlide13.xml><?xml version="1.0" encoding="utf-8"?>
 <p:notes xmlns:a="http://schemas.openxmlformats.org/drawingml/2006/main" xmlns:r="http://schemas.openxmlformats.org/officeDocument/2006/relationships" xmlns:p="http://schemas.openxmlformats.org/presentationml/2006/main">
   <p:cSld>
     <p:spTree>
@@ -1447,7 +1551,7 @@
             <a:pPr lvl="0"/>
             <a:fld id="{D4859A6D-CDBD-B344-BF57-2B4BBFE9F422}" type="slidenum">
               <a:rPr lang="en-US" altLang="ja-JP" smtClean="0"/>
-              <a:t>12</a:t>
+              <a:t>13</a:t>
             </a:fld>
             <a:endParaRPr lang="ja-JP" altLang="en-US"/>
           </a:p>
@@ -1457,155 +1561,6 @@
     <p:extLst>
       <p:ext uri="{BB962C8B-B14F-4D97-AF65-F5344CB8AC3E}">
         <p14:creationId xmlns:p14="http://schemas.microsoft.com/office/powerpoint/2010/main" val="157035346"/>
-      </p:ext>
-    </p:extLst>
-  </p:cSld>
-  <p:clrMapOvr>
-    <a:masterClrMapping/>
-  </p:clrMapOvr>
-</p:notes>
-</file>
-
-<file path=ppt/notesSlides/notesSlide13.xml><?xml version="1.0" encoding="utf-8"?>
-<p:notes xmlns:a="http://schemas.openxmlformats.org/drawingml/2006/main" xmlns:r="http://schemas.openxmlformats.org/officeDocument/2006/relationships" xmlns:p="http://schemas.openxmlformats.org/presentationml/2006/main">
-  <p:cSld>
-    <p:spTree>
-      <p:nvGrpSpPr>
-        <p:cNvPr id="1" name=""/>
-        <p:cNvGrpSpPr/>
-        <p:nvPr/>
-      </p:nvGrpSpPr>
-      <p:grpSpPr>
-        <a:xfrm>
-          <a:off x="0" y="0"/>
-          <a:ext cx="0" cy="0"/>
-          <a:chOff x="0" y="0"/>
-          <a:chExt cx="0" cy="0"/>
-        </a:xfrm>
-      </p:grpSpPr>
-      <p:sp>
-        <p:nvSpPr>
-          <p:cNvPr id="2" name="スライド イメージ プレースホルダー 1"/>
-          <p:cNvSpPr>
-            <a:spLocks noGrp="1" noRot="1" noChangeAspect="1"/>
-          </p:cNvSpPr>
-          <p:nvPr>
-            <p:ph type="sldImg"/>
-          </p:nvPr>
-        </p:nvSpPr>
-        <p:spPr/>
-      </p:sp>
-      <p:sp>
-        <p:nvSpPr>
-          <p:cNvPr id="3" name="ノート プレースホルダー 2"/>
-          <p:cNvSpPr>
-            <a:spLocks noGrp="1"/>
-          </p:cNvSpPr>
-          <p:nvPr>
-            <p:ph type="body" idx="1"/>
-          </p:nvPr>
-        </p:nvSpPr>
-        <p:spPr/>
-        <p:txBody>
-          <a:bodyPr/>
-          <a:lstStyle/>
-          <a:p>
-            <a:pPr marL="216000" marR="0" lvl="0" indent="-216000" defTabSz="914400" rtl="0" eaLnBrk="1" fontAlgn="auto" latinLnBrk="0" hangingPunct="0">
-              <a:lnSpc>
-                <a:spcPct val="100000"/>
-              </a:lnSpc>
-              <a:spcBef>
-                <a:spcPts val="0"/>
-              </a:spcBef>
-              <a:spcAft>
-                <a:spcPts val="0"/>
-              </a:spcAft>
-              <a:buClrTx/>
-              <a:buSzTx/>
-              <a:buFontTx/>
-              <a:buNone/>
-              <a:tabLst/>
-              <a:defRPr/>
-            </a:pPr>
-            <a:r>
-              <a:rPr kumimoji="1" lang="en-US" altLang="ja-JP" dirty="0" err="1"/>
-              <a:t>tdgaCNN</a:t>
-            </a:r>
-            <a:r>
-              <a:rPr kumimoji="1" lang="en-US" altLang="ja-JP" dirty="0"/>
-              <a:t> </a:t>
-            </a:r>
-            <a:r>
-              <a:rPr kumimoji="1" lang="ja-JP" altLang="en-US"/>
-              <a:t>は，</a:t>
-            </a:r>
-            <a:r>
-              <a:rPr kumimoji="1" lang="en-US" altLang="ja-JP" dirty="0"/>
-              <a:t>CNN </a:t>
-            </a:r>
-            <a:r>
-              <a:rPr kumimoji="1" lang="ja-JP" altLang="en-US"/>
-              <a:t>構造の探索に</a:t>
-            </a:r>
-            <a:r>
-              <a:rPr kumimoji="1" lang="en-US" altLang="ja-JP" dirty="0"/>
-              <a:t> TDGA </a:t>
-            </a:r>
-            <a:r>
-              <a:rPr kumimoji="1" lang="ja-JP" altLang="en-US"/>
-              <a:t>を利用する手法で，</a:t>
-            </a:r>
-            <a:r>
-              <a:rPr kumimoji="1" lang="en-US" altLang="ja-JP" sz="2000" dirty="0" err="1"/>
-              <a:t>gaCNN</a:t>
-            </a:r>
-            <a:r>
-              <a:rPr kumimoji="1" lang="en-US" altLang="ja-JP" sz="2000" dirty="0"/>
-              <a:t> </a:t>
-            </a:r>
-            <a:r>
-              <a:rPr kumimoji="1" lang="ja-JP" altLang="en-US" sz="2000"/>
-              <a:t>を含む従来手法と比較して</a:t>
-            </a:r>
-            <a:r>
-              <a:rPr lang="ja-JP" altLang="en-US" sz="2000"/>
-              <a:t>良い個体を獲得できたことが報告されています．</a:t>
-            </a:r>
-            <a:endParaRPr kumimoji="1" lang="en-US" altLang="ja-JP" sz="2000" dirty="0"/>
-          </a:p>
-          <a:p>
-            <a:endParaRPr kumimoji="1" lang="ja-JP" altLang="en-US"/>
-          </a:p>
-        </p:txBody>
-      </p:sp>
-      <p:sp>
-        <p:nvSpPr>
-          <p:cNvPr id="4" name="スライド番号プレースホルダー 3"/>
-          <p:cNvSpPr>
-            <a:spLocks noGrp="1"/>
-          </p:cNvSpPr>
-          <p:nvPr>
-            <p:ph type="sldNum" sz="quarter" idx="5"/>
-          </p:nvPr>
-        </p:nvSpPr>
-        <p:spPr/>
-        <p:txBody>
-          <a:bodyPr/>
-          <a:lstStyle/>
-          <a:p>
-            <a:pPr lvl="0"/>
-            <a:fld id="{D4859A6D-CDBD-B344-BF57-2B4BBFE9F422}" type="slidenum">
-              <a:rPr lang="en-US" altLang="ja-JP" smtClean="0"/>
-              <a:t>13</a:t>
-            </a:fld>
-            <a:endParaRPr lang="ja-JP" altLang="en-US"/>
-          </a:p>
-        </p:txBody>
-      </p:sp>
-    </p:spTree>
-    <p:extLst>
-      <p:ext uri="{BB962C8B-B14F-4D97-AF65-F5344CB8AC3E}">
-        <p14:creationId xmlns:p14="http://schemas.microsoft.com/office/powerpoint/2010/main" val="3211323754"/>
       </p:ext>
     </p:extLst>
   </p:cSld>
@@ -1659,10 +1614,71 @@
           <a:bodyPr/>
           <a:lstStyle/>
           <a:p>
+            <a:pPr marL="216000" marR="0" lvl="0" indent="-216000" defTabSz="914400" rtl="0" eaLnBrk="1" fontAlgn="auto" latinLnBrk="0" hangingPunct="0">
+              <a:lnSpc>
+                <a:spcPct val="100000"/>
+              </a:lnSpc>
+              <a:spcBef>
+                <a:spcPts val="0"/>
+              </a:spcBef>
+              <a:spcAft>
+                <a:spcPts val="0"/>
+              </a:spcAft>
+              <a:buClrTx/>
+              <a:buSzTx/>
+              <a:buFontTx/>
+              <a:buNone/>
+              <a:tabLst/>
+              <a:defRPr/>
+            </a:pPr>
+            <a:r>
+              <a:rPr kumimoji="1" lang="en-US" altLang="ja-JP" dirty="0" err="1"/>
+              <a:t>tdgaCNN</a:t>
+            </a:r>
+            <a:r>
+              <a:rPr kumimoji="1" lang="en-US" altLang="ja-JP" dirty="0"/>
+              <a:t> </a:t>
+            </a:r>
             <a:r>
               <a:rPr kumimoji="1" lang="ja-JP" altLang="en-US"/>
-              <a:t>実験です．</a:t>
-            </a:r>
+              <a:t>は，</a:t>
+            </a:r>
+            <a:r>
+              <a:rPr kumimoji="1" lang="en-US" altLang="ja-JP" dirty="0"/>
+              <a:t>CNN </a:t>
+            </a:r>
+            <a:r>
+              <a:rPr kumimoji="1" lang="ja-JP" altLang="en-US"/>
+              <a:t>構造の探索に</a:t>
+            </a:r>
+            <a:r>
+              <a:rPr kumimoji="1" lang="en-US" altLang="ja-JP" dirty="0"/>
+              <a:t> TDGA </a:t>
+            </a:r>
+            <a:r>
+              <a:rPr kumimoji="1" lang="ja-JP" altLang="en-US"/>
+              <a:t>を利用する手法で，</a:t>
+            </a:r>
+            <a:r>
+              <a:rPr kumimoji="1" lang="en-US" altLang="ja-JP" sz="2000" dirty="0" err="1"/>
+              <a:t>gaCNN</a:t>
+            </a:r>
+            <a:r>
+              <a:rPr kumimoji="1" lang="en-US" altLang="ja-JP" sz="2000" dirty="0"/>
+              <a:t> </a:t>
+            </a:r>
+            <a:r>
+              <a:rPr kumimoji="1" lang="ja-JP" altLang="en-US" sz="2000"/>
+              <a:t>を含む従来手法と比較して</a:t>
+            </a:r>
+            <a:r>
+              <a:rPr lang="ja-JP" altLang="en-US" sz="2000"/>
+              <a:t>良い個体を獲得できたことが報告されています．</a:t>
+            </a:r>
+            <a:endParaRPr kumimoji="1" lang="en-US" altLang="ja-JP" sz="2000" dirty="0"/>
+          </a:p>
+          <a:p>
+            <a:endParaRPr kumimoji="1" lang="ja-JP" altLang="en-US"/>
           </a:p>
         </p:txBody>
       </p:sp>
@@ -1693,7 +1709,7 @@
     </p:spTree>
     <p:extLst>
       <p:ext uri="{BB962C8B-B14F-4D97-AF65-F5344CB8AC3E}">
-        <p14:creationId xmlns:p14="http://schemas.microsoft.com/office/powerpoint/2010/main" val="1677180091"/>
+        <p14:creationId xmlns:p14="http://schemas.microsoft.com/office/powerpoint/2010/main" val="3211323754"/>
       </p:ext>
     </p:extLst>
   </p:cSld>
@@ -1747,42 +1763,10 @@
           <a:bodyPr/>
           <a:lstStyle/>
           <a:p>
-            <a:pPr marL="216000" marR="0" lvl="0" indent="-216000" defTabSz="914400" rtl="0" eaLnBrk="1" fontAlgn="auto" latinLnBrk="0" hangingPunct="0">
-              <a:lnSpc>
-                <a:spcPct val="100000"/>
-              </a:lnSpc>
-              <a:spcBef>
-                <a:spcPts val="0"/>
-              </a:spcBef>
-              <a:spcAft>
-                <a:spcPts val="0"/>
-              </a:spcAft>
-              <a:buClrTx/>
-              <a:buSzTx/>
-              <a:buFontTx/>
-              <a:buNone/>
-              <a:tabLst/>
-              <a:defRPr/>
-            </a:pPr>
-            <a:r>
-              <a:rPr kumimoji="1" lang="ja-JP" altLang="en-US" sz="2000"/>
-              <a:t>本実験では，</a:t>
-            </a:r>
-            <a:r>
-              <a:rPr kumimoji="1" lang="en-US" altLang="ja-JP" sz="2000" dirty="0" err="1"/>
-              <a:t>tdgaCNN</a:t>
-            </a:r>
-            <a:r>
-              <a:rPr kumimoji="1" lang="en-US" altLang="ja-JP" sz="2000" dirty="0"/>
-              <a:t> </a:t>
-            </a:r>
-            <a:r>
-              <a:rPr kumimoji="1" lang="ja-JP" altLang="en-US" sz="2000"/>
-              <a:t>における適応度評価のための学習エポック数を適応度評価エポック数と定義して以降では説明させていただきます．</a:t>
-            </a:r>
-          </a:p>
-          <a:p>
-            <a:endParaRPr kumimoji="1" lang="ja-JP" altLang="en-US"/>
+            <a:r>
+              <a:rPr kumimoji="1" lang="ja-JP" altLang="en-US"/>
+              <a:t>実験です．</a:t>
+            </a:r>
           </a:p>
         </p:txBody>
       </p:sp>
@@ -1813,7 +1797,7 @@
     </p:spTree>
     <p:extLst>
       <p:ext uri="{BB962C8B-B14F-4D97-AF65-F5344CB8AC3E}">
-        <p14:creationId xmlns:p14="http://schemas.microsoft.com/office/powerpoint/2010/main" val="1500371443"/>
+        <p14:creationId xmlns:p14="http://schemas.microsoft.com/office/powerpoint/2010/main" val="1677180091"/>
       </p:ext>
     </p:extLst>
   </p:cSld>
@@ -1885,118 +1869,21 @@
               <a:defRPr/>
             </a:pPr>
             <a:r>
-              <a:rPr kumimoji="1" lang="ja-JP" altLang="en-US"/>
-              <a:t>先行研究では，適応度評価エポック数は</a:t>
-            </a:r>
-            <a:r>
-              <a:rPr kumimoji="1" lang="en-US" altLang="ja-JP" dirty="0"/>
-              <a:t> 1 </a:t>
-            </a:r>
-            <a:r>
-              <a:rPr kumimoji="1" lang="ja-JP" altLang="en-US"/>
-              <a:t>と設定していました．そこで本実験ではエポック数が</a:t>
-            </a:r>
-            <a:r>
-              <a:rPr kumimoji="1" lang="en-US" altLang="ja-JP" dirty="0"/>
+              <a:rPr kumimoji="1" lang="ja-JP" altLang="en-US" sz="2000"/>
+              <a:t>本実験では，</a:t>
+            </a:r>
+            <a:r>
+              <a:rPr kumimoji="1" lang="en-US" altLang="ja-JP" sz="2000" dirty="0" err="1"/>
+              <a:t>tdgaCNN</a:t>
+            </a:r>
+            <a:r>
+              <a:rPr kumimoji="1" lang="en-US" altLang="ja-JP" sz="2000" dirty="0"/>
               <a:t> </a:t>
             </a:r>
             <a:r>
-              <a:rPr kumimoji="1" lang="en-US" altLang="ja-JP" dirty="0" err="1"/>
-              <a:t>n_i</a:t>
-            </a:r>
-            <a:r>
-              <a:rPr kumimoji="1" lang="en-US" altLang="ja-JP" dirty="0"/>
-              <a:t> </a:t>
-            </a:r>
-            <a:r>
-              <a:rPr kumimoji="1" lang="ja-JP" altLang="en-US"/>
-              <a:t>である世代の数を</a:t>
-            </a:r>
-            <a:r>
-              <a:rPr kumimoji="1" lang="en-US" altLang="ja-JP" dirty="0"/>
-              <a:t> </a:t>
-            </a:r>
-            <a:r>
-              <a:rPr kumimoji="1" lang="en-US" altLang="ja-JP" dirty="0" err="1"/>
-              <a:t>g_i</a:t>
-            </a:r>
-            <a:r>
-              <a:rPr kumimoji="1" lang="en-US" altLang="ja-JP" dirty="0"/>
-              <a:t> </a:t>
-            </a:r>
-            <a:r>
-              <a:rPr kumimoji="1" lang="ja-JP" altLang="en-US"/>
-              <a:t>とした時，</a:t>
-            </a:r>
-            <a:r>
-              <a:rPr kumimoji="1" lang="en-US" altLang="ja-JP" dirty="0" err="1"/>
-              <a:t>n_i</a:t>
-            </a:r>
-            <a:r>
-              <a:rPr kumimoji="1" lang="en-US" altLang="ja-JP" dirty="0"/>
-              <a:t> </a:t>
-            </a:r>
-            <a:r>
-              <a:rPr kumimoji="1" lang="ja-JP" altLang="en-US"/>
-              <a:t>と</a:t>
-            </a:r>
-            <a:r>
-              <a:rPr kumimoji="1" lang="en-US" altLang="ja-JP" dirty="0"/>
-              <a:t> </a:t>
-            </a:r>
-            <a:r>
-              <a:rPr kumimoji="1" lang="en-US" altLang="ja-JP" dirty="0" err="1"/>
-              <a:t>g_i</a:t>
-            </a:r>
-            <a:r>
-              <a:rPr kumimoji="1" lang="en-US" altLang="ja-JP" dirty="0"/>
-              <a:t> </a:t>
-            </a:r>
-            <a:r>
-              <a:rPr kumimoji="1" lang="ja-JP" altLang="en-US"/>
-              <a:t>の積の</a:t>
-            </a:r>
-            <a:r>
-              <a:rPr kumimoji="1" lang="en-US" altLang="ja-JP" dirty="0"/>
-              <a:t> </a:t>
-            </a:r>
-            <a:r>
-              <a:rPr kumimoji="1" lang="en-US" altLang="ja-JP" dirty="0" err="1"/>
-              <a:t>i</a:t>
-            </a:r>
-            <a:r>
-              <a:rPr kumimoji="1" lang="en-US" altLang="ja-JP" dirty="0"/>
-              <a:t> </a:t>
-            </a:r>
-            <a:r>
-              <a:rPr kumimoji="1" lang="ja-JP" altLang="en-US"/>
-              <a:t>についての和が定数</a:t>
-            </a:r>
-            <a:r>
-              <a:rPr kumimoji="1" lang="en-US" altLang="ja-JP" dirty="0"/>
-              <a:t> c </a:t>
-            </a:r>
-            <a:r>
-              <a:rPr kumimoji="1" lang="ja-JP" altLang="en-US"/>
-              <a:t>となるように設定して，様々な適応度評価エポック数で実験しました．この式に従うことで，</a:t>
-            </a:r>
-            <a:r>
-              <a:rPr kumimoji="1" lang="en-US" altLang="ja-JP" sz="2000" dirty="0"/>
-              <a:t>CNN </a:t>
-            </a:r>
-            <a:r>
               <a:rPr kumimoji="1" lang="ja-JP" altLang="en-US" sz="2000"/>
-              <a:t>の学習回数を一定に保って実験することができます．今回は</a:t>
-            </a:r>
-            <a:r>
-              <a:rPr kumimoji="1" lang="en-US" altLang="ja-JP" sz="2000" dirty="0"/>
-              <a:t> c = 80 </a:t>
-            </a:r>
-            <a:r>
-              <a:rPr kumimoji="1" lang="ja-JP" altLang="en-US" sz="2000"/>
-              <a:t>として実験しました．</a:t>
-            </a:r>
-            <a:endParaRPr kumimoji="1" lang="en-US" altLang="ja-JP" sz="2000" dirty="0"/>
+              <a:t>における適応度評価のための学習エポック数を適応度評価エポック数と定義して以降では説明させていただきます．</a:t>
+            </a:r>
           </a:p>
           <a:p>
             <a:endParaRPr kumimoji="1" lang="ja-JP" altLang="en-US"/>
@@ -2030,7 +1917,7 @@
     </p:spTree>
     <p:extLst>
       <p:ext uri="{BB962C8B-B14F-4D97-AF65-F5344CB8AC3E}">
-        <p14:creationId xmlns:p14="http://schemas.microsoft.com/office/powerpoint/2010/main" val="765527623"/>
+        <p14:creationId xmlns:p14="http://schemas.microsoft.com/office/powerpoint/2010/main" val="1500371443"/>
       </p:ext>
     </p:extLst>
   </p:cSld>
@@ -2084,54 +1971,139 @@
           <a:bodyPr/>
           <a:lstStyle/>
           <a:p>
-            <a:r>
-              <a:rPr kumimoji="1" lang="de" altLang="ja-JP" dirty="0" err="1"/>
-              <a:t>tdgaCNN</a:t>
-            </a:r>
-            <a:r>
-              <a:rPr kumimoji="1" lang="de" altLang="ja-JP" dirty="0"/>
+            <a:pPr marL="216000" marR="0" lvl="0" indent="-216000" defTabSz="914400" rtl="0" eaLnBrk="1" fontAlgn="auto" latinLnBrk="0" hangingPunct="0">
+              <a:lnSpc>
+                <a:spcPct val="100000"/>
+              </a:lnSpc>
+              <a:spcBef>
+                <a:spcPts val="0"/>
+              </a:spcBef>
+              <a:spcAft>
+                <a:spcPts val="0"/>
+              </a:spcAft>
+              <a:buClrTx/>
+              <a:buSzTx/>
+              <a:buFontTx/>
+              <a:buNone/>
+              <a:tabLst/>
+              <a:defRPr/>
+            </a:pPr>
+            <a:r>
+              <a:rPr kumimoji="1" lang="ja-JP" altLang="en-US"/>
+              <a:t>先行研究では，適応度評価エポック数は</a:t>
+            </a:r>
+            <a:r>
+              <a:rPr kumimoji="1" lang="en-US" altLang="ja-JP" dirty="0"/>
+              <a:t> 1 </a:t>
+            </a:r>
+            <a:r>
+              <a:rPr kumimoji="1" lang="ja-JP" altLang="en-US"/>
+              <a:t>と設定していました．そこで本実験ではエポック数が</a:t>
+            </a:r>
+            <a:r>
+              <a:rPr kumimoji="1" lang="en-US" altLang="ja-JP" dirty="0"/>
               <a:t> </a:t>
             </a:r>
             <a:r>
+              <a:rPr kumimoji="1" lang="en-US" altLang="ja-JP" dirty="0" err="1"/>
+              <a:t>n_i</a:t>
+            </a:r>
+            <a:r>
+              <a:rPr kumimoji="1" lang="en-US" altLang="ja-JP" dirty="0"/>
+              <a:t> </a:t>
+            </a:r>
+            <a:r>
               <a:rPr kumimoji="1" lang="ja-JP" altLang="en-US"/>
-              <a:t>実行にかかる時間を短縮するために，後の実験の初期個体群として，</a:t>
-            </a:r>
-            <a:r>
-              <a:rPr kumimoji="1" lang="de" altLang="ja-JP" dirty="0" err="1"/>
-              <a:t>tdgaCNN</a:t>
-            </a:r>
-            <a:r>
-              <a:rPr kumimoji="1" lang="de" altLang="ja-JP" dirty="0"/>
+              <a:t>である世代の数を</a:t>
+            </a:r>
+            <a:r>
+              <a:rPr kumimoji="1" lang="en-US" altLang="ja-JP" dirty="0"/>
               <a:t> </a:t>
             </a:r>
             <a:r>
+              <a:rPr kumimoji="1" lang="en-US" altLang="ja-JP" dirty="0" err="1"/>
+              <a:t>g_i</a:t>
+            </a:r>
+            <a:r>
+              <a:rPr kumimoji="1" lang="en-US" altLang="ja-JP" dirty="0"/>
+              <a:t> </a:t>
+            </a:r>
+            <a:r>
               <a:rPr kumimoji="1" lang="ja-JP" altLang="en-US"/>
-              <a:t>によってある程度適応度の平均を高めた個体群を作成しました．作成の際はランダムな </a:t>
+              <a:t>とした時，</a:t>
+            </a:r>
+            <a:r>
+              <a:rPr kumimoji="1" lang="en-US" altLang="ja-JP" dirty="0" err="1"/>
+              <a:t>n_i</a:t>
             </a:r>
             <a:r>
               <a:rPr kumimoji="1" lang="en-US" altLang="ja-JP" dirty="0"/>
-              <a:t>100 </a:t>
+              <a:t> </a:t>
             </a:r>
             <a:r>
               <a:rPr kumimoji="1" lang="ja-JP" altLang="en-US"/>
-              <a:t>個体を，適応度評価エポック数を </a:t>
+              <a:t>と</a:t>
             </a:r>
             <a:r>
               <a:rPr kumimoji="1" lang="en-US" altLang="ja-JP" dirty="0"/>
-              <a:t>1 </a:t>
+              <a:t> </a:t>
+            </a:r>
+            <a:r>
+              <a:rPr kumimoji="1" lang="en-US" altLang="ja-JP" dirty="0" err="1"/>
+              <a:t>g_i</a:t>
+            </a:r>
+            <a:r>
+              <a:rPr kumimoji="1" lang="en-US" altLang="ja-JP" dirty="0"/>
+              <a:t> </a:t>
             </a:r>
             <a:r>
               <a:rPr kumimoji="1" lang="ja-JP" altLang="en-US"/>
-              <a:t>として </a:t>
+              <a:t>の積の</a:t>
             </a:r>
             <a:r>
               <a:rPr kumimoji="1" lang="en-US" altLang="ja-JP" dirty="0"/>
-              <a:t>20 </a:t>
+              <a:t> </a:t>
+            </a:r>
+            <a:r>
+              <a:rPr kumimoji="1" lang="en-US" altLang="ja-JP" dirty="0" err="1"/>
+              <a:t>i</a:t>
+            </a:r>
+            <a:r>
+              <a:rPr kumimoji="1" lang="en-US" altLang="ja-JP" dirty="0"/>
+              <a:t> </a:t>
             </a:r>
             <a:r>
               <a:rPr kumimoji="1" lang="ja-JP" altLang="en-US"/>
-              <a:t>世代探索をしました，</a:t>
-            </a:r>
+              <a:t>についての和が定数</a:t>
+            </a:r>
+            <a:r>
+              <a:rPr kumimoji="1" lang="en-US" altLang="ja-JP" dirty="0"/>
+              <a:t> c </a:t>
+            </a:r>
+            <a:r>
+              <a:rPr kumimoji="1" lang="ja-JP" altLang="en-US"/>
+              <a:t>となるように設定して，様々な適応度評価エポック数で実験しました．この式に従うことで，</a:t>
+            </a:r>
+            <a:r>
+              <a:rPr kumimoji="1" lang="en-US" altLang="ja-JP" sz="2000" dirty="0"/>
+              <a:t>CNN </a:t>
+            </a:r>
+            <a:r>
+              <a:rPr kumimoji="1" lang="ja-JP" altLang="en-US" sz="2000"/>
+              <a:t>の学習回数を一定に保って実験することができます．今回は</a:t>
+            </a:r>
+            <a:r>
+              <a:rPr kumimoji="1" lang="en-US" altLang="ja-JP" sz="2000" dirty="0"/>
+              <a:t> c = 80 </a:t>
+            </a:r>
+            <a:r>
+              <a:rPr kumimoji="1" lang="ja-JP" altLang="en-US" sz="2000"/>
+              <a:t>として実験しました．</a:t>
+            </a:r>
+            <a:endParaRPr kumimoji="1" lang="en-US" altLang="ja-JP" sz="2000" dirty="0"/>
+          </a:p>
+          <a:p>
+            <a:endParaRPr kumimoji="1" lang="ja-JP" altLang="en-US"/>
           </a:p>
         </p:txBody>
       </p:sp>
@@ -2162,7 +2134,7 @@
     </p:spTree>
     <p:extLst>
       <p:ext uri="{BB962C8B-B14F-4D97-AF65-F5344CB8AC3E}">
-        <p14:creationId xmlns:p14="http://schemas.microsoft.com/office/powerpoint/2010/main" val="1153453313"/>
+        <p14:creationId xmlns:p14="http://schemas.microsoft.com/office/powerpoint/2010/main" val="765527623"/>
       </p:ext>
     </p:extLst>
   </p:cSld>
@@ -2217,12 +2189,8 @@
           <a:lstStyle/>
           <a:p>
             <a:r>
-              <a:rPr kumimoji="1" lang="ja-JP" altLang="en-US"/>
-              <a:t>データセットには </a:t>
-            </a:r>
-            <a:r>
               <a:rPr kumimoji="1" lang="de" altLang="ja-JP" dirty="0" err="1"/>
-              <a:t>FashionMNIST</a:t>
+              <a:t>tdgaCNN</a:t>
             </a:r>
             <a:r>
               <a:rPr kumimoji="1" lang="de" altLang="ja-JP" dirty="0"/>
@@ -2230,7 +2198,43 @@
             </a:r>
             <a:r>
               <a:rPr kumimoji="1" lang="ja-JP" altLang="en-US"/>
-              <a:t>をこの図のように分割して用いました．</a:t>
+              <a:t>実行にかかる時間を短縮するために，後の実験の初期個体群として，</a:t>
+            </a:r>
+            <a:r>
+              <a:rPr kumimoji="1" lang="de" altLang="ja-JP" dirty="0" err="1"/>
+              <a:t>tdgaCNN</a:t>
+            </a:r>
+            <a:r>
+              <a:rPr kumimoji="1" lang="de" altLang="ja-JP" dirty="0"/>
+              <a:t> </a:t>
+            </a:r>
+            <a:r>
+              <a:rPr kumimoji="1" lang="ja-JP" altLang="en-US"/>
+              <a:t>によってある程度適応度の平均を高めた個体群を作成しました．作成の際はランダムな </a:t>
+            </a:r>
+            <a:r>
+              <a:rPr kumimoji="1" lang="en-US" altLang="ja-JP" dirty="0"/>
+              <a:t>100 </a:t>
+            </a:r>
+            <a:r>
+              <a:rPr kumimoji="1" lang="ja-JP" altLang="en-US"/>
+              <a:t>個体を，適応度評価エポック数を </a:t>
+            </a:r>
+            <a:r>
+              <a:rPr kumimoji="1" lang="en-US" altLang="ja-JP" dirty="0"/>
+              <a:t>1 </a:t>
+            </a:r>
+            <a:r>
+              <a:rPr kumimoji="1" lang="ja-JP" altLang="en-US"/>
+              <a:t>として </a:t>
+            </a:r>
+            <a:r>
+              <a:rPr kumimoji="1" lang="en-US" altLang="ja-JP" dirty="0"/>
+              <a:t>20 </a:t>
+            </a:r>
+            <a:r>
+              <a:rPr kumimoji="1" lang="ja-JP" altLang="en-US"/>
+              <a:t>世代探索をしました，</a:t>
             </a:r>
           </a:p>
         </p:txBody>
@@ -2262,7 +2266,7 @@
     </p:spTree>
     <p:extLst>
       <p:ext uri="{BB962C8B-B14F-4D97-AF65-F5344CB8AC3E}">
-        <p14:creationId xmlns:p14="http://schemas.microsoft.com/office/powerpoint/2010/main" val="2999582668"/>
+        <p14:creationId xmlns:p14="http://schemas.microsoft.com/office/powerpoint/2010/main" val="1153453313"/>
       </p:ext>
     </p:extLst>
   </p:cSld>
@@ -2318,23 +2322,19 @@
           <a:p>
             <a:r>
               <a:rPr kumimoji="1" lang="ja-JP" altLang="en-US"/>
-              <a:t>実験</a:t>
-            </a:r>
-            <a:r>
-              <a:rPr kumimoji="1" lang="en-US" altLang="ja-JP" dirty="0"/>
-              <a:t> 1 </a:t>
+              <a:t>データセットには </a:t>
+            </a:r>
+            <a:r>
+              <a:rPr kumimoji="1" lang="de" altLang="ja-JP" dirty="0" err="1"/>
+              <a:t>FashionMNIST</a:t>
+            </a:r>
+            <a:r>
+              <a:rPr kumimoji="1" lang="de" altLang="ja-JP" dirty="0"/>
+              <a:t> </a:t>
             </a:r>
             <a:r>
               <a:rPr kumimoji="1" lang="ja-JP" altLang="en-US"/>
-              <a:t>では，探索フェーズにおいて適応度評価エポック数を固定して実験をしました．この表にある通りの</a:t>
-            </a:r>
-            <a:r>
-              <a:rPr kumimoji="1" lang="en-US" altLang="ja-JP" dirty="0"/>
-              <a:t> 6 </a:t>
-            </a:r>
-            <a:r>
-              <a:rPr kumimoji="1" lang="ja-JP" altLang="en-US"/>
-              <a:t>パターンで実験しました．</a:t>
+              <a:t>をこの図のように分割して用いました．</a:t>
             </a:r>
           </a:p>
         </p:txBody>
@@ -2366,7 +2366,7 @@
     </p:spTree>
     <p:extLst>
       <p:ext uri="{BB962C8B-B14F-4D97-AF65-F5344CB8AC3E}">
-        <p14:creationId xmlns:p14="http://schemas.microsoft.com/office/powerpoint/2010/main" val="670888599"/>
+        <p14:creationId xmlns:p14="http://schemas.microsoft.com/office/powerpoint/2010/main" val="2999582668"/>
       </p:ext>
     </p:extLst>
   </p:cSld>
@@ -2514,23 +2514,15 @@
             </a:r>
             <a:r>
               <a:rPr kumimoji="1" lang="en-US" altLang="ja-JP" dirty="0"/>
-              <a:t> 2 </a:t>
+              <a:t> 1 </a:t>
             </a:r>
             <a:r>
               <a:rPr kumimoji="1" lang="ja-JP" altLang="en-US"/>
-              <a:t>では，探索フェーズでエポック数を変化させながら実験しました．世代を追うごとにエポック数を増加させる場合と減少させる場合の</a:t>
+              <a:t>では，探索フェーズにおいて適応度評価エポック数を固定して実験をしました．この表にある通りの</a:t>
             </a:r>
             <a:r>
               <a:rPr kumimoji="1" lang="en-US" altLang="ja-JP" dirty="0"/>
-              <a:t> 2 (</a:t>
-            </a:r>
-            <a:r>
-              <a:rPr kumimoji="1" lang="ja-JP" altLang="en-US"/>
-              <a:t>ふた</a:t>
-            </a:r>
-            <a:r>
-              <a:rPr kumimoji="1" lang="en-US" altLang="ja-JP" dirty="0"/>
-              <a:t>) </a:t>
+              <a:t> 6 </a:t>
             </a:r>
             <a:r>
               <a:rPr kumimoji="1" lang="ja-JP" altLang="en-US"/>
@@ -2566,7 +2558,7 @@
     </p:spTree>
     <p:extLst>
       <p:ext uri="{BB962C8B-B14F-4D97-AF65-F5344CB8AC3E}">
-        <p14:creationId xmlns:p14="http://schemas.microsoft.com/office/powerpoint/2010/main" val="3298016691"/>
+        <p14:creationId xmlns:p14="http://schemas.microsoft.com/office/powerpoint/2010/main" val="670888599"/>
       </p:ext>
     </p:extLst>
   </p:cSld>
@@ -2622,7 +2614,31 @@
           <a:p>
             <a:r>
               <a:rPr kumimoji="1" lang="ja-JP" altLang="en-US"/>
-              <a:t>実験条件です．エポック数，世代数，本学習エポック数を除いて，先行研究と同じ条件としました．</a:t>
+              <a:t>実験</a:t>
+            </a:r>
+            <a:r>
+              <a:rPr kumimoji="1" lang="en-US" altLang="ja-JP" dirty="0"/>
+              <a:t> 2 </a:t>
+            </a:r>
+            <a:r>
+              <a:rPr kumimoji="1" lang="ja-JP" altLang="en-US"/>
+              <a:t>では，探索フェーズでエポック数を変化させながら実験しました．世代を追うごとにエポック数を増加させる場合と減少させる場合の</a:t>
+            </a:r>
+            <a:r>
+              <a:rPr kumimoji="1" lang="en-US" altLang="ja-JP" dirty="0"/>
+              <a:t> 2 (</a:t>
+            </a:r>
+            <a:r>
+              <a:rPr kumimoji="1" lang="ja-JP" altLang="en-US"/>
+              <a:t>ふた</a:t>
+            </a:r>
+            <a:r>
+              <a:rPr kumimoji="1" lang="en-US" altLang="ja-JP" dirty="0"/>
+              <a:t>) </a:t>
+            </a:r>
+            <a:r>
+              <a:rPr kumimoji="1" lang="ja-JP" altLang="en-US"/>
+              <a:t>パターンで実験しました．</a:t>
             </a:r>
           </a:p>
         </p:txBody>
@@ -2654,7 +2670,7 @@
     </p:spTree>
     <p:extLst>
       <p:ext uri="{BB962C8B-B14F-4D97-AF65-F5344CB8AC3E}">
-        <p14:creationId xmlns:p14="http://schemas.microsoft.com/office/powerpoint/2010/main" val="114043570"/>
+        <p14:creationId xmlns:p14="http://schemas.microsoft.com/office/powerpoint/2010/main" val="3298016691"/>
       </p:ext>
     </p:extLst>
   </p:cSld>
@@ -2710,23 +2726,7 @@
           <a:p>
             <a:r>
               <a:rPr kumimoji="1" lang="ja-JP" altLang="en-US"/>
-              <a:t>初期個体群の作成結果です．このグラフの横軸は世代数，縦軸は適応度を示しています．探索前に</a:t>
-            </a:r>
-            <a:r>
-              <a:rPr kumimoji="1" lang="en-US" altLang="ja-JP" dirty="0"/>
-              <a:t> 63.26 % </a:t>
-            </a:r>
-            <a:r>
-              <a:rPr kumimoji="1" lang="ja-JP" altLang="en-US"/>
-              <a:t>であった平均適応度が</a:t>
-            </a:r>
-            <a:r>
-              <a:rPr kumimoji="1" lang="en-US" altLang="ja-JP" dirty="0"/>
-              <a:t> 85.64 % </a:t>
-            </a:r>
-            <a:r>
-              <a:rPr kumimoji="1" lang="ja-JP" altLang="en-US"/>
-              <a:t>と上昇したことが確認できたため，後の実験ではこの個体群を初期個体群として採用しました．</a:t>
+              <a:t>実験条件です．エポック数，世代数，本学習エポック数を除いて，先行研究と同じ条件としました．</a:t>
             </a:r>
           </a:p>
         </p:txBody>
@@ -2758,7 +2758,7 @@
     </p:spTree>
     <p:extLst>
       <p:ext uri="{BB962C8B-B14F-4D97-AF65-F5344CB8AC3E}">
-        <p14:creationId xmlns:p14="http://schemas.microsoft.com/office/powerpoint/2010/main" val="3079735668"/>
+        <p14:creationId xmlns:p14="http://schemas.microsoft.com/office/powerpoint/2010/main" val="114043570"/>
       </p:ext>
     </p:extLst>
   </p:cSld>
@@ -2814,39 +2814,23 @@
           <a:p>
             <a:r>
               <a:rPr kumimoji="1" lang="ja-JP" altLang="en-US"/>
-              <a:t>実験</a:t>
+              <a:t>初期個体群の作成結果です．このグラフの横軸は世代数，縦軸は適応度を示しています．探索前に</a:t>
             </a:r>
             <a:r>
               <a:rPr kumimoji="1" lang="en-US" altLang="ja-JP" dirty="0"/>
-              <a:t> 1 </a:t>
+              <a:t> 63.26 % </a:t>
             </a:r>
             <a:r>
               <a:rPr kumimoji="1" lang="ja-JP" altLang="en-US"/>
-              <a:t>の結果です．この表は，本学習後の個体の最良識別精度を表しており，適応度評価エポック数が増加するにつれて精度が良くなり，</a:t>
+              <a:t>であった平均適応度が</a:t>
             </a:r>
             <a:r>
               <a:rPr kumimoji="1" lang="en-US" altLang="ja-JP" dirty="0"/>
-              <a:t>16 </a:t>
+              <a:t> 85.64 % </a:t>
             </a:r>
             <a:r>
               <a:rPr kumimoji="1" lang="ja-JP" altLang="en-US"/>
-              <a:t>世代</a:t>
-            </a:r>
-            <a:r>
-              <a:rPr kumimoji="1" lang="en-US" altLang="ja-JP" dirty="0"/>
-              <a:t> 5 </a:t>
-            </a:r>
-            <a:r>
-              <a:rPr kumimoji="1" lang="ja-JP" altLang="en-US"/>
-              <a:t>エポックで識別精度</a:t>
-            </a:r>
-            <a:r>
-              <a:rPr kumimoji="1" lang="en-US" altLang="ja-JP" dirty="0"/>
-              <a:t> 93.09 % </a:t>
-            </a:r>
-            <a:r>
-              <a:rPr kumimoji="1" lang="ja-JP" altLang="en-US"/>
-              <a:t>と，ピークを迎え，その後は識別精度が悪化していったことが確認できます．</a:t>
+              <a:t>と上昇したことが確認できたため，後の実験ではこの個体群を初期個体群として採用しました．</a:t>
             </a:r>
           </a:p>
         </p:txBody>
@@ -2878,7 +2862,7 @@
     </p:spTree>
     <p:extLst>
       <p:ext uri="{BB962C8B-B14F-4D97-AF65-F5344CB8AC3E}">
-        <p14:creationId xmlns:p14="http://schemas.microsoft.com/office/powerpoint/2010/main" val="3064724617"/>
+        <p14:creationId xmlns:p14="http://schemas.microsoft.com/office/powerpoint/2010/main" val="3079735668"/>
       </p:ext>
     </p:extLst>
   </p:cSld>
@@ -2932,30 +2916,41 @@
           <a:bodyPr/>
           <a:lstStyle/>
           <a:p>
-            <a:pPr marL="216000" marR="0" lvl="0" indent="-216000" defTabSz="914400" rtl="0" eaLnBrk="1" fontAlgn="auto" latinLnBrk="0" hangingPunct="0">
-              <a:lnSpc>
-                <a:spcPct val="100000"/>
-              </a:lnSpc>
-              <a:spcBef>
-                <a:spcPts val="0"/>
-              </a:spcBef>
-              <a:spcAft>
-                <a:spcPts val="0"/>
-              </a:spcAft>
-              <a:buClrTx/>
-              <a:buSzTx/>
-              <a:buFontTx/>
-              <a:buNone/>
-              <a:tabLst/>
-              <a:defRPr/>
-            </a:pPr>
             <a:r>
               <a:rPr kumimoji="1" lang="ja-JP" altLang="en-US"/>
-              <a:t>この結果から，エポック数を適切に設定して学習することで，</a:t>
-            </a:r>
-            <a:r>
-              <a:rPr kumimoji="1" lang="ja-JP" altLang="en-US" sz="2000"/>
-              <a:t>個体本来の性能をより適切に評価可能であるということが考察できます．</a:t>
+              <a:t>実験</a:t>
+            </a:r>
+            <a:r>
+              <a:rPr kumimoji="1" lang="en-US" altLang="ja-JP" dirty="0"/>
+              <a:t> 1 </a:t>
+            </a:r>
+            <a:r>
+              <a:rPr kumimoji="1" lang="ja-JP" altLang="en-US"/>
+              <a:t>の結果です．この表は，本学習後の個体の最良識別精度を表しており，適応度評価エポック数が増加するにつれて精度が良くなり，</a:t>
+            </a:r>
+            <a:r>
+              <a:rPr kumimoji="1" lang="en-US" altLang="ja-JP" dirty="0"/>
+              <a:t>16 </a:t>
+            </a:r>
+            <a:r>
+              <a:rPr kumimoji="1" lang="ja-JP" altLang="en-US"/>
+              <a:t>世代</a:t>
+            </a:r>
+            <a:r>
+              <a:rPr kumimoji="1" lang="en-US" altLang="ja-JP" dirty="0"/>
+              <a:t> 5 </a:t>
+            </a:r>
+            <a:r>
+              <a:rPr kumimoji="1" lang="ja-JP" altLang="en-US"/>
+              <a:t>エポックで識別精度</a:t>
+            </a:r>
+            <a:r>
+              <a:rPr kumimoji="1" lang="en-US" altLang="ja-JP" dirty="0"/>
+              <a:t> 93.09 % </a:t>
+            </a:r>
+            <a:r>
+              <a:rPr kumimoji="1" lang="ja-JP" altLang="en-US"/>
+              <a:t>と，ピークを迎え，その後は識別精度が悪化していったことが確認できます．</a:t>
             </a:r>
           </a:p>
         </p:txBody>
@@ -2987,7 +2982,7 @@
     </p:spTree>
     <p:extLst>
       <p:ext uri="{BB962C8B-B14F-4D97-AF65-F5344CB8AC3E}">
-        <p14:creationId xmlns:p14="http://schemas.microsoft.com/office/powerpoint/2010/main" val="2709099853"/>
+        <p14:creationId xmlns:p14="http://schemas.microsoft.com/office/powerpoint/2010/main" val="3064724617"/>
       </p:ext>
     </p:extLst>
   </p:cSld>
@@ -3060,23 +3055,12 @@
             </a:pPr>
             <a:r>
               <a:rPr kumimoji="1" lang="ja-JP" altLang="en-US"/>
-              <a:t>　実験</a:t>
-            </a:r>
-            <a:r>
-              <a:rPr kumimoji="1" lang="en-US" altLang="ja-JP" dirty="0"/>
-              <a:t> 2 </a:t>
-            </a:r>
-            <a:r>
-              <a:rPr kumimoji="1" lang="ja-JP" altLang="en-US"/>
-              <a:t>の結果です．こちらの表も本学習後の個体の最良識別精度を表しており，</a:t>
+              <a:t>この結果から，エポック数を適切に設定して学習することで，</a:t>
             </a:r>
             <a:r>
               <a:rPr kumimoji="1" lang="ja-JP" altLang="en-US" sz="2000"/>
-              <a:t>探索が進むにつれてエポック数を増加させた場合の方がが良い性能の個体を獲得できたことが確認できます．</a:t>
-            </a:r>
-          </a:p>
-          <a:p>
-            <a:endParaRPr kumimoji="1" lang="ja-JP" altLang="en-US"/>
+              <a:t>個体本来の性能をより適切に評価可能であるということが考察できます．</a:t>
+            </a:r>
           </a:p>
         </p:txBody>
       </p:sp>
@@ -3107,7 +3091,7 @@
     </p:spTree>
     <p:extLst>
       <p:ext uri="{BB962C8B-B14F-4D97-AF65-F5344CB8AC3E}">
-        <p14:creationId xmlns:p14="http://schemas.microsoft.com/office/powerpoint/2010/main" val="1286196298"/>
+        <p14:creationId xmlns:p14="http://schemas.microsoft.com/office/powerpoint/2010/main" val="2709099853"/>
       </p:ext>
     </p:extLst>
   </p:cSld>
@@ -3161,18 +3145,42 @@
           <a:bodyPr/>
           <a:lstStyle/>
           <a:p>
+            <a:pPr marL="216000" marR="0" lvl="0" indent="-216000" defTabSz="914400" rtl="0" eaLnBrk="1" fontAlgn="auto" latinLnBrk="0" hangingPunct="0">
+              <a:lnSpc>
+                <a:spcPct val="100000"/>
+              </a:lnSpc>
+              <a:spcBef>
+                <a:spcPts val="0"/>
+              </a:spcBef>
+              <a:spcAft>
+                <a:spcPts val="0"/>
+              </a:spcAft>
+              <a:buClrTx/>
+              <a:buSzTx/>
+              <a:buFontTx/>
+              <a:buNone/>
+              <a:tabLst/>
+              <a:defRPr/>
+            </a:pPr>
             <a:r>
               <a:rPr kumimoji="1" lang="ja-JP" altLang="en-US"/>
-              <a:t>探索終盤にエポック数を増加させると本学習で良い性能を発揮したという結果から，</a:t>
+              <a:t>　実験</a:t>
             </a:r>
             <a:r>
               <a:rPr kumimoji="1" lang="en-US" altLang="ja-JP" dirty="0"/>
-              <a:t> 100 </a:t>
+              <a:t> 2 </a:t>
             </a:r>
             <a:r>
               <a:rPr kumimoji="1" lang="ja-JP" altLang="en-US"/>
-              <a:t>エポックである本学習直前に相対的に多いエポック数で評価すると本学習でも良い性能を発揮できるということが考察できます．</a:t>
-            </a:r>
+              <a:t>の結果です．こちらの表も本学習後の個体の最良識別精度を表しており，</a:t>
+            </a:r>
+            <a:r>
+              <a:rPr kumimoji="1" lang="ja-JP" altLang="en-US" sz="2000"/>
+              <a:t>探索が進むにつれてエポック数を増加させた場合の方がが良い性能の個体を獲得できたことが確認できます．</a:t>
+            </a:r>
+          </a:p>
+          <a:p>
+            <a:endParaRPr kumimoji="1" lang="ja-JP" altLang="en-US"/>
           </a:p>
         </p:txBody>
       </p:sp>
@@ -3203,7 +3211,7 @@
     </p:spTree>
     <p:extLst>
       <p:ext uri="{BB962C8B-B14F-4D97-AF65-F5344CB8AC3E}">
-        <p14:creationId xmlns:p14="http://schemas.microsoft.com/office/powerpoint/2010/main" val="160019023"/>
+        <p14:creationId xmlns:p14="http://schemas.microsoft.com/office/powerpoint/2010/main" val="1286196298"/>
       </p:ext>
     </p:extLst>
   </p:cSld>
@@ -3259,7 +3267,15 @@
           <a:p>
             <a:r>
               <a:rPr kumimoji="1" lang="ja-JP" altLang="en-US"/>
-              <a:t>まとめと今後の課題です．</a:t>
+              <a:t>探索終盤にエポック数を増加させると本学習で良い性能を発揮したという結果から，</a:t>
+            </a:r>
+            <a:r>
+              <a:rPr kumimoji="1" lang="en-US" altLang="ja-JP" dirty="0"/>
+              <a:t> 100 </a:t>
+            </a:r>
+            <a:r>
+              <a:rPr kumimoji="1" lang="ja-JP" altLang="en-US"/>
+              <a:t>エポックである本学習直前に相対的に多いエポック数で評価すると本学習でも良い性能を発揮できるということが考察できます．</a:t>
             </a:r>
           </a:p>
         </p:txBody>
@@ -3291,7 +3307,7 @@
     </p:spTree>
     <p:extLst>
       <p:ext uri="{BB962C8B-B14F-4D97-AF65-F5344CB8AC3E}">
-        <p14:creationId xmlns:p14="http://schemas.microsoft.com/office/powerpoint/2010/main" val="2274202789"/>
+        <p14:creationId xmlns:p14="http://schemas.microsoft.com/office/powerpoint/2010/main" val="160019023"/>
       </p:ext>
     </p:extLst>
   </p:cSld>
@@ -3345,66 +3361,10 @@
           <a:bodyPr/>
           <a:lstStyle/>
           <a:p>
-            <a:pPr marL="216000" marR="0" lvl="0" indent="-216000" defTabSz="914400" rtl="0" eaLnBrk="1" fontAlgn="auto" latinLnBrk="0" hangingPunct="0">
-              <a:lnSpc>
-                <a:spcPct val="100000"/>
-              </a:lnSpc>
-              <a:spcBef>
-                <a:spcPts val="0"/>
-              </a:spcBef>
-              <a:spcAft>
-                <a:spcPts val="0"/>
-              </a:spcAft>
-              <a:buClrTx/>
-              <a:buSzTx/>
-              <a:buFontTx/>
-              <a:buNone/>
-              <a:tabLst/>
-              <a:defRPr/>
-            </a:pPr>
             <a:r>
               <a:rPr kumimoji="1" lang="ja-JP" altLang="en-US"/>
-              <a:t>本実験から，</a:t>
-            </a:r>
-            <a:r>
-              <a:rPr lang="en-US" altLang="ja-JP" sz="2000" dirty="0"/>
-              <a:t>1 </a:t>
-            </a:r>
-            <a:r>
-              <a:rPr lang="ja-JP" altLang="en-US" sz="2000"/>
-              <a:t>エポックよりも，適応度評価に最適なエポック数があること，</a:t>
-            </a:r>
-            <a:r>
-              <a:rPr lang="ja-JP" altLang="en-US" sz="2000" b="0" i="0">
-                <a:effectLst/>
-                <a:latin typeface="Courier New" panose="02070309020205020404" pitchFamily="49" charset="0"/>
-              </a:rPr>
-              <a:t>探索終盤に適応度評価エポック数を増やす方が，より良い個体が得られるということが確認できました．</a:t>
-            </a:r>
-            <a:endParaRPr lang="en-US" altLang="ja-JP" sz="2000" dirty="0"/>
-          </a:p>
-          <a:p>
-            <a:pPr marL="216000" marR="0" lvl="0" indent="-216000" defTabSz="914400" rtl="0" eaLnBrk="1" fontAlgn="auto" latinLnBrk="0" hangingPunct="0">
-              <a:lnSpc>
-                <a:spcPct val="100000"/>
-              </a:lnSpc>
-              <a:spcBef>
-                <a:spcPts val="0"/>
-              </a:spcBef>
-              <a:spcAft>
-                <a:spcPts val="0"/>
-              </a:spcAft>
-              <a:buClrTx/>
-              <a:buSzTx/>
-              <a:buFontTx/>
-              <a:buNone/>
-              <a:tabLst/>
-              <a:defRPr/>
-            </a:pPr>
-            <a:endParaRPr lang="en-US" altLang="ja-JP" sz="2000" dirty="0"/>
-          </a:p>
-          <a:p>
-            <a:endParaRPr kumimoji="1" lang="ja-JP" altLang="en-US"/>
+              <a:t>まとめと今後の課題です．</a:t>
+            </a:r>
           </a:p>
         </p:txBody>
       </p:sp>
@@ -3435,7 +3395,7 @@
     </p:spTree>
     <p:extLst>
       <p:ext uri="{BB962C8B-B14F-4D97-AF65-F5344CB8AC3E}">
-        <p14:creationId xmlns:p14="http://schemas.microsoft.com/office/powerpoint/2010/main" val="2151447776"/>
+        <p14:creationId xmlns:p14="http://schemas.microsoft.com/office/powerpoint/2010/main" val="2274202789"/>
       </p:ext>
     </p:extLst>
   </p:cSld>
@@ -3508,20 +3468,24 @@
             </a:pPr>
             <a:r>
               <a:rPr kumimoji="1" lang="ja-JP" altLang="en-US"/>
-              <a:t>今後の課題として，</a:t>
-            </a:r>
-            <a:r>
-              <a:rPr kumimoji="1" lang="ja-JP" altLang="en-US" sz="2000"/>
-              <a:t>試行回数を増やして，適応度評価手法ごとの信頼区間を調査すること，様々な条件下で実験するときの適応度評価エポック数最適化手法を</a:t>
+              <a:t>本実験から，</a:t>
+            </a:r>
+            <a:r>
+              <a:rPr lang="en-US" altLang="ja-JP" sz="2000" dirty="0"/>
+              <a:t>1 </a:t>
             </a:r>
             <a:r>
               <a:rPr lang="ja-JP" altLang="en-US" sz="2000"/>
-              <a:t>提案</a:t>
-            </a:r>
-            <a:r>
-              <a:rPr kumimoji="1" lang="ja-JP" altLang="en-US" sz="2000"/>
-              <a:t>することが挙げられます，</a:t>
-            </a:r>
+              <a:t>エポックよりも，適応度評価に最適なエポック数があること，</a:t>
+            </a:r>
+            <a:r>
+              <a:rPr lang="ja-JP" altLang="en-US" sz="2000" b="0" i="0">
+                <a:effectLst/>
+                <a:latin typeface="Courier New" panose="02070309020205020404" pitchFamily="49" charset="0"/>
+              </a:rPr>
+              <a:t>探索終盤に適応度評価エポック数を増やす方が，より良い個体が得られるということが確認できました．</a:t>
+            </a:r>
+            <a:endParaRPr lang="en-US" altLang="ja-JP" sz="2000" dirty="0"/>
           </a:p>
           <a:p>
             <a:pPr marL="216000" marR="0" lvl="0" indent="-216000" defTabSz="914400" rtl="0" eaLnBrk="1" fontAlgn="auto" latinLnBrk="0" hangingPunct="0">
@@ -3541,7 +3505,10 @@
               <a:tabLst/>
               <a:defRPr/>
             </a:pPr>
-            <a:endParaRPr kumimoji="1" lang="en-US" altLang="ja-JP" sz="2000" dirty="0"/>
+            <a:endParaRPr lang="en-US" altLang="ja-JP" sz="2000" dirty="0"/>
+          </a:p>
+          <a:p>
+            <a:endParaRPr kumimoji="1" lang="ja-JP" altLang="en-US"/>
           </a:p>
         </p:txBody>
       </p:sp>
@@ -3572,7 +3539,7 @@
     </p:spTree>
     <p:extLst>
       <p:ext uri="{BB962C8B-B14F-4D97-AF65-F5344CB8AC3E}">
-        <p14:creationId xmlns:p14="http://schemas.microsoft.com/office/powerpoint/2010/main" val="3163487778"/>
+        <p14:creationId xmlns:p14="http://schemas.microsoft.com/office/powerpoint/2010/main" val="2151447776"/>
       </p:ext>
     </p:extLst>
   </p:cSld>
@@ -3714,10 +3681,59 @@
           <a:bodyPr/>
           <a:lstStyle/>
           <a:p>
+            <a:pPr marL="216000" marR="0" lvl="0" indent="-216000" defTabSz="914400" rtl="0" eaLnBrk="1" fontAlgn="auto" latinLnBrk="0" hangingPunct="0">
+              <a:lnSpc>
+                <a:spcPct val="100000"/>
+              </a:lnSpc>
+              <a:spcBef>
+                <a:spcPts val="0"/>
+              </a:spcBef>
+              <a:spcAft>
+                <a:spcPts val="0"/>
+              </a:spcAft>
+              <a:buClrTx/>
+              <a:buSzTx/>
+              <a:buFontTx/>
+              <a:buNone/>
+              <a:tabLst/>
+              <a:defRPr/>
+            </a:pPr>
             <a:r>
               <a:rPr kumimoji="1" lang="ja-JP" altLang="en-US"/>
-              <a:t>以上で発表を終わります，ご清聴ありがとうございました．</a:t>
-            </a:r>
+              <a:t>今後の課題として，</a:t>
+            </a:r>
+            <a:r>
+              <a:rPr kumimoji="1" lang="ja-JP" altLang="en-US" sz="2000"/>
+              <a:t>試行回数を増やして，適応度評価手法ごとの信頼区間を調査すること，様々な条件下で実験するときの適応度評価エポック数最適化手法を</a:t>
+            </a:r>
+            <a:r>
+              <a:rPr lang="ja-JP" altLang="en-US" sz="2000"/>
+              <a:t>提案</a:t>
+            </a:r>
+            <a:r>
+              <a:rPr kumimoji="1" lang="ja-JP" altLang="en-US" sz="2000"/>
+              <a:t>することが挙げられます，</a:t>
+            </a:r>
+          </a:p>
+          <a:p>
+            <a:pPr marL="216000" marR="0" lvl="0" indent="-216000" defTabSz="914400" rtl="0" eaLnBrk="1" fontAlgn="auto" latinLnBrk="0" hangingPunct="0">
+              <a:lnSpc>
+                <a:spcPct val="100000"/>
+              </a:lnSpc>
+              <a:spcBef>
+                <a:spcPts val="0"/>
+              </a:spcBef>
+              <a:spcAft>
+                <a:spcPts val="0"/>
+              </a:spcAft>
+              <a:buClrTx/>
+              <a:buSzTx/>
+              <a:buFontTx/>
+              <a:buNone/>
+              <a:tabLst/>
+              <a:defRPr/>
+            </a:pPr>
+            <a:endParaRPr kumimoji="1" lang="en-US" altLang="ja-JP" sz="2000" dirty="0"/>
           </a:p>
         </p:txBody>
       </p:sp>
@@ -3740,6 +3756,94 @@
             <a:fld id="{D4859A6D-CDBD-B344-BF57-2B4BBFE9F422}" type="slidenum">
               <a:rPr lang="en-US" altLang="ja-JP" smtClean="0"/>
               <a:t>30</a:t>
+            </a:fld>
+            <a:endParaRPr lang="ja-JP" altLang="en-US"/>
+          </a:p>
+        </p:txBody>
+      </p:sp>
+    </p:spTree>
+    <p:extLst>
+      <p:ext uri="{BB962C8B-B14F-4D97-AF65-F5344CB8AC3E}">
+        <p14:creationId xmlns:p14="http://schemas.microsoft.com/office/powerpoint/2010/main" val="3163487778"/>
+      </p:ext>
+    </p:extLst>
+  </p:cSld>
+  <p:clrMapOvr>
+    <a:masterClrMapping/>
+  </p:clrMapOvr>
+</p:notes>
+</file>
+
+<file path=ppt/notesSlides/notesSlide31.xml><?xml version="1.0" encoding="utf-8"?>
+<p:notes xmlns:a="http://schemas.openxmlformats.org/drawingml/2006/main" xmlns:r="http://schemas.openxmlformats.org/officeDocument/2006/relationships" xmlns:p="http://schemas.openxmlformats.org/presentationml/2006/main">
+  <p:cSld>
+    <p:spTree>
+      <p:nvGrpSpPr>
+        <p:cNvPr id="1" name=""/>
+        <p:cNvGrpSpPr/>
+        <p:nvPr/>
+      </p:nvGrpSpPr>
+      <p:grpSpPr>
+        <a:xfrm>
+          <a:off x="0" y="0"/>
+          <a:ext cx="0" cy="0"/>
+          <a:chOff x="0" y="0"/>
+          <a:chExt cx="0" cy="0"/>
+        </a:xfrm>
+      </p:grpSpPr>
+      <p:sp>
+        <p:nvSpPr>
+          <p:cNvPr id="2" name="スライド イメージ プレースホルダー 1"/>
+          <p:cNvSpPr>
+            <a:spLocks noGrp="1" noRot="1" noChangeAspect="1"/>
+          </p:cNvSpPr>
+          <p:nvPr>
+            <p:ph type="sldImg"/>
+          </p:nvPr>
+        </p:nvSpPr>
+        <p:spPr/>
+      </p:sp>
+      <p:sp>
+        <p:nvSpPr>
+          <p:cNvPr id="3" name="ノート プレースホルダー 2"/>
+          <p:cNvSpPr>
+            <a:spLocks noGrp="1"/>
+          </p:cNvSpPr>
+          <p:nvPr>
+            <p:ph type="body" idx="1"/>
+          </p:nvPr>
+        </p:nvSpPr>
+        <p:spPr/>
+        <p:txBody>
+          <a:bodyPr/>
+          <a:lstStyle/>
+          <a:p>
+            <a:r>
+              <a:rPr kumimoji="1" lang="ja-JP" altLang="en-US"/>
+              <a:t>以上で発表を終わります，ご清聴ありがとうございました．</a:t>
+            </a:r>
+          </a:p>
+        </p:txBody>
+      </p:sp>
+      <p:sp>
+        <p:nvSpPr>
+          <p:cNvPr id="4" name="スライド番号プレースホルダー 3"/>
+          <p:cNvSpPr>
+            <a:spLocks noGrp="1"/>
+          </p:cNvSpPr>
+          <p:nvPr>
+            <p:ph type="sldNum" sz="quarter" idx="5"/>
+          </p:nvPr>
+        </p:nvSpPr>
+        <p:spPr/>
+        <p:txBody>
+          <a:bodyPr/>
+          <a:lstStyle/>
+          <a:p>
+            <a:pPr lvl="0"/>
+            <a:fld id="{D4859A6D-CDBD-B344-BF57-2B4BBFE9F422}" type="slidenum">
+              <a:rPr lang="en-US" altLang="ja-JP" smtClean="0"/>
+              <a:t>31</a:t>
             </a:fld>
             <a:endParaRPr lang="ja-JP" altLang="en-US"/>
           </a:p>
@@ -4317,7 +4421,7 @@
           <a:p>
             <a:r>
               <a:rPr kumimoji="1" lang="ja-JP" altLang="en-US"/>
-              <a:t>畳み込みニューラルネットワーク，遺伝的アルゴリズムについては，時間の都合上割愛します．配布資料</a:t>
+              <a:t>畳み込みニューラルネットワークについては，時間の都合上割愛します．配布資料</a:t>
             </a:r>
             <a:r>
               <a:rPr kumimoji="1" lang="en-US" altLang="ja-JP" dirty="0"/>
@@ -4325,51 +4429,15 @@
             </a:r>
             <a:r>
               <a:rPr kumimoji="1" lang="ja-JP" altLang="en-US"/>
-              <a:t>節，</a:t>
+              <a:t>節をご参照ください．遺伝的アルゴリズム</a:t>
             </a:r>
             <a:r>
               <a:rPr kumimoji="1" lang="en-US" altLang="ja-JP" dirty="0"/>
-              <a:t>2.2 </a:t>
+              <a:t> GA </a:t>
             </a:r>
             <a:r>
               <a:rPr kumimoji="1" lang="ja-JP" altLang="en-US"/>
-              <a:t>節をご参照ください．</a:t>
-            </a:r>
-            <a:r>
-              <a:rPr kumimoji="1" lang="en-US" altLang="ja-JP" dirty="0" err="1"/>
-              <a:t>gaCNN</a:t>
-            </a:r>
-            <a:r>
-              <a:rPr kumimoji="1" lang="en-US" altLang="ja-JP" dirty="0"/>
-              <a:t> </a:t>
-            </a:r>
-            <a:r>
-              <a:rPr kumimoji="1" lang="ja-JP" altLang="en-US"/>
-              <a:t>は</a:t>
-            </a:r>
-            <a:r>
-              <a:rPr kumimoji="1" lang="en-US" altLang="ja-JP" dirty="0"/>
-              <a:t> CNN </a:t>
-            </a:r>
-            <a:r>
-              <a:rPr kumimoji="1" lang="ja-JP" altLang="en-US"/>
-              <a:t>の構造を遺伝子符号化し，</a:t>
-            </a:r>
-            <a:r>
-              <a:rPr kumimoji="1" lang="de" altLang="ja-JP" dirty="0"/>
-              <a:t>GA </a:t>
-            </a:r>
-            <a:r>
-              <a:rPr kumimoji="1" lang="ja-JP" altLang="en-US"/>
-              <a:t>によって </a:t>
-            </a:r>
-            <a:r>
-              <a:rPr kumimoji="1" lang="de" altLang="ja-JP" dirty="0"/>
-              <a:t>CNN </a:t>
-            </a:r>
-            <a:r>
-              <a:rPr kumimoji="1" lang="ja-JP" altLang="en-US"/>
-              <a:t>の構造を自動最適化する手法です．</a:t>
+              <a:t>は，生物の進化からヒントを得た最適化手法で，問題の解を個体とみなし，その遺伝子を表現する配列に交叉，突然変異，選択といった操作を繰り返し適用します．そして，ある個体がどの程度優れているかの指標である適応度を各個体について計算し，高い適応度の個体を次世代に残し低い適応度の個体を淘汰するということをを複数世代繰り返すことによって，最終的に良い解を得る．</a:t>
             </a:r>
           </a:p>
         </p:txBody>
@@ -4401,7 +4469,7 @@
     </p:spTree>
     <p:extLst>
       <p:ext uri="{BB962C8B-B14F-4D97-AF65-F5344CB8AC3E}">
-        <p14:creationId xmlns:p14="http://schemas.microsoft.com/office/powerpoint/2010/main" val="4041306956"/>
+        <p14:creationId xmlns:p14="http://schemas.microsoft.com/office/powerpoint/2010/main" val="3882176168"/>
       </p:ext>
     </p:extLst>
   </p:cSld>
@@ -4456,16 +4524,24 @@
           <a:lstStyle/>
           <a:p>
             <a:r>
+              <a:rPr kumimoji="1" lang="en-US" altLang="ja-JP" dirty="0" err="1"/>
+              <a:t>gaCNN</a:t>
+            </a:r>
+            <a:r>
+              <a:rPr kumimoji="1" lang="en-US" altLang="ja-JP" dirty="0"/>
+              <a:t> </a:t>
+            </a:r>
+            <a:r>
               <a:rPr kumimoji="1" lang="ja-JP" altLang="en-US"/>
-              <a:t>熱力学的遺伝アルゴリズム </a:t>
-            </a:r>
-            <a:r>
-              <a:rPr kumimoji="1" lang="de" altLang="ja-JP" dirty="0"/>
-              <a:t>TDGA </a:t>
+              <a:t>は</a:t>
+            </a:r>
+            <a:r>
+              <a:rPr kumimoji="1" lang="en-US" altLang="ja-JP" dirty="0"/>
+              <a:t> CNN </a:t>
             </a:r>
             <a:r>
               <a:rPr kumimoji="1" lang="ja-JP" altLang="en-US"/>
-              <a:t>は，個体の多様性維持をねらいとして，</a:t>
+              <a:t>の構造を遺伝子符号化し，</a:t>
             </a:r>
             <a:r>
               <a:rPr kumimoji="1" lang="de" altLang="ja-JP" dirty="0"/>
@@ -4473,7 +4549,15 @@
             </a:r>
             <a:r>
               <a:rPr kumimoji="1" lang="ja-JP" altLang="en-US"/>
-              <a:t>の選択ルールに熱力学的選択ルールを採用した手法です．</a:t>
+              <a:t>によって </a:t>
+            </a:r>
+            <a:r>
+              <a:rPr kumimoji="1" lang="de" altLang="ja-JP" dirty="0"/>
+              <a:t>CNN </a:t>
+            </a:r>
+            <a:r>
+              <a:rPr kumimoji="1" lang="ja-JP" altLang="en-US"/>
+              <a:t>の構造を自動最適化する手法です．</a:t>
             </a:r>
           </a:p>
         </p:txBody>
@@ -4505,7 +4589,7 @@
     </p:spTree>
     <p:extLst>
       <p:ext uri="{BB962C8B-B14F-4D97-AF65-F5344CB8AC3E}">
-        <p14:creationId xmlns:p14="http://schemas.microsoft.com/office/powerpoint/2010/main" val="175808227"/>
+        <p14:creationId xmlns:p14="http://schemas.microsoft.com/office/powerpoint/2010/main" val="4041306956"/>
       </p:ext>
     </p:extLst>
   </p:cSld>
@@ -8196,7 +8280,7 @@
           <a:p>
             <a:r>
               <a:rPr kumimoji="1" lang="ja-JP" altLang="en-US"/>
-              <a:t>可変長遺伝子型熱力学的選択ルール</a:t>
+              <a:t>熱力学的遺伝アルゴリズム</a:t>
             </a:r>
           </a:p>
         </p:txBody>
@@ -8226,6 +8310,504 @@
             <a:fld id="{004900ED-2EFD-2142-93A1-1CBA90FDE07B}" type="slidenum">
               <a:rPr lang="en-US" altLang="ja-JP" smtClean="0"/>
               <a:t>10</a:t>
+            </a:fld>
+            <a:endParaRPr lang="ja-JP" altLang="en-US"/>
+          </a:p>
+        </p:txBody>
+      </p:sp>
+      <p:sp>
+        <p:nvSpPr>
+          <p:cNvPr id="4" name="テキスト ボックス 3">
+            <a:extLst>
+              <a:ext uri="{FF2B5EF4-FFF2-40B4-BE49-F238E27FC236}">
+                <a16:creationId xmlns:a16="http://schemas.microsoft.com/office/drawing/2014/main" id="{C90B63DA-86FE-BCFD-909B-51617E6B3CDE}"/>
+              </a:ext>
+            </a:extLst>
+          </p:cNvPr>
+          <p:cNvSpPr txBox="1"/>
+          <p:nvPr/>
+        </p:nvSpPr>
+        <p:spPr>
+          <a:xfrm>
+            <a:off x="246650" y="1541288"/>
+            <a:ext cx="6952544" cy="3364511"/>
+          </a:xfrm>
+          <a:prstGeom prst="rect">
+            <a:avLst/>
+          </a:prstGeom>
+          <a:noFill/>
+        </p:spPr>
+        <p:txBody>
+          <a:bodyPr wrap="none" rtlCol="0">
+            <a:spAutoFit/>
+          </a:bodyPr>
+          <a:lstStyle/>
+          <a:p>
+            <a:pPr marL="342900" indent="-342900">
+              <a:lnSpc>
+                <a:spcPct val="150000"/>
+              </a:lnSpc>
+              <a:buFont typeface="Wingdings" pitchFamily="2" charset="2"/>
+              <a:buChar char="p"/>
+            </a:pPr>
+            <a:r>
+              <a:rPr kumimoji="1" lang="ja-JP" altLang="en-US" sz="2400"/>
+              <a:t>熱力学的遺伝アルゴリズム</a:t>
+            </a:r>
+            <a:br>
+              <a:rPr kumimoji="1" lang="en-US" altLang="ja-JP" sz="2400" dirty="0"/>
+            </a:br>
+            <a:r>
+              <a:rPr kumimoji="1" lang="en-US" altLang="ja-JP" sz="2400" dirty="0"/>
+              <a:t>(Thermodynamical Genetic Algorithm: TDGA)</a:t>
+            </a:r>
+          </a:p>
+          <a:p>
+            <a:pPr marL="800100" lvl="1" indent="-342900">
+              <a:lnSpc>
+                <a:spcPct val="150000"/>
+              </a:lnSpc>
+              <a:buFont typeface="Wingdings" pitchFamily="2" charset="2"/>
+              <a:buChar char="Ø"/>
+            </a:pPr>
+            <a:r>
+              <a:rPr lang="en-US" altLang="ja-JP" sz="2400" dirty="0"/>
+              <a:t>GA</a:t>
+            </a:r>
+            <a:r>
+              <a:rPr kumimoji="1" lang="en-US" altLang="ja-JP" sz="2400" dirty="0"/>
+              <a:t> </a:t>
+            </a:r>
+            <a:r>
+              <a:rPr kumimoji="1" lang="ja-JP" altLang="en-US" sz="2400"/>
+              <a:t>に熱力学的選択ルールを適用</a:t>
+            </a:r>
+            <a:endParaRPr kumimoji="1" lang="en-US" altLang="ja-JP" sz="1400" dirty="0"/>
+          </a:p>
+          <a:p>
+            <a:pPr marL="914400" lvl="1" indent="-457200">
+              <a:lnSpc>
+                <a:spcPct val="150000"/>
+              </a:lnSpc>
+              <a:buFont typeface="Wingdings" pitchFamily="2" charset="2"/>
+              <a:buChar char="Ø"/>
+            </a:pPr>
+            <a:r>
+              <a:rPr lang="ja-JP" altLang="en-US" sz="2400"/>
+              <a:t>個体の多様性を維持することがねらい</a:t>
+            </a:r>
+            <a:br>
+              <a:rPr lang="en-US" altLang="ja-JP" sz="2400" dirty="0"/>
+            </a:br>
+            <a:endParaRPr kumimoji="1" lang="en-US" altLang="ja-JP" sz="2400" dirty="0"/>
+          </a:p>
+          <a:p>
+            <a:pPr marL="914400" lvl="1" indent="-457200">
+              <a:lnSpc>
+                <a:spcPct val="150000"/>
+              </a:lnSpc>
+              <a:buFont typeface="Wingdings" pitchFamily="2" charset="2"/>
+              <a:buChar char="p"/>
+            </a:pPr>
+            <a:endParaRPr kumimoji="1" lang="en-US" altLang="ja-JP" sz="2400" dirty="0"/>
+          </a:p>
+        </p:txBody>
+      </p:sp>
+      <p:sp>
+        <p:nvSpPr>
+          <p:cNvPr id="5" name="テキスト ボックス 4">
+            <a:extLst>
+              <a:ext uri="{FF2B5EF4-FFF2-40B4-BE49-F238E27FC236}">
+                <a16:creationId xmlns:a16="http://schemas.microsoft.com/office/drawing/2014/main" id="{BD278A64-0ED6-C568-86FB-B7634183F904}"/>
+              </a:ext>
+            </a:extLst>
+          </p:cNvPr>
+          <p:cNvSpPr txBox="1"/>
+          <p:nvPr/>
+        </p:nvSpPr>
+        <p:spPr>
+          <a:xfrm>
+            <a:off x="153207" y="4844243"/>
+            <a:ext cx="7254848" cy="769441"/>
+          </a:xfrm>
+          <a:prstGeom prst="rect">
+            <a:avLst/>
+          </a:prstGeom>
+          <a:noFill/>
+          <a:ln>
+            <a:solidFill>
+              <a:schemeClr val="tx1"/>
+            </a:solidFill>
+          </a:ln>
+        </p:spPr>
+        <p:txBody>
+          <a:bodyPr wrap="square" rtlCol="0">
+            <a:spAutoFit/>
+          </a:bodyPr>
+          <a:lstStyle/>
+          <a:p>
+            <a:r>
+              <a:rPr lang="de" altLang="ja-JP" sz="1100" b="0" i="0" dirty="0">
+                <a:solidFill>
+                  <a:srgbClr val="000000"/>
+                </a:solidFill>
+                <a:effectLst/>
+                <a:latin typeface="Hiragino Kaku Gothic ProN" panose="020B0300000000000000" pitchFamily="34" charset="-128"/>
+                <a:ea typeface="Hiragino Kaku Gothic ProN" panose="020B0300000000000000" pitchFamily="34" charset="-128"/>
+              </a:rPr>
+              <a:t>Naoki MORI, </a:t>
+            </a:r>
+            <a:r>
+              <a:rPr lang="de" altLang="ja-JP" sz="1100" b="0" i="0" dirty="0" err="1">
+                <a:solidFill>
+                  <a:srgbClr val="000000"/>
+                </a:solidFill>
+                <a:effectLst/>
+                <a:latin typeface="Hiragino Kaku Gothic ProN" panose="020B0300000000000000" pitchFamily="34" charset="-128"/>
+                <a:ea typeface="Hiragino Kaku Gothic ProN" panose="020B0300000000000000" pitchFamily="34" charset="-128"/>
+              </a:rPr>
+              <a:t>Junji</a:t>
+            </a:r>
+            <a:r>
+              <a:rPr lang="de" altLang="ja-JP" sz="1100" b="0" i="0" dirty="0">
+                <a:solidFill>
+                  <a:srgbClr val="000000"/>
+                </a:solidFill>
+                <a:effectLst/>
+                <a:latin typeface="Hiragino Kaku Gothic ProN" panose="020B0300000000000000" pitchFamily="34" charset="-128"/>
+                <a:ea typeface="Hiragino Kaku Gothic ProN" panose="020B0300000000000000" pitchFamily="34" charset="-128"/>
+              </a:rPr>
+              <a:t> YOSHIDA, Hajime KITA, </a:t>
+            </a:r>
+            <a:r>
+              <a:rPr lang="de" altLang="ja-JP" sz="1100" b="0" i="0" dirty="0" err="1">
+                <a:solidFill>
+                  <a:srgbClr val="000000"/>
+                </a:solidFill>
+                <a:effectLst/>
+                <a:latin typeface="Hiragino Kaku Gothic ProN" panose="020B0300000000000000" pitchFamily="34" charset="-128"/>
+                <a:ea typeface="Hiragino Kaku Gothic ProN" panose="020B0300000000000000" pitchFamily="34" charset="-128"/>
+              </a:rPr>
+              <a:t>Yoshikazu</a:t>
+            </a:r>
+            <a:r>
+              <a:rPr lang="de" altLang="ja-JP" sz="1100" b="0" i="0" dirty="0">
+                <a:solidFill>
+                  <a:srgbClr val="000000"/>
+                </a:solidFill>
+                <a:effectLst/>
+                <a:latin typeface="Hiragino Kaku Gothic ProN" panose="020B0300000000000000" pitchFamily="34" charset="-128"/>
+                <a:ea typeface="Hiragino Kaku Gothic ProN" panose="020B0300000000000000" pitchFamily="34" charset="-128"/>
+              </a:rPr>
+              <a:t> NISHIKAWA, A </a:t>
+            </a:r>
+            <a:r>
+              <a:rPr lang="de" altLang="ja-JP" sz="1100" b="0" i="0" dirty="0" err="1">
+                <a:solidFill>
+                  <a:srgbClr val="000000"/>
+                </a:solidFill>
+                <a:effectLst/>
+                <a:latin typeface="Hiragino Kaku Gothic ProN" panose="020B0300000000000000" pitchFamily="34" charset="-128"/>
+                <a:ea typeface="Hiragino Kaku Gothic ProN" panose="020B0300000000000000" pitchFamily="34" charset="-128"/>
+              </a:rPr>
+              <a:t>Thermodynamical</a:t>
+            </a:r>
+            <a:r>
+              <a:rPr lang="de" altLang="ja-JP" sz="1100" b="0" i="0" dirty="0">
+                <a:solidFill>
+                  <a:srgbClr val="000000"/>
+                </a:solidFill>
+                <a:effectLst/>
+                <a:latin typeface="Hiragino Kaku Gothic ProN" panose="020B0300000000000000" pitchFamily="34" charset="-128"/>
+                <a:ea typeface="Hiragino Kaku Gothic ProN" panose="020B0300000000000000" pitchFamily="34" charset="-128"/>
+              </a:rPr>
+              <a:t> </a:t>
+            </a:r>
+            <a:r>
+              <a:rPr lang="de" altLang="ja-JP" sz="1100" b="0" i="0" dirty="0" err="1">
+                <a:solidFill>
+                  <a:srgbClr val="000000"/>
+                </a:solidFill>
+                <a:effectLst/>
+                <a:latin typeface="Hiragino Kaku Gothic ProN" panose="020B0300000000000000" pitchFamily="34" charset="-128"/>
+                <a:ea typeface="Hiragino Kaku Gothic ProN" panose="020B0300000000000000" pitchFamily="34" charset="-128"/>
+              </a:rPr>
+              <a:t>Selection</a:t>
+            </a:r>
+            <a:r>
+              <a:rPr lang="de" altLang="ja-JP" sz="1100" b="0" i="0" dirty="0">
+                <a:solidFill>
+                  <a:srgbClr val="000000"/>
+                </a:solidFill>
+                <a:effectLst/>
+                <a:latin typeface="Hiragino Kaku Gothic ProN" panose="020B0300000000000000" pitchFamily="34" charset="-128"/>
+                <a:ea typeface="Hiragino Kaku Gothic ProN" panose="020B0300000000000000" pitchFamily="34" charset="-128"/>
+              </a:rPr>
+              <a:t> Rule in </a:t>
+            </a:r>
+            <a:r>
+              <a:rPr lang="de" altLang="ja-JP" sz="1100" b="0" i="0" dirty="0" err="1">
+                <a:solidFill>
+                  <a:srgbClr val="000000"/>
+                </a:solidFill>
+                <a:effectLst/>
+                <a:latin typeface="Hiragino Kaku Gothic ProN" panose="020B0300000000000000" pitchFamily="34" charset="-128"/>
+                <a:ea typeface="Hiragino Kaku Gothic ProN" panose="020B0300000000000000" pitchFamily="34" charset="-128"/>
+              </a:rPr>
+              <a:t>the</a:t>
+            </a:r>
+            <a:r>
+              <a:rPr lang="de" altLang="ja-JP" sz="1100" b="0" i="0" dirty="0">
+                <a:solidFill>
+                  <a:srgbClr val="000000"/>
+                </a:solidFill>
+                <a:effectLst/>
+                <a:latin typeface="Hiragino Kaku Gothic ProN" panose="020B0300000000000000" pitchFamily="34" charset="-128"/>
+                <a:ea typeface="Hiragino Kaku Gothic ProN" panose="020B0300000000000000" pitchFamily="34" charset="-128"/>
+              </a:rPr>
+              <a:t> Genetic </a:t>
+            </a:r>
+            <a:r>
+              <a:rPr lang="de" altLang="ja-JP" sz="1100" b="0" i="0" dirty="0" err="1">
+                <a:solidFill>
+                  <a:srgbClr val="000000"/>
+                </a:solidFill>
+                <a:effectLst/>
+                <a:latin typeface="Hiragino Kaku Gothic ProN" panose="020B0300000000000000" pitchFamily="34" charset="-128"/>
+                <a:ea typeface="Hiragino Kaku Gothic ProN" panose="020B0300000000000000" pitchFamily="34" charset="-128"/>
+              </a:rPr>
+              <a:t>Algorithm</a:t>
+            </a:r>
+            <a:r>
+              <a:rPr lang="de" altLang="ja-JP" sz="1100" b="0" i="0" dirty="0">
+                <a:solidFill>
+                  <a:srgbClr val="000000"/>
+                </a:solidFill>
+                <a:effectLst/>
+                <a:latin typeface="Hiragino Kaku Gothic ProN" panose="020B0300000000000000" pitchFamily="34" charset="-128"/>
+                <a:ea typeface="Hiragino Kaku Gothic ProN" panose="020B0300000000000000" pitchFamily="34" charset="-128"/>
+              </a:rPr>
+              <a:t>, Transactions </a:t>
+            </a:r>
+            <a:r>
+              <a:rPr lang="de" altLang="ja-JP" sz="1100" b="0" i="0" dirty="0" err="1">
+                <a:solidFill>
+                  <a:srgbClr val="000000"/>
+                </a:solidFill>
+                <a:effectLst/>
+                <a:latin typeface="Hiragino Kaku Gothic ProN" panose="020B0300000000000000" pitchFamily="34" charset="-128"/>
+                <a:ea typeface="Hiragino Kaku Gothic ProN" panose="020B0300000000000000" pitchFamily="34" charset="-128"/>
+              </a:rPr>
+              <a:t>of</a:t>
+            </a:r>
+            <a:r>
+              <a:rPr lang="de" altLang="ja-JP" sz="1100" b="0" i="0" dirty="0">
+                <a:solidFill>
+                  <a:srgbClr val="000000"/>
+                </a:solidFill>
+                <a:effectLst/>
+                <a:latin typeface="Hiragino Kaku Gothic ProN" panose="020B0300000000000000" pitchFamily="34" charset="-128"/>
+                <a:ea typeface="Hiragino Kaku Gothic ProN" panose="020B0300000000000000" pitchFamily="34" charset="-128"/>
+              </a:rPr>
+              <a:t> </a:t>
+            </a:r>
+            <a:r>
+              <a:rPr lang="de" altLang="ja-JP" sz="1100" b="0" i="0" dirty="0" err="1">
+                <a:solidFill>
+                  <a:srgbClr val="000000"/>
+                </a:solidFill>
+                <a:effectLst/>
+                <a:latin typeface="Hiragino Kaku Gothic ProN" panose="020B0300000000000000" pitchFamily="34" charset="-128"/>
+                <a:ea typeface="Hiragino Kaku Gothic ProN" panose="020B0300000000000000" pitchFamily="34" charset="-128"/>
+              </a:rPr>
+              <a:t>the</a:t>
+            </a:r>
+            <a:r>
+              <a:rPr lang="de" altLang="ja-JP" sz="1100" b="0" i="0" dirty="0">
+                <a:solidFill>
+                  <a:srgbClr val="000000"/>
+                </a:solidFill>
+                <a:effectLst/>
+                <a:latin typeface="Hiragino Kaku Gothic ProN" panose="020B0300000000000000" pitchFamily="34" charset="-128"/>
+                <a:ea typeface="Hiragino Kaku Gothic ProN" panose="020B0300000000000000" pitchFamily="34" charset="-128"/>
+              </a:rPr>
+              <a:t> Institute </a:t>
+            </a:r>
+            <a:r>
+              <a:rPr lang="de" altLang="ja-JP" sz="1100" b="0" i="0" dirty="0" err="1">
+                <a:solidFill>
+                  <a:srgbClr val="000000"/>
+                </a:solidFill>
+                <a:effectLst/>
+                <a:latin typeface="Hiragino Kaku Gothic ProN" panose="020B0300000000000000" pitchFamily="34" charset="-128"/>
+                <a:ea typeface="Hiragino Kaku Gothic ProN" panose="020B0300000000000000" pitchFamily="34" charset="-128"/>
+              </a:rPr>
+              <a:t>of</a:t>
+            </a:r>
+            <a:r>
+              <a:rPr lang="de" altLang="ja-JP" sz="1100" b="0" i="0" dirty="0">
+                <a:solidFill>
+                  <a:srgbClr val="000000"/>
+                </a:solidFill>
+                <a:effectLst/>
+                <a:latin typeface="Hiragino Kaku Gothic ProN" panose="020B0300000000000000" pitchFamily="34" charset="-128"/>
+                <a:ea typeface="Hiragino Kaku Gothic ProN" panose="020B0300000000000000" pitchFamily="34" charset="-128"/>
+              </a:rPr>
+              <a:t> Systems, Control and Information Engineers, 1996, Volume 9, </a:t>
+            </a:r>
+            <a:r>
+              <a:rPr lang="de" altLang="ja-JP" sz="1100" b="0" i="0" dirty="0" err="1">
+                <a:solidFill>
+                  <a:srgbClr val="000000"/>
+                </a:solidFill>
+                <a:effectLst/>
+                <a:latin typeface="Hiragino Kaku Gothic ProN" panose="020B0300000000000000" pitchFamily="34" charset="-128"/>
+                <a:ea typeface="Hiragino Kaku Gothic ProN" panose="020B0300000000000000" pitchFamily="34" charset="-128"/>
+              </a:rPr>
+              <a:t>Issue</a:t>
+            </a:r>
+            <a:r>
+              <a:rPr lang="de" altLang="ja-JP" sz="1100" b="0" i="0" dirty="0">
+                <a:solidFill>
+                  <a:srgbClr val="000000"/>
+                </a:solidFill>
+                <a:effectLst/>
+                <a:latin typeface="Hiragino Kaku Gothic ProN" panose="020B0300000000000000" pitchFamily="34" charset="-128"/>
+                <a:ea typeface="Hiragino Kaku Gothic ProN" panose="020B0300000000000000" pitchFamily="34" charset="-128"/>
+              </a:rPr>
+              <a:t> 2, Pages 82-90, </a:t>
+            </a:r>
+            <a:r>
+              <a:rPr lang="de" altLang="ja-JP" sz="1100" b="0" i="0" dirty="0" err="1">
+                <a:solidFill>
+                  <a:srgbClr val="000000"/>
+                </a:solidFill>
+                <a:effectLst/>
+                <a:latin typeface="Hiragino Kaku Gothic ProN" panose="020B0300000000000000" pitchFamily="34" charset="-128"/>
+                <a:ea typeface="Hiragino Kaku Gothic ProN" panose="020B0300000000000000" pitchFamily="34" charset="-128"/>
+              </a:rPr>
+              <a:t>Released</a:t>
+            </a:r>
+            <a:r>
+              <a:rPr lang="de" altLang="ja-JP" sz="1100" b="0" i="0" dirty="0">
+                <a:solidFill>
+                  <a:srgbClr val="000000"/>
+                </a:solidFill>
+                <a:effectLst/>
+                <a:latin typeface="Hiragino Kaku Gothic ProN" panose="020B0300000000000000" pitchFamily="34" charset="-128"/>
+                <a:ea typeface="Hiragino Kaku Gothic ProN" panose="020B0300000000000000" pitchFamily="34" charset="-128"/>
+              </a:rPr>
+              <a:t> on J-STAGE </a:t>
+            </a:r>
+            <a:r>
+              <a:rPr lang="de" altLang="ja-JP" sz="1100" b="0" i="0" dirty="0" err="1">
+                <a:solidFill>
+                  <a:srgbClr val="000000"/>
+                </a:solidFill>
+                <a:effectLst/>
+                <a:latin typeface="Hiragino Kaku Gothic ProN" panose="020B0300000000000000" pitchFamily="34" charset="-128"/>
+                <a:ea typeface="Hiragino Kaku Gothic ProN" panose="020B0300000000000000" pitchFamily="34" charset="-128"/>
+              </a:rPr>
+              <a:t>October</a:t>
+            </a:r>
+            <a:r>
+              <a:rPr lang="de" altLang="ja-JP" sz="1100" b="0" i="0" dirty="0">
+                <a:solidFill>
+                  <a:srgbClr val="000000"/>
+                </a:solidFill>
+                <a:effectLst/>
+                <a:latin typeface="Hiragino Kaku Gothic ProN" panose="020B0300000000000000" pitchFamily="34" charset="-128"/>
+                <a:ea typeface="Hiragino Kaku Gothic ProN" panose="020B0300000000000000" pitchFamily="34" charset="-128"/>
+              </a:rPr>
+              <a:t> 13, 2011, Online ISSN 2185-811X, Print ISSN 1342-5668</a:t>
+            </a:r>
+            <a:endParaRPr kumimoji="1" lang="ja-JP" altLang="en-US" sz="1100"/>
+          </a:p>
+        </p:txBody>
+      </p:sp>
+    </p:spTree>
+    <p:extLst>
+      <p:ext uri="{BB962C8B-B14F-4D97-AF65-F5344CB8AC3E}">
+        <p14:creationId xmlns:p14="http://schemas.microsoft.com/office/powerpoint/2010/main" val="842676182"/>
+      </p:ext>
+    </p:extLst>
+  </p:cSld>
+  <p:clrMapOvr>
+    <a:masterClrMapping/>
+  </p:clrMapOvr>
+</p:sld>
+</file>
+
+<file path=ppt/slides/slide11.xml><?xml version="1.0" encoding="utf-8"?>
+<p:sld xmlns:a="http://schemas.openxmlformats.org/drawingml/2006/main" xmlns:r="http://schemas.openxmlformats.org/officeDocument/2006/relationships" xmlns:p="http://schemas.openxmlformats.org/presentationml/2006/main">
+  <p:cSld>
+    <p:spTree>
+      <p:nvGrpSpPr>
+        <p:cNvPr id="1" name=""/>
+        <p:cNvGrpSpPr/>
+        <p:nvPr/>
+      </p:nvGrpSpPr>
+      <p:grpSpPr>
+        <a:xfrm>
+          <a:off x="0" y="0"/>
+          <a:ext cx="0" cy="0"/>
+          <a:chOff x="0" y="0"/>
+          <a:chExt cx="0" cy="0"/>
+        </a:xfrm>
+      </p:grpSpPr>
+      <p:sp>
+        <p:nvSpPr>
+          <p:cNvPr id="2" name="タイトル 1">
+            <a:extLst>
+              <a:ext uri="{FF2B5EF4-FFF2-40B4-BE49-F238E27FC236}">
+                <a16:creationId xmlns:a16="http://schemas.microsoft.com/office/drawing/2014/main" id="{D159CF40-CD8C-21A6-0A3D-8CF370B562A6}"/>
+              </a:ext>
+            </a:extLst>
+          </p:cNvPr>
+          <p:cNvSpPr>
+            <a:spLocks noGrp="1"/>
+          </p:cNvSpPr>
+          <p:nvPr>
+            <p:ph type="title"/>
+          </p:nvPr>
+        </p:nvSpPr>
+        <p:spPr/>
+        <p:txBody>
+          <a:bodyPr/>
+          <a:lstStyle/>
+          <a:p>
+            <a:r>
+              <a:rPr kumimoji="1" lang="ja-JP" altLang="en-US"/>
+              <a:t>可変長遺伝子型熱力学的選択ルール</a:t>
+            </a:r>
+          </a:p>
+        </p:txBody>
+      </p:sp>
+      <p:sp>
+        <p:nvSpPr>
+          <p:cNvPr id="3" name="スライド番号プレースホルダー 2">
+            <a:extLst>
+              <a:ext uri="{FF2B5EF4-FFF2-40B4-BE49-F238E27FC236}">
+                <a16:creationId xmlns:a16="http://schemas.microsoft.com/office/drawing/2014/main" id="{37968868-915E-15E5-AB4E-1366F32A281D}"/>
+              </a:ext>
+            </a:extLst>
+          </p:cNvPr>
+          <p:cNvSpPr>
+            <a:spLocks noGrp="1"/>
+          </p:cNvSpPr>
+          <p:nvPr>
+            <p:ph type="sldNum" sz="quarter" idx="12"/>
+          </p:nvPr>
+        </p:nvSpPr>
+        <p:spPr/>
+        <p:txBody>
+          <a:bodyPr/>
+          <a:lstStyle/>
+          <a:p>
+            <a:pPr lvl="0"/>
+            <a:fld id="{004900ED-2EFD-2142-93A1-1CBA90FDE07B}" type="slidenum">
+              <a:rPr lang="en-US" altLang="ja-JP" smtClean="0"/>
+              <a:t>11</a:t>
             </a:fld>
             <a:endParaRPr lang="ja-JP" altLang="en-US"/>
           </a:p>
@@ -8609,7 +9191,7 @@
 </p:sld>
 </file>
 
-<file path=ppt/slides/slide11.xml><?xml version="1.0" encoding="utf-8"?>
+<file path=ppt/slides/slide12.xml><?xml version="1.0" encoding="utf-8"?>
 <p:sld xmlns:a="http://schemas.openxmlformats.org/drawingml/2006/main" xmlns:r="http://schemas.openxmlformats.org/officeDocument/2006/relationships" xmlns:p="http://schemas.openxmlformats.org/presentationml/2006/main">
   <p:cSld>
     <p:spTree>
@@ -8678,7 +9260,7 @@
             <a:pPr lvl="0"/>
             <a:fld id="{004900ED-2EFD-2142-93A1-1CBA90FDE07B}" type="slidenum">
               <a:rPr lang="en-US" altLang="ja-JP" smtClean="0"/>
-              <a:t>11</a:t>
+              <a:t>12</a:t>
             </a:fld>
             <a:endParaRPr lang="ja-JP" altLang="en-US"/>
           </a:p>
@@ -8934,7 +9516,7 @@
 </p:sld>
 </file>
 
-<file path=ppt/slides/slide12.xml><?xml version="1.0" encoding="utf-8"?>
+<file path=ppt/slides/slide13.xml><?xml version="1.0" encoding="utf-8"?>
 <p:sld xmlns:a="http://schemas.openxmlformats.org/drawingml/2006/main" xmlns:r="http://schemas.openxmlformats.org/officeDocument/2006/relationships" xmlns:p="http://schemas.openxmlformats.org/presentationml/2006/main">
   <p:cSld>
     <p:spTree>
@@ -9003,7 +9585,7 @@
             <a:pPr lvl="0"/>
             <a:fld id="{004900ED-2EFD-2142-93A1-1CBA90FDE07B}" type="slidenum">
               <a:rPr lang="en-US" altLang="ja-JP" smtClean="0"/>
-              <a:t>12</a:t>
+              <a:t>13</a:t>
             </a:fld>
             <a:endParaRPr lang="ja-JP" altLang="en-US"/>
           </a:p>
@@ -9311,7 +9893,7 @@
 </p:sld>
 </file>
 
-<file path=ppt/slides/slide13.xml><?xml version="1.0" encoding="utf-8"?>
+<file path=ppt/slides/slide14.xml><?xml version="1.0" encoding="utf-8"?>
 <p:sld xmlns:a="http://schemas.openxmlformats.org/drawingml/2006/main" xmlns:r="http://schemas.openxmlformats.org/officeDocument/2006/relationships" xmlns:p="http://schemas.openxmlformats.org/presentationml/2006/main">
   <p:cSld>
     <p:spTree>
@@ -9385,7 +9967,7 @@
             <a:pPr lvl="0"/>
             <a:fld id="{004900ED-2EFD-2142-93A1-1CBA90FDE07B}" type="slidenum">
               <a:rPr lang="en-US" altLang="ja-JP" smtClean="0"/>
-              <a:t>13</a:t>
+              <a:t>14</a:t>
             </a:fld>
             <a:endParaRPr lang="ja-JP" altLang="en-US"/>
           </a:p>
@@ -9547,208 +10129,6 @@
     <p:extLst>
       <p:ext uri="{BB962C8B-B14F-4D97-AF65-F5344CB8AC3E}">
         <p14:creationId xmlns:p14="http://schemas.microsoft.com/office/powerpoint/2010/main" val="2162904281"/>
-      </p:ext>
-    </p:extLst>
-  </p:cSld>
-  <p:clrMapOvr>
-    <a:masterClrMapping/>
-  </p:clrMapOvr>
-</p:sld>
-</file>
-
-<file path=ppt/slides/slide14.xml><?xml version="1.0" encoding="utf-8"?>
-<p:sld xmlns:a="http://schemas.openxmlformats.org/drawingml/2006/main" xmlns:r="http://schemas.openxmlformats.org/officeDocument/2006/relationships" xmlns:p="http://schemas.openxmlformats.org/presentationml/2006/main">
-  <p:cSld>
-    <p:spTree>
-      <p:nvGrpSpPr>
-        <p:cNvPr id="1" name=""/>
-        <p:cNvGrpSpPr/>
-        <p:nvPr/>
-      </p:nvGrpSpPr>
-      <p:grpSpPr>
-        <a:xfrm>
-          <a:off x="0" y="0"/>
-          <a:ext cx="0" cy="0"/>
-          <a:chOff x="0" y="0"/>
-          <a:chExt cx="0" cy="0"/>
-        </a:xfrm>
-      </p:grpSpPr>
-      <p:sp>
-        <p:nvSpPr>
-          <p:cNvPr id="2" name="タイトル 1">
-            <a:extLst>
-              <a:ext uri="{FF2B5EF4-FFF2-40B4-BE49-F238E27FC236}">
-                <a16:creationId xmlns:a16="http://schemas.microsoft.com/office/drawing/2014/main" id="{DA6841C3-0E6C-BFA1-5D04-4112F1117102}"/>
-              </a:ext>
-            </a:extLst>
-          </p:cNvPr>
-          <p:cNvSpPr>
-            <a:spLocks noGrp="1"/>
-          </p:cNvSpPr>
-          <p:nvPr>
-            <p:ph type="title"/>
-          </p:nvPr>
-        </p:nvSpPr>
-        <p:spPr/>
-        <p:txBody>
-          <a:bodyPr/>
-          <a:lstStyle/>
-          <a:p>
-            <a:r>
-              <a:rPr kumimoji="1" lang="ja-JP" altLang="en-US"/>
-              <a:t>目次</a:t>
-            </a:r>
-          </a:p>
-        </p:txBody>
-      </p:sp>
-      <p:sp>
-        <p:nvSpPr>
-          <p:cNvPr id="4" name="スライド番号プレースホルダー 3">
-            <a:extLst>
-              <a:ext uri="{FF2B5EF4-FFF2-40B4-BE49-F238E27FC236}">
-                <a16:creationId xmlns:a16="http://schemas.microsoft.com/office/drawing/2014/main" id="{20D20625-8135-BA1D-11A0-E3466265CE7C}"/>
-              </a:ext>
-            </a:extLst>
-          </p:cNvPr>
-          <p:cNvSpPr>
-            <a:spLocks noGrp="1"/>
-          </p:cNvSpPr>
-          <p:nvPr>
-            <p:ph type="sldNum" sz="quarter" idx="12"/>
-          </p:nvPr>
-        </p:nvSpPr>
-        <p:spPr/>
-        <p:txBody>
-          <a:bodyPr/>
-          <a:lstStyle/>
-          <a:p>
-            <a:pPr lvl="0"/>
-            <a:fld id="{004900ED-2EFD-2142-93A1-1CBA90FDE07B}" type="slidenum">
-              <a:rPr lang="en-US" altLang="ja-JP" smtClean="0"/>
-              <a:t>14</a:t>
-            </a:fld>
-            <a:endParaRPr lang="ja-JP" altLang="en-US"/>
-          </a:p>
-        </p:txBody>
-      </p:sp>
-      <p:sp>
-        <p:nvSpPr>
-          <p:cNvPr id="3" name="テキスト ボックス 2">
-            <a:extLst>
-              <a:ext uri="{FF2B5EF4-FFF2-40B4-BE49-F238E27FC236}">
-                <a16:creationId xmlns:a16="http://schemas.microsoft.com/office/drawing/2014/main" id="{CFCE3529-0348-FAC9-4C81-ACEA9BA72623}"/>
-              </a:ext>
-            </a:extLst>
-          </p:cNvPr>
-          <p:cNvSpPr txBox="1"/>
-          <p:nvPr/>
-        </p:nvSpPr>
-        <p:spPr>
-          <a:xfrm>
-            <a:off x="519837" y="1411535"/>
-            <a:ext cx="3877985" cy="3425168"/>
-          </a:xfrm>
-          <a:prstGeom prst="rect">
-            <a:avLst/>
-          </a:prstGeom>
-          <a:noFill/>
-        </p:spPr>
-        <p:txBody>
-          <a:bodyPr wrap="none" rtlCol="0">
-            <a:spAutoFit/>
-          </a:bodyPr>
-          <a:lstStyle/>
-          <a:p>
-            <a:pPr marL="457200" indent="-457200">
-              <a:lnSpc>
-                <a:spcPct val="200000"/>
-              </a:lnSpc>
-              <a:buFont typeface="Wingdings" pitchFamily="2" charset="2"/>
-              <a:buChar char="Ø"/>
-            </a:pPr>
-            <a:r>
-              <a:rPr lang="ja-JP" altLang="en-US" sz="2800">
-                <a:solidFill>
-                  <a:schemeClr val="bg2">
-                    <a:lumMod val="90000"/>
-                  </a:schemeClr>
-                </a:solidFill>
-              </a:rPr>
-              <a:t>はじめに</a:t>
-            </a:r>
-            <a:endParaRPr lang="en-US" altLang="ja-JP" sz="2800" dirty="0">
-              <a:solidFill>
-                <a:schemeClr val="bg2">
-                  <a:lumMod val="90000"/>
-                </a:schemeClr>
-              </a:solidFill>
-            </a:endParaRPr>
-          </a:p>
-          <a:p>
-            <a:pPr marL="457200" indent="-457200">
-              <a:lnSpc>
-                <a:spcPct val="200000"/>
-              </a:lnSpc>
-              <a:buFont typeface="Wingdings" pitchFamily="2" charset="2"/>
-              <a:buChar char="Ø"/>
-            </a:pPr>
-            <a:r>
-              <a:rPr lang="ja-JP" altLang="en-US" sz="2800">
-                <a:solidFill>
-                  <a:schemeClr val="bg2">
-                    <a:lumMod val="90000"/>
-                  </a:schemeClr>
-                </a:solidFill>
-              </a:rPr>
-              <a:t>要素技術</a:t>
-            </a:r>
-            <a:endParaRPr lang="en-US" altLang="ja-JP" sz="2800" dirty="0">
-              <a:solidFill>
-                <a:schemeClr val="bg2">
-                  <a:lumMod val="90000"/>
-                </a:schemeClr>
-              </a:solidFill>
-            </a:endParaRPr>
-          </a:p>
-          <a:p>
-            <a:pPr marL="457200" indent="-457200">
-              <a:lnSpc>
-                <a:spcPct val="200000"/>
-              </a:lnSpc>
-              <a:buFont typeface="Wingdings" pitchFamily="2" charset="2"/>
-              <a:buChar char="Ø"/>
-            </a:pPr>
-            <a:r>
-              <a:rPr lang="ja-JP" altLang="en-US" sz="2800"/>
-              <a:t>実験</a:t>
-            </a:r>
-            <a:endParaRPr lang="en-US" altLang="ja-JP" sz="2800" dirty="0"/>
-          </a:p>
-          <a:p>
-            <a:pPr marL="457200" indent="-457200">
-              <a:lnSpc>
-                <a:spcPct val="200000"/>
-              </a:lnSpc>
-              <a:buFont typeface="Wingdings" pitchFamily="2" charset="2"/>
-              <a:buChar char="Ø"/>
-            </a:pPr>
-            <a:r>
-              <a:rPr lang="ja-JP" altLang="en-US" sz="2800">
-                <a:solidFill>
-                  <a:schemeClr val="bg2">
-                    <a:lumMod val="90000"/>
-                  </a:schemeClr>
-                </a:solidFill>
-              </a:rPr>
-              <a:t>まとめと今後の課題</a:t>
-            </a:r>
-          </a:p>
-        </p:txBody>
-      </p:sp>
-    </p:spTree>
-    <p:extLst>
-      <p:ext uri="{BB962C8B-B14F-4D97-AF65-F5344CB8AC3E}">
-        <p14:creationId xmlns:p14="http://schemas.microsoft.com/office/powerpoint/2010/main" val="64726322"/>
       </p:ext>
     </p:extLst>
   </p:cSld>
@@ -9780,6 +10160,208 @@
           <p:cNvPr id="2" name="タイトル 1">
             <a:extLst>
               <a:ext uri="{FF2B5EF4-FFF2-40B4-BE49-F238E27FC236}">
+                <a16:creationId xmlns:a16="http://schemas.microsoft.com/office/drawing/2014/main" id="{DA6841C3-0E6C-BFA1-5D04-4112F1117102}"/>
+              </a:ext>
+            </a:extLst>
+          </p:cNvPr>
+          <p:cNvSpPr>
+            <a:spLocks noGrp="1"/>
+          </p:cNvSpPr>
+          <p:nvPr>
+            <p:ph type="title"/>
+          </p:nvPr>
+        </p:nvSpPr>
+        <p:spPr/>
+        <p:txBody>
+          <a:bodyPr/>
+          <a:lstStyle/>
+          <a:p>
+            <a:r>
+              <a:rPr kumimoji="1" lang="ja-JP" altLang="en-US"/>
+              <a:t>目次</a:t>
+            </a:r>
+          </a:p>
+        </p:txBody>
+      </p:sp>
+      <p:sp>
+        <p:nvSpPr>
+          <p:cNvPr id="4" name="スライド番号プレースホルダー 3">
+            <a:extLst>
+              <a:ext uri="{FF2B5EF4-FFF2-40B4-BE49-F238E27FC236}">
+                <a16:creationId xmlns:a16="http://schemas.microsoft.com/office/drawing/2014/main" id="{20D20625-8135-BA1D-11A0-E3466265CE7C}"/>
+              </a:ext>
+            </a:extLst>
+          </p:cNvPr>
+          <p:cNvSpPr>
+            <a:spLocks noGrp="1"/>
+          </p:cNvSpPr>
+          <p:nvPr>
+            <p:ph type="sldNum" sz="quarter" idx="12"/>
+          </p:nvPr>
+        </p:nvSpPr>
+        <p:spPr/>
+        <p:txBody>
+          <a:bodyPr/>
+          <a:lstStyle/>
+          <a:p>
+            <a:pPr lvl="0"/>
+            <a:fld id="{004900ED-2EFD-2142-93A1-1CBA90FDE07B}" type="slidenum">
+              <a:rPr lang="en-US" altLang="ja-JP" smtClean="0"/>
+              <a:t>15</a:t>
+            </a:fld>
+            <a:endParaRPr lang="ja-JP" altLang="en-US"/>
+          </a:p>
+        </p:txBody>
+      </p:sp>
+      <p:sp>
+        <p:nvSpPr>
+          <p:cNvPr id="3" name="テキスト ボックス 2">
+            <a:extLst>
+              <a:ext uri="{FF2B5EF4-FFF2-40B4-BE49-F238E27FC236}">
+                <a16:creationId xmlns:a16="http://schemas.microsoft.com/office/drawing/2014/main" id="{CFCE3529-0348-FAC9-4C81-ACEA9BA72623}"/>
+              </a:ext>
+            </a:extLst>
+          </p:cNvPr>
+          <p:cNvSpPr txBox="1"/>
+          <p:nvPr/>
+        </p:nvSpPr>
+        <p:spPr>
+          <a:xfrm>
+            <a:off x="519837" y="1411535"/>
+            <a:ext cx="3877985" cy="3425168"/>
+          </a:xfrm>
+          <a:prstGeom prst="rect">
+            <a:avLst/>
+          </a:prstGeom>
+          <a:noFill/>
+        </p:spPr>
+        <p:txBody>
+          <a:bodyPr wrap="none" rtlCol="0">
+            <a:spAutoFit/>
+          </a:bodyPr>
+          <a:lstStyle/>
+          <a:p>
+            <a:pPr marL="457200" indent="-457200">
+              <a:lnSpc>
+                <a:spcPct val="200000"/>
+              </a:lnSpc>
+              <a:buFont typeface="Wingdings" pitchFamily="2" charset="2"/>
+              <a:buChar char="Ø"/>
+            </a:pPr>
+            <a:r>
+              <a:rPr lang="ja-JP" altLang="en-US" sz="2800">
+                <a:solidFill>
+                  <a:schemeClr val="bg2">
+                    <a:lumMod val="90000"/>
+                  </a:schemeClr>
+                </a:solidFill>
+              </a:rPr>
+              <a:t>はじめに</a:t>
+            </a:r>
+            <a:endParaRPr lang="en-US" altLang="ja-JP" sz="2800" dirty="0">
+              <a:solidFill>
+                <a:schemeClr val="bg2">
+                  <a:lumMod val="90000"/>
+                </a:schemeClr>
+              </a:solidFill>
+            </a:endParaRPr>
+          </a:p>
+          <a:p>
+            <a:pPr marL="457200" indent="-457200">
+              <a:lnSpc>
+                <a:spcPct val="200000"/>
+              </a:lnSpc>
+              <a:buFont typeface="Wingdings" pitchFamily="2" charset="2"/>
+              <a:buChar char="Ø"/>
+            </a:pPr>
+            <a:r>
+              <a:rPr lang="ja-JP" altLang="en-US" sz="2800">
+                <a:solidFill>
+                  <a:schemeClr val="bg2">
+                    <a:lumMod val="90000"/>
+                  </a:schemeClr>
+                </a:solidFill>
+              </a:rPr>
+              <a:t>要素技術</a:t>
+            </a:r>
+            <a:endParaRPr lang="en-US" altLang="ja-JP" sz="2800" dirty="0">
+              <a:solidFill>
+                <a:schemeClr val="bg2">
+                  <a:lumMod val="90000"/>
+                </a:schemeClr>
+              </a:solidFill>
+            </a:endParaRPr>
+          </a:p>
+          <a:p>
+            <a:pPr marL="457200" indent="-457200">
+              <a:lnSpc>
+                <a:spcPct val="200000"/>
+              </a:lnSpc>
+              <a:buFont typeface="Wingdings" pitchFamily="2" charset="2"/>
+              <a:buChar char="Ø"/>
+            </a:pPr>
+            <a:r>
+              <a:rPr lang="ja-JP" altLang="en-US" sz="2800"/>
+              <a:t>実験</a:t>
+            </a:r>
+            <a:endParaRPr lang="en-US" altLang="ja-JP" sz="2800" dirty="0"/>
+          </a:p>
+          <a:p>
+            <a:pPr marL="457200" indent="-457200">
+              <a:lnSpc>
+                <a:spcPct val="200000"/>
+              </a:lnSpc>
+              <a:buFont typeface="Wingdings" pitchFamily="2" charset="2"/>
+              <a:buChar char="Ø"/>
+            </a:pPr>
+            <a:r>
+              <a:rPr lang="ja-JP" altLang="en-US" sz="2800">
+                <a:solidFill>
+                  <a:schemeClr val="bg2">
+                    <a:lumMod val="90000"/>
+                  </a:schemeClr>
+                </a:solidFill>
+              </a:rPr>
+              <a:t>まとめと今後の課題</a:t>
+            </a:r>
+          </a:p>
+        </p:txBody>
+      </p:sp>
+    </p:spTree>
+    <p:extLst>
+      <p:ext uri="{BB962C8B-B14F-4D97-AF65-F5344CB8AC3E}">
+        <p14:creationId xmlns:p14="http://schemas.microsoft.com/office/powerpoint/2010/main" val="64726322"/>
+      </p:ext>
+    </p:extLst>
+  </p:cSld>
+  <p:clrMapOvr>
+    <a:masterClrMapping/>
+  </p:clrMapOvr>
+</p:sld>
+</file>
+
+<file path=ppt/slides/slide16.xml><?xml version="1.0" encoding="utf-8"?>
+<p:sld xmlns:a="http://schemas.openxmlformats.org/drawingml/2006/main" xmlns:r="http://schemas.openxmlformats.org/officeDocument/2006/relationships" xmlns:p="http://schemas.openxmlformats.org/presentationml/2006/main">
+  <p:cSld>
+    <p:spTree>
+      <p:nvGrpSpPr>
+        <p:cNvPr id="1" name=""/>
+        <p:cNvGrpSpPr/>
+        <p:nvPr/>
+      </p:nvGrpSpPr>
+      <p:grpSpPr>
+        <a:xfrm>
+          <a:off x="0" y="0"/>
+          <a:ext cx="0" cy="0"/>
+          <a:chOff x="0" y="0"/>
+          <a:chExt cx="0" cy="0"/>
+        </a:xfrm>
+      </p:grpSpPr>
+      <p:sp>
+        <p:nvSpPr>
+          <p:cNvPr id="2" name="タイトル 1">
+            <a:extLst>
+              <a:ext uri="{FF2B5EF4-FFF2-40B4-BE49-F238E27FC236}">
                 <a16:creationId xmlns:a16="http://schemas.microsoft.com/office/drawing/2014/main" id="{18D1C43A-2E10-EAC5-8D20-CD4E417F494F}"/>
               </a:ext>
             </a:extLst>
@@ -9827,7 +10409,7 @@
             <a:pPr lvl="0"/>
             <a:fld id="{004900ED-2EFD-2142-93A1-1CBA90FDE07B}" type="slidenum">
               <a:rPr lang="en-US" altLang="ja-JP" smtClean="0"/>
-              <a:t>15</a:t>
+              <a:t>16</a:t>
             </a:fld>
             <a:endParaRPr lang="ja-JP" altLang="en-US"/>
           </a:p>
@@ -10014,7 +10596,7 @@
 </p:sld>
 </file>
 
-<file path=ppt/slides/slide16.xml><?xml version="1.0" encoding="utf-8"?>
+<file path=ppt/slides/slide17.xml><?xml version="1.0" encoding="utf-8"?>
 <p:sld xmlns:a="http://schemas.openxmlformats.org/drawingml/2006/main" xmlns:r="http://schemas.openxmlformats.org/officeDocument/2006/relationships" xmlns:p="http://schemas.openxmlformats.org/presentationml/2006/main">
   <p:cSld>
     <p:spTree>
@@ -10083,7 +10665,7 @@
             <a:pPr lvl="0"/>
             <a:fld id="{004900ED-2EFD-2142-93A1-1CBA90FDE07B}" type="slidenum">
               <a:rPr lang="en-US" altLang="ja-JP" smtClean="0"/>
-              <a:t>16</a:t>
+              <a:t>17</a:t>
             </a:fld>
             <a:endParaRPr lang="ja-JP" altLang="en-US"/>
           </a:p>
@@ -10433,7 +11015,7 @@
 </p:sld>
 </file>
 
-<file path=ppt/slides/slide17.xml><?xml version="1.0" encoding="utf-8"?>
+<file path=ppt/slides/slide18.xml><?xml version="1.0" encoding="utf-8"?>
 <p:sld xmlns:a="http://schemas.openxmlformats.org/drawingml/2006/main" xmlns:r="http://schemas.openxmlformats.org/officeDocument/2006/relationships" xmlns:p="http://schemas.openxmlformats.org/presentationml/2006/main">
   <p:cSld>
     <p:spTree>
@@ -10502,7 +11084,7 @@
             <a:pPr lvl="0"/>
             <a:fld id="{004900ED-2EFD-2142-93A1-1CBA90FDE07B}" type="slidenum">
               <a:rPr lang="en-US" altLang="ja-JP" smtClean="0"/>
-              <a:t>17</a:t>
+              <a:t>18</a:t>
             </a:fld>
             <a:endParaRPr lang="ja-JP" altLang="en-US"/>
           </a:p>
@@ -10944,7 +11526,7 @@
 </p:sld>
 </file>
 
-<file path=ppt/slides/slide18.xml><?xml version="1.0" encoding="utf-8"?>
+<file path=ppt/slides/slide19.xml><?xml version="1.0" encoding="utf-8"?>
 <p:sld xmlns:a="http://schemas.openxmlformats.org/drawingml/2006/main" xmlns:r="http://schemas.openxmlformats.org/officeDocument/2006/relationships" xmlns:p="http://schemas.openxmlformats.org/presentationml/2006/main">
   <p:cSld>
     <p:spTree>
@@ -11013,7 +11595,7 @@
             <a:pPr lvl="0"/>
             <a:fld id="{004900ED-2EFD-2142-93A1-1CBA90FDE07B}" type="slidenum">
               <a:rPr lang="en-US" altLang="ja-JP" smtClean="0"/>
-              <a:t>18</a:t>
+              <a:t>19</a:t>
             </a:fld>
             <a:endParaRPr lang="ja-JP" altLang="en-US"/>
           </a:p>
@@ -12090,7 +12672,7 @@
 </p:sld>
 </file>
 
-<file path=ppt/slides/slide19.xml><?xml version="1.0" encoding="utf-8"?>
+<file path=ppt/slides/slide2.xml><?xml version="1.0" encoding="utf-8"?>
 <p:sld xmlns:a="http://schemas.openxmlformats.org/drawingml/2006/main" xmlns:r="http://schemas.openxmlformats.org/officeDocument/2006/relationships" xmlns:p="http://schemas.openxmlformats.org/presentationml/2006/main">
   <p:cSld>
     <p:spTree>
@@ -12112,6 +12694,178 @@
           <p:cNvPr id="2" name="タイトル 1">
             <a:extLst>
               <a:ext uri="{FF2B5EF4-FFF2-40B4-BE49-F238E27FC236}">
+                <a16:creationId xmlns:a16="http://schemas.microsoft.com/office/drawing/2014/main" id="{DA6841C3-0E6C-BFA1-5D04-4112F1117102}"/>
+              </a:ext>
+            </a:extLst>
+          </p:cNvPr>
+          <p:cNvSpPr>
+            <a:spLocks noGrp="1"/>
+          </p:cNvSpPr>
+          <p:nvPr>
+            <p:ph type="title"/>
+          </p:nvPr>
+        </p:nvSpPr>
+        <p:spPr/>
+        <p:txBody>
+          <a:bodyPr/>
+          <a:lstStyle/>
+          <a:p>
+            <a:r>
+              <a:rPr kumimoji="1" lang="ja-JP" altLang="en-US"/>
+              <a:t>目次</a:t>
+            </a:r>
+          </a:p>
+        </p:txBody>
+      </p:sp>
+      <p:sp>
+        <p:nvSpPr>
+          <p:cNvPr id="4" name="スライド番号プレースホルダー 3">
+            <a:extLst>
+              <a:ext uri="{FF2B5EF4-FFF2-40B4-BE49-F238E27FC236}">
+                <a16:creationId xmlns:a16="http://schemas.microsoft.com/office/drawing/2014/main" id="{20D20625-8135-BA1D-11A0-E3466265CE7C}"/>
+              </a:ext>
+            </a:extLst>
+          </p:cNvPr>
+          <p:cNvSpPr>
+            <a:spLocks noGrp="1"/>
+          </p:cNvSpPr>
+          <p:nvPr>
+            <p:ph type="sldNum" sz="quarter" idx="12"/>
+          </p:nvPr>
+        </p:nvSpPr>
+        <p:spPr/>
+        <p:txBody>
+          <a:bodyPr/>
+          <a:lstStyle/>
+          <a:p>
+            <a:pPr lvl="0"/>
+            <a:fld id="{004900ED-2EFD-2142-93A1-1CBA90FDE07B}" type="slidenum">
+              <a:rPr lang="en-US" altLang="ja-JP" smtClean="0"/>
+              <a:t>2</a:t>
+            </a:fld>
+            <a:endParaRPr lang="ja-JP" altLang="en-US"/>
+          </a:p>
+        </p:txBody>
+      </p:sp>
+      <p:sp>
+        <p:nvSpPr>
+          <p:cNvPr id="3" name="テキスト ボックス 2">
+            <a:extLst>
+              <a:ext uri="{FF2B5EF4-FFF2-40B4-BE49-F238E27FC236}">
+                <a16:creationId xmlns:a16="http://schemas.microsoft.com/office/drawing/2014/main" id="{CFCE3529-0348-FAC9-4C81-ACEA9BA72623}"/>
+              </a:ext>
+            </a:extLst>
+          </p:cNvPr>
+          <p:cNvSpPr txBox="1"/>
+          <p:nvPr/>
+        </p:nvSpPr>
+        <p:spPr>
+          <a:xfrm>
+            <a:off x="519837" y="1411535"/>
+            <a:ext cx="3877985" cy="3425168"/>
+          </a:xfrm>
+          <a:prstGeom prst="rect">
+            <a:avLst/>
+          </a:prstGeom>
+          <a:noFill/>
+        </p:spPr>
+        <p:txBody>
+          <a:bodyPr wrap="none" rtlCol="0">
+            <a:spAutoFit/>
+          </a:bodyPr>
+          <a:lstStyle/>
+          <a:p>
+            <a:pPr marL="457200" indent="-457200">
+              <a:lnSpc>
+                <a:spcPct val="200000"/>
+              </a:lnSpc>
+              <a:buFont typeface="Wingdings" pitchFamily="2" charset="2"/>
+              <a:buChar char="Ø"/>
+            </a:pPr>
+            <a:r>
+              <a:rPr lang="ja-JP" altLang="en-US" sz="2800"/>
+              <a:t>はじめに</a:t>
+            </a:r>
+            <a:endParaRPr lang="en-US" altLang="ja-JP" sz="2800" dirty="0"/>
+          </a:p>
+          <a:p>
+            <a:pPr marL="457200" indent="-457200">
+              <a:lnSpc>
+                <a:spcPct val="200000"/>
+              </a:lnSpc>
+              <a:buFont typeface="Wingdings" pitchFamily="2" charset="2"/>
+              <a:buChar char="Ø"/>
+            </a:pPr>
+            <a:r>
+              <a:rPr lang="ja-JP" altLang="en-US" sz="2800"/>
+              <a:t>要素技術</a:t>
+            </a:r>
+            <a:endParaRPr lang="en-US" altLang="ja-JP" sz="2800" dirty="0"/>
+          </a:p>
+          <a:p>
+            <a:pPr marL="457200" indent="-457200">
+              <a:lnSpc>
+                <a:spcPct val="200000"/>
+              </a:lnSpc>
+              <a:buFont typeface="Wingdings" pitchFamily="2" charset="2"/>
+              <a:buChar char="Ø"/>
+            </a:pPr>
+            <a:r>
+              <a:rPr lang="ja-JP" altLang="en-US" sz="2800"/>
+              <a:t>実験</a:t>
+            </a:r>
+            <a:endParaRPr lang="en-US" altLang="ja-JP" sz="2800" dirty="0"/>
+          </a:p>
+          <a:p>
+            <a:pPr marL="457200" indent="-457200">
+              <a:lnSpc>
+                <a:spcPct val="200000"/>
+              </a:lnSpc>
+              <a:buFont typeface="Wingdings" pitchFamily="2" charset="2"/>
+              <a:buChar char="Ø"/>
+            </a:pPr>
+            <a:r>
+              <a:rPr lang="ja-JP" altLang="en-US" sz="2800"/>
+              <a:t>まとめと今後の課題</a:t>
+            </a:r>
+          </a:p>
+        </p:txBody>
+      </p:sp>
+    </p:spTree>
+    <p:extLst>
+      <p:ext uri="{BB962C8B-B14F-4D97-AF65-F5344CB8AC3E}">
+        <p14:creationId xmlns:p14="http://schemas.microsoft.com/office/powerpoint/2010/main" val="934417076"/>
+      </p:ext>
+    </p:extLst>
+  </p:cSld>
+  <p:clrMapOvr>
+    <a:masterClrMapping/>
+  </p:clrMapOvr>
+</p:sld>
+</file>
+
+<file path=ppt/slides/slide20.xml><?xml version="1.0" encoding="utf-8"?>
+<p:sld xmlns:a="http://schemas.openxmlformats.org/drawingml/2006/main" xmlns:r="http://schemas.openxmlformats.org/officeDocument/2006/relationships" xmlns:p="http://schemas.openxmlformats.org/presentationml/2006/main">
+  <p:cSld>
+    <p:spTree>
+      <p:nvGrpSpPr>
+        <p:cNvPr id="1" name=""/>
+        <p:cNvGrpSpPr/>
+        <p:nvPr/>
+      </p:nvGrpSpPr>
+      <p:grpSpPr>
+        <a:xfrm>
+          <a:off x="0" y="0"/>
+          <a:ext cx="0" cy="0"/>
+          <a:chOff x="0" y="0"/>
+          <a:chExt cx="0" cy="0"/>
+        </a:xfrm>
+      </p:grpSpPr>
+      <p:sp>
+        <p:nvSpPr>
+          <p:cNvPr id="2" name="タイトル 1">
+            <a:extLst>
+              <a:ext uri="{FF2B5EF4-FFF2-40B4-BE49-F238E27FC236}">
                 <a16:creationId xmlns:a16="http://schemas.microsoft.com/office/drawing/2014/main" id="{F91DABD0-6E6F-20AC-E27E-DE4CB11AD443}"/>
               </a:ext>
             </a:extLst>
@@ -12168,7 +12922,7 @@
             <a:pPr lvl="0"/>
             <a:fld id="{004900ED-2EFD-2142-93A1-1CBA90FDE07B}" type="slidenum">
               <a:rPr lang="en-US" altLang="ja-JP" smtClean="0"/>
-              <a:t>19</a:t>
+              <a:t>20</a:t>
             </a:fld>
             <a:endParaRPr lang="ja-JP" altLang="en-US"/>
           </a:p>
@@ -12571,7 +13325,7 @@
 </p:sld>
 </file>
 
-<file path=ppt/slides/slide2.xml><?xml version="1.0" encoding="utf-8"?>
+<file path=ppt/slides/slide21.xml><?xml version="1.0" encoding="utf-8"?>
 <p:sld xmlns:a="http://schemas.openxmlformats.org/drawingml/2006/main" xmlns:r="http://schemas.openxmlformats.org/officeDocument/2006/relationships" xmlns:p="http://schemas.openxmlformats.org/presentationml/2006/main">
   <p:cSld>
     <p:spTree>
@@ -12593,178 +13347,6 @@
           <p:cNvPr id="2" name="タイトル 1">
             <a:extLst>
               <a:ext uri="{FF2B5EF4-FFF2-40B4-BE49-F238E27FC236}">
-                <a16:creationId xmlns:a16="http://schemas.microsoft.com/office/drawing/2014/main" id="{DA6841C3-0E6C-BFA1-5D04-4112F1117102}"/>
-              </a:ext>
-            </a:extLst>
-          </p:cNvPr>
-          <p:cNvSpPr>
-            <a:spLocks noGrp="1"/>
-          </p:cNvSpPr>
-          <p:nvPr>
-            <p:ph type="title"/>
-          </p:nvPr>
-        </p:nvSpPr>
-        <p:spPr/>
-        <p:txBody>
-          <a:bodyPr/>
-          <a:lstStyle/>
-          <a:p>
-            <a:r>
-              <a:rPr kumimoji="1" lang="ja-JP" altLang="en-US"/>
-              <a:t>目次</a:t>
-            </a:r>
-          </a:p>
-        </p:txBody>
-      </p:sp>
-      <p:sp>
-        <p:nvSpPr>
-          <p:cNvPr id="4" name="スライド番号プレースホルダー 3">
-            <a:extLst>
-              <a:ext uri="{FF2B5EF4-FFF2-40B4-BE49-F238E27FC236}">
-                <a16:creationId xmlns:a16="http://schemas.microsoft.com/office/drawing/2014/main" id="{20D20625-8135-BA1D-11A0-E3466265CE7C}"/>
-              </a:ext>
-            </a:extLst>
-          </p:cNvPr>
-          <p:cNvSpPr>
-            <a:spLocks noGrp="1"/>
-          </p:cNvSpPr>
-          <p:nvPr>
-            <p:ph type="sldNum" sz="quarter" idx="12"/>
-          </p:nvPr>
-        </p:nvSpPr>
-        <p:spPr/>
-        <p:txBody>
-          <a:bodyPr/>
-          <a:lstStyle/>
-          <a:p>
-            <a:pPr lvl="0"/>
-            <a:fld id="{004900ED-2EFD-2142-93A1-1CBA90FDE07B}" type="slidenum">
-              <a:rPr lang="en-US" altLang="ja-JP" smtClean="0"/>
-              <a:t>2</a:t>
-            </a:fld>
-            <a:endParaRPr lang="ja-JP" altLang="en-US"/>
-          </a:p>
-        </p:txBody>
-      </p:sp>
-      <p:sp>
-        <p:nvSpPr>
-          <p:cNvPr id="3" name="テキスト ボックス 2">
-            <a:extLst>
-              <a:ext uri="{FF2B5EF4-FFF2-40B4-BE49-F238E27FC236}">
-                <a16:creationId xmlns:a16="http://schemas.microsoft.com/office/drawing/2014/main" id="{CFCE3529-0348-FAC9-4C81-ACEA9BA72623}"/>
-              </a:ext>
-            </a:extLst>
-          </p:cNvPr>
-          <p:cNvSpPr txBox="1"/>
-          <p:nvPr/>
-        </p:nvSpPr>
-        <p:spPr>
-          <a:xfrm>
-            <a:off x="519837" y="1411535"/>
-            <a:ext cx="3877985" cy="3425168"/>
-          </a:xfrm>
-          <a:prstGeom prst="rect">
-            <a:avLst/>
-          </a:prstGeom>
-          <a:noFill/>
-        </p:spPr>
-        <p:txBody>
-          <a:bodyPr wrap="none" rtlCol="0">
-            <a:spAutoFit/>
-          </a:bodyPr>
-          <a:lstStyle/>
-          <a:p>
-            <a:pPr marL="457200" indent="-457200">
-              <a:lnSpc>
-                <a:spcPct val="200000"/>
-              </a:lnSpc>
-              <a:buFont typeface="Wingdings" pitchFamily="2" charset="2"/>
-              <a:buChar char="Ø"/>
-            </a:pPr>
-            <a:r>
-              <a:rPr lang="ja-JP" altLang="en-US" sz="2800"/>
-              <a:t>はじめに</a:t>
-            </a:r>
-            <a:endParaRPr lang="en-US" altLang="ja-JP" sz="2800" dirty="0"/>
-          </a:p>
-          <a:p>
-            <a:pPr marL="457200" indent="-457200">
-              <a:lnSpc>
-                <a:spcPct val="200000"/>
-              </a:lnSpc>
-              <a:buFont typeface="Wingdings" pitchFamily="2" charset="2"/>
-              <a:buChar char="Ø"/>
-            </a:pPr>
-            <a:r>
-              <a:rPr lang="ja-JP" altLang="en-US" sz="2800"/>
-              <a:t>要素技術</a:t>
-            </a:r>
-            <a:endParaRPr lang="en-US" altLang="ja-JP" sz="2800" dirty="0"/>
-          </a:p>
-          <a:p>
-            <a:pPr marL="457200" indent="-457200">
-              <a:lnSpc>
-                <a:spcPct val="200000"/>
-              </a:lnSpc>
-              <a:buFont typeface="Wingdings" pitchFamily="2" charset="2"/>
-              <a:buChar char="Ø"/>
-            </a:pPr>
-            <a:r>
-              <a:rPr lang="ja-JP" altLang="en-US" sz="2800"/>
-              <a:t>実験</a:t>
-            </a:r>
-            <a:endParaRPr lang="en-US" altLang="ja-JP" sz="2800" dirty="0"/>
-          </a:p>
-          <a:p>
-            <a:pPr marL="457200" indent="-457200">
-              <a:lnSpc>
-                <a:spcPct val="200000"/>
-              </a:lnSpc>
-              <a:buFont typeface="Wingdings" pitchFamily="2" charset="2"/>
-              <a:buChar char="Ø"/>
-            </a:pPr>
-            <a:r>
-              <a:rPr lang="ja-JP" altLang="en-US" sz="2800"/>
-              <a:t>まとめと今後の課題</a:t>
-            </a:r>
-          </a:p>
-        </p:txBody>
-      </p:sp>
-    </p:spTree>
-    <p:extLst>
-      <p:ext uri="{BB962C8B-B14F-4D97-AF65-F5344CB8AC3E}">
-        <p14:creationId xmlns:p14="http://schemas.microsoft.com/office/powerpoint/2010/main" val="934417076"/>
-      </p:ext>
-    </p:extLst>
-  </p:cSld>
-  <p:clrMapOvr>
-    <a:masterClrMapping/>
-  </p:clrMapOvr>
-</p:sld>
-</file>
-
-<file path=ppt/slides/slide20.xml><?xml version="1.0" encoding="utf-8"?>
-<p:sld xmlns:a="http://schemas.openxmlformats.org/drawingml/2006/main" xmlns:r="http://schemas.openxmlformats.org/officeDocument/2006/relationships" xmlns:p="http://schemas.openxmlformats.org/presentationml/2006/main">
-  <p:cSld>
-    <p:spTree>
-      <p:nvGrpSpPr>
-        <p:cNvPr id="1" name=""/>
-        <p:cNvGrpSpPr/>
-        <p:nvPr/>
-      </p:nvGrpSpPr>
-      <p:grpSpPr>
-        <a:xfrm>
-          <a:off x="0" y="0"/>
-          <a:ext cx="0" cy="0"/>
-          <a:chOff x="0" y="0"/>
-          <a:chExt cx="0" cy="0"/>
-        </a:xfrm>
-      </p:grpSpPr>
-      <p:sp>
-        <p:nvSpPr>
-          <p:cNvPr id="2" name="タイトル 1">
-            <a:extLst>
-              <a:ext uri="{FF2B5EF4-FFF2-40B4-BE49-F238E27FC236}">
                 <a16:creationId xmlns:a16="http://schemas.microsoft.com/office/drawing/2014/main" id="{F91DABD0-6E6F-20AC-E27E-DE4CB11AD443}"/>
               </a:ext>
             </a:extLst>
@@ -12817,7 +13399,7 @@
             <a:pPr lvl="0"/>
             <a:fld id="{004900ED-2EFD-2142-93A1-1CBA90FDE07B}" type="slidenum">
               <a:rPr lang="en-US" altLang="ja-JP" smtClean="0"/>
-              <a:t>20</a:t>
+              <a:t>21</a:t>
             </a:fld>
             <a:endParaRPr lang="ja-JP" altLang="en-US"/>
           </a:p>
@@ -14631,7 +15213,7 @@
 </p:sld>
 </file>
 
-<file path=ppt/slides/slide21.xml><?xml version="1.0" encoding="utf-8"?>
+<file path=ppt/slides/slide22.xml><?xml version="1.0" encoding="utf-8"?>
 <p:sld xmlns:a="http://schemas.openxmlformats.org/drawingml/2006/main" xmlns:r="http://schemas.openxmlformats.org/officeDocument/2006/relationships" xmlns:p="http://schemas.openxmlformats.org/presentationml/2006/main">
   <p:cSld>
     <p:spTree>
@@ -14709,7 +15291,7 @@
             <a:pPr lvl="0"/>
             <a:fld id="{004900ED-2EFD-2142-93A1-1CBA90FDE07B}" type="slidenum">
               <a:rPr lang="en-US" altLang="ja-JP" smtClean="0"/>
-              <a:t>21</a:t>
+              <a:t>22</a:t>
             </a:fld>
             <a:endParaRPr lang="ja-JP" altLang="en-US"/>
           </a:p>
@@ -15196,7 +15778,7 @@
 </p:sld>
 </file>
 
-<file path=ppt/slides/slide22.xml><?xml version="1.0" encoding="utf-8"?>
+<file path=ppt/slides/slide23.xml><?xml version="1.0" encoding="utf-8"?>
 <p:sld xmlns:a="http://schemas.openxmlformats.org/drawingml/2006/main" xmlns:r="http://schemas.openxmlformats.org/officeDocument/2006/relationships" xmlns:p="http://schemas.openxmlformats.org/presentationml/2006/main">
   <p:cSld>
     <p:spTree>
@@ -15266,7 +15848,7 @@
             <a:pPr lvl="0"/>
             <a:fld id="{004900ED-2EFD-2142-93A1-1CBA90FDE07B}" type="slidenum">
               <a:rPr lang="en-US" altLang="ja-JP" smtClean="0"/>
-              <a:t>22</a:t>
+              <a:t>23</a:t>
             </a:fld>
             <a:endParaRPr lang="ja-JP" altLang="en-US"/>
           </a:p>
@@ -15475,7 +16057,7 @@
 </p:sld>
 </file>
 
-<file path=ppt/slides/slide23.xml><?xml version="1.0" encoding="utf-8"?>
+<file path=ppt/slides/slide24.xml><?xml version="1.0" encoding="utf-8"?>
 <p:sld xmlns:a="http://schemas.openxmlformats.org/drawingml/2006/main" xmlns:r="http://schemas.openxmlformats.org/officeDocument/2006/relationships" xmlns:p="http://schemas.openxmlformats.org/presentationml/2006/main">
   <p:cSld>
     <p:spTree>
@@ -15562,7 +16144,7 @@
             <a:pPr lvl="0"/>
             <a:fld id="{004900ED-2EFD-2142-93A1-1CBA90FDE07B}" type="slidenum">
               <a:rPr lang="en-US" altLang="ja-JP" smtClean="0"/>
-              <a:t>23</a:t>
+              <a:t>24</a:t>
             </a:fld>
             <a:endParaRPr lang="ja-JP" altLang="en-US"/>
           </a:p>
@@ -16617,7 +17199,7 @@
 </p:sld>
 </file>
 
-<file path=ppt/slides/slide24.xml><?xml version="1.0" encoding="utf-8"?>
+<file path=ppt/slides/slide25.xml><?xml version="1.0" encoding="utf-8"?>
 <p:sld xmlns:a="http://schemas.openxmlformats.org/drawingml/2006/main" xmlns:r="http://schemas.openxmlformats.org/officeDocument/2006/relationships" xmlns:p="http://schemas.openxmlformats.org/presentationml/2006/main">
   <p:cSld>
     <p:spTree>
@@ -16699,7 +17281,7 @@
             <a:pPr lvl="0"/>
             <a:fld id="{004900ED-2EFD-2142-93A1-1CBA90FDE07B}" type="slidenum">
               <a:rPr lang="en-US" altLang="ja-JP" smtClean="0"/>
-              <a:t>24</a:t>
+              <a:t>25</a:t>
             </a:fld>
             <a:endParaRPr lang="ja-JP" altLang="en-US"/>
           </a:p>
@@ -16842,7 +17424,7 @@
 </p:sld>
 </file>
 
-<file path=ppt/slides/slide25.xml><?xml version="1.0" encoding="utf-8"?>
+<file path=ppt/slides/slide26.xml><?xml version="1.0" encoding="utf-8"?>
 <p:sld xmlns:a="http://schemas.openxmlformats.org/drawingml/2006/main" xmlns:r="http://schemas.openxmlformats.org/officeDocument/2006/relationships" xmlns:p="http://schemas.openxmlformats.org/presentationml/2006/main">
   <p:cSld>
     <p:spTree>
@@ -16929,7 +17511,7 @@
             <a:pPr lvl="0"/>
             <a:fld id="{004900ED-2EFD-2142-93A1-1CBA90FDE07B}" type="slidenum">
               <a:rPr lang="en-US" altLang="ja-JP" smtClean="0"/>
-              <a:t>25</a:t>
+              <a:t>26</a:t>
             </a:fld>
             <a:endParaRPr lang="ja-JP" altLang="en-US"/>
           </a:p>
@@ -17625,7 +18207,7 @@
 </p:sld>
 </file>
 
-<file path=ppt/slides/slide26.xml><?xml version="1.0" encoding="utf-8"?>
+<file path=ppt/slides/slide27.xml><?xml version="1.0" encoding="utf-8"?>
 <p:sld xmlns:a="http://schemas.openxmlformats.org/drawingml/2006/main" xmlns:r="http://schemas.openxmlformats.org/officeDocument/2006/relationships" xmlns:p="http://schemas.openxmlformats.org/presentationml/2006/main">
   <p:cSld>
     <p:spTree>
@@ -17707,7 +18289,7 @@
             <a:pPr lvl="0"/>
             <a:fld id="{004900ED-2EFD-2142-93A1-1CBA90FDE07B}" type="slidenum">
               <a:rPr lang="en-US" altLang="ja-JP" smtClean="0"/>
-              <a:t>26</a:t>
+              <a:t>27</a:t>
             </a:fld>
             <a:endParaRPr lang="ja-JP" altLang="en-US"/>
           </a:p>
@@ -17924,214 +18506,6 @@
 </p:sld>
 </file>
 
-<file path=ppt/slides/slide27.xml><?xml version="1.0" encoding="utf-8"?>
-<p:sld xmlns:a="http://schemas.openxmlformats.org/drawingml/2006/main" xmlns:r="http://schemas.openxmlformats.org/officeDocument/2006/relationships" xmlns:p="http://schemas.openxmlformats.org/presentationml/2006/main">
-  <p:cSld>
-    <p:spTree>
-      <p:nvGrpSpPr>
-        <p:cNvPr id="1" name=""/>
-        <p:cNvGrpSpPr/>
-        <p:nvPr/>
-      </p:nvGrpSpPr>
-      <p:grpSpPr>
-        <a:xfrm>
-          <a:off x="0" y="0"/>
-          <a:ext cx="0" cy="0"/>
-          <a:chOff x="0" y="0"/>
-          <a:chExt cx="0" cy="0"/>
-        </a:xfrm>
-      </p:grpSpPr>
-      <p:sp>
-        <p:nvSpPr>
-          <p:cNvPr id="2" name="タイトル 1">
-            <a:extLst>
-              <a:ext uri="{FF2B5EF4-FFF2-40B4-BE49-F238E27FC236}">
-                <a16:creationId xmlns:a16="http://schemas.microsoft.com/office/drawing/2014/main" id="{DA6841C3-0E6C-BFA1-5D04-4112F1117102}"/>
-              </a:ext>
-            </a:extLst>
-          </p:cNvPr>
-          <p:cNvSpPr>
-            <a:spLocks noGrp="1"/>
-          </p:cNvSpPr>
-          <p:nvPr>
-            <p:ph type="title"/>
-          </p:nvPr>
-        </p:nvSpPr>
-        <p:spPr/>
-        <p:txBody>
-          <a:bodyPr/>
-          <a:lstStyle/>
-          <a:p>
-            <a:r>
-              <a:rPr kumimoji="1" lang="ja-JP" altLang="en-US"/>
-              <a:t>目次</a:t>
-            </a:r>
-          </a:p>
-        </p:txBody>
-      </p:sp>
-      <p:sp>
-        <p:nvSpPr>
-          <p:cNvPr id="4" name="スライド番号プレースホルダー 3">
-            <a:extLst>
-              <a:ext uri="{FF2B5EF4-FFF2-40B4-BE49-F238E27FC236}">
-                <a16:creationId xmlns:a16="http://schemas.microsoft.com/office/drawing/2014/main" id="{20D20625-8135-BA1D-11A0-E3466265CE7C}"/>
-              </a:ext>
-            </a:extLst>
-          </p:cNvPr>
-          <p:cNvSpPr>
-            <a:spLocks noGrp="1"/>
-          </p:cNvSpPr>
-          <p:nvPr>
-            <p:ph type="sldNum" sz="quarter" idx="12"/>
-          </p:nvPr>
-        </p:nvSpPr>
-        <p:spPr/>
-        <p:txBody>
-          <a:bodyPr/>
-          <a:lstStyle/>
-          <a:p>
-            <a:pPr lvl="0"/>
-            <a:fld id="{004900ED-2EFD-2142-93A1-1CBA90FDE07B}" type="slidenum">
-              <a:rPr lang="en-US" altLang="ja-JP" smtClean="0"/>
-              <a:t>27</a:t>
-            </a:fld>
-            <a:endParaRPr lang="ja-JP" altLang="en-US"/>
-          </a:p>
-        </p:txBody>
-      </p:sp>
-      <p:sp>
-        <p:nvSpPr>
-          <p:cNvPr id="3" name="テキスト ボックス 2">
-            <a:extLst>
-              <a:ext uri="{FF2B5EF4-FFF2-40B4-BE49-F238E27FC236}">
-                <a16:creationId xmlns:a16="http://schemas.microsoft.com/office/drawing/2014/main" id="{CFCE3529-0348-FAC9-4C81-ACEA9BA72623}"/>
-              </a:ext>
-            </a:extLst>
-          </p:cNvPr>
-          <p:cNvSpPr txBox="1"/>
-          <p:nvPr/>
-        </p:nvSpPr>
-        <p:spPr>
-          <a:xfrm>
-            <a:off x="519837" y="1411535"/>
-            <a:ext cx="3877985" cy="3425168"/>
-          </a:xfrm>
-          <a:prstGeom prst="rect">
-            <a:avLst/>
-          </a:prstGeom>
-          <a:noFill/>
-        </p:spPr>
-        <p:txBody>
-          <a:bodyPr wrap="none" rtlCol="0">
-            <a:spAutoFit/>
-          </a:bodyPr>
-          <a:lstStyle/>
-          <a:p>
-            <a:pPr marL="457200" indent="-457200">
-              <a:lnSpc>
-                <a:spcPct val="200000"/>
-              </a:lnSpc>
-              <a:buFont typeface="Wingdings" pitchFamily="2" charset="2"/>
-              <a:buChar char="Ø"/>
-            </a:pPr>
-            <a:r>
-              <a:rPr lang="ja-JP" altLang="en-US" sz="2800">
-                <a:solidFill>
-                  <a:schemeClr val="bg2">
-                    <a:lumMod val="90000"/>
-                  </a:schemeClr>
-                </a:solidFill>
-              </a:rPr>
-              <a:t>はじめに</a:t>
-            </a:r>
-            <a:endParaRPr lang="en-US" altLang="ja-JP" sz="2800" dirty="0">
-              <a:solidFill>
-                <a:schemeClr val="bg2">
-                  <a:lumMod val="90000"/>
-                </a:schemeClr>
-              </a:solidFill>
-            </a:endParaRPr>
-          </a:p>
-          <a:p>
-            <a:pPr marL="457200" indent="-457200">
-              <a:lnSpc>
-                <a:spcPct val="200000"/>
-              </a:lnSpc>
-              <a:buFont typeface="Wingdings" pitchFamily="2" charset="2"/>
-              <a:buChar char="Ø"/>
-            </a:pPr>
-            <a:r>
-              <a:rPr lang="ja-JP" altLang="en-US" sz="2800">
-                <a:solidFill>
-                  <a:schemeClr val="bg2">
-                    <a:lumMod val="90000"/>
-                  </a:schemeClr>
-                </a:solidFill>
-              </a:rPr>
-              <a:t>要素技術</a:t>
-            </a:r>
-            <a:endParaRPr lang="en-US" altLang="ja-JP" sz="2800" dirty="0">
-              <a:solidFill>
-                <a:schemeClr val="bg2">
-                  <a:lumMod val="90000"/>
-                </a:schemeClr>
-              </a:solidFill>
-            </a:endParaRPr>
-          </a:p>
-          <a:p>
-            <a:pPr marL="457200" indent="-457200">
-              <a:lnSpc>
-                <a:spcPct val="200000"/>
-              </a:lnSpc>
-              <a:buFont typeface="Wingdings" pitchFamily="2" charset="2"/>
-              <a:buChar char="Ø"/>
-            </a:pPr>
-            <a:r>
-              <a:rPr lang="ja-JP" altLang="en-US" sz="2800">
-                <a:solidFill>
-                  <a:schemeClr val="bg2">
-                    <a:lumMod val="90000"/>
-                  </a:schemeClr>
-                </a:solidFill>
-              </a:rPr>
-              <a:t>実験</a:t>
-            </a:r>
-            <a:endParaRPr lang="en-US" altLang="ja-JP" sz="2800" dirty="0">
-              <a:solidFill>
-                <a:schemeClr val="bg2">
-                  <a:lumMod val="90000"/>
-                </a:schemeClr>
-              </a:solidFill>
-            </a:endParaRPr>
-          </a:p>
-          <a:p>
-            <a:pPr marL="457200" indent="-457200">
-              <a:lnSpc>
-                <a:spcPct val="200000"/>
-              </a:lnSpc>
-              <a:buFont typeface="Wingdings" pitchFamily="2" charset="2"/>
-              <a:buChar char="Ø"/>
-            </a:pPr>
-            <a:r>
-              <a:rPr lang="ja-JP" altLang="en-US" sz="2800"/>
-              <a:t>まとめと今後の課題</a:t>
-            </a:r>
-          </a:p>
-        </p:txBody>
-      </p:sp>
-    </p:spTree>
-    <p:extLst>
-      <p:ext uri="{BB962C8B-B14F-4D97-AF65-F5344CB8AC3E}">
-        <p14:creationId xmlns:p14="http://schemas.microsoft.com/office/powerpoint/2010/main" val="3446675668"/>
-      </p:ext>
-    </p:extLst>
-  </p:cSld>
-  <p:clrMapOvr>
-    <a:masterClrMapping/>
-  </p:clrMapOvr>
-</p:sld>
-</file>
-
 <file path=ppt/slides/slide28.xml><?xml version="1.0" encoding="utf-8"?>
 <p:sld xmlns:a="http://schemas.openxmlformats.org/drawingml/2006/main" xmlns:r="http://schemas.openxmlformats.org/officeDocument/2006/relationships" xmlns:p="http://schemas.openxmlformats.org/presentationml/2006/main">
   <p:cSld>
@@ -18154,7 +18528,7 @@
           <p:cNvPr id="2" name="タイトル 1">
             <a:extLst>
               <a:ext uri="{FF2B5EF4-FFF2-40B4-BE49-F238E27FC236}">
-                <a16:creationId xmlns:a16="http://schemas.microsoft.com/office/drawing/2014/main" id="{92E1818A-6257-83DC-5978-0987833647E4}"/>
+                <a16:creationId xmlns:a16="http://schemas.microsoft.com/office/drawing/2014/main" id="{DA6841C3-0E6C-BFA1-5D04-4112F1117102}"/>
               </a:ext>
             </a:extLst>
           </p:cNvPr>
@@ -18172,17 +18546,17 @@
           <a:p>
             <a:r>
               <a:rPr kumimoji="1" lang="ja-JP" altLang="en-US"/>
-              <a:t>まとめ</a:t>
-            </a:r>
-          </a:p>
-        </p:txBody>
-      </p:sp>
-      <p:sp>
-        <p:nvSpPr>
-          <p:cNvPr id="3" name="スライド番号プレースホルダー 2">
+              <a:t>目次</a:t>
+            </a:r>
+          </a:p>
+        </p:txBody>
+      </p:sp>
+      <p:sp>
+        <p:nvSpPr>
+          <p:cNvPr id="4" name="スライド番号プレースホルダー 3">
             <a:extLst>
               <a:ext uri="{FF2B5EF4-FFF2-40B4-BE49-F238E27FC236}">
-                <a16:creationId xmlns:a16="http://schemas.microsoft.com/office/drawing/2014/main" id="{440990CF-96E4-95D0-8AE4-E8E0DDC45909}"/>
+                <a16:creationId xmlns:a16="http://schemas.microsoft.com/office/drawing/2014/main" id="{20D20625-8135-BA1D-11A0-E3466265CE7C}"/>
               </a:ext>
             </a:extLst>
           </p:cNvPr>
@@ -18209,10 +18583,10 @@
       </p:sp>
       <p:sp>
         <p:nvSpPr>
-          <p:cNvPr id="4" name="テキスト ボックス 3">
+          <p:cNvPr id="3" name="テキスト ボックス 2">
             <a:extLst>
               <a:ext uri="{FF2B5EF4-FFF2-40B4-BE49-F238E27FC236}">
-                <a16:creationId xmlns:a16="http://schemas.microsoft.com/office/drawing/2014/main" id="{CB4DFCA2-9786-ED38-8FB0-8B2BBDFB673F}"/>
+                <a16:creationId xmlns:a16="http://schemas.microsoft.com/office/drawing/2014/main" id="{CFCE3529-0348-FAC9-4C81-ACEA9BA72623}"/>
               </a:ext>
             </a:extLst>
           </p:cNvPr>
@@ -18221,8 +18595,8 @@
         </p:nvSpPr>
         <p:spPr>
           <a:xfrm>
-            <a:off x="508868" y="1502121"/>
-            <a:ext cx="6532558" cy="3046988"/>
+            <a:off x="519837" y="1411535"/>
+            <a:ext cx="3877985" cy="3425168"/>
           </a:xfrm>
           <a:prstGeom prst="rect">
             <a:avLst/>
@@ -18235,92 +18609,102 @@
           </a:bodyPr>
           <a:lstStyle/>
           <a:p>
-            <a:pPr marL="342900" indent="-342900">
+            <a:pPr marL="457200" indent="-457200">
+              <a:lnSpc>
+                <a:spcPct val="200000"/>
+              </a:lnSpc>
               <a:buFont typeface="Wingdings" pitchFamily="2" charset="2"/>
-              <a:buChar char="p"/>
+              <a:buChar char="Ø"/>
             </a:pPr>
             <a:r>
-              <a:rPr kumimoji="1" lang="ja-JP" altLang="en-US" sz="2400"/>
-              <a:t>本実験で確認できたこと</a:t>
-            </a:r>
-            <a:endParaRPr kumimoji="1" lang="en-US" altLang="ja-JP" sz="2400" dirty="0"/>
-          </a:p>
-          <a:p>
-            <a:pPr marL="285750" indent="-285750">
+              <a:rPr lang="ja-JP" altLang="en-US" sz="2800">
+                <a:solidFill>
+                  <a:schemeClr val="bg2">
+                    <a:lumMod val="90000"/>
+                  </a:schemeClr>
+                </a:solidFill>
+              </a:rPr>
+              <a:t>はじめに</a:t>
+            </a:r>
+            <a:endParaRPr lang="en-US" altLang="ja-JP" sz="2800" dirty="0">
+              <a:solidFill>
+                <a:schemeClr val="bg2">
+                  <a:lumMod val="90000"/>
+                </a:schemeClr>
+              </a:solidFill>
+            </a:endParaRPr>
+          </a:p>
+          <a:p>
+            <a:pPr marL="457200" indent="-457200">
+              <a:lnSpc>
+                <a:spcPct val="200000"/>
+              </a:lnSpc>
               <a:buFont typeface="Wingdings" pitchFamily="2" charset="2"/>
-              <a:buChar char="p"/>
+              <a:buChar char="Ø"/>
             </a:pPr>
-            <a:endParaRPr kumimoji="1" lang="en-US" altLang="ja-JP" sz="2400" dirty="0"/>
-          </a:p>
-          <a:p>
-            <a:pPr marL="800100" lvl="1" indent="-342900">
+            <a:r>
+              <a:rPr lang="ja-JP" altLang="en-US" sz="2800">
+                <a:solidFill>
+                  <a:schemeClr val="bg2">
+                    <a:lumMod val="90000"/>
+                  </a:schemeClr>
+                </a:solidFill>
+              </a:rPr>
+              <a:t>要素技術</a:t>
+            </a:r>
+            <a:endParaRPr lang="en-US" altLang="ja-JP" sz="2800" dirty="0">
+              <a:solidFill>
+                <a:schemeClr val="bg2">
+                  <a:lumMod val="90000"/>
+                </a:schemeClr>
+              </a:solidFill>
+            </a:endParaRPr>
+          </a:p>
+          <a:p>
+            <a:pPr marL="457200" indent="-457200">
+              <a:lnSpc>
+                <a:spcPct val="200000"/>
+              </a:lnSpc>
               <a:buFont typeface="Wingdings" pitchFamily="2" charset="2"/>
-              <a:buChar char="p"/>
+              <a:buChar char="Ø"/>
             </a:pPr>
             <a:r>
-              <a:rPr lang="en-US" altLang="ja-JP" sz="2400" dirty="0"/>
-              <a:t>1 </a:t>
-            </a:r>
-            <a:r>
-              <a:rPr lang="ja-JP" altLang="en-US" sz="2400"/>
-              <a:t>エポックよりも，適応度評価に</a:t>
-            </a:r>
-            <a:br>
-              <a:rPr lang="en-US" altLang="ja-JP" sz="2400" dirty="0"/>
-            </a:br>
-            <a:r>
-              <a:rPr lang="ja-JP" altLang="en-US" sz="2400"/>
-              <a:t>最適なエポック数がある</a:t>
-            </a:r>
-            <a:endParaRPr lang="en-US" altLang="ja-JP" sz="2400" dirty="0"/>
-          </a:p>
-          <a:p>
-            <a:pPr marL="742950" lvl="1" indent="-285750">
+              <a:rPr lang="ja-JP" altLang="en-US" sz="2800">
+                <a:solidFill>
+                  <a:schemeClr val="bg2">
+                    <a:lumMod val="90000"/>
+                  </a:schemeClr>
+                </a:solidFill>
+              </a:rPr>
+              <a:t>実験</a:t>
+            </a:r>
+            <a:endParaRPr lang="en-US" altLang="ja-JP" sz="2800" dirty="0">
+              <a:solidFill>
+                <a:schemeClr val="bg2">
+                  <a:lumMod val="90000"/>
+                </a:schemeClr>
+              </a:solidFill>
+            </a:endParaRPr>
+          </a:p>
+          <a:p>
+            <a:pPr marL="457200" indent="-457200">
+              <a:lnSpc>
+                <a:spcPct val="200000"/>
+              </a:lnSpc>
               <a:buFont typeface="Wingdings" pitchFamily="2" charset="2"/>
-              <a:buChar char="p"/>
+              <a:buChar char="Ø"/>
             </a:pPr>
-            <a:endParaRPr lang="en-US" altLang="ja-JP" sz="2400" dirty="0"/>
-          </a:p>
-          <a:p>
-            <a:pPr marL="800100" lvl="1" indent="-342900">
-              <a:buFont typeface="Wingdings" pitchFamily="2" charset="2"/>
-              <a:buChar char="p"/>
-            </a:pPr>
-            <a:r>
-              <a:rPr lang="ja-JP" altLang="en-US" sz="2400" b="0" i="0">
-                <a:effectLst/>
-                <a:latin typeface="Courier New" panose="02070309020205020404" pitchFamily="49" charset="0"/>
-              </a:rPr>
-              <a:t>探索終盤に適応度評価エポック数</a:t>
-            </a:r>
-            <a:br>
-              <a:rPr lang="en-US" altLang="ja-JP" sz="2400" b="0" i="0" dirty="0">
-                <a:effectLst/>
-                <a:latin typeface="Courier New" panose="02070309020205020404" pitchFamily="49" charset="0"/>
-              </a:rPr>
-            </a:br>
-            <a:r>
-              <a:rPr lang="ja-JP" altLang="en-US" sz="2400" b="0" i="0">
-                <a:effectLst/>
-                <a:latin typeface="Courier New" panose="02070309020205020404" pitchFamily="49" charset="0"/>
-              </a:rPr>
-              <a:t>を増やす方が，より良い個体が得られる</a:t>
-            </a:r>
-            <a:endParaRPr lang="en-US" altLang="ja-JP" sz="2400" dirty="0"/>
-          </a:p>
-          <a:p>
-            <a:pPr marL="742950" lvl="1" indent="-285750">
-              <a:buFont typeface="Wingdings" pitchFamily="2" charset="2"/>
-              <a:buChar char="p"/>
-            </a:pPr>
-            <a:endParaRPr lang="en-US" altLang="ja-JP" sz="2400" dirty="0"/>
+            <a:r>
+              <a:rPr lang="ja-JP" altLang="en-US" sz="2800"/>
+              <a:t>まとめと今後の課題</a:t>
+            </a:r>
           </a:p>
         </p:txBody>
       </p:sp>
     </p:spTree>
     <p:extLst>
       <p:ext uri="{BB962C8B-B14F-4D97-AF65-F5344CB8AC3E}">
-        <p14:creationId xmlns:p14="http://schemas.microsoft.com/office/powerpoint/2010/main" val="606463391"/>
+        <p14:creationId xmlns:p14="http://schemas.microsoft.com/office/powerpoint/2010/main" val="3446675668"/>
       </p:ext>
     </p:extLst>
   </p:cSld>
@@ -18352,7 +18736,7 @@
           <p:cNvPr id="2" name="タイトル 1">
             <a:extLst>
               <a:ext uri="{FF2B5EF4-FFF2-40B4-BE49-F238E27FC236}">
-                <a16:creationId xmlns:a16="http://schemas.microsoft.com/office/drawing/2014/main" id="{F73A681B-9F7A-FD3A-C0DB-D668DC6CB442}"/>
+                <a16:creationId xmlns:a16="http://schemas.microsoft.com/office/drawing/2014/main" id="{92E1818A-6257-83DC-5978-0987833647E4}"/>
               </a:ext>
             </a:extLst>
           </p:cNvPr>
@@ -18370,7 +18754,7 @@
           <a:p>
             <a:r>
               <a:rPr kumimoji="1" lang="ja-JP" altLang="en-US"/>
-              <a:t>今後の課題</a:t>
+              <a:t>まとめ</a:t>
             </a:r>
           </a:p>
         </p:txBody>
@@ -18380,7 +18764,7 @@
           <p:cNvPr id="3" name="スライド番号プレースホルダー 2">
             <a:extLst>
               <a:ext uri="{FF2B5EF4-FFF2-40B4-BE49-F238E27FC236}">
-                <a16:creationId xmlns:a16="http://schemas.microsoft.com/office/drawing/2014/main" id="{B50A2E12-D87F-ACB4-3589-F66EE66E8E55}"/>
+                <a16:creationId xmlns:a16="http://schemas.microsoft.com/office/drawing/2014/main" id="{440990CF-96E4-95D0-8AE4-E8E0DDC45909}"/>
               </a:ext>
             </a:extLst>
           </p:cNvPr>
@@ -18410,7 +18794,7 @@
           <p:cNvPr id="4" name="テキスト ボックス 3">
             <a:extLst>
               <a:ext uri="{FF2B5EF4-FFF2-40B4-BE49-F238E27FC236}">
-                <a16:creationId xmlns:a16="http://schemas.microsoft.com/office/drawing/2014/main" id="{881C93FD-A020-C881-1531-CA4C08B40DAF}"/>
+                <a16:creationId xmlns:a16="http://schemas.microsoft.com/office/drawing/2014/main" id="{CB4DFCA2-9786-ED38-8FB0-8B2BBDFB673F}"/>
               </a:ext>
             </a:extLst>
           </p:cNvPr>
@@ -18419,8 +18803,8 @@
         </p:nvSpPr>
         <p:spPr>
           <a:xfrm>
-            <a:off x="519837" y="1865779"/>
-            <a:ext cx="6774611" cy="1938992"/>
+            <a:off x="508868" y="1502121"/>
+            <a:ext cx="6532558" cy="3046988"/>
           </a:xfrm>
           <a:prstGeom prst="rect">
             <a:avLst/>
@@ -18439,18 +18823,7 @@
             </a:pPr>
             <a:r>
               <a:rPr kumimoji="1" lang="ja-JP" altLang="en-US" sz="2400"/>
-              <a:t>試行回数を増やす</a:t>
-            </a:r>
-            <a:br>
-              <a:rPr kumimoji="1" lang="en-US" altLang="ja-JP" sz="2400" dirty="0"/>
-            </a:br>
-            <a:r>
-              <a:rPr kumimoji="1" lang="en-US" altLang="ja-JP" sz="2400" dirty="0"/>
-              <a:t>→ </a:t>
-            </a:r>
-            <a:r>
-              <a:rPr kumimoji="1" lang="ja-JP" altLang="en-US" sz="2400"/>
-              <a:t>適応度評価手法ごとの信頼区間を調査する</a:t>
+              <a:t>本実験で確認できたこと</a:t>
             </a:r>
             <a:endParaRPr kumimoji="1" lang="en-US" altLang="ja-JP" sz="2400" dirty="0"/>
           </a:p>
@@ -18459,39 +18832,74 @@
               <a:buFont typeface="Wingdings" pitchFamily="2" charset="2"/>
               <a:buChar char="p"/>
             </a:pPr>
-            <a:endParaRPr lang="en-US" altLang="ja-JP" sz="2400" dirty="0"/>
-          </a:p>
-          <a:p>
-            <a:pPr marL="342900" indent="-342900">
+            <a:endParaRPr kumimoji="1" lang="en-US" altLang="ja-JP" sz="2400" dirty="0"/>
+          </a:p>
+          <a:p>
+            <a:pPr marL="800100" lvl="1" indent="-342900">
               <a:buFont typeface="Wingdings" pitchFamily="2" charset="2"/>
               <a:buChar char="p"/>
             </a:pPr>
             <a:r>
-              <a:rPr kumimoji="1" lang="ja-JP" altLang="en-US" sz="2400"/>
-              <a:t>様々な条件下で実験するときの適応度評価</a:t>
+              <a:rPr lang="en-US" altLang="ja-JP" sz="2400" dirty="0"/>
+              <a:t>1 </a:t>
+            </a:r>
+            <a:r>
+              <a:rPr lang="ja-JP" altLang="en-US" sz="2400"/>
+              <a:t>エポックよりも，適応度評価に</a:t>
             </a:r>
             <a:br>
-              <a:rPr kumimoji="1" lang="en-US" altLang="ja-JP" sz="2400" dirty="0"/>
+              <a:rPr lang="en-US" altLang="ja-JP" sz="2400" dirty="0"/>
             </a:br>
             <a:r>
-              <a:rPr kumimoji="1" lang="ja-JP" altLang="en-US" sz="2400"/>
-              <a:t>エポック数最適化手法を</a:t>
-            </a:r>
-            <a:r>
               <a:rPr lang="ja-JP" altLang="en-US" sz="2400"/>
-              <a:t>提案</a:t>
-            </a:r>
-            <a:r>
-              <a:rPr kumimoji="1" lang="ja-JP" altLang="en-US" sz="2400"/>
-              <a:t>する</a:t>
-            </a:r>
+              <a:t>最適なエポック数がある</a:t>
+            </a:r>
+            <a:endParaRPr lang="en-US" altLang="ja-JP" sz="2400" dirty="0"/>
+          </a:p>
+          <a:p>
+            <a:pPr lvl="1"/>
+            <a:endParaRPr lang="en-US" altLang="ja-JP" sz="2400" dirty="0"/>
+          </a:p>
+          <a:p>
+            <a:pPr marL="800100" lvl="1" indent="-342900">
+              <a:buFont typeface="Wingdings" pitchFamily="2" charset="2"/>
+              <a:buChar char="p"/>
+            </a:pPr>
+            <a:r>
+              <a:rPr lang="ja-JP" altLang="en-US" sz="2400" b="0" i="0">
+                <a:effectLst/>
+                <a:latin typeface="Courier New" panose="02070309020205020404" pitchFamily="49" charset="0"/>
+              </a:rPr>
+              <a:t>探索終盤に適応度評価エポック数</a:t>
+            </a:r>
+            <a:br>
+              <a:rPr lang="en-US" altLang="ja-JP" sz="2400" b="0" i="0" dirty="0">
+                <a:effectLst/>
+                <a:latin typeface="Courier New" panose="02070309020205020404" pitchFamily="49" charset="0"/>
+              </a:rPr>
+            </a:br>
+            <a:r>
+              <a:rPr lang="ja-JP" altLang="en-US" sz="2400" b="0" i="0">
+                <a:effectLst/>
+                <a:latin typeface="Courier New" panose="02070309020205020404" pitchFamily="49" charset="0"/>
+              </a:rPr>
+              <a:t>を増やす方が，より良い個体が得られる</a:t>
+            </a:r>
+            <a:endParaRPr lang="en-US" altLang="ja-JP" sz="2400" dirty="0"/>
+          </a:p>
+          <a:p>
+            <a:pPr marL="742950" lvl="1" indent="-285750">
+              <a:buFont typeface="Wingdings" pitchFamily="2" charset="2"/>
+              <a:buChar char="p"/>
+            </a:pPr>
+            <a:endParaRPr lang="en-US" altLang="ja-JP" sz="2400" dirty="0"/>
           </a:p>
         </p:txBody>
       </p:sp>
     </p:spTree>
     <p:extLst>
       <p:ext uri="{BB962C8B-B14F-4D97-AF65-F5344CB8AC3E}">
-        <p14:creationId xmlns:p14="http://schemas.microsoft.com/office/powerpoint/2010/main" val="2610326470"/>
+        <p14:creationId xmlns:p14="http://schemas.microsoft.com/office/powerpoint/2010/main" val="606463391"/>
       </p:ext>
     </p:extLst>
   </p:cSld>
@@ -18722,10 +19130,38 @@
       </p:grpSpPr>
       <p:sp>
         <p:nvSpPr>
+          <p:cNvPr id="2" name="タイトル 1">
+            <a:extLst>
+              <a:ext uri="{FF2B5EF4-FFF2-40B4-BE49-F238E27FC236}">
+                <a16:creationId xmlns:a16="http://schemas.microsoft.com/office/drawing/2014/main" id="{F73A681B-9F7A-FD3A-C0DB-D668DC6CB442}"/>
+              </a:ext>
+            </a:extLst>
+          </p:cNvPr>
+          <p:cNvSpPr>
+            <a:spLocks noGrp="1"/>
+          </p:cNvSpPr>
+          <p:nvPr>
+            <p:ph type="title"/>
+          </p:nvPr>
+        </p:nvSpPr>
+        <p:spPr/>
+        <p:txBody>
+          <a:bodyPr/>
+          <a:lstStyle/>
+          <a:p>
+            <a:r>
+              <a:rPr kumimoji="1" lang="ja-JP" altLang="en-US"/>
+              <a:t>今後の課題</a:t>
+            </a:r>
+          </a:p>
+        </p:txBody>
+      </p:sp>
+      <p:sp>
+        <p:nvSpPr>
           <p:cNvPr id="3" name="スライド番号プレースホルダー 2">
             <a:extLst>
               <a:ext uri="{FF2B5EF4-FFF2-40B4-BE49-F238E27FC236}">
-                <a16:creationId xmlns:a16="http://schemas.microsoft.com/office/drawing/2014/main" id="{3DEDCC95-054E-03CB-9EE2-75E4E4AEEE9B}"/>
+                <a16:creationId xmlns:a16="http://schemas.microsoft.com/office/drawing/2014/main" id="{B50A2E12-D87F-ACB4-3589-F66EE66E8E55}"/>
               </a:ext>
             </a:extLst>
           </p:cNvPr>
@@ -18752,10 +19188,10 @@
       </p:sp>
       <p:sp>
         <p:nvSpPr>
-          <p:cNvPr id="5" name="テキスト ボックス 4">
+          <p:cNvPr id="4" name="テキスト ボックス 3">
             <a:extLst>
               <a:ext uri="{FF2B5EF4-FFF2-40B4-BE49-F238E27FC236}">
-                <a16:creationId xmlns:a16="http://schemas.microsoft.com/office/drawing/2014/main" id="{0CDD7299-ADD9-7DB9-55A6-87610AF5A9EC}"/>
+                <a16:creationId xmlns:a16="http://schemas.microsoft.com/office/drawing/2014/main" id="{881C93FD-A020-C881-1531-CA4C08B40DAF}"/>
               </a:ext>
             </a:extLst>
           </p:cNvPr>
@@ -18764,8 +19200,8 @@
         </p:nvSpPr>
         <p:spPr>
           <a:xfrm>
-            <a:off x="815717" y="2542887"/>
-            <a:ext cx="5929828" cy="584775"/>
+            <a:off x="519837" y="1865779"/>
+            <a:ext cx="6774611" cy="1938992"/>
           </a:xfrm>
           <a:prstGeom prst="rect">
             <a:avLst/>
@@ -18778,13 +19214,53 @@
           </a:bodyPr>
           <a:lstStyle/>
           <a:p>
-            <a:r>
-              <a:rPr lang="ja-JP" altLang="en-US" sz="3200"/>
-              <a:t>ご清聴</a:t>
-            </a:r>
-            <a:r>
-              <a:rPr kumimoji="1" lang="ja-JP" altLang="en-US" sz="3200"/>
-              <a:t>ありがとうございました</a:t>
+            <a:pPr marL="342900" indent="-342900">
+              <a:buFont typeface="Wingdings" pitchFamily="2" charset="2"/>
+              <a:buChar char="p"/>
+            </a:pPr>
+            <a:r>
+              <a:rPr kumimoji="1" lang="ja-JP" altLang="en-US" sz="2400"/>
+              <a:t>試行回数を増やす</a:t>
+            </a:r>
+            <a:br>
+              <a:rPr kumimoji="1" lang="en-US" altLang="ja-JP" sz="2400" dirty="0"/>
+            </a:br>
+            <a:r>
+              <a:rPr kumimoji="1" lang="en-US" altLang="ja-JP" sz="2400" dirty="0"/>
+              <a:t>→ </a:t>
+            </a:r>
+            <a:r>
+              <a:rPr kumimoji="1" lang="ja-JP" altLang="en-US" sz="2400"/>
+              <a:t>適応度評価手法ごとの信頼区間を調査する</a:t>
+            </a:r>
+            <a:endParaRPr kumimoji="1" lang="en-US" altLang="ja-JP" sz="2400" dirty="0"/>
+          </a:p>
+          <a:p>
+            <a:endParaRPr lang="en-US" altLang="ja-JP" sz="2400" dirty="0"/>
+          </a:p>
+          <a:p>
+            <a:pPr marL="342900" indent="-342900">
+              <a:buFont typeface="Wingdings" pitchFamily="2" charset="2"/>
+              <a:buChar char="p"/>
+            </a:pPr>
+            <a:r>
+              <a:rPr kumimoji="1" lang="ja-JP" altLang="en-US" sz="2400"/>
+              <a:t>様々な条件下で実験するときの適応度評価</a:t>
+            </a:r>
+            <a:br>
+              <a:rPr kumimoji="1" lang="en-US" altLang="ja-JP" sz="2400" dirty="0"/>
+            </a:br>
+            <a:r>
+              <a:rPr kumimoji="1" lang="ja-JP" altLang="en-US" sz="2400"/>
+              <a:t>エポック数最適化手法を</a:t>
+            </a:r>
+            <a:r>
+              <a:rPr lang="ja-JP" altLang="en-US" sz="2400"/>
+              <a:t>提案</a:t>
+            </a:r>
+            <a:r>
+              <a:rPr kumimoji="1" lang="ja-JP" altLang="en-US" sz="2400"/>
+              <a:t>する</a:t>
             </a:r>
           </a:p>
         </p:txBody>
@@ -18792,7 +19268,7 @@
     </p:spTree>
     <p:extLst>
       <p:ext uri="{BB962C8B-B14F-4D97-AF65-F5344CB8AC3E}">
-        <p14:creationId xmlns:p14="http://schemas.microsoft.com/office/powerpoint/2010/main" val="2033689313"/>
+        <p14:creationId xmlns:p14="http://schemas.microsoft.com/office/powerpoint/2010/main" val="2610326470"/>
       </p:ext>
     </p:extLst>
   </p:cSld>
@@ -18821,6 +19297,105 @@
       </p:grpSpPr>
       <p:sp>
         <p:nvSpPr>
+          <p:cNvPr id="3" name="スライド番号プレースホルダー 2">
+            <a:extLst>
+              <a:ext uri="{FF2B5EF4-FFF2-40B4-BE49-F238E27FC236}">
+                <a16:creationId xmlns:a16="http://schemas.microsoft.com/office/drawing/2014/main" id="{3DEDCC95-054E-03CB-9EE2-75E4E4AEEE9B}"/>
+              </a:ext>
+            </a:extLst>
+          </p:cNvPr>
+          <p:cNvSpPr>
+            <a:spLocks noGrp="1"/>
+          </p:cNvSpPr>
+          <p:nvPr>
+            <p:ph type="sldNum" sz="quarter" idx="12"/>
+          </p:nvPr>
+        </p:nvSpPr>
+        <p:spPr/>
+        <p:txBody>
+          <a:bodyPr/>
+          <a:lstStyle/>
+          <a:p>
+            <a:pPr lvl="0"/>
+            <a:fld id="{004900ED-2EFD-2142-93A1-1CBA90FDE07B}" type="slidenum">
+              <a:rPr lang="en-US" altLang="ja-JP" smtClean="0"/>
+              <a:t>31</a:t>
+            </a:fld>
+            <a:endParaRPr lang="ja-JP" altLang="en-US"/>
+          </a:p>
+        </p:txBody>
+      </p:sp>
+      <p:sp>
+        <p:nvSpPr>
+          <p:cNvPr id="5" name="テキスト ボックス 4">
+            <a:extLst>
+              <a:ext uri="{FF2B5EF4-FFF2-40B4-BE49-F238E27FC236}">
+                <a16:creationId xmlns:a16="http://schemas.microsoft.com/office/drawing/2014/main" id="{0CDD7299-ADD9-7DB9-55A6-87610AF5A9EC}"/>
+              </a:ext>
+            </a:extLst>
+          </p:cNvPr>
+          <p:cNvSpPr txBox="1"/>
+          <p:nvPr/>
+        </p:nvSpPr>
+        <p:spPr>
+          <a:xfrm>
+            <a:off x="815717" y="2542887"/>
+            <a:ext cx="5929828" cy="584775"/>
+          </a:xfrm>
+          <a:prstGeom prst="rect">
+            <a:avLst/>
+          </a:prstGeom>
+          <a:noFill/>
+        </p:spPr>
+        <p:txBody>
+          <a:bodyPr wrap="none" rtlCol="0">
+            <a:spAutoFit/>
+          </a:bodyPr>
+          <a:lstStyle/>
+          <a:p>
+            <a:r>
+              <a:rPr lang="ja-JP" altLang="en-US" sz="3200"/>
+              <a:t>ご清聴</a:t>
+            </a:r>
+            <a:r>
+              <a:rPr kumimoji="1" lang="ja-JP" altLang="en-US" sz="3200"/>
+              <a:t>ありがとうございました</a:t>
+            </a:r>
+          </a:p>
+        </p:txBody>
+      </p:sp>
+    </p:spTree>
+    <p:extLst>
+      <p:ext uri="{BB962C8B-B14F-4D97-AF65-F5344CB8AC3E}">
+        <p14:creationId xmlns:p14="http://schemas.microsoft.com/office/powerpoint/2010/main" val="2033689313"/>
+      </p:ext>
+    </p:extLst>
+  </p:cSld>
+  <p:clrMapOvr>
+    <a:masterClrMapping/>
+  </p:clrMapOvr>
+</p:sld>
+</file>
+
+<file path=ppt/slides/slide32.xml><?xml version="1.0" encoding="utf-8"?>
+<p:sld xmlns:a="http://schemas.openxmlformats.org/drawingml/2006/main" xmlns:r="http://schemas.openxmlformats.org/officeDocument/2006/relationships" xmlns:p="http://schemas.openxmlformats.org/presentationml/2006/main">
+  <p:cSld>
+    <p:spTree>
+      <p:nvGrpSpPr>
+        <p:cNvPr id="1" name=""/>
+        <p:cNvGrpSpPr/>
+        <p:nvPr/>
+      </p:nvGrpSpPr>
+      <p:grpSpPr>
+        <a:xfrm>
+          <a:off x="0" y="0"/>
+          <a:ext cx="0" cy="0"/>
+          <a:chOff x="0" y="0"/>
+          <a:chExt cx="0" cy="0"/>
+        </a:xfrm>
+      </p:grpSpPr>
+      <p:sp>
+        <p:nvSpPr>
           <p:cNvPr id="2" name="タイトル 1">
             <a:extLst>
               <a:ext uri="{FF2B5EF4-FFF2-40B4-BE49-F238E27FC236}">
@@ -18872,7 +19447,7 @@
             <a:pPr lvl="0"/>
             <a:fld id="{004900ED-2EFD-2142-93A1-1CBA90FDE07B}" type="slidenum">
               <a:rPr lang="en-US" altLang="ja-JP" smtClean="0"/>
-              <a:t>31</a:t>
+              <a:t>32</a:t>
             </a:fld>
             <a:endParaRPr lang="ja-JP" altLang="en-US"/>
           </a:p>
@@ -19271,253 +19846,6 @@
 </p:sld>
 </file>
 
-<file path=ppt/slides/slide32.xml><?xml version="1.0" encoding="utf-8"?>
-<p:sld xmlns:a="http://schemas.openxmlformats.org/drawingml/2006/main" xmlns:r="http://schemas.openxmlformats.org/officeDocument/2006/relationships" xmlns:p="http://schemas.openxmlformats.org/presentationml/2006/main">
-  <p:cSld>
-    <p:spTree>
-      <p:nvGrpSpPr>
-        <p:cNvPr id="1" name=""/>
-        <p:cNvGrpSpPr/>
-        <p:nvPr/>
-      </p:nvGrpSpPr>
-      <p:grpSpPr>
-        <a:xfrm>
-          <a:off x="0" y="0"/>
-          <a:ext cx="0" cy="0"/>
-          <a:chOff x="0" y="0"/>
-          <a:chExt cx="0" cy="0"/>
-        </a:xfrm>
-      </p:grpSpPr>
-      <p:sp>
-        <p:nvSpPr>
-          <p:cNvPr id="2" name="タイトル 1">
-            <a:extLst>
-              <a:ext uri="{FF2B5EF4-FFF2-40B4-BE49-F238E27FC236}">
-                <a16:creationId xmlns:a16="http://schemas.microsoft.com/office/drawing/2014/main" id="{D159CF40-CD8C-21A6-0A3D-8CF370B562A6}"/>
-              </a:ext>
-            </a:extLst>
-          </p:cNvPr>
-          <p:cNvSpPr>
-            <a:spLocks noGrp="1"/>
-          </p:cNvSpPr>
-          <p:nvPr>
-            <p:ph type="title"/>
-          </p:nvPr>
-        </p:nvSpPr>
-        <p:spPr/>
-        <p:txBody>
-          <a:bodyPr/>
-          <a:lstStyle/>
-          <a:p>
-            <a:r>
-              <a:rPr kumimoji="1" lang="ja-JP" altLang="en-US"/>
-              <a:t>遺伝的アルゴリズム</a:t>
-            </a:r>
-          </a:p>
-        </p:txBody>
-      </p:sp>
-      <p:sp>
-        <p:nvSpPr>
-          <p:cNvPr id="3" name="スライド番号プレースホルダー 2">
-            <a:extLst>
-              <a:ext uri="{FF2B5EF4-FFF2-40B4-BE49-F238E27FC236}">
-                <a16:creationId xmlns:a16="http://schemas.microsoft.com/office/drawing/2014/main" id="{37968868-915E-15E5-AB4E-1366F32A281D}"/>
-              </a:ext>
-            </a:extLst>
-          </p:cNvPr>
-          <p:cNvSpPr>
-            <a:spLocks noGrp="1"/>
-          </p:cNvSpPr>
-          <p:nvPr>
-            <p:ph type="sldNum" sz="quarter" idx="12"/>
-          </p:nvPr>
-        </p:nvSpPr>
-        <p:spPr/>
-        <p:txBody>
-          <a:bodyPr/>
-          <a:lstStyle/>
-          <a:p>
-            <a:pPr lvl="0"/>
-            <a:fld id="{004900ED-2EFD-2142-93A1-1CBA90FDE07B}" type="slidenum">
-              <a:rPr lang="en-US" altLang="ja-JP" smtClean="0"/>
-              <a:t>32</a:t>
-            </a:fld>
-            <a:endParaRPr lang="ja-JP" altLang="en-US"/>
-          </a:p>
-        </p:txBody>
-      </p:sp>
-      <p:sp>
-        <p:nvSpPr>
-          <p:cNvPr id="4" name="テキスト ボックス 3">
-            <a:extLst>
-              <a:ext uri="{FF2B5EF4-FFF2-40B4-BE49-F238E27FC236}">
-                <a16:creationId xmlns:a16="http://schemas.microsoft.com/office/drawing/2014/main" id="{C90B63DA-86FE-BCFD-909B-51617E6B3CDE}"/>
-              </a:ext>
-            </a:extLst>
-          </p:cNvPr>
-          <p:cNvSpPr txBox="1"/>
-          <p:nvPr/>
-        </p:nvSpPr>
-        <p:spPr>
-          <a:xfrm>
-            <a:off x="83018" y="1565028"/>
-            <a:ext cx="6886822" cy="594522"/>
-          </a:xfrm>
-          <a:prstGeom prst="rect">
-            <a:avLst/>
-          </a:prstGeom>
-          <a:noFill/>
-        </p:spPr>
-        <p:txBody>
-          <a:bodyPr wrap="none" rtlCol="0">
-            <a:spAutoFit/>
-          </a:bodyPr>
-          <a:lstStyle/>
-          <a:p>
-            <a:pPr lvl="1">
-              <a:lnSpc>
-                <a:spcPct val="150000"/>
-              </a:lnSpc>
-            </a:pPr>
-            <a:r>
-              <a:rPr kumimoji="1" lang="ja-JP" altLang="en-US" sz="2400"/>
-              <a:t>遺伝的アルゴリズム</a:t>
-            </a:r>
-            <a:r>
-              <a:rPr kumimoji="1" lang="en-US" altLang="ja-JP" sz="2400" dirty="0"/>
-              <a:t> (Genetic Algorithm: GA)</a:t>
-            </a:r>
-          </a:p>
-        </p:txBody>
-      </p:sp>
-      <p:sp>
-        <p:nvSpPr>
-          <p:cNvPr id="5" name="テキスト ボックス 4">
-            <a:extLst>
-              <a:ext uri="{FF2B5EF4-FFF2-40B4-BE49-F238E27FC236}">
-                <a16:creationId xmlns:a16="http://schemas.microsoft.com/office/drawing/2014/main" id="{6552DF41-280F-EBD5-7E3B-875A243D0221}"/>
-              </a:ext>
-            </a:extLst>
-          </p:cNvPr>
-          <p:cNvSpPr txBox="1"/>
-          <p:nvPr/>
-        </p:nvSpPr>
-        <p:spPr>
-          <a:xfrm>
-            <a:off x="519837" y="2326629"/>
-            <a:ext cx="6994222" cy="2877711"/>
-          </a:xfrm>
-          <a:prstGeom prst="rect">
-            <a:avLst/>
-          </a:prstGeom>
-          <a:noFill/>
-        </p:spPr>
-        <p:txBody>
-          <a:bodyPr wrap="none" rtlCol="0">
-            <a:spAutoFit/>
-          </a:bodyPr>
-          <a:lstStyle/>
-          <a:p>
-            <a:pPr marL="342900" indent="-342900">
-              <a:lnSpc>
-                <a:spcPct val="150000"/>
-              </a:lnSpc>
-              <a:buFont typeface="Wingdings" pitchFamily="2" charset="2"/>
-              <a:buChar char="p"/>
-            </a:pPr>
-            <a:r>
-              <a:rPr kumimoji="1" lang="ja-JP" altLang="en-US" sz="2400"/>
-              <a:t>生物の進化からヒントを得た最適化手法</a:t>
-            </a:r>
-            <a:endParaRPr kumimoji="1" lang="en-US" altLang="ja-JP" sz="2400" dirty="0"/>
-          </a:p>
-          <a:p>
-            <a:pPr marL="285750" indent="-285750">
-              <a:lnSpc>
-                <a:spcPct val="150000"/>
-              </a:lnSpc>
-              <a:buFont typeface="Wingdings" pitchFamily="2" charset="2"/>
-              <a:buChar char="p"/>
-            </a:pPr>
-            <a:endParaRPr kumimoji="1" lang="en-US" altLang="ja-JP" sz="1400" dirty="0"/>
-          </a:p>
-          <a:p>
-            <a:pPr marL="342900" indent="-342900">
-              <a:buFont typeface="Wingdings" pitchFamily="2" charset="2"/>
-              <a:buChar char="p"/>
-            </a:pPr>
-            <a:r>
-              <a:rPr kumimoji="1" lang="ja-JP" altLang="en-US" sz="2400"/>
-              <a:t>解の遺伝子を表現する配列に</a:t>
-            </a:r>
-            <a:r>
-              <a:rPr lang="ja-JP" altLang="en-US" sz="2400"/>
-              <a:t>交叉，突然変異，</a:t>
-            </a:r>
-            <a:br>
-              <a:rPr lang="en-US" altLang="ja-JP" sz="2400" dirty="0"/>
-            </a:br>
-            <a:r>
-              <a:rPr lang="ja-JP" altLang="en-US" sz="2400"/>
-              <a:t>選択といった操作を繰り返し適用</a:t>
-            </a:r>
-            <a:endParaRPr lang="en-US" altLang="ja-JP" sz="2400" dirty="0"/>
-          </a:p>
-          <a:p>
-            <a:pPr marL="285750" indent="-285750">
-              <a:buFont typeface="Wingdings" pitchFamily="2" charset="2"/>
-              <a:buChar char="p"/>
-            </a:pPr>
-            <a:endParaRPr lang="en-US" altLang="ja-JP" sz="1400" dirty="0"/>
-          </a:p>
-          <a:p>
-            <a:pPr marL="342900" indent="-342900">
-              <a:buFont typeface="Wingdings" pitchFamily="2" charset="2"/>
-              <a:buChar char="p"/>
-            </a:pPr>
-            <a:r>
-              <a:rPr kumimoji="1" lang="ja-JP" altLang="en-US" sz="2400"/>
-              <a:t>各個体について適応度を計算し，</a:t>
-            </a:r>
-            <a:r>
-              <a:rPr lang="ja-JP" altLang="en-US" sz="2400"/>
-              <a:t>高いものを</a:t>
-            </a:r>
-            <a:br>
-              <a:rPr lang="en-US" altLang="ja-JP" sz="2400" dirty="0"/>
-            </a:br>
-            <a:r>
-              <a:rPr lang="ja-JP" altLang="en-US" sz="2400"/>
-              <a:t>次世代に残し，</a:t>
-            </a:r>
-            <a:r>
-              <a:rPr kumimoji="1" lang="ja-JP" altLang="en-US" sz="2400"/>
-              <a:t>低いものを淘汰</a:t>
-            </a:r>
-            <a:endParaRPr kumimoji="1" lang="en-US" altLang="ja-JP" sz="2400" dirty="0"/>
-          </a:p>
-          <a:p>
-            <a:pPr marL="285750" indent="-285750">
-              <a:buFont typeface="Wingdings" pitchFamily="2" charset="2"/>
-              <a:buChar char="p"/>
-            </a:pPr>
-            <a:endParaRPr lang="en-US" altLang="ja-JP" sz="1400" dirty="0"/>
-          </a:p>
-        </p:txBody>
-      </p:sp>
-    </p:spTree>
-    <p:extLst>
-      <p:ext uri="{BB962C8B-B14F-4D97-AF65-F5344CB8AC3E}">
-        <p14:creationId xmlns:p14="http://schemas.microsoft.com/office/powerpoint/2010/main" val="772153992"/>
-      </p:ext>
-    </p:extLst>
-  </p:cSld>
-  <p:clrMapOvr>
-    <a:masterClrMapping/>
-  </p:clrMapOvr>
-</p:sld>
-</file>
-
 <file path=ppt/slides/slide33.xml><?xml version="1.0" encoding="utf-8"?>
 <p:sld xmlns:a="http://schemas.openxmlformats.org/drawingml/2006/main" xmlns:r="http://schemas.openxmlformats.org/officeDocument/2006/relationships" xmlns:p="http://schemas.openxmlformats.org/presentationml/2006/main">
   <p:cSld>
@@ -20062,7 +20390,7 @@
         </p:nvSpPr>
         <p:spPr>
           <a:xfrm>
-            <a:off x="135454" y="1696781"/>
+            <a:off x="135454" y="1789378"/>
             <a:ext cx="7290353" cy="3231654"/>
           </a:xfrm>
           <a:prstGeom prst="rect">
@@ -20077,6 +20405,9 @@
           <a:lstStyle/>
           <a:p>
             <a:pPr marL="342900" indent="-342900">
+              <a:lnSpc>
+                <a:spcPct val="150000"/>
+              </a:lnSpc>
               <a:buFont typeface="Wingdings" pitchFamily="2" charset="2"/>
               <a:buChar char="p"/>
             </a:pPr>
@@ -20084,27 +20415,16 @@
               <a:rPr kumimoji="1" lang="ja-JP" altLang="en-US" sz="2400"/>
               <a:t>近年，機械学習を用いた画像識別に注目</a:t>
             </a:r>
-            <a:endParaRPr kumimoji="1" lang="en-US" altLang="ja-JP" sz="2400" dirty="0"/>
-          </a:p>
-          <a:p>
-            <a:pPr marL="285750" indent="-285750">
+            <a:endParaRPr lang="en-US" altLang="ja-JP" sz="1400" dirty="0"/>
+          </a:p>
+          <a:p>
+            <a:pPr marL="342900" indent="-342900">
+              <a:lnSpc>
+                <a:spcPct val="150000"/>
+              </a:lnSpc>
               <a:buFont typeface="Wingdings" pitchFamily="2" charset="2"/>
               <a:buChar char="p"/>
             </a:pPr>
-            <a:endParaRPr lang="en-US" altLang="ja-JP" dirty="0"/>
-          </a:p>
-          <a:p>
-            <a:pPr marL="285750" indent="-285750">
-              <a:buFont typeface="Wingdings" pitchFamily="2" charset="2"/>
-              <a:buChar char="p"/>
-            </a:pPr>
-            <a:endParaRPr lang="en-US" altLang="ja-JP" sz="1400" dirty="0"/>
-          </a:p>
-          <a:p>
-            <a:pPr marL="342900" indent="-342900">
-              <a:buFont typeface="Wingdings" pitchFamily="2" charset="2"/>
-              <a:buChar char="p"/>
-            </a:pPr>
             <a:r>
               <a:rPr kumimoji="1" lang="ja-JP" altLang="en-US" sz="2400"/>
               <a:t>畳み込みニューラルネットワークによる画像識別</a:t>
@@ -20116,23 +20436,13 @@
               <a:rPr lang="en-US" altLang="ja-JP" sz="2400" dirty="0"/>
               <a:t>(Convolutional Neural Network: CNN)</a:t>
             </a:r>
-          </a:p>
-          <a:p>
-            <a:pPr marL="285750" indent="-285750">
-              <a:buFont typeface="Wingdings" pitchFamily="2" charset="2"/>
-              <a:buChar char="p"/>
-            </a:pPr>
             <a:endParaRPr kumimoji="1" lang="en-US" altLang="ja-JP" sz="1400" dirty="0"/>
           </a:p>
           <a:p>
-            <a:pPr marL="285750" indent="-285750">
-              <a:buFont typeface="Wingdings" pitchFamily="2" charset="2"/>
-              <a:buChar char="p"/>
-            </a:pPr>
-            <a:endParaRPr kumimoji="1" lang="en-US" altLang="ja-JP" sz="1400" dirty="0"/>
-          </a:p>
-          <a:p>
             <a:pPr marL="342900" indent="-342900">
+              <a:lnSpc>
+                <a:spcPct val="150000"/>
+              </a:lnSpc>
               <a:buFont typeface="Wingdings" pitchFamily="2" charset="2"/>
               <a:buChar char="p"/>
             </a:pPr>
@@ -20962,7 +21272,7 @@
           <p:cNvPr id="2" name="タイトル 1">
             <a:extLst>
               <a:ext uri="{FF2B5EF4-FFF2-40B4-BE49-F238E27FC236}">
-                <a16:creationId xmlns:a16="http://schemas.microsoft.com/office/drawing/2014/main" id="{2569FC57-6D71-779F-E42A-A97CDA775201}"/>
+                <a16:creationId xmlns:a16="http://schemas.microsoft.com/office/drawing/2014/main" id="{D159CF40-CD8C-21A6-0A3D-8CF370B562A6}"/>
               </a:ext>
             </a:extLst>
           </p:cNvPr>
@@ -20979,10 +21289,9 @@
           <a:lstStyle/>
           <a:p>
             <a:r>
-              <a:rPr lang="en-US" altLang="ja-JP" dirty="0" err="1"/>
-              <a:t>gaCNN</a:t>
-            </a:r>
-            <a:endParaRPr kumimoji="1" lang="ja-JP" altLang="en-US"/>
+              <a:rPr kumimoji="1" lang="ja-JP" altLang="en-US"/>
+              <a:t>遺伝的アルゴリズム</a:t>
+            </a:r>
           </a:p>
         </p:txBody>
       </p:sp>
@@ -20991,7 +21300,7 @@
           <p:cNvPr id="3" name="スライド番号プレースホルダー 2">
             <a:extLst>
               <a:ext uri="{FF2B5EF4-FFF2-40B4-BE49-F238E27FC236}">
-                <a16:creationId xmlns:a16="http://schemas.microsoft.com/office/drawing/2014/main" id="{6CC00B8C-81DD-663C-CA94-75367C1D6D61}"/>
+                <a16:creationId xmlns:a16="http://schemas.microsoft.com/office/drawing/2014/main" id="{37968868-915E-15E5-AB4E-1366F32A281D}"/>
               </a:ext>
             </a:extLst>
           </p:cNvPr>
@@ -21021,7 +21330,7 @@
           <p:cNvPr id="4" name="テキスト ボックス 3">
             <a:extLst>
               <a:ext uri="{FF2B5EF4-FFF2-40B4-BE49-F238E27FC236}">
-                <a16:creationId xmlns:a16="http://schemas.microsoft.com/office/drawing/2014/main" id="{25A4C493-2CAF-EE11-F549-AE982F7E8644}"/>
+                <a16:creationId xmlns:a16="http://schemas.microsoft.com/office/drawing/2014/main" id="{C90B63DA-86FE-BCFD-909B-51617E6B3CDE}"/>
               </a:ext>
             </a:extLst>
           </p:cNvPr>
@@ -21030,8 +21339,8 @@
         </p:nvSpPr>
         <p:spPr>
           <a:xfrm>
-            <a:off x="519837" y="1730604"/>
-            <a:ext cx="6506909" cy="1415772"/>
+            <a:off x="83018" y="1565028"/>
+            <a:ext cx="6886822" cy="594522"/>
           </a:xfrm>
           <a:prstGeom prst="rect">
             <a:avLst/>
@@ -21044,17 +21353,114 @@
           </a:bodyPr>
           <a:lstStyle/>
           <a:p>
+            <a:pPr lvl="1">
+              <a:lnSpc>
+                <a:spcPct val="150000"/>
+              </a:lnSpc>
+            </a:pPr>
+            <a:r>
+              <a:rPr kumimoji="1" lang="ja-JP" altLang="en-US" sz="2400"/>
+              <a:t>遺伝的アルゴリズム</a:t>
+            </a:r>
+            <a:r>
+              <a:rPr kumimoji="1" lang="en-US" altLang="ja-JP" sz="2400" dirty="0"/>
+              <a:t> (Genetic Algorithm: GA)</a:t>
+            </a:r>
+          </a:p>
+        </p:txBody>
+      </p:sp>
+      <p:sp>
+        <p:nvSpPr>
+          <p:cNvPr id="5" name="テキスト ボックス 4">
+            <a:extLst>
+              <a:ext uri="{FF2B5EF4-FFF2-40B4-BE49-F238E27FC236}">
+                <a16:creationId xmlns:a16="http://schemas.microsoft.com/office/drawing/2014/main" id="{6552DF41-280F-EBD5-7E3B-875A243D0221}"/>
+              </a:ext>
+            </a:extLst>
+          </p:cNvPr>
+          <p:cNvSpPr txBox="1"/>
+          <p:nvPr/>
+        </p:nvSpPr>
+        <p:spPr>
+          <a:xfrm>
+            <a:off x="519837" y="2326629"/>
+            <a:ext cx="6994222" cy="3077766"/>
+          </a:xfrm>
+          <a:prstGeom prst="rect">
+            <a:avLst/>
+          </a:prstGeom>
+          <a:noFill/>
+        </p:spPr>
+        <p:txBody>
+          <a:bodyPr wrap="none" rtlCol="0">
+            <a:spAutoFit/>
+          </a:bodyPr>
+          <a:lstStyle/>
+          <a:p>
             <a:pPr marL="342900" indent="-342900">
+              <a:lnSpc>
+                <a:spcPct val="150000"/>
+              </a:lnSpc>
               <a:buFont typeface="Wingdings" pitchFamily="2" charset="2"/>
               <a:buChar char="p"/>
             </a:pPr>
             <a:r>
-              <a:rPr kumimoji="1" lang="en-US" altLang="ja-JP" sz="2400" dirty="0"/>
-              <a:t>CNN </a:t>
-            </a:r>
-            <a:r>
               <a:rPr kumimoji="1" lang="ja-JP" altLang="en-US" sz="2400"/>
-              <a:t>の構造を遺伝子符号化</a:t>
+              <a:t>生物の進化からヒントを得た最適化手法</a:t>
+            </a:r>
+            <a:endParaRPr kumimoji="1" lang="en-US" altLang="ja-JP" sz="1400" dirty="0"/>
+          </a:p>
+          <a:p>
+            <a:pPr marL="342900" indent="-342900">
+              <a:lnSpc>
+                <a:spcPct val="150000"/>
+              </a:lnSpc>
+              <a:buFont typeface="Wingdings" pitchFamily="2" charset="2"/>
+              <a:buChar char="p"/>
+            </a:pPr>
+            <a:r>
+              <a:rPr kumimoji="1" lang="ja-JP" altLang="en-US" sz="2400"/>
+              <a:t>解の遺伝子を表現する配列に</a:t>
+            </a:r>
+            <a:r>
+              <a:rPr lang="ja-JP" altLang="en-US" sz="2400"/>
+              <a:t>交叉，突然変異，</a:t>
+            </a:r>
+            <a:br>
+              <a:rPr lang="en-US" altLang="ja-JP" sz="2400" dirty="0"/>
+            </a:br>
+            <a:r>
+              <a:rPr lang="ja-JP" altLang="en-US" sz="2400"/>
+              <a:t>選択といった操作を繰り返し適用</a:t>
+            </a:r>
+            <a:endParaRPr lang="en-US" altLang="ja-JP" sz="1400" dirty="0"/>
+          </a:p>
+          <a:p>
+            <a:pPr marL="342900" indent="-342900">
+              <a:lnSpc>
+                <a:spcPct val="150000"/>
+              </a:lnSpc>
+              <a:buFont typeface="Wingdings" pitchFamily="2" charset="2"/>
+              <a:buChar char="p"/>
+            </a:pPr>
+            <a:r>
+              <a:rPr kumimoji="1" lang="ja-JP" altLang="en-US" sz="2400"/>
+              <a:t>各個体について適応度を計算し，</a:t>
+            </a:r>
+            <a:r>
+              <a:rPr lang="ja-JP" altLang="en-US" sz="2400"/>
+              <a:t>高いものを</a:t>
+            </a:r>
+            <a:br>
+              <a:rPr lang="en-US" altLang="ja-JP" sz="2400" dirty="0"/>
+            </a:br>
+            <a:r>
+              <a:rPr lang="ja-JP" altLang="en-US" sz="2400"/>
+              <a:t>次世代に残し，</a:t>
+            </a:r>
+            <a:r>
+              <a:rPr kumimoji="1" lang="ja-JP" altLang="en-US" sz="2400"/>
+              <a:t>低いものを淘汰</a:t>
             </a:r>
             <a:endParaRPr kumimoji="1" lang="en-US" altLang="ja-JP" sz="2400" dirty="0"/>
           </a:p>
@@ -21065,171 +21471,12 @@
             </a:pPr>
             <a:endParaRPr lang="en-US" altLang="ja-JP" sz="1400" dirty="0"/>
           </a:p>
-          <a:p>
-            <a:pPr marL="342900" indent="-342900">
-              <a:buFont typeface="Wingdings" pitchFamily="2" charset="2"/>
-              <a:buChar char="p"/>
-            </a:pPr>
-            <a:r>
-              <a:rPr kumimoji="1" lang="en-US" altLang="ja-JP" sz="2400" dirty="0"/>
-              <a:t>GA </a:t>
-            </a:r>
-            <a:r>
-              <a:rPr kumimoji="1" lang="ja-JP" altLang="en-US" sz="2400"/>
-              <a:t>による探索でより良い</a:t>
-            </a:r>
-            <a:r>
-              <a:rPr kumimoji="1" lang="en-US" altLang="ja-JP" sz="2400" dirty="0"/>
-              <a:t> CNN </a:t>
-            </a:r>
-            <a:r>
-              <a:rPr kumimoji="1" lang="ja-JP" altLang="en-US" sz="2400"/>
-              <a:t>構造を獲得</a:t>
-            </a:r>
-            <a:endParaRPr kumimoji="1" lang="en-US" altLang="ja-JP" sz="2400" dirty="0"/>
-          </a:p>
-          <a:p>
-            <a:pPr marL="285750" indent="-285750">
-              <a:buFont typeface="Wingdings" pitchFamily="2" charset="2"/>
-              <a:buChar char="p"/>
-            </a:pPr>
-            <a:endParaRPr kumimoji="1" lang="ja-JP" altLang="en-US" sz="2400"/>
-          </a:p>
-        </p:txBody>
-      </p:sp>
-      <p:sp>
-        <p:nvSpPr>
-          <p:cNvPr id="5" name="テキスト ボックス 4">
-            <a:extLst>
-              <a:ext uri="{FF2B5EF4-FFF2-40B4-BE49-F238E27FC236}">
-                <a16:creationId xmlns:a16="http://schemas.microsoft.com/office/drawing/2014/main" id="{D327552B-2FE4-7995-DE95-FF10AE14B4B8}"/>
-              </a:ext>
-            </a:extLst>
-          </p:cNvPr>
-          <p:cNvSpPr txBox="1"/>
-          <p:nvPr/>
-        </p:nvSpPr>
-        <p:spPr>
-          <a:xfrm>
-            <a:off x="144627" y="4722473"/>
-            <a:ext cx="7257327" cy="830997"/>
-          </a:xfrm>
-          <a:prstGeom prst="rect">
-            <a:avLst/>
-          </a:prstGeom>
-          <a:noFill/>
-          <a:ln>
-            <a:solidFill>
-              <a:schemeClr val="tx1"/>
-            </a:solidFill>
-          </a:ln>
-        </p:spPr>
-        <p:txBody>
-          <a:bodyPr wrap="square" rtlCol="0">
-            <a:spAutoFit/>
-          </a:bodyPr>
-          <a:lstStyle/>
-          <a:p>
-            <a:r>
-              <a:rPr kumimoji="1" lang="de" altLang="ja-JP" sz="1200" dirty="0"/>
-              <a:t>R. de Lima Mendes, A. H. da Silva Alves, M. de Souza Gomes, P. Luiz Lima </a:t>
-            </a:r>
-            <a:r>
-              <a:rPr kumimoji="1" lang="de" altLang="ja-JP" sz="1200" dirty="0" err="1"/>
-              <a:t>Bertarini</a:t>
-            </a:r>
-            <a:r>
-              <a:rPr kumimoji="1" lang="de" altLang="ja-JP" sz="1200" dirty="0"/>
-              <a:t> and L. R. do Amaral, "</a:t>
-            </a:r>
-            <a:r>
-              <a:rPr kumimoji="1" lang="de" altLang="ja-JP" sz="1200" dirty="0" err="1"/>
-              <a:t>gaCNN</a:t>
-            </a:r>
-            <a:r>
-              <a:rPr kumimoji="1" lang="de" altLang="ja-JP" sz="1200" dirty="0"/>
-              <a:t>: </a:t>
-            </a:r>
-            <a:r>
-              <a:rPr kumimoji="1" lang="de" altLang="ja-JP" sz="1200" dirty="0" err="1"/>
-              <a:t>Composing</a:t>
-            </a:r>
-            <a:r>
-              <a:rPr kumimoji="1" lang="de" altLang="ja-JP" sz="1200" dirty="0"/>
-              <a:t> CNNs and GAs </a:t>
-            </a:r>
-            <a:r>
-              <a:rPr kumimoji="1" lang="de" altLang="ja-JP" sz="1200" dirty="0" err="1"/>
-              <a:t>to</a:t>
-            </a:r>
-            <a:r>
-              <a:rPr kumimoji="1" lang="de" altLang="ja-JP" sz="1200" dirty="0"/>
-              <a:t> </a:t>
-            </a:r>
-            <a:r>
-              <a:rPr kumimoji="1" lang="de" altLang="ja-JP" sz="1200" dirty="0" err="1"/>
-              <a:t>Build</a:t>
-            </a:r>
-            <a:r>
-              <a:rPr kumimoji="1" lang="de" altLang="ja-JP" sz="1200" dirty="0"/>
-              <a:t> an </a:t>
-            </a:r>
-            <a:r>
-              <a:rPr kumimoji="1" lang="de" altLang="ja-JP" sz="1200" dirty="0" err="1"/>
-              <a:t>Optimized</a:t>
-            </a:r>
-            <a:r>
-              <a:rPr kumimoji="1" lang="de" altLang="ja-JP" sz="1200" dirty="0"/>
-              <a:t> Hybrid Classification Architecture," 2021 IEEE </a:t>
-            </a:r>
-            <a:r>
-              <a:rPr kumimoji="1" lang="de" altLang="ja-JP" sz="1200" dirty="0" err="1"/>
-              <a:t>Congress</a:t>
-            </a:r>
-            <a:r>
-              <a:rPr kumimoji="1" lang="de" altLang="ja-JP" sz="1200" dirty="0"/>
-              <a:t> on </a:t>
-            </a:r>
-            <a:r>
-              <a:rPr kumimoji="1" lang="de" altLang="ja-JP" sz="1200" dirty="0" err="1"/>
-              <a:t>Evolutionary</a:t>
-            </a:r>
-            <a:r>
-              <a:rPr kumimoji="1" lang="de" altLang="ja-JP" sz="1200" dirty="0"/>
-              <a:t> </a:t>
-            </a:r>
-            <a:r>
-              <a:rPr kumimoji="1" lang="de" altLang="ja-JP" sz="1200" dirty="0" err="1"/>
-              <a:t>Computation</a:t>
-            </a:r>
-            <a:r>
-              <a:rPr kumimoji="1" lang="de" altLang="ja-JP" sz="1200" dirty="0"/>
-              <a:t> (CEC), Kraków, </a:t>
-            </a:r>
-            <a:r>
-              <a:rPr kumimoji="1" lang="de" altLang="ja-JP" sz="1200" dirty="0" err="1"/>
-              <a:t>Poland</a:t>
-            </a:r>
-            <a:r>
-              <a:rPr kumimoji="1" lang="de" altLang="ja-JP" sz="1200" dirty="0"/>
-              <a:t>, 2021, pp. 79-86, </a:t>
-            </a:r>
-            <a:r>
-              <a:rPr kumimoji="1" lang="de" altLang="ja-JP" sz="1200" dirty="0" err="1"/>
-              <a:t>doi</a:t>
-            </a:r>
-            <a:r>
-              <a:rPr kumimoji="1" lang="de" altLang="ja-JP" sz="1200" dirty="0"/>
-              <a:t>: 10.1109/CEC45853.2021.9504850.</a:t>
-            </a:r>
-            <a:endParaRPr kumimoji="1" lang="ja-JP" altLang="en-US" sz="1200"/>
-          </a:p>
         </p:txBody>
       </p:sp>
     </p:spTree>
     <p:extLst>
       <p:ext uri="{BB962C8B-B14F-4D97-AF65-F5344CB8AC3E}">
-        <p14:creationId xmlns:p14="http://schemas.microsoft.com/office/powerpoint/2010/main" val="3561767430"/>
+        <p14:creationId xmlns:p14="http://schemas.microsoft.com/office/powerpoint/2010/main" val="772153992"/>
       </p:ext>
     </p:extLst>
   </p:cSld>
@@ -21261,7 +21508,7 @@
           <p:cNvPr id="2" name="タイトル 1">
             <a:extLst>
               <a:ext uri="{FF2B5EF4-FFF2-40B4-BE49-F238E27FC236}">
-                <a16:creationId xmlns:a16="http://schemas.microsoft.com/office/drawing/2014/main" id="{D159CF40-CD8C-21A6-0A3D-8CF370B562A6}"/>
+                <a16:creationId xmlns:a16="http://schemas.microsoft.com/office/drawing/2014/main" id="{2569FC57-6D71-779F-E42A-A97CDA775201}"/>
               </a:ext>
             </a:extLst>
           </p:cNvPr>
@@ -21278,9 +21525,10 @@
           <a:lstStyle/>
           <a:p>
             <a:r>
-              <a:rPr kumimoji="1" lang="ja-JP" altLang="en-US"/>
-              <a:t>熱力学的遺伝アルゴリズム</a:t>
-            </a:r>
+              <a:rPr lang="en-US" altLang="ja-JP" dirty="0" err="1"/>
+              <a:t>gaCNN</a:t>
+            </a:r>
+            <a:endParaRPr kumimoji="1" lang="ja-JP" altLang="en-US"/>
           </a:p>
         </p:txBody>
       </p:sp>
@@ -21289,7 +21537,7 @@
           <p:cNvPr id="3" name="スライド番号プレースホルダー 2">
             <a:extLst>
               <a:ext uri="{FF2B5EF4-FFF2-40B4-BE49-F238E27FC236}">
-                <a16:creationId xmlns:a16="http://schemas.microsoft.com/office/drawing/2014/main" id="{37968868-915E-15E5-AB4E-1366F32A281D}"/>
+                <a16:creationId xmlns:a16="http://schemas.microsoft.com/office/drawing/2014/main" id="{6CC00B8C-81DD-663C-CA94-75367C1D6D61}"/>
               </a:ext>
             </a:extLst>
           </p:cNvPr>
@@ -21319,7 +21567,7 @@
           <p:cNvPr id="4" name="テキスト ボックス 3">
             <a:extLst>
               <a:ext uri="{FF2B5EF4-FFF2-40B4-BE49-F238E27FC236}">
-                <a16:creationId xmlns:a16="http://schemas.microsoft.com/office/drawing/2014/main" id="{C90B63DA-86FE-BCFD-909B-51617E6B3CDE}"/>
+                <a16:creationId xmlns:a16="http://schemas.microsoft.com/office/drawing/2014/main" id="{25A4C493-2CAF-EE11-F549-AE982F7E8644}"/>
               </a:ext>
             </a:extLst>
           </p:cNvPr>
@@ -21328,8 +21576,8 @@
         </p:nvSpPr>
         <p:spPr>
           <a:xfrm>
-            <a:off x="246650" y="1541288"/>
-            <a:ext cx="6952544" cy="3687676"/>
+            <a:off x="519837" y="1730604"/>
+            <a:ext cx="6506909" cy="1569660"/>
           </a:xfrm>
           <a:prstGeom prst="rect">
             <a:avLst/>
@@ -21350,75 +21598,47 @@
               <a:buChar char="p"/>
             </a:pPr>
             <a:r>
+              <a:rPr kumimoji="1" lang="en-US" altLang="ja-JP" sz="2400" dirty="0"/>
+              <a:t>CNN </a:t>
+            </a:r>
+            <a:r>
               <a:rPr kumimoji="1" lang="ja-JP" altLang="en-US" sz="2400"/>
-              <a:t>熱力学的遺伝アルゴリズム</a:t>
-            </a:r>
-            <a:br>
-              <a:rPr kumimoji="1" lang="en-US" altLang="ja-JP" sz="2400" dirty="0"/>
-            </a:br>
-            <a:r>
-              <a:rPr kumimoji="1" lang="en-US" altLang="ja-JP" sz="2400" dirty="0"/>
-              <a:t>(Thermodynamical Genetic Algorithm: TDGA)</a:t>
-            </a:r>
-          </a:p>
-          <a:p>
-            <a:pPr marL="800100" lvl="1" indent="-342900">
-              <a:lnSpc>
-                <a:spcPct val="150000"/>
-              </a:lnSpc>
-              <a:buFont typeface="Wingdings" pitchFamily="2" charset="2"/>
-              <a:buChar char="Ø"/>
-            </a:pPr>
-            <a:r>
-              <a:rPr lang="en-US" altLang="ja-JP" sz="2400" dirty="0"/>
-              <a:t>GA</a:t>
-            </a:r>
-            <a:r>
-              <a:rPr kumimoji="1" lang="en-US" altLang="ja-JP" sz="2400" dirty="0"/>
-              <a:t> </a:t>
-            </a:r>
-            <a:r>
-              <a:rPr kumimoji="1" lang="ja-JP" altLang="en-US" sz="2400"/>
-              <a:t>に熱力学的選択ルールを適用</a:t>
-            </a:r>
-            <a:endParaRPr kumimoji="1" lang="en-US" altLang="ja-JP" sz="2400" dirty="0"/>
-          </a:p>
-          <a:p>
-            <a:pPr marL="914400" lvl="1" indent="-457200">
+              <a:t>の構造を遺伝子符号化</a:t>
+            </a:r>
+            <a:endParaRPr lang="en-US" altLang="ja-JP" sz="1400" dirty="0"/>
+          </a:p>
+          <a:p>
+            <a:pPr marL="342900" indent="-342900">
               <a:lnSpc>
                 <a:spcPct val="150000"/>
               </a:lnSpc>
               <a:buFont typeface="Wingdings" pitchFamily="2" charset="2"/>
               <a:buChar char="p"/>
             </a:pPr>
-            <a:endParaRPr kumimoji="1" lang="en-US" altLang="ja-JP" sz="1400" dirty="0"/>
-          </a:p>
-          <a:p>
-            <a:pPr marL="914400" lvl="1" indent="-457200">
-              <a:lnSpc>
-                <a:spcPct val="150000"/>
-              </a:lnSpc>
-              <a:buFont typeface="Wingdings" pitchFamily="2" charset="2"/>
-              <a:buChar char="Ø"/>
-            </a:pPr>
-            <a:r>
-              <a:rPr lang="ja-JP" altLang="en-US" sz="2400"/>
-              <a:t>個体の多様性を維持することがねらい</a:t>
-            </a:r>
-            <a:br>
-              <a:rPr lang="en-US" altLang="ja-JP" sz="2400" dirty="0"/>
-            </a:br>
+            <a:r>
+              <a:rPr kumimoji="1" lang="en-US" altLang="ja-JP" sz="2400" dirty="0"/>
+              <a:t>GA </a:t>
+            </a:r>
+            <a:r>
+              <a:rPr kumimoji="1" lang="ja-JP" altLang="en-US" sz="2400"/>
+              <a:t>による探索でより良い</a:t>
+            </a:r>
+            <a:r>
+              <a:rPr kumimoji="1" lang="en-US" altLang="ja-JP" sz="2400" dirty="0"/>
+              <a:t> CNN </a:t>
+            </a:r>
+            <a:r>
+              <a:rPr kumimoji="1" lang="ja-JP" altLang="en-US" sz="2400"/>
+              <a:t>構造を獲得</a:t>
+            </a:r>
             <a:endParaRPr kumimoji="1" lang="en-US" altLang="ja-JP" sz="2400" dirty="0"/>
           </a:p>
           <a:p>
-            <a:pPr marL="914400" lvl="1" indent="-457200">
-              <a:lnSpc>
-                <a:spcPct val="150000"/>
-              </a:lnSpc>
+            <a:pPr marL="285750" indent="-285750">
               <a:buFont typeface="Wingdings" pitchFamily="2" charset="2"/>
               <a:buChar char="p"/>
             </a:pPr>
-            <a:endParaRPr kumimoji="1" lang="en-US" altLang="ja-JP" sz="2400" dirty="0"/>
+            <a:endParaRPr kumimoji="1" lang="ja-JP" altLang="en-US" sz="2400"/>
           </a:p>
         </p:txBody>
       </p:sp>
@@ -21427,7 +21647,7 @@
           <p:cNvPr id="5" name="テキスト ボックス 4">
             <a:extLst>
               <a:ext uri="{FF2B5EF4-FFF2-40B4-BE49-F238E27FC236}">
-                <a16:creationId xmlns:a16="http://schemas.microsoft.com/office/drawing/2014/main" id="{BD278A64-0ED6-C568-86FB-B7634183F904}"/>
+                <a16:creationId xmlns:a16="http://schemas.microsoft.com/office/drawing/2014/main" id="{D327552B-2FE4-7995-DE95-FF10AE14B4B8}"/>
               </a:ext>
             </a:extLst>
           </p:cNvPr>
@@ -21436,8 +21656,8 @@
         </p:nvSpPr>
         <p:spPr>
           <a:xfrm>
-            <a:off x="153207" y="4844243"/>
-            <a:ext cx="7254848" cy="769441"/>
+            <a:off x="144627" y="4722473"/>
+            <a:ext cx="7257327" cy="830997"/>
           </a:xfrm>
           <a:prstGeom prst="rect">
             <a:avLst/>
@@ -21456,288 +21676,105 @@
           <a:lstStyle/>
           <a:p>
             <a:r>
-              <a:rPr lang="de" altLang="ja-JP" sz="1100" b="0" i="0" dirty="0">
-                <a:solidFill>
-                  <a:srgbClr val="000000"/>
-                </a:solidFill>
-                <a:effectLst/>
-                <a:latin typeface="Hiragino Kaku Gothic ProN" panose="020B0300000000000000" pitchFamily="34" charset="-128"/>
-                <a:ea typeface="Hiragino Kaku Gothic ProN" panose="020B0300000000000000" pitchFamily="34" charset="-128"/>
-              </a:rPr>
-              <a:t>Naoki MORI, </a:t>
-            </a:r>
-            <a:r>
-              <a:rPr lang="de" altLang="ja-JP" sz="1100" b="0" i="0" dirty="0" err="1">
-                <a:solidFill>
-                  <a:srgbClr val="000000"/>
-                </a:solidFill>
-                <a:effectLst/>
-                <a:latin typeface="Hiragino Kaku Gothic ProN" panose="020B0300000000000000" pitchFamily="34" charset="-128"/>
-                <a:ea typeface="Hiragino Kaku Gothic ProN" panose="020B0300000000000000" pitchFamily="34" charset="-128"/>
-              </a:rPr>
-              <a:t>Junji</a:t>
-            </a:r>
-            <a:r>
-              <a:rPr lang="de" altLang="ja-JP" sz="1100" b="0" i="0" dirty="0">
-                <a:solidFill>
-                  <a:srgbClr val="000000"/>
-                </a:solidFill>
-                <a:effectLst/>
-                <a:latin typeface="Hiragino Kaku Gothic ProN" panose="020B0300000000000000" pitchFamily="34" charset="-128"/>
-                <a:ea typeface="Hiragino Kaku Gothic ProN" panose="020B0300000000000000" pitchFamily="34" charset="-128"/>
-              </a:rPr>
-              <a:t> YOSHIDA, Hajime KITA, </a:t>
-            </a:r>
-            <a:r>
-              <a:rPr lang="de" altLang="ja-JP" sz="1100" b="0" i="0" dirty="0" err="1">
-                <a:solidFill>
-                  <a:srgbClr val="000000"/>
-                </a:solidFill>
-                <a:effectLst/>
-                <a:latin typeface="Hiragino Kaku Gothic ProN" panose="020B0300000000000000" pitchFamily="34" charset="-128"/>
-                <a:ea typeface="Hiragino Kaku Gothic ProN" panose="020B0300000000000000" pitchFamily="34" charset="-128"/>
-              </a:rPr>
-              <a:t>Yoshikazu</a:t>
-            </a:r>
-            <a:r>
-              <a:rPr lang="de" altLang="ja-JP" sz="1100" b="0" i="0" dirty="0">
-                <a:solidFill>
-                  <a:srgbClr val="000000"/>
-                </a:solidFill>
-                <a:effectLst/>
-                <a:latin typeface="Hiragino Kaku Gothic ProN" panose="020B0300000000000000" pitchFamily="34" charset="-128"/>
-                <a:ea typeface="Hiragino Kaku Gothic ProN" panose="020B0300000000000000" pitchFamily="34" charset="-128"/>
-              </a:rPr>
-              <a:t> NISHIKAWA, A </a:t>
-            </a:r>
-            <a:r>
-              <a:rPr lang="de" altLang="ja-JP" sz="1100" b="0" i="0" dirty="0" err="1">
-                <a:solidFill>
-                  <a:srgbClr val="000000"/>
-                </a:solidFill>
-                <a:effectLst/>
-                <a:latin typeface="Hiragino Kaku Gothic ProN" panose="020B0300000000000000" pitchFamily="34" charset="-128"/>
-                <a:ea typeface="Hiragino Kaku Gothic ProN" panose="020B0300000000000000" pitchFamily="34" charset="-128"/>
-              </a:rPr>
-              <a:t>Thermodynamical</a:t>
-            </a:r>
-            <a:r>
-              <a:rPr lang="de" altLang="ja-JP" sz="1100" b="0" i="0" dirty="0">
-                <a:solidFill>
-                  <a:srgbClr val="000000"/>
-                </a:solidFill>
-                <a:effectLst/>
-                <a:latin typeface="Hiragino Kaku Gothic ProN" panose="020B0300000000000000" pitchFamily="34" charset="-128"/>
-                <a:ea typeface="Hiragino Kaku Gothic ProN" panose="020B0300000000000000" pitchFamily="34" charset="-128"/>
-              </a:rPr>
+              <a:rPr kumimoji="1" lang="de" altLang="ja-JP" sz="1200" dirty="0"/>
+              <a:t>R. de Lima Mendes, A. H. da Silva Alves, M. de Souza Gomes, P. Luiz Lima </a:t>
+            </a:r>
+            <a:r>
+              <a:rPr kumimoji="1" lang="de" altLang="ja-JP" sz="1200" dirty="0" err="1"/>
+              <a:t>Bertarini</a:t>
+            </a:r>
+            <a:r>
+              <a:rPr kumimoji="1" lang="de" altLang="ja-JP" sz="1200" dirty="0"/>
+              <a:t> and L. R. do Amaral, "</a:t>
+            </a:r>
+            <a:r>
+              <a:rPr kumimoji="1" lang="de" altLang="ja-JP" sz="1200" dirty="0" err="1"/>
+              <a:t>gaCNN</a:t>
+            </a:r>
+            <a:r>
+              <a:rPr kumimoji="1" lang="de" altLang="ja-JP" sz="1200" dirty="0"/>
+              <a:t>: </a:t>
+            </a:r>
+            <a:r>
+              <a:rPr kumimoji="1" lang="de" altLang="ja-JP" sz="1200" dirty="0" err="1"/>
+              <a:t>Composing</a:t>
+            </a:r>
+            <a:r>
+              <a:rPr kumimoji="1" lang="de" altLang="ja-JP" sz="1200" dirty="0"/>
+              <a:t> CNNs and GAs </a:t>
+            </a:r>
+            <a:r>
+              <a:rPr kumimoji="1" lang="de" altLang="ja-JP" sz="1200" dirty="0" err="1"/>
+              <a:t>to</a:t>
+            </a:r>
+            <a:r>
+              <a:rPr kumimoji="1" lang="de" altLang="ja-JP" sz="1200" dirty="0"/>
               <a:t> </a:t>
             </a:r>
             <a:r>
-              <a:rPr lang="de" altLang="ja-JP" sz="1100" b="0" i="0" dirty="0" err="1">
-                <a:solidFill>
-                  <a:srgbClr val="000000"/>
-                </a:solidFill>
-                <a:effectLst/>
-                <a:latin typeface="Hiragino Kaku Gothic ProN" panose="020B0300000000000000" pitchFamily="34" charset="-128"/>
-                <a:ea typeface="Hiragino Kaku Gothic ProN" panose="020B0300000000000000" pitchFamily="34" charset="-128"/>
-              </a:rPr>
-              <a:t>Selection</a:t>
-            </a:r>
-            <a:r>
-              <a:rPr lang="de" altLang="ja-JP" sz="1100" b="0" i="0" dirty="0">
-                <a:solidFill>
-                  <a:srgbClr val="000000"/>
-                </a:solidFill>
-                <a:effectLst/>
-                <a:latin typeface="Hiragino Kaku Gothic ProN" panose="020B0300000000000000" pitchFamily="34" charset="-128"/>
-                <a:ea typeface="Hiragino Kaku Gothic ProN" panose="020B0300000000000000" pitchFamily="34" charset="-128"/>
-              </a:rPr>
-              <a:t> Rule in </a:t>
-            </a:r>
-            <a:r>
-              <a:rPr lang="de" altLang="ja-JP" sz="1100" b="0" i="0" dirty="0" err="1">
-                <a:solidFill>
-                  <a:srgbClr val="000000"/>
-                </a:solidFill>
-                <a:effectLst/>
-                <a:latin typeface="Hiragino Kaku Gothic ProN" panose="020B0300000000000000" pitchFamily="34" charset="-128"/>
-                <a:ea typeface="Hiragino Kaku Gothic ProN" panose="020B0300000000000000" pitchFamily="34" charset="-128"/>
-              </a:rPr>
-              <a:t>the</a:t>
-            </a:r>
-            <a:r>
-              <a:rPr lang="de" altLang="ja-JP" sz="1100" b="0" i="0" dirty="0">
-                <a:solidFill>
-                  <a:srgbClr val="000000"/>
-                </a:solidFill>
-                <a:effectLst/>
-                <a:latin typeface="Hiragino Kaku Gothic ProN" panose="020B0300000000000000" pitchFamily="34" charset="-128"/>
-                <a:ea typeface="Hiragino Kaku Gothic ProN" panose="020B0300000000000000" pitchFamily="34" charset="-128"/>
-              </a:rPr>
-              <a:t> Genetic </a:t>
-            </a:r>
-            <a:r>
-              <a:rPr lang="de" altLang="ja-JP" sz="1100" b="0" i="0" dirty="0" err="1">
-                <a:solidFill>
-                  <a:srgbClr val="000000"/>
-                </a:solidFill>
-                <a:effectLst/>
-                <a:latin typeface="Hiragino Kaku Gothic ProN" panose="020B0300000000000000" pitchFamily="34" charset="-128"/>
-                <a:ea typeface="Hiragino Kaku Gothic ProN" panose="020B0300000000000000" pitchFamily="34" charset="-128"/>
-              </a:rPr>
-              <a:t>Algorithm</a:t>
-            </a:r>
-            <a:r>
-              <a:rPr lang="de" altLang="ja-JP" sz="1100" b="0" i="0" dirty="0">
-                <a:solidFill>
-                  <a:srgbClr val="000000"/>
-                </a:solidFill>
-                <a:effectLst/>
-                <a:latin typeface="Hiragino Kaku Gothic ProN" panose="020B0300000000000000" pitchFamily="34" charset="-128"/>
-                <a:ea typeface="Hiragino Kaku Gothic ProN" panose="020B0300000000000000" pitchFamily="34" charset="-128"/>
-              </a:rPr>
-              <a:t>, Transactions </a:t>
-            </a:r>
-            <a:r>
-              <a:rPr lang="de" altLang="ja-JP" sz="1100" b="0" i="0" dirty="0" err="1">
-                <a:solidFill>
-                  <a:srgbClr val="000000"/>
-                </a:solidFill>
-                <a:effectLst/>
-                <a:latin typeface="Hiragino Kaku Gothic ProN" panose="020B0300000000000000" pitchFamily="34" charset="-128"/>
-                <a:ea typeface="Hiragino Kaku Gothic ProN" panose="020B0300000000000000" pitchFamily="34" charset="-128"/>
-              </a:rPr>
-              <a:t>of</a:t>
-            </a:r>
-            <a:r>
-              <a:rPr lang="de" altLang="ja-JP" sz="1100" b="0" i="0" dirty="0">
-                <a:solidFill>
-                  <a:srgbClr val="000000"/>
-                </a:solidFill>
-                <a:effectLst/>
-                <a:latin typeface="Hiragino Kaku Gothic ProN" panose="020B0300000000000000" pitchFamily="34" charset="-128"/>
-                <a:ea typeface="Hiragino Kaku Gothic ProN" panose="020B0300000000000000" pitchFamily="34" charset="-128"/>
-              </a:rPr>
+              <a:rPr kumimoji="1" lang="de" altLang="ja-JP" sz="1200" dirty="0" err="1"/>
+              <a:t>Build</a:t>
+            </a:r>
+            <a:r>
+              <a:rPr kumimoji="1" lang="de" altLang="ja-JP" sz="1200" dirty="0"/>
+              <a:t> an </a:t>
+            </a:r>
+            <a:r>
+              <a:rPr kumimoji="1" lang="de" altLang="ja-JP" sz="1200" dirty="0" err="1"/>
+              <a:t>Optimized</a:t>
+            </a:r>
+            <a:r>
+              <a:rPr kumimoji="1" lang="de" altLang="ja-JP" sz="1200" dirty="0"/>
+              <a:t> Hybrid Classification Architecture," 2021 IEEE </a:t>
+            </a:r>
+            <a:r>
+              <a:rPr kumimoji="1" lang="de" altLang="ja-JP" sz="1200" dirty="0" err="1"/>
+              <a:t>Congress</a:t>
+            </a:r>
+            <a:r>
+              <a:rPr kumimoji="1" lang="de" altLang="ja-JP" sz="1200" dirty="0"/>
+              <a:t> on </a:t>
+            </a:r>
+            <a:r>
+              <a:rPr kumimoji="1" lang="de" altLang="ja-JP" sz="1200" dirty="0" err="1"/>
+              <a:t>Evolutionary</a:t>
+            </a:r>
+            <a:r>
+              <a:rPr kumimoji="1" lang="de" altLang="ja-JP" sz="1200" dirty="0"/>
               <a:t> </a:t>
             </a:r>
             <a:r>
-              <a:rPr lang="de" altLang="ja-JP" sz="1100" b="0" i="0" dirty="0" err="1">
-                <a:solidFill>
-                  <a:srgbClr val="000000"/>
-                </a:solidFill>
-                <a:effectLst/>
-                <a:latin typeface="Hiragino Kaku Gothic ProN" panose="020B0300000000000000" pitchFamily="34" charset="-128"/>
-                <a:ea typeface="Hiragino Kaku Gothic ProN" panose="020B0300000000000000" pitchFamily="34" charset="-128"/>
-              </a:rPr>
-              <a:t>the</a:t>
-            </a:r>
-            <a:r>
-              <a:rPr lang="de" altLang="ja-JP" sz="1100" b="0" i="0" dirty="0">
-                <a:solidFill>
-                  <a:srgbClr val="000000"/>
-                </a:solidFill>
-                <a:effectLst/>
-                <a:latin typeface="Hiragino Kaku Gothic ProN" panose="020B0300000000000000" pitchFamily="34" charset="-128"/>
-                <a:ea typeface="Hiragino Kaku Gothic ProN" panose="020B0300000000000000" pitchFamily="34" charset="-128"/>
-              </a:rPr>
-              <a:t> Institute </a:t>
-            </a:r>
-            <a:r>
-              <a:rPr lang="de" altLang="ja-JP" sz="1100" b="0" i="0" dirty="0" err="1">
-                <a:solidFill>
-                  <a:srgbClr val="000000"/>
-                </a:solidFill>
-                <a:effectLst/>
-                <a:latin typeface="Hiragino Kaku Gothic ProN" panose="020B0300000000000000" pitchFamily="34" charset="-128"/>
-                <a:ea typeface="Hiragino Kaku Gothic ProN" panose="020B0300000000000000" pitchFamily="34" charset="-128"/>
-              </a:rPr>
-              <a:t>of</a:t>
-            </a:r>
-            <a:r>
-              <a:rPr lang="de" altLang="ja-JP" sz="1100" b="0" i="0" dirty="0">
-                <a:solidFill>
-                  <a:srgbClr val="000000"/>
-                </a:solidFill>
-                <a:effectLst/>
-                <a:latin typeface="Hiragino Kaku Gothic ProN" panose="020B0300000000000000" pitchFamily="34" charset="-128"/>
-                <a:ea typeface="Hiragino Kaku Gothic ProN" panose="020B0300000000000000" pitchFamily="34" charset="-128"/>
-              </a:rPr>
-              <a:t> Systems, Control and Information Engineers, 1996, Volume 9, </a:t>
-            </a:r>
-            <a:r>
-              <a:rPr lang="de" altLang="ja-JP" sz="1100" b="0" i="0" dirty="0" err="1">
-                <a:solidFill>
-                  <a:srgbClr val="000000"/>
-                </a:solidFill>
-                <a:effectLst/>
-                <a:latin typeface="Hiragino Kaku Gothic ProN" panose="020B0300000000000000" pitchFamily="34" charset="-128"/>
-                <a:ea typeface="Hiragino Kaku Gothic ProN" panose="020B0300000000000000" pitchFamily="34" charset="-128"/>
-              </a:rPr>
-              <a:t>Issue</a:t>
-            </a:r>
-            <a:r>
-              <a:rPr lang="de" altLang="ja-JP" sz="1100" b="0" i="0" dirty="0">
-                <a:solidFill>
-                  <a:srgbClr val="000000"/>
-                </a:solidFill>
-                <a:effectLst/>
-                <a:latin typeface="Hiragino Kaku Gothic ProN" panose="020B0300000000000000" pitchFamily="34" charset="-128"/>
-                <a:ea typeface="Hiragino Kaku Gothic ProN" panose="020B0300000000000000" pitchFamily="34" charset="-128"/>
-              </a:rPr>
-              <a:t> 2, Pages 82-90, </a:t>
-            </a:r>
-            <a:r>
-              <a:rPr lang="de" altLang="ja-JP" sz="1100" b="0" i="0" dirty="0" err="1">
-                <a:solidFill>
-                  <a:srgbClr val="000000"/>
-                </a:solidFill>
-                <a:effectLst/>
-                <a:latin typeface="Hiragino Kaku Gothic ProN" panose="020B0300000000000000" pitchFamily="34" charset="-128"/>
-                <a:ea typeface="Hiragino Kaku Gothic ProN" panose="020B0300000000000000" pitchFamily="34" charset="-128"/>
-              </a:rPr>
-              <a:t>Released</a:t>
-            </a:r>
-            <a:r>
-              <a:rPr lang="de" altLang="ja-JP" sz="1100" b="0" i="0" dirty="0">
-                <a:solidFill>
-                  <a:srgbClr val="000000"/>
-                </a:solidFill>
-                <a:effectLst/>
-                <a:latin typeface="Hiragino Kaku Gothic ProN" panose="020B0300000000000000" pitchFamily="34" charset="-128"/>
-                <a:ea typeface="Hiragino Kaku Gothic ProN" panose="020B0300000000000000" pitchFamily="34" charset="-128"/>
-              </a:rPr>
-              <a:t> on J-STAGE </a:t>
-            </a:r>
-            <a:r>
-              <a:rPr lang="de" altLang="ja-JP" sz="1100" b="0" i="0" dirty="0" err="1">
-                <a:solidFill>
-                  <a:srgbClr val="000000"/>
-                </a:solidFill>
-                <a:effectLst/>
-                <a:latin typeface="Hiragino Kaku Gothic ProN" panose="020B0300000000000000" pitchFamily="34" charset="-128"/>
-                <a:ea typeface="Hiragino Kaku Gothic ProN" panose="020B0300000000000000" pitchFamily="34" charset="-128"/>
-              </a:rPr>
-              <a:t>October</a:t>
-            </a:r>
-            <a:r>
-              <a:rPr lang="de" altLang="ja-JP" sz="1100" b="0" i="0" dirty="0">
-                <a:solidFill>
-                  <a:srgbClr val="000000"/>
-                </a:solidFill>
-                <a:effectLst/>
-                <a:latin typeface="Hiragino Kaku Gothic ProN" panose="020B0300000000000000" pitchFamily="34" charset="-128"/>
-                <a:ea typeface="Hiragino Kaku Gothic ProN" panose="020B0300000000000000" pitchFamily="34" charset="-128"/>
-              </a:rPr>
-              <a:t> 13, 2011, Online ISSN 2185-811X, Print ISSN 1342-5668</a:t>
-            </a:r>
-            <a:endParaRPr kumimoji="1" lang="ja-JP" altLang="en-US" sz="1100"/>
+              <a:rPr kumimoji="1" lang="de" altLang="ja-JP" sz="1200" dirty="0" err="1"/>
+              <a:t>Computation</a:t>
+            </a:r>
+            <a:r>
+              <a:rPr kumimoji="1" lang="de" altLang="ja-JP" sz="1200" dirty="0"/>
+              <a:t> (CEC), Kraków, </a:t>
+            </a:r>
+            <a:r>
+              <a:rPr kumimoji="1" lang="de" altLang="ja-JP" sz="1200" dirty="0" err="1"/>
+              <a:t>Poland</a:t>
+            </a:r>
+            <a:r>
+              <a:rPr kumimoji="1" lang="de" altLang="ja-JP" sz="1200" dirty="0"/>
+              <a:t>, 2021, pp. 79-86, </a:t>
+            </a:r>
+            <a:r>
+              <a:rPr kumimoji="1" lang="de" altLang="ja-JP" sz="1200" dirty="0" err="1"/>
+              <a:t>doi</a:t>
+            </a:r>
+            <a:r>
+              <a:rPr kumimoji="1" lang="de" altLang="ja-JP" sz="1200" dirty="0"/>
+              <a:t>: 10.1109/CEC45853.2021.9504850.</a:t>
+            </a:r>
+            <a:endParaRPr kumimoji="1" lang="ja-JP" altLang="en-US" sz="1200"/>
           </a:p>
         </p:txBody>
       </p:sp>
     </p:spTree>
     <p:extLst>
       <p:ext uri="{BB962C8B-B14F-4D97-AF65-F5344CB8AC3E}">
-        <p14:creationId xmlns:p14="http://schemas.microsoft.com/office/powerpoint/2010/main" val="842676182"/>
+        <p14:creationId xmlns:p14="http://schemas.microsoft.com/office/powerpoint/2010/main" val="3561767430"/>
       </p:ext>
     </p:extLst>
   </p:cSld>

--- a/prsn/20230124_prsn_taira.pptx
+++ b/prsn/20230124_prsn_taira.pptx
@@ -2508,6 +2508,23 @@
           <a:bodyPr/>
           <a:lstStyle/>
           <a:p>
+            <a:pPr marL="216000" marR="0" lvl="0" indent="-216000" defTabSz="914400" rtl="0" eaLnBrk="1" fontAlgn="auto" latinLnBrk="0" hangingPunct="0">
+              <a:lnSpc>
+                <a:spcPct val="100000"/>
+              </a:lnSpc>
+              <a:spcBef>
+                <a:spcPts val="0"/>
+              </a:spcBef>
+              <a:spcAft>
+                <a:spcPts val="0"/>
+              </a:spcAft>
+              <a:buClrTx/>
+              <a:buSzTx/>
+              <a:buFontTx/>
+              <a:buNone/>
+              <a:tabLst/>
+              <a:defRPr/>
+            </a:pPr>
             <a:r>
               <a:rPr kumimoji="1" lang="ja-JP" altLang="en-US"/>
               <a:t>実験</a:t>
@@ -2518,7 +2535,23 @@
             </a:r>
             <a:r>
               <a:rPr kumimoji="1" lang="ja-JP" altLang="en-US"/>
-              <a:t>では，探索フェーズにおいて適応度評価エポック数を固定して実験をしました．この表にある通りの</a:t>
+              <a:t>では，探索フェーズにおいて適応度評価エポック数を固定して実験をし，</a:t>
+            </a:r>
+            <a:r>
+              <a:rPr lang="en-US" altLang="ja-JP" sz="2000" dirty="0"/>
+              <a:t>1 </a:t>
+            </a:r>
+            <a:r>
+              <a:rPr lang="ja-JP" altLang="en-US" sz="2000"/>
+              <a:t>エポックよりも適切な適応度評価エポック数が存在するかを調査</a:t>
+            </a:r>
+            <a:r>
+              <a:rPr kumimoji="1" lang="ja-JP" altLang="en-US" sz="2000"/>
+              <a:t>し</a:t>
+            </a:r>
+            <a:r>
+              <a:rPr kumimoji="1" lang="ja-JP" altLang="en-US"/>
+              <a:t>ました．この表にある通りの</a:t>
             </a:r>
             <a:r>
               <a:rPr kumimoji="1" lang="en-US" altLang="ja-JP" dirty="0"/>
@@ -2612,6 +2645,23 @@
           <a:bodyPr/>
           <a:lstStyle/>
           <a:p>
+            <a:pPr marL="216000" marR="0" lvl="0" indent="-216000" defTabSz="914400" rtl="0" eaLnBrk="1" fontAlgn="auto" latinLnBrk="0" hangingPunct="0">
+              <a:lnSpc>
+                <a:spcPct val="100000"/>
+              </a:lnSpc>
+              <a:spcBef>
+                <a:spcPts val="0"/>
+              </a:spcBef>
+              <a:spcAft>
+                <a:spcPts val="0"/>
+              </a:spcAft>
+              <a:buClrTx/>
+              <a:buSzTx/>
+              <a:buFontTx/>
+              <a:buNone/>
+              <a:tabLst/>
+              <a:defRPr/>
+            </a:pPr>
             <a:r>
               <a:rPr kumimoji="1" lang="ja-JP" altLang="en-US"/>
               <a:t>実験</a:t>
@@ -2638,7 +2688,15 @@
             </a:r>
             <a:r>
               <a:rPr kumimoji="1" lang="ja-JP" altLang="en-US"/>
-              <a:t>パターンで実験しました．</a:t>
+              <a:t>パターンで実験し，</a:t>
+            </a:r>
+            <a:r>
+              <a:rPr lang="ja-JP" altLang="en-US" sz="2000"/>
+              <a:t>探索序盤と終盤のどちらで適応度評価エポック数が多い場合がよいかを調査しました</a:t>
+            </a:r>
+            <a:r>
+              <a:rPr kumimoji="1" lang="ja-JP" altLang="en-US"/>
+              <a:t>．</a:t>
             </a:r>
           </a:p>
         </p:txBody>
@@ -3176,7 +3234,7 @@
             </a:r>
             <a:r>
               <a:rPr kumimoji="1" lang="ja-JP" altLang="en-US" sz="2000"/>
-              <a:t>探索が進むにつれてエポック数を増加させた場合の方がが良い性能の個体を獲得できたことが確認できます．</a:t>
+              <a:t>探索が進むにつれてエポック数を増加させた場合の方が良い性能の個体を獲得できたことが確認できます．</a:t>
             </a:r>
           </a:p>
           <a:p>
@@ -4549,15 +4607,7 @@
             </a:r>
             <a:r>
               <a:rPr kumimoji="1" lang="ja-JP" altLang="en-US"/>
-              <a:t>によって </a:t>
-            </a:r>
-            <a:r>
-              <a:rPr kumimoji="1" lang="de" altLang="ja-JP" dirty="0"/>
-              <a:t>CNN </a:t>
-            </a:r>
-            <a:r>
-              <a:rPr kumimoji="1" lang="ja-JP" altLang="en-US"/>
-              <a:t>の構造を自動最適化する手法です．</a:t>
+              <a:t>によって自動最適化する手法です．</a:t>
             </a:r>
           </a:p>
         </p:txBody>
@@ -12943,7 +12993,7 @@
         <p:spPr>
           <a:xfrm>
             <a:off x="283520" y="1379521"/>
-            <a:ext cx="6994222" cy="830997"/>
+            <a:ext cx="7253909" cy="1200329"/>
           </a:xfrm>
           <a:prstGeom prst="rect">
             <a:avLst/>
@@ -12964,14 +13014,29 @@
               <a:rPr kumimoji="1" lang="ja-JP" altLang="en-US" sz="2400"/>
               <a:t>探索フェーズでの適応度評価エポック数を固定</a:t>
             </a:r>
-            <a:endParaRPr kumimoji="1" lang="en-US" altLang="ja-JP" sz="2400" dirty="0"/>
-          </a:p>
-          <a:p>
-            <a:pPr marL="800100" lvl="1" indent="-342900">
+            <a:endParaRPr lang="en-US" altLang="ja-JP" sz="2400" dirty="0"/>
+          </a:p>
+          <a:p>
+            <a:pPr marL="342900" indent="-342900">
               <a:buFont typeface="Wingdings" pitchFamily="2" charset="2"/>
               <a:buChar char="p"/>
             </a:pPr>
-            <a:endParaRPr kumimoji="1" lang="ja-JP" altLang="en-US" sz="2400"/>
+            <a:r>
+              <a:rPr lang="en-US" altLang="ja-JP" sz="2400" dirty="0"/>
+              <a:t>1 </a:t>
+            </a:r>
+            <a:r>
+              <a:rPr lang="ja-JP" altLang="en-US" sz="2400"/>
+              <a:t>エポックよりも適切な適応度評価エポック数が</a:t>
+            </a:r>
+            <a:br>
+              <a:rPr lang="en-US" altLang="ja-JP" sz="2400" dirty="0"/>
+            </a:br>
+            <a:r>
+              <a:rPr lang="ja-JP" altLang="en-US" sz="2400"/>
+              <a:t>存在するかを調査</a:t>
+            </a:r>
+            <a:endParaRPr kumimoji="1" lang="en-US" altLang="ja-JP" sz="2400" dirty="0"/>
           </a:p>
         </p:txBody>
       </p:sp>
@@ -12990,13 +13055,13 @@
           <p:nvPr>
             <p:extLst>
               <p:ext uri="{D42A27DB-BD31-4B8C-83A1-F6EECF244321}">
-                <p14:modId xmlns:p14="http://schemas.microsoft.com/office/powerpoint/2010/main" val="742672103"/>
+                <p14:modId xmlns:p14="http://schemas.microsoft.com/office/powerpoint/2010/main" val="3156982683"/>
               </p:ext>
             </p:extLst>
           </p:nvPr>
         </p:nvGraphicFramePr>
         <p:xfrm>
-          <a:off x="1052961" y="1923115"/>
+          <a:off x="1052961" y="2594965"/>
           <a:ext cx="5455340" cy="2773680"/>
         </p:xfrm>
         <a:graphic>
@@ -13268,50 +13333,6 @@
           </a:graphicData>
         </a:graphic>
       </p:graphicFrame>
-      <p:sp>
-        <p:nvSpPr>
-          <p:cNvPr id="8" name="テキスト ボックス 7">
-            <a:extLst>
-              <a:ext uri="{FF2B5EF4-FFF2-40B4-BE49-F238E27FC236}">
-                <a16:creationId xmlns:a16="http://schemas.microsoft.com/office/drawing/2014/main" id="{231C5552-0372-88D2-08F8-A017C827BBEA}"/>
-              </a:ext>
-            </a:extLst>
-          </p:cNvPr>
-          <p:cNvSpPr txBox="1"/>
-          <p:nvPr/>
-        </p:nvSpPr>
-        <p:spPr>
-          <a:xfrm>
-            <a:off x="283520" y="4906980"/>
-            <a:ext cx="2945037" cy="461665"/>
-          </a:xfrm>
-          <a:prstGeom prst="rect">
-            <a:avLst/>
-          </a:prstGeom>
-          <a:noFill/>
-        </p:spPr>
-        <p:txBody>
-          <a:bodyPr wrap="none" rtlCol="0">
-            <a:spAutoFit/>
-          </a:bodyPr>
-          <a:lstStyle/>
-          <a:p>
-            <a:pPr marL="342900" indent="-342900">
-              <a:buFont typeface="Wingdings" pitchFamily="2" charset="2"/>
-              <a:buChar char="p"/>
-            </a:pPr>
-            <a:r>
-              <a:rPr lang="en-US" altLang="ja-JP" sz="2400" dirty="0"/>
-              <a:t>6 </a:t>
-            </a:r>
-            <a:r>
-              <a:rPr lang="ja-JP" altLang="en-US" sz="2400"/>
-              <a:t>パターンで実験</a:t>
-            </a:r>
-            <a:endParaRPr kumimoji="1" lang="ja-JP" altLang="en-US" sz="2400"/>
-          </a:p>
-        </p:txBody>
-      </p:sp>
     </p:spTree>
     <p:extLst>
       <p:ext uri="{BB962C8B-B14F-4D97-AF65-F5344CB8AC3E}">
@@ -13419,8 +13440,8 @@
         </p:nvSpPr>
         <p:spPr>
           <a:xfrm>
-            <a:off x="778212" y="1379521"/>
-            <a:ext cx="5147563" cy="830997"/>
+            <a:off x="142581" y="1331782"/>
+            <a:ext cx="7301999" cy="1569660"/>
           </a:xfrm>
           <a:prstGeom prst="rect">
             <a:avLst/>
@@ -13439,7 +13460,24 @@
             </a:pPr>
             <a:r>
               <a:rPr kumimoji="1" lang="ja-JP" altLang="en-US" sz="2400"/>
-              <a:t>エポック数を変化させながら探索</a:t>
+              <a:t>探索フェーズでの適応度評価エポック数を変化</a:t>
+            </a:r>
+          </a:p>
+          <a:p>
+            <a:pPr marL="342900" indent="-342900">
+              <a:buFont typeface="Wingdings" pitchFamily="2" charset="2"/>
+              <a:buChar char="p"/>
+            </a:pPr>
+            <a:r>
+              <a:rPr lang="ja-JP" altLang="en-US" sz="2400"/>
+              <a:t>探索序盤と終盤のどちらで適応度評価エポック数</a:t>
+            </a:r>
+            <a:br>
+              <a:rPr lang="en-US" altLang="ja-JP" sz="2400" dirty="0"/>
+            </a:br>
+            <a:r>
+              <a:rPr lang="ja-JP" altLang="en-US" sz="2400"/>
+              <a:t>が多い場合がよいかを調査</a:t>
             </a:r>
             <a:endParaRPr kumimoji="1" lang="en-US" altLang="ja-JP" sz="2400" dirty="0"/>
           </a:p>
@@ -13469,13 +13507,13 @@
               <p:nvPr>
                 <p:extLst>
                   <p:ext uri="{D42A27DB-BD31-4B8C-83A1-F6EECF244321}">
-                    <p14:modId xmlns:p14="http://schemas.microsoft.com/office/powerpoint/2010/main" val="2167049643"/>
+                    <p14:modId xmlns:p14="http://schemas.microsoft.com/office/powerpoint/2010/main" val="2746658961"/>
                   </p:ext>
                 </p:extLst>
               </p:nvPr>
             </p:nvGraphicFramePr>
             <p:xfrm>
-              <a:off x="797867" y="2025851"/>
+              <a:off x="811845" y="2835275"/>
               <a:ext cx="2801860" cy="2682240"/>
             </p:xfrm>
             <a:graphic>
@@ -13838,13 +13876,13 @@
               <p:nvPr>
                 <p:extLst>
                   <p:ext uri="{D42A27DB-BD31-4B8C-83A1-F6EECF244321}">
-                    <p14:modId xmlns:p14="http://schemas.microsoft.com/office/powerpoint/2010/main" val="2167049643"/>
+                    <p14:modId xmlns:p14="http://schemas.microsoft.com/office/powerpoint/2010/main" val="2746658961"/>
                   </p:ext>
                 </p:extLst>
               </p:nvPr>
             </p:nvGraphicFramePr>
             <p:xfrm>
-              <a:off x="797867" y="2025851"/>
+              <a:off x="811845" y="2835275"/>
               <a:ext cx="2801860" cy="2682240"/>
             </p:xfrm>
             <a:graphic>
@@ -13889,7 +13927,7 @@
                         <a:blipFill>
                           <a:blip r:embed="rId3"/>
                           <a:stretch>
-                            <a:fillRect l="-4000" t="-5455" r="-796000" b="-301818"/>
+                            <a:fillRect t="-5455" r="-796000" b="-301818"/>
                           </a:stretch>
                         </a:blipFill>
                       </a:tcPr>
@@ -14184,54 +14222,6 @@
           </p:graphicFrame>
         </mc:Fallback>
       </mc:AlternateContent>
-      <p:sp>
-        <p:nvSpPr>
-          <p:cNvPr id="8" name="テキスト ボックス 7">
-            <a:extLst>
-              <a:ext uri="{FF2B5EF4-FFF2-40B4-BE49-F238E27FC236}">
-                <a16:creationId xmlns:a16="http://schemas.microsoft.com/office/drawing/2014/main" id="{231C5552-0372-88D2-08F8-A017C827BBEA}"/>
-              </a:ext>
-            </a:extLst>
-          </p:cNvPr>
-          <p:cNvSpPr txBox="1"/>
-          <p:nvPr/>
-        </p:nvSpPr>
-        <p:spPr>
-          <a:xfrm>
-            <a:off x="778212" y="4916664"/>
-            <a:ext cx="6418745" cy="461665"/>
-          </a:xfrm>
-          <a:prstGeom prst="rect">
-            <a:avLst/>
-          </a:prstGeom>
-          <a:noFill/>
-        </p:spPr>
-        <p:txBody>
-          <a:bodyPr wrap="none" rtlCol="0">
-            <a:spAutoFit/>
-          </a:bodyPr>
-          <a:lstStyle/>
-          <a:p>
-            <a:pPr marL="342900" indent="-342900">
-              <a:buFont typeface="Wingdings" pitchFamily="2" charset="2"/>
-              <a:buChar char="p"/>
-            </a:pPr>
-            <a:r>
-              <a:rPr lang="ja-JP" altLang="en-US" sz="2400"/>
-              <a:t>エポック数増加と減少の</a:t>
-            </a:r>
-            <a:r>
-              <a:rPr lang="en-US" altLang="ja-JP" sz="2400" dirty="0"/>
-              <a:t> 2 </a:t>
-            </a:r>
-            <a:r>
-              <a:rPr lang="ja-JP" altLang="en-US" sz="2400"/>
-              <a:t>パターンで実験</a:t>
-            </a:r>
-            <a:endParaRPr kumimoji="1" lang="ja-JP" altLang="en-US" sz="2400"/>
-          </a:p>
-        </p:txBody>
-      </p:sp>
       <p:grpSp>
         <p:nvGrpSpPr>
           <p:cNvPr id="6" name="グループ化 5">
@@ -14246,7 +14236,7 @@
         </p:nvGrpSpPr>
         <p:grpSpPr>
           <a:xfrm>
-            <a:off x="105108" y="1795863"/>
+            <a:off x="119086" y="2605287"/>
             <a:ext cx="642026" cy="2912228"/>
             <a:chOff x="186920" y="1795863"/>
             <a:chExt cx="642026" cy="2912228"/>
@@ -14367,13 +14357,13 @@
               <p:nvPr>
                 <p:extLst>
                   <p:ext uri="{D42A27DB-BD31-4B8C-83A1-F6EECF244321}">
-                    <p14:modId xmlns:p14="http://schemas.microsoft.com/office/powerpoint/2010/main" val="1966964482"/>
+                    <p14:modId xmlns:p14="http://schemas.microsoft.com/office/powerpoint/2010/main" val="1846847450"/>
                   </p:ext>
                 </p:extLst>
               </p:nvPr>
             </p:nvGraphicFramePr>
             <p:xfrm>
-              <a:off x="4516035" y="2002983"/>
+              <a:off x="4530013" y="2812407"/>
               <a:ext cx="2801860" cy="2682240"/>
             </p:xfrm>
             <a:graphic>
@@ -14736,13 +14726,13 @@
               <p:nvPr>
                 <p:extLst>
                   <p:ext uri="{D42A27DB-BD31-4B8C-83A1-F6EECF244321}">
-                    <p14:modId xmlns:p14="http://schemas.microsoft.com/office/powerpoint/2010/main" val="1966964482"/>
+                    <p14:modId xmlns:p14="http://schemas.microsoft.com/office/powerpoint/2010/main" val="1846847450"/>
                   </p:ext>
                 </p:extLst>
               </p:nvPr>
             </p:nvGraphicFramePr>
             <p:xfrm>
-              <a:off x="4516035" y="2002983"/>
+              <a:off x="4530013" y="2812407"/>
               <a:ext cx="2801860" cy="2682240"/>
             </p:xfrm>
             <a:graphic>
@@ -14787,7 +14777,7 @@
                         <a:blipFill>
                           <a:blip r:embed="rId4"/>
                           <a:stretch>
-                            <a:fillRect l="-4167" t="-3636" r="-833333" b="-301818"/>
+                            <a:fillRect t="-5455" r="-833333" b="-301818"/>
                           </a:stretch>
                         </a:blipFill>
                       </a:tcPr>
@@ -15096,7 +15086,7 @@
         </p:nvGrpSpPr>
         <p:grpSpPr>
           <a:xfrm>
-            <a:off x="3823276" y="1795019"/>
+            <a:off x="3837254" y="2604443"/>
             <a:ext cx="642026" cy="2890204"/>
             <a:chOff x="186920" y="1817887"/>
             <a:chExt cx="642026" cy="2890204"/>

--- a/prsn/20230124_prsn_taira.pptx
+++ b/prsn/20230124_prsn_taira.pptx
@@ -2692,7 +2692,7 @@
             </a:r>
             <a:r>
               <a:rPr lang="ja-JP" altLang="en-US" sz="2000"/>
-              <a:t>探索序盤と終盤のどちらで適応度評価エポック数が多い場合がよいかを調査しました</a:t>
+              <a:t>探索序盤と終盤のどちらで適応度評価エポック数が多く設定するとよい個体を獲得できるかかを調査しました</a:t>
             </a:r>
             <a:r>
               <a:rPr kumimoji="1" lang="ja-JP" altLang="en-US"/>
@@ -13477,7 +13477,7 @@
             </a:br>
             <a:r>
               <a:rPr lang="ja-JP" altLang="en-US" sz="2400"/>
-              <a:t>が多い場合がよいかを調査</a:t>
+              <a:t>が多く設定すればよいかを調査</a:t>
             </a:r>
             <a:endParaRPr kumimoji="1" lang="en-US" altLang="ja-JP" sz="2400" dirty="0"/>
           </a:p>

--- a/prsn/20230124_prsn_taira.pptx
+++ b/prsn/20230124_prsn_taira.pptx
@@ -5,10 +5,10 @@
     <p:sldMasterId id="2147484057" r:id="rId1"/>
   </p:sldMasterIdLst>
   <p:notesMasterIdLst>
-    <p:notesMasterId r:id="rId36"/>
+    <p:notesMasterId r:id="rId37"/>
   </p:notesMasterIdLst>
   <p:handoutMasterIdLst>
-    <p:handoutMasterId r:id="rId37"/>
+    <p:handoutMasterId r:id="rId38"/>
   </p:handoutMasterIdLst>
   <p:sldIdLst>
     <p:sldId id="259" r:id="rId2"/>
@@ -18,33 +18,34 @@
     <p:sldId id="264" r:id="rId6"/>
     <p:sldId id="270" r:id="rId7"/>
     <p:sldId id="320" r:id="rId8"/>
-    <p:sldId id="269" r:id="rId9"/>
-    <p:sldId id="296" r:id="rId10"/>
-    <p:sldId id="266" r:id="rId11"/>
-    <p:sldId id="273" r:id="rId12"/>
-    <p:sldId id="274" r:id="rId13"/>
-    <p:sldId id="313" r:id="rId14"/>
-    <p:sldId id="299" r:id="rId15"/>
-    <p:sldId id="321" r:id="rId16"/>
-    <p:sldId id="323" r:id="rId17"/>
-    <p:sldId id="293" r:id="rId18"/>
-    <p:sldId id="291" r:id="rId19"/>
-    <p:sldId id="306" r:id="rId20"/>
-    <p:sldId id="292" r:id="rId21"/>
-    <p:sldId id="304" r:id="rId22"/>
-    <p:sldId id="307" r:id="rId23"/>
-    <p:sldId id="278" r:id="rId24"/>
-    <p:sldId id="283" r:id="rId25"/>
-    <p:sldId id="312" r:id="rId26"/>
-    <p:sldId id="303" r:id="rId27"/>
-    <p:sldId id="314" r:id="rId28"/>
-    <p:sldId id="322" r:id="rId29"/>
-    <p:sldId id="308" r:id="rId30"/>
-    <p:sldId id="309" r:id="rId31"/>
-    <p:sldId id="310" r:id="rId32"/>
-    <p:sldId id="262" r:id="rId33"/>
-    <p:sldId id="301" r:id="rId34"/>
-    <p:sldId id="311" r:id="rId35"/>
+    <p:sldId id="324" r:id="rId9"/>
+    <p:sldId id="325" r:id="rId10"/>
+    <p:sldId id="269" r:id="rId11"/>
+    <p:sldId id="296" r:id="rId12"/>
+    <p:sldId id="266" r:id="rId13"/>
+    <p:sldId id="273" r:id="rId14"/>
+    <p:sldId id="274" r:id="rId15"/>
+    <p:sldId id="313" r:id="rId16"/>
+    <p:sldId id="299" r:id="rId17"/>
+    <p:sldId id="321" r:id="rId18"/>
+    <p:sldId id="323" r:id="rId19"/>
+    <p:sldId id="293" r:id="rId20"/>
+    <p:sldId id="291" r:id="rId21"/>
+    <p:sldId id="306" r:id="rId22"/>
+    <p:sldId id="292" r:id="rId23"/>
+    <p:sldId id="304" r:id="rId24"/>
+    <p:sldId id="307" r:id="rId25"/>
+    <p:sldId id="278" r:id="rId26"/>
+    <p:sldId id="283" r:id="rId27"/>
+    <p:sldId id="312" r:id="rId28"/>
+    <p:sldId id="303" r:id="rId29"/>
+    <p:sldId id="314" r:id="rId30"/>
+    <p:sldId id="322" r:id="rId31"/>
+    <p:sldId id="308" r:id="rId32"/>
+    <p:sldId id="309" r:id="rId33"/>
+    <p:sldId id="310" r:id="rId34"/>
+    <p:sldId id="301" r:id="rId35"/>
+    <p:sldId id="311" r:id="rId36"/>
   </p:sldIdLst>
   <p:sldSz cx="7561263" cy="5670550"/>
   <p:notesSz cx="7559675" cy="10691813"/>
@@ -1015,23 +1016,15 @@
           <a:p>
             <a:r>
               <a:rPr kumimoji="1" lang="ja-JP" altLang="en-US"/>
-              <a:t>熱力学的遺伝アルゴリズム </a:t>
-            </a:r>
-            <a:r>
-              <a:rPr kumimoji="1" lang="de" altLang="ja-JP" dirty="0"/>
-              <a:t>TDGA </a:t>
+              <a:t>遺伝的アルゴリズム</a:t>
+            </a:r>
+            <a:r>
+              <a:rPr kumimoji="1" lang="en-US" altLang="ja-JP" dirty="0"/>
+              <a:t> GA </a:t>
             </a:r>
             <a:r>
               <a:rPr kumimoji="1" lang="ja-JP" altLang="en-US"/>
-              <a:t>は，個体の多様性維持をねらいとして，</a:t>
-            </a:r>
-            <a:r>
-              <a:rPr kumimoji="1" lang="de" altLang="ja-JP" dirty="0"/>
-              <a:t>GA </a:t>
-            </a:r>
-            <a:r>
-              <a:rPr kumimoji="1" lang="ja-JP" altLang="en-US"/>
-              <a:t>の選択ルールに熱力学的選択ルールを採用した手法です．</a:t>
+              <a:t>は，生物の進化からヒントを得た最適化手法で，問題の解を個体とみなし，その遺伝子を表現する配列に交叉，突然変異，選択といった操作を繰り返し適用します．そして，ある個体がどの程度優れているかの指標である適応度を各個体について計算し，高い適応度の個体を次世代に残し低い適応度の個体を淘汰するということをを複数世代繰り返すことによって，最終的に良い解を得る．</a:t>
             </a:r>
           </a:p>
         </p:txBody>
@@ -1063,7 +1056,7 @@
     </p:spTree>
     <p:extLst>
       <p:ext uri="{BB962C8B-B14F-4D97-AF65-F5344CB8AC3E}">
-        <p14:creationId xmlns:p14="http://schemas.microsoft.com/office/powerpoint/2010/main" val="175808227"/>
+        <p14:creationId xmlns:p14="http://schemas.microsoft.com/office/powerpoint/2010/main" val="3882176168"/>
       </p:ext>
     </p:extLst>
   </p:cSld>
@@ -1117,86 +1110,34 @@
           <a:bodyPr/>
           <a:lstStyle/>
           <a:p>
-            <a:pPr marL="216000" marR="0" lvl="0" indent="-216000" defTabSz="914400" rtl="0" eaLnBrk="1" fontAlgn="auto" latinLnBrk="0" hangingPunct="0">
-              <a:lnSpc>
-                <a:spcPct val="100000"/>
-              </a:lnSpc>
-              <a:spcBef>
-                <a:spcPts val="0"/>
-              </a:spcBef>
-              <a:spcAft>
-                <a:spcPts val="0"/>
-              </a:spcAft>
-              <a:buClrTx/>
-              <a:buSzTx/>
-              <a:buFontTx/>
-              <a:buNone/>
-              <a:tabLst/>
-              <a:defRPr/>
-            </a:pPr>
+            <a:r>
+              <a:rPr kumimoji="1" lang="en-US" altLang="ja-JP" dirty="0" err="1"/>
+              <a:t>gaCNN</a:t>
+            </a:r>
+            <a:r>
+              <a:rPr kumimoji="1" lang="en-US" altLang="ja-JP" dirty="0"/>
+              <a:t> </a:t>
+            </a:r>
             <a:r>
               <a:rPr kumimoji="1" lang="ja-JP" altLang="en-US"/>
-              <a:t>可変長遺伝子型熱力学的選択ルールは，</a:t>
-            </a:r>
-            <a:r>
-              <a:rPr kumimoji="1" lang="de" altLang="ja-JP" dirty="0" err="1"/>
-              <a:t>tdgaCNN</a:t>
+              <a:t>は</a:t>
+            </a:r>
+            <a:r>
+              <a:rPr kumimoji="1" lang="en-US" altLang="ja-JP" dirty="0"/>
+              <a:t> CNN </a:t>
+            </a:r>
+            <a:r>
+              <a:rPr kumimoji="1" lang="ja-JP" altLang="en-US"/>
+              <a:t>の構造を遺伝子符号化し，</a:t>
             </a:r>
             <a:r>
               <a:rPr kumimoji="1" lang="de" altLang="ja-JP" dirty="0"/>
-              <a:t>  </a:t>
+              <a:t>GA </a:t>
             </a:r>
             <a:r>
               <a:rPr kumimoji="1" lang="ja-JP" altLang="en-US"/>
-              <a:t>で提案された選択ルールで，温度 </a:t>
-            </a:r>
-            <a:r>
-              <a:rPr kumimoji="1" lang="en-US" altLang="ja-JP" dirty="0"/>
-              <a:t>T</a:t>
-            </a:r>
-            <a:r>
-              <a:rPr kumimoji="1" lang="de" altLang="ja-JP" dirty="0"/>
-              <a:t> </a:t>
-            </a:r>
-            <a:r>
-              <a:rPr kumimoji="1" lang="ja-JP" altLang="en-US"/>
-              <a:t>において熱平衡状態にあるシステムでは，状態の定常分布はこちらの式で表される自由エネルギー</a:t>
-            </a:r>
-            <a:r>
-              <a:rPr kumimoji="1" lang="en-US" altLang="ja-JP" dirty="0"/>
-              <a:t> F </a:t>
-            </a:r>
-            <a:r>
-              <a:rPr kumimoji="1" lang="ja-JP" altLang="en-US"/>
-              <a:t>を最小とする分布になることが知られています．この式の右辺第</a:t>
-            </a:r>
-            <a:r>
-              <a:rPr kumimoji="1" lang="en-US" altLang="ja-JP" dirty="0"/>
-              <a:t> 1 </a:t>
-            </a:r>
-            <a:r>
-              <a:rPr kumimoji="1" lang="ja-JP" altLang="en-US"/>
-              <a:t>項は，エネルギー最小化を追求する項，第</a:t>
-            </a:r>
-            <a:r>
-              <a:rPr kumimoji="1" lang="en-US" altLang="ja-JP" dirty="0"/>
-              <a:t> 2 </a:t>
-            </a:r>
-            <a:r>
-              <a:rPr kumimoji="1" lang="ja-JP" altLang="en-US"/>
-              <a:t>項は，系の状態の多様性を維持する項と解釈することができます．よって自由エネルギーを最小化するということは，</a:t>
-            </a:r>
-            <a:r>
-              <a:rPr kumimoji="1" lang="ja-JP" altLang="en-US" sz="2000">
-                <a:solidFill>
-                  <a:srgbClr val="FF0000"/>
-                </a:solidFill>
-              </a:rPr>
-              <a:t>多様性を維持しつつエネルギー最小化を追求することであると言えます．</a:t>
-            </a:r>
-          </a:p>
-          <a:p>
-            <a:endParaRPr kumimoji="1" lang="ja-JP" altLang="en-US"/>
+              <a:t>によって自動最適化する手法です．</a:t>
+            </a:r>
           </a:p>
         </p:txBody>
       </p:sp>
@@ -1227,7 +1168,7 @@
     </p:spTree>
     <p:extLst>
       <p:ext uri="{BB962C8B-B14F-4D97-AF65-F5344CB8AC3E}">
-        <p14:creationId xmlns:p14="http://schemas.microsoft.com/office/powerpoint/2010/main" val="1428562920"/>
+        <p14:creationId xmlns:p14="http://schemas.microsoft.com/office/powerpoint/2010/main" val="4041306956"/>
       </p:ext>
     </p:extLst>
   </p:cSld>
@@ -1283,29 +1224,24 @@
           <a:p>
             <a:r>
               <a:rPr kumimoji="1" lang="ja-JP" altLang="en-US"/>
-              <a:t>前のスライドのエントロピー</a:t>
-            </a:r>
-            <a:r>
-              <a:rPr kumimoji="1" lang="en-US" altLang="ja-JP" dirty="0"/>
-              <a:t> H </a:t>
+              <a:t>熱力学的遺伝アルゴリズム </a:t>
+            </a:r>
+            <a:r>
+              <a:rPr kumimoji="1" lang="de" altLang="ja-JP" dirty="0"/>
+              <a:t>TDGA </a:t>
             </a:r>
             <a:r>
               <a:rPr kumimoji="1" lang="ja-JP" altLang="en-US"/>
-              <a:t>はこのような式で表されます．</a:t>
-            </a:r>
-            <a:r>
-              <a:rPr kumimoji="1" lang="en-US" altLang="ja-JP" dirty="0"/>
-              <a:t>p</a:t>
+              <a:t>は，個体の多様性維持をねらいとして，</a:t>
+            </a:r>
+            <a:r>
+              <a:rPr kumimoji="1" lang="de" altLang="ja-JP" dirty="0"/>
+              <a:t>GA </a:t>
             </a:r>
             <a:r>
               <a:rPr kumimoji="1" lang="ja-JP" altLang="en-US"/>
-              <a:t>は</a:t>
-            </a:r>
-            <a:r>
-              <a:rPr kumimoji="1" lang="en-US" altLang="ja-JP" dirty="0"/>
-              <a:t>〜〜</a:t>
-            </a:r>
-            <a:endParaRPr kumimoji="1" lang="ja-JP" altLang="en-US"/>
+              <a:t>の選択ルールに熱力学的選択ルールを採用した手法です．</a:t>
+            </a:r>
           </a:p>
         </p:txBody>
       </p:sp>
@@ -1328,6 +1264,279 @@
             <a:fld id="{D4859A6D-CDBD-B344-BF57-2B4BBFE9F422}" type="slidenum">
               <a:rPr lang="en-US" altLang="ja-JP" smtClean="0"/>
               <a:t>12</a:t>
+            </a:fld>
+            <a:endParaRPr lang="ja-JP" altLang="en-US"/>
+          </a:p>
+        </p:txBody>
+      </p:sp>
+    </p:spTree>
+    <p:extLst>
+      <p:ext uri="{BB962C8B-B14F-4D97-AF65-F5344CB8AC3E}">
+        <p14:creationId xmlns:p14="http://schemas.microsoft.com/office/powerpoint/2010/main" val="175808227"/>
+      </p:ext>
+    </p:extLst>
+  </p:cSld>
+  <p:clrMapOvr>
+    <a:masterClrMapping/>
+  </p:clrMapOvr>
+</p:notes>
+</file>
+
+<file path=ppt/notesSlides/notesSlide13.xml><?xml version="1.0" encoding="utf-8"?>
+<p:notes xmlns:a="http://schemas.openxmlformats.org/drawingml/2006/main" xmlns:r="http://schemas.openxmlformats.org/officeDocument/2006/relationships" xmlns:p="http://schemas.openxmlformats.org/presentationml/2006/main">
+  <p:cSld>
+    <p:spTree>
+      <p:nvGrpSpPr>
+        <p:cNvPr id="1" name=""/>
+        <p:cNvGrpSpPr/>
+        <p:nvPr/>
+      </p:nvGrpSpPr>
+      <p:grpSpPr>
+        <a:xfrm>
+          <a:off x="0" y="0"/>
+          <a:ext cx="0" cy="0"/>
+          <a:chOff x="0" y="0"/>
+          <a:chExt cx="0" cy="0"/>
+        </a:xfrm>
+      </p:grpSpPr>
+      <p:sp>
+        <p:nvSpPr>
+          <p:cNvPr id="2" name="スライド イメージ プレースホルダー 1"/>
+          <p:cNvSpPr>
+            <a:spLocks noGrp="1" noRot="1" noChangeAspect="1"/>
+          </p:cNvSpPr>
+          <p:nvPr>
+            <p:ph type="sldImg"/>
+          </p:nvPr>
+        </p:nvSpPr>
+        <p:spPr/>
+      </p:sp>
+      <p:sp>
+        <p:nvSpPr>
+          <p:cNvPr id="3" name="ノート プレースホルダー 2"/>
+          <p:cNvSpPr>
+            <a:spLocks noGrp="1"/>
+          </p:cNvSpPr>
+          <p:nvPr>
+            <p:ph type="body" idx="1"/>
+          </p:nvPr>
+        </p:nvSpPr>
+        <p:spPr/>
+        <p:txBody>
+          <a:bodyPr/>
+          <a:lstStyle/>
+          <a:p>
+            <a:pPr marL="216000" marR="0" lvl="0" indent="-216000" defTabSz="914400" rtl="0" eaLnBrk="1" fontAlgn="auto" latinLnBrk="0" hangingPunct="0">
+              <a:lnSpc>
+                <a:spcPct val="100000"/>
+              </a:lnSpc>
+              <a:spcBef>
+                <a:spcPts val="0"/>
+              </a:spcBef>
+              <a:spcAft>
+                <a:spcPts val="0"/>
+              </a:spcAft>
+              <a:buClrTx/>
+              <a:buSzTx/>
+              <a:buFontTx/>
+              <a:buNone/>
+              <a:tabLst/>
+              <a:defRPr/>
+            </a:pPr>
+            <a:r>
+              <a:rPr kumimoji="1" lang="ja-JP" altLang="en-US"/>
+              <a:t>可変長遺伝子型熱力学的選択ルールは，</a:t>
+            </a:r>
+            <a:r>
+              <a:rPr kumimoji="1" lang="de" altLang="ja-JP" dirty="0" err="1"/>
+              <a:t>tdgaCNN</a:t>
+            </a:r>
+            <a:r>
+              <a:rPr kumimoji="1" lang="de" altLang="ja-JP" dirty="0"/>
+              <a:t>  </a:t>
+            </a:r>
+            <a:r>
+              <a:rPr kumimoji="1" lang="ja-JP" altLang="en-US"/>
+              <a:t>で提案された選択ルールで，温度 </a:t>
+            </a:r>
+            <a:r>
+              <a:rPr kumimoji="1" lang="en-US" altLang="ja-JP" dirty="0"/>
+              <a:t>T</a:t>
+            </a:r>
+            <a:r>
+              <a:rPr kumimoji="1" lang="de" altLang="ja-JP" dirty="0"/>
+              <a:t> </a:t>
+            </a:r>
+            <a:r>
+              <a:rPr kumimoji="1" lang="ja-JP" altLang="en-US"/>
+              <a:t>において熱平衡状態にあるシステムでは，状態の定常分布はこちらの式で表される自由エネルギー</a:t>
+            </a:r>
+            <a:r>
+              <a:rPr kumimoji="1" lang="en-US" altLang="ja-JP" dirty="0"/>
+              <a:t> F </a:t>
+            </a:r>
+            <a:r>
+              <a:rPr kumimoji="1" lang="ja-JP" altLang="en-US"/>
+              <a:t>を最小とする分布になることが知られています．この式の右辺第</a:t>
+            </a:r>
+            <a:r>
+              <a:rPr kumimoji="1" lang="en-US" altLang="ja-JP" dirty="0"/>
+              <a:t> 1 </a:t>
+            </a:r>
+            <a:r>
+              <a:rPr kumimoji="1" lang="ja-JP" altLang="en-US"/>
+              <a:t>項は，エネルギー最小化を追求する項，第</a:t>
+            </a:r>
+            <a:r>
+              <a:rPr kumimoji="1" lang="en-US" altLang="ja-JP" dirty="0"/>
+              <a:t> 2 </a:t>
+            </a:r>
+            <a:r>
+              <a:rPr kumimoji="1" lang="ja-JP" altLang="en-US"/>
+              <a:t>項は，系の状態の多様性を維持する項と解釈することができます．よって自由エネルギーを最小化するということは，</a:t>
+            </a:r>
+            <a:r>
+              <a:rPr kumimoji="1" lang="ja-JP" altLang="en-US" sz="2000">
+                <a:solidFill>
+                  <a:srgbClr val="FF0000"/>
+                </a:solidFill>
+              </a:rPr>
+              <a:t>多様性を維持しつつエネルギー最小化を追求することであると言えます．</a:t>
+            </a:r>
+          </a:p>
+          <a:p>
+            <a:endParaRPr kumimoji="1" lang="ja-JP" altLang="en-US"/>
+          </a:p>
+        </p:txBody>
+      </p:sp>
+      <p:sp>
+        <p:nvSpPr>
+          <p:cNvPr id="4" name="スライド番号プレースホルダー 3"/>
+          <p:cNvSpPr>
+            <a:spLocks noGrp="1"/>
+          </p:cNvSpPr>
+          <p:nvPr>
+            <p:ph type="sldNum" sz="quarter" idx="5"/>
+          </p:nvPr>
+        </p:nvSpPr>
+        <p:spPr/>
+        <p:txBody>
+          <a:bodyPr/>
+          <a:lstStyle/>
+          <a:p>
+            <a:pPr lvl="0"/>
+            <a:fld id="{D4859A6D-CDBD-B344-BF57-2B4BBFE9F422}" type="slidenum">
+              <a:rPr lang="en-US" altLang="ja-JP" smtClean="0"/>
+              <a:t>13</a:t>
+            </a:fld>
+            <a:endParaRPr lang="ja-JP" altLang="en-US"/>
+          </a:p>
+        </p:txBody>
+      </p:sp>
+    </p:spTree>
+    <p:extLst>
+      <p:ext uri="{BB962C8B-B14F-4D97-AF65-F5344CB8AC3E}">
+        <p14:creationId xmlns:p14="http://schemas.microsoft.com/office/powerpoint/2010/main" val="1428562920"/>
+      </p:ext>
+    </p:extLst>
+  </p:cSld>
+  <p:clrMapOvr>
+    <a:masterClrMapping/>
+  </p:clrMapOvr>
+</p:notes>
+</file>
+
+<file path=ppt/notesSlides/notesSlide14.xml><?xml version="1.0" encoding="utf-8"?>
+<p:notes xmlns:a="http://schemas.openxmlformats.org/drawingml/2006/main" xmlns:r="http://schemas.openxmlformats.org/officeDocument/2006/relationships" xmlns:p="http://schemas.openxmlformats.org/presentationml/2006/main">
+  <p:cSld>
+    <p:spTree>
+      <p:nvGrpSpPr>
+        <p:cNvPr id="1" name=""/>
+        <p:cNvGrpSpPr/>
+        <p:nvPr/>
+      </p:nvGrpSpPr>
+      <p:grpSpPr>
+        <a:xfrm>
+          <a:off x="0" y="0"/>
+          <a:ext cx="0" cy="0"/>
+          <a:chOff x="0" y="0"/>
+          <a:chExt cx="0" cy="0"/>
+        </a:xfrm>
+      </p:grpSpPr>
+      <p:sp>
+        <p:nvSpPr>
+          <p:cNvPr id="2" name="スライド イメージ プレースホルダー 1"/>
+          <p:cNvSpPr>
+            <a:spLocks noGrp="1" noRot="1" noChangeAspect="1"/>
+          </p:cNvSpPr>
+          <p:nvPr>
+            <p:ph type="sldImg"/>
+          </p:nvPr>
+        </p:nvSpPr>
+        <p:spPr/>
+      </p:sp>
+      <p:sp>
+        <p:nvSpPr>
+          <p:cNvPr id="3" name="ノート プレースホルダー 2"/>
+          <p:cNvSpPr>
+            <a:spLocks noGrp="1"/>
+          </p:cNvSpPr>
+          <p:nvPr>
+            <p:ph type="body" idx="1"/>
+          </p:nvPr>
+        </p:nvSpPr>
+        <p:spPr/>
+        <p:txBody>
+          <a:bodyPr/>
+          <a:lstStyle/>
+          <a:p>
+            <a:r>
+              <a:rPr kumimoji="1" lang="ja-JP" altLang="en-US"/>
+              <a:t>前のスライドのエントロピー</a:t>
+            </a:r>
+            <a:r>
+              <a:rPr kumimoji="1" lang="en-US" altLang="ja-JP" dirty="0"/>
+              <a:t> H </a:t>
+            </a:r>
+            <a:r>
+              <a:rPr kumimoji="1" lang="ja-JP" altLang="en-US"/>
+              <a:t>はこのような式で表されます．</a:t>
+            </a:r>
+            <a:r>
+              <a:rPr kumimoji="1" lang="en-US" altLang="ja-JP" dirty="0"/>
+              <a:t>p</a:t>
+            </a:r>
+            <a:r>
+              <a:rPr kumimoji="1" lang="ja-JP" altLang="en-US"/>
+              <a:t>は</a:t>
+            </a:r>
+            <a:r>
+              <a:rPr kumimoji="1" lang="en-US" altLang="ja-JP" dirty="0"/>
+              <a:t>〜〜</a:t>
+            </a:r>
+            <a:endParaRPr kumimoji="1" lang="ja-JP" altLang="en-US"/>
+          </a:p>
+        </p:txBody>
+      </p:sp>
+      <p:sp>
+        <p:nvSpPr>
+          <p:cNvPr id="4" name="スライド番号プレースホルダー 3"/>
+          <p:cNvSpPr>
+            <a:spLocks noGrp="1"/>
+          </p:cNvSpPr>
+          <p:nvPr>
+            <p:ph type="sldNum" sz="quarter" idx="5"/>
+          </p:nvPr>
+        </p:nvSpPr>
+        <p:spPr/>
+        <p:txBody>
+          <a:bodyPr/>
+          <a:lstStyle/>
+          <a:p>
+            <a:pPr lvl="0"/>
+            <a:fld id="{D4859A6D-CDBD-B344-BF57-2B4BBFE9F422}" type="slidenum">
+              <a:rPr lang="en-US" altLang="ja-JP" smtClean="0"/>
+              <a:t>14</a:t>
             </a:fld>
             <a:endParaRPr lang="ja-JP" altLang="en-US"/>
           </a:p>
@@ -1346,7 +1555,7 @@
 </p:notes>
 </file>
 
-<file path=ppt/notesSlides/notesSlide13.xml><?xml version="1.0" encoding="utf-8"?>
+<file path=ppt/notesSlides/notesSlide15.xml><?xml version="1.0" encoding="utf-8"?>
 <p:notes xmlns:a="http://schemas.openxmlformats.org/drawingml/2006/main" xmlns:r="http://schemas.openxmlformats.org/officeDocument/2006/relationships" xmlns:p="http://schemas.openxmlformats.org/presentationml/2006/main">
   <p:cSld>
     <p:spTree>
@@ -1551,7 +1760,7 @@
             <a:pPr lvl="0"/>
             <a:fld id="{D4859A6D-CDBD-B344-BF57-2B4BBFE9F422}" type="slidenum">
               <a:rPr lang="en-US" altLang="ja-JP" smtClean="0"/>
-              <a:t>13</a:t>
+              <a:t>15</a:t>
             </a:fld>
             <a:endParaRPr lang="ja-JP" altLang="en-US"/>
           </a:p>
@@ -1561,243 +1770,6 @@
     <p:extLst>
       <p:ext uri="{BB962C8B-B14F-4D97-AF65-F5344CB8AC3E}">
         <p14:creationId xmlns:p14="http://schemas.microsoft.com/office/powerpoint/2010/main" val="157035346"/>
-      </p:ext>
-    </p:extLst>
-  </p:cSld>
-  <p:clrMapOvr>
-    <a:masterClrMapping/>
-  </p:clrMapOvr>
-</p:notes>
-</file>
-
-<file path=ppt/notesSlides/notesSlide14.xml><?xml version="1.0" encoding="utf-8"?>
-<p:notes xmlns:a="http://schemas.openxmlformats.org/drawingml/2006/main" xmlns:r="http://schemas.openxmlformats.org/officeDocument/2006/relationships" xmlns:p="http://schemas.openxmlformats.org/presentationml/2006/main">
-  <p:cSld>
-    <p:spTree>
-      <p:nvGrpSpPr>
-        <p:cNvPr id="1" name=""/>
-        <p:cNvGrpSpPr/>
-        <p:nvPr/>
-      </p:nvGrpSpPr>
-      <p:grpSpPr>
-        <a:xfrm>
-          <a:off x="0" y="0"/>
-          <a:ext cx="0" cy="0"/>
-          <a:chOff x="0" y="0"/>
-          <a:chExt cx="0" cy="0"/>
-        </a:xfrm>
-      </p:grpSpPr>
-      <p:sp>
-        <p:nvSpPr>
-          <p:cNvPr id="2" name="スライド イメージ プレースホルダー 1"/>
-          <p:cNvSpPr>
-            <a:spLocks noGrp="1" noRot="1" noChangeAspect="1"/>
-          </p:cNvSpPr>
-          <p:nvPr>
-            <p:ph type="sldImg"/>
-          </p:nvPr>
-        </p:nvSpPr>
-        <p:spPr/>
-      </p:sp>
-      <p:sp>
-        <p:nvSpPr>
-          <p:cNvPr id="3" name="ノート プレースホルダー 2"/>
-          <p:cNvSpPr>
-            <a:spLocks noGrp="1"/>
-          </p:cNvSpPr>
-          <p:nvPr>
-            <p:ph type="body" idx="1"/>
-          </p:nvPr>
-        </p:nvSpPr>
-        <p:spPr/>
-        <p:txBody>
-          <a:bodyPr/>
-          <a:lstStyle/>
-          <a:p>
-            <a:pPr marL="216000" marR="0" lvl="0" indent="-216000" defTabSz="914400" rtl="0" eaLnBrk="1" fontAlgn="auto" latinLnBrk="0" hangingPunct="0">
-              <a:lnSpc>
-                <a:spcPct val="100000"/>
-              </a:lnSpc>
-              <a:spcBef>
-                <a:spcPts val="0"/>
-              </a:spcBef>
-              <a:spcAft>
-                <a:spcPts val="0"/>
-              </a:spcAft>
-              <a:buClrTx/>
-              <a:buSzTx/>
-              <a:buFontTx/>
-              <a:buNone/>
-              <a:tabLst/>
-              <a:defRPr/>
-            </a:pPr>
-            <a:r>
-              <a:rPr kumimoji="1" lang="en-US" altLang="ja-JP" dirty="0" err="1"/>
-              <a:t>tdgaCNN</a:t>
-            </a:r>
-            <a:r>
-              <a:rPr kumimoji="1" lang="en-US" altLang="ja-JP" dirty="0"/>
-              <a:t> </a:t>
-            </a:r>
-            <a:r>
-              <a:rPr kumimoji="1" lang="ja-JP" altLang="en-US"/>
-              <a:t>は，</a:t>
-            </a:r>
-            <a:r>
-              <a:rPr kumimoji="1" lang="en-US" altLang="ja-JP" dirty="0"/>
-              <a:t>CNN </a:t>
-            </a:r>
-            <a:r>
-              <a:rPr kumimoji="1" lang="ja-JP" altLang="en-US"/>
-              <a:t>構造の探索に</a:t>
-            </a:r>
-            <a:r>
-              <a:rPr kumimoji="1" lang="en-US" altLang="ja-JP" dirty="0"/>
-              <a:t> TDGA </a:t>
-            </a:r>
-            <a:r>
-              <a:rPr kumimoji="1" lang="ja-JP" altLang="en-US"/>
-              <a:t>を利用する手法で，</a:t>
-            </a:r>
-            <a:r>
-              <a:rPr kumimoji="1" lang="en-US" altLang="ja-JP" sz="2000" dirty="0" err="1"/>
-              <a:t>gaCNN</a:t>
-            </a:r>
-            <a:r>
-              <a:rPr kumimoji="1" lang="en-US" altLang="ja-JP" sz="2000" dirty="0"/>
-              <a:t> </a:t>
-            </a:r>
-            <a:r>
-              <a:rPr kumimoji="1" lang="ja-JP" altLang="en-US" sz="2000"/>
-              <a:t>を含む従来手法と比較して</a:t>
-            </a:r>
-            <a:r>
-              <a:rPr lang="ja-JP" altLang="en-US" sz="2000"/>
-              <a:t>良い個体を獲得できたことが報告されています．</a:t>
-            </a:r>
-            <a:endParaRPr kumimoji="1" lang="en-US" altLang="ja-JP" sz="2000" dirty="0"/>
-          </a:p>
-          <a:p>
-            <a:endParaRPr kumimoji="1" lang="ja-JP" altLang="en-US"/>
-          </a:p>
-        </p:txBody>
-      </p:sp>
-      <p:sp>
-        <p:nvSpPr>
-          <p:cNvPr id="4" name="スライド番号プレースホルダー 3"/>
-          <p:cNvSpPr>
-            <a:spLocks noGrp="1"/>
-          </p:cNvSpPr>
-          <p:nvPr>
-            <p:ph type="sldNum" sz="quarter" idx="5"/>
-          </p:nvPr>
-        </p:nvSpPr>
-        <p:spPr/>
-        <p:txBody>
-          <a:bodyPr/>
-          <a:lstStyle/>
-          <a:p>
-            <a:pPr lvl="0"/>
-            <a:fld id="{D4859A6D-CDBD-B344-BF57-2B4BBFE9F422}" type="slidenum">
-              <a:rPr lang="en-US" altLang="ja-JP" smtClean="0"/>
-              <a:t>14</a:t>
-            </a:fld>
-            <a:endParaRPr lang="ja-JP" altLang="en-US"/>
-          </a:p>
-        </p:txBody>
-      </p:sp>
-    </p:spTree>
-    <p:extLst>
-      <p:ext uri="{BB962C8B-B14F-4D97-AF65-F5344CB8AC3E}">
-        <p14:creationId xmlns:p14="http://schemas.microsoft.com/office/powerpoint/2010/main" val="3211323754"/>
-      </p:ext>
-    </p:extLst>
-  </p:cSld>
-  <p:clrMapOvr>
-    <a:masterClrMapping/>
-  </p:clrMapOvr>
-</p:notes>
-</file>
-
-<file path=ppt/notesSlides/notesSlide15.xml><?xml version="1.0" encoding="utf-8"?>
-<p:notes xmlns:a="http://schemas.openxmlformats.org/drawingml/2006/main" xmlns:r="http://schemas.openxmlformats.org/officeDocument/2006/relationships" xmlns:p="http://schemas.openxmlformats.org/presentationml/2006/main">
-  <p:cSld>
-    <p:spTree>
-      <p:nvGrpSpPr>
-        <p:cNvPr id="1" name=""/>
-        <p:cNvGrpSpPr/>
-        <p:nvPr/>
-      </p:nvGrpSpPr>
-      <p:grpSpPr>
-        <a:xfrm>
-          <a:off x="0" y="0"/>
-          <a:ext cx="0" cy="0"/>
-          <a:chOff x="0" y="0"/>
-          <a:chExt cx="0" cy="0"/>
-        </a:xfrm>
-      </p:grpSpPr>
-      <p:sp>
-        <p:nvSpPr>
-          <p:cNvPr id="2" name="スライド イメージ プレースホルダー 1"/>
-          <p:cNvSpPr>
-            <a:spLocks noGrp="1" noRot="1" noChangeAspect="1"/>
-          </p:cNvSpPr>
-          <p:nvPr>
-            <p:ph type="sldImg"/>
-          </p:nvPr>
-        </p:nvSpPr>
-        <p:spPr/>
-      </p:sp>
-      <p:sp>
-        <p:nvSpPr>
-          <p:cNvPr id="3" name="ノート プレースホルダー 2"/>
-          <p:cNvSpPr>
-            <a:spLocks noGrp="1"/>
-          </p:cNvSpPr>
-          <p:nvPr>
-            <p:ph type="body" idx="1"/>
-          </p:nvPr>
-        </p:nvSpPr>
-        <p:spPr/>
-        <p:txBody>
-          <a:bodyPr/>
-          <a:lstStyle/>
-          <a:p>
-            <a:r>
-              <a:rPr kumimoji="1" lang="ja-JP" altLang="en-US"/>
-              <a:t>実験です．</a:t>
-            </a:r>
-          </a:p>
-        </p:txBody>
-      </p:sp>
-      <p:sp>
-        <p:nvSpPr>
-          <p:cNvPr id="4" name="スライド番号プレースホルダー 3"/>
-          <p:cNvSpPr>
-            <a:spLocks noGrp="1"/>
-          </p:cNvSpPr>
-          <p:nvPr>
-            <p:ph type="sldNum" sz="quarter" idx="5"/>
-          </p:nvPr>
-        </p:nvSpPr>
-        <p:spPr/>
-        <p:txBody>
-          <a:bodyPr/>
-          <a:lstStyle/>
-          <a:p>
-            <a:pPr lvl="0"/>
-            <a:fld id="{D4859A6D-CDBD-B344-BF57-2B4BBFE9F422}" type="slidenum">
-              <a:rPr lang="en-US" altLang="ja-JP" smtClean="0"/>
-              <a:t>15</a:t>
-            </a:fld>
-            <a:endParaRPr lang="ja-JP" altLang="en-US"/>
-          </a:p>
-        </p:txBody>
-      </p:sp>
-    </p:spTree>
-    <p:extLst>
-      <p:ext uri="{BB962C8B-B14F-4D97-AF65-F5344CB8AC3E}">
-        <p14:creationId xmlns:p14="http://schemas.microsoft.com/office/powerpoint/2010/main" val="1677180091"/>
       </p:ext>
     </p:extLst>
   </p:cSld>
@@ -1869,12 +1841,36 @@
               <a:defRPr/>
             </a:pPr>
             <a:r>
-              <a:rPr kumimoji="1" lang="ja-JP" altLang="en-US" sz="2000"/>
-              <a:t>本実験では，</a:t>
+              <a:rPr kumimoji="1" lang="en-US" altLang="ja-JP" dirty="0" err="1"/>
+              <a:t>tdgaCNN</a:t>
+            </a:r>
+            <a:r>
+              <a:rPr kumimoji="1" lang="en-US" altLang="ja-JP" dirty="0"/>
+              <a:t> </a:t>
+            </a:r>
+            <a:r>
+              <a:rPr kumimoji="1" lang="ja-JP" altLang="en-US"/>
+              <a:t>は，</a:t>
+            </a:r>
+            <a:r>
+              <a:rPr kumimoji="1" lang="en-US" altLang="ja-JP" dirty="0"/>
+              <a:t>CNN </a:t>
+            </a:r>
+            <a:r>
+              <a:rPr kumimoji="1" lang="ja-JP" altLang="en-US"/>
+              <a:t>構造の探索に</a:t>
+            </a:r>
+            <a:r>
+              <a:rPr kumimoji="1" lang="en-US" altLang="ja-JP" dirty="0"/>
+              <a:t> TDGA </a:t>
+            </a:r>
+            <a:r>
+              <a:rPr kumimoji="1" lang="ja-JP" altLang="en-US"/>
+              <a:t>を利用する手法で，</a:t>
             </a:r>
             <a:r>
               <a:rPr kumimoji="1" lang="en-US" altLang="ja-JP" sz="2000" dirty="0" err="1"/>
-              <a:t>tdgaCNN</a:t>
+              <a:t>gaCNN</a:t>
             </a:r>
             <a:r>
               <a:rPr kumimoji="1" lang="en-US" altLang="ja-JP" sz="2000" dirty="0"/>
@@ -1882,8 +1878,13 @@
             </a:r>
             <a:r>
               <a:rPr kumimoji="1" lang="ja-JP" altLang="en-US" sz="2000"/>
-              <a:t>における適応度評価のための学習エポック数を適応度評価エポック数と定義して以降では説明させていただきます．</a:t>
-            </a:r>
+              <a:t>を含む従来手法と比較して</a:t>
+            </a:r>
+            <a:r>
+              <a:rPr lang="ja-JP" altLang="en-US" sz="2000"/>
+              <a:t>良い個体を獲得できたことが報告されています．</a:t>
+            </a:r>
+            <a:endParaRPr kumimoji="1" lang="en-US" altLang="ja-JP" sz="2000" dirty="0"/>
           </a:p>
           <a:p>
             <a:endParaRPr kumimoji="1" lang="ja-JP" altLang="en-US"/>
@@ -1917,7 +1918,7 @@
     </p:spTree>
     <p:extLst>
       <p:ext uri="{BB962C8B-B14F-4D97-AF65-F5344CB8AC3E}">
-        <p14:creationId xmlns:p14="http://schemas.microsoft.com/office/powerpoint/2010/main" val="1500371443"/>
+        <p14:creationId xmlns:p14="http://schemas.microsoft.com/office/powerpoint/2010/main" val="3211323754"/>
       </p:ext>
     </p:extLst>
   </p:cSld>
@@ -1971,139 +1972,10 @@
           <a:bodyPr/>
           <a:lstStyle/>
           <a:p>
-            <a:pPr marL="216000" marR="0" lvl="0" indent="-216000" defTabSz="914400" rtl="0" eaLnBrk="1" fontAlgn="auto" latinLnBrk="0" hangingPunct="0">
-              <a:lnSpc>
-                <a:spcPct val="100000"/>
-              </a:lnSpc>
-              <a:spcBef>
-                <a:spcPts val="0"/>
-              </a:spcBef>
-              <a:spcAft>
-                <a:spcPts val="0"/>
-              </a:spcAft>
-              <a:buClrTx/>
-              <a:buSzTx/>
-              <a:buFontTx/>
-              <a:buNone/>
-              <a:tabLst/>
-              <a:defRPr/>
-            </a:pPr>
             <a:r>
               <a:rPr kumimoji="1" lang="ja-JP" altLang="en-US"/>
-              <a:t>先行研究では，適応度評価エポック数は</a:t>
-            </a:r>
-            <a:r>
-              <a:rPr kumimoji="1" lang="en-US" altLang="ja-JP" dirty="0"/>
-              <a:t> 1 </a:t>
-            </a:r>
-            <a:r>
-              <a:rPr kumimoji="1" lang="ja-JP" altLang="en-US"/>
-              <a:t>と設定していました．そこで本実験ではエポック数が</a:t>
-            </a:r>
-            <a:r>
-              <a:rPr kumimoji="1" lang="en-US" altLang="ja-JP" dirty="0"/>
-              <a:t> </a:t>
-            </a:r>
-            <a:r>
-              <a:rPr kumimoji="1" lang="en-US" altLang="ja-JP" dirty="0" err="1"/>
-              <a:t>n_i</a:t>
-            </a:r>
-            <a:r>
-              <a:rPr kumimoji="1" lang="en-US" altLang="ja-JP" dirty="0"/>
-              <a:t> </a:t>
-            </a:r>
-            <a:r>
-              <a:rPr kumimoji="1" lang="ja-JP" altLang="en-US"/>
-              <a:t>である世代の数を</a:t>
-            </a:r>
-            <a:r>
-              <a:rPr kumimoji="1" lang="en-US" altLang="ja-JP" dirty="0"/>
-              <a:t> </a:t>
-            </a:r>
-            <a:r>
-              <a:rPr kumimoji="1" lang="en-US" altLang="ja-JP" dirty="0" err="1"/>
-              <a:t>g_i</a:t>
-            </a:r>
-            <a:r>
-              <a:rPr kumimoji="1" lang="en-US" altLang="ja-JP" dirty="0"/>
-              <a:t> </a:t>
-            </a:r>
-            <a:r>
-              <a:rPr kumimoji="1" lang="ja-JP" altLang="en-US"/>
-              <a:t>とした時，</a:t>
-            </a:r>
-            <a:r>
-              <a:rPr kumimoji="1" lang="en-US" altLang="ja-JP" dirty="0" err="1"/>
-              <a:t>n_i</a:t>
-            </a:r>
-            <a:r>
-              <a:rPr kumimoji="1" lang="en-US" altLang="ja-JP" dirty="0"/>
-              <a:t> </a:t>
-            </a:r>
-            <a:r>
-              <a:rPr kumimoji="1" lang="ja-JP" altLang="en-US"/>
-              <a:t>と</a:t>
-            </a:r>
-            <a:r>
-              <a:rPr kumimoji="1" lang="en-US" altLang="ja-JP" dirty="0"/>
-              <a:t> </a:t>
-            </a:r>
-            <a:r>
-              <a:rPr kumimoji="1" lang="en-US" altLang="ja-JP" dirty="0" err="1"/>
-              <a:t>g_i</a:t>
-            </a:r>
-            <a:r>
-              <a:rPr kumimoji="1" lang="en-US" altLang="ja-JP" dirty="0"/>
-              <a:t> </a:t>
-            </a:r>
-            <a:r>
-              <a:rPr kumimoji="1" lang="ja-JP" altLang="en-US"/>
-              <a:t>の積の</a:t>
-            </a:r>
-            <a:r>
-              <a:rPr kumimoji="1" lang="en-US" altLang="ja-JP" dirty="0"/>
-              <a:t> </a:t>
-            </a:r>
-            <a:r>
-              <a:rPr kumimoji="1" lang="en-US" altLang="ja-JP" dirty="0" err="1"/>
-              <a:t>i</a:t>
-            </a:r>
-            <a:r>
-              <a:rPr kumimoji="1" lang="en-US" altLang="ja-JP" dirty="0"/>
-              <a:t> </a:t>
-            </a:r>
-            <a:r>
-              <a:rPr kumimoji="1" lang="ja-JP" altLang="en-US"/>
-              <a:t>についての和が定数</a:t>
-            </a:r>
-            <a:r>
-              <a:rPr kumimoji="1" lang="en-US" altLang="ja-JP" dirty="0"/>
-              <a:t> c </a:t>
-            </a:r>
-            <a:r>
-              <a:rPr kumimoji="1" lang="ja-JP" altLang="en-US"/>
-              <a:t>となるように設定して，様々な適応度評価エポック数で実験しました．この式に従うことで，</a:t>
-            </a:r>
-            <a:r>
-              <a:rPr kumimoji="1" lang="en-US" altLang="ja-JP" sz="2000" dirty="0"/>
-              <a:t>CNN </a:t>
-            </a:r>
-            <a:r>
-              <a:rPr kumimoji="1" lang="ja-JP" altLang="en-US" sz="2000"/>
-              <a:t>の学習回数を一定に保って実験することができます．今回は</a:t>
-            </a:r>
-            <a:r>
-              <a:rPr kumimoji="1" lang="en-US" altLang="ja-JP" sz="2000" dirty="0"/>
-              <a:t> c = 80 </a:t>
-            </a:r>
-            <a:r>
-              <a:rPr kumimoji="1" lang="ja-JP" altLang="en-US" sz="2000"/>
-              <a:t>として実験しました．</a:t>
-            </a:r>
-            <a:endParaRPr kumimoji="1" lang="en-US" altLang="ja-JP" sz="2000" dirty="0"/>
-          </a:p>
-          <a:p>
-            <a:endParaRPr kumimoji="1" lang="ja-JP" altLang="en-US"/>
+              <a:t>実験です．</a:t>
+            </a:r>
           </a:p>
         </p:txBody>
       </p:sp>
@@ -2134,7 +2006,7 @@
     </p:spTree>
     <p:extLst>
       <p:ext uri="{BB962C8B-B14F-4D97-AF65-F5344CB8AC3E}">
-        <p14:creationId xmlns:p14="http://schemas.microsoft.com/office/powerpoint/2010/main" val="765527623"/>
+        <p14:creationId xmlns:p14="http://schemas.microsoft.com/office/powerpoint/2010/main" val="1677180091"/>
       </p:ext>
     </p:extLst>
   </p:cSld>
@@ -2188,54 +2060,42 @@
           <a:bodyPr/>
           <a:lstStyle/>
           <a:p>
-            <a:r>
-              <a:rPr kumimoji="1" lang="de" altLang="ja-JP" dirty="0" err="1"/>
+            <a:pPr marL="216000" marR="0" lvl="0" indent="-216000" defTabSz="914400" rtl="0" eaLnBrk="1" fontAlgn="auto" latinLnBrk="0" hangingPunct="0">
+              <a:lnSpc>
+                <a:spcPct val="100000"/>
+              </a:lnSpc>
+              <a:spcBef>
+                <a:spcPts val="0"/>
+              </a:spcBef>
+              <a:spcAft>
+                <a:spcPts val="0"/>
+              </a:spcAft>
+              <a:buClrTx/>
+              <a:buSzTx/>
+              <a:buFontTx/>
+              <a:buNone/>
+              <a:tabLst/>
+              <a:defRPr/>
+            </a:pPr>
+            <a:r>
+              <a:rPr kumimoji="1" lang="ja-JP" altLang="en-US" sz="2000"/>
+              <a:t>本実験では，</a:t>
+            </a:r>
+            <a:r>
+              <a:rPr kumimoji="1" lang="en-US" altLang="ja-JP" sz="2000" dirty="0" err="1"/>
               <a:t>tdgaCNN</a:t>
             </a:r>
             <a:r>
-              <a:rPr kumimoji="1" lang="de" altLang="ja-JP" dirty="0"/>
+              <a:rPr kumimoji="1" lang="en-US" altLang="ja-JP" sz="2000" dirty="0"/>
               <a:t> </a:t>
             </a:r>
             <a:r>
-              <a:rPr kumimoji="1" lang="ja-JP" altLang="en-US"/>
-              <a:t>実行にかかる時間を短縮するために，後の実験の初期個体群として，</a:t>
-            </a:r>
-            <a:r>
-              <a:rPr kumimoji="1" lang="de" altLang="ja-JP" dirty="0" err="1"/>
-              <a:t>tdgaCNN</a:t>
-            </a:r>
-            <a:r>
-              <a:rPr kumimoji="1" lang="de" altLang="ja-JP" dirty="0"/>
-              <a:t> </a:t>
-            </a:r>
-            <a:r>
-              <a:rPr kumimoji="1" lang="ja-JP" altLang="en-US"/>
-              <a:t>によってある程度適応度の平均を高めた個体群を作成しました．作成の際はランダムな </a:t>
-            </a:r>
-            <a:r>
-              <a:rPr kumimoji="1" lang="en-US" altLang="ja-JP" dirty="0"/>
-              <a:t>100 </a:t>
-            </a:r>
-            <a:r>
-              <a:rPr kumimoji="1" lang="ja-JP" altLang="en-US"/>
-              <a:t>個体を，適応度評価エポック数を </a:t>
-            </a:r>
-            <a:r>
-              <a:rPr kumimoji="1" lang="en-US" altLang="ja-JP" dirty="0"/>
-              <a:t>1 </a:t>
-            </a:r>
-            <a:r>
-              <a:rPr kumimoji="1" lang="ja-JP" altLang="en-US"/>
-              <a:t>として </a:t>
-            </a:r>
-            <a:r>
-              <a:rPr kumimoji="1" lang="en-US" altLang="ja-JP" dirty="0"/>
-              <a:t>20 </a:t>
-            </a:r>
-            <a:r>
-              <a:rPr kumimoji="1" lang="ja-JP" altLang="en-US"/>
-              <a:t>世代探索をしました，</a:t>
-            </a:r>
+              <a:rPr kumimoji="1" lang="ja-JP" altLang="en-US" sz="2000"/>
+              <a:t>における適応度評価のための学習エポック数を適応度評価エポック数と定義して以降では説明させていただきます．</a:t>
+            </a:r>
+          </a:p>
+          <a:p>
+            <a:endParaRPr kumimoji="1" lang="ja-JP" altLang="en-US"/>
           </a:p>
         </p:txBody>
       </p:sp>
@@ -2266,7 +2126,7 @@
     </p:spTree>
     <p:extLst>
       <p:ext uri="{BB962C8B-B14F-4D97-AF65-F5344CB8AC3E}">
-        <p14:creationId xmlns:p14="http://schemas.microsoft.com/office/powerpoint/2010/main" val="1153453313"/>
+        <p14:creationId xmlns:p14="http://schemas.microsoft.com/office/powerpoint/2010/main" val="1500371443"/>
       </p:ext>
     </p:extLst>
   </p:cSld>
@@ -2320,22 +2180,139 @@
           <a:bodyPr/>
           <a:lstStyle/>
           <a:p>
+            <a:pPr marL="216000" marR="0" lvl="0" indent="-216000" defTabSz="914400" rtl="0" eaLnBrk="1" fontAlgn="auto" latinLnBrk="0" hangingPunct="0">
+              <a:lnSpc>
+                <a:spcPct val="100000"/>
+              </a:lnSpc>
+              <a:spcBef>
+                <a:spcPts val="0"/>
+              </a:spcBef>
+              <a:spcAft>
+                <a:spcPts val="0"/>
+              </a:spcAft>
+              <a:buClrTx/>
+              <a:buSzTx/>
+              <a:buFontTx/>
+              <a:buNone/>
+              <a:tabLst/>
+              <a:defRPr/>
+            </a:pPr>
             <a:r>
               <a:rPr kumimoji="1" lang="ja-JP" altLang="en-US"/>
-              <a:t>データセットには </a:t>
-            </a:r>
-            <a:r>
-              <a:rPr kumimoji="1" lang="de" altLang="ja-JP" dirty="0" err="1"/>
-              <a:t>FashionMNIST</a:t>
-            </a:r>
-            <a:r>
-              <a:rPr kumimoji="1" lang="de" altLang="ja-JP" dirty="0"/>
+              <a:t>先行研究では，適応度評価エポック数は</a:t>
+            </a:r>
+            <a:r>
+              <a:rPr kumimoji="1" lang="en-US" altLang="ja-JP" dirty="0"/>
+              <a:t> 1 </a:t>
+            </a:r>
+            <a:r>
+              <a:rPr kumimoji="1" lang="ja-JP" altLang="en-US"/>
+              <a:t>と設定していました．そこで本実験ではエポック数が</a:t>
+            </a:r>
+            <a:r>
+              <a:rPr kumimoji="1" lang="en-US" altLang="ja-JP" dirty="0"/>
               <a:t> </a:t>
             </a:r>
             <a:r>
+              <a:rPr kumimoji="1" lang="en-US" altLang="ja-JP" dirty="0" err="1"/>
+              <a:t>n_i</a:t>
+            </a:r>
+            <a:r>
+              <a:rPr kumimoji="1" lang="en-US" altLang="ja-JP" dirty="0"/>
+              <a:t> </a:t>
+            </a:r>
+            <a:r>
               <a:rPr kumimoji="1" lang="ja-JP" altLang="en-US"/>
-              <a:t>をこの図のように分割して用いました．</a:t>
-            </a:r>
+              <a:t>である世代の数を</a:t>
+            </a:r>
+            <a:r>
+              <a:rPr kumimoji="1" lang="en-US" altLang="ja-JP" dirty="0"/>
+              <a:t> </a:t>
+            </a:r>
+            <a:r>
+              <a:rPr kumimoji="1" lang="en-US" altLang="ja-JP" dirty="0" err="1"/>
+              <a:t>g_i</a:t>
+            </a:r>
+            <a:r>
+              <a:rPr kumimoji="1" lang="en-US" altLang="ja-JP" dirty="0"/>
+              <a:t> </a:t>
+            </a:r>
+            <a:r>
+              <a:rPr kumimoji="1" lang="ja-JP" altLang="en-US"/>
+              <a:t>とした時，</a:t>
+            </a:r>
+            <a:r>
+              <a:rPr kumimoji="1" lang="en-US" altLang="ja-JP" dirty="0" err="1"/>
+              <a:t>n_i</a:t>
+            </a:r>
+            <a:r>
+              <a:rPr kumimoji="1" lang="en-US" altLang="ja-JP" dirty="0"/>
+              <a:t> </a:t>
+            </a:r>
+            <a:r>
+              <a:rPr kumimoji="1" lang="ja-JP" altLang="en-US"/>
+              <a:t>と</a:t>
+            </a:r>
+            <a:r>
+              <a:rPr kumimoji="1" lang="en-US" altLang="ja-JP" dirty="0"/>
+              <a:t> </a:t>
+            </a:r>
+            <a:r>
+              <a:rPr kumimoji="1" lang="en-US" altLang="ja-JP" dirty="0" err="1"/>
+              <a:t>g_i</a:t>
+            </a:r>
+            <a:r>
+              <a:rPr kumimoji="1" lang="en-US" altLang="ja-JP" dirty="0"/>
+              <a:t> </a:t>
+            </a:r>
+            <a:r>
+              <a:rPr kumimoji="1" lang="ja-JP" altLang="en-US"/>
+              <a:t>の積の</a:t>
+            </a:r>
+            <a:r>
+              <a:rPr kumimoji="1" lang="en-US" altLang="ja-JP" dirty="0"/>
+              <a:t> </a:t>
+            </a:r>
+            <a:r>
+              <a:rPr kumimoji="1" lang="en-US" altLang="ja-JP" dirty="0" err="1"/>
+              <a:t>i</a:t>
+            </a:r>
+            <a:r>
+              <a:rPr kumimoji="1" lang="en-US" altLang="ja-JP" dirty="0"/>
+              <a:t> </a:t>
+            </a:r>
+            <a:r>
+              <a:rPr kumimoji="1" lang="ja-JP" altLang="en-US"/>
+              <a:t>についての和が定数</a:t>
+            </a:r>
+            <a:r>
+              <a:rPr kumimoji="1" lang="en-US" altLang="ja-JP" dirty="0"/>
+              <a:t> c </a:t>
+            </a:r>
+            <a:r>
+              <a:rPr kumimoji="1" lang="ja-JP" altLang="en-US"/>
+              <a:t>となるように設定して，様々な適応度評価エポック数で実験しました．この式に従うことで，</a:t>
+            </a:r>
+            <a:r>
+              <a:rPr kumimoji="1" lang="en-US" altLang="ja-JP" sz="2000" dirty="0"/>
+              <a:t>CNN </a:t>
+            </a:r>
+            <a:r>
+              <a:rPr kumimoji="1" lang="ja-JP" altLang="en-US" sz="2000"/>
+              <a:t>の学習回数を一定に保って実験することができます．今回は</a:t>
+            </a:r>
+            <a:r>
+              <a:rPr kumimoji="1" lang="en-US" altLang="ja-JP" sz="2000" dirty="0"/>
+              <a:t> c = 80 </a:t>
+            </a:r>
+            <a:r>
+              <a:rPr kumimoji="1" lang="ja-JP" altLang="en-US" sz="2000"/>
+              <a:t>として実験しました．</a:t>
+            </a:r>
+            <a:endParaRPr kumimoji="1" lang="en-US" altLang="ja-JP" sz="2000" dirty="0"/>
+          </a:p>
+          <a:p>
+            <a:endParaRPr kumimoji="1" lang="ja-JP" altLang="en-US"/>
           </a:p>
         </p:txBody>
       </p:sp>
@@ -2366,7 +2343,7 @@
     </p:spTree>
     <p:extLst>
       <p:ext uri="{BB962C8B-B14F-4D97-AF65-F5344CB8AC3E}">
-        <p14:creationId xmlns:p14="http://schemas.microsoft.com/office/powerpoint/2010/main" val="2999582668"/>
+        <p14:creationId xmlns:p14="http://schemas.microsoft.com/office/powerpoint/2010/main" val="765527623"/>
       </p:ext>
     </p:extLst>
   </p:cSld>
@@ -2508,58 +2485,53 @@
           <a:bodyPr/>
           <a:lstStyle/>
           <a:p>
-            <a:pPr marL="216000" marR="0" lvl="0" indent="-216000" defTabSz="914400" rtl="0" eaLnBrk="1" fontAlgn="auto" latinLnBrk="0" hangingPunct="0">
-              <a:lnSpc>
-                <a:spcPct val="100000"/>
-              </a:lnSpc>
-              <a:spcBef>
-                <a:spcPts val="0"/>
-              </a:spcBef>
-              <a:spcAft>
-                <a:spcPts val="0"/>
-              </a:spcAft>
-              <a:buClrTx/>
-              <a:buSzTx/>
-              <a:buFontTx/>
-              <a:buNone/>
-              <a:tabLst/>
-              <a:defRPr/>
-            </a:pPr>
+            <a:r>
+              <a:rPr kumimoji="1" lang="de" altLang="ja-JP" dirty="0" err="1"/>
+              <a:t>tdgaCNN</a:t>
+            </a:r>
+            <a:r>
+              <a:rPr kumimoji="1" lang="de" altLang="ja-JP" dirty="0"/>
+              <a:t> </a:t>
+            </a:r>
             <a:r>
               <a:rPr kumimoji="1" lang="ja-JP" altLang="en-US"/>
-              <a:t>実験</a:t>
+              <a:t>実行にかかる時間を短縮するために，後の実験の初期個体群として，</a:t>
+            </a:r>
+            <a:r>
+              <a:rPr kumimoji="1" lang="de" altLang="ja-JP" dirty="0" err="1"/>
+              <a:t>tdgaCNN</a:t>
+            </a:r>
+            <a:r>
+              <a:rPr kumimoji="1" lang="de" altLang="ja-JP" dirty="0"/>
+              <a:t> </a:t>
+            </a:r>
+            <a:r>
+              <a:rPr kumimoji="1" lang="ja-JP" altLang="en-US"/>
+              <a:t>によってある程度適応度の平均を高めた個体群を作成しました．作成の際はランダムな </a:t>
             </a:r>
             <a:r>
               <a:rPr kumimoji="1" lang="en-US" altLang="ja-JP" dirty="0"/>
-              <a:t> 1 </a:t>
+              <a:t>100 </a:t>
             </a:r>
             <a:r>
               <a:rPr kumimoji="1" lang="ja-JP" altLang="en-US"/>
-              <a:t>では，探索フェーズにおいて適応度評価エポック数を固定して実験をし，</a:t>
-            </a:r>
-            <a:r>
-              <a:rPr lang="en-US" altLang="ja-JP" sz="2000" dirty="0"/>
+              <a:t>個体を，適応度評価エポック数を </a:t>
+            </a:r>
+            <a:r>
+              <a:rPr kumimoji="1" lang="en-US" altLang="ja-JP" dirty="0"/>
               <a:t>1 </a:t>
             </a:r>
             <a:r>
-              <a:rPr lang="ja-JP" altLang="en-US" sz="2000"/>
-              <a:t>エポックよりも適切な適応度評価エポック数が存在するかを調査</a:t>
-            </a:r>
-            <a:r>
-              <a:rPr kumimoji="1" lang="ja-JP" altLang="en-US" sz="2000"/>
-              <a:t>し</a:t>
-            </a:r>
-            <a:r>
               <a:rPr kumimoji="1" lang="ja-JP" altLang="en-US"/>
-              <a:t>ました．この表にある通りの</a:t>
+              <a:t>として </a:t>
             </a:r>
             <a:r>
               <a:rPr kumimoji="1" lang="en-US" altLang="ja-JP" dirty="0"/>
-              <a:t> 6 </a:t>
+              <a:t>20 </a:t>
             </a:r>
             <a:r>
               <a:rPr kumimoji="1" lang="ja-JP" altLang="en-US"/>
-              <a:t>パターンで実験しました．</a:t>
+              <a:t>世代探索をしました，</a:t>
             </a:r>
           </a:p>
         </p:txBody>
@@ -2591,7 +2563,7 @@
     </p:spTree>
     <p:extLst>
       <p:ext uri="{BB962C8B-B14F-4D97-AF65-F5344CB8AC3E}">
-        <p14:creationId xmlns:p14="http://schemas.microsoft.com/office/powerpoint/2010/main" val="670888599"/>
+        <p14:creationId xmlns:p14="http://schemas.microsoft.com/office/powerpoint/2010/main" val="1153453313"/>
       </p:ext>
     </p:extLst>
   </p:cSld>
@@ -2645,58 +2617,21 @@
           <a:bodyPr/>
           <a:lstStyle/>
           <a:p>
-            <a:pPr marL="216000" marR="0" lvl="0" indent="-216000" defTabSz="914400" rtl="0" eaLnBrk="1" fontAlgn="auto" latinLnBrk="0" hangingPunct="0">
-              <a:lnSpc>
-                <a:spcPct val="100000"/>
-              </a:lnSpc>
-              <a:spcBef>
-                <a:spcPts val="0"/>
-              </a:spcBef>
-              <a:spcAft>
-                <a:spcPts val="0"/>
-              </a:spcAft>
-              <a:buClrTx/>
-              <a:buSzTx/>
-              <a:buFontTx/>
-              <a:buNone/>
-              <a:tabLst/>
-              <a:defRPr/>
-            </a:pPr>
             <a:r>
               <a:rPr kumimoji="1" lang="ja-JP" altLang="en-US"/>
-              <a:t>実験</a:t>
-            </a:r>
-            <a:r>
-              <a:rPr kumimoji="1" lang="en-US" altLang="ja-JP" dirty="0"/>
-              <a:t> 2 </a:t>
+              <a:t>データセットには </a:t>
+            </a:r>
+            <a:r>
+              <a:rPr kumimoji="1" lang="de" altLang="ja-JP" dirty="0" err="1"/>
+              <a:t>FashionMNIST</a:t>
+            </a:r>
+            <a:r>
+              <a:rPr kumimoji="1" lang="de" altLang="ja-JP" dirty="0"/>
+              <a:t> </a:t>
             </a:r>
             <a:r>
               <a:rPr kumimoji="1" lang="ja-JP" altLang="en-US"/>
-              <a:t>では，探索フェーズでエポック数を変化させながら実験しました．世代を追うごとにエポック数を増加させる場合と減少させる場合の</a:t>
-            </a:r>
-            <a:r>
-              <a:rPr kumimoji="1" lang="en-US" altLang="ja-JP" dirty="0"/>
-              <a:t> 2 (</a:t>
-            </a:r>
-            <a:r>
-              <a:rPr kumimoji="1" lang="ja-JP" altLang="en-US"/>
-              <a:t>ふた</a:t>
-            </a:r>
-            <a:r>
-              <a:rPr kumimoji="1" lang="en-US" altLang="ja-JP" dirty="0"/>
-              <a:t>) </a:t>
-            </a:r>
-            <a:r>
-              <a:rPr kumimoji="1" lang="ja-JP" altLang="en-US"/>
-              <a:t>パターンで実験し，</a:t>
-            </a:r>
-            <a:r>
-              <a:rPr lang="ja-JP" altLang="en-US" sz="2000"/>
-              <a:t>探索序盤と終盤のどちらで適応度評価エポック数が多く設定するとよい個体を獲得できるかかを調査しました</a:t>
-            </a:r>
-            <a:r>
-              <a:rPr kumimoji="1" lang="ja-JP" altLang="en-US"/>
-              <a:t>．</a:t>
+              <a:t>をこの図のように分割して用いました．</a:t>
             </a:r>
           </a:p>
         </p:txBody>
@@ -2728,7 +2663,7 @@
     </p:spTree>
     <p:extLst>
       <p:ext uri="{BB962C8B-B14F-4D97-AF65-F5344CB8AC3E}">
-        <p14:creationId xmlns:p14="http://schemas.microsoft.com/office/powerpoint/2010/main" val="3298016691"/>
+        <p14:creationId xmlns:p14="http://schemas.microsoft.com/office/powerpoint/2010/main" val="2999582668"/>
       </p:ext>
     </p:extLst>
   </p:cSld>
@@ -2782,9 +2717,58 @@
           <a:bodyPr/>
           <a:lstStyle/>
           <a:p>
+            <a:pPr marL="216000" marR="0" lvl="0" indent="-216000" defTabSz="914400" rtl="0" eaLnBrk="1" fontAlgn="auto" latinLnBrk="0" hangingPunct="0">
+              <a:lnSpc>
+                <a:spcPct val="100000"/>
+              </a:lnSpc>
+              <a:spcBef>
+                <a:spcPts val="0"/>
+              </a:spcBef>
+              <a:spcAft>
+                <a:spcPts val="0"/>
+              </a:spcAft>
+              <a:buClrTx/>
+              <a:buSzTx/>
+              <a:buFontTx/>
+              <a:buNone/>
+              <a:tabLst/>
+              <a:defRPr/>
+            </a:pPr>
             <a:r>
               <a:rPr kumimoji="1" lang="ja-JP" altLang="en-US"/>
-              <a:t>実験条件です．エポック数，世代数，本学習エポック数を除いて，先行研究と同じ条件としました．</a:t>
+              <a:t>実験</a:t>
+            </a:r>
+            <a:r>
+              <a:rPr kumimoji="1" lang="en-US" altLang="ja-JP" dirty="0"/>
+              <a:t> 1 </a:t>
+            </a:r>
+            <a:r>
+              <a:rPr kumimoji="1" lang="ja-JP" altLang="en-US"/>
+              <a:t>では，探索フェーズにおいて適応度評価エポック数を固定して実験をし，</a:t>
+            </a:r>
+            <a:r>
+              <a:rPr lang="en-US" altLang="ja-JP" sz="2000" dirty="0"/>
+              <a:t>1 </a:t>
+            </a:r>
+            <a:r>
+              <a:rPr lang="ja-JP" altLang="en-US" sz="2000"/>
+              <a:t>エポックよりも適切な適応度評価エポック数が存在するかを調査</a:t>
+            </a:r>
+            <a:r>
+              <a:rPr kumimoji="1" lang="ja-JP" altLang="en-US" sz="2000"/>
+              <a:t>し</a:t>
+            </a:r>
+            <a:r>
+              <a:rPr kumimoji="1" lang="ja-JP" altLang="en-US"/>
+              <a:t>ました．この表にある通りの</a:t>
+            </a:r>
+            <a:r>
+              <a:rPr kumimoji="1" lang="en-US" altLang="ja-JP" dirty="0"/>
+              <a:t> 6 </a:t>
+            </a:r>
+            <a:r>
+              <a:rPr kumimoji="1" lang="ja-JP" altLang="en-US"/>
+              <a:t>パターンで実験しました．</a:t>
             </a:r>
           </a:p>
         </p:txBody>
@@ -2816,7 +2800,7 @@
     </p:spTree>
     <p:extLst>
       <p:ext uri="{BB962C8B-B14F-4D97-AF65-F5344CB8AC3E}">
-        <p14:creationId xmlns:p14="http://schemas.microsoft.com/office/powerpoint/2010/main" val="114043570"/>
+        <p14:creationId xmlns:p14="http://schemas.microsoft.com/office/powerpoint/2010/main" val="670888599"/>
       </p:ext>
     </p:extLst>
   </p:cSld>
@@ -2870,25 +2854,58 @@
           <a:bodyPr/>
           <a:lstStyle/>
           <a:p>
+            <a:pPr marL="216000" marR="0" lvl="0" indent="-216000" defTabSz="914400" rtl="0" eaLnBrk="1" fontAlgn="auto" latinLnBrk="0" hangingPunct="0">
+              <a:lnSpc>
+                <a:spcPct val="100000"/>
+              </a:lnSpc>
+              <a:spcBef>
+                <a:spcPts val="0"/>
+              </a:spcBef>
+              <a:spcAft>
+                <a:spcPts val="0"/>
+              </a:spcAft>
+              <a:buClrTx/>
+              <a:buSzTx/>
+              <a:buFontTx/>
+              <a:buNone/>
+              <a:tabLst/>
+              <a:defRPr/>
+            </a:pPr>
             <a:r>
               <a:rPr kumimoji="1" lang="ja-JP" altLang="en-US"/>
-              <a:t>初期個体群の作成結果です．このグラフの横軸は世代数，縦軸は適応度を示しています．探索前に</a:t>
+              <a:t>実験</a:t>
             </a:r>
             <a:r>
               <a:rPr kumimoji="1" lang="en-US" altLang="ja-JP" dirty="0"/>
-              <a:t> 63.26 % </a:t>
+              <a:t> 2 </a:t>
             </a:r>
             <a:r>
               <a:rPr kumimoji="1" lang="ja-JP" altLang="en-US"/>
-              <a:t>であった平均適応度が</a:t>
+              <a:t>では，探索フェーズでエポック数を変化させながら実験しました．世代を追うごとにエポック数を増加させる場合と減少させる場合の</a:t>
             </a:r>
             <a:r>
               <a:rPr kumimoji="1" lang="en-US" altLang="ja-JP" dirty="0"/>
-              <a:t> 85.64 % </a:t>
+              <a:t> 2 (</a:t>
             </a:r>
             <a:r>
               <a:rPr kumimoji="1" lang="ja-JP" altLang="en-US"/>
-              <a:t>と上昇したことが確認できたため，後の実験ではこの個体群を初期個体群として採用しました．</a:t>
+              <a:t>ふた</a:t>
+            </a:r>
+            <a:r>
+              <a:rPr kumimoji="1" lang="en-US" altLang="ja-JP" dirty="0"/>
+              <a:t>) </a:t>
+            </a:r>
+            <a:r>
+              <a:rPr kumimoji="1" lang="ja-JP" altLang="en-US"/>
+              <a:t>パターンで実験し，</a:t>
+            </a:r>
+            <a:r>
+              <a:rPr lang="ja-JP" altLang="en-US" sz="2000"/>
+              <a:t>探索序盤と終盤のどちらで適応度評価エポック数が多く設定するとよい個体を獲得できるかかを調査しました</a:t>
+            </a:r>
+            <a:r>
+              <a:rPr kumimoji="1" lang="ja-JP" altLang="en-US"/>
+              <a:t>．</a:t>
             </a:r>
           </a:p>
         </p:txBody>
@@ -2920,7 +2937,7 @@
     </p:spTree>
     <p:extLst>
       <p:ext uri="{BB962C8B-B14F-4D97-AF65-F5344CB8AC3E}">
-        <p14:creationId xmlns:p14="http://schemas.microsoft.com/office/powerpoint/2010/main" val="3079735668"/>
+        <p14:creationId xmlns:p14="http://schemas.microsoft.com/office/powerpoint/2010/main" val="3298016691"/>
       </p:ext>
     </p:extLst>
   </p:cSld>
@@ -2976,39 +2993,7 @@
           <a:p>
             <a:r>
               <a:rPr kumimoji="1" lang="ja-JP" altLang="en-US"/>
-              <a:t>実験</a:t>
-            </a:r>
-            <a:r>
-              <a:rPr kumimoji="1" lang="en-US" altLang="ja-JP" dirty="0"/>
-              <a:t> 1 </a:t>
-            </a:r>
-            <a:r>
-              <a:rPr kumimoji="1" lang="ja-JP" altLang="en-US"/>
-              <a:t>の結果です．この表は，本学習後の個体の最良識別精度を表しており，適応度評価エポック数が増加するにつれて精度が良くなり，</a:t>
-            </a:r>
-            <a:r>
-              <a:rPr kumimoji="1" lang="en-US" altLang="ja-JP" dirty="0"/>
-              <a:t>16 </a:t>
-            </a:r>
-            <a:r>
-              <a:rPr kumimoji="1" lang="ja-JP" altLang="en-US"/>
-              <a:t>世代</a:t>
-            </a:r>
-            <a:r>
-              <a:rPr kumimoji="1" lang="en-US" altLang="ja-JP" dirty="0"/>
-              <a:t> 5 </a:t>
-            </a:r>
-            <a:r>
-              <a:rPr kumimoji="1" lang="ja-JP" altLang="en-US"/>
-              <a:t>エポックで識別精度</a:t>
-            </a:r>
-            <a:r>
-              <a:rPr kumimoji="1" lang="en-US" altLang="ja-JP" dirty="0"/>
-              <a:t> 93.09 % </a:t>
-            </a:r>
-            <a:r>
-              <a:rPr kumimoji="1" lang="ja-JP" altLang="en-US"/>
-              <a:t>と，ピークを迎え，その後は識別精度が悪化していったことが確認できます．</a:t>
+              <a:t>実験条件です．エポック数，世代数，本学習エポック数を除いて，先行研究と同じ条件としました．</a:t>
             </a:r>
           </a:p>
         </p:txBody>
@@ -3040,7 +3025,7 @@
     </p:spTree>
     <p:extLst>
       <p:ext uri="{BB962C8B-B14F-4D97-AF65-F5344CB8AC3E}">
-        <p14:creationId xmlns:p14="http://schemas.microsoft.com/office/powerpoint/2010/main" val="3064724617"/>
+        <p14:creationId xmlns:p14="http://schemas.microsoft.com/office/powerpoint/2010/main" val="114043570"/>
       </p:ext>
     </p:extLst>
   </p:cSld>
@@ -3094,30 +3079,25 @@
           <a:bodyPr/>
           <a:lstStyle/>
           <a:p>
-            <a:pPr marL="216000" marR="0" lvl="0" indent="-216000" defTabSz="914400" rtl="0" eaLnBrk="1" fontAlgn="auto" latinLnBrk="0" hangingPunct="0">
-              <a:lnSpc>
-                <a:spcPct val="100000"/>
-              </a:lnSpc>
-              <a:spcBef>
-                <a:spcPts val="0"/>
-              </a:spcBef>
-              <a:spcAft>
-                <a:spcPts val="0"/>
-              </a:spcAft>
-              <a:buClrTx/>
-              <a:buSzTx/>
-              <a:buFontTx/>
-              <a:buNone/>
-              <a:tabLst/>
-              <a:defRPr/>
-            </a:pPr>
             <a:r>
               <a:rPr kumimoji="1" lang="ja-JP" altLang="en-US"/>
-              <a:t>この結果から，エポック数を適切に設定して学習することで，</a:t>
-            </a:r>
-            <a:r>
-              <a:rPr kumimoji="1" lang="ja-JP" altLang="en-US" sz="2000"/>
-              <a:t>個体本来の性能をより適切に評価可能であるということが考察できます．</a:t>
+              <a:t>初期個体群の作成結果です．このグラフの横軸は世代数，縦軸は適応度を示しています．探索前に</a:t>
+            </a:r>
+            <a:r>
+              <a:rPr kumimoji="1" lang="en-US" altLang="ja-JP" dirty="0"/>
+              <a:t> 63.26 % </a:t>
+            </a:r>
+            <a:r>
+              <a:rPr kumimoji="1" lang="ja-JP" altLang="en-US"/>
+              <a:t>であった平均適応度が</a:t>
+            </a:r>
+            <a:r>
+              <a:rPr kumimoji="1" lang="en-US" altLang="ja-JP" dirty="0"/>
+              <a:t> 85.64 % </a:t>
+            </a:r>
+            <a:r>
+              <a:rPr kumimoji="1" lang="ja-JP" altLang="en-US"/>
+              <a:t>と上昇したことが確認できたため，後の実験ではこの個体群を初期個体群として採用しました．</a:t>
             </a:r>
           </a:p>
         </p:txBody>
@@ -3149,7 +3129,7 @@
     </p:spTree>
     <p:extLst>
       <p:ext uri="{BB962C8B-B14F-4D97-AF65-F5344CB8AC3E}">
-        <p14:creationId xmlns:p14="http://schemas.microsoft.com/office/powerpoint/2010/main" val="2709099853"/>
+        <p14:creationId xmlns:p14="http://schemas.microsoft.com/office/powerpoint/2010/main" val="3079735668"/>
       </p:ext>
     </p:extLst>
   </p:cSld>
@@ -3203,42 +3183,42 @@
           <a:bodyPr/>
           <a:lstStyle/>
           <a:p>
-            <a:pPr marL="216000" marR="0" lvl="0" indent="-216000" defTabSz="914400" rtl="0" eaLnBrk="1" fontAlgn="auto" latinLnBrk="0" hangingPunct="0">
-              <a:lnSpc>
-                <a:spcPct val="100000"/>
-              </a:lnSpc>
-              <a:spcBef>
-                <a:spcPts val="0"/>
-              </a:spcBef>
-              <a:spcAft>
-                <a:spcPts val="0"/>
-              </a:spcAft>
-              <a:buClrTx/>
-              <a:buSzTx/>
-              <a:buFontTx/>
-              <a:buNone/>
-              <a:tabLst/>
-              <a:defRPr/>
-            </a:pPr>
             <a:r>
               <a:rPr kumimoji="1" lang="ja-JP" altLang="en-US"/>
-              <a:t>　実験</a:t>
+              <a:t>実験</a:t>
             </a:r>
             <a:r>
               <a:rPr kumimoji="1" lang="en-US" altLang="ja-JP" dirty="0"/>
-              <a:t> 2 </a:t>
+              <a:t> 1 </a:t>
             </a:r>
             <a:r>
               <a:rPr kumimoji="1" lang="ja-JP" altLang="en-US"/>
-              <a:t>の結果です．こちらの表も本学習後の個体の最良識別精度を表しており，</a:t>
-            </a:r>
-            <a:r>
-              <a:rPr kumimoji="1" lang="ja-JP" altLang="en-US" sz="2000"/>
-              <a:t>探索が進むにつれてエポック数を増加させた場合の方が良い性能の個体を獲得できたことが確認できます．</a:t>
-            </a:r>
-          </a:p>
-          <a:p>
-            <a:endParaRPr kumimoji="1" lang="ja-JP" altLang="en-US"/>
+              <a:t>の結果です．この表は，本学習後の個体の最良識別精度を表しており，適応度評価エポック数が増加するにつれて精度が良くなり，</a:t>
+            </a:r>
+            <a:r>
+              <a:rPr kumimoji="1" lang="en-US" altLang="ja-JP" dirty="0"/>
+              <a:t>16 </a:t>
+            </a:r>
+            <a:r>
+              <a:rPr kumimoji="1" lang="ja-JP" altLang="en-US"/>
+              <a:t>世代</a:t>
+            </a:r>
+            <a:r>
+              <a:rPr kumimoji="1" lang="en-US" altLang="ja-JP" dirty="0"/>
+              <a:t> 5 </a:t>
+            </a:r>
+            <a:r>
+              <a:rPr kumimoji="1" lang="ja-JP" altLang="en-US"/>
+              <a:t>エポックで識別精度</a:t>
+            </a:r>
+            <a:r>
+              <a:rPr kumimoji="1" lang="en-US" altLang="ja-JP" dirty="0"/>
+              <a:t> 93.09 % </a:t>
+            </a:r>
+            <a:r>
+              <a:rPr kumimoji="1" lang="ja-JP" altLang="en-US"/>
+              <a:t>と，ピークを迎え，その後は識別精度が悪化していったことが確認できます．</a:t>
+            </a:r>
           </a:p>
         </p:txBody>
       </p:sp>
@@ -3269,7 +3249,7 @@
     </p:spTree>
     <p:extLst>
       <p:ext uri="{BB962C8B-B14F-4D97-AF65-F5344CB8AC3E}">
-        <p14:creationId xmlns:p14="http://schemas.microsoft.com/office/powerpoint/2010/main" val="1286196298"/>
+        <p14:creationId xmlns:p14="http://schemas.microsoft.com/office/powerpoint/2010/main" val="3064724617"/>
       </p:ext>
     </p:extLst>
   </p:cSld>
@@ -3323,17 +3303,30 @@
           <a:bodyPr/>
           <a:lstStyle/>
           <a:p>
+            <a:pPr marL="216000" marR="0" lvl="0" indent="-216000" defTabSz="914400" rtl="0" eaLnBrk="1" fontAlgn="auto" latinLnBrk="0" hangingPunct="0">
+              <a:lnSpc>
+                <a:spcPct val="100000"/>
+              </a:lnSpc>
+              <a:spcBef>
+                <a:spcPts val="0"/>
+              </a:spcBef>
+              <a:spcAft>
+                <a:spcPts val="0"/>
+              </a:spcAft>
+              <a:buClrTx/>
+              <a:buSzTx/>
+              <a:buFontTx/>
+              <a:buNone/>
+              <a:tabLst/>
+              <a:defRPr/>
+            </a:pPr>
             <a:r>
               <a:rPr kumimoji="1" lang="ja-JP" altLang="en-US"/>
-              <a:t>探索終盤にエポック数を増加させると本学習で良い性能を発揮したという結果から，</a:t>
-            </a:r>
-            <a:r>
-              <a:rPr kumimoji="1" lang="en-US" altLang="ja-JP" dirty="0"/>
-              <a:t> 100 </a:t>
-            </a:r>
-            <a:r>
-              <a:rPr kumimoji="1" lang="ja-JP" altLang="en-US"/>
-              <a:t>エポックである本学習直前に相対的に多いエポック数で評価すると本学習でも良い性能を発揮できるということが考察できます．</a:t>
+              <a:t>この結果から，エポック数を適切に設定して学習することで，</a:t>
+            </a:r>
+            <a:r>
+              <a:rPr kumimoji="1" lang="ja-JP" altLang="en-US" sz="2000"/>
+              <a:t>個体本来の性能をより適切に評価可能であるということが考察できます．</a:t>
             </a:r>
           </a:p>
         </p:txBody>
@@ -3365,7 +3358,7 @@
     </p:spTree>
     <p:extLst>
       <p:ext uri="{BB962C8B-B14F-4D97-AF65-F5344CB8AC3E}">
-        <p14:creationId xmlns:p14="http://schemas.microsoft.com/office/powerpoint/2010/main" val="160019023"/>
+        <p14:creationId xmlns:p14="http://schemas.microsoft.com/office/powerpoint/2010/main" val="2709099853"/>
       </p:ext>
     </p:extLst>
   </p:cSld>
@@ -3419,10 +3412,42 @@
           <a:bodyPr/>
           <a:lstStyle/>
           <a:p>
+            <a:pPr marL="216000" marR="0" lvl="0" indent="-216000" defTabSz="914400" rtl="0" eaLnBrk="1" fontAlgn="auto" latinLnBrk="0" hangingPunct="0">
+              <a:lnSpc>
+                <a:spcPct val="100000"/>
+              </a:lnSpc>
+              <a:spcBef>
+                <a:spcPts val="0"/>
+              </a:spcBef>
+              <a:spcAft>
+                <a:spcPts val="0"/>
+              </a:spcAft>
+              <a:buClrTx/>
+              <a:buSzTx/>
+              <a:buFontTx/>
+              <a:buNone/>
+              <a:tabLst/>
+              <a:defRPr/>
+            </a:pPr>
             <a:r>
               <a:rPr kumimoji="1" lang="ja-JP" altLang="en-US"/>
-              <a:t>まとめと今後の課題です．</a:t>
-            </a:r>
+              <a:t>　実験</a:t>
+            </a:r>
+            <a:r>
+              <a:rPr kumimoji="1" lang="en-US" altLang="ja-JP" dirty="0"/>
+              <a:t> 2 </a:t>
+            </a:r>
+            <a:r>
+              <a:rPr kumimoji="1" lang="ja-JP" altLang="en-US"/>
+              <a:t>の結果です．こちらの表も本学習後の個体の最良識別精度を表しており，</a:t>
+            </a:r>
+            <a:r>
+              <a:rPr kumimoji="1" lang="ja-JP" altLang="en-US" sz="2000"/>
+              <a:t>探索が進むにつれてエポック数を増加させた場合の方が良い性能の個体を獲得できたことが確認できます．</a:t>
+            </a:r>
+          </a:p>
+          <a:p>
+            <a:endParaRPr kumimoji="1" lang="ja-JP" altLang="en-US"/>
           </a:p>
         </p:txBody>
       </p:sp>
@@ -3453,7 +3478,7 @@
     </p:spTree>
     <p:extLst>
       <p:ext uri="{BB962C8B-B14F-4D97-AF65-F5344CB8AC3E}">
-        <p14:creationId xmlns:p14="http://schemas.microsoft.com/office/powerpoint/2010/main" val="2274202789"/>
+        <p14:creationId xmlns:p14="http://schemas.microsoft.com/office/powerpoint/2010/main" val="1286196298"/>
       </p:ext>
     </p:extLst>
   </p:cSld>
@@ -3507,66 +3532,18 @@
           <a:bodyPr/>
           <a:lstStyle/>
           <a:p>
-            <a:pPr marL="216000" marR="0" lvl="0" indent="-216000" defTabSz="914400" rtl="0" eaLnBrk="1" fontAlgn="auto" latinLnBrk="0" hangingPunct="0">
-              <a:lnSpc>
-                <a:spcPct val="100000"/>
-              </a:lnSpc>
-              <a:spcBef>
-                <a:spcPts val="0"/>
-              </a:spcBef>
-              <a:spcAft>
-                <a:spcPts val="0"/>
-              </a:spcAft>
-              <a:buClrTx/>
-              <a:buSzTx/>
-              <a:buFontTx/>
-              <a:buNone/>
-              <a:tabLst/>
-              <a:defRPr/>
-            </a:pPr>
             <a:r>
               <a:rPr kumimoji="1" lang="ja-JP" altLang="en-US"/>
-              <a:t>本実験から，</a:t>
-            </a:r>
-            <a:r>
-              <a:rPr lang="en-US" altLang="ja-JP" sz="2000" dirty="0"/>
-              <a:t>1 </a:t>
-            </a:r>
-            <a:r>
-              <a:rPr lang="ja-JP" altLang="en-US" sz="2000"/>
-              <a:t>エポックよりも，適応度評価に最適なエポック数があること，</a:t>
-            </a:r>
-            <a:r>
-              <a:rPr lang="ja-JP" altLang="en-US" sz="2000" b="0" i="0">
-                <a:effectLst/>
-                <a:latin typeface="Courier New" panose="02070309020205020404" pitchFamily="49" charset="0"/>
-              </a:rPr>
-              <a:t>探索終盤に適応度評価エポック数を増やす方が，より良い個体が得られるということが確認できました．</a:t>
-            </a:r>
-            <a:endParaRPr lang="en-US" altLang="ja-JP" sz="2000" dirty="0"/>
-          </a:p>
-          <a:p>
-            <a:pPr marL="216000" marR="0" lvl="0" indent="-216000" defTabSz="914400" rtl="0" eaLnBrk="1" fontAlgn="auto" latinLnBrk="0" hangingPunct="0">
-              <a:lnSpc>
-                <a:spcPct val="100000"/>
-              </a:lnSpc>
-              <a:spcBef>
-                <a:spcPts val="0"/>
-              </a:spcBef>
-              <a:spcAft>
-                <a:spcPts val="0"/>
-              </a:spcAft>
-              <a:buClrTx/>
-              <a:buSzTx/>
-              <a:buFontTx/>
-              <a:buNone/>
-              <a:tabLst/>
-              <a:defRPr/>
-            </a:pPr>
-            <a:endParaRPr lang="en-US" altLang="ja-JP" sz="2000" dirty="0"/>
-          </a:p>
-          <a:p>
-            <a:endParaRPr kumimoji="1" lang="ja-JP" altLang="en-US"/>
+              <a:t>探索終盤にエポック数を増加させると本学習で良い性能を発揮したという結果から，</a:t>
+            </a:r>
+            <a:r>
+              <a:rPr kumimoji="1" lang="en-US" altLang="ja-JP" dirty="0"/>
+              <a:t> 100 </a:t>
+            </a:r>
+            <a:r>
+              <a:rPr kumimoji="1" lang="ja-JP" altLang="en-US"/>
+              <a:t>エポックである本学習直前に相対的に多いエポック数で評価すると本学習でも良い性能を発揮できるということが考察できます．</a:t>
+            </a:r>
           </a:p>
         </p:txBody>
       </p:sp>
@@ -3597,7 +3574,7 @@
     </p:spTree>
     <p:extLst>
       <p:ext uri="{BB962C8B-B14F-4D97-AF65-F5344CB8AC3E}">
-        <p14:creationId xmlns:p14="http://schemas.microsoft.com/office/powerpoint/2010/main" val="2151447776"/>
+        <p14:creationId xmlns:p14="http://schemas.microsoft.com/office/powerpoint/2010/main" val="160019023"/>
       </p:ext>
     </p:extLst>
   </p:cSld>
@@ -3739,59 +3716,10 @@
           <a:bodyPr/>
           <a:lstStyle/>
           <a:p>
-            <a:pPr marL="216000" marR="0" lvl="0" indent="-216000" defTabSz="914400" rtl="0" eaLnBrk="1" fontAlgn="auto" latinLnBrk="0" hangingPunct="0">
-              <a:lnSpc>
-                <a:spcPct val="100000"/>
-              </a:lnSpc>
-              <a:spcBef>
-                <a:spcPts val="0"/>
-              </a:spcBef>
-              <a:spcAft>
-                <a:spcPts val="0"/>
-              </a:spcAft>
-              <a:buClrTx/>
-              <a:buSzTx/>
-              <a:buFontTx/>
-              <a:buNone/>
-              <a:tabLst/>
-              <a:defRPr/>
-            </a:pPr>
             <a:r>
               <a:rPr kumimoji="1" lang="ja-JP" altLang="en-US"/>
-              <a:t>今後の課題として，</a:t>
-            </a:r>
-            <a:r>
-              <a:rPr kumimoji="1" lang="ja-JP" altLang="en-US" sz="2000"/>
-              <a:t>試行回数を増やして，適応度評価手法ごとの信頼区間を調査すること，様々な条件下で実験するときの適応度評価エポック数最適化手法を</a:t>
-            </a:r>
-            <a:r>
-              <a:rPr lang="ja-JP" altLang="en-US" sz="2000"/>
-              <a:t>提案</a:t>
-            </a:r>
-            <a:r>
-              <a:rPr kumimoji="1" lang="ja-JP" altLang="en-US" sz="2000"/>
-              <a:t>することが挙げられます，</a:t>
-            </a:r>
-          </a:p>
-          <a:p>
-            <a:pPr marL="216000" marR="0" lvl="0" indent="-216000" defTabSz="914400" rtl="0" eaLnBrk="1" fontAlgn="auto" latinLnBrk="0" hangingPunct="0">
-              <a:lnSpc>
-                <a:spcPct val="100000"/>
-              </a:lnSpc>
-              <a:spcBef>
-                <a:spcPts val="0"/>
-              </a:spcBef>
-              <a:spcAft>
-                <a:spcPts val="0"/>
-              </a:spcAft>
-              <a:buClrTx/>
-              <a:buSzTx/>
-              <a:buFontTx/>
-              <a:buNone/>
-              <a:tabLst/>
-              <a:defRPr/>
-            </a:pPr>
-            <a:endParaRPr kumimoji="1" lang="en-US" altLang="ja-JP" sz="2000" dirty="0"/>
+              <a:t>まとめと今後の課題です．</a:t>
+            </a:r>
           </a:p>
         </p:txBody>
       </p:sp>
@@ -3822,7 +3750,7 @@
     </p:spTree>
     <p:extLst>
       <p:ext uri="{BB962C8B-B14F-4D97-AF65-F5344CB8AC3E}">
-        <p14:creationId xmlns:p14="http://schemas.microsoft.com/office/powerpoint/2010/main" val="3163487778"/>
+        <p14:creationId xmlns:p14="http://schemas.microsoft.com/office/powerpoint/2010/main" val="2274202789"/>
       </p:ext>
     </p:extLst>
   </p:cSld>
@@ -3876,10 +3804,66 @@
           <a:bodyPr/>
           <a:lstStyle/>
           <a:p>
+            <a:pPr marL="216000" marR="0" lvl="0" indent="-216000" defTabSz="914400" rtl="0" eaLnBrk="1" fontAlgn="auto" latinLnBrk="0" hangingPunct="0">
+              <a:lnSpc>
+                <a:spcPct val="100000"/>
+              </a:lnSpc>
+              <a:spcBef>
+                <a:spcPts val="0"/>
+              </a:spcBef>
+              <a:spcAft>
+                <a:spcPts val="0"/>
+              </a:spcAft>
+              <a:buClrTx/>
+              <a:buSzTx/>
+              <a:buFontTx/>
+              <a:buNone/>
+              <a:tabLst/>
+              <a:defRPr/>
+            </a:pPr>
             <a:r>
               <a:rPr kumimoji="1" lang="ja-JP" altLang="en-US"/>
-              <a:t>以上で発表を終わります，ご清聴ありがとうございました．</a:t>
-            </a:r>
+              <a:t>本実験から，</a:t>
+            </a:r>
+            <a:r>
+              <a:rPr lang="en-US" altLang="ja-JP" sz="2000" dirty="0"/>
+              <a:t>1 </a:t>
+            </a:r>
+            <a:r>
+              <a:rPr lang="ja-JP" altLang="en-US" sz="2000"/>
+              <a:t>エポックよりも，適応度評価に最適なエポック数があること，</a:t>
+            </a:r>
+            <a:r>
+              <a:rPr lang="ja-JP" altLang="en-US" sz="2000" b="0" i="0">
+                <a:effectLst/>
+                <a:latin typeface="Courier New" panose="02070309020205020404" pitchFamily="49" charset="0"/>
+              </a:rPr>
+              <a:t>探索終盤に適応度評価エポック数を増やす方が，より良い個体が得られるということが確認できました．</a:t>
+            </a:r>
+            <a:endParaRPr lang="en-US" altLang="ja-JP" sz="2000" dirty="0"/>
+          </a:p>
+          <a:p>
+            <a:pPr marL="216000" marR="0" lvl="0" indent="-216000" defTabSz="914400" rtl="0" eaLnBrk="1" fontAlgn="auto" latinLnBrk="0" hangingPunct="0">
+              <a:lnSpc>
+                <a:spcPct val="100000"/>
+              </a:lnSpc>
+              <a:spcBef>
+                <a:spcPts val="0"/>
+              </a:spcBef>
+              <a:spcAft>
+                <a:spcPts val="0"/>
+              </a:spcAft>
+              <a:buClrTx/>
+              <a:buSzTx/>
+              <a:buFontTx/>
+              <a:buNone/>
+              <a:tabLst/>
+              <a:defRPr/>
+            </a:pPr>
+            <a:endParaRPr lang="en-US" altLang="ja-JP" sz="2000" dirty="0"/>
+          </a:p>
+          <a:p>
+            <a:endParaRPr kumimoji="1" lang="ja-JP" altLang="en-US"/>
           </a:p>
         </p:txBody>
       </p:sp>
@@ -3902,6 +3886,231 @@
             <a:fld id="{D4859A6D-CDBD-B344-BF57-2B4BBFE9F422}" type="slidenum">
               <a:rPr lang="en-US" altLang="ja-JP" smtClean="0"/>
               <a:t>31</a:t>
+            </a:fld>
+            <a:endParaRPr lang="ja-JP" altLang="en-US"/>
+          </a:p>
+        </p:txBody>
+      </p:sp>
+    </p:spTree>
+    <p:extLst>
+      <p:ext uri="{BB962C8B-B14F-4D97-AF65-F5344CB8AC3E}">
+        <p14:creationId xmlns:p14="http://schemas.microsoft.com/office/powerpoint/2010/main" val="2151447776"/>
+      </p:ext>
+    </p:extLst>
+  </p:cSld>
+  <p:clrMapOvr>
+    <a:masterClrMapping/>
+  </p:clrMapOvr>
+</p:notes>
+</file>
+
+<file path=ppt/notesSlides/notesSlide32.xml><?xml version="1.0" encoding="utf-8"?>
+<p:notes xmlns:a="http://schemas.openxmlformats.org/drawingml/2006/main" xmlns:r="http://schemas.openxmlformats.org/officeDocument/2006/relationships" xmlns:p="http://schemas.openxmlformats.org/presentationml/2006/main">
+  <p:cSld>
+    <p:spTree>
+      <p:nvGrpSpPr>
+        <p:cNvPr id="1" name=""/>
+        <p:cNvGrpSpPr/>
+        <p:nvPr/>
+      </p:nvGrpSpPr>
+      <p:grpSpPr>
+        <a:xfrm>
+          <a:off x="0" y="0"/>
+          <a:ext cx="0" cy="0"/>
+          <a:chOff x="0" y="0"/>
+          <a:chExt cx="0" cy="0"/>
+        </a:xfrm>
+      </p:grpSpPr>
+      <p:sp>
+        <p:nvSpPr>
+          <p:cNvPr id="2" name="スライド イメージ プレースホルダー 1"/>
+          <p:cNvSpPr>
+            <a:spLocks noGrp="1" noRot="1" noChangeAspect="1"/>
+          </p:cNvSpPr>
+          <p:nvPr>
+            <p:ph type="sldImg"/>
+          </p:nvPr>
+        </p:nvSpPr>
+        <p:spPr/>
+      </p:sp>
+      <p:sp>
+        <p:nvSpPr>
+          <p:cNvPr id="3" name="ノート プレースホルダー 2"/>
+          <p:cNvSpPr>
+            <a:spLocks noGrp="1"/>
+          </p:cNvSpPr>
+          <p:nvPr>
+            <p:ph type="body" idx="1"/>
+          </p:nvPr>
+        </p:nvSpPr>
+        <p:spPr/>
+        <p:txBody>
+          <a:bodyPr/>
+          <a:lstStyle/>
+          <a:p>
+            <a:pPr marL="216000" marR="0" lvl="0" indent="-216000" defTabSz="914400" rtl="0" eaLnBrk="1" fontAlgn="auto" latinLnBrk="0" hangingPunct="0">
+              <a:lnSpc>
+                <a:spcPct val="100000"/>
+              </a:lnSpc>
+              <a:spcBef>
+                <a:spcPts val="0"/>
+              </a:spcBef>
+              <a:spcAft>
+                <a:spcPts val="0"/>
+              </a:spcAft>
+              <a:buClrTx/>
+              <a:buSzTx/>
+              <a:buFontTx/>
+              <a:buNone/>
+              <a:tabLst/>
+              <a:defRPr/>
+            </a:pPr>
+            <a:r>
+              <a:rPr kumimoji="1" lang="ja-JP" altLang="en-US"/>
+              <a:t>今後の課題として，</a:t>
+            </a:r>
+            <a:r>
+              <a:rPr kumimoji="1" lang="ja-JP" altLang="en-US" sz="2000"/>
+              <a:t>試行回数を増やして，適応度評価手法ごとの信頼区間を調査すること，様々な条件下で実験するときの適応度評価エポック数最適化手法を</a:t>
+            </a:r>
+            <a:r>
+              <a:rPr lang="ja-JP" altLang="en-US" sz="2000"/>
+              <a:t>提案</a:t>
+            </a:r>
+            <a:r>
+              <a:rPr kumimoji="1" lang="ja-JP" altLang="en-US" sz="2000"/>
+              <a:t>することが挙げられます，</a:t>
+            </a:r>
+          </a:p>
+          <a:p>
+            <a:pPr marL="216000" marR="0" lvl="0" indent="-216000" defTabSz="914400" rtl="0" eaLnBrk="1" fontAlgn="auto" latinLnBrk="0" hangingPunct="0">
+              <a:lnSpc>
+                <a:spcPct val="100000"/>
+              </a:lnSpc>
+              <a:spcBef>
+                <a:spcPts val="0"/>
+              </a:spcBef>
+              <a:spcAft>
+                <a:spcPts val="0"/>
+              </a:spcAft>
+              <a:buClrTx/>
+              <a:buSzTx/>
+              <a:buFontTx/>
+              <a:buNone/>
+              <a:tabLst/>
+              <a:defRPr/>
+            </a:pPr>
+            <a:endParaRPr kumimoji="1" lang="en-US" altLang="ja-JP" sz="2000" dirty="0"/>
+          </a:p>
+        </p:txBody>
+      </p:sp>
+      <p:sp>
+        <p:nvSpPr>
+          <p:cNvPr id="4" name="スライド番号プレースホルダー 3"/>
+          <p:cNvSpPr>
+            <a:spLocks noGrp="1"/>
+          </p:cNvSpPr>
+          <p:nvPr>
+            <p:ph type="sldNum" sz="quarter" idx="5"/>
+          </p:nvPr>
+        </p:nvSpPr>
+        <p:spPr/>
+        <p:txBody>
+          <a:bodyPr/>
+          <a:lstStyle/>
+          <a:p>
+            <a:pPr lvl="0"/>
+            <a:fld id="{D4859A6D-CDBD-B344-BF57-2B4BBFE9F422}" type="slidenum">
+              <a:rPr lang="en-US" altLang="ja-JP" smtClean="0"/>
+              <a:t>32</a:t>
+            </a:fld>
+            <a:endParaRPr lang="ja-JP" altLang="en-US"/>
+          </a:p>
+        </p:txBody>
+      </p:sp>
+    </p:spTree>
+    <p:extLst>
+      <p:ext uri="{BB962C8B-B14F-4D97-AF65-F5344CB8AC3E}">
+        <p14:creationId xmlns:p14="http://schemas.microsoft.com/office/powerpoint/2010/main" val="3163487778"/>
+      </p:ext>
+    </p:extLst>
+  </p:cSld>
+  <p:clrMapOvr>
+    <a:masterClrMapping/>
+  </p:clrMapOvr>
+</p:notes>
+</file>
+
+<file path=ppt/notesSlides/notesSlide33.xml><?xml version="1.0" encoding="utf-8"?>
+<p:notes xmlns:a="http://schemas.openxmlformats.org/drawingml/2006/main" xmlns:r="http://schemas.openxmlformats.org/officeDocument/2006/relationships" xmlns:p="http://schemas.openxmlformats.org/presentationml/2006/main">
+  <p:cSld>
+    <p:spTree>
+      <p:nvGrpSpPr>
+        <p:cNvPr id="1" name=""/>
+        <p:cNvGrpSpPr/>
+        <p:nvPr/>
+      </p:nvGrpSpPr>
+      <p:grpSpPr>
+        <a:xfrm>
+          <a:off x="0" y="0"/>
+          <a:ext cx="0" cy="0"/>
+          <a:chOff x="0" y="0"/>
+          <a:chExt cx="0" cy="0"/>
+        </a:xfrm>
+      </p:grpSpPr>
+      <p:sp>
+        <p:nvSpPr>
+          <p:cNvPr id="2" name="スライド イメージ プレースホルダー 1"/>
+          <p:cNvSpPr>
+            <a:spLocks noGrp="1" noRot="1" noChangeAspect="1"/>
+          </p:cNvSpPr>
+          <p:nvPr>
+            <p:ph type="sldImg"/>
+          </p:nvPr>
+        </p:nvSpPr>
+        <p:spPr/>
+      </p:sp>
+      <p:sp>
+        <p:nvSpPr>
+          <p:cNvPr id="3" name="ノート プレースホルダー 2"/>
+          <p:cNvSpPr>
+            <a:spLocks noGrp="1"/>
+          </p:cNvSpPr>
+          <p:nvPr>
+            <p:ph type="body" idx="1"/>
+          </p:nvPr>
+        </p:nvSpPr>
+        <p:spPr/>
+        <p:txBody>
+          <a:bodyPr/>
+          <a:lstStyle/>
+          <a:p>
+            <a:r>
+              <a:rPr kumimoji="1" lang="ja-JP" altLang="en-US"/>
+              <a:t>以上で発表を終わります，ご清聴ありがとうございました．</a:t>
+            </a:r>
+          </a:p>
+        </p:txBody>
+      </p:sp>
+      <p:sp>
+        <p:nvSpPr>
+          <p:cNvPr id="4" name="スライド番号プレースホルダー 3"/>
+          <p:cNvSpPr>
+            <a:spLocks noGrp="1"/>
+          </p:cNvSpPr>
+          <p:nvPr>
+            <p:ph type="sldNum" sz="quarter" idx="5"/>
+          </p:nvPr>
+        </p:nvSpPr>
+        <p:spPr/>
+        <p:txBody>
+          <a:bodyPr/>
+          <a:lstStyle/>
+          <a:p>
+            <a:pPr lvl="0"/>
+            <a:fld id="{D4859A6D-CDBD-B344-BF57-2B4BBFE9F422}" type="slidenum">
+              <a:rPr lang="en-US" altLang="ja-JP" smtClean="0"/>
+              <a:t>33</a:t>
             </a:fld>
             <a:endParaRPr lang="ja-JP" altLang="en-US"/>
           </a:p>
@@ -4479,23 +4688,15 @@
           <a:p>
             <a:r>
               <a:rPr kumimoji="1" lang="ja-JP" altLang="en-US"/>
-              <a:t>畳み込みニューラルネットワークについては，時間の都合上割愛します．配布資料</a:t>
+              <a:t>畳み込みニューラルネットワーク </a:t>
             </a:r>
             <a:r>
               <a:rPr kumimoji="1" lang="en-US" altLang="ja-JP" dirty="0"/>
-              <a:t> 2.1 </a:t>
+              <a:t>CNN </a:t>
             </a:r>
             <a:r>
               <a:rPr kumimoji="1" lang="ja-JP" altLang="en-US"/>
-              <a:t>節をご参照ください．遺伝的アルゴリズム</a:t>
-            </a:r>
-            <a:r>
-              <a:rPr kumimoji="1" lang="en-US" altLang="ja-JP" dirty="0"/>
-              <a:t> GA </a:t>
-            </a:r>
-            <a:r>
-              <a:rPr kumimoji="1" lang="ja-JP" altLang="en-US"/>
-              <a:t>は，生物の進化からヒントを得た最適化手法で，問題の解を個体とみなし，その遺伝子を表現する配列に交叉，突然変異，選択といった操作を繰り返し適用します．そして，ある個体がどの程度優れているかの指標である適応度を各個体について計算し，高い適応度の個体を次世代に残し低い適応度の個体を淘汰するということをを複数世代繰り返すことによって，最終的に良い解を得る．</a:t>
+              <a:t>は画像認識分野で特に顕著な成功を収めている手法です．</a:t>
             </a:r>
           </a:p>
         </p:txBody>
@@ -4527,7 +4728,7 @@
     </p:spTree>
     <p:extLst>
       <p:ext uri="{BB962C8B-B14F-4D97-AF65-F5344CB8AC3E}">
-        <p14:creationId xmlns:p14="http://schemas.microsoft.com/office/powerpoint/2010/main" val="3882176168"/>
+        <p14:creationId xmlns:p14="http://schemas.microsoft.com/office/powerpoint/2010/main" val="3942280293"/>
       </p:ext>
     </p:extLst>
   </p:cSld>
@@ -4582,32 +4783,20 @@
           <a:lstStyle/>
           <a:p>
             <a:r>
-              <a:rPr kumimoji="1" lang="en-US" altLang="ja-JP" dirty="0" err="1"/>
-              <a:t>gaCNN</a:t>
+              <a:rPr kumimoji="1" lang="de" altLang="ja-JP" dirty="0"/>
+              <a:t>CNN </a:t>
+            </a:r>
+            <a:r>
+              <a:rPr kumimoji="1" lang="ja-JP" altLang="en-US"/>
+              <a:t>の構造は畳み込み層，プーリング層，全結合層の </a:t>
             </a:r>
             <a:r>
               <a:rPr kumimoji="1" lang="en-US" altLang="ja-JP" dirty="0"/>
-              <a:t> </a:t>
+              <a:t>3 </a:t>
             </a:r>
             <a:r>
               <a:rPr kumimoji="1" lang="ja-JP" altLang="en-US"/>
-              <a:t>は</a:t>
-            </a:r>
-            <a:r>
-              <a:rPr kumimoji="1" lang="en-US" altLang="ja-JP" dirty="0"/>
-              <a:t> CNN </a:t>
-            </a:r>
-            <a:r>
-              <a:rPr kumimoji="1" lang="ja-JP" altLang="en-US"/>
-              <a:t>の構造を遺伝子符号化し，</a:t>
-            </a:r>
-            <a:r>
-              <a:rPr kumimoji="1" lang="de" altLang="ja-JP" dirty="0"/>
-              <a:t>GA </a:t>
-            </a:r>
-            <a:r>
-              <a:rPr kumimoji="1" lang="ja-JP" altLang="en-US"/>
-              <a:t>によって自動最適化する手法です．</a:t>
+              <a:t>種類の層と，それに伴う活性化関数から構成され，それらの組合せ，および各種パラメータが識別精度を変化させます．</a:t>
             </a:r>
           </a:p>
         </p:txBody>
@@ -4639,7 +4828,7 @@
     </p:spTree>
     <p:extLst>
       <p:ext uri="{BB962C8B-B14F-4D97-AF65-F5344CB8AC3E}">
-        <p14:creationId xmlns:p14="http://schemas.microsoft.com/office/powerpoint/2010/main" val="4041306956"/>
+        <p14:creationId xmlns:p14="http://schemas.microsoft.com/office/powerpoint/2010/main" val="1749382803"/>
       </p:ext>
     </p:extLst>
   </p:cSld>
@@ -8330,7 +8519,7 @@
           <a:p>
             <a:r>
               <a:rPr kumimoji="1" lang="ja-JP" altLang="en-US"/>
-              <a:t>熱力学的遺伝アルゴリズム</a:t>
+              <a:t>遺伝的アルゴリズム</a:t>
             </a:r>
           </a:p>
         </p:txBody>
@@ -8379,8 +8568,52 @@
         </p:nvSpPr>
         <p:spPr>
           <a:xfrm>
-            <a:off x="246650" y="1541288"/>
-            <a:ext cx="6952544" cy="3364511"/>
+            <a:off x="83018" y="1565028"/>
+            <a:ext cx="6886822" cy="594522"/>
+          </a:xfrm>
+          <a:prstGeom prst="rect">
+            <a:avLst/>
+          </a:prstGeom>
+          <a:noFill/>
+        </p:spPr>
+        <p:txBody>
+          <a:bodyPr wrap="none" rtlCol="0">
+            <a:spAutoFit/>
+          </a:bodyPr>
+          <a:lstStyle/>
+          <a:p>
+            <a:pPr lvl="1">
+              <a:lnSpc>
+                <a:spcPct val="150000"/>
+              </a:lnSpc>
+            </a:pPr>
+            <a:r>
+              <a:rPr kumimoji="1" lang="ja-JP" altLang="en-US" sz="2400"/>
+              <a:t>遺伝的アルゴリズム</a:t>
+            </a:r>
+            <a:r>
+              <a:rPr kumimoji="1" lang="en-US" altLang="ja-JP" sz="2400" dirty="0"/>
+              <a:t> (Genetic Algorithm: GA)</a:t>
+            </a:r>
+          </a:p>
+        </p:txBody>
+      </p:sp>
+      <p:sp>
+        <p:nvSpPr>
+          <p:cNvPr id="5" name="テキスト ボックス 4">
+            <a:extLst>
+              <a:ext uri="{FF2B5EF4-FFF2-40B4-BE49-F238E27FC236}">
+                <a16:creationId xmlns:a16="http://schemas.microsoft.com/office/drawing/2014/main" id="{6552DF41-280F-EBD5-7E3B-875A243D0221}"/>
+              </a:ext>
+            </a:extLst>
+          </p:cNvPr>
+          <p:cNvSpPr txBox="1"/>
+          <p:nvPr/>
+        </p:nvSpPr>
+        <p:spPr>
+          <a:xfrm>
+            <a:off x="519837" y="2326629"/>
+            <a:ext cx="6994222" cy="3077766"/>
           </a:xfrm>
           <a:prstGeom prst="rect">
             <a:avLst/>
@@ -8402,383 +8635,77 @@
             </a:pPr>
             <a:r>
               <a:rPr kumimoji="1" lang="ja-JP" altLang="en-US" sz="2400"/>
-              <a:t>熱力学的遺伝アルゴリズム</a:t>
-            </a:r>
-            <a:br>
-              <a:rPr kumimoji="1" lang="en-US" altLang="ja-JP" sz="2400" dirty="0"/>
-            </a:br>
-            <a:r>
-              <a:rPr kumimoji="1" lang="en-US" altLang="ja-JP" sz="2400" dirty="0"/>
-              <a:t>(Thermodynamical Genetic Algorithm: TDGA)</a:t>
-            </a:r>
-          </a:p>
-          <a:p>
-            <a:pPr marL="800100" lvl="1" indent="-342900">
-              <a:lnSpc>
-                <a:spcPct val="150000"/>
-              </a:lnSpc>
-              <a:buFont typeface="Wingdings" pitchFamily="2" charset="2"/>
-              <a:buChar char="Ø"/>
-            </a:pPr>
-            <a:r>
-              <a:rPr lang="en-US" altLang="ja-JP" sz="2400" dirty="0"/>
-              <a:t>GA</a:t>
-            </a:r>
-            <a:r>
-              <a:rPr kumimoji="1" lang="en-US" altLang="ja-JP" sz="2400" dirty="0"/>
-              <a:t> </a:t>
-            </a:r>
-            <a:r>
-              <a:rPr kumimoji="1" lang="ja-JP" altLang="en-US" sz="2400"/>
-              <a:t>に熱力学的選択ルールを適用</a:t>
+              <a:t>生物の進化からヒントを得た最適化手法</a:t>
             </a:r>
             <a:endParaRPr kumimoji="1" lang="en-US" altLang="ja-JP" sz="1400" dirty="0"/>
           </a:p>
           <a:p>
-            <a:pPr marL="914400" lvl="1" indent="-457200">
-              <a:lnSpc>
-                <a:spcPct val="150000"/>
-              </a:lnSpc>
-              <a:buFont typeface="Wingdings" pitchFamily="2" charset="2"/>
-              <a:buChar char="Ø"/>
-            </a:pPr>
-            <a:r>
-              <a:rPr lang="ja-JP" altLang="en-US" sz="2400"/>
-              <a:t>個体の多様性を維持することがねらい</a:t>
-            </a:r>
-            <a:br>
-              <a:rPr lang="en-US" altLang="ja-JP" sz="2400" dirty="0"/>
-            </a:br>
-            <a:endParaRPr kumimoji="1" lang="en-US" altLang="ja-JP" sz="2400" dirty="0"/>
-          </a:p>
-          <a:p>
-            <a:pPr marL="914400" lvl="1" indent="-457200">
+            <a:pPr marL="342900" indent="-342900">
               <a:lnSpc>
                 <a:spcPct val="150000"/>
               </a:lnSpc>
               <a:buFont typeface="Wingdings" pitchFamily="2" charset="2"/>
               <a:buChar char="p"/>
             </a:pPr>
+            <a:r>
+              <a:rPr kumimoji="1" lang="ja-JP" altLang="en-US" sz="2400"/>
+              <a:t>解の遺伝子を表現する配列に</a:t>
+            </a:r>
+            <a:r>
+              <a:rPr lang="ja-JP" altLang="en-US" sz="2400"/>
+              <a:t>交叉，突然変異，</a:t>
+            </a:r>
+            <a:br>
+              <a:rPr lang="en-US" altLang="ja-JP" sz="2400" dirty="0"/>
+            </a:br>
+            <a:r>
+              <a:rPr lang="ja-JP" altLang="en-US" sz="2400"/>
+              <a:t>選択といった操作を繰り返し適用</a:t>
+            </a:r>
+            <a:endParaRPr lang="en-US" altLang="ja-JP" sz="1400" dirty="0"/>
+          </a:p>
+          <a:p>
+            <a:pPr marL="342900" indent="-342900">
+              <a:lnSpc>
+                <a:spcPct val="150000"/>
+              </a:lnSpc>
+              <a:buFont typeface="Wingdings" pitchFamily="2" charset="2"/>
+              <a:buChar char="p"/>
+            </a:pPr>
+            <a:r>
+              <a:rPr kumimoji="1" lang="ja-JP" altLang="en-US" sz="2400"/>
+              <a:t>各個体について適応度を計算し，</a:t>
+            </a:r>
+            <a:r>
+              <a:rPr lang="ja-JP" altLang="en-US" sz="2400"/>
+              <a:t>高いものを</a:t>
+            </a:r>
+            <a:br>
+              <a:rPr lang="en-US" altLang="ja-JP" sz="2400" dirty="0"/>
+            </a:br>
+            <a:r>
+              <a:rPr lang="ja-JP" altLang="en-US" sz="2400"/>
+              <a:t>次世代に残し，</a:t>
+            </a:r>
+            <a:r>
+              <a:rPr kumimoji="1" lang="ja-JP" altLang="en-US" sz="2400"/>
+              <a:t>低いものを淘汰</a:t>
+            </a:r>
             <a:endParaRPr kumimoji="1" lang="en-US" altLang="ja-JP" sz="2400" dirty="0"/>
           </a:p>
-        </p:txBody>
-      </p:sp>
-      <p:sp>
-        <p:nvSpPr>
-          <p:cNvPr id="5" name="テキスト ボックス 4">
-            <a:extLst>
-              <a:ext uri="{FF2B5EF4-FFF2-40B4-BE49-F238E27FC236}">
-                <a16:creationId xmlns:a16="http://schemas.microsoft.com/office/drawing/2014/main" id="{BD278A64-0ED6-C568-86FB-B7634183F904}"/>
-              </a:ext>
-            </a:extLst>
-          </p:cNvPr>
-          <p:cNvSpPr txBox="1"/>
-          <p:nvPr/>
-        </p:nvSpPr>
-        <p:spPr>
-          <a:xfrm>
-            <a:off x="153207" y="4844243"/>
-            <a:ext cx="7254848" cy="769441"/>
-          </a:xfrm>
-          <a:prstGeom prst="rect">
-            <a:avLst/>
-          </a:prstGeom>
-          <a:noFill/>
-          <a:ln>
-            <a:solidFill>
-              <a:schemeClr val="tx1"/>
-            </a:solidFill>
-          </a:ln>
-        </p:spPr>
-        <p:txBody>
-          <a:bodyPr wrap="square" rtlCol="0">
-            <a:spAutoFit/>
-          </a:bodyPr>
-          <a:lstStyle/>
-          <a:p>
-            <a:r>
-              <a:rPr lang="de" altLang="ja-JP" sz="1100" b="0" i="0" dirty="0">
-                <a:solidFill>
-                  <a:srgbClr val="000000"/>
-                </a:solidFill>
-                <a:effectLst/>
-                <a:latin typeface="Hiragino Kaku Gothic ProN" panose="020B0300000000000000" pitchFamily="34" charset="-128"/>
-                <a:ea typeface="Hiragino Kaku Gothic ProN" panose="020B0300000000000000" pitchFamily="34" charset="-128"/>
-              </a:rPr>
-              <a:t>Naoki MORI, </a:t>
-            </a:r>
-            <a:r>
-              <a:rPr lang="de" altLang="ja-JP" sz="1100" b="0" i="0" dirty="0" err="1">
-                <a:solidFill>
-                  <a:srgbClr val="000000"/>
-                </a:solidFill>
-                <a:effectLst/>
-                <a:latin typeface="Hiragino Kaku Gothic ProN" panose="020B0300000000000000" pitchFamily="34" charset="-128"/>
-                <a:ea typeface="Hiragino Kaku Gothic ProN" panose="020B0300000000000000" pitchFamily="34" charset="-128"/>
-              </a:rPr>
-              <a:t>Junji</a:t>
-            </a:r>
-            <a:r>
-              <a:rPr lang="de" altLang="ja-JP" sz="1100" b="0" i="0" dirty="0">
-                <a:solidFill>
-                  <a:srgbClr val="000000"/>
-                </a:solidFill>
-                <a:effectLst/>
-                <a:latin typeface="Hiragino Kaku Gothic ProN" panose="020B0300000000000000" pitchFamily="34" charset="-128"/>
-                <a:ea typeface="Hiragino Kaku Gothic ProN" panose="020B0300000000000000" pitchFamily="34" charset="-128"/>
-              </a:rPr>
-              <a:t> YOSHIDA, Hajime KITA, </a:t>
-            </a:r>
-            <a:r>
-              <a:rPr lang="de" altLang="ja-JP" sz="1100" b="0" i="0" dirty="0" err="1">
-                <a:solidFill>
-                  <a:srgbClr val="000000"/>
-                </a:solidFill>
-                <a:effectLst/>
-                <a:latin typeface="Hiragino Kaku Gothic ProN" panose="020B0300000000000000" pitchFamily="34" charset="-128"/>
-                <a:ea typeface="Hiragino Kaku Gothic ProN" panose="020B0300000000000000" pitchFamily="34" charset="-128"/>
-              </a:rPr>
-              <a:t>Yoshikazu</a:t>
-            </a:r>
-            <a:r>
-              <a:rPr lang="de" altLang="ja-JP" sz="1100" b="0" i="0" dirty="0">
-                <a:solidFill>
-                  <a:srgbClr val="000000"/>
-                </a:solidFill>
-                <a:effectLst/>
-                <a:latin typeface="Hiragino Kaku Gothic ProN" panose="020B0300000000000000" pitchFamily="34" charset="-128"/>
-                <a:ea typeface="Hiragino Kaku Gothic ProN" panose="020B0300000000000000" pitchFamily="34" charset="-128"/>
-              </a:rPr>
-              <a:t> NISHIKAWA, A </a:t>
-            </a:r>
-            <a:r>
-              <a:rPr lang="de" altLang="ja-JP" sz="1100" b="0" i="0" dirty="0" err="1">
-                <a:solidFill>
-                  <a:srgbClr val="000000"/>
-                </a:solidFill>
-                <a:effectLst/>
-                <a:latin typeface="Hiragino Kaku Gothic ProN" panose="020B0300000000000000" pitchFamily="34" charset="-128"/>
-                <a:ea typeface="Hiragino Kaku Gothic ProN" panose="020B0300000000000000" pitchFamily="34" charset="-128"/>
-              </a:rPr>
-              <a:t>Thermodynamical</a:t>
-            </a:r>
-            <a:r>
-              <a:rPr lang="de" altLang="ja-JP" sz="1100" b="0" i="0" dirty="0">
-                <a:solidFill>
-                  <a:srgbClr val="000000"/>
-                </a:solidFill>
-                <a:effectLst/>
-                <a:latin typeface="Hiragino Kaku Gothic ProN" panose="020B0300000000000000" pitchFamily="34" charset="-128"/>
-                <a:ea typeface="Hiragino Kaku Gothic ProN" panose="020B0300000000000000" pitchFamily="34" charset="-128"/>
-              </a:rPr>
-              <a:t> </a:t>
-            </a:r>
-            <a:r>
-              <a:rPr lang="de" altLang="ja-JP" sz="1100" b="0" i="0" dirty="0" err="1">
-                <a:solidFill>
-                  <a:srgbClr val="000000"/>
-                </a:solidFill>
-                <a:effectLst/>
-                <a:latin typeface="Hiragino Kaku Gothic ProN" panose="020B0300000000000000" pitchFamily="34" charset="-128"/>
-                <a:ea typeface="Hiragino Kaku Gothic ProN" panose="020B0300000000000000" pitchFamily="34" charset="-128"/>
-              </a:rPr>
-              <a:t>Selection</a:t>
-            </a:r>
-            <a:r>
-              <a:rPr lang="de" altLang="ja-JP" sz="1100" b="0" i="0" dirty="0">
-                <a:solidFill>
-                  <a:srgbClr val="000000"/>
-                </a:solidFill>
-                <a:effectLst/>
-                <a:latin typeface="Hiragino Kaku Gothic ProN" panose="020B0300000000000000" pitchFamily="34" charset="-128"/>
-                <a:ea typeface="Hiragino Kaku Gothic ProN" panose="020B0300000000000000" pitchFamily="34" charset="-128"/>
-              </a:rPr>
-              <a:t> Rule in </a:t>
-            </a:r>
-            <a:r>
-              <a:rPr lang="de" altLang="ja-JP" sz="1100" b="0" i="0" dirty="0" err="1">
-                <a:solidFill>
-                  <a:srgbClr val="000000"/>
-                </a:solidFill>
-                <a:effectLst/>
-                <a:latin typeface="Hiragino Kaku Gothic ProN" panose="020B0300000000000000" pitchFamily="34" charset="-128"/>
-                <a:ea typeface="Hiragino Kaku Gothic ProN" panose="020B0300000000000000" pitchFamily="34" charset="-128"/>
-              </a:rPr>
-              <a:t>the</a:t>
-            </a:r>
-            <a:r>
-              <a:rPr lang="de" altLang="ja-JP" sz="1100" b="0" i="0" dirty="0">
-                <a:solidFill>
-                  <a:srgbClr val="000000"/>
-                </a:solidFill>
-                <a:effectLst/>
-                <a:latin typeface="Hiragino Kaku Gothic ProN" panose="020B0300000000000000" pitchFamily="34" charset="-128"/>
-                <a:ea typeface="Hiragino Kaku Gothic ProN" panose="020B0300000000000000" pitchFamily="34" charset="-128"/>
-              </a:rPr>
-              <a:t> Genetic </a:t>
-            </a:r>
-            <a:r>
-              <a:rPr lang="de" altLang="ja-JP" sz="1100" b="0" i="0" dirty="0" err="1">
-                <a:solidFill>
-                  <a:srgbClr val="000000"/>
-                </a:solidFill>
-                <a:effectLst/>
-                <a:latin typeface="Hiragino Kaku Gothic ProN" panose="020B0300000000000000" pitchFamily="34" charset="-128"/>
-                <a:ea typeface="Hiragino Kaku Gothic ProN" panose="020B0300000000000000" pitchFamily="34" charset="-128"/>
-              </a:rPr>
-              <a:t>Algorithm</a:t>
-            </a:r>
-            <a:r>
-              <a:rPr lang="de" altLang="ja-JP" sz="1100" b="0" i="0" dirty="0">
-                <a:solidFill>
-                  <a:srgbClr val="000000"/>
-                </a:solidFill>
-                <a:effectLst/>
-                <a:latin typeface="Hiragino Kaku Gothic ProN" panose="020B0300000000000000" pitchFamily="34" charset="-128"/>
-                <a:ea typeface="Hiragino Kaku Gothic ProN" panose="020B0300000000000000" pitchFamily="34" charset="-128"/>
-              </a:rPr>
-              <a:t>, Transactions </a:t>
-            </a:r>
-            <a:r>
-              <a:rPr lang="de" altLang="ja-JP" sz="1100" b="0" i="0" dirty="0" err="1">
-                <a:solidFill>
-                  <a:srgbClr val="000000"/>
-                </a:solidFill>
-                <a:effectLst/>
-                <a:latin typeface="Hiragino Kaku Gothic ProN" panose="020B0300000000000000" pitchFamily="34" charset="-128"/>
-                <a:ea typeface="Hiragino Kaku Gothic ProN" panose="020B0300000000000000" pitchFamily="34" charset="-128"/>
-              </a:rPr>
-              <a:t>of</a:t>
-            </a:r>
-            <a:r>
-              <a:rPr lang="de" altLang="ja-JP" sz="1100" b="0" i="0" dirty="0">
-                <a:solidFill>
-                  <a:srgbClr val="000000"/>
-                </a:solidFill>
-                <a:effectLst/>
-                <a:latin typeface="Hiragino Kaku Gothic ProN" panose="020B0300000000000000" pitchFamily="34" charset="-128"/>
-                <a:ea typeface="Hiragino Kaku Gothic ProN" panose="020B0300000000000000" pitchFamily="34" charset="-128"/>
-              </a:rPr>
-              <a:t> </a:t>
-            </a:r>
-            <a:r>
-              <a:rPr lang="de" altLang="ja-JP" sz="1100" b="0" i="0" dirty="0" err="1">
-                <a:solidFill>
-                  <a:srgbClr val="000000"/>
-                </a:solidFill>
-                <a:effectLst/>
-                <a:latin typeface="Hiragino Kaku Gothic ProN" panose="020B0300000000000000" pitchFamily="34" charset="-128"/>
-                <a:ea typeface="Hiragino Kaku Gothic ProN" panose="020B0300000000000000" pitchFamily="34" charset="-128"/>
-              </a:rPr>
-              <a:t>the</a:t>
-            </a:r>
-            <a:r>
-              <a:rPr lang="de" altLang="ja-JP" sz="1100" b="0" i="0" dirty="0">
-                <a:solidFill>
-                  <a:srgbClr val="000000"/>
-                </a:solidFill>
-                <a:effectLst/>
-                <a:latin typeface="Hiragino Kaku Gothic ProN" panose="020B0300000000000000" pitchFamily="34" charset="-128"/>
-                <a:ea typeface="Hiragino Kaku Gothic ProN" panose="020B0300000000000000" pitchFamily="34" charset="-128"/>
-              </a:rPr>
-              <a:t> Institute </a:t>
-            </a:r>
-            <a:r>
-              <a:rPr lang="de" altLang="ja-JP" sz="1100" b="0" i="0" dirty="0" err="1">
-                <a:solidFill>
-                  <a:srgbClr val="000000"/>
-                </a:solidFill>
-                <a:effectLst/>
-                <a:latin typeface="Hiragino Kaku Gothic ProN" panose="020B0300000000000000" pitchFamily="34" charset="-128"/>
-                <a:ea typeface="Hiragino Kaku Gothic ProN" panose="020B0300000000000000" pitchFamily="34" charset="-128"/>
-              </a:rPr>
-              <a:t>of</a:t>
-            </a:r>
-            <a:r>
-              <a:rPr lang="de" altLang="ja-JP" sz="1100" b="0" i="0" dirty="0">
-                <a:solidFill>
-                  <a:srgbClr val="000000"/>
-                </a:solidFill>
-                <a:effectLst/>
-                <a:latin typeface="Hiragino Kaku Gothic ProN" panose="020B0300000000000000" pitchFamily="34" charset="-128"/>
-                <a:ea typeface="Hiragino Kaku Gothic ProN" panose="020B0300000000000000" pitchFamily="34" charset="-128"/>
-              </a:rPr>
-              <a:t> Systems, Control and Information Engineers, 1996, Volume 9, </a:t>
-            </a:r>
-            <a:r>
-              <a:rPr lang="de" altLang="ja-JP" sz="1100" b="0" i="0" dirty="0" err="1">
-                <a:solidFill>
-                  <a:srgbClr val="000000"/>
-                </a:solidFill>
-                <a:effectLst/>
-                <a:latin typeface="Hiragino Kaku Gothic ProN" panose="020B0300000000000000" pitchFamily="34" charset="-128"/>
-                <a:ea typeface="Hiragino Kaku Gothic ProN" panose="020B0300000000000000" pitchFamily="34" charset="-128"/>
-              </a:rPr>
-              <a:t>Issue</a:t>
-            </a:r>
-            <a:r>
-              <a:rPr lang="de" altLang="ja-JP" sz="1100" b="0" i="0" dirty="0">
-                <a:solidFill>
-                  <a:srgbClr val="000000"/>
-                </a:solidFill>
-                <a:effectLst/>
-                <a:latin typeface="Hiragino Kaku Gothic ProN" panose="020B0300000000000000" pitchFamily="34" charset="-128"/>
-                <a:ea typeface="Hiragino Kaku Gothic ProN" panose="020B0300000000000000" pitchFamily="34" charset="-128"/>
-              </a:rPr>
-              <a:t> 2, Pages 82-90, </a:t>
-            </a:r>
-            <a:r>
-              <a:rPr lang="de" altLang="ja-JP" sz="1100" b="0" i="0" dirty="0" err="1">
-                <a:solidFill>
-                  <a:srgbClr val="000000"/>
-                </a:solidFill>
-                <a:effectLst/>
-                <a:latin typeface="Hiragino Kaku Gothic ProN" panose="020B0300000000000000" pitchFamily="34" charset="-128"/>
-                <a:ea typeface="Hiragino Kaku Gothic ProN" panose="020B0300000000000000" pitchFamily="34" charset="-128"/>
-              </a:rPr>
-              <a:t>Released</a:t>
-            </a:r>
-            <a:r>
-              <a:rPr lang="de" altLang="ja-JP" sz="1100" b="0" i="0" dirty="0">
-                <a:solidFill>
-                  <a:srgbClr val="000000"/>
-                </a:solidFill>
-                <a:effectLst/>
-                <a:latin typeface="Hiragino Kaku Gothic ProN" panose="020B0300000000000000" pitchFamily="34" charset="-128"/>
-                <a:ea typeface="Hiragino Kaku Gothic ProN" panose="020B0300000000000000" pitchFamily="34" charset="-128"/>
-              </a:rPr>
-              <a:t> on J-STAGE </a:t>
-            </a:r>
-            <a:r>
-              <a:rPr lang="de" altLang="ja-JP" sz="1100" b="0" i="0" dirty="0" err="1">
-                <a:solidFill>
-                  <a:srgbClr val="000000"/>
-                </a:solidFill>
-                <a:effectLst/>
-                <a:latin typeface="Hiragino Kaku Gothic ProN" panose="020B0300000000000000" pitchFamily="34" charset="-128"/>
-                <a:ea typeface="Hiragino Kaku Gothic ProN" panose="020B0300000000000000" pitchFamily="34" charset="-128"/>
-              </a:rPr>
-              <a:t>October</a:t>
-            </a:r>
-            <a:r>
-              <a:rPr lang="de" altLang="ja-JP" sz="1100" b="0" i="0" dirty="0">
-                <a:solidFill>
-                  <a:srgbClr val="000000"/>
-                </a:solidFill>
-                <a:effectLst/>
-                <a:latin typeface="Hiragino Kaku Gothic ProN" panose="020B0300000000000000" pitchFamily="34" charset="-128"/>
-                <a:ea typeface="Hiragino Kaku Gothic ProN" panose="020B0300000000000000" pitchFamily="34" charset="-128"/>
-              </a:rPr>
-              <a:t> 13, 2011, Online ISSN 2185-811X, Print ISSN 1342-5668</a:t>
-            </a:r>
-            <a:endParaRPr kumimoji="1" lang="ja-JP" altLang="en-US" sz="1100"/>
+          <a:p>
+            <a:pPr marL="285750" indent="-285750">
+              <a:buFont typeface="Wingdings" pitchFamily="2" charset="2"/>
+              <a:buChar char="p"/>
+            </a:pPr>
+            <a:endParaRPr lang="en-US" altLang="ja-JP" sz="1400" dirty="0"/>
           </a:p>
         </p:txBody>
       </p:sp>
     </p:spTree>
     <p:extLst>
       <p:ext uri="{BB962C8B-B14F-4D97-AF65-F5344CB8AC3E}">
-        <p14:creationId xmlns:p14="http://schemas.microsoft.com/office/powerpoint/2010/main" val="842676182"/>
+        <p14:creationId xmlns:p14="http://schemas.microsoft.com/office/powerpoint/2010/main" val="772153992"/>
       </p:ext>
     </p:extLst>
   </p:cSld>
@@ -8810,6 +8737,304 @@
           <p:cNvPr id="2" name="タイトル 1">
             <a:extLst>
               <a:ext uri="{FF2B5EF4-FFF2-40B4-BE49-F238E27FC236}">
+                <a16:creationId xmlns:a16="http://schemas.microsoft.com/office/drawing/2014/main" id="{2569FC57-6D71-779F-E42A-A97CDA775201}"/>
+              </a:ext>
+            </a:extLst>
+          </p:cNvPr>
+          <p:cNvSpPr>
+            <a:spLocks noGrp="1"/>
+          </p:cNvSpPr>
+          <p:nvPr>
+            <p:ph type="title"/>
+          </p:nvPr>
+        </p:nvSpPr>
+        <p:spPr/>
+        <p:txBody>
+          <a:bodyPr/>
+          <a:lstStyle/>
+          <a:p>
+            <a:r>
+              <a:rPr lang="en-US" altLang="ja-JP" dirty="0" err="1"/>
+              <a:t>gaCNN</a:t>
+            </a:r>
+            <a:endParaRPr kumimoji="1" lang="ja-JP" altLang="en-US"/>
+          </a:p>
+        </p:txBody>
+      </p:sp>
+      <p:sp>
+        <p:nvSpPr>
+          <p:cNvPr id="3" name="スライド番号プレースホルダー 2">
+            <a:extLst>
+              <a:ext uri="{FF2B5EF4-FFF2-40B4-BE49-F238E27FC236}">
+                <a16:creationId xmlns:a16="http://schemas.microsoft.com/office/drawing/2014/main" id="{6CC00B8C-81DD-663C-CA94-75367C1D6D61}"/>
+              </a:ext>
+            </a:extLst>
+          </p:cNvPr>
+          <p:cNvSpPr>
+            <a:spLocks noGrp="1"/>
+          </p:cNvSpPr>
+          <p:nvPr>
+            <p:ph type="sldNum" sz="quarter" idx="12"/>
+          </p:nvPr>
+        </p:nvSpPr>
+        <p:spPr/>
+        <p:txBody>
+          <a:bodyPr/>
+          <a:lstStyle/>
+          <a:p>
+            <a:pPr lvl="0"/>
+            <a:fld id="{004900ED-2EFD-2142-93A1-1CBA90FDE07B}" type="slidenum">
+              <a:rPr lang="en-US" altLang="ja-JP" smtClean="0"/>
+              <a:t>11</a:t>
+            </a:fld>
+            <a:endParaRPr lang="ja-JP" altLang="en-US"/>
+          </a:p>
+        </p:txBody>
+      </p:sp>
+      <p:sp>
+        <p:nvSpPr>
+          <p:cNvPr id="4" name="テキスト ボックス 3">
+            <a:extLst>
+              <a:ext uri="{FF2B5EF4-FFF2-40B4-BE49-F238E27FC236}">
+                <a16:creationId xmlns:a16="http://schemas.microsoft.com/office/drawing/2014/main" id="{25A4C493-2CAF-EE11-F549-AE982F7E8644}"/>
+              </a:ext>
+            </a:extLst>
+          </p:cNvPr>
+          <p:cNvSpPr txBox="1"/>
+          <p:nvPr/>
+        </p:nvSpPr>
+        <p:spPr>
+          <a:xfrm>
+            <a:off x="519837" y="1730604"/>
+            <a:ext cx="6506909" cy="1569660"/>
+          </a:xfrm>
+          <a:prstGeom prst="rect">
+            <a:avLst/>
+          </a:prstGeom>
+          <a:noFill/>
+        </p:spPr>
+        <p:txBody>
+          <a:bodyPr wrap="none" rtlCol="0">
+            <a:spAutoFit/>
+          </a:bodyPr>
+          <a:lstStyle/>
+          <a:p>
+            <a:pPr marL="342900" indent="-342900">
+              <a:lnSpc>
+                <a:spcPct val="150000"/>
+              </a:lnSpc>
+              <a:buFont typeface="Wingdings" pitchFamily="2" charset="2"/>
+              <a:buChar char="p"/>
+            </a:pPr>
+            <a:r>
+              <a:rPr kumimoji="1" lang="en-US" altLang="ja-JP" sz="2400" dirty="0"/>
+              <a:t>CNN </a:t>
+            </a:r>
+            <a:r>
+              <a:rPr kumimoji="1" lang="ja-JP" altLang="en-US" sz="2400"/>
+              <a:t>の構造を遺伝子符号化</a:t>
+            </a:r>
+            <a:endParaRPr lang="en-US" altLang="ja-JP" sz="1400" dirty="0"/>
+          </a:p>
+          <a:p>
+            <a:pPr marL="342900" indent="-342900">
+              <a:lnSpc>
+                <a:spcPct val="150000"/>
+              </a:lnSpc>
+              <a:buFont typeface="Wingdings" pitchFamily="2" charset="2"/>
+              <a:buChar char="p"/>
+            </a:pPr>
+            <a:r>
+              <a:rPr kumimoji="1" lang="en-US" altLang="ja-JP" sz="2400" dirty="0"/>
+              <a:t>GA </a:t>
+            </a:r>
+            <a:r>
+              <a:rPr kumimoji="1" lang="ja-JP" altLang="en-US" sz="2400"/>
+              <a:t>による探索でより良い</a:t>
+            </a:r>
+            <a:r>
+              <a:rPr kumimoji="1" lang="en-US" altLang="ja-JP" sz="2400" dirty="0"/>
+              <a:t> CNN </a:t>
+            </a:r>
+            <a:r>
+              <a:rPr kumimoji="1" lang="ja-JP" altLang="en-US" sz="2400"/>
+              <a:t>構造を獲得</a:t>
+            </a:r>
+            <a:endParaRPr kumimoji="1" lang="en-US" altLang="ja-JP" sz="2400" dirty="0"/>
+          </a:p>
+          <a:p>
+            <a:pPr marL="285750" indent="-285750">
+              <a:buFont typeface="Wingdings" pitchFamily="2" charset="2"/>
+              <a:buChar char="p"/>
+            </a:pPr>
+            <a:endParaRPr kumimoji="1" lang="ja-JP" altLang="en-US" sz="2400"/>
+          </a:p>
+        </p:txBody>
+      </p:sp>
+      <p:sp>
+        <p:nvSpPr>
+          <p:cNvPr id="5" name="テキスト ボックス 4">
+            <a:extLst>
+              <a:ext uri="{FF2B5EF4-FFF2-40B4-BE49-F238E27FC236}">
+                <a16:creationId xmlns:a16="http://schemas.microsoft.com/office/drawing/2014/main" id="{D327552B-2FE4-7995-DE95-FF10AE14B4B8}"/>
+              </a:ext>
+            </a:extLst>
+          </p:cNvPr>
+          <p:cNvSpPr txBox="1"/>
+          <p:nvPr/>
+        </p:nvSpPr>
+        <p:spPr>
+          <a:xfrm>
+            <a:off x="144627" y="4722473"/>
+            <a:ext cx="7257327" cy="830997"/>
+          </a:xfrm>
+          <a:prstGeom prst="rect">
+            <a:avLst/>
+          </a:prstGeom>
+          <a:noFill/>
+          <a:ln>
+            <a:solidFill>
+              <a:schemeClr val="tx1"/>
+            </a:solidFill>
+          </a:ln>
+        </p:spPr>
+        <p:txBody>
+          <a:bodyPr wrap="square" rtlCol="0">
+            <a:spAutoFit/>
+          </a:bodyPr>
+          <a:lstStyle/>
+          <a:p>
+            <a:r>
+              <a:rPr kumimoji="1" lang="de" altLang="ja-JP" sz="1200" dirty="0"/>
+              <a:t>R. de Lima Mendes, A. H. da Silva Alves, M. de Souza Gomes, P. Luiz Lima </a:t>
+            </a:r>
+            <a:r>
+              <a:rPr kumimoji="1" lang="de" altLang="ja-JP" sz="1200" dirty="0" err="1"/>
+              <a:t>Bertarini</a:t>
+            </a:r>
+            <a:r>
+              <a:rPr kumimoji="1" lang="de" altLang="ja-JP" sz="1200" dirty="0"/>
+              <a:t> and L. R. do Amaral, "</a:t>
+            </a:r>
+            <a:r>
+              <a:rPr kumimoji="1" lang="de" altLang="ja-JP" sz="1200" dirty="0" err="1"/>
+              <a:t>gaCNN</a:t>
+            </a:r>
+            <a:r>
+              <a:rPr kumimoji="1" lang="de" altLang="ja-JP" sz="1200" dirty="0"/>
+              <a:t>: </a:t>
+            </a:r>
+            <a:r>
+              <a:rPr kumimoji="1" lang="de" altLang="ja-JP" sz="1200" dirty="0" err="1"/>
+              <a:t>Composing</a:t>
+            </a:r>
+            <a:r>
+              <a:rPr kumimoji="1" lang="de" altLang="ja-JP" sz="1200" dirty="0"/>
+              <a:t> CNNs and GAs </a:t>
+            </a:r>
+            <a:r>
+              <a:rPr kumimoji="1" lang="de" altLang="ja-JP" sz="1200" dirty="0" err="1"/>
+              <a:t>to</a:t>
+            </a:r>
+            <a:r>
+              <a:rPr kumimoji="1" lang="de" altLang="ja-JP" sz="1200" dirty="0"/>
+              <a:t> </a:t>
+            </a:r>
+            <a:r>
+              <a:rPr kumimoji="1" lang="de" altLang="ja-JP" sz="1200" dirty="0" err="1"/>
+              <a:t>Build</a:t>
+            </a:r>
+            <a:r>
+              <a:rPr kumimoji="1" lang="de" altLang="ja-JP" sz="1200" dirty="0"/>
+              <a:t> an </a:t>
+            </a:r>
+            <a:r>
+              <a:rPr kumimoji="1" lang="de" altLang="ja-JP" sz="1200" dirty="0" err="1"/>
+              <a:t>Optimized</a:t>
+            </a:r>
+            <a:r>
+              <a:rPr kumimoji="1" lang="de" altLang="ja-JP" sz="1200" dirty="0"/>
+              <a:t> Hybrid Classification Architecture," 2021 IEEE </a:t>
+            </a:r>
+            <a:r>
+              <a:rPr kumimoji="1" lang="de" altLang="ja-JP" sz="1200" dirty="0" err="1"/>
+              <a:t>Congress</a:t>
+            </a:r>
+            <a:r>
+              <a:rPr kumimoji="1" lang="de" altLang="ja-JP" sz="1200" dirty="0"/>
+              <a:t> on </a:t>
+            </a:r>
+            <a:r>
+              <a:rPr kumimoji="1" lang="de" altLang="ja-JP" sz="1200" dirty="0" err="1"/>
+              <a:t>Evolutionary</a:t>
+            </a:r>
+            <a:r>
+              <a:rPr kumimoji="1" lang="de" altLang="ja-JP" sz="1200" dirty="0"/>
+              <a:t> </a:t>
+            </a:r>
+            <a:r>
+              <a:rPr kumimoji="1" lang="de" altLang="ja-JP" sz="1200" dirty="0" err="1"/>
+              <a:t>Computation</a:t>
+            </a:r>
+            <a:r>
+              <a:rPr kumimoji="1" lang="de" altLang="ja-JP" sz="1200" dirty="0"/>
+              <a:t> (CEC), Kraków, </a:t>
+            </a:r>
+            <a:r>
+              <a:rPr kumimoji="1" lang="de" altLang="ja-JP" sz="1200" dirty="0" err="1"/>
+              <a:t>Poland</a:t>
+            </a:r>
+            <a:r>
+              <a:rPr kumimoji="1" lang="de" altLang="ja-JP" sz="1200" dirty="0"/>
+              <a:t>, 2021, pp. 79-86, </a:t>
+            </a:r>
+            <a:r>
+              <a:rPr kumimoji="1" lang="de" altLang="ja-JP" sz="1200" dirty="0" err="1"/>
+              <a:t>doi</a:t>
+            </a:r>
+            <a:r>
+              <a:rPr kumimoji="1" lang="de" altLang="ja-JP" sz="1200" dirty="0"/>
+              <a:t>: 10.1109/CEC45853.2021.9504850.</a:t>
+            </a:r>
+            <a:endParaRPr kumimoji="1" lang="ja-JP" altLang="en-US" sz="1200"/>
+          </a:p>
+        </p:txBody>
+      </p:sp>
+    </p:spTree>
+    <p:extLst>
+      <p:ext uri="{BB962C8B-B14F-4D97-AF65-F5344CB8AC3E}">
+        <p14:creationId xmlns:p14="http://schemas.microsoft.com/office/powerpoint/2010/main" val="3561767430"/>
+      </p:ext>
+    </p:extLst>
+  </p:cSld>
+  <p:clrMapOvr>
+    <a:masterClrMapping/>
+  </p:clrMapOvr>
+</p:sld>
+</file>
+
+<file path=ppt/slides/slide12.xml><?xml version="1.0" encoding="utf-8"?>
+<p:sld xmlns:a="http://schemas.openxmlformats.org/drawingml/2006/main" xmlns:r="http://schemas.openxmlformats.org/officeDocument/2006/relationships" xmlns:p="http://schemas.openxmlformats.org/presentationml/2006/main">
+  <p:cSld>
+    <p:spTree>
+      <p:nvGrpSpPr>
+        <p:cNvPr id="1" name=""/>
+        <p:cNvGrpSpPr/>
+        <p:nvPr/>
+      </p:nvGrpSpPr>
+      <p:grpSpPr>
+        <a:xfrm>
+          <a:off x="0" y="0"/>
+          <a:ext cx="0" cy="0"/>
+          <a:chOff x="0" y="0"/>
+          <a:chExt cx="0" cy="0"/>
+        </a:xfrm>
+      </p:grpSpPr>
+      <p:sp>
+        <p:nvSpPr>
+          <p:cNvPr id="2" name="タイトル 1">
+            <a:extLst>
+              <a:ext uri="{FF2B5EF4-FFF2-40B4-BE49-F238E27FC236}">
                 <a16:creationId xmlns:a16="http://schemas.microsoft.com/office/drawing/2014/main" id="{D159CF40-CD8C-21A6-0A3D-8CF370B562A6}"/>
               </a:ext>
             </a:extLst>
@@ -8828,7 +9053,7 @@
           <a:p>
             <a:r>
               <a:rPr kumimoji="1" lang="ja-JP" altLang="en-US"/>
-              <a:t>可変長遺伝子型熱力学的選択ルール</a:t>
+              <a:t>熱力学的遺伝アルゴリズム</a:t>
             </a:r>
           </a:p>
         </p:txBody>
@@ -8857,7 +9082,505 @@
             <a:pPr lvl="0"/>
             <a:fld id="{004900ED-2EFD-2142-93A1-1CBA90FDE07B}" type="slidenum">
               <a:rPr lang="en-US" altLang="ja-JP" smtClean="0"/>
-              <a:t>11</a:t>
+              <a:t>12</a:t>
+            </a:fld>
+            <a:endParaRPr lang="ja-JP" altLang="en-US"/>
+          </a:p>
+        </p:txBody>
+      </p:sp>
+      <p:sp>
+        <p:nvSpPr>
+          <p:cNvPr id="4" name="テキスト ボックス 3">
+            <a:extLst>
+              <a:ext uri="{FF2B5EF4-FFF2-40B4-BE49-F238E27FC236}">
+                <a16:creationId xmlns:a16="http://schemas.microsoft.com/office/drawing/2014/main" id="{C90B63DA-86FE-BCFD-909B-51617E6B3CDE}"/>
+              </a:ext>
+            </a:extLst>
+          </p:cNvPr>
+          <p:cNvSpPr txBox="1"/>
+          <p:nvPr/>
+        </p:nvSpPr>
+        <p:spPr>
+          <a:xfrm>
+            <a:off x="246650" y="1541288"/>
+            <a:ext cx="6952544" cy="3364511"/>
+          </a:xfrm>
+          <a:prstGeom prst="rect">
+            <a:avLst/>
+          </a:prstGeom>
+          <a:noFill/>
+        </p:spPr>
+        <p:txBody>
+          <a:bodyPr wrap="none" rtlCol="0">
+            <a:spAutoFit/>
+          </a:bodyPr>
+          <a:lstStyle/>
+          <a:p>
+            <a:pPr marL="342900" indent="-342900">
+              <a:lnSpc>
+                <a:spcPct val="150000"/>
+              </a:lnSpc>
+              <a:buFont typeface="Wingdings" pitchFamily="2" charset="2"/>
+              <a:buChar char="p"/>
+            </a:pPr>
+            <a:r>
+              <a:rPr kumimoji="1" lang="ja-JP" altLang="en-US" sz="2400"/>
+              <a:t>熱力学的遺伝アルゴリズム</a:t>
+            </a:r>
+            <a:br>
+              <a:rPr kumimoji="1" lang="en-US" altLang="ja-JP" sz="2400" dirty="0"/>
+            </a:br>
+            <a:r>
+              <a:rPr kumimoji="1" lang="en-US" altLang="ja-JP" sz="2400" dirty="0"/>
+              <a:t>(Thermodynamical Genetic Algorithm: TDGA)</a:t>
+            </a:r>
+          </a:p>
+          <a:p>
+            <a:pPr marL="800100" lvl="1" indent="-342900">
+              <a:lnSpc>
+                <a:spcPct val="150000"/>
+              </a:lnSpc>
+              <a:buFont typeface="Wingdings" pitchFamily="2" charset="2"/>
+              <a:buChar char="Ø"/>
+            </a:pPr>
+            <a:r>
+              <a:rPr lang="en-US" altLang="ja-JP" sz="2400" dirty="0"/>
+              <a:t>GA</a:t>
+            </a:r>
+            <a:r>
+              <a:rPr kumimoji="1" lang="en-US" altLang="ja-JP" sz="2400" dirty="0"/>
+              <a:t> </a:t>
+            </a:r>
+            <a:r>
+              <a:rPr kumimoji="1" lang="ja-JP" altLang="en-US" sz="2400"/>
+              <a:t>に熱力学的選択ルールを適用</a:t>
+            </a:r>
+            <a:endParaRPr kumimoji="1" lang="en-US" altLang="ja-JP" sz="1400" dirty="0"/>
+          </a:p>
+          <a:p>
+            <a:pPr marL="914400" lvl="1" indent="-457200">
+              <a:lnSpc>
+                <a:spcPct val="150000"/>
+              </a:lnSpc>
+              <a:buFont typeface="Wingdings" pitchFamily="2" charset="2"/>
+              <a:buChar char="Ø"/>
+            </a:pPr>
+            <a:r>
+              <a:rPr lang="ja-JP" altLang="en-US" sz="2400"/>
+              <a:t>個体の多様性を維持することがねらい</a:t>
+            </a:r>
+            <a:br>
+              <a:rPr lang="en-US" altLang="ja-JP" sz="2400" dirty="0"/>
+            </a:br>
+            <a:endParaRPr kumimoji="1" lang="en-US" altLang="ja-JP" sz="2400" dirty="0"/>
+          </a:p>
+          <a:p>
+            <a:pPr marL="914400" lvl="1" indent="-457200">
+              <a:lnSpc>
+                <a:spcPct val="150000"/>
+              </a:lnSpc>
+              <a:buFont typeface="Wingdings" pitchFamily="2" charset="2"/>
+              <a:buChar char="p"/>
+            </a:pPr>
+            <a:endParaRPr kumimoji="1" lang="en-US" altLang="ja-JP" sz="2400" dirty="0"/>
+          </a:p>
+        </p:txBody>
+      </p:sp>
+      <p:sp>
+        <p:nvSpPr>
+          <p:cNvPr id="5" name="テキスト ボックス 4">
+            <a:extLst>
+              <a:ext uri="{FF2B5EF4-FFF2-40B4-BE49-F238E27FC236}">
+                <a16:creationId xmlns:a16="http://schemas.microsoft.com/office/drawing/2014/main" id="{BD278A64-0ED6-C568-86FB-B7634183F904}"/>
+              </a:ext>
+            </a:extLst>
+          </p:cNvPr>
+          <p:cNvSpPr txBox="1"/>
+          <p:nvPr/>
+        </p:nvSpPr>
+        <p:spPr>
+          <a:xfrm>
+            <a:off x="153207" y="4844243"/>
+            <a:ext cx="7254848" cy="769441"/>
+          </a:xfrm>
+          <a:prstGeom prst="rect">
+            <a:avLst/>
+          </a:prstGeom>
+          <a:noFill/>
+          <a:ln>
+            <a:solidFill>
+              <a:schemeClr val="tx1"/>
+            </a:solidFill>
+          </a:ln>
+        </p:spPr>
+        <p:txBody>
+          <a:bodyPr wrap="square" rtlCol="0">
+            <a:spAutoFit/>
+          </a:bodyPr>
+          <a:lstStyle/>
+          <a:p>
+            <a:r>
+              <a:rPr lang="de" altLang="ja-JP" sz="1100" b="0" i="0" dirty="0">
+                <a:solidFill>
+                  <a:srgbClr val="000000"/>
+                </a:solidFill>
+                <a:effectLst/>
+                <a:latin typeface="Hiragino Kaku Gothic ProN" panose="020B0300000000000000" pitchFamily="34" charset="-128"/>
+                <a:ea typeface="Hiragino Kaku Gothic ProN" panose="020B0300000000000000" pitchFamily="34" charset="-128"/>
+              </a:rPr>
+              <a:t>Naoki MORI, </a:t>
+            </a:r>
+            <a:r>
+              <a:rPr lang="de" altLang="ja-JP" sz="1100" b="0" i="0" dirty="0" err="1">
+                <a:solidFill>
+                  <a:srgbClr val="000000"/>
+                </a:solidFill>
+                <a:effectLst/>
+                <a:latin typeface="Hiragino Kaku Gothic ProN" panose="020B0300000000000000" pitchFamily="34" charset="-128"/>
+                <a:ea typeface="Hiragino Kaku Gothic ProN" panose="020B0300000000000000" pitchFamily="34" charset="-128"/>
+              </a:rPr>
+              <a:t>Junji</a:t>
+            </a:r>
+            <a:r>
+              <a:rPr lang="de" altLang="ja-JP" sz="1100" b="0" i="0" dirty="0">
+                <a:solidFill>
+                  <a:srgbClr val="000000"/>
+                </a:solidFill>
+                <a:effectLst/>
+                <a:latin typeface="Hiragino Kaku Gothic ProN" panose="020B0300000000000000" pitchFamily="34" charset="-128"/>
+                <a:ea typeface="Hiragino Kaku Gothic ProN" panose="020B0300000000000000" pitchFamily="34" charset="-128"/>
+              </a:rPr>
+              <a:t> YOSHIDA, Hajime KITA, </a:t>
+            </a:r>
+            <a:r>
+              <a:rPr lang="de" altLang="ja-JP" sz="1100" b="0" i="0" dirty="0" err="1">
+                <a:solidFill>
+                  <a:srgbClr val="000000"/>
+                </a:solidFill>
+                <a:effectLst/>
+                <a:latin typeface="Hiragino Kaku Gothic ProN" panose="020B0300000000000000" pitchFamily="34" charset="-128"/>
+                <a:ea typeface="Hiragino Kaku Gothic ProN" panose="020B0300000000000000" pitchFamily="34" charset="-128"/>
+              </a:rPr>
+              <a:t>Yoshikazu</a:t>
+            </a:r>
+            <a:r>
+              <a:rPr lang="de" altLang="ja-JP" sz="1100" b="0" i="0" dirty="0">
+                <a:solidFill>
+                  <a:srgbClr val="000000"/>
+                </a:solidFill>
+                <a:effectLst/>
+                <a:latin typeface="Hiragino Kaku Gothic ProN" panose="020B0300000000000000" pitchFamily="34" charset="-128"/>
+                <a:ea typeface="Hiragino Kaku Gothic ProN" panose="020B0300000000000000" pitchFamily="34" charset="-128"/>
+              </a:rPr>
+              <a:t> NISHIKAWA, A </a:t>
+            </a:r>
+            <a:r>
+              <a:rPr lang="de" altLang="ja-JP" sz="1100" b="0" i="0" dirty="0" err="1">
+                <a:solidFill>
+                  <a:srgbClr val="000000"/>
+                </a:solidFill>
+                <a:effectLst/>
+                <a:latin typeface="Hiragino Kaku Gothic ProN" panose="020B0300000000000000" pitchFamily="34" charset="-128"/>
+                <a:ea typeface="Hiragino Kaku Gothic ProN" panose="020B0300000000000000" pitchFamily="34" charset="-128"/>
+              </a:rPr>
+              <a:t>Thermodynamical</a:t>
+            </a:r>
+            <a:r>
+              <a:rPr lang="de" altLang="ja-JP" sz="1100" b="0" i="0" dirty="0">
+                <a:solidFill>
+                  <a:srgbClr val="000000"/>
+                </a:solidFill>
+                <a:effectLst/>
+                <a:latin typeface="Hiragino Kaku Gothic ProN" panose="020B0300000000000000" pitchFamily="34" charset="-128"/>
+                <a:ea typeface="Hiragino Kaku Gothic ProN" panose="020B0300000000000000" pitchFamily="34" charset="-128"/>
+              </a:rPr>
+              <a:t> </a:t>
+            </a:r>
+            <a:r>
+              <a:rPr lang="de" altLang="ja-JP" sz="1100" b="0" i="0" dirty="0" err="1">
+                <a:solidFill>
+                  <a:srgbClr val="000000"/>
+                </a:solidFill>
+                <a:effectLst/>
+                <a:latin typeface="Hiragino Kaku Gothic ProN" panose="020B0300000000000000" pitchFamily="34" charset="-128"/>
+                <a:ea typeface="Hiragino Kaku Gothic ProN" panose="020B0300000000000000" pitchFamily="34" charset="-128"/>
+              </a:rPr>
+              <a:t>Selection</a:t>
+            </a:r>
+            <a:r>
+              <a:rPr lang="de" altLang="ja-JP" sz="1100" b="0" i="0" dirty="0">
+                <a:solidFill>
+                  <a:srgbClr val="000000"/>
+                </a:solidFill>
+                <a:effectLst/>
+                <a:latin typeface="Hiragino Kaku Gothic ProN" panose="020B0300000000000000" pitchFamily="34" charset="-128"/>
+                <a:ea typeface="Hiragino Kaku Gothic ProN" panose="020B0300000000000000" pitchFamily="34" charset="-128"/>
+              </a:rPr>
+              <a:t> Rule in </a:t>
+            </a:r>
+            <a:r>
+              <a:rPr lang="de" altLang="ja-JP" sz="1100" b="0" i="0" dirty="0" err="1">
+                <a:solidFill>
+                  <a:srgbClr val="000000"/>
+                </a:solidFill>
+                <a:effectLst/>
+                <a:latin typeface="Hiragino Kaku Gothic ProN" panose="020B0300000000000000" pitchFamily="34" charset="-128"/>
+                <a:ea typeface="Hiragino Kaku Gothic ProN" panose="020B0300000000000000" pitchFamily="34" charset="-128"/>
+              </a:rPr>
+              <a:t>the</a:t>
+            </a:r>
+            <a:r>
+              <a:rPr lang="de" altLang="ja-JP" sz="1100" b="0" i="0" dirty="0">
+                <a:solidFill>
+                  <a:srgbClr val="000000"/>
+                </a:solidFill>
+                <a:effectLst/>
+                <a:latin typeface="Hiragino Kaku Gothic ProN" panose="020B0300000000000000" pitchFamily="34" charset="-128"/>
+                <a:ea typeface="Hiragino Kaku Gothic ProN" panose="020B0300000000000000" pitchFamily="34" charset="-128"/>
+              </a:rPr>
+              <a:t> Genetic </a:t>
+            </a:r>
+            <a:r>
+              <a:rPr lang="de" altLang="ja-JP" sz="1100" b="0" i="0" dirty="0" err="1">
+                <a:solidFill>
+                  <a:srgbClr val="000000"/>
+                </a:solidFill>
+                <a:effectLst/>
+                <a:latin typeface="Hiragino Kaku Gothic ProN" panose="020B0300000000000000" pitchFamily="34" charset="-128"/>
+                <a:ea typeface="Hiragino Kaku Gothic ProN" panose="020B0300000000000000" pitchFamily="34" charset="-128"/>
+              </a:rPr>
+              <a:t>Algorithm</a:t>
+            </a:r>
+            <a:r>
+              <a:rPr lang="de" altLang="ja-JP" sz="1100" b="0" i="0" dirty="0">
+                <a:solidFill>
+                  <a:srgbClr val="000000"/>
+                </a:solidFill>
+                <a:effectLst/>
+                <a:latin typeface="Hiragino Kaku Gothic ProN" panose="020B0300000000000000" pitchFamily="34" charset="-128"/>
+                <a:ea typeface="Hiragino Kaku Gothic ProN" panose="020B0300000000000000" pitchFamily="34" charset="-128"/>
+              </a:rPr>
+              <a:t>, Transactions </a:t>
+            </a:r>
+            <a:r>
+              <a:rPr lang="de" altLang="ja-JP" sz="1100" b="0" i="0" dirty="0" err="1">
+                <a:solidFill>
+                  <a:srgbClr val="000000"/>
+                </a:solidFill>
+                <a:effectLst/>
+                <a:latin typeface="Hiragino Kaku Gothic ProN" panose="020B0300000000000000" pitchFamily="34" charset="-128"/>
+                <a:ea typeface="Hiragino Kaku Gothic ProN" panose="020B0300000000000000" pitchFamily="34" charset="-128"/>
+              </a:rPr>
+              <a:t>of</a:t>
+            </a:r>
+            <a:r>
+              <a:rPr lang="de" altLang="ja-JP" sz="1100" b="0" i="0" dirty="0">
+                <a:solidFill>
+                  <a:srgbClr val="000000"/>
+                </a:solidFill>
+                <a:effectLst/>
+                <a:latin typeface="Hiragino Kaku Gothic ProN" panose="020B0300000000000000" pitchFamily="34" charset="-128"/>
+                <a:ea typeface="Hiragino Kaku Gothic ProN" panose="020B0300000000000000" pitchFamily="34" charset="-128"/>
+              </a:rPr>
+              <a:t> </a:t>
+            </a:r>
+            <a:r>
+              <a:rPr lang="de" altLang="ja-JP" sz="1100" b="0" i="0" dirty="0" err="1">
+                <a:solidFill>
+                  <a:srgbClr val="000000"/>
+                </a:solidFill>
+                <a:effectLst/>
+                <a:latin typeface="Hiragino Kaku Gothic ProN" panose="020B0300000000000000" pitchFamily="34" charset="-128"/>
+                <a:ea typeface="Hiragino Kaku Gothic ProN" panose="020B0300000000000000" pitchFamily="34" charset="-128"/>
+              </a:rPr>
+              <a:t>the</a:t>
+            </a:r>
+            <a:r>
+              <a:rPr lang="de" altLang="ja-JP" sz="1100" b="0" i="0" dirty="0">
+                <a:solidFill>
+                  <a:srgbClr val="000000"/>
+                </a:solidFill>
+                <a:effectLst/>
+                <a:latin typeface="Hiragino Kaku Gothic ProN" panose="020B0300000000000000" pitchFamily="34" charset="-128"/>
+                <a:ea typeface="Hiragino Kaku Gothic ProN" panose="020B0300000000000000" pitchFamily="34" charset="-128"/>
+              </a:rPr>
+              <a:t> Institute </a:t>
+            </a:r>
+            <a:r>
+              <a:rPr lang="de" altLang="ja-JP" sz="1100" b="0" i="0" dirty="0" err="1">
+                <a:solidFill>
+                  <a:srgbClr val="000000"/>
+                </a:solidFill>
+                <a:effectLst/>
+                <a:latin typeface="Hiragino Kaku Gothic ProN" panose="020B0300000000000000" pitchFamily="34" charset="-128"/>
+                <a:ea typeface="Hiragino Kaku Gothic ProN" panose="020B0300000000000000" pitchFamily="34" charset="-128"/>
+              </a:rPr>
+              <a:t>of</a:t>
+            </a:r>
+            <a:r>
+              <a:rPr lang="de" altLang="ja-JP" sz="1100" b="0" i="0" dirty="0">
+                <a:solidFill>
+                  <a:srgbClr val="000000"/>
+                </a:solidFill>
+                <a:effectLst/>
+                <a:latin typeface="Hiragino Kaku Gothic ProN" panose="020B0300000000000000" pitchFamily="34" charset="-128"/>
+                <a:ea typeface="Hiragino Kaku Gothic ProN" panose="020B0300000000000000" pitchFamily="34" charset="-128"/>
+              </a:rPr>
+              <a:t> Systems, Control and Information Engineers, 1996, Volume 9, </a:t>
+            </a:r>
+            <a:r>
+              <a:rPr lang="de" altLang="ja-JP" sz="1100" b="0" i="0" dirty="0" err="1">
+                <a:solidFill>
+                  <a:srgbClr val="000000"/>
+                </a:solidFill>
+                <a:effectLst/>
+                <a:latin typeface="Hiragino Kaku Gothic ProN" panose="020B0300000000000000" pitchFamily="34" charset="-128"/>
+                <a:ea typeface="Hiragino Kaku Gothic ProN" panose="020B0300000000000000" pitchFamily="34" charset="-128"/>
+              </a:rPr>
+              <a:t>Issue</a:t>
+            </a:r>
+            <a:r>
+              <a:rPr lang="de" altLang="ja-JP" sz="1100" b="0" i="0" dirty="0">
+                <a:solidFill>
+                  <a:srgbClr val="000000"/>
+                </a:solidFill>
+                <a:effectLst/>
+                <a:latin typeface="Hiragino Kaku Gothic ProN" panose="020B0300000000000000" pitchFamily="34" charset="-128"/>
+                <a:ea typeface="Hiragino Kaku Gothic ProN" panose="020B0300000000000000" pitchFamily="34" charset="-128"/>
+              </a:rPr>
+              <a:t> 2, Pages 82-90, </a:t>
+            </a:r>
+            <a:r>
+              <a:rPr lang="de" altLang="ja-JP" sz="1100" b="0" i="0" dirty="0" err="1">
+                <a:solidFill>
+                  <a:srgbClr val="000000"/>
+                </a:solidFill>
+                <a:effectLst/>
+                <a:latin typeface="Hiragino Kaku Gothic ProN" panose="020B0300000000000000" pitchFamily="34" charset="-128"/>
+                <a:ea typeface="Hiragino Kaku Gothic ProN" panose="020B0300000000000000" pitchFamily="34" charset="-128"/>
+              </a:rPr>
+              <a:t>Released</a:t>
+            </a:r>
+            <a:r>
+              <a:rPr lang="de" altLang="ja-JP" sz="1100" b="0" i="0" dirty="0">
+                <a:solidFill>
+                  <a:srgbClr val="000000"/>
+                </a:solidFill>
+                <a:effectLst/>
+                <a:latin typeface="Hiragino Kaku Gothic ProN" panose="020B0300000000000000" pitchFamily="34" charset="-128"/>
+                <a:ea typeface="Hiragino Kaku Gothic ProN" panose="020B0300000000000000" pitchFamily="34" charset="-128"/>
+              </a:rPr>
+              <a:t> on J-STAGE </a:t>
+            </a:r>
+            <a:r>
+              <a:rPr lang="de" altLang="ja-JP" sz="1100" b="0" i="0" dirty="0" err="1">
+                <a:solidFill>
+                  <a:srgbClr val="000000"/>
+                </a:solidFill>
+                <a:effectLst/>
+                <a:latin typeface="Hiragino Kaku Gothic ProN" panose="020B0300000000000000" pitchFamily="34" charset="-128"/>
+                <a:ea typeface="Hiragino Kaku Gothic ProN" panose="020B0300000000000000" pitchFamily="34" charset="-128"/>
+              </a:rPr>
+              <a:t>October</a:t>
+            </a:r>
+            <a:r>
+              <a:rPr lang="de" altLang="ja-JP" sz="1100" b="0" i="0" dirty="0">
+                <a:solidFill>
+                  <a:srgbClr val="000000"/>
+                </a:solidFill>
+                <a:effectLst/>
+                <a:latin typeface="Hiragino Kaku Gothic ProN" panose="020B0300000000000000" pitchFamily="34" charset="-128"/>
+                <a:ea typeface="Hiragino Kaku Gothic ProN" panose="020B0300000000000000" pitchFamily="34" charset="-128"/>
+              </a:rPr>
+              <a:t> 13, 2011, Online ISSN 2185-811X, Print ISSN 1342-5668</a:t>
+            </a:r>
+            <a:endParaRPr kumimoji="1" lang="ja-JP" altLang="en-US" sz="1100"/>
+          </a:p>
+        </p:txBody>
+      </p:sp>
+    </p:spTree>
+    <p:extLst>
+      <p:ext uri="{BB962C8B-B14F-4D97-AF65-F5344CB8AC3E}">
+        <p14:creationId xmlns:p14="http://schemas.microsoft.com/office/powerpoint/2010/main" val="842676182"/>
+      </p:ext>
+    </p:extLst>
+  </p:cSld>
+  <p:clrMapOvr>
+    <a:masterClrMapping/>
+  </p:clrMapOvr>
+</p:sld>
+</file>
+
+<file path=ppt/slides/slide13.xml><?xml version="1.0" encoding="utf-8"?>
+<p:sld xmlns:a="http://schemas.openxmlformats.org/drawingml/2006/main" xmlns:r="http://schemas.openxmlformats.org/officeDocument/2006/relationships" xmlns:p="http://schemas.openxmlformats.org/presentationml/2006/main">
+  <p:cSld>
+    <p:spTree>
+      <p:nvGrpSpPr>
+        <p:cNvPr id="1" name=""/>
+        <p:cNvGrpSpPr/>
+        <p:nvPr/>
+      </p:nvGrpSpPr>
+      <p:grpSpPr>
+        <a:xfrm>
+          <a:off x="0" y="0"/>
+          <a:ext cx="0" cy="0"/>
+          <a:chOff x="0" y="0"/>
+          <a:chExt cx="0" cy="0"/>
+        </a:xfrm>
+      </p:grpSpPr>
+      <p:sp>
+        <p:nvSpPr>
+          <p:cNvPr id="2" name="タイトル 1">
+            <a:extLst>
+              <a:ext uri="{FF2B5EF4-FFF2-40B4-BE49-F238E27FC236}">
+                <a16:creationId xmlns:a16="http://schemas.microsoft.com/office/drawing/2014/main" id="{D159CF40-CD8C-21A6-0A3D-8CF370B562A6}"/>
+              </a:ext>
+            </a:extLst>
+          </p:cNvPr>
+          <p:cNvSpPr>
+            <a:spLocks noGrp="1"/>
+          </p:cNvSpPr>
+          <p:nvPr>
+            <p:ph type="title"/>
+          </p:nvPr>
+        </p:nvSpPr>
+        <p:spPr/>
+        <p:txBody>
+          <a:bodyPr/>
+          <a:lstStyle/>
+          <a:p>
+            <a:r>
+              <a:rPr kumimoji="1" lang="ja-JP" altLang="en-US"/>
+              <a:t>可変長遺伝子型熱力学的選択ルール</a:t>
+            </a:r>
+          </a:p>
+        </p:txBody>
+      </p:sp>
+      <p:sp>
+        <p:nvSpPr>
+          <p:cNvPr id="3" name="スライド番号プレースホルダー 2">
+            <a:extLst>
+              <a:ext uri="{FF2B5EF4-FFF2-40B4-BE49-F238E27FC236}">
+                <a16:creationId xmlns:a16="http://schemas.microsoft.com/office/drawing/2014/main" id="{37968868-915E-15E5-AB4E-1366F32A281D}"/>
+              </a:ext>
+            </a:extLst>
+          </p:cNvPr>
+          <p:cNvSpPr>
+            <a:spLocks noGrp="1"/>
+          </p:cNvSpPr>
+          <p:nvPr>
+            <p:ph type="sldNum" sz="quarter" idx="12"/>
+          </p:nvPr>
+        </p:nvSpPr>
+        <p:spPr/>
+        <p:txBody>
+          <a:bodyPr/>
+          <a:lstStyle/>
+          <a:p>
+            <a:pPr lvl="0"/>
+            <a:fld id="{004900ED-2EFD-2142-93A1-1CBA90FDE07B}" type="slidenum">
+              <a:rPr lang="en-US" altLang="ja-JP" smtClean="0"/>
+              <a:t>13</a:t>
             </a:fld>
             <a:endParaRPr lang="ja-JP" altLang="en-US"/>
           </a:p>
@@ -9241,7 +9964,7 @@
 </p:sld>
 </file>
 
-<file path=ppt/slides/slide12.xml><?xml version="1.0" encoding="utf-8"?>
+<file path=ppt/slides/slide14.xml><?xml version="1.0" encoding="utf-8"?>
 <p:sld xmlns:a="http://schemas.openxmlformats.org/drawingml/2006/main" xmlns:r="http://schemas.openxmlformats.org/officeDocument/2006/relationships" xmlns:p="http://schemas.openxmlformats.org/presentationml/2006/main">
   <p:cSld>
     <p:spTree>
@@ -9310,7 +10033,7 @@
             <a:pPr lvl="0"/>
             <a:fld id="{004900ED-2EFD-2142-93A1-1CBA90FDE07B}" type="slidenum">
               <a:rPr lang="en-US" altLang="ja-JP" smtClean="0"/>
-              <a:t>12</a:t>
+              <a:t>14</a:t>
             </a:fld>
             <a:endParaRPr lang="ja-JP" altLang="en-US"/>
           </a:p>
@@ -9566,7 +10289,7 @@
 </p:sld>
 </file>
 
-<file path=ppt/slides/slide13.xml><?xml version="1.0" encoding="utf-8"?>
+<file path=ppt/slides/slide15.xml><?xml version="1.0" encoding="utf-8"?>
 <p:sld xmlns:a="http://schemas.openxmlformats.org/drawingml/2006/main" xmlns:r="http://schemas.openxmlformats.org/officeDocument/2006/relationships" xmlns:p="http://schemas.openxmlformats.org/presentationml/2006/main">
   <p:cSld>
     <p:spTree>
@@ -9635,7 +10358,7 @@
             <a:pPr lvl="0"/>
             <a:fld id="{004900ED-2EFD-2142-93A1-1CBA90FDE07B}" type="slidenum">
               <a:rPr lang="en-US" altLang="ja-JP" smtClean="0"/>
-              <a:t>13</a:t>
+              <a:t>15</a:t>
             </a:fld>
             <a:endParaRPr lang="ja-JP" altLang="en-US"/>
           </a:p>
@@ -9943,7 +10666,7 @@
 </p:sld>
 </file>
 
-<file path=ppt/slides/slide14.xml><?xml version="1.0" encoding="utf-8"?>
+<file path=ppt/slides/slide16.xml><?xml version="1.0" encoding="utf-8"?>
 <p:sld xmlns:a="http://schemas.openxmlformats.org/drawingml/2006/main" xmlns:r="http://schemas.openxmlformats.org/officeDocument/2006/relationships" xmlns:p="http://schemas.openxmlformats.org/presentationml/2006/main">
   <p:cSld>
     <p:spTree>
@@ -10017,7 +10740,7 @@
             <a:pPr lvl="0"/>
             <a:fld id="{004900ED-2EFD-2142-93A1-1CBA90FDE07B}" type="slidenum">
               <a:rPr lang="en-US" altLang="ja-JP" smtClean="0"/>
-              <a:t>14</a:t>
+              <a:t>16</a:t>
             </a:fld>
             <a:endParaRPr lang="ja-JP" altLang="en-US"/>
           </a:p>
@@ -10188,7 +10911,7 @@
 </p:sld>
 </file>
 
-<file path=ppt/slides/slide15.xml><?xml version="1.0" encoding="utf-8"?>
+<file path=ppt/slides/slide17.xml><?xml version="1.0" encoding="utf-8"?>
 <p:sld xmlns:a="http://schemas.openxmlformats.org/drawingml/2006/main" xmlns:r="http://schemas.openxmlformats.org/officeDocument/2006/relationships" xmlns:p="http://schemas.openxmlformats.org/presentationml/2006/main">
   <p:cSld>
     <p:spTree>
@@ -10257,7 +10980,7 @@
             <a:pPr lvl="0"/>
             <a:fld id="{004900ED-2EFD-2142-93A1-1CBA90FDE07B}" type="slidenum">
               <a:rPr lang="en-US" altLang="ja-JP" smtClean="0"/>
-              <a:t>15</a:t>
+              <a:t>17</a:t>
             </a:fld>
             <a:endParaRPr lang="ja-JP" altLang="en-US"/>
           </a:p>
@@ -10390,7 +11113,7 @@
 </p:sld>
 </file>
 
-<file path=ppt/slides/slide16.xml><?xml version="1.0" encoding="utf-8"?>
+<file path=ppt/slides/slide18.xml><?xml version="1.0" encoding="utf-8"?>
 <p:sld xmlns:a="http://schemas.openxmlformats.org/drawingml/2006/main" xmlns:r="http://schemas.openxmlformats.org/officeDocument/2006/relationships" xmlns:p="http://schemas.openxmlformats.org/presentationml/2006/main">
   <p:cSld>
     <p:spTree>
@@ -10459,7 +11182,7 @@
             <a:pPr lvl="0"/>
             <a:fld id="{004900ED-2EFD-2142-93A1-1CBA90FDE07B}" type="slidenum">
               <a:rPr lang="en-US" altLang="ja-JP" smtClean="0"/>
-              <a:t>16</a:t>
+              <a:t>18</a:t>
             </a:fld>
             <a:endParaRPr lang="ja-JP" altLang="en-US"/>
           </a:p>
@@ -10646,7 +11369,7 @@
 </p:sld>
 </file>
 
-<file path=ppt/slides/slide17.xml><?xml version="1.0" encoding="utf-8"?>
+<file path=ppt/slides/slide19.xml><?xml version="1.0" encoding="utf-8"?>
 <p:sld xmlns:a="http://schemas.openxmlformats.org/drawingml/2006/main" xmlns:r="http://schemas.openxmlformats.org/officeDocument/2006/relationships" xmlns:p="http://schemas.openxmlformats.org/presentationml/2006/main">
   <p:cSld>
     <p:spTree>
@@ -10715,7 +11438,7 @@
             <a:pPr lvl="0"/>
             <a:fld id="{004900ED-2EFD-2142-93A1-1CBA90FDE07B}" type="slidenum">
               <a:rPr lang="en-US" altLang="ja-JP" smtClean="0"/>
-              <a:t>17</a:t>
+              <a:t>19</a:t>
             </a:fld>
             <a:endParaRPr lang="ja-JP" altLang="en-US"/>
           </a:p>
@@ -11065,7 +11788,7 @@
 </p:sld>
 </file>
 
-<file path=ppt/slides/slide18.xml><?xml version="1.0" encoding="utf-8"?>
+<file path=ppt/slides/slide2.xml><?xml version="1.0" encoding="utf-8"?>
 <p:sld xmlns:a="http://schemas.openxmlformats.org/drawingml/2006/main" xmlns:r="http://schemas.openxmlformats.org/officeDocument/2006/relationships" xmlns:p="http://schemas.openxmlformats.org/presentationml/2006/main">
   <p:cSld>
     <p:spTree>
@@ -11087,6 +11810,178 @@
           <p:cNvPr id="2" name="タイトル 1">
             <a:extLst>
               <a:ext uri="{FF2B5EF4-FFF2-40B4-BE49-F238E27FC236}">
+                <a16:creationId xmlns:a16="http://schemas.microsoft.com/office/drawing/2014/main" id="{DA6841C3-0E6C-BFA1-5D04-4112F1117102}"/>
+              </a:ext>
+            </a:extLst>
+          </p:cNvPr>
+          <p:cNvSpPr>
+            <a:spLocks noGrp="1"/>
+          </p:cNvSpPr>
+          <p:nvPr>
+            <p:ph type="title"/>
+          </p:nvPr>
+        </p:nvSpPr>
+        <p:spPr/>
+        <p:txBody>
+          <a:bodyPr/>
+          <a:lstStyle/>
+          <a:p>
+            <a:r>
+              <a:rPr kumimoji="1" lang="ja-JP" altLang="en-US"/>
+              <a:t>目次</a:t>
+            </a:r>
+          </a:p>
+        </p:txBody>
+      </p:sp>
+      <p:sp>
+        <p:nvSpPr>
+          <p:cNvPr id="4" name="スライド番号プレースホルダー 3">
+            <a:extLst>
+              <a:ext uri="{FF2B5EF4-FFF2-40B4-BE49-F238E27FC236}">
+                <a16:creationId xmlns:a16="http://schemas.microsoft.com/office/drawing/2014/main" id="{20D20625-8135-BA1D-11A0-E3466265CE7C}"/>
+              </a:ext>
+            </a:extLst>
+          </p:cNvPr>
+          <p:cNvSpPr>
+            <a:spLocks noGrp="1"/>
+          </p:cNvSpPr>
+          <p:nvPr>
+            <p:ph type="sldNum" sz="quarter" idx="12"/>
+          </p:nvPr>
+        </p:nvSpPr>
+        <p:spPr/>
+        <p:txBody>
+          <a:bodyPr/>
+          <a:lstStyle/>
+          <a:p>
+            <a:pPr lvl="0"/>
+            <a:fld id="{004900ED-2EFD-2142-93A1-1CBA90FDE07B}" type="slidenum">
+              <a:rPr lang="en-US" altLang="ja-JP" smtClean="0"/>
+              <a:t>2</a:t>
+            </a:fld>
+            <a:endParaRPr lang="ja-JP" altLang="en-US"/>
+          </a:p>
+        </p:txBody>
+      </p:sp>
+      <p:sp>
+        <p:nvSpPr>
+          <p:cNvPr id="3" name="テキスト ボックス 2">
+            <a:extLst>
+              <a:ext uri="{FF2B5EF4-FFF2-40B4-BE49-F238E27FC236}">
+                <a16:creationId xmlns:a16="http://schemas.microsoft.com/office/drawing/2014/main" id="{CFCE3529-0348-FAC9-4C81-ACEA9BA72623}"/>
+              </a:ext>
+            </a:extLst>
+          </p:cNvPr>
+          <p:cNvSpPr txBox="1"/>
+          <p:nvPr/>
+        </p:nvSpPr>
+        <p:spPr>
+          <a:xfrm>
+            <a:off x="519837" y="1411535"/>
+            <a:ext cx="3877985" cy="3425168"/>
+          </a:xfrm>
+          <a:prstGeom prst="rect">
+            <a:avLst/>
+          </a:prstGeom>
+          <a:noFill/>
+        </p:spPr>
+        <p:txBody>
+          <a:bodyPr wrap="none" rtlCol="0">
+            <a:spAutoFit/>
+          </a:bodyPr>
+          <a:lstStyle/>
+          <a:p>
+            <a:pPr marL="457200" indent="-457200">
+              <a:lnSpc>
+                <a:spcPct val="200000"/>
+              </a:lnSpc>
+              <a:buFont typeface="Wingdings" pitchFamily="2" charset="2"/>
+              <a:buChar char="Ø"/>
+            </a:pPr>
+            <a:r>
+              <a:rPr lang="ja-JP" altLang="en-US" sz="2800"/>
+              <a:t>はじめに</a:t>
+            </a:r>
+            <a:endParaRPr lang="en-US" altLang="ja-JP" sz="2800" dirty="0"/>
+          </a:p>
+          <a:p>
+            <a:pPr marL="457200" indent="-457200">
+              <a:lnSpc>
+                <a:spcPct val="200000"/>
+              </a:lnSpc>
+              <a:buFont typeface="Wingdings" pitchFamily="2" charset="2"/>
+              <a:buChar char="Ø"/>
+            </a:pPr>
+            <a:r>
+              <a:rPr lang="ja-JP" altLang="en-US" sz="2800"/>
+              <a:t>要素技術</a:t>
+            </a:r>
+            <a:endParaRPr lang="en-US" altLang="ja-JP" sz="2800" dirty="0"/>
+          </a:p>
+          <a:p>
+            <a:pPr marL="457200" indent="-457200">
+              <a:lnSpc>
+                <a:spcPct val="200000"/>
+              </a:lnSpc>
+              <a:buFont typeface="Wingdings" pitchFamily="2" charset="2"/>
+              <a:buChar char="Ø"/>
+            </a:pPr>
+            <a:r>
+              <a:rPr lang="ja-JP" altLang="en-US" sz="2800"/>
+              <a:t>実験</a:t>
+            </a:r>
+            <a:endParaRPr lang="en-US" altLang="ja-JP" sz="2800" dirty="0"/>
+          </a:p>
+          <a:p>
+            <a:pPr marL="457200" indent="-457200">
+              <a:lnSpc>
+                <a:spcPct val="200000"/>
+              </a:lnSpc>
+              <a:buFont typeface="Wingdings" pitchFamily="2" charset="2"/>
+              <a:buChar char="Ø"/>
+            </a:pPr>
+            <a:r>
+              <a:rPr lang="ja-JP" altLang="en-US" sz="2800"/>
+              <a:t>まとめと今後の課題</a:t>
+            </a:r>
+          </a:p>
+        </p:txBody>
+      </p:sp>
+    </p:spTree>
+    <p:extLst>
+      <p:ext uri="{BB962C8B-B14F-4D97-AF65-F5344CB8AC3E}">
+        <p14:creationId xmlns:p14="http://schemas.microsoft.com/office/powerpoint/2010/main" val="934417076"/>
+      </p:ext>
+    </p:extLst>
+  </p:cSld>
+  <p:clrMapOvr>
+    <a:masterClrMapping/>
+  </p:clrMapOvr>
+</p:sld>
+</file>
+
+<file path=ppt/slides/slide20.xml><?xml version="1.0" encoding="utf-8"?>
+<p:sld xmlns:a="http://schemas.openxmlformats.org/drawingml/2006/main" xmlns:r="http://schemas.openxmlformats.org/officeDocument/2006/relationships" xmlns:p="http://schemas.openxmlformats.org/presentationml/2006/main">
+  <p:cSld>
+    <p:spTree>
+      <p:nvGrpSpPr>
+        <p:cNvPr id="1" name=""/>
+        <p:cNvGrpSpPr/>
+        <p:nvPr/>
+      </p:nvGrpSpPr>
+      <p:grpSpPr>
+        <a:xfrm>
+          <a:off x="0" y="0"/>
+          <a:ext cx="0" cy="0"/>
+          <a:chOff x="0" y="0"/>
+          <a:chExt cx="0" cy="0"/>
+        </a:xfrm>
+      </p:grpSpPr>
+      <p:sp>
+        <p:nvSpPr>
+          <p:cNvPr id="2" name="タイトル 1">
+            <a:extLst>
+              <a:ext uri="{FF2B5EF4-FFF2-40B4-BE49-F238E27FC236}">
                 <a16:creationId xmlns:a16="http://schemas.microsoft.com/office/drawing/2014/main" id="{B3856225-BF31-7C83-9113-9E3E30C19EB8}"/>
               </a:ext>
             </a:extLst>
@@ -11134,7 +12029,7 @@
             <a:pPr lvl="0"/>
             <a:fld id="{004900ED-2EFD-2142-93A1-1CBA90FDE07B}" type="slidenum">
               <a:rPr lang="en-US" altLang="ja-JP" smtClean="0"/>
-              <a:t>18</a:t>
+              <a:t>20</a:t>
             </a:fld>
             <a:endParaRPr lang="ja-JP" altLang="en-US"/>
           </a:p>
@@ -11576,7 +12471,7 @@
 </p:sld>
 </file>
 
-<file path=ppt/slides/slide19.xml><?xml version="1.0" encoding="utf-8"?>
+<file path=ppt/slides/slide21.xml><?xml version="1.0" encoding="utf-8"?>
 <p:sld xmlns:a="http://schemas.openxmlformats.org/drawingml/2006/main" xmlns:r="http://schemas.openxmlformats.org/officeDocument/2006/relationships" xmlns:p="http://schemas.openxmlformats.org/presentationml/2006/main">
   <p:cSld>
     <p:spTree>
@@ -11645,7 +12540,7 @@
             <a:pPr lvl="0"/>
             <a:fld id="{004900ED-2EFD-2142-93A1-1CBA90FDE07B}" type="slidenum">
               <a:rPr lang="en-US" altLang="ja-JP" smtClean="0"/>
-              <a:t>19</a:t>
+              <a:t>21</a:t>
             </a:fld>
             <a:endParaRPr lang="ja-JP" altLang="en-US"/>
           </a:p>
@@ -12722,7 +13617,7 @@
 </p:sld>
 </file>
 
-<file path=ppt/slides/slide2.xml><?xml version="1.0" encoding="utf-8"?>
+<file path=ppt/slides/slide22.xml><?xml version="1.0" encoding="utf-8"?>
 <p:sld xmlns:a="http://schemas.openxmlformats.org/drawingml/2006/main" xmlns:r="http://schemas.openxmlformats.org/officeDocument/2006/relationships" xmlns:p="http://schemas.openxmlformats.org/presentationml/2006/main">
   <p:cSld>
     <p:spTree>
@@ -12744,178 +13639,6 @@
           <p:cNvPr id="2" name="タイトル 1">
             <a:extLst>
               <a:ext uri="{FF2B5EF4-FFF2-40B4-BE49-F238E27FC236}">
-                <a16:creationId xmlns:a16="http://schemas.microsoft.com/office/drawing/2014/main" id="{DA6841C3-0E6C-BFA1-5D04-4112F1117102}"/>
-              </a:ext>
-            </a:extLst>
-          </p:cNvPr>
-          <p:cNvSpPr>
-            <a:spLocks noGrp="1"/>
-          </p:cNvSpPr>
-          <p:nvPr>
-            <p:ph type="title"/>
-          </p:nvPr>
-        </p:nvSpPr>
-        <p:spPr/>
-        <p:txBody>
-          <a:bodyPr/>
-          <a:lstStyle/>
-          <a:p>
-            <a:r>
-              <a:rPr kumimoji="1" lang="ja-JP" altLang="en-US"/>
-              <a:t>目次</a:t>
-            </a:r>
-          </a:p>
-        </p:txBody>
-      </p:sp>
-      <p:sp>
-        <p:nvSpPr>
-          <p:cNvPr id="4" name="スライド番号プレースホルダー 3">
-            <a:extLst>
-              <a:ext uri="{FF2B5EF4-FFF2-40B4-BE49-F238E27FC236}">
-                <a16:creationId xmlns:a16="http://schemas.microsoft.com/office/drawing/2014/main" id="{20D20625-8135-BA1D-11A0-E3466265CE7C}"/>
-              </a:ext>
-            </a:extLst>
-          </p:cNvPr>
-          <p:cNvSpPr>
-            <a:spLocks noGrp="1"/>
-          </p:cNvSpPr>
-          <p:nvPr>
-            <p:ph type="sldNum" sz="quarter" idx="12"/>
-          </p:nvPr>
-        </p:nvSpPr>
-        <p:spPr/>
-        <p:txBody>
-          <a:bodyPr/>
-          <a:lstStyle/>
-          <a:p>
-            <a:pPr lvl="0"/>
-            <a:fld id="{004900ED-2EFD-2142-93A1-1CBA90FDE07B}" type="slidenum">
-              <a:rPr lang="en-US" altLang="ja-JP" smtClean="0"/>
-              <a:t>2</a:t>
-            </a:fld>
-            <a:endParaRPr lang="ja-JP" altLang="en-US"/>
-          </a:p>
-        </p:txBody>
-      </p:sp>
-      <p:sp>
-        <p:nvSpPr>
-          <p:cNvPr id="3" name="テキスト ボックス 2">
-            <a:extLst>
-              <a:ext uri="{FF2B5EF4-FFF2-40B4-BE49-F238E27FC236}">
-                <a16:creationId xmlns:a16="http://schemas.microsoft.com/office/drawing/2014/main" id="{CFCE3529-0348-FAC9-4C81-ACEA9BA72623}"/>
-              </a:ext>
-            </a:extLst>
-          </p:cNvPr>
-          <p:cNvSpPr txBox="1"/>
-          <p:nvPr/>
-        </p:nvSpPr>
-        <p:spPr>
-          <a:xfrm>
-            <a:off x="519837" y="1411535"/>
-            <a:ext cx="3877985" cy="3425168"/>
-          </a:xfrm>
-          <a:prstGeom prst="rect">
-            <a:avLst/>
-          </a:prstGeom>
-          <a:noFill/>
-        </p:spPr>
-        <p:txBody>
-          <a:bodyPr wrap="none" rtlCol="0">
-            <a:spAutoFit/>
-          </a:bodyPr>
-          <a:lstStyle/>
-          <a:p>
-            <a:pPr marL="457200" indent="-457200">
-              <a:lnSpc>
-                <a:spcPct val="200000"/>
-              </a:lnSpc>
-              <a:buFont typeface="Wingdings" pitchFamily="2" charset="2"/>
-              <a:buChar char="Ø"/>
-            </a:pPr>
-            <a:r>
-              <a:rPr lang="ja-JP" altLang="en-US" sz="2800"/>
-              <a:t>はじめに</a:t>
-            </a:r>
-            <a:endParaRPr lang="en-US" altLang="ja-JP" sz="2800" dirty="0"/>
-          </a:p>
-          <a:p>
-            <a:pPr marL="457200" indent="-457200">
-              <a:lnSpc>
-                <a:spcPct val="200000"/>
-              </a:lnSpc>
-              <a:buFont typeface="Wingdings" pitchFamily="2" charset="2"/>
-              <a:buChar char="Ø"/>
-            </a:pPr>
-            <a:r>
-              <a:rPr lang="ja-JP" altLang="en-US" sz="2800"/>
-              <a:t>要素技術</a:t>
-            </a:r>
-            <a:endParaRPr lang="en-US" altLang="ja-JP" sz="2800" dirty="0"/>
-          </a:p>
-          <a:p>
-            <a:pPr marL="457200" indent="-457200">
-              <a:lnSpc>
-                <a:spcPct val="200000"/>
-              </a:lnSpc>
-              <a:buFont typeface="Wingdings" pitchFamily="2" charset="2"/>
-              <a:buChar char="Ø"/>
-            </a:pPr>
-            <a:r>
-              <a:rPr lang="ja-JP" altLang="en-US" sz="2800"/>
-              <a:t>実験</a:t>
-            </a:r>
-            <a:endParaRPr lang="en-US" altLang="ja-JP" sz="2800" dirty="0"/>
-          </a:p>
-          <a:p>
-            <a:pPr marL="457200" indent="-457200">
-              <a:lnSpc>
-                <a:spcPct val="200000"/>
-              </a:lnSpc>
-              <a:buFont typeface="Wingdings" pitchFamily="2" charset="2"/>
-              <a:buChar char="Ø"/>
-            </a:pPr>
-            <a:r>
-              <a:rPr lang="ja-JP" altLang="en-US" sz="2800"/>
-              <a:t>まとめと今後の課題</a:t>
-            </a:r>
-          </a:p>
-        </p:txBody>
-      </p:sp>
-    </p:spTree>
-    <p:extLst>
-      <p:ext uri="{BB962C8B-B14F-4D97-AF65-F5344CB8AC3E}">
-        <p14:creationId xmlns:p14="http://schemas.microsoft.com/office/powerpoint/2010/main" val="934417076"/>
-      </p:ext>
-    </p:extLst>
-  </p:cSld>
-  <p:clrMapOvr>
-    <a:masterClrMapping/>
-  </p:clrMapOvr>
-</p:sld>
-</file>
-
-<file path=ppt/slides/slide20.xml><?xml version="1.0" encoding="utf-8"?>
-<p:sld xmlns:a="http://schemas.openxmlformats.org/drawingml/2006/main" xmlns:r="http://schemas.openxmlformats.org/officeDocument/2006/relationships" xmlns:p="http://schemas.openxmlformats.org/presentationml/2006/main">
-  <p:cSld>
-    <p:spTree>
-      <p:nvGrpSpPr>
-        <p:cNvPr id="1" name=""/>
-        <p:cNvGrpSpPr/>
-        <p:nvPr/>
-      </p:nvGrpSpPr>
-      <p:grpSpPr>
-        <a:xfrm>
-          <a:off x="0" y="0"/>
-          <a:ext cx="0" cy="0"/>
-          <a:chOff x="0" y="0"/>
-          <a:chExt cx="0" cy="0"/>
-        </a:xfrm>
-      </p:grpSpPr>
-      <p:sp>
-        <p:nvSpPr>
-          <p:cNvPr id="2" name="タイトル 1">
-            <a:extLst>
-              <a:ext uri="{FF2B5EF4-FFF2-40B4-BE49-F238E27FC236}">
                 <a16:creationId xmlns:a16="http://schemas.microsoft.com/office/drawing/2014/main" id="{F91DABD0-6E6F-20AC-E27E-DE4CB11AD443}"/>
               </a:ext>
             </a:extLst>
@@ -12972,7 +13695,7 @@
             <a:pPr lvl="0"/>
             <a:fld id="{004900ED-2EFD-2142-93A1-1CBA90FDE07B}" type="slidenum">
               <a:rPr lang="en-US" altLang="ja-JP" smtClean="0"/>
-              <a:t>20</a:t>
+              <a:t>22</a:t>
             </a:fld>
             <a:endParaRPr lang="ja-JP" altLang="en-US"/>
           </a:p>
@@ -13346,7 +14069,7 @@
 </p:sld>
 </file>
 
-<file path=ppt/slides/slide21.xml><?xml version="1.0" encoding="utf-8"?>
+<file path=ppt/slides/slide23.xml><?xml version="1.0" encoding="utf-8"?>
 <p:sld xmlns:a="http://schemas.openxmlformats.org/drawingml/2006/main" xmlns:r="http://schemas.openxmlformats.org/officeDocument/2006/relationships" xmlns:p="http://schemas.openxmlformats.org/presentationml/2006/main">
   <p:cSld>
     <p:spTree>
@@ -13420,7 +14143,7 @@
             <a:pPr lvl="0"/>
             <a:fld id="{004900ED-2EFD-2142-93A1-1CBA90FDE07B}" type="slidenum">
               <a:rPr lang="en-US" altLang="ja-JP" smtClean="0"/>
-              <a:t>21</a:t>
+              <a:t>23</a:t>
             </a:fld>
             <a:endParaRPr lang="ja-JP" altLang="en-US"/>
           </a:p>
@@ -15203,7 +15926,7 @@
 </p:sld>
 </file>
 
-<file path=ppt/slides/slide22.xml><?xml version="1.0" encoding="utf-8"?>
+<file path=ppt/slides/slide24.xml><?xml version="1.0" encoding="utf-8"?>
 <p:sld xmlns:a="http://schemas.openxmlformats.org/drawingml/2006/main" xmlns:r="http://schemas.openxmlformats.org/officeDocument/2006/relationships" xmlns:p="http://schemas.openxmlformats.org/presentationml/2006/main">
   <p:cSld>
     <p:spTree>
@@ -15281,7 +16004,7 @@
             <a:pPr lvl="0"/>
             <a:fld id="{004900ED-2EFD-2142-93A1-1CBA90FDE07B}" type="slidenum">
               <a:rPr lang="en-US" altLang="ja-JP" smtClean="0"/>
-              <a:t>22</a:t>
+              <a:t>24</a:t>
             </a:fld>
             <a:endParaRPr lang="ja-JP" altLang="en-US"/>
           </a:p>
@@ -15768,7 +16491,7 @@
 </p:sld>
 </file>
 
-<file path=ppt/slides/slide23.xml><?xml version="1.0" encoding="utf-8"?>
+<file path=ppt/slides/slide25.xml><?xml version="1.0" encoding="utf-8"?>
 <p:sld xmlns:a="http://schemas.openxmlformats.org/drawingml/2006/main" xmlns:r="http://schemas.openxmlformats.org/officeDocument/2006/relationships" xmlns:p="http://schemas.openxmlformats.org/presentationml/2006/main">
   <p:cSld>
     <p:spTree>
@@ -15838,7 +16561,7 @@
             <a:pPr lvl="0"/>
             <a:fld id="{004900ED-2EFD-2142-93A1-1CBA90FDE07B}" type="slidenum">
               <a:rPr lang="en-US" altLang="ja-JP" smtClean="0"/>
-              <a:t>23</a:t>
+              <a:t>25</a:t>
             </a:fld>
             <a:endParaRPr lang="ja-JP" altLang="en-US"/>
           </a:p>
@@ -16047,7 +16770,7 @@
 </p:sld>
 </file>
 
-<file path=ppt/slides/slide24.xml><?xml version="1.0" encoding="utf-8"?>
+<file path=ppt/slides/slide26.xml><?xml version="1.0" encoding="utf-8"?>
 <p:sld xmlns:a="http://schemas.openxmlformats.org/drawingml/2006/main" xmlns:r="http://schemas.openxmlformats.org/officeDocument/2006/relationships" xmlns:p="http://schemas.openxmlformats.org/presentationml/2006/main">
   <p:cSld>
     <p:spTree>
@@ -16134,7 +16857,7 @@
             <a:pPr lvl="0"/>
             <a:fld id="{004900ED-2EFD-2142-93A1-1CBA90FDE07B}" type="slidenum">
               <a:rPr lang="en-US" altLang="ja-JP" smtClean="0"/>
-              <a:t>24</a:t>
+              <a:t>26</a:t>
             </a:fld>
             <a:endParaRPr lang="ja-JP" altLang="en-US"/>
           </a:p>
@@ -17189,7 +17912,7 @@
 </p:sld>
 </file>
 
-<file path=ppt/slides/slide25.xml><?xml version="1.0" encoding="utf-8"?>
+<file path=ppt/slides/slide27.xml><?xml version="1.0" encoding="utf-8"?>
 <p:sld xmlns:a="http://schemas.openxmlformats.org/drawingml/2006/main" xmlns:r="http://schemas.openxmlformats.org/officeDocument/2006/relationships" xmlns:p="http://schemas.openxmlformats.org/presentationml/2006/main">
   <p:cSld>
     <p:spTree>
@@ -17271,7 +17994,7 @@
             <a:pPr lvl="0"/>
             <a:fld id="{004900ED-2EFD-2142-93A1-1CBA90FDE07B}" type="slidenum">
               <a:rPr lang="en-US" altLang="ja-JP" smtClean="0"/>
-              <a:t>25</a:t>
+              <a:t>27</a:t>
             </a:fld>
             <a:endParaRPr lang="ja-JP" altLang="en-US"/>
           </a:p>
@@ -17414,7 +18137,7 @@
 </p:sld>
 </file>
 
-<file path=ppt/slides/slide26.xml><?xml version="1.0" encoding="utf-8"?>
+<file path=ppt/slides/slide28.xml><?xml version="1.0" encoding="utf-8"?>
 <p:sld xmlns:a="http://schemas.openxmlformats.org/drawingml/2006/main" xmlns:r="http://schemas.openxmlformats.org/officeDocument/2006/relationships" xmlns:p="http://schemas.openxmlformats.org/presentationml/2006/main">
   <p:cSld>
     <p:spTree>
@@ -17501,7 +18224,7 @@
             <a:pPr lvl="0"/>
             <a:fld id="{004900ED-2EFD-2142-93A1-1CBA90FDE07B}" type="slidenum">
               <a:rPr lang="en-US" altLang="ja-JP" smtClean="0"/>
-              <a:t>26</a:t>
+              <a:t>28</a:t>
             </a:fld>
             <a:endParaRPr lang="ja-JP" altLang="en-US"/>
           </a:p>
@@ -18197,7 +18920,7 @@
 </p:sld>
 </file>
 
-<file path=ppt/slides/slide27.xml><?xml version="1.0" encoding="utf-8"?>
+<file path=ppt/slides/slide29.xml><?xml version="1.0" encoding="utf-8"?>
 <p:sld xmlns:a="http://schemas.openxmlformats.org/drawingml/2006/main" xmlns:r="http://schemas.openxmlformats.org/officeDocument/2006/relationships" xmlns:p="http://schemas.openxmlformats.org/presentationml/2006/main">
   <p:cSld>
     <p:spTree>
@@ -18279,7 +19002,7 @@
             <a:pPr lvl="0"/>
             <a:fld id="{004900ED-2EFD-2142-93A1-1CBA90FDE07B}" type="slidenum">
               <a:rPr lang="en-US" altLang="ja-JP" smtClean="0"/>
-              <a:t>27</a:t>
+              <a:t>29</a:t>
             </a:fld>
             <a:endParaRPr lang="ja-JP" altLang="en-US"/>
           </a:p>
@@ -18496,409 +19219,6 @@
 </p:sld>
 </file>
 
-<file path=ppt/slides/slide28.xml><?xml version="1.0" encoding="utf-8"?>
-<p:sld xmlns:a="http://schemas.openxmlformats.org/drawingml/2006/main" xmlns:r="http://schemas.openxmlformats.org/officeDocument/2006/relationships" xmlns:p="http://schemas.openxmlformats.org/presentationml/2006/main">
-  <p:cSld>
-    <p:spTree>
-      <p:nvGrpSpPr>
-        <p:cNvPr id="1" name=""/>
-        <p:cNvGrpSpPr/>
-        <p:nvPr/>
-      </p:nvGrpSpPr>
-      <p:grpSpPr>
-        <a:xfrm>
-          <a:off x="0" y="0"/>
-          <a:ext cx="0" cy="0"/>
-          <a:chOff x="0" y="0"/>
-          <a:chExt cx="0" cy="0"/>
-        </a:xfrm>
-      </p:grpSpPr>
-      <p:sp>
-        <p:nvSpPr>
-          <p:cNvPr id="2" name="タイトル 1">
-            <a:extLst>
-              <a:ext uri="{FF2B5EF4-FFF2-40B4-BE49-F238E27FC236}">
-                <a16:creationId xmlns:a16="http://schemas.microsoft.com/office/drawing/2014/main" id="{DA6841C3-0E6C-BFA1-5D04-4112F1117102}"/>
-              </a:ext>
-            </a:extLst>
-          </p:cNvPr>
-          <p:cNvSpPr>
-            <a:spLocks noGrp="1"/>
-          </p:cNvSpPr>
-          <p:nvPr>
-            <p:ph type="title"/>
-          </p:nvPr>
-        </p:nvSpPr>
-        <p:spPr/>
-        <p:txBody>
-          <a:bodyPr/>
-          <a:lstStyle/>
-          <a:p>
-            <a:r>
-              <a:rPr kumimoji="1" lang="ja-JP" altLang="en-US"/>
-              <a:t>目次</a:t>
-            </a:r>
-          </a:p>
-        </p:txBody>
-      </p:sp>
-      <p:sp>
-        <p:nvSpPr>
-          <p:cNvPr id="4" name="スライド番号プレースホルダー 3">
-            <a:extLst>
-              <a:ext uri="{FF2B5EF4-FFF2-40B4-BE49-F238E27FC236}">
-                <a16:creationId xmlns:a16="http://schemas.microsoft.com/office/drawing/2014/main" id="{20D20625-8135-BA1D-11A0-E3466265CE7C}"/>
-              </a:ext>
-            </a:extLst>
-          </p:cNvPr>
-          <p:cNvSpPr>
-            <a:spLocks noGrp="1"/>
-          </p:cNvSpPr>
-          <p:nvPr>
-            <p:ph type="sldNum" sz="quarter" idx="12"/>
-          </p:nvPr>
-        </p:nvSpPr>
-        <p:spPr/>
-        <p:txBody>
-          <a:bodyPr/>
-          <a:lstStyle/>
-          <a:p>
-            <a:pPr lvl="0"/>
-            <a:fld id="{004900ED-2EFD-2142-93A1-1CBA90FDE07B}" type="slidenum">
-              <a:rPr lang="en-US" altLang="ja-JP" smtClean="0"/>
-              <a:t>28</a:t>
-            </a:fld>
-            <a:endParaRPr lang="ja-JP" altLang="en-US"/>
-          </a:p>
-        </p:txBody>
-      </p:sp>
-      <p:sp>
-        <p:nvSpPr>
-          <p:cNvPr id="3" name="テキスト ボックス 2">
-            <a:extLst>
-              <a:ext uri="{FF2B5EF4-FFF2-40B4-BE49-F238E27FC236}">
-                <a16:creationId xmlns:a16="http://schemas.microsoft.com/office/drawing/2014/main" id="{CFCE3529-0348-FAC9-4C81-ACEA9BA72623}"/>
-              </a:ext>
-            </a:extLst>
-          </p:cNvPr>
-          <p:cNvSpPr txBox="1"/>
-          <p:nvPr/>
-        </p:nvSpPr>
-        <p:spPr>
-          <a:xfrm>
-            <a:off x="519837" y="1411535"/>
-            <a:ext cx="3877985" cy="3425168"/>
-          </a:xfrm>
-          <a:prstGeom prst="rect">
-            <a:avLst/>
-          </a:prstGeom>
-          <a:noFill/>
-        </p:spPr>
-        <p:txBody>
-          <a:bodyPr wrap="none" rtlCol="0">
-            <a:spAutoFit/>
-          </a:bodyPr>
-          <a:lstStyle/>
-          <a:p>
-            <a:pPr marL="457200" indent="-457200">
-              <a:lnSpc>
-                <a:spcPct val="200000"/>
-              </a:lnSpc>
-              <a:buFont typeface="Wingdings" pitchFamily="2" charset="2"/>
-              <a:buChar char="Ø"/>
-            </a:pPr>
-            <a:r>
-              <a:rPr lang="ja-JP" altLang="en-US" sz="2800">
-                <a:solidFill>
-                  <a:schemeClr val="bg2">
-                    <a:lumMod val="90000"/>
-                  </a:schemeClr>
-                </a:solidFill>
-              </a:rPr>
-              <a:t>はじめに</a:t>
-            </a:r>
-            <a:endParaRPr lang="en-US" altLang="ja-JP" sz="2800" dirty="0">
-              <a:solidFill>
-                <a:schemeClr val="bg2">
-                  <a:lumMod val="90000"/>
-                </a:schemeClr>
-              </a:solidFill>
-            </a:endParaRPr>
-          </a:p>
-          <a:p>
-            <a:pPr marL="457200" indent="-457200">
-              <a:lnSpc>
-                <a:spcPct val="200000"/>
-              </a:lnSpc>
-              <a:buFont typeface="Wingdings" pitchFamily="2" charset="2"/>
-              <a:buChar char="Ø"/>
-            </a:pPr>
-            <a:r>
-              <a:rPr lang="ja-JP" altLang="en-US" sz="2800">
-                <a:solidFill>
-                  <a:schemeClr val="bg2">
-                    <a:lumMod val="90000"/>
-                  </a:schemeClr>
-                </a:solidFill>
-              </a:rPr>
-              <a:t>要素技術</a:t>
-            </a:r>
-            <a:endParaRPr lang="en-US" altLang="ja-JP" sz="2800" dirty="0">
-              <a:solidFill>
-                <a:schemeClr val="bg2">
-                  <a:lumMod val="90000"/>
-                </a:schemeClr>
-              </a:solidFill>
-            </a:endParaRPr>
-          </a:p>
-          <a:p>
-            <a:pPr marL="457200" indent="-457200">
-              <a:lnSpc>
-                <a:spcPct val="200000"/>
-              </a:lnSpc>
-              <a:buFont typeface="Wingdings" pitchFamily="2" charset="2"/>
-              <a:buChar char="Ø"/>
-            </a:pPr>
-            <a:r>
-              <a:rPr lang="ja-JP" altLang="en-US" sz="2800">
-                <a:solidFill>
-                  <a:schemeClr val="bg2">
-                    <a:lumMod val="90000"/>
-                  </a:schemeClr>
-                </a:solidFill>
-              </a:rPr>
-              <a:t>実験</a:t>
-            </a:r>
-            <a:endParaRPr lang="en-US" altLang="ja-JP" sz="2800" dirty="0">
-              <a:solidFill>
-                <a:schemeClr val="bg2">
-                  <a:lumMod val="90000"/>
-                </a:schemeClr>
-              </a:solidFill>
-            </a:endParaRPr>
-          </a:p>
-          <a:p>
-            <a:pPr marL="457200" indent="-457200">
-              <a:lnSpc>
-                <a:spcPct val="200000"/>
-              </a:lnSpc>
-              <a:buFont typeface="Wingdings" pitchFamily="2" charset="2"/>
-              <a:buChar char="Ø"/>
-            </a:pPr>
-            <a:r>
-              <a:rPr lang="ja-JP" altLang="en-US" sz="2800"/>
-              <a:t>まとめと今後の課題</a:t>
-            </a:r>
-          </a:p>
-        </p:txBody>
-      </p:sp>
-    </p:spTree>
-    <p:extLst>
-      <p:ext uri="{BB962C8B-B14F-4D97-AF65-F5344CB8AC3E}">
-        <p14:creationId xmlns:p14="http://schemas.microsoft.com/office/powerpoint/2010/main" val="3446675668"/>
-      </p:ext>
-    </p:extLst>
-  </p:cSld>
-  <p:clrMapOvr>
-    <a:masterClrMapping/>
-  </p:clrMapOvr>
-</p:sld>
-</file>
-
-<file path=ppt/slides/slide29.xml><?xml version="1.0" encoding="utf-8"?>
-<p:sld xmlns:a="http://schemas.openxmlformats.org/drawingml/2006/main" xmlns:r="http://schemas.openxmlformats.org/officeDocument/2006/relationships" xmlns:p="http://schemas.openxmlformats.org/presentationml/2006/main">
-  <p:cSld>
-    <p:spTree>
-      <p:nvGrpSpPr>
-        <p:cNvPr id="1" name=""/>
-        <p:cNvGrpSpPr/>
-        <p:nvPr/>
-      </p:nvGrpSpPr>
-      <p:grpSpPr>
-        <a:xfrm>
-          <a:off x="0" y="0"/>
-          <a:ext cx="0" cy="0"/>
-          <a:chOff x="0" y="0"/>
-          <a:chExt cx="0" cy="0"/>
-        </a:xfrm>
-      </p:grpSpPr>
-      <p:sp>
-        <p:nvSpPr>
-          <p:cNvPr id="2" name="タイトル 1">
-            <a:extLst>
-              <a:ext uri="{FF2B5EF4-FFF2-40B4-BE49-F238E27FC236}">
-                <a16:creationId xmlns:a16="http://schemas.microsoft.com/office/drawing/2014/main" id="{92E1818A-6257-83DC-5978-0987833647E4}"/>
-              </a:ext>
-            </a:extLst>
-          </p:cNvPr>
-          <p:cNvSpPr>
-            <a:spLocks noGrp="1"/>
-          </p:cNvSpPr>
-          <p:nvPr>
-            <p:ph type="title"/>
-          </p:nvPr>
-        </p:nvSpPr>
-        <p:spPr/>
-        <p:txBody>
-          <a:bodyPr/>
-          <a:lstStyle/>
-          <a:p>
-            <a:r>
-              <a:rPr kumimoji="1" lang="ja-JP" altLang="en-US"/>
-              <a:t>まとめ</a:t>
-            </a:r>
-          </a:p>
-        </p:txBody>
-      </p:sp>
-      <p:sp>
-        <p:nvSpPr>
-          <p:cNvPr id="3" name="スライド番号プレースホルダー 2">
-            <a:extLst>
-              <a:ext uri="{FF2B5EF4-FFF2-40B4-BE49-F238E27FC236}">
-                <a16:creationId xmlns:a16="http://schemas.microsoft.com/office/drawing/2014/main" id="{440990CF-96E4-95D0-8AE4-E8E0DDC45909}"/>
-              </a:ext>
-            </a:extLst>
-          </p:cNvPr>
-          <p:cNvSpPr>
-            <a:spLocks noGrp="1"/>
-          </p:cNvSpPr>
-          <p:nvPr>
-            <p:ph type="sldNum" sz="quarter" idx="12"/>
-          </p:nvPr>
-        </p:nvSpPr>
-        <p:spPr/>
-        <p:txBody>
-          <a:bodyPr/>
-          <a:lstStyle/>
-          <a:p>
-            <a:pPr lvl="0"/>
-            <a:fld id="{004900ED-2EFD-2142-93A1-1CBA90FDE07B}" type="slidenum">
-              <a:rPr lang="en-US" altLang="ja-JP" smtClean="0"/>
-              <a:t>29</a:t>
-            </a:fld>
-            <a:endParaRPr lang="ja-JP" altLang="en-US"/>
-          </a:p>
-        </p:txBody>
-      </p:sp>
-      <p:sp>
-        <p:nvSpPr>
-          <p:cNvPr id="4" name="テキスト ボックス 3">
-            <a:extLst>
-              <a:ext uri="{FF2B5EF4-FFF2-40B4-BE49-F238E27FC236}">
-                <a16:creationId xmlns:a16="http://schemas.microsoft.com/office/drawing/2014/main" id="{CB4DFCA2-9786-ED38-8FB0-8B2BBDFB673F}"/>
-              </a:ext>
-            </a:extLst>
-          </p:cNvPr>
-          <p:cNvSpPr txBox="1"/>
-          <p:nvPr/>
-        </p:nvSpPr>
-        <p:spPr>
-          <a:xfrm>
-            <a:off x="508868" y="1502121"/>
-            <a:ext cx="6532558" cy="3046988"/>
-          </a:xfrm>
-          <a:prstGeom prst="rect">
-            <a:avLst/>
-          </a:prstGeom>
-          <a:noFill/>
-        </p:spPr>
-        <p:txBody>
-          <a:bodyPr wrap="none" rtlCol="0">
-            <a:spAutoFit/>
-          </a:bodyPr>
-          <a:lstStyle/>
-          <a:p>
-            <a:pPr marL="342900" indent="-342900">
-              <a:buFont typeface="Wingdings" pitchFamily="2" charset="2"/>
-              <a:buChar char="p"/>
-            </a:pPr>
-            <a:r>
-              <a:rPr kumimoji="1" lang="ja-JP" altLang="en-US" sz="2400"/>
-              <a:t>本実験で確認できたこと</a:t>
-            </a:r>
-            <a:endParaRPr kumimoji="1" lang="en-US" altLang="ja-JP" sz="2400" dirty="0"/>
-          </a:p>
-          <a:p>
-            <a:pPr marL="285750" indent="-285750">
-              <a:buFont typeface="Wingdings" pitchFamily="2" charset="2"/>
-              <a:buChar char="p"/>
-            </a:pPr>
-            <a:endParaRPr kumimoji="1" lang="en-US" altLang="ja-JP" sz="2400" dirty="0"/>
-          </a:p>
-          <a:p>
-            <a:pPr marL="800100" lvl="1" indent="-342900">
-              <a:buFont typeface="Wingdings" pitchFamily="2" charset="2"/>
-              <a:buChar char="p"/>
-            </a:pPr>
-            <a:r>
-              <a:rPr lang="en-US" altLang="ja-JP" sz="2400" dirty="0"/>
-              <a:t>1 </a:t>
-            </a:r>
-            <a:r>
-              <a:rPr lang="ja-JP" altLang="en-US" sz="2400"/>
-              <a:t>エポックよりも，適応度評価に</a:t>
-            </a:r>
-            <a:br>
-              <a:rPr lang="en-US" altLang="ja-JP" sz="2400" dirty="0"/>
-            </a:br>
-            <a:r>
-              <a:rPr lang="ja-JP" altLang="en-US" sz="2400"/>
-              <a:t>最適なエポック数がある</a:t>
-            </a:r>
-            <a:endParaRPr lang="en-US" altLang="ja-JP" sz="2400" dirty="0"/>
-          </a:p>
-          <a:p>
-            <a:pPr lvl="1"/>
-            <a:endParaRPr lang="en-US" altLang="ja-JP" sz="2400" dirty="0"/>
-          </a:p>
-          <a:p>
-            <a:pPr marL="800100" lvl="1" indent="-342900">
-              <a:buFont typeface="Wingdings" pitchFamily="2" charset="2"/>
-              <a:buChar char="p"/>
-            </a:pPr>
-            <a:r>
-              <a:rPr lang="ja-JP" altLang="en-US" sz="2400" b="0" i="0">
-                <a:effectLst/>
-                <a:latin typeface="Courier New" panose="02070309020205020404" pitchFamily="49" charset="0"/>
-              </a:rPr>
-              <a:t>探索終盤に適応度評価エポック数</a:t>
-            </a:r>
-            <a:br>
-              <a:rPr lang="en-US" altLang="ja-JP" sz="2400" b="0" i="0" dirty="0">
-                <a:effectLst/>
-                <a:latin typeface="Courier New" panose="02070309020205020404" pitchFamily="49" charset="0"/>
-              </a:rPr>
-            </a:br>
-            <a:r>
-              <a:rPr lang="ja-JP" altLang="en-US" sz="2400" b="0" i="0">
-                <a:effectLst/>
-                <a:latin typeface="Courier New" panose="02070309020205020404" pitchFamily="49" charset="0"/>
-              </a:rPr>
-              <a:t>を増やす方が，より良い個体が得られる</a:t>
-            </a:r>
-            <a:endParaRPr lang="en-US" altLang="ja-JP" sz="2400" dirty="0"/>
-          </a:p>
-          <a:p>
-            <a:pPr marL="742950" lvl="1" indent="-285750">
-              <a:buFont typeface="Wingdings" pitchFamily="2" charset="2"/>
-              <a:buChar char="p"/>
-            </a:pPr>
-            <a:endParaRPr lang="en-US" altLang="ja-JP" sz="2400" dirty="0"/>
-          </a:p>
-        </p:txBody>
-      </p:sp>
-    </p:spTree>
-    <p:extLst>
-      <p:ext uri="{BB962C8B-B14F-4D97-AF65-F5344CB8AC3E}">
-        <p14:creationId xmlns:p14="http://schemas.microsoft.com/office/powerpoint/2010/main" val="606463391"/>
-      </p:ext>
-    </p:extLst>
-  </p:cSld>
-  <p:clrMapOvr>
-    <a:masterClrMapping/>
-  </p:clrMapOvr>
-</p:sld>
-</file>
-
 <file path=ppt/slides/slide3.xml><?xml version="1.0" encoding="utf-8"?>
 <p:sld xmlns:a="http://schemas.openxmlformats.org/drawingml/2006/main" xmlns:r="http://schemas.openxmlformats.org/officeDocument/2006/relationships" xmlns:p="http://schemas.openxmlformats.org/presentationml/2006/main">
   <p:cSld>
@@ -19123,7 +19443,7 @@
           <p:cNvPr id="2" name="タイトル 1">
             <a:extLst>
               <a:ext uri="{FF2B5EF4-FFF2-40B4-BE49-F238E27FC236}">
-                <a16:creationId xmlns:a16="http://schemas.microsoft.com/office/drawing/2014/main" id="{F73A681B-9F7A-FD3A-C0DB-D668DC6CB442}"/>
+                <a16:creationId xmlns:a16="http://schemas.microsoft.com/office/drawing/2014/main" id="{DA6841C3-0E6C-BFA1-5D04-4112F1117102}"/>
               </a:ext>
             </a:extLst>
           </p:cNvPr>
@@ -19141,17 +19461,17 @@
           <a:p>
             <a:r>
               <a:rPr kumimoji="1" lang="ja-JP" altLang="en-US"/>
-              <a:t>今後の課題</a:t>
-            </a:r>
-          </a:p>
-        </p:txBody>
-      </p:sp>
-      <p:sp>
-        <p:nvSpPr>
-          <p:cNvPr id="3" name="スライド番号プレースホルダー 2">
+              <a:t>目次</a:t>
+            </a:r>
+          </a:p>
+        </p:txBody>
+      </p:sp>
+      <p:sp>
+        <p:nvSpPr>
+          <p:cNvPr id="4" name="スライド番号プレースホルダー 3">
             <a:extLst>
               <a:ext uri="{FF2B5EF4-FFF2-40B4-BE49-F238E27FC236}">
-                <a16:creationId xmlns:a16="http://schemas.microsoft.com/office/drawing/2014/main" id="{B50A2E12-D87F-ACB4-3589-F66EE66E8E55}"/>
+                <a16:creationId xmlns:a16="http://schemas.microsoft.com/office/drawing/2014/main" id="{20D20625-8135-BA1D-11A0-E3466265CE7C}"/>
               </a:ext>
             </a:extLst>
           </p:cNvPr>
@@ -19178,10 +19498,10 @@
       </p:sp>
       <p:sp>
         <p:nvSpPr>
-          <p:cNvPr id="4" name="テキスト ボックス 3">
+          <p:cNvPr id="3" name="テキスト ボックス 2">
             <a:extLst>
               <a:ext uri="{FF2B5EF4-FFF2-40B4-BE49-F238E27FC236}">
-                <a16:creationId xmlns:a16="http://schemas.microsoft.com/office/drawing/2014/main" id="{881C93FD-A020-C881-1531-CA4C08B40DAF}"/>
+                <a16:creationId xmlns:a16="http://schemas.microsoft.com/office/drawing/2014/main" id="{CFCE3529-0348-FAC9-4C81-ACEA9BA72623}"/>
               </a:ext>
             </a:extLst>
           </p:cNvPr>
@@ -19190,8 +19510,8 @@
         </p:nvSpPr>
         <p:spPr>
           <a:xfrm>
-            <a:off x="519837" y="1865779"/>
-            <a:ext cx="6774611" cy="1938992"/>
+            <a:off x="519837" y="1411535"/>
+            <a:ext cx="3877985" cy="3425168"/>
           </a:xfrm>
           <a:prstGeom prst="rect">
             <a:avLst/>
@@ -19204,53 +19524,94 @@
           </a:bodyPr>
           <a:lstStyle/>
           <a:p>
-            <a:pPr marL="342900" indent="-342900">
+            <a:pPr marL="457200" indent="-457200">
+              <a:lnSpc>
+                <a:spcPct val="200000"/>
+              </a:lnSpc>
               <a:buFont typeface="Wingdings" pitchFamily="2" charset="2"/>
-              <a:buChar char="p"/>
+              <a:buChar char="Ø"/>
             </a:pPr>
             <a:r>
-              <a:rPr kumimoji="1" lang="ja-JP" altLang="en-US" sz="2400"/>
-              <a:t>試行回数を増やす</a:t>
-            </a:r>
-            <a:br>
-              <a:rPr kumimoji="1" lang="en-US" altLang="ja-JP" sz="2400" dirty="0"/>
-            </a:br>
-            <a:r>
-              <a:rPr kumimoji="1" lang="en-US" altLang="ja-JP" sz="2400" dirty="0"/>
-              <a:t>→ </a:t>
-            </a:r>
-            <a:r>
-              <a:rPr kumimoji="1" lang="ja-JP" altLang="en-US" sz="2400"/>
-              <a:t>適応度評価手法ごとの信頼区間を調査する</a:t>
-            </a:r>
-            <a:endParaRPr kumimoji="1" lang="en-US" altLang="ja-JP" sz="2400" dirty="0"/>
-          </a:p>
-          <a:p>
-            <a:endParaRPr lang="en-US" altLang="ja-JP" sz="2400" dirty="0"/>
-          </a:p>
-          <a:p>
-            <a:pPr marL="342900" indent="-342900">
+              <a:rPr lang="ja-JP" altLang="en-US" sz="2800">
+                <a:solidFill>
+                  <a:schemeClr val="bg2">
+                    <a:lumMod val="90000"/>
+                  </a:schemeClr>
+                </a:solidFill>
+              </a:rPr>
+              <a:t>はじめに</a:t>
+            </a:r>
+            <a:endParaRPr lang="en-US" altLang="ja-JP" sz="2800" dirty="0">
+              <a:solidFill>
+                <a:schemeClr val="bg2">
+                  <a:lumMod val="90000"/>
+                </a:schemeClr>
+              </a:solidFill>
+            </a:endParaRPr>
+          </a:p>
+          <a:p>
+            <a:pPr marL="457200" indent="-457200">
+              <a:lnSpc>
+                <a:spcPct val="200000"/>
+              </a:lnSpc>
               <a:buFont typeface="Wingdings" pitchFamily="2" charset="2"/>
-              <a:buChar char="p"/>
+              <a:buChar char="Ø"/>
             </a:pPr>
             <a:r>
-              <a:rPr kumimoji="1" lang="ja-JP" altLang="en-US" sz="2400"/>
-              <a:t>様々な条件下で実験するときの適応度評価</a:t>
-            </a:r>
-            <a:br>
-              <a:rPr kumimoji="1" lang="en-US" altLang="ja-JP" sz="2400" dirty="0"/>
-            </a:br>
-            <a:r>
-              <a:rPr kumimoji="1" lang="ja-JP" altLang="en-US" sz="2400"/>
-              <a:t>エポック数最適化手法を</a:t>
-            </a:r>
-            <a:r>
-              <a:rPr lang="ja-JP" altLang="en-US" sz="2400"/>
-              <a:t>提案</a:t>
-            </a:r>
-            <a:r>
-              <a:rPr kumimoji="1" lang="ja-JP" altLang="en-US" sz="2400"/>
-              <a:t>する</a:t>
+              <a:rPr lang="ja-JP" altLang="en-US" sz="2800">
+                <a:solidFill>
+                  <a:schemeClr val="bg2">
+                    <a:lumMod val="90000"/>
+                  </a:schemeClr>
+                </a:solidFill>
+              </a:rPr>
+              <a:t>要素技術</a:t>
+            </a:r>
+            <a:endParaRPr lang="en-US" altLang="ja-JP" sz="2800" dirty="0">
+              <a:solidFill>
+                <a:schemeClr val="bg2">
+                  <a:lumMod val="90000"/>
+                </a:schemeClr>
+              </a:solidFill>
+            </a:endParaRPr>
+          </a:p>
+          <a:p>
+            <a:pPr marL="457200" indent="-457200">
+              <a:lnSpc>
+                <a:spcPct val="200000"/>
+              </a:lnSpc>
+              <a:buFont typeface="Wingdings" pitchFamily="2" charset="2"/>
+              <a:buChar char="Ø"/>
+            </a:pPr>
+            <a:r>
+              <a:rPr lang="ja-JP" altLang="en-US" sz="2800">
+                <a:solidFill>
+                  <a:schemeClr val="bg2">
+                    <a:lumMod val="90000"/>
+                  </a:schemeClr>
+                </a:solidFill>
+              </a:rPr>
+              <a:t>実験</a:t>
+            </a:r>
+            <a:endParaRPr lang="en-US" altLang="ja-JP" sz="2800" dirty="0">
+              <a:solidFill>
+                <a:schemeClr val="bg2">
+                  <a:lumMod val="90000"/>
+                </a:schemeClr>
+              </a:solidFill>
+            </a:endParaRPr>
+          </a:p>
+          <a:p>
+            <a:pPr marL="457200" indent="-457200">
+              <a:lnSpc>
+                <a:spcPct val="200000"/>
+              </a:lnSpc>
+              <a:buFont typeface="Wingdings" pitchFamily="2" charset="2"/>
+              <a:buChar char="Ø"/>
+            </a:pPr>
+            <a:r>
+              <a:rPr lang="ja-JP" altLang="en-US" sz="2800"/>
+              <a:t>まとめと今後の課題</a:t>
             </a:r>
           </a:p>
         </p:txBody>
@@ -19258,7 +19619,7 @@
     </p:spTree>
     <p:extLst>
       <p:ext uri="{BB962C8B-B14F-4D97-AF65-F5344CB8AC3E}">
-        <p14:creationId xmlns:p14="http://schemas.microsoft.com/office/powerpoint/2010/main" val="2610326470"/>
+        <p14:creationId xmlns:p14="http://schemas.microsoft.com/office/powerpoint/2010/main" val="3446675668"/>
       </p:ext>
     </p:extLst>
   </p:cSld>
@@ -19287,10 +19648,38 @@
       </p:grpSpPr>
       <p:sp>
         <p:nvSpPr>
+          <p:cNvPr id="2" name="タイトル 1">
+            <a:extLst>
+              <a:ext uri="{FF2B5EF4-FFF2-40B4-BE49-F238E27FC236}">
+                <a16:creationId xmlns:a16="http://schemas.microsoft.com/office/drawing/2014/main" id="{92E1818A-6257-83DC-5978-0987833647E4}"/>
+              </a:ext>
+            </a:extLst>
+          </p:cNvPr>
+          <p:cNvSpPr>
+            <a:spLocks noGrp="1"/>
+          </p:cNvSpPr>
+          <p:nvPr>
+            <p:ph type="title"/>
+          </p:nvPr>
+        </p:nvSpPr>
+        <p:spPr/>
+        <p:txBody>
+          <a:bodyPr/>
+          <a:lstStyle/>
+          <a:p>
+            <a:r>
+              <a:rPr kumimoji="1" lang="ja-JP" altLang="en-US"/>
+              <a:t>まとめ</a:t>
+            </a:r>
+          </a:p>
+        </p:txBody>
+      </p:sp>
+      <p:sp>
+        <p:nvSpPr>
           <p:cNvPr id="3" name="スライド番号プレースホルダー 2">
             <a:extLst>
               <a:ext uri="{FF2B5EF4-FFF2-40B4-BE49-F238E27FC236}">
-                <a16:creationId xmlns:a16="http://schemas.microsoft.com/office/drawing/2014/main" id="{3DEDCC95-054E-03CB-9EE2-75E4E4AEEE9B}"/>
+                <a16:creationId xmlns:a16="http://schemas.microsoft.com/office/drawing/2014/main" id="{440990CF-96E4-95D0-8AE4-E8E0DDC45909}"/>
               </a:ext>
             </a:extLst>
           </p:cNvPr>
@@ -19317,10 +19706,10 @@
       </p:sp>
       <p:sp>
         <p:nvSpPr>
-          <p:cNvPr id="5" name="テキスト ボックス 4">
+          <p:cNvPr id="4" name="テキスト ボックス 3">
             <a:extLst>
               <a:ext uri="{FF2B5EF4-FFF2-40B4-BE49-F238E27FC236}">
-                <a16:creationId xmlns:a16="http://schemas.microsoft.com/office/drawing/2014/main" id="{0CDD7299-ADD9-7DB9-55A6-87610AF5A9EC}"/>
+                <a16:creationId xmlns:a16="http://schemas.microsoft.com/office/drawing/2014/main" id="{CB4DFCA2-9786-ED38-8FB0-8B2BBDFB673F}"/>
               </a:ext>
             </a:extLst>
           </p:cNvPr>
@@ -19329,8 +19718,8 @@
         </p:nvSpPr>
         <p:spPr>
           <a:xfrm>
-            <a:off x="815717" y="2542887"/>
-            <a:ext cx="5929828" cy="584775"/>
+            <a:off x="508868" y="1502121"/>
+            <a:ext cx="6532558" cy="3046988"/>
           </a:xfrm>
           <a:prstGeom prst="rect">
             <a:avLst/>
@@ -19343,21 +19732,89 @@
           </a:bodyPr>
           <a:lstStyle/>
           <a:p>
-            <a:r>
-              <a:rPr lang="ja-JP" altLang="en-US" sz="3200"/>
-              <a:t>ご清聴</a:t>
-            </a:r>
-            <a:r>
-              <a:rPr kumimoji="1" lang="ja-JP" altLang="en-US" sz="3200"/>
-              <a:t>ありがとうございました</a:t>
-            </a:r>
+            <a:pPr marL="342900" indent="-342900">
+              <a:buFont typeface="Wingdings" pitchFamily="2" charset="2"/>
+              <a:buChar char="p"/>
+            </a:pPr>
+            <a:r>
+              <a:rPr kumimoji="1" lang="ja-JP" altLang="en-US" sz="2400"/>
+              <a:t>本実験で確認できたこと</a:t>
+            </a:r>
+            <a:endParaRPr kumimoji="1" lang="en-US" altLang="ja-JP" sz="2400" dirty="0"/>
+          </a:p>
+          <a:p>
+            <a:pPr marL="285750" indent="-285750">
+              <a:buFont typeface="Wingdings" pitchFamily="2" charset="2"/>
+              <a:buChar char="p"/>
+            </a:pPr>
+            <a:endParaRPr kumimoji="1" lang="en-US" altLang="ja-JP" sz="2400" dirty="0"/>
+          </a:p>
+          <a:p>
+            <a:pPr marL="800100" lvl="1" indent="-342900">
+              <a:buFont typeface="Wingdings" pitchFamily="2" charset="2"/>
+              <a:buChar char="p"/>
+            </a:pPr>
+            <a:r>
+              <a:rPr lang="en-US" altLang="ja-JP" sz="2400" dirty="0"/>
+              <a:t>1 </a:t>
+            </a:r>
+            <a:r>
+              <a:rPr lang="ja-JP" altLang="en-US" sz="2400"/>
+              <a:t>エポックよりも，適応度評価に</a:t>
+            </a:r>
+            <a:br>
+              <a:rPr lang="en-US" altLang="ja-JP" sz="2400" dirty="0"/>
+            </a:br>
+            <a:r>
+              <a:rPr lang="ja-JP" altLang="en-US" sz="2400"/>
+              <a:t>最適なエポック数がある</a:t>
+            </a:r>
+            <a:endParaRPr lang="en-US" altLang="ja-JP" sz="2400" dirty="0"/>
+          </a:p>
+          <a:p>
+            <a:pPr lvl="1"/>
+            <a:endParaRPr lang="en-US" altLang="ja-JP" sz="2400" dirty="0"/>
+          </a:p>
+          <a:p>
+            <a:pPr marL="800100" lvl="1" indent="-342900">
+              <a:buFont typeface="Wingdings" pitchFamily="2" charset="2"/>
+              <a:buChar char="p"/>
+            </a:pPr>
+            <a:r>
+              <a:rPr lang="ja-JP" altLang="en-US" sz="2400" b="0" i="0">
+                <a:effectLst/>
+                <a:latin typeface="Courier New" panose="02070309020205020404" pitchFamily="49" charset="0"/>
+              </a:rPr>
+              <a:t>探索終盤に適応度評価エポック数</a:t>
+            </a:r>
+            <a:br>
+              <a:rPr lang="en-US" altLang="ja-JP" sz="2400" b="0" i="0" dirty="0">
+                <a:effectLst/>
+                <a:latin typeface="Courier New" panose="02070309020205020404" pitchFamily="49" charset="0"/>
+              </a:rPr>
+            </a:br>
+            <a:r>
+              <a:rPr lang="ja-JP" altLang="en-US" sz="2400" b="0" i="0">
+                <a:effectLst/>
+                <a:latin typeface="Courier New" panose="02070309020205020404" pitchFamily="49" charset="0"/>
+              </a:rPr>
+              <a:t>を増やす方が，より良い個体が得られる</a:t>
+            </a:r>
+            <a:endParaRPr lang="en-US" altLang="ja-JP" sz="2400" dirty="0"/>
+          </a:p>
+          <a:p>
+            <a:pPr marL="742950" lvl="1" indent="-285750">
+              <a:buFont typeface="Wingdings" pitchFamily="2" charset="2"/>
+              <a:buChar char="p"/>
+            </a:pPr>
+            <a:endParaRPr lang="en-US" altLang="ja-JP" sz="2400" dirty="0"/>
           </a:p>
         </p:txBody>
       </p:sp>
     </p:spTree>
     <p:extLst>
       <p:ext uri="{BB962C8B-B14F-4D97-AF65-F5344CB8AC3E}">
-        <p14:creationId xmlns:p14="http://schemas.microsoft.com/office/powerpoint/2010/main" val="2033689313"/>
+        <p14:creationId xmlns:p14="http://schemas.microsoft.com/office/powerpoint/2010/main" val="606463391"/>
       </p:ext>
     </p:extLst>
   </p:cSld>
@@ -19389,6 +19846,1676 @@
           <p:cNvPr id="2" name="タイトル 1">
             <a:extLst>
               <a:ext uri="{FF2B5EF4-FFF2-40B4-BE49-F238E27FC236}">
+                <a16:creationId xmlns:a16="http://schemas.microsoft.com/office/drawing/2014/main" id="{F73A681B-9F7A-FD3A-C0DB-D668DC6CB442}"/>
+              </a:ext>
+            </a:extLst>
+          </p:cNvPr>
+          <p:cNvSpPr>
+            <a:spLocks noGrp="1"/>
+          </p:cNvSpPr>
+          <p:nvPr>
+            <p:ph type="title"/>
+          </p:nvPr>
+        </p:nvSpPr>
+        <p:spPr/>
+        <p:txBody>
+          <a:bodyPr/>
+          <a:lstStyle/>
+          <a:p>
+            <a:r>
+              <a:rPr kumimoji="1" lang="ja-JP" altLang="en-US"/>
+              <a:t>今後の課題</a:t>
+            </a:r>
+          </a:p>
+        </p:txBody>
+      </p:sp>
+      <p:sp>
+        <p:nvSpPr>
+          <p:cNvPr id="3" name="スライド番号プレースホルダー 2">
+            <a:extLst>
+              <a:ext uri="{FF2B5EF4-FFF2-40B4-BE49-F238E27FC236}">
+                <a16:creationId xmlns:a16="http://schemas.microsoft.com/office/drawing/2014/main" id="{B50A2E12-D87F-ACB4-3589-F66EE66E8E55}"/>
+              </a:ext>
+            </a:extLst>
+          </p:cNvPr>
+          <p:cNvSpPr>
+            <a:spLocks noGrp="1"/>
+          </p:cNvSpPr>
+          <p:nvPr>
+            <p:ph type="sldNum" sz="quarter" idx="12"/>
+          </p:nvPr>
+        </p:nvSpPr>
+        <p:spPr/>
+        <p:txBody>
+          <a:bodyPr/>
+          <a:lstStyle/>
+          <a:p>
+            <a:pPr lvl="0"/>
+            <a:fld id="{004900ED-2EFD-2142-93A1-1CBA90FDE07B}" type="slidenum">
+              <a:rPr lang="en-US" altLang="ja-JP" smtClean="0"/>
+              <a:t>32</a:t>
+            </a:fld>
+            <a:endParaRPr lang="ja-JP" altLang="en-US"/>
+          </a:p>
+        </p:txBody>
+      </p:sp>
+      <p:sp>
+        <p:nvSpPr>
+          <p:cNvPr id="4" name="テキスト ボックス 3">
+            <a:extLst>
+              <a:ext uri="{FF2B5EF4-FFF2-40B4-BE49-F238E27FC236}">
+                <a16:creationId xmlns:a16="http://schemas.microsoft.com/office/drawing/2014/main" id="{881C93FD-A020-C881-1531-CA4C08B40DAF}"/>
+              </a:ext>
+            </a:extLst>
+          </p:cNvPr>
+          <p:cNvSpPr txBox="1"/>
+          <p:nvPr/>
+        </p:nvSpPr>
+        <p:spPr>
+          <a:xfrm>
+            <a:off x="519837" y="1865779"/>
+            <a:ext cx="6774611" cy="1938992"/>
+          </a:xfrm>
+          <a:prstGeom prst="rect">
+            <a:avLst/>
+          </a:prstGeom>
+          <a:noFill/>
+        </p:spPr>
+        <p:txBody>
+          <a:bodyPr wrap="none" rtlCol="0">
+            <a:spAutoFit/>
+          </a:bodyPr>
+          <a:lstStyle/>
+          <a:p>
+            <a:pPr marL="342900" indent="-342900">
+              <a:buFont typeface="Wingdings" pitchFamily="2" charset="2"/>
+              <a:buChar char="p"/>
+            </a:pPr>
+            <a:r>
+              <a:rPr kumimoji="1" lang="ja-JP" altLang="en-US" sz="2400"/>
+              <a:t>試行回数を増やす</a:t>
+            </a:r>
+            <a:br>
+              <a:rPr kumimoji="1" lang="en-US" altLang="ja-JP" sz="2400" dirty="0"/>
+            </a:br>
+            <a:r>
+              <a:rPr kumimoji="1" lang="en-US" altLang="ja-JP" sz="2400" dirty="0"/>
+              <a:t>→ </a:t>
+            </a:r>
+            <a:r>
+              <a:rPr kumimoji="1" lang="ja-JP" altLang="en-US" sz="2400"/>
+              <a:t>適応度評価手法ごとの信頼区間を調査する</a:t>
+            </a:r>
+            <a:endParaRPr kumimoji="1" lang="en-US" altLang="ja-JP" sz="2400" dirty="0"/>
+          </a:p>
+          <a:p>
+            <a:endParaRPr lang="en-US" altLang="ja-JP" sz="2400" dirty="0"/>
+          </a:p>
+          <a:p>
+            <a:pPr marL="342900" indent="-342900">
+              <a:buFont typeface="Wingdings" pitchFamily="2" charset="2"/>
+              <a:buChar char="p"/>
+            </a:pPr>
+            <a:r>
+              <a:rPr kumimoji="1" lang="ja-JP" altLang="en-US" sz="2400"/>
+              <a:t>様々な条件下で実験するときの適応度評価</a:t>
+            </a:r>
+            <a:br>
+              <a:rPr kumimoji="1" lang="en-US" altLang="ja-JP" sz="2400" dirty="0"/>
+            </a:br>
+            <a:r>
+              <a:rPr kumimoji="1" lang="ja-JP" altLang="en-US" sz="2400"/>
+              <a:t>エポック数最適化手法を</a:t>
+            </a:r>
+            <a:r>
+              <a:rPr lang="ja-JP" altLang="en-US" sz="2400"/>
+              <a:t>提案</a:t>
+            </a:r>
+            <a:r>
+              <a:rPr kumimoji="1" lang="ja-JP" altLang="en-US" sz="2400"/>
+              <a:t>する</a:t>
+            </a:r>
+          </a:p>
+        </p:txBody>
+      </p:sp>
+    </p:spTree>
+    <p:extLst>
+      <p:ext uri="{BB962C8B-B14F-4D97-AF65-F5344CB8AC3E}">
+        <p14:creationId xmlns:p14="http://schemas.microsoft.com/office/powerpoint/2010/main" val="2610326470"/>
+      </p:ext>
+    </p:extLst>
+  </p:cSld>
+  <p:clrMapOvr>
+    <a:masterClrMapping/>
+  </p:clrMapOvr>
+</p:sld>
+</file>
+
+<file path=ppt/slides/slide33.xml><?xml version="1.0" encoding="utf-8"?>
+<p:sld xmlns:a="http://schemas.openxmlformats.org/drawingml/2006/main" xmlns:r="http://schemas.openxmlformats.org/officeDocument/2006/relationships" xmlns:p="http://schemas.openxmlformats.org/presentationml/2006/main">
+  <p:cSld>
+    <p:spTree>
+      <p:nvGrpSpPr>
+        <p:cNvPr id="1" name=""/>
+        <p:cNvGrpSpPr/>
+        <p:nvPr/>
+      </p:nvGrpSpPr>
+      <p:grpSpPr>
+        <a:xfrm>
+          <a:off x="0" y="0"/>
+          <a:ext cx="0" cy="0"/>
+          <a:chOff x="0" y="0"/>
+          <a:chExt cx="0" cy="0"/>
+        </a:xfrm>
+      </p:grpSpPr>
+      <p:sp>
+        <p:nvSpPr>
+          <p:cNvPr id="3" name="スライド番号プレースホルダー 2">
+            <a:extLst>
+              <a:ext uri="{FF2B5EF4-FFF2-40B4-BE49-F238E27FC236}">
+                <a16:creationId xmlns:a16="http://schemas.microsoft.com/office/drawing/2014/main" id="{3DEDCC95-054E-03CB-9EE2-75E4E4AEEE9B}"/>
+              </a:ext>
+            </a:extLst>
+          </p:cNvPr>
+          <p:cNvSpPr>
+            <a:spLocks noGrp="1"/>
+          </p:cNvSpPr>
+          <p:nvPr>
+            <p:ph type="sldNum" sz="quarter" idx="12"/>
+          </p:nvPr>
+        </p:nvSpPr>
+        <p:spPr/>
+        <p:txBody>
+          <a:bodyPr/>
+          <a:lstStyle/>
+          <a:p>
+            <a:pPr lvl="0"/>
+            <a:fld id="{004900ED-2EFD-2142-93A1-1CBA90FDE07B}" type="slidenum">
+              <a:rPr lang="en-US" altLang="ja-JP" smtClean="0"/>
+              <a:t>33</a:t>
+            </a:fld>
+            <a:endParaRPr lang="ja-JP" altLang="en-US"/>
+          </a:p>
+        </p:txBody>
+      </p:sp>
+      <p:sp>
+        <p:nvSpPr>
+          <p:cNvPr id="5" name="テキスト ボックス 4">
+            <a:extLst>
+              <a:ext uri="{FF2B5EF4-FFF2-40B4-BE49-F238E27FC236}">
+                <a16:creationId xmlns:a16="http://schemas.microsoft.com/office/drawing/2014/main" id="{0CDD7299-ADD9-7DB9-55A6-87610AF5A9EC}"/>
+              </a:ext>
+            </a:extLst>
+          </p:cNvPr>
+          <p:cNvSpPr txBox="1"/>
+          <p:nvPr/>
+        </p:nvSpPr>
+        <p:spPr>
+          <a:xfrm>
+            <a:off x="815717" y="2542887"/>
+            <a:ext cx="5929828" cy="584775"/>
+          </a:xfrm>
+          <a:prstGeom prst="rect">
+            <a:avLst/>
+          </a:prstGeom>
+          <a:noFill/>
+        </p:spPr>
+        <p:txBody>
+          <a:bodyPr wrap="none" rtlCol="0">
+            <a:spAutoFit/>
+          </a:bodyPr>
+          <a:lstStyle/>
+          <a:p>
+            <a:r>
+              <a:rPr lang="ja-JP" altLang="en-US" sz="3200"/>
+              <a:t>ご清聴</a:t>
+            </a:r>
+            <a:r>
+              <a:rPr kumimoji="1" lang="ja-JP" altLang="en-US" sz="3200"/>
+              <a:t>ありがとうございました</a:t>
+            </a:r>
+          </a:p>
+        </p:txBody>
+      </p:sp>
+    </p:spTree>
+    <p:extLst>
+      <p:ext uri="{BB962C8B-B14F-4D97-AF65-F5344CB8AC3E}">
+        <p14:creationId xmlns:p14="http://schemas.microsoft.com/office/powerpoint/2010/main" val="2033689313"/>
+      </p:ext>
+    </p:extLst>
+  </p:cSld>
+  <p:clrMapOvr>
+    <a:masterClrMapping/>
+  </p:clrMapOvr>
+</p:sld>
+</file>
+
+<file path=ppt/slides/slide34.xml><?xml version="1.0" encoding="utf-8"?>
+<p:sld xmlns:a="http://schemas.openxmlformats.org/drawingml/2006/main" xmlns:r="http://schemas.openxmlformats.org/officeDocument/2006/relationships" xmlns:p="http://schemas.openxmlformats.org/presentationml/2006/main">
+  <p:cSld>
+    <p:spTree>
+      <p:nvGrpSpPr>
+        <p:cNvPr id="1" name=""/>
+        <p:cNvGrpSpPr/>
+        <p:nvPr/>
+      </p:nvGrpSpPr>
+      <p:grpSpPr>
+        <a:xfrm>
+          <a:off x="0" y="0"/>
+          <a:ext cx="0" cy="0"/>
+          <a:chOff x="0" y="0"/>
+          <a:chExt cx="0" cy="0"/>
+        </a:xfrm>
+      </p:grpSpPr>
+      <p:sp>
+        <p:nvSpPr>
+          <p:cNvPr id="2" name="タイトル 1">
+            <a:extLst>
+              <a:ext uri="{FF2B5EF4-FFF2-40B4-BE49-F238E27FC236}">
+                <a16:creationId xmlns:a16="http://schemas.microsoft.com/office/drawing/2014/main" id="{C90BB530-5AC9-C1CB-F08E-50496361C5DB}"/>
+              </a:ext>
+            </a:extLst>
+          </p:cNvPr>
+          <p:cNvSpPr>
+            <a:spLocks noGrp="1"/>
+          </p:cNvSpPr>
+          <p:nvPr>
+            <p:ph type="title"/>
+          </p:nvPr>
+        </p:nvSpPr>
+        <p:spPr/>
+        <p:txBody>
+          <a:bodyPr/>
+          <a:lstStyle/>
+          <a:p>
+            <a:r>
+              <a:rPr lang="en-US" altLang="ja-JP" dirty="0" err="1"/>
+              <a:t>t</a:t>
+            </a:r>
+            <a:r>
+              <a:rPr kumimoji="1" lang="en-US" altLang="ja-JP" dirty="0" err="1"/>
+              <a:t>dga</a:t>
+            </a:r>
+            <a:r>
+              <a:rPr lang="en-US" altLang="ja-JP" dirty="0" err="1"/>
+              <a:t>CNN</a:t>
+            </a:r>
+            <a:r>
+              <a:rPr lang="en-US" altLang="ja-JP" dirty="0"/>
+              <a:t> </a:t>
+            </a:r>
+            <a:r>
+              <a:rPr lang="ja-JP" altLang="en-US"/>
+              <a:t>の流れ</a:t>
+            </a:r>
+            <a:endParaRPr kumimoji="1" lang="ja-JP" altLang="en-US"/>
+          </a:p>
+        </p:txBody>
+      </p:sp>
+      <p:sp>
+        <p:nvSpPr>
+          <p:cNvPr id="3" name="スライド番号プレースホルダー 2">
+            <a:extLst>
+              <a:ext uri="{FF2B5EF4-FFF2-40B4-BE49-F238E27FC236}">
+                <a16:creationId xmlns:a16="http://schemas.microsoft.com/office/drawing/2014/main" id="{D4B14B84-3C24-2D1B-3DC6-AC568B15C965}"/>
+              </a:ext>
+            </a:extLst>
+          </p:cNvPr>
+          <p:cNvSpPr>
+            <a:spLocks noGrp="1"/>
+          </p:cNvSpPr>
+          <p:nvPr>
+            <p:ph type="sldNum" sz="quarter" idx="12"/>
+          </p:nvPr>
+        </p:nvSpPr>
+        <p:spPr/>
+        <p:txBody>
+          <a:bodyPr/>
+          <a:lstStyle/>
+          <a:p>
+            <a:pPr lvl="0"/>
+            <a:fld id="{004900ED-2EFD-2142-93A1-1CBA90FDE07B}" type="slidenum">
+              <a:rPr lang="en-US" altLang="ja-JP" smtClean="0"/>
+              <a:t>34</a:t>
+            </a:fld>
+            <a:endParaRPr lang="ja-JP" altLang="en-US"/>
+          </a:p>
+        </p:txBody>
+      </p:sp>
+      <p:sp>
+        <p:nvSpPr>
+          <p:cNvPr id="4" name="テキスト ボックス 3">
+            <a:extLst>
+              <a:ext uri="{FF2B5EF4-FFF2-40B4-BE49-F238E27FC236}">
+                <a16:creationId xmlns:a16="http://schemas.microsoft.com/office/drawing/2014/main" id="{F597D62F-5B0E-F5A1-F4AB-B4D8182F2BB8}"/>
+              </a:ext>
+            </a:extLst>
+          </p:cNvPr>
+          <p:cNvSpPr txBox="1"/>
+          <p:nvPr/>
+        </p:nvSpPr>
+        <p:spPr>
+          <a:xfrm>
+            <a:off x="437408" y="1904850"/>
+            <a:ext cx="6857968" cy="2308324"/>
+          </a:xfrm>
+          <a:prstGeom prst="rect">
+            <a:avLst/>
+          </a:prstGeom>
+          <a:noFill/>
+        </p:spPr>
+        <p:txBody>
+          <a:bodyPr wrap="none" rtlCol="0">
+            <a:spAutoFit/>
+          </a:bodyPr>
+          <a:lstStyle/>
+          <a:p>
+            <a:pPr marL="342900" indent="-342900">
+              <a:buFont typeface="+mj-lt"/>
+              <a:buAutoNum type="arabicPeriod"/>
+            </a:pPr>
+            <a:r>
+              <a:rPr kumimoji="1" lang="ja-JP" altLang="en-US" sz="2400"/>
+              <a:t>初期母集団を生成</a:t>
+            </a:r>
+            <a:endParaRPr kumimoji="1" lang="en-US" altLang="ja-JP" sz="2400" dirty="0"/>
+          </a:p>
+          <a:p>
+            <a:pPr marL="342900" indent="-342900">
+              <a:buFont typeface="+mj-lt"/>
+              <a:buAutoNum type="arabicPeriod"/>
+            </a:pPr>
+            <a:r>
+              <a:rPr lang="ja-JP" altLang="en-US" sz="2400"/>
+              <a:t>母集団の個体の適応度を評価</a:t>
+            </a:r>
+            <a:endParaRPr lang="en-US" altLang="ja-JP" sz="2400" dirty="0"/>
+          </a:p>
+          <a:p>
+            <a:pPr marL="342900" indent="-342900">
+              <a:buFont typeface="+mj-lt"/>
+              <a:buAutoNum type="arabicPeriod"/>
+            </a:pPr>
+            <a:r>
+              <a:rPr kumimoji="1" lang="ja-JP" altLang="en-US" sz="2400"/>
+              <a:t>選択，交叉，突然変異による次世代の母集団</a:t>
+            </a:r>
+            <a:br>
+              <a:rPr kumimoji="1" lang="en-US" altLang="ja-JP" sz="2400" dirty="0"/>
+            </a:br>
+            <a:r>
+              <a:rPr kumimoji="1" lang="ja-JP" altLang="en-US" sz="2400"/>
+              <a:t>の生成</a:t>
+            </a:r>
+            <a:endParaRPr kumimoji="1" lang="en-US" altLang="ja-JP" sz="2400" dirty="0"/>
+          </a:p>
+          <a:p>
+            <a:pPr marL="342900" indent="-342900">
+              <a:buFont typeface="+mj-lt"/>
+              <a:buAutoNum type="arabicPeriod"/>
+            </a:pPr>
+            <a:r>
+              <a:rPr lang="en-US" altLang="ja-JP" sz="2400" dirty="0"/>
+              <a:t>2 ~ 3 </a:t>
+            </a:r>
+            <a:r>
+              <a:rPr lang="ja-JP" altLang="en-US" sz="2400"/>
+              <a:t>を世代回数だけ反復</a:t>
+            </a:r>
+            <a:endParaRPr lang="en-US" altLang="ja-JP" sz="2400" dirty="0"/>
+          </a:p>
+          <a:p>
+            <a:pPr marL="342900" indent="-342900">
+              <a:buFont typeface="+mj-lt"/>
+              <a:buAutoNum type="arabicPeriod"/>
+            </a:pPr>
+            <a:r>
+              <a:rPr kumimoji="1" lang="ja-JP" altLang="en-US" sz="2400"/>
+              <a:t>最終世代で最も適応度が高い個体を本学習</a:t>
+            </a:r>
+            <a:endParaRPr kumimoji="1" lang="en-US" altLang="ja-JP" sz="2400" dirty="0"/>
+          </a:p>
+        </p:txBody>
+      </p:sp>
+    </p:spTree>
+    <p:extLst>
+      <p:ext uri="{BB962C8B-B14F-4D97-AF65-F5344CB8AC3E}">
+        <p14:creationId xmlns:p14="http://schemas.microsoft.com/office/powerpoint/2010/main" val="3426627500"/>
+      </p:ext>
+    </p:extLst>
+  </p:cSld>
+  <p:clrMapOvr>
+    <a:masterClrMapping/>
+  </p:clrMapOvr>
+</p:sld>
+</file>
+
+<file path=ppt/slides/slide35.xml><?xml version="1.0" encoding="utf-8"?>
+<p:sld xmlns:a="http://schemas.openxmlformats.org/drawingml/2006/main" xmlns:r="http://schemas.openxmlformats.org/officeDocument/2006/relationships" xmlns:p="http://schemas.openxmlformats.org/presentationml/2006/main">
+  <p:cSld>
+    <p:spTree>
+      <p:nvGrpSpPr>
+        <p:cNvPr id="1" name=""/>
+        <p:cNvGrpSpPr/>
+        <p:nvPr/>
+      </p:nvGrpSpPr>
+      <p:grpSpPr>
+        <a:xfrm>
+          <a:off x="0" y="0"/>
+          <a:ext cx="0" cy="0"/>
+          <a:chOff x="0" y="0"/>
+          <a:chExt cx="0" cy="0"/>
+        </a:xfrm>
+      </p:grpSpPr>
+      <p:sp>
+        <p:nvSpPr>
+          <p:cNvPr id="2" name="タイトル 1">
+            <a:extLst>
+              <a:ext uri="{FF2B5EF4-FFF2-40B4-BE49-F238E27FC236}">
+                <a16:creationId xmlns:a16="http://schemas.microsoft.com/office/drawing/2014/main" id="{D159CF40-CD8C-21A6-0A3D-8CF370B562A6}"/>
+              </a:ext>
+            </a:extLst>
+          </p:cNvPr>
+          <p:cNvSpPr>
+            <a:spLocks noGrp="1"/>
+          </p:cNvSpPr>
+          <p:nvPr>
+            <p:ph type="title"/>
+          </p:nvPr>
+        </p:nvSpPr>
+        <p:spPr>
+          <a:xfrm>
+            <a:off x="519836" y="166047"/>
+            <a:ext cx="6521589" cy="1096044"/>
+          </a:xfrm>
+        </p:spPr>
+        <p:txBody>
+          <a:bodyPr/>
+          <a:lstStyle/>
+          <a:p>
+            <a:r>
+              <a:rPr kumimoji="1" lang="ja-JP" altLang="en-US"/>
+              <a:t>実験</a:t>
+            </a:r>
+            <a:r>
+              <a:rPr kumimoji="1" lang="en-US" altLang="ja-JP" dirty="0"/>
+              <a:t> </a:t>
+            </a:r>
+            <a:r>
+              <a:rPr lang="en-US" altLang="ja-JP" dirty="0"/>
+              <a:t>2 ––– </a:t>
+            </a:r>
+            <a:r>
+              <a:rPr lang="ja-JP" altLang="en-US"/>
+              <a:t>適応度の推移</a:t>
+            </a:r>
+            <a:endParaRPr kumimoji="1" lang="ja-JP" altLang="en-US"/>
+          </a:p>
+        </p:txBody>
+      </p:sp>
+      <p:sp>
+        <p:nvSpPr>
+          <p:cNvPr id="3" name="スライド番号プレースホルダー 2">
+            <a:extLst>
+              <a:ext uri="{FF2B5EF4-FFF2-40B4-BE49-F238E27FC236}">
+                <a16:creationId xmlns:a16="http://schemas.microsoft.com/office/drawing/2014/main" id="{37968868-915E-15E5-AB4E-1366F32A281D}"/>
+              </a:ext>
+            </a:extLst>
+          </p:cNvPr>
+          <p:cNvSpPr>
+            <a:spLocks noGrp="1"/>
+          </p:cNvSpPr>
+          <p:nvPr>
+            <p:ph type="sldNum" sz="quarter" idx="12"/>
+          </p:nvPr>
+        </p:nvSpPr>
+        <p:spPr/>
+        <p:txBody>
+          <a:bodyPr/>
+          <a:lstStyle/>
+          <a:p>
+            <a:pPr lvl="0"/>
+            <a:fld id="{004900ED-2EFD-2142-93A1-1CBA90FDE07B}" type="slidenum">
+              <a:rPr lang="en-US" altLang="ja-JP" smtClean="0"/>
+              <a:t>35</a:t>
+            </a:fld>
+            <a:endParaRPr lang="ja-JP" altLang="en-US"/>
+          </a:p>
+        </p:txBody>
+      </p:sp>
+      <p:grpSp>
+        <p:nvGrpSpPr>
+          <p:cNvPr id="13" name="グループ化 12">
+            <a:extLst>
+              <a:ext uri="{FF2B5EF4-FFF2-40B4-BE49-F238E27FC236}">
+                <a16:creationId xmlns:a16="http://schemas.microsoft.com/office/drawing/2014/main" id="{84114E7E-ED35-82C3-DC5B-3408B17E5F4D}"/>
+              </a:ext>
+            </a:extLst>
+          </p:cNvPr>
+          <p:cNvGrpSpPr/>
+          <p:nvPr/>
+        </p:nvGrpSpPr>
+        <p:grpSpPr>
+          <a:xfrm>
+            <a:off x="120649" y="1727198"/>
+            <a:ext cx="7380849" cy="3363730"/>
+            <a:chOff x="120649" y="1727198"/>
+            <a:chExt cx="7380849" cy="3363730"/>
+          </a:xfrm>
+        </p:grpSpPr>
+        <p:pic>
+          <p:nvPicPr>
+            <p:cNvPr id="7" name="図 6" descr="グラフ, 折れ線グラフ&#10;&#10;自動的に生成された説明">
+              <a:extLst>
+                <a:ext uri="{FF2B5EF4-FFF2-40B4-BE49-F238E27FC236}">
+                  <a16:creationId xmlns:a16="http://schemas.microsoft.com/office/drawing/2014/main" id="{6B9C6E3A-C2DD-3B77-364C-B77093576CAC}"/>
+                </a:ext>
+              </a:extLst>
+            </p:cNvPr>
+            <p:cNvPicPr>
+              <a:picLocks noChangeAspect="1"/>
+            </p:cNvPicPr>
+            <p:nvPr/>
+          </p:nvPicPr>
+          <p:blipFill rotWithShape="1">
+            <a:blip r:embed="rId2"/>
+            <a:srcRect l="6351" t="11058" r="8995" b="2041"/>
+            <a:stretch/>
+          </p:blipFill>
+          <p:spPr>
+            <a:xfrm>
+              <a:off x="3866493" y="1727198"/>
+              <a:ext cx="3635005" cy="2798619"/>
+            </a:xfrm>
+            <a:prstGeom prst="rect">
+              <a:avLst/>
+            </a:prstGeom>
+          </p:spPr>
+        </p:pic>
+        <p:pic>
+          <p:nvPicPr>
+            <p:cNvPr id="10" name="図 9" descr="グラフ, 折れ線グラフ&#10;&#10;自動的に生成された説明">
+              <a:extLst>
+                <a:ext uri="{FF2B5EF4-FFF2-40B4-BE49-F238E27FC236}">
+                  <a16:creationId xmlns:a16="http://schemas.microsoft.com/office/drawing/2014/main" id="{9B2BDBF4-BEF1-B08E-25B7-A30453A4EB7A}"/>
+                </a:ext>
+              </a:extLst>
+            </p:cNvPr>
+            <p:cNvPicPr>
+              <a:picLocks noChangeAspect="1"/>
+            </p:cNvPicPr>
+            <p:nvPr/>
+          </p:nvPicPr>
+          <p:blipFill rotWithShape="1">
+            <a:blip r:embed="rId3"/>
+            <a:srcRect l="3785" t="11557" r="9252" b="1812"/>
+            <a:stretch/>
+          </p:blipFill>
+          <p:spPr>
+            <a:xfrm>
+              <a:off x="120649" y="1727199"/>
+              <a:ext cx="3745844" cy="2798619"/>
+            </a:xfrm>
+            <a:prstGeom prst="rect">
+              <a:avLst/>
+            </a:prstGeom>
+          </p:spPr>
+        </p:pic>
+        <p:sp>
+          <p:nvSpPr>
+            <p:cNvPr id="11" name="テキスト ボックス 10">
+              <a:extLst>
+                <a:ext uri="{FF2B5EF4-FFF2-40B4-BE49-F238E27FC236}">
+                  <a16:creationId xmlns:a16="http://schemas.microsoft.com/office/drawing/2014/main" id="{39F5E587-3EF9-3818-BF6E-CAD92A72DBE9}"/>
+                </a:ext>
+              </a:extLst>
+            </p:cNvPr>
+            <p:cNvSpPr txBox="1"/>
+            <p:nvPr/>
+          </p:nvSpPr>
+          <p:spPr>
+            <a:xfrm>
+              <a:off x="518198" y="4690818"/>
+              <a:ext cx="3262432" cy="400110"/>
+            </a:xfrm>
+            <a:prstGeom prst="rect">
+              <a:avLst/>
+            </a:prstGeom>
+            <a:noFill/>
+          </p:spPr>
+          <p:txBody>
+            <a:bodyPr wrap="none" rtlCol="0">
+              <a:spAutoFit/>
+            </a:bodyPr>
+            <a:lstStyle/>
+            <a:p>
+              <a:r>
+                <a:rPr kumimoji="1" lang="ja-JP" altLang="en-US" sz="2000"/>
+                <a:t>エポック数を増加させた時</a:t>
+              </a:r>
+            </a:p>
+          </p:txBody>
+        </p:sp>
+        <p:sp>
+          <p:nvSpPr>
+            <p:cNvPr id="12" name="テキスト ボックス 11">
+              <a:extLst>
+                <a:ext uri="{FF2B5EF4-FFF2-40B4-BE49-F238E27FC236}">
+                  <a16:creationId xmlns:a16="http://schemas.microsoft.com/office/drawing/2014/main" id="{B6750C3E-2C2F-B465-7CC3-E1D2A21E4317}"/>
+                </a:ext>
+              </a:extLst>
+            </p:cNvPr>
+            <p:cNvSpPr txBox="1"/>
+            <p:nvPr/>
+          </p:nvSpPr>
+          <p:spPr>
+            <a:xfrm>
+              <a:off x="4168998" y="4690818"/>
+              <a:ext cx="3262432" cy="400110"/>
+            </a:xfrm>
+            <a:prstGeom prst="rect">
+              <a:avLst/>
+            </a:prstGeom>
+            <a:noFill/>
+          </p:spPr>
+          <p:txBody>
+            <a:bodyPr wrap="none" rtlCol="0">
+              <a:spAutoFit/>
+            </a:bodyPr>
+            <a:lstStyle/>
+            <a:p>
+              <a:r>
+                <a:rPr kumimoji="1" lang="ja-JP" altLang="en-US" sz="2000"/>
+                <a:t>エポック数を減少させた時</a:t>
+              </a:r>
+            </a:p>
+          </p:txBody>
+        </p:sp>
+      </p:grpSp>
+    </p:spTree>
+    <p:extLst>
+      <p:ext uri="{BB962C8B-B14F-4D97-AF65-F5344CB8AC3E}">
+        <p14:creationId xmlns:p14="http://schemas.microsoft.com/office/powerpoint/2010/main" val="611415597"/>
+      </p:ext>
+    </p:extLst>
+  </p:cSld>
+  <p:clrMapOvr>
+    <a:masterClrMapping/>
+  </p:clrMapOvr>
+</p:sld>
+</file>
+
+<file path=ppt/slides/slide4.xml><?xml version="1.0" encoding="utf-8"?>
+<p:sld xmlns:a="http://schemas.openxmlformats.org/drawingml/2006/main" xmlns:r="http://schemas.openxmlformats.org/officeDocument/2006/relationships" xmlns:p="http://schemas.openxmlformats.org/presentationml/2006/main">
+  <p:cSld>
+    <p:spTree>
+      <p:nvGrpSpPr>
+        <p:cNvPr id="1" name=""/>
+        <p:cNvGrpSpPr/>
+        <p:nvPr/>
+      </p:nvGrpSpPr>
+      <p:grpSpPr>
+        <a:xfrm>
+          <a:off x="0" y="0"/>
+          <a:ext cx="0" cy="0"/>
+          <a:chOff x="0" y="0"/>
+          <a:chExt cx="0" cy="0"/>
+        </a:xfrm>
+      </p:grpSpPr>
+      <p:sp>
+        <p:nvSpPr>
+          <p:cNvPr id="2" name="タイトル 1">
+            <a:extLst>
+              <a:ext uri="{FF2B5EF4-FFF2-40B4-BE49-F238E27FC236}">
+                <a16:creationId xmlns:a16="http://schemas.microsoft.com/office/drawing/2014/main" id="{E71B4E71-095F-F17F-6D83-0805695A2254}"/>
+              </a:ext>
+            </a:extLst>
+          </p:cNvPr>
+          <p:cNvSpPr>
+            <a:spLocks noGrp="1"/>
+          </p:cNvSpPr>
+          <p:nvPr>
+            <p:ph type="title"/>
+          </p:nvPr>
+        </p:nvSpPr>
+        <p:spPr/>
+        <p:txBody>
+          <a:bodyPr/>
+          <a:lstStyle/>
+          <a:p>
+            <a:r>
+              <a:rPr kumimoji="1" lang="ja-JP" altLang="en-US"/>
+              <a:t>はじめに</a:t>
+            </a:r>
+          </a:p>
+        </p:txBody>
+      </p:sp>
+      <p:sp>
+        <p:nvSpPr>
+          <p:cNvPr id="3" name="スライド番号プレースホルダー 2">
+            <a:extLst>
+              <a:ext uri="{FF2B5EF4-FFF2-40B4-BE49-F238E27FC236}">
+                <a16:creationId xmlns:a16="http://schemas.microsoft.com/office/drawing/2014/main" id="{F5E302DC-5737-F25A-5C7A-5AAE4F212E41}"/>
+              </a:ext>
+            </a:extLst>
+          </p:cNvPr>
+          <p:cNvSpPr>
+            <a:spLocks noGrp="1"/>
+          </p:cNvSpPr>
+          <p:nvPr>
+            <p:ph type="sldNum" sz="quarter" idx="12"/>
+          </p:nvPr>
+        </p:nvSpPr>
+        <p:spPr/>
+        <p:txBody>
+          <a:bodyPr/>
+          <a:lstStyle/>
+          <a:p>
+            <a:pPr lvl="0"/>
+            <a:fld id="{004900ED-2EFD-2142-93A1-1CBA90FDE07B}" type="slidenum">
+              <a:rPr lang="en-US" altLang="ja-JP" smtClean="0"/>
+              <a:t>4</a:t>
+            </a:fld>
+            <a:endParaRPr lang="ja-JP" altLang="en-US"/>
+          </a:p>
+        </p:txBody>
+      </p:sp>
+      <p:sp>
+        <p:nvSpPr>
+          <p:cNvPr id="4" name="テキスト ボックス 3">
+            <a:extLst>
+              <a:ext uri="{FF2B5EF4-FFF2-40B4-BE49-F238E27FC236}">
+                <a16:creationId xmlns:a16="http://schemas.microsoft.com/office/drawing/2014/main" id="{EDCD9C4E-048F-3F85-CAD2-749A02AA4CBA}"/>
+              </a:ext>
+            </a:extLst>
+          </p:cNvPr>
+          <p:cNvSpPr txBox="1"/>
+          <p:nvPr/>
+        </p:nvSpPr>
+        <p:spPr>
+          <a:xfrm>
+            <a:off x="135454" y="1789378"/>
+            <a:ext cx="7290353" cy="3231654"/>
+          </a:xfrm>
+          <a:prstGeom prst="rect">
+            <a:avLst/>
+          </a:prstGeom>
+          <a:noFill/>
+        </p:spPr>
+        <p:txBody>
+          <a:bodyPr wrap="square" rtlCol="0">
+            <a:spAutoFit/>
+          </a:bodyPr>
+          <a:lstStyle/>
+          <a:p>
+            <a:pPr marL="342900" indent="-342900">
+              <a:lnSpc>
+                <a:spcPct val="150000"/>
+              </a:lnSpc>
+              <a:buFont typeface="Wingdings" pitchFamily="2" charset="2"/>
+              <a:buChar char="p"/>
+            </a:pPr>
+            <a:r>
+              <a:rPr kumimoji="1" lang="ja-JP" altLang="en-US" sz="2400"/>
+              <a:t>近年，機械学習を用いた画像識別に注目</a:t>
+            </a:r>
+            <a:endParaRPr lang="en-US" altLang="ja-JP" sz="1400" dirty="0"/>
+          </a:p>
+          <a:p>
+            <a:pPr marL="342900" indent="-342900">
+              <a:lnSpc>
+                <a:spcPct val="150000"/>
+              </a:lnSpc>
+              <a:buFont typeface="Wingdings" pitchFamily="2" charset="2"/>
+              <a:buChar char="p"/>
+            </a:pPr>
+            <a:r>
+              <a:rPr kumimoji="1" lang="ja-JP" altLang="en-US" sz="2400"/>
+              <a:t>畳み込みニューラルネットワークによる画像識別</a:t>
+            </a:r>
+            <a:br>
+              <a:rPr lang="en-US" altLang="ja-JP" sz="2400" dirty="0"/>
+            </a:br>
+            <a:r>
+              <a:rPr lang="en-US" altLang="ja-JP" sz="2400" dirty="0"/>
+              <a:t>(Convolutional Neural Network: CNN)</a:t>
+            </a:r>
+            <a:endParaRPr kumimoji="1" lang="en-US" altLang="ja-JP" sz="1400" dirty="0"/>
+          </a:p>
+          <a:p>
+            <a:pPr marL="342900" indent="-342900">
+              <a:lnSpc>
+                <a:spcPct val="150000"/>
+              </a:lnSpc>
+              <a:buFont typeface="Wingdings" pitchFamily="2" charset="2"/>
+              <a:buChar char="p"/>
+            </a:pPr>
+            <a:r>
+              <a:rPr lang="ja-JP" altLang="en-US" sz="2400"/>
+              <a:t>問題の高度化により，</a:t>
+            </a:r>
+            <a:r>
+              <a:rPr kumimoji="1" lang="en-US" altLang="ja-JP" sz="2400" dirty="0"/>
+              <a:t>CNN </a:t>
+            </a:r>
+            <a:r>
+              <a:rPr kumimoji="1" lang="ja-JP" altLang="en-US" sz="2400"/>
+              <a:t>の構造が複雑化</a:t>
+            </a:r>
+            <a:br>
+              <a:rPr kumimoji="1" lang="en-US" altLang="ja-JP" sz="2400" dirty="0"/>
+            </a:br>
+            <a:r>
+              <a:rPr kumimoji="1" lang="en-US" altLang="ja-JP" sz="2400" dirty="0"/>
+              <a:t>→ </a:t>
+            </a:r>
+            <a:r>
+              <a:rPr kumimoji="1" lang="ja-JP" altLang="en-US" sz="2400"/>
+              <a:t>人手で最適化するためには膨大な労力が必要</a:t>
+            </a:r>
+          </a:p>
+          <a:p>
+            <a:pPr marL="285750" indent="-285750">
+              <a:buFont typeface="Wingdings" pitchFamily="2" charset="2"/>
+              <a:buChar char="p"/>
+            </a:pPr>
+            <a:endParaRPr kumimoji="1" lang="ja-JP" altLang="en-US" sz="2400"/>
+          </a:p>
+        </p:txBody>
+      </p:sp>
+    </p:spTree>
+    <p:extLst>
+      <p:ext uri="{BB962C8B-B14F-4D97-AF65-F5344CB8AC3E}">
+        <p14:creationId xmlns:p14="http://schemas.microsoft.com/office/powerpoint/2010/main" val="1330161517"/>
+      </p:ext>
+    </p:extLst>
+  </p:cSld>
+  <p:clrMapOvr>
+    <a:masterClrMapping/>
+  </p:clrMapOvr>
+</p:sld>
+</file>
+
+<file path=ppt/slides/slide5.xml><?xml version="1.0" encoding="utf-8"?>
+<p:sld xmlns:a="http://schemas.openxmlformats.org/drawingml/2006/main" xmlns:r="http://schemas.openxmlformats.org/officeDocument/2006/relationships" xmlns:p="http://schemas.openxmlformats.org/presentationml/2006/main">
+  <p:cSld>
+    <p:spTree>
+      <p:nvGrpSpPr>
+        <p:cNvPr id="1" name=""/>
+        <p:cNvGrpSpPr/>
+        <p:nvPr/>
+      </p:nvGrpSpPr>
+      <p:grpSpPr>
+        <a:xfrm>
+          <a:off x="0" y="0"/>
+          <a:ext cx="0" cy="0"/>
+          <a:chOff x="0" y="0"/>
+          <a:chExt cx="0" cy="0"/>
+        </a:xfrm>
+      </p:grpSpPr>
+      <p:sp>
+        <p:nvSpPr>
+          <p:cNvPr id="2" name="タイトル 1">
+            <a:extLst>
+              <a:ext uri="{FF2B5EF4-FFF2-40B4-BE49-F238E27FC236}">
+                <a16:creationId xmlns:a16="http://schemas.microsoft.com/office/drawing/2014/main" id="{D159CF40-CD8C-21A6-0A3D-8CF370B562A6}"/>
+              </a:ext>
+            </a:extLst>
+          </p:cNvPr>
+          <p:cNvSpPr>
+            <a:spLocks noGrp="1"/>
+          </p:cNvSpPr>
+          <p:nvPr>
+            <p:ph type="title"/>
+          </p:nvPr>
+        </p:nvSpPr>
+        <p:spPr/>
+        <p:txBody>
+          <a:bodyPr/>
+          <a:lstStyle/>
+          <a:p>
+            <a:r>
+              <a:rPr kumimoji="1" lang="ja-JP" altLang="en-US"/>
+              <a:t>はじめに</a:t>
+            </a:r>
+          </a:p>
+        </p:txBody>
+      </p:sp>
+      <p:sp>
+        <p:nvSpPr>
+          <p:cNvPr id="3" name="スライド番号プレースホルダー 2">
+            <a:extLst>
+              <a:ext uri="{FF2B5EF4-FFF2-40B4-BE49-F238E27FC236}">
+                <a16:creationId xmlns:a16="http://schemas.microsoft.com/office/drawing/2014/main" id="{37968868-915E-15E5-AB4E-1366F32A281D}"/>
+              </a:ext>
+            </a:extLst>
+          </p:cNvPr>
+          <p:cNvSpPr>
+            <a:spLocks noGrp="1"/>
+          </p:cNvSpPr>
+          <p:nvPr>
+            <p:ph type="sldNum" sz="quarter" idx="12"/>
+          </p:nvPr>
+        </p:nvSpPr>
+        <p:spPr/>
+        <p:txBody>
+          <a:bodyPr/>
+          <a:lstStyle/>
+          <a:p>
+            <a:pPr lvl="0"/>
+            <a:fld id="{004900ED-2EFD-2142-93A1-1CBA90FDE07B}" type="slidenum">
+              <a:rPr lang="en-US" altLang="ja-JP" smtClean="0"/>
+              <a:t>5</a:t>
+            </a:fld>
+            <a:endParaRPr lang="ja-JP" altLang="en-US"/>
+          </a:p>
+        </p:txBody>
+      </p:sp>
+      <p:sp>
+        <p:nvSpPr>
+          <p:cNvPr id="5" name="テキスト ボックス 4">
+            <a:extLst>
+              <a:ext uri="{FF2B5EF4-FFF2-40B4-BE49-F238E27FC236}">
+                <a16:creationId xmlns:a16="http://schemas.microsoft.com/office/drawing/2014/main" id="{B5E926CE-E6A3-15F0-0F1B-D31D8E1A2C0F}"/>
+              </a:ext>
+            </a:extLst>
+          </p:cNvPr>
+          <p:cNvSpPr txBox="1"/>
+          <p:nvPr/>
+        </p:nvSpPr>
+        <p:spPr>
+          <a:xfrm>
+            <a:off x="230587" y="1356765"/>
+            <a:ext cx="6984604" cy="1702517"/>
+          </a:xfrm>
+          <a:prstGeom prst="rect">
+            <a:avLst/>
+          </a:prstGeom>
+          <a:noFill/>
+        </p:spPr>
+        <p:txBody>
+          <a:bodyPr wrap="none" rtlCol="0">
+            <a:spAutoFit/>
+          </a:bodyPr>
+          <a:lstStyle/>
+          <a:p>
+            <a:pPr marL="342900" indent="-342900">
+              <a:lnSpc>
+                <a:spcPct val="150000"/>
+              </a:lnSpc>
+              <a:buFont typeface="Wingdings" pitchFamily="2" charset="2"/>
+              <a:buChar char="p"/>
+            </a:pPr>
+            <a:r>
+              <a:rPr kumimoji="1" lang="en-US" altLang="ja-JP" sz="2400" dirty="0" err="1"/>
+              <a:t>gaCNN</a:t>
+            </a:r>
+            <a:endParaRPr lang="en-US" altLang="ja-JP" sz="2400" dirty="0"/>
+          </a:p>
+          <a:p>
+            <a:pPr marL="800100" lvl="1" indent="-342900">
+              <a:lnSpc>
+                <a:spcPct val="150000"/>
+              </a:lnSpc>
+              <a:buFont typeface="Wingdings" pitchFamily="2" charset="2"/>
+              <a:buChar char="Ø"/>
+            </a:pPr>
+            <a:r>
+              <a:rPr kumimoji="1" lang="en-US" altLang="ja-JP" sz="2400" dirty="0"/>
+              <a:t>CNN </a:t>
+            </a:r>
+            <a:r>
+              <a:rPr kumimoji="1" lang="ja-JP" altLang="en-US" sz="2400"/>
+              <a:t>の構造の最適化に遺伝的アルゴリズム</a:t>
+            </a:r>
+            <a:br>
+              <a:rPr kumimoji="1" lang="en-US" altLang="ja-JP" sz="2400" dirty="0"/>
+            </a:br>
+            <a:r>
+              <a:rPr kumimoji="1" lang="en-US" altLang="ja-JP" sz="2400" dirty="0"/>
+              <a:t>(Genetic Algorithm: GA) </a:t>
+            </a:r>
+            <a:r>
+              <a:rPr kumimoji="1" lang="ja-JP" altLang="en-US" sz="2400"/>
+              <a:t>を利用</a:t>
+            </a:r>
+            <a:endParaRPr lang="en-US" altLang="ja-JP" sz="2400" dirty="0"/>
+          </a:p>
+        </p:txBody>
+      </p:sp>
+      <p:sp>
+        <p:nvSpPr>
+          <p:cNvPr id="6" name="テキスト ボックス 5">
+            <a:extLst>
+              <a:ext uri="{FF2B5EF4-FFF2-40B4-BE49-F238E27FC236}">
+                <a16:creationId xmlns:a16="http://schemas.microsoft.com/office/drawing/2014/main" id="{B7F097BE-2267-CD76-52E2-E71D8C82EE4B}"/>
+              </a:ext>
+            </a:extLst>
+          </p:cNvPr>
+          <p:cNvSpPr txBox="1"/>
+          <p:nvPr/>
+        </p:nvSpPr>
+        <p:spPr>
+          <a:xfrm>
+            <a:off x="230587" y="3112130"/>
+            <a:ext cx="7508787" cy="2256515"/>
+          </a:xfrm>
+          <a:prstGeom prst="rect">
+            <a:avLst/>
+          </a:prstGeom>
+          <a:noFill/>
+        </p:spPr>
+        <p:txBody>
+          <a:bodyPr wrap="none" rtlCol="0">
+            <a:spAutoFit/>
+          </a:bodyPr>
+          <a:lstStyle/>
+          <a:p>
+            <a:pPr marL="342900" indent="-342900">
+              <a:lnSpc>
+                <a:spcPct val="150000"/>
+              </a:lnSpc>
+              <a:buFont typeface="Wingdings" pitchFamily="2" charset="2"/>
+              <a:buChar char="p"/>
+            </a:pPr>
+            <a:r>
+              <a:rPr kumimoji="1" lang="en-US" altLang="ja-JP" sz="2400" dirty="0" err="1"/>
+              <a:t>tdgaCNN</a:t>
+            </a:r>
+            <a:endParaRPr lang="en-US" altLang="ja-JP" sz="2400" dirty="0"/>
+          </a:p>
+          <a:p>
+            <a:pPr marL="800100" lvl="1" indent="-342900">
+              <a:lnSpc>
+                <a:spcPct val="150000"/>
+              </a:lnSpc>
+              <a:buFont typeface="Wingdings" pitchFamily="2" charset="2"/>
+              <a:buChar char="Ø"/>
+            </a:pPr>
+            <a:r>
+              <a:rPr lang="en-US" altLang="ja-JP" sz="2400" dirty="0" err="1"/>
+              <a:t>gaCNN</a:t>
+            </a:r>
+            <a:r>
+              <a:rPr lang="en-US" altLang="ja-JP" sz="2400" dirty="0"/>
+              <a:t> </a:t>
+            </a:r>
+            <a:r>
+              <a:rPr lang="ja-JP" altLang="en-US" sz="2400"/>
+              <a:t>の拡張手法</a:t>
+            </a:r>
+            <a:endParaRPr lang="en-US" altLang="ja-JP" sz="2400" dirty="0"/>
+          </a:p>
+          <a:p>
+            <a:pPr marL="800100" lvl="1" indent="-342900">
+              <a:lnSpc>
+                <a:spcPct val="150000"/>
+              </a:lnSpc>
+              <a:buFont typeface="Wingdings" pitchFamily="2" charset="2"/>
+              <a:buChar char="Ø"/>
+            </a:pPr>
+            <a:r>
+              <a:rPr kumimoji="1" lang="ja-JP" altLang="en-US" sz="2400"/>
+              <a:t>熱力学的遺伝アルゴリズム</a:t>
+            </a:r>
+            <a:r>
+              <a:rPr kumimoji="1" lang="en-US" altLang="ja-JP" sz="2400" dirty="0"/>
+              <a:t> (Thermodynamical </a:t>
+            </a:r>
+            <a:br>
+              <a:rPr kumimoji="1" lang="en-US" altLang="ja-JP" sz="2400" dirty="0"/>
+            </a:br>
+            <a:r>
+              <a:rPr kumimoji="1" lang="en-US" altLang="ja-JP" sz="2400" dirty="0"/>
+              <a:t>Genetic Algorithm: TDGA) </a:t>
+            </a:r>
+            <a:r>
+              <a:rPr kumimoji="1" lang="ja-JP" altLang="en-US" sz="2400"/>
+              <a:t>を利用</a:t>
+            </a:r>
+          </a:p>
+        </p:txBody>
+      </p:sp>
+    </p:spTree>
+    <p:extLst>
+      <p:ext uri="{BB962C8B-B14F-4D97-AF65-F5344CB8AC3E}">
+        <p14:creationId xmlns:p14="http://schemas.microsoft.com/office/powerpoint/2010/main" val="918345529"/>
+      </p:ext>
+    </p:extLst>
+  </p:cSld>
+  <p:clrMapOvr>
+    <a:masterClrMapping/>
+  </p:clrMapOvr>
+</p:sld>
+</file>
+
+<file path=ppt/slides/slide6.xml><?xml version="1.0" encoding="utf-8"?>
+<p:sld xmlns:a="http://schemas.openxmlformats.org/drawingml/2006/main" xmlns:r="http://schemas.openxmlformats.org/officeDocument/2006/relationships" xmlns:p="http://schemas.openxmlformats.org/presentationml/2006/main">
+  <p:cSld>
+    <p:spTree>
+      <p:nvGrpSpPr>
+        <p:cNvPr id="1" name=""/>
+        <p:cNvGrpSpPr/>
+        <p:nvPr/>
+      </p:nvGrpSpPr>
+      <p:grpSpPr>
+        <a:xfrm>
+          <a:off x="0" y="0"/>
+          <a:ext cx="0" cy="0"/>
+          <a:chOff x="0" y="0"/>
+          <a:chExt cx="0" cy="0"/>
+        </a:xfrm>
+      </p:grpSpPr>
+      <p:sp>
+        <p:nvSpPr>
+          <p:cNvPr id="2" name="タイトル 1">
+            <a:extLst>
+              <a:ext uri="{FF2B5EF4-FFF2-40B4-BE49-F238E27FC236}">
+                <a16:creationId xmlns:a16="http://schemas.microsoft.com/office/drawing/2014/main" id="{D159CF40-CD8C-21A6-0A3D-8CF370B562A6}"/>
+              </a:ext>
+            </a:extLst>
+          </p:cNvPr>
+          <p:cNvSpPr>
+            <a:spLocks noGrp="1"/>
+          </p:cNvSpPr>
+          <p:nvPr>
+            <p:ph type="title"/>
+          </p:nvPr>
+        </p:nvSpPr>
+        <p:spPr/>
+        <p:txBody>
+          <a:bodyPr/>
+          <a:lstStyle/>
+          <a:p>
+            <a:r>
+              <a:rPr kumimoji="1" lang="ja-JP" altLang="en-US"/>
+              <a:t>はじめに</a:t>
+            </a:r>
+          </a:p>
+        </p:txBody>
+      </p:sp>
+      <p:sp>
+        <p:nvSpPr>
+          <p:cNvPr id="3" name="スライド番号プレースホルダー 2">
+            <a:extLst>
+              <a:ext uri="{FF2B5EF4-FFF2-40B4-BE49-F238E27FC236}">
+                <a16:creationId xmlns:a16="http://schemas.microsoft.com/office/drawing/2014/main" id="{37968868-915E-15E5-AB4E-1366F32A281D}"/>
+              </a:ext>
+            </a:extLst>
+          </p:cNvPr>
+          <p:cNvSpPr>
+            <a:spLocks noGrp="1"/>
+          </p:cNvSpPr>
+          <p:nvPr>
+            <p:ph type="sldNum" sz="quarter" idx="12"/>
+          </p:nvPr>
+        </p:nvSpPr>
+        <p:spPr/>
+        <p:txBody>
+          <a:bodyPr/>
+          <a:lstStyle/>
+          <a:p>
+            <a:pPr lvl="0"/>
+            <a:fld id="{004900ED-2EFD-2142-93A1-1CBA90FDE07B}" type="slidenum">
+              <a:rPr lang="en-US" altLang="ja-JP" smtClean="0"/>
+              <a:t>6</a:t>
+            </a:fld>
+            <a:endParaRPr lang="ja-JP" altLang="en-US"/>
+          </a:p>
+        </p:txBody>
+      </p:sp>
+      <p:grpSp>
+        <p:nvGrpSpPr>
+          <p:cNvPr id="9" name="グループ化 8">
+            <a:extLst>
+              <a:ext uri="{FF2B5EF4-FFF2-40B4-BE49-F238E27FC236}">
+                <a16:creationId xmlns:a16="http://schemas.microsoft.com/office/drawing/2014/main" id="{0761B48F-FD65-EDE8-7BBE-9EB7BE0E6142}"/>
+              </a:ext>
+            </a:extLst>
+          </p:cNvPr>
+          <p:cNvGrpSpPr/>
+          <p:nvPr/>
+        </p:nvGrpSpPr>
+        <p:grpSpPr>
+          <a:xfrm>
+            <a:off x="215805" y="1508209"/>
+            <a:ext cx="7042701" cy="3158101"/>
+            <a:chOff x="215805" y="1508209"/>
+            <a:chExt cx="7042701" cy="3158101"/>
+          </a:xfrm>
+        </p:grpSpPr>
+        <p:sp>
+          <p:nvSpPr>
+            <p:cNvPr id="4" name="テキスト ボックス 3">
+              <a:extLst>
+                <a:ext uri="{FF2B5EF4-FFF2-40B4-BE49-F238E27FC236}">
+                  <a16:creationId xmlns:a16="http://schemas.microsoft.com/office/drawing/2014/main" id="{C90B63DA-86FE-BCFD-909B-51617E6B3CDE}"/>
+                </a:ext>
+              </a:extLst>
+            </p:cNvPr>
+            <p:cNvSpPr txBox="1"/>
+            <p:nvPr/>
+          </p:nvSpPr>
+          <p:spPr>
+            <a:xfrm>
+              <a:off x="215805" y="1508209"/>
+              <a:ext cx="5891356" cy="1148520"/>
+            </a:xfrm>
+            <a:prstGeom prst="rect">
+              <a:avLst/>
+            </a:prstGeom>
+            <a:noFill/>
+          </p:spPr>
+          <p:txBody>
+            <a:bodyPr wrap="none" rtlCol="0">
+              <a:spAutoFit/>
+            </a:bodyPr>
+            <a:lstStyle/>
+            <a:p>
+              <a:pPr marL="800100" lvl="1" indent="-342900">
+                <a:lnSpc>
+                  <a:spcPct val="150000"/>
+                </a:lnSpc>
+                <a:buFont typeface="Wingdings" pitchFamily="2" charset="2"/>
+                <a:buChar char="p"/>
+              </a:pPr>
+              <a:r>
+                <a:rPr lang="en-US" altLang="ja-JP" sz="2400" dirty="0" err="1"/>
+                <a:t>tdgaCNN</a:t>
+              </a:r>
+              <a:r>
+                <a:rPr kumimoji="1" lang="en-US" altLang="ja-JP" sz="2400" dirty="0"/>
+                <a:t> </a:t>
+              </a:r>
+              <a:r>
+                <a:rPr lang="ja-JP" altLang="en-US" sz="2400"/>
+                <a:t>の探索フェーズ</a:t>
+              </a:r>
+              <a:endParaRPr lang="en-US" altLang="ja-JP" sz="2400" dirty="0"/>
+            </a:p>
+            <a:p>
+              <a:pPr marL="1257300" lvl="2" indent="-342900">
+                <a:lnSpc>
+                  <a:spcPct val="150000"/>
+                </a:lnSpc>
+                <a:buFont typeface="Wingdings" pitchFamily="2" charset="2"/>
+                <a:buChar char="Ø"/>
+              </a:pPr>
+              <a:r>
+                <a:rPr kumimoji="1" lang="ja-JP" altLang="en-US" sz="2400"/>
+                <a:t>従来</a:t>
+              </a:r>
+              <a:r>
+                <a:rPr kumimoji="1" lang="en-US" altLang="ja-JP" sz="2400" dirty="0"/>
+                <a:t>: </a:t>
+              </a:r>
+              <a:r>
+                <a:rPr kumimoji="1" lang="ja-JP" altLang="en-US" sz="2400"/>
+                <a:t>適応度評価エポック数は</a:t>
+              </a:r>
+              <a:r>
+                <a:rPr kumimoji="1" lang="en-US" altLang="ja-JP" sz="2400" dirty="0"/>
+                <a:t> 1</a:t>
+              </a:r>
+            </a:p>
+          </p:txBody>
+        </p:sp>
+        <p:grpSp>
+          <p:nvGrpSpPr>
+            <p:cNvPr id="8" name="グループ化 7">
+              <a:extLst>
+                <a:ext uri="{FF2B5EF4-FFF2-40B4-BE49-F238E27FC236}">
+                  <a16:creationId xmlns:a16="http://schemas.microsoft.com/office/drawing/2014/main" id="{E10EB885-B0A6-EB9E-320D-E864B720C16C}"/>
+                </a:ext>
+              </a:extLst>
+            </p:cNvPr>
+            <p:cNvGrpSpPr/>
+            <p:nvPr/>
+          </p:nvGrpSpPr>
+          <p:grpSpPr>
+            <a:xfrm>
+              <a:off x="302756" y="3050501"/>
+              <a:ext cx="6955750" cy="1615809"/>
+              <a:chOff x="302756" y="3050501"/>
+              <a:chExt cx="6955750" cy="1615809"/>
+            </a:xfrm>
+          </p:grpSpPr>
+          <p:sp>
+            <p:nvSpPr>
+              <p:cNvPr id="6" name="下矢印 5">
+                <a:extLst>
+                  <a:ext uri="{FF2B5EF4-FFF2-40B4-BE49-F238E27FC236}">
+                    <a16:creationId xmlns:a16="http://schemas.microsoft.com/office/drawing/2014/main" id="{641D2C59-30AC-2F7B-EB61-C4D45AA61F8A}"/>
+                  </a:ext>
+                </a:extLst>
+              </p:cNvPr>
+              <p:cNvSpPr/>
+              <p:nvPr/>
+            </p:nvSpPr>
+            <p:spPr>
+              <a:xfrm>
+                <a:off x="3199698" y="3050501"/>
+                <a:ext cx="1161866" cy="760372"/>
+              </a:xfrm>
+              <a:prstGeom prst="downArrow">
+                <a:avLst/>
+              </a:prstGeom>
+              <a:solidFill>
+                <a:schemeClr val="bg1"/>
+              </a:solidFill>
+              <a:ln>
+                <a:solidFill>
+                  <a:schemeClr val="tx1"/>
+                </a:solidFill>
+              </a:ln>
+            </p:spPr>
+            <p:style>
+              <a:lnRef idx="2">
+                <a:schemeClr val="accent1">
+                  <a:shade val="50000"/>
+                </a:schemeClr>
+              </a:lnRef>
+              <a:fillRef idx="1">
+                <a:schemeClr val="accent1"/>
+              </a:fillRef>
+              <a:effectRef idx="0">
+                <a:schemeClr val="accent1"/>
+              </a:effectRef>
+              <a:fontRef idx="minor">
+                <a:schemeClr val="lt1"/>
+              </a:fontRef>
+            </p:style>
+            <p:txBody>
+              <a:bodyPr rtlCol="0" anchor="ctr"/>
+              <a:lstStyle/>
+              <a:p>
+                <a:pPr algn="ctr"/>
+                <a:endParaRPr kumimoji="1" lang="ja-JP" altLang="en-US"/>
+              </a:p>
+            </p:txBody>
+          </p:sp>
+          <p:sp>
+            <p:nvSpPr>
+              <p:cNvPr id="7" name="テキスト ボックス 6">
+                <a:extLst>
+                  <a:ext uri="{FF2B5EF4-FFF2-40B4-BE49-F238E27FC236}">
+                    <a16:creationId xmlns:a16="http://schemas.microsoft.com/office/drawing/2014/main" id="{66E60276-A68F-1DA5-0667-D1BAF2B75ABA}"/>
+                  </a:ext>
+                </a:extLst>
+              </p:cNvPr>
+              <p:cNvSpPr txBox="1"/>
+              <p:nvPr/>
+            </p:nvSpPr>
+            <p:spPr>
+              <a:xfrm>
+                <a:off x="302756" y="4204645"/>
+                <a:ext cx="6955750" cy="461665"/>
+              </a:xfrm>
+              <a:prstGeom prst="rect">
+                <a:avLst/>
+              </a:prstGeom>
+              <a:noFill/>
+            </p:spPr>
+            <p:txBody>
+              <a:bodyPr wrap="none" rtlCol="0">
+                <a:spAutoFit/>
+              </a:bodyPr>
+              <a:lstStyle/>
+              <a:p>
+                <a:r>
+                  <a:rPr kumimoji="1" lang="ja-JP" altLang="en-US" sz="2400"/>
+                  <a:t>より良い個体が得られる適応度の</a:t>
+                </a:r>
+                <a:r>
+                  <a:rPr lang="ja-JP" altLang="en-US" sz="2400"/>
+                  <a:t>評価</a:t>
+                </a:r>
+                <a:r>
+                  <a:rPr kumimoji="1" lang="ja-JP" altLang="en-US" sz="2400"/>
+                  <a:t>方法を検討</a:t>
+                </a:r>
+              </a:p>
+            </p:txBody>
+          </p:sp>
+        </p:grpSp>
+      </p:grpSp>
+    </p:spTree>
+    <p:extLst>
+      <p:ext uri="{BB962C8B-B14F-4D97-AF65-F5344CB8AC3E}">
+        <p14:creationId xmlns:p14="http://schemas.microsoft.com/office/powerpoint/2010/main" val="1464039338"/>
+      </p:ext>
+    </p:extLst>
+  </p:cSld>
+  <p:clrMapOvr>
+    <a:masterClrMapping/>
+  </p:clrMapOvr>
+</p:sld>
+</file>
+
+<file path=ppt/slides/slide7.xml><?xml version="1.0" encoding="utf-8"?>
+<p:sld xmlns:a="http://schemas.openxmlformats.org/drawingml/2006/main" xmlns:r="http://schemas.openxmlformats.org/officeDocument/2006/relationships" xmlns:p="http://schemas.openxmlformats.org/presentationml/2006/main">
+  <p:cSld>
+    <p:spTree>
+      <p:nvGrpSpPr>
+        <p:cNvPr id="1" name=""/>
+        <p:cNvGrpSpPr/>
+        <p:nvPr/>
+      </p:nvGrpSpPr>
+      <p:grpSpPr>
+        <a:xfrm>
+          <a:off x="0" y="0"/>
+          <a:ext cx="0" cy="0"/>
+          <a:chOff x="0" y="0"/>
+          <a:chExt cx="0" cy="0"/>
+        </a:xfrm>
+      </p:grpSpPr>
+      <p:sp>
+        <p:nvSpPr>
+          <p:cNvPr id="2" name="タイトル 1">
+            <a:extLst>
+              <a:ext uri="{FF2B5EF4-FFF2-40B4-BE49-F238E27FC236}">
+                <a16:creationId xmlns:a16="http://schemas.microsoft.com/office/drawing/2014/main" id="{DA6841C3-0E6C-BFA1-5D04-4112F1117102}"/>
+              </a:ext>
+            </a:extLst>
+          </p:cNvPr>
+          <p:cNvSpPr>
+            <a:spLocks noGrp="1"/>
+          </p:cNvSpPr>
+          <p:nvPr>
+            <p:ph type="title"/>
+          </p:nvPr>
+        </p:nvSpPr>
+        <p:spPr/>
+        <p:txBody>
+          <a:bodyPr/>
+          <a:lstStyle/>
+          <a:p>
+            <a:r>
+              <a:rPr kumimoji="1" lang="ja-JP" altLang="en-US"/>
+              <a:t>目次</a:t>
+            </a:r>
+          </a:p>
+        </p:txBody>
+      </p:sp>
+      <p:sp>
+        <p:nvSpPr>
+          <p:cNvPr id="4" name="スライド番号プレースホルダー 3">
+            <a:extLst>
+              <a:ext uri="{FF2B5EF4-FFF2-40B4-BE49-F238E27FC236}">
+                <a16:creationId xmlns:a16="http://schemas.microsoft.com/office/drawing/2014/main" id="{20D20625-8135-BA1D-11A0-E3466265CE7C}"/>
+              </a:ext>
+            </a:extLst>
+          </p:cNvPr>
+          <p:cNvSpPr>
+            <a:spLocks noGrp="1"/>
+          </p:cNvSpPr>
+          <p:nvPr>
+            <p:ph type="sldNum" sz="quarter" idx="12"/>
+          </p:nvPr>
+        </p:nvSpPr>
+        <p:spPr/>
+        <p:txBody>
+          <a:bodyPr/>
+          <a:lstStyle/>
+          <a:p>
+            <a:pPr lvl="0"/>
+            <a:fld id="{004900ED-2EFD-2142-93A1-1CBA90FDE07B}" type="slidenum">
+              <a:rPr lang="en-US" altLang="ja-JP" smtClean="0"/>
+              <a:t>7</a:t>
+            </a:fld>
+            <a:endParaRPr lang="ja-JP" altLang="en-US"/>
+          </a:p>
+        </p:txBody>
+      </p:sp>
+      <p:sp>
+        <p:nvSpPr>
+          <p:cNvPr id="3" name="テキスト ボックス 2">
+            <a:extLst>
+              <a:ext uri="{FF2B5EF4-FFF2-40B4-BE49-F238E27FC236}">
+                <a16:creationId xmlns:a16="http://schemas.microsoft.com/office/drawing/2014/main" id="{CFCE3529-0348-FAC9-4C81-ACEA9BA72623}"/>
+              </a:ext>
+            </a:extLst>
+          </p:cNvPr>
+          <p:cNvSpPr txBox="1"/>
+          <p:nvPr/>
+        </p:nvSpPr>
+        <p:spPr>
+          <a:xfrm>
+            <a:off x="519837" y="1411535"/>
+            <a:ext cx="3877985" cy="3425168"/>
+          </a:xfrm>
+          <a:prstGeom prst="rect">
+            <a:avLst/>
+          </a:prstGeom>
+          <a:noFill/>
+        </p:spPr>
+        <p:txBody>
+          <a:bodyPr wrap="none" rtlCol="0">
+            <a:spAutoFit/>
+          </a:bodyPr>
+          <a:lstStyle/>
+          <a:p>
+            <a:pPr marL="457200" indent="-457200">
+              <a:lnSpc>
+                <a:spcPct val="200000"/>
+              </a:lnSpc>
+              <a:buFont typeface="Wingdings" pitchFamily="2" charset="2"/>
+              <a:buChar char="Ø"/>
+            </a:pPr>
+            <a:r>
+              <a:rPr lang="ja-JP" altLang="en-US" sz="2800">
+                <a:solidFill>
+                  <a:schemeClr val="bg2">
+                    <a:lumMod val="90000"/>
+                  </a:schemeClr>
+                </a:solidFill>
+              </a:rPr>
+              <a:t>はじめに</a:t>
+            </a:r>
+            <a:endParaRPr lang="en-US" altLang="ja-JP" sz="2800" dirty="0">
+              <a:solidFill>
+                <a:schemeClr val="bg2">
+                  <a:lumMod val="90000"/>
+                </a:schemeClr>
+              </a:solidFill>
+            </a:endParaRPr>
+          </a:p>
+          <a:p>
+            <a:pPr marL="457200" indent="-457200">
+              <a:lnSpc>
+                <a:spcPct val="200000"/>
+              </a:lnSpc>
+              <a:buFont typeface="Wingdings" pitchFamily="2" charset="2"/>
+              <a:buChar char="Ø"/>
+            </a:pPr>
+            <a:r>
+              <a:rPr lang="ja-JP" altLang="en-US" sz="2800"/>
+              <a:t>要素技術</a:t>
+            </a:r>
+            <a:endParaRPr lang="en-US" altLang="ja-JP" sz="2800" dirty="0"/>
+          </a:p>
+          <a:p>
+            <a:pPr marL="457200" indent="-457200">
+              <a:lnSpc>
+                <a:spcPct val="200000"/>
+              </a:lnSpc>
+              <a:buFont typeface="Wingdings" pitchFamily="2" charset="2"/>
+              <a:buChar char="Ø"/>
+            </a:pPr>
+            <a:r>
+              <a:rPr lang="ja-JP" altLang="en-US" sz="2800">
+                <a:solidFill>
+                  <a:schemeClr val="bg2">
+                    <a:lumMod val="90000"/>
+                  </a:schemeClr>
+                </a:solidFill>
+              </a:rPr>
+              <a:t>実験</a:t>
+            </a:r>
+            <a:endParaRPr lang="en-US" altLang="ja-JP" sz="2800" dirty="0">
+              <a:solidFill>
+                <a:schemeClr val="bg2">
+                  <a:lumMod val="90000"/>
+                </a:schemeClr>
+              </a:solidFill>
+            </a:endParaRPr>
+          </a:p>
+          <a:p>
+            <a:pPr marL="457200" indent="-457200">
+              <a:lnSpc>
+                <a:spcPct val="200000"/>
+              </a:lnSpc>
+              <a:buFont typeface="Wingdings" pitchFamily="2" charset="2"/>
+              <a:buChar char="Ø"/>
+            </a:pPr>
+            <a:r>
+              <a:rPr lang="ja-JP" altLang="en-US" sz="2800">
+                <a:solidFill>
+                  <a:schemeClr val="bg2">
+                    <a:lumMod val="90000"/>
+                  </a:schemeClr>
+                </a:solidFill>
+              </a:rPr>
+              <a:t>まとめと今後の課題</a:t>
+            </a:r>
+          </a:p>
+        </p:txBody>
+      </p:sp>
+    </p:spTree>
+    <p:extLst>
+      <p:ext uri="{BB962C8B-B14F-4D97-AF65-F5344CB8AC3E}">
+        <p14:creationId xmlns:p14="http://schemas.microsoft.com/office/powerpoint/2010/main" val="1017053572"/>
+      </p:ext>
+    </p:extLst>
+  </p:cSld>
+  <p:clrMapOvr>
+    <a:masterClrMapping/>
+  </p:clrMapOvr>
+</p:sld>
+</file>
+
+<file path=ppt/slides/slide8.xml><?xml version="1.0" encoding="utf-8"?>
+<p:sld xmlns:a="http://schemas.openxmlformats.org/drawingml/2006/main" xmlns:r="http://schemas.openxmlformats.org/officeDocument/2006/relationships" xmlns:p="http://schemas.openxmlformats.org/presentationml/2006/main">
+  <p:cSld>
+    <p:spTree>
+      <p:nvGrpSpPr>
+        <p:cNvPr id="1" name=""/>
+        <p:cNvGrpSpPr/>
+        <p:nvPr/>
+      </p:nvGrpSpPr>
+      <p:grpSpPr>
+        <a:xfrm>
+          <a:off x="0" y="0"/>
+          <a:ext cx="0" cy="0"/>
+          <a:chOff x="0" y="0"/>
+          <a:chExt cx="0" cy="0"/>
+        </a:xfrm>
+      </p:grpSpPr>
+      <p:sp>
+        <p:nvSpPr>
+          <p:cNvPr id="2" name="タイトル 1">
+            <a:extLst>
+              <a:ext uri="{FF2B5EF4-FFF2-40B4-BE49-F238E27FC236}">
                 <a16:creationId xmlns:a16="http://schemas.microsoft.com/office/drawing/2014/main" id="{551A4D2F-E3BC-D469-EA93-548744271DA7}"/>
               </a:ext>
             </a:extLst>
@@ -19437,7 +21564,7 @@
             <a:pPr lvl="0"/>
             <a:fld id="{004900ED-2EFD-2142-93A1-1CBA90FDE07B}" type="slidenum">
               <a:rPr lang="en-US" altLang="ja-JP" smtClean="0"/>
-              <a:t>32</a:t>
+              <a:t>8</a:t>
             </a:fld>
             <a:endParaRPr lang="ja-JP" altLang="en-US"/>
           </a:p>
@@ -19499,7 +21626,7 @@
                 <a:latin typeface="Times New Roman" panose="02020603050405020304" pitchFamily="18" charset="0"/>
                 <a:cs typeface="Times New Roman" panose="02020603050405020304" pitchFamily="18" charset="0"/>
               </a:rPr>
-              <a:t>画像認識分野で広く利用</a:t>
+              <a:t>画像認識分野で特に顕著な成功</a:t>
             </a:r>
             <a:endParaRPr lang="en-US" altLang="ja-JP" sz="2400" dirty="0">
               <a:latin typeface="Times New Roman" panose="02020603050405020304" pitchFamily="18" charset="0"/>
@@ -19807,7 +21934,7 @@
             <p:nvPr/>
           </p:nvPicPr>
           <p:blipFill>
-            <a:blip r:embed="rId2"/>
+            <a:blip r:embed="rId3"/>
             <a:stretch>
               <a:fillRect/>
             </a:stretch>
@@ -19826,1647 +21953,7 @@
     </p:spTree>
     <p:extLst>
       <p:ext uri="{BB962C8B-B14F-4D97-AF65-F5344CB8AC3E}">
-        <p14:creationId xmlns:p14="http://schemas.microsoft.com/office/powerpoint/2010/main" val="2771531621"/>
-      </p:ext>
-    </p:extLst>
-  </p:cSld>
-  <p:clrMapOvr>
-    <a:masterClrMapping/>
-  </p:clrMapOvr>
-</p:sld>
-</file>
-
-<file path=ppt/slides/slide33.xml><?xml version="1.0" encoding="utf-8"?>
-<p:sld xmlns:a="http://schemas.openxmlformats.org/drawingml/2006/main" xmlns:r="http://schemas.openxmlformats.org/officeDocument/2006/relationships" xmlns:p="http://schemas.openxmlformats.org/presentationml/2006/main">
-  <p:cSld>
-    <p:spTree>
-      <p:nvGrpSpPr>
-        <p:cNvPr id="1" name=""/>
-        <p:cNvGrpSpPr/>
-        <p:nvPr/>
-      </p:nvGrpSpPr>
-      <p:grpSpPr>
-        <a:xfrm>
-          <a:off x="0" y="0"/>
-          <a:ext cx="0" cy="0"/>
-          <a:chOff x="0" y="0"/>
-          <a:chExt cx="0" cy="0"/>
-        </a:xfrm>
-      </p:grpSpPr>
-      <p:sp>
-        <p:nvSpPr>
-          <p:cNvPr id="2" name="タイトル 1">
-            <a:extLst>
-              <a:ext uri="{FF2B5EF4-FFF2-40B4-BE49-F238E27FC236}">
-                <a16:creationId xmlns:a16="http://schemas.microsoft.com/office/drawing/2014/main" id="{C90BB530-5AC9-C1CB-F08E-50496361C5DB}"/>
-              </a:ext>
-            </a:extLst>
-          </p:cNvPr>
-          <p:cNvSpPr>
-            <a:spLocks noGrp="1"/>
-          </p:cNvSpPr>
-          <p:nvPr>
-            <p:ph type="title"/>
-          </p:nvPr>
-        </p:nvSpPr>
-        <p:spPr/>
-        <p:txBody>
-          <a:bodyPr/>
-          <a:lstStyle/>
-          <a:p>
-            <a:r>
-              <a:rPr lang="en-US" altLang="ja-JP" dirty="0" err="1"/>
-              <a:t>t</a:t>
-            </a:r>
-            <a:r>
-              <a:rPr kumimoji="1" lang="en-US" altLang="ja-JP" dirty="0" err="1"/>
-              <a:t>dga</a:t>
-            </a:r>
-            <a:r>
-              <a:rPr lang="en-US" altLang="ja-JP" dirty="0" err="1"/>
-              <a:t>CNN</a:t>
-            </a:r>
-            <a:r>
-              <a:rPr lang="en-US" altLang="ja-JP" dirty="0"/>
-              <a:t> </a:t>
-            </a:r>
-            <a:r>
-              <a:rPr lang="ja-JP" altLang="en-US"/>
-              <a:t>の流れ</a:t>
-            </a:r>
-            <a:endParaRPr kumimoji="1" lang="ja-JP" altLang="en-US"/>
-          </a:p>
-        </p:txBody>
-      </p:sp>
-      <p:sp>
-        <p:nvSpPr>
-          <p:cNvPr id="3" name="スライド番号プレースホルダー 2">
-            <a:extLst>
-              <a:ext uri="{FF2B5EF4-FFF2-40B4-BE49-F238E27FC236}">
-                <a16:creationId xmlns:a16="http://schemas.microsoft.com/office/drawing/2014/main" id="{D4B14B84-3C24-2D1B-3DC6-AC568B15C965}"/>
-              </a:ext>
-            </a:extLst>
-          </p:cNvPr>
-          <p:cNvSpPr>
-            <a:spLocks noGrp="1"/>
-          </p:cNvSpPr>
-          <p:nvPr>
-            <p:ph type="sldNum" sz="quarter" idx="12"/>
-          </p:nvPr>
-        </p:nvSpPr>
-        <p:spPr/>
-        <p:txBody>
-          <a:bodyPr/>
-          <a:lstStyle/>
-          <a:p>
-            <a:pPr lvl="0"/>
-            <a:fld id="{004900ED-2EFD-2142-93A1-1CBA90FDE07B}" type="slidenum">
-              <a:rPr lang="en-US" altLang="ja-JP" smtClean="0"/>
-              <a:t>33</a:t>
-            </a:fld>
-            <a:endParaRPr lang="ja-JP" altLang="en-US"/>
-          </a:p>
-        </p:txBody>
-      </p:sp>
-      <p:sp>
-        <p:nvSpPr>
-          <p:cNvPr id="4" name="テキスト ボックス 3">
-            <a:extLst>
-              <a:ext uri="{FF2B5EF4-FFF2-40B4-BE49-F238E27FC236}">
-                <a16:creationId xmlns:a16="http://schemas.microsoft.com/office/drawing/2014/main" id="{F597D62F-5B0E-F5A1-F4AB-B4D8182F2BB8}"/>
-              </a:ext>
-            </a:extLst>
-          </p:cNvPr>
-          <p:cNvSpPr txBox="1"/>
-          <p:nvPr/>
-        </p:nvSpPr>
-        <p:spPr>
-          <a:xfrm>
-            <a:off x="437408" y="1904850"/>
-            <a:ext cx="6857968" cy="2308324"/>
-          </a:xfrm>
-          <a:prstGeom prst="rect">
-            <a:avLst/>
-          </a:prstGeom>
-          <a:noFill/>
-        </p:spPr>
-        <p:txBody>
-          <a:bodyPr wrap="none" rtlCol="0">
-            <a:spAutoFit/>
-          </a:bodyPr>
-          <a:lstStyle/>
-          <a:p>
-            <a:pPr marL="342900" indent="-342900">
-              <a:buFont typeface="+mj-lt"/>
-              <a:buAutoNum type="arabicPeriod"/>
-            </a:pPr>
-            <a:r>
-              <a:rPr kumimoji="1" lang="ja-JP" altLang="en-US" sz="2400"/>
-              <a:t>初期母集団を生成</a:t>
-            </a:r>
-            <a:endParaRPr kumimoji="1" lang="en-US" altLang="ja-JP" sz="2400" dirty="0"/>
-          </a:p>
-          <a:p>
-            <a:pPr marL="342900" indent="-342900">
-              <a:buFont typeface="+mj-lt"/>
-              <a:buAutoNum type="arabicPeriod"/>
-            </a:pPr>
-            <a:r>
-              <a:rPr lang="ja-JP" altLang="en-US" sz="2400"/>
-              <a:t>母集団の個体の適応度を評価</a:t>
-            </a:r>
-            <a:endParaRPr lang="en-US" altLang="ja-JP" sz="2400" dirty="0"/>
-          </a:p>
-          <a:p>
-            <a:pPr marL="342900" indent="-342900">
-              <a:buFont typeface="+mj-lt"/>
-              <a:buAutoNum type="arabicPeriod"/>
-            </a:pPr>
-            <a:r>
-              <a:rPr kumimoji="1" lang="ja-JP" altLang="en-US" sz="2400"/>
-              <a:t>選択，交叉，突然変異による次世代の母集団</a:t>
-            </a:r>
-            <a:br>
-              <a:rPr kumimoji="1" lang="en-US" altLang="ja-JP" sz="2400" dirty="0"/>
-            </a:br>
-            <a:r>
-              <a:rPr kumimoji="1" lang="ja-JP" altLang="en-US" sz="2400"/>
-              <a:t>の生成</a:t>
-            </a:r>
-            <a:endParaRPr kumimoji="1" lang="en-US" altLang="ja-JP" sz="2400" dirty="0"/>
-          </a:p>
-          <a:p>
-            <a:pPr marL="342900" indent="-342900">
-              <a:buFont typeface="+mj-lt"/>
-              <a:buAutoNum type="arabicPeriod"/>
-            </a:pPr>
-            <a:r>
-              <a:rPr lang="en-US" altLang="ja-JP" sz="2400" dirty="0"/>
-              <a:t>2 ~ 3 </a:t>
-            </a:r>
-            <a:r>
-              <a:rPr lang="ja-JP" altLang="en-US" sz="2400"/>
-              <a:t>を世代回数だけ反復</a:t>
-            </a:r>
-            <a:endParaRPr lang="en-US" altLang="ja-JP" sz="2400" dirty="0"/>
-          </a:p>
-          <a:p>
-            <a:pPr marL="342900" indent="-342900">
-              <a:buFont typeface="+mj-lt"/>
-              <a:buAutoNum type="arabicPeriod"/>
-            </a:pPr>
-            <a:r>
-              <a:rPr kumimoji="1" lang="ja-JP" altLang="en-US" sz="2400"/>
-              <a:t>最終世代で最も適応度が高い個体を本学習</a:t>
-            </a:r>
-            <a:endParaRPr kumimoji="1" lang="en-US" altLang="ja-JP" sz="2400" dirty="0"/>
-          </a:p>
-        </p:txBody>
-      </p:sp>
-    </p:spTree>
-    <p:extLst>
-      <p:ext uri="{BB962C8B-B14F-4D97-AF65-F5344CB8AC3E}">
-        <p14:creationId xmlns:p14="http://schemas.microsoft.com/office/powerpoint/2010/main" val="3426627500"/>
-      </p:ext>
-    </p:extLst>
-  </p:cSld>
-  <p:clrMapOvr>
-    <a:masterClrMapping/>
-  </p:clrMapOvr>
-</p:sld>
-</file>
-
-<file path=ppt/slides/slide34.xml><?xml version="1.0" encoding="utf-8"?>
-<p:sld xmlns:a="http://schemas.openxmlformats.org/drawingml/2006/main" xmlns:r="http://schemas.openxmlformats.org/officeDocument/2006/relationships" xmlns:p="http://schemas.openxmlformats.org/presentationml/2006/main">
-  <p:cSld>
-    <p:spTree>
-      <p:nvGrpSpPr>
-        <p:cNvPr id="1" name=""/>
-        <p:cNvGrpSpPr/>
-        <p:nvPr/>
-      </p:nvGrpSpPr>
-      <p:grpSpPr>
-        <a:xfrm>
-          <a:off x="0" y="0"/>
-          <a:ext cx="0" cy="0"/>
-          <a:chOff x="0" y="0"/>
-          <a:chExt cx="0" cy="0"/>
-        </a:xfrm>
-      </p:grpSpPr>
-      <p:sp>
-        <p:nvSpPr>
-          <p:cNvPr id="2" name="タイトル 1">
-            <a:extLst>
-              <a:ext uri="{FF2B5EF4-FFF2-40B4-BE49-F238E27FC236}">
-                <a16:creationId xmlns:a16="http://schemas.microsoft.com/office/drawing/2014/main" id="{D159CF40-CD8C-21A6-0A3D-8CF370B562A6}"/>
-              </a:ext>
-            </a:extLst>
-          </p:cNvPr>
-          <p:cNvSpPr>
-            <a:spLocks noGrp="1"/>
-          </p:cNvSpPr>
-          <p:nvPr>
-            <p:ph type="title"/>
-          </p:nvPr>
-        </p:nvSpPr>
-        <p:spPr>
-          <a:xfrm>
-            <a:off x="519836" y="166047"/>
-            <a:ext cx="6521589" cy="1096044"/>
-          </a:xfrm>
-        </p:spPr>
-        <p:txBody>
-          <a:bodyPr/>
-          <a:lstStyle/>
-          <a:p>
-            <a:r>
-              <a:rPr kumimoji="1" lang="ja-JP" altLang="en-US"/>
-              <a:t>実験</a:t>
-            </a:r>
-            <a:r>
-              <a:rPr kumimoji="1" lang="en-US" altLang="ja-JP" dirty="0"/>
-              <a:t> </a:t>
-            </a:r>
-            <a:r>
-              <a:rPr lang="en-US" altLang="ja-JP" dirty="0"/>
-              <a:t>2 ––– </a:t>
-            </a:r>
-            <a:r>
-              <a:rPr lang="ja-JP" altLang="en-US"/>
-              <a:t>適応度の推移</a:t>
-            </a:r>
-            <a:endParaRPr kumimoji="1" lang="ja-JP" altLang="en-US"/>
-          </a:p>
-        </p:txBody>
-      </p:sp>
-      <p:sp>
-        <p:nvSpPr>
-          <p:cNvPr id="3" name="スライド番号プレースホルダー 2">
-            <a:extLst>
-              <a:ext uri="{FF2B5EF4-FFF2-40B4-BE49-F238E27FC236}">
-                <a16:creationId xmlns:a16="http://schemas.microsoft.com/office/drawing/2014/main" id="{37968868-915E-15E5-AB4E-1366F32A281D}"/>
-              </a:ext>
-            </a:extLst>
-          </p:cNvPr>
-          <p:cNvSpPr>
-            <a:spLocks noGrp="1"/>
-          </p:cNvSpPr>
-          <p:nvPr>
-            <p:ph type="sldNum" sz="quarter" idx="12"/>
-          </p:nvPr>
-        </p:nvSpPr>
-        <p:spPr/>
-        <p:txBody>
-          <a:bodyPr/>
-          <a:lstStyle/>
-          <a:p>
-            <a:pPr lvl="0"/>
-            <a:fld id="{004900ED-2EFD-2142-93A1-1CBA90FDE07B}" type="slidenum">
-              <a:rPr lang="en-US" altLang="ja-JP" smtClean="0"/>
-              <a:t>34</a:t>
-            </a:fld>
-            <a:endParaRPr lang="ja-JP" altLang="en-US"/>
-          </a:p>
-        </p:txBody>
-      </p:sp>
-      <p:grpSp>
-        <p:nvGrpSpPr>
-          <p:cNvPr id="13" name="グループ化 12">
-            <a:extLst>
-              <a:ext uri="{FF2B5EF4-FFF2-40B4-BE49-F238E27FC236}">
-                <a16:creationId xmlns:a16="http://schemas.microsoft.com/office/drawing/2014/main" id="{84114E7E-ED35-82C3-DC5B-3408B17E5F4D}"/>
-              </a:ext>
-            </a:extLst>
-          </p:cNvPr>
-          <p:cNvGrpSpPr/>
-          <p:nvPr/>
-        </p:nvGrpSpPr>
-        <p:grpSpPr>
-          <a:xfrm>
-            <a:off x="120649" y="1727198"/>
-            <a:ext cx="7380849" cy="3363730"/>
-            <a:chOff x="120649" y="1727198"/>
-            <a:chExt cx="7380849" cy="3363730"/>
-          </a:xfrm>
-        </p:grpSpPr>
-        <p:pic>
-          <p:nvPicPr>
-            <p:cNvPr id="7" name="図 6" descr="グラフ, 折れ線グラフ&#10;&#10;自動的に生成された説明">
-              <a:extLst>
-                <a:ext uri="{FF2B5EF4-FFF2-40B4-BE49-F238E27FC236}">
-                  <a16:creationId xmlns:a16="http://schemas.microsoft.com/office/drawing/2014/main" id="{6B9C6E3A-C2DD-3B77-364C-B77093576CAC}"/>
-                </a:ext>
-              </a:extLst>
-            </p:cNvPr>
-            <p:cNvPicPr>
-              <a:picLocks noChangeAspect="1"/>
-            </p:cNvPicPr>
-            <p:nvPr/>
-          </p:nvPicPr>
-          <p:blipFill rotWithShape="1">
-            <a:blip r:embed="rId2"/>
-            <a:srcRect l="6351" t="11058" r="8995" b="2041"/>
-            <a:stretch/>
-          </p:blipFill>
-          <p:spPr>
-            <a:xfrm>
-              <a:off x="3866493" y="1727198"/>
-              <a:ext cx="3635005" cy="2798619"/>
-            </a:xfrm>
-            <a:prstGeom prst="rect">
-              <a:avLst/>
-            </a:prstGeom>
-          </p:spPr>
-        </p:pic>
-        <p:pic>
-          <p:nvPicPr>
-            <p:cNvPr id="10" name="図 9" descr="グラフ, 折れ線グラフ&#10;&#10;自動的に生成された説明">
-              <a:extLst>
-                <a:ext uri="{FF2B5EF4-FFF2-40B4-BE49-F238E27FC236}">
-                  <a16:creationId xmlns:a16="http://schemas.microsoft.com/office/drawing/2014/main" id="{9B2BDBF4-BEF1-B08E-25B7-A30453A4EB7A}"/>
-                </a:ext>
-              </a:extLst>
-            </p:cNvPr>
-            <p:cNvPicPr>
-              <a:picLocks noChangeAspect="1"/>
-            </p:cNvPicPr>
-            <p:nvPr/>
-          </p:nvPicPr>
-          <p:blipFill rotWithShape="1">
-            <a:blip r:embed="rId3"/>
-            <a:srcRect l="3785" t="11557" r="9252" b="1812"/>
-            <a:stretch/>
-          </p:blipFill>
-          <p:spPr>
-            <a:xfrm>
-              <a:off x="120649" y="1727199"/>
-              <a:ext cx="3745844" cy="2798619"/>
-            </a:xfrm>
-            <a:prstGeom prst="rect">
-              <a:avLst/>
-            </a:prstGeom>
-          </p:spPr>
-        </p:pic>
-        <p:sp>
-          <p:nvSpPr>
-            <p:cNvPr id="11" name="テキスト ボックス 10">
-              <a:extLst>
-                <a:ext uri="{FF2B5EF4-FFF2-40B4-BE49-F238E27FC236}">
-                  <a16:creationId xmlns:a16="http://schemas.microsoft.com/office/drawing/2014/main" id="{39F5E587-3EF9-3818-BF6E-CAD92A72DBE9}"/>
-                </a:ext>
-              </a:extLst>
-            </p:cNvPr>
-            <p:cNvSpPr txBox="1"/>
-            <p:nvPr/>
-          </p:nvSpPr>
-          <p:spPr>
-            <a:xfrm>
-              <a:off x="518198" y="4690818"/>
-              <a:ext cx="3262432" cy="400110"/>
-            </a:xfrm>
-            <a:prstGeom prst="rect">
-              <a:avLst/>
-            </a:prstGeom>
-            <a:noFill/>
-          </p:spPr>
-          <p:txBody>
-            <a:bodyPr wrap="none" rtlCol="0">
-              <a:spAutoFit/>
-            </a:bodyPr>
-            <a:lstStyle/>
-            <a:p>
-              <a:r>
-                <a:rPr kumimoji="1" lang="ja-JP" altLang="en-US" sz="2000"/>
-                <a:t>エポック数を増加させた時</a:t>
-              </a:r>
-            </a:p>
-          </p:txBody>
-        </p:sp>
-        <p:sp>
-          <p:nvSpPr>
-            <p:cNvPr id="12" name="テキスト ボックス 11">
-              <a:extLst>
-                <a:ext uri="{FF2B5EF4-FFF2-40B4-BE49-F238E27FC236}">
-                  <a16:creationId xmlns:a16="http://schemas.microsoft.com/office/drawing/2014/main" id="{B6750C3E-2C2F-B465-7CC3-E1D2A21E4317}"/>
-                </a:ext>
-              </a:extLst>
-            </p:cNvPr>
-            <p:cNvSpPr txBox="1"/>
-            <p:nvPr/>
-          </p:nvSpPr>
-          <p:spPr>
-            <a:xfrm>
-              <a:off x="4168998" y="4690818"/>
-              <a:ext cx="3262432" cy="400110"/>
-            </a:xfrm>
-            <a:prstGeom prst="rect">
-              <a:avLst/>
-            </a:prstGeom>
-            <a:noFill/>
-          </p:spPr>
-          <p:txBody>
-            <a:bodyPr wrap="none" rtlCol="0">
-              <a:spAutoFit/>
-            </a:bodyPr>
-            <a:lstStyle/>
-            <a:p>
-              <a:r>
-                <a:rPr kumimoji="1" lang="ja-JP" altLang="en-US" sz="2000"/>
-                <a:t>エポック数を減少させた時</a:t>
-              </a:r>
-            </a:p>
-          </p:txBody>
-        </p:sp>
-      </p:grpSp>
-    </p:spTree>
-    <p:extLst>
-      <p:ext uri="{BB962C8B-B14F-4D97-AF65-F5344CB8AC3E}">
-        <p14:creationId xmlns:p14="http://schemas.microsoft.com/office/powerpoint/2010/main" val="611415597"/>
-      </p:ext>
-    </p:extLst>
-  </p:cSld>
-  <p:clrMapOvr>
-    <a:masterClrMapping/>
-  </p:clrMapOvr>
-</p:sld>
-</file>
-
-<file path=ppt/slides/slide4.xml><?xml version="1.0" encoding="utf-8"?>
-<p:sld xmlns:a="http://schemas.openxmlformats.org/drawingml/2006/main" xmlns:r="http://schemas.openxmlformats.org/officeDocument/2006/relationships" xmlns:p="http://schemas.openxmlformats.org/presentationml/2006/main">
-  <p:cSld>
-    <p:spTree>
-      <p:nvGrpSpPr>
-        <p:cNvPr id="1" name=""/>
-        <p:cNvGrpSpPr/>
-        <p:nvPr/>
-      </p:nvGrpSpPr>
-      <p:grpSpPr>
-        <a:xfrm>
-          <a:off x="0" y="0"/>
-          <a:ext cx="0" cy="0"/>
-          <a:chOff x="0" y="0"/>
-          <a:chExt cx="0" cy="0"/>
-        </a:xfrm>
-      </p:grpSpPr>
-      <p:sp>
-        <p:nvSpPr>
-          <p:cNvPr id="2" name="タイトル 1">
-            <a:extLst>
-              <a:ext uri="{FF2B5EF4-FFF2-40B4-BE49-F238E27FC236}">
-                <a16:creationId xmlns:a16="http://schemas.microsoft.com/office/drawing/2014/main" id="{E71B4E71-095F-F17F-6D83-0805695A2254}"/>
-              </a:ext>
-            </a:extLst>
-          </p:cNvPr>
-          <p:cNvSpPr>
-            <a:spLocks noGrp="1"/>
-          </p:cNvSpPr>
-          <p:nvPr>
-            <p:ph type="title"/>
-          </p:nvPr>
-        </p:nvSpPr>
-        <p:spPr/>
-        <p:txBody>
-          <a:bodyPr/>
-          <a:lstStyle/>
-          <a:p>
-            <a:r>
-              <a:rPr kumimoji="1" lang="ja-JP" altLang="en-US"/>
-              <a:t>はじめに</a:t>
-            </a:r>
-          </a:p>
-        </p:txBody>
-      </p:sp>
-      <p:sp>
-        <p:nvSpPr>
-          <p:cNvPr id="3" name="スライド番号プレースホルダー 2">
-            <a:extLst>
-              <a:ext uri="{FF2B5EF4-FFF2-40B4-BE49-F238E27FC236}">
-                <a16:creationId xmlns:a16="http://schemas.microsoft.com/office/drawing/2014/main" id="{F5E302DC-5737-F25A-5C7A-5AAE4F212E41}"/>
-              </a:ext>
-            </a:extLst>
-          </p:cNvPr>
-          <p:cNvSpPr>
-            <a:spLocks noGrp="1"/>
-          </p:cNvSpPr>
-          <p:nvPr>
-            <p:ph type="sldNum" sz="quarter" idx="12"/>
-          </p:nvPr>
-        </p:nvSpPr>
-        <p:spPr/>
-        <p:txBody>
-          <a:bodyPr/>
-          <a:lstStyle/>
-          <a:p>
-            <a:pPr lvl="0"/>
-            <a:fld id="{004900ED-2EFD-2142-93A1-1CBA90FDE07B}" type="slidenum">
-              <a:rPr lang="en-US" altLang="ja-JP" smtClean="0"/>
-              <a:t>4</a:t>
-            </a:fld>
-            <a:endParaRPr lang="ja-JP" altLang="en-US"/>
-          </a:p>
-        </p:txBody>
-      </p:sp>
-      <p:sp>
-        <p:nvSpPr>
-          <p:cNvPr id="4" name="テキスト ボックス 3">
-            <a:extLst>
-              <a:ext uri="{FF2B5EF4-FFF2-40B4-BE49-F238E27FC236}">
-                <a16:creationId xmlns:a16="http://schemas.microsoft.com/office/drawing/2014/main" id="{EDCD9C4E-048F-3F85-CAD2-749A02AA4CBA}"/>
-              </a:ext>
-            </a:extLst>
-          </p:cNvPr>
-          <p:cNvSpPr txBox="1"/>
-          <p:nvPr/>
-        </p:nvSpPr>
-        <p:spPr>
-          <a:xfrm>
-            <a:off x="135454" y="1789378"/>
-            <a:ext cx="7290353" cy="3231654"/>
-          </a:xfrm>
-          <a:prstGeom prst="rect">
-            <a:avLst/>
-          </a:prstGeom>
-          <a:noFill/>
-        </p:spPr>
-        <p:txBody>
-          <a:bodyPr wrap="square" rtlCol="0">
-            <a:spAutoFit/>
-          </a:bodyPr>
-          <a:lstStyle/>
-          <a:p>
-            <a:pPr marL="342900" indent="-342900">
-              <a:lnSpc>
-                <a:spcPct val="150000"/>
-              </a:lnSpc>
-              <a:buFont typeface="Wingdings" pitchFamily="2" charset="2"/>
-              <a:buChar char="p"/>
-            </a:pPr>
-            <a:r>
-              <a:rPr kumimoji="1" lang="ja-JP" altLang="en-US" sz="2400"/>
-              <a:t>近年，機械学習を用いた画像識別に注目</a:t>
-            </a:r>
-            <a:endParaRPr lang="en-US" altLang="ja-JP" sz="1400" dirty="0"/>
-          </a:p>
-          <a:p>
-            <a:pPr marL="342900" indent="-342900">
-              <a:lnSpc>
-                <a:spcPct val="150000"/>
-              </a:lnSpc>
-              <a:buFont typeface="Wingdings" pitchFamily="2" charset="2"/>
-              <a:buChar char="p"/>
-            </a:pPr>
-            <a:r>
-              <a:rPr kumimoji="1" lang="ja-JP" altLang="en-US" sz="2400"/>
-              <a:t>畳み込みニューラルネットワークによる画像識別</a:t>
-            </a:r>
-            <a:br>
-              <a:rPr lang="en-US" altLang="ja-JP" sz="2400" dirty="0"/>
-            </a:br>
-            <a:r>
-              <a:rPr lang="en-US" altLang="ja-JP" sz="2400" dirty="0"/>
-              <a:t>(Convolutional Neural Network: CNN)</a:t>
-            </a:r>
-            <a:endParaRPr kumimoji="1" lang="en-US" altLang="ja-JP" sz="1400" dirty="0"/>
-          </a:p>
-          <a:p>
-            <a:pPr marL="342900" indent="-342900">
-              <a:lnSpc>
-                <a:spcPct val="150000"/>
-              </a:lnSpc>
-              <a:buFont typeface="Wingdings" pitchFamily="2" charset="2"/>
-              <a:buChar char="p"/>
-            </a:pPr>
-            <a:r>
-              <a:rPr lang="ja-JP" altLang="en-US" sz="2400"/>
-              <a:t>問題の高度化により，</a:t>
-            </a:r>
-            <a:r>
-              <a:rPr kumimoji="1" lang="en-US" altLang="ja-JP" sz="2400" dirty="0"/>
-              <a:t>CNN </a:t>
-            </a:r>
-            <a:r>
-              <a:rPr kumimoji="1" lang="ja-JP" altLang="en-US" sz="2400"/>
-              <a:t>の構造が複雑化</a:t>
-            </a:r>
-            <a:br>
-              <a:rPr kumimoji="1" lang="en-US" altLang="ja-JP" sz="2400" dirty="0"/>
-            </a:br>
-            <a:r>
-              <a:rPr kumimoji="1" lang="en-US" altLang="ja-JP" sz="2400" dirty="0"/>
-              <a:t>→ </a:t>
-            </a:r>
-            <a:r>
-              <a:rPr kumimoji="1" lang="ja-JP" altLang="en-US" sz="2400"/>
-              <a:t>人手で最適化するためには膨大な労力が必要</a:t>
-            </a:r>
-          </a:p>
-          <a:p>
-            <a:pPr marL="285750" indent="-285750">
-              <a:buFont typeface="Wingdings" pitchFamily="2" charset="2"/>
-              <a:buChar char="p"/>
-            </a:pPr>
-            <a:endParaRPr kumimoji="1" lang="ja-JP" altLang="en-US" sz="2400"/>
-          </a:p>
-        </p:txBody>
-      </p:sp>
-    </p:spTree>
-    <p:extLst>
-      <p:ext uri="{BB962C8B-B14F-4D97-AF65-F5344CB8AC3E}">
-        <p14:creationId xmlns:p14="http://schemas.microsoft.com/office/powerpoint/2010/main" val="1330161517"/>
-      </p:ext>
-    </p:extLst>
-  </p:cSld>
-  <p:clrMapOvr>
-    <a:masterClrMapping/>
-  </p:clrMapOvr>
-</p:sld>
-</file>
-
-<file path=ppt/slides/slide5.xml><?xml version="1.0" encoding="utf-8"?>
-<p:sld xmlns:a="http://schemas.openxmlformats.org/drawingml/2006/main" xmlns:r="http://schemas.openxmlformats.org/officeDocument/2006/relationships" xmlns:p="http://schemas.openxmlformats.org/presentationml/2006/main">
-  <p:cSld>
-    <p:spTree>
-      <p:nvGrpSpPr>
-        <p:cNvPr id="1" name=""/>
-        <p:cNvGrpSpPr/>
-        <p:nvPr/>
-      </p:nvGrpSpPr>
-      <p:grpSpPr>
-        <a:xfrm>
-          <a:off x="0" y="0"/>
-          <a:ext cx="0" cy="0"/>
-          <a:chOff x="0" y="0"/>
-          <a:chExt cx="0" cy="0"/>
-        </a:xfrm>
-      </p:grpSpPr>
-      <p:sp>
-        <p:nvSpPr>
-          <p:cNvPr id="2" name="タイトル 1">
-            <a:extLst>
-              <a:ext uri="{FF2B5EF4-FFF2-40B4-BE49-F238E27FC236}">
-                <a16:creationId xmlns:a16="http://schemas.microsoft.com/office/drawing/2014/main" id="{D159CF40-CD8C-21A6-0A3D-8CF370B562A6}"/>
-              </a:ext>
-            </a:extLst>
-          </p:cNvPr>
-          <p:cNvSpPr>
-            <a:spLocks noGrp="1"/>
-          </p:cNvSpPr>
-          <p:nvPr>
-            <p:ph type="title"/>
-          </p:nvPr>
-        </p:nvSpPr>
-        <p:spPr/>
-        <p:txBody>
-          <a:bodyPr/>
-          <a:lstStyle/>
-          <a:p>
-            <a:r>
-              <a:rPr kumimoji="1" lang="ja-JP" altLang="en-US"/>
-              <a:t>はじめに</a:t>
-            </a:r>
-          </a:p>
-        </p:txBody>
-      </p:sp>
-      <p:sp>
-        <p:nvSpPr>
-          <p:cNvPr id="3" name="スライド番号プレースホルダー 2">
-            <a:extLst>
-              <a:ext uri="{FF2B5EF4-FFF2-40B4-BE49-F238E27FC236}">
-                <a16:creationId xmlns:a16="http://schemas.microsoft.com/office/drawing/2014/main" id="{37968868-915E-15E5-AB4E-1366F32A281D}"/>
-              </a:ext>
-            </a:extLst>
-          </p:cNvPr>
-          <p:cNvSpPr>
-            <a:spLocks noGrp="1"/>
-          </p:cNvSpPr>
-          <p:nvPr>
-            <p:ph type="sldNum" sz="quarter" idx="12"/>
-          </p:nvPr>
-        </p:nvSpPr>
-        <p:spPr/>
-        <p:txBody>
-          <a:bodyPr/>
-          <a:lstStyle/>
-          <a:p>
-            <a:pPr lvl="0"/>
-            <a:fld id="{004900ED-2EFD-2142-93A1-1CBA90FDE07B}" type="slidenum">
-              <a:rPr lang="en-US" altLang="ja-JP" smtClean="0"/>
-              <a:t>5</a:t>
-            </a:fld>
-            <a:endParaRPr lang="ja-JP" altLang="en-US"/>
-          </a:p>
-        </p:txBody>
-      </p:sp>
-      <p:sp>
-        <p:nvSpPr>
-          <p:cNvPr id="5" name="テキスト ボックス 4">
-            <a:extLst>
-              <a:ext uri="{FF2B5EF4-FFF2-40B4-BE49-F238E27FC236}">
-                <a16:creationId xmlns:a16="http://schemas.microsoft.com/office/drawing/2014/main" id="{B5E926CE-E6A3-15F0-0F1B-D31D8E1A2C0F}"/>
-              </a:ext>
-            </a:extLst>
-          </p:cNvPr>
-          <p:cNvSpPr txBox="1"/>
-          <p:nvPr/>
-        </p:nvSpPr>
-        <p:spPr>
-          <a:xfrm>
-            <a:off x="230587" y="1356765"/>
-            <a:ext cx="6984604" cy="1702517"/>
-          </a:xfrm>
-          <a:prstGeom prst="rect">
-            <a:avLst/>
-          </a:prstGeom>
-          <a:noFill/>
-        </p:spPr>
-        <p:txBody>
-          <a:bodyPr wrap="none" rtlCol="0">
-            <a:spAutoFit/>
-          </a:bodyPr>
-          <a:lstStyle/>
-          <a:p>
-            <a:pPr marL="342900" indent="-342900">
-              <a:lnSpc>
-                <a:spcPct val="150000"/>
-              </a:lnSpc>
-              <a:buFont typeface="Wingdings" pitchFamily="2" charset="2"/>
-              <a:buChar char="p"/>
-            </a:pPr>
-            <a:r>
-              <a:rPr kumimoji="1" lang="en-US" altLang="ja-JP" sz="2400" dirty="0" err="1"/>
-              <a:t>gaCNN</a:t>
-            </a:r>
-            <a:endParaRPr lang="en-US" altLang="ja-JP" sz="2400" dirty="0"/>
-          </a:p>
-          <a:p>
-            <a:pPr marL="800100" lvl="1" indent="-342900">
-              <a:lnSpc>
-                <a:spcPct val="150000"/>
-              </a:lnSpc>
-              <a:buFont typeface="Wingdings" pitchFamily="2" charset="2"/>
-              <a:buChar char="Ø"/>
-            </a:pPr>
-            <a:r>
-              <a:rPr kumimoji="1" lang="en-US" altLang="ja-JP" sz="2400" dirty="0"/>
-              <a:t>CNN </a:t>
-            </a:r>
-            <a:r>
-              <a:rPr kumimoji="1" lang="ja-JP" altLang="en-US" sz="2400"/>
-              <a:t>の構造の最適化に遺伝的アルゴリズム</a:t>
-            </a:r>
-            <a:br>
-              <a:rPr kumimoji="1" lang="en-US" altLang="ja-JP" sz="2400" dirty="0"/>
-            </a:br>
-            <a:r>
-              <a:rPr kumimoji="1" lang="en-US" altLang="ja-JP" sz="2400" dirty="0"/>
-              <a:t>(Genetic Algorithm: GA) </a:t>
-            </a:r>
-            <a:r>
-              <a:rPr kumimoji="1" lang="ja-JP" altLang="en-US" sz="2400"/>
-              <a:t>を利用</a:t>
-            </a:r>
-            <a:endParaRPr lang="en-US" altLang="ja-JP" sz="2400" dirty="0"/>
-          </a:p>
-        </p:txBody>
-      </p:sp>
-      <p:sp>
-        <p:nvSpPr>
-          <p:cNvPr id="6" name="テキスト ボックス 5">
-            <a:extLst>
-              <a:ext uri="{FF2B5EF4-FFF2-40B4-BE49-F238E27FC236}">
-                <a16:creationId xmlns:a16="http://schemas.microsoft.com/office/drawing/2014/main" id="{B7F097BE-2267-CD76-52E2-E71D8C82EE4B}"/>
-              </a:ext>
-            </a:extLst>
-          </p:cNvPr>
-          <p:cNvSpPr txBox="1"/>
-          <p:nvPr/>
-        </p:nvSpPr>
-        <p:spPr>
-          <a:xfrm>
-            <a:off x="230587" y="3112130"/>
-            <a:ext cx="7508787" cy="2256515"/>
-          </a:xfrm>
-          <a:prstGeom prst="rect">
-            <a:avLst/>
-          </a:prstGeom>
-          <a:noFill/>
-        </p:spPr>
-        <p:txBody>
-          <a:bodyPr wrap="none" rtlCol="0">
-            <a:spAutoFit/>
-          </a:bodyPr>
-          <a:lstStyle/>
-          <a:p>
-            <a:pPr marL="342900" indent="-342900">
-              <a:lnSpc>
-                <a:spcPct val="150000"/>
-              </a:lnSpc>
-              <a:buFont typeface="Wingdings" pitchFamily="2" charset="2"/>
-              <a:buChar char="p"/>
-            </a:pPr>
-            <a:r>
-              <a:rPr kumimoji="1" lang="en-US" altLang="ja-JP" sz="2400" dirty="0" err="1"/>
-              <a:t>tdgaCNN</a:t>
-            </a:r>
-            <a:endParaRPr lang="en-US" altLang="ja-JP" sz="2400" dirty="0"/>
-          </a:p>
-          <a:p>
-            <a:pPr marL="800100" lvl="1" indent="-342900">
-              <a:lnSpc>
-                <a:spcPct val="150000"/>
-              </a:lnSpc>
-              <a:buFont typeface="Wingdings" pitchFamily="2" charset="2"/>
-              <a:buChar char="Ø"/>
-            </a:pPr>
-            <a:r>
-              <a:rPr lang="en-US" altLang="ja-JP" sz="2400" dirty="0" err="1"/>
-              <a:t>gaCNN</a:t>
-            </a:r>
-            <a:r>
-              <a:rPr lang="en-US" altLang="ja-JP" sz="2400" dirty="0"/>
-              <a:t> </a:t>
-            </a:r>
-            <a:r>
-              <a:rPr lang="ja-JP" altLang="en-US" sz="2400"/>
-              <a:t>の拡張手法</a:t>
-            </a:r>
-            <a:endParaRPr lang="en-US" altLang="ja-JP" sz="2400" dirty="0"/>
-          </a:p>
-          <a:p>
-            <a:pPr marL="800100" lvl="1" indent="-342900">
-              <a:lnSpc>
-                <a:spcPct val="150000"/>
-              </a:lnSpc>
-              <a:buFont typeface="Wingdings" pitchFamily="2" charset="2"/>
-              <a:buChar char="Ø"/>
-            </a:pPr>
-            <a:r>
-              <a:rPr kumimoji="1" lang="ja-JP" altLang="en-US" sz="2400"/>
-              <a:t>熱力学的遺伝アルゴリズム</a:t>
-            </a:r>
-            <a:r>
-              <a:rPr kumimoji="1" lang="en-US" altLang="ja-JP" sz="2400" dirty="0"/>
-              <a:t> (Thermodynamical </a:t>
-            </a:r>
-            <a:br>
-              <a:rPr kumimoji="1" lang="en-US" altLang="ja-JP" sz="2400" dirty="0"/>
-            </a:br>
-            <a:r>
-              <a:rPr kumimoji="1" lang="en-US" altLang="ja-JP" sz="2400" dirty="0"/>
-              <a:t>Genetic Algorithm: TDGA) </a:t>
-            </a:r>
-            <a:r>
-              <a:rPr kumimoji="1" lang="ja-JP" altLang="en-US" sz="2400"/>
-              <a:t>を利用</a:t>
-            </a:r>
-          </a:p>
-        </p:txBody>
-      </p:sp>
-    </p:spTree>
-    <p:extLst>
-      <p:ext uri="{BB962C8B-B14F-4D97-AF65-F5344CB8AC3E}">
-        <p14:creationId xmlns:p14="http://schemas.microsoft.com/office/powerpoint/2010/main" val="918345529"/>
-      </p:ext>
-    </p:extLst>
-  </p:cSld>
-  <p:clrMapOvr>
-    <a:masterClrMapping/>
-  </p:clrMapOvr>
-</p:sld>
-</file>
-
-<file path=ppt/slides/slide6.xml><?xml version="1.0" encoding="utf-8"?>
-<p:sld xmlns:a="http://schemas.openxmlformats.org/drawingml/2006/main" xmlns:r="http://schemas.openxmlformats.org/officeDocument/2006/relationships" xmlns:p="http://schemas.openxmlformats.org/presentationml/2006/main">
-  <p:cSld>
-    <p:spTree>
-      <p:nvGrpSpPr>
-        <p:cNvPr id="1" name=""/>
-        <p:cNvGrpSpPr/>
-        <p:nvPr/>
-      </p:nvGrpSpPr>
-      <p:grpSpPr>
-        <a:xfrm>
-          <a:off x="0" y="0"/>
-          <a:ext cx="0" cy="0"/>
-          <a:chOff x="0" y="0"/>
-          <a:chExt cx="0" cy="0"/>
-        </a:xfrm>
-      </p:grpSpPr>
-      <p:sp>
-        <p:nvSpPr>
-          <p:cNvPr id="2" name="タイトル 1">
-            <a:extLst>
-              <a:ext uri="{FF2B5EF4-FFF2-40B4-BE49-F238E27FC236}">
-                <a16:creationId xmlns:a16="http://schemas.microsoft.com/office/drawing/2014/main" id="{D159CF40-CD8C-21A6-0A3D-8CF370B562A6}"/>
-              </a:ext>
-            </a:extLst>
-          </p:cNvPr>
-          <p:cNvSpPr>
-            <a:spLocks noGrp="1"/>
-          </p:cNvSpPr>
-          <p:nvPr>
-            <p:ph type="title"/>
-          </p:nvPr>
-        </p:nvSpPr>
-        <p:spPr/>
-        <p:txBody>
-          <a:bodyPr/>
-          <a:lstStyle/>
-          <a:p>
-            <a:r>
-              <a:rPr kumimoji="1" lang="ja-JP" altLang="en-US"/>
-              <a:t>はじめに</a:t>
-            </a:r>
-          </a:p>
-        </p:txBody>
-      </p:sp>
-      <p:sp>
-        <p:nvSpPr>
-          <p:cNvPr id="3" name="スライド番号プレースホルダー 2">
-            <a:extLst>
-              <a:ext uri="{FF2B5EF4-FFF2-40B4-BE49-F238E27FC236}">
-                <a16:creationId xmlns:a16="http://schemas.microsoft.com/office/drawing/2014/main" id="{37968868-915E-15E5-AB4E-1366F32A281D}"/>
-              </a:ext>
-            </a:extLst>
-          </p:cNvPr>
-          <p:cNvSpPr>
-            <a:spLocks noGrp="1"/>
-          </p:cNvSpPr>
-          <p:nvPr>
-            <p:ph type="sldNum" sz="quarter" idx="12"/>
-          </p:nvPr>
-        </p:nvSpPr>
-        <p:spPr/>
-        <p:txBody>
-          <a:bodyPr/>
-          <a:lstStyle/>
-          <a:p>
-            <a:pPr lvl="0"/>
-            <a:fld id="{004900ED-2EFD-2142-93A1-1CBA90FDE07B}" type="slidenum">
-              <a:rPr lang="en-US" altLang="ja-JP" smtClean="0"/>
-              <a:t>6</a:t>
-            </a:fld>
-            <a:endParaRPr lang="ja-JP" altLang="en-US"/>
-          </a:p>
-        </p:txBody>
-      </p:sp>
-      <p:grpSp>
-        <p:nvGrpSpPr>
-          <p:cNvPr id="9" name="グループ化 8">
-            <a:extLst>
-              <a:ext uri="{FF2B5EF4-FFF2-40B4-BE49-F238E27FC236}">
-                <a16:creationId xmlns:a16="http://schemas.microsoft.com/office/drawing/2014/main" id="{0761B48F-FD65-EDE8-7BBE-9EB7BE0E6142}"/>
-              </a:ext>
-            </a:extLst>
-          </p:cNvPr>
-          <p:cNvGrpSpPr/>
-          <p:nvPr/>
-        </p:nvGrpSpPr>
-        <p:grpSpPr>
-          <a:xfrm>
-            <a:off x="215805" y="1508209"/>
-            <a:ext cx="7042701" cy="3158101"/>
-            <a:chOff x="215805" y="1508209"/>
-            <a:chExt cx="7042701" cy="3158101"/>
-          </a:xfrm>
-        </p:grpSpPr>
-        <p:sp>
-          <p:nvSpPr>
-            <p:cNvPr id="4" name="テキスト ボックス 3">
-              <a:extLst>
-                <a:ext uri="{FF2B5EF4-FFF2-40B4-BE49-F238E27FC236}">
-                  <a16:creationId xmlns:a16="http://schemas.microsoft.com/office/drawing/2014/main" id="{C90B63DA-86FE-BCFD-909B-51617E6B3CDE}"/>
-                </a:ext>
-              </a:extLst>
-            </p:cNvPr>
-            <p:cNvSpPr txBox="1"/>
-            <p:nvPr/>
-          </p:nvSpPr>
-          <p:spPr>
-            <a:xfrm>
-              <a:off x="215805" y="1508209"/>
-              <a:ext cx="5891356" cy="1148520"/>
-            </a:xfrm>
-            <a:prstGeom prst="rect">
-              <a:avLst/>
-            </a:prstGeom>
-            <a:noFill/>
-          </p:spPr>
-          <p:txBody>
-            <a:bodyPr wrap="none" rtlCol="0">
-              <a:spAutoFit/>
-            </a:bodyPr>
-            <a:lstStyle/>
-            <a:p>
-              <a:pPr marL="800100" lvl="1" indent="-342900">
-                <a:lnSpc>
-                  <a:spcPct val="150000"/>
-                </a:lnSpc>
-                <a:buFont typeface="Wingdings" pitchFamily="2" charset="2"/>
-                <a:buChar char="p"/>
-              </a:pPr>
-              <a:r>
-                <a:rPr lang="en-US" altLang="ja-JP" sz="2400" dirty="0" err="1"/>
-                <a:t>tdgaCNN</a:t>
-              </a:r>
-              <a:r>
-                <a:rPr kumimoji="1" lang="en-US" altLang="ja-JP" sz="2400" dirty="0"/>
-                <a:t> </a:t>
-              </a:r>
-              <a:r>
-                <a:rPr lang="ja-JP" altLang="en-US" sz="2400"/>
-                <a:t>の探索フェーズ</a:t>
-              </a:r>
-              <a:endParaRPr lang="en-US" altLang="ja-JP" sz="2400" dirty="0"/>
-            </a:p>
-            <a:p>
-              <a:pPr marL="1257300" lvl="2" indent="-342900">
-                <a:lnSpc>
-                  <a:spcPct val="150000"/>
-                </a:lnSpc>
-                <a:buFont typeface="Wingdings" pitchFamily="2" charset="2"/>
-                <a:buChar char="Ø"/>
-              </a:pPr>
-              <a:r>
-                <a:rPr kumimoji="1" lang="ja-JP" altLang="en-US" sz="2400"/>
-                <a:t>従来</a:t>
-              </a:r>
-              <a:r>
-                <a:rPr kumimoji="1" lang="en-US" altLang="ja-JP" sz="2400" dirty="0"/>
-                <a:t>: </a:t>
-              </a:r>
-              <a:r>
-                <a:rPr kumimoji="1" lang="ja-JP" altLang="en-US" sz="2400"/>
-                <a:t>適応度評価エポック数は</a:t>
-              </a:r>
-              <a:r>
-                <a:rPr kumimoji="1" lang="en-US" altLang="ja-JP" sz="2400" dirty="0"/>
-                <a:t> 1</a:t>
-              </a:r>
-            </a:p>
-          </p:txBody>
-        </p:sp>
-        <p:grpSp>
-          <p:nvGrpSpPr>
-            <p:cNvPr id="8" name="グループ化 7">
-              <a:extLst>
-                <a:ext uri="{FF2B5EF4-FFF2-40B4-BE49-F238E27FC236}">
-                  <a16:creationId xmlns:a16="http://schemas.microsoft.com/office/drawing/2014/main" id="{E10EB885-B0A6-EB9E-320D-E864B720C16C}"/>
-                </a:ext>
-              </a:extLst>
-            </p:cNvPr>
-            <p:cNvGrpSpPr/>
-            <p:nvPr/>
-          </p:nvGrpSpPr>
-          <p:grpSpPr>
-            <a:xfrm>
-              <a:off x="302756" y="3050501"/>
-              <a:ext cx="6955750" cy="1615809"/>
-              <a:chOff x="302756" y="3050501"/>
-              <a:chExt cx="6955750" cy="1615809"/>
-            </a:xfrm>
-          </p:grpSpPr>
-          <p:sp>
-            <p:nvSpPr>
-              <p:cNvPr id="6" name="下矢印 5">
-                <a:extLst>
-                  <a:ext uri="{FF2B5EF4-FFF2-40B4-BE49-F238E27FC236}">
-                    <a16:creationId xmlns:a16="http://schemas.microsoft.com/office/drawing/2014/main" id="{641D2C59-30AC-2F7B-EB61-C4D45AA61F8A}"/>
-                  </a:ext>
-                </a:extLst>
-              </p:cNvPr>
-              <p:cNvSpPr/>
-              <p:nvPr/>
-            </p:nvSpPr>
-            <p:spPr>
-              <a:xfrm>
-                <a:off x="3199698" y="3050501"/>
-                <a:ext cx="1161866" cy="760372"/>
-              </a:xfrm>
-              <a:prstGeom prst="downArrow">
-                <a:avLst/>
-              </a:prstGeom>
-              <a:solidFill>
-                <a:schemeClr val="bg1"/>
-              </a:solidFill>
-              <a:ln>
-                <a:solidFill>
-                  <a:schemeClr val="tx1"/>
-                </a:solidFill>
-              </a:ln>
-            </p:spPr>
-            <p:style>
-              <a:lnRef idx="2">
-                <a:schemeClr val="accent1">
-                  <a:shade val="50000"/>
-                </a:schemeClr>
-              </a:lnRef>
-              <a:fillRef idx="1">
-                <a:schemeClr val="accent1"/>
-              </a:fillRef>
-              <a:effectRef idx="0">
-                <a:schemeClr val="accent1"/>
-              </a:effectRef>
-              <a:fontRef idx="minor">
-                <a:schemeClr val="lt1"/>
-              </a:fontRef>
-            </p:style>
-            <p:txBody>
-              <a:bodyPr rtlCol="0" anchor="ctr"/>
-              <a:lstStyle/>
-              <a:p>
-                <a:pPr algn="ctr"/>
-                <a:endParaRPr kumimoji="1" lang="ja-JP" altLang="en-US"/>
-              </a:p>
-            </p:txBody>
-          </p:sp>
-          <p:sp>
-            <p:nvSpPr>
-              <p:cNvPr id="7" name="テキスト ボックス 6">
-                <a:extLst>
-                  <a:ext uri="{FF2B5EF4-FFF2-40B4-BE49-F238E27FC236}">
-                    <a16:creationId xmlns:a16="http://schemas.microsoft.com/office/drawing/2014/main" id="{66E60276-A68F-1DA5-0667-D1BAF2B75ABA}"/>
-                  </a:ext>
-                </a:extLst>
-              </p:cNvPr>
-              <p:cNvSpPr txBox="1"/>
-              <p:nvPr/>
-            </p:nvSpPr>
-            <p:spPr>
-              <a:xfrm>
-                <a:off x="302756" y="4204645"/>
-                <a:ext cx="6955750" cy="461665"/>
-              </a:xfrm>
-              <a:prstGeom prst="rect">
-                <a:avLst/>
-              </a:prstGeom>
-              <a:noFill/>
-            </p:spPr>
-            <p:txBody>
-              <a:bodyPr wrap="none" rtlCol="0">
-                <a:spAutoFit/>
-              </a:bodyPr>
-              <a:lstStyle/>
-              <a:p>
-                <a:r>
-                  <a:rPr kumimoji="1" lang="ja-JP" altLang="en-US" sz="2400"/>
-                  <a:t>より良い個体が得られる適応度の</a:t>
-                </a:r>
-                <a:r>
-                  <a:rPr lang="ja-JP" altLang="en-US" sz="2400"/>
-                  <a:t>評価</a:t>
-                </a:r>
-                <a:r>
-                  <a:rPr kumimoji="1" lang="ja-JP" altLang="en-US" sz="2400"/>
-                  <a:t>方法を検討</a:t>
-                </a:r>
-              </a:p>
-            </p:txBody>
-          </p:sp>
-        </p:grpSp>
-      </p:grpSp>
-    </p:spTree>
-    <p:extLst>
-      <p:ext uri="{BB962C8B-B14F-4D97-AF65-F5344CB8AC3E}">
-        <p14:creationId xmlns:p14="http://schemas.microsoft.com/office/powerpoint/2010/main" val="1464039338"/>
-      </p:ext>
-    </p:extLst>
-  </p:cSld>
-  <p:clrMapOvr>
-    <a:masterClrMapping/>
-  </p:clrMapOvr>
-</p:sld>
-</file>
-
-<file path=ppt/slides/slide7.xml><?xml version="1.0" encoding="utf-8"?>
-<p:sld xmlns:a="http://schemas.openxmlformats.org/drawingml/2006/main" xmlns:r="http://schemas.openxmlformats.org/officeDocument/2006/relationships" xmlns:p="http://schemas.openxmlformats.org/presentationml/2006/main">
-  <p:cSld>
-    <p:spTree>
-      <p:nvGrpSpPr>
-        <p:cNvPr id="1" name=""/>
-        <p:cNvGrpSpPr/>
-        <p:nvPr/>
-      </p:nvGrpSpPr>
-      <p:grpSpPr>
-        <a:xfrm>
-          <a:off x="0" y="0"/>
-          <a:ext cx="0" cy="0"/>
-          <a:chOff x="0" y="0"/>
-          <a:chExt cx="0" cy="0"/>
-        </a:xfrm>
-      </p:grpSpPr>
-      <p:sp>
-        <p:nvSpPr>
-          <p:cNvPr id="2" name="タイトル 1">
-            <a:extLst>
-              <a:ext uri="{FF2B5EF4-FFF2-40B4-BE49-F238E27FC236}">
-                <a16:creationId xmlns:a16="http://schemas.microsoft.com/office/drawing/2014/main" id="{DA6841C3-0E6C-BFA1-5D04-4112F1117102}"/>
-              </a:ext>
-            </a:extLst>
-          </p:cNvPr>
-          <p:cNvSpPr>
-            <a:spLocks noGrp="1"/>
-          </p:cNvSpPr>
-          <p:nvPr>
-            <p:ph type="title"/>
-          </p:nvPr>
-        </p:nvSpPr>
-        <p:spPr/>
-        <p:txBody>
-          <a:bodyPr/>
-          <a:lstStyle/>
-          <a:p>
-            <a:r>
-              <a:rPr kumimoji="1" lang="ja-JP" altLang="en-US"/>
-              <a:t>目次</a:t>
-            </a:r>
-          </a:p>
-        </p:txBody>
-      </p:sp>
-      <p:sp>
-        <p:nvSpPr>
-          <p:cNvPr id="4" name="スライド番号プレースホルダー 3">
-            <a:extLst>
-              <a:ext uri="{FF2B5EF4-FFF2-40B4-BE49-F238E27FC236}">
-                <a16:creationId xmlns:a16="http://schemas.microsoft.com/office/drawing/2014/main" id="{20D20625-8135-BA1D-11A0-E3466265CE7C}"/>
-              </a:ext>
-            </a:extLst>
-          </p:cNvPr>
-          <p:cNvSpPr>
-            <a:spLocks noGrp="1"/>
-          </p:cNvSpPr>
-          <p:nvPr>
-            <p:ph type="sldNum" sz="quarter" idx="12"/>
-          </p:nvPr>
-        </p:nvSpPr>
-        <p:spPr/>
-        <p:txBody>
-          <a:bodyPr/>
-          <a:lstStyle/>
-          <a:p>
-            <a:pPr lvl="0"/>
-            <a:fld id="{004900ED-2EFD-2142-93A1-1CBA90FDE07B}" type="slidenum">
-              <a:rPr lang="en-US" altLang="ja-JP" smtClean="0"/>
-              <a:t>7</a:t>
-            </a:fld>
-            <a:endParaRPr lang="ja-JP" altLang="en-US"/>
-          </a:p>
-        </p:txBody>
-      </p:sp>
-      <p:sp>
-        <p:nvSpPr>
-          <p:cNvPr id="3" name="テキスト ボックス 2">
-            <a:extLst>
-              <a:ext uri="{FF2B5EF4-FFF2-40B4-BE49-F238E27FC236}">
-                <a16:creationId xmlns:a16="http://schemas.microsoft.com/office/drawing/2014/main" id="{CFCE3529-0348-FAC9-4C81-ACEA9BA72623}"/>
-              </a:ext>
-            </a:extLst>
-          </p:cNvPr>
-          <p:cNvSpPr txBox="1"/>
-          <p:nvPr/>
-        </p:nvSpPr>
-        <p:spPr>
-          <a:xfrm>
-            <a:off x="519837" y="1411535"/>
-            <a:ext cx="3877985" cy="3425168"/>
-          </a:xfrm>
-          <a:prstGeom prst="rect">
-            <a:avLst/>
-          </a:prstGeom>
-          <a:noFill/>
-        </p:spPr>
-        <p:txBody>
-          <a:bodyPr wrap="none" rtlCol="0">
-            <a:spAutoFit/>
-          </a:bodyPr>
-          <a:lstStyle/>
-          <a:p>
-            <a:pPr marL="457200" indent="-457200">
-              <a:lnSpc>
-                <a:spcPct val="200000"/>
-              </a:lnSpc>
-              <a:buFont typeface="Wingdings" pitchFamily="2" charset="2"/>
-              <a:buChar char="Ø"/>
-            </a:pPr>
-            <a:r>
-              <a:rPr lang="ja-JP" altLang="en-US" sz="2800">
-                <a:solidFill>
-                  <a:schemeClr val="bg2">
-                    <a:lumMod val="90000"/>
-                  </a:schemeClr>
-                </a:solidFill>
-              </a:rPr>
-              <a:t>はじめに</a:t>
-            </a:r>
-            <a:endParaRPr lang="en-US" altLang="ja-JP" sz="2800" dirty="0">
-              <a:solidFill>
-                <a:schemeClr val="bg2">
-                  <a:lumMod val="90000"/>
-                </a:schemeClr>
-              </a:solidFill>
-            </a:endParaRPr>
-          </a:p>
-          <a:p>
-            <a:pPr marL="457200" indent="-457200">
-              <a:lnSpc>
-                <a:spcPct val="200000"/>
-              </a:lnSpc>
-              <a:buFont typeface="Wingdings" pitchFamily="2" charset="2"/>
-              <a:buChar char="Ø"/>
-            </a:pPr>
-            <a:r>
-              <a:rPr lang="ja-JP" altLang="en-US" sz="2800"/>
-              <a:t>要素技術</a:t>
-            </a:r>
-            <a:endParaRPr lang="en-US" altLang="ja-JP" sz="2800" dirty="0"/>
-          </a:p>
-          <a:p>
-            <a:pPr marL="457200" indent="-457200">
-              <a:lnSpc>
-                <a:spcPct val="200000"/>
-              </a:lnSpc>
-              <a:buFont typeface="Wingdings" pitchFamily="2" charset="2"/>
-              <a:buChar char="Ø"/>
-            </a:pPr>
-            <a:r>
-              <a:rPr lang="ja-JP" altLang="en-US" sz="2800">
-                <a:solidFill>
-                  <a:schemeClr val="bg2">
-                    <a:lumMod val="90000"/>
-                  </a:schemeClr>
-                </a:solidFill>
-              </a:rPr>
-              <a:t>実験</a:t>
-            </a:r>
-            <a:endParaRPr lang="en-US" altLang="ja-JP" sz="2800" dirty="0">
-              <a:solidFill>
-                <a:schemeClr val="bg2">
-                  <a:lumMod val="90000"/>
-                </a:schemeClr>
-              </a:solidFill>
-            </a:endParaRPr>
-          </a:p>
-          <a:p>
-            <a:pPr marL="457200" indent="-457200">
-              <a:lnSpc>
-                <a:spcPct val="200000"/>
-              </a:lnSpc>
-              <a:buFont typeface="Wingdings" pitchFamily="2" charset="2"/>
-              <a:buChar char="Ø"/>
-            </a:pPr>
-            <a:r>
-              <a:rPr lang="ja-JP" altLang="en-US" sz="2800">
-                <a:solidFill>
-                  <a:schemeClr val="bg2">
-                    <a:lumMod val="90000"/>
-                  </a:schemeClr>
-                </a:solidFill>
-              </a:rPr>
-              <a:t>まとめと今後の課題</a:t>
-            </a:r>
-          </a:p>
-        </p:txBody>
-      </p:sp>
-    </p:spTree>
-    <p:extLst>
-      <p:ext uri="{BB962C8B-B14F-4D97-AF65-F5344CB8AC3E}">
-        <p14:creationId xmlns:p14="http://schemas.microsoft.com/office/powerpoint/2010/main" val="1017053572"/>
-      </p:ext>
-    </p:extLst>
-  </p:cSld>
-  <p:clrMapOvr>
-    <a:masterClrMapping/>
-  </p:clrMapOvr>
-</p:sld>
-</file>
-
-<file path=ppt/slides/slide8.xml><?xml version="1.0" encoding="utf-8"?>
-<p:sld xmlns:a="http://schemas.openxmlformats.org/drawingml/2006/main" xmlns:r="http://schemas.openxmlformats.org/officeDocument/2006/relationships" xmlns:p="http://schemas.openxmlformats.org/presentationml/2006/main">
-  <p:cSld>
-    <p:spTree>
-      <p:nvGrpSpPr>
-        <p:cNvPr id="1" name=""/>
-        <p:cNvGrpSpPr/>
-        <p:nvPr/>
-      </p:nvGrpSpPr>
-      <p:grpSpPr>
-        <a:xfrm>
-          <a:off x="0" y="0"/>
-          <a:ext cx="0" cy="0"/>
-          <a:chOff x="0" y="0"/>
-          <a:chExt cx="0" cy="0"/>
-        </a:xfrm>
-      </p:grpSpPr>
-      <p:sp>
-        <p:nvSpPr>
-          <p:cNvPr id="2" name="タイトル 1">
-            <a:extLst>
-              <a:ext uri="{FF2B5EF4-FFF2-40B4-BE49-F238E27FC236}">
-                <a16:creationId xmlns:a16="http://schemas.microsoft.com/office/drawing/2014/main" id="{D159CF40-CD8C-21A6-0A3D-8CF370B562A6}"/>
-              </a:ext>
-            </a:extLst>
-          </p:cNvPr>
-          <p:cNvSpPr>
-            <a:spLocks noGrp="1"/>
-          </p:cNvSpPr>
-          <p:nvPr>
-            <p:ph type="title"/>
-          </p:nvPr>
-        </p:nvSpPr>
-        <p:spPr/>
-        <p:txBody>
-          <a:bodyPr/>
-          <a:lstStyle/>
-          <a:p>
-            <a:r>
-              <a:rPr kumimoji="1" lang="ja-JP" altLang="en-US"/>
-              <a:t>遺伝的アルゴリズム</a:t>
-            </a:r>
-          </a:p>
-        </p:txBody>
-      </p:sp>
-      <p:sp>
-        <p:nvSpPr>
-          <p:cNvPr id="3" name="スライド番号プレースホルダー 2">
-            <a:extLst>
-              <a:ext uri="{FF2B5EF4-FFF2-40B4-BE49-F238E27FC236}">
-                <a16:creationId xmlns:a16="http://schemas.microsoft.com/office/drawing/2014/main" id="{37968868-915E-15E5-AB4E-1366F32A281D}"/>
-              </a:ext>
-            </a:extLst>
-          </p:cNvPr>
-          <p:cNvSpPr>
-            <a:spLocks noGrp="1"/>
-          </p:cNvSpPr>
-          <p:nvPr>
-            <p:ph type="sldNum" sz="quarter" idx="12"/>
-          </p:nvPr>
-        </p:nvSpPr>
-        <p:spPr/>
-        <p:txBody>
-          <a:bodyPr/>
-          <a:lstStyle/>
-          <a:p>
-            <a:pPr lvl="0"/>
-            <a:fld id="{004900ED-2EFD-2142-93A1-1CBA90FDE07B}" type="slidenum">
-              <a:rPr lang="en-US" altLang="ja-JP" smtClean="0"/>
-              <a:t>8</a:t>
-            </a:fld>
-            <a:endParaRPr lang="ja-JP" altLang="en-US"/>
-          </a:p>
-        </p:txBody>
-      </p:sp>
-      <p:sp>
-        <p:nvSpPr>
-          <p:cNvPr id="4" name="テキスト ボックス 3">
-            <a:extLst>
-              <a:ext uri="{FF2B5EF4-FFF2-40B4-BE49-F238E27FC236}">
-                <a16:creationId xmlns:a16="http://schemas.microsoft.com/office/drawing/2014/main" id="{C90B63DA-86FE-BCFD-909B-51617E6B3CDE}"/>
-              </a:ext>
-            </a:extLst>
-          </p:cNvPr>
-          <p:cNvSpPr txBox="1"/>
-          <p:nvPr/>
-        </p:nvSpPr>
-        <p:spPr>
-          <a:xfrm>
-            <a:off x="83018" y="1565028"/>
-            <a:ext cx="6886822" cy="594522"/>
-          </a:xfrm>
-          <a:prstGeom prst="rect">
-            <a:avLst/>
-          </a:prstGeom>
-          <a:noFill/>
-        </p:spPr>
-        <p:txBody>
-          <a:bodyPr wrap="none" rtlCol="0">
-            <a:spAutoFit/>
-          </a:bodyPr>
-          <a:lstStyle/>
-          <a:p>
-            <a:pPr lvl="1">
-              <a:lnSpc>
-                <a:spcPct val="150000"/>
-              </a:lnSpc>
-            </a:pPr>
-            <a:r>
-              <a:rPr kumimoji="1" lang="ja-JP" altLang="en-US" sz="2400"/>
-              <a:t>遺伝的アルゴリズム</a:t>
-            </a:r>
-            <a:r>
-              <a:rPr kumimoji="1" lang="en-US" altLang="ja-JP" sz="2400" dirty="0"/>
-              <a:t> (Genetic Algorithm: GA)</a:t>
-            </a:r>
-          </a:p>
-        </p:txBody>
-      </p:sp>
-      <p:sp>
-        <p:nvSpPr>
-          <p:cNvPr id="5" name="テキスト ボックス 4">
-            <a:extLst>
-              <a:ext uri="{FF2B5EF4-FFF2-40B4-BE49-F238E27FC236}">
-                <a16:creationId xmlns:a16="http://schemas.microsoft.com/office/drawing/2014/main" id="{6552DF41-280F-EBD5-7E3B-875A243D0221}"/>
-              </a:ext>
-            </a:extLst>
-          </p:cNvPr>
-          <p:cNvSpPr txBox="1"/>
-          <p:nvPr/>
-        </p:nvSpPr>
-        <p:spPr>
-          <a:xfrm>
-            <a:off x="519837" y="2326629"/>
-            <a:ext cx="6994222" cy="3077766"/>
-          </a:xfrm>
-          <a:prstGeom prst="rect">
-            <a:avLst/>
-          </a:prstGeom>
-          <a:noFill/>
-        </p:spPr>
-        <p:txBody>
-          <a:bodyPr wrap="none" rtlCol="0">
-            <a:spAutoFit/>
-          </a:bodyPr>
-          <a:lstStyle/>
-          <a:p>
-            <a:pPr marL="342900" indent="-342900">
-              <a:lnSpc>
-                <a:spcPct val="150000"/>
-              </a:lnSpc>
-              <a:buFont typeface="Wingdings" pitchFamily="2" charset="2"/>
-              <a:buChar char="p"/>
-            </a:pPr>
-            <a:r>
-              <a:rPr kumimoji="1" lang="ja-JP" altLang="en-US" sz="2400"/>
-              <a:t>生物の進化からヒントを得た最適化手法</a:t>
-            </a:r>
-            <a:endParaRPr kumimoji="1" lang="en-US" altLang="ja-JP" sz="1400" dirty="0"/>
-          </a:p>
-          <a:p>
-            <a:pPr marL="342900" indent="-342900">
-              <a:lnSpc>
-                <a:spcPct val="150000"/>
-              </a:lnSpc>
-              <a:buFont typeface="Wingdings" pitchFamily="2" charset="2"/>
-              <a:buChar char="p"/>
-            </a:pPr>
-            <a:r>
-              <a:rPr kumimoji="1" lang="ja-JP" altLang="en-US" sz="2400"/>
-              <a:t>解の遺伝子を表現する配列に</a:t>
-            </a:r>
-            <a:r>
-              <a:rPr lang="ja-JP" altLang="en-US" sz="2400"/>
-              <a:t>交叉，突然変異，</a:t>
-            </a:r>
-            <a:br>
-              <a:rPr lang="en-US" altLang="ja-JP" sz="2400" dirty="0"/>
-            </a:br>
-            <a:r>
-              <a:rPr lang="ja-JP" altLang="en-US" sz="2400"/>
-              <a:t>選択といった操作を繰り返し適用</a:t>
-            </a:r>
-            <a:endParaRPr lang="en-US" altLang="ja-JP" sz="1400" dirty="0"/>
-          </a:p>
-          <a:p>
-            <a:pPr marL="342900" indent="-342900">
-              <a:lnSpc>
-                <a:spcPct val="150000"/>
-              </a:lnSpc>
-              <a:buFont typeface="Wingdings" pitchFamily="2" charset="2"/>
-              <a:buChar char="p"/>
-            </a:pPr>
-            <a:r>
-              <a:rPr kumimoji="1" lang="ja-JP" altLang="en-US" sz="2400"/>
-              <a:t>各個体について適応度を計算し，</a:t>
-            </a:r>
-            <a:r>
-              <a:rPr lang="ja-JP" altLang="en-US" sz="2400"/>
-              <a:t>高いものを</a:t>
-            </a:r>
-            <a:br>
-              <a:rPr lang="en-US" altLang="ja-JP" sz="2400" dirty="0"/>
-            </a:br>
-            <a:r>
-              <a:rPr lang="ja-JP" altLang="en-US" sz="2400"/>
-              <a:t>次世代に残し，</a:t>
-            </a:r>
-            <a:r>
-              <a:rPr kumimoji="1" lang="ja-JP" altLang="en-US" sz="2400"/>
-              <a:t>低いものを淘汰</a:t>
-            </a:r>
-            <a:endParaRPr kumimoji="1" lang="en-US" altLang="ja-JP" sz="2400" dirty="0"/>
-          </a:p>
-          <a:p>
-            <a:pPr marL="285750" indent="-285750">
-              <a:buFont typeface="Wingdings" pitchFamily="2" charset="2"/>
-              <a:buChar char="p"/>
-            </a:pPr>
-            <a:endParaRPr lang="en-US" altLang="ja-JP" sz="1400" dirty="0"/>
-          </a:p>
-        </p:txBody>
-      </p:sp>
-    </p:spTree>
-    <p:extLst>
-      <p:ext uri="{BB962C8B-B14F-4D97-AF65-F5344CB8AC3E}">
-        <p14:creationId xmlns:p14="http://schemas.microsoft.com/office/powerpoint/2010/main" val="772153992"/>
+        <p14:creationId xmlns:p14="http://schemas.microsoft.com/office/powerpoint/2010/main" val="3002517143"/>
       </p:ext>
     </p:extLst>
   </p:cSld>
@@ -21498,7 +21985,7 @@
           <p:cNvPr id="2" name="タイトル 1">
             <a:extLst>
               <a:ext uri="{FF2B5EF4-FFF2-40B4-BE49-F238E27FC236}">
-                <a16:creationId xmlns:a16="http://schemas.microsoft.com/office/drawing/2014/main" id="{2569FC57-6D71-779F-E42A-A97CDA775201}"/>
+                <a16:creationId xmlns:a16="http://schemas.microsoft.com/office/drawing/2014/main" id="{D13ACCB2-F0D8-9910-A185-049176CEC202}"/>
               </a:ext>
             </a:extLst>
           </p:cNvPr>
@@ -21515,10 +22002,9 @@
           <a:lstStyle/>
           <a:p>
             <a:r>
-              <a:rPr lang="en-US" altLang="ja-JP" dirty="0" err="1"/>
-              <a:t>gaCNN</a:t>
-            </a:r>
-            <a:endParaRPr kumimoji="1" lang="ja-JP" altLang="en-US"/>
+              <a:rPr kumimoji="1" lang="ja-JP" altLang="en-US"/>
+              <a:t>畳み込みニューラルネットワーク</a:t>
+            </a:r>
           </a:p>
         </p:txBody>
       </p:sp>
@@ -21527,7 +22013,7 @@
           <p:cNvPr id="3" name="スライド番号プレースホルダー 2">
             <a:extLst>
               <a:ext uri="{FF2B5EF4-FFF2-40B4-BE49-F238E27FC236}">
-                <a16:creationId xmlns:a16="http://schemas.microsoft.com/office/drawing/2014/main" id="{6CC00B8C-81DD-663C-CA94-75367C1D6D61}"/>
+                <a16:creationId xmlns:a16="http://schemas.microsoft.com/office/drawing/2014/main" id="{E6023874-1B30-516C-F80E-1BB53829FD2D}"/>
               </a:ext>
             </a:extLst>
           </p:cNvPr>
@@ -21552,219 +22038,205 @@
           </a:p>
         </p:txBody>
       </p:sp>
-      <p:sp>
-        <p:nvSpPr>
-          <p:cNvPr id="4" name="テキスト ボックス 3">
+      <p:grpSp>
+        <p:nvGrpSpPr>
+          <p:cNvPr id="6" name="グループ化 5">
             <a:extLst>
               <a:ext uri="{FF2B5EF4-FFF2-40B4-BE49-F238E27FC236}">
-                <a16:creationId xmlns:a16="http://schemas.microsoft.com/office/drawing/2014/main" id="{25A4C493-2CAF-EE11-F549-AE982F7E8644}"/>
+                <a16:creationId xmlns:a16="http://schemas.microsoft.com/office/drawing/2014/main" id="{A707F0D3-3C48-58B3-0913-37D48857CABE}"/>
               </a:ext>
             </a:extLst>
           </p:cNvPr>
-          <p:cNvSpPr txBox="1"/>
+          <p:cNvGrpSpPr/>
           <p:nvPr/>
-        </p:nvSpPr>
-        <p:spPr>
+        </p:nvGrpSpPr>
+        <p:grpSpPr>
           <a:xfrm>
-            <a:off x="519837" y="1730604"/>
-            <a:ext cx="6506909" cy="1569660"/>
+            <a:off x="400969" y="1554186"/>
+            <a:ext cx="5873724" cy="3108543"/>
+            <a:chOff x="400969" y="1554186"/>
+            <a:chExt cx="5873724" cy="3108543"/>
           </a:xfrm>
-          <a:prstGeom prst="rect">
-            <a:avLst/>
-          </a:prstGeom>
-          <a:noFill/>
-        </p:spPr>
-        <p:txBody>
-          <a:bodyPr wrap="none" rtlCol="0">
-            <a:spAutoFit/>
-          </a:bodyPr>
-          <a:lstStyle/>
-          <a:p>
-            <a:pPr marL="342900" indent="-342900">
-              <a:lnSpc>
-                <a:spcPct val="150000"/>
-              </a:lnSpc>
-              <a:buFont typeface="Wingdings" pitchFamily="2" charset="2"/>
-              <a:buChar char="p"/>
-            </a:pPr>
-            <a:r>
-              <a:rPr kumimoji="1" lang="en-US" altLang="ja-JP" sz="2400" dirty="0"/>
-              <a:t>CNN </a:t>
-            </a:r>
-            <a:r>
-              <a:rPr kumimoji="1" lang="ja-JP" altLang="en-US" sz="2400"/>
-              <a:t>の構造を遺伝子符号化</a:t>
-            </a:r>
-            <a:endParaRPr lang="en-US" altLang="ja-JP" sz="1400" dirty="0"/>
-          </a:p>
-          <a:p>
-            <a:pPr marL="342900" indent="-342900">
-              <a:lnSpc>
-                <a:spcPct val="150000"/>
-              </a:lnSpc>
-              <a:buFont typeface="Wingdings" pitchFamily="2" charset="2"/>
-              <a:buChar char="p"/>
-            </a:pPr>
-            <a:r>
-              <a:rPr kumimoji="1" lang="en-US" altLang="ja-JP" sz="2400" dirty="0"/>
-              <a:t>GA </a:t>
-            </a:r>
-            <a:r>
-              <a:rPr kumimoji="1" lang="ja-JP" altLang="en-US" sz="2400"/>
-              <a:t>による探索でより良い</a:t>
-            </a:r>
-            <a:r>
-              <a:rPr kumimoji="1" lang="en-US" altLang="ja-JP" sz="2400" dirty="0"/>
-              <a:t> CNN </a:t>
-            </a:r>
-            <a:r>
-              <a:rPr kumimoji="1" lang="ja-JP" altLang="en-US" sz="2400"/>
-              <a:t>構造を獲得</a:t>
-            </a:r>
-            <a:endParaRPr kumimoji="1" lang="en-US" altLang="ja-JP" sz="2400" dirty="0"/>
-          </a:p>
-          <a:p>
-            <a:pPr marL="285750" indent="-285750">
-              <a:buFont typeface="Wingdings" pitchFamily="2" charset="2"/>
-              <a:buChar char="p"/>
-            </a:pPr>
-            <a:endParaRPr kumimoji="1" lang="ja-JP" altLang="en-US" sz="2400"/>
-          </a:p>
-        </p:txBody>
-      </p:sp>
-      <p:sp>
-        <p:nvSpPr>
-          <p:cNvPr id="5" name="テキスト ボックス 4">
-            <a:extLst>
-              <a:ext uri="{FF2B5EF4-FFF2-40B4-BE49-F238E27FC236}">
-                <a16:creationId xmlns:a16="http://schemas.microsoft.com/office/drawing/2014/main" id="{D327552B-2FE4-7995-DE95-FF10AE14B4B8}"/>
-              </a:ext>
-            </a:extLst>
-          </p:cNvPr>
-          <p:cNvSpPr txBox="1"/>
-          <p:nvPr/>
-        </p:nvSpPr>
-        <p:spPr>
-          <a:xfrm>
-            <a:off x="144627" y="4722473"/>
-            <a:ext cx="7257327" cy="830997"/>
-          </a:xfrm>
-          <a:prstGeom prst="rect">
-            <a:avLst/>
-          </a:prstGeom>
-          <a:noFill/>
-          <a:ln>
-            <a:solidFill>
-              <a:schemeClr val="tx1"/>
-            </a:solidFill>
-          </a:ln>
-        </p:spPr>
-        <p:txBody>
-          <a:bodyPr wrap="square" rtlCol="0">
-            <a:spAutoFit/>
-          </a:bodyPr>
-          <a:lstStyle/>
-          <a:p>
-            <a:r>
-              <a:rPr kumimoji="1" lang="de" altLang="ja-JP" sz="1200" dirty="0"/>
-              <a:t>R. de Lima Mendes, A. H. da Silva Alves, M. de Souza Gomes, P. Luiz Lima </a:t>
-            </a:r>
-            <a:r>
-              <a:rPr kumimoji="1" lang="de" altLang="ja-JP" sz="1200" dirty="0" err="1"/>
-              <a:t>Bertarini</a:t>
-            </a:r>
-            <a:r>
-              <a:rPr kumimoji="1" lang="de" altLang="ja-JP" sz="1200" dirty="0"/>
-              <a:t> and L. R. do Amaral, "</a:t>
-            </a:r>
-            <a:r>
-              <a:rPr kumimoji="1" lang="de" altLang="ja-JP" sz="1200" dirty="0" err="1"/>
-              <a:t>gaCNN</a:t>
-            </a:r>
-            <a:r>
-              <a:rPr kumimoji="1" lang="de" altLang="ja-JP" sz="1200" dirty="0"/>
-              <a:t>: </a:t>
-            </a:r>
-            <a:r>
-              <a:rPr kumimoji="1" lang="de" altLang="ja-JP" sz="1200" dirty="0" err="1"/>
-              <a:t>Composing</a:t>
-            </a:r>
-            <a:r>
-              <a:rPr kumimoji="1" lang="de" altLang="ja-JP" sz="1200" dirty="0"/>
-              <a:t> CNNs and GAs </a:t>
-            </a:r>
-            <a:r>
-              <a:rPr kumimoji="1" lang="de" altLang="ja-JP" sz="1200" dirty="0" err="1"/>
-              <a:t>to</a:t>
-            </a:r>
-            <a:r>
-              <a:rPr kumimoji="1" lang="de" altLang="ja-JP" sz="1200" dirty="0"/>
-              <a:t> </a:t>
-            </a:r>
-            <a:r>
-              <a:rPr kumimoji="1" lang="de" altLang="ja-JP" sz="1200" dirty="0" err="1"/>
-              <a:t>Build</a:t>
-            </a:r>
-            <a:r>
-              <a:rPr kumimoji="1" lang="de" altLang="ja-JP" sz="1200" dirty="0"/>
-              <a:t> an </a:t>
-            </a:r>
-            <a:r>
-              <a:rPr kumimoji="1" lang="de" altLang="ja-JP" sz="1200" dirty="0" err="1"/>
-              <a:t>Optimized</a:t>
-            </a:r>
-            <a:r>
-              <a:rPr kumimoji="1" lang="de" altLang="ja-JP" sz="1200" dirty="0"/>
-              <a:t> Hybrid Classification Architecture," 2021 IEEE </a:t>
-            </a:r>
-            <a:r>
-              <a:rPr kumimoji="1" lang="de" altLang="ja-JP" sz="1200" dirty="0" err="1"/>
-              <a:t>Congress</a:t>
-            </a:r>
-            <a:r>
-              <a:rPr kumimoji="1" lang="de" altLang="ja-JP" sz="1200" dirty="0"/>
-              <a:t> on </a:t>
-            </a:r>
-            <a:r>
-              <a:rPr kumimoji="1" lang="de" altLang="ja-JP" sz="1200" dirty="0" err="1"/>
-              <a:t>Evolutionary</a:t>
-            </a:r>
-            <a:r>
-              <a:rPr kumimoji="1" lang="de" altLang="ja-JP" sz="1200" dirty="0"/>
-              <a:t> </a:t>
-            </a:r>
-            <a:r>
-              <a:rPr kumimoji="1" lang="de" altLang="ja-JP" sz="1200" dirty="0" err="1"/>
-              <a:t>Computation</a:t>
-            </a:r>
-            <a:r>
-              <a:rPr kumimoji="1" lang="de" altLang="ja-JP" sz="1200" dirty="0"/>
-              <a:t> (CEC), Kraków, </a:t>
-            </a:r>
-            <a:r>
-              <a:rPr kumimoji="1" lang="de" altLang="ja-JP" sz="1200" dirty="0" err="1"/>
-              <a:t>Poland</a:t>
-            </a:r>
-            <a:r>
-              <a:rPr kumimoji="1" lang="de" altLang="ja-JP" sz="1200" dirty="0"/>
-              <a:t>, 2021, pp. 79-86, </a:t>
-            </a:r>
-            <a:r>
-              <a:rPr kumimoji="1" lang="de" altLang="ja-JP" sz="1200" dirty="0" err="1"/>
-              <a:t>doi</a:t>
-            </a:r>
-            <a:r>
-              <a:rPr kumimoji="1" lang="de" altLang="ja-JP" sz="1200" dirty="0"/>
-              <a:t>: 10.1109/CEC45853.2021.9504850.</a:t>
-            </a:r>
-            <a:endParaRPr kumimoji="1" lang="ja-JP" altLang="en-US" sz="1200"/>
-          </a:p>
-        </p:txBody>
-      </p:sp>
+        </p:grpSpPr>
+        <p:sp>
+          <p:nvSpPr>
+            <p:cNvPr id="4" name="テキスト ボックス 3">
+              <a:extLst>
+                <a:ext uri="{FF2B5EF4-FFF2-40B4-BE49-F238E27FC236}">
+                  <a16:creationId xmlns:a16="http://schemas.microsoft.com/office/drawing/2014/main" id="{7F593EA1-4CA3-7E6D-FBDC-DC4A246DF213}"/>
+                </a:ext>
+              </a:extLst>
+            </p:cNvPr>
+            <p:cNvSpPr txBox="1"/>
+            <p:nvPr/>
+          </p:nvSpPr>
+          <p:spPr>
+            <a:xfrm>
+              <a:off x="400969" y="1554186"/>
+              <a:ext cx="5873724" cy="3108543"/>
+            </a:xfrm>
+            <a:prstGeom prst="rect">
+              <a:avLst/>
+            </a:prstGeom>
+            <a:noFill/>
+          </p:spPr>
+          <p:txBody>
+            <a:bodyPr wrap="none" rtlCol="0">
+              <a:spAutoFit/>
+            </a:bodyPr>
+            <a:lstStyle/>
+            <a:p>
+              <a:pPr marL="342900" indent="-342900">
+                <a:buFont typeface="Wingdings" pitchFamily="2" charset="2"/>
+                <a:buChar char="p"/>
+              </a:pPr>
+              <a:r>
+                <a:rPr kumimoji="1" lang="ja-JP" altLang="en-US" sz="2400"/>
+                <a:t>畳み込みニューラルネットワーク</a:t>
+              </a:r>
+              <a:br>
+                <a:rPr kumimoji="1" lang="en-US" altLang="ja-JP" sz="2400" dirty="0"/>
+              </a:br>
+              <a:r>
+                <a:rPr lang="en-US" altLang="ja-JP" sz="2400" dirty="0">
+                  <a:cs typeface="Times New Roman" panose="02020603050405020304" pitchFamily="18" charset="0"/>
+                </a:rPr>
+                <a:t>(Convolutional Neural Network: CNN)</a:t>
+              </a:r>
+            </a:p>
+            <a:p>
+              <a:pPr marL="800100" lvl="1" indent="-342900">
+                <a:buFont typeface="Wingdings" pitchFamily="2" charset="2"/>
+                <a:buChar char="Ø"/>
+              </a:pPr>
+              <a:r>
+                <a:rPr lang="en-US" altLang="ja-JP" sz="2400" dirty="0">
+                  <a:cs typeface="Times New Roman" panose="02020603050405020304" pitchFamily="18" charset="0"/>
+                </a:rPr>
+                <a:t>3 </a:t>
+              </a:r>
+              <a:r>
+                <a:rPr lang="ja-JP" altLang="en-US" sz="2400">
+                  <a:cs typeface="Times New Roman" panose="02020603050405020304" pitchFamily="18" charset="0"/>
+                </a:rPr>
+                <a:t>種類の層</a:t>
+              </a:r>
+              <a:endParaRPr lang="en-US" altLang="ja-JP" sz="2400" dirty="0">
+                <a:cs typeface="Times New Roman" panose="02020603050405020304" pitchFamily="18" charset="0"/>
+              </a:endParaRPr>
+            </a:p>
+            <a:p>
+              <a:pPr marL="1257300" lvl="2" indent="-342900">
+                <a:buFont typeface="Wingdings" pitchFamily="2" charset="2"/>
+                <a:buChar char="ü"/>
+              </a:pPr>
+              <a:r>
+                <a:rPr lang="ja-JP" altLang="en-US" sz="2400">
+                  <a:cs typeface="Times New Roman" panose="02020603050405020304" pitchFamily="18" charset="0"/>
+                </a:rPr>
+                <a:t>畳み込み層</a:t>
+              </a:r>
+              <a:endParaRPr lang="en-US" altLang="ja-JP" sz="2400" dirty="0">
+                <a:cs typeface="Times New Roman" panose="02020603050405020304" pitchFamily="18" charset="0"/>
+              </a:endParaRPr>
+            </a:p>
+            <a:p>
+              <a:pPr marL="1257300" lvl="2" indent="-342900">
+                <a:buFont typeface="Wingdings" pitchFamily="2" charset="2"/>
+                <a:buChar char="ü"/>
+              </a:pPr>
+              <a:r>
+                <a:rPr lang="ja-JP" altLang="en-US" sz="2400">
+                  <a:cs typeface="Times New Roman" panose="02020603050405020304" pitchFamily="18" charset="0"/>
+                </a:rPr>
+                <a:t>プーリング層</a:t>
+              </a:r>
+              <a:endParaRPr lang="en-US" altLang="ja-JP" sz="2400" dirty="0">
+                <a:cs typeface="Times New Roman" panose="02020603050405020304" pitchFamily="18" charset="0"/>
+              </a:endParaRPr>
+            </a:p>
+            <a:p>
+              <a:pPr marL="1257300" lvl="2" indent="-342900">
+                <a:buFont typeface="Wingdings" pitchFamily="2" charset="2"/>
+                <a:buChar char="ü"/>
+              </a:pPr>
+              <a:r>
+                <a:rPr lang="ja-JP" altLang="en-US" sz="2400">
+                  <a:cs typeface="Times New Roman" panose="02020603050405020304" pitchFamily="18" charset="0"/>
+                </a:rPr>
+                <a:t>全結合層</a:t>
+              </a:r>
+              <a:endParaRPr lang="en-US" altLang="ja-JP" sz="2400" dirty="0">
+                <a:cs typeface="Times New Roman" panose="02020603050405020304" pitchFamily="18" charset="0"/>
+              </a:endParaRPr>
+            </a:p>
+            <a:p>
+              <a:pPr lvl="2"/>
+              <a:endParaRPr lang="en-US" altLang="ja-JP" sz="2400" dirty="0">
+                <a:cs typeface="Times New Roman" panose="02020603050405020304" pitchFamily="18" charset="0"/>
+              </a:endParaRPr>
+            </a:p>
+            <a:p>
+              <a:endParaRPr kumimoji="1" lang="ja-JP" altLang="en-US" sz="2800"/>
+            </a:p>
+          </p:txBody>
+        </p:sp>
+        <p:sp>
+          <p:nvSpPr>
+            <p:cNvPr id="5" name="テキスト ボックス 4">
+              <a:extLst>
+                <a:ext uri="{FF2B5EF4-FFF2-40B4-BE49-F238E27FC236}">
+                  <a16:creationId xmlns:a16="http://schemas.microsoft.com/office/drawing/2014/main" id="{FEB004EA-2679-E5E4-BC5D-23EE9D0D30BD}"/>
+                </a:ext>
+              </a:extLst>
+            </p:cNvPr>
+            <p:cNvSpPr txBox="1"/>
+            <p:nvPr/>
+          </p:nvSpPr>
+          <p:spPr>
+            <a:xfrm>
+              <a:off x="872028" y="3831732"/>
+              <a:ext cx="2627642" cy="830997"/>
+            </a:xfrm>
+            <a:prstGeom prst="rect">
+              <a:avLst/>
+            </a:prstGeom>
+            <a:noFill/>
+          </p:spPr>
+          <p:txBody>
+            <a:bodyPr wrap="none" rtlCol="0">
+              <a:spAutoFit/>
+            </a:bodyPr>
+            <a:lstStyle/>
+            <a:p>
+              <a:pPr marL="285750" indent="-285750">
+                <a:buFont typeface="Wingdings" pitchFamily="2" charset="2"/>
+                <a:buChar char="Ø"/>
+              </a:pPr>
+              <a:r>
+                <a:rPr kumimoji="1" lang="ja-JP" altLang="en-US" sz="2400"/>
+                <a:t>活性化関数</a:t>
+              </a:r>
+              <a:endParaRPr kumimoji="1" lang="en-US" altLang="ja-JP" sz="2400" dirty="0"/>
+            </a:p>
+            <a:p>
+              <a:pPr marL="285750" indent="-285750">
+                <a:buFont typeface="Wingdings" pitchFamily="2" charset="2"/>
+                <a:buChar char="Ø"/>
+              </a:pPr>
+              <a:r>
+                <a:rPr lang="ja-JP" altLang="en-US" sz="2400"/>
+                <a:t>各種パラメータ</a:t>
+              </a:r>
+              <a:endParaRPr kumimoji="1" lang="ja-JP" altLang="en-US" sz="2400"/>
+            </a:p>
+          </p:txBody>
+        </p:sp>
+      </p:grpSp>
     </p:spTree>
     <p:extLst>
       <p:ext uri="{BB962C8B-B14F-4D97-AF65-F5344CB8AC3E}">
-        <p14:creationId xmlns:p14="http://schemas.microsoft.com/office/powerpoint/2010/main" val="3561767430"/>
+        <p14:creationId xmlns:p14="http://schemas.microsoft.com/office/powerpoint/2010/main" val="1767065687"/>
       </p:ext>
     </p:extLst>
   </p:cSld>

--- a/prsn/20230124_prsn_taira.pptx
+++ b/prsn/20230124_prsn_taira.pptx
@@ -2901,7 +2901,7 @@
             </a:r>
             <a:r>
               <a:rPr lang="ja-JP" altLang="en-US" sz="2000"/>
-              <a:t>探索序盤と終盤のどちらで適応度評価エポック数が多く設定するとよい個体を獲得できるかかを調査しました</a:t>
+              <a:t>探索序盤と終盤のどちらで適応度評価エポック数を多く設定するとよい個体を獲得できるかかを調査しました</a:t>
             </a:r>
             <a:r>
               <a:rPr kumimoji="1" lang="ja-JP" altLang="en-US"/>

--- a/prsn/20230124_prsn_taira.pptx
+++ b/prsn/20230124_prsn_taira.pptx
@@ -4089,6 +4089,343 @@
               <a:rPr kumimoji="1" lang="ja-JP" altLang="en-US"/>
               <a:t>以上で発表を終わります，ご清聴ありがとうございました．</a:t>
             </a:r>
+            <a:endParaRPr kumimoji="1" lang="en-US" altLang="ja-JP" dirty="0"/>
+          </a:p>
+          <a:p>
+            <a:pPr marL="216000" marR="0" lvl="0" indent="-216000" defTabSz="914400" rtl="0" eaLnBrk="1" fontAlgn="auto" latinLnBrk="0" hangingPunct="0">
+              <a:lnSpc>
+                <a:spcPct val="100000"/>
+              </a:lnSpc>
+              <a:spcBef>
+                <a:spcPts val="0"/>
+              </a:spcBef>
+              <a:spcAft>
+                <a:spcPts val="0"/>
+              </a:spcAft>
+              <a:buClrTx/>
+              <a:buSzTx/>
+              <a:buFontTx/>
+              <a:buNone/>
+              <a:tabLst/>
+              <a:defRPr/>
+            </a:pPr>
+            <a:r>
+              <a:rPr lang="ja-JP" altLang="en-US">
+                <a:effectLst/>
+                <a:latin typeface="Hiragino Sans" panose="020B0400000000000000" pitchFamily="34" charset="-128"/>
+                <a:ea typeface="Hiragino Sans" panose="020B0400000000000000" pitchFamily="34" charset="-128"/>
+              </a:rPr>
+              <a:t>どこにオリジナリティがあるか</a:t>
+            </a:r>
+            <a:r>
+              <a:rPr lang="en-US" altLang="ja-JP" dirty="0">
+                <a:effectLst/>
+                <a:latin typeface="Hiragino Sans" panose="020B0400000000000000" pitchFamily="34" charset="-128"/>
+                <a:ea typeface="Hiragino Sans" panose="020B0400000000000000" pitchFamily="34" charset="-128"/>
+              </a:rPr>
+              <a:t> → </a:t>
+            </a:r>
+            <a:r>
+              <a:rPr lang="ja-JP" altLang="en-US">
+                <a:effectLst/>
+                <a:latin typeface="Hiragino Sans" panose="020B0400000000000000" pitchFamily="34" charset="-128"/>
+                <a:ea typeface="Hiragino Sans" panose="020B0400000000000000" pitchFamily="34" charset="-128"/>
+              </a:rPr>
+              <a:t>先行研究では適応度評価エポック数を</a:t>
+            </a:r>
+            <a:r>
+              <a:rPr lang="en-US" altLang="ja-JP" dirty="0">
+                <a:effectLst/>
+                <a:latin typeface="Hiragino Sans" panose="020B0400000000000000" pitchFamily="34" charset="-128"/>
+                <a:ea typeface="Hiragino Sans" panose="020B0400000000000000" pitchFamily="34" charset="-128"/>
+              </a:rPr>
+              <a:t> 1 </a:t>
+            </a:r>
+            <a:r>
+              <a:rPr lang="ja-JP" altLang="en-US">
+                <a:effectLst/>
+                <a:latin typeface="Hiragino Sans" panose="020B0400000000000000" pitchFamily="34" charset="-128"/>
+                <a:ea typeface="Hiragino Sans" panose="020B0400000000000000" pitchFamily="34" charset="-128"/>
+              </a:rPr>
+              <a:t>として</a:t>
+            </a:r>
+            <a:r>
+              <a:rPr lang="en-US" altLang="ja-JP" dirty="0">
+                <a:effectLst/>
+                <a:latin typeface="Hiragino Sans" panose="020B0400000000000000" pitchFamily="34" charset="-128"/>
+                <a:ea typeface="Hiragino Sans" panose="020B0400000000000000" pitchFamily="34" charset="-128"/>
+              </a:rPr>
+              <a:t> </a:t>
+            </a:r>
+            <a:r>
+              <a:rPr lang="en-US" altLang="ja-JP" dirty="0" err="1">
+                <a:effectLst/>
+                <a:latin typeface="Hiragino Sans" panose="020B0400000000000000" pitchFamily="34" charset="-128"/>
+                <a:ea typeface="Hiragino Sans" panose="020B0400000000000000" pitchFamily="34" charset="-128"/>
+              </a:rPr>
+              <a:t>tdgaCNN</a:t>
+            </a:r>
+            <a:r>
+              <a:rPr lang="en-US" altLang="ja-JP" dirty="0">
+                <a:effectLst/>
+                <a:latin typeface="Hiragino Sans" panose="020B0400000000000000" pitchFamily="34" charset="-128"/>
+                <a:ea typeface="Hiragino Sans" panose="020B0400000000000000" pitchFamily="34" charset="-128"/>
+              </a:rPr>
+              <a:t> </a:t>
+            </a:r>
+            <a:r>
+              <a:rPr lang="ja-JP" altLang="en-US">
+                <a:effectLst/>
+                <a:latin typeface="Hiragino Sans" panose="020B0400000000000000" pitchFamily="34" charset="-128"/>
+                <a:ea typeface="Hiragino Sans" panose="020B0400000000000000" pitchFamily="34" charset="-128"/>
+              </a:rPr>
+              <a:t>を実行していたが，本実験では色々なエポック数で実験したこと．</a:t>
+            </a:r>
+            <a:endParaRPr lang="en-US" altLang="ja-JP" dirty="0">
+              <a:effectLst/>
+              <a:latin typeface="Hiragino Sans" panose="020B0400000000000000" pitchFamily="34" charset="-128"/>
+              <a:ea typeface="Hiragino Sans" panose="020B0400000000000000" pitchFamily="34" charset="-128"/>
+            </a:endParaRPr>
+          </a:p>
+          <a:p>
+            <a:pPr marL="216000" marR="0" lvl="0" indent="-216000" defTabSz="914400" rtl="0" eaLnBrk="1" fontAlgn="auto" latinLnBrk="0" hangingPunct="0">
+              <a:lnSpc>
+                <a:spcPct val="100000"/>
+              </a:lnSpc>
+              <a:spcBef>
+                <a:spcPts val="0"/>
+              </a:spcBef>
+              <a:spcAft>
+                <a:spcPts val="0"/>
+              </a:spcAft>
+              <a:buClrTx/>
+              <a:buSzTx/>
+              <a:buFontTx/>
+              <a:buNone/>
+              <a:tabLst/>
+              <a:defRPr/>
+            </a:pPr>
+            <a:r>
+              <a:rPr lang="ja-JP" altLang="en-US">
+                <a:effectLst/>
+                <a:latin typeface="Hiragino Sans" panose="020B0400000000000000" pitchFamily="34" charset="-128"/>
+                <a:ea typeface="Hiragino Sans" panose="020B0400000000000000" pitchFamily="34" charset="-128"/>
+              </a:rPr>
+              <a:t>力を入れたところ</a:t>
+            </a:r>
+            <a:r>
+              <a:rPr lang="en-US" altLang="ja-JP" dirty="0">
+                <a:effectLst/>
+                <a:latin typeface="Hiragino Sans" panose="020B0400000000000000" pitchFamily="34" charset="-128"/>
+                <a:ea typeface="Hiragino Sans" panose="020B0400000000000000" pitchFamily="34" charset="-128"/>
+              </a:rPr>
+              <a:t> → </a:t>
+            </a:r>
+            <a:r>
+              <a:rPr lang="en-US" altLang="ja-JP" dirty="0" err="1">
+                <a:effectLst/>
+                <a:latin typeface="Hiragino Sans" panose="020B0400000000000000" pitchFamily="34" charset="-128"/>
+                <a:ea typeface="Hiragino Sans" panose="020B0400000000000000" pitchFamily="34" charset="-128"/>
+              </a:rPr>
+              <a:t>tdgaCNN</a:t>
+            </a:r>
+            <a:r>
+              <a:rPr lang="en-US" altLang="ja-JP" dirty="0">
+                <a:effectLst/>
+                <a:latin typeface="Hiragino Sans" panose="020B0400000000000000" pitchFamily="34" charset="-128"/>
+                <a:ea typeface="Hiragino Sans" panose="020B0400000000000000" pitchFamily="34" charset="-128"/>
+              </a:rPr>
+              <a:t> </a:t>
+            </a:r>
+            <a:r>
+              <a:rPr lang="ja-JP" altLang="en-US">
+                <a:effectLst/>
+                <a:latin typeface="Hiragino Sans" panose="020B0400000000000000" pitchFamily="34" charset="-128"/>
+                <a:ea typeface="Hiragino Sans" panose="020B0400000000000000" pitchFamily="34" charset="-128"/>
+              </a:rPr>
+              <a:t>の改善点として，ハイパーパラメータが多いというものが挙げられる．その点を改善するために，</a:t>
+            </a:r>
+            <a:r>
+              <a:rPr lang="en-US" altLang="ja-JP" dirty="0">
+                <a:effectLst/>
+                <a:latin typeface="Hiragino Sans" panose="020B0400000000000000" pitchFamily="34" charset="-128"/>
+                <a:ea typeface="Hiragino Sans" panose="020B0400000000000000" pitchFamily="34" charset="-128"/>
+              </a:rPr>
+              <a:t>(</a:t>
+            </a:r>
+            <a:r>
+              <a:rPr lang="ja-JP" altLang="en-US">
+                <a:effectLst/>
+                <a:latin typeface="Hiragino Sans" panose="020B0400000000000000" pitchFamily="34" charset="-128"/>
+                <a:ea typeface="Hiragino Sans" panose="020B0400000000000000" pitchFamily="34" charset="-128"/>
+              </a:rPr>
+              <a:t>世代数と</a:t>
+            </a:r>
+            <a:r>
+              <a:rPr lang="en-US" altLang="ja-JP" dirty="0">
+                <a:effectLst/>
+                <a:latin typeface="Hiragino Sans" panose="020B0400000000000000" pitchFamily="34" charset="-128"/>
+                <a:ea typeface="Hiragino Sans" panose="020B0400000000000000" pitchFamily="34" charset="-128"/>
+              </a:rPr>
+              <a:t>) </a:t>
+            </a:r>
+            <a:r>
+              <a:rPr lang="ja-JP" altLang="en-US">
+                <a:effectLst/>
+                <a:latin typeface="Hiragino Sans" panose="020B0400000000000000" pitchFamily="34" charset="-128"/>
+                <a:ea typeface="Hiragino Sans" panose="020B0400000000000000" pitchFamily="34" charset="-128"/>
+              </a:rPr>
+              <a:t>適応度評価エポック数の性質を調べて，ハイパーパラメータ設定にかかる労力を少しでも減らそうとしたところ．</a:t>
+            </a:r>
+            <a:endParaRPr lang="en-US" altLang="ja-JP" dirty="0">
+              <a:effectLst/>
+              <a:latin typeface="Hiragino Sans" panose="020B0400000000000000" pitchFamily="34" charset="-128"/>
+              <a:ea typeface="Hiragino Sans" panose="020B0400000000000000" pitchFamily="34" charset="-128"/>
+            </a:endParaRPr>
+          </a:p>
+          <a:p>
+            <a:pPr marL="216000" marR="0" lvl="0" indent="-216000" defTabSz="914400" rtl="0" eaLnBrk="1" fontAlgn="auto" latinLnBrk="0" hangingPunct="0">
+              <a:lnSpc>
+                <a:spcPct val="100000"/>
+              </a:lnSpc>
+              <a:spcBef>
+                <a:spcPts val="0"/>
+              </a:spcBef>
+              <a:spcAft>
+                <a:spcPts val="0"/>
+              </a:spcAft>
+              <a:buClrTx/>
+              <a:buSzTx/>
+              <a:buFontTx/>
+              <a:buNone/>
+              <a:tabLst/>
+              <a:defRPr/>
+            </a:pPr>
+            <a:r>
+              <a:rPr lang="ja-JP" altLang="en-US">
+                <a:effectLst/>
+                <a:latin typeface="Hiragino Sans" panose="020B0400000000000000" pitchFamily="34" charset="-128"/>
+                <a:ea typeface="Hiragino Sans" panose="020B0400000000000000" pitchFamily="34" charset="-128"/>
+              </a:rPr>
+              <a:t>大変だったこと</a:t>
+            </a:r>
+            <a:r>
+              <a:rPr lang="en-US" altLang="ja-JP" dirty="0">
+                <a:effectLst/>
+                <a:latin typeface="Hiragino Sans" panose="020B0400000000000000" pitchFamily="34" charset="-128"/>
+                <a:ea typeface="Hiragino Sans" panose="020B0400000000000000" pitchFamily="34" charset="-128"/>
+              </a:rPr>
+              <a:t> →</a:t>
+            </a:r>
+            <a:r>
+              <a:rPr lang="ja-JP" altLang="en-US">
+                <a:effectLst/>
+                <a:latin typeface="Hiragino Sans" panose="020B0400000000000000" pitchFamily="34" charset="-128"/>
+                <a:ea typeface="Hiragino Sans" panose="020B0400000000000000" pitchFamily="34" charset="-128"/>
+              </a:rPr>
+              <a:t>一度の</a:t>
+            </a:r>
+            <a:r>
+              <a:rPr lang="en-US" altLang="ja-JP" dirty="0">
+                <a:effectLst/>
+                <a:latin typeface="Hiragino Sans" panose="020B0400000000000000" pitchFamily="34" charset="-128"/>
+                <a:ea typeface="Hiragino Sans" panose="020B0400000000000000" pitchFamily="34" charset="-128"/>
+              </a:rPr>
+              <a:t> </a:t>
+            </a:r>
+            <a:r>
+              <a:rPr lang="en-US" altLang="ja-JP" dirty="0" err="1">
+                <a:effectLst/>
+                <a:latin typeface="Hiragino Sans" panose="020B0400000000000000" pitchFamily="34" charset="-128"/>
+                <a:ea typeface="Hiragino Sans" panose="020B0400000000000000" pitchFamily="34" charset="-128"/>
+              </a:rPr>
+              <a:t>tdgaCNN</a:t>
+            </a:r>
+            <a:r>
+              <a:rPr lang="en-US" altLang="ja-JP" dirty="0">
+                <a:effectLst/>
+                <a:latin typeface="Hiragino Sans" panose="020B0400000000000000" pitchFamily="34" charset="-128"/>
+                <a:ea typeface="Hiragino Sans" panose="020B0400000000000000" pitchFamily="34" charset="-128"/>
+              </a:rPr>
+              <a:t> </a:t>
+            </a:r>
+            <a:r>
+              <a:rPr lang="ja-JP" altLang="en-US">
+                <a:effectLst/>
+                <a:latin typeface="Hiragino Sans" panose="020B0400000000000000" pitchFamily="34" charset="-128"/>
+                <a:ea typeface="Hiragino Sans" panose="020B0400000000000000" pitchFamily="34" charset="-128"/>
+              </a:rPr>
+              <a:t>実行に約</a:t>
+            </a:r>
+            <a:r>
+              <a:rPr lang="en-US" altLang="ja-JP" dirty="0">
+                <a:effectLst/>
+                <a:latin typeface="Hiragino Sans" panose="020B0400000000000000" pitchFamily="34" charset="-128"/>
+                <a:ea typeface="Hiragino Sans" panose="020B0400000000000000" pitchFamily="34" charset="-128"/>
+              </a:rPr>
+              <a:t> 2 </a:t>
+            </a:r>
+            <a:r>
+              <a:rPr lang="ja-JP" altLang="en-US">
+                <a:effectLst/>
+                <a:latin typeface="Hiragino Sans" panose="020B0400000000000000" pitchFamily="34" charset="-128"/>
+                <a:ea typeface="Hiragino Sans" panose="020B0400000000000000" pitchFamily="34" charset="-128"/>
+              </a:rPr>
+              <a:t>日かかるので，期日に間に合わせるために常に実験を回している状態にしていたこと．</a:t>
+            </a:r>
+            <a:endParaRPr lang="en-US" altLang="ja-JP" dirty="0">
+              <a:effectLst/>
+              <a:latin typeface="Hiragino Sans" panose="020B0400000000000000" pitchFamily="34" charset="-128"/>
+              <a:ea typeface="Hiragino Sans" panose="020B0400000000000000" pitchFamily="34" charset="-128"/>
+            </a:endParaRPr>
+          </a:p>
+          <a:p>
+            <a:pPr marL="216000" marR="0" lvl="0" indent="-216000" defTabSz="914400" rtl="0" eaLnBrk="1" fontAlgn="auto" latinLnBrk="0" hangingPunct="0">
+              <a:lnSpc>
+                <a:spcPct val="100000"/>
+              </a:lnSpc>
+              <a:spcBef>
+                <a:spcPts val="0"/>
+              </a:spcBef>
+              <a:spcAft>
+                <a:spcPts val="0"/>
+              </a:spcAft>
+              <a:buClrTx/>
+              <a:buSzTx/>
+              <a:buFontTx/>
+              <a:buNone/>
+              <a:tabLst/>
+              <a:defRPr/>
+            </a:pPr>
+            <a:r>
+              <a:rPr lang="ja-JP" altLang="en-US">
+                <a:effectLst/>
+                <a:latin typeface="Hiragino Sans" panose="020B0400000000000000" pitchFamily="34" charset="-128"/>
+                <a:ea typeface="Hiragino Sans" panose="020B0400000000000000" pitchFamily="34" charset="-128"/>
+              </a:rPr>
+              <a:t>今後について　</a:t>
+            </a:r>
+            <a:r>
+              <a:rPr lang="en-US" altLang="ja-JP" dirty="0">
+                <a:effectLst/>
+                <a:latin typeface="Hiragino Sans" panose="020B0400000000000000" pitchFamily="34" charset="-128"/>
+                <a:ea typeface="Hiragino Sans" panose="020B0400000000000000" pitchFamily="34" charset="-128"/>
+              </a:rPr>
+              <a:t>→ </a:t>
+            </a:r>
+            <a:r>
+              <a:rPr lang="ja-JP" altLang="en-US">
+                <a:effectLst/>
+                <a:latin typeface="Hiragino Sans" panose="020B0400000000000000" pitchFamily="34" charset="-128"/>
+                <a:ea typeface="Hiragino Sans" panose="020B0400000000000000" pitchFamily="34" charset="-128"/>
+              </a:rPr>
+              <a:t>今後の課題の通り</a:t>
+            </a:r>
+            <a:endParaRPr lang="en-US" altLang="ja-JP" dirty="0">
+              <a:effectLst/>
+              <a:latin typeface="Hiragino Sans" panose="020B0400000000000000" pitchFamily="34" charset="-128"/>
+              <a:ea typeface="Hiragino Sans" panose="020B0400000000000000" pitchFamily="34" charset="-128"/>
+            </a:endParaRPr>
           </a:p>
         </p:txBody>
       </p:sp>

--- a/prsn/20230124_prsn_taira.pptx
+++ b/prsn/20230124_prsn_taira.pptx
@@ -2291,7 +2291,7 @@
             </a:r>
             <a:r>
               <a:rPr kumimoji="1" lang="ja-JP" altLang="en-US"/>
-              <a:t>となるように設定して，様々な適応度評価エポック数で実験しました．この式に従うことで，</a:t>
+              <a:t>となるように設定して，様々な適応度評価エポック数で実験し，最終的な最良個体に及ぼす影響について調査しました．この式に従うことで，</a:t>
             </a:r>
             <a:r>
               <a:rPr kumimoji="1" lang="en-US" altLang="ja-JP" sz="2000" dirty="0"/>
@@ -11796,9 +11796,9 @@
         <p:grpSpPr>
           <a:xfrm>
             <a:off x="519837" y="1547102"/>
-            <a:ext cx="6851773" cy="3873249"/>
+            <a:ext cx="6851773" cy="4175746"/>
             <a:chOff x="519837" y="1547102"/>
-            <a:chExt cx="6851773" cy="3873249"/>
+            <a:chExt cx="6851773" cy="4175746"/>
           </a:xfrm>
         </p:grpSpPr>
         <p:sp>
@@ -11965,10 +11965,10 @@
           </p:nvGrpSpPr>
           <p:grpSpPr>
             <a:xfrm>
-              <a:off x="519837" y="4220022"/>
-              <a:ext cx="6676828" cy="1200329"/>
-              <a:chOff x="519837" y="4220022"/>
-              <a:chExt cx="6676828" cy="1200329"/>
+              <a:off x="526501" y="4153188"/>
+              <a:ext cx="6676828" cy="1569660"/>
+              <a:chOff x="526501" y="4153188"/>
+              <a:chExt cx="6676828" cy="1569660"/>
             </a:xfrm>
           </p:grpSpPr>
           <p:sp>
@@ -11985,8 +11985,8 @@
             </p:nvSpPr>
             <p:spPr>
               <a:xfrm>
-                <a:off x="519837" y="4220022"/>
-                <a:ext cx="6676828" cy="1200329"/>
+                <a:off x="526501" y="4153188"/>
+                <a:ext cx="6676828" cy="1569660"/>
               </a:xfrm>
               <a:prstGeom prst="rect">
                 <a:avLst/>
@@ -11998,6 +11998,17 @@
                 <a:spAutoFit/>
               </a:bodyPr>
               <a:lstStyle/>
+              <a:p>
+                <a:pPr marL="800100" lvl="1" indent="-342900">
+                  <a:buFont typeface="Wingdings" pitchFamily="2" charset="2"/>
+                  <a:buChar char="Ø"/>
+                </a:pPr>
+                <a:r>
+                  <a:rPr kumimoji="1" lang="ja-JP" altLang="en-US" sz="2400"/>
+                  <a:t>最終的な最良個体に及ぼす影響を調査</a:t>
+                </a:r>
+                <a:endParaRPr kumimoji="1" lang="en-US" altLang="ja-JP" sz="2400" dirty="0"/>
+              </a:p>
               <a:p>
                 <a:pPr marL="800100" lvl="1" indent="-342900">
                   <a:buFont typeface="Wingdings" pitchFamily="2" charset="2"/>
@@ -12063,7 +12074,7 @@
             </p:blipFill>
             <p:spPr>
               <a:xfrm>
-                <a:off x="2373814" y="4654807"/>
+                <a:off x="2323123" y="4938018"/>
                 <a:ext cx="1028029" cy="316027"/>
               </a:xfrm>
               <a:prstGeom prst="rect">
@@ -12109,6 +12120,38 @@
               <a:rPr kumimoji="1" lang="ja-JP" altLang="en-US" sz="2400"/>
               <a:t>本実験</a:t>
             </a:r>
+          </a:p>
+        </p:txBody>
+      </p:sp>
+      <p:sp>
+        <p:nvSpPr>
+          <p:cNvPr id="7" name="テキスト ボックス 6">
+            <a:extLst>
+              <a:ext uri="{FF2B5EF4-FFF2-40B4-BE49-F238E27FC236}">
+                <a16:creationId xmlns:a16="http://schemas.microsoft.com/office/drawing/2014/main" id="{DF44833B-890E-0328-D5C0-219E43A72653}"/>
+              </a:ext>
+            </a:extLst>
+          </p:cNvPr>
+          <p:cNvSpPr txBox="1"/>
+          <p:nvPr/>
+        </p:nvSpPr>
+        <p:spPr>
+          <a:xfrm>
+            <a:off x="9398643" y="3646025"/>
+            <a:ext cx="184731" cy="369332"/>
+          </a:xfrm>
+          <a:prstGeom prst="rect">
+            <a:avLst/>
+          </a:prstGeom>
+          <a:noFill/>
+        </p:spPr>
+        <p:txBody>
+          <a:bodyPr wrap="none" rtlCol="0">
+            <a:spAutoFit/>
+          </a:bodyPr>
+          <a:lstStyle/>
+          <a:p>
+            <a:endParaRPr kumimoji="1" lang="ja-JP" altLang="en-US"/>
           </a:p>
         </p:txBody>
       </p:sp>

--- a/prsn/20230124_prsn_taira.pptx
+++ b/prsn/20230124_prsn_taira.pptx
@@ -3542,7 +3542,7 @@
             </a:r>
             <a:r>
               <a:rPr kumimoji="1" lang="ja-JP" altLang="en-US"/>
-              <a:t>エポックである本学習直前に相対的に多いエポック数で評価すると本学習でも良い性能を発揮できるということが考察できます．</a:t>
+              <a:t>エポックである本学習直前に相対的に多いエポック数で評価すると本学習でも良い性能を発揮できる個体を選択できるということが考察できます．</a:t>
             </a:r>
           </a:p>
         </p:txBody>
@@ -12120,38 +12120,6 @@
               <a:rPr kumimoji="1" lang="ja-JP" altLang="en-US" sz="2400"/>
               <a:t>本実験</a:t>
             </a:r>
-          </a:p>
-        </p:txBody>
-      </p:sp>
-      <p:sp>
-        <p:nvSpPr>
-          <p:cNvPr id="7" name="テキスト ボックス 6">
-            <a:extLst>
-              <a:ext uri="{FF2B5EF4-FFF2-40B4-BE49-F238E27FC236}">
-                <a16:creationId xmlns:a16="http://schemas.microsoft.com/office/drawing/2014/main" id="{DF44833B-890E-0328-D5C0-219E43A72653}"/>
-              </a:ext>
-            </a:extLst>
-          </p:cNvPr>
-          <p:cNvSpPr txBox="1"/>
-          <p:nvPr/>
-        </p:nvSpPr>
-        <p:spPr>
-          <a:xfrm>
-            <a:off x="9398643" y="3646025"/>
-            <a:ext cx="184731" cy="369332"/>
-          </a:xfrm>
-          <a:prstGeom prst="rect">
-            <a:avLst/>
-          </a:prstGeom>
-          <a:noFill/>
-        </p:spPr>
-        <p:txBody>
-          <a:bodyPr wrap="none" rtlCol="0">
-            <a:spAutoFit/>
-          </a:bodyPr>
-          <a:lstStyle/>
-          <a:p>
-            <a:endParaRPr kumimoji="1" lang="ja-JP" altLang="en-US"/>
           </a:p>
         </p:txBody>
       </p:sp>
@@ -19526,8 +19494,8 @@
         </p:nvSpPr>
         <p:spPr>
           <a:xfrm>
-            <a:off x="519837" y="4004903"/>
-            <a:ext cx="6774611" cy="1200329"/>
+            <a:off x="126298" y="4016478"/>
+            <a:ext cx="7390165" cy="1200329"/>
           </a:xfrm>
           <a:prstGeom prst="rect">
             <a:avLst/>
@@ -19580,7 +19548,7 @@
             </a:r>
             <a:r>
               <a:rPr lang="ja-JP" altLang="en-US" sz="2400"/>
-              <a:t>本学習でも良い性能を発揮</a:t>
+              <a:t>本学習でも良い性能を発揮する個体を選択可能</a:t>
             </a:r>
             <a:endParaRPr kumimoji="1" lang="ja-JP" altLang="en-US" sz="2400"/>
           </a:p>

--- a/prsn/20230124_prsn_taira.pptx
+++ b/prsn/20230124_prsn_taira.pptx
@@ -3630,7 +3630,7 @@
           <a:p>
             <a:r>
               <a:rPr kumimoji="1" lang="ja-JP" altLang="en-US"/>
-              <a:t>本日はこのような流れで発表します．</a:t>
+              <a:t>はじめに，</a:t>
             </a:r>
           </a:p>
         </p:txBody>
